--- a/Presentation/2015 - Microsoft Azure.pptx
+++ b/Presentation/2015 - Microsoft Azure.pptx
@@ -685,12 +685,12 @@
         </c:dLbls>
         <c:gapWidth val="150"/>
         <c:shape val="box"/>
-        <c:axId val="-1613363472"/>
-        <c:axId val="-1613364560"/>
+        <c:axId val="-1814246544"/>
+        <c:axId val="-1814249808"/>
         <c:axId val="0"/>
       </c:bar3DChart>
       <c:catAx>
-        <c:axId val="-1613363472"/>
+        <c:axId val="-1814246544"/>
         <c:scaling>
           <c:orientation val="minMax"/>
         </c:scaling>
@@ -741,7 +741,7 @@
             <a:endParaRPr lang="ru-RU"/>
           </a:p>
         </c:txPr>
-        <c:crossAx val="-1613364560"/>
+        <c:crossAx val="-1814249808"/>
         <c:crosses val="autoZero"/>
         <c:auto val="1"/>
         <c:lblAlgn val="ctr"/>
@@ -749,7 +749,7 @@
         <c:noMultiLvlLbl val="0"/>
       </c:catAx>
       <c:valAx>
-        <c:axId val="-1613364560"/>
+        <c:axId val="-1814249808"/>
         <c:scaling>
           <c:orientation val="minMax"/>
           <c:max val="1"/>
@@ -803,7 +803,7 @@
             <a:endParaRPr lang="ru-RU"/>
           </a:p>
         </c:txPr>
-        <c:crossAx val="-1613363472"/>
+        <c:crossAx val="-1814246544"/>
         <c:crosses val="autoZero"/>
         <c:crossBetween val="between"/>
       </c:valAx>
@@ -898,715 +898,6 @@
 </file>
 
 <file path=ppt/charts/chart2.xml><?xml version="1.0" encoding="utf-8"?>
-<c:chartSpace xmlns:c="http://schemas.openxmlformats.org/drawingml/2006/chart" xmlns:a="http://schemas.openxmlformats.org/drawingml/2006/main" xmlns:r="http://schemas.openxmlformats.org/officeDocument/2006/relationships">
-  <c:date1904 val="0"/>
-  <c:lang val="en-US"/>
-  <c:roundedCorners val="0"/>
-  <mc:AlternateContent xmlns:mc="http://schemas.openxmlformats.org/markup-compatibility/2006">
-    <mc:Choice xmlns:c14="http://schemas.microsoft.com/office/drawing/2007/8/2/chart" Requires="c14">
-      <c14:style val="102"/>
-    </mc:Choice>
-    <mc:Fallback>
-      <c:style val="2"/>
-    </mc:Fallback>
-  </mc:AlternateContent>
-  <c:chart>
-    <c:autoTitleDeleted val="1"/>
-    <c:view3D>
-      <c:rotX val="15"/>
-      <c:rotY val="20"/>
-      <c:depthPercent val="100"/>
-      <c:rAngAx val="1"/>
-    </c:view3D>
-    <c:floor>
-      <c:thickness val="0"/>
-      <c:spPr>
-        <a:noFill/>
-        <a:ln>
-          <a:noFill/>
-        </a:ln>
-        <a:effectLst/>
-        <a:sp3d/>
-      </c:spPr>
-    </c:floor>
-    <c:sideWall>
-      <c:thickness val="0"/>
-      <c:spPr>
-        <a:noFill/>
-        <a:ln>
-          <a:noFill/>
-        </a:ln>
-        <a:effectLst/>
-        <a:sp3d/>
-      </c:spPr>
-    </c:sideWall>
-    <c:backWall>
-      <c:thickness val="0"/>
-      <c:spPr>
-        <a:noFill/>
-        <a:ln>
-          <a:noFill/>
-        </a:ln>
-        <a:effectLst/>
-        <a:sp3d/>
-      </c:spPr>
-    </c:backWall>
-    <c:plotArea>
-      <c:layout/>
-      <c:bar3DChart>
-        <c:barDir val="bar"/>
-        <c:grouping val="stacked"/>
-        <c:varyColors val="0"/>
-        <c:ser>
-          <c:idx val="0"/>
-          <c:order val="0"/>
-          <c:tx>
-            <c:strRef>
-              <c:f>Sheet1!$B$1</c:f>
-              <c:strCache>
-                <c:ptCount val="1"/>
-                <c:pt idx="0">
-                  <c:v>Running apps</c:v>
-                </c:pt>
-              </c:strCache>
-            </c:strRef>
-          </c:tx>
-          <c:spPr>
-            <a:solidFill>
-              <a:schemeClr val="accent1"/>
-            </a:solidFill>
-            <a:ln>
-              <a:noFill/>
-            </a:ln>
-            <a:effectLst/>
-            <a:sp3d/>
-          </c:spPr>
-          <c:invertIfNegative val="0"/>
-          <c:dLbls>
-            <c:numFmt formatCode="0%" sourceLinked="0"/>
-            <c:spPr>
-              <a:noFill/>
-              <a:ln>
-                <a:noFill/>
-              </a:ln>
-              <a:effectLst/>
-            </c:spPr>
-            <c:txPr>
-              <a:bodyPr rot="0" spcFirstLastPara="1" vertOverflow="ellipsis" vert="horz" wrap="square" lIns="38100" tIns="19050" rIns="38100" bIns="19050" anchor="ctr" anchorCtr="1">
-                <a:spAutoFit/>
-              </a:bodyPr>
-              <a:lstStyle/>
-              <a:p>
-                <a:pPr>
-                  <a:defRPr sz="1197" b="0" i="0" u="none" strike="noStrike" kern="1200" baseline="0">
-                    <a:solidFill>
-                      <a:schemeClr val="tx1">
-                        <a:lumMod val="75000"/>
-                        <a:lumOff val="25000"/>
-                      </a:schemeClr>
-                    </a:solidFill>
-                    <a:latin typeface="+mn-lt"/>
-                    <a:ea typeface="+mn-ea"/>
-                    <a:cs typeface="+mn-cs"/>
-                  </a:defRPr>
-                </a:pPr>
-                <a:endParaRPr lang="ru-RU"/>
-              </a:p>
-            </c:txPr>
-            <c:showLegendKey val="0"/>
-            <c:showVal val="1"/>
-            <c:showCatName val="0"/>
-            <c:showSerName val="0"/>
-            <c:showPercent val="0"/>
-            <c:showBubbleSize val="0"/>
-            <c:showLeaderLines val="0"/>
-            <c:extLst>
-              <c:ext xmlns:c15="http://schemas.microsoft.com/office/drawing/2012/chart" uri="{CE6537A1-D6FC-4f65-9D91-7224C49458BB}">
-                <c15:layout/>
-                <c15:showLeaderLines val="1"/>
-                <c15:leaderLines>
-                  <c:spPr>
-                    <a:ln w="9525" cap="flat" cmpd="sng" algn="ctr">
-                      <a:solidFill>
-                        <a:schemeClr val="tx1">
-                          <a:lumMod val="35000"/>
-                          <a:lumOff val="65000"/>
-                        </a:schemeClr>
-                      </a:solidFill>
-                      <a:round/>
-                    </a:ln>
-                    <a:effectLst/>
-                  </c:spPr>
-                </c15:leaderLines>
-              </c:ext>
-            </c:extLst>
-          </c:dLbls>
-          <c:cat>
-            <c:strRef>
-              <c:f>Sheet1!$A$2:$A$9</c:f>
-              <c:strCache>
-                <c:ptCount val="8"/>
-                <c:pt idx="0">
-                  <c:v>AWS</c:v>
-                </c:pt>
-                <c:pt idx="1">
-                  <c:v>Azure IaaS</c:v>
-                </c:pt>
-                <c:pt idx="2">
-                  <c:v>Azure PaaS</c:v>
-                </c:pt>
-                <c:pt idx="3">
-                  <c:v>Rackspace Public Cloud</c:v>
-                </c:pt>
-                <c:pt idx="4">
-                  <c:v>Vmware vCloud Air</c:v>
-                </c:pt>
-                <c:pt idx="5">
-                  <c:v>Google App Engine</c:v>
-                </c:pt>
-                <c:pt idx="6">
-                  <c:v>Google IaaS</c:v>
-                </c:pt>
-                <c:pt idx="7">
-                  <c:v>IB SoftLayer</c:v>
-                </c:pt>
-              </c:strCache>
-            </c:strRef>
-          </c:cat>
-          <c:val>
-            <c:numRef>
-              <c:f>Sheet1!$B$2:$B$9</c:f>
-              <c:numCache>
-                <c:formatCode>General</c:formatCode>
-                <c:ptCount val="8"/>
-                <c:pt idx="0">
-                  <c:v>0.5</c:v>
-                </c:pt>
-                <c:pt idx="1">
-                  <c:v>0.19</c:v>
-                </c:pt>
-                <c:pt idx="2">
-                  <c:v>0.15</c:v>
-                </c:pt>
-                <c:pt idx="3">
-                  <c:v>0.1</c:v>
-                </c:pt>
-                <c:pt idx="4">
-                  <c:v>0.1</c:v>
-                </c:pt>
-                <c:pt idx="5">
-                  <c:v>0.09</c:v>
-                </c:pt>
-                <c:pt idx="6">
-                  <c:v>7.0000000000000007E-2</c:v>
-                </c:pt>
-                <c:pt idx="7">
-                  <c:v>0.06</c:v>
-                </c:pt>
-              </c:numCache>
-            </c:numRef>
-          </c:val>
-        </c:ser>
-        <c:ser>
-          <c:idx val="1"/>
-          <c:order val="1"/>
-          <c:tx>
-            <c:strRef>
-              <c:f>Sheet1!$C$1</c:f>
-              <c:strCache>
-                <c:ptCount val="1"/>
-                <c:pt idx="0">
-                  <c:v>Experimenting</c:v>
-                </c:pt>
-              </c:strCache>
-            </c:strRef>
-          </c:tx>
-          <c:spPr>
-            <a:solidFill>
-              <a:schemeClr val="accent2"/>
-            </a:solidFill>
-            <a:ln>
-              <a:noFill/>
-            </a:ln>
-            <a:effectLst/>
-            <a:sp3d/>
-          </c:spPr>
-          <c:invertIfNegative val="0"/>
-          <c:dLbls>
-            <c:numFmt formatCode="0%" sourceLinked="0"/>
-            <c:spPr>
-              <a:noFill/>
-              <a:ln>
-                <a:noFill/>
-              </a:ln>
-              <a:effectLst/>
-            </c:spPr>
-            <c:txPr>
-              <a:bodyPr rot="0" spcFirstLastPara="1" vertOverflow="ellipsis" vert="horz" wrap="square" lIns="38100" tIns="19050" rIns="38100" bIns="19050" anchor="ctr" anchorCtr="1">
-                <a:spAutoFit/>
-              </a:bodyPr>
-              <a:lstStyle/>
-              <a:p>
-                <a:pPr>
-                  <a:defRPr sz="1197" b="0" i="0" u="none" strike="noStrike" kern="1200" baseline="0">
-                    <a:solidFill>
-                      <a:schemeClr val="tx1">
-                        <a:lumMod val="75000"/>
-                        <a:lumOff val="25000"/>
-                      </a:schemeClr>
-                    </a:solidFill>
-                    <a:latin typeface="+mn-lt"/>
-                    <a:ea typeface="+mn-ea"/>
-                    <a:cs typeface="+mn-cs"/>
-                  </a:defRPr>
-                </a:pPr>
-                <a:endParaRPr lang="ru-RU"/>
-              </a:p>
-            </c:txPr>
-            <c:showLegendKey val="0"/>
-            <c:showVal val="1"/>
-            <c:showCatName val="0"/>
-            <c:showSerName val="0"/>
-            <c:showPercent val="0"/>
-            <c:showBubbleSize val="0"/>
-            <c:showLeaderLines val="0"/>
-            <c:extLst>
-              <c:ext xmlns:c15="http://schemas.microsoft.com/office/drawing/2012/chart" uri="{CE6537A1-D6FC-4f65-9D91-7224C49458BB}">
-                <c15:layout/>
-                <c15:showLeaderLines val="1"/>
-                <c15:leaderLines>
-                  <c:spPr>
-                    <a:ln w="9525" cap="flat" cmpd="sng" algn="ctr">
-                      <a:solidFill>
-                        <a:schemeClr val="tx1">
-                          <a:lumMod val="35000"/>
-                          <a:lumOff val="65000"/>
-                        </a:schemeClr>
-                      </a:solidFill>
-                      <a:round/>
-                    </a:ln>
-                    <a:effectLst/>
-                  </c:spPr>
-                </c15:leaderLines>
-              </c:ext>
-            </c:extLst>
-          </c:dLbls>
-          <c:cat>
-            <c:strRef>
-              <c:f>Sheet1!$A$2:$A$9</c:f>
-              <c:strCache>
-                <c:ptCount val="8"/>
-                <c:pt idx="0">
-                  <c:v>AWS</c:v>
-                </c:pt>
-                <c:pt idx="1">
-                  <c:v>Azure IaaS</c:v>
-                </c:pt>
-                <c:pt idx="2">
-                  <c:v>Azure PaaS</c:v>
-                </c:pt>
-                <c:pt idx="3">
-                  <c:v>Rackspace Public Cloud</c:v>
-                </c:pt>
-                <c:pt idx="4">
-                  <c:v>Vmware vCloud Air</c:v>
-                </c:pt>
-                <c:pt idx="5">
-                  <c:v>Google App Engine</c:v>
-                </c:pt>
-                <c:pt idx="6">
-                  <c:v>Google IaaS</c:v>
-                </c:pt>
-                <c:pt idx="7">
-                  <c:v>IB SoftLayer</c:v>
-                </c:pt>
-              </c:strCache>
-            </c:strRef>
-          </c:cat>
-          <c:val>
-            <c:numRef>
-              <c:f>Sheet1!$C$2:$C$9</c:f>
-              <c:numCache>
-                <c:formatCode>General</c:formatCode>
-                <c:ptCount val="8"/>
-                <c:pt idx="0">
-                  <c:v>0.2</c:v>
-                </c:pt>
-                <c:pt idx="1">
-                  <c:v>0.23</c:v>
-                </c:pt>
-                <c:pt idx="2">
-                  <c:v>0.2</c:v>
-                </c:pt>
-                <c:pt idx="3">
-                  <c:v>0.1</c:v>
-                </c:pt>
-                <c:pt idx="4">
-                  <c:v>0.14000000000000001</c:v>
-                </c:pt>
-                <c:pt idx="5">
-                  <c:v>0.12</c:v>
-                </c:pt>
-                <c:pt idx="6">
-                  <c:v>0.13</c:v>
-                </c:pt>
-                <c:pt idx="7">
-                  <c:v>0.11</c:v>
-                </c:pt>
-              </c:numCache>
-            </c:numRef>
-          </c:val>
-        </c:ser>
-        <c:ser>
-          <c:idx val="2"/>
-          <c:order val="2"/>
-          <c:tx>
-            <c:strRef>
-              <c:f>Sheet1!$D$1</c:f>
-              <c:strCache>
-                <c:ptCount val="1"/>
-                <c:pt idx="0">
-                  <c:v>Plan to use</c:v>
-                </c:pt>
-              </c:strCache>
-            </c:strRef>
-          </c:tx>
-          <c:spPr>
-            <a:solidFill>
-              <a:schemeClr val="accent3"/>
-            </a:solidFill>
-            <a:ln>
-              <a:noFill/>
-            </a:ln>
-            <a:effectLst/>
-            <a:sp3d/>
-          </c:spPr>
-          <c:invertIfNegative val="0"/>
-          <c:dLbls>
-            <c:numFmt formatCode="0%" sourceLinked="0"/>
-            <c:spPr>
-              <a:noFill/>
-              <a:ln>
-                <a:noFill/>
-              </a:ln>
-              <a:effectLst/>
-            </c:spPr>
-            <c:txPr>
-              <a:bodyPr rot="0" spcFirstLastPara="1" vertOverflow="ellipsis" vert="horz" wrap="square" lIns="38100" tIns="19050" rIns="38100" bIns="19050" anchor="ctr" anchorCtr="1">
-                <a:spAutoFit/>
-              </a:bodyPr>
-              <a:lstStyle/>
-              <a:p>
-                <a:pPr>
-                  <a:defRPr sz="1197" b="0" i="0" u="none" strike="noStrike" kern="1200" baseline="0">
-                    <a:solidFill>
-                      <a:schemeClr val="tx1">
-                        <a:lumMod val="75000"/>
-                        <a:lumOff val="25000"/>
-                      </a:schemeClr>
-                    </a:solidFill>
-                    <a:latin typeface="+mn-lt"/>
-                    <a:ea typeface="+mn-ea"/>
-                    <a:cs typeface="+mn-cs"/>
-                  </a:defRPr>
-                </a:pPr>
-                <a:endParaRPr lang="ru-RU"/>
-              </a:p>
-            </c:txPr>
-            <c:showLegendKey val="0"/>
-            <c:showVal val="1"/>
-            <c:showCatName val="0"/>
-            <c:showSerName val="0"/>
-            <c:showPercent val="0"/>
-            <c:showBubbleSize val="0"/>
-            <c:showLeaderLines val="0"/>
-            <c:extLst>
-              <c:ext xmlns:c15="http://schemas.microsoft.com/office/drawing/2012/chart" uri="{CE6537A1-D6FC-4f65-9D91-7224C49458BB}">
-                <c15:layout/>
-                <c15:showLeaderLines val="1"/>
-                <c15:leaderLines>
-                  <c:spPr>
-                    <a:ln w="9525" cap="flat" cmpd="sng" algn="ctr">
-                      <a:solidFill>
-                        <a:schemeClr val="tx1">
-                          <a:lumMod val="35000"/>
-                          <a:lumOff val="65000"/>
-                        </a:schemeClr>
-                      </a:solidFill>
-                      <a:round/>
-                    </a:ln>
-                    <a:effectLst/>
-                  </c:spPr>
-                </c15:leaderLines>
-              </c:ext>
-            </c:extLst>
-          </c:dLbls>
-          <c:cat>
-            <c:strRef>
-              <c:f>Sheet1!$A$2:$A$9</c:f>
-              <c:strCache>
-                <c:ptCount val="8"/>
-                <c:pt idx="0">
-                  <c:v>AWS</c:v>
-                </c:pt>
-                <c:pt idx="1">
-                  <c:v>Azure IaaS</c:v>
-                </c:pt>
-                <c:pt idx="2">
-                  <c:v>Azure PaaS</c:v>
-                </c:pt>
-                <c:pt idx="3">
-                  <c:v>Rackspace Public Cloud</c:v>
-                </c:pt>
-                <c:pt idx="4">
-                  <c:v>Vmware vCloud Air</c:v>
-                </c:pt>
-                <c:pt idx="5">
-                  <c:v>Google App Engine</c:v>
-                </c:pt>
-                <c:pt idx="6">
-                  <c:v>Google IaaS</c:v>
-                </c:pt>
-                <c:pt idx="7">
-                  <c:v>IB SoftLayer</c:v>
-                </c:pt>
-              </c:strCache>
-            </c:strRef>
-          </c:cat>
-          <c:val>
-            <c:numRef>
-              <c:f>Sheet1!$D$2:$D$9</c:f>
-              <c:numCache>
-                <c:formatCode>General</c:formatCode>
-                <c:ptCount val="8"/>
-                <c:pt idx="0">
-                  <c:v>7.0000000000000007E-2</c:v>
-                </c:pt>
-                <c:pt idx="1">
-                  <c:v>0.13</c:v>
-                </c:pt>
-                <c:pt idx="2">
-                  <c:v>0.14000000000000001</c:v>
-                </c:pt>
-                <c:pt idx="3">
-                  <c:v>7.0000000000000007E-2</c:v>
-                </c:pt>
-                <c:pt idx="4">
-                  <c:v>0.1</c:v>
-                </c:pt>
-                <c:pt idx="5">
-                  <c:v>0.09</c:v>
-                </c:pt>
-                <c:pt idx="6">
-                  <c:v>0.11</c:v>
-                </c:pt>
-                <c:pt idx="7">
-                  <c:v>0.06</c:v>
-                </c:pt>
-              </c:numCache>
-            </c:numRef>
-          </c:val>
-        </c:ser>
-        <c:dLbls>
-          <c:showLegendKey val="0"/>
-          <c:showVal val="0"/>
-          <c:showCatName val="0"/>
-          <c:showSerName val="0"/>
-          <c:showPercent val="0"/>
-          <c:showBubbleSize val="0"/>
-        </c:dLbls>
-        <c:gapWidth val="150"/>
-        <c:shape val="box"/>
-        <c:axId val="-1783290624"/>
-        <c:axId val="-1783294432"/>
-        <c:axId val="0"/>
-      </c:bar3DChart>
-      <c:catAx>
-        <c:axId val="-1783290624"/>
-        <c:scaling>
-          <c:orientation val="minMax"/>
-        </c:scaling>
-        <c:delete val="0"/>
-        <c:axPos val="l"/>
-        <c:minorGridlines>
-          <c:spPr>
-            <a:ln w="9525" cap="flat" cmpd="sng" algn="ctr">
-              <a:solidFill>
-                <a:schemeClr val="tx1">
-                  <a:lumMod val="5000"/>
-                  <a:lumOff val="95000"/>
-                </a:schemeClr>
-              </a:solidFill>
-              <a:round/>
-            </a:ln>
-            <a:effectLst/>
-          </c:spPr>
-        </c:minorGridlines>
-        <c:numFmt formatCode="General" sourceLinked="1"/>
-        <c:majorTickMark val="none"/>
-        <c:minorTickMark val="none"/>
-        <c:tickLblPos val="nextTo"/>
-        <c:spPr>
-          <a:noFill/>
-          <a:ln>
-            <a:noFill/>
-          </a:ln>
-          <a:effectLst/>
-        </c:spPr>
-        <c:txPr>
-          <a:bodyPr rot="-60000000" spcFirstLastPara="1" vertOverflow="ellipsis" vert="horz" wrap="square" anchor="ctr" anchorCtr="1"/>
-          <a:lstStyle/>
-          <a:p>
-            <a:pPr>
-              <a:defRPr sz="1197" b="0" i="0" u="none" strike="noStrike" kern="1200" baseline="0">
-                <a:solidFill>
-                  <a:schemeClr val="tx1">
-                    <a:lumMod val="65000"/>
-                    <a:lumOff val="35000"/>
-                  </a:schemeClr>
-                </a:solidFill>
-                <a:latin typeface="+mn-lt"/>
-                <a:ea typeface="+mn-ea"/>
-                <a:cs typeface="+mn-cs"/>
-              </a:defRPr>
-            </a:pPr>
-            <a:endParaRPr lang="ru-RU"/>
-          </a:p>
-        </c:txPr>
-        <c:crossAx val="-1783294432"/>
-        <c:crosses val="autoZero"/>
-        <c:auto val="1"/>
-        <c:lblAlgn val="ctr"/>
-        <c:lblOffset val="100"/>
-        <c:noMultiLvlLbl val="0"/>
-      </c:catAx>
-      <c:valAx>
-        <c:axId val="-1783294432"/>
-        <c:scaling>
-          <c:orientation val="minMax"/>
-          <c:max val="1"/>
-        </c:scaling>
-        <c:delete val="0"/>
-        <c:axPos val="b"/>
-        <c:majorGridlines>
-          <c:spPr>
-            <a:ln w="9525" cap="flat" cmpd="sng" algn="ctr">
-              <a:solidFill>
-                <a:schemeClr val="tx1">
-                  <a:lumMod val="15000"/>
-                  <a:lumOff val="85000"/>
-                </a:schemeClr>
-              </a:solidFill>
-              <a:round/>
-            </a:ln>
-            <a:effectLst/>
-          </c:spPr>
-        </c:majorGridlines>
-        <c:numFmt formatCode="0%" sourceLinked="0"/>
-        <c:majorTickMark val="cross"/>
-        <c:minorTickMark val="none"/>
-        <c:tickLblPos val="nextTo"/>
-        <c:spPr>
-          <a:noFill/>
-          <a:ln>
-            <a:solidFill>
-              <a:srgbClr val="00B0F0"/>
-            </a:solidFill>
-          </a:ln>
-          <a:effectLst/>
-        </c:spPr>
-        <c:txPr>
-          <a:bodyPr rot="-60000000" spcFirstLastPara="1" vertOverflow="ellipsis" vert="horz" wrap="square" anchor="ctr" anchorCtr="1"/>
-          <a:lstStyle/>
-          <a:p>
-            <a:pPr>
-              <a:defRPr sz="1197" b="0" i="0" u="none" strike="noStrike" kern="1200" baseline="0">
-                <a:solidFill>
-                  <a:schemeClr val="tx1">
-                    <a:lumMod val="65000"/>
-                    <a:lumOff val="35000"/>
-                  </a:schemeClr>
-                </a:solidFill>
-                <a:latin typeface="+mn-lt"/>
-                <a:ea typeface="+mn-ea"/>
-                <a:cs typeface="+mn-cs"/>
-              </a:defRPr>
-            </a:pPr>
-            <a:endParaRPr lang="ru-RU"/>
-          </a:p>
-        </c:txPr>
-        <c:crossAx val="-1783290624"/>
-        <c:crosses val="autoZero"/>
-        <c:crossBetween val="between"/>
-      </c:valAx>
-      <c:spPr>
-        <a:noFill/>
-        <a:ln>
-          <a:noFill/>
-        </a:ln>
-        <a:effectLst/>
-      </c:spPr>
-    </c:plotArea>
-    <c:legend>
-      <c:legendPos val="b"/>
-      <c:layout/>
-      <c:overlay val="0"/>
-      <c:spPr>
-        <a:noFill/>
-        <a:ln>
-          <a:noFill/>
-        </a:ln>
-        <a:effectLst/>
-      </c:spPr>
-      <c:txPr>
-        <a:bodyPr rot="0" spcFirstLastPara="1" vertOverflow="ellipsis" vert="horz" wrap="square" anchor="ctr" anchorCtr="1"/>
-        <a:lstStyle/>
-        <a:p>
-          <a:pPr>
-            <a:defRPr sz="1197" b="0" i="0" u="none" strike="noStrike" kern="1200" baseline="0">
-              <a:solidFill>
-                <a:schemeClr val="tx1">
-                  <a:lumMod val="65000"/>
-                  <a:lumOff val="35000"/>
-                </a:schemeClr>
-              </a:solidFill>
-              <a:latin typeface="+mn-lt"/>
-              <a:ea typeface="+mn-ea"/>
-              <a:cs typeface="+mn-cs"/>
-            </a:defRPr>
-          </a:pPr>
-          <a:endParaRPr lang="ru-RU"/>
-        </a:p>
-      </c:txPr>
-    </c:legend>
-    <c:plotVisOnly val="1"/>
-    <c:dispBlanksAs val="gap"/>
-    <c:showDLblsOverMax val="0"/>
-  </c:chart>
-  <c:spPr>
-    <a:noFill/>
-    <a:ln>
-      <a:noFill/>
-    </a:ln>
-    <a:effectLst/>
-  </c:spPr>
-  <c:txPr>
-    <a:bodyPr/>
-    <a:lstStyle/>
-    <a:p>
-      <a:pPr>
-        <a:defRPr/>
-      </a:pPr>
-      <a:endParaRPr lang="ru-RU"/>
-    </a:p>
-  </c:txPr>
-  <c:externalData r:id="rId3">
-    <c:autoUpdate val="0"/>
-  </c:externalData>
-</c:chartSpace>
-</file>
-
-<file path=ppt/charts/chart3.xml><?xml version="1.0" encoding="utf-8"?>
 <c:chartSpace xmlns:c="http://schemas.openxmlformats.org/drawingml/2006/chart" xmlns:a="http://schemas.openxmlformats.org/drawingml/2006/main" xmlns:r="http://schemas.openxmlformats.org/officeDocument/2006/relationships">
   <c:date1904 val="0"/>
   <c:lang val="en-US"/>
@@ -2021,6 +1312,27 @@
               </c:extLst>
             </c:dLbl>
             <c:numFmt formatCode="0%" sourceLinked="0"/>
+            <c:spPr>
+              <a:solidFill>
+                <a:prstClr val="white">
+                  <a:alpha val="90000"/>
+                </a:prstClr>
+              </a:solidFill>
+              <a:ln w="12700" cap="flat" cmpd="sng" algn="ctr">
+                <a:solidFill>
+                  <a:srgbClr val="4F81BD"/>
+                </a:solidFill>
+                <a:round/>
+              </a:ln>
+              <a:effectLst>
+                <a:outerShdw blurRad="50800" dist="38100" dir="2700000" algn="tl" rotWithShape="0">
+                  <a:srgbClr val="4F81BD">
+                    <a:lumMod val="75000"/>
+                    <a:alpha val="40000"/>
+                  </a:srgbClr>
+                </a:outerShdw>
+              </a:effectLst>
+            </c:spPr>
             <c:txPr>
               <a:bodyPr rot="0" spcFirstLastPara="1" vertOverflow="clip" horzOverflow="clip" vert="horz" wrap="square" lIns="38100" tIns="19050" rIns="38100" bIns="19050" anchor="ctr" anchorCtr="1">
                 <a:spAutoFit/>
@@ -2190,46 +1502,6 @@
 </file>
 
 <file path=ppt/charts/colors2.xml><?xml version="1.0" encoding="utf-8"?>
-<cs:colorStyle xmlns:cs="http://schemas.microsoft.com/office/drawing/2012/chartStyle" xmlns:a="http://schemas.openxmlformats.org/drawingml/2006/main" meth="cycle" id="10">
-  <a:schemeClr val="accent1"/>
-  <a:schemeClr val="accent2"/>
-  <a:schemeClr val="accent3"/>
-  <a:schemeClr val="accent4"/>
-  <a:schemeClr val="accent5"/>
-  <a:schemeClr val="accent6"/>
-  <cs:variation/>
-  <cs:variation>
-    <a:lumMod val="60000"/>
-  </cs:variation>
-  <cs:variation>
-    <a:lumMod val="80000"/>
-    <a:lumOff val="20000"/>
-  </cs:variation>
-  <cs:variation>
-    <a:lumMod val="80000"/>
-  </cs:variation>
-  <cs:variation>
-    <a:lumMod val="60000"/>
-    <a:lumOff val="40000"/>
-  </cs:variation>
-  <cs:variation>
-    <a:lumMod val="50000"/>
-  </cs:variation>
-  <cs:variation>
-    <a:lumMod val="70000"/>
-    <a:lumOff val="30000"/>
-  </cs:variation>
-  <cs:variation>
-    <a:lumMod val="70000"/>
-  </cs:variation>
-  <cs:variation>
-    <a:lumMod val="50000"/>
-    <a:lumOff val="50000"/>
-  </cs:variation>
-</cs:colorStyle>
-</file>
-
-<file path=ppt/charts/colors3.xml><?xml version="1.0" encoding="utf-8"?>
 <cs:colorStyle xmlns:cs="http://schemas.microsoft.com/office/drawing/2012/chartStyle" xmlns:a="http://schemas.openxmlformats.org/drawingml/2006/main" meth="cycle" id="10">
   <a:schemeClr val="accent1"/>
   <a:schemeClr val="accent2"/>
@@ -2764,500 +2036,6 @@
 </file>
 
 <file path=ppt/charts/style2.xml><?xml version="1.0" encoding="utf-8"?>
-<cs:chartStyle xmlns:cs="http://schemas.microsoft.com/office/drawing/2012/chartStyle" xmlns:a="http://schemas.openxmlformats.org/drawingml/2006/main" id="286">
-  <cs:axisTitle>
-    <cs:lnRef idx="0"/>
-    <cs:fillRef idx="0"/>
-    <cs:effectRef idx="0"/>
-    <cs:fontRef idx="minor">
-      <a:schemeClr val="tx1">
-        <a:lumMod val="65000"/>
-        <a:lumOff val="35000"/>
-      </a:schemeClr>
-    </cs:fontRef>
-    <cs:defRPr sz="1330" kern="1200"/>
-  </cs:axisTitle>
-  <cs:categoryAxis>
-    <cs:lnRef idx="0"/>
-    <cs:fillRef idx="0"/>
-    <cs:effectRef idx="0"/>
-    <cs:fontRef idx="minor">
-      <a:schemeClr val="tx1">
-        <a:lumMod val="65000"/>
-        <a:lumOff val="35000"/>
-      </a:schemeClr>
-    </cs:fontRef>
-    <cs:defRPr sz="1197" kern="1200"/>
-  </cs:categoryAxis>
-  <cs:chartArea mods="allowNoFillOverride allowNoLineOverride">
-    <cs:lnRef idx="0"/>
-    <cs:fillRef idx="0"/>
-    <cs:effectRef idx="0"/>
-    <cs:fontRef idx="minor">
-      <a:schemeClr val="tx1"/>
-    </cs:fontRef>
-    <cs:spPr>
-      <a:solidFill>
-        <a:schemeClr val="bg1"/>
-      </a:solidFill>
-      <a:ln w="9525" cap="flat" cmpd="sng" algn="ctr">
-        <a:solidFill>
-          <a:schemeClr val="tx1">
-            <a:lumMod val="15000"/>
-            <a:lumOff val="85000"/>
-          </a:schemeClr>
-        </a:solidFill>
-        <a:round/>
-      </a:ln>
-    </cs:spPr>
-    <cs:defRPr sz="1330" kern="1200"/>
-  </cs:chartArea>
-  <cs:dataLabel>
-    <cs:lnRef idx="0"/>
-    <cs:fillRef idx="0"/>
-    <cs:effectRef idx="0"/>
-    <cs:fontRef idx="minor">
-      <a:schemeClr val="tx1">
-        <a:lumMod val="75000"/>
-        <a:lumOff val="25000"/>
-      </a:schemeClr>
-    </cs:fontRef>
-    <cs:defRPr sz="1197" kern="1200"/>
-  </cs:dataLabel>
-  <cs:dataLabelCallout>
-    <cs:lnRef idx="0"/>
-    <cs:fillRef idx="0"/>
-    <cs:effectRef idx="0"/>
-    <cs:fontRef idx="minor">
-      <a:schemeClr val="dk1">
-        <a:lumMod val="65000"/>
-        <a:lumOff val="35000"/>
-      </a:schemeClr>
-    </cs:fontRef>
-    <cs:spPr>
-      <a:solidFill>
-        <a:schemeClr val="lt1"/>
-      </a:solidFill>
-      <a:ln>
-        <a:solidFill>
-          <a:schemeClr val="dk1">
-            <a:lumMod val="25000"/>
-            <a:lumOff val="75000"/>
-          </a:schemeClr>
-        </a:solidFill>
-      </a:ln>
-    </cs:spPr>
-    <cs:defRPr sz="1197" kern="1200"/>
-    <cs:bodyPr rot="0" spcFirstLastPara="1" vertOverflow="clip" horzOverflow="clip" vert="horz" wrap="square" lIns="36576" tIns="18288" rIns="36576" bIns="18288" anchor="ctr" anchorCtr="1">
-      <a:spAutoFit/>
-    </cs:bodyPr>
-  </cs:dataLabelCallout>
-  <cs:dataPoint>
-    <cs:lnRef idx="0"/>
-    <cs:fillRef idx="1">
-      <cs:styleClr val="auto"/>
-    </cs:fillRef>
-    <cs:effectRef idx="0"/>
-    <cs:fontRef idx="minor">
-      <a:schemeClr val="tx1"/>
-    </cs:fontRef>
-  </cs:dataPoint>
-  <cs:dataPoint3D>
-    <cs:lnRef idx="0"/>
-    <cs:fillRef idx="1">
-      <cs:styleClr val="auto"/>
-    </cs:fillRef>
-    <cs:effectRef idx="0"/>
-    <cs:fontRef idx="minor">
-      <a:schemeClr val="tx1"/>
-    </cs:fontRef>
-  </cs:dataPoint3D>
-  <cs:dataPointLine>
-    <cs:lnRef idx="0">
-      <cs:styleClr val="auto"/>
-    </cs:lnRef>
-    <cs:fillRef idx="1"/>
-    <cs:effectRef idx="0"/>
-    <cs:fontRef idx="minor">
-      <a:schemeClr val="tx1"/>
-    </cs:fontRef>
-    <cs:spPr>
-      <a:ln w="28575" cap="rnd">
-        <a:solidFill>
-          <a:schemeClr val="phClr"/>
-        </a:solidFill>
-        <a:round/>
-      </a:ln>
-    </cs:spPr>
-  </cs:dataPointLine>
-  <cs:dataPointMarker>
-    <cs:lnRef idx="0">
-      <cs:styleClr val="auto"/>
-    </cs:lnRef>
-    <cs:fillRef idx="1">
-      <cs:styleClr val="auto"/>
-    </cs:fillRef>
-    <cs:effectRef idx="0"/>
-    <cs:fontRef idx="minor">
-      <a:schemeClr val="tx1"/>
-    </cs:fontRef>
-    <cs:spPr>
-      <a:ln w="9525">
-        <a:solidFill>
-          <a:schemeClr val="phClr"/>
-        </a:solidFill>
-      </a:ln>
-    </cs:spPr>
-  </cs:dataPointMarker>
-  <cs:dataPointMarkerLayout symbol="circle" size="5"/>
-  <cs:dataPointWireframe>
-    <cs:lnRef idx="0">
-      <cs:styleClr val="auto"/>
-    </cs:lnRef>
-    <cs:fillRef idx="1"/>
-    <cs:effectRef idx="0"/>
-    <cs:fontRef idx="minor">
-      <a:schemeClr val="tx1"/>
-    </cs:fontRef>
-    <cs:spPr>
-      <a:ln w="9525" cap="rnd">
-        <a:solidFill>
-          <a:schemeClr val="phClr"/>
-        </a:solidFill>
-        <a:round/>
-      </a:ln>
-    </cs:spPr>
-  </cs:dataPointWireframe>
-  <cs:dataTable>
-    <cs:lnRef idx="0"/>
-    <cs:fillRef idx="0"/>
-    <cs:effectRef idx="0"/>
-    <cs:fontRef idx="minor">
-      <a:schemeClr val="tx1">
-        <a:lumMod val="65000"/>
-        <a:lumOff val="35000"/>
-      </a:schemeClr>
-    </cs:fontRef>
-    <cs:spPr>
-      <a:noFill/>
-      <a:ln w="9525" cap="flat" cmpd="sng" algn="ctr">
-        <a:solidFill>
-          <a:schemeClr val="tx1">
-            <a:lumMod val="15000"/>
-            <a:lumOff val="85000"/>
-          </a:schemeClr>
-        </a:solidFill>
-        <a:round/>
-      </a:ln>
-    </cs:spPr>
-    <cs:defRPr sz="1197" kern="1200"/>
-  </cs:dataTable>
-  <cs:downBar>
-    <cs:lnRef idx="0"/>
-    <cs:fillRef idx="0"/>
-    <cs:effectRef idx="0"/>
-    <cs:fontRef idx="minor">
-      <a:schemeClr val="tx1"/>
-    </cs:fontRef>
-    <cs:spPr>
-      <a:solidFill>
-        <a:schemeClr val="dk1">
-          <a:lumMod val="75000"/>
-          <a:lumOff val="25000"/>
-        </a:schemeClr>
-      </a:solidFill>
-      <a:ln w="9525" cap="flat" cmpd="sng" algn="ctr">
-        <a:solidFill>
-          <a:schemeClr val="tx1">
-            <a:lumMod val="65000"/>
-            <a:lumOff val="35000"/>
-          </a:schemeClr>
-        </a:solidFill>
-        <a:round/>
-      </a:ln>
-    </cs:spPr>
-  </cs:downBar>
-  <cs:dropLine>
-    <cs:lnRef idx="0"/>
-    <cs:fillRef idx="0"/>
-    <cs:effectRef idx="0"/>
-    <cs:fontRef idx="minor">
-      <a:schemeClr val="tx1"/>
-    </cs:fontRef>
-    <cs:spPr>
-      <a:ln w="9525" cap="flat" cmpd="sng" algn="ctr">
-        <a:solidFill>
-          <a:schemeClr val="tx1">
-            <a:lumMod val="35000"/>
-            <a:lumOff val="65000"/>
-          </a:schemeClr>
-        </a:solidFill>
-        <a:round/>
-      </a:ln>
-    </cs:spPr>
-  </cs:dropLine>
-  <cs:errorBar>
-    <cs:lnRef idx="0"/>
-    <cs:fillRef idx="0"/>
-    <cs:effectRef idx="0"/>
-    <cs:fontRef idx="minor">
-      <a:schemeClr val="tx1"/>
-    </cs:fontRef>
-    <cs:spPr>
-      <a:ln w="9525" cap="flat" cmpd="sng" algn="ctr">
-        <a:solidFill>
-          <a:schemeClr val="tx1">
-            <a:lumMod val="65000"/>
-            <a:lumOff val="35000"/>
-          </a:schemeClr>
-        </a:solidFill>
-        <a:round/>
-      </a:ln>
-    </cs:spPr>
-  </cs:errorBar>
-  <cs:floor>
-    <cs:lnRef idx="0"/>
-    <cs:fillRef idx="0"/>
-    <cs:effectRef idx="0"/>
-    <cs:fontRef idx="minor">
-      <a:schemeClr val="tx1"/>
-    </cs:fontRef>
-    <cs:spPr>
-      <a:noFill/>
-      <a:ln>
-        <a:noFill/>
-      </a:ln>
-    </cs:spPr>
-  </cs:floor>
-  <cs:gridlineMajor>
-    <cs:lnRef idx="0"/>
-    <cs:fillRef idx="0"/>
-    <cs:effectRef idx="0"/>
-    <cs:fontRef idx="minor">
-      <a:schemeClr val="tx1"/>
-    </cs:fontRef>
-    <cs:spPr>
-      <a:ln w="9525" cap="flat" cmpd="sng" algn="ctr">
-        <a:solidFill>
-          <a:schemeClr val="tx1">
-            <a:lumMod val="15000"/>
-            <a:lumOff val="85000"/>
-          </a:schemeClr>
-        </a:solidFill>
-        <a:round/>
-      </a:ln>
-    </cs:spPr>
-  </cs:gridlineMajor>
-  <cs:gridlineMinor>
-    <cs:lnRef idx="0"/>
-    <cs:fillRef idx="0"/>
-    <cs:effectRef idx="0"/>
-    <cs:fontRef idx="minor">
-      <a:schemeClr val="tx1"/>
-    </cs:fontRef>
-    <cs:spPr>
-      <a:ln w="9525" cap="flat" cmpd="sng" algn="ctr">
-        <a:solidFill>
-          <a:schemeClr val="tx1">
-            <a:lumMod val="5000"/>
-            <a:lumOff val="95000"/>
-          </a:schemeClr>
-        </a:solidFill>
-        <a:round/>
-      </a:ln>
-    </cs:spPr>
-  </cs:gridlineMinor>
-  <cs:hiLoLine>
-    <cs:lnRef idx="0"/>
-    <cs:fillRef idx="0"/>
-    <cs:effectRef idx="0"/>
-    <cs:fontRef idx="minor">
-      <a:schemeClr val="tx1"/>
-    </cs:fontRef>
-    <cs:spPr>
-      <a:ln w="9525" cap="flat" cmpd="sng" algn="ctr">
-        <a:solidFill>
-          <a:schemeClr val="tx1">
-            <a:lumMod val="50000"/>
-            <a:lumOff val="50000"/>
-          </a:schemeClr>
-        </a:solidFill>
-        <a:round/>
-      </a:ln>
-    </cs:spPr>
-  </cs:hiLoLine>
-  <cs:leaderLine>
-    <cs:lnRef idx="0"/>
-    <cs:fillRef idx="0"/>
-    <cs:effectRef idx="0"/>
-    <cs:fontRef idx="minor">
-      <a:schemeClr val="tx1"/>
-    </cs:fontRef>
-    <cs:spPr>
-      <a:ln w="9525" cap="flat" cmpd="sng" algn="ctr">
-        <a:solidFill>
-          <a:schemeClr val="tx1">
-            <a:lumMod val="35000"/>
-            <a:lumOff val="65000"/>
-          </a:schemeClr>
-        </a:solidFill>
-        <a:round/>
-      </a:ln>
-    </cs:spPr>
-  </cs:leaderLine>
-  <cs:legend>
-    <cs:lnRef idx="0"/>
-    <cs:fillRef idx="0"/>
-    <cs:effectRef idx="0"/>
-    <cs:fontRef idx="minor">
-      <a:schemeClr val="tx1">
-        <a:lumMod val="65000"/>
-        <a:lumOff val="35000"/>
-      </a:schemeClr>
-    </cs:fontRef>
-    <cs:defRPr sz="1197" kern="1200"/>
-  </cs:legend>
-  <cs:plotArea mods="allowNoFillOverride allowNoLineOverride">
-    <cs:lnRef idx="0"/>
-    <cs:fillRef idx="0"/>
-    <cs:effectRef idx="0"/>
-    <cs:fontRef idx="minor">
-      <a:schemeClr val="tx1"/>
-    </cs:fontRef>
-  </cs:plotArea>
-  <cs:plotArea3D mods="allowNoFillOverride allowNoLineOverride">
-    <cs:lnRef idx="0"/>
-    <cs:fillRef idx="0"/>
-    <cs:effectRef idx="0"/>
-    <cs:fontRef idx="minor">
-      <a:schemeClr val="tx1"/>
-    </cs:fontRef>
-  </cs:plotArea3D>
-  <cs:seriesAxis>
-    <cs:lnRef idx="0"/>
-    <cs:fillRef idx="0"/>
-    <cs:effectRef idx="0"/>
-    <cs:fontRef idx="minor">
-      <a:schemeClr val="tx1">
-        <a:lumMod val="65000"/>
-        <a:lumOff val="35000"/>
-      </a:schemeClr>
-    </cs:fontRef>
-    <cs:defRPr sz="1197" kern="1200"/>
-  </cs:seriesAxis>
-  <cs:seriesLine>
-    <cs:lnRef idx="0"/>
-    <cs:fillRef idx="0"/>
-    <cs:effectRef idx="0"/>
-    <cs:fontRef idx="minor">
-      <a:schemeClr val="tx1"/>
-    </cs:fontRef>
-    <cs:spPr>
-      <a:ln w="9525" cap="flat" cmpd="sng" algn="ctr">
-        <a:solidFill>
-          <a:schemeClr val="tx1">
-            <a:lumMod val="35000"/>
-            <a:lumOff val="65000"/>
-          </a:schemeClr>
-        </a:solidFill>
-        <a:round/>
-      </a:ln>
-    </cs:spPr>
-  </cs:seriesLine>
-  <cs:title>
-    <cs:lnRef idx="0"/>
-    <cs:fillRef idx="0"/>
-    <cs:effectRef idx="0"/>
-    <cs:fontRef idx="minor">
-      <a:schemeClr val="tx1">
-        <a:lumMod val="65000"/>
-        <a:lumOff val="35000"/>
-      </a:schemeClr>
-    </cs:fontRef>
-    <cs:defRPr sz="1862" b="0" kern="1200" spc="0" baseline="0"/>
-  </cs:title>
-  <cs:trendline>
-    <cs:lnRef idx="0">
-      <cs:styleClr val="auto"/>
-    </cs:lnRef>
-    <cs:fillRef idx="0"/>
-    <cs:effectRef idx="0"/>
-    <cs:fontRef idx="minor">
-      <a:schemeClr val="tx1"/>
-    </cs:fontRef>
-    <cs:spPr>
-      <a:ln w="19050" cap="rnd">
-        <a:solidFill>
-          <a:schemeClr val="phClr"/>
-        </a:solidFill>
-        <a:prstDash val="sysDot"/>
-      </a:ln>
-    </cs:spPr>
-  </cs:trendline>
-  <cs:trendlineLabel>
-    <cs:lnRef idx="0"/>
-    <cs:fillRef idx="0"/>
-    <cs:effectRef idx="0"/>
-    <cs:fontRef idx="minor">
-      <a:schemeClr val="tx1">
-        <a:lumMod val="65000"/>
-        <a:lumOff val="35000"/>
-      </a:schemeClr>
-    </cs:fontRef>
-    <cs:defRPr sz="1197" kern="1200"/>
-  </cs:trendlineLabel>
-  <cs:upBar>
-    <cs:lnRef idx="0"/>
-    <cs:fillRef idx="0"/>
-    <cs:effectRef idx="0"/>
-    <cs:fontRef idx="minor">
-      <a:schemeClr val="tx1"/>
-    </cs:fontRef>
-    <cs:spPr>
-      <a:solidFill>
-        <a:schemeClr val="lt1"/>
-      </a:solidFill>
-      <a:ln w="9525" cap="flat" cmpd="sng" algn="ctr">
-        <a:solidFill>
-          <a:schemeClr val="tx1">
-            <a:lumMod val="65000"/>
-            <a:lumOff val="35000"/>
-          </a:schemeClr>
-        </a:solidFill>
-        <a:round/>
-      </a:ln>
-    </cs:spPr>
-  </cs:upBar>
-  <cs:valueAxis>
-    <cs:lnRef idx="0"/>
-    <cs:fillRef idx="0"/>
-    <cs:effectRef idx="0"/>
-    <cs:fontRef idx="minor">
-      <a:schemeClr val="tx1">
-        <a:lumMod val="65000"/>
-        <a:lumOff val="35000"/>
-      </a:schemeClr>
-    </cs:fontRef>
-    <cs:defRPr sz="1197" kern="1200"/>
-  </cs:valueAxis>
-  <cs:wall>
-    <cs:lnRef idx="0"/>
-    <cs:fillRef idx="0"/>
-    <cs:effectRef idx="0"/>
-    <cs:fontRef idx="minor">
-      <a:schemeClr val="tx1"/>
-    </cs:fontRef>
-    <cs:spPr>
-      <a:noFill/>
-      <a:ln>
-        <a:noFill/>
-      </a:ln>
-    </cs:spPr>
-  </cs:wall>
-</cs:chartStyle>
-</file>
-
-<file path=ppt/charts/style3.xml><?xml version="1.0" encoding="utf-8"?>
 <cs:chartStyle xmlns:cs="http://schemas.microsoft.com/office/drawing/2012/chartStyle" xmlns:a="http://schemas.openxmlformats.org/drawingml/2006/main" id="263">
   <cs:axisTitle>
     <cs:lnRef idx="0"/>
@@ -6363,6 +5141,13 @@
         </dgm:presLayoutVars>
       </dgm:prSet>
       <dgm:spPr/>
+      <dgm:t>
+        <a:bodyPr/>
+        <a:lstStyle/>
+        <a:p>
+          <a:endParaRPr lang="ru-RU"/>
+        </a:p>
+      </dgm:t>
     </dgm:pt>
     <dgm:pt modelId="{506CC8FD-2E26-4AE7-B13D-71BBCE420E2C}" type="pres">
       <dgm:prSet presAssocID="{EBF0F4CF-0467-4E98-B8CA-76F41D781906}" presName="centerShape" presStyleLbl="node0" presStyleIdx="0" presStyleCnt="1"/>
@@ -6378,10 +5163,24 @@
     <dgm:pt modelId="{BD3E845E-4D7C-4CE3-83BC-20831ED88AEC}" type="pres">
       <dgm:prSet presAssocID="{8D551FB1-FF58-4F83-903E-3255390FA4DB}" presName="Name9" presStyleLbl="parChTrans1D2" presStyleIdx="0" presStyleCnt="5"/>
       <dgm:spPr/>
+      <dgm:t>
+        <a:bodyPr/>
+        <a:lstStyle/>
+        <a:p>
+          <a:endParaRPr lang="ru-RU"/>
+        </a:p>
+      </dgm:t>
     </dgm:pt>
     <dgm:pt modelId="{A3328905-D93C-40BA-BB5A-1634C5D9AEAB}" type="pres">
       <dgm:prSet presAssocID="{8D551FB1-FF58-4F83-903E-3255390FA4DB}" presName="connTx" presStyleLbl="parChTrans1D2" presStyleIdx="0" presStyleCnt="5"/>
       <dgm:spPr/>
+      <dgm:t>
+        <a:bodyPr/>
+        <a:lstStyle/>
+        <a:p>
+          <a:endParaRPr lang="ru-RU"/>
+        </a:p>
+      </dgm:t>
     </dgm:pt>
     <dgm:pt modelId="{19A07A34-1010-48C6-A801-BD8D5D256EA9}" type="pres">
       <dgm:prSet presAssocID="{4019C2EE-49C8-4195-A89B-7537B9CD75C7}" presName="node" presStyleLbl="node1" presStyleIdx="0" presStyleCnt="5">
@@ -6390,14 +5189,35 @@
         </dgm:presLayoutVars>
       </dgm:prSet>
       <dgm:spPr/>
+      <dgm:t>
+        <a:bodyPr/>
+        <a:lstStyle/>
+        <a:p>
+          <a:endParaRPr lang="ru-RU"/>
+        </a:p>
+      </dgm:t>
     </dgm:pt>
     <dgm:pt modelId="{A40744F3-8F59-4D61-9DF6-A37D24278559}" type="pres">
       <dgm:prSet presAssocID="{CD64D8F1-4C5C-40AC-B354-919B111D0B45}" presName="Name9" presStyleLbl="parChTrans1D2" presStyleIdx="1" presStyleCnt="5"/>
       <dgm:spPr/>
+      <dgm:t>
+        <a:bodyPr/>
+        <a:lstStyle/>
+        <a:p>
+          <a:endParaRPr lang="ru-RU"/>
+        </a:p>
+      </dgm:t>
     </dgm:pt>
     <dgm:pt modelId="{370FD676-5D5A-47D9-BA62-6D03BC83E44F}" type="pres">
       <dgm:prSet presAssocID="{CD64D8F1-4C5C-40AC-B354-919B111D0B45}" presName="connTx" presStyleLbl="parChTrans1D2" presStyleIdx="1" presStyleCnt="5"/>
       <dgm:spPr/>
+      <dgm:t>
+        <a:bodyPr/>
+        <a:lstStyle/>
+        <a:p>
+          <a:endParaRPr lang="ru-RU"/>
+        </a:p>
+      </dgm:t>
     </dgm:pt>
     <dgm:pt modelId="{16A90822-693B-4AAA-A690-D1B7BBE713D3}" type="pres">
       <dgm:prSet presAssocID="{DB9871E4-98C9-4B1E-8567-1925E1A07472}" presName="node" presStyleLbl="node1" presStyleIdx="1" presStyleCnt="5">
@@ -6406,14 +5226,35 @@
         </dgm:presLayoutVars>
       </dgm:prSet>
       <dgm:spPr/>
+      <dgm:t>
+        <a:bodyPr/>
+        <a:lstStyle/>
+        <a:p>
+          <a:endParaRPr lang="ru-RU"/>
+        </a:p>
+      </dgm:t>
     </dgm:pt>
     <dgm:pt modelId="{0B2CB517-7DD7-48E1-8259-4393B3E0C3EC}" type="pres">
       <dgm:prSet presAssocID="{D8D2FC05-636E-46EC-BDB2-130CAA7CAD5C}" presName="Name9" presStyleLbl="parChTrans1D2" presStyleIdx="2" presStyleCnt="5"/>
       <dgm:spPr/>
+      <dgm:t>
+        <a:bodyPr/>
+        <a:lstStyle/>
+        <a:p>
+          <a:endParaRPr lang="ru-RU"/>
+        </a:p>
+      </dgm:t>
     </dgm:pt>
     <dgm:pt modelId="{775184BA-8D1C-4E64-B481-B4E5F76BAACD}" type="pres">
       <dgm:prSet presAssocID="{D8D2FC05-636E-46EC-BDB2-130CAA7CAD5C}" presName="connTx" presStyleLbl="parChTrans1D2" presStyleIdx="2" presStyleCnt="5"/>
       <dgm:spPr/>
+      <dgm:t>
+        <a:bodyPr/>
+        <a:lstStyle/>
+        <a:p>
+          <a:endParaRPr lang="ru-RU"/>
+        </a:p>
+      </dgm:t>
     </dgm:pt>
     <dgm:pt modelId="{8F6D8065-965B-4A4F-B6F8-BDB592D2B4BF}" type="pres">
       <dgm:prSet presAssocID="{8064281F-2167-46CA-B3B1-9F3EDC205B7D}" presName="node" presStyleLbl="node1" presStyleIdx="2" presStyleCnt="5">
@@ -6422,14 +5263,35 @@
         </dgm:presLayoutVars>
       </dgm:prSet>
       <dgm:spPr/>
+      <dgm:t>
+        <a:bodyPr/>
+        <a:lstStyle/>
+        <a:p>
+          <a:endParaRPr lang="ru-RU"/>
+        </a:p>
+      </dgm:t>
     </dgm:pt>
     <dgm:pt modelId="{9036BBB6-75F0-4F69-9249-B49C871EAD6A}" type="pres">
       <dgm:prSet presAssocID="{178306AB-98F5-4039-9EA0-E2D6CF09B243}" presName="Name9" presStyleLbl="parChTrans1D2" presStyleIdx="3" presStyleCnt="5"/>
       <dgm:spPr/>
+      <dgm:t>
+        <a:bodyPr/>
+        <a:lstStyle/>
+        <a:p>
+          <a:endParaRPr lang="ru-RU"/>
+        </a:p>
+      </dgm:t>
     </dgm:pt>
     <dgm:pt modelId="{F72E8894-E9F1-415C-A832-3C5CA474FD2F}" type="pres">
       <dgm:prSet presAssocID="{178306AB-98F5-4039-9EA0-E2D6CF09B243}" presName="connTx" presStyleLbl="parChTrans1D2" presStyleIdx="3" presStyleCnt="5"/>
       <dgm:spPr/>
+      <dgm:t>
+        <a:bodyPr/>
+        <a:lstStyle/>
+        <a:p>
+          <a:endParaRPr lang="ru-RU"/>
+        </a:p>
+      </dgm:t>
     </dgm:pt>
     <dgm:pt modelId="{935A1F96-8C6B-4CB8-B151-B31C97F5597D}" type="pres">
       <dgm:prSet presAssocID="{CC326D99-283D-4BE7-96AC-2CB9524CC1D0}" presName="node" presStyleLbl="node1" presStyleIdx="3" presStyleCnt="5">
@@ -6438,14 +5300,35 @@
         </dgm:presLayoutVars>
       </dgm:prSet>
       <dgm:spPr/>
+      <dgm:t>
+        <a:bodyPr/>
+        <a:lstStyle/>
+        <a:p>
+          <a:endParaRPr lang="ru-RU"/>
+        </a:p>
+      </dgm:t>
     </dgm:pt>
     <dgm:pt modelId="{4DE8A120-1BCB-4D6E-B1F9-4BDCEC7C5779}" type="pres">
       <dgm:prSet presAssocID="{21572320-9837-4012-A7E8-8ACEA02591FF}" presName="Name9" presStyleLbl="parChTrans1D2" presStyleIdx="4" presStyleCnt="5"/>
       <dgm:spPr/>
+      <dgm:t>
+        <a:bodyPr/>
+        <a:lstStyle/>
+        <a:p>
+          <a:endParaRPr lang="ru-RU"/>
+        </a:p>
+      </dgm:t>
     </dgm:pt>
     <dgm:pt modelId="{A42DEBA1-64FE-4080-89F8-35427B1E7F4E}" type="pres">
       <dgm:prSet presAssocID="{21572320-9837-4012-A7E8-8ACEA02591FF}" presName="connTx" presStyleLbl="parChTrans1D2" presStyleIdx="4" presStyleCnt="5"/>
       <dgm:spPr/>
+      <dgm:t>
+        <a:bodyPr/>
+        <a:lstStyle/>
+        <a:p>
+          <a:endParaRPr lang="ru-RU"/>
+        </a:p>
+      </dgm:t>
     </dgm:pt>
     <dgm:pt modelId="{95A2D75F-3C3F-4653-A5FC-8BF0D4D6EEFE}" type="pres">
       <dgm:prSet presAssocID="{44C2122C-6BF5-4FD0-B2AA-4CAB687DBF7E}" presName="node" presStyleLbl="node1" presStyleIdx="4" presStyleCnt="5">
@@ -6454,6 +5337,13 @@
         </dgm:presLayoutVars>
       </dgm:prSet>
       <dgm:spPr/>
+      <dgm:t>
+        <a:bodyPr/>
+        <a:lstStyle/>
+        <a:p>
+          <a:endParaRPr lang="ru-RU"/>
+        </a:p>
+      </dgm:t>
     </dgm:pt>
   </dgm:ptLst>
   <dgm:cxnLst>
@@ -6471,8 +5361,8 @@
     <dgm:cxn modelId="{5B60EF6B-351F-41CE-A0B9-AAA8CEFD8C9A}" type="presOf" srcId="{CC326D99-283D-4BE7-96AC-2CB9524CC1D0}" destId="{935A1F96-8C6B-4CB8-B151-B31C97F5597D}" srcOrd="0" destOrd="0" presId="urn:microsoft.com/office/officeart/2005/8/layout/radial1"/>
     <dgm:cxn modelId="{331D8AC7-87DA-44EB-958B-F49E8AA9D4C7}" type="presOf" srcId="{EBF0F4CF-0467-4E98-B8CA-76F41D781906}" destId="{506CC8FD-2E26-4AE7-B13D-71BBCE420E2C}" srcOrd="0" destOrd="0" presId="urn:microsoft.com/office/officeart/2005/8/layout/radial1"/>
     <dgm:cxn modelId="{38375217-0FD0-4BA1-AB08-0593CCEF7C07}" type="presOf" srcId="{8064281F-2167-46CA-B3B1-9F3EDC205B7D}" destId="{8F6D8065-965B-4A4F-B6F8-BDB592D2B4BF}" srcOrd="0" destOrd="0" presId="urn:microsoft.com/office/officeart/2005/8/layout/radial1"/>
+    <dgm:cxn modelId="{31A59F1A-D306-447B-AEAA-2A94E87728DA}" type="presOf" srcId="{CD64D8F1-4C5C-40AC-B354-919B111D0B45}" destId="{370FD676-5D5A-47D9-BA62-6D03BC83E44F}" srcOrd="1" destOrd="0" presId="urn:microsoft.com/office/officeart/2005/8/layout/radial1"/>
     <dgm:cxn modelId="{CE3BB7F9-0DB6-45E7-A5F2-E8E86405B845}" srcId="{EBF0F4CF-0467-4E98-B8CA-76F41D781906}" destId="{DB9871E4-98C9-4B1E-8567-1925E1A07472}" srcOrd="1" destOrd="0" parTransId="{CD64D8F1-4C5C-40AC-B354-919B111D0B45}" sibTransId="{0BA50633-AC16-4C7A-BAC8-ACF96A6E3EA7}"/>
-    <dgm:cxn modelId="{31A59F1A-D306-447B-AEAA-2A94E87728DA}" type="presOf" srcId="{CD64D8F1-4C5C-40AC-B354-919B111D0B45}" destId="{370FD676-5D5A-47D9-BA62-6D03BC83E44F}" srcOrd="1" destOrd="0" presId="urn:microsoft.com/office/officeart/2005/8/layout/radial1"/>
     <dgm:cxn modelId="{AAF98052-D52D-4D35-A3B5-3F8F7E7AC261}" type="presOf" srcId="{21572320-9837-4012-A7E8-8ACEA02591FF}" destId="{4DE8A120-1BCB-4D6E-B1F9-4BDCEC7C5779}" srcOrd="0" destOrd="0" presId="urn:microsoft.com/office/officeart/2005/8/layout/radial1"/>
     <dgm:cxn modelId="{A97B3EBD-960E-4D32-848D-8CD754D6E1D4}" type="presOf" srcId="{D8D2FC05-636E-46EC-BDB2-130CAA7CAD5C}" destId="{775184BA-8D1C-4E64-B481-B4E5F76BAACD}" srcOrd="1" destOrd="0" presId="urn:microsoft.com/office/officeart/2005/8/layout/radial1"/>
     <dgm:cxn modelId="{1B5C6882-6E05-4CAF-88F7-F4AAD5BA8700}" type="presOf" srcId="{DB9871E4-98C9-4B1E-8567-1925E1A07472}" destId="{16A90822-693B-4AAA-A690-D1B7BBE713D3}" srcOrd="0" destOrd="0" presId="urn:microsoft.com/office/officeart/2005/8/layout/radial1"/>
@@ -6804,6 +5694,13 @@
         </dgm:presLayoutVars>
       </dgm:prSet>
       <dgm:spPr/>
+      <dgm:t>
+        <a:bodyPr/>
+        <a:lstStyle/>
+        <a:p>
+          <a:endParaRPr lang="ru-RU"/>
+        </a:p>
+      </dgm:t>
     </dgm:pt>
     <dgm:pt modelId="{506CC8FD-2E26-4AE7-B13D-71BBCE420E2C}" type="pres">
       <dgm:prSet presAssocID="{EBF0F4CF-0467-4E98-B8CA-76F41D781906}" presName="centerShape" presStyleLbl="node0" presStyleIdx="0" presStyleCnt="1"/>
@@ -6819,10 +5716,24 @@
     <dgm:pt modelId="{BD3E845E-4D7C-4CE3-83BC-20831ED88AEC}" type="pres">
       <dgm:prSet presAssocID="{8D551FB1-FF58-4F83-903E-3255390FA4DB}" presName="Name9" presStyleLbl="parChTrans1D2" presStyleIdx="0" presStyleCnt="5"/>
       <dgm:spPr/>
+      <dgm:t>
+        <a:bodyPr/>
+        <a:lstStyle/>
+        <a:p>
+          <a:endParaRPr lang="ru-RU"/>
+        </a:p>
+      </dgm:t>
     </dgm:pt>
     <dgm:pt modelId="{A3328905-D93C-40BA-BB5A-1634C5D9AEAB}" type="pres">
       <dgm:prSet presAssocID="{8D551FB1-FF58-4F83-903E-3255390FA4DB}" presName="connTx" presStyleLbl="parChTrans1D2" presStyleIdx="0" presStyleCnt="5"/>
       <dgm:spPr/>
+      <dgm:t>
+        <a:bodyPr/>
+        <a:lstStyle/>
+        <a:p>
+          <a:endParaRPr lang="ru-RU"/>
+        </a:p>
+      </dgm:t>
     </dgm:pt>
     <dgm:pt modelId="{19A07A34-1010-48C6-A801-BD8D5D256EA9}" type="pres">
       <dgm:prSet presAssocID="{4019C2EE-49C8-4195-A89B-7537B9CD75C7}" presName="node" presStyleLbl="node1" presStyleIdx="0" presStyleCnt="5">
@@ -6831,14 +5742,35 @@
         </dgm:presLayoutVars>
       </dgm:prSet>
       <dgm:spPr/>
+      <dgm:t>
+        <a:bodyPr/>
+        <a:lstStyle/>
+        <a:p>
+          <a:endParaRPr lang="ru-RU"/>
+        </a:p>
+      </dgm:t>
     </dgm:pt>
     <dgm:pt modelId="{A40744F3-8F59-4D61-9DF6-A37D24278559}" type="pres">
       <dgm:prSet presAssocID="{CD64D8F1-4C5C-40AC-B354-919B111D0B45}" presName="Name9" presStyleLbl="parChTrans1D2" presStyleIdx="1" presStyleCnt="5"/>
       <dgm:spPr/>
+      <dgm:t>
+        <a:bodyPr/>
+        <a:lstStyle/>
+        <a:p>
+          <a:endParaRPr lang="ru-RU"/>
+        </a:p>
+      </dgm:t>
     </dgm:pt>
     <dgm:pt modelId="{370FD676-5D5A-47D9-BA62-6D03BC83E44F}" type="pres">
       <dgm:prSet presAssocID="{CD64D8F1-4C5C-40AC-B354-919B111D0B45}" presName="connTx" presStyleLbl="parChTrans1D2" presStyleIdx="1" presStyleCnt="5"/>
       <dgm:spPr/>
+      <dgm:t>
+        <a:bodyPr/>
+        <a:lstStyle/>
+        <a:p>
+          <a:endParaRPr lang="ru-RU"/>
+        </a:p>
+      </dgm:t>
     </dgm:pt>
     <dgm:pt modelId="{16A90822-693B-4AAA-A690-D1B7BBE713D3}" type="pres">
       <dgm:prSet presAssocID="{DB9871E4-98C9-4B1E-8567-1925E1A07472}" presName="node" presStyleLbl="node1" presStyleIdx="1" presStyleCnt="5">
@@ -6847,14 +5779,35 @@
         </dgm:presLayoutVars>
       </dgm:prSet>
       <dgm:spPr/>
+      <dgm:t>
+        <a:bodyPr/>
+        <a:lstStyle/>
+        <a:p>
+          <a:endParaRPr lang="ru-RU"/>
+        </a:p>
+      </dgm:t>
     </dgm:pt>
     <dgm:pt modelId="{0B2CB517-7DD7-48E1-8259-4393B3E0C3EC}" type="pres">
       <dgm:prSet presAssocID="{D8D2FC05-636E-46EC-BDB2-130CAA7CAD5C}" presName="Name9" presStyleLbl="parChTrans1D2" presStyleIdx="2" presStyleCnt="5"/>
       <dgm:spPr/>
+      <dgm:t>
+        <a:bodyPr/>
+        <a:lstStyle/>
+        <a:p>
+          <a:endParaRPr lang="ru-RU"/>
+        </a:p>
+      </dgm:t>
     </dgm:pt>
     <dgm:pt modelId="{775184BA-8D1C-4E64-B481-B4E5F76BAACD}" type="pres">
       <dgm:prSet presAssocID="{D8D2FC05-636E-46EC-BDB2-130CAA7CAD5C}" presName="connTx" presStyleLbl="parChTrans1D2" presStyleIdx="2" presStyleCnt="5"/>
       <dgm:spPr/>
+      <dgm:t>
+        <a:bodyPr/>
+        <a:lstStyle/>
+        <a:p>
+          <a:endParaRPr lang="ru-RU"/>
+        </a:p>
+      </dgm:t>
     </dgm:pt>
     <dgm:pt modelId="{8F6D8065-965B-4A4F-B6F8-BDB592D2B4BF}" type="pres">
       <dgm:prSet presAssocID="{8064281F-2167-46CA-B3B1-9F3EDC205B7D}" presName="node" presStyleLbl="node1" presStyleIdx="2" presStyleCnt="5">
@@ -6863,14 +5816,35 @@
         </dgm:presLayoutVars>
       </dgm:prSet>
       <dgm:spPr/>
+      <dgm:t>
+        <a:bodyPr/>
+        <a:lstStyle/>
+        <a:p>
+          <a:endParaRPr lang="ru-RU"/>
+        </a:p>
+      </dgm:t>
     </dgm:pt>
     <dgm:pt modelId="{9036BBB6-75F0-4F69-9249-B49C871EAD6A}" type="pres">
       <dgm:prSet presAssocID="{178306AB-98F5-4039-9EA0-E2D6CF09B243}" presName="Name9" presStyleLbl="parChTrans1D2" presStyleIdx="3" presStyleCnt="5"/>
       <dgm:spPr/>
+      <dgm:t>
+        <a:bodyPr/>
+        <a:lstStyle/>
+        <a:p>
+          <a:endParaRPr lang="ru-RU"/>
+        </a:p>
+      </dgm:t>
     </dgm:pt>
     <dgm:pt modelId="{F72E8894-E9F1-415C-A832-3C5CA474FD2F}" type="pres">
       <dgm:prSet presAssocID="{178306AB-98F5-4039-9EA0-E2D6CF09B243}" presName="connTx" presStyleLbl="parChTrans1D2" presStyleIdx="3" presStyleCnt="5"/>
       <dgm:spPr/>
+      <dgm:t>
+        <a:bodyPr/>
+        <a:lstStyle/>
+        <a:p>
+          <a:endParaRPr lang="ru-RU"/>
+        </a:p>
+      </dgm:t>
     </dgm:pt>
     <dgm:pt modelId="{935A1F96-8C6B-4CB8-B151-B31C97F5597D}" type="pres">
       <dgm:prSet presAssocID="{CC326D99-283D-4BE7-96AC-2CB9524CC1D0}" presName="node" presStyleLbl="node1" presStyleIdx="3" presStyleCnt="5">
@@ -6879,14 +5853,35 @@
         </dgm:presLayoutVars>
       </dgm:prSet>
       <dgm:spPr/>
+      <dgm:t>
+        <a:bodyPr/>
+        <a:lstStyle/>
+        <a:p>
+          <a:endParaRPr lang="ru-RU"/>
+        </a:p>
+      </dgm:t>
     </dgm:pt>
     <dgm:pt modelId="{4DE8A120-1BCB-4D6E-B1F9-4BDCEC7C5779}" type="pres">
       <dgm:prSet presAssocID="{21572320-9837-4012-A7E8-8ACEA02591FF}" presName="Name9" presStyleLbl="parChTrans1D2" presStyleIdx="4" presStyleCnt="5"/>
       <dgm:spPr/>
+      <dgm:t>
+        <a:bodyPr/>
+        <a:lstStyle/>
+        <a:p>
+          <a:endParaRPr lang="ru-RU"/>
+        </a:p>
+      </dgm:t>
     </dgm:pt>
     <dgm:pt modelId="{A42DEBA1-64FE-4080-89F8-35427B1E7F4E}" type="pres">
       <dgm:prSet presAssocID="{21572320-9837-4012-A7E8-8ACEA02591FF}" presName="connTx" presStyleLbl="parChTrans1D2" presStyleIdx="4" presStyleCnt="5"/>
       <dgm:spPr/>
+      <dgm:t>
+        <a:bodyPr/>
+        <a:lstStyle/>
+        <a:p>
+          <a:endParaRPr lang="ru-RU"/>
+        </a:p>
+      </dgm:t>
     </dgm:pt>
     <dgm:pt modelId="{95A2D75F-3C3F-4653-A5FC-8BF0D4D6EEFE}" type="pres">
       <dgm:prSet presAssocID="{44C2122C-6BF5-4FD0-B2AA-4CAB687DBF7E}" presName="node" presStyleLbl="node1" presStyleIdx="4" presStyleCnt="5">
@@ -6895,32 +5890,39 @@
         </dgm:presLayoutVars>
       </dgm:prSet>
       <dgm:spPr/>
+      <dgm:t>
+        <a:bodyPr/>
+        <a:lstStyle/>
+        <a:p>
+          <a:endParaRPr lang="ru-RU"/>
+        </a:p>
+      </dgm:t>
     </dgm:pt>
   </dgm:ptLst>
   <dgm:cxnLst>
+    <dgm:cxn modelId="{8625EB85-3816-458F-B1D2-F51D0E469A95}" type="presOf" srcId="{178306AB-98F5-4039-9EA0-E2D6CF09B243}" destId="{F72E8894-E9F1-415C-A832-3C5CA474FD2F}" srcOrd="1" destOrd="0" presId="urn:microsoft.com/office/officeart/2005/8/layout/radial1"/>
+    <dgm:cxn modelId="{78EEAA5D-9F42-4EE8-81C5-C96C385EC954}" srcId="{60617EE0-9F0F-45D0-850A-B5B8EB2CE859}" destId="{EBF0F4CF-0467-4E98-B8CA-76F41D781906}" srcOrd="0" destOrd="0" parTransId="{03A49EE8-52F0-486F-8848-7BBDF1D3ED53}" sibTransId="{FE5FBB68-3B25-42FC-A389-1A2C0D42D20B}"/>
+    <dgm:cxn modelId="{F4348659-AF8D-49B5-8194-A3D7BEC506BB}" type="presOf" srcId="{CC326D99-283D-4BE7-96AC-2CB9524CC1D0}" destId="{935A1F96-8C6B-4CB8-B151-B31C97F5597D}" srcOrd="0" destOrd="0" presId="urn:microsoft.com/office/officeart/2005/8/layout/radial1"/>
+    <dgm:cxn modelId="{CE3BB7F9-0DB6-45E7-A5F2-E8E86405B845}" srcId="{EBF0F4CF-0467-4E98-B8CA-76F41D781906}" destId="{DB9871E4-98C9-4B1E-8567-1925E1A07472}" srcOrd="1" destOrd="0" parTransId="{CD64D8F1-4C5C-40AC-B354-919B111D0B45}" sibTransId="{0BA50633-AC16-4C7A-BAC8-ACF96A6E3EA7}"/>
+    <dgm:cxn modelId="{ABEC7DD5-B00D-4134-8A26-4FCC99149CA9}" srcId="{EBF0F4CF-0467-4E98-B8CA-76F41D781906}" destId="{4019C2EE-49C8-4195-A89B-7537B9CD75C7}" srcOrd="0" destOrd="0" parTransId="{8D551FB1-FF58-4F83-903E-3255390FA4DB}" sibTransId="{0824EDF2-AAE5-4132-9777-5A09F0A814D8}"/>
+    <dgm:cxn modelId="{24AF3C11-E8BD-4EDE-B92D-FECE9AFFC978}" type="presOf" srcId="{178306AB-98F5-4039-9EA0-E2D6CF09B243}" destId="{9036BBB6-75F0-4F69-9249-B49C871EAD6A}" srcOrd="0" destOrd="0" presId="urn:microsoft.com/office/officeart/2005/8/layout/radial1"/>
+    <dgm:cxn modelId="{9AA1998B-8FB0-409C-B29B-BF0ECDF72422}" type="presOf" srcId="{8D551FB1-FF58-4F83-903E-3255390FA4DB}" destId="{BD3E845E-4D7C-4CE3-83BC-20831ED88AEC}" srcOrd="0" destOrd="0" presId="urn:microsoft.com/office/officeart/2005/8/layout/radial1"/>
+    <dgm:cxn modelId="{2009D117-6D6B-438B-8F24-81733BA8840D}" type="presOf" srcId="{44C2122C-6BF5-4FD0-B2AA-4CAB687DBF7E}" destId="{95A2D75F-3C3F-4653-A5FC-8BF0D4D6EEFE}" srcOrd="0" destOrd="0" presId="urn:microsoft.com/office/officeart/2005/8/layout/radial1"/>
+    <dgm:cxn modelId="{E15D0854-A949-4B8F-A860-DD1EE3C5D3F9}" type="presOf" srcId="{CD64D8F1-4C5C-40AC-B354-919B111D0B45}" destId="{370FD676-5D5A-47D9-BA62-6D03BC83E44F}" srcOrd="1" destOrd="0" presId="urn:microsoft.com/office/officeart/2005/8/layout/radial1"/>
     <dgm:cxn modelId="{37F643ED-27C7-42B4-A34B-9C034E8F5C6C}" type="presOf" srcId="{CD64D8F1-4C5C-40AC-B354-919B111D0B45}" destId="{A40744F3-8F59-4D61-9DF6-A37D24278559}" srcOrd="0" destOrd="0" presId="urn:microsoft.com/office/officeart/2005/8/layout/radial1"/>
-    <dgm:cxn modelId="{78EEAA5D-9F42-4EE8-81C5-C96C385EC954}" srcId="{60617EE0-9F0F-45D0-850A-B5B8EB2CE859}" destId="{EBF0F4CF-0467-4E98-B8CA-76F41D781906}" srcOrd="0" destOrd="0" parTransId="{03A49EE8-52F0-486F-8848-7BBDF1D3ED53}" sibTransId="{FE5FBB68-3B25-42FC-A389-1A2C0D42D20B}"/>
+    <dgm:cxn modelId="{F5ABAE59-874A-4543-85A2-A143C3D45DE6}" type="presOf" srcId="{21572320-9837-4012-A7E8-8ACEA02591FF}" destId="{4DE8A120-1BCB-4D6E-B1F9-4BDCEC7C5779}" srcOrd="0" destOrd="0" presId="urn:microsoft.com/office/officeart/2005/8/layout/radial1"/>
     <dgm:cxn modelId="{A54F0BAC-8A62-45B7-AA26-A0282EE512C8}" srcId="{EBF0F4CF-0467-4E98-B8CA-76F41D781906}" destId="{44C2122C-6BF5-4FD0-B2AA-4CAB687DBF7E}" srcOrd="4" destOrd="0" parTransId="{21572320-9837-4012-A7E8-8ACEA02591FF}" sibTransId="{9E1C2A47-86BE-4D07-B4A5-A02A87BF4E76}"/>
-    <dgm:cxn modelId="{24AF3C11-E8BD-4EDE-B92D-FECE9AFFC978}" type="presOf" srcId="{178306AB-98F5-4039-9EA0-E2D6CF09B243}" destId="{9036BBB6-75F0-4F69-9249-B49C871EAD6A}" srcOrd="0" destOrd="0" presId="urn:microsoft.com/office/officeart/2005/8/layout/radial1"/>
+    <dgm:cxn modelId="{47A26C9C-88F9-4F10-BF84-9D4F34CE2D25}" type="presOf" srcId="{D8D2FC05-636E-46EC-BDB2-130CAA7CAD5C}" destId="{0B2CB517-7DD7-48E1-8259-4393B3E0C3EC}" srcOrd="0" destOrd="0" presId="urn:microsoft.com/office/officeart/2005/8/layout/radial1"/>
     <dgm:cxn modelId="{2F60552D-6663-4AF4-83C2-29A5F68A9DA4}" type="presOf" srcId="{EBF0F4CF-0467-4E98-B8CA-76F41D781906}" destId="{506CC8FD-2E26-4AE7-B13D-71BBCE420E2C}" srcOrd="0" destOrd="0" presId="urn:microsoft.com/office/officeart/2005/8/layout/radial1"/>
-    <dgm:cxn modelId="{F4348659-AF8D-49B5-8194-A3D7BEC506BB}" type="presOf" srcId="{CC326D99-283D-4BE7-96AC-2CB9524CC1D0}" destId="{935A1F96-8C6B-4CB8-B151-B31C97F5597D}" srcOrd="0" destOrd="0" presId="urn:microsoft.com/office/officeart/2005/8/layout/radial1"/>
     <dgm:cxn modelId="{9B320CAD-6699-42A6-BF36-A3FFCF0ECA53}" type="presOf" srcId="{DB9871E4-98C9-4B1E-8567-1925E1A07472}" destId="{16A90822-693B-4AAA-A690-D1B7BBE713D3}" srcOrd="0" destOrd="0" presId="urn:microsoft.com/office/officeart/2005/8/layout/radial1"/>
-    <dgm:cxn modelId="{ABEC7DD5-B00D-4134-8A26-4FCC99149CA9}" srcId="{EBF0F4CF-0467-4E98-B8CA-76F41D781906}" destId="{4019C2EE-49C8-4195-A89B-7537B9CD75C7}" srcOrd="0" destOrd="0" parTransId="{8D551FB1-FF58-4F83-903E-3255390FA4DB}" sibTransId="{0824EDF2-AAE5-4132-9777-5A09F0A814D8}"/>
+    <dgm:cxn modelId="{87469742-A5F2-41F1-ADC9-AD83EBF99C56}" type="presOf" srcId="{D8D2FC05-636E-46EC-BDB2-130CAA7CAD5C}" destId="{775184BA-8D1C-4E64-B481-B4E5F76BAACD}" srcOrd="1" destOrd="0" presId="urn:microsoft.com/office/officeart/2005/8/layout/radial1"/>
+    <dgm:cxn modelId="{70BA8F43-2FC0-407F-BC1C-9D0641C5E99D}" type="presOf" srcId="{8D551FB1-FF58-4F83-903E-3255390FA4DB}" destId="{A3328905-D93C-40BA-BB5A-1634C5D9AEAB}" srcOrd="1" destOrd="0" presId="urn:microsoft.com/office/officeart/2005/8/layout/radial1"/>
+    <dgm:cxn modelId="{72B51E46-4FE7-4344-94A2-95B21A139D3F}" type="presOf" srcId="{4019C2EE-49C8-4195-A89B-7537B9CD75C7}" destId="{19A07A34-1010-48C6-A801-BD8D5D256EA9}" srcOrd="0" destOrd="0" presId="urn:microsoft.com/office/officeart/2005/8/layout/radial1"/>
+    <dgm:cxn modelId="{0CF85E61-D7F9-48AA-A4CA-0FCE6E6D1384}" type="presOf" srcId="{21572320-9837-4012-A7E8-8ACEA02591FF}" destId="{A42DEBA1-64FE-4080-89F8-35427B1E7F4E}" srcOrd="1" destOrd="0" presId="urn:microsoft.com/office/officeart/2005/8/layout/radial1"/>
+    <dgm:cxn modelId="{A666541C-0A86-48F1-8ECD-501782C69E17}" srcId="{EBF0F4CF-0467-4E98-B8CA-76F41D781906}" destId="{CC326D99-283D-4BE7-96AC-2CB9524CC1D0}" srcOrd="3" destOrd="0" parTransId="{178306AB-98F5-4039-9EA0-E2D6CF09B243}" sibTransId="{5F90D1A0-6B01-4BDD-A09F-2F5932AF07E2}"/>
+    <dgm:cxn modelId="{74E29863-0B51-4781-A288-ABAEDA39E932}" type="presOf" srcId="{60617EE0-9F0F-45D0-850A-B5B8EB2CE859}" destId="{54DE3EBE-D9FB-46C6-A63C-A132F7BB7E5D}" srcOrd="0" destOrd="0" presId="urn:microsoft.com/office/officeart/2005/8/layout/radial1"/>
+    <dgm:cxn modelId="{E9175E55-891D-4D9E-A91E-56D9216D727B}" type="presOf" srcId="{8064281F-2167-46CA-B3B1-9F3EDC205B7D}" destId="{8F6D8065-965B-4A4F-B6F8-BDB592D2B4BF}" srcOrd="0" destOrd="0" presId="urn:microsoft.com/office/officeart/2005/8/layout/radial1"/>
     <dgm:cxn modelId="{09BD88A0-1609-4441-B67F-6D42E6DAF63B}" srcId="{EBF0F4CF-0467-4E98-B8CA-76F41D781906}" destId="{8064281F-2167-46CA-B3B1-9F3EDC205B7D}" srcOrd="2" destOrd="0" parTransId="{D8D2FC05-636E-46EC-BDB2-130CAA7CAD5C}" sibTransId="{C2FD1287-7C86-4421-9A50-89DD32C46F05}"/>
-    <dgm:cxn modelId="{F5ABAE59-874A-4543-85A2-A143C3D45DE6}" type="presOf" srcId="{21572320-9837-4012-A7E8-8ACEA02591FF}" destId="{4DE8A120-1BCB-4D6E-B1F9-4BDCEC7C5779}" srcOrd="0" destOrd="0" presId="urn:microsoft.com/office/officeart/2005/8/layout/radial1"/>
-    <dgm:cxn modelId="{A666541C-0A86-48F1-8ECD-501782C69E17}" srcId="{EBF0F4CF-0467-4E98-B8CA-76F41D781906}" destId="{CC326D99-283D-4BE7-96AC-2CB9524CC1D0}" srcOrd="3" destOrd="0" parTransId="{178306AB-98F5-4039-9EA0-E2D6CF09B243}" sibTransId="{5F90D1A0-6B01-4BDD-A09F-2F5932AF07E2}"/>
-    <dgm:cxn modelId="{70BA8F43-2FC0-407F-BC1C-9D0641C5E99D}" type="presOf" srcId="{8D551FB1-FF58-4F83-903E-3255390FA4DB}" destId="{A3328905-D93C-40BA-BB5A-1634C5D9AEAB}" srcOrd="1" destOrd="0" presId="urn:microsoft.com/office/officeart/2005/8/layout/radial1"/>
-    <dgm:cxn modelId="{E15D0854-A949-4B8F-A860-DD1EE3C5D3F9}" type="presOf" srcId="{CD64D8F1-4C5C-40AC-B354-919B111D0B45}" destId="{370FD676-5D5A-47D9-BA62-6D03BC83E44F}" srcOrd="1" destOrd="0" presId="urn:microsoft.com/office/officeart/2005/8/layout/radial1"/>
-    <dgm:cxn modelId="{E9175E55-891D-4D9E-A91E-56D9216D727B}" type="presOf" srcId="{8064281F-2167-46CA-B3B1-9F3EDC205B7D}" destId="{8F6D8065-965B-4A4F-B6F8-BDB592D2B4BF}" srcOrd="0" destOrd="0" presId="urn:microsoft.com/office/officeart/2005/8/layout/radial1"/>
-    <dgm:cxn modelId="{9AA1998B-8FB0-409C-B29B-BF0ECDF72422}" type="presOf" srcId="{8D551FB1-FF58-4F83-903E-3255390FA4DB}" destId="{BD3E845E-4D7C-4CE3-83BC-20831ED88AEC}" srcOrd="0" destOrd="0" presId="urn:microsoft.com/office/officeart/2005/8/layout/radial1"/>
-    <dgm:cxn modelId="{CE3BB7F9-0DB6-45E7-A5F2-E8E86405B845}" srcId="{EBF0F4CF-0467-4E98-B8CA-76F41D781906}" destId="{DB9871E4-98C9-4B1E-8567-1925E1A07472}" srcOrd="1" destOrd="0" parTransId="{CD64D8F1-4C5C-40AC-B354-919B111D0B45}" sibTransId="{0BA50633-AC16-4C7A-BAC8-ACF96A6E3EA7}"/>
-    <dgm:cxn modelId="{47A26C9C-88F9-4F10-BF84-9D4F34CE2D25}" type="presOf" srcId="{D8D2FC05-636E-46EC-BDB2-130CAA7CAD5C}" destId="{0B2CB517-7DD7-48E1-8259-4393B3E0C3EC}" srcOrd="0" destOrd="0" presId="urn:microsoft.com/office/officeart/2005/8/layout/radial1"/>
-    <dgm:cxn modelId="{8625EB85-3816-458F-B1D2-F51D0E469A95}" type="presOf" srcId="{178306AB-98F5-4039-9EA0-E2D6CF09B243}" destId="{F72E8894-E9F1-415C-A832-3C5CA474FD2F}" srcOrd="1" destOrd="0" presId="urn:microsoft.com/office/officeart/2005/8/layout/radial1"/>
-    <dgm:cxn modelId="{74E29863-0B51-4781-A288-ABAEDA39E932}" type="presOf" srcId="{60617EE0-9F0F-45D0-850A-B5B8EB2CE859}" destId="{54DE3EBE-D9FB-46C6-A63C-A132F7BB7E5D}" srcOrd="0" destOrd="0" presId="urn:microsoft.com/office/officeart/2005/8/layout/radial1"/>
-    <dgm:cxn modelId="{2009D117-6D6B-438B-8F24-81733BA8840D}" type="presOf" srcId="{44C2122C-6BF5-4FD0-B2AA-4CAB687DBF7E}" destId="{95A2D75F-3C3F-4653-A5FC-8BF0D4D6EEFE}" srcOrd="0" destOrd="0" presId="urn:microsoft.com/office/officeart/2005/8/layout/radial1"/>
-    <dgm:cxn modelId="{0CF85E61-D7F9-48AA-A4CA-0FCE6E6D1384}" type="presOf" srcId="{21572320-9837-4012-A7E8-8ACEA02591FF}" destId="{A42DEBA1-64FE-4080-89F8-35427B1E7F4E}" srcOrd="1" destOrd="0" presId="urn:microsoft.com/office/officeart/2005/8/layout/radial1"/>
-    <dgm:cxn modelId="{72B51E46-4FE7-4344-94A2-95B21A139D3F}" type="presOf" srcId="{4019C2EE-49C8-4195-A89B-7537B9CD75C7}" destId="{19A07A34-1010-48C6-A801-BD8D5D256EA9}" srcOrd="0" destOrd="0" presId="urn:microsoft.com/office/officeart/2005/8/layout/radial1"/>
-    <dgm:cxn modelId="{87469742-A5F2-41F1-ADC9-AD83EBF99C56}" type="presOf" srcId="{D8D2FC05-636E-46EC-BDB2-130CAA7CAD5C}" destId="{775184BA-8D1C-4E64-B481-B4E5F76BAACD}" srcOrd="1" destOrd="0" presId="urn:microsoft.com/office/officeart/2005/8/layout/radial1"/>
     <dgm:cxn modelId="{DD446C21-7D39-4F4B-9D7E-9E1A870986C9}" type="presParOf" srcId="{54DE3EBE-D9FB-46C6-A63C-A132F7BB7E5D}" destId="{506CC8FD-2E26-4AE7-B13D-71BBCE420E2C}" srcOrd="0" destOrd="0" presId="urn:microsoft.com/office/officeart/2005/8/layout/radial1"/>
     <dgm:cxn modelId="{E5E02451-54F8-46FC-8460-3D30FC5AEAA8}" type="presParOf" srcId="{54DE3EBE-D9FB-46C6-A63C-A132F7BB7E5D}" destId="{BD3E845E-4D7C-4CE3-83BC-20831ED88AEC}" srcOrd="1" destOrd="0" presId="urn:microsoft.com/office/officeart/2005/8/layout/radial1"/>
     <dgm:cxn modelId="{A6ED7BB8-2320-46AE-803F-8757A6E22C13}" type="presParOf" srcId="{BD3E845E-4D7C-4CE3-83BC-20831ED88AEC}" destId="{A3328905-D93C-40BA-BB5A-1634C5D9AEAB}" srcOrd="0" destOrd="0" presId="urn:microsoft.com/office/officeart/2005/8/layout/radial1"/>
@@ -7259,6 +6261,13 @@
         </dgm:presLayoutVars>
       </dgm:prSet>
       <dgm:spPr/>
+      <dgm:t>
+        <a:bodyPr/>
+        <a:lstStyle/>
+        <a:p>
+          <a:endParaRPr lang="ru-RU"/>
+        </a:p>
+      </dgm:t>
     </dgm:pt>
     <dgm:pt modelId="{5447C531-E157-4A38-8E15-D58CFDE83DDB}" type="pres">
       <dgm:prSet presAssocID="{E401A207-D970-4540-A7D8-1D2DE637C704}" presName="singleCycle" presStyleCnt="0"/>
@@ -7272,10 +6281,24 @@
         </dgm:presLayoutVars>
       </dgm:prSet>
       <dgm:spPr/>
+      <dgm:t>
+        <a:bodyPr/>
+        <a:lstStyle/>
+        <a:p>
+          <a:endParaRPr lang="ru-RU"/>
+        </a:p>
+      </dgm:t>
     </dgm:pt>
     <dgm:pt modelId="{31BCADCA-80D2-424B-BFB0-A0AF1E13D2E2}" type="pres">
       <dgm:prSet presAssocID="{0B6DC4C4-868B-45FA-8358-6CAB108952EC}" presName="Name56" presStyleLbl="parChTrans1D2" presStyleIdx="0" presStyleCnt="4"/>
       <dgm:spPr/>
+      <dgm:t>
+        <a:bodyPr/>
+        <a:lstStyle/>
+        <a:p>
+          <a:endParaRPr lang="ru-RU"/>
+        </a:p>
+      </dgm:t>
     </dgm:pt>
     <dgm:pt modelId="{C3655CBF-3ABB-474C-8D36-3C5745CA1400}" type="pres">
       <dgm:prSet presAssocID="{F100A25E-EA34-4EC6-8425-83AB70B46938}" presName="text0" presStyleLbl="node1" presStyleIdx="1" presStyleCnt="5" custScaleX="396271" custScaleY="120994">
@@ -7295,6 +6318,13 @@
     <dgm:pt modelId="{40765CB4-C294-459A-8862-FC5E44F7FB91}" type="pres">
       <dgm:prSet presAssocID="{F8D72010-AF4F-4609-B96E-382ED1A887D9}" presName="Name56" presStyleLbl="parChTrans1D2" presStyleIdx="1" presStyleCnt="4"/>
       <dgm:spPr/>
+      <dgm:t>
+        <a:bodyPr/>
+        <a:lstStyle/>
+        <a:p>
+          <a:endParaRPr lang="ru-RU"/>
+        </a:p>
+      </dgm:t>
     </dgm:pt>
     <dgm:pt modelId="{EEF398F6-2EF8-48AB-9AFF-6A7FD5CA2064}" type="pres">
       <dgm:prSet presAssocID="{BC91FB3B-9E6D-4490-8D7F-37F12A92C6D9}" presName="text0" presStyleLbl="node1" presStyleIdx="2" presStyleCnt="5" custScaleX="396271" custScaleY="120994" custRadScaleRad="150256" custRadScaleInc="-331">
@@ -7314,6 +6344,13 @@
     <dgm:pt modelId="{A6D1EF60-2A29-4EBA-9A52-4C2DAC5030E3}" type="pres">
       <dgm:prSet presAssocID="{BF81E867-F11B-445A-B098-3524BB151843}" presName="Name56" presStyleLbl="parChTrans1D2" presStyleIdx="2" presStyleCnt="4"/>
       <dgm:spPr/>
+      <dgm:t>
+        <a:bodyPr/>
+        <a:lstStyle/>
+        <a:p>
+          <a:endParaRPr lang="ru-RU"/>
+        </a:p>
+      </dgm:t>
     </dgm:pt>
     <dgm:pt modelId="{C50AEFB2-1621-4C42-AC18-6AFD59CCAAB2}" type="pres">
       <dgm:prSet presAssocID="{47429E1D-FD7A-4AF3-A8B9-8C221A60DA7B}" presName="text0" presStyleLbl="node1" presStyleIdx="3" presStyleCnt="5" custScaleX="396271" custScaleY="120994" custRadScaleRad="94513" custRadScaleInc="-6650">
@@ -7333,6 +6370,13 @@
     <dgm:pt modelId="{1FB923F5-4F9F-4D64-AD50-9DEA6904FB57}" type="pres">
       <dgm:prSet presAssocID="{17B7480E-1A93-4241-8957-C233CEFD26A8}" presName="Name56" presStyleLbl="parChTrans1D2" presStyleIdx="3" presStyleCnt="4"/>
       <dgm:spPr/>
+      <dgm:t>
+        <a:bodyPr/>
+        <a:lstStyle/>
+        <a:p>
+          <a:endParaRPr lang="ru-RU"/>
+        </a:p>
+      </dgm:t>
     </dgm:pt>
     <dgm:pt modelId="{95283C3C-4BB4-4D34-B9B6-1A904A250625}" type="pres">
       <dgm:prSet presAssocID="{C0C36640-CB1A-44F6-A60F-AC14457A0FAB}" presName="text0" presStyleLbl="node1" presStyleIdx="4" presStyleCnt="5" custScaleX="396271" custScaleY="120994" custRadScaleRad="156184" custRadScaleInc="318">
@@ -7351,21 +6395,21 @@
     </dgm:pt>
   </dgm:ptLst>
   <dgm:cxnLst>
+    <dgm:cxn modelId="{216CF9F6-C409-4F7E-9953-446F28A64DF2}" srcId="{E401A207-D970-4540-A7D8-1D2DE637C704}" destId="{47429E1D-FD7A-4AF3-A8B9-8C221A60DA7B}" srcOrd="2" destOrd="0" parTransId="{BF81E867-F11B-445A-B098-3524BB151843}" sibTransId="{2911CC2C-254B-4575-9EFB-83379E2240D5}"/>
+    <dgm:cxn modelId="{FDE604AD-F3B4-430B-B61C-445BBF234144}" type="presOf" srcId="{47429E1D-FD7A-4AF3-A8B9-8C221A60DA7B}" destId="{C50AEFB2-1621-4C42-AC18-6AFD59CCAAB2}" srcOrd="0" destOrd="0" presId="urn:microsoft.com/office/officeart/2008/layout/RadialCluster"/>
     <dgm:cxn modelId="{8B82B00A-C46E-474C-AE4C-74136B391CD8}" type="presOf" srcId="{BC91FB3B-9E6D-4490-8D7F-37F12A92C6D9}" destId="{EEF398F6-2EF8-48AB-9AFF-6A7FD5CA2064}" srcOrd="0" destOrd="0" presId="urn:microsoft.com/office/officeart/2008/layout/RadialCluster"/>
+    <dgm:cxn modelId="{2319650B-78D6-47D2-B8D2-19C5E704678B}" srcId="{E401A207-D970-4540-A7D8-1D2DE637C704}" destId="{C0C36640-CB1A-44F6-A60F-AC14457A0FAB}" srcOrd="3" destOrd="0" parTransId="{17B7480E-1A93-4241-8957-C233CEFD26A8}" sibTransId="{044CDF25-98EF-478B-9E86-2D4263EEAD64}"/>
+    <dgm:cxn modelId="{E74B0F84-2A19-471C-AB9B-3FE3927CCC23}" srcId="{E401A207-D970-4540-A7D8-1D2DE637C704}" destId="{F100A25E-EA34-4EC6-8425-83AB70B46938}" srcOrd="0" destOrd="0" parTransId="{0B6DC4C4-868B-45FA-8358-6CAB108952EC}" sibTransId="{534D5137-68DB-44D0-810F-23464224219E}"/>
+    <dgm:cxn modelId="{77898682-AD47-4C39-BED4-382247C57201}" srcId="{E401A207-D970-4540-A7D8-1D2DE637C704}" destId="{BC91FB3B-9E6D-4490-8D7F-37F12A92C6D9}" srcOrd="1" destOrd="0" parTransId="{F8D72010-AF4F-4609-B96E-382ED1A887D9}" sibTransId="{3CC6E0B8-30FE-4DB7-8D41-188B3F12396F}"/>
+    <dgm:cxn modelId="{CB6FF63A-823C-419F-8009-D9424132D561}" type="presOf" srcId="{318EB9F8-A3B4-4FA7-9997-4937EB56EAEC}" destId="{E837BDE3-383E-40B2-A6FC-7B4752AEE84C}" srcOrd="0" destOrd="0" presId="urn:microsoft.com/office/officeart/2008/layout/RadialCluster"/>
+    <dgm:cxn modelId="{2439A873-0C91-4C95-A4A7-E8F54ED9974C}" type="presOf" srcId="{BF81E867-F11B-445A-B098-3524BB151843}" destId="{A6D1EF60-2A29-4EBA-9A52-4C2DAC5030E3}" srcOrd="0" destOrd="0" presId="urn:microsoft.com/office/officeart/2008/layout/RadialCluster"/>
+    <dgm:cxn modelId="{AB4E5AB5-1EB1-4D12-977D-2CE85009CBD7}" type="presOf" srcId="{F100A25E-EA34-4EC6-8425-83AB70B46938}" destId="{C3655CBF-3ABB-474C-8D36-3C5745CA1400}" srcOrd="0" destOrd="0" presId="urn:microsoft.com/office/officeart/2008/layout/RadialCluster"/>
+    <dgm:cxn modelId="{B7705C14-4E39-4338-B673-ED83ADA4CA68}" type="presOf" srcId="{17B7480E-1A93-4241-8957-C233CEFD26A8}" destId="{1FB923F5-4F9F-4D64-AD50-9DEA6904FB57}" srcOrd="0" destOrd="0" presId="urn:microsoft.com/office/officeart/2008/layout/RadialCluster"/>
+    <dgm:cxn modelId="{B7ADB2CE-FDF8-4DDC-9D65-2ADC68906671}" type="presOf" srcId="{E401A207-D970-4540-A7D8-1D2DE637C704}" destId="{25056C25-FD7A-454A-BD80-5797A854A1C9}" srcOrd="0" destOrd="0" presId="urn:microsoft.com/office/officeart/2008/layout/RadialCluster"/>
     <dgm:cxn modelId="{E42DE99F-5B53-4D5B-A7E6-421A243F95DE}" type="presOf" srcId="{F8D72010-AF4F-4609-B96E-382ED1A887D9}" destId="{40765CB4-C294-459A-8862-FC5E44F7FB91}" srcOrd="0" destOrd="0" presId="urn:microsoft.com/office/officeart/2008/layout/RadialCluster"/>
-    <dgm:cxn modelId="{FDE604AD-F3B4-430B-B61C-445BBF234144}" type="presOf" srcId="{47429E1D-FD7A-4AF3-A8B9-8C221A60DA7B}" destId="{C50AEFB2-1621-4C42-AC18-6AFD59CCAAB2}" srcOrd="0" destOrd="0" presId="urn:microsoft.com/office/officeart/2008/layout/RadialCluster"/>
-    <dgm:cxn modelId="{E74B0F84-2A19-471C-AB9B-3FE3927CCC23}" srcId="{E401A207-D970-4540-A7D8-1D2DE637C704}" destId="{F100A25E-EA34-4EC6-8425-83AB70B46938}" srcOrd="0" destOrd="0" parTransId="{0B6DC4C4-868B-45FA-8358-6CAB108952EC}" sibTransId="{534D5137-68DB-44D0-810F-23464224219E}"/>
+    <dgm:cxn modelId="{A1C3788A-9CBD-4238-9560-BF12EBE8E844}" srcId="{318EB9F8-A3B4-4FA7-9997-4937EB56EAEC}" destId="{E401A207-D970-4540-A7D8-1D2DE637C704}" srcOrd="0" destOrd="0" parTransId="{663A62C9-9B3D-48E0-A3FC-618886457E72}" sibTransId="{6DFC798E-040C-44FF-A79A-A674AC8D6016}"/>
     <dgm:cxn modelId="{A15731DA-A4D4-4501-BAC0-E143EB88E7E6}" type="presOf" srcId="{C0C36640-CB1A-44F6-A60F-AC14457A0FAB}" destId="{95283C3C-4BB4-4D34-B9B6-1A904A250625}" srcOrd="0" destOrd="0" presId="urn:microsoft.com/office/officeart/2008/layout/RadialCluster"/>
     <dgm:cxn modelId="{DF7F467D-469C-485E-A18F-3CF08BB99008}" type="presOf" srcId="{0B6DC4C4-868B-45FA-8358-6CAB108952EC}" destId="{31BCADCA-80D2-424B-BFB0-A0AF1E13D2E2}" srcOrd="0" destOrd="0" presId="urn:microsoft.com/office/officeart/2008/layout/RadialCluster"/>
-    <dgm:cxn modelId="{77898682-AD47-4C39-BED4-382247C57201}" srcId="{E401A207-D970-4540-A7D8-1D2DE637C704}" destId="{BC91FB3B-9E6D-4490-8D7F-37F12A92C6D9}" srcOrd="1" destOrd="0" parTransId="{F8D72010-AF4F-4609-B96E-382ED1A887D9}" sibTransId="{3CC6E0B8-30FE-4DB7-8D41-188B3F12396F}"/>
-    <dgm:cxn modelId="{AB4E5AB5-1EB1-4D12-977D-2CE85009CBD7}" type="presOf" srcId="{F100A25E-EA34-4EC6-8425-83AB70B46938}" destId="{C3655CBF-3ABB-474C-8D36-3C5745CA1400}" srcOrd="0" destOrd="0" presId="urn:microsoft.com/office/officeart/2008/layout/RadialCluster"/>
-    <dgm:cxn modelId="{216CF9F6-C409-4F7E-9953-446F28A64DF2}" srcId="{E401A207-D970-4540-A7D8-1D2DE637C704}" destId="{47429E1D-FD7A-4AF3-A8B9-8C221A60DA7B}" srcOrd="2" destOrd="0" parTransId="{BF81E867-F11B-445A-B098-3524BB151843}" sibTransId="{2911CC2C-254B-4575-9EFB-83379E2240D5}"/>
-    <dgm:cxn modelId="{2439A873-0C91-4C95-A4A7-E8F54ED9974C}" type="presOf" srcId="{BF81E867-F11B-445A-B098-3524BB151843}" destId="{A6D1EF60-2A29-4EBA-9A52-4C2DAC5030E3}" srcOrd="0" destOrd="0" presId="urn:microsoft.com/office/officeart/2008/layout/RadialCluster"/>
-    <dgm:cxn modelId="{A1C3788A-9CBD-4238-9560-BF12EBE8E844}" srcId="{318EB9F8-A3B4-4FA7-9997-4937EB56EAEC}" destId="{E401A207-D970-4540-A7D8-1D2DE637C704}" srcOrd="0" destOrd="0" parTransId="{663A62C9-9B3D-48E0-A3FC-618886457E72}" sibTransId="{6DFC798E-040C-44FF-A79A-A674AC8D6016}"/>
-    <dgm:cxn modelId="{CB6FF63A-823C-419F-8009-D9424132D561}" type="presOf" srcId="{318EB9F8-A3B4-4FA7-9997-4937EB56EAEC}" destId="{E837BDE3-383E-40B2-A6FC-7B4752AEE84C}" srcOrd="0" destOrd="0" presId="urn:microsoft.com/office/officeart/2008/layout/RadialCluster"/>
-    <dgm:cxn modelId="{B7705C14-4E39-4338-B673-ED83ADA4CA68}" type="presOf" srcId="{17B7480E-1A93-4241-8957-C233CEFD26A8}" destId="{1FB923F5-4F9F-4D64-AD50-9DEA6904FB57}" srcOrd="0" destOrd="0" presId="urn:microsoft.com/office/officeart/2008/layout/RadialCluster"/>
-    <dgm:cxn modelId="{2319650B-78D6-47D2-B8D2-19C5E704678B}" srcId="{E401A207-D970-4540-A7D8-1D2DE637C704}" destId="{C0C36640-CB1A-44F6-A60F-AC14457A0FAB}" srcOrd="3" destOrd="0" parTransId="{17B7480E-1A93-4241-8957-C233CEFD26A8}" sibTransId="{044CDF25-98EF-478B-9E86-2D4263EEAD64}"/>
-    <dgm:cxn modelId="{B7ADB2CE-FDF8-4DDC-9D65-2ADC68906671}" type="presOf" srcId="{E401A207-D970-4540-A7D8-1D2DE637C704}" destId="{25056C25-FD7A-454A-BD80-5797A854A1C9}" srcOrd="0" destOrd="0" presId="urn:microsoft.com/office/officeart/2008/layout/RadialCluster"/>
     <dgm:cxn modelId="{5F162F16-1FE0-4470-B76C-581C013CD6CD}" type="presParOf" srcId="{E837BDE3-383E-40B2-A6FC-7B4752AEE84C}" destId="{5447C531-E157-4A38-8E15-D58CFDE83DDB}" srcOrd="0" destOrd="0" presId="urn:microsoft.com/office/officeart/2008/layout/RadialCluster"/>
     <dgm:cxn modelId="{F8B5FAFF-A42D-4748-89A0-4511B4AECF65}" type="presParOf" srcId="{5447C531-E157-4A38-8E15-D58CFDE83DDB}" destId="{25056C25-FD7A-454A-BD80-5797A854A1C9}" srcOrd="0" destOrd="0" presId="urn:microsoft.com/office/officeart/2008/layout/RadialCluster"/>
     <dgm:cxn modelId="{AEAA6DC6-F861-46BE-A1A3-5935B762DD0A}" type="presParOf" srcId="{5447C531-E157-4A38-8E15-D58CFDE83DDB}" destId="{31BCADCA-80D2-424B-BFB0-A0AF1E13D2E2}" srcOrd="1" destOrd="0" presId="urn:microsoft.com/office/officeart/2008/layout/RadialCluster"/>
@@ -16402,11 +15446,7 @@
           <a:pPr algn="ctr"/>
           <a:r>
             <a:rPr lang="en-US" sz="2200" dirty="0" smtClean="0"/>
-            <a:t>55% </a:t>
-          </a:r>
-          <a:r>
-            <a:rPr lang="en-US" sz="2200" dirty="0" smtClean="0"/>
-            <a:t>of Users </a:t>
+            <a:t>55% of Users </a:t>
           </a:r>
         </a:p>
         <a:p xmlns:a="http://schemas.openxmlformats.org/drawingml/2006/main">
@@ -17043,6 +16083,10 @@
               <a:rPr lang="en-US" baseline="0" dirty="0" err="1" smtClean="0"/>
               <a:t>WebSites</a:t>
             </a:r>
+            <a:r>
+              <a:rPr lang="en-US" baseline="0" dirty="0" smtClean="0"/>
+              <a:t>, SQL Azure</a:t>
+            </a:r>
             <a:endParaRPr lang="en-US" baseline="0" dirty="0" smtClean="0"/>
           </a:p>
           <a:p>
@@ -17064,7 +16108,11 @@
             </a:r>
             <a:r>
               <a:rPr lang="en-US" baseline="0" dirty="0" smtClean="0"/>
-              <a:t>), SharePoint, </a:t>
+              <a:t>), SharePoint</a:t>
+            </a:r>
+            <a:r>
+              <a:rPr lang="en-US" baseline="0" dirty="0" smtClean="0"/>
+              <a:t>, </a:t>
             </a:r>
             <a:endParaRPr lang="en-US" dirty="0" smtClean="0"/>
           </a:p>
@@ -17345,6 +16393,138 @@
 </p:notes>
 </file>
 
+<file path=ppt/notesSlides/notesSlide13.xml><?xml version="1.0" encoding="utf-8"?>
+<p:notes xmlns:a="http://schemas.openxmlformats.org/drawingml/2006/main" xmlns:r="http://schemas.openxmlformats.org/officeDocument/2006/relationships" xmlns:p="http://schemas.openxmlformats.org/presentationml/2006/main">
+  <p:cSld>
+    <p:spTree>
+      <p:nvGrpSpPr>
+        <p:cNvPr id="1" name=""/>
+        <p:cNvGrpSpPr/>
+        <p:nvPr/>
+      </p:nvGrpSpPr>
+      <p:grpSpPr>
+        <a:xfrm>
+          <a:off x="0" y="0"/>
+          <a:ext cx="0" cy="0"/>
+          <a:chOff x="0" y="0"/>
+          <a:chExt cx="0" cy="0"/>
+        </a:xfrm>
+      </p:grpSpPr>
+      <p:sp>
+        <p:nvSpPr>
+          <p:cNvPr id="2" name="Slide Image Placeholder 1"/>
+          <p:cNvSpPr>
+            <a:spLocks noGrp="1" noRot="1" noChangeAspect="1"/>
+          </p:cNvSpPr>
+          <p:nvPr>
+            <p:ph type="sldImg"/>
+          </p:nvPr>
+        </p:nvSpPr>
+        <p:spPr/>
+      </p:sp>
+      <p:sp>
+        <p:nvSpPr>
+          <p:cNvPr id="3" name="Notes Placeholder 2"/>
+          <p:cNvSpPr>
+            <a:spLocks noGrp="1"/>
+          </p:cNvSpPr>
+          <p:nvPr>
+            <p:ph type="body" idx="1"/>
+          </p:nvPr>
+        </p:nvSpPr>
+        <p:spPr/>
+        <p:txBody>
+          <a:bodyPr/>
+          <a:lstStyle/>
+          <a:p>
+            <a:r>
+              <a:rPr lang="en-US" dirty="0" smtClean="0"/>
+              <a:t>http://azure.microsoft.com/en-us/downloads/</a:t>
+            </a:r>
+          </a:p>
+          <a:p>
+            <a:endParaRPr lang="en-US" dirty="0" smtClean="0"/>
+          </a:p>
+          <a:p>
+            <a:endParaRPr lang="en-US" dirty="0" smtClean="0"/>
+          </a:p>
+          <a:p>
+            <a:pPr marL="0" marR="0" indent="0" algn="l" defTabSz="914400" rtl="0" eaLnBrk="1" fontAlgn="auto" latinLnBrk="0" hangingPunct="1">
+              <a:lnSpc>
+                <a:spcPct val="100000"/>
+              </a:lnSpc>
+              <a:spcBef>
+                <a:spcPts val="0"/>
+              </a:spcBef>
+              <a:spcAft>
+                <a:spcPts val="0"/>
+              </a:spcAft>
+              <a:buClrTx/>
+              <a:buSzTx/>
+              <a:buFontTx/>
+              <a:buNone/>
+              <a:tabLst/>
+              <a:defRPr/>
+            </a:pPr>
+            <a:r>
+              <a:rPr lang="en-US" sz="1200" b="1" i="0" kern="1200" dirty="0" smtClean="0">
+                <a:solidFill>
+                  <a:schemeClr val="tx1"/>
+                </a:solidFill>
+                <a:effectLst/>
+                <a:latin typeface="+mn-lt"/>
+                <a:ea typeface="+mn-ea"/>
+                <a:cs typeface="+mn-cs"/>
+              </a:rPr>
+              <a:t>How to install and configure Azure PowerShell</a:t>
+            </a:r>
+          </a:p>
+          <a:p>
+            <a:r>
+              <a:rPr lang="en-US" dirty="0" smtClean="0"/>
+              <a:t>https://azure.microsoft.com/en-us/documentation/articles/powershell-install-configure/</a:t>
+            </a:r>
+            <a:endParaRPr lang="ru-RU" dirty="0"/>
+          </a:p>
+        </p:txBody>
+      </p:sp>
+      <p:sp>
+        <p:nvSpPr>
+          <p:cNvPr id="4" name="Slide Number Placeholder 3"/>
+          <p:cNvSpPr>
+            <a:spLocks noGrp="1"/>
+          </p:cNvSpPr>
+          <p:nvPr>
+            <p:ph type="sldNum" sz="quarter" idx="10"/>
+          </p:nvPr>
+        </p:nvSpPr>
+        <p:spPr/>
+        <p:txBody>
+          <a:bodyPr/>
+          <a:lstStyle/>
+          <a:p>
+            <a:fld id="{4D78249E-5ACD-4E52-A408-9BB999BD2D41}" type="slidenum">
+              <a:rPr lang="en-US" smtClean="0"/>
+              <a:pPr/>
+              <a:t>17</a:t>
+            </a:fld>
+            <a:endParaRPr lang="en-US"/>
+          </a:p>
+        </p:txBody>
+      </p:sp>
+    </p:spTree>
+    <p:extLst>
+      <p:ext uri="{BB962C8B-B14F-4D97-AF65-F5344CB8AC3E}">
+        <p14:creationId xmlns:p14="http://schemas.microsoft.com/office/powerpoint/2010/main" val="984398619"/>
+      </p:ext>
+    </p:extLst>
+  </p:cSld>
+  <p:clrMapOvr>
+    <a:masterClrMapping/>
+  </p:clrMapOvr>
+</p:notes>
+</file>
+
 <file path=ppt/notesSlides/notesSlide2.xml><?xml version="1.0" encoding="utf-8"?>
 <p:notes xmlns:a="http://schemas.openxmlformats.org/drawingml/2006/main" xmlns:r="http://schemas.openxmlformats.org/officeDocument/2006/relationships" xmlns:p="http://schemas.openxmlformats.org/presentationml/2006/main">
   <p:cSld>
@@ -17480,11 +16660,7 @@
           <a:p>
             <a:r>
               <a:rPr lang="en-US" dirty="0" smtClean="0"/>
-              <a:t>https://azure.microsoft.com/en-us/documentation/articles/fundamentals-introduction-to-azure</a:t>
-            </a:r>
-            <a:r>
-              <a:rPr lang="en-US" dirty="0" smtClean="0"/>
-              <a:t>/</a:t>
+              <a:t>https://azure.microsoft.com/en-us/documentation/articles/fundamentals-introduction-to-azure/</a:t>
             </a:r>
           </a:p>
           <a:p>
@@ -17684,9 +16860,52 @@
           <a:bodyPr/>
           <a:lstStyle/>
           <a:p>
+            <a:pPr marL="0" marR="0" indent="0" algn="l" defTabSz="914400" rtl="0" eaLnBrk="1" fontAlgn="auto" latinLnBrk="0" hangingPunct="1">
+              <a:lnSpc>
+                <a:spcPct val="100000"/>
+              </a:lnSpc>
+              <a:spcBef>
+                <a:spcPts val="0"/>
+              </a:spcBef>
+              <a:spcAft>
+                <a:spcPts val="0"/>
+              </a:spcAft>
+              <a:buClrTx/>
+              <a:buSzTx/>
+              <a:buFontTx/>
+              <a:buNone/>
+              <a:tabLst/>
+              <a:defRPr/>
+            </a:pPr>
             <a:r>
               <a:rPr lang="en-US" dirty="0" smtClean="0"/>
-              <a:t>http://www.slideshare.net/tekcraft/azure-vsamazon?related=1</a:t>
+              <a:t>Slides “</a:t>
+            </a:r>
+            <a:r>
+              <a:rPr lang="en-US" sz="1200" b="0" i="0" kern="1200" dirty="0" smtClean="0">
+                <a:solidFill>
+                  <a:schemeClr val="tx1"/>
+                </a:solidFill>
+                <a:effectLst/>
+                <a:latin typeface="+mn-lt"/>
+                <a:ea typeface="+mn-ea"/>
+                <a:cs typeface="+mn-cs"/>
+              </a:rPr>
+              <a:t>Windows Azure vs. Amazon AWS</a:t>
+            </a:r>
+            <a:r>
+              <a:rPr lang="en-US" dirty="0" smtClean="0"/>
+              <a:t>”:</a:t>
+            </a:r>
+          </a:p>
+          <a:p>
+            <a:r>
+              <a:rPr lang="en-US" dirty="0" smtClean="0"/>
+              <a:t>http</a:t>
+            </a:r>
+            <a:r>
+              <a:rPr lang="en-US" dirty="0" smtClean="0"/>
+              <a:t>://www.slideshare.net/tekcraft/azure-vsamazon?related=1</a:t>
             </a:r>
             <a:endParaRPr lang="ru-RU" dirty="0" smtClean="0"/>
           </a:p>
@@ -18041,11 +17260,7 @@
           <a:p>
             <a:r>
               <a:rPr lang="en-US" dirty="0" smtClean="0"/>
-              <a:t>http://</a:t>
-            </a:r>
-            <a:r>
-              <a:rPr lang="en-US" dirty="0" smtClean="0"/>
-              <a:t>azure.microsoft.co</a:t>
+              <a:t>http://azure.microsoft.co</a:t>
             </a:r>
           </a:p>
           <a:p>
@@ -18188,11 +17403,7 @@
             </a:r>
             <a:r>
               <a:rPr lang="en-US" dirty="0" smtClean="0"/>
-              <a:t>-us/regions</a:t>
-            </a:r>
-            <a:r>
-              <a:rPr lang="en-US" dirty="0" smtClean="0"/>
-              <a:t>/</a:t>
+              <a:t>-us/regions/</a:t>
             </a:r>
             <a:endParaRPr lang="ru-RU" dirty="0"/>
           </a:p>
@@ -22342,7 +21553,7 @@
         </p:nvGrpSpPr>
         <p:grpSpPr>
           <a:xfrm>
-            <a:off x="1703512" y="1268760"/>
+            <a:off x="1703512" y="1340768"/>
             <a:ext cx="2401948" cy="5112568"/>
             <a:chOff x="1703512" y="1268760"/>
             <a:chExt cx="2401948" cy="5112568"/>
@@ -24090,7 +23301,7 @@
         </p:nvGrpSpPr>
         <p:grpSpPr>
           <a:xfrm>
-            <a:off x="4244584" y="1268760"/>
+            <a:off x="4244584" y="1340768"/>
             <a:ext cx="2401948" cy="5112568"/>
             <a:chOff x="1703512" y="1268760"/>
             <a:chExt cx="2401948" cy="5112568"/>
@@ -25839,7 +25050,7 @@
         </p:nvGrpSpPr>
         <p:grpSpPr>
           <a:xfrm>
-            <a:off x="6785656" y="1268760"/>
+            <a:off x="6785656" y="1340768"/>
             <a:ext cx="2401948" cy="5112568"/>
             <a:chOff x="1703512" y="1268760"/>
             <a:chExt cx="2401948" cy="5112568"/>
@@ -27583,7 +26794,7 @@
         </p:nvGrpSpPr>
         <p:grpSpPr>
           <a:xfrm>
-            <a:off x="9334930" y="1268760"/>
+            <a:off x="9334930" y="1340768"/>
             <a:ext cx="2401948" cy="5112568"/>
             <a:chOff x="1703512" y="1268760"/>
             <a:chExt cx="2401948" cy="5112568"/>
@@ -29327,7 +28538,7 @@
         </p:nvSpPr>
         <p:spPr>
           <a:xfrm>
-            <a:off x="8112224" y="376768"/>
+            <a:off x="8112224" y="448776"/>
             <a:ext cx="1921558" cy="366615"/>
           </a:xfrm>
           <a:custGeom>
@@ -29497,7 +28708,7 @@
         </p:nvSpPr>
         <p:spPr>
           <a:xfrm>
-            <a:off x="8112224" y="822764"/>
+            <a:off x="8112224" y="894772"/>
             <a:ext cx="1921558" cy="366615"/>
           </a:xfrm>
           <a:custGeom>
@@ -30490,9 +29701,14 @@
               <a:t>From </a:t>
             </a:r>
             <a:r>
+              <a:rPr lang="en-US" dirty="0"/>
+              <a:t>M</a:t>
+            </a:r>
+            <a:r>
               <a:rPr lang="en-US" dirty="0" smtClean="0"/>
-              <a:t>management portal:</a:t>
+              <a:t>anagement Portals:</a:t>
             </a:r>
+            <a:endParaRPr lang="en-US" dirty="0" smtClean="0"/>
           </a:p>
           <a:p>
             <a:pPr lvl="1">
@@ -30604,12 +29820,22 @@
         </p:nvSpPr>
         <p:spPr/>
         <p:txBody>
-          <a:bodyPr/>
+          <a:bodyPr>
+            <a:normAutofit/>
+          </a:bodyPr>
           <a:lstStyle/>
           <a:p>
             <a:r>
               <a:rPr lang="en-US" dirty="0" smtClean="0"/>
-              <a:t>Azure SDK</a:t>
+              <a:t>Azure </a:t>
+            </a:r>
+            <a:r>
+              <a:rPr lang="en-US" dirty="0" smtClean="0"/>
+              <a:t>SDK and </a:t>
+            </a:r>
+            <a:r>
+              <a:rPr lang="en-US" dirty="0" smtClean="0"/>
+              <a:t>Command-line Tools</a:t>
             </a:r>
             <a:endParaRPr lang="ru-RU" dirty="0"/>
           </a:p>
@@ -30630,7 +29856,11 @@
           <a:bodyPr/>
           <a:lstStyle/>
           <a:p>
-            <a:endParaRPr lang="ru-RU"/>
+            <a:pPr>
+              <a:buFont typeface="Wingdings" panose="05000000000000000000" pitchFamily="2" charset="2"/>
+              <a:buChar char="Ø"/>
+            </a:pPr>
+            <a:endParaRPr lang="ru-RU" dirty="0"/>
           </a:p>
         </p:txBody>
       </p:sp>
@@ -30644,6 +29874,13 @@
   <p:clrMapOvr>
     <a:masterClrMapping/>
   </p:clrMapOvr>
+  <p:timing>
+    <p:tnLst>
+      <p:par>
+        <p:cTn id="1" dur="indefinite" restart="never" nodeType="tmRoot"/>
+      </p:par>
+    </p:tnLst>
+  </p:timing>
 </p:sld>
 </file>
 
@@ -31270,7 +30507,7 @@
         </p:blipFill>
         <p:spPr bwMode="auto">
           <a:xfrm>
-            <a:off x="7248128" y="1809702"/>
+            <a:off x="7248128" y="1556792"/>
             <a:ext cx="3834202" cy="1659284"/>
           </a:xfrm>
           <a:prstGeom prst="rect">
@@ -31311,7 +30548,7 @@
         </p:blipFill>
         <p:spPr bwMode="auto">
           <a:xfrm>
-            <a:off x="2495600" y="2167683"/>
+            <a:off x="2495600" y="1914773"/>
             <a:ext cx="3129609" cy="943323"/>
           </a:xfrm>
           <a:prstGeom prst="rect">
@@ -31352,7 +30589,7 @@
         </p:blipFill>
         <p:spPr bwMode="auto">
           <a:xfrm>
-            <a:off x="7679329" y="4496716"/>
+            <a:off x="8110530" y="4171798"/>
             <a:ext cx="2971800" cy="981076"/>
           </a:xfrm>
           <a:prstGeom prst="rect">
@@ -31393,7 +30630,7 @@
         </p:blipFill>
         <p:spPr bwMode="auto">
           <a:xfrm>
-            <a:off x="2692251" y="4221088"/>
+            <a:off x="2160301" y="3896170"/>
             <a:ext cx="2736305" cy="1532332"/>
           </a:xfrm>
           <a:prstGeom prst="rect">
@@ -31409,6 +30646,66 @@
               </a14:hiddenFill>
             </a:ext>
           </a:extLst>
+        </p:spPr>
+      </p:pic>
+      <p:pic>
+        <p:nvPicPr>
+          <p:cNvPr id="3" name="Picture 2"/>
+          <p:cNvPicPr>
+            <a:picLocks noChangeAspect="1"/>
+          </p:cNvPicPr>
+          <p:nvPr/>
+        </p:nvPicPr>
+        <p:blipFill>
+          <a:blip r:embed="rId8">
+            <a:extLst>
+              <a:ext uri="{28A0092B-C50C-407E-A947-70E740481C1C}">
+                <a14:useLocalDpi xmlns:a14="http://schemas.microsoft.com/office/drawing/2010/main" val="0"/>
+              </a:ext>
+            </a:extLst>
+          </a:blip>
+          <a:stretch>
+            <a:fillRect/>
+          </a:stretch>
+        </p:blipFill>
+        <p:spPr>
+          <a:xfrm>
+            <a:off x="5303912" y="2780928"/>
+            <a:ext cx="2592934" cy="1819603"/>
+          </a:xfrm>
+          <a:prstGeom prst="rect">
+            <a:avLst/>
+          </a:prstGeom>
+        </p:spPr>
+      </p:pic>
+      <p:pic>
+        <p:nvPicPr>
+          <p:cNvPr id="5" name="Picture 4"/>
+          <p:cNvPicPr>
+            <a:picLocks noChangeAspect="1"/>
+          </p:cNvPicPr>
+          <p:nvPr/>
+        </p:nvPicPr>
+        <p:blipFill>
+          <a:blip r:embed="rId9">
+            <a:extLst>
+              <a:ext uri="{28A0092B-C50C-407E-A947-70E740481C1C}">
+                <a14:useLocalDpi xmlns:a14="http://schemas.microsoft.com/office/drawing/2010/main" val="0"/>
+              </a:ext>
+            </a:extLst>
+          </a:blip>
+          <a:stretch>
+            <a:fillRect/>
+          </a:stretch>
+        </p:blipFill>
+        <p:spPr>
+          <a:xfrm>
+            <a:off x="5138419" y="4599156"/>
+            <a:ext cx="2654120" cy="1745285"/>
+          </a:xfrm>
+          <a:prstGeom prst="rect">
+            <a:avLst/>
+          </a:prstGeom>
         </p:spPr>
       </p:pic>
     </p:spTree>
@@ -31445,7 +30742,7 @@
                             </p:stCondLst>
                             <p:childTnLst>
                               <p:par>
-                                <p:cTn id="5" presetID="14" presetClass="entr" presetSubtype="10" fill="hold" nodeType="withEffect">
+                                <p:cTn id="5" presetID="14" presetClass="entr" presetSubtype="10" fill="hold" nodeType="afterEffect">
                                   <p:stCondLst>
                                     <p:cond delay="0"/>
                                   </p:stCondLst>
@@ -31584,6 +30881,76 @@
                                   </p:childTnLst>
                                 </p:cTn>
                               </p:par>
+                              <p:par>
+                                <p:cTn id="17" presetID="14" presetClass="entr" presetSubtype="10" fill="hold" nodeType="withEffect">
+                                  <p:stCondLst>
+                                    <p:cond delay="0"/>
+                                  </p:stCondLst>
+                                  <p:childTnLst>
+                                    <p:set>
+                                      <p:cBhvr>
+                                        <p:cTn id="18" dur="1" fill="hold">
+                                          <p:stCondLst>
+                                            <p:cond delay="0"/>
+                                          </p:stCondLst>
+                                        </p:cTn>
+                                        <p:tgtEl>
+                                          <p:spTgt spid="3"/>
+                                        </p:tgtEl>
+                                        <p:attrNameLst>
+                                          <p:attrName>style.visibility</p:attrName>
+                                        </p:attrNameLst>
+                                      </p:cBhvr>
+                                      <p:to>
+                                        <p:strVal val="visible"/>
+                                      </p:to>
+                                    </p:set>
+                                    <p:animEffect transition="in" filter="randombar(horizontal)">
+                                      <p:cBhvr>
+                                        <p:cTn id="19" dur="500"/>
+                                        <p:tgtEl>
+                                          <p:spTgt spid="3"/>
+                                        </p:tgtEl>
+                                      </p:cBhvr>
+                                    </p:animEffect>
+                                  </p:childTnLst>
+                                </p:cTn>
+                              </p:par>
+                              <p:par>
+                                <p:cTn id="20" presetID="14" presetClass="entr" presetSubtype="10" fill="hold" nodeType="withEffect">
+                                  <p:stCondLst>
+                                    <p:cond delay="0"/>
+                                  </p:stCondLst>
+                                  <p:childTnLst>
+                                    <p:set>
+                                      <p:cBhvr>
+                                        <p:cTn id="21" dur="1" fill="hold">
+                                          <p:stCondLst>
+                                            <p:cond delay="0"/>
+                                          </p:stCondLst>
+                                        </p:cTn>
+                                        <p:tgtEl>
+                                          <p:spTgt spid="5"/>
+                                        </p:tgtEl>
+                                        <p:attrNameLst>
+                                          <p:attrName>style.visibility</p:attrName>
+                                        </p:attrNameLst>
+                                      </p:cBhvr>
+                                      <p:to>
+                                        <p:strVal val="visible"/>
+                                      </p:to>
+                                    </p:set>
+                                    <p:animEffect transition="in" filter="randombar(horizontal)">
+                                      <p:cBhvr>
+                                        <p:cTn id="22" dur="500"/>
+                                        <p:tgtEl>
+                                          <p:spTgt spid="5"/>
+                                        </p:tgtEl>
+                                      </p:cBhvr>
+                                    </p:animEffect>
+                                  </p:childTnLst>
+                                </p:cTn>
+                              </p:par>
                             </p:childTnLst>
                           </p:cTn>
                         </p:par>
@@ -31690,9 +31057,93 @@
   <p:timing>
     <p:tnLst>
       <p:par>
-        <p:cTn id="1" dur="indefinite" restart="never" nodeType="tmRoot"/>
+        <p:cTn id="1" dur="indefinite" restart="never" nodeType="tmRoot">
+          <p:childTnLst>
+            <p:seq concurrent="1" nextAc="seek">
+              <p:cTn id="2" dur="indefinite" nodeType="mainSeq">
+                <p:childTnLst>
+                  <p:par>
+                    <p:cTn id="3" fill="hold">
+                      <p:stCondLst>
+                        <p:cond delay="indefinite"/>
+                        <p:cond evt="onBegin" delay="0">
+                          <p:tn val="2"/>
+                        </p:cond>
+                      </p:stCondLst>
+                      <p:childTnLst>
+                        <p:par>
+                          <p:cTn id="4" fill="hold">
+                            <p:stCondLst>
+                              <p:cond delay="0"/>
+                            </p:stCondLst>
+                            <p:childTnLst>
+                              <p:par>
+                                <p:cTn id="5" presetID="10" presetClass="entr" presetSubtype="0" fill="hold" grpId="0" nodeType="afterEffect">
+                                  <p:stCondLst>
+                                    <p:cond delay="0"/>
+                                  </p:stCondLst>
+                                  <p:childTnLst>
+                                    <p:set>
+                                      <p:cBhvr>
+                                        <p:cTn id="6" dur="1" fill="hold">
+                                          <p:stCondLst>
+                                            <p:cond delay="0"/>
+                                          </p:stCondLst>
+                                        </p:cTn>
+                                        <p:tgtEl>
+                                          <p:spTgt spid="14"/>
+                                        </p:tgtEl>
+                                        <p:attrNameLst>
+                                          <p:attrName>style.visibility</p:attrName>
+                                        </p:attrNameLst>
+                                      </p:cBhvr>
+                                      <p:to>
+                                        <p:strVal val="visible"/>
+                                      </p:to>
+                                    </p:set>
+                                    <p:animEffect transition="in" filter="fade">
+                                      <p:cBhvr>
+                                        <p:cTn id="7" dur="1000"/>
+                                        <p:tgtEl>
+                                          <p:spTgt spid="14"/>
+                                        </p:tgtEl>
+                                      </p:cBhvr>
+                                    </p:animEffect>
+                                  </p:childTnLst>
+                                </p:cTn>
+                              </p:par>
+                            </p:childTnLst>
+                          </p:cTn>
+                        </p:par>
+                      </p:childTnLst>
+                    </p:cTn>
+                  </p:par>
+                </p:childTnLst>
+              </p:cTn>
+              <p:prevCondLst>
+                <p:cond evt="onPrev" delay="0">
+                  <p:tgtEl>
+                    <p:sldTgt/>
+                  </p:tgtEl>
+                </p:cond>
+              </p:prevCondLst>
+              <p:nextCondLst>
+                <p:cond evt="onNext" delay="0">
+                  <p:tgtEl>
+                    <p:sldTgt/>
+                  </p:tgtEl>
+                </p:cond>
+              </p:nextCondLst>
+            </p:seq>
+          </p:childTnLst>
+        </p:cTn>
       </p:par>
     </p:tnLst>
+    <p:bldLst>
+      <p:bldGraphic spid="14" grpId="0">
+        <p:bldAsOne/>
+      </p:bldGraphic>
+    </p:bldLst>
   </p:timing>
 </p:sld>
 </file>
@@ -31737,22 +31188,6 @@
           </a:p>
         </p:txBody>
       </p:sp>
-      <p:graphicFrame>
-        <p:nvGraphicFramePr>
-          <p:cNvPr id="14" name="Chart 13"/>
-          <p:cNvGraphicFramePr/>
-          <p:nvPr/>
-        </p:nvGraphicFramePr>
-        <p:xfrm>
-          <a:off x="2133601" y="1052736"/>
-          <a:ext cx="8128000" cy="5418667"/>
-        </p:xfrm>
-        <a:graphic>
-          <a:graphicData uri="http://schemas.openxmlformats.org/drawingml/2006/chart">
-            <c:chart xmlns:c="http://schemas.openxmlformats.org/drawingml/2006/chart" xmlns:r="http://schemas.openxmlformats.org/officeDocument/2006/relationships" r:id="rId2"/>
-          </a:graphicData>
-        </a:graphic>
-      </p:graphicFrame>
     </p:spTree>
     <p:extLst>
       <p:ext uri="{BB962C8B-B14F-4D97-AF65-F5344CB8AC3E}">

--- a/Presentation/2015 - Microsoft Azure.pptx
+++ b/Presentation/2015 - Microsoft Azure.pptx
@@ -5,7 +5,7 @@
     <p:sldMasterId id="2147483660" r:id="rId1"/>
   </p:sldMasterIdLst>
   <p:notesMasterIdLst>
-    <p:notesMasterId r:id="rId20"/>
+    <p:notesMasterId r:id="rId21"/>
   </p:notesMasterIdLst>
   <p:sldIdLst>
     <p:sldId id="256" r:id="rId2"/>
@@ -25,7 +25,8 @@
     <p:sldId id="364" r:id="rId16"/>
     <p:sldId id="366" r:id="rId17"/>
     <p:sldId id="367" r:id="rId18"/>
-    <p:sldId id="342" r:id="rId19"/>
+    <p:sldId id="374" r:id="rId19"/>
+    <p:sldId id="342" r:id="rId20"/>
   </p:sldIdLst>
   <p:sldSz cx="12192000" cy="6858000"/>
   <p:notesSz cx="6858000" cy="9144000"/>
@@ -146,6 +147,7 @@
             <p14:sldId id="364"/>
             <p14:sldId id="366"/>
             <p14:sldId id="367"/>
+            <p14:sldId id="374"/>
           </p14:sldIdLst>
         </p14:section>
         <p14:section name="Architecture" id="{0C1185C9-FE96-472B-8AEC-704126A000B5}">
@@ -685,12 +687,12 @@
         </c:dLbls>
         <c:gapWidth val="150"/>
         <c:shape val="box"/>
-        <c:axId val="-1814246544"/>
-        <c:axId val="-1814249808"/>
+        <c:axId val="-1512737936"/>
+        <c:axId val="-1512736848"/>
         <c:axId val="0"/>
       </c:bar3DChart>
       <c:catAx>
-        <c:axId val="-1814246544"/>
+        <c:axId val="-1512737936"/>
         <c:scaling>
           <c:orientation val="minMax"/>
         </c:scaling>
@@ -741,7 +743,7 @@
             <a:endParaRPr lang="ru-RU"/>
           </a:p>
         </c:txPr>
-        <c:crossAx val="-1814249808"/>
+        <c:crossAx val="-1512736848"/>
         <c:crosses val="autoZero"/>
         <c:auto val="1"/>
         <c:lblAlgn val="ctr"/>
@@ -749,7 +751,7 @@
         <c:noMultiLvlLbl val="0"/>
       </c:catAx>
       <c:valAx>
-        <c:axId val="-1814249808"/>
+        <c:axId val="-1512736848"/>
         <c:scaling>
           <c:orientation val="minMax"/>
           <c:max val="1"/>
@@ -803,7 +805,7 @@
             <a:endParaRPr lang="ru-RU"/>
           </a:p>
         </c:txPr>
-        <c:crossAx val="-1814246544"/>
+        <c:crossAx val="-1512737936"/>
         <c:crosses val="autoZero"/>
         <c:crossBetween val="between"/>
       </c:valAx>
@@ -5400,559 +5402,6 @@
 <file path=ppt/diagrams/data2.xml><?xml version="1.0" encoding="utf-8"?>
 <dgm:dataModel xmlns:dgm="http://schemas.openxmlformats.org/drawingml/2006/diagram" xmlns:a="http://schemas.openxmlformats.org/drawingml/2006/main">
   <dgm:ptLst>
-    <dgm:pt modelId="{60617EE0-9F0F-45D0-850A-B5B8EB2CE859}" type="doc">
-      <dgm:prSet loTypeId="urn:microsoft.com/office/officeart/2005/8/layout/radial1" loCatId="cycle" qsTypeId="urn:microsoft.com/office/officeart/2005/8/quickstyle/simple1" qsCatId="simple" csTypeId="urn:microsoft.com/office/officeart/2005/8/colors/accent1_2" csCatId="accent1" phldr="1"/>
-      <dgm:spPr/>
-      <dgm:t>
-        <a:bodyPr/>
-        <a:lstStyle/>
-        <a:p>
-          <a:endParaRPr lang="ru-RU"/>
-        </a:p>
-      </dgm:t>
-    </dgm:pt>
-    <dgm:pt modelId="{EBF0F4CF-0467-4E98-B8CA-76F41D781906}">
-      <dgm:prSet phldrT="[Text]"/>
-      <dgm:spPr>
-        <a:solidFill>
-          <a:srgbClr val="92D050"/>
-        </a:solidFill>
-        <a:ln>
-          <a:solidFill>
-            <a:schemeClr val="accent3">
-              <a:lumMod val="75000"/>
-            </a:schemeClr>
-          </a:solidFill>
-        </a:ln>
-      </dgm:spPr>
-      <dgm:t>
-        <a:bodyPr/>
-        <a:lstStyle/>
-        <a:p>
-          <a:r>
-            <a:rPr lang="en-US" dirty="0" err="1" smtClean="0"/>
-            <a:t>PaaS</a:t>
-          </a:r>
-          <a:endParaRPr lang="ru-RU" dirty="0"/>
-        </a:p>
-      </dgm:t>
-    </dgm:pt>
-    <dgm:pt modelId="{03A49EE8-52F0-486F-8848-7BBDF1D3ED53}" type="parTrans" cxnId="{78EEAA5D-9F42-4EE8-81C5-C96C385EC954}">
-      <dgm:prSet/>
-      <dgm:spPr/>
-      <dgm:t>
-        <a:bodyPr/>
-        <a:lstStyle/>
-        <a:p>
-          <a:endParaRPr lang="ru-RU"/>
-        </a:p>
-      </dgm:t>
-    </dgm:pt>
-    <dgm:pt modelId="{FE5FBB68-3B25-42FC-A389-1A2C0D42D20B}" type="sibTrans" cxnId="{78EEAA5D-9F42-4EE8-81C5-C96C385EC954}">
-      <dgm:prSet/>
-      <dgm:spPr/>
-      <dgm:t>
-        <a:bodyPr/>
-        <a:lstStyle/>
-        <a:p>
-          <a:endParaRPr lang="ru-RU"/>
-        </a:p>
-      </dgm:t>
-    </dgm:pt>
-    <dgm:pt modelId="{4019C2EE-49C8-4195-A89B-7537B9CD75C7}">
-      <dgm:prSet phldrT="[Text]" phldr="1"/>
-      <dgm:spPr>
-        <a:solidFill>
-          <a:srgbClr val="00B0F0"/>
-        </a:solidFill>
-        <a:ln>
-          <a:solidFill>
-            <a:schemeClr val="tx2">
-              <a:lumMod val="60000"/>
-              <a:lumOff val="40000"/>
-            </a:schemeClr>
-          </a:solidFill>
-        </a:ln>
-      </dgm:spPr>
-      <dgm:t>
-        <a:bodyPr/>
-        <a:lstStyle/>
-        <a:p>
-          <a:endParaRPr lang="ru-RU" dirty="0"/>
-        </a:p>
-      </dgm:t>
-    </dgm:pt>
-    <dgm:pt modelId="{8D551FB1-FF58-4F83-903E-3255390FA4DB}" type="parTrans" cxnId="{ABEC7DD5-B00D-4134-8A26-4FCC99149CA9}">
-      <dgm:prSet/>
-      <dgm:spPr/>
-      <dgm:t>
-        <a:bodyPr/>
-        <a:lstStyle/>
-        <a:p>
-          <a:endParaRPr lang="ru-RU"/>
-        </a:p>
-      </dgm:t>
-    </dgm:pt>
-    <dgm:pt modelId="{0824EDF2-AAE5-4132-9777-5A09F0A814D8}" type="sibTrans" cxnId="{ABEC7DD5-B00D-4134-8A26-4FCC99149CA9}">
-      <dgm:prSet/>
-      <dgm:spPr/>
-      <dgm:t>
-        <a:bodyPr/>
-        <a:lstStyle/>
-        <a:p>
-          <a:endParaRPr lang="ru-RU"/>
-        </a:p>
-      </dgm:t>
-    </dgm:pt>
-    <dgm:pt modelId="{DB9871E4-98C9-4B1E-8567-1925E1A07472}">
-      <dgm:prSet phldrT="[Text]" phldr="1"/>
-      <dgm:spPr>
-        <a:solidFill>
-          <a:srgbClr val="00B0F0"/>
-        </a:solidFill>
-        <a:ln>
-          <a:solidFill>
-            <a:schemeClr val="tx2">
-              <a:lumMod val="60000"/>
-              <a:lumOff val="40000"/>
-            </a:schemeClr>
-          </a:solidFill>
-        </a:ln>
-      </dgm:spPr>
-      <dgm:t>
-        <a:bodyPr/>
-        <a:lstStyle/>
-        <a:p>
-          <a:endParaRPr lang="ru-RU" dirty="0"/>
-        </a:p>
-      </dgm:t>
-    </dgm:pt>
-    <dgm:pt modelId="{CD64D8F1-4C5C-40AC-B354-919B111D0B45}" type="parTrans" cxnId="{CE3BB7F9-0DB6-45E7-A5F2-E8E86405B845}">
-      <dgm:prSet/>
-      <dgm:spPr/>
-      <dgm:t>
-        <a:bodyPr/>
-        <a:lstStyle/>
-        <a:p>
-          <a:endParaRPr lang="ru-RU"/>
-        </a:p>
-      </dgm:t>
-    </dgm:pt>
-    <dgm:pt modelId="{0BA50633-AC16-4C7A-BAC8-ACF96A6E3EA7}" type="sibTrans" cxnId="{CE3BB7F9-0DB6-45E7-A5F2-E8E86405B845}">
-      <dgm:prSet/>
-      <dgm:spPr/>
-      <dgm:t>
-        <a:bodyPr/>
-        <a:lstStyle/>
-        <a:p>
-          <a:endParaRPr lang="ru-RU"/>
-        </a:p>
-      </dgm:t>
-    </dgm:pt>
-    <dgm:pt modelId="{CC326D99-283D-4BE7-96AC-2CB9524CC1D0}">
-      <dgm:prSet phldrT="[Text]" phldr="1"/>
-      <dgm:spPr>
-        <a:solidFill>
-          <a:srgbClr val="00B0F0"/>
-        </a:solidFill>
-        <a:ln>
-          <a:solidFill>
-            <a:schemeClr val="tx2">
-              <a:lumMod val="60000"/>
-              <a:lumOff val="40000"/>
-            </a:schemeClr>
-          </a:solidFill>
-        </a:ln>
-      </dgm:spPr>
-      <dgm:t>
-        <a:bodyPr/>
-        <a:lstStyle/>
-        <a:p>
-          <a:endParaRPr lang="ru-RU"/>
-        </a:p>
-      </dgm:t>
-    </dgm:pt>
-    <dgm:pt modelId="{178306AB-98F5-4039-9EA0-E2D6CF09B243}" type="parTrans" cxnId="{A666541C-0A86-48F1-8ECD-501782C69E17}">
-      <dgm:prSet/>
-      <dgm:spPr/>
-      <dgm:t>
-        <a:bodyPr/>
-        <a:lstStyle/>
-        <a:p>
-          <a:endParaRPr lang="ru-RU"/>
-        </a:p>
-      </dgm:t>
-    </dgm:pt>
-    <dgm:pt modelId="{5F90D1A0-6B01-4BDD-A09F-2F5932AF07E2}" type="sibTrans" cxnId="{A666541C-0A86-48F1-8ECD-501782C69E17}">
-      <dgm:prSet/>
-      <dgm:spPr/>
-      <dgm:t>
-        <a:bodyPr/>
-        <a:lstStyle/>
-        <a:p>
-          <a:endParaRPr lang="ru-RU"/>
-        </a:p>
-      </dgm:t>
-    </dgm:pt>
-    <dgm:pt modelId="{44C2122C-6BF5-4FD0-B2AA-4CAB687DBF7E}">
-      <dgm:prSet phldrT="[Text]" phldr="1"/>
-      <dgm:spPr>
-        <a:solidFill>
-          <a:srgbClr val="00B0F0"/>
-        </a:solidFill>
-        <a:ln>
-          <a:solidFill>
-            <a:schemeClr val="tx2">
-              <a:lumMod val="60000"/>
-              <a:lumOff val="40000"/>
-            </a:schemeClr>
-          </a:solidFill>
-        </a:ln>
-      </dgm:spPr>
-      <dgm:t>
-        <a:bodyPr/>
-        <a:lstStyle/>
-        <a:p>
-          <a:endParaRPr lang="ru-RU"/>
-        </a:p>
-      </dgm:t>
-    </dgm:pt>
-    <dgm:pt modelId="{21572320-9837-4012-A7E8-8ACEA02591FF}" type="parTrans" cxnId="{A54F0BAC-8A62-45B7-AA26-A0282EE512C8}">
-      <dgm:prSet/>
-      <dgm:spPr/>
-      <dgm:t>
-        <a:bodyPr/>
-        <a:lstStyle/>
-        <a:p>
-          <a:endParaRPr lang="ru-RU"/>
-        </a:p>
-      </dgm:t>
-    </dgm:pt>
-    <dgm:pt modelId="{9E1C2A47-86BE-4D07-B4A5-A02A87BF4E76}" type="sibTrans" cxnId="{A54F0BAC-8A62-45B7-AA26-A0282EE512C8}">
-      <dgm:prSet/>
-      <dgm:spPr/>
-      <dgm:t>
-        <a:bodyPr/>
-        <a:lstStyle/>
-        <a:p>
-          <a:endParaRPr lang="ru-RU"/>
-        </a:p>
-      </dgm:t>
-    </dgm:pt>
-    <dgm:pt modelId="{8064281F-2167-46CA-B3B1-9F3EDC205B7D}">
-      <dgm:prSet phldrT="[Text]" phldr="1"/>
-      <dgm:spPr>
-        <a:solidFill>
-          <a:srgbClr val="00B0F0"/>
-        </a:solidFill>
-        <a:ln>
-          <a:solidFill>
-            <a:schemeClr val="tx2">
-              <a:lumMod val="60000"/>
-              <a:lumOff val="40000"/>
-            </a:schemeClr>
-          </a:solidFill>
-        </a:ln>
-      </dgm:spPr>
-      <dgm:t>
-        <a:bodyPr/>
-        <a:lstStyle/>
-        <a:p>
-          <a:endParaRPr lang="ru-RU"/>
-        </a:p>
-      </dgm:t>
-    </dgm:pt>
-    <dgm:pt modelId="{D8D2FC05-636E-46EC-BDB2-130CAA7CAD5C}" type="parTrans" cxnId="{09BD88A0-1609-4441-B67F-6D42E6DAF63B}">
-      <dgm:prSet/>
-      <dgm:spPr/>
-      <dgm:t>
-        <a:bodyPr/>
-        <a:lstStyle/>
-        <a:p>
-          <a:endParaRPr lang="ru-RU"/>
-        </a:p>
-      </dgm:t>
-    </dgm:pt>
-    <dgm:pt modelId="{C2FD1287-7C86-4421-9A50-89DD32C46F05}" type="sibTrans" cxnId="{09BD88A0-1609-4441-B67F-6D42E6DAF63B}">
-      <dgm:prSet/>
-      <dgm:spPr/>
-      <dgm:t>
-        <a:bodyPr/>
-        <a:lstStyle/>
-        <a:p>
-          <a:endParaRPr lang="ru-RU"/>
-        </a:p>
-      </dgm:t>
-    </dgm:pt>
-    <dgm:pt modelId="{54DE3EBE-D9FB-46C6-A63C-A132F7BB7E5D}" type="pres">
-      <dgm:prSet presAssocID="{60617EE0-9F0F-45D0-850A-B5B8EB2CE859}" presName="cycle" presStyleCnt="0">
-        <dgm:presLayoutVars>
-          <dgm:chMax val="1"/>
-          <dgm:dir/>
-          <dgm:animLvl val="ctr"/>
-          <dgm:resizeHandles val="exact"/>
-        </dgm:presLayoutVars>
-      </dgm:prSet>
-      <dgm:spPr/>
-      <dgm:t>
-        <a:bodyPr/>
-        <a:lstStyle/>
-        <a:p>
-          <a:endParaRPr lang="ru-RU"/>
-        </a:p>
-      </dgm:t>
-    </dgm:pt>
-    <dgm:pt modelId="{506CC8FD-2E26-4AE7-B13D-71BBCE420E2C}" type="pres">
-      <dgm:prSet presAssocID="{EBF0F4CF-0467-4E98-B8CA-76F41D781906}" presName="centerShape" presStyleLbl="node0" presStyleIdx="0" presStyleCnt="1"/>
-      <dgm:spPr/>
-      <dgm:t>
-        <a:bodyPr/>
-        <a:lstStyle/>
-        <a:p>
-          <a:endParaRPr lang="ru-RU"/>
-        </a:p>
-      </dgm:t>
-    </dgm:pt>
-    <dgm:pt modelId="{BD3E845E-4D7C-4CE3-83BC-20831ED88AEC}" type="pres">
-      <dgm:prSet presAssocID="{8D551FB1-FF58-4F83-903E-3255390FA4DB}" presName="Name9" presStyleLbl="parChTrans1D2" presStyleIdx="0" presStyleCnt="5"/>
-      <dgm:spPr/>
-      <dgm:t>
-        <a:bodyPr/>
-        <a:lstStyle/>
-        <a:p>
-          <a:endParaRPr lang="ru-RU"/>
-        </a:p>
-      </dgm:t>
-    </dgm:pt>
-    <dgm:pt modelId="{A3328905-D93C-40BA-BB5A-1634C5D9AEAB}" type="pres">
-      <dgm:prSet presAssocID="{8D551FB1-FF58-4F83-903E-3255390FA4DB}" presName="connTx" presStyleLbl="parChTrans1D2" presStyleIdx="0" presStyleCnt="5"/>
-      <dgm:spPr/>
-      <dgm:t>
-        <a:bodyPr/>
-        <a:lstStyle/>
-        <a:p>
-          <a:endParaRPr lang="ru-RU"/>
-        </a:p>
-      </dgm:t>
-    </dgm:pt>
-    <dgm:pt modelId="{19A07A34-1010-48C6-A801-BD8D5D256EA9}" type="pres">
-      <dgm:prSet presAssocID="{4019C2EE-49C8-4195-A89B-7537B9CD75C7}" presName="node" presStyleLbl="node1" presStyleIdx="0" presStyleCnt="5">
-        <dgm:presLayoutVars>
-          <dgm:bulletEnabled val="1"/>
-        </dgm:presLayoutVars>
-      </dgm:prSet>
-      <dgm:spPr/>
-      <dgm:t>
-        <a:bodyPr/>
-        <a:lstStyle/>
-        <a:p>
-          <a:endParaRPr lang="ru-RU"/>
-        </a:p>
-      </dgm:t>
-    </dgm:pt>
-    <dgm:pt modelId="{A40744F3-8F59-4D61-9DF6-A37D24278559}" type="pres">
-      <dgm:prSet presAssocID="{CD64D8F1-4C5C-40AC-B354-919B111D0B45}" presName="Name9" presStyleLbl="parChTrans1D2" presStyleIdx="1" presStyleCnt="5"/>
-      <dgm:spPr/>
-      <dgm:t>
-        <a:bodyPr/>
-        <a:lstStyle/>
-        <a:p>
-          <a:endParaRPr lang="ru-RU"/>
-        </a:p>
-      </dgm:t>
-    </dgm:pt>
-    <dgm:pt modelId="{370FD676-5D5A-47D9-BA62-6D03BC83E44F}" type="pres">
-      <dgm:prSet presAssocID="{CD64D8F1-4C5C-40AC-B354-919B111D0B45}" presName="connTx" presStyleLbl="parChTrans1D2" presStyleIdx="1" presStyleCnt="5"/>
-      <dgm:spPr/>
-      <dgm:t>
-        <a:bodyPr/>
-        <a:lstStyle/>
-        <a:p>
-          <a:endParaRPr lang="ru-RU"/>
-        </a:p>
-      </dgm:t>
-    </dgm:pt>
-    <dgm:pt modelId="{16A90822-693B-4AAA-A690-D1B7BBE713D3}" type="pres">
-      <dgm:prSet presAssocID="{DB9871E4-98C9-4B1E-8567-1925E1A07472}" presName="node" presStyleLbl="node1" presStyleIdx="1" presStyleCnt="5">
-        <dgm:presLayoutVars>
-          <dgm:bulletEnabled val="1"/>
-        </dgm:presLayoutVars>
-      </dgm:prSet>
-      <dgm:spPr/>
-      <dgm:t>
-        <a:bodyPr/>
-        <a:lstStyle/>
-        <a:p>
-          <a:endParaRPr lang="ru-RU"/>
-        </a:p>
-      </dgm:t>
-    </dgm:pt>
-    <dgm:pt modelId="{0B2CB517-7DD7-48E1-8259-4393B3E0C3EC}" type="pres">
-      <dgm:prSet presAssocID="{D8D2FC05-636E-46EC-BDB2-130CAA7CAD5C}" presName="Name9" presStyleLbl="parChTrans1D2" presStyleIdx="2" presStyleCnt="5"/>
-      <dgm:spPr/>
-      <dgm:t>
-        <a:bodyPr/>
-        <a:lstStyle/>
-        <a:p>
-          <a:endParaRPr lang="ru-RU"/>
-        </a:p>
-      </dgm:t>
-    </dgm:pt>
-    <dgm:pt modelId="{775184BA-8D1C-4E64-B481-B4E5F76BAACD}" type="pres">
-      <dgm:prSet presAssocID="{D8D2FC05-636E-46EC-BDB2-130CAA7CAD5C}" presName="connTx" presStyleLbl="parChTrans1D2" presStyleIdx="2" presStyleCnt="5"/>
-      <dgm:spPr/>
-      <dgm:t>
-        <a:bodyPr/>
-        <a:lstStyle/>
-        <a:p>
-          <a:endParaRPr lang="ru-RU"/>
-        </a:p>
-      </dgm:t>
-    </dgm:pt>
-    <dgm:pt modelId="{8F6D8065-965B-4A4F-B6F8-BDB592D2B4BF}" type="pres">
-      <dgm:prSet presAssocID="{8064281F-2167-46CA-B3B1-9F3EDC205B7D}" presName="node" presStyleLbl="node1" presStyleIdx="2" presStyleCnt="5">
-        <dgm:presLayoutVars>
-          <dgm:bulletEnabled val="1"/>
-        </dgm:presLayoutVars>
-      </dgm:prSet>
-      <dgm:spPr/>
-      <dgm:t>
-        <a:bodyPr/>
-        <a:lstStyle/>
-        <a:p>
-          <a:endParaRPr lang="ru-RU"/>
-        </a:p>
-      </dgm:t>
-    </dgm:pt>
-    <dgm:pt modelId="{9036BBB6-75F0-4F69-9249-B49C871EAD6A}" type="pres">
-      <dgm:prSet presAssocID="{178306AB-98F5-4039-9EA0-E2D6CF09B243}" presName="Name9" presStyleLbl="parChTrans1D2" presStyleIdx="3" presStyleCnt="5"/>
-      <dgm:spPr/>
-      <dgm:t>
-        <a:bodyPr/>
-        <a:lstStyle/>
-        <a:p>
-          <a:endParaRPr lang="ru-RU"/>
-        </a:p>
-      </dgm:t>
-    </dgm:pt>
-    <dgm:pt modelId="{F72E8894-E9F1-415C-A832-3C5CA474FD2F}" type="pres">
-      <dgm:prSet presAssocID="{178306AB-98F5-4039-9EA0-E2D6CF09B243}" presName="connTx" presStyleLbl="parChTrans1D2" presStyleIdx="3" presStyleCnt="5"/>
-      <dgm:spPr/>
-      <dgm:t>
-        <a:bodyPr/>
-        <a:lstStyle/>
-        <a:p>
-          <a:endParaRPr lang="ru-RU"/>
-        </a:p>
-      </dgm:t>
-    </dgm:pt>
-    <dgm:pt modelId="{935A1F96-8C6B-4CB8-B151-B31C97F5597D}" type="pres">
-      <dgm:prSet presAssocID="{CC326D99-283D-4BE7-96AC-2CB9524CC1D0}" presName="node" presStyleLbl="node1" presStyleIdx="3" presStyleCnt="5">
-        <dgm:presLayoutVars>
-          <dgm:bulletEnabled val="1"/>
-        </dgm:presLayoutVars>
-      </dgm:prSet>
-      <dgm:spPr/>
-      <dgm:t>
-        <a:bodyPr/>
-        <a:lstStyle/>
-        <a:p>
-          <a:endParaRPr lang="ru-RU"/>
-        </a:p>
-      </dgm:t>
-    </dgm:pt>
-    <dgm:pt modelId="{4DE8A120-1BCB-4D6E-B1F9-4BDCEC7C5779}" type="pres">
-      <dgm:prSet presAssocID="{21572320-9837-4012-A7E8-8ACEA02591FF}" presName="Name9" presStyleLbl="parChTrans1D2" presStyleIdx="4" presStyleCnt="5"/>
-      <dgm:spPr/>
-      <dgm:t>
-        <a:bodyPr/>
-        <a:lstStyle/>
-        <a:p>
-          <a:endParaRPr lang="ru-RU"/>
-        </a:p>
-      </dgm:t>
-    </dgm:pt>
-    <dgm:pt modelId="{A42DEBA1-64FE-4080-89F8-35427B1E7F4E}" type="pres">
-      <dgm:prSet presAssocID="{21572320-9837-4012-A7E8-8ACEA02591FF}" presName="connTx" presStyleLbl="parChTrans1D2" presStyleIdx="4" presStyleCnt="5"/>
-      <dgm:spPr/>
-      <dgm:t>
-        <a:bodyPr/>
-        <a:lstStyle/>
-        <a:p>
-          <a:endParaRPr lang="ru-RU"/>
-        </a:p>
-      </dgm:t>
-    </dgm:pt>
-    <dgm:pt modelId="{95A2D75F-3C3F-4653-A5FC-8BF0D4D6EEFE}" type="pres">
-      <dgm:prSet presAssocID="{44C2122C-6BF5-4FD0-B2AA-4CAB687DBF7E}" presName="node" presStyleLbl="node1" presStyleIdx="4" presStyleCnt="5">
-        <dgm:presLayoutVars>
-          <dgm:bulletEnabled val="1"/>
-        </dgm:presLayoutVars>
-      </dgm:prSet>
-      <dgm:spPr/>
-      <dgm:t>
-        <a:bodyPr/>
-        <a:lstStyle/>
-        <a:p>
-          <a:endParaRPr lang="ru-RU"/>
-        </a:p>
-      </dgm:t>
-    </dgm:pt>
-  </dgm:ptLst>
-  <dgm:cxnLst>
-    <dgm:cxn modelId="{8625EB85-3816-458F-B1D2-F51D0E469A95}" type="presOf" srcId="{178306AB-98F5-4039-9EA0-E2D6CF09B243}" destId="{F72E8894-E9F1-415C-A832-3C5CA474FD2F}" srcOrd="1" destOrd="0" presId="urn:microsoft.com/office/officeart/2005/8/layout/radial1"/>
-    <dgm:cxn modelId="{78EEAA5D-9F42-4EE8-81C5-C96C385EC954}" srcId="{60617EE0-9F0F-45D0-850A-B5B8EB2CE859}" destId="{EBF0F4CF-0467-4E98-B8CA-76F41D781906}" srcOrd="0" destOrd="0" parTransId="{03A49EE8-52F0-486F-8848-7BBDF1D3ED53}" sibTransId="{FE5FBB68-3B25-42FC-A389-1A2C0D42D20B}"/>
-    <dgm:cxn modelId="{F4348659-AF8D-49B5-8194-A3D7BEC506BB}" type="presOf" srcId="{CC326D99-283D-4BE7-96AC-2CB9524CC1D0}" destId="{935A1F96-8C6B-4CB8-B151-B31C97F5597D}" srcOrd="0" destOrd="0" presId="urn:microsoft.com/office/officeart/2005/8/layout/radial1"/>
-    <dgm:cxn modelId="{CE3BB7F9-0DB6-45E7-A5F2-E8E86405B845}" srcId="{EBF0F4CF-0467-4E98-B8CA-76F41D781906}" destId="{DB9871E4-98C9-4B1E-8567-1925E1A07472}" srcOrd="1" destOrd="0" parTransId="{CD64D8F1-4C5C-40AC-B354-919B111D0B45}" sibTransId="{0BA50633-AC16-4C7A-BAC8-ACF96A6E3EA7}"/>
-    <dgm:cxn modelId="{ABEC7DD5-B00D-4134-8A26-4FCC99149CA9}" srcId="{EBF0F4CF-0467-4E98-B8CA-76F41D781906}" destId="{4019C2EE-49C8-4195-A89B-7537B9CD75C7}" srcOrd="0" destOrd="0" parTransId="{8D551FB1-FF58-4F83-903E-3255390FA4DB}" sibTransId="{0824EDF2-AAE5-4132-9777-5A09F0A814D8}"/>
-    <dgm:cxn modelId="{24AF3C11-E8BD-4EDE-B92D-FECE9AFFC978}" type="presOf" srcId="{178306AB-98F5-4039-9EA0-E2D6CF09B243}" destId="{9036BBB6-75F0-4F69-9249-B49C871EAD6A}" srcOrd="0" destOrd="0" presId="urn:microsoft.com/office/officeart/2005/8/layout/radial1"/>
-    <dgm:cxn modelId="{9AA1998B-8FB0-409C-B29B-BF0ECDF72422}" type="presOf" srcId="{8D551FB1-FF58-4F83-903E-3255390FA4DB}" destId="{BD3E845E-4D7C-4CE3-83BC-20831ED88AEC}" srcOrd="0" destOrd="0" presId="urn:microsoft.com/office/officeart/2005/8/layout/radial1"/>
-    <dgm:cxn modelId="{2009D117-6D6B-438B-8F24-81733BA8840D}" type="presOf" srcId="{44C2122C-6BF5-4FD0-B2AA-4CAB687DBF7E}" destId="{95A2D75F-3C3F-4653-A5FC-8BF0D4D6EEFE}" srcOrd="0" destOrd="0" presId="urn:microsoft.com/office/officeart/2005/8/layout/radial1"/>
-    <dgm:cxn modelId="{E15D0854-A949-4B8F-A860-DD1EE3C5D3F9}" type="presOf" srcId="{CD64D8F1-4C5C-40AC-B354-919B111D0B45}" destId="{370FD676-5D5A-47D9-BA62-6D03BC83E44F}" srcOrd="1" destOrd="0" presId="urn:microsoft.com/office/officeart/2005/8/layout/radial1"/>
-    <dgm:cxn modelId="{37F643ED-27C7-42B4-A34B-9C034E8F5C6C}" type="presOf" srcId="{CD64D8F1-4C5C-40AC-B354-919B111D0B45}" destId="{A40744F3-8F59-4D61-9DF6-A37D24278559}" srcOrd="0" destOrd="0" presId="urn:microsoft.com/office/officeart/2005/8/layout/radial1"/>
-    <dgm:cxn modelId="{F5ABAE59-874A-4543-85A2-A143C3D45DE6}" type="presOf" srcId="{21572320-9837-4012-A7E8-8ACEA02591FF}" destId="{4DE8A120-1BCB-4D6E-B1F9-4BDCEC7C5779}" srcOrd="0" destOrd="0" presId="urn:microsoft.com/office/officeart/2005/8/layout/radial1"/>
-    <dgm:cxn modelId="{A54F0BAC-8A62-45B7-AA26-A0282EE512C8}" srcId="{EBF0F4CF-0467-4E98-B8CA-76F41D781906}" destId="{44C2122C-6BF5-4FD0-B2AA-4CAB687DBF7E}" srcOrd="4" destOrd="0" parTransId="{21572320-9837-4012-A7E8-8ACEA02591FF}" sibTransId="{9E1C2A47-86BE-4D07-B4A5-A02A87BF4E76}"/>
-    <dgm:cxn modelId="{47A26C9C-88F9-4F10-BF84-9D4F34CE2D25}" type="presOf" srcId="{D8D2FC05-636E-46EC-BDB2-130CAA7CAD5C}" destId="{0B2CB517-7DD7-48E1-8259-4393B3E0C3EC}" srcOrd="0" destOrd="0" presId="urn:microsoft.com/office/officeart/2005/8/layout/radial1"/>
-    <dgm:cxn modelId="{2F60552D-6663-4AF4-83C2-29A5F68A9DA4}" type="presOf" srcId="{EBF0F4CF-0467-4E98-B8CA-76F41D781906}" destId="{506CC8FD-2E26-4AE7-B13D-71BBCE420E2C}" srcOrd="0" destOrd="0" presId="urn:microsoft.com/office/officeart/2005/8/layout/radial1"/>
-    <dgm:cxn modelId="{9B320CAD-6699-42A6-BF36-A3FFCF0ECA53}" type="presOf" srcId="{DB9871E4-98C9-4B1E-8567-1925E1A07472}" destId="{16A90822-693B-4AAA-A690-D1B7BBE713D3}" srcOrd="0" destOrd="0" presId="urn:microsoft.com/office/officeart/2005/8/layout/radial1"/>
-    <dgm:cxn modelId="{87469742-A5F2-41F1-ADC9-AD83EBF99C56}" type="presOf" srcId="{D8D2FC05-636E-46EC-BDB2-130CAA7CAD5C}" destId="{775184BA-8D1C-4E64-B481-B4E5F76BAACD}" srcOrd="1" destOrd="0" presId="urn:microsoft.com/office/officeart/2005/8/layout/radial1"/>
-    <dgm:cxn modelId="{70BA8F43-2FC0-407F-BC1C-9D0641C5E99D}" type="presOf" srcId="{8D551FB1-FF58-4F83-903E-3255390FA4DB}" destId="{A3328905-D93C-40BA-BB5A-1634C5D9AEAB}" srcOrd="1" destOrd="0" presId="urn:microsoft.com/office/officeart/2005/8/layout/radial1"/>
-    <dgm:cxn modelId="{72B51E46-4FE7-4344-94A2-95B21A139D3F}" type="presOf" srcId="{4019C2EE-49C8-4195-A89B-7537B9CD75C7}" destId="{19A07A34-1010-48C6-A801-BD8D5D256EA9}" srcOrd="0" destOrd="0" presId="urn:microsoft.com/office/officeart/2005/8/layout/radial1"/>
-    <dgm:cxn modelId="{0CF85E61-D7F9-48AA-A4CA-0FCE6E6D1384}" type="presOf" srcId="{21572320-9837-4012-A7E8-8ACEA02591FF}" destId="{A42DEBA1-64FE-4080-89F8-35427B1E7F4E}" srcOrd="1" destOrd="0" presId="urn:microsoft.com/office/officeart/2005/8/layout/radial1"/>
-    <dgm:cxn modelId="{A666541C-0A86-48F1-8ECD-501782C69E17}" srcId="{EBF0F4CF-0467-4E98-B8CA-76F41D781906}" destId="{CC326D99-283D-4BE7-96AC-2CB9524CC1D0}" srcOrd="3" destOrd="0" parTransId="{178306AB-98F5-4039-9EA0-E2D6CF09B243}" sibTransId="{5F90D1A0-6B01-4BDD-A09F-2F5932AF07E2}"/>
-    <dgm:cxn modelId="{74E29863-0B51-4781-A288-ABAEDA39E932}" type="presOf" srcId="{60617EE0-9F0F-45D0-850A-B5B8EB2CE859}" destId="{54DE3EBE-D9FB-46C6-A63C-A132F7BB7E5D}" srcOrd="0" destOrd="0" presId="urn:microsoft.com/office/officeart/2005/8/layout/radial1"/>
-    <dgm:cxn modelId="{E9175E55-891D-4D9E-A91E-56D9216D727B}" type="presOf" srcId="{8064281F-2167-46CA-B3B1-9F3EDC205B7D}" destId="{8F6D8065-965B-4A4F-B6F8-BDB592D2B4BF}" srcOrd="0" destOrd="0" presId="urn:microsoft.com/office/officeart/2005/8/layout/radial1"/>
-    <dgm:cxn modelId="{09BD88A0-1609-4441-B67F-6D42E6DAF63B}" srcId="{EBF0F4CF-0467-4E98-B8CA-76F41D781906}" destId="{8064281F-2167-46CA-B3B1-9F3EDC205B7D}" srcOrd="2" destOrd="0" parTransId="{D8D2FC05-636E-46EC-BDB2-130CAA7CAD5C}" sibTransId="{C2FD1287-7C86-4421-9A50-89DD32C46F05}"/>
-    <dgm:cxn modelId="{DD446C21-7D39-4F4B-9D7E-9E1A870986C9}" type="presParOf" srcId="{54DE3EBE-D9FB-46C6-A63C-A132F7BB7E5D}" destId="{506CC8FD-2E26-4AE7-B13D-71BBCE420E2C}" srcOrd="0" destOrd="0" presId="urn:microsoft.com/office/officeart/2005/8/layout/radial1"/>
-    <dgm:cxn modelId="{E5E02451-54F8-46FC-8460-3D30FC5AEAA8}" type="presParOf" srcId="{54DE3EBE-D9FB-46C6-A63C-A132F7BB7E5D}" destId="{BD3E845E-4D7C-4CE3-83BC-20831ED88AEC}" srcOrd="1" destOrd="0" presId="urn:microsoft.com/office/officeart/2005/8/layout/radial1"/>
-    <dgm:cxn modelId="{A6ED7BB8-2320-46AE-803F-8757A6E22C13}" type="presParOf" srcId="{BD3E845E-4D7C-4CE3-83BC-20831ED88AEC}" destId="{A3328905-D93C-40BA-BB5A-1634C5D9AEAB}" srcOrd="0" destOrd="0" presId="urn:microsoft.com/office/officeart/2005/8/layout/radial1"/>
-    <dgm:cxn modelId="{C7B24286-5EAF-476B-9C3D-C982C52B5A3D}" type="presParOf" srcId="{54DE3EBE-D9FB-46C6-A63C-A132F7BB7E5D}" destId="{19A07A34-1010-48C6-A801-BD8D5D256EA9}" srcOrd="2" destOrd="0" presId="urn:microsoft.com/office/officeart/2005/8/layout/radial1"/>
-    <dgm:cxn modelId="{A75793FE-2DBC-4D4E-9DB2-8B94AD98E127}" type="presParOf" srcId="{54DE3EBE-D9FB-46C6-A63C-A132F7BB7E5D}" destId="{A40744F3-8F59-4D61-9DF6-A37D24278559}" srcOrd="3" destOrd="0" presId="urn:microsoft.com/office/officeart/2005/8/layout/radial1"/>
-    <dgm:cxn modelId="{7C0B2C08-DAB9-4A53-88CF-DED6B666DC30}" type="presParOf" srcId="{A40744F3-8F59-4D61-9DF6-A37D24278559}" destId="{370FD676-5D5A-47D9-BA62-6D03BC83E44F}" srcOrd="0" destOrd="0" presId="urn:microsoft.com/office/officeart/2005/8/layout/radial1"/>
-    <dgm:cxn modelId="{94883C07-2F24-4595-804E-831C219229A5}" type="presParOf" srcId="{54DE3EBE-D9FB-46C6-A63C-A132F7BB7E5D}" destId="{16A90822-693B-4AAA-A690-D1B7BBE713D3}" srcOrd="4" destOrd="0" presId="urn:microsoft.com/office/officeart/2005/8/layout/radial1"/>
-    <dgm:cxn modelId="{E7247E75-2243-43A4-9D9C-250A071AF527}" type="presParOf" srcId="{54DE3EBE-D9FB-46C6-A63C-A132F7BB7E5D}" destId="{0B2CB517-7DD7-48E1-8259-4393B3E0C3EC}" srcOrd="5" destOrd="0" presId="urn:microsoft.com/office/officeart/2005/8/layout/radial1"/>
-    <dgm:cxn modelId="{E8584204-FB18-4D9D-8D04-063F82D4A146}" type="presParOf" srcId="{0B2CB517-7DD7-48E1-8259-4393B3E0C3EC}" destId="{775184BA-8D1C-4E64-B481-B4E5F76BAACD}" srcOrd="0" destOrd="0" presId="urn:microsoft.com/office/officeart/2005/8/layout/radial1"/>
-    <dgm:cxn modelId="{F085FD7C-ED5F-41F8-BECD-224A5C242982}" type="presParOf" srcId="{54DE3EBE-D9FB-46C6-A63C-A132F7BB7E5D}" destId="{8F6D8065-965B-4A4F-B6F8-BDB592D2B4BF}" srcOrd="6" destOrd="0" presId="urn:microsoft.com/office/officeart/2005/8/layout/radial1"/>
-    <dgm:cxn modelId="{142B470B-F932-4A60-BAE6-FC93BEE431DB}" type="presParOf" srcId="{54DE3EBE-D9FB-46C6-A63C-A132F7BB7E5D}" destId="{9036BBB6-75F0-4F69-9249-B49C871EAD6A}" srcOrd="7" destOrd="0" presId="urn:microsoft.com/office/officeart/2005/8/layout/radial1"/>
-    <dgm:cxn modelId="{BB18243B-12DD-45A0-B31A-4FE5148D927A}" type="presParOf" srcId="{9036BBB6-75F0-4F69-9249-B49C871EAD6A}" destId="{F72E8894-E9F1-415C-A832-3C5CA474FD2F}" srcOrd="0" destOrd="0" presId="urn:microsoft.com/office/officeart/2005/8/layout/radial1"/>
-    <dgm:cxn modelId="{94B9BE80-A03E-4573-A5D1-AFA818E1B45F}" type="presParOf" srcId="{54DE3EBE-D9FB-46C6-A63C-A132F7BB7E5D}" destId="{935A1F96-8C6B-4CB8-B151-B31C97F5597D}" srcOrd="8" destOrd="0" presId="urn:microsoft.com/office/officeart/2005/8/layout/radial1"/>
-    <dgm:cxn modelId="{2E818E5A-0EDD-455F-9D03-A083811ECAC9}" type="presParOf" srcId="{54DE3EBE-D9FB-46C6-A63C-A132F7BB7E5D}" destId="{4DE8A120-1BCB-4D6E-B1F9-4BDCEC7C5779}" srcOrd="9" destOrd="0" presId="urn:microsoft.com/office/officeart/2005/8/layout/radial1"/>
-    <dgm:cxn modelId="{A3937150-FD89-44BE-ACEE-3C88DA5DE620}" type="presParOf" srcId="{4DE8A120-1BCB-4D6E-B1F9-4BDCEC7C5779}" destId="{A42DEBA1-64FE-4080-89F8-35427B1E7F4E}" srcOrd="0" destOrd="0" presId="urn:microsoft.com/office/officeart/2005/8/layout/radial1"/>
-    <dgm:cxn modelId="{12909816-7525-4A3D-AC03-8A8B20ADA264}" type="presParOf" srcId="{54DE3EBE-D9FB-46C6-A63C-A132F7BB7E5D}" destId="{95A2D75F-3C3F-4653-A5FC-8BF0D4D6EEFE}" srcOrd="10" destOrd="0" presId="urn:microsoft.com/office/officeart/2005/8/layout/radial1"/>
-  </dgm:cxnLst>
-  <dgm:bg/>
-  <dgm:whole/>
-  <dgm:extLst>
-    <a:ext uri="http://schemas.microsoft.com/office/drawing/2008/diagram">
-      <dsp:dataModelExt xmlns:dsp="http://schemas.microsoft.com/office/drawing/2008/diagram" relId="rId12" minVer="http://schemas.openxmlformats.org/drawingml/2006/diagram"/>
-    </a:ext>
-  </dgm:extLst>
-</dgm:dataModel>
-</file>
-
-<file path=ppt/diagrams/data3.xml><?xml version="1.0" encoding="utf-8"?>
-<dgm:dataModel xmlns:dgm="http://schemas.openxmlformats.org/drawingml/2006/diagram" xmlns:a="http://schemas.openxmlformats.org/drawingml/2006/main">
-  <dgm:ptLst>
     <dgm:pt modelId="{318EB9F8-A3B4-4FA7-9997-4937EB56EAEC}" type="doc">
       <dgm:prSet loTypeId="urn:microsoft.com/office/officeart/2008/layout/RadialCluster" loCatId="cycle" qsTypeId="urn:microsoft.com/office/officeart/2005/8/quickstyle/simple1" qsCatId="simple" csTypeId="urn:microsoft.com/office/officeart/2005/8/colors/accent1_2" csCatId="accent1" phldr="1"/>
       <dgm:spPr/>
@@ -6026,62 +5475,6 @@
         </a:p>
       </dgm:t>
     </dgm:pt>
-    <dgm:pt modelId="{F100A25E-EA34-4EC6-8425-83AB70B46938}">
-      <dgm:prSet phldrT="[Text]"/>
-      <dgm:spPr>
-        <a:solidFill>
-          <a:schemeClr val="bg1">
-            <a:lumMod val="95000"/>
-          </a:schemeClr>
-        </a:solidFill>
-        <a:ln>
-          <a:solidFill>
-            <a:srgbClr val="00B0F0"/>
-          </a:solidFill>
-        </a:ln>
-      </dgm:spPr>
-      <dgm:t>
-        <a:bodyPr lIns="540000"/>
-        <a:lstStyle/>
-        <a:p>
-          <a:r>
-            <a:rPr lang="en-US" b="0" i="0" dirty="0" smtClean="0">
-              <a:solidFill>
-                <a:srgbClr val="00B0F0"/>
-              </a:solidFill>
-            </a:rPr>
-            <a:t>Virtual Machines</a:t>
-          </a:r>
-          <a:endParaRPr lang="ru-RU" dirty="0">
-            <a:solidFill>
-              <a:srgbClr val="00B0F0"/>
-            </a:solidFill>
-          </a:endParaRPr>
-        </a:p>
-      </dgm:t>
-    </dgm:pt>
-    <dgm:pt modelId="{0B6DC4C4-868B-45FA-8358-6CAB108952EC}" type="parTrans" cxnId="{E74B0F84-2A19-471C-AB9B-3FE3927CCC23}">
-      <dgm:prSet/>
-      <dgm:spPr/>
-      <dgm:t>
-        <a:bodyPr/>
-        <a:lstStyle/>
-        <a:p>
-          <a:endParaRPr lang="ru-RU"/>
-        </a:p>
-      </dgm:t>
-    </dgm:pt>
-    <dgm:pt modelId="{534D5137-68DB-44D0-810F-23464224219E}" type="sibTrans" cxnId="{E74B0F84-2A19-471C-AB9B-3FE3927CCC23}">
-      <dgm:prSet/>
-      <dgm:spPr/>
-      <dgm:t>
-        <a:bodyPr/>
-        <a:lstStyle/>
-        <a:p>
-          <a:endParaRPr lang="ru-RU"/>
-        </a:p>
-      </dgm:t>
-    </dgm:pt>
     <dgm:pt modelId="{BC91FB3B-9E6D-4490-8D7F-37F12A92C6D9}">
       <dgm:prSet phldrT="[Text]"/>
       <dgm:spPr>
@@ -6118,7 +5511,13 @@
     </dgm:pt>
     <dgm:pt modelId="{F8D72010-AF4F-4609-B96E-382ED1A887D9}" type="parTrans" cxnId="{77898682-AD47-4C39-BED4-382247C57201}">
       <dgm:prSet/>
-      <dgm:spPr/>
+      <dgm:spPr>
+        <a:ln>
+          <a:solidFill>
+            <a:srgbClr val="00B0F0"/>
+          </a:solidFill>
+        </a:ln>
+      </dgm:spPr>
       <dgm:t>
         <a:bodyPr/>
         <a:lstStyle/>
@@ -6128,118 +5527,6 @@
       </dgm:t>
     </dgm:pt>
     <dgm:pt modelId="{3CC6E0B8-30FE-4DB7-8D41-188B3F12396F}" type="sibTrans" cxnId="{77898682-AD47-4C39-BED4-382247C57201}">
-      <dgm:prSet/>
-      <dgm:spPr/>
-      <dgm:t>
-        <a:bodyPr/>
-        <a:lstStyle/>
-        <a:p>
-          <a:endParaRPr lang="ru-RU"/>
-        </a:p>
-      </dgm:t>
-    </dgm:pt>
-    <dgm:pt modelId="{47429E1D-FD7A-4AF3-A8B9-8C221A60DA7B}">
-      <dgm:prSet phldrT="[Text]"/>
-      <dgm:spPr>
-        <a:solidFill>
-          <a:schemeClr val="bg1">
-            <a:lumMod val="95000"/>
-          </a:schemeClr>
-        </a:solidFill>
-        <a:ln>
-          <a:solidFill>
-            <a:srgbClr val="00B0F0"/>
-          </a:solidFill>
-        </a:ln>
-      </dgm:spPr>
-      <dgm:t>
-        <a:bodyPr lIns="540000"/>
-        <a:lstStyle/>
-        <a:p>
-          <a:r>
-            <a:rPr lang="en-US" b="0" i="0" dirty="0" smtClean="0">
-              <a:solidFill>
-                <a:srgbClr val="00B0F0"/>
-              </a:solidFill>
-            </a:rPr>
-            <a:t>Virtual Machines</a:t>
-          </a:r>
-          <a:endParaRPr lang="ru-RU" dirty="0">
-            <a:solidFill>
-              <a:srgbClr val="00B0F0"/>
-            </a:solidFill>
-          </a:endParaRPr>
-        </a:p>
-      </dgm:t>
-    </dgm:pt>
-    <dgm:pt modelId="{BF81E867-F11B-445A-B098-3524BB151843}" type="parTrans" cxnId="{216CF9F6-C409-4F7E-9953-446F28A64DF2}">
-      <dgm:prSet/>
-      <dgm:spPr/>
-      <dgm:t>
-        <a:bodyPr/>
-        <a:lstStyle/>
-        <a:p>
-          <a:endParaRPr lang="ru-RU"/>
-        </a:p>
-      </dgm:t>
-    </dgm:pt>
-    <dgm:pt modelId="{2911CC2C-254B-4575-9EFB-83379E2240D5}" type="sibTrans" cxnId="{216CF9F6-C409-4F7E-9953-446F28A64DF2}">
-      <dgm:prSet/>
-      <dgm:spPr/>
-      <dgm:t>
-        <a:bodyPr/>
-        <a:lstStyle/>
-        <a:p>
-          <a:endParaRPr lang="ru-RU"/>
-        </a:p>
-      </dgm:t>
-    </dgm:pt>
-    <dgm:pt modelId="{C0C36640-CB1A-44F6-A60F-AC14457A0FAB}">
-      <dgm:prSet phldrT="[Text]"/>
-      <dgm:spPr>
-        <a:solidFill>
-          <a:schemeClr val="bg1">
-            <a:lumMod val="95000"/>
-          </a:schemeClr>
-        </a:solidFill>
-        <a:ln>
-          <a:solidFill>
-            <a:srgbClr val="00B0F0"/>
-          </a:solidFill>
-        </a:ln>
-      </dgm:spPr>
-      <dgm:t>
-        <a:bodyPr lIns="540000"/>
-        <a:lstStyle/>
-        <a:p>
-          <a:r>
-            <a:rPr lang="en-US" b="0" i="0" dirty="0" smtClean="0">
-              <a:solidFill>
-                <a:srgbClr val="00B0F0"/>
-              </a:solidFill>
-            </a:rPr>
-            <a:t>Virtual Machines</a:t>
-          </a:r>
-          <a:endParaRPr lang="ru-RU" dirty="0">
-            <a:solidFill>
-              <a:srgbClr val="00B0F0"/>
-            </a:solidFill>
-          </a:endParaRPr>
-        </a:p>
-      </dgm:t>
-    </dgm:pt>
-    <dgm:pt modelId="{17B7480E-1A93-4241-8957-C233CEFD26A8}" type="parTrans" cxnId="{2319650B-78D6-47D2-B8D2-19C5E704678B}">
-      <dgm:prSet/>
-      <dgm:spPr/>
-      <dgm:t>
-        <a:bodyPr/>
-        <a:lstStyle/>
-        <a:p>
-          <a:endParaRPr lang="ru-RU"/>
-        </a:p>
-      </dgm:t>
-    </dgm:pt>
-    <dgm:pt modelId="{044CDF25-98EF-478B-9E86-2D4263EEAD64}" type="sibTrans" cxnId="{2319650B-78D6-47D2-B8D2-19C5E704678B}">
       <dgm:prSet/>
       <dgm:spPr/>
       <dgm:t>
@@ -6274,7 +5561,7 @@
       <dgm:spPr/>
     </dgm:pt>
     <dgm:pt modelId="{25056C25-FD7A-454A-BD80-5797A854A1C9}" type="pres">
-      <dgm:prSet presAssocID="{E401A207-D970-4540-A7D8-1D2DE637C704}" presName="singleCenter" presStyleLbl="node1" presStyleIdx="0" presStyleCnt="5">
+      <dgm:prSet presAssocID="{E401A207-D970-4540-A7D8-1D2DE637C704}" presName="singleCenter" presStyleLbl="node1" presStyleIdx="0" presStyleCnt="2" custScaleX="67300" custScaleY="71871">
         <dgm:presLayoutVars>
           <dgm:chMax val="7"/>
           <dgm:chPref val="7"/>
@@ -6289,34 +5576,8 @@
         </a:p>
       </dgm:t>
     </dgm:pt>
-    <dgm:pt modelId="{31BCADCA-80D2-424B-BFB0-A0AF1E13D2E2}" type="pres">
-      <dgm:prSet presAssocID="{0B6DC4C4-868B-45FA-8358-6CAB108952EC}" presName="Name56" presStyleLbl="parChTrans1D2" presStyleIdx="0" presStyleCnt="4"/>
-      <dgm:spPr/>
-      <dgm:t>
-        <a:bodyPr/>
-        <a:lstStyle/>
-        <a:p>
-          <a:endParaRPr lang="ru-RU"/>
-        </a:p>
-      </dgm:t>
-    </dgm:pt>
-    <dgm:pt modelId="{C3655CBF-3ABB-474C-8D36-3C5745CA1400}" type="pres">
-      <dgm:prSet presAssocID="{F100A25E-EA34-4EC6-8425-83AB70B46938}" presName="text0" presStyleLbl="node1" presStyleIdx="1" presStyleCnt="5" custScaleX="396271" custScaleY="120994">
-        <dgm:presLayoutVars>
-          <dgm:bulletEnabled val="1"/>
-        </dgm:presLayoutVars>
-      </dgm:prSet>
-      <dgm:spPr/>
-      <dgm:t>
-        <a:bodyPr/>
-        <a:lstStyle/>
-        <a:p>
-          <a:endParaRPr lang="ru-RU"/>
-        </a:p>
-      </dgm:t>
-    </dgm:pt>
     <dgm:pt modelId="{40765CB4-C294-459A-8862-FC5E44F7FB91}" type="pres">
-      <dgm:prSet presAssocID="{F8D72010-AF4F-4609-B96E-382ED1A887D9}" presName="Name56" presStyleLbl="parChTrans1D2" presStyleIdx="1" presStyleCnt="4"/>
+      <dgm:prSet presAssocID="{F8D72010-AF4F-4609-B96E-382ED1A887D9}" presName="Name56" presStyleLbl="parChTrans1D2" presStyleIdx="0" presStyleCnt="1"/>
       <dgm:spPr/>
       <dgm:t>
         <a:bodyPr/>
@@ -6327,59 +5588,7 @@
       </dgm:t>
     </dgm:pt>
     <dgm:pt modelId="{EEF398F6-2EF8-48AB-9AFF-6A7FD5CA2064}" type="pres">
-      <dgm:prSet presAssocID="{BC91FB3B-9E6D-4490-8D7F-37F12A92C6D9}" presName="text0" presStyleLbl="node1" presStyleIdx="2" presStyleCnt="5" custScaleX="396271" custScaleY="120994" custRadScaleRad="150256" custRadScaleInc="-331">
-        <dgm:presLayoutVars>
-          <dgm:bulletEnabled val="1"/>
-        </dgm:presLayoutVars>
-      </dgm:prSet>
-      <dgm:spPr/>
-      <dgm:t>
-        <a:bodyPr/>
-        <a:lstStyle/>
-        <a:p>
-          <a:endParaRPr lang="ru-RU"/>
-        </a:p>
-      </dgm:t>
-    </dgm:pt>
-    <dgm:pt modelId="{A6D1EF60-2A29-4EBA-9A52-4C2DAC5030E3}" type="pres">
-      <dgm:prSet presAssocID="{BF81E867-F11B-445A-B098-3524BB151843}" presName="Name56" presStyleLbl="parChTrans1D2" presStyleIdx="2" presStyleCnt="4"/>
-      <dgm:spPr/>
-      <dgm:t>
-        <a:bodyPr/>
-        <a:lstStyle/>
-        <a:p>
-          <a:endParaRPr lang="ru-RU"/>
-        </a:p>
-      </dgm:t>
-    </dgm:pt>
-    <dgm:pt modelId="{C50AEFB2-1621-4C42-AC18-6AFD59CCAAB2}" type="pres">
-      <dgm:prSet presAssocID="{47429E1D-FD7A-4AF3-A8B9-8C221A60DA7B}" presName="text0" presStyleLbl="node1" presStyleIdx="3" presStyleCnt="5" custScaleX="396271" custScaleY="120994" custRadScaleRad="94513" custRadScaleInc="-6650">
-        <dgm:presLayoutVars>
-          <dgm:bulletEnabled val="1"/>
-        </dgm:presLayoutVars>
-      </dgm:prSet>
-      <dgm:spPr/>
-      <dgm:t>
-        <a:bodyPr/>
-        <a:lstStyle/>
-        <a:p>
-          <a:endParaRPr lang="ru-RU"/>
-        </a:p>
-      </dgm:t>
-    </dgm:pt>
-    <dgm:pt modelId="{1FB923F5-4F9F-4D64-AD50-9DEA6904FB57}" type="pres">
-      <dgm:prSet presAssocID="{17B7480E-1A93-4241-8957-C233CEFD26A8}" presName="Name56" presStyleLbl="parChTrans1D2" presStyleIdx="3" presStyleCnt="4"/>
-      <dgm:spPr/>
-      <dgm:t>
-        <a:bodyPr/>
-        <a:lstStyle/>
-        <a:p>
-          <a:endParaRPr lang="ru-RU"/>
-        </a:p>
-      </dgm:t>
-    </dgm:pt>
-    <dgm:pt modelId="{95283C3C-4BB4-4D34-B9B6-1A904A250625}" type="pres">
-      <dgm:prSet presAssocID="{C0C36640-CB1A-44F6-A60F-AC14457A0FAB}" presName="text0" presStyleLbl="node1" presStyleIdx="4" presStyleCnt="5" custScaleX="396271" custScaleY="120994" custRadScaleRad="156184" custRadScaleInc="318">
+      <dgm:prSet presAssocID="{BC91FB3B-9E6D-4490-8D7F-37F12A92C6D9}" presName="text0" presStyleLbl="node1" presStyleIdx="1" presStyleCnt="2" custScaleX="326918" custScaleY="97633" custRadScaleRad="150256" custRadScaleInc="-331">
         <dgm:presLayoutVars>
           <dgm:bulletEnabled val="1"/>
         </dgm:presLayoutVars>
@@ -6395,37 +5604,728 @@
     </dgm:pt>
   </dgm:ptLst>
   <dgm:cxnLst>
-    <dgm:cxn modelId="{216CF9F6-C409-4F7E-9953-446F28A64DF2}" srcId="{E401A207-D970-4540-A7D8-1D2DE637C704}" destId="{47429E1D-FD7A-4AF3-A8B9-8C221A60DA7B}" srcOrd="2" destOrd="0" parTransId="{BF81E867-F11B-445A-B098-3524BB151843}" sibTransId="{2911CC2C-254B-4575-9EFB-83379E2240D5}"/>
-    <dgm:cxn modelId="{FDE604AD-F3B4-430B-B61C-445BBF234144}" type="presOf" srcId="{47429E1D-FD7A-4AF3-A8B9-8C221A60DA7B}" destId="{C50AEFB2-1621-4C42-AC18-6AFD59CCAAB2}" srcOrd="0" destOrd="0" presId="urn:microsoft.com/office/officeart/2008/layout/RadialCluster"/>
+    <dgm:cxn modelId="{A1C3788A-9CBD-4238-9560-BF12EBE8E844}" srcId="{318EB9F8-A3B4-4FA7-9997-4937EB56EAEC}" destId="{E401A207-D970-4540-A7D8-1D2DE637C704}" srcOrd="0" destOrd="0" parTransId="{663A62C9-9B3D-48E0-A3FC-618886457E72}" sibTransId="{6DFC798E-040C-44FF-A79A-A674AC8D6016}"/>
+    <dgm:cxn modelId="{B7ADB2CE-FDF8-4DDC-9D65-2ADC68906671}" type="presOf" srcId="{E401A207-D970-4540-A7D8-1D2DE637C704}" destId="{25056C25-FD7A-454A-BD80-5797A854A1C9}" srcOrd="0" destOrd="0" presId="urn:microsoft.com/office/officeart/2008/layout/RadialCluster"/>
+    <dgm:cxn modelId="{CB6FF63A-823C-419F-8009-D9424132D561}" type="presOf" srcId="{318EB9F8-A3B4-4FA7-9997-4937EB56EAEC}" destId="{E837BDE3-383E-40B2-A6FC-7B4752AEE84C}" srcOrd="0" destOrd="0" presId="urn:microsoft.com/office/officeart/2008/layout/RadialCluster"/>
+    <dgm:cxn modelId="{E42DE99F-5B53-4D5B-A7E6-421A243F95DE}" type="presOf" srcId="{F8D72010-AF4F-4609-B96E-382ED1A887D9}" destId="{40765CB4-C294-459A-8862-FC5E44F7FB91}" srcOrd="0" destOrd="0" presId="urn:microsoft.com/office/officeart/2008/layout/RadialCluster"/>
     <dgm:cxn modelId="{8B82B00A-C46E-474C-AE4C-74136B391CD8}" type="presOf" srcId="{BC91FB3B-9E6D-4490-8D7F-37F12A92C6D9}" destId="{EEF398F6-2EF8-48AB-9AFF-6A7FD5CA2064}" srcOrd="0" destOrd="0" presId="urn:microsoft.com/office/officeart/2008/layout/RadialCluster"/>
-    <dgm:cxn modelId="{2319650B-78D6-47D2-B8D2-19C5E704678B}" srcId="{E401A207-D970-4540-A7D8-1D2DE637C704}" destId="{C0C36640-CB1A-44F6-A60F-AC14457A0FAB}" srcOrd="3" destOrd="0" parTransId="{17B7480E-1A93-4241-8957-C233CEFD26A8}" sibTransId="{044CDF25-98EF-478B-9E86-2D4263EEAD64}"/>
-    <dgm:cxn modelId="{E74B0F84-2A19-471C-AB9B-3FE3927CCC23}" srcId="{E401A207-D970-4540-A7D8-1D2DE637C704}" destId="{F100A25E-EA34-4EC6-8425-83AB70B46938}" srcOrd="0" destOrd="0" parTransId="{0B6DC4C4-868B-45FA-8358-6CAB108952EC}" sibTransId="{534D5137-68DB-44D0-810F-23464224219E}"/>
-    <dgm:cxn modelId="{77898682-AD47-4C39-BED4-382247C57201}" srcId="{E401A207-D970-4540-A7D8-1D2DE637C704}" destId="{BC91FB3B-9E6D-4490-8D7F-37F12A92C6D9}" srcOrd="1" destOrd="0" parTransId="{F8D72010-AF4F-4609-B96E-382ED1A887D9}" sibTransId="{3CC6E0B8-30FE-4DB7-8D41-188B3F12396F}"/>
-    <dgm:cxn modelId="{CB6FF63A-823C-419F-8009-D9424132D561}" type="presOf" srcId="{318EB9F8-A3B4-4FA7-9997-4937EB56EAEC}" destId="{E837BDE3-383E-40B2-A6FC-7B4752AEE84C}" srcOrd="0" destOrd="0" presId="urn:microsoft.com/office/officeart/2008/layout/RadialCluster"/>
-    <dgm:cxn modelId="{2439A873-0C91-4C95-A4A7-E8F54ED9974C}" type="presOf" srcId="{BF81E867-F11B-445A-B098-3524BB151843}" destId="{A6D1EF60-2A29-4EBA-9A52-4C2DAC5030E3}" srcOrd="0" destOrd="0" presId="urn:microsoft.com/office/officeart/2008/layout/RadialCluster"/>
-    <dgm:cxn modelId="{AB4E5AB5-1EB1-4D12-977D-2CE85009CBD7}" type="presOf" srcId="{F100A25E-EA34-4EC6-8425-83AB70B46938}" destId="{C3655CBF-3ABB-474C-8D36-3C5745CA1400}" srcOrd="0" destOrd="0" presId="urn:microsoft.com/office/officeart/2008/layout/RadialCluster"/>
-    <dgm:cxn modelId="{B7705C14-4E39-4338-B673-ED83ADA4CA68}" type="presOf" srcId="{17B7480E-1A93-4241-8957-C233CEFD26A8}" destId="{1FB923F5-4F9F-4D64-AD50-9DEA6904FB57}" srcOrd="0" destOrd="0" presId="urn:microsoft.com/office/officeart/2008/layout/RadialCluster"/>
-    <dgm:cxn modelId="{B7ADB2CE-FDF8-4DDC-9D65-2ADC68906671}" type="presOf" srcId="{E401A207-D970-4540-A7D8-1D2DE637C704}" destId="{25056C25-FD7A-454A-BD80-5797A854A1C9}" srcOrd="0" destOrd="0" presId="urn:microsoft.com/office/officeart/2008/layout/RadialCluster"/>
-    <dgm:cxn modelId="{E42DE99F-5B53-4D5B-A7E6-421A243F95DE}" type="presOf" srcId="{F8D72010-AF4F-4609-B96E-382ED1A887D9}" destId="{40765CB4-C294-459A-8862-FC5E44F7FB91}" srcOrd="0" destOrd="0" presId="urn:microsoft.com/office/officeart/2008/layout/RadialCluster"/>
-    <dgm:cxn modelId="{A1C3788A-9CBD-4238-9560-BF12EBE8E844}" srcId="{318EB9F8-A3B4-4FA7-9997-4937EB56EAEC}" destId="{E401A207-D970-4540-A7D8-1D2DE637C704}" srcOrd="0" destOrd="0" parTransId="{663A62C9-9B3D-48E0-A3FC-618886457E72}" sibTransId="{6DFC798E-040C-44FF-A79A-A674AC8D6016}"/>
-    <dgm:cxn modelId="{A15731DA-A4D4-4501-BAC0-E143EB88E7E6}" type="presOf" srcId="{C0C36640-CB1A-44F6-A60F-AC14457A0FAB}" destId="{95283C3C-4BB4-4D34-B9B6-1A904A250625}" srcOrd="0" destOrd="0" presId="urn:microsoft.com/office/officeart/2008/layout/RadialCluster"/>
-    <dgm:cxn modelId="{DF7F467D-469C-485E-A18F-3CF08BB99008}" type="presOf" srcId="{0B6DC4C4-868B-45FA-8358-6CAB108952EC}" destId="{31BCADCA-80D2-424B-BFB0-A0AF1E13D2E2}" srcOrd="0" destOrd="0" presId="urn:microsoft.com/office/officeart/2008/layout/RadialCluster"/>
+    <dgm:cxn modelId="{77898682-AD47-4C39-BED4-382247C57201}" srcId="{E401A207-D970-4540-A7D8-1D2DE637C704}" destId="{BC91FB3B-9E6D-4490-8D7F-37F12A92C6D9}" srcOrd="0" destOrd="0" parTransId="{F8D72010-AF4F-4609-B96E-382ED1A887D9}" sibTransId="{3CC6E0B8-30FE-4DB7-8D41-188B3F12396F}"/>
     <dgm:cxn modelId="{5F162F16-1FE0-4470-B76C-581C013CD6CD}" type="presParOf" srcId="{E837BDE3-383E-40B2-A6FC-7B4752AEE84C}" destId="{5447C531-E157-4A38-8E15-D58CFDE83DDB}" srcOrd="0" destOrd="0" presId="urn:microsoft.com/office/officeart/2008/layout/RadialCluster"/>
     <dgm:cxn modelId="{F8B5FAFF-A42D-4748-89A0-4511B4AECF65}" type="presParOf" srcId="{5447C531-E157-4A38-8E15-D58CFDE83DDB}" destId="{25056C25-FD7A-454A-BD80-5797A854A1C9}" srcOrd="0" destOrd="0" presId="urn:microsoft.com/office/officeart/2008/layout/RadialCluster"/>
-    <dgm:cxn modelId="{AEAA6DC6-F861-46BE-A1A3-5935B762DD0A}" type="presParOf" srcId="{5447C531-E157-4A38-8E15-D58CFDE83DDB}" destId="{31BCADCA-80D2-424B-BFB0-A0AF1E13D2E2}" srcOrd="1" destOrd="0" presId="urn:microsoft.com/office/officeart/2008/layout/RadialCluster"/>
-    <dgm:cxn modelId="{390A6B0C-CB8B-41F9-8A54-7C2FA8AA38AF}" type="presParOf" srcId="{5447C531-E157-4A38-8E15-D58CFDE83DDB}" destId="{C3655CBF-3ABB-474C-8D36-3C5745CA1400}" srcOrd="2" destOrd="0" presId="urn:microsoft.com/office/officeart/2008/layout/RadialCluster"/>
-    <dgm:cxn modelId="{8C3E873C-47C9-4B9E-92E7-6C52C3F0BF20}" type="presParOf" srcId="{5447C531-E157-4A38-8E15-D58CFDE83DDB}" destId="{40765CB4-C294-459A-8862-FC5E44F7FB91}" srcOrd="3" destOrd="0" presId="urn:microsoft.com/office/officeart/2008/layout/RadialCluster"/>
-    <dgm:cxn modelId="{63D3F330-4BFB-4B0B-9D9B-FF4BFC56457D}" type="presParOf" srcId="{5447C531-E157-4A38-8E15-D58CFDE83DDB}" destId="{EEF398F6-2EF8-48AB-9AFF-6A7FD5CA2064}" srcOrd="4" destOrd="0" presId="urn:microsoft.com/office/officeart/2008/layout/RadialCluster"/>
-    <dgm:cxn modelId="{619BDE75-D8AF-48F5-861B-59DDBA1B4081}" type="presParOf" srcId="{5447C531-E157-4A38-8E15-D58CFDE83DDB}" destId="{A6D1EF60-2A29-4EBA-9A52-4C2DAC5030E3}" srcOrd="5" destOrd="0" presId="urn:microsoft.com/office/officeart/2008/layout/RadialCluster"/>
-    <dgm:cxn modelId="{6576C702-1F6F-4ADD-AA4E-C83A2A579620}" type="presParOf" srcId="{5447C531-E157-4A38-8E15-D58CFDE83DDB}" destId="{C50AEFB2-1621-4C42-AC18-6AFD59CCAAB2}" srcOrd="6" destOrd="0" presId="urn:microsoft.com/office/officeart/2008/layout/RadialCluster"/>
-    <dgm:cxn modelId="{1A121347-E092-4401-AAB0-E0CE756D5937}" type="presParOf" srcId="{5447C531-E157-4A38-8E15-D58CFDE83DDB}" destId="{1FB923F5-4F9F-4D64-AD50-9DEA6904FB57}" srcOrd="7" destOrd="0" presId="urn:microsoft.com/office/officeart/2008/layout/RadialCluster"/>
-    <dgm:cxn modelId="{CE0E1D6D-A4CE-4DD1-B6BA-5904503606A6}" type="presParOf" srcId="{5447C531-E157-4A38-8E15-D58CFDE83DDB}" destId="{95283C3C-4BB4-4D34-B9B6-1A904A250625}" srcOrd="8" destOrd="0" presId="urn:microsoft.com/office/officeart/2008/layout/RadialCluster"/>
+    <dgm:cxn modelId="{8C3E873C-47C9-4B9E-92E7-6C52C3F0BF20}" type="presParOf" srcId="{5447C531-E157-4A38-8E15-D58CFDE83DDB}" destId="{40765CB4-C294-459A-8862-FC5E44F7FB91}" srcOrd="1" destOrd="0" presId="urn:microsoft.com/office/officeart/2008/layout/RadialCluster"/>
+    <dgm:cxn modelId="{63D3F330-4BFB-4B0B-9D9B-FF4BFC56457D}" type="presParOf" srcId="{5447C531-E157-4A38-8E15-D58CFDE83DDB}" destId="{EEF398F6-2EF8-48AB-9AFF-6A7FD5CA2064}" srcOrd="2" destOrd="0" presId="urn:microsoft.com/office/officeart/2008/layout/RadialCluster"/>
   </dgm:cxnLst>
   <dgm:bg/>
   <dgm:whole/>
   <dgm:extLst>
     <a:ext uri="http://schemas.microsoft.com/office/drawing/2008/diagram">
-      <dsp:dataModelExt xmlns:dsp="http://schemas.microsoft.com/office/drawing/2008/diagram" relId="rId17" minVer="http://schemas.openxmlformats.org/drawingml/2006/diagram"/>
+      <dsp:dataModelExt xmlns:dsp="http://schemas.microsoft.com/office/drawing/2008/diagram" relId="rId12" minVer="http://schemas.openxmlformats.org/drawingml/2006/diagram"/>
+    </a:ext>
+  </dgm:extLst>
+</dgm:dataModel>
+</file>
+
+<file path=ppt/diagrams/data3.xml><?xml version="1.0" encoding="utf-8"?>
+<dgm:dataModel xmlns:dgm="http://schemas.openxmlformats.org/drawingml/2006/diagram" xmlns:a="http://schemas.openxmlformats.org/drawingml/2006/main">
+  <dgm:ptLst>
+    <dgm:pt modelId="{318EB9F8-A3B4-4FA7-9997-4937EB56EAEC}" type="doc">
+      <dgm:prSet loTypeId="urn:microsoft.com/office/officeart/2008/layout/RadialCluster" loCatId="cycle" qsTypeId="urn:microsoft.com/office/officeart/2005/8/quickstyle/simple1" qsCatId="simple" csTypeId="urn:microsoft.com/office/officeart/2005/8/colors/accent1_2" csCatId="accent1" phldr="1"/>
+      <dgm:spPr/>
+      <dgm:t>
+        <a:bodyPr/>
+        <a:lstStyle/>
+        <a:p>
+          <a:endParaRPr lang="ru-RU"/>
+        </a:p>
+      </dgm:t>
+    </dgm:pt>
+    <dgm:pt modelId="{E401A207-D970-4540-A7D8-1D2DE637C704}">
+      <dgm:prSet phldrT="[Text]"/>
+      <dgm:spPr>
+        <a:solidFill>
+          <a:schemeClr val="bg1">
+            <a:lumMod val="95000"/>
+          </a:schemeClr>
+        </a:solidFill>
+        <a:ln>
+          <a:solidFill>
+            <a:srgbClr val="92D050"/>
+          </a:solidFill>
+        </a:ln>
+      </dgm:spPr>
+      <dgm:t>
+        <a:bodyPr/>
+        <a:lstStyle/>
+        <a:p>
+          <a:r>
+            <a:rPr lang="en-US" dirty="0" err="1" smtClean="0">
+              <a:ln>
+                <a:noFill/>
+              </a:ln>
+              <a:solidFill>
+                <a:srgbClr val="92D050"/>
+              </a:solidFill>
+            </a:rPr>
+            <a:t>PaaS</a:t>
+          </a:r>
+          <a:endParaRPr lang="ru-RU" dirty="0">
+            <a:ln>
+              <a:noFill/>
+            </a:ln>
+            <a:solidFill>
+              <a:srgbClr val="92D050"/>
+            </a:solidFill>
+          </a:endParaRPr>
+        </a:p>
+      </dgm:t>
+    </dgm:pt>
+    <dgm:pt modelId="{663A62C9-9B3D-48E0-A3FC-618886457E72}" type="parTrans" cxnId="{A1C3788A-9CBD-4238-9560-BF12EBE8E844}">
+      <dgm:prSet/>
+      <dgm:spPr/>
+      <dgm:t>
+        <a:bodyPr/>
+        <a:lstStyle/>
+        <a:p>
+          <a:endParaRPr lang="ru-RU"/>
+        </a:p>
+      </dgm:t>
+    </dgm:pt>
+    <dgm:pt modelId="{6DFC798E-040C-44FF-A79A-A674AC8D6016}" type="sibTrans" cxnId="{A1C3788A-9CBD-4238-9560-BF12EBE8E844}">
+      <dgm:prSet/>
+      <dgm:spPr/>
+      <dgm:t>
+        <a:bodyPr/>
+        <a:lstStyle/>
+        <a:p>
+          <a:endParaRPr lang="ru-RU"/>
+        </a:p>
+      </dgm:t>
+    </dgm:pt>
+    <dgm:pt modelId="{BC91FB3B-9E6D-4490-8D7F-37F12A92C6D9}">
+      <dgm:prSet phldrT="[Text]"/>
+      <dgm:spPr>
+        <a:solidFill>
+          <a:schemeClr val="bg1">
+            <a:lumMod val="95000"/>
+          </a:schemeClr>
+        </a:solidFill>
+        <a:ln>
+          <a:solidFill>
+            <a:srgbClr val="00B0F0"/>
+          </a:solidFill>
+        </a:ln>
+      </dgm:spPr>
+      <dgm:t>
+        <a:bodyPr lIns="540000"/>
+        <a:lstStyle/>
+        <a:p>
+          <a:r>
+            <a:rPr lang="en-US" b="0" i="0" dirty="0" smtClean="0">
+              <a:solidFill>
+                <a:srgbClr val="00B0F0"/>
+              </a:solidFill>
+            </a:rPr>
+            <a:t>Cloud Services</a:t>
+          </a:r>
+          <a:endParaRPr lang="ru-RU" dirty="0">
+            <a:solidFill>
+              <a:srgbClr val="00B0F0"/>
+            </a:solidFill>
+          </a:endParaRPr>
+        </a:p>
+      </dgm:t>
+    </dgm:pt>
+    <dgm:pt modelId="{F8D72010-AF4F-4609-B96E-382ED1A887D9}" type="parTrans" cxnId="{77898682-AD47-4C39-BED4-382247C57201}">
+      <dgm:prSet/>
+      <dgm:spPr>
+        <a:ln>
+          <a:solidFill>
+            <a:srgbClr val="00B0F0"/>
+          </a:solidFill>
+        </a:ln>
+      </dgm:spPr>
+      <dgm:t>
+        <a:bodyPr/>
+        <a:lstStyle/>
+        <a:p>
+          <a:endParaRPr lang="ru-RU"/>
+        </a:p>
+      </dgm:t>
+    </dgm:pt>
+    <dgm:pt modelId="{3CC6E0B8-30FE-4DB7-8D41-188B3F12396F}" type="sibTrans" cxnId="{77898682-AD47-4C39-BED4-382247C57201}">
+      <dgm:prSet/>
+      <dgm:spPr/>
+      <dgm:t>
+        <a:bodyPr/>
+        <a:lstStyle/>
+        <a:p>
+          <a:endParaRPr lang="ru-RU"/>
+        </a:p>
+      </dgm:t>
+    </dgm:pt>
+    <dgm:pt modelId="{A9FF98FB-0436-4A21-80D5-98984A5D7DEF}">
+      <dgm:prSet phldrT="[Text]"/>
+      <dgm:spPr>
+        <a:solidFill>
+          <a:schemeClr val="bg1">
+            <a:lumMod val="95000"/>
+          </a:schemeClr>
+        </a:solidFill>
+        <a:ln>
+          <a:solidFill>
+            <a:srgbClr val="00B0F0"/>
+          </a:solidFill>
+        </a:ln>
+      </dgm:spPr>
+      <dgm:t>
+        <a:bodyPr lIns="540000"/>
+        <a:lstStyle/>
+        <a:p>
+          <a:r>
+            <a:rPr lang="en-US" dirty="0" smtClean="0">
+              <a:solidFill>
+                <a:srgbClr val="00B0F0"/>
+              </a:solidFill>
+            </a:rPr>
+            <a:t>SQL Azure</a:t>
+          </a:r>
+          <a:endParaRPr lang="ru-RU" dirty="0">
+            <a:solidFill>
+              <a:srgbClr val="00B0F0"/>
+            </a:solidFill>
+          </a:endParaRPr>
+        </a:p>
+      </dgm:t>
+    </dgm:pt>
+    <dgm:pt modelId="{05A1D239-F76C-4AA9-8EA9-A08CC38D9BA0}" type="parTrans" cxnId="{279C05B0-2D5E-40CC-9709-C1D072108E82}">
+      <dgm:prSet/>
+      <dgm:spPr/>
+      <dgm:t>
+        <a:bodyPr/>
+        <a:lstStyle/>
+        <a:p>
+          <a:endParaRPr lang="ru-RU"/>
+        </a:p>
+      </dgm:t>
+    </dgm:pt>
+    <dgm:pt modelId="{5DE94A68-8D64-45D1-BB2E-C9728AF24C55}" type="sibTrans" cxnId="{279C05B0-2D5E-40CC-9709-C1D072108E82}">
+      <dgm:prSet/>
+      <dgm:spPr/>
+      <dgm:t>
+        <a:bodyPr/>
+        <a:lstStyle/>
+        <a:p>
+          <a:endParaRPr lang="ru-RU"/>
+        </a:p>
+      </dgm:t>
+    </dgm:pt>
+    <dgm:pt modelId="{CF41F630-8275-45B3-9FEF-10BF54F25AE4}">
+      <dgm:prSet phldrT="[Text]"/>
+      <dgm:spPr>
+        <a:solidFill>
+          <a:schemeClr val="bg1">
+            <a:lumMod val="95000"/>
+          </a:schemeClr>
+        </a:solidFill>
+        <a:ln>
+          <a:solidFill>
+            <a:srgbClr val="00B0F0"/>
+          </a:solidFill>
+        </a:ln>
+      </dgm:spPr>
+      <dgm:t>
+        <a:bodyPr lIns="540000"/>
+        <a:lstStyle/>
+        <a:p>
+          <a:r>
+            <a:rPr lang="en-US" dirty="0" smtClean="0">
+              <a:solidFill>
+                <a:srgbClr val="00B0F0"/>
+              </a:solidFill>
+            </a:rPr>
+            <a:t>Storage Tables</a:t>
+          </a:r>
+          <a:endParaRPr lang="ru-RU" dirty="0">
+            <a:solidFill>
+              <a:srgbClr val="00B0F0"/>
+            </a:solidFill>
+          </a:endParaRPr>
+        </a:p>
+      </dgm:t>
+    </dgm:pt>
+    <dgm:pt modelId="{5D132AE9-BFD6-4DFD-8F8E-F3F27B48509E}" type="parTrans" cxnId="{CCE361DE-2928-429E-AB70-57B21A35219B}">
+      <dgm:prSet/>
+      <dgm:spPr/>
+      <dgm:t>
+        <a:bodyPr/>
+        <a:lstStyle/>
+        <a:p>
+          <a:endParaRPr lang="ru-RU"/>
+        </a:p>
+      </dgm:t>
+    </dgm:pt>
+    <dgm:pt modelId="{291DC6B3-14F8-4F12-8666-49622576D9A8}" type="sibTrans" cxnId="{CCE361DE-2928-429E-AB70-57B21A35219B}">
+      <dgm:prSet/>
+      <dgm:spPr/>
+      <dgm:t>
+        <a:bodyPr/>
+        <a:lstStyle/>
+        <a:p>
+          <a:endParaRPr lang="ru-RU"/>
+        </a:p>
+      </dgm:t>
+    </dgm:pt>
+    <dgm:pt modelId="{0D4F7F9C-13D9-41A2-91CB-B4D407DADAF8}">
+      <dgm:prSet phldrT="[Text]"/>
+      <dgm:spPr>
+        <a:solidFill>
+          <a:schemeClr val="bg1">
+            <a:lumMod val="95000"/>
+          </a:schemeClr>
+        </a:solidFill>
+        <a:ln>
+          <a:solidFill>
+            <a:srgbClr val="00B0F0"/>
+          </a:solidFill>
+        </a:ln>
+      </dgm:spPr>
+      <dgm:t>
+        <a:bodyPr lIns="540000"/>
+        <a:lstStyle/>
+        <a:p>
+          <a:r>
+            <a:rPr lang="en-US" smtClean="0">
+              <a:solidFill>
+                <a:srgbClr val="00B0F0"/>
+              </a:solidFill>
+            </a:rPr>
+            <a:t>Storage Blobs</a:t>
+          </a:r>
+          <a:endParaRPr lang="ru-RU" dirty="0">
+            <a:solidFill>
+              <a:srgbClr val="00B0F0"/>
+            </a:solidFill>
+          </a:endParaRPr>
+        </a:p>
+      </dgm:t>
+    </dgm:pt>
+    <dgm:pt modelId="{83B42D9E-3208-40EF-AAE4-CB6E64E6D62B}" type="parTrans" cxnId="{2F9DCFCF-C18A-41E9-8264-E58546E4B16D}">
+      <dgm:prSet/>
+      <dgm:spPr/>
+      <dgm:t>
+        <a:bodyPr/>
+        <a:lstStyle/>
+        <a:p>
+          <a:endParaRPr lang="ru-RU"/>
+        </a:p>
+      </dgm:t>
+    </dgm:pt>
+    <dgm:pt modelId="{5EEB8A6E-CD40-4753-8AA2-95A630726355}" type="sibTrans" cxnId="{2F9DCFCF-C18A-41E9-8264-E58546E4B16D}">
+      <dgm:prSet/>
+      <dgm:spPr/>
+      <dgm:t>
+        <a:bodyPr/>
+        <a:lstStyle/>
+        <a:p>
+          <a:endParaRPr lang="ru-RU"/>
+        </a:p>
+      </dgm:t>
+    </dgm:pt>
+    <dgm:pt modelId="{AC60270B-F362-40C4-97D1-E1A84BF4B45A}">
+      <dgm:prSet phldrT="[Text]"/>
+      <dgm:spPr>
+        <a:solidFill>
+          <a:schemeClr val="bg1">
+            <a:lumMod val="95000"/>
+          </a:schemeClr>
+        </a:solidFill>
+        <a:ln>
+          <a:solidFill>
+            <a:srgbClr val="00B0F0"/>
+          </a:solidFill>
+        </a:ln>
+      </dgm:spPr>
+      <dgm:t>
+        <a:bodyPr lIns="540000"/>
+        <a:lstStyle/>
+        <a:p>
+          <a:r>
+            <a:rPr lang="en-US" dirty="0" smtClean="0">
+              <a:solidFill>
+                <a:srgbClr val="00B0F0"/>
+              </a:solidFill>
+            </a:rPr>
+            <a:t>Cache</a:t>
+          </a:r>
+          <a:endParaRPr lang="ru-RU" dirty="0">
+            <a:solidFill>
+              <a:srgbClr val="00B0F0"/>
+            </a:solidFill>
+          </a:endParaRPr>
+        </a:p>
+      </dgm:t>
+    </dgm:pt>
+    <dgm:pt modelId="{42DCC650-07B4-461A-A31D-B44E3DB7B2BF}" type="parTrans" cxnId="{F8CDD2DD-0DEB-4509-9E88-676DE16F8762}">
+      <dgm:prSet/>
+      <dgm:spPr/>
+      <dgm:t>
+        <a:bodyPr/>
+        <a:lstStyle/>
+        <a:p>
+          <a:endParaRPr lang="ru-RU"/>
+        </a:p>
+      </dgm:t>
+    </dgm:pt>
+    <dgm:pt modelId="{095C1DE9-B510-40D6-9D58-5E4856D127C0}" type="sibTrans" cxnId="{F8CDD2DD-0DEB-4509-9E88-676DE16F8762}">
+      <dgm:prSet/>
+      <dgm:spPr/>
+      <dgm:t>
+        <a:bodyPr/>
+        <a:lstStyle/>
+        <a:p>
+          <a:endParaRPr lang="ru-RU"/>
+        </a:p>
+      </dgm:t>
+    </dgm:pt>
+    <dgm:pt modelId="{D723C67C-B8EF-4E8B-B78C-64AF01B8DE70}">
+      <dgm:prSet phldrT="[Text]"/>
+      <dgm:spPr>
+        <a:solidFill>
+          <a:schemeClr val="bg1">
+            <a:lumMod val="95000"/>
+          </a:schemeClr>
+        </a:solidFill>
+        <a:ln>
+          <a:solidFill>
+            <a:srgbClr val="00B0F0"/>
+          </a:solidFill>
+        </a:ln>
+      </dgm:spPr>
+      <dgm:t>
+        <a:bodyPr lIns="540000"/>
+        <a:lstStyle/>
+        <a:p>
+          <a:r>
+            <a:rPr lang="en-US" dirty="0" smtClean="0">
+              <a:solidFill>
+                <a:srgbClr val="00B0F0"/>
+              </a:solidFill>
+            </a:rPr>
+            <a:t>Traffic Manager</a:t>
+          </a:r>
+          <a:endParaRPr lang="ru-RU" dirty="0">
+            <a:solidFill>
+              <a:srgbClr val="00B0F0"/>
+            </a:solidFill>
+          </a:endParaRPr>
+        </a:p>
+      </dgm:t>
+    </dgm:pt>
+    <dgm:pt modelId="{77DD9FCF-F762-4496-9A8D-0297AD5F5C6E}" type="parTrans" cxnId="{A7AC07FA-961F-4A3B-BFB2-41BD6F5A606C}">
+      <dgm:prSet/>
+      <dgm:spPr/>
+      <dgm:t>
+        <a:bodyPr/>
+        <a:lstStyle/>
+        <a:p>
+          <a:endParaRPr lang="ru-RU"/>
+        </a:p>
+      </dgm:t>
+    </dgm:pt>
+    <dgm:pt modelId="{90FC3906-7AE3-4445-991E-A7C29D6065A8}" type="sibTrans" cxnId="{A7AC07FA-961F-4A3B-BFB2-41BD6F5A606C}">
+      <dgm:prSet/>
+      <dgm:spPr/>
+      <dgm:t>
+        <a:bodyPr/>
+        <a:lstStyle/>
+        <a:p>
+          <a:endParaRPr lang="ru-RU"/>
+        </a:p>
+      </dgm:t>
+    </dgm:pt>
+    <dgm:pt modelId="{1CA18002-A7AB-4BC8-AE26-63D7D0F48C28}">
+      <dgm:prSet phldrT="[Text]"/>
+      <dgm:spPr>
+        <a:solidFill>
+          <a:schemeClr val="bg1">
+            <a:lumMod val="95000"/>
+          </a:schemeClr>
+        </a:solidFill>
+        <a:ln>
+          <a:solidFill>
+            <a:srgbClr val="00B0F0"/>
+          </a:solidFill>
+        </a:ln>
+      </dgm:spPr>
+      <dgm:t>
+        <a:bodyPr lIns="540000"/>
+        <a:lstStyle/>
+        <a:p>
+          <a:r>
+            <a:rPr lang="en-US" dirty="0" smtClean="0">
+              <a:solidFill>
+                <a:srgbClr val="00B0F0"/>
+              </a:solidFill>
+            </a:rPr>
+            <a:t>Mobile Services</a:t>
+          </a:r>
+          <a:endParaRPr lang="ru-RU" dirty="0">
+            <a:solidFill>
+              <a:srgbClr val="00B0F0"/>
+            </a:solidFill>
+          </a:endParaRPr>
+        </a:p>
+      </dgm:t>
+    </dgm:pt>
+    <dgm:pt modelId="{18E082D3-F577-430B-B63B-4243F4D0AC5A}" type="parTrans" cxnId="{A4372AFD-2B5E-45AF-B11D-D616597ECEB9}">
+      <dgm:prSet/>
+      <dgm:spPr/>
+      <dgm:t>
+        <a:bodyPr/>
+        <a:lstStyle/>
+        <a:p>
+          <a:endParaRPr lang="ru-RU"/>
+        </a:p>
+      </dgm:t>
+    </dgm:pt>
+    <dgm:pt modelId="{FEC48B37-1B20-44C4-AD3A-D6C64A0B8D8A}" type="sibTrans" cxnId="{A4372AFD-2B5E-45AF-B11D-D616597ECEB9}">
+      <dgm:prSet/>
+      <dgm:spPr/>
+      <dgm:t>
+        <a:bodyPr/>
+        <a:lstStyle/>
+        <a:p>
+          <a:endParaRPr lang="ru-RU"/>
+        </a:p>
+      </dgm:t>
+    </dgm:pt>
+    <dgm:pt modelId="{E837BDE3-383E-40B2-A6FC-7B4752AEE84C}" type="pres">
+      <dgm:prSet presAssocID="{318EB9F8-A3B4-4FA7-9997-4937EB56EAEC}" presName="Name0" presStyleCnt="0">
+        <dgm:presLayoutVars>
+          <dgm:chMax val="1"/>
+          <dgm:chPref val="1"/>
+          <dgm:dir/>
+          <dgm:animOne val="branch"/>
+          <dgm:animLvl val="lvl"/>
+        </dgm:presLayoutVars>
+      </dgm:prSet>
+      <dgm:spPr/>
+      <dgm:t>
+        <a:bodyPr/>
+        <a:lstStyle/>
+        <a:p>
+          <a:endParaRPr lang="ru-RU"/>
+        </a:p>
+      </dgm:t>
+    </dgm:pt>
+    <dgm:pt modelId="{5447C531-E157-4A38-8E15-D58CFDE83DDB}" type="pres">
+      <dgm:prSet presAssocID="{E401A207-D970-4540-A7D8-1D2DE637C704}" presName="singleCycle" presStyleCnt="0"/>
+      <dgm:spPr/>
+    </dgm:pt>
+    <dgm:pt modelId="{25056C25-FD7A-454A-BD80-5797A854A1C9}" type="pres">
+      <dgm:prSet presAssocID="{E401A207-D970-4540-A7D8-1D2DE637C704}" presName="singleCenter" presStyleLbl="node1" presStyleIdx="0" presStyleCnt="8" custScaleX="67300" custScaleY="71871" custLinFactNeighborY="5236">
+        <dgm:presLayoutVars>
+          <dgm:chMax val="7"/>
+          <dgm:chPref val="7"/>
+        </dgm:presLayoutVars>
+      </dgm:prSet>
+      <dgm:spPr/>
+      <dgm:t>
+        <a:bodyPr/>
+        <a:lstStyle/>
+        <a:p>
+          <a:endParaRPr lang="ru-RU"/>
+        </a:p>
+      </dgm:t>
+    </dgm:pt>
+    <dgm:pt modelId="{40765CB4-C294-459A-8862-FC5E44F7FB91}" type="pres">
+      <dgm:prSet presAssocID="{F8D72010-AF4F-4609-B96E-382ED1A887D9}" presName="Name56" presStyleLbl="parChTrans1D2" presStyleIdx="0" presStyleCnt="7"/>
+      <dgm:spPr/>
+      <dgm:t>
+        <a:bodyPr/>
+        <a:lstStyle/>
+        <a:p>
+          <a:endParaRPr lang="ru-RU"/>
+        </a:p>
+      </dgm:t>
+    </dgm:pt>
+    <dgm:pt modelId="{EEF398F6-2EF8-48AB-9AFF-6A7FD5CA2064}" type="pres">
+      <dgm:prSet presAssocID="{BC91FB3B-9E6D-4490-8D7F-37F12A92C6D9}" presName="text0" presStyleLbl="node1" presStyleIdx="1" presStyleCnt="8" custScaleX="326918" custScaleY="97633" custRadScaleRad="124342" custRadScaleInc="162869">
+        <dgm:presLayoutVars>
+          <dgm:bulletEnabled val="1"/>
+        </dgm:presLayoutVars>
+      </dgm:prSet>
+      <dgm:spPr/>
+      <dgm:t>
+        <a:bodyPr/>
+        <a:lstStyle/>
+        <a:p>
+          <a:endParaRPr lang="ru-RU"/>
+        </a:p>
+      </dgm:t>
+    </dgm:pt>
+    <dgm:pt modelId="{4B76F172-835F-47AA-A859-8A899CEE2510}" type="pres">
+      <dgm:prSet presAssocID="{05A1D239-F76C-4AA9-8EA9-A08CC38D9BA0}" presName="Name56" presStyleLbl="parChTrans1D2" presStyleIdx="1" presStyleCnt="7"/>
+      <dgm:spPr/>
+    </dgm:pt>
+    <dgm:pt modelId="{2C989446-76CB-491D-A9E5-90C479CC1EB6}" type="pres">
+      <dgm:prSet presAssocID="{A9FF98FB-0436-4A21-80D5-98984A5D7DEF}" presName="text0" presStyleLbl="node1" presStyleIdx="2" presStyleCnt="8" custScaleX="326918" custScaleY="97633" custRadScaleRad="157733" custRadScaleInc="99399">
+        <dgm:presLayoutVars>
+          <dgm:bulletEnabled val="1"/>
+        </dgm:presLayoutVars>
+      </dgm:prSet>
+      <dgm:spPr/>
+      <dgm:t>
+        <a:bodyPr/>
+        <a:lstStyle/>
+        <a:p>
+          <a:endParaRPr lang="ru-RU"/>
+        </a:p>
+      </dgm:t>
+    </dgm:pt>
+    <dgm:pt modelId="{A1A7F2F7-8724-4320-8D3E-13A495501B45}" type="pres">
+      <dgm:prSet presAssocID="{5D132AE9-BFD6-4DFD-8F8E-F3F27B48509E}" presName="Name56" presStyleLbl="parChTrans1D2" presStyleIdx="2" presStyleCnt="7"/>
+      <dgm:spPr/>
+    </dgm:pt>
+    <dgm:pt modelId="{1C652A63-4612-4140-A184-53A0A081C97B}" type="pres">
+      <dgm:prSet presAssocID="{CF41F630-8275-45B3-9FEF-10BF54F25AE4}" presName="text0" presStyleLbl="node1" presStyleIdx="3" presStyleCnt="8" custScaleX="326918" custScaleY="97633" custRadScaleRad="155255" custRadScaleInc="-18266">
+        <dgm:presLayoutVars>
+          <dgm:bulletEnabled val="1"/>
+        </dgm:presLayoutVars>
+      </dgm:prSet>
+      <dgm:spPr/>
+      <dgm:t>
+        <a:bodyPr/>
+        <a:lstStyle/>
+        <a:p>
+          <a:endParaRPr lang="ru-RU"/>
+        </a:p>
+      </dgm:t>
+    </dgm:pt>
+    <dgm:pt modelId="{5727BF42-537E-40D5-B281-429A4AA75037}" type="pres">
+      <dgm:prSet presAssocID="{42DCC650-07B4-461A-A31D-B44E3DB7B2BF}" presName="Name56" presStyleLbl="parChTrans1D2" presStyleIdx="3" presStyleCnt="7"/>
+      <dgm:spPr/>
+    </dgm:pt>
+    <dgm:pt modelId="{06CB251D-7874-46F5-B434-DFA2F5371EDF}" type="pres">
+      <dgm:prSet presAssocID="{AC60270B-F362-40C4-97D1-E1A84BF4B45A}" presName="text0" presStyleLbl="node1" presStyleIdx="4" presStyleCnt="8" custScaleX="326918" custScaleY="97633" custRadScaleRad="125776" custRadScaleInc="-97346">
+        <dgm:presLayoutVars>
+          <dgm:bulletEnabled val="1"/>
+        </dgm:presLayoutVars>
+      </dgm:prSet>
+      <dgm:spPr/>
+      <dgm:t>
+        <a:bodyPr/>
+        <a:lstStyle/>
+        <a:p>
+          <a:endParaRPr lang="ru-RU"/>
+        </a:p>
+      </dgm:t>
+    </dgm:pt>
+    <dgm:pt modelId="{C09D1272-4CF0-4360-A709-F658F12539F1}" type="pres">
+      <dgm:prSet presAssocID="{18E082D3-F577-430B-B63B-4243F4D0AC5A}" presName="Name56" presStyleLbl="parChTrans1D2" presStyleIdx="4" presStyleCnt="7"/>
+      <dgm:spPr/>
+    </dgm:pt>
+    <dgm:pt modelId="{905EE044-8A93-48F4-B923-0A245442EAF2}" type="pres">
+      <dgm:prSet presAssocID="{1CA18002-A7AB-4BC8-AE26-63D7D0F48C28}" presName="text0" presStyleLbl="node1" presStyleIdx="5" presStyleCnt="8" custScaleX="326918" custScaleY="97633" custRadScaleRad="114593" custRadScaleInc="78934">
+        <dgm:presLayoutVars>
+          <dgm:bulletEnabled val="1"/>
+        </dgm:presLayoutVars>
+      </dgm:prSet>
+      <dgm:spPr/>
+      <dgm:t>
+        <a:bodyPr/>
+        <a:lstStyle/>
+        <a:p>
+          <a:endParaRPr lang="ru-RU"/>
+        </a:p>
+      </dgm:t>
+    </dgm:pt>
+    <dgm:pt modelId="{92DF3097-6005-46D4-90E5-653438AEDECF}" type="pres">
+      <dgm:prSet presAssocID="{77DD9FCF-F762-4496-9A8D-0297AD5F5C6E}" presName="Name56" presStyleLbl="parChTrans1D2" presStyleIdx="5" presStyleCnt="7"/>
+      <dgm:spPr/>
+    </dgm:pt>
+    <dgm:pt modelId="{42C5E428-457C-4D2D-B9F7-8D88B989BAC4}" type="pres">
+      <dgm:prSet presAssocID="{D723C67C-B8EF-4E8B-B78C-64AF01B8DE70}" presName="text0" presStyleLbl="node1" presStyleIdx="6" presStyleCnt="8" custScaleX="326918" custScaleY="97633" custRadScaleRad="132975" custRadScaleInc="61296">
+        <dgm:presLayoutVars>
+          <dgm:bulletEnabled val="1"/>
+        </dgm:presLayoutVars>
+      </dgm:prSet>
+      <dgm:spPr/>
+      <dgm:t>
+        <a:bodyPr/>
+        <a:lstStyle/>
+        <a:p>
+          <a:endParaRPr lang="ru-RU"/>
+        </a:p>
+      </dgm:t>
+    </dgm:pt>
+    <dgm:pt modelId="{952B87BD-0B07-49BA-9E5C-A2E5FB19EB83}" type="pres">
+      <dgm:prSet presAssocID="{83B42D9E-3208-40EF-AAE4-CB6E64E6D62B}" presName="Name56" presStyleLbl="parChTrans1D2" presStyleIdx="6" presStyleCnt="7"/>
+      <dgm:spPr/>
+    </dgm:pt>
+    <dgm:pt modelId="{A1DBB35B-359C-44C1-948D-F0C4AB873D98}" type="pres">
+      <dgm:prSet presAssocID="{0D4F7F9C-13D9-41A2-91CB-B4D407DADAF8}" presName="text0" presStyleLbl="node1" presStyleIdx="7" presStyleCnt="8" custScaleX="326918" custScaleY="97633" custRadScaleRad="136034" custRadScaleInc="16779">
+        <dgm:presLayoutVars>
+          <dgm:bulletEnabled val="1"/>
+        </dgm:presLayoutVars>
+      </dgm:prSet>
+      <dgm:spPr/>
+      <dgm:t>
+        <a:bodyPr/>
+        <a:lstStyle/>
+        <a:p>
+          <a:endParaRPr lang="ru-RU"/>
+        </a:p>
+      </dgm:t>
+    </dgm:pt>
+  </dgm:ptLst>
+  <dgm:cxnLst>
+    <dgm:cxn modelId="{2F9DCFCF-C18A-41E9-8264-E58546E4B16D}" srcId="{E401A207-D970-4540-A7D8-1D2DE637C704}" destId="{0D4F7F9C-13D9-41A2-91CB-B4D407DADAF8}" srcOrd="6" destOrd="0" parTransId="{83B42D9E-3208-40EF-AAE4-CB6E64E6D62B}" sibTransId="{5EEB8A6E-CD40-4753-8AA2-95A630726355}"/>
+    <dgm:cxn modelId="{279C05B0-2D5E-40CC-9709-C1D072108E82}" srcId="{E401A207-D970-4540-A7D8-1D2DE637C704}" destId="{A9FF98FB-0436-4A21-80D5-98984A5D7DEF}" srcOrd="1" destOrd="0" parTransId="{05A1D239-F76C-4AA9-8EA9-A08CC38D9BA0}" sibTransId="{5DE94A68-8D64-45D1-BB2E-C9728AF24C55}"/>
+    <dgm:cxn modelId="{17F4E6E9-DDDC-4561-90AF-16E41CAD3033}" type="presOf" srcId="{F8D72010-AF4F-4609-B96E-382ED1A887D9}" destId="{40765CB4-C294-459A-8862-FC5E44F7FB91}" srcOrd="0" destOrd="0" presId="urn:microsoft.com/office/officeart/2008/layout/RadialCluster"/>
+    <dgm:cxn modelId="{6552DC18-931C-4497-AADD-0A6587632EC6}" type="presOf" srcId="{CF41F630-8275-45B3-9FEF-10BF54F25AE4}" destId="{1C652A63-4612-4140-A184-53A0A081C97B}" srcOrd="0" destOrd="0" presId="urn:microsoft.com/office/officeart/2008/layout/RadialCluster"/>
+    <dgm:cxn modelId="{4676341D-6B07-4E45-8B63-B6C9B6990978}" type="presOf" srcId="{5D132AE9-BFD6-4DFD-8F8E-F3F27B48509E}" destId="{A1A7F2F7-8724-4320-8D3E-13A495501B45}" srcOrd="0" destOrd="0" presId="urn:microsoft.com/office/officeart/2008/layout/RadialCluster"/>
+    <dgm:cxn modelId="{C46356EC-54D5-4F07-8EA4-A09203F080E6}" type="presOf" srcId="{83B42D9E-3208-40EF-AAE4-CB6E64E6D62B}" destId="{952B87BD-0B07-49BA-9E5C-A2E5FB19EB83}" srcOrd="0" destOrd="0" presId="urn:microsoft.com/office/officeart/2008/layout/RadialCluster"/>
+    <dgm:cxn modelId="{F8CDD2DD-0DEB-4509-9E88-676DE16F8762}" srcId="{E401A207-D970-4540-A7D8-1D2DE637C704}" destId="{AC60270B-F362-40C4-97D1-E1A84BF4B45A}" srcOrd="3" destOrd="0" parTransId="{42DCC650-07B4-461A-A31D-B44E3DB7B2BF}" sibTransId="{095C1DE9-B510-40D6-9D58-5E4856D127C0}"/>
+    <dgm:cxn modelId="{D0EE78BF-2C75-443C-9808-23529C6CC063}" type="presOf" srcId="{AC60270B-F362-40C4-97D1-E1A84BF4B45A}" destId="{06CB251D-7874-46F5-B434-DFA2F5371EDF}" srcOrd="0" destOrd="0" presId="urn:microsoft.com/office/officeart/2008/layout/RadialCluster"/>
+    <dgm:cxn modelId="{56E9BCBD-5679-4938-AA1F-2B2A42138BB3}" type="presOf" srcId="{42DCC650-07B4-461A-A31D-B44E3DB7B2BF}" destId="{5727BF42-537E-40D5-B281-429A4AA75037}" srcOrd="0" destOrd="0" presId="urn:microsoft.com/office/officeart/2008/layout/RadialCluster"/>
+    <dgm:cxn modelId="{77898682-AD47-4C39-BED4-382247C57201}" srcId="{E401A207-D970-4540-A7D8-1D2DE637C704}" destId="{BC91FB3B-9E6D-4490-8D7F-37F12A92C6D9}" srcOrd="0" destOrd="0" parTransId="{F8D72010-AF4F-4609-B96E-382ED1A887D9}" sibTransId="{3CC6E0B8-30FE-4DB7-8D41-188B3F12396F}"/>
+    <dgm:cxn modelId="{249D4A28-054C-4E9B-AA08-FE5A0024A087}" type="presOf" srcId="{E401A207-D970-4540-A7D8-1D2DE637C704}" destId="{25056C25-FD7A-454A-BD80-5797A854A1C9}" srcOrd="0" destOrd="0" presId="urn:microsoft.com/office/officeart/2008/layout/RadialCluster"/>
+    <dgm:cxn modelId="{A7AC07FA-961F-4A3B-BFB2-41BD6F5A606C}" srcId="{E401A207-D970-4540-A7D8-1D2DE637C704}" destId="{D723C67C-B8EF-4E8B-B78C-64AF01B8DE70}" srcOrd="5" destOrd="0" parTransId="{77DD9FCF-F762-4496-9A8D-0297AD5F5C6E}" sibTransId="{90FC3906-7AE3-4445-991E-A7C29D6065A8}"/>
+    <dgm:cxn modelId="{6C5FBB93-ACF7-4737-AFF2-C0022DE664E0}" type="presOf" srcId="{318EB9F8-A3B4-4FA7-9997-4937EB56EAEC}" destId="{E837BDE3-383E-40B2-A6FC-7B4752AEE84C}" srcOrd="0" destOrd="0" presId="urn:microsoft.com/office/officeart/2008/layout/RadialCluster"/>
+    <dgm:cxn modelId="{3B16441A-F6DD-4174-8DCE-AE11B24E8ACC}" type="presOf" srcId="{BC91FB3B-9E6D-4490-8D7F-37F12A92C6D9}" destId="{EEF398F6-2EF8-48AB-9AFF-6A7FD5CA2064}" srcOrd="0" destOrd="0" presId="urn:microsoft.com/office/officeart/2008/layout/RadialCluster"/>
+    <dgm:cxn modelId="{27FF67A6-4DAB-4CE5-97D4-A77BE02348D8}" type="presOf" srcId="{77DD9FCF-F762-4496-9A8D-0297AD5F5C6E}" destId="{92DF3097-6005-46D4-90E5-653438AEDECF}" srcOrd="0" destOrd="0" presId="urn:microsoft.com/office/officeart/2008/layout/RadialCluster"/>
+    <dgm:cxn modelId="{A4372AFD-2B5E-45AF-B11D-D616597ECEB9}" srcId="{E401A207-D970-4540-A7D8-1D2DE637C704}" destId="{1CA18002-A7AB-4BC8-AE26-63D7D0F48C28}" srcOrd="4" destOrd="0" parTransId="{18E082D3-F577-430B-B63B-4243F4D0AC5A}" sibTransId="{FEC48B37-1B20-44C4-AD3A-D6C64A0B8D8A}"/>
+    <dgm:cxn modelId="{0D7E72C5-AB77-4F98-8532-AB9FA68B775A}" type="presOf" srcId="{18E082D3-F577-430B-B63B-4243F4D0AC5A}" destId="{C09D1272-4CF0-4360-A709-F658F12539F1}" srcOrd="0" destOrd="0" presId="urn:microsoft.com/office/officeart/2008/layout/RadialCluster"/>
+    <dgm:cxn modelId="{D40C5886-92B7-49A7-B0F9-7CB53E7599A4}" type="presOf" srcId="{05A1D239-F76C-4AA9-8EA9-A08CC38D9BA0}" destId="{4B76F172-835F-47AA-A859-8A899CEE2510}" srcOrd="0" destOrd="0" presId="urn:microsoft.com/office/officeart/2008/layout/RadialCluster"/>
+    <dgm:cxn modelId="{575B3600-AE0C-420F-8794-BCB16D1F06E9}" type="presOf" srcId="{A9FF98FB-0436-4A21-80D5-98984A5D7DEF}" destId="{2C989446-76CB-491D-A9E5-90C479CC1EB6}" srcOrd="0" destOrd="0" presId="urn:microsoft.com/office/officeart/2008/layout/RadialCluster"/>
+    <dgm:cxn modelId="{25BE697C-FF0A-419D-B6D0-97D1FD6CF3AD}" type="presOf" srcId="{D723C67C-B8EF-4E8B-B78C-64AF01B8DE70}" destId="{42C5E428-457C-4D2D-B9F7-8D88B989BAC4}" srcOrd="0" destOrd="0" presId="urn:microsoft.com/office/officeart/2008/layout/RadialCluster"/>
+    <dgm:cxn modelId="{A1C3788A-9CBD-4238-9560-BF12EBE8E844}" srcId="{318EB9F8-A3B4-4FA7-9997-4937EB56EAEC}" destId="{E401A207-D970-4540-A7D8-1D2DE637C704}" srcOrd="0" destOrd="0" parTransId="{663A62C9-9B3D-48E0-A3FC-618886457E72}" sibTransId="{6DFC798E-040C-44FF-A79A-A674AC8D6016}"/>
+    <dgm:cxn modelId="{3E39D600-3319-414C-AC04-E60BBD6480B0}" type="presOf" srcId="{1CA18002-A7AB-4BC8-AE26-63D7D0F48C28}" destId="{905EE044-8A93-48F4-B923-0A245442EAF2}" srcOrd="0" destOrd="0" presId="urn:microsoft.com/office/officeart/2008/layout/RadialCluster"/>
+    <dgm:cxn modelId="{CCE361DE-2928-429E-AB70-57B21A35219B}" srcId="{E401A207-D970-4540-A7D8-1D2DE637C704}" destId="{CF41F630-8275-45B3-9FEF-10BF54F25AE4}" srcOrd="2" destOrd="0" parTransId="{5D132AE9-BFD6-4DFD-8F8E-F3F27B48509E}" sibTransId="{291DC6B3-14F8-4F12-8666-49622576D9A8}"/>
+    <dgm:cxn modelId="{56F9A2B6-4CD9-4FAB-891D-7372F6270179}" type="presOf" srcId="{0D4F7F9C-13D9-41A2-91CB-B4D407DADAF8}" destId="{A1DBB35B-359C-44C1-948D-F0C4AB873D98}" srcOrd="0" destOrd="0" presId="urn:microsoft.com/office/officeart/2008/layout/RadialCluster"/>
+    <dgm:cxn modelId="{5B482096-7B1A-4610-B289-1382C4FDA82F}" type="presParOf" srcId="{E837BDE3-383E-40B2-A6FC-7B4752AEE84C}" destId="{5447C531-E157-4A38-8E15-D58CFDE83DDB}" srcOrd="0" destOrd="0" presId="urn:microsoft.com/office/officeart/2008/layout/RadialCluster"/>
+    <dgm:cxn modelId="{44A70410-ABF5-4E70-804C-59ECD011A6F3}" type="presParOf" srcId="{5447C531-E157-4A38-8E15-D58CFDE83DDB}" destId="{25056C25-FD7A-454A-BD80-5797A854A1C9}" srcOrd="0" destOrd="0" presId="urn:microsoft.com/office/officeart/2008/layout/RadialCluster"/>
+    <dgm:cxn modelId="{FE63D93A-BE6F-4F17-AD8A-9641D53E083E}" type="presParOf" srcId="{5447C531-E157-4A38-8E15-D58CFDE83DDB}" destId="{40765CB4-C294-459A-8862-FC5E44F7FB91}" srcOrd="1" destOrd="0" presId="urn:microsoft.com/office/officeart/2008/layout/RadialCluster"/>
+    <dgm:cxn modelId="{9DD7D609-37D9-4A3D-9E40-59BED9CEF5A9}" type="presParOf" srcId="{5447C531-E157-4A38-8E15-D58CFDE83DDB}" destId="{EEF398F6-2EF8-48AB-9AFF-6A7FD5CA2064}" srcOrd="2" destOrd="0" presId="urn:microsoft.com/office/officeart/2008/layout/RadialCluster"/>
+    <dgm:cxn modelId="{C72F2A0D-73BE-43F2-A964-7D19129DC183}" type="presParOf" srcId="{5447C531-E157-4A38-8E15-D58CFDE83DDB}" destId="{4B76F172-835F-47AA-A859-8A899CEE2510}" srcOrd="3" destOrd="0" presId="urn:microsoft.com/office/officeart/2008/layout/RadialCluster"/>
+    <dgm:cxn modelId="{BEF6F6E8-0115-4942-9264-74F628B8DD77}" type="presParOf" srcId="{5447C531-E157-4A38-8E15-D58CFDE83DDB}" destId="{2C989446-76CB-491D-A9E5-90C479CC1EB6}" srcOrd="4" destOrd="0" presId="urn:microsoft.com/office/officeart/2008/layout/RadialCluster"/>
+    <dgm:cxn modelId="{1CE67DC4-8622-48AE-9BB5-761E675EAA97}" type="presParOf" srcId="{5447C531-E157-4A38-8E15-D58CFDE83DDB}" destId="{A1A7F2F7-8724-4320-8D3E-13A495501B45}" srcOrd="5" destOrd="0" presId="urn:microsoft.com/office/officeart/2008/layout/RadialCluster"/>
+    <dgm:cxn modelId="{58F28242-F5FB-4D31-A85B-CC80C56F9789}" type="presParOf" srcId="{5447C531-E157-4A38-8E15-D58CFDE83DDB}" destId="{1C652A63-4612-4140-A184-53A0A081C97B}" srcOrd="6" destOrd="0" presId="urn:microsoft.com/office/officeart/2008/layout/RadialCluster"/>
+    <dgm:cxn modelId="{D24AD903-6FE9-4698-B659-0F842A428046}" type="presParOf" srcId="{5447C531-E157-4A38-8E15-D58CFDE83DDB}" destId="{5727BF42-537E-40D5-B281-429A4AA75037}" srcOrd="7" destOrd="0" presId="urn:microsoft.com/office/officeart/2008/layout/RadialCluster"/>
+    <dgm:cxn modelId="{ADCC4DD6-208A-4034-87A1-91F159BAD844}" type="presParOf" srcId="{5447C531-E157-4A38-8E15-D58CFDE83DDB}" destId="{06CB251D-7874-46F5-B434-DFA2F5371EDF}" srcOrd="8" destOrd="0" presId="urn:microsoft.com/office/officeart/2008/layout/RadialCluster"/>
+    <dgm:cxn modelId="{E1B3025A-8C69-48A5-AF5F-88EDAA4B74D4}" type="presParOf" srcId="{5447C531-E157-4A38-8E15-D58CFDE83DDB}" destId="{C09D1272-4CF0-4360-A709-F658F12539F1}" srcOrd="9" destOrd="0" presId="urn:microsoft.com/office/officeart/2008/layout/RadialCluster"/>
+    <dgm:cxn modelId="{8EE73591-A5D2-446C-A7C7-07A67E61826D}" type="presParOf" srcId="{5447C531-E157-4A38-8E15-D58CFDE83DDB}" destId="{905EE044-8A93-48F4-B923-0A245442EAF2}" srcOrd="10" destOrd="0" presId="urn:microsoft.com/office/officeart/2008/layout/RadialCluster"/>
+    <dgm:cxn modelId="{BDBB900B-67EC-4E1C-BD9B-AC301C8FEEC5}" type="presParOf" srcId="{5447C531-E157-4A38-8E15-D58CFDE83DDB}" destId="{92DF3097-6005-46D4-90E5-653438AEDECF}" srcOrd="11" destOrd="0" presId="urn:microsoft.com/office/officeart/2008/layout/RadialCluster"/>
+    <dgm:cxn modelId="{54F533A4-C9F3-48B4-BB0F-4F5E0547EDB5}" type="presParOf" srcId="{5447C531-E157-4A38-8E15-D58CFDE83DDB}" destId="{42C5E428-457C-4D2D-B9F7-8D88B989BAC4}" srcOrd="12" destOrd="0" presId="urn:microsoft.com/office/officeart/2008/layout/RadialCluster"/>
+    <dgm:cxn modelId="{A93DE282-77FF-4A74-8C97-1DE8DB849632}" type="presParOf" srcId="{5447C531-E157-4A38-8E15-D58CFDE83DDB}" destId="{952B87BD-0B07-49BA-9E5C-A2E5FB19EB83}" srcOrd="13" destOrd="0" presId="urn:microsoft.com/office/officeart/2008/layout/RadialCluster"/>
+    <dgm:cxn modelId="{9E136626-7F04-4D0B-A8E2-92D88BD213ED}" type="presParOf" srcId="{5447C531-E157-4A38-8E15-D58CFDE83DDB}" destId="{A1DBB35B-359C-44C1-948D-F0C4AB873D98}" srcOrd="14" destOrd="0" presId="urn:microsoft.com/office/officeart/2008/layout/RadialCluster"/>
+  </dgm:cxnLst>
+  <dgm:bg/>
+  <dgm:whole/>
+  <dgm:extLst>
+    <a:ext uri="http://schemas.microsoft.com/office/drawing/2008/diagram">
+      <dsp:dataModelExt xmlns:dsp="http://schemas.microsoft.com/office/drawing/2008/diagram" relId="rId18" minVer="http://schemas.openxmlformats.org/drawingml/2006/diagram"/>
     </a:ext>
   </dgm:extLst>
 </dgm:dataModel>
@@ -7245,812 +7145,6 @@
       <dsp:cNvGrpSpPr/>
     </dsp:nvGrpSpPr>
     <dsp:grpSpPr/>
-    <dsp:sp modelId="{506CC8FD-2E26-4AE7-B13D-71BBCE420E2C}">
-      <dsp:nvSpPr>
-        <dsp:cNvPr id="0" name=""/>
-        <dsp:cNvSpPr/>
-      </dsp:nvSpPr>
-      <dsp:spPr>
-        <a:xfrm>
-          <a:off x="1724949" y="1204142"/>
-          <a:ext cx="915812" cy="915812"/>
-        </a:xfrm>
-        <a:prstGeom prst="ellipse">
-          <a:avLst/>
-        </a:prstGeom>
-        <a:solidFill>
-          <a:srgbClr val="92D050"/>
-        </a:solidFill>
-        <a:ln w="25400" cap="flat" cmpd="sng" algn="ctr">
-          <a:solidFill>
-            <a:schemeClr val="accent3">
-              <a:lumMod val="75000"/>
-            </a:schemeClr>
-          </a:solidFill>
-          <a:prstDash val="solid"/>
-        </a:ln>
-        <a:effectLst/>
-      </dsp:spPr>
-      <dsp:style>
-        <a:lnRef idx="2">
-          <a:scrgbClr r="0" g="0" b="0"/>
-        </a:lnRef>
-        <a:fillRef idx="1">
-          <a:scrgbClr r="0" g="0" b="0"/>
-        </a:fillRef>
-        <a:effectRef idx="0">
-          <a:scrgbClr r="0" g="0" b="0"/>
-        </a:effectRef>
-        <a:fontRef idx="minor">
-          <a:schemeClr val="lt1"/>
-        </a:fontRef>
-      </dsp:style>
-      <dsp:txBody>
-        <a:bodyPr spcFirstLastPara="0" vert="horz" wrap="square" lIns="12700" tIns="12700" rIns="12700" bIns="12700" numCol="1" spcCol="1270" anchor="ctr" anchorCtr="0">
-          <a:noAutofit/>
-        </a:bodyPr>
-        <a:lstStyle/>
-        <a:p>
-          <a:pPr lvl="0" algn="ctr" defTabSz="889000">
-            <a:lnSpc>
-              <a:spcPct val="90000"/>
-            </a:lnSpc>
-            <a:spcBef>
-              <a:spcPct val="0"/>
-            </a:spcBef>
-            <a:spcAft>
-              <a:spcPct val="35000"/>
-            </a:spcAft>
-          </a:pPr>
-          <a:r>
-            <a:rPr lang="en-US" sz="2000" kern="1200" dirty="0" err="1" smtClean="0"/>
-            <a:t>PaaS</a:t>
-          </a:r>
-          <a:endParaRPr lang="ru-RU" sz="2000" kern="1200" dirty="0"/>
-        </a:p>
-      </dsp:txBody>
-      <dsp:txXfrm>
-        <a:off x="1859067" y="1338260"/>
-        <a:ext cx="647576" cy="647576"/>
-      </dsp:txXfrm>
-    </dsp:sp>
-    <dsp:sp modelId="{BD3E845E-4D7C-4CE3-83BC-20831ED88AEC}">
-      <dsp:nvSpPr>
-        <dsp:cNvPr id="0" name=""/>
-        <dsp:cNvSpPr/>
-      </dsp:nvSpPr>
-      <dsp:spPr>
-        <a:xfrm rot="16200000">
-          <a:off x="2044493" y="1046901"/>
-          <a:ext cx="276723" cy="37759"/>
-        </a:xfrm>
-        <a:custGeom>
-          <a:avLst/>
-          <a:gdLst/>
-          <a:ahLst/>
-          <a:cxnLst/>
-          <a:rect l="0" t="0" r="0" b="0"/>
-          <a:pathLst>
-            <a:path>
-              <a:moveTo>
-                <a:pt x="0" y="18879"/>
-              </a:moveTo>
-              <a:lnTo>
-                <a:pt x="276723" y="18879"/>
-              </a:lnTo>
-            </a:path>
-          </a:pathLst>
-        </a:custGeom>
-        <a:noFill/>
-        <a:ln w="25400" cap="flat" cmpd="sng" algn="ctr">
-          <a:solidFill>
-            <a:schemeClr val="accent1">
-              <a:shade val="60000"/>
-              <a:hueOff val="0"/>
-              <a:satOff val="0"/>
-              <a:lumOff val="0"/>
-              <a:alphaOff val="0"/>
-            </a:schemeClr>
-          </a:solidFill>
-          <a:prstDash val="solid"/>
-        </a:ln>
-        <a:effectLst/>
-      </dsp:spPr>
-      <dsp:style>
-        <a:lnRef idx="2">
-          <a:scrgbClr r="0" g="0" b="0"/>
-        </a:lnRef>
-        <a:fillRef idx="0">
-          <a:scrgbClr r="0" g="0" b="0"/>
-        </a:fillRef>
-        <a:effectRef idx="0">
-          <a:scrgbClr r="0" g="0" b="0"/>
-        </a:effectRef>
-        <a:fontRef idx="minor"/>
-      </dsp:style>
-      <dsp:txBody>
-        <a:bodyPr spcFirstLastPara="0" vert="horz" wrap="square" lIns="12700" tIns="0" rIns="12700" bIns="0" numCol="1" spcCol="1270" anchor="ctr" anchorCtr="0">
-          <a:noAutofit/>
-        </a:bodyPr>
-        <a:lstStyle/>
-        <a:p>
-          <a:pPr lvl="0" algn="ctr" defTabSz="222250">
-            <a:lnSpc>
-              <a:spcPct val="90000"/>
-            </a:lnSpc>
-            <a:spcBef>
-              <a:spcPct val="0"/>
-            </a:spcBef>
-            <a:spcAft>
-              <a:spcPct val="35000"/>
-            </a:spcAft>
-          </a:pPr>
-          <a:endParaRPr lang="ru-RU" sz="500" kern="1200"/>
-        </a:p>
-      </dsp:txBody>
-      <dsp:txXfrm>
-        <a:off x="2175937" y="1058862"/>
-        <a:ext cx="13836" cy="13836"/>
-      </dsp:txXfrm>
-    </dsp:sp>
-    <dsp:sp modelId="{19A07A34-1010-48C6-A801-BD8D5D256EA9}">
-      <dsp:nvSpPr>
-        <dsp:cNvPr id="0" name=""/>
-        <dsp:cNvSpPr/>
-      </dsp:nvSpPr>
-      <dsp:spPr>
-        <a:xfrm>
-          <a:off x="1724949" y="11606"/>
-          <a:ext cx="915812" cy="915812"/>
-        </a:xfrm>
-        <a:prstGeom prst="ellipse">
-          <a:avLst/>
-        </a:prstGeom>
-        <a:solidFill>
-          <a:srgbClr val="00B0F0"/>
-        </a:solidFill>
-        <a:ln w="25400" cap="flat" cmpd="sng" algn="ctr">
-          <a:solidFill>
-            <a:schemeClr val="tx2">
-              <a:lumMod val="60000"/>
-              <a:lumOff val="40000"/>
-            </a:schemeClr>
-          </a:solidFill>
-          <a:prstDash val="solid"/>
-        </a:ln>
-        <a:effectLst/>
-      </dsp:spPr>
-      <dsp:style>
-        <a:lnRef idx="2">
-          <a:scrgbClr r="0" g="0" b="0"/>
-        </a:lnRef>
-        <a:fillRef idx="1">
-          <a:scrgbClr r="0" g="0" b="0"/>
-        </a:fillRef>
-        <a:effectRef idx="0">
-          <a:scrgbClr r="0" g="0" b="0"/>
-        </a:effectRef>
-        <a:fontRef idx="minor">
-          <a:schemeClr val="lt1"/>
-        </a:fontRef>
-      </dsp:style>
-      <dsp:txBody>
-        <a:bodyPr spcFirstLastPara="0" vert="horz" wrap="square" lIns="12700" tIns="12700" rIns="12700" bIns="12700" numCol="1" spcCol="1270" anchor="ctr" anchorCtr="0">
-          <a:noAutofit/>
-        </a:bodyPr>
-        <a:lstStyle/>
-        <a:p>
-          <a:pPr lvl="0" algn="ctr" defTabSz="889000">
-            <a:lnSpc>
-              <a:spcPct val="90000"/>
-            </a:lnSpc>
-            <a:spcBef>
-              <a:spcPct val="0"/>
-            </a:spcBef>
-            <a:spcAft>
-              <a:spcPct val="35000"/>
-            </a:spcAft>
-          </a:pPr>
-          <a:endParaRPr lang="ru-RU" sz="2000" kern="1200" dirty="0"/>
-        </a:p>
-      </dsp:txBody>
-      <dsp:txXfrm>
-        <a:off x="1859067" y="145724"/>
-        <a:ext cx="647576" cy="647576"/>
-      </dsp:txXfrm>
-    </dsp:sp>
-    <dsp:sp modelId="{A40744F3-8F59-4D61-9DF6-A37D24278559}">
-      <dsp:nvSpPr>
-        <dsp:cNvPr id="0" name=""/>
-        <dsp:cNvSpPr/>
-      </dsp:nvSpPr>
-      <dsp:spPr>
-        <a:xfrm rot="20520000">
-          <a:off x="2611578" y="1458912"/>
-          <a:ext cx="276723" cy="37759"/>
-        </a:xfrm>
-        <a:custGeom>
-          <a:avLst/>
-          <a:gdLst/>
-          <a:ahLst/>
-          <a:cxnLst/>
-          <a:rect l="0" t="0" r="0" b="0"/>
-          <a:pathLst>
-            <a:path>
-              <a:moveTo>
-                <a:pt x="0" y="18879"/>
-              </a:moveTo>
-              <a:lnTo>
-                <a:pt x="276723" y="18879"/>
-              </a:lnTo>
-            </a:path>
-          </a:pathLst>
-        </a:custGeom>
-        <a:noFill/>
-        <a:ln w="25400" cap="flat" cmpd="sng" algn="ctr">
-          <a:solidFill>
-            <a:schemeClr val="accent1">
-              <a:shade val="60000"/>
-              <a:hueOff val="0"/>
-              <a:satOff val="0"/>
-              <a:lumOff val="0"/>
-              <a:alphaOff val="0"/>
-            </a:schemeClr>
-          </a:solidFill>
-          <a:prstDash val="solid"/>
-        </a:ln>
-        <a:effectLst/>
-      </dsp:spPr>
-      <dsp:style>
-        <a:lnRef idx="2">
-          <a:scrgbClr r="0" g="0" b="0"/>
-        </a:lnRef>
-        <a:fillRef idx="0">
-          <a:scrgbClr r="0" g="0" b="0"/>
-        </a:fillRef>
-        <a:effectRef idx="0">
-          <a:scrgbClr r="0" g="0" b="0"/>
-        </a:effectRef>
-        <a:fontRef idx="minor"/>
-      </dsp:style>
-      <dsp:txBody>
-        <a:bodyPr spcFirstLastPara="0" vert="horz" wrap="square" lIns="12700" tIns="0" rIns="12700" bIns="0" numCol="1" spcCol="1270" anchor="ctr" anchorCtr="0">
-          <a:noAutofit/>
-        </a:bodyPr>
-        <a:lstStyle/>
-        <a:p>
-          <a:pPr lvl="0" algn="ctr" defTabSz="222250">
-            <a:lnSpc>
-              <a:spcPct val="90000"/>
-            </a:lnSpc>
-            <a:spcBef>
-              <a:spcPct val="0"/>
-            </a:spcBef>
-            <a:spcAft>
-              <a:spcPct val="35000"/>
-            </a:spcAft>
-          </a:pPr>
-          <a:endParaRPr lang="ru-RU" sz="500" kern="1200"/>
-        </a:p>
-      </dsp:txBody>
-      <dsp:txXfrm>
-        <a:off x="2743022" y="1470874"/>
-        <a:ext cx="13836" cy="13836"/>
-      </dsp:txXfrm>
-    </dsp:sp>
-    <dsp:sp modelId="{16A90822-693B-4AAA-A690-D1B7BBE713D3}">
-      <dsp:nvSpPr>
-        <dsp:cNvPr id="0" name=""/>
-        <dsp:cNvSpPr/>
-      </dsp:nvSpPr>
-      <dsp:spPr>
-        <a:xfrm>
-          <a:off x="2859118" y="835628"/>
-          <a:ext cx="915812" cy="915812"/>
-        </a:xfrm>
-        <a:prstGeom prst="ellipse">
-          <a:avLst/>
-        </a:prstGeom>
-        <a:solidFill>
-          <a:srgbClr val="00B0F0"/>
-        </a:solidFill>
-        <a:ln w="25400" cap="flat" cmpd="sng" algn="ctr">
-          <a:solidFill>
-            <a:schemeClr val="tx2">
-              <a:lumMod val="60000"/>
-              <a:lumOff val="40000"/>
-            </a:schemeClr>
-          </a:solidFill>
-          <a:prstDash val="solid"/>
-        </a:ln>
-        <a:effectLst/>
-      </dsp:spPr>
-      <dsp:style>
-        <a:lnRef idx="2">
-          <a:scrgbClr r="0" g="0" b="0"/>
-        </a:lnRef>
-        <a:fillRef idx="1">
-          <a:scrgbClr r="0" g="0" b="0"/>
-        </a:fillRef>
-        <a:effectRef idx="0">
-          <a:scrgbClr r="0" g="0" b="0"/>
-        </a:effectRef>
-        <a:fontRef idx="minor">
-          <a:schemeClr val="lt1"/>
-        </a:fontRef>
-      </dsp:style>
-      <dsp:txBody>
-        <a:bodyPr spcFirstLastPara="0" vert="horz" wrap="square" lIns="12700" tIns="12700" rIns="12700" bIns="12700" numCol="1" spcCol="1270" anchor="ctr" anchorCtr="0">
-          <a:noAutofit/>
-        </a:bodyPr>
-        <a:lstStyle/>
-        <a:p>
-          <a:pPr lvl="0" algn="ctr" defTabSz="889000">
-            <a:lnSpc>
-              <a:spcPct val="90000"/>
-            </a:lnSpc>
-            <a:spcBef>
-              <a:spcPct val="0"/>
-            </a:spcBef>
-            <a:spcAft>
-              <a:spcPct val="35000"/>
-            </a:spcAft>
-          </a:pPr>
-          <a:endParaRPr lang="ru-RU" sz="2000" kern="1200" dirty="0"/>
-        </a:p>
-      </dsp:txBody>
-      <dsp:txXfrm>
-        <a:off x="2993236" y="969746"/>
-        <a:ext cx="647576" cy="647576"/>
-      </dsp:txXfrm>
-    </dsp:sp>
-    <dsp:sp modelId="{0B2CB517-7DD7-48E1-8259-4393B3E0C3EC}">
-      <dsp:nvSpPr>
-        <dsp:cNvPr id="0" name=""/>
-        <dsp:cNvSpPr/>
-      </dsp:nvSpPr>
-      <dsp:spPr>
-        <a:xfrm rot="3240000">
-          <a:off x="2394971" y="2125560"/>
-          <a:ext cx="276723" cy="37759"/>
-        </a:xfrm>
-        <a:custGeom>
-          <a:avLst/>
-          <a:gdLst/>
-          <a:ahLst/>
-          <a:cxnLst/>
-          <a:rect l="0" t="0" r="0" b="0"/>
-          <a:pathLst>
-            <a:path>
-              <a:moveTo>
-                <a:pt x="0" y="18879"/>
-              </a:moveTo>
-              <a:lnTo>
-                <a:pt x="276723" y="18879"/>
-              </a:lnTo>
-            </a:path>
-          </a:pathLst>
-        </a:custGeom>
-        <a:noFill/>
-        <a:ln w="25400" cap="flat" cmpd="sng" algn="ctr">
-          <a:solidFill>
-            <a:schemeClr val="accent1">
-              <a:shade val="60000"/>
-              <a:hueOff val="0"/>
-              <a:satOff val="0"/>
-              <a:lumOff val="0"/>
-              <a:alphaOff val="0"/>
-            </a:schemeClr>
-          </a:solidFill>
-          <a:prstDash val="solid"/>
-        </a:ln>
-        <a:effectLst/>
-      </dsp:spPr>
-      <dsp:style>
-        <a:lnRef idx="2">
-          <a:scrgbClr r="0" g="0" b="0"/>
-        </a:lnRef>
-        <a:fillRef idx="0">
-          <a:scrgbClr r="0" g="0" b="0"/>
-        </a:fillRef>
-        <a:effectRef idx="0">
-          <a:scrgbClr r="0" g="0" b="0"/>
-        </a:effectRef>
-        <a:fontRef idx="minor"/>
-      </dsp:style>
-      <dsp:txBody>
-        <a:bodyPr spcFirstLastPara="0" vert="horz" wrap="square" lIns="12700" tIns="0" rIns="12700" bIns="0" numCol="1" spcCol="1270" anchor="ctr" anchorCtr="0">
-          <a:noAutofit/>
-        </a:bodyPr>
-        <a:lstStyle/>
-        <a:p>
-          <a:pPr lvl="0" algn="ctr" defTabSz="222250">
-            <a:lnSpc>
-              <a:spcPct val="90000"/>
-            </a:lnSpc>
-            <a:spcBef>
-              <a:spcPct val="0"/>
-            </a:spcBef>
-            <a:spcAft>
-              <a:spcPct val="35000"/>
-            </a:spcAft>
-          </a:pPr>
-          <a:endParaRPr lang="ru-RU" sz="500" kern="1200"/>
-        </a:p>
-      </dsp:txBody>
-      <dsp:txXfrm>
-        <a:off x="2526415" y="2137522"/>
-        <a:ext cx="13836" cy="13836"/>
-      </dsp:txXfrm>
-    </dsp:sp>
-    <dsp:sp modelId="{8F6D8065-965B-4A4F-B6F8-BDB592D2B4BF}">
-      <dsp:nvSpPr>
-        <dsp:cNvPr id="0" name=""/>
-        <dsp:cNvSpPr/>
-      </dsp:nvSpPr>
-      <dsp:spPr>
-        <a:xfrm>
-          <a:off x="2425904" y="2168924"/>
-          <a:ext cx="915812" cy="915812"/>
-        </a:xfrm>
-        <a:prstGeom prst="ellipse">
-          <a:avLst/>
-        </a:prstGeom>
-        <a:solidFill>
-          <a:srgbClr val="00B0F0"/>
-        </a:solidFill>
-        <a:ln w="25400" cap="flat" cmpd="sng" algn="ctr">
-          <a:solidFill>
-            <a:schemeClr val="tx2">
-              <a:lumMod val="60000"/>
-              <a:lumOff val="40000"/>
-            </a:schemeClr>
-          </a:solidFill>
-          <a:prstDash val="solid"/>
-        </a:ln>
-        <a:effectLst/>
-      </dsp:spPr>
-      <dsp:style>
-        <a:lnRef idx="2">
-          <a:scrgbClr r="0" g="0" b="0"/>
-        </a:lnRef>
-        <a:fillRef idx="1">
-          <a:scrgbClr r="0" g="0" b="0"/>
-        </a:fillRef>
-        <a:effectRef idx="0">
-          <a:scrgbClr r="0" g="0" b="0"/>
-        </a:effectRef>
-        <a:fontRef idx="minor">
-          <a:schemeClr val="lt1"/>
-        </a:fontRef>
-      </dsp:style>
-      <dsp:txBody>
-        <a:bodyPr spcFirstLastPara="0" vert="horz" wrap="square" lIns="12700" tIns="12700" rIns="12700" bIns="12700" numCol="1" spcCol="1270" anchor="ctr" anchorCtr="0">
-          <a:noAutofit/>
-        </a:bodyPr>
-        <a:lstStyle/>
-        <a:p>
-          <a:pPr lvl="0" algn="ctr" defTabSz="889000">
-            <a:lnSpc>
-              <a:spcPct val="90000"/>
-            </a:lnSpc>
-            <a:spcBef>
-              <a:spcPct val="0"/>
-            </a:spcBef>
-            <a:spcAft>
-              <a:spcPct val="35000"/>
-            </a:spcAft>
-          </a:pPr>
-          <a:endParaRPr lang="ru-RU" sz="2000" kern="1200"/>
-        </a:p>
-      </dsp:txBody>
-      <dsp:txXfrm>
-        <a:off x="2560022" y="2303042"/>
-        <a:ext cx="647576" cy="647576"/>
-      </dsp:txXfrm>
-    </dsp:sp>
-    <dsp:sp modelId="{9036BBB6-75F0-4F69-9249-B49C871EAD6A}">
-      <dsp:nvSpPr>
-        <dsp:cNvPr id="0" name=""/>
-        <dsp:cNvSpPr/>
-      </dsp:nvSpPr>
-      <dsp:spPr>
-        <a:xfrm rot="7560000">
-          <a:off x="1694016" y="2125560"/>
-          <a:ext cx="276723" cy="37759"/>
-        </a:xfrm>
-        <a:custGeom>
-          <a:avLst/>
-          <a:gdLst/>
-          <a:ahLst/>
-          <a:cxnLst/>
-          <a:rect l="0" t="0" r="0" b="0"/>
-          <a:pathLst>
-            <a:path>
-              <a:moveTo>
-                <a:pt x="0" y="18879"/>
-              </a:moveTo>
-              <a:lnTo>
-                <a:pt x="276723" y="18879"/>
-              </a:lnTo>
-            </a:path>
-          </a:pathLst>
-        </a:custGeom>
-        <a:noFill/>
-        <a:ln w="25400" cap="flat" cmpd="sng" algn="ctr">
-          <a:solidFill>
-            <a:schemeClr val="accent1">
-              <a:shade val="60000"/>
-              <a:hueOff val="0"/>
-              <a:satOff val="0"/>
-              <a:lumOff val="0"/>
-              <a:alphaOff val="0"/>
-            </a:schemeClr>
-          </a:solidFill>
-          <a:prstDash val="solid"/>
-        </a:ln>
-        <a:effectLst/>
-      </dsp:spPr>
-      <dsp:style>
-        <a:lnRef idx="2">
-          <a:scrgbClr r="0" g="0" b="0"/>
-        </a:lnRef>
-        <a:fillRef idx="0">
-          <a:scrgbClr r="0" g="0" b="0"/>
-        </a:fillRef>
-        <a:effectRef idx="0">
-          <a:scrgbClr r="0" g="0" b="0"/>
-        </a:effectRef>
-        <a:fontRef idx="minor"/>
-      </dsp:style>
-      <dsp:txBody>
-        <a:bodyPr spcFirstLastPara="0" vert="horz" wrap="square" lIns="12700" tIns="0" rIns="12700" bIns="0" numCol="1" spcCol="1270" anchor="ctr" anchorCtr="0">
-          <a:noAutofit/>
-        </a:bodyPr>
-        <a:lstStyle/>
-        <a:p>
-          <a:pPr lvl="0" algn="ctr" defTabSz="222250">
-            <a:lnSpc>
-              <a:spcPct val="90000"/>
-            </a:lnSpc>
-            <a:spcBef>
-              <a:spcPct val="0"/>
-            </a:spcBef>
-            <a:spcAft>
-              <a:spcPct val="35000"/>
-            </a:spcAft>
-          </a:pPr>
-          <a:endParaRPr lang="ru-RU" sz="500" kern="1200"/>
-        </a:p>
-      </dsp:txBody>
-      <dsp:txXfrm rot="10800000">
-        <a:off x="1825459" y="2137522"/>
-        <a:ext cx="13836" cy="13836"/>
-      </dsp:txXfrm>
-    </dsp:sp>
-    <dsp:sp modelId="{935A1F96-8C6B-4CB8-B151-B31C97F5597D}">
-      <dsp:nvSpPr>
-        <dsp:cNvPr id="0" name=""/>
-        <dsp:cNvSpPr/>
-      </dsp:nvSpPr>
-      <dsp:spPr>
-        <a:xfrm>
-          <a:off x="1023993" y="2168924"/>
-          <a:ext cx="915812" cy="915812"/>
-        </a:xfrm>
-        <a:prstGeom prst="ellipse">
-          <a:avLst/>
-        </a:prstGeom>
-        <a:solidFill>
-          <a:srgbClr val="00B0F0"/>
-        </a:solidFill>
-        <a:ln w="25400" cap="flat" cmpd="sng" algn="ctr">
-          <a:solidFill>
-            <a:schemeClr val="tx2">
-              <a:lumMod val="60000"/>
-              <a:lumOff val="40000"/>
-            </a:schemeClr>
-          </a:solidFill>
-          <a:prstDash val="solid"/>
-        </a:ln>
-        <a:effectLst/>
-      </dsp:spPr>
-      <dsp:style>
-        <a:lnRef idx="2">
-          <a:scrgbClr r="0" g="0" b="0"/>
-        </a:lnRef>
-        <a:fillRef idx="1">
-          <a:scrgbClr r="0" g="0" b="0"/>
-        </a:fillRef>
-        <a:effectRef idx="0">
-          <a:scrgbClr r="0" g="0" b="0"/>
-        </a:effectRef>
-        <a:fontRef idx="minor">
-          <a:schemeClr val="lt1"/>
-        </a:fontRef>
-      </dsp:style>
-      <dsp:txBody>
-        <a:bodyPr spcFirstLastPara="0" vert="horz" wrap="square" lIns="12700" tIns="12700" rIns="12700" bIns="12700" numCol="1" spcCol="1270" anchor="ctr" anchorCtr="0">
-          <a:noAutofit/>
-        </a:bodyPr>
-        <a:lstStyle/>
-        <a:p>
-          <a:pPr lvl="0" algn="ctr" defTabSz="889000">
-            <a:lnSpc>
-              <a:spcPct val="90000"/>
-            </a:lnSpc>
-            <a:spcBef>
-              <a:spcPct val="0"/>
-            </a:spcBef>
-            <a:spcAft>
-              <a:spcPct val="35000"/>
-            </a:spcAft>
-          </a:pPr>
-          <a:endParaRPr lang="ru-RU" sz="2000" kern="1200"/>
-        </a:p>
-      </dsp:txBody>
-      <dsp:txXfrm>
-        <a:off x="1158111" y="2303042"/>
-        <a:ext cx="647576" cy="647576"/>
-      </dsp:txXfrm>
-    </dsp:sp>
-    <dsp:sp modelId="{4DE8A120-1BCB-4D6E-B1F9-4BDCEC7C5779}">
-      <dsp:nvSpPr>
-        <dsp:cNvPr id="0" name=""/>
-        <dsp:cNvSpPr/>
-      </dsp:nvSpPr>
-      <dsp:spPr>
-        <a:xfrm rot="11880000">
-          <a:off x="1477409" y="1458912"/>
-          <a:ext cx="276723" cy="37759"/>
-        </a:xfrm>
-        <a:custGeom>
-          <a:avLst/>
-          <a:gdLst/>
-          <a:ahLst/>
-          <a:cxnLst/>
-          <a:rect l="0" t="0" r="0" b="0"/>
-          <a:pathLst>
-            <a:path>
-              <a:moveTo>
-                <a:pt x="0" y="18879"/>
-              </a:moveTo>
-              <a:lnTo>
-                <a:pt x="276723" y="18879"/>
-              </a:lnTo>
-            </a:path>
-          </a:pathLst>
-        </a:custGeom>
-        <a:noFill/>
-        <a:ln w="25400" cap="flat" cmpd="sng" algn="ctr">
-          <a:solidFill>
-            <a:schemeClr val="accent1">
-              <a:shade val="60000"/>
-              <a:hueOff val="0"/>
-              <a:satOff val="0"/>
-              <a:lumOff val="0"/>
-              <a:alphaOff val="0"/>
-            </a:schemeClr>
-          </a:solidFill>
-          <a:prstDash val="solid"/>
-        </a:ln>
-        <a:effectLst/>
-      </dsp:spPr>
-      <dsp:style>
-        <a:lnRef idx="2">
-          <a:scrgbClr r="0" g="0" b="0"/>
-        </a:lnRef>
-        <a:fillRef idx="0">
-          <a:scrgbClr r="0" g="0" b="0"/>
-        </a:fillRef>
-        <a:effectRef idx="0">
-          <a:scrgbClr r="0" g="0" b="0"/>
-        </a:effectRef>
-        <a:fontRef idx="minor"/>
-      </dsp:style>
-      <dsp:txBody>
-        <a:bodyPr spcFirstLastPara="0" vert="horz" wrap="square" lIns="12700" tIns="0" rIns="12700" bIns="0" numCol="1" spcCol="1270" anchor="ctr" anchorCtr="0">
-          <a:noAutofit/>
-        </a:bodyPr>
-        <a:lstStyle/>
-        <a:p>
-          <a:pPr lvl="0" algn="ctr" defTabSz="222250">
-            <a:lnSpc>
-              <a:spcPct val="90000"/>
-            </a:lnSpc>
-            <a:spcBef>
-              <a:spcPct val="0"/>
-            </a:spcBef>
-            <a:spcAft>
-              <a:spcPct val="35000"/>
-            </a:spcAft>
-          </a:pPr>
-          <a:endParaRPr lang="ru-RU" sz="500" kern="1200"/>
-        </a:p>
-      </dsp:txBody>
-      <dsp:txXfrm rot="10800000">
-        <a:off x="1608852" y="1470874"/>
-        <a:ext cx="13836" cy="13836"/>
-      </dsp:txXfrm>
-    </dsp:sp>
-    <dsp:sp modelId="{95A2D75F-3C3F-4653-A5FC-8BF0D4D6EEFE}">
-      <dsp:nvSpPr>
-        <dsp:cNvPr id="0" name=""/>
-        <dsp:cNvSpPr/>
-      </dsp:nvSpPr>
-      <dsp:spPr>
-        <a:xfrm>
-          <a:off x="590779" y="835628"/>
-          <a:ext cx="915812" cy="915812"/>
-        </a:xfrm>
-        <a:prstGeom prst="ellipse">
-          <a:avLst/>
-        </a:prstGeom>
-        <a:solidFill>
-          <a:srgbClr val="00B0F0"/>
-        </a:solidFill>
-        <a:ln w="25400" cap="flat" cmpd="sng" algn="ctr">
-          <a:solidFill>
-            <a:schemeClr val="tx2">
-              <a:lumMod val="60000"/>
-              <a:lumOff val="40000"/>
-            </a:schemeClr>
-          </a:solidFill>
-          <a:prstDash val="solid"/>
-        </a:ln>
-        <a:effectLst/>
-      </dsp:spPr>
-      <dsp:style>
-        <a:lnRef idx="2">
-          <a:scrgbClr r="0" g="0" b="0"/>
-        </a:lnRef>
-        <a:fillRef idx="1">
-          <a:scrgbClr r="0" g="0" b="0"/>
-        </a:fillRef>
-        <a:effectRef idx="0">
-          <a:scrgbClr r="0" g="0" b="0"/>
-        </a:effectRef>
-        <a:fontRef idx="minor">
-          <a:schemeClr val="lt1"/>
-        </a:fontRef>
-      </dsp:style>
-      <dsp:txBody>
-        <a:bodyPr spcFirstLastPara="0" vert="horz" wrap="square" lIns="12700" tIns="12700" rIns="12700" bIns="12700" numCol="1" spcCol="1270" anchor="ctr" anchorCtr="0">
-          <a:noAutofit/>
-        </a:bodyPr>
-        <a:lstStyle/>
-        <a:p>
-          <a:pPr lvl="0" algn="ctr" defTabSz="889000">
-            <a:lnSpc>
-              <a:spcPct val="90000"/>
-            </a:lnSpc>
-            <a:spcBef>
-              <a:spcPct val="0"/>
-            </a:spcBef>
-            <a:spcAft>
-              <a:spcPct val="35000"/>
-            </a:spcAft>
-          </a:pPr>
-          <a:endParaRPr lang="ru-RU" sz="2000" kern="1200"/>
-        </a:p>
-      </dsp:txBody>
-      <dsp:txXfrm>
-        <a:off x="724897" y="969746"/>
-        <a:ext cx="647576" cy="647576"/>
-      </dsp:txXfrm>
-    </dsp:sp>
-  </dsp:spTree>
-</dsp:drawing>
-</file>
-
-<file path=ppt/diagrams/drawing3.xml><?xml version="1.0" encoding="utf-8"?>
-<dsp:drawing xmlns:dgm="http://schemas.openxmlformats.org/drawingml/2006/diagram" xmlns:dsp="http://schemas.microsoft.com/office/drawing/2008/diagram" xmlns:a="http://schemas.openxmlformats.org/drawingml/2006/main">
-  <dsp:spTree>
-    <dsp:nvGrpSpPr>
-      <dsp:cNvPr id="0" name=""/>
-      <dsp:cNvGrpSpPr/>
-    </dsp:nvGrpSpPr>
-    <dsp:grpSpPr/>
     <dsp:sp modelId="{25056C25-FD7A-454A-BD80-5797A854A1C9}">
       <dsp:nvSpPr>
         <dsp:cNvPr id="0" name=""/>
@@ -8058,8 +7152,8 @@
       </dsp:nvSpPr>
       <dsp:spPr>
         <a:xfrm>
-          <a:off x="2380309" y="998672"/>
-          <a:ext cx="856004" cy="856004"/>
+          <a:off x="898173" y="782679"/>
+          <a:ext cx="822207" cy="878051"/>
         </a:xfrm>
         <a:prstGeom prst="roundRect">
           <a:avLst/>
@@ -8092,12 +7186,12 @@
         </a:fontRef>
       </dsp:style>
       <dsp:txBody>
-        <a:bodyPr spcFirstLastPara="0" vert="horz" wrap="square" lIns="60960" tIns="60960" rIns="60960" bIns="60960" numCol="1" spcCol="1270" anchor="ctr" anchorCtr="0">
+        <a:bodyPr spcFirstLastPara="0" vert="horz" wrap="square" lIns="58420" tIns="58420" rIns="58420" bIns="58420" numCol="1" spcCol="1270" anchor="ctr" anchorCtr="0">
           <a:noAutofit/>
         </a:bodyPr>
         <a:lstStyle/>
         <a:p>
-          <a:pPr lvl="0" algn="ctr" defTabSz="1066800">
+          <a:pPr lvl="0" algn="ctr" defTabSz="1022350">
             <a:lnSpc>
               <a:spcPct val="90000"/>
             </a:lnSpc>
@@ -8109,7 +7203,7 @@
             </a:spcAft>
           </a:pPr>
           <a:r>
-            <a:rPr lang="en-US" sz="2400" kern="1200" dirty="0" err="1" smtClean="0">
+            <a:rPr lang="en-US" sz="2300" kern="1200" dirty="0" err="1" smtClean="0">
               <a:ln>
                 <a:noFill/>
               </a:ln>
@@ -8119,7 +7213,7 @@
             </a:rPr>
             <a:t>IaaS</a:t>
           </a:r>
-          <a:endParaRPr lang="ru-RU" sz="2400" kern="1200" dirty="0">
+          <a:endParaRPr lang="ru-RU" sz="2300" kern="1200" dirty="0">
             <a:ln>
               <a:noFill/>
             </a:ln>
@@ -8130,19 +7224,19 @@
         </a:p>
       </dsp:txBody>
       <dsp:txXfrm>
-        <a:off x="2422096" y="1040459"/>
-        <a:ext cx="772430" cy="772430"/>
+        <a:off x="938310" y="822816"/>
+        <a:ext cx="741933" cy="797777"/>
       </dsp:txXfrm>
     </dsp:sp>
-    <dsp:sp modelId="{31BCADCA-80D2-424B-BFB0-A0AF1E13D2E2}">
+    <dsp:sp modelId="{40765CB4-C294-459A-8862-FC5E44F7FB91}">
       <dsp:nvSpPr>
         <dsp:cNvPr id="0" name=""/>
         <dsp:cNvSpPr/>
       </dsp:nvSpPr>
       <dsp:spPr>
-        <a:xfrm rot="16200000">
-          <a:off x="2625961" y="816321"/>
-          <a:ext cx="364701" cy="0"/>
+        <a:xfrm rot="21564252">
+          <a:off x="1720370" y="1215414"/>
+          <a:ext cx="387672" cy="0"/>
         </a:xfrm>
         <a:custGeom>
           <a:avLst/>
@@ -8156,7 +7250,354 @@
                 <a:pt x="0" y="0"/>
               </a:moveTo>
               <a:lnTo>
-                <a:pt x="364701" y="0"/>
+                <a:pt x="387672" y="0"/>
+              </a:lnTo>
+            </a:path>
+          </a:pathLst>
+        </a:custGeom>
+        <a:noFill/>
+        <a:ln w="25400" cap="flat" cmpd="sng" algn="ctr">
+          <a:solidFill>
+            <a:srgbClr val="00B0F0"/>
+          </a:solidFill>
+          <a:prstDash val="solid"/>
+        </a:ln>
+        <a:effectLst/>
+      </dsp:spPr>
+      <dsp:style>
+        <a:lnRef idx="2">
+          <a:scrgbClr r="0" g="0" b="0"/>
+        </a:lnRef>
+        <a:fillRef idx="0">
+          <a:scrgbClr r="0" g="0" b="0"/>
+        </a:fillRef>
+        <a:effectRef idx="0">
+          <a:scrgbClr r="0" g="0" b="0"/>
+        </a:effectRef>
+        <a:fontRef idx="minor"/>
+      </dsp:style>
+    </dsp:sp>
+    <dsp:sp modelId="{EEF398F6-2EF8-48AB-9AFF-6A7FD5CA2064}">
+      <dsp:nvSpPr>
+        <dsp:cNvPr id="0" name=""/>
+        <dsp:cNvSpPr/>
+      </dsp:nvSpPr>
+      <dsp:spPr>
+        <a:xfrm>
+          <a:off x="2108032" y="799901"/>
+          <a:ext cx="2675962" cy="799167"/>
+        </a:xfrm>
+        <a:prstGeom prst="roundRect">
+          <a:avLst/>
+        </a:prstGeom>
+        <a:solidFill>
+          <a:schemeClr val="bg1">
+            <a:lumMod val="95000"/>
+          </a:schemeClr>
+        </a:solidFill>
+        <a:ln w="25400" cap="flat" cmpd="sng" algn="ctr">
+          <a:solidFill>
+            <a:srgbClr val="00B0F0"/>
+          </a:solidFill>
+          <a:prstDash val="solid"/>
+        </a:ln>
+        <a:effectLst/>
+      </dsp:spPr>
+      <dsp:style>
+        <a:lnRef idx="2">
+          <a:scrgbClr r="0" g="0" b="0"/>
+        </a:lnRef>
+        <a:fillRef idx="1">
+          <a:scrgbClr r="0" g="0" b="0"/>
+        </a:fillRef>
+        <a:effectRef idx="0">
+          <a:scrgbClr r="0" g="0" b="0"/>
+        </a:effectRef>
+        <a:fontRef idx="minor">
+          <a:schemeClr val="lt1"/>
+        </a:fontRef>
+      </dsp:style>
+      <dsp:txBody>
+        <a:bodyPr spcFirstLastPara="0" vert="horz" wrap="square" lIns="540000" tIns="55880" rIns="55880" bIns="55880" numCol="1" spcCol="1270" anchor="ctr" anchorCtr="0">
+          <a:noAutofit/>
+        </a:bodyPr>
+        <a:lstStyle/>
+        <a:p>
+          <a:pPr lvl="0" algn="ctr" defTabSz="977900">
+            <a:lnSpc>
+              <a:spcPct val="90000"/>
+            </a:lnSpc>
+            <a:spcBef>
+              <a:spcPct val="0"/>
+            </a:spcBef>
+            <a:spcAft>
+              <a:spcPct val="35000"/>
+            </a:spcAft>
+          </a:pPr>
+          <a:r>
+            <a:rPr lang="en-US" sz="2200" b="0" i="0" kern="1200" dirty="0" smtClean="0">
+              <a:solidFill>
+                <a:srgbClr val="00B0F0"/>
+              </a:solidFill>
+            </a:rPr>
+            <a:t>Virtual Machines</a:t>
+          </a:r>
+          <a:endParaRPr lang="ru-RU" sz="2200" kern="1200" dirty="0">
+            <a:solidFill>
+              <a:srgbClr val="00B0F0"/>
+            </a:solidFill>
+          </a:endParaRPr>
+        </a:p>
+      </dsp:txBody>
+      <dsp:txXfrm>
+        <a:off x="2147044" y="838913"/>
+        <a:ext cx="2597938" cy="721143"/>
+      </dsp:txXfrm>
+    </dsp:sp>
+  </dsp:spTree>
+</dsp:drawing>
+</file>
+
+<file path=ppt/diagrams/drawing3.xml><?xml version="1.0" encoding="utf-8"?>
+<dsp:drawing xmlns:dgm="http://schemas.openxmlformats.org/drawingml/2006/diagram" xmlns:dsp="http://schemas.microsoft.com/office/drawing/2008/diagram" xmlns:a="http://schemas.openxmlformats.org/drawingml/2006/main">
+  <dsp:spTree>
+    <dsp:nvGrpSpPr>
+      <dsp:cNvPr id="0" name=""/>
+      <dsp:cNvGrpSpPr/>
+    </dsp:nvGrpSpPr>
+    <dsp:grpSpPr/>
+    <dsp:sp modelId="{25056C25-FD7A-454A-BD80-5797A854A1C9}">
+      <dsp:nvSpPr>
+        <dsp:cNvPr id="0" name=""/>
+        <dsp:cNvSpPr/>
+      </dsp:nvSpPr>
+      <dsp:spPr>
+        <a:xfrm>
+          <a:off x="2222095" y="1180473"/>
+          <a:ext cx="523382" cy="558930"/>
+        </a:xfrm>
+        <a:prstGeom prst="roundRect">
+          <a:avLst/>
+        </a:prstGeom>
+        <a:solidFill>
+          <a:schemeClr val="bg1">
+            <a:lumMod val="95000"/>
+          </a:schemeClr>
+        </a:solidFill>
+        <a:ln w="25400" cap="flat" cmpd="sng" algn="ctr">
+          <a:solidFill>
+            <a:srgbClr val="92D050"/>
+          </a:solidFill>
+          <a:prstDash val="solid"/>
+        </a:ln>
+        <a:effectLst/>
+      </dsp:spPr>
+      <dsp:style>
+        <a:lnRef idx="2">
+          <a:scrgbClr r="0" g="0" b="0"/>
+        </a:lnRef>
+        <a:fillRef idx="1">
+          <a:scrgbClr r="0" g="0" b="0"/>
+        </a:fillRef>
+        <a:effectRef idx="0">
+          <a:scrgbClr r="0" g="0" b="0"/>
+        </a:effectRef>
+        <a:fontRef idx="minor">
+          <a:schemeClr val="lt1"/>
+        </a:fontRef>
+      </dsp:style>
+      <dsp:txBody>
+        <a:bodyPr spcFirstLastPara="0" vert="horz" wrap="square" lIns="33020" tIns="33020" rIns="33020" bIns="33020" numCol="1" spcCol="1270" anchor="ctr" anchorCtr="0">
+          <a:noAutofit/>
+        </a:bodyPr>
+        <a:lstStyle/>
+        <a:p>
+          <a:pPr lvl="0" algn="ctr" defTabSz="577850">
+            <a:lnSpc>
+              <a:spcPct val="90000"/>
+            </a:lnSpc>
+            <a:spcBef>
+              <a:spcPct val="0"/>
+            </a:spcBef>
+            <a:spcAft>
+              <a:spcPct val="35000"/>
+            </a:spcAft>
+          </a:pPr>
+          <a:r>
+            <a:rPr lang="en-US" sz="1300" kern="1200" dirty="0" err="1" smtClean="0">
+              <a:ln>
+                <a:noFill/>
+              </a:ln>
+              <a:solidFill>
+                <a:srgbClr val="92D050"/>
+              </a:solidFill>
+            </a:rPr>
+            <a:t>PaaS</a:t>
+          </a:r>
+          <a:endParaRPr lang="ru-RU" sz="1300" kern="1200" dirty="0">
+            <a:ln>
+              <a:noFill/>
+            </a:ln>
+            <a:solidFill>
+              <a:srgbClr val="92D050"/>
+            </a:solidFill>
+          </a:endParaRPr>
+        </a:p>
+      </dsp:txBody>
+      <dsp:txXfrm>
+        <a:off x="2247644" y="1206022"/>
+        <a:ext cx="472284" cy="507832"/>
+      </dsp:txXfrm>
+    </dsp:sp>
+    <dsp:sp modelId="{40765CB4-C294-459A-8862-FC5E44F7FB91}">
+      <dsp:nvSpPr>
+        <dsp:cNvPr id="0" name=""/>
+        <dsp:cNvSpPr/>
+      </dsp:nvSpPr>
+      <dsp:spPr>
+        <a:xfrm rot="18531129">
+          <a:off x="2574776" y="900204"/>
+          <a:ext cx="719773" cy="0"/>
+        </a:xfrm>
+        <a:custGeom>
+          <a:avLst/>
+          <a:gdLst/>
+          <a:ahLst/>
+          <a:cxnLst/>
+          <a:rect l="0" t="0" r="0" b="0"/>
+          <a:pathLst>
+            <a:path>
+              <a:moveTo>
+                <a:pt x="0" y="0"/>
+              </a:moveTo>
+              <a:lnTo>
+                <a:pt x="719773" y="0"/>
+              </a:lnTo>
+            </a:path>
+          </a:pathLst>
+        </a:custGeom>
+        <a:noFill/>
+        <a:ln w="25400" cap="flat" cmpd="sng" algn="ctr">
+          <a:solidFill>
+            <a:srgbClr val="00B0F0"/>
+          </a:solidFill>
+          <a:prstDash val="solid"/>
+        </a:ln>
+        <a:effectLst/>
+      </dsp:spPr>
+      <dsp:style>
+        <a:lnRef idx="2">
+          <a:scrgbClr r="0" g="0" b="0"/>
+        </a:lnRef>
+        <a:fillRef idx="0">
+          <a:scrgbClr r="0" g="0" b="0"/>
+        </a:fillRef>
+        <a:effectRef idx="0">
+          <a:scrgbClr r="0" g="0" b="0"/>
+        </a:effectRef>
+        <a:fontRef idx="minor"/>
+      </dsp:style>
+    </dsp:sp>
+    <dsp:sp modelId="{EEF398F6-2EF8-48AB-9AFF-6A7FD5CA2064}">
+      <dsp:nvSpPr>
+        <dsp:cNvPr id="0" name=""/>
+        <dsp:cNvSpPr/>
+      </dsp:nvSpPr>
+      <dsp:spPr>
+        <a:xfrm>
+          <a:off x="2513612" y="111220"/>
+          <a:ext cx="1703405" cy="508716"/>
+        </a:xfrm>
+        <a:prstGeom prst="roundRect">
+          <a:avLst/>
+        </a:prstGeom>
+        <a:solidFill>
+          <a:schemeClr val="bg1">
+            <a:lumMod val="95000"/>
+          </a:schemeClr>
+        </a:solidFill>
+        <a:ln w="25400" cap="flat" cmpd="sng" algn="ctr">
+          <a:solidFill>
+            <a:srgbClr val="00B0F0"/>
+          </a:solidFill>
+          <a:prstDash val="solid"/>
+        </a:ln>
+        <a:effectLst/>
+      </dsp:spPr>
+      <dsp:style>
+        <a:lnRef idx="2">
+          <a:scrgbClr r="0" g="0" b="0"/>
+        </a:lnRef>
+        <a:fillRef idx="1">
+          <a:scrgbClr r="0" g="0" b="0"/>
+        </a:fillRef>
+        <a:effectRef idx="0">
+          <a:scrgbClr r="0" g="0" b="0"/>
+        </a:effectRef>
+        <a:fontRef idx="minor">
+          <a:schemeClr val="lt1"/>
+        </a:fontRef>
+      </dsp:style>
+      <dsp:txBody>
+        <a:bodyPr spcFirstLastPara="0" vert="horz" wrap="square" lIns="540000" tIns="35560" rIns="35560" bIns="35560" numCol="1" spcCol="1270" anchor="ctr" anchorCtr="0">
+          <a:noAutofit/>
+        </a:bodyPr>
+        <a:lstStyle/>
+        <a:p>
+          <a:pPr lvl="0" algn="ctr" defTabSz="622300">
+            <a:lnSpc>
+              <a:spcPct val="90000"/>
+            </a:lnSpc>
+            <a:spcBef>
+              <a:spcPct val="0"/>
+            </a:spcBef>
+            <a:spcAft>
+              <a:spcPct val="35000"/>
+            </a:spcAft>
+          </a:pPr>
+          <a:r>
+            <a:rPr lang="en-US" sz="1400" b="0" i="0" kern="1200" dirty="0" smtClean="0">
+              <a:solidFill>
+                <a:srgbClr val="00B0F0"/>
+              </a:solidFill>
+            </a:rPr>
+            <a:t>Cloud Services</a:t>
+          </a:r>
+          <a:endParaRPr lang="ru-RU" sz="1400" kern="1200" dirty="0">
+            <a:solidFill>
+              <a:srgbClr val="00B0F0"/>
+            </a:solidFill>
+          </a:endParaRPr>
+        </a:p>
+      </dsp:txBody>
+      <dsp:txXfrm>
+        <a:off x="2538445" y="136053"/>
+        <a:ext cx="1653739" cy="459050"/>
+      </dsp:txXfrm>
+    </dsp:sp>
+    <dsp:sp modelId="{4B76F172-835F-47AA-A859-8A899CEE2510}">
+      <dsp:nvSpPr>
+        <dsp:cNvPr id="0" name=""/>
+        <dsp:cNvSpPr/>
+      </dsp:nvSpPr>
+      <dsp:spPr>
+        <a:xfrm rot="20600496">
+          <a:off x="2734080" y="1303787"/>
+          <a:ext cx="543120" cy="0"/>
+        </a:xfrm>
+        <a:custGeom>
+          <a:avLst/>
+          <a:gdLst/>
+          <a:ahLst/>
+          <a:cxnLst/>
+          <a:rect l="0" t="0" r="0" b="0"/>
+          <a:pathLst>
+            <a:path>
+              <a:moveTo>
+                <a:pt x="0" y="0"/>
+              </a:moveTo>
+              <a:lnTo>
+                <a:pt x="543120" y="0"/>
               </a:lnTo>
             </a:path>
           </a:pathLst>
@@ -8189,15 +7630,15 @@
         <a:fontRef idx="minor"/>
       </dsp:style>
     </dsp:sp>
-    <dsp:sp modelId="{C3655CBF-3ABB-474C-8D36-3C5745CA1400}">
+    <dsp:sp modelId="{2C989446-76CB-491D-A9E5-90C479CC1EB6}">
       <dsp:nvSpPr>
         <dsp:cNvPr id="0" name=""/>
         <dsp:cNvSpPr/>
       </dsp:nvSpPr>
       <dsp:spPr>
         <a:xfrm>
-          <a:off x="1671959" y="-59957"/>
-          <a:ext cx="2272705" cy="693928"/>
+          <a:off x="3264163" y="717224"/>
+          <a:ext cx="1703405" cy="508716"/>
         </a:xfrm>
         <a:prstGeom prst="roundRect">
           <a:avLst/>
@@ -8230,12 +7671,12 @@
         </a:fontRef>
       </dsp:style>
       <dsp:txBody>
-        <a:bodyPr spcFirstLastPara="0" vert="horz" wrap="square" lIns="540000" tIns="48260" rIns="48260" bIns="48260" numCol="1" spcCol="1270" anchor="ctr" anchorCtr="0">
+        <a:bodyPr spcFirstLastPara="0" vert="horz" wrap="square" lIns="540000" tIns="43180" rIns="43180" bIns="43180" numCol="1" spcCol="1270" anchor="ctr" anchorCtr="0">
           <a:noAutofit/>
         </a:bodyPr>
         <a:lstStyle/>
         <a:p>
-          <a:pPr lvl="0" algn="ctr" defTabSz="844550">
+          <a:pPr lvl="0" algn="ctr" defTabSz="755650">
             <a:lnSpc>
               <a:spcPct val="90000"/>
             </a:lnSpc>
@@ -8247,14 +7688,14 @@
             </a:spcAft>
           </a:pPr>
           <a:r>
-            <a:rPr lang="en-US" sz="1900" b="0" i="0" kern="1200" dirty="0" smtClean="0">
+            <a:rPr lang="en-US" sz="1700" kern="1200" dirty="0" smtClean="0">
               <a:solidFill>
                 <a:srgbClr val="00B0F0"/>
               </a:solidFill>
             </a:rPr>
-            <a:t>Virtual Machines</a:t>
+            <a:t>SQL Azure</a:t>
           </a:r>
-          <a:endParaRPr lang="ru-RU" sz="1900" kern="1200" dirty="0">
+          <a:endParaRPr lang="ru-RU" sz="1700" kern="1200" dirty="0">
             <a:solidFill>
               <a:srgbClr val="00B0F0"/>
             </a:solidFill>
@@ -8262,19 +7703,19 @@
         </a:p>
       </dsp:txBody>
       <dsp:txXfrm>
-        <a:off x="1705834" y="-26082"/>
-        <a:ext cx="2204955" cy="626178"/>
+        <a:off x="3288996" y="742057"/>
+        <a:ext cx="1653739" cy="459050"/>
       </dsp:txXfrm>
     </dsp:sp>
-    <dsp:sp modelId="{40765CB4-C294-459A-8862-FC5E44F7FB91}">
+    <dsp:sp modelId="{A1A7F2F7-8724-4320-8D3E-13A495501B45}">
       <dsp:nvSpPr>
         <dsp:cNvPr id="0" name=""/>
         <dsp:cNvSpPr/>
       </dsp:nvSpPr>
       <dsp:spPr>
-        <a:xfrm rot="21590847">
-          <a:off x="3236314" y="1425391"/>
-          <a:ext cx="107604" cy="0"/>
+        <a:xfrm rot="258212">
+          <a:off x="2744744" y="1499147"/>
+          <a:ext cx="520151" cy="0"/>
         </a:xfrm>
         <a:custGeom>
           <a:avLst/>
@@ -8288,7 +7729,7 @@
                 <a:pt x="0" y="0"/>
               </a:moveTo>
               <a:lnTo>
-                <a:pt x="107604" y="0"/>
+                <a:pt x="520151" y="0"/>
               </a:lnTo>
             </a:path>
           </a:pathLst>
@@ -8321,15 +7762,15 @@
         <a:fontRef idx="minor"/>
       </dsp:style>
     </dsp:sp>
-    <dsp:sp modelId="{EEF398F6-2EF8-48AB-9AFF-6A7FD5CA2064}">
+    <dsp:sp modelId="{1C652A63-4612-4140-A184-53A0A081C97B}">
       <dsp:nvSpPr>
         <dsp:cNvPr id="0" name=""/>
         <dsp:cNvSpPr/>
       </dsp:nvSpPr>
       <dsp:spPr>
         <a:xfrm>
-          <a:off x="3343918" y="1075258"/>
-          <a:ext cx="2272705" cy="693928"/>
+          <a:off x="3264162" y="1328398"/>
+          <a:ext cx="1703405" cy="508716"/>
         </a:xfrm>
         <a:prstGeom prst="roundRect">
           <a:avLst/>
@@ -8362,12 +7803,12 @@
         </a:fontRef>
       </dsp:style>
       <dsp:txBody>
-        <a:bodyPr spcFirstLastPara="0" vert="horz" wrap="square" lIns="540000" tIns="48260" rIns="48260" bIns="48260" numCol="1" spcCol="1270" anchor="ctr" anchorCtr="0">
+        <a:bodyPr spcFirstLastPara="0" vert="horz" wrap="square" lIns="540000" tIns="35560" rIns="35560" bIns="35560" numCol="1" spcCol="1270" anchor="ctr" anchorCtr="0">
           <a:noAutofit/>
         </a:bodyPr>
         <a:lstStyle/>
         <a:p>
-          <a:pPr lvl="0" algn="ctr" defTabSz="844550">
+          <a:pPr lvl="0" algn="ctr" defTabSz="622300">
             <a:lnSpc>
               <a:spcPct val="90000"/>
             </a:lnSpc>
@@ -8379,14 +7820,14 @@
             </a:spcAft>
           </a:pPr>
           <a:r>
-            <a:rPr lang="en-US" sz="1900" b="0" i="0" kern="1200" dirty="0" smtClean="0">
+            <a:rPr lang="en-US" sz="1400" kern="1200" dirty="0" smtClean="0">
               <a:solidFill>
                 <a:srgbClr val="00B0F0"/>
               </a:solidFill>
             </a:rPr>
-            <a:t>Virtual Machines</a:t>
+            <a:t>Storage Tables</a:t>
           </a:r>
-          <a:endParaRPr lang="ru-RU" sz="1900" kern="1200" dirty="0">
+          <a:endParaRPr lang="ru-RU" sz="1400" kern="1200" dirty="0">
             <a:solidFill>
               <a:srgbClr val="00B0F0"/>
             </a:solidFill>
@@ -8394,19 +7835,19 @@
         </a:p>
       </dsp:txBody>
       <dsp:txXfrm>
-        <a:off x="3377793" y="1109133"/>
-        <a:ext cx="2204955" cy="626178"/>
+        <a:off x="3288995" y="1353231"/>
+        <a:ext cx="1653739" cy="459050"/>
       </dsp:txXfrm>
     </dsp:sp>
-    <dsp:sp modelId="{A6D1EF60-2A29-4EBA-9A52-4C2DAC5030E3}">
+    <dsp:sp modelId="{5727BF42-537E-40D5-B281-429A4AA75037}">
       <dsp:nvSpPr>
         <dsp:cNvPr id="0" name=""/>
         <dsp:cNvSpPr/>
       </dsp:nvSpPr>
       <dsp:spPr>
-        <a:xfrm rot="5220450">
-          <a:off x="2687991" y="2005026"/>
-          <a:ext cx="301109" cy="0"/>
+        <a:xfrm rot="2121630">
+          <a:off x="2698634" y="1792597"/>
+          <a:ext cx="507864" cy="0"/>
         </a:xfrm>
         <a:custGeom>
           <a:avLst/>
@@ -8420,7 +7861,7 @@
                 <a:pt x="0" y="0"/>
               </a:moveTo>
               <a:lnTo>
-                <a:pt x="301109" y="0"/>
+                <a:pt x="507864" y="0"/>
               </a:lnTo>
             </a:path>
           </a:pathLst>
@@ -8453,15 +7894,15 @@
         <a:fontRef idx="minor"/>
       </dsp:style>
     </dsp:sp>
-    <dsp:sp modelId="{C50AEFB2-1621-4C42-AC18-6AFD59CCAAB2}">
+    <dsp:sp modelId="{06CB251D-7874-46F5-B434-DFA2F5371EDF}">
       <dsp:nvSpPr>
         <dsp:cNvPr id="0" name=""/>
         <dsp:cNvSpPr/>
       </dsp:nvSpPr>
       <dsp:spPr>
         <a:xfrm>
-          <a:off x="1728191" y="2155375"/>
-          <a:ext cx="2272705" cy="693928"/>
+          <a:off x="2666392" y="1939552"/>
+          <a:ext cx="1703405" cy="508716"/>
         </a:xfrm>
         <a:prstGeom prst="roundRect">
           <a:avLst/>
@@ -8494,12 +7935,12 @@
         </a:fontRef>
       </dsp:style>
       <dsp:txBody>
-        <a:bodyPr spcFirstLastPara="0" vert="horz" wrap="square" lIns="540000" tIns="48260" rIns="48260" bIns="48260" numCol="1" spcCol="1270" anchor="ctr" anchorCtr="0">
+        <a:bodyPr spcFirstLastPara="0" vert="horz" wrap="square" lIns="540000" tIns="63500" rIns="63500" bIns="63500" numCol="1" spcCol="1270" anchor="ctr" anchorCtr="0">
           <a:noAutofit/>
         </a:bodyPr>
         <a:lstStyle/>
         <a:p>
-          <a:pPr lvl="0" algn="ctr" defTabSz="844550">
+          <a:pPr lvl="0" algn="ctr" defTabSz="1111250">
             <a:lnSpc>
               <a:spcPct val="90000"/>
             </a:lnSpc>
@@ -8511,14 +7952,14 @@
             </a:spcAft>
           </a:pPr>
           <a:r>
-            <a:rPr lang="en-US" sz="1900" b="0" i="0" kern="1200" dirty="0" smtClean="0">
+            <a:rPr lang="en-US" sz="2500" kern="1200" dirty="0" smtClean="0">
               <a:solidFill>
                 <a:srgbClr val="00B0F0"/>
               </a:solidFill>
             </a:rPr>
-            <a:t>Virtual Machines</a:t>
+            <a:t>Cache</a:t>
           </a:r>
-          <a:endParaRPr lang="ru-RU" sz="1900" kern="1200" dirty="0">
+          <a:endParaRPr lang="ru-RU" sz="2500" kern="1200" dirty="0">
             <a:solidFill>
               <a:srgbClr val="00B0F0"/>
             </a:solidFill>
@@ -8526,19 +7967,19 @@
         </a:p>
       </dsp:txBody>
       <dsp:txXfrm>
-        <a:off x="1762066" y="2189250"/>
-        <a:ext cx="2204955" cy="626178"/>
+        <a:off x="2691225" y="1964385"/>
+        <a:ext cx="1653739" cy="459050"/>
       </dsp:txXfrm>
     </dsp:sp>
-    <dsp:sp modelId="{1FB923F5-4F9F-4D64-AD50-9DEA6904FB57}">
+    <dsp:sp modelId="{C09D1272-4CF0-4360-A709-F658F12539F1}">
       <dsp:nvSpPr>
         <dsp:cNvPr id="0" name=""/>
         <dsp:cNvSpPr/>
       </dsp:nvSpPr>
       <dsp:spPr>
-        <a:xfrm rot="10809141">
-          <a:off x="2272705" y="1425393"/>
-          <a:ext cx="107604" cy="0"/>
+        <a:xfrm rot="8401647">
+          <a:off x="1864315" y="1809434"/>
+          <a:ext cx="405105" cy="0"/>
         </a:xfrm>
         <a:custGeom>
           <a:avLst/>
@@ -8552,7 +7993,7 @@
                 <a:pt x="0" y="0"/>
               </a:moveTo>
               <a:lnTo>
-                <a:pt x="107604" y="0"/>
+                <a:pt x="405105" y="0"/>
               </a:lnTo>
             </a:path>
           </a:pathLst>
@@ -8585,15 +8026,15 @@
         <a:fontRef idx="minor"/>
       </dsp:style>
     </dsp:sp>
-    <dsp:sp modelId="{95283C3C-4BB4-4D34-B9B6-1A904A250625}">
+    <dsp:sp modelId="{905EE044-8A93-48F4-B923-0A245442EAF2}">
       <dsp:nvSpPr>
         <dsp:cNvPr id="0" name=""/>
         <dsp:cNvSpPr/>
       </dsp:nvSpPr>
       <dsp:spPr>
         <a:xfrm>
-          <a:off x="0" y="1075264"/>
-          <a:ext cx="2272705" cy="693928"/>
+          <a:off x="756510" y="1939558"/>
+          <a:ext cx="1703405" cy="508716"/>
         </a:xfrm>
         <a:prstGeom prst="roundRect">
           <a:avLst/>
@@ -8626,12 +8067,12 @@
         </a:fontRef>
       </dsp:style>
       <dsp:txBody>
-        <a:bodyPr spcFirstLastPara="0" vert="horz" wrap="square" lIns="540000" tIns="48260" rIns="48260" bIns="48260" numCol="1" spcCol="1270" anchor="ctr" anchorCtr="0">
+        <a:bodyPr spcFirstLastPara="0" vert="horz" wrap="square" lIns="540000" tIns="35560" rIns="35560" bIns="35560" numCol="1" spcCol="1270" anchor="ctr" anchorCtr="0">
           <a:noAutofit/>
         </a:bodyPr>
         <a:lstStyle/>
         <a:p>
-          <a:pPr lvl="0" algn="ctr" defTabSz="844550">
+          <a:pPr lvl="0" algn="ctr" defTabSz="622300">
             <a:lnSpc>
               <a:spcPct val="90000"/>
             </a:lnSpc>
@@ -8643,14 +8084,14 @@
             </a:spcAft>
           </a:pPr>
           <a:r>
-            <a:rPr lang="en-US" sz="1900" b="0" i="0" kern="1200" dirty="0" smtClean="0">
+            <a:rPr lang="en-US" sz="1400" kern="1200" dirty="0" smtClean="0">
               <a:solidFill>
                 <a:srgbClr val="00B0F0"/>
               </a:solidFill>
             </a:rPr>
-            <a:t>Virtual Machines</a:t>
+            <a:t>Mobile Services</a:t>
           </a:r>
-          <a:endParaRPr lang="ru-RU" sz="1900" kern="1200" dirty="0">
+          <a:endParaRPr lang="ru-RU" sz="1400" kern="1200" dirty="0">
             <a:solidFill>
               <a:srgbClr val="00B0F0"/>
             </a:solidFill>
@@ -8658,8 +8099,272 @@
         </a:p>
       </dsp:txBody>
       <dsp:txXfrm>
-        <a:off x="33875" y="1109139"/>
-        <a:ext cx="2204955" cy="626178"/>
+        <a:off x="781343" y="1964391"/>
+        <a:ext cx="1653739" cy="459050"/>
+      </dsp:txXfrm>
+    </dsp:sp>
+    <dsp:sp modelId="{92DF3097-6005-46D4-90E5-653438AEDECF}">
+      <dsp:nvSpPr>
+        <dsp:cNvPr id="0" name=""/>
+        <dsp:cNvSpPr/>
+      </dsp:nvSpPr>
+      <dsp:spPr>
+        <a:xfrm rot="11243038">
+          <a:off x="1923897" y="1406783"/>
+          <a:ext cx="299438" cy="0"/>
+        </a:xfrm>
+        <a:custGeom>
+          <a:avLst/>
+          <a:gdLst/>
+          <a:ahLst/>
+          <a:cxnLst/>
+          <a:rect l="0" t="0" r="0" b="0"/>
+          <a:pathLst>
+            <a:path>
+              <a:moveTo>
+                <a:pt x="0" y="0"/>
+              </a:moveTo>
+              <a:lnTo>
+                <a:pt x="299438" y="0"/>
+              </a:lnTo>
+            </a:path>
+          </a:pathLst>
+        </a:custGeom>
+        <a:noFill/>
+        <a:ln w="25400" cap="flat" cmpd="sng" algn="ctr">
+          <a:solidFill>
+            <a:schemeClr val="accent1">
+              <a:shade val="60000"/>
+              <a:hueOff val="0"/>
+              <a:satOff val="0"/>
+              <a:lumOff val="0"/>
+              <a:alphaOff val="0"/>
+            </a:schemeClr>
+          </a:solidFill>
+          <a:prstDash val="solid"/>
+        </a:ln>
+        <a:effectLst/>
+      </dsp:spPr>
+      <dsp:style>
+        <a:lnRef idx="2">
+          <a:scrgbClr r="0" g="0" b="0"/>
+        </a:lnRef>
+        <a:fillRef idx="0">
+          <a:scrgbClr r="0" g="0" b="0"/>
+        </a:fillRef>
+        <a:effectRef idx="0">
+          <a:scrgbClr r="0" g="0" b="0"/>
+        </a:effectRef>
+        <a:fontRef idx="minor"/>
+      </dsp:style>
+    </dsp:sp>
+    <dsp:sp modelId="{42C5E428-457C-4D2D-B9F7-8D88B989BAC4}">
+      <dsp:nvSpPr>
+        <dsp:cNvPr id="0" name=""/>
+        <dsp:cNvSpPr/>
+      </dsp:nvSpPr>
+      <dsp:spPr>
+        <a:xfrm>
+          <a:off x="221733" y="1022809"/>
+          <a:ext cx="1703405" cy="508716"/>
+        </a:xfrm>
+        <a:prstGeom prst="roundRect">
+          <a:avLst/>
+        </a:prstGeom>
+        <a:solidFill>
+          <a:schemeClr val="bg1">
+            <a:lumMod val="95000"/>
+          </a:schemeClr>
+        </a:solidFill>
+        <a:ln w="25400" cap="flat" cmpd="sng" algn="ctr">
+          <a:solidFill>
+            <a:srgbClr val="00B0F0"/>
+          </a:solidFill>
+          <a:prstDash val="solid"/>
+        </a:ln>
+        <a:effectLst/>
+      </dsp:spPr>
+      <dsp:style>
+        <a:lnRef idx="2">
+          <a:scrgbClr r="0" g="0" b="0"/>
+        </a:lnRef>
+        <a:fillRef idx="1">
+          <a:scrgbClr r="0" g="0" b="0"/>
+        </a:fillRef>
+        <a:effectRef idx="0">
+          <a:scrgbClr r="0" g="0" b="0"/>
+        </a:effectRef>
+        <a:fontRef idx="minor">
+          <a:schemeClr val="lt1"/>
+        </a:fontRef>
+      </dsp:style>
+      <dsp:txBody>
+        <a:bodyPr spcFirstLastPara="0" vert="horz" wrap="square" lIns="540000" tIns="35560" rIns="35560" bIns="35560" numCol="1" spcCol="1270" anchor="ctr" anchorCtr="0">
+          <a:noAutofit/>
+        </a:bodyPr>
+        <a:lstStyle/>
+        <a:p>
+          <a:pPr lvl="0" algn="ctr" defTabSz="622300">
+            <a:lnSpc>
+              <a:spcPct val="90000"/>
+            </a:lnSpc>
+            <a:spcBef>
+              <a:spcPct val="0"/>
+            </a:spcBef>
+            <a:spcAft>
+              <a:spcPct val="35000"/>
+            </a:spcAft>
+          </a:pPr>
+          <a:r>
+            <a:rPr lang="en-US" sz="1400" kern="1200" dirty="0" smtClean="0">
+              <a:solidFill>
+                <a:srgbClr val="00B0F0"/>
+              </a:solidFill>
+            </a:rPr>
+            <a:t>Traffic Manager</a:t>
+          </a:r>
+          <a:endParaRPr lang="ru-RU" sz="1400" kern="1200" dirty="0">
+            <a:solidFill>
+              <a:srgbClr val="00B0F0"/>
+            </a:solidFill>
+          </a:endParaRPr>
+        </a:p>
+      </dsp:txBody>
+      <dsp:txXfrm>
+        <a:off x="246566" y="1047642"/>
+        <a:ext cx="1653739" cy="459050"/>
+      </dsp:txXfrm>
+    </dsp:sp>
+    <dsp:sp modelId="{952B87BD-0B07-49BA-9E5C-A2E5FB19EB83}">
+      <dsp:nvSpPr>
+        <dsp:cNvPr id="0" name=""/>
+        <dsp:cNvSpPr/>
+      </dsp:nvSpPr>
+      <dsp:spPr>
+        <a:xfrm rot="13557237">
+          <a:off x="1550582" y="904662"/>
+          <a:ext cx="792234" cy="0"/>
+        </a:xfrm>
+        <a:custGeom>
+          <a:avLst/>
+          <a:gdLst/>
+          <a:ahLst/>
+          <a:cxnLst/>
+          <a:rect l="0" t="0" r="0" b="0"/>
+          <a:pathLst>
+            <a:path>
+              <a:moveTo>
+                <a:pt x="0" y="0"/>
+              </a:moveTo>
+              <a:lnTo>
+                <a:pt x="792234" y="0"/>
+              </a:lnTo>
+            </a:path>
+          </a:pathLst>
+        </a:custGeom>
+        <a:noFill/>
+        <a:ln w="25400" cap="flat" cmpd="sng" algn="ctr">
+          <a:solidFill>
+            <a:schemeClr val="accent1">
+              <a:shade val="60000"/>
+              <a:hueOff val="0"/>
+              <a:satOff val="0"/>
+              <a:lumOff val="0"/>
+              <a:alphaOff val="0"/>
+            </a:schemeClr>
+          </a:solidFill>
+          <a:prstDash val="solid"/>
+        </a:ln>
+        <a:effectLst/>
+      </dsp:spPr>
+      <dsp:style>
+        <a:lnRef idx="2">
+          <a:scrgbClr r="0" g="0" b="0"/>
+        </a:lnRef>
+        <a:fillRef idx="0">
+          <a:scrgbClr r="0" g="0" b="0"/>
+        </a:fillRef>
+        <a:effectRef idx="0">
+          <a:scrgbClr r="0" g="0" b="0"/>
+        </a:effectRef>
+        <a:fontRef idx="minor"/>
+      </dsp:style>
+    </dsp:sp>
+    <dsp:sp modelId="{A1DBB35B-359C-44C1-948D-F0C4AB873D98}">
+      <dsp:nvSpPr>
+        <dsp:cNvPr id="0" name=""/>
+        <dsp:cNvSpPr/>
+      </dsp:nvSpPr>
+      <dsp:spPr>
+        <a:xfrm>
+          <a:off x="573575" y="111224"/>
+          <a:ext cx="1703405" cy="508716"/>
+        </a:xfrm>
+        <a:prstGeom prst="roundRect">
+          <a:avLst/>
+        </a:prstGeom>
+        <a:solidFill>
+          <a:schemeClr val="bg1">
+            <a:lumMod val="95000"/>
+          </a:schemeClr>
+        </a:solidFill>
+        <a:ln w="25400" cap="flat" cmpd="sng" algn="ctr">
+          <a:solidFill>
+            <a:srgbClr val="00B0F0"/>
+          </a:solidFill>
+          <a:prstDash val="solid"/>
+        </a:ln>
+        <a:effectLst/>
+      </dsp:spPr>
+      <dsp:style>
+        <a:lnRef idx="2">
+          <a:scrgbClr r="0" g="0" b="0"/>
+        </a:lnRef>
+        <a:fillRef idx="1">
+          <a:scrgbClr r="0" g="0" b="0"/>
+        </a:fillRef>
+        <a:effectRef idx="0">
+          <a:scrgbClr r="0" g="0" b="0"/>
+        </a:effectRef>
+        <a:fontRef idx="minor">
+          <a:schemeClr val="lt1"/>
+        </a:fontRef>
+      </dsp:style>
+      <dsp:txBody>
+        <a:bodyPr spcFirstLastPara="0" vert="horz" wrap="square" lIns="540000" tIns="35560" rIns="35560" bIns="35560" numCol="1" spcCol="1270" anchor="ctr" anchorCtr="0">
+          <a:noAutofit/>
+        </a:bodyPr>
+        <a:lstStyle/>
+        <a:p>
+          <a:pPr lvl="0" algn="ctr" defTabSz="622300">
+            <a:lnSpc>
+              <a:spcPct val="90000"/>
+            </a:lnSpc>
+            <a:spcBef>
+              <a:spcPct val="0"/>
+            </a:spcBef>
+            <a:spcAft>
+              <a:spcPct val="35000"/>
+            </a:spcAft>
+          </a:pPr>
+          <a:r>
+            <a:rPr lang="en-US" sz="1400" kern="1200" smtClean="0">
+              <a:solidFill>
+                <a:srgbClr val="00B0F0"/>
+              </a:solidFill>
+            </a:rPr>
+            <a:t>Storage Blobs</a:t>
+          </a:r>
+          <a:endParaRPr lang="ru-RU" sz="1400" kern="1200" dirty="0">
+            <a:solidFill>
+              <a:srgbClr val="00B0F0"/>
+            </a:solidFill>
+          </a:endParaRPr>
+        </a:p>
+      </dsp:txBody>
+      <dsp:txXfrm>
+        <a:off x="598408" y="136057"/>
+        <a:ext cx="1653739" cy="459050"/>
       </dsp:txXfrm>
     </dsp:sp>
   </dsp:spTree>
@@ -8895,12 +8600,12 @@
 </file>
 
 <file path=ppt/diagrams/layout2.xml><?xml version="1.0" encoding="utf-8"?>
-<dgm:layoutDef xmlns:dgm="http://schemas.openxmlformats.org/drawingml/2006/diagram" xmlns:a="http://schemas.openxmlformats.org/drawingml/2006/main" uniqueId="urn:microsoft.com/office/officeart/2005/8/layout/radial1">
+<dgm:layoutDef xmlns:dgm="http://schemas.openxmlformats.org/drawingml/2006/diagram" xmlns:a="http://schemas.openxmlformats.org/drawingml/2006/main" uniqueId="urn:microsoft.com/office/officeart/2008/layout/RadialCluster">
   <dgm:title val=""/>
   <dgm:desc val=""/>
   <dgm:catLst>
-    <dgm:cat type="relationship" pri="22000"/>
-    <dgm:cat type="cycle" pri="10000"/>
+    <dgm:cat type="relationship" pri="19500"/>
+    <dgm:cat type="cycle" pri="15000"/>
   </dgm:catLst>
   <dgm:sampData>
     <dgm:dataModel>
@@ -8918,205 +8623,3055 @@
         <dgm:pt modelId="13">
           <dgm:prSet phldr="1"/>
         </dgm:pt>
-        <dgm:pt modelId="14">
-          <dgm:prSet phldr="1"/>
-        </dgm:pt>
       </dgm:ptLst>
       <dgm:cxnLst>
         <dgm:cxn modelId="2" srcId="0" destId="1" srcOrd="0" destOrd="0"/>
         <dgm:cxn modelId="3" srcId="1" destId="11" srcOrd="0" destOrd="0"/>
         <dgm:cxn modelId="4" srcId="1" destId="12" srcOrd="1" destOrd="0"/>
         <dgm:cxn modelId="5" srcId="1" destId="13" srcOrd="2" destOrd="0"/>
-        <dgm:cxn modelId="6" srcId="1" destId="14" srcOrd="3" destOrd="0"/>
       </dgm:cxnLst>
       <dgm:bg/>
       <dgm:whole/>
     </dgm:dataModel>
   </dgm:sampData>
-  <dgm:styleData>
+  <dgm:styleData useDef="1">
     <dgm:dataModel>
-      <dgm:ptLst>
-        <dgm:pt modelId="0" type="doc"/>
-        <dgm:pt modelId="1"/>
-        <dgm:pt modelId="11"/>
-        <dgm:pt modelId="12"/>
-        <dgm:pt modelId="13"/>
-      </dgm:ptLst>
-      <dgm:cxnLst>
-        <dgm:cxn modelId="2" srcId="0" destId="1" srcOrd="0" destOrd="0"/>
-        <dgm:cxn modelId="15" srcId="1" destId="11" srcOrd="0" destOrd="0"/>
-        <dgm:cxn modelId="16" srcId="1" destId="12" srcOrd="1" destOrd="0"/>
-        <dgm:cxn modelId="17" srcId="1" destId="13" srcOrd="2" destOrd="0"/>
-      </dgm:cxnLst>
+      <dgm:ptLst/>
       <dgm:bg/>
       <dgm:whole/>
     </dgm:dataModel>
   </dgm:styleData>
-  <dgm:clrData>
+  <dgm:clrData useDef="1">
     <dgm:dataModel>
-      <dgm:ptLst>
-        <dgm:pt modelId="0" type="doc"/>
-        <dgm:pt modelId="1"/>
-        <dgm:pt modelId="11"/>
-        <dgm:pt modelId="12"/>
-        <dgm:pt modelId="13"/>
-        <dgm:pt modelId="14"/>
-        <dgm:pt modelId="15"/>
-        <dgm:pt modelId="16"/>
-      </dgm:ptLst>
-      <dgm:cxnLst>
-        <dgm:cxn modelId="2" srcId="0" destId="1" srcOrd="0" destOrd="0"/>
-        <dgm:cxn modelId="16" srcId="1" destId="11" srcOrd="0" destOrd="0"/>
-        <dgm:cxn modelId="17" srcId="1" destId="12" srcOrd="1" destOrd="0"/>
-        <dgm:cxn modelId="18" srcId="1" destId="13" srcOrd="2" destOrd="0"/>
-        <dgm:cxn modelId="19" srcId="1" destId="14" srcOrd="3" destOrd="0"/>
-        <dgm:cxn modelId="20" srcId="1" destId="15" srcOrd="4" destOrd="0"/>
-        <dgm:cxn modelId="21" srcId="1" destId="16" srcOrd="5" destOrd="0"/>
-      </dgm:cxnLst>
+      <dgm:ptLst/>
       <dgm:bg/>
       <dgm:whole/>
     </dgm:dataModel>
   </dgm:clrData>
-  <dgm:layoutNode name="cycle">
+  <dgm:layoutNode name="Name0">
     <dgm:varLst>
       <dgm:chMax val="1"/>
+      <dgm:chPref val="1"/>
       <dgm:dir/>
-      <dgm:animLvl val="ctr"/>
-      <dgm:resizeHandles val="exact"/>
+      <dgm:animOne val="branch"/>
+      <dgm:animLvl val="lvl"/>
     </dgm:varLst>
-    <dgm:choose name="Name0">
-      <dgm:if name="Name1" func="var" arg="dir" op="equ" val="norm">
-        <dgm:choose name="Name2">
-          <dgm:if name="Name3" axis="ch ch" ptType="node node" st="1 1" cnt="1 0" func="cnt" op="lte" val="1">
-            <dgm:alg type="cycle">
-              <dgm:param type="stAng" val="90"/>
-              <dgm:param type="spanAng" val="360"/>
-              <dgm:param type="ctrShpMap" val="fNode"/>
-            </dgm:alg>
+    <dgm:alg type="composite">
+      <dgm:param type="ar" val="1.00"/>
+    </dgm:alg>
+    <dgm:shape xmlns:r="http://schemas.openxmlformats.org/officeDocument/2006/relationships" r:blip="">
+      <dgm:adjLst/>
+    </dgm:shape>
+    <dgm:choose name="Name1">
+      <dgm:if name="Name2" func="var" arg="dir" op="equ" val="norm">
+        <dgm:choose name="Name3">
+          <dgm:if name="Name4" axis="ch ch" ptType="node node" cnt="1 0" func="cnt" op="equ" val="1">
+            <dgm:constrLst>
+              <dgm:constr type="l" for="ch" forName="textCenter"/>
+              <dgm:constr type="ctrY" for="ch" forName="textCenter" refType="h" fact="0.5"/>
+              <dgm:constr type="w" for="ch" forName="textCenter" refType="w" fact="0.32"/>
+              <dgm:constr type="h" for="ch" forName="textCenter" refType="w" refFor="ch" refForName="textCenter"/>
+              <dgm:constr type="r" for="ch" forName="cycle_1" refType="w"/>
+              <dgm:constr type="ctrY" for="ch" forName="cycle_1" refType="h" fact="0.5"/>
+              <dgm:constr type="w" for="ch" forName="cycle_1" refType="w" fact="0.56"/>
+              <dgm:constr type="h" for="ch" forName="cycle_1" refType="h"/>
+              <dgm:constr type="primFontSz" for="ch" forName="textCenter" val="65"/>
+              <dgm:constr type="primFontSz" for="des" forName="childCenter1" val="65"/>
+              <dgm:constr type="primFontSz" for="des" forName="text1" op="equ" val="65"/>
+              <dgm:constr type="userS" for="des" ptType="node" refType="w" refFor="ch" refForName="textCenter" fact="0.67"/>
+            </dgm:constrLst>
           </dgm:if>
-          <dgm:else name="Name4">
-            <dgm:alg type="cycle">
-              <dgm:param type="stAng" val="0"/>
-              <dgm:param type="spanAng" val="360"/>
-              <dgm:param type="ctrShpMap" val="fNode"/>
-            </dgm:alg>
+          <dgm:if name="Name5" axis="ch ch" ptType="node node" cnt="1 0" func="cnt" op="equ" val="2">
+            <dgm:constrLst>
+              <dgm:constr type="ctrX" for="ch" forName="textCenter" refType="w" fact="0.5"/>
+              <dgm:constr type="ctrY" for="ch" forName="textCenter" refType="h" fact="0.5"/>
+              <dgm:constr type="w" for="ch" forName="textCenter" refType="w" fact="0.25"/>
+              <dgm:constr type="h" for="ch" forName="textCenter" refType="w" refFor="ch" refForName="textCenter"/>
+              <dgm:constr type="ctrX" for="ch" forName="cycle_1" refType="w" fact="0.5"/>
+              <dgm:constr type="t" for="ch" forName="cycle_1"/>
+              <dgm:constr type="w" for="ch" forName="cycle_1" refType="w"/>
+              <dgm:constr type="h" for="ch" forName="cycle_1" refType="h" fact="0.34"/>
+              <dgm:constr type="ctrX" for="ch" forName="cycle_2" refType="w" fact="0.5"/>
+              <dgm:constr type="b" for="ch" forName="cycle_2" refType="h"/>
+              <dgm:constr type="w" for="ch" forName="cycle_2" refType="w"/>
+              <dgm:constr type="h" for="ch" forName="cycle_2" refType="h" fact="0.34"/>
+              <dgm:constr type="primFontSz" for="ch" forName="textCenter" val="65"/>
+              <dgm:constr type="primFontSz" for="des" forName="childCenter1" val="65"/>
+              <dgm:constr type="primFontSz" for="des" forName="text1" op="equ" val="65"/>
+              <dgm:constr type="primFontSz" for="des" forName="childCenter2" refType="primFontSz" refFor="des" refForName="childCenter1" op="equ"/>
+              <dgm:constr type="primFontSz" for="des" forName="text2" refType="primFontSz" refFor="des" refForName="text1" op="equ"/>
+              <dgm:constr type="userS" for="des" ptType="node" refType="w" refFor="ch" refForName="textCenter" fact="0.67"/>
+            </dgm:constrLst>
+          </dgm:if>
+          <dgm:if name="Name6" axis="ch ch" ptType="node node" cnt="1 0" func="cnt" op="equ" val="3">
+            <dgm:choose name="Name7">
+              <dgm:if name="Name8" axis="ch ch ch" ptType="node node node" st="1 2 0" cnt="1 1 0" func="cnt" op="equ" val="1">
+                <dgm:choose name="Name9">
+                  <dgm:if name="Name10" axis="ch ch ch" ptType="node node node" st="1 3 0" cnt="1 1 0" func="cnt" op="equ" val="1">
+                    <dgm:constrLst>
+                      <dgm:constr type="ctrX" for="ch" forName="textCenter" refType="w" fact="0.5"/>
+                      <dgm:constr type="t" for="ch" forName="textCenter" refType="h" fact="0.436"/>
+                      <dgm:constr type="w" for="ch" forName="textCenter" refType="w" fact="0.21"/>
+                      <dgm:constr type="h" for="ch" forName="textCenter" refType="w" refFor="ch" refForName="textCenter"/>
+                      <dgm:constr type="ctrX" for="ch" forName="cycle_1" refType="w" fact="0.5"/>
+                      <dgm:constr type="t" for="ch" forName="cycle_1"/>
+                      <dgm:constr type="w" for="ch" forName="cycle_1" refType="w" fact="0.61"/>
+                      <dgm:constr type="h" for="ch" forName="cycle_1" refType="h" fact="0.36"/>
+                      <dgm:constr type="diam" for="ch" forName="cycle_1" refType="w" fact="0.5"/>
+                      <dgm:constr type="r" for="ch" forName="cycle_2" refType="w"/>
+                      <dgm:constr type="b" for="ch" forName="cycle_2" refType="h" fact="0.85"/>
+                      <dgm:constr type="w" for="ch" forName="cycle_2" refType="w" fact="0.46"/>
+                      <dgm:constr type="h" for="ch" forName="cycle_2" refType="h" fact="0.54"/>
+                      <dgm:constr type="diam" for="ch" forName="cycle_2" refType="w" fact="0.5"/>
+                      <dgm:constr type="l" for="ch" forName="cycle_3"/>
+                      <dgm:constr type="b" for="ch" forName="cycle_3" refType="h" fact="0.85"/>
+                      <dgm:constr type="w" for="ch" forName="cycle_3" refType="w" fact="0.46"/>
+                      <dgm:constr type="h" for="ch" forName="cycle_3" refType="h" fact="0.54"/>
+                      <dgm:constr type="diam" for="ch" forName="cycle_3" refType="w" fact="0.5"/>
+                      <dgm:constr type="primFontSz" for="ch" forName="textCenter" val="65"/>
+                      <dgm:constr type="primFontSz" for="des" forName="childCenter1" val="65"/>
+                      <dgm:constr type="primFontSz" for="des" forName="text1" op="equ" val="65"/>
+                      <dgm:constr type="primFontSz" for="des" forName="childCenter2" refType="primFontSz" refFor="des" refForName="childCenter1" op="equ"/>
+                      <dgm:constr type="primFontSz" for="des" forName="text2" refType="primFontSz" refFor="des" refForName="text1" op="equ"/>
+                      <dgm:constr type="primFontSz" for="des" forName="childCenter3" refType="primFontSz" refFor="des" refForName="childCenter1" op="equ"/>
+                      <dgm:constr type="primFontSz" for="des" forName="text3" refType="primFontSz" refFor="des" refForName="text1" op="equ"/>
+                      <dgm:constr type="userS" for="des" ptType="node" refType="w" refFor="ch" refForName="textCenter" fact="0.67"/>
+                    </dgm:constrLst>
+                  </dgm:if>
+                  <dgm:else name="Name11">
+                    <dgm:constrLst>
+                      <dgm:constr type="ctrX" for="ch" forName="textCenter" refType="w" fact="0.5"/>
+                      <dgm:constr type="t" for="ch" forName="textCenter" refType="h" fact="0.436"/>
+                      <dgm:constr type="w" for="ch" forName="textCenter" refType="w" fact="0.21"/>
+                      <dgm:constr type="h" for="ch" forName="textCenter" refType="w" refFor="ch" refForName="textCenter"/>
+                      <dgm:constr type="ctrX" for="ch" forName="cycle_1" refType="w" fact="0.5"/>
+                      <dgm:constr type="t" for="ch" forName="cycle_1"/>
+                      <dgm:constr type="w" for="ch" forName="cycle_1" refType="w" fact="0.61"/>
+                      <dgm:constr type="h" for="ch" forName="cycle_1" refType="h" fact="0.36"/>
+                      <dgm:constr type="diam" for="ch" forName="cycle_1" refType="w" fact="0.5"/>
+                      <dgm:constr type="r" for="ch" forName="cycle_2" refType="w"/>
+                      <dgm:constr type="b" for="ch" forName="cycle_2" refType="h" fact="0.85"/>
+                      <dgm:constr type="w" for="ch" forName="cycle_2" refType="w" fact="0.46"/>
+                      <dgm:constr type="h" for="ch" forName="cycle_2" refType="h" fact="0.54"/>
+                      <dgm:constr type="diam" for="ch" forName="cycle_2" refType="w" fact="0.5"/>
+                      <dgm:constr type="l" for="ch" forName="cycle_3"/>
+                      <dgm:constr type="b" for="ch" forName="cycle_3" refType="h"/>
+                      <dgm:constr type="w" for="ch" forName="cycle_3" refType="w" fact="0.46"/>
+                      <dgm:constr type="h" for="ch" forName="cycle_3" refType="h" fact="0.54"/>
+                      <dgm:constr type="diam" for="ch" forName="cycle_3" refType="w" fact="0.5"/>
+                      <dgm:constr type="primFontSz" for="ch" forName="textCenter" val="65"/>
+                      <dgm:constr type="primFontSz" for="des" forName="childCenter1" val="65"/>
+                      <dgm:constr type="primFontSz" for="des" forName="text1" op="equ" val="65"/>
+                      <dgm:constr type="primFontSz" for="des" forName="childCenter2" refType="primFontSz" refFor="des" refForName="childCenter1" op="equ"/>
+                      <dgm:constr type="primFontSz" for="des" forName="text2" refType="primFontSz" refFor="des" refForName="text1" op="equ"/>
+                      <dgm:constr type="primFontSz" for="des" forName="childCenter3" refType="primFontSz" refFor="des" refForName="childCenter1" op="equ"/>
+                      <dgm:constr type="primFontSz" for="des" forName="text3" refType="primFontSz" refFor="des" refForName="text1" op="equ"/>
+                      <dgm:constr type="userS" for="des" ptType="node" refType="w" refFor="ch" refForName="textCenter" fact="0.67"/>
+                    </dgm:constrLst>
+                  </dgm:else>
+                </dgm:choose>
+              </dgm:if>
+              <dgm:else name="Name12">
+                <dgm:choose name="Name13">
+                  <dgm:if name="Name14" axis="ch ch ch" ptType="node node node" st="1 3 0" cnt="1 1 0" func="cnt" op="equ" val="1">
+                    <dgm:constrLst>
+                      <dgm:constr type="ctrX" for="ch" forName="textCenter" refType="w" fact="0.5"/>
+                      <dgm:constr type="t" for="ch" forName="textCenter" refType="h" fact="0.436"/>
+                      <dgm:constr type="w" for="ch" forName="textCenter" refType="w" fact="0.21"/>
+                      <dgm:constr type="h" for="ch" forName="textCenter" refType="w" refFor="ch" refForName="textCenter"/>
+                      <dgm:constr type="ctrX" for="ch" forName="cycle_1" refType="w" fact="0.5"/>
+                      <dgm:constr type="t" for="ch" forName="cycle_1"/>
+                      <dgm:constr type="w" for="ch" forName="cycle_1" refType="w" fact="0.61"/>
+                      <dgm:constr type="h" for="ch" forName="cycle_1" refType="h" fact="0.36"/>
+                      <dgm:constr type="diam" for="ch" forName="cycle_1" refType="w" fact="0.5"/>
+                      <dgm:constr type="r" for="ch" forName="cycle_2" refType="w"/>
+                      <dgm:constr type="b" for="ch" forName="cycle_2" refType="h"/>
+                      <dgm:constr type="w" for="ch" forName="cycle_2" refType="w" fact="0.46"/>
+                      <dgm:constr type="h" for="ch" forName="cycle_2" refType="h" fact="0.54"/>
+                      <dgm:constr type="diam" for="ch" forName="cycle_2" refType="w" fact="0.5"/>
+                      <dgm:constr type="l" for="ch" forName="cycle_3"/>
+                      <dgm:constr type="b" for="ch" forName="cycle_3" refType="h" fact="0.85"/>
+                      <dgm:constr type="w" for="ch" forName="cycle_3" refType="w" fact="0.46"/>
+                      <dgm:constr type="h" for="ch" forName="cycle_3" refType="h" fact="0.54"/>
+                      <dgm:constr type="diam" for="ch" forName="cycle_3" refType="w" fact="0.5"/>
+                      <dgm:constr type="primFontSz" for="ch" forName="textCenter" val="65"/>
+                      <dgm:constr type="primFontSz" for="des" forName="childCenter1" val="65"/>
+                      <dgm:constr type="primFontSz" for="des" forName="text1" op="equ" val="65"/>
+                      <dgm:constr type="primFontSz" for="des" forName="childCenter2" refType="primFontSz" refFor="des" refForName="childCenter1" op="equ"/>
+                      <dgm:constr type="primFontSz" for="des" forName="text2" refType="primFontSz" refFor="des" refForName="text1" op="equ"/>
+                      <dgm:constr type="primFontSz" for="des" forName="childCenter3" refType="primFontSz" refFor="des" refForName="childCenter1" op="equ"/>
+                      <dgm:constr type="primFontSz" for="des" forName="text3" refType="primFontSz" refFor="des" refForName="text1" op="equ"/>
+                      <dgm:constr type="userS" for="des" ptType="node" refType="w" refFor="ch" refForName="textCenter" fact="0.67"/>
+                    </dgm:constrLst>
+                  </dgm:if>
+                  <dgm:else name="Name15">
+                    <dgm:constrLst>
+                      <dgm:constr type="ctrX" for="ch" forName="textCenter" refType="w" fact="0.5"/>
+                      <dgm:constr type="t" for="ch" forName="textCenter" refType="h" fact="0.436"/>
+                      <dgm:constr type="w" for="ch" forName="textCenter" refType="w" fact="0.21"/>
+                      <dgm:constr type="h" for="ch" forName="textCenter" refType="w" refFor="ch" refForName="textCenter"/>
+                      <dgm:constr type="ctrX" for="ch" forName="cycle_1" refType="w" fact="0.5"/>
+                      <dgm:constr type="t" for="ch" forName="cycle_1"/>
+                      <dgm:constr type="w" for="ch" forName="cycle_1" refType="w" fact="0.61"/>
+                      <dgm:constr type="h" for="ch" forName="cycle_1" refType="h" fact="0.36"/>
+                      <dgm:constr type="diam" for="ch" forName="cycle_1" refType="w" fact="0.5"/>
+                      <dgm:constr type="r" for="ch" forName="cycle_2" refType="w"/>
+                      <dgm:constr type="b" for="ch" forName="cycle_2" refType="h"/>
+                      <dgm:constr type="w" for="ch" forName="cycle_2" refType="w" fact="0.46"/>
+                      <dgm:constr type="h" for="ch" forName="cycle_2" refType="h" fact="0.54"/>
+                      <dgm:constr type="diam" for="ch" forName="cycle_2" refType="w" fact="0.5"/>
+                      <dgm:constr type="l" for="ch" forName="cycle_3"/>
+                      <dgm:constr type="b" for="ch" forName="cycle_3" refType="h"/>
+                      <dgm:constr type="w" for="ch" forName="cycle_3" refType="w" fact="0.46"/>
+                      <dgm:constr type="h" for="ch" forName="cycle_3" refType="h" fact="0.54"/>
+                      <dgm:constr type="diam" for="ch" forName="cycle_3" refType="w" fact="0.5"/>
+                      <dgm:constr type="primFontSz" for="ch" forName="textCenter" val="65"/>
+                      <dgm:constr type="primFontSz" for="des" forName="childCenter1" val="65"/>
+                      <dgm:constr type="primFontSz" for="des" forName="text1" op="equ" val="65"/>
+                      <dgm:constr type="primFontSz" for="des" forName="childCenter2" refType="primFontSz" refFor="des" refForName="childCenter1" op="equ"/>
+                      <dgm:constr type="primFontSz" for="des" forName="text2" refType="primFontSz" refFor="des" refForName="text1" op="equ"/>
+                      <dgm:constr type="primFontSz" for="des" forName="childCenter3" refType="primFontSz" refFor="des" refForName="childCenter1" op="equ"/>
+                      <dgm:constr type="primFontSz" for="des" forName="text3" refType="primFontSz" refFor="des" refForName="text1" op="equ"/>
+                      <dgm:constr type="userS" for="des" ptType="node" refType="w" refFor="ch" refForName="textCenter" fact="0.67"/>
+                    </dgm:constrLst>
+                  </dgm:else>
+                </dgm:choose>
+              </dgm:else>
+            </dgm:choose>
+          </dgm:if>
+          <dgm:if name="Name16" axis="ch ch" ptType="node node" cnt="1 0" func="cnt" op="equ" val="4">
+            <dgm:constrLst>
+              <dgm:constr type="ctrX" for="ch" forName="textCenter" refType="w" fact="0.5"/>
+              <dgm:constr type="ctrY" for="ch" forName="textCenter" refType="h" fact="0.5"/>
+              <dgm:constr type="w" for="ch" forName="textCenter" refType="w" fact="0.2"/>
+              <dgm:constr type="h" for="ch" forName="textCenter" refType="w" refFor="ch" refForName="textCenter"/>
+              <dgm:constr type="ctrX" for="ch" forName="cycle_1" refType="w" fact="0.5"/>
+              <dgm:constr type="t" for="ch" forName="cycle_1"/>
+              <dgm:constr type="w" for="ch" forName="cycle_1" refType="w" fact="0.5"/>
+              <dgm:constr type="h" for="ch" forName="cycle_1" refType="h" fact="0.33"/>
+              <dgm:constr type="r" for="ch" forName="cycle_2" refType="w"/>
+              <dgm:constr type="ctrY" for="ch" forName="cycle_2" refType="h" fact="0.5"/>
+              <dgm:constr type="w" for="ch" forName="cycle_2" refType="w" fact="0.33"/>
+              <dgm:constr type="h" for="ch" forName="cycle_2" refType="h" fact="0.5"/>
+              <dgm:constr type="ctrX" for="ch" forName="cycle_3" refType="w" fact="0.5"/>
+              <dgm:constr type="b" for="ch" forName="cycle_3" refType="h"/>
+              <dgm:constr type="w" for="ch" forName="cycle_3" refType="w" fact="0.5"/>
+              <dgm:constr type="h" for="ch" forName="cycle_3" refType="h" fact="0.33"/>
+              <dgm:constr type="l" for="ch" forName="cycle_4"/>
+              <dgm:constr type="ctrY" for="ch" forName="cycle_4" refType="h" fact="0.5"/>
+              <dgm:constr type="w" for="ch" forName="cycle_4" refType="w" fact="0.33"/>
+              <dgm:constr type="h" for="ch" forName="cycle_4" refType="h" fact="0.5"/>
+              <dgm:constr type="primFontSz" for="ch" forName="textCenter" val="65"/>
+              <dgm:constr type="primFontSz" for="des" forName="childCenter1" val="65"/>
+              <dgm:constr type="primFontSz" for="des" forName="text1" op="equ" val="65"/>
+              <dgm:constr type="primFontSz" for="des" forName="childCenter2" refType="primFontSz" refFor="des" refForName="childCenter1" op="equ"/>
+              <dgm:constr type="primFontSz" for="des" forName="text2" refType="primFontSz" refFor="des" refForName="text1" op="equ"/>
+              <dgm:constr type="primFontSz" for="des" forName="childCenter3" refType="primFontSz" refFor="des" refForName="childCenter1" op="equ"/>
+              <dgm:constr type="primFontSz" for="des" forName="text3" refType="primFontSz" refFor="des" refForName="text1" op="equ"/>
+              <dgm:constr type="primFontSz" for="des" forName="childCenter4" refType="primFontSz" refFor="des" refForName="childCenter1" op="equ"/>
+              <dgm:constr type="primFontSz" for="des" forName="text4" refType="primFontSz" refFor="des" refForName="text1" op="equ"/>
+              <dgm:constr type="userS" for="des" ptType="node" refType="w" refFor="ch" refForName="textCenter" fact="0.67"/>
+            </dgm:constrLst>
+          </dgm:if>
+          <dgm:if name="Name17" axis="ch ch" ptType="node node" cnt="1 0" func="cnt" op="equ" val="5">
+            <dgm:constrLst>
+              <dgm:constr type="ctrX" for="ch" forName="textCenter" refType="w" fact="0.5"/>
+              <dgm:constr type="t" for="ch" forName="textCenter" refType="h" fact="0.42"/>
+              <dgm:constr type="w" for="ch" forName="textCenter" refType="w" fact="0.2"/>
+              <dgm:constr type="h" for="ch" forName="textCenter" refType="w" refFor="ch" refForName="textCenter"/>
+              <dgm:constr type="ctrX" for="ch" forName="cycle_1" refType="w" fact="0.5"/>
+              <dgm:constr type="t" for="ch" forName="cycle_1"/>
+              <dgm:constr type="w" for="ch" forName="cycle_1" refType="w" fact="0.33"/>
+              <dgm:constr type="h" for="ch" forName="cycle_1" refType="w" refFor="ch" refForName="cycle_1"/>
+              <dgm:constr type="r" for="ch" forName="cycle_2" refType="w"/>
+              <dgm:constr type="t" for="ch" forName="cycle_2" refType="h" fact="0.24"/>
+              <dgm:constr type="w" for="ch" forName="cycle_2" refType="w" fact="0.33"/>
+              <dgm:constr type="h" for="ch" forName="cycle_2" refType="w" refFor="ch" refForName="cycle_2"/>
+              <dgm:constr type="r" for="ch" forName="cycle_3" refType="w" fact="0.89"/>
+              <dgm:constr type="b" for="ch" forName="cycle_3" refType="h"/>
+              <dgm:constr type="w" for="ch" forName="cycle_3" refType="w" fact="0.33"/>
+              <dgm:constr type="h" for="ch" forName="cycle_3" refType="w" refFor="ch" refForName="cycle_3"/>
+              <dgm:constr type="l" for="ch" forName="cycle_4" refType="w" fact="0.11"/>
+              <dgm:constr type="b" for="ch" forName="cycle_4" refType="h"/>
+              <dgm:constr type="w" for="ch" forName="cycle_4" refType="w" fact="0.33"/>
+              <dgm:constr type="h" for="ch" forName="cycle_4" refType="w" refFor="ch" refForName="cycle_4"/>
+              <dgm:constr type="l" for="ch" forName="cycle_5"/>
+              <dgm:constr type="t" for="ch" forName="cycle_5" refType="h" fact="0.24"/>
+              <dgm:constr type="w" for="ch" forName="cycle_5" refType="w" fact="0.33"/>
+              <dgm:constr type="h" for="ch" forName="cycle_5" refType="w" refFor="ch" refForName="cycle_5"/>
+              <dgm:constr type="primFontSz" for="ch" forName="textCenter" val="65"/>
+              <dgm:constr type="primFontSz" for="des" forName="childCenter1" val="65"/>
+              <dgm:constr type="primFontSz" for="des" forName="text1" op="equ" val="65"/>
+              <dgm:constr type="primFontSz" for="des" forName="childCenter2" refType="primFontSz" refFor="des" refForName="childCenter1" op="equ"/>
+              <dgm:constr type="primFontSz" for="des" forName="text2" refType="primFontSz" refFor="des" refForName="text1" op="equ"/>
+              <dgm:constr type="primFontSz" for="des" forName="childCenter3" refType="primFontSz" refFor="des" refForName="childCenter1" op="equ"/>
+              <dgm:constr type="primFontSz" for="des" forName="text3" refType="primFontSz" refFor="des" refForName="text1" op="equ"/>
+              <dgm:constr type="primFontSz" for="des" forName="childCenter4" refType="primFontSz" refFor="des" refForName="childCenter1" op="equ"/>
+              <dgm:constr type="primFontSz" for="des" forName="text4" refType="primFontSz" refFor="des" refForName="text1" op="equ"/>
+              <dgm:constr type="primFontSz" for="des" forName="childCenter5" refType="primFontSz" refFor="des" refForName="childCenter1" op="equ"/>
+              <dgm:constr type="primFontSz" for="des" forName="text5" refType="primFontSz" refFor="des" refForName="text1" op="equ"/>
+              <dgm:constr type="userS" for="des" ptType="node" refType="w" refFor="ch" refForName="textCenter" fact="0.67"/>
+            </dgm:constrLst>
+          </dgm:if>
+          <dgm:if name="Name18" axis="ch ch" ptType="node node" cnt="1 0" func="cnt" op="equ" val="6">
+            <dgm:constrLst>
+              <dgm:constr type="ctrX" for="ch" forName="textCenter" refType="w" fact="0.5"/>
+              <dgm:constr type="ctrY" for="ch" forName="textCenter" refType="h" fact="0.5"/>
+              <dgm:constr type="w" for="ch" forName="textCenter" refType="w" fact="0.2"/>
+              <dgm:constr type="h" for="ch" forName="textCenter" refType="w" refFor="ch" refForName="textCenter"/>
+              <dgm:constr type="ctrX" for="ch" forName="cycle_1" refType="w" fact="0.5"/>
+              <dgm:constr type="t" for="ch" forName="cycle_1"/>
+              <dgm:constr type="w" for="ch" forName="cycle_1" refType="w" fact="0.33"/>
+              <dgm:constr type="h" for="ch" forName="cycle_1" refType="w" refFor="ch" refForName="cycle_1"/>
+              <dgm:constr type="r" for="ch" forName="cycle_2" refType="w"/>
+              <dgm:constr type="t" for="ch" forName="cycle_2" refType="h" fact="0.17"/>
+              <dgm:constr type="w" for="ch" forName="cycle_2" refType="w" fact="0.33"/>
+              <dgm:constr type="h" for="ch" forName="cycle_2" refType="w" refFor="ch" refForName="cycle_2"/>
+              <dgm:constr type="r" for="ch" forName="cycle_3" refType="w"/>
+              <dgm:constr type="b" for="ch" forName="cycle_3" refType="h" fact="0.83"/>
+              <dgm:constr type="w" for="ch" forName="cycle_3" refType="w" fact="0.33"/>
+              <dgm:constr type="h" for="ch" forName="cycle_3" refType="w" refFor="ch" refForName="cycle_3"/>
+              <dgm:constr type="ctrX" for="ch" forName="cycle_4" refType="w" fact="0.5"/>
+              <dgm:constr type="b" for="ch" forName="cycle_4" refType="h"/>
+              <dgm:constr type="w" for="ch" forName="cycle_4" refType="w" fact="0.33"/>
+              <dgm:constr type="h" for="ch" forName="cycle_4" refType="w" refFor="ch" refForName="cycle_4"/>
+              <dgm:constr type="l" for="ch" forName="cycle_5"/>
+              <dgm:constr type="b" for="ch" forName="cycle_5" refType="h" fact="0.83"/>
+              <dgm:constr type="w" for="ch" forName="cycle_5" refType="w" fact="0.33"/>
+              <dgm:constr type="h" for="ch" forName="cycle_5" refType="w" refFor="ch" refForName="cycle_5"/>
+              <dgm:constr type="l" for="ch" forName="cycle_6"/>
+              <dgm:constr type="t" for="ch" forName="cycle_6" refType="h" fact="0.17"/>
+              <dgm:constr type="w" for="ch" forName="cycle_6" refType="w" fact="0.33"/>
+              <dgm:constr type="h" for="ch" forName="cycle_6" refType="w" refFor="ch" refForName="cycle_6"/>
+              <dgm:constr type="primFontSz" for="ch" forName="textCenter" val="65"/>
+              <dgm:constr type="primFontSz" for="des" forName="childCenter1" val="65"/>
+              <dgm:constr type="primFontSz" for="des" forName="text1" op="equ" val="65"/>
+              <dgm:constr type="primFontSz" for="des" forName="childCenter2" refType="primFontSz" refFor="des" refForName="childCenter1" op="equ"/>
+              <dgm:constr type="primFontSz" for="des" forName="text2" refType="primFontSz" refFor="des" refForName="text1" op="equ"/>
+              <dgm:constr type="primFontSz" for="des" forName="childCenter3" refType="primFontSz" refFor="des" refForName="childCenter1" op="equ"/>
+              <dgm:constr type="primFontSz" for="des" forName="text3" refType="primFontSz" refFor="des" refForName="text1" op="equ"/>
+              <dgm:constr type="primFontSz" for="des" forName="childCenter4" refType="primFontSz" refFor="des" refForName="childCenter1" op="equ"/>
+              <dgm:constr type="primFontSz" for="des" forName="text4" refType="primFontSz" refFor="des" refForName="text1" op="equ"/>
+              <dgm:constr type="primFontSz" for="des" forName="childCenter5" refType="primFontSz" refFor="des" refForName="childCenter1" op="equ"/>
+              <dgm:constr type="primFontSz" for="des" forName="text5" refType="primFontSz" refFor="des" refForName="text1" op="equ"/>
+              <dgm:constr type="primFontSz" for="des" forName="childCenter6" refType="primFontSz" refFor="des" refForName="childCenter1" op="equ"/>
+              <dgm:constr type="primFontSz" for="des" forName="text6" refType="primFontSz" refFor="des" refForName="text1" op="equ"/>
+              <dgm:constr type="userS" for="des" ptType="node" refType="w" refFor="ch" refForName="textCenter" fact="0.67"/>
+            </dgm:constrLst>
+          </dgm:if>
+          <dgm:else name="Name19">
+            <dgm:constrLst>
+              <dgm:constr type="ctrX" for="ch" forName="textCenter" refType="w" fact="0.5"/>
+              <dgm:constr type="t" for="ch" forName="textCenter" refType="h" fact="0.444"/>
+              <dgm:constr type="w" for="ch" forName="textCenter" refType="w" fact="0.167"/>
+              <dgm:constr type="h" for="ch" forName="textCenter" refType="w" refFor="ch" refForName="textCenter"/>
+              <dgm:constr type="ctrX" for="ch" forName="cycle_1" refType="w" fact="0.5"/>
+              <dgm:constr type="t" for="ch" forName="cycle_1"/>
+              <dgm:constr type="w" for="ch" forName="cycle_1" refType="w" fact="0.263"/>
+              <dgm:constr type="h" for="ch" forName="cycle_1" refType="w" refFor="ch" refForName="cycle_1"/>
+              <dgm:constr type="r" for="ch" forName="cycle_2" refType="w" fact="0.938"/>
+              <dgm:constr type="t" for="ch" forName="cycle_2" refType="h" fact="0.141"/>
+              <dgm:constr type="w" for="ch" forName="cycle_2" refType="w" fact="0.263"/>
+              <dgm:constr type="h" for="ch" forName="cycle_2" refType="w" refFor="ch" refForName="cycle_2"/>
+              <dgm:constr type="r" for="ch" forName="cycle_3" refType="w"/>
+              <dgm:constr type="b" for="ch" forName="cycle_3" refType="h" fact="0.74"/>
+              <dgm:constr type="w" for="ch" forName="cycle_3" refType="w" fact="0.263"/>
+              <dgm:constr type="h" for="ch" forName="cycle_3" refType="w" refFor="ch" refForName="cycle_3"/>
+              <dgm:constr type="r" for="ch" forName="cycle_4" refType="w" fact="0.8"/>
+              <dgm:constr type="b" for="ch" forName="cycle_4" refType="h"/>
+              <dgm:constr type="w" for="ch" forName="cycle_4" refType="w" fact="0.263"/>
+              <dgm:constr type="h" for="ch" forName="cycle_4" refType="w" refFor="ch" refForName="cycle_4"/>
+              <dgm:constr type="l" for="ch" forName="cycle_5" refType="w" fact="0.2"/>
+              <dgm:constr type="b" for="ch" forName="cycle_5" refType="h"/>
+              <dgm:constr type="w" for="ch" forName="cycle_5" refType="w" fact="0.263"/>
+              <dgm:constr type="h" for="ch" forName="cycle_5" refType="w" refFor="ch" refForName="cycle_5"/>
+              <dgm:constr type="l" for="ch" forName="cycle_6"/>
+              <dgm:constr type="b" for="ch" forName="cycle_6" refType="h" fact="0.74"/>
+              <dgm:constr type="w" for="ch" forName="cycle_6" refType="w" fact="0.263"/>
+              <dgm:constr type="h" for="ch" forName="cycle_6" refType="w" refFor="ch" refForName="cycle_6"/>
+              <dgm:constr type="l" for="ch" forName="cycle_7" refType="w" fact="0.062"/>
+              <dgm:constr type="t" for="ch" forName="cycle_7" refType="h" fact="0.141"/>
+              <dgm:constr type="w" for="ch" forName="cycle_7" refType="w" fact="0.263"/>
+              <dgm:constr type="h" for="ch" forName="cycle_7" refType="w" refFor="ch" refForName="cycle_7"/>
+              <dgm:constr type="primFontSz" for="ch" forName="textCenter" val="65"/>
+              <dgm:constr type="primFontSz" for="des" forName="childCenter1" val="65"/>
+              <dgm:constr type="primFontSz" for="des" forName="text1" op="equ" val="65"/>
+              <dgm:constr type="primFontSz" for="des" forName="childCenter2" refType="primFontSz" refFor="des" refForName="childCenter1" op="equ"/>
+              <dgm:constr type="primFontSz" for="des" forName="text2" refType="primFontSz" refFor="des" refForName="text1" op="equ"/>
+              <dgm:constr type="primFontSz" for="des" forName="childCenter3" refType="primFontSz" refFor="des" refForName="childCenter1" op="equ"/>
+              <dgm:constr type="primFontSz" for="des" forName="text3" refType="primFontSz" refFor="des" refForName="text1" op="equ"/>
+              <dgm:constr type="primFontSz" for="des" forName="childCenter4" refType="primFontSz" refFor="des" refForName="childCenter1" op="equ"/>
+              <dgm:constr type="primFontSz" for="des" forName="text4" refType="primFontSz" refFor="des" refForName="text1" op="equ"/>
+              <dgm:constr type="primFontSz" for="des" forName="childCenter5" refType="primFontSz" refFor="des" refForName="childCenter1" op="equ"/>
+              <dgm:constr type="primFontSz" for="des" forName="text5" refType="primFontSz" refFor="des" refForName="text1" op="equ"/>
+              <dgm:constr type="primFontSz" for="des" forName="childCenter6" refType="primFontSz" refFor="des" refForName="childCenter1" op="equ"/>
+              <dgm:constr type="primFontSz" for="des" forName="text6" refType="primFontSz" refFor="des" refForName="text1" op="equ"/>
+              <dgm:constr type="primFontSz" for="des" forName="childCenter7" refType="primFontSz" refFor="des" refForName="childCenter1" op="equ"/>
+              <dgm:constr type="primFontSz" for="des" forName="text7" refType="primFontSz" refFor="des" refForName="text1" op="equ"/>
+              <dgm:constr type="userS" for="des" ptType="node" refType="w" refFor="ch" refForName="textCenter" fact="0.67"/>
+            </dgm:constrLst>
           </dgm:else>
         </dgm:choose>
       </dgm:if>
-      <dgm:else name="Name5">
-        <dgm:alg type="cycle">
-          <dgm:param type="stAng" val="0"/>
-          <dgm:param type="spanAng" val="-360"/>
-          <dgm:param type="ctrShpMap" val="fNode"/>
-        </dgm:alg>
+      <dgm:else name="Name20">
+        <dgm:choose name="Name21">
+          <dgm:if name="Name22" axis="ch ch" ptType="node node" func="cnt" op="equ" val="1">
+            <dgm:constrLst>
+              <dgm:constr type="r" for="ch" forName="textCenter" refType="w"/>
+              <dgm:constr type="ctrY" for="ch" forName="textCenter" refType="h" fact="0.5"/>
+              <dgm:constr type="w" for="ch" forName="textCenter" refType="w" fact="0.32"/>
+              <dgm:constr type="h" for="ch" forName="textCenter" refType="w" refFor="ch" refForName="textCenter"/>
+              <dgm:constr type="l" for="ch" forName="cycle_1"/>
+              <dgm:constr type="ctrY" for="ch" forName="cycle_1" refType="h" fact="0.5"/>
+              <dgm:constr type="w" for="ch" forName="cycle_1" refType="w" fact="0.56"/>
+              <dgm:constr type="h" for="ch" forName="cycle_1" refType="h"/>
+              <dgm:constr type="primFontSz" for="ch" forName="textCenter" val="65"/>
+              <dgm:constr type="primFontSz" for="des" forName="childCenter1" val="65"/>
+              <dgm:constr type="primFontSz" for="des" forName="text1" op="equ" val="65"/>
+              <dgm:constr type="userS" for="des" ptType="node" refType="w" refFor="ch" refForName="textCenter" fact="0.67"/>
+            </dgm:constrLst>
+          </dgm:if>
+          <dgm:if name="Name23" axis="ch ch" ptType="node node" func="cnt" op="equ" val="2">
+            <dgm:constrLst>
+              <dgm:constr type="ctrX" for="ch" forName="textCenter" refType="w" fact="0.5"/>
+              <dgm:constr type="ctrY" for="ch" forName="textCenter" refType="h" fact="0.5"/>
+              <dgm:constr type="w" for="ch" forName="textCenter" refType="w" fact="0.25"/>
+              <dgm:constr type="h" for="ch" forName="textCenter" refType="w" refFor="ch" refForName="textCenter"/>
+              <dgm:constr type="ctrX" for="ch" forName="cycle_1" refType="w" fact="0.5"/>
+              <dgm:constr type="t" for="ch" forName="cycle_1"/>
+              <dgm:constr type="w" for="ch" forName="cycle_1" refType="w"/>
+              <dgm:constr type="h" for="ch" forName="cycle_1" refType="h" fact="0.34"/>
+              <dgm:constr type="ctrX" for="ch" forName="cycle_2" refType="w" fact="0.5"/>
+              <dgm:constr type="b" for="ch" forName="cycle_2" refType="h"/>
+              <dgm:constr type="w" for="ch" forName="cycle_2" refType="w"/>
+              <dgm:constr type="h" for="ch" forName="cycle_2" refType="h" fact="0.34"/>
+              <dgm:constr type="primFontSz" for="ch" forName="textCenter" val="65"/>
+              <dgm:constr type="primFontSz" for="des" forName="childCenter1" val="65"/>
+              <dgm:constr type="primFontSz" for="des" forName="text1" op="equ" val="65"/>
+              <dgm:constr type="primFontSz" for="des" forName="childCenter2" refType="primFontSz" refFor="des" refForName="childCenter1" op="equ"/>
+              <dgm:constr type="primFontSz" for="des" forName="text2" refType="primFontSz" refFor="des" refForName="text1" op="equ"/>
+              <dgm:constr type="userS" for="des" ptType="node" refType="w" refFor="ch" refForName="textCenter" fact="0.67"/>
+            </dgm:constrLst>
+          </dgm:if>
+          <dgm:if name="Name24" axis="ch ch" ptType="node node" func="cnt" op="equ" val="3">
+            <dgm:choose name="Name25">
+              <dgm:if name="Name26" axis="ch ch ch" ptType="node node node" st="1 2 0" cnt="1 1 0" func="cnt" op="equ" val="1">
+                <dgm:choose name="Name27">
+                  <dgm:if name="Name28" axis="ch ch ch" ptType="node node node" st="1 3 0" cnt="1 1 0" func="cnt" op="equ" val="1">
+                    <dgm:constrLst>
+                      <dgm:constr type="ctrX" for="ch" forName="textCenter" refType="w" fact="0.5"/>
+                      <dgm:constr type="t" for="ch" forName="textCenter" refType="h" fact="0.436"/>
+                      <dgm:constr type="w" for="ch" forName="textCenter" refType="w" fact="0.21"/>
+                      <dgm:constr type="h" for="ch" forName="textCenter" refType="w" refFor="ch" refForName="textCenter"/>
+                      <dgm:constr type="ctrX" for="ch" forName="cycle_1" refType="w" fact="0.5"/>
+                      <dgm:constr type="t" for="ch" forName="cycle_1"/>
+                      <dgm:constr type="w" for="ch" forName="cycle_1" refType="w" fact="0.61"/>
+                      <dgm:constr type="h" for="ch" forName="cycle_1" refType="h" fact="0.36"/>
+                      <dgm:constr type="diam" for="ch" forName="cycle_1" refType="w" fact="0.5"/>
+                      <dgm:constr type="l" for="ch" forName="cycle_2"/>
+                      <dgm:constr type="b" for="ch" forName="cycle_2" refType="h" fact="0.85"/>
+                      <dgm:constr type="w" for="ch" forName="cycle_2" refType="w" fact="0.46"/>
+                      <dgm:constr type="h" for="ch" forName="cycle_2" refType="h" fact="0.54"/>
+                      <dgm:constr type="diam" for="ch" forName="cycle_2" refType="w" fact="0.5"/>
+                      <dgm:constr type="r" for="ch" forName="cycle_3" refType="w"/>
+                      <dgm:constr type="b" for="ch" forName="cycle_3" refType="h" fact="0.85"/>
+                      <dgm:constr type="w" for="ch" forName="cycle_3" refType="w" fact="0.46"/>
+                      <dgm:constr type="h" for="ch" forName="cycle_3" refType="h" fact="0.54"/>
+                      <dgm:constr type="diam" for="ch" forName="cycle_3" refType="w" fact="0.5"/>
+                      <dgm:constr type="primFontSz" for="ch" forName="textCenter" val="65"/>
+                      <dgm:constr type="primFontSz" for="des" forName="childCenter1" val="65"/>
+                      <dgm:constr type="primFontSz" for="des" forName="text1" op="equ" val="65"/>
+                      <dgm:constr type="primFontSz" for="des" forName="childCenter2" refType="primFontSz" refFor="des" refForName="childCenter1" op="equ"/>
+                      <dgm:constr type="primFontSz" for="des" forName="text2" refType="primFontSz" refFor="des" refForName="text1" op="equ"/>
+                      <dgm:constr type="primFontSz" for="des" forName="childCenter3" refType="primFontSz" refFor="des" refForName="childCenter1" op="equ"/>
+                      <dgm:constr type="primFontSz" for="des" forName="text3" refType="primFontSz" refFor="des" refForName="text1" op="equ"/>
+                      <dgm:constr type="userS" for="des" ptType="node" refType="w" refFor="ch" refForName="textCenter" fact="0.67"/>
+                    </dgm:constrLst>
+                  </dgm:if>
+                  <dgm:else name="Name29">
+                    <dgm:constrLst>
+                      <dgm:constr type="ctrX" for="ch" forName="textCenter" refType="w" fact="0.5"/>
+                      <dgm:constr type="t" for="ch" forName="textCenter" refType="h" fact="0.436"/>
+                      <dgm:constr type="w" for="ch" forName="textCenter" refType="w" fact="0.21"/>
+                      <dgm:constr type="h" for="ch" forName="textCenter" refType="w" refFor="ch" refForName="textCenter"/>
+                      <dgm:constr type="ctrX" for="ch" forName="cycle_1" refType="w" fact="0.5"/>
+                      <dgm:constr type="t" for="ch" forName="cycle_1"/>
+                      <dgm:constr type="w" for="ch" forName="cycle_1" refType="w" fact="0.61"/>
+                      <dgm:constr type="h" for="ch" forName="cycle_1" refType="h" fact="0.36"/>
+                      <dgm:constr type="diam" for="ch" forName="cycle_1" refType="w" fact="0.5"/>
+                      <dgm:constr type="l" for="ch" forName="cycle_2"/>
+                      <dgm:constr type="b" for="ch" forName="cycle_2" refType="h" fact="0.85"/>
+                      <dgm:constr type="w" for="ch" forName="cycle_2" refType="w" fact="0.46"/>
+                      <dgm:constr type="h" for="ch" forName="cycle_2" refType="h" fact="0.54"/>
+                      <dgm:constr type="diam" for="ch" forName="cycle_2" refType="w" fact="0.5"/>
+                      <dgm:constr type="r" for="ch" forName="cycle_3" refType="w"/>
+                      <dgm:constr type="b" for="ch" forName="cycle_3" refType="h"/>
+                      <dgm:constr type="w" for="ch" forName="cycle_3" refType="w" fact="0.46"/>
+                      <dgm:constr type="h" for="ch" forName="cycle_3" refType="h" fact="0.54"/>
+                      <dgm:constr type="diam" for="ch" forName="cycle_3" refType="w" fact="0.5"/>
+                      <dgm:constr type="primFontSz" for="ch" forName="textCenter" val="65"/>
+                      <dgm:constr type="primFontSz" for="des" forName="childCenter1" val="65"/>
+                      <dgm:constr type="primFontSz" for="des" forName="text1" op="equ" val="65"/>
+                      <dgm:constr type="primFontSz" for="des" forName="childCenter2" refType="primFontSz" refFor="des" refForName="childCenter1" op="equ"/>
+                      <dgm:constr type="primFontSz" for="des" forName="text2" refType="primFontSz" refFor="des" refForName="text1" op="equ"/>
+                      <dgm:constr type="primFontSz" for="des" forName="childCenter3" refType="primFontSz" refFor="des" refForName="childCenter1" op="equ"/>
+                      <dgm:constr type="primFontSz" for="des" forName="text3" refType="primFontSz" refFor="des" refForName="text1" op="equ"/>
+                      <dgm:constr type="userS" for="des" ptType="node" refType="w" refFor="ch" refForName="textCenter" fact="0.67"/>
+                    </dgm:constrLst>
+                  </dgm:else>
+                </dgm:choose>
+              </dgm:if>
+              <dgm:else name="Name30">
+                <dgm:choose name="Name31">
+                  <dgm:if name="Name32" axis="ch ch ch" ptType="node node node" st="1 3 0" cnt="1 1 0" func="cnt" op="equ" val="1">
+                    <dgm:constrLst>
+                      <dgm:constr type="ctrX" for="ch" forName="textCenter" refType="w" fact="0.5"/>
+                      <dgm:constr type="t" for="ch" forName="textCenter" refType="h" fact="0.436"/>
+                      <dgm:constr type="w" for="ch" forName="textCenter" refType="w" fact="0.21"/>
+                      <dgm:constr type="h" for="ch" forName="textCenter" refType="w" refFor="ch" refForName="textCenter"/>
+                      <dgm:constr type="ctrX" for="ch" forName="cycle_1" refType="w" fact="0.5"/>
+                      <dgm:constr type="t" for="ch" forName="cycle_1"/>
+                      <dgm:constr type="w" for="ch" forName="cycle_1" refType="w" fact="0.61"/>
+                      <dgm:constr type="h" for="ch" forName="cycle_1" refType="h" fact="0.36"/>
+                      <dgm:constr type="diam" for="ch" forName="cycle_1" refType="w" fact="0.5"/>
+                      <dgm:constr type="l" for="ch" forName="cycle_2"/>
+                      <dgm:constr type="b" for="ch" forName="cycle_2" refType="h"/>
+                      <dgm:constr type="w" for="ch" forName="cycle_2" refType="w" fact="0.46"/>
+                      <dgm:constr type="h" for="ch" forName="cycle_2" refType="h" fact="0.54"/>
+                      <dgm:constr type="diam" for="ch" forName="cycle_2" refType="w" fact="0.5"/>
+                      <dgm:constr type="r" for="ch" forName="cycle_3" refType="w"/>
+                      <dgm:constr type="b" for="ch" forName="cycle_3" refType="h" fact="0.85"/>
+                      <dgm:constr type="w" for="ch" forName="cycle_3" refType="w" fact="0.46"/>
+                      <dgm:constr type="h" for="ch" forName="cycle_3" refType="h" fact="0.54"/>
+                      <dgm:constr type="diam" for="ch" forName="cycle_3" refType="w" fact="0.5"/>
+                      <dgm:constr type="primFontSz" for="ch" forName="textCenter" val="65"/>
+                      <dgm:constr type="primFontSz" for="des" forName="childCenter1" val="65"/>
+                      <dgm:constr type="primFontSz" for="des" forName="text1" op="equ" val="65"/>
+                      <dgm:constr type="primFontSz" for="des" forName="childCenter2" refType="primFontSz" refFor="des" refForName="childCenter1" op="equ"/>
+                      <dgm:constr type="primFontSz" for="des" forName="text2" refType="primFontSz" refFor="des" refForName="text1" op="equ"/>
+                      <dgm:constr type="primFontSz" for="des" forName="childCenter3" refType="primFontSz" refFor="des" refForName="childCenter1" op="equ"/>
+                      <dgm:constr type="primFontSz" for="des" forName="text3" refType="primFontSz" refFor="des" refForName="text1" op="equ"/>
+                      <dgm:constr type="userS" for="des" ptType="node" refType="w" refFor="ch" refForName="textCenter" fact="0.67"/>
+                    </dgm:constrLst>
+                  </dgm:if>
+                  <dgm:else name="Name33">
+                    <dgm:constrLst>
+                      <dgm:constr type="ctrX" for="ch" forName="textCenter" refType="w" fact="0.5"/>
+                      <dgm:constr type="t" for="ch" forName="textCenter" refType="h" fact="0.436"/>
+                      <dgm:constr type="w" for="ch" forName="textCenter" refType="w" fact="0.21"/>
+                      <dgm:constr type="h" for="ch" forName="textCenter" refType="w" refFor="ch" refForName="textCenter"/>
+                      <dgm:constr type="ctrX" for="ch" forName="cycle_1" refType="w" fact="0.5"/>
+                      <dgm:constr type="t" for="ch" forName="cycle_1"/>
+                      <dgm:constr type="w" for="ch" forName="cycle_1" refType="w" fact="0.61"/>
+                      <dgm:constr type="h" for="ch" forName="cycle_1" refType="h" fact="0.36"/>
+                      <dgm:constr type="diam" for="ch" forName="cycle_1" refType="w" fact="0.5"/>
+                      <dgm:constr type="l" for="ch" forName="cycle_2"/>
+                      <dgm:constr type="b" for="ch" forName="cycle_2" refType="h"/>
+                      <dgm:constr type="w" for="ch" forName="cycle_2" refType="w" fact="0.46"/>
+                      <dgm:constr type="h" for="ch" forName="cycle_2" refType="h" fact="0.54"/>
+                      <dgm:constr type="diam" for="ch" forName="cycle_2" refType="w" fact="0.5"/>
+                      <dgm:constr type="r" for="ch" forName="cycle_3" refType="w"/>
+                      <dgm:constr type="b" for="ch" forName="cycle_3" refType="h"/>
+                      <dgm:constr type="w" for="ch" forName="cycle_3" refType="w" fact="0.46"/>
+                      <dgm:constr type="h" for="ch" forName="cycle_3" refType="h" fact="0.54"/>
+                      <dgm:constr type="diam" for="ch" forName="cycle_3" refType="w" fact="0.5"/>
+                      <dgm:constr type="primFontSz" for="ch" forName="textCenter" val="65"/>
+                      <dgm:constr type="primFontSz" for="des" forName="childCenter1" val="65"/>
+                      <dgm:constr type="primFontSz" for="des" forName="text1" op="equ" val="65"/>
+                      <dgm:constr type="primFontSz" for="des" forName="childCenter2" refType="primFontSz" refFor="des" refForName="childCenter1" op="equ"/>
+                      <dgm:constr type="primFontSz" for="des" forName="text2" refType="primFontSz" refFor="des" refForName="text1" op="equ"/>
+                      <dgm:constr type="primFontSz" for="des" forName="childCenter3" refType="primFontSz" refFor="des" refForName="childCenter1" op="equ"/>
+                      <dgm:constr type="primFontSz" for="des" forName="text3" refType="primFontSz" refFor="des" refForName="text1" op="equ"/>
+                      <dgm:constr type="userS" for="des" ptType="node" refType="w" refFor="ch" refForName="textCenter" fact="0.67"/>
+                    </dgm:constrLst>
+                  </dgm:else>
+                </dgm:choose>
+              </dgm:else>
+            </dgm:choose>
+          </dgm:if>
+          <dgm:if name="Name34" axis="ch ch" ptType="node node" func="cnt" op="equ" val="4">
+            <dgm:constrLst>
+              <dgm:constr type="ctrX" for="ch" forName="textCenter" refType="w" fact="0.5"/>
+              <dgm:constr type="ctrY" for="ch" forName="textCenter" refType="h" fact="0.5"/>
+              <dgm:constr type="w" for="ch" forName="textCenter" refType="w" fact="0.2"/>
+              <dgm:constr type="h" for="ch" forName="textCenter" refType="w" refFor="ch" refForName="textCenter"/>
+              <dgm:constr type="ctrX" for="ch" forName="cycle_1" refType="w" fact="0.5"/>
+              <dgm:constr type="t" for="ch" forName="cycle_1"/>
+              <dgm:constr type="w" for="ch" forName="cycle_1" refType="w" fact="0.5"/>
+              <dgm:constr type="h" for="ch" forName="cycle_1" refType="h" fact="0.33"/>
+              <dgm:constr type="l" for="ch" forName="cycle_2"/>
+              <dgm:constr type="ctrY" for="ch" forName="cycle_2" refType="h" fact="0.5"/>
+              <dgm:constr type="w" for="ch" forName="cycle_2" refType="w" fact="0.33"/>
+              <dgm:constr type="h" for="ch" forName="cycle_2" refType="h" fact="0.5"/>
+              <dgm:constr type="ctrX" for="ch" forName="cycle_3" refType="w" fact="0.5"/>
+              <dgm:constr type="b" for="ch" forName="cycle_3" refType="h"/>
+              <dgm:constr type="w" for="ch" forName="cycle_3" refType="w" fact="0.5"/>
+              <dgm:constr type="h" for="ch" forName="cycle_3" refType="h" fact="0.33"/>
+              <dgm:constr type="r" for="ch" forName="cycle_4" refType="w"/>
+              <dgm:constr type="ctrY" for="ch" forName="cycle_4" refType="h" fact="0.5"/>
+              <dgm:constr type="w" for="ch" forName="cycle_4" refType="w" fact="0.33"/>
+              <dgm:constr type="h" for="ch" forName="cycle_4" refType="h" fact="0.5"/>
+              <dgm:constr type="primFontSz" for="ch" forName="textCenter" val="65"/>
+              <dgm:constr type="primFontSz" for="des" forName="childCenter1" val="65"/>
+              <dgm:constr type="primFontSz" for="des" forName="text1" op="equ" val="65"/>
+              <dgm:constr type="primFontSz" for="des" forName="childCenter2" refType="primFontSz" refFor="des" refForName="childCenter1" op="equ"/>
+              <dgm:constr type="primFontSz" for="des" forName="text2" refType="primFontSz" refFor="des" refForName="text1" op="equ"/>
+              <dgm:constr type="primFontSz" for="des" forName="childCenter3" refType="primFontSz" refFor="des" refForName="childCenter1" op="equ"/>
+              <dgm:constr type="primFontSz" for="des" forName="text3" refType="primFontSz" refFor="des" refForName="text1" op="equ"/>
+              <dgm:constr type="primFontSz" for="des" forName="childCenter4" refType="primFontSz" refFor="des" refForName="childCenter1" op="equ"/>
+              <dgm:constr type="primFontSz" for="des" forName="text4" refType="primFontSz" refFor="des" refForName="text1" op="equ"/>
+              <dgm:constr type="userS" for="des" ptType="node" refType="w" refFor="ch" refForName="textCenter" fact="0.67"/>
+            </dgm:constrLst>
+          </dgm:if>
+          <dgm:if name="Name35" axis="ch ch" ptType="node node" func="cnt" op="equ" val="5">
+            <dgm:constrLst>
+              <dgm:constr type="ctrX" for="ch" forName="textCenter" refType="w" fact="0.5"/>
+              <dgm:constr type="t" for="ch" forName="textCenter" refType="h" fact="0.42"/>
+              <dgm:constr type="w" for="ch" forName="textCenter" refType="w" fact="0.2"/>
+              <dgm:constr type="h" for="ch" forName="textCenter" refType="w" refFor="ch" refForName="textCenter"/>
+              <dgm:constr type="ctrX" for="ch" forName="cycle_1" refType="w" fact="0.5"/>
+              <dgm:constr type="t" for="ch" forName="cycle_1"/>
+              <dgm:constr type="w" for="ch" forName="cycle_1" refType="w" fact="0.33"/>
+              <dgm:constr type="h" for="ch" forName="cycle_1" refType="w" refFor="ch" refForName="cycle_1"/>
+              <dgm:constr type="l" for="ch" forName="cycle_2"/>
+              <dgm:constr type="t" for="ch" forName="cycle_2" refType="h" fact="0.24"/>
+              <dgm:constr type="w" for="ch" forName="cycle_2" refType="w" fact="0.33"/>
+              <dgm:constr type="h" for="ch" forName="cycle_2" refType="w" refFor="ch" refForName="cycle_2"/>
+              <dgm:constr type="l" for="ch" forName="cycle_3" refType="w" fact="0.11"/>
+              <dgm:constr type="b" for="ch" forName="cycle_3" refType="h"/>
+              <dgm:constr type="w" for="ch" forName="cycle_3" refType="w" fact="0.33"/>
+              <dgm:constr type="h" for="ch" forName="cycle_3" refType="w" refFor="ch" refForName="cycle_3"/>
+              <dgm:constr type="r" for="ch" forName="cycle_4" refType="w" fact="0.89"/>
+              <dgm:constr type="b" for="ch" forName="cycle_4" refType="h"/>
+              <dgm:constr type="w" for="ch" forName="cycle_4" refType="w" fact="0.33"/>
+              <dgm:constr type="h" for="ch" forName="cycle_4" refType="w" refFor="ch" refForName="cycle_4"/>
+              <dgm:constr type="r" for="ch" forName="cycle_5" refType="w"/>
+              <dgm:constr type="t" for="ch" forName="cycle_5" refType="h" fact="0.24"/>
+              <dgm:constr type="w" for="ch" forName="cycle_5" refType="w" fact="0.33"/>
+              <dgm:constr type="h" for="ch" forName="cycle_5" refType="w" refFor="ch" refForName="cycle_5"/>
+              <dgm:constr type="primFontSz" for="ch" forName="textCenter" val="65"/>
+              <dgm:constr type="primFontSz" for="des" forName="childCenter1" val="65"/>
+              <dgm:constr type="primFontSz" for="des" forName="text1" op="equ" val="65"/>
+              <dgm:constr type="primFontSz" for="des" forName="childCenter2" refType="primFontSz" refFor="des" refForName="childCenter1" op="equ"/>
+              <dgm:constr type="primFontSz" for="des" forName="text2" refType="primFontSz" refFor="des" refForName="text1" op="equ"/>
+              <dgm:constr type="primFontSz" for="des" forName="childCenter3" refType="primFontSz" refFor="des" refForName="childCenter1" op="equ"/>
+              <dgm:constr type="primFontSz" for="des" forName="text3" refType="primFontSz" refFor="des" refForName="text1" op="equ"/>
+              <dgm:constr type="primFontSz" for="des" forName="childCenter4" refType="primFontSz" refFor="des" refForName="childCenter1" op="equ"/>
+              <dgm:constr type="primFontSz" for="des" forName="text4" refType="primFontSz" refFor="des" refForName="text1" op="equ"/>
+              <dgm:constr type="primFontSz" for="des" forName="childCenter5" refType="primFontSz" refFor="des" refForName="childCenter1" op="equ"/>
+              <dgm:constr type="primFontSz" for="des" forName="text5" refType="primFontSz" refFor="des" refForName="text1" op="equ"/>
+              <dgm:constr type="userS" for="des" ptType="node" refType="w" refFor="ch" refForName="textCenter" fact="0.67"/>
+            </dgm:constrLst>
+          </dgm:if>
+          <dgm:if name="Name36" axis="ch ch" ptType="node node" func="cnt" op="equ" val="6">
+            <dgm:constrLst>
+              <dgm:constr type="ctrX" for="ch" forName="textCenter" refType="w" fact="0.5"/>
+              <dgm:constr type="ctrY" for="ch" forName="textCenter" refType="h" fact="0.5"/>
+              <dgm:constr type="w" for="ch" forName="textCenter" refType="w" fact="0.2"/>
+              <dgm:constr type="h" for="ch" forName="textCenter" refType="w" refFor="ch" refForName="textCenter"/>
+              <dgm:constr type="ctrX" for="ch" forName="cycle_1" refType="w" fact="0.5"/>
+              <dgm:constr type="t" for="ch" forName="cycle_1"/>
+              <dgm:constr type="w" for="ch" forName="cycle_1" refType="w" fact="0.33"/>
+              <dgm:constr type="h" for="ch" forName="cycle_1" refType="w" refFor="ch" refForName="cycle_1"/>
+              <dgm:constr type="l" for="ch" forName="cycle_2"/>
+              <dgm:constr type="t" for="ch" forName="cycle_2" refType="h" fact="0.17"/>
+              <dgm:constr type="w" for="ch" forName="cycle_2" refType="w" fact="0.33"/>
+              <dgm:constr type="h" for="ch" forName="cycle_2" refType="w" refFor="ch" refForName="cycle_2"/>
+              <dgm:constr type="l" for="ch" forName="cycle_3"/>
+              <dgm:constr type="b" for="ch" forName="cycle_3" refType="h" fact="0.83"/>
+              <dgm:constr type="w" for="ch" forName="cycle_3" refType="w" fact="0.33"/>
+              <dgm:constr type="h" for="ch" forName="cycle_3" refType="w" refFor="ch" refForName="cycle_3"/>
+              <dgm:constr type="ctrX" for="ch" forName="cycle_4" refType="w" fact="0.5"/>
+              <dgm:constr type="b" for="ch" forName="cycle_4" refType="h"/>
+              <dgm:constr type="w" for="ch" forName="cycle_4" refType="w" fact="0.33"/>
+              <dgm:constr type="h" for="ch" forName="cycle_4" refType="w" refFor="ch" refForName="cycle_4"/>
+              <dgm:constr type="r" for="ch" forName="cycle_5" refType="w"/>
+              <dgm:constr type="b" for="ch" forName="cycle_5" refType="h" fact="0.83"/>
+              <dgm:constr type="w" for="ch" forName="cycle_5" refType="w" fact="0.33"/>
+              <dgm:constr type="h" for="ch" forName="cycle_5" refType="w" refFor="ch" refForName="cycle_5"/>
+              <dgm:constr type="r" for="ch" forName="cycle_6" refType="w"/>
+              <dgm:constr type="t" for="ch" forName="cycle_6" refType="h" fact="0.17"/>
+              <dgm:constr type="w" for="ch" forName="cycle_6" refType="w" fact="0.33"/>
+              <dgm:constr type="h" for="ch" forName="cycle_6" refType="w" refFor="ch" refForName="cycle_6"/>
+              <dgm:constr type="primFontSz" for="ch" forName="textCenter" val="65"/>
+              <dgm:constr type="primFontSz" for="des" forName="childCenter1" val="65"/>
+              <dgm:constr type="primFontSz" for="des" forName="text1" op="equ" val="65"/>
+              <dgm:constr type="primFontSz" for="des" forName="childCenter2" refType="primFontSz" refFor="des" refForName="childCenter1" op="equ"/>
+              <dgm:constr type="primFontSz" for="des" forName="text2" refType="primFontSz" refFor="des" refForName="text1" op="equ"/>
+              <dgm:constr type="primFontSz" for="des" forName="childCenter3" refType="primFontSz" refFor="des" refForName="childCenter1" op="equ"/>
+              <dgm:constr type="primFontSz" for="des" forName="text3" refType="primFontSz" refFor="des" refForName="text1" op="equ"/>
+              <dgm:constr type="primFontSz" for="des" forName="childCenter4" refType="primFontSz" refFor="des" refForName="childCenter1" op="equ"/>
+              <dgm:constr type="primFontSz" for="des" forName="text4" refType="primFontSz" refFor="des" refForName="text1" op="equ"/>
+              <dgm:constr type="primFontSz" for="des" forName="childCenter5" refType="primFontSz" refFor="des" refForName="childCenter1" op="equ"/>
+              <dgm:constr type="primFontSz" for="des" forName="text5" refType="primFontSz" refFor="des" refForName="text1" op="equ"/>
+              <dgm:constr type="primFontSz" for="des" forName="childCenter6" refType="primFontSz" refFor="des" refForName="childCenter1" op="equ"/>
+              <dgm:constr type="primFontSz" for="des" forName="text6" refType="primFontSz" refFor="des" refForName="text1" op="equ"/>
+              <dgm:constr type="userS" for="des" ptType="node" refType="w" refFor="ch" refForName="textCenter" fact="0.67"/>
+            </dgm:constrLst>
+          </dgm:if>
+          <dgm:else name="Name37">
+            <dgm:constrLst>
+              <dgm:constr type="ctrX" for="ch" forName="textCenter" refType="w" fact="0.5"/>
+              <dgm:constr type="t" for="ch" forName="textCenter" refType="h" fact="0.444"/>
+              <dgm:constr type="w" for="ch" forName="textCenter" refType="w" fact="0.167"/>
+              <dgm:constr type="h" for="ch" forName="textCenter" refType="w" refFor="ch" refForName="textCenter"/>
+              <dgm:constr type="ctrX" for="ch" forName="cycle_1" refType="w" fact="0.5"/>
+              <dgm:constr type="t" for="ch" forName="cycle_1"/>
+              <dgm:constr type="w" for="ch" forName="cycle_1" refType="w" fact="0.263"/>
+              <dgm:constr type="h" for="ch" forName="cycle_1" refType="w" refFor="ch" refForName="cycle_1"/>
+              <dgm:constr type="l" for="ch" forName="cycle_2" refType="w" fact="0.062"/>
+              <dgm:constr type="t" for="ch" forName="cycle_2" refType="h" fact="0.141"/>
+              <dgm:constr type="w" for="ch" forName="cycle_2" refType="w" fact="0.263"/>
+              <dgm:constr type="h" for="ch" forName="cycle_2" refType="w" refFor="ch" refForName="cycle_2"/>
+              <dgm:constr type="l" for="ch" forName="cycle_3"/>
+              <dgm:constr type="b" for="ch" forName="cycle_3" refType="h" fact="0.74"/>
+              <dgm:constr type="w" for="ch" forName="cycle_3" refType="w" fact="0.263"/>
+              <dgm:constr type="h" for="ch" forName="cycle_3" refType="w" refFor="ch" refForName="cycle_3"/>
+              <dgm:constr type="l" for="ch" forName="cycle_4" refType="w" fact="0.2"/>
+              <dgm:constr type="b" for="ch" forName="cycle_4" refType="h"/>
+              <dgm:constr type="w" for="ch" forName="cycle_4" refType="w" fact="0.263"/>
+              <dgm:constr type="h" for="ch" forName="cycle_4" refType="w" refFor="ch" refForName="cycle_4"/>
+              <dgm:constr type="r" for="ch" forName="cycle_5" refType="w" fact="0.8"/>
+              <dgm:constr type="b" for="ch" forName="cycle_5" refType="h"/>
+              <dgm:constr type="w" for="ch" forName="cycle_5" refType="w" fact="0.263"/>
+              <dgm:constr type="h" for="ch" forName="cycle_5" refType="w" refFor="ch" refForName="cycle_5"/>
+              <dgm:constr type="r" for="ch" forName="cycle_6" refType="w"/>
+              <dgm:constr type="b" for="ch" forName="cycle_6" refType="h" fact="0.74"/>
+              <dgm:constr type="w" for="ch" forName="cycle_6" refType="w" fact="0.263"/>
+              <dgm:constr type="h" for="ch" forName="cycle_6" refType="w" refFor="ch" refForName="cycle_6"/>
+              <dgm:constr type="r" for="ch" forName="cycle_7" refType="w" fact="0.938"/>
+              <dgm:constr type="t" for="ch" forName="cycle_7" refType="h" fact="0.141"/>
+              <dgm:constr type="w" for="ch" forName="cycle_7" refType="w" fact="0.263"/>
+              <dgm:constr type="h" for="ch" forName="cycle_7" refType="w" refFor="ch" refForName="cycle_7"/>
+              <dgm:constr type="primFontSz" for="ch" forName="textCenter" val="65"/>
+              <dgm:constr type="primFontSz" for="des" forName="childCenter1" val="65"/>
+              <dgm:constr type="primFontSz" for="des" forName="text1" op="equ" val="65"/>
+              <dgm:constr type="primFontSz" for="des" forName="childCenter2" refType="primFontSz" refFor="des" refForName="childCenter1" op="equ"/>
+              <dgm:constr type="primFontSz" for="des" forName="text2" refType="primFontSz" refFor="des" refForName="text1" op="equ"/>
+              <dgm:constr type="primFontSz" for="des" forName="childCenter3" refType="primFontSz" refFor="des" refForName="childCenter1" op="equ"/>
+              <dgm:constr type="primFontSz" for="des" forName="text3" refType="primFontSz" refFor="des" refForName="text1" op="equ"/>
+              <dgm:constr type="primFontSz" for="des" forName="childCenter4" refType="primFontSz" refFor="des" refForName="childCenter1" op="equ"/>
+              <dgm:constr type="primFontSz" for="des" forName="text4" refType="primFontSz" refFor="des" refForName="text1" op="equ"/>
+              <dgm:constr type="primFontSz" for="des" forName="childCenter5" refType="primFontSz" refFor="des" refForName="childCenter1" op="equ"/>
+              <dgm:constr type="primFontSz" for="des" forName="text5" refType="primFontSz" refFor="des" refForName="text1" op="equ"/>
+              <dgm:constr type="primFontSz" for="des" forName="childCenter6" refType="primFontSz" refFor="des" refForName="childCenter1" op="equ"/>
+              <dgm:constr type="primFontSz" for="des" forName="text6" refType="primFontSz" refFor="des" refForName="text1" op="equ"/>
+              <dgm:constr type="primFontSz" for="des" forName="childCenter7" refType="primFontSz" refFor="des" refForName="childCenter1" op="equ"/>
+              <dgm:constr type="primFontSz" for="des" forName="text7" refType="primFontSz" refFor="des" refForName="text1" op="equ"/>
+              <dgm:constr type="userS" for="des" ptType="node" refType="w" refFor="ch" refForName="textCenter" fact="0.67"/>
+            </dgm:constrLst>
+          </dgm:else>
+        </dgm:choose>
       </dgm:else>
     </dgm:choose>
-    <dgm:shape xmlns:r="http://schemas.openxmlformats.org/officeDocument/2006/relationships" r:blip="">
-      <dgm:adjLst/>
-    </dgm:shape>
-    <dgm:presOf/>
-    <dgm:constrLst>
-      <dgm:constr type="w" for="ch" forName="centerShape" refType="w"/>
-      <dgm:constr type="w" for="ch" forName="node" refType="w" refFor="ch" refForName="centerShape" op="equ"/>
-      <dgm:constr type="sp" refType="w" refFor="ch" refForName="node" fact="0.3"/>
-      <dgm:constr type="sibSp" refType="w" refFor="ch" refForName="node" fact="0.3"/>
-      <dgm:constr type="primFontSz" for="ch" forName="centerShape" val="65"/>
-      <dgm:constr type="primFontSz" for="des" forName="node" op="equ" val="65"/>
-      <dgm:constr type="primFontSz" for="des" forName="connTx" val="55"/>
-      <dgm:constr type="primFontSz" for="des" forName="connTx" refType="primFontSz" refFor="ch" refForName="centerShape" op="lte" fact="0.8"/>
-    </dgm:constrLst>
-    <dgm:ruleLst/>
-    <dgm:forEach name="Name6" axis="ch" ptType="node" cnt="1">
-      <dgm:layoutNode name="centerShape" styleLbl="node0">
-        <dgm:alg type="tx"/>
-        <dgm:shape xmlns:r="http://schemas.openxmlformats.org/officeDocument/2006/relationships" type="ellipse" r:blip="">
-          <dgm:adjLst/>
-        </dgm:shape>
-        <dgm:presOf axis="self"/>
-        <dgm:constrLst>
-          <dgm:constr type="h" refType="w"/>
-          <dgm:constr type="tMarg" refType="primFontSz" fact="0.05"/>
-          <dgm:constr type="bMarg" refType="primFontSz" fact="0.05"/>
-          <dgm:constr type="lMarg" refType="primFontSz" fact="0.05"/>
-          <dgm:constr type="rMarg" refType="primFontSz" fact="0.05"/>
-        </dgm:constrLst>
-        <dgm:ruleLst>
-          <dgm:rule type="primFontSz" val="5" fact="NaN" max="NaN"/>
-        </dgm:ruleLst>
-      </dgm:layoutNode>
-      <dgm:forEach name="Name7" axis="ch">
-        <dgm:forEach name="Name8" axis="self" ptType="parTrans">
-          <dgm:layoutNode name="Name9">
-            <dgm:alg type="conn">
-              <dgm:param type="dim" val="1D"/>
-              <dgm:param type="begPts" val="auto"/>
-              <dgm:param type="endPts" val="auto"/>
-              <dgm:param type="begSty" val="noArr"/>
-              <dgm:param type="endSty" val="noArr"/>
-            </dgm:alg>
-            <dgm:shape xmlns:r="http://schemas.openxmlformats.org/officeDocument/2006/relationships" type="conn" r:blip="">
+    <dgm:forEach name="Name38" axis="ch" ptType="node" cnt="1">
+      <dgm:choose name="Name39">
+        <dgm:if name="Name40" axis="des" func="maxDepth" op="lte" val="1">
+          <dgm:layoutNode name="singleCycle">
+            <dgm:choose name="Name41">
+              <dgm:if name="Name42" axis="ch" ptType="node" func="cnt" op="equ" val="1">
+                <dgm:choose name="Name43">
+                  <dgm:if name="Name44" func="var" arg="dir" op="equ" val="norm">
+                    <dgm:alg type="cycle">
+                      <dgm:param type="stAng" val="90"/>
+                      <dgm:param type="ctrShpMap" val="fNode"/>
+                    </dgm:alg>
+                  </dgm:if>
+                  <dgm:else name="Name45">
+                    <dgm:alg type="cycle">
+                      <dgm:param type="stAng" val="-90"/>
+                      <dgm:param type="spanAng" val="-360"/>
+                      <dgm:param type="ctrShpMap" val="fNode"/>
+                    </dgm:alg>
+                  </dgm:else>
+                </dgm:choose>
+              </dgm:if>
+              <dgm:else name="Name46">
+                <dgm:choose name="Name47">
+                  <dgm:if name="Name48" func="var" arg="dir" op="equ" val="norm">
+                    <dgm:alg type="cycle">
+                      <dgm:param type="ctrShpMap" val="fNode"/>
+                    </dgm:alg>
+                  </dgm:if>
+                  <dgm:else name="Name49">
+                    <dgm:alg type="cycle">
+                      <dgm:param type="spanAng" val="-360"/>
+                      <dgm:param type="ctrShpMap" val="fNode"/>
+                    </dgm:alg>
+                  </dgm:else>
+                </dgm:choose>
+              </dgm:else>
+            </dgm:choose>
+            <dgm:shape xmlns:r="http://schemas.openxmlformats.org/officeDocument/2006/relationships" r:blip="">
               <dgm:adjLst/>
             </dgm:shape>
-            <dgm:presOf axis="self"/>
-            <dgm:constrLst>
-              <dgm:constr type="connDist"/>
-              <dgm:constr type="userA" for="ch" refType="connDist"/>
-              <dgm:constr type="w" val="1"/>
-              <dgm:constr type="h" val="5"/>
-              <dgm:constr type="begPad"/>
-              <dgm:constr type="endPad"/>
-            </dgm:constrLst>
-            <dgm:ruleLst/>
-            <dgm:layoutNode name="connTx">
-              <dgm:alg type="tx">
-                <dgm:param type="autoTxRot" val="grav"/>
-              </dgm:alg>
-              <dgm:shape xmlns:r="http://schemas.openxmlformats.org/officeDocument/2006/relationships" type="rect" r:blip="" hideGeom="1">
+            <dgm:presOf/>
+            <dgm:choose name="Name50">
+              <dgm:if name="Name51" axis="ch" ptType="node" func="cnt" op="equ" val="0">
+                <dgm:constrLst>
+                  <dgm:constr type="w" for="ch" forName="singleCenter" refType="w"/>
+                  <dgm:constr type="h" for="ch" forName="singleCenter" refType="w" refFor="ch" refForName="singleCenter"/>
+                </dgm:constrLst>
+              </dgm:if>
+              <dgm:if name="Name52" axis="ch" ptType="node" func="cnt" op="equ" val="1">
+                <dgm:constrLst>
+                  <dgm:constr type="w" for="ch" forName="singleCenter" refType="w" fact="0.5"/>
+                  <dgm:constr type="h" for="ch" forName="singleCenter" refType="w" refFor="ch" refForName="singleCenter"/>
+                  <dgm:constr type="userS" for="ch" ptType="node" refType="w" refFor="ch" refForName="singleCenter" fact="0.67"/>
+                </dgm:constrLst>
+              </dgm:if>
+              <dgm:else name="Name53">
+                <dgm:constrLst>
+                  <dgm:constr type="w" for="ch" forName="singleCenter" refType="w" fact="0.3"/>
+                  <dgm:constr type="h" for="ch" forName="singleCenter" refType="w" refFor="ch" refForName="singleCenter"/>
+                  <dgm:constr type="userS" for="ch" ptType="node" refType="w" refFor="ch" refForName="singleCenter" fact="0.67"/>
+                </dgm:constrLst>
+              </dgm:else>
+            </dgm:choose>
+            <dgm:layoutNode name="singleCenter" styleLbl="node1">
+              <dgm:varLst>
+                <dgm:chMax val="7"/>
+                <dgm:chPref val="7"/>
+              </dgm:varLst>
+              <dgm:alg type="tx"/>
+              <dgm:shape xmlns:r="http://schemas.openxmlformats.org/officeDocument/2006/relationships" type="roundRect" r:blip="">
                 <dgm:adjLst/>
               </dgm:shape>
-              <dgm:presOf axis="self"/>
+              <dgm:presOf axis="self" ptType="node"/>
               <dgm:constrLst>
-                <dgm:constr type="userA"/>
-                <dgm:constr type="w" refType="userA" fact="0.05"/>
-                <dgm:constr type="h" refType="userA" fact="0.05"/>
-                <dgm:constr type="lMarg" val="1"/>
-                <dgm:constr type="rMarg" val="1"/>
-                <dgm:constr type="tMarg"/>
-                <dgm:constr type="bMarg"/>
+                <dgm:constr type="tMarg" refType="primFontSz" fact="0.2"/>
+                <dgm:constr type="bMarg" refType="primFontSz" fact="0.2"/>
+                <dgm:constr type="lMarg" refType="primFontSz" fact="0.2"/>
+                <dgm:constr type="rMarg" refType="primFontSz" fact="0.2"/>
               </dgm:constrLst>
               <dgm:ruleLst>
-                <dgm:rule type="w" val="NaN" fact="0.8" max="NaN"/>
-                <dgm:rule type="h" val="NaN" fact="1" max="NaN"/>
                 <dgm:rule type="primFontSz" val="5" fact="NaN" max="NaN"/>
               </dgm:ruleLst>
             </dgm:layoutNode>
+            <dgm:forEach name="Name54" axis="ch" cnt="21">
+              <dgm:forEach name="Name55" axis="self" ptType="parTrans">
+                <dgm:layoutNode name="Name56">
+                  <dgm:alg type="conn">
+                    <dgm:param type="dim" val="1D"/>
+                    <dgm:param type="begPts" val="auto"/>
+                    <dgm:param type="endPts" val="auto"/>
+                    <dgm:param type="begSty" val="noArr"/>
+                    <dgm:param type="endSty" val="noArr"/>
+                  </dgm:alg>
+                  <dgm:shape xmlns:r="http://schemas.openxmlformats.org/officeDocument/2006/relationships" type="conn" r:blip="">
+                    <dgm:adjLst/>
+                  </dgm:shape>
+                  <dgm:presOf axis="self"/>
+                  <dgm:constrLst>
+                    <dgm:constr type="begPad"/>
+                    <dgm:constr type="endPad"/>
+                  </dgm:constrLst>
+                </dgm:layoutNode>
+              </dgm:forEach>
+              <dgm:forEach name="Name57" axis="self" ptType="node">
+                <dgm:layoutNode name="text0" styleLbl="node1">
+                  <dgm:varLst>
+                    <dgm:bulletEnabled val="1"/>
+                  </dgm:varLst>
+                  <dgm:alg type="tx"/>
+                  <dgm:shape xmlns:r="http://schemas.openxmlformats.org/officeDocument/2006/relationships" type="roundRect" r:blip="">
+                    <dgm:adjLst/>
+                  </dgm:shape>
+                  <dgm:presOf axis="desOrSelf" ptType="node"/>
+                  <dgm:constrLst>
+                    <dgm:constr type="userS"/>
+                    <dgm:constr type="w" refType="userS"/>
+                    <dgm:constr type="h" refType="w"/>
+                    <dgm:constr type="tMarg" refType="primFontSz" fact="0.2"/>
+                    <dgm:constr type="bMarg" refType="primFontSz" fact="0.2"/>
+                    <dgm:constr type="lMarg" refType="primFontSz" fact="0.2"/>
+                    <dgm:constr type="rMarg" refType="primFontSz" fact="0.2"/>
+                  </dgm:constrLst>
+                  <dgm:ruleLst>
+                    <dgm:rule type="primFontSz" val="5" fact="NaN" max="NaN"/>
+                  </dgm:ruleLst>
+                </dgm:layoutNode>
+              </dgm:forEach>
+            </dgm:forEach>
           </dgm:layoutNode>
-        </dgm:forEach>
-        <dgm:forEach name="Name10" axis="self" ptType="node">
-          <dgm:layoutNode name="node" styleLbl="node1">
-            <dgm:varLst>
-              <dgm:bulletEnabled val="1"/>
-            </dgm:varLst>
-            <dgm:alg type="tx">
-              <dgm:param type="txAnchorVertCh" val="mid"/>
-            </dgm:alg>
-            <dgm:shape xmlns:r="http://schemas.openxmlformats.org/officeDocument/2006/relationships" type="ellipse" r:blip="">
+        </dgm:if>
+        <dgm:else name="Name58">
+          <dgm:layoutNode name="textCenter" styleLbl="node1">
+            <dgm:alg type="tx"/>
+            <dgm:shape xmlns:r="http://schemas.openxmlformats.org/officeDocument/2006/relationships" type="roundRect" r:blip="">
               <dgm:adjLst/>
             </dgm:shape>
-            <dgm:presOf axis="desOrSelf" ptType="node"/>
+            <dgm:presOf axis="self" ptType="node"/>
             <dgm:constrLst>
-              <dgm:constr type="h" refType="w"/>
-              <dgm:constr type="tMarg" refType="primFontSz" fact="0.05"/>
-              <dgm:constr type="bMarg" refType="primFontSz" fact="0.05"/>
-              <dgm:constr type="lMarg" refType="primFontSz" fact="0.05"/>
-              <dgm:constr type="rMarg" refType="primFontSz" fact="0.05"/>
+              <dgm:constr type="tMarg" refType="primFontSz" fact="0.2"/>
+              <dgm:constr type="bMarg" refType="primFontSz" fact="0.2"/>
+              <dgm:constr type="lMarg" refType="primFontSz" fact="0.2"/>
+              <dgm:constr type="rMarg" refType="primFontSz" fact="0.2"/>
             </dgm:constrLst>
             <dgm:ruleLst>
               <dgm:rule type="primFontSz" val="5" fact="NaN" max="NaN"/>
             </dgm:ruleLst>
           </dgm:layoutNode>
-        </dgm:forEach>
-      </dgm:forEach>
+          <dgm:choose name="Name59">
+            <dgm:if name="Name60" axis="ch" ptType="node" func="cnt" op="gte" val="1">
+              <dgm:layoutNode name="cycle_1">
+                <dgm:choose name="Name61">
+                  <dgm:if name="Name62" func="var" arg="dir" op="equ" val="norm">
+                    <dgm:choose name="Name63">
+                      <dgm:if name="Name64" axis="ch" ptType="node" func="cnt" op="equ" val="1">
+                        <dgm:choose name="Name65">
+                          <dgm:if name="Name66" axis="ch ch" ptType="node node" st="1 1" cnt="1 0" func="cnt" op="equ" val="1">
+                            <dgm:alg type="cycle">
+                              <dgm:param type="ctrShpMap" val="fNode"/>
+                              <dgm:param type="stAng" val="90"/>
+                            </dgm:alg>
+                          </dgm:if>
+                          <dgm:if name="Name67" axis="ch ch" ptType="node node" st="1 1" cnt="1 0" func="cnt" op="equ" val="2">
+                            <dgm:alg type="cycle">
+                              <dgm:param type="ctrShpMap" val="fNode"/>
+                              <dgm:param type="stAng" val="45"/>
+                              <dgm:param type="spanAng" val="90"/>
+                            </dgm:alg>
+                          </dgm:if>
+                          <dgm:else name="Name68">
+                            <dgm:alg type="cycle">
+                              <dgm:param type="ctrShpMap" val="fNode"/>
+                              <dgm:param type="stAng" val="0"/>
+                              <dgm:param type="spanAng" val="180"/>
+                            </dgm:alg>
+                          </dgm:else>
+                        </dgm:choose>
+                      </dgm:if>
+                      <dgm:if name="Name69" axis="ch" ptType="node" func="cnt" op="equ" val="2">
+                        <dgm:choose name="Name70">
+                          <dgm:if name="Name71" axis="ch ch" ptType="node node" st="1 1" cnt="1 0" func="cnt" op="equ" val="1">
+                            <dgm:alg type="cycle">
+                              <dgm:param type="ctrShpMap" val="fNode"/>
+                              <dgm:param type="stAng" val="0"/>
+                            </dgm:alg>
+                          </dgm:if>
+                          <dgm:if name="Name72" axis="ch ch" ptType="node node" st="1 1" cnt="1 0" func="cnt" op="equ" val="2">
+                            <dgm:alg type="cycle">
+                              <dgm:param type="ctrShpMap" val="fNode"/>
+                              <dgm:param type="stAng" val="315"/>
+                              <dgm:param type="spanAng" val="90"/>
+                            </dgm:alg>
+                          </dgm:if>
+                          <dgm:else name="Name73">
+                            <dgm:alg type="cycle">
+                              <dgm:param type="ctrShpMap" val="fNode"/>
+                              <dgm:param type="stAng" val="270"/>
+                              <dgm:param type="spanAng" val="180"/>
+                            </dgm:alg>
+                          </dgm:else>
+                        </dgm:choose>
+                      </dgm:if>
+                      <dgm:if name="Name74" axis="ch" ptType="node" func="cnt" op="equ" val="3">
+                        <dgm:choose name="Name75">
+                          <dgm:if name="Name76" axis="ch ch" ptType="node node" st="1 1" cnt="1 0" func="cnt" op="equ" val="1">
+                            <dgm:alg type="cycle">
+                              <dgm:param type="ctrShpMap" val="fNode"/>
+                              <dgm:param type="stAng" val="0"/>
+                            </dgm:alg>
+                          </dgm:if>
+                          <dgm:if name="Name77" axis="ch ch" ptType="node node" st="1 1" cnt="1 0" func="cnt" op="equ" val="2">
+                            <dgm:alg type="cycle">
+                              <dgm:param type="ctrShpMap" val="fNode"/>
+                              <dgm:param type="stAng" val="315"/>
+                              <dgm:param type="spanAng" val="90"/>
+                            </dgm:alg>
+                          </dgm:if>
+                          <dgm:else name="Name78">
+                            <dgm:alg type="cycle">
+                              <dgm:param type="ctrShpMap" val="fNode"/>
+                              <dgm:param type="stAng" val="270"/>
+                              <dgm:param type="spanAng" val="180"/>
+                            </dgm:alg>
+                          </dgm:else>
+                        </dgm:choose>
+                      </dgm:if>
+                      <dgm:if name="Name79" axis="ch" ptType="node" func="cnt" op="equ" val="4">
+                        <dgm:choose name="Name80">
+                          <dgm:if name="Name81" axis="ch ch" ptType="node node" st="1 1" cnt="1 0" func="cnt" op="equ" val="1">
+                            <dgm:alg type="cycle">
+                              <dgm:param type="ctrShpMap" val="fNode"/>
+                              <dgm:param type="stAng" val="0"/>
+                            </dgm:alg>
+                          </dgm:if>
+                          <dgm:if name="Name82" axis="ch ch" ptType="node node" st="1 1" cnt="1 0" func="cnt" op="equ" val="2">
+                            <dgm:alg type="cycle">
+                              <dgm:param type="ctrShpMap" val="fNode"/>
+                              <dgm:param type="stAng" val="315"/>
+                              <dgm:param type="spanAng" val="90"/>
+                            </dgm:alg>
+                          </dgm:if>
+                          <dgm:else name="Name83">
+                            <dgm:alg type="cycle">
+                              <dgm:param type="ctrShpMap" val="fNode"/>
+                              <dgm:param type="stAng" val="292.5"/>
+                              <dgm:param type="spanAng" val="135"/>
+                            </dgm:alg>
+                          </dgm:else>
+                        </dgm:choose>
+                      </dgm:if>
+                      <dgm:if name="Name84" axis="ch" ptType="node" func="cnt" op="equ" val="5">
+                        <dgm:choose name="Name85">
+                          <dgm:if name="Name86" axis="ch ch" ptType="node node" st="1 1" cnt="1 0" func="cnt" op="equ" val="1">
+                            <dgm:alg type="cycle">
+                              <dgm:param type="ctrShpMap" val="fNode"/>
+                              <dgm:param type="stAng" val="0"/>
+                            </dgm:alg>
+                          </dgm:if>
+                          <dgm:if name="Name87" axis="ch ch" ptType="node node" st="1 1" cnt="1 0" func="cnt" op="equ" val="2">
+                            <dgm:alg type="cycle">
+                              <dgm:param type="ctrShpMap" val="fNode"/>
+                              <dgm:param type="stAng" val="315"/>
+                              <dgm:param type="spanAng" val="90"/>
+                            </dgm:alg>
+                          </dgm:if>
+                          <dgm:else name="Name88">
+                            <dgm:alg type="cycle">
+                              <dgm:param type="ctrShpMap" val="fNode"/>
+                              <dgm:param type="stAng" val="0"/>
+                              <dgm:param type="spanAng" val="360"/>
+                            </dgm:alg>
+                          </dgm:else>
+                        </dgm:choose>
+                      </dgm:if>
+                      <dgm:if name="Name89" axis="ch" ptType="node" func="cnt" op="equ" val="6">
+                        <dgm:choose name="Name90">
+                          <dgm:if name="Name91" axis="ch ch" ptType="node node" st="1 1" cnt="1 0" func="cnt" op="equ" val="1">
+                            <dgm:alg type="cycle">
+                              <dgm:param type="ctrShpMap" val="fNode"/>
+                              <dgm:param type="stAng" val="0"/>
+                            </dgm:alg>
+                          </dgm:if>
+                          <dgm:if name="Name92" axis="ch ch" ptType="node node" st="1 1" cnt="1 0" func="cnt" op="equ" val="2">
+                            <dgm:alg type="cycle">
+                              <dgm:param type="ctrShpMap" val="fNode"/>
+                              <dgm:param type="stAng" val="315"/>
+                              <dgm:param type="spanAng" val="90"/>
+                            </dgm:alg>
+                          </dgm:if>
+                          <dgm:else name="Name93">
+                            <dgm:alg type="cycle">
+                              <dgm:param type="ctrShpMap" val="fNode"/>
+                              <dgm:param type="stAng" val="0"/>
+                              <dgm:param type="spanAng" val="360"/>
+                            </dgm:alg>
+                          </dgm:else>
+                        </dgm:choose>
+                      </dgm:if>
+                      <dgm:if name="Name94" axis="ch" ptType="node" func="cnt" op="gte" val="7">
+                        <dgm:choose name="Name95">
+                          <dgm:if name="Name96" axis="ch ch" ptType="node node" st="1 1" cnt="1 0" func="cnt" op="equ" val="1">
+                            <dgm:alg type="cycle">
+                              <dgm:param type="ctrShpMap" val="fNode"/>
+                              <dgm:param type="stAng" val="0"/>
+                            </dgm:alg>
+                          </dgm:if>
+                          <dgm:if name="Name97" axis="ch ch" ptType="node node" st="1 1" cnt="1 0" func="cnt" op="equ" val="2">
+                            <dgm:alg type="cycle">
+                              <dgm:param type="ctrShpMap" val="fNode"/>
+                              <dgm:param type="stAng" val="315"/>
+                              <dgm:param type="spanAng" val="90"/>
+                            </dgm:alg>
+                          </dgm:if>
+                          <dgm:else name="Name98">
+                            <dgm:alg type="cycle">
+                              <dgm:param type="ctrShpMap" val="fNode"/>
+                              <dgm:param type="stAng" val="0"/>
+                              <dgm:param type="spanAng" val="360"/>
+                            </dgm:alg>
+                          </dgm:else>
+                        </dgm:choose>
+                      </dgm:if>
+                      <dgm:else name="Name99"/>
+                    </dgm:choose>
+                  </dgm:if>
+                  <dgm:else name="Name100">
+                    <dgm:choose name="Name101">
+                      <dgm:if name="Name102" axis="ch" ptType="node" func="cnt" op="equ" val="1">
+                        <dgm:choose name="Name103">
+                          <dgm:if name="Name104" axis="ch ch" ptType="node node" st="1 1" cnt="1 0" func="cnt" op="equ" val="1">
+                            <dgm:alg type="cycle">
+                              <dgm:param type="ctrShpMap" val="fNode"/>
+                              <dgm:param type="stAng" val="270"/>
+                            </dgm:alg>
+                          </dgm:if>
+                          <dgm:if name="Name105" axis="ch ch" ptType="node node" st="1 1" cnt="1 0" func="cnt" op="equ" val="2">
+                            <dgm:alg type="cycle">
+                              <dgm:param type="ctrShpMap" val="fNode"/>
+                              <dgm:param type="stAng" val="315"/>
+                              <dgm:param type="spanAng" val="-90"/>
+                            </dgm:alg>
+                          </dgm:if>
+                          <dgm:else name="Name106">
+                            <dgm:alg type="cycle">
+                              <dgm:param type="ctrShpMap" val="fNode"/>
+                              <dgm:param type="stAng" val="0"/>
+                              <dgm:param type="spanAng" val="-180"/>
+                            </dgm:alg>
+                          </dgm:else>
+                        </dgm:choose>
+                      </dgm:if>
+                      <dgm:if name="Name107" axis="ch" ptType="node" func="cnt" op="equ" val="2">
+                        <dgm:choose name="Name108">
+                          <dgm:if name="Name109" axis="ch ch" ptType="node node" st="1 1" cnt="1 0" func="cnt" op="equ" val="1">
+                            <dgm:alg type="cycle">
+                              <dgm:param type="ctrShpMap" val="fNode"/>
+                              <dgm:param type="stAng" val="0"/>
+                            </dgm:alg>
+                          </dgm:if>
+                          <dgm:if name="Name110" axis="ch ch" ptType="node node" st="1 1" cnt="1 0" func="cnt" op="equ" val="2">
+                            <dgm:alg type="cycle">
+                              <dgm:param type="ctrShpMap" val="fNode"/>
+                              <dgm:param type="stAng" val="45"/>
+                              <dgm:param type="spanAng" val="-90"/>
+                            </dgm:alg>
+                          </dgm:if>
+                          <dgm:else name="Name111">
+                            <dgm:alg type="cycle">
+                              <dgm:param type="ctrShpMap" val="fNode"/>
+                              <dgm:param type="stAng" val="90"/>
+                              <dgm:param type="spanAng" val="-180"/>
+                            </dgm:alg>
+                          </dgm:else>
+                        </dgm:choose>
+                      </dgm:if>
+                      <dgm:if name="Name112" axis="ch" ptType="node" func="cnt" op="equ" val="3">
+                        <dgm:choose name="Name113">
+                          <dgm:if name="Name114" axis="ch ch" ptType="node node" st="1 1" cnt="1 0" func="cnt" op="equ" val="1">
+                            <dgm:alg type="cycle">
+                              <dgm:param type="ctrShpMap" val="fNode"/>
+                              <dgm:param type="stAng" val="0"/>
+                            </dgm:alg>
+                          </dgm:if>
+                          <dgm:if name="Name115" axis="ch ch" ptType="node node" st="1 1" cnt="1 0" func="cnt" op="equ" val="2">
+                            <dgm:alg type="cycle">
+                              <dgm:param type="ctrShpMap" val="fNode"/>
+                              <dgm:param type="stAng" val="45"/>
+                              <dgm:param type="spanAng" val="-90"/>
+                            </dgm:alg>
+                          </dgm:if>
+                          <dgm:else name="Name116">
+                            <dgm:alg type="cycle">
+                              <dgm:param type="ctrShpMap" val="fNode"/>
+                              <dgm:param type="stAng" val="90"/>
+                              <dgm:param type="spanAng" val="-180"/>
+                            </dgm:alg>
+                          </dgm:else>
+                        </dgm:choose>
+                      </dgm:if>
+                      <dgm:if name="Name117" axis="ch" ptType="node" func="cnt" op="equ" val="4">
+                        <dgm:choose name="Name118">
+                          <dgm:if name="Name119" axis="ch ch" ptType="node node" st="1 1" cnt="1 0" func="cnt" op="equ" val="1">
+                            <dgm:alg type="cycle">
+                              <dgm:param type="ctrShpMap" val="fNode"/>
+                              <dgm:param type="stAng" val="0"/>
+                            </dgm:alg>
+                          </dgm:if>
+                          <dgm:if name="Name120" axis="ch ch" ptType="node node" st="1 1" cnt="1 0" func="cnt" op="equ" val="2">
+                            <dgm:alg type="cycle">
+                              <dgm:param type="ctrShpMap" val="fNode"/>
+                              <dgm:param type="stAng" val="45"/>
+                              <dgm:param type="spanAng" val="-90"/>
+                            </dgm:alg>
+                          </dgm:if>
+                          <dgm:else name="Name121">
+                            <dgm:alg type="cycle">
+                              <dgm:param type="ctrShpMap" val="fNode"/>
+                              <dgm:param type="stAng" val="67.5"/>
+                              <dgm:param type="spanAng" val="-135"/>
+                            </dgm:alg>
+                          </dgm:else>
+                        </dgm:choose>
+                      </dgm:if>
+                      <dgm:if name="Name122" axis="ch" ptType="node" func="cnt" op="equ" val="5">
+                        <dgm:choose name="Name123">
+                          <dgm:if name="Name124" axis="ch ch" ptType="node node" st="1 1" cnt="1 0" func="cnt" op="equ" val="1">
+                            <dgm:alg type="cycle">
+                              <dgm:param type="ctrShpMap" val="fNode"/>
+                              <dgm:param type="stAng" val="0"/>
+                            </dgm:alg>
+                          </dgm:if>
+                          <dgm:if name="Name125" axis="ch ch" ptType="node node" st="1 1" cnt="1 0" func="cnt" op="equ" val="2">
+                            <dgm:alg type="cycle">
+                              <dgm:param type="ctrShpMap" val="fNode"/>
+                              <dgm:param type="stAng" val="45"/>
+                              <dgm:param type="spanAng" val="-90"/>
+                            </dgm:alg>
+                          </dgm:if>
+                          <dgm:else name="Name126">
+                            <dgm:alg type="cycle">
+                              <dgm:param type="ctrShpMap" val="fNode"/>
+                              <dgm:param type="stAng" val="0"/>
+                              <dgm:param type="spanAng" val="-360"/>
+                            </dgm:alg>
+                          </dgm:else>
+                        </dgm:choose>
+                      </dgm:if>
+                      <dgm:if name="Name127" axis="ch" ptType="node" func="cnt" op="equ" val="6">
+                        <dgm:choose name="Name128">
+                          <dgm:if name="Name129" axis="ch ch" ptType="node node" st="1 1" cnt="1 0" func="cnt" op="equ" val="1">
+                            <dgm:alg type="cycle">
+                              <dgm:param type="ctrShpMap" val="fNode"/>
+                              <dgm:param type="stAng" val="0"/>
+                            </dgm:alg>
+                          </dgm:if>
+                          <dgm:if name="Name130" axis="ch ch" ptType="node node" st="1 1" cnt="1 0" func="cnt" op="equ" val="2">
+                            <dgm:alg type="cycle">
+                              <dgm:param type="ctrShpMap" val="fNode"/>
+                              <dgm:param type="stAng" val="45"/>
+                              <dgm:param type="spanAng" val="-90"/>
+                            </dgm:alg>
+                          </dgm:if>
+                          <dgm:else name="Name131">
+                            <dgm:alg type="cycle">
+                              <dgm:param type="ctrShpMap" val="fNode"/>
+                              <dgm:param type="stAng" val="0"/>
+                              <dgm:param type="spanAng" val="-360"/>
+                            </dgm:alg>
+                          </dgm:else>
+                        </dgm:choose>
+                      </dgm:if>
+                      <dgm:if name="Name132" axis="ch" ptType="node" func="cnt" op="gte" val="7">
+                        <dgm:choose name="Name133">
+                          <dgm:if name="Name134" axis="ch ch" ptType="node node" st="1 1" cnt="1 0" func="cnt" op="equ" val="1">
+                            <dgm:alg type="cycle">
+                              <dgm:param type="ctrShpMap" val="fNode"/>
+                              <dgm:param type="stAng" val="0"/>
+                            </dgm:alg>
+                          </dgm:if>
+                          <dgm:if name="Name135" axis="ch ch" ptType="node node" st="1 1" cnt="1 0" func="cnt" op="equ" val="2">
+                            <dgm:alg type="cycle">
+                              <dgm:param type="ctrShpMap" val="fNode"/>
+                              <dgm:param type="stAng" val="45"/>
+                              <dgm:param type="spanAng" val="-90"/>
+                            </dgm:alg>
+                          </dgm:if>
+                          <dgm:else name="Name136">
+                            <dgm:alg type="cycle">
+                              <dgm:param type="ctrShpMap" val="fNode"/>
+                              <dgm:param type="stAng" val="0"/>
+                              <dgm:param type="spanAng" val="-360"/>
+                            </dgm:alg>
+                          </dgm:else>
+                        </dgm:choose>
+                      </dgm:if>
+                      <dgm:else name="Name137"/>
+                    </dgm:choose>
+                  </dgm:else>
+                </dgm:choose>
+                <dgm:shape xmlns:r="http://schemas.openxmlformats.org/officeDocument/2006/relationships" r:blip="">
+                  <dgm:adjLst/>
+                </dgm:shape>
+                <dgm:presOf/>
+                <dgm:constrLst>
+                  <dgm:constr type="sp" refType="w" fact="0.1"/>
+                  <dgm:constr type="sibSp" refType="w" fact="0.1"/>
+                </dgm:constrLst>
+                <dgm:forEach name="Name138" axis="ch" ptType="node" cnt="1">
+                  <dgm:layoutNode name="childCenter1" styleLbl="node1">
+                    <dgm:alg type="tx"/>
+                    <dgm:shape xmlns:r="http://schemas.openxmlformats.org/officeDocument/2006/relationships" type="roundRect" r:blip="">
+                      <dgm:adjLst/>
+                    </dgm:shape>
+                    <dgm:presOf axis="self" ptType="node"/>
+                    <dgm:constrLst>
+                      <dgm:constr type="userS"/>
+                      <dgm:constr type="w" refType="userS"/>
+                      <dgm:constr type="h" refType="w"/>
+                      <dgm:constr type="tMarg" refType="primFontSz" fact="0.2"/>
+                      <dgm:constr type="bMarg" refType="primFontSz" fact="0.2"/>
+                      <dgm:constr type="lMarg" refType="primFontSz" fact="0.2"/>
+                      <dgm:constr type="rMarg" refType="primFontSz" fact="0.2"/>
+                    </dgm:constrLst>
+                    <dgm:ruleLst>
+                      <dgm:rule type="primFontSz" val="5" fact="NaN" max="NaN"/>
+                    </dgm:ruleLst>
+                  </dgm:layoutNode>
+                  <dgm:forEach name="Name139" axis="ch">
+                    <dgm:forEach name="Name140" axis="self" ptType="parTrans">
+                      <dgm:layoutNode name="Name141">
+                        <dgm:alg type="conn">
+                          <dgm:param type="dim" val="1D"/>
+                          <dgm:param type="begPts" val="auto"/>
+                          <dgm:param type="endPts" val="auto"/>
+                          <dgm:param type="begSty" val="noArr"/>
+                          <dgm:param type="endSty" val="noArr"/>
+                        </dgm:alg>
+                        <dgm:shape xmlns:r="http://schemas.openxmlformats.org/officeDocument/2006/relationships" type="conn" r:blip="">
+                          <dgm:adjLst/>
+                        </dgm:shape>
+                        <dgm:presOf axis="self"/>
+                        <dgm:constrLst>
+                          <dgm:constr type="begPad"/>
+                          <dgm:constr type="endPad"/>
+                        </dgm:constrLst>
+                      </dgm:layoutNode>
+                    </dgm:forEach>
+                    <dgm:forEach name="Name142" axis="self" ptType="node">
+                      <dgm:layoutNode name="text1" styleLbl="node1">
+                        <dgm:varLst>
+                          <dgm:bulletEnabled val="1"/>
+                        </dgm:varLst>
+                        <dgm:alg type="tx"/>
+                        <dgm:shape xmlns:r="http://schemas.openxmlformats.org/officeDocument/2006/relationships" type="roundRect" r:blip="">
+                          <dgm:adjLst/>
+                        </dgm:shape>
+                        <dgm:presOf axis="desOrSelf" ptType="node"/>
+                        <dgm:constrLst>
+                          <dgm:constr type="userS"/>
+                          <dgm:constr type="w" refType="userS"/>
+                          <dgm:constr type="h" refType="w"/>
+                          <dgm:constr type="tMarg" refType="primFontSz" fact="0.2"/>
+                          <dgm:constr type="bMarg" refType="primFontSz" fact="0.2"/>
+                          <dgm:constr type="lMarg" refType="primFontSz" fact="0.2"/>
+                          <dgm:constr type="rMarg" refType="primFontSz" fact="0.2"/>
+                        </dgm:constrLst>
+                        <dgm:ruleLst>
+                          <dgm:rule type="primFontSz" val="5" fact="NaN" max="NaN"/>
+                        </dgm:ruleLst>
+                      </dgm:layoutNode>
+                    </dgm:forEach>
+                  </dgm:forEach>
+                </dgm:forEach>
+              </dgm:layoutNode>
+              <dgm:forEach name="Name143" axis="ch" ptType="parTrans" cnt="1">
+                <dgm:layoutNode name="Name144">
+                  <dgm:alg type="conn">
+                    <dgm:param type="dim" val="1D"/>
+                    <dgm:param type="begPts" val="auto"/>
+                    <dgm:param type="endPts" val="auto"/>
+                    <dgm:param type="endSty" val="noArr"/>
+                    <dgm:param type="srcNode" val="textCenter"/>
+                    <dgm:param type="dstNode" val="childCenter1"/>
+                  </dgm:alg>
+                  <dgm:shape xmlns:r="http://schemas.openxmlformats.org/officeDocument/2006/relationships" type="conn" r:blip="" zOrderOff="-999">
+                    <dgm:adjLst/>
+                  </dgm:shape>
+                  <dgm:presOf axis="self"/>
+                  <dgm:constrLst>
+                    <dgm:constr type="h"/>
+                    <dgm:constr type="begPad"/>
+                    <dgm:constr type="endPad"/>
+                  </dgm:constrLst>
+                </dgm:layoutNode>
+              </dgm:forEach>
+            </dgm:if>
+            <dgm:else name="Name145"/>
+          </dgm:choose>
+          <dgm:choose name="Name146">
+            <dgm:if name="Name147" axis="ch" ptType="node" func="cnt" op="gte" val="2">
+              <dgm:layoutNode name="cycle_2">
+                <dgm:choose name="Name148">
+                  <dgm:if name="Name149" func="var" arg="dir" op="equ" val="norm">
+                    <dgm:choose name="Name150">
+                      <dgm:if name="Name151" axis="ch" ptType="node" func="cnt" op="equ" val="2">
+                        <dgm:choose name="Name152">
+                          <dgm:if name="Name153" axis="ch ch" ptType="node node" st="2 1" cnt="1 0" func="cnt" op="equ" val="1">
+                            <dgm:alg type="cycle">
+                              <dgm:param type="ctrShpMap" val="fNode"/>
+                              <dgm:param type="stAng" val="180"/>
+                            </dgm:alg>
+                          </dgm:if>
+                          <dgm:if name="Name154" axis="ch ch" ptType="node node" st="2 1" cnt="1 0" func="cnt" op="equ" val="2">
+                            <dgm:alg type="cycle">
+                              <dgm:param type="ctrShpMap" val="fNode"/>
+                              <dgm:param type="stAng" val="135"/>
+                              <dgm:param type="spanAng" val="90"/>
+                            </dgm:alg>
+                          </dgm:if>
+                          <dgm:else name="Name155">
+                            <dgm:alg type="cycle">
+                              <dgm:param type="ctrShpMap" val="fNode"/>
+                              <dgm:param type="stAng" val="90"/>
+                              <dgm:param type="spanAng" val="180"/>
+                            </dgm:alg>
+                          </dgm:else>
+                        </dgm:choose>
+                      </dgm:if>
+                      <dgm:if name="Name156" axis="ch" ptType="node" func="cnt" op="equ" val="3">
+                        <dgm:choose name="Name157">
+                          <dgm:if name="Name158" axis="ch ch" ptType="node node" st="2 1" cnt="1 0" func="cnt" op="equ" val="1">
+                            <dgm:alg type="cycle">
+                              <dgm:param type="ctrShpMap" val="fNode"/>
+                              <dgm:param type="stAng" val="120"/>
+                              <dgm:param type="horzAlign" val="r"/>
+                              <dgm:param type="vertAlign" val="b"/>
+                            </dgm:alg>
+                          </dgm:if>
+                          <dgm:if name="Name159" axis="ch ch" ptType="node node" st="2 1" cnt="1 0" func="cnt" op="equ" val="2">
+                            <dgm:alg type="cycle">
+                              <dgm:param type="ctrShpMap" val="fNode"/>
+                              <dgm:param type="stAng" val="75"/>
+                              <dgm:param type="spanAng" val="90"/>
+                              <dgm:param type="horzAlign" val="r"/>
+                              <dgm:param type="vertAlign" val="b"/>
+                            </dgm:alg>
+                          </dgm:if>
+                          <dgm:else name="Name160">
+                            <dgm:alg type="cycle">
+                              <dgm:param type="ctrShpMap" val="fNode"/>
+                              <dgm:param type="stAng" val="30"/>
+                              <dgm:param type="spanAng" val="180"/>
+                            </dgm:alg>
+                          </dgm:else>
+                        </dgm:choose>
+                      </dgm:if>
+                      <dgm:if name="Name161" axis="ch" ptType="node" func="cnt" op="equ" val="4">
+                        <dgm:choose name="Name162">
+                          <dgm:if name="Name163" axis="ch ch" ptType="node node" st="2 1" cnt="1 0" func="cnt" op="equ" val="1">
+                            <dgm:alg type="cycle">
+                              <dgm:param type="ctrShpMap" val="fNode"/>
+                              <dgm:param type="stAng" val="90"/>
+                            </dgm:alg>
+                          </dgm:if>
+                          <dgm:if name="Name164" axis="ch ch" ptType="node node" st="2 1" cnt="1 0" func="cnt" op="equ" val="2">
+                            <dgm:alg type="cycle">
+                              <dgm:param type="ctrShpMap" val="fNode"/>
+                              <dgm:param type="stAng" val="45"/>
+                              <dgm:param type="spanAng" val="90"/>
+                            </dgm:alg>
+                          </dgm:if>
+                          <dgm:else name="Name165">
+                            <dgm:alg type="cycle">
+                              <dgm:param type="ctrShpMap" val="fNode"/>
+                              <dgm:param type="stAng" val="22.5"/>
+                              <dgm:param type="spanAng" val="135"/>
+                            </dgm:alg>
+                          </dgm:else>
+                        </dgm:choose>
+                      </dgm:if>
+                      <dgm:if name="Name166" axis="ch" ptType="node" func="cnt" op="equ" val="5">
+                        <dgm:choose name="Name167">
+                          <dgm:if name="Name168" axis="ch ch" ptType="node node" st="2 1" cnt="1 0" func="cnt" op="equ" val="1">
+                            <dgm:alg type="cycle">
+                              <dgm:param type="ctrShpMap" val="fNode"/>
+                              <dgm:param type="stAng" val="72"/>
+                            </dgm:alg>
+                          </dgm:if>
+                          <dgm:if name="Name169" axis="ch ch" ptType="node node" st="2 1" cnt="1 0" func="cnt" op="equ" val="2">
+                            <dgm:alg type="cycle">
+                              <dgm:param type="ctrShpMap" val="fNode"/>
+                              <dgm:param type="stAng" val="27"/>
+                              <dgm:param type="spanAng" val="90"/>
+                            </dgm:alg>
+                          </dgm:if>
+                          <dgm:else name="Name170">
+                            <dgm:alg type="cycle">
+                              <dgm:param type="ctrShpMap" val="fNode"/>
+                              <dgm:param type="stAng" val="0"/>
+                              <dgm:param type="spanAng" val="360"/>
+                            </dgm:alg>
+                          </dgm:else>
+                        </dgm:choose>
+                      </dgm:if>
+                      <dgm:if name="Name171" axis="ch" ptType="node" func="cnt" op="equ" val="6">
+                        <dgm:choose name="Name172">
+                          <dgm:if name="Name173" axis="ch ch" ptType="node node" st="2 1" cnt="1 0" func="cnt" op="equ" val="1">
+                            <dgm:alg type="cycle">
+                              <dgm:param type="ctrShpMap" val="fNode"/>
+                              <dgm:param type="stAng" val="60"/>
+                            </dgm:alg>
+                          </dgm:if>
+                          <dgm:if name="Name174" axis="ch ch" ptType="node node" st="2 1" cnt="1 0" func="cnt" op="equ" val="2">
+                            <dgm:alg type="cycle">
+                              <dgm:param type="ctrShpMap" val="fNode"/>
+                              <dgm:param type="stAng" val="15"/>
+                              <dgm:param type="spanAng" val="90"/>
+                            </dgm:alg>
+                          </dgm:if>
+                          <dgm:else name="Name175">
+                            <dgm:alg type="cycle">
+                              <dgm:param type="ctrShpMap" val="fNode"/>
+                              <dgm:param type="stAng" val="0"/>
+                              <dgm:param type="spanAng" val="360"/>
+                            </dgm:alg>
+                          </dgm:else>
+                        </dgm:choose>
+                      </dgm:if>
+                      <dgm:if name="Name176" axis="ch" ptType="node" func="cnt" op="gte" val="7">
+                        <dgm:choose name="Name177">
+                          <dgm:if name="Name178" axis="ch ch" ptType="node node" st="2 1" cnt="1 0" func="cnt" op="equ" val="1">
+                            <dgm:alg type="cycle">
+                              <dgm:param type="ctrShpMap" val="fNode"/>
+                              <dgm:param type="stAng" val="51"/>
+                            </dgm:alg>
+                          </dgm:if>
+                          <dgm:if name="Name179" axis="ch ch" ptType="node node" st="2 1" cnt="1 0" func="cnt" op="equ" val="2">
+                            <dgm:alg type="cycle">
+                              <dgm:param type="ctrShpMap" val="fNode"/>
+                              <dgm:param type="stAng" val="6"/>
+                              <dgm:param type="spanAng" val="90"/>
+                            </dgm:alg>
+                          </dgm:if>
+                          <dgm:else name="Name180">
+                            <dgm:alg type="cycle">
+                              <dgm:param type="ctrShpMap" val="fNode"/>
+                              <dgm:param type="stAng" val="0"/>
+                              <dgm:param type="spanAng" val="360"/>
+                            </dgm:alg>
+                          </dgm:else>
+                        </dgm:choose>
+                      </dgm:if>
+                      <dgm:else name="Name181"/>
+                    </dgm:choose>
+                  </dgm:if>
+                  <dgm:else name="Name182">
+                    <dgm:choose name="Name183">
+                      <dgm:if name="Name184" axis="ch" ptType="node" func="cnt" op="equ" val="2">
+                        <dgm:choose name="Name185">
+                          <dgm:if name="Name186" axis="ch ch" ptType="node node" st="2 1" cnt="1 0" func="cnt" op="equ" val="1">
+                            <dgm:alg type="cycle">
+                              <dgm:param type="ctrShpMap" val="fNode"/>
+                              <dgm:param type="stAng" val="180"/>
+                            </dgm:alg>
+                          </dgm:if>
+                          <dgm:if name="Name187" axis="ch ch" ptType="node node" st="2 1" cnt="1 0" func="cnt" op="equ" val="2">
+                            <dgm:alg type="cycle">
+                              <dgm:param type="ctrShpMap" val="fNode"/>
+                              <dgm:param type="stAng" val="225"/>
+                              <dgm:param type="spanAng" val="-90"/>
+                            </dgm:alg>
+                          </dgm:if>
+                          <dgm:else name="Name188">
+                            <dgm:alg type="cycle">
+                              <dgm:param type="ctrShpMap" val="fNode"/>
+                              <dgm:param type="stAng" val="270"/>
+                              <dgm:param type="spanAng" val="-180"/>
+                            </dgm:alg>
+                          </dgm:else>
+                        </dgm:choose>
+                      </dgm:if>
+                      <dgm:if name="Name189" axis="ch" ptType="node" func="cnt" op="equ" val="3">
+                        <dgm:choose name="Name190">
+                          <dgm:if name="Name191" axis="ch ch" ptType="node node" st="2 1" cnt="1 0" func="cnt" op="equ" val="1">
+                            <dgm:alg type="cycle">
+                              <dgm:param type="ctrShpMap" val="fNode"/>
+                              <dgm:param type="stAng" val="240"/>
+                              <dgm:param type="horzAlign" val="l"/>
+                              <dgm:param type="vertAlign" val="b"/>
+                            </dgm:alg>
+                          </dgm:if>
+                          <dgm:if name="Name192" axis="ch ch" ptType="node node" st="2 1" cnt="1 0" func="cnt" op="equ" val="2">
+                            <dgm:alg type="cycle">
+                              <dgm:param type="ctrShpMap" val="fNode"/>
+                              <dgm:param type="stAng" val="285"/>
+                              <dgm:param type="spanAng" val="-90"/>
+                              <dgm:param type="horzAlign" val="l"/>
+                              <dgm:param type="vertAlign" val="b"/>
+                            </dgm:alg>
+                          </dgm:if>
+                          <dgm:else name="Name193">
+                            <dgm:alg type="cycle">
+                              <dgm:param type="ctrShpMap" val="fNode"/>
+                              <dgm:param type="stAng" val="330"/>
+                              <dgm:param type="spanAng" val="-180"/>
+                            </dgm:alg>
+                          </dgm:else>
+                        </dgm:choose>
+                      </dgm:if>
+                      <dgm:if name="Name194" axis="ch" ptType="node" func="cnt" op="equ" val="4">
+                        <dgm:choose name="Name195">
+                          <dgm:if name="Name196" axis="ch ch" ptType="node node" st="2 1" cnt="1 0" func="cnt" op="equ" val="1">
+                            <dgm:alg type="cycle">
+                              <dgm:param type="ctrShpMap" val="fNode"/>
+                              <dgm:param type="stAng" val="270"/>
+                            </dgm:alg>
+                          </dgm:if>
+                          <dgm:if name="Name197" axis="ch ch" ptType="node node" st="2 1" cnt="1 0" func="cnt" op="equ" val="2">
+                            <dgm:alg type="cycle">
+                              <dgm:param type="ctrShpMap" val="fNode"/>
+                              <dgm:param type="stAng" val="315"/>
+                              <dgm:param type="spanAng" val="-90"/>
+                            </dgm:alg>
+                          </dgm:if>
+                          <dgm:else name="Name198">
+                            <dgm:alg type="cycle">
+                              <dgm:param type="ctrShpMap" val="fNode"/>
+                              <dgm:param type="stAng" val="337.5"/>
+                              <dgm:param type="spanAng" val="-135"/>
+                            </dgm:alg>
+                          </dgm:else>
+                        </dgm:choose>
+                      </dgm:if>
+                      <dgm:if name="Name199" axis="ch" ptType="node" func="cnt" op="equ" val="5">
+                        <dgm:choose name="Name200">
+                          <dgm:if name="Name201" axis="ch ch" ptType="node node" st="2 1" cnt="1 0" func="cnt" op="equ" val="1">
+                            <dgm:alg type="cycle">
+                              <dgm:param type="ctrShpMap" val="fNode"/>
+                              <dgm:param type="stAng" val="288"/>
+                            </dgm:alg>
+                          </dgm:if>
+                          <dgm:if name="Name202" axis="ch ch" ptType="node node" st="2 1" cnt="1 0" func="cnt" op="equ" val="2">
+                            <dgm:alg type="cycle">
+                              <dgm:param type="ctrShpMap" val="fNode"/>
+                              <dgm:param type="stAng" val="333"/>
+                              <dgm:param type="spanAng" val="-90"/>
+                            </dgm:alg>
+                          </dgm:if>
+                          <dgm:else name="Name203">
+                            <dgm:alg type="cycle">
+                              <dgm:param type="ctrShpMap" val="fNode"/>
+                              <dgm:param type="stAng" val="0"/>
+                              <dgm:param type="spanAng" val="-360"/>
+                            </dgm:alg>
+                          </dgm:else>
+                        </dgm:choose>
+                      </dgm:if>
+                      <dgm:if name="Name204" axis="ch" ptType="node" func="cnt" op="equ" val="6">
+                        <dgm:choose name="Name205">
+                          <dgm:if name="Name206" axis="ch ch" ptType="node node" st="2 1" cnt="1 0" func="cnt" op="equ" val="1">
+                            <dgm:alg type="cycle">
+                              <dgm:param type="ctrShpMap" val="fNode"/>
+                              <dgm:param type="stAng" val="300"/>
+                            </dgm:alg>
+                          </dgm:if>
+                          <dgm:if name="Name207" axis="ch ch" ptType="node node" st="2 1" cnt="1 0" func="cnt" op="equ" val="2">
+                            <dgm:alg type="cycle">
+                              <dgm:param type="ctrShpMap" val="fNode"/>
+                              <dgm:param type="stAng" val="345"/>
+                              <dgm:param type="spanAng" val="-90"/>
+                            </dgm:alg>
+                          </dgm:if>
+                          <dgm:else name="Name208">
+                            <dgm:alg type="cycle">
+                              <dgm:param type="ctrShpMap" val="fNode"/>
+                              <dgm:param type="stAng" val="0"/>
+                              <dgm:param type="spanAng" val="-360"/>
+                            </dgm:alg>
+                          </dgm:else>
+                        </dgm:choose>
+                      </dgm:if>
+                      <dgm:if name="Name209" axis="ch" ptType="node" func="cnt" op="gte" val="7">
+                        <dgm:choose name="Name210">
+                          <dgm:if name="Name211" axis="ch ch" ptType="node node" st="2 1" cnt="1 0" func="cnt" op="equ" val="1">
+                            <dgm:alg type="cycle">
+                              <dgm:param type="ctrShpMap" val="fNode"/>
+                              <dgm:param type="stAng" val="308"/>
+                            </dgm:alg>
+                          </dgm:if>
+                          <dgm:if name="Name212" axis="ch ch" ptType="node node" st="2 1" cnt="1 0" func="cnt" op="equ" val="2">
+                            <dgm:alg type="cycle">
+                              <dgm:param type="ctrShpMap" val="fNode"/>
+                              <dgm:param type="stAng" val="353"/>
+                              <dgm:param type="spanAng" val="-90"/>
+                            </dgm:alg>
+                          </dgm:if>
+                          <dgm:else name="Name213">
+                            <dgm:alg type="cycle">
+                              <dgm:param type="ctrShpMap" val="fNode"/>
+                              <dgm:param type="stAng" val="0"/>
+                              <dgm:param type="spanAng" val="-360"/>
+                            </dgm:alg>
+                          </dgm:else>
+                        </dgm:choose>
+                      </dgm:if>
+                      <dgm:else name="Name214"/>
+                    </dgm:choose>
+                  </dgm:else>
+                </dgm:choose>
+                <dgm:shape xmlns:r="http://schemas.openxmlformats.org/officeDocument/2006/relationships" r:blip="">
+                  <dgm:adjLst/>
+                </dgm:shape>
+                <dgm:presOf/>
+                <dgm:constrLst>
+                  <dgm:constr type="sp" refType="w" fact="0.1"/>
+                  <dgm:constr type="sibSp" refType="w" fact="0.1"/>
+                </dgm:constrLst>
+                <dgm:forEach name="Name215" axis="ch" ptType="node" st="2" cnt="1">
+                  <dgm:layoutNode name="childCenter2" styleLbl="node1">
+                    <dgm:alg type="tx"/>
+                    <dgm:shape xmlns:r="http://schemas.openxmlformats.org/officeDocument/2006/relationships" type="roundRect" r:blip="">
+                      <dgm:adjLst/>
+                    </dgm:shape>
+                    <dgm:presOf axis="self" ptType="node"/>
+                    <dgm:constrLst>
+                      <dgm:constr type="userS"/>
+                      <dgm:constr type="w" refType="userS"/>
+                      <dgm:constr type="h" refType="w"/>
+                      <dgm:constr type="tMarg" refType="primFontSz" fact="0.2"/>
+                      <dgm:constr type="bMarg" refType="primFontSz" fact="0.2"/>
+                      <dgm:constr type="lMarg" refType="primFontSz" fact="0.2"/>
+                      <dgm:constr type="rMarg" refType="primFontSz" fact="0.2"/>
+                    </dgm:constrLst>
+                    <dgm:ruleLst>
+                      <dgm:rule type="primFontSz" val="5" fact="NaN" max="NaN"/>
+                    </dgm:ruleLst>
+                  </dgm:layoutNode>
+                  <dgm:forEach name="Name216" axis="ch">
+                    <dgm:forEach name="Name217" axis="self" ptType="parTrans">
+                      <dgm:layoutNode name="Name218">
+                        <dgm:alg type="conn">
+                          <dgm:param type="dim" val="1D"/>
+                          <dgm:param type="begPts" val="auto"/>
+                          <dgm:param type="endPts" val="auto"/>
+                          <dgm:param type="begSty" val="noArr"/>
+                          <dgm:param type="endSty" val="noArr"/>
+                        </dgm:alg>
+                        <dgm:shape xmlns:r="http://schemas.openxmlformats.org/officeDocument/2006/relationships" type="conn" r:blip="">
+                          <dgm:adjLst/>
+                        </dgm:shape>
+                        <dgm:presOf axis="self"/>
+                        <dgm:constrLst>
+                          <dgm:constr type="begPad"/>
+                          <dgm:constr type="endPad"/>
+                        </dgm:constrLst>
+                      </dgm:layoutNode>
+                    </dgm:forEach>
+                    <dgm:forEach name="Name219" axis="self" ptType="node">
+                      <dgm:layoutNode name="text2" styleLbl="node1">
+                        <dgm:varLst>
+                          <dgm:bulletEnabled val="1"/>
+                        </dgm:varLst>
+                        <dgm:alg type="tx"/>
+                        <dgm:shape xmlns:r="http://schemas.openxmlformats.org/officeDocument/2006/relationships" type="roundRect" r:blip="">
+                          <dgm:adjLst/>
+                        </dgm:shape>
+                        <dgm:presOf axis="desOrSelf" ptType="node"/>
+                        <dgm:constrLst>
+                          <dgm:constr type="userS"/>
+                          <dgm:constr type="w" refType="userS"/>
+                          <dgm:constr type="h" refType="w"/>
+                          <dgm:constr type="tMarg" refType="primFontSz" fact="0.2"/>
+                          <dgm:constr type="bMarg" refType="primFontSz" fact="0.2"/>
+                          <dgm:constr type="lMarg" refType="primFontSz" fact="0.2"/>
+                          <dgm:constr type="rMarg" refType="primFontSz" fact="0.2"/>
+                        </dgm:constrLst>
+                        <dgm:ruleLst>
+                          <dgm:rule type="primFontSz" val="5" fact="NaN" max="NaN"/>
+                        </dgm:ruleLst>
+                      </dgm:layoutNode>
+                    </dgm:forEach>
+                  </dgm:forEach>
+                </dgm:forEach>
+              </dgm:layoutNode>
+              <dgm:forEach name="Name220" axis="ch" ptType="parTrans" st="2" cnt="1">
+                <dgm:layoutNode name="Name221">
+                  <dgm:alg type="conn">
+                    <dgm:param type="dim" val="1D"/>
+                    <dgm:param type="begPts" val="auto"/>
+                    <dgm:param type="endPts" val="auto"/>
+                    <dgm:param type="endSty" val="noArr"/>
+                    <dgm:param type="srcNode" val="textCenter"/>
+                    <dgm:param type="dstNode" val="childCenter2"/>
+                  </dgm:alg>
+                  <dgm:shape xmlns:r="http://schemas.openxmlformats.org/officeDocument/2006/relationships" type="conn" r:blip="" zOrderOff="-999">
+                    <dgm:adjLst/>
+                  </dgm:shape>
+                  <dgm:presOf axis="self"/>
+                  <dgm:constrLst>
+                    <dgm:constr type="h"/>
+                    <dgm:constr type="begPad"/>
+                    <dgm:constr type="endPad"/>
+                  </dgm:constrLst>
+                </dgm:layoutNode>
+              </dgm:forEach>
+            </dgm:if>
+            <dgm:else name="Name222"/>
+          </dgm:choose>
+          <dgm:choose name="Name223">
+            <dgm:if name="Name224" axis="ch" ptType="node" func="cnt" op="gte" val="3">
+              <dgm:layoutNode name="cycle_3">
+                <dgm:choose name="Name225">
+                  <dgm:if name="Name226" func="var" arg="dir" op="equ" val="norm">
+                    <dgm:choose name="Name227">
+                      <dgm:if name="Name228" axis="ch" ptType="node" func="cnt" op="equ" val="3">
+                        <dgm:choose name="Name229">
+                          <dgm:if name="Name230" axis="ch ch" ptType="node node" st="3 1" cnt="1 0" func="cnt" op="equ" val="1">
+                            <dgm:alg type="cycle">
+                              <dgm:param type="ctrShpMap" val="fNode"/>
+                              <dgm:param type="stAng" val="240"/>
+                              <dgm:param type="horzAlign" val="l"/>
+                              <dgm:param type="vertAlign" val="b"/>
+                            </dgm:alg>
+                          </dgm:if>
+                          <dgm:if name="Name231" axis="ch ch" ptType="node node" st="3 1" cnt="1 0" func="cnt" op="equ" val="2">
+                            <dgm:alg type="cycle">
+                              <dgm:param type="ctrShpMap" val="fNode"/>
+                              <dgm:param type="stAng" val="195"/>
+                              <dgm:param type="spanAng" val="90"/>
+                              <dgm:param type="horzAlign" val="l"/>
+                              <dgm:param type="vertAlign" val="b"/>
+                            </dgm:alg>
+                          </dgm:if>
+                          <dgm:else name="Name232">
+                            <dgm:alg type="cycle">
+                              <dgm:param type="ctrShpMap" val="fNode"/>
+                              <dgm:param type="stAng" val="150"/>
+                              <dgm:param type="spanAng" val="180"/>
+                            </dgm:alg>
+                          </dgm:else>
+                        </dgm:choose>
+                      </dgm:if>
+                      <dgm:if name="Name233" axis="ch" ptType="node" func="cnt" op="equ" val="4">
+                        <dgm:choose name="Name234">
+                          <dgm:if name="Name235" axis="ch ch" ptType="node node" st="3 1" cnt="1 0" func="cnt" op="equ" val="1">
+                            <dgm:alg type="cycle">
+                              <dgm:param type="ctrShpMap" val="fNode"/>
+                              <dgm:param type="stAng" val="180"/>
+                            </dgm:alg>
+                          </dgm:if>
+                          <dgm:if name="Name236" axis="ch ch" ptType="node node" st="3 1" cnt="1 0" func="cnt" op="equ" val="2">
+                            <dgm:alg type="cycle">
+                              <dgm:param type="ctrShpMap" val="fNode"/>
+                              <dgm:param type="stAng" val="135"/>
+                              <dgm:param type="spanAng" val="90"/>
+                            </dgm:alg>
+                          </dgm:if>
+                          <dgm:else name="Name237">
+                            <dgm:alg type="cycle">
+                              <dgm:param type="ctrShpMap" val="fNode"/>
+                              <dgm:param type="stAng" val="112.5"/>
+                              <dgm:param type="spanAng" val="135"/>
+                            </dgm:alg>
+                          </dgm:else>
+                        </dgm:choose>
+                      </dgm:if>
+                      <dgm:if name="Name238" axis="ch" ptType="node" func="cnt" op="equ" val="5">
+                        <dgm:choose name="Name239">
+                          <dgm:if name="Name240" axis="ch ch" ptType="node node" st="3 1" cnt="1 0" func="cnt" op="equ" val="1">
+                            <dgm:alg type="cycle">
+                              <dgm:param type="ctrShpMap" val="fNode"/>
+                              <dgm:param type="stAng" val="144"/>
+                            </dgm:alg>
+                          </dgm:if>
+                          <dgm:if name="Name241" axis="ch ch" ptType="node node" st="3 1" cnt="1 0" func="cnt" op="equ" val="2">
+                            <dgm:alg type="cycle">
+                              <dgm:param type="ctrShpMap" val="fNode"/>
+                              <dgm:param type="stAng" val="99"/>
+                              <dgm:param type="spanAng" val="90"/>
+                            </dgm:alg>
+                          </dgm:if>
+                          <dgm:else name="Name242">
+                            <dgm:alg type="cycle">
+                              <dgm:param type="ctrShpMap" val="fNode"/>
+                              <dgm:param type="stAng" val="0"/>
+                              <dgm:param type="spanAng" val="360"/>
+                            </dgm:alg>
+                          </dgm:else>
+                        </dgm:choose>
+                      </dgm:if>
+                      <dgm:if name="Name243" axis="ch" ptType="node" func="cnt" op="equ" val="6">
+                        <dgm:choose name="Name244">
+                          <dgm:if name="Name245" axis="ch ch" ptType="node node" st="3 1" cnt="1 0" func="cnt" op="equ" val="1">
+                            <dgm:alg type="cycle">
+                              <dgm:param type="ctrShpMap" val="fNode"/>
+                              <dgm:param type="stAng" val="120"/>
+                            </dgm:alg>
+                          </dgm:if>
+                          <dgm:if name="Name246" axis="ch ch" ptType="node node" st="3 1" cnt="1 0" func="cnt" op="equ" val="2">
+                            <dgm:alg type="cycle">
+                              <dgm:param type="ctrShpMap" val="fNode"/>
+                              <dgm:param type="stAng" val="75"/>
+                              <dgm:param type="spanAng" val="90"/>
+                            </dgm:alg>
+                          </dgm:if>
+                          <dgm:else name="Name247">
+                            <dgm:alg type="cycle">
+                              <dgm:param type="ctrShpMap" val="fNode"/>
+                              <dgm:param type="stAng" val="0"/>
+                              <dgm:param type="spanAng" val="360"/>
+                            </dgm:alg>
+                          </dgm:else>
+                        </dgm:choose>
+                      </dgm:if>
+                      <dgm:if name="Name248" axis="ch" ptType="node" func="cnt" op="gte" val="7">
+                        <dgm:choose name="Name249">
+                          <dgm:if name="Name250" axis="ch ch" ptType="node node" st="3 1" cnt="1 0" func="cnt" op="equ" val="1">
+                            <dgm:alg type="cycle">
+                              <dgm:param type="ctrShpMap" val="fNode"/>
+                              <dgm:param type="stAng" val="102"/>
+                            </dgm:alg>
+                          </dgm:if>
+                          <dgm:if name="Name251" axis="ch ch" ptType="node node" st="3 1" cnt="1 0" func="cnt" op="equ" val="2">
+                            <dgm:alg type="cycle">
+                              <dgm:param type="ctrShpMap" val="fNode"/>
+                              <dgm:param type="stAng" val="57"/>
+                              <dgm:param type="spanAng" val="90"/>
+                            </dgm:alg>
+                          </dgm:if>
+                          <dgm:else name="Name252">
+                            <dgm:alg type="cycle">
+                              <dgm:param type="ctrShpMap" val="fNode"/>
+                              <dgm:param type="stAng" val="0"/>
+                              <dgm:param type="spanAng" val="360"/>
+                            </dgm:alg>
+                          </dgm:else>
+                        </dgm:choose>
+                      </dgm:if>
+                      <dgm:else name="Name253"/>
+                    </dgm:choose>
+                  </dgm:if>
+                  <dgm:else name="Name254">
+                    <dgm:choose name="Name255">
+                      <dgm:if name="Name256" axis="ch" ptType="node" func="cnt" op="equ" val="3">
+                        <dgm:choose name="Name257">
+                          <dgm:if name="Name258" axis="ch ch" ptType="node node" st="3 1" cnt="1 0" func="cnt" op="equ" val="1">
+                            <dgm:alg type="cycle">
+                              <dgm:param type="ctrShpMap" val="fNode"/>
+                              <dgm:param type="stAng" val="120"/>
+                              <dgm:param type="horzAlign" val="r"/>
+                              <dgm:param type="vertAlign" val="b"/>
+                            </dgm:alg>
+                          </dgm:if>
+                          <dgm:if name="Name259" axis="ch ch" ptType="node node" st="3 1" cnt="1 0" func="cnt" op="equ" val="2">
+                            <dgm:alg type="cycle">
+                              <dgm:param type="ctrShpMap" val="fNode"/>
+                              <dgm:param type="stAng" val="165"/>
+                              <dgm:param type="spanAng" val="-90"/>
+                              <dgm:param type="horzAlign" val="r"/>
+                              <dgm:param type="vertAlign" val="b"/>
+                            </dgm:alg>
+                          </dgm:if>
+                          <dgm:else name="Name260">
+                            <dgm:alg type="cycle">
+                              <dgm:param type="ctrShpMap" val="fNode"/>
+                              <dgm:param type="stAng" val="210"/>
+                              <dgm:param type="spanAng" val="-180"/>
+                            </dgm:alg>
+                          </dgm:else>
+                        </dgm:choose>
+                      </dgm:if>
+                      <dgm:if name="Name261" axis="ch" ptType="node" func="cnt" op="equ" val="4">
+                        <dgm:choose name="Name262">
+                          <dgm:if name="Name263" axis="ch ch" ptType="node node" st="3 1" cnt="1 0" func="cnt" op="equ" val="1">
+                            <dgm:alg type="cycle">
+                              <dgm:param type="ctrShpMap" val="fNode"/>
+                              <dgm:param type="stAng" val="180"/>
+                            </dgm:alg>
+                          </dgm:if>
+                          <dgm:if name="Name264" axis="ch ch" ptType="node node" st="3 1" cnt="1 0" func="cnt" op="equ" val="2">
+                            <dgm:alg type="cycle">
+                              <dgm:param type="ctrShpMap" val="fNode"/>
+                              <dgm:param type="stAng" val="225"/>
+                              <dgm:param type="spanAng" val="-90"/>
+                            </dgm:alg>
+                          </dgm:if>
+                          <dgm:else name="Name265">
+                            <dgm:alg type="cycle">
+                              <dgm:param type="ctrShpMap" val="fNode"/>
+                              <dgm:param type="stAng" val="247.5"/>
+                              <dgm:param type="spanAng" val="-135"/>
+                            </dgm:alg>
+                          </dgm:else>
+                        </dgm:choose>
+                      </dgm:if>
+                      <dgm:if name="Name266" axis="ch" ptType="node" func="cnt" op="equ" val="5">
+                        <dgm:choose name="Name267">
+                          <dgm:if name="Name268" axis="ch ch" ptType="node node" st="3 1" cnt="1 0" func="cnt" op="equ" val="1">
+                            <dgm:alg type="cycle">
+                              <dgm:param type="ctrShpMap" val="fNode"/>
+                              <dgm:param type="stAng" val="216"/>
+                            </dgm:alg>
+                          </dgm:if>
+                          <dgm:if name="Name269" axis="ch ch" ptType="node node" st="3 1" cnt="1 0" func="cnt" op="equ" val="2">
+                            <dgm:alg type="cycle">
+                              <dgm:param type="ctrShpMap" val="fNode"/>
+                              <dgm:param type="stAng" val="261"/>
+                              <dgm:param type="spanAng" val="-90"/>
+                            </dgm:alg>
+                          </dgm:if>
+                          <dgm:else name="Name270">
+                            <dgm:alg type="cycle">
+                              <dgm:param type="ctrShpMap" val="fNode"/>
+                              <dgm:param type="stAng" val="0"/>
+                              <dgm:param type="spanAng" val="-360"/>
+                            </dgm:alg>
+                          </dgm:else>
+                        </dgm:choose>
+                      </dgm:if>
+                      <dgm:if name="Name271" axis="ch" ptType="node" func="cnt" op="equ" val="6">
+                        <dgm:choose name="Name272">
+                          <dgm:if name="Name273" axis="ch ch" ptType="node node" st="3 1" cnt="1 0" func="cnt" op="equ" val="1">
+                            <dgm:alg type="cycle">
+                              <dgm:param type="ctrShpMap" val="fNode"/>
+                              <dgm:param type="stAng" val="240"/>
+                            </dgm:alg>
+                          </dgm:if>
+                          <dgm:if name="Name274" axis="ch ch" ptType="node node" st="3 1" cnt="1 0" func="cnt" op="equ" val="2">
+                            <dgm:alg type="cycle">
+                              <dgm:param type="ctrShpMap" val="fNode"/>
+                              <dgm:param type="stAng" val="285"/>
+                              <dgm:param type="spanAng" val="-90"/>
+                            </dgm:alg>
+                          </dgm:if>
+                          <dgm:else name="Name275">
+                            <dgm:alg type="cycle">
+                              <dgm:param type="ctrShpMap" val="fNode"/>
+                              <dgm:param type="stAng" val="0"/>
+                              <dgm:param type="spanAng" val="-360"/>
+                            </dgm:alg>
+                          </dgm:else>
+                        </dgm:choose>
+                      </dgm:if>
+                      <dgm:if name="Name276" axis="ch" ptType="node" func="cnt" op="gte" val="7">
+                        <dgm:choose name="Name277">
+                          <dgm:if name="Name278" axis="ch ch" ptType="node node" st="3 1" cnt="1 0" func="cnt" op="equ" val="1">
+                            <dgm:alg type="cycle">
+                              <dgm:param type="ctrShpMap" val="fNode"/>
+                              <dgm:param type="stAng" val="257"/>
+                            </dgm:alg>
+                          </dgm:if>
+                          <dgm:if name="Name279" axis="ch ch" ptType="node node" st="3 1" cnt="1 0" func="cnt" op="equ" val="2">
+                            <dgm:alg type="cycle">
+                              <dgm:param type="ctrShpMap" val="fNode"/>
+                              <dgm:param type="stAng" val="302"/>
+                              <dgm:param type="spanAng" val="-90"/>
+                            </dgm:alg>
+                          </dgm:if>
+                          <dgm:else name="Name280">
+                            <dgm:alg type="cycle">
+                              <dgm:param type="ctrShpMap" val="fNode"/>
+                              <dgm:param type="stAng" val="0"/>
+                              <dgm:param type="spanAng" val="-360"/>
+                            </dgm:alg>
+                          </dgm:else>
+                        </dgm:choose>
+                      </dgm:if>
+                      <dgm:else name="Name281"/>
+                    </dgm:choose>
+                  </dgm:else>
+                </dgm:choose>
+                <dgm:shape xmlns:r="http://schemas.openxmlformats.org/officeDocument/2006/relationships" r:blip="">
+                  <dgm:adjLst/>
+                </dgm:shape>
+                <dgm:presOf/>
+                <dgm:constrLst>
+                  <dgm:constr type="sp" refType="w" fact="0.1"/>
+                  <dgm:constr type="sibSp" refType="w" fact="0.1"/>
+                </dgm:constrLst>
+                <dgm:forEach name="Name282" axis="ch" ptType="node" st="3" cnt="1">
+                  <dgm:layoutNode name="childCenter3" styleLbl="node1">
+                    <dgm:alg type="tx"/>
+                    <dgm:shape xmlns:r="http://schemas.openxmlformats.org/officeDocument/2006/relationships" type="roundRect" r:blip="">
+                      <dgm:adjLst/>
+                    </dgm:shape>
+                    <dgm:presOf axis="self" ptType="node"/>
+                    <dgm:constrLst>
+                      <dgm:constr type="userS"/>
+                      <dgm:constr type="w" refType="userS"/>
+                      <dgm:constr type="h" refType="w"/>
+                      <dgm:constr type="tMarg" refType="primFontSz" fact="0.2"/>
+                      <dgm:constr type="bMarg" refType="primFontSz" fact="0.2"/>
+                      <dgm:constr type="lMarg" refType="primFontSz" fact="0.2"/>
+                      <dgm:constr type="rMarg" refType="primFontSz" fact="0.2"/>
+                    </dgm:constrLst>
+                    <dgm:ruleLst>
+                      <dgm:rule type="primFontSz" val="5" fact="NaN" max="NaN"/>
+                    </dgm:ruleLst>
+                  </dgm:layoutNode>
+                  <dgm:forEach name="Name283" axis="ch">
+                    <dgm:forEach name="Name284" axis="self" ptType="parTrans">
+                      <dgm:layoutNode name="Name285">
+                        <dgm:alg type="conn">
+                          <dgm:param type="dim" val="1D"/>
+                          <dgm:param type="begPts" val="auto"/>
+                          <dgm:param type="endPts" val="auto"/>
+                          <dgm:param type="begSty" val="noArr"/>
+                          <dgm:param type="endSty" val="noArr"/>
+                        </dgm:alg>
+                        <dgm:shape xmlns:r="http://schemas.openxmlformats.org/officeDocument/2006/relationships" type="conn" r:blip="">
+                          <dgm:adjLst/>
+                        </dgm:shape>
+                        <dgm:presOf axis="self"/>
+                        <dgm:constrLst>
+                          <dgm:constr type="begPad"/>
+                          <dgm:constr type="endPad"/>
+                        </dgm:constrLst>
+                      </dgm:layoutNode>
+                    </dgm:forEach>
+                    <dgm:forEach name="Name286" axis="self" ptType="node">
+                      <dgm:layoutNode name="text3" styleLbl="node1">
+                        <dgm:varLst>
+                          <dgm:bulletEnabled val="1"/>
+                        </dgm:varLst>
+                        <dgm:alg type="tx"/>
+                        <dgm:shape xmlns:r="http://schemas.openxmlformats.org/officeDocument/2006/relationships" type="roundRect" r:blip="">
+                          <dgm:adjLst/>
+                        </dgm:shape>
+                        <dgm:presOf axis="desOrSelf" ptType="node"/>
+                        <dgm:constrLst>
+                          <dgm:constr type="userS"/>
+                          <dgm:constr type="w" refType="userS"/>
+                          <dgm:constr type="h" refType="w"/>
+                          <dgm:constr type="tMarg" refType="primFontSz" fact="0.2"/>
+                          <dgm:constr type="bMarg" refType="primFontSz" fact="0.2"/>
+                          <dgm:constr type="lMarg" refType="primFontSz" fact="0.2"/>
+                          <dgm:constr type="rMarg" refType="primFontSz" fact="0.2"/>
+                        </dgm:constrLst>
+                        <dgm:ruleLst>
+                          <dgm:rule type="primFontSz" val="5" fact="NaN" max="NaN"/>
+                        </dgm:ruleLst>
+                      </dgm:layoutNode>
+                    </dgm:forEach>
+                  </dgm:forEach>
+                </dgm:forEach>
+              </dgm:layoutNode>
+              <dgm:forEach name="Name287" axis="ch" ptType="parTrans" st="3" cnt="1">
+                <dgm:layoutNode name="Name288">
+                  <dgm:alg type="conn">
+                    <dgm:param type="dim" val="1D"/>
+                    <dgm:param type="begPts" val="auto"/>
+                    <dgm:param type="endPts" val="auto"/>
+                    <dgm:param type="endSty" val="noArr"/>
+                    <dgm:param type="srcNode" val="textCenter"/>
+                    <dgm:param type="dstNode" val="childCenter3"/>
+                  </dgm:alg>
+                  <dgm:shape xmlns:r="http://schemas.openxmlformats.org/officeDocument/2006/relationships" type="conn" r:blip="" zOrderOff="-999">
+                    <dgm:adjLst/>
+                  </dgm:shape>
+                  <dgm:presOf axis="self"/>
+                  <dgm:constrLst>
+                    <dgm:constr type="h"/>
+                    <dgm:constr type="begPad"/>
+                    <dgm:constr type="endPad"/>
+                  </dgm:constrLst>
+                </dgm:layoutNode>
+              </dgm:forEach>
+            </dgm:if>
+            <dgm:else name="Name289"/>
+          </dgm:choose>
+          <dgm:choose name="Name290">
+            <dgm:if name="Name291" axis="ch" ptType="node" func="cnt" op="gte" val="4">
+              <dgm:layoutNode name="cycle_4">
+                <dgm:choose name="Name292">
+                  <dgm:if name="Name293" func="var" arg="dir" op="equ" val="norm">
+                    <dgm:choose name="Name294">
+                      <dgm:if name="Name295" axis="ch" ptType="node" func="cnt" op="equ" val="4">
+                        <dgm:choose name="Name296">
+                          <dgm:if name="Name297" axis="ch ch" ptType="node node" st="4 1" cnt="1 0" func="cnt" op="equ" val="1">
+                            <dgm:alg type="cycle">
+                              <dgm:param type="ctrShpMap" val="fNode"/>
+                              <dgm:param type="stAng" val="270"/>
+                            </dgm:alg>
+                          </dgm:if>
+                          <dgm:if name="Name298" axis="ch ch" ptType="node node" st="4 1" cnt="1 0" func="cnt" op="equ" val="2">
+                            <dgm:alg type="cycle">
+                              <dgm:param type="ctrShpMap" val="fNode"/>
+                              <dgm:param type="stAng" val="225"/>
+                              <dgm:param type="spanAng" val="90"/>
+                            </dgm:alg>
+                          </dgm:if>
+                          <dgm:else name="Name299">
+                            <dgm:alg type="cycle">
+                              <dgm:param type="ctrShpMap" val="fNode"/>
+                              <dgm:param type="stAng" val="202.5"/>
+                              <dgm:param type="spanAng" val="135"/>
+                            </dgm:alg>
+                          </dgm:else>
+                        </dgm:choose>
+                      </dgm:if>
+                      <dgm:if name="Name300" axis="ch" ptType="node" func="cnt" op="equ" val="5">
+                        <dgm:choose name="Name301">
+                          <dgm:if name="Name302" axis="ch ch" ptType="node node" st="4 1" cnt="1 0" func="cnt" op="equ" val="1">
+                            <dgm:alg type="cycle">
+                              <dgm:param type="ctrShpMap" val="fNode"/>
+                              <dgm:param type="stAng" val="216"/>
+                            </dgm:alg>
+                          </dgm:if>
+                          <dgm:if name="Name303" axis="ch ch" ptType="node node" st="4 1" cnt="1 0" func="cnt" op="equ" val="2">
+                            <dgm:alg type="cycle">
+                              <dgm:param type="ctrShpMap" val="fNode"/>
+                              <dgm:param type="stAng" val="171"/>
+                              <dgm:param type="spanAng" val="90"/>
+                            </dgm:alg>
+                          </dgm:if>
+                          <dgm:else name="Name304">
+                            <dgm:alg type="cycle">
+                              <dgm:param type="ctrShpMap" val="fNode"/>
+                              <dgm:param type="stAng" val="0"/>
+                              <dgm:param type="spanAng" val="360"/>
+                            </dgm:alg>
+                          </dgm:else>
+                        </dgm:choose>
+                      </dgm:if>
+                      <dgm:if name="Name305" axis="ch" ptType="node" func="cnt" op="equ" val="6">
+                        <dgm:choose name="Name306">
+                          <dgm:if name="Name307" axis="ch ch" ptType="node node" st="4 1" cnt="1 0" func="cnt" op="equ" val="1">
+                            <dgm:alg type="cycle">
+                              <dgm:param type="ctrShpMap" val="fNode"/>
+                              <dgm:param type="stAng" val="180"/>
+                            </dgm:alg>
+                          </dgm:if>
+                          <dgm:if name="Name308" axis="ch ch" ptType="node node" st="4 1" cnt="1 0" func="cnt" op="equ" val="2">
+                            <dgm:alg type="cycle">
+                              <dgm:param type="ctrShpMap" val="fNode"/>
+                              <dgm:param type="stAng" val="135"/>
+                              <dgm:param type="spanAng" val="90"/>
+                            </dgm:alg>
+                          </dgm:if>
+                          <dgm:else name="Name309">
+                            <dgm:alg type="cycle">
+                              <dgm:param type="ctrShpMap" val="fNode"/>
+                              <dgm:param type="stAng" val="0"/>
+                              <dgm:param type="spanAng" val="360"/>
+                            </dgm:alg>
+                          </dgm:else>
+                        </dgm:choose>
+                      </dgm:if>
+                      <dgm:if name="Name310" axis="ch" ptType="node" func="cnt" op="gte" val="7">
+                        <dgm:choose name="Name311">
+                          <dgm:if name="Name312" axis="ch ch" ptType="node node" st="4 1" cnt="1 0" func="cnt" op="equ" val="1">
+                            <dgm:alg type="cycle">
+                              <dgm:param type="ctrShpMap" val="fNode"/>
+                              <dgm:param type="stAng" val="154"/>
+                            </dgm:alg>
+                          </dgm:if>
+                          <dgm:if name="Name313" axis="ch ch" ptType="node node" st="4 1" cnt="1 0" func="cnt" op="equ" val="2">
+                            <dgm:alg type="cycle">
+                              <dgm:param type="ctrShpMap" val="fNode"/>
+                              <dgm:param type="stAng" val="109"/>
+                              <dgm:param type="spanAng" val="90"/>
+                            </dgm:alg>
+                          </dgm:if>
+                          <dgm:else name="Name314">
+                            <dgm:alg type="cycle">
+                              <dgm:param type="ctrShpMap" val="fNode"/>
+                              <dgm:param type="stAng" val="0"/>
+                              <dgm:param type="spanAng" val="360"/>
+                            </dgm:alg>
+                          </dgm:else>
+                        </dgm:choose>
+                      </dgm:if>
+                      <dgm:else name="Name315"/>
+                    </dgm:choose>
+                  </dgm:if>
+                  <dgm:else name="Name316">
+                    <dgm:choose name="Name317">
+                      <dgm:if name="Name318" axis="ch" ptType="node" func="cnt" op="equ" val="4">
+                        <dgm:choose name="Name319">
+                          <dgm:if name="Name320" axis="ch ch" ptType="node node" st="4 1" cnt="1 0" func="cnt" op="equ" val="1">
+                            <dgm:alg type="cycle">
+                              <dgm:param type="ctrShpMap" val="fNode"/>
+                              <dgm:param type="stAng" val="90"/>
+                            </dgm:alg>
+                          </dgm:if>
+                          <dgm:if name="Name321" axis="ch ch" ptType="node node" st="4 1" cnt="1 0" func="cnt" op="equ" val="2">
+                            <dgm:alg type="cycle">
+                              <dgm:param type="ctrShpMap" val="fNode"/>
+                              <dgm:param type="stAng" val="135"/>
+                              <dgm:param type="spanAng" val="-90"/>
+                            </dgm:alg>
+                          </dgm:if>
+                          <dgm:else name="Name322">
+                            <dgm:alg type="cycle">
+                              <dgm:param type="ctrShpMap" val="fNode"/>
+                              <dgm:param type="stAng" val="157.5"/>
+                              <dgm:param type="spanAng" val="-135"/>
+                            </dgm:alg>
+                          </dgm:else>
+                        </dgm:choose>
+                      </dgm:if>
+                      <dgm:if name="Name323" axis="ch" ptType="node" func="cnt" op="equ" val="5">
+                        <dgm:choose name="Name324">
+                          <dgm:if name="Name325" axis="ch ch" ptType="node node" st="4 1" cnt="1 0" func="cnt" op="equ" val="1">
+                            <dgm:alg type="cycle">
+                              <dgm:param type="ctrShpMap" val="fNode"/>
+                              <dgm:param type="stAng" val="144"/>
+                            </dgm:alg>
+                          </dgm:if>
+                          <dgm:if name="Name326" axis="ch ch" ptType="node node" st="4 1" cnt="1 0" func="cnt" op="equ" val="2">
+                            <dgm:alg type="cycle">
+                              <dgm:param type="ctrShpMap" val="fNode"/>
+                              <dgm:param type="stAng" val="189"/>
+                              <dgm:param type="spanAng" val="-90"/>
+                            </dgm:alg>
+                          </dgm:if>
+                          <dgm:else name="Name327">
+                            <dgm:alg type="cycle">
+                              <dgm:param type="ctrShpMap" val="fNode"/>
+                              <dgm:param type="stAng" val="0"/>
+                              <dgm:param type="spanAng" val="-360"/>
+                            </dgm:alg>
+                          </dgm:else>
+                        </dgm:choose>
+                      </dgm:if>
+                      <dgm:if name="Name328" axis="ch" ptType="node" func="cnt" op="equ" val="6">
+                        <dgm:choose name="Name329">
+                          <dgm:if name="Name330" axis="ch ch" ptType="node node" st="4 1" cnt="1 0" func="cnt" op="equ" val="1">
+                            <dgm:alg type="cycle">
+                              <dgm:param type="ctrShpMap" val="fNode"/>
+                              <dgm:param type="stAng" val="180"/>
+                            </dgm:alg>
+                          </dgm:if>
+                          <dgm:if name="Name331" axis="ch ch" ptType="node node" st="4 1" cnt="1 0" func="cnt" op="equ" val="2">
+                            <dgm:alg type="cycle">
+                              <dgm:param type="ctrShpMap" val="fNode"/>
+                              <dgm:param type="stAng" val="225"/>
+                              <dgm:param type="spanAng" val="-90"/>
+                            </dgm:alg>
+                          </dgm:if>
+                          <dgm:else name="Name332">
+                            <dgm:alg type="cycle">
+                              <dgm:param type="ctrShpMap" val="fNode"/>
+                              <dgm:param type="stAng" val="0"/>
+                              <dgm:param type="spanAng" val="-360"/>
+                            </dgm:alg>
+                          </dgm:else>
+                        </dgm:choose>
+                      </dgm:if>
+                      <dgm:if name="Name333" axis="ch" ptType="node" func="cnt" op="gte" val="7">
+                        <dgm:choose name="Name334">
+                          <dgm:if name="Name335" axis="ch ch" ptType="node node" st="4 1" cnt="1 0" func="cnt" op="equ" val="1">
+                            <dgm:alg type="cycle">
+                              <dgm:param type="ctrShpMap" val="fNode"/>
+                              <dgm:param type="stAng" val="205"/>
+                            </dgm:alg>
+                          </dgm:if>
+                          <dgm:if name="Name336" axis="ch ch" ptType="node node" st="4 1" cnt="1 0" func="cnt" op="equ" val="2">
+                            <dgm:alg type="cycle">
+                              <dgm:param type="ctrShpMap" val="fNode"/>
+                              <dgm:param type="stAng" val="250"/>
+                              <dgm:param type="spanAng" val="-90"/>
+                            </dgm:alg>
+                          </dgm:if>
+                          <dgm:else name="Name337">
+                            <dgm:alg type="cycle">
+                              <dgm:param type="ctrShpMap" val="fNode"/>
+                              <dgm:param type="stAng" val="0"/>
+                              <dgm:param type="spanAng" val="-360"/>
+                            </dgm:alg>
+                          </dgm:else>
+                        </dgm:choose>
+                      </dgm:if>
+                      <dgm:else name="Name338"/>
+                    </dgm:choose>
+                  </dgm:else>
+                </dgm:choose>
+                <dgm:shape xmlns:r="http://schemas.openxmlformats.org/officeDocument/2006/relationships" r:blip="">
+                  <dgm:adjLst/>
+                </dgm:shape>
+                <dgm:presOf/>
+                <dgm:constrLst>
+                  <dgm:constr type="sp" refType="w" fact="0.1"/>
+                  <dgm:constr type="sibSp" refType="w" fact="0.1"/>
+                </dgm:constrLst>
+                <dgm:forEach name="Name339" axis="ch" ptType="node" st="4" cnt="1">
+                  <dgm:layoutNode name="childCenter4" styleLbl="node1">
+                    <dgm:alg type="tx"/>
+                    <dgm:shape xmlns:r="http://schemas.openxmlformats.org/officeDocument/2006/relationships" type="roundRect" r:blip="">
+                      <dgm:adjLst/>
+                    </dgm:shape>
+                    <dgm:presOf axis="self" ptType="node"/>
+                    <dgm:constrLst>
+                      <dgm:constr type="userS"/>
+                      <dgm:constr type="w" refType="userS"/>
+                      <dgm:constr type="h" refType="w"/>
+                      <dgm:constr type="tMarg" refType="primFontSz" fact="0.2"/>
+                      <dgm:constr type="bMarg" refType="primFontSz" fact="0.2"/>
+                      <dgm:constr type="lMarg" refType="primFontSz" fact="0.2"/>
+                      <dgm:constr type="rMarg" refType="primFontSz" fact="0.2"/>
+                    </dgm:constrLst>
+                    <dgm:ruleLst>
+                      <dgm:rule type="primFontSz" val="5" fact="NaN" max="NaN"/>
+                    </dgm:ruleLst>
+                  </dgm:layoutNode>
+                  <dgm:forEach name="Name340" axis="ch">
+                    <dgm:forEach name="Name341" axis="self" ptType="parTrans">
+                      <dgm:layoutNode name="Name342">
+                        <dgm:alg type="conn">
+                          <dgm:param type="dim" val="1D"/>
+                          <dgm:param type="begPts" val="auto"/>
+                          <dgm:param type="endPts" val="auto"/>
+                          <dgm:param type="begSty" val="noArr"/>
+                          <dgm:param type="endSty" val="noArr"/>
+                        </dgm:alg>
+                        <dgm:shape xmlns:r="http://schemas.openxmlformats.org/officeDocument/2006/relationships" type="conn" r:blip="">
+                          <dgm:adjLst/>
+                        </dgm:shape>
+                        <dgm:presOf axis="self"/>
+                        <dgm:constrLst>
+                          <dgm:constr type="begPad"/>
+                          <dgm:constr type="endPad"/>
+                        </dgm:constrLst>
+                      </dgm:layoutNode>
+                    </dgm:forEach>
+                    <dgm:forEach name="Name343" axis="self" ptType="node">
+                      <dgm:layoutNode name="text4" styleLbl="node1">
+                        <dgm:varLst>
+                          <dgm:bulletEnabled val="1"/>
+                        </dgm:varLst>
+                        <dgm:alg type="tx"/>
+                        <dgm:shape xmlns:r="http://schemas.openxmlformats.org/officeDocument/2006/relationships" type="roundRect" r:blip="">
+                          <dgm:adjLst/>
+                        </dgm:shape>
+                        <dgm:presOf axis="desOrSelf" ptType="node"/>
+                        <dgm:constrLst>
+                          <dgm:constr type="userS"/>
+                          <dgm:constr type="w" refType="userS"/>
+                          <dgm:constr type="h" refType="w"/>
+                          <dgm:constr type="tMarg" refType="primFontSz" fact="0.2"/>
+                          <dgm:constr type="bMarg" refType="primFontSz" fact="0.2"/>
+                          <dgm:constr type="lMarg" refType="primFontSz" fact="0.2"/>
+                          <dgm:constr type="rMarg" refType="primFontSz" fact="0.2"/>
+                        </dgm:constrLst>
+                        <dgm:ruleLst>
+                          <dgm:rule type="primFontSz" val="5" fact="NaN" max="NaN"/>
+                        </dgm:ruleLst>
+                      </dgm:layoutNode>
+                    </dgm:forEach>
+                  </dgm:forEach>
+                </dgm:forEach>
+              </dgm:layoutNode>
+              <dgm:forEach name="Name344" axis="ch" ptType="parTrans" st="4" cnt="1">
+                <dgm:layoutNode name="Name345">
+                  <dgm:alg type="conn">
+                    <dgm:param type="dim" val="1D"/>
+                    <dgm:param type="begPts" val="auto"/>
+                    <dgm:param type="endPts" val="auto"/>
+                    <dgm:param type="endSty" val="noArr"/>
+                    <dgm:param type="srcNode" val="textCenter"/>
+                    <dgm:param type="dstNode" val="childCenter4"/>
+                  </dgm:alg>
+                  <dgm:shape xmlns:r="http://schemas.openxmlformats.org/officeDocument/2006/relationships" type="conn" r:blip="" zOrderOff="-999">
+                    <dgm:adjLst/>
+                  </dgm:shape>
+                  <dgm:presOf axis="self"/>
+                  <dgm:constrLst>
+                    <dgm:constr type="h"/>
+                    <dgm:constr type="begPad"/>
+                    <dgm:constr type="endPad"/>
+                  </dgm:constrLst>
+                </dgm:layoutNode>
+              </dgm:forEach>
+            </dgm:if>
+            <dgm:else name="Name346"/>
+          </dgm:choose>
+          <dgm:choose name="Name347">
+            <dgm:if name="Name348" axis="ch" ptType="node" func="cnt" op="gte" val="5">
+              <dgm:layoutNode name="cycle_5">
+                <dgm:choose name="Name349">
+                  <dgm:if name="Name350" func="var" arg="dir" op="equ" val="norm">
+                    <dgm:choose name="Name351">
+                      <dgm:if name="Name352" axis="ch" ptType="node" func="cnt" op="equ" val="5">
+                        <dgm:choose name="Name353">
+                          <dgm:if name="Name354" axis="ch ch" ptType="node node" st="5 1" cnt="1 0" func="cnt" op="equ" val="1">
+                            <dgm:alg type="cycle">
+                              <dgm:param type="ctrShpMap" val="fNode"/>
+                              <dgm:param type="stAng" val="288"/>
+                            </dgm:alg>
+                          </dgm:if>
+                          <dgm:if name="Name355" axis="ch ch" ptType="node node" st="5 1" cnt="1 0" func="cnt" op="equ" val="2">
+                            <dgm:alg type="cycle">
+                              <dgm:param type="ctrShpMap" val="fNode"/>
+                              <dgm:param type="stAng" val="243"/>
+                              <dgm:param type="spanAng" val="90"/>
+                            </dgm:alg>
+                          </dgm:if>
+                          <dgm:else name="Name356">
+                            <dgm:alg type="cycle">
+                              <dgm:param type="ctrShpMap" val="fNode"/>
+                              <dgm:param type="stAng" val="0"/>
+                              <dgm:param type="spanAng" val="360"/>
+                            </dgm:alg>
+                          </dgm:else>
+                        </dgm:choose>
+                      </dgm:if>
+                      <dgm:if name="Name357" axis="ch" ptType="node" func="cnt" op="equ" val="6">
+                        <dgm:choose name="Name358">
+                          <dgm:if name="Name359" axis="ch ch" ptType="node node" st="5 1" cnt="1 0" func="cnt" op="equ" val="1">
+                            <dgm:alg type="cycle">
+                              <dgm:param type="ctrShpMap" val="fNode"/>
+                              <dgm:param type="stAng" val="240"/>
+                            </dgm:alg>
+                          </dgm:if>
+                          <dgm:if name="Name360" axis="ch ch" ptType="node node" st="5 1" cnt="1 0" func="cnt" op="equ" val="2">
+                            <dgm:alg type="cycle">
+                              <dgm:param type="ctrShpMap" val="fNode"/>
+                              <dgm:param type="stAng" val="195"/>
+                              <dgm:param type="spanAng" val="90"/>
+                            </dgm:alg>
+                          </dgm:if>
+                          <dgm:else name="Name361">
+                            <dgm:alg type="cycle">
+                              <dgm:param type="ctrShpMap" val="fNode"/>
+                              <dgm:param type="stAng" val="0"/>
+                              <dgm:param type="spanAng" val="360"/>
+                            </dgm:alg>
+                          </dgm:else>
+                        </dgm:choose>
+                      </dgm:if>
+                      <dgm:if name="Name362" axis="ch" ptType="node" func="cnt" op="gte" val="7">
+                        <dgm:choose name="Name363">
+                          <dgm:if name="Name364" axis="ch ch" ptType="node node" st="5 1" cnt="1 0" func="cnt" op="equ" val="1">
+                            <dgm:alg type="cycle">
+                              <dgm:param type="ctrShpMap" val="fNode"/>
+                              <dgm:param type="stAng" val="205"/>
+                            </dgm:alg>
+                          </dgm:if>
+                          <dgm:if name="Name365" axis="ch ch" ptType="node node" st="5 1" cnt="1 0" func="cnt" op="equ" val="2">
+                            <dgm:alg type="cycle">
+                              <dgm:param type="ctrShpMap" val="fNode"/>
+                              <dgm:param type="stAng" val="160"/>
+                              <dgm:param type="spanAng" val="90"/>
+                            </dgm:alg>
+                          </dgm:if>
+                          <dgm:else name="Name366">
+                            <dgm:alg type="cycle">
+                              <dgm:param type="ctrShpMap" val="fNode"/>
+                              <dgm:param type="stAng" val="0"/>
+                              <dgm:param type="spanAng" val="360"/>
+                            </dgm:alg>
+                          </dgm:else>
+                        </dgm:choose>
+                      </dgm:if>
+                      <dgm:else name="Name367"/>
+                    </dgm:choose>
+                  </dgm:if>
+                  <dgm:else name="Name368">
+                    <dgm:choose name="Name369">
+                      <dgm:if name="Name370" axis="ch" ptType="node" func="cnt" op="equ" val="5">
+                        <dgm:choose name="Name371">
+                          <dgm:if name="Name372" axis="ch ch" ptType="node node" st="5 1" cnt="1 0" func="cnt" op="equ" val="1">
+                            <dgm:alg type="cycle">
+                              <dgm:param type="ctrShpMap" val="fNode"/>
+                              <dgm:param type="stAng" val="72"/>
+                            </dgm:alg>
+                          </dgm:if>
+                          <dgm:if name="Name373" axis="ch ch" ptType="node node" st="5 1" cnt="1 0" func="cnt" op="equ" val="2">
+                            <dgm:alg type="cycle">
+                              <dgm:param type="ctrShpMap" val="fNode"/>
+                              <dgm:param type="stAng" val="117"/>
+                              <dgm:param type="spanAng" val="-90"/>
+                            </dgm:alg>
+                          </dgm:if>
+                          <dgm:else name="Name374">
+                            <dgm:alg type="cycle">
+                              <dgm:param type="ctrShpMap" val="fNode"/>
+                              <dgm:param type="stAng" val="0"/>
+                              <dgm:param type="spanAng" val="-360"/>
+                            </dgm:alg>
+                          </dgm:else>
+                        </dgm:choose>
+                      </dgm:if>
+                      <dgm:if name="Name375" axis="ch" ptType="node" func="cnt" op="equ" val="6">
+                        <dgm:choose name="Name376">
+                          <dgm:if name="Name377" axis="ch ch" ptType="node node" st="5 1" cnt="1 0" func="cnt" op="equ" val="1">
+                            <dgm:alg type="cycle">
+                              <dgm:param type="ctrShpMap" val="fNode"/>
+                              <dgm:param type="stAng" val="120"/>
+                            </dgm:alg>
+                          </dgm:if>
+                          <dgm:if name="Name378" axis="ch ch" ptType="node node" st="5 1" cnt="1 0" func="cnt" op="equ" val="2">
+                            <dgm:alg type="cycle">
+                              <dgm:param type="ctrShpMap" val="fNode"/>
+                              <dgm:param type="stAng" val="165"/>
+                              <dgm:param type="spanAng" val="-90"/>
+                            </dgm:alg>
+                          </dgm:if>
+                          <dgm:else name="Name379">
+                            <dgm:alg type="cycle">
+                              <dgm:param type="ctrShpMap" val="fNode"/>
+                              <dgm:param type="stAng" val="0"/>
+                              <dgm:param type="spanAng" val="-360"/>
+                            </dgm:alg>
+                          </dgm:else>
+                        </dgm:choose>
+                      </dgm:if>
+                      <dgm:if name="Name380" axis="ch" ptType="node" func="cnt" op="gte" val="7">
+                        <dgm:choose name="Name381">
+                          <dgm:if name="Name382" axis="ch ch" ptType="node node" st="5 1" cnt="1 0" func="cnt" op="equ" val="1">
+                            <dgm:alg type="cycle">
+                              <dgm:param type="ctrShpMap" val="fNode"/>
+                              <dgm:param type="stAng" val="154"/>
+                            </dgm:alg>
+                          </dgm:if>
+                          <dgm:if name="Name383" axis="ch ch" ptType="node node" st="5 1" cnt="1 0" func="cnt" op="equ" val="2">
+                            <dgm:alg type="cycle">
+                              <dgm:param type="ctrShpMap" val="fNode"/>
+                              <dgm:param type="stAng" val="199"/>
+                              <dgm:param type="spanAng" val="-90"/>
+                            </dgm:alg>
+                          </dgm:if>
+                          <dgm:else name="Name384">
+                            <dgm:alg type="cycle">
+                              <dgm:param type="ctrShpMap" val="fNode"/>
+                              <dgm:param type="stAng" val="0"/>
+                              <dgm:param type="spanAng" val="-360"/>
+                            </dgm:alg>
+                          </dgm:else>
+                        </dgm:choose>
+                      </dgm:if>
+                      <dgm:else name="Name385"/>
+                    </dgm:choose>
+                  </dgm:else>
+                </dgm:choose>
+                <dgm:shape xmlns:r="http://schemas.openxmlformats.org/officeDocument/2006/relationships" r:blip="">
+                  <dgm:adjLst/>
+                </dgm:shape>
+                <dgm:presOf/>
+                <dgm:constrLst>
+                  <dgm:constr type="sp" refType="w" fact="0.1"/>
+                  <dgm:constr type="sibSp" refType="w" fact="0.1"/>
+                </dgm:constrLst>
+                <dgm:forEach name="Name386" axis="ch" ptType="node" st="5" cnt="1">
+                  <dgm:layoutNode name="childCenter5" styleLbl="node1">
+                    <dgm:alg type="tx"/>
+                    <dgm:shape xmlns:r="http://schemas.openxmlformats.org/officeDocument/2006/relationships" type="roundRect" r:blip="">
+                      <dgm:adjLst/>
+                    </dgm:shape>
+                    <dgm:presOf axis="self" ptType="node"/>
+                    <dgm:constrLst>
+                      <dgm:constr type="userS"/>
+                      <dgm:constr type="w" refType="userS"/>
+                      <dgm:constr type="h" refType="w"/>
+                      <dgm:constr type="tMarg" refType="primFontSz" fact="0.2"/>
+                      <dgm:constr type="bMarg" refType="primFontSz" fact="0.2"/>
+                      <dgm:constr type="lMarg" refType="primFontSz" fact="0.2"/>
+                      <dgm:constr type="rMarg" refType="primFontSz" fact="0.2"/>
+                    </dgm:constrLst>
+                    <dgm:ruleLst>
+                      <dgm:rule type="primFontSz" val="5" fact="NaN" max="NaN"/>
+                    </dgm:ruleLst>
+                  </dgm:layoutNode>
+                  <dgm:forEach name="Name387" axis="ch">
+                    <dgm:forEach name="Name388" axis="self" ptType="parTrans">
+                      <dgm:layoutNode name="Name389">
+                        <dgm:alg type="conn">
+                          <dgm:param type="dim" val="1D"/>
+                          <dgm:param type="begPts" val="auto"/>
+                          <dgm:param type="endPts" val="auto"/>
+                          <dgm:param type="begSty" val="noArr"/>
+                          <dgm:param type="endSty" val="noArr"/>
+                        </dgm:alg>
+                        <dgm:shape xmlns:r="http://schemas.openxmlformats.org/officeDocument/2006/relationships" type="conn" r:blip="">
+                          <dgm:adjLst/>
+                        </dgm:shape>
+                        <dgm:presOf axis="self"/>
+                        <dgm:constrLst>
+                          <dgm:constr type="begPad"/>
+                          <dgm:constr type="endPad"/>
+                        </dgm:constrLst>
+                      </dgm:layoutNode>
+                    </dgm:forEach>
+                    <dgm:forEach name="Name390" axis="self" ptType="node">
+                      <dgm:layoutNode name="text5" styleLbl="node1">
+                        <dgm:varLst>
+                          <dgm:bulletEnabled val="1"/>
+                        </dgm:varLst>
+                        <dgm:alg type="tx"/>
+                        <dgm:shape xmlns:r="http://schemas.openxmlformats.org/officeDocument/2006/relationships" type="roundRect" r:blip="">
+                          <dgm:adjLst/>
+                        </dgm:shape>
+                        <dgm:presOf axis="desOrSelf" ptType="node"/>
+                        <dgm:constrLst>
+                          <dgm:constr type="userS"/>
+                          <dgm:constr type="w" refType="userS"/>
+                          <dgm:constr type="h" refType="w"/>
+                          <dgm:constr type="tMarg" refType="primFontSz" fact="0.2"/>
+                          <dgm:constr type="bMarg" refType="primFontSz" fact="0.2"/>
+                          <dgm:constr type="lMarg" refType="primFontSz" fact="0.2"/>
+                          <dgm:constr type="rMarg" refType="primFontSz" fact="0.2"/>
+                        </dgm:constrLst>
+                        <dgm:ruleLst>
+                          <dgm:rule type="primFontSz" val="5" fact="NaN" max="NaN"/>
+                        </dgm:ruleLst>
+                      </dgm:layoutNode>
+                    </dgm:forEach>
+                  </dgm:forEach>
+                </dgm:forEach>
+              </dgm:layoutNode>
+              <dgm:forEach name="Name391" axis="ch" ptType="parTrans" st="5" cnt="1">
+                <dgm:layoutNode name="Name392">
+                  <dgm:alg type="conn">
+                    <dgm:param type="dim" val="1D"/>
+                    <dgm:param type="begPts" val="auto"/>
+                    <dgm:param type="endPts" val="auto"/>
+                    <dgm:param type="endSty" val="noArr"/>
+                    <dgm:param type="srcNode" val="textCenter"/>
+                    <dgm:param type="dstNode" val="childCenter5"/>
+                  </dgm:alg>
+                  <dgm:shape xmlns:r="http://schemas.openxmlformats.org/officeDocument/2006/relationships" type="conn" r:blip="" zOrderOff="-999">
+                    <dgm:adjLst/>
+                  </dgm:shape>
+                  <dgm:presOf axis="self"/>
+                  <dgm:constrLst>
+                    <dgm:constr type="h"/>
+                    <dgm:constr type="begPad"/>
+                    <dgm:constr type="endPad"/>
+                  </dgm:constrLst>
+                </dgm:layoutNode>
+              </dgm:forEach>
+            </dgm:if>
+            <dgm:else name="Name393"/>
+          </dgm:choose>
+          <dgm:choose name="Name394">
+            <dgm:if name="Name395" axis="ch" ptType="node" func="cnt" op="gte" val="6">
+              <dgm:layoutNode name="cycle_6">
+                <dgm:choose name="Name396">
+                  <dgm:if name="Name397" func="var" arg="dir" op="equ" val="norm">
+                    <dgm:choose name="Name398">
+                      <dgm:if name="Name399" axis="ch" ptType="node" func="cnt" op="equ" val="6">
+                        <dgm:choose name="Name400">
+                          <dgm:if name="Name401" axis="ch ch" ptType="node node" st="6 1" cnt="1 0" func="cnt" op="equ" val="1">
+                            <dgm:alg type="cycle">
+                              <dgm:param type="ctrShpMap" val="fNode"/>
+                              <dgm:param type="stAng" val="300"/>
+                            </dgm:alg>
+                          </dgm:if>
+                          <dgm:if name="Name402" axis="ch ch" ptType="node node" st="6 1" cnt="1 0" func="cnt" op="equ" val="2">
+                            <dgm:alg type="cycle">
+                              <dgm:param type="ctrShpMap" val="fNode"/>
+                              <dgm:param type="stAng" val="255"/>
+                              <dgm:param type="spanAng" val="90"/>
+                            </dgm:alg>
+                          </dgm:if>
+                          <dgm:else name="Name403">
+                            <dgm:alg type="cycle">
+                              <dgm:param type="ctrShpMap" val="fNode"/>
+                              <dgm:param type="stAng" val="0"/>
+                              <dgm:param type="spanAng" val="360"/>
+                            </dgm:alg>
+                          </dgm:else>
+                        </dgm:choose>
+                      </dgm:if>
+                      <dgm:if name="Name404" axis="ch" ptType="node" func="cnt" op="gte" val="7">
+                        <dgm:choose name="Name405">
+                          <dgm:if name="Name406" axis="ch ch" ptType="node node" st="6 1" cnt="1 0" func="cnt" op="equ" val="1">
+                            <dgm:alg type="cycle">
+                              <dgm:param type="ctrShpMap" val="fNode"/>
+                              <dgm:param type="stAng" val="257"/>
+                            </dgm:alg>
+                          </dgm:if>
+                          <dgm:if name="Name407" axis="ch ch" ptType="node node" st="6 1" cnt="1 0" func="cnt" op="equ" val="2">
+                            <dgm:alg type="cycle">
+                              <dgm:param type="ctrShpMap" val="fNode"/>
+                              <dgm:param type="stAng" val="212"/>
+                              <dgm:param type="spanAng" val="90"/>
+                            </dgm:alg>
+                          </dgm:if>
+                          <dgm:else name="Name408">
+                            <dgm:alg type="cycle">
+                              <dgm:param type="ctrShpMap" val="fNode"/>
+                              <dgm:param type="stAng" val="0"/>
+                              <dgm:param type="spanAng" val="360"/>
+                            </dgm:alg>
+                          </dgm:else>
+                        </dgm:choose>
+                      </dgm:if>
+                      <dgm:else name="Name409"/>
+                    </dgm:choose>
+                  </dgm:if>
+                  <dgm:else name="Name410">
+                    <dgm:choose name="Name411">
+                      <dgm:if name="Name412" axis="ch" ptType="node" func="cnt" op="equ" val="6">
+                        <dgm:choose name="Name413">
+                          <dgm:if name="Name414" axis="ch ch" ptType="node node" st="6 1" cnt="1 0" func="cnt" op="equ" val="1">
+                            <dgm:alg type="cycle">
+                              <dgm:param type="ctrShpMap" val="fNode"/>
+                              <dgm:param type="stAng" val="60"/>
+                            </dgm:alg>
+                          </dgm:if>
+                          <dgm:if name="Name415" axis="ch ch" ptType="node node" st="6 1" cnt="1 0" func="cnt" op="equ" val="2">
+                            <dgm:alg type="cycle">
+                              <dgm:param type="ctrShpMap" val="fNode"/>
+                              <dgm:param type="stAng" val="105"/>
+                              <dgm:param type="spanAng" val="-90"/>
+                            </dgm:alg>
+                          </dgm:if>
+                          <dgm:else name="Name416">
+                            <dgm:alg type="cycle">
+                              <dgm:param type="ctrShpMap" val="fNode"/>
+                              <dgm:param type="stAng" val="0"/>
+                              <dgm:param type="spanAng" val="-360"/>
+                            </dgm:alg>
+                          </dgm:else>
+                        </dgm:choose>
+                      </dgm:if>
+                      <dgm:if name="Name417" axis="ch" ptType="node" func="cnt" op="gte" val="7">
+                        <dgm:choose name="Name418">
+                          <dgm:if name="Name419" axis="ch ch" ptType="node node" st="6 1" cnt="1 0" func="cnt" op="equ" val="1">
+                            <dgm:alg type="cycle">
+                              <dgm:param type="ctrShpMap" val="fNode"/>
+                              <dgm:param type="stAng" val="102"/>
+                            </dgm:alg>
+                          </dgm:if>
+                          <dgm:if name="Name420" axis="ch ch" ptType="node node" st="6 1" cnt="1 0" func="cnt" op="equ" val="2">
+                            <dgm:alg type="cycle">
+                              <dgm:param type="ctrShpMap" val="fNode"/>
+                              <dgm:param type="stAng" val="147"/>
+                              <dgm:param type="spanAng" val="-90"/>
+                            </dgm:alg>
+                          </dgm:if>
+                          <dgm:else name="Name421">
+                            <dgm:alg type="cycle">
+                              <dgm:param type="ctrShpMap" val="fNode"/>
+                              <dgm:param type="stAng" val="0"/>
+                              <dgm:param type="spanAng" val="-360"/>
+                            </dgm:alg>
+                          </dgm:else>
+                        </dgm:choose>
+                      </dgm:if>
+                      <dgm:else name="Name422"/>
+                    </dgm:choose>
+                  </dgm:else>
+                </dgm:choose>
+                <dgm:shape xmlns:r="http://schemas.openxmlformats.org/officeDocument/2006/relationships" r:blip="">
+                  <dgm:adjLst/>
+                </dgm:shape>
+                <dgm:presOf/>
+                <dgm:constrLst>
+                  <dgm:constr type="sp" refType="w" fact="0.1"/>
+                  <dgm:constr type="sibSp" refType="w" fact="0.1"/>
+                </dgm:constrLst>
+                <dgm:forEach name="Name423" axis="ch" ptType="node" st="6" cnt="1">
+                  <dgm:layoutNode name="childCenter6" styleLbl="node1">
+                    <dgm:alg type="tx"/>
+                    <dgm:shape xmlns:r="http://schemas.openxmlformats.org/officeDocument/2006/relationships" type="roundRect" r:blip="">
+                      <dgm:adjLst/>
+                    </dgm:shape>
+                    <dgm:presOf axis="self" ptType="node"/>
+                    <dgm:constrLst>
+                      <dgm:constr type="userS"/>
+                      <dgm:constr type="w" refType="userS"/>
+                      <dgm:constr type="h" refType="w"/>
+                      <dgm:constr type="tMarg" refType="primFontSz" fact="0.2"/>
+                      <dgm:constr type="bMarg" refType="primFontSz" fact="0.2"/>
+                      <dgm:constr type="lMarg" refType="primFontSz" fact="0.2"/>
+                      <dgm:constr type="rMarg" refType="primFontSz" fact="0.2"/>
+                    </dgm:constrLst>
+                    <dgm:ruleLst>
+                      <dgm:rule type="primFontSz" val="5" fact="NaN" max="NaN"/>
+                    </dgm:ruleLst>
+                  </dgm:layoutNode>
+                  <dgm:forEach name="Name424" axis="ch">
+                    <dgm:forEach name="Name425" axis="self" ptType="parTrans">
+                      <dgm:layoutNode name="Name426">
+                        <dgm:alg type="conn">
+                          <dgm:param type="dim" val="1D"/>
+                          <dgm:param type="begPts" val="auto"/>
+                          <dgm:param type="endPts" val="auto"/>
+                          <dgm:param type="begSty" val="noArr"/>
+                          <dgm:param type="endSty" val="noArr"/>
+                        </dgm:alg>
+                        <dgm:shape xmlns:r="http://schemas.openxmlformats.org/officeDocument/2006/relationships" type="conn" r:blip="">
+                          <dgm:adjLst/>
+                        </dgm:shape>
+                        <dgm:presOf axis="self"/>
+                        <dgm:constrLst>
+                          <dgm:constr type="begPad"/>
+                          <dgm:constr type="endPad"/>
+                        </dgm:constrLst>
+                      </dgm:layoutNode>
+                    </dgm:forEach>
+                    <dgm:forEach name="Name427" axis="self" ptType="node">
+                      <dgm:layoutNode name="text6" styleLbl="node1">
+                        <dgm:varLst>
+                          <dgm:bulletEnabled val="1"/>
+                        </dgm:varLst>
+                        <dgm:alg type="tx"/>
+                        <dgm:shape xmlns:r="http://schemas.openxmlformats.org/officeDocument/2006/relationships" type="roundRect" r:blip="">
+                          <dgm:adjLst/>
+                        </dgm:shape>
+                        <dgm:presOf axis="desOrSelf" ptType="node"/>
+                        <dgm:constrLst>
+                          <dgm:constr type="userS"/>
+                          <dgm:constr type="w" refType="userS"/>
+                          <dgm:constr type="h" refType="w"/>
+                          <dgm:constr type="tMarg" refType="primFontSz" fact="0.2"/>
+                          <dgm:constr type="bMarg" refType="primFontSz" fact="0.2"/>
+                          <dgm:constr type="lMarg" refType="primFontSz" fact="0.2"/>
+                          <dgm:constr type="rMarg" refType="primFontSz" fact="0.2"/>
+                        </dgm:constrLst>
+                        <dgm:ruleLst>
+                          <dgm:rule type="primFontSz" val="5" fact="NaN" max="NaN"/>
+                        </dgm:ruleLst>
+                      </dgm:layoutNode>
+                    </dgm:forEach>
+                  </dgm:forEach>
+                </dgm:forEach>
+              </dgm:layoutNode>
+              <dgm:forEach name="Name428" axis="ch" ptType="parTrans" st="6" cnt="1">
+                <dgm:layoutNode name="Name429">
+                  <dgm:alg type="conn">
+                    <dgm:param type="dim" val="1D"/>
+                    <dgm:param type="begPts" val="auto"/>
+                    <dgm:param type="endPts" val="auto"/>
+                    <dgm:param type="endSty" val="noArr"/>
+                    <dgm:param type="srcNode" val="textCenter"/>
+                    <dgm:param type="dstNode" val="childCenter6"/>
+                  </dgm:alg>
+                  <dgm:shape xmlns:r="http://schemas.openxmlformats.org/officeDocument/2006/relationships" type="conn" r:blip="" zOrderOff="-999">
+                    <dgm:adjLst/>
+                  </dgm:shape>
+                  <dgm:presOf axis="self"/>
+                  <dgm:constrLst>
+                    <dgm:constr type="h"/>
+                    <dgm:constr type="begPad"/>
+                    <dgm:constr type="endPad"/>
+                  </dgm:constrLst>
+                </dgm:layoutNode>
+              </dgm:forEach>
+            </dgm:if>
+            <dgm:else name="Name430"/>
+          </dgm:choose>
+          <dgm:choose name="Name431">
+            <dgm:if name="Name432" axis="ch" ptType="node" func="cnt" op="gte" val="7">
+              <dgm:layoutNode name="cycle_7">
+                <dgm:choose name="Name433">
+                  <dgm:if name="Name434" func="var" arg="dir" op="equ" val="norm">
+                    <dgm:choose name="Name435">
+                      <dgm:if name="Name436" axis="ch" ptType="node" func="cnt" op="gte" val="7">
+                        <dgm:choose name="Name437">
+                          <dgm:if name="Name438" axis="ch ch" ptType="node node" st="7 1" cnt="1 0" func="cnt" op="equ" val="1">
+                            <dgm:alg type="cycle">
+                              <dgm:param type="ctrShpMap" val="fNode"/>
+                              <dgm:param type="stAng" val="308"/>
+                            </dgm:alg>
+                          </dgm:if>
+                          <dgm:if name="Name439" axis="ch ch" ptType="node node" st="7 1" cnt="1 0" func="cnt" op="equ" val="2">
+                            <dgm:alg type="cycle">
+                              <dgm:param type="ctrShpMap" val="fNode"/>
+                              <dgm:param type="stAng" val="263"/>
+                              <dgm:param type="spanAng" val="90"/>
+                            </dgm:alg>
+                          </dgm:if>
+                          <dgm:else name="Name440">
+                            <dgm:alg type="cycle">
+                              <dgm:param type="ctrShpMap" val="fNode"/>
+                              <dgm:param type="stAng" val="0"/>
+                              <dgm:param type="spanAng" val="360"/>
+                            </dgm:alg>
+                          </dgm:else>
+                        </dgm:choose>
+                      </dgm:if>
+                      <dgm:else name="Name441"/>
+                    </dgm:choose>
+                  </dgm:if>
+                  <dgm:else name="Name442">
+                    <dgm:choose name="Name443">
+                      <dgm:if name="Name444" axis="ch" ptType="node" func="cnt" op="gte" val="7">
+                        <dgm:choose name="Name445">
+                          <dgm:if name="Name446" axis="ch ch" ptType="node node" st="7 1" cnt="1 0" func="cnt" op="equ" val="1">
+                            <dgm:alg type="cycle">
+                              <dgm:param type="ctrShpMap" val="fNode"/>
+                              <dgm:param type="stAng" val="51"/>
+                            </dgm:alg>
+                          </dgm:if>
+                          <dgm:if name="Name447" axis="ch ch" ptType="node node" st="7 1" cnt="1 0" func="cnt" op="equ" val="2">
+                            <dgm:alg type="cycle">
+                              <dgm:param type="ctrShpMap" val="fNode"/>
+                              <dgm:param type="stAng" val="96"/>
+                              <dgm:param type="spanAng" val="-90"/>
+                            </dgm:alg>
+                          </dgm:if>
+                          <dgm:else name="Name448">
+                            <dgm:alg type="cycle">
+                              <dgm:param type="ctrShpMap" val="fNode"/>
+                              <dgm:param type="stAng" val="0"/>
+                              <dgm:param type="spanAng" val="-360"/>
+                            </dgm:alg>
+                          </dgm:else>
+                        </dgm:choose>
+                      </dgm:if>
+                      <dgm:else name="Name449"/>
+                    </dgm:choose>
+                  </dgm:else>
+                </dgm:choose>
+                <dgm:shape xmlns:r="http://schemas.openxmlformats.org/officeDocument/2006/relationships" r:blip="">
+                  <dgm:adjLst/>
+                </dgm:shape>
+                <dgm:presOf/>
+                <dgm:constrLst>
+                  <dgm:constr type="sp" refType="w" fact="0.1"/>
+                  <dgm:constr type="sibSp" refType="w" fact="0.1"/>
+                </dgm:constrLst>
+                <dgm:forEach name="Name450" axis="ch" ptType="node" st="7" cnt="1">
+                  <dgm:layoutNode name="childCenter7" styleLbl="node1">
+                    <dgm:alg type="tx"/>
+                    <dgm:shape xmlns:r="http://schemas.openxmlformats.org/officeDocument/2006/relationships" type="roundRect" r:blip="">
+                      <dgm:adjLst/>
+                    </dgm:shape>
+                    <dgm:presOf axis="self" ptType="node"/>
+                    <dgm:constrLst>
+                      <dgm:constr type="userS"/>
+                      <dgm:constr type="w" refType="userS"/>
+                      <dgm:constr type="h" refType="w"/>
+                      <dgm:constr type="tMarg" refType="primFontSz" fact="0.2"/>
+                      <dgm:constr type="bMarg" refType="primFontSz" fact="0.2"/>
+                      <dgm:constr type="lMarg" refType="primFontSz" fact="0.2"/>
+                      <dgm:constr type="rMarg" refType="primFontSz" fact="0.2"/>
+                    </dgm:constrLst>
+                    <dgm:ruleLst>
+                      <dgm:rule type="primFontSz" val="5" fact="NaN" max="NaN"/>
+                    </dgm:ruleLst>
+                  </dgm:layoutNode>
+                  <dgm:forEach name="Name451" axis="ch">
+                    <dgm:forEach name="Name452" axis="self" ptType="parTrans">
+                      <dgm:layoutNode name="Name453">
+                        <dgm:alg type="conn">
+                          <dgm:param type="dim" val="1D"/>
+                          <dgm:param type="begPts" val="auto"/>
+                          <dgm:param type="endPts" val="auto"/>
+                          <dgm:param type="begSty" val="noArr"/>
+                          <dgm:param type="endSty" val="noArr"/>
+                        </dgm:alg>
+                        <dgm:shape xmlns:r="http://schemas.openxmlformats.org/officeDocument/2006/relationships" type="conn" r:blip="">
+                          <dgm:adjLst/>
+                        </dgm:shape>
+                        <dgm:presOf axis="self"/>
+                        <dgm:constrLst>
+                          <dgm:constr type="begPad"/>
+                          <dgm:constr type="endPad"/>
+                        </dgm:constrLst>
+                      </dgm:layoutNode>
+                    </dgm:forEach>
+                    <dgm:forEach name="Name454" axis="self" ptType="node">
+                      <dgm:layoutNode name="text7" styleLbl="node1">
+                        <dgm:varLst>
+                          <dgm:bulletEnabled val="1"/>
+                        </dgm:varLst>
+                        <dgm:alg type="tx"/>
+                        <dgm:shape xmlns:r="http://schemas.openxmlformats.org/officeDocument/2006/relationships" type="roundRect" r:blip="">
+                          <dgm:adjLst/>
+                        </dgm:shape>
+                        <dgm:presOf axis="desOrSelf" ptType="node"/>
+                        <dgm:constrLst>
+                          <dgm:constr type="userS"/>
+                          <dgm:constr type="w" refType="userS"/>
+                          <dgm:constr type="h" refType="w"/>
+                          <dgm:constr type="tMarg" refType="primFontSz" fact="0.2"/>
+                          <dgm:constr type="bMarg" refType="primFontSz" fact="0.2"/>
+                          <dgm:constr type="lMarg" refType="primFontSz" fact="0.2"/>
+                          <dgm:constr type="rMarg" refType="primFontSz" fact="0.2"/>
+                        </dgm:constrLst>
+                        <dgm:ruleLst>
+                          <dgm:rule type="primFontSz" val="5" fact="NaN" max="NaN"/>
+                        </dgm:ruleLst>
+                      </dgm:layoutNode>
+                    </dgm:forEach>
+                  </dgm:forEach>
+                </dgm:forEach>
+              </dgm:layoutNode>
+              <dgm:forEach name="Name455" axis="ch" ptType="parTrans" st="7" cnt="1">
+                <dgm:layoutNode name="Name456">
+                  <dgm:alg type="conn">
+                    <dgm:param type="dim" val="1D"/>
+                    <dgm:param type="begPts" val="auto"/>
+                    <dgm:param type="endPts" val="auto"/>
+                    <dgm:param type="endSty" val="noArr"/>
+                    <dgm:param type="srcNode" val="textCenter"/>
+                    <dgm:param type="dstNode" val="childCenter7"/>
+                  </dgm:alg>
+                  <dgm:shape xmlns:r="http://schemas.openxmlformats.org/officeDocument/2006/relationships" type="conn" r:blip="" zOrderOff="-999">
+                    <dgm:adjLst/>
+                  </dgm:shape>
+                  <dgm:presOf axis="self"/>
+                  <dgm:constrLst>
+                    <dgm:constr type="h"/>
+                    <dgm:constr type="begPad"/>
+                    <dgm:constr type="endPad"/>
+                  </dgm:constrLst>
+                </dgm:layoutNode>
+              </dgm:forEach>
+            </dgm:if>
+            <dgm:else name="Name457"/>
+          </dgm:choose>
+        </dgm:else>
+      </dgm:choose>
     </dgm:forEach>
   </dgm:layoutNode>
 </dgm:layoutDef>
@@ -16087,7 +18642,6 @@
               <a:rPr lang="en-US" baseline="0" dirty="0" smtClean="0"/>
               <a:t>, SQL Azure</a:t>
             </a:r>
-            <a:endParaRPr lang="en-US" baseline="0" dirty="0" smtClean="0"/>
           </a:p>
           <a:p>
             <a:r>
@@ -16108,11 +18662,7 @@
             </a:r>
             <a:r>
               <a:rPr lang="en-US" baseline="0" dirty="0" smtClean="0"/>
-              <a:t>), SharePoint</a:t>
-            </a:r>
-            <a:r>
-              <a:rPr lang="en-US" baseline="0" dirty="0" smtClean="0"/>
-              <a:t>, </a:t>
+              <a:t>), SharePoint, </a:t>
             </a:r>
             <a:endParaRPr lang="en-US" dirty="0" smtClean="0"/>
           </a:p>
@@ -16525,6 +19075,91 @@
 </p:notes>
 </file>
 
+<file path=ppt/notesSlides/notesSlide14.xml><?xml version="1.0" encoding="utf-8"?>
+<p:notes xmlns:a="http://schemas.openxmlformats.org/drawingml/2006/main" xmlns:r="http://schemas.openxmlformats.org/officeDocument/2006/relationships" xmlns:p="http://schemas.openxmlformats.org/presentationml/2006/main">
+  <p:cSld>
+    <p:spTree>
+      <p:nvGrpSpPr>
+        <p:cNvPr id="1" name=""/>
+        <p:cNvGrpSpPr/>
+        <p:nvPr/>
+      </p:nvGrpSpPr>
+      <p:grpSpPr>
+        <a:xfrm>
+          <a:off x="0" y="0"/>
+          <a:ext cx="0" cy="0"/>
+          <a:chOff x="0" y="0"/>
+          <a:chExt cx="0" cy="0"/>
+        </a:xfrm>
+      </p:grpSpPr>
+      <p:sp>
+        <p:nvSpPr>
+          <p:cNvPr id="2" name="Slide Image Placeholder 1"/>
+          <p:cNvSpPr>
+            <a:spLocks noGrp="1" noRot="1" noChangeAspect="1"/>
+          </p:cNvSpPr>
+          <p:nvPr>
+            <p:ph type="sldImg"/>
+          </p:nvPr>
+        </p:nvSpPr>
+        <p:spPr/>
+      </p:sp>
+      <p:sp>
+        <p:nvSpPr>
+          <p:cNvPr id="3" name="Notes Placeholder 2"/>
+          <p:cNvSpPr>
+            <a:spLocks noGrp="1"/>
+          </p:cNvSpPr>
+          <p:nvPr>
+            <p:ph type="body" idx="1"/>
+          </p:nvPr>
+        </p:nvSpPr>
+        <p:spPr/>
+        <p:txBody>
+          <a:bodyPr/>
+          <a:lstStyle/>
+          <a:p>
+            <a:endParaRPr lang="en-US"/>
+          </a:p>
+        </p:txBody>
+      </p:sp>
+      <p:sp>
+        <p:nvSpPr>
+          <p:cNvPr id="4" name="Slide Number Placeholder 3"/>
+          <p:cNvSpPr>
+            <a:spLocks noGrp="1"/>
+          </p:cNvSpPr>
+          <p:nvPr>
+            <p:ph type="sldNum" sz="quarter" idx="10"/>
+          </p:nvPr>
+        </p:nvSpPr>
+        <p:spPr/>
+        <p:txBody>
+          <a:bodyPr/>
+          <a:lstStyle/>
+          <a:p>
+            <a:fld id="{8B263312-38AA-4E1E-B2B5-0F8F122B24FE}" type="slidenum">
+              <a:rPr lang="en-US" smtClean="0"/>
+              <a:pPr/>
+              <a:t>18</a:t>
+            </a:fld>
+            <a:endParaRPr lang="en-US" dirty="0"/>
+          </a:p>
+        </p:txBody>
+      </p:sp>
+    </p:spTree>
+    <p:extLst>
+      <p:ext uri="{BB962C8B-B14F-4D97-AF65-F5344CB8AC3E}">
+        <p14:creationId xmlns:p14="http://schemas.microsoft.com/office/powerpoint/2010/main" val="725148417"/>
+      </p:ext>
+    </p:extLst>
+  </p:cSld>
+  <p:clrMapOvr>
+    <a:masterClrMapping/>
+  </p:clrMapOvr>
+</p:notes>
+</file>
+
 <file path=ppt/notesSlides/notesSlide2.xml><?xml version="1.0" encoding="utf-8"?>
 <p:notes xmlns:a="http://schemas.openxmlformats.org/drawingml/2006/main" xmlns:r="http://schemas.openxmlformats.org/officeDocument/2006/relationships" xmlns:p="http://schemas.openxmlformats.org/presentationml/2006/main">
   <p:cSld>
@@ -16901,11 +19536,7 @@
           <a:p>
             <a:r>
               <a:rPr lang="en-US" dirty="0" smtClean="0"/>
-              <a:t>http</a:t>
-            </a:r>
-            <a:r>
-              <a:rPr lang="en-US" dirty="0" smtClean="0"/>
-              <a:t>://www.slideshare.net/tekcraft/azure-vsamazon?related=1</a:t>
+              <a:t>http://www.slideshare.net/tekcraft/azure-vsamazon?related=1</a:t>
             </a:r>
             <a:endParaRPr lang="ru-RU" dirty="0" smtClean="0"/>
           </a:p>
@@ -18429,6 +21060,284 @@
   <p:clrMapOvr>
     <a:masterClrMapping/>
   </p:clrMapOvr>
+  <p:timing>
+    <p:tnLst>
+      <p:par>
+        <p:cTn id="1" dur="indefinite" restart="never" nodeType="tmRoot"/>
+      </p:par>
+    </p:tnLst>
+  </p:timing>
+</p:sldLayout>
+</file>
+
+<file path=ppt/slideLayouts/slideLayout12.xml><?xml version="1.0" encoding="utf-8"?>
+<p:sldLayout xmlns:a="http://schemas.openxmlformats.org/drawingml/2006/main" xmlns:r="http://schemas.openxmlformats.org/officeDocument/2006/relationships" xmlns:p="http://schemas.openxmlformats.org/presentationml/2006/main">
+  <p:cSld name="1_Title and Content">
+    <p:spTree>
+      <p:nvGrpSpPr>
+        <p:cNvPr id="1" name=""/>
+        <p:cNvGrpSpPr/>
+        <p:nvPr/>
+      </p:nvGrpSpPr>
+      <p:grpSpPr>
+        <a:xfrm>
+          <a:off x="0" y="0"/>
+          <a:ext cx="0" cy="0"/>
+          <a:chOff x="0" y="0"/>
+          <a:chExt cx="0" cy="0"/>
+        </a:xfrm>
+      </p:grpSpPr>
+      <p:sp>
+        <p:nvSpPr>
+          <p:cNvPr id="2" name="Title 1"/>
+          <p:cNvSpPr>
+            <a:spLocks noGrp="1"/>
+          </p:cNvSpPr>
+          <p:nvPr>
+            <p:ph type="title"/>
+          </p:nvPr>
+        </p:nvSpPr>
+        <p:spPr>
+          <a:xfrm>
+            <a:off x="519248" y="228600"/>
+            <a:ext cx="11151917" cy="757131"/>
+          </a:xfrm>
+        </p:spPr>
+        <p:txBody>
+          <a:bodyPr/>
+          <a:lstStyle>
+            <a:lvl1pPr>
+              <a:defRPr sz="5467"/>
+            </a:lvl1pPr>
+          </a:lstStyle>
+          <a:p>
+            <a:r>
+              <a:rPr lang="en-US" smtClean="0"/>
+              <a:t>Click to edit Master title style</a:t>
+            </a:r>
+            <a:endParaRPr lang="en-US" dirty="0"/>
+          </a:p>
+        </p:txBody>
+      </p:sp>
+      <p:sp>
+        <p:nvSpPr>
+          <p:cNvPr id="5" name="Text Placeholder 4"/>
+          <p:cNvSpPr>
+            <a:spLocks noGrp="1"/>
+          </p:cNvSpPr>
+          <p:nvPr>
+            <p:ph type="body" sz="quarter" idx="10"/>
+          </p:nvPr>
+        </p:nvSpPr>
+        <p:spPr>
+          <a:xfrm>
+            <a:off x="519248" y="1447800"/>
+            <a:ext cx="11151917" cy="946413"/>
+          </a:xfrm>
+        </p:spPr>
+        <p:txBody>
+          <a:bodyPr/>
+          <a:lstStyle>
+            <a:lvl1pPr marL="3176" indent="0">
+              <a:spcBef>
+                <a:spcPts val="0"/>
+              </a:spcBef>
+              <a:spcAft>
+                <a:spcPts val="900"/>
+              </a:spcAft>
+              <a:buSzPct val="80000"/>
+              <a:buFont typeface="Arial" pitchFamily="34" charset="0"/>
+              <a:buNone/>
+              <a:defRPr sz="4000" spc="-100" baseline="0">
+                <a:gradFill>
+                  <a:gsLst>
+                    <a:gs pos="0">
+                      <a:srgbClr val="595959"/>
+                    </a:gs>
+                    <a:gs pos="86000">
+                      <a:srgbClr val="595959"/>
+                    </a:gs>
+                  </a:gsLst>
+                  <a:lin ang="5400000" scaled="0"/>
+                </a:gradFill>
+                <a:latin typeface="Segoe UI Light" pitchFamily="34" charset="0"/>
+              </a:defRPr>
+            </a:lvl1pPr>
+            <a:lvl2pPr marL="3176" indent="0">
+              <a:spcBef>
+                <a:spcPts val="0"/>
+              </a:spcBef>
+              <a:buSzPct val="80000"/>
+              <a:buFont typeface="Arial" pitchFamily="34" charset="0"/>
+              <a:buNone/>
+              <a:defRPr sz="2000" spc="-51" baseline="0">
+                <a:gradFill>
+                  <a:gsLst>
+                    <a:gs pos="0">
+                      <a:srgbClr val="595959"/>
+                    </a:gs>
+                    <a:gs pos="86000">
+                      <a:srgbClr val="595959"/>
+                    </a:gs>
+                  </a:gsLst>
+                  <a:lin ang="5400000" scaled="0"/>
+                </a:gradFill>
+              </a:defRPr>
+            </a:lvl2pPr>
+            <a:lvl3pPr marL="1259025" indent="-403269">
+              <a:buSzPct val="80000"/>
+              <a:buFontTx/>
+              <a:buBlip>
+                <a:blip r:embed="rId2"/>
+              </a:buBlip>
+              <a:defRPr>
+                <a:gradFill>
+                  <a:gsLst>
+                    <a:gs pos="0">
+                      <a:schemeClr val="tx1">
+                        <a:lumMod val="90000"/>
+                        <a:lumOff val="10000"/>
+                      </a:schemeClr>
+                    </a:gs>
+                    <a:gs pos="86000">
+                      <a:schemeClr val="tx1">
+                        <a:lumMod val="90000"/>
+                        <a:lumOff val="10000"/>
+                      </a:schemeClr>
+                    </a:gs>
+                  </a:gsLst>
+                  <a:lin ang="5400000" scaled="0"/>
+                </a:gradFill>
+              </a:defRPr>
+            </a:lvl3pPr>
+            <a:lvl4pPr marL="1605137" indent="-346113">
+              <a:buSzPct val="80000"/>
+              <a:buFontTx/>
+              <a:buBlip>
+                <a:blip r:embed="rId2"/>
+              </a:buBlip>
+              <a:defRPr>
+                <a:gradFill>
+                  <a:gsLst>
+                    <a:gs pos="0">
+                      <a:schemeClr val="tx1">
+                        <a:lumMod val="90000"/>
+                        <a:lumOff val="10000"/>
+                      </a:schemeClr>
+                    </a:gs>
+                    <a:gs pos="86000">
+                      <a:schemeClr val="tx1">
+                        <a:lumMod val="90000"/>
+                        <a:lumOff val="10000"/>
+                      </a:schemeClr>
+                    </a:gs>
+                  </a:gsLst>
+                  <a:lin ang="5400000" scaled="0"/>
+                </a:gradFill>
+              </a:defRPr>
+            </a:lvl4pPr>
+            <a:lvl5pPr marL="1941723" indent="-336586">
+              <a:buSzPct val="80000"/>
+              <a:buFontTx/>
+              <a:buBlip>
+                <a:blip r:embed="rId2"/>
+              </a:buBlip>
+              <a:defRPr>
+                <a:gradFill>
+                  <a:gsLst>
+                    <a:gs pos="0">
+                      <a:schemeClr val="tx1">
+                        <a:lumMod val="90000"/>
+                        <a:lumOff val="10000"/>
+                      </a:schemeClr>
+                    </a:gs>
+                    <a:gs pos="86000">
+                      <a:schemeClr val="tx1">
+                        <a:lumMod val="90000"/>
+                        <a:lumOff val="10000"/>
+                      </a:schemeClr>
+                    </a:gs>
+                  </a:gsLst>
+                  <a:lin ang="5400000" scaled="0"/>
+                </a:gradFill>
+              </a:defRPr>
+            </a:lvl5pPr>
+          </a:lstStyle>
+          <a:p>
+            <a:pPr lvl="0"/>
+            <a:r>
+              <a:rPr lang="en-US" smtClean="0"/>
+              <a:t>Click to edit Master text styles</a:t>
+            </a:r>
+          </a:p>
+          <a:p>
+            <a:pPr lvl="1"/>
+            <a:r>
+              <a:rPr lang="en-US" smtClean="0"/>
+              <a:t>Second level</a:t>
+            </a:r>
+          </a:p>
+        </p:txBody>
+      </p:sp>
+      <p:pic>
+        <p:nvPicPr>
+          <p:cNvPr id="4" name="Picture 3"/>
+          <p:cNvPicPr>
+            <a:picLocks noChangeAspect="1"/>
+          </p:cNvPicPr>
+          <p:nvPr/>
+        </p:nvPicPr>
+        <p:blipFill>
+          <a:blip r:embed="rId3" cstate="print">
+            <a:duotone>
+              <a:prstClr val="black"/>
+              <a:schemeClr val="tx2">
+                <a:tint val="45000"/>
+                <a:satMod val="400000"/>
+              </a:schemeClr>
+            </a:duotone>
+            <a:extLst>
+              <a:ext uri="{BEBA8EAE-BF5A-486C-A8C5-ECC9F3942E4B}">
+                <a14:imgProps xmlns:a14="http://schemas.microsoft.com/office/drawing/2010/main">
+                  <a14:imgLayer r:embed="rId4">
+                    <a14:imgEffect>
+                      <a14:brightnessContrast bright="-20000" contrast="-40000"/>
+                    </a14:imgEffect>
+                  </a14:imgLayer>
+                </a14:imgProps>
+              </a:ext>
+              <a:ext uri="{28A0092B-C50C-407E-A947-70E740481C1C}">
+                <a14:useLocalDpi xmlns:a14="http://schemas.microsoft.com/office/drawing/2010/main" val="0"/>
+              </a:ext>
+            </a:extLst>
+          </a:blip>
+          <a:stretch>
+            <a:fillRect/>
+          </a:stretch>
+        </p:blipFill>
+        <p:spPr>
+          <a:xfrm>
+            <a:off x="518805" y="6372547"/>
+            <a:ext cx="1682359" cy="195501"/>
+          </a:xfrm>
+          <a:prstGeom prst="rect">
+            <a:avLst/>
+          </a:prstGeom>
+        </p:spPr>
+      </p:pic>
+    </p:spTree>
+    <p:extLst>
+      <p:ext uri="{BB962C8B-B14F-4D97-AF65-F5344CB8AC3E}">
+        <p14:creationId xmlns:p14="http://schemas.microsoft.com/office/powerpoint/2010/main" val="1792233513"/>
+      </p:ext>
+    </p:extLst>
+  </p:cSld>
+  <p:clrMapOvr>
+    <a:masterClrMapping/>
+  </p:clrMapOvr>
+  <p:transition>
+    <p:fade/>
+  </p:transition>
   <p:timing>
     <p:tnLst>
       <p:par>
@@ -20899,7 +23808,7 @@
           <p:nvPr userDrawn="1"/>
         </p:nvPicPr>
         <p:blipFill>
-          <a:blip r:embed="rId13"/>
+          <a:blip r:embed="rId14"/>
           <a:stretch>
             <a:fillRect/>
           </a:stretch>
@@ -20923,7 +23832,7 @@
           <p:nvPr userDrawn="1"/>
         </p:nvPicPr>
         <p:blipFill>
-          <a:blip r:embed="rId14"/>
+          <a:blip r:embed="rId15"/>
           <a:stretch>
             <a:fillRect/>
           </a:stretch>
@@ -20953,6 +23862,7 @@
     <p:sldLayoutId id="2147483669" r:id="rId9"/>
     <p:sldLayoutId id="2147483670" r:id="rId10"/>
     <p:sldLayoutId id="2147483671" r:id="rId11"/>
+    <p:sldLayoutId id="2147483672" r:id="rId12"/>
   </p:sldLayoutIdLst>
   <p:timing>
     <p:tnLst>
@@ -21755,10 +24665,10 @@
           </p:nvGrpSpPr>
           <p:grpSpPr>
             <a:xfrm>
-              <a:off x="1919541" y="2348880"/>
-              <a:ext cx="1948171" cy="3727285"/>
-              <a:chOff x="1919541" y="2348880"/>
-              <a:chExt cx="1948171" cy="3727285"/>
+              <a:off x="1946154" y="2347542"/>
+              <a:ext cx="1921558" cy="3728623"/>
+              <a:chOff x="1946154" y="2347542"/>
+              <a:chExt cx="1921558" cy="3728623"/>
             </a:xfrm>
           </p:grpSpPr>
           <p:sp>
@@ -21769,7 +24679,7 @@
             </p:nvSpPr>
             <p:spPr>
               <a:xfrm>
-                <a:off x="1919541" y="2348880"/>
+                <a:off x="1946154" y="2347542"/>
                 <a:ext cx="1921558" cy="366615"/>
               </a:xfrm>
               <a:custGeom>
@@ -21939,7 +24849,7 @@
             </p:nvSpPr>
             <p:spPr>
               <a:xfrm>
-                <a:off x="1919541" y="2768964"/>
+                <a:off x="1946154" y="2767626"/>
                 <a:ext cx="1921558" cy="366615"/>
               </a:xfrm>
               <a:custGeom>
@@ -23504,10 +26414,10 @@
           </p:nvGrpSpPr>
           <p:grpSpPr>
             <a:xfrm>
-              <a:off x="1919541" y="2348880"/>
-              <a:ext cx="1948171" cy="3727285"/>
-              <a:chOff x="1919541" y="2348880"/>
-              <a:chExt cx="1948171" cy="3727285"/>
+              <a:off x="1946154" y="2347542"/>
+              <a:ext cx="1932224" cy="3728623"/>
+              <a:chOff x="1946154" y="2347542"/>
+              <a:chExt cx="1932224" cy="3728623"/>
             </a:xfrm>
           </p:grpSpPr>
           <p:sp>
@@ -23518,7 +26428,7 @@
             </p:nvSpPr>
             <p:spPr>
               <a:xfrm>
-                <a:off x="1919541" y="2348880"/>
+                <a:off x="1956820" y="2347542"/>
                 <a:ext cx="1921558" cy="366615"/>
               </a:xfrm>
               <a:custGeom>
@@ -23688,7 +26598,7 @@
             </p:nvSpPr>
             <p:spPr>
               <a:xfrm>
-                <a:off x="1919541" y="2768964"/>
+                <a:off x="1956820" y="2767626"/>
                 <a:ext cx="1921558" cy="366615"/>
               </a:xfrm>
               <a:custGeom>
@@ -25248,10 +28158,10 @@
           </p:nvGrpSpPr>
           <p:grpSpPr>
             <a:xfrm>
-              <a:off x="1919541" y="2348880"/>
-              <a:ext cx="1948171" cy="3727285"/>
-              <a:chOff x="1919541" y="2348880"/>
-              <a:chExt cx="1948171" cy="3727285"/>
+              <a:off x="1946154" y="2347131"/>
+              <a:ext cx="1921558" cy="3729034"/>
+              <a:chOff x="1946154" y="2347131"/>
+              <a:chExt cx="1921558" cy="3729034"/>
             </a:xfrm>
           </p:grpSpPr>
           <p:sp>
@@ -25262,7 +28172,7 @@
             </p:nvSpPr>
             <p:spPr>
               <a:xfrm>
-                <a:off x="1919541" y="2348880"/>
+                <a:off x="1946154" y="2347131"/>
                 <a:ext cx="1921558" cy="366615"/>
               </a:xfrm>
               <a:custGeom>
@@ -25432,7 +28342,7 @@
             </p:nvSpPr>
             <p:spPr>
               <a:xfrm>
-                <a:off x="1919541" y="2768964"/>
+                <a:off x="1946154" y="2767215"/>
                 <a:ext cx="1921558" cy="366615"/>
               </a:xfrm>
               <a:custGeom>
@@ -26992,10 +29902,10 @@
           </p:nvGrpSpPr>
           <p:grpSpPr>
             <a:xfrm>
-              <a:off x="1919541" y="2348880"/>
-              <a:ext cx="1948171" cy="3727285"/>
-              <a:chOff x="1919541" y="2348880"/>
-              <a:chExt cx="1948171" cy="3727285"/>
+              <a:off x="1946154" y="2337856"/>
+              <a:ext cx="1921558" cy="3738309"/>
+              <a:chOff x="1946154" y="2337856"/>
+              <a:chExt cx="1921558" cy="3738309"/>
             </a:xfrm>
           </p:grpSpPr>
           <p:sp>
@@ -27006,7 +29916,7 @@
             </p:nvSpPr>
             <p:spPr>
               <a:xfrm>
-                <a:off x="1919541" y="2348880"/>
+                <a:off x="1946154" y="2337856"/>
                 <a:ext cx="1921558" cy="366615"/>
               </a:xfrm>
               <a:custGeom>
@@ -27176,7 +30086,7 @@
             </p:nvSpPr>
             <p:spPr>
               <a:xfrm>
-                <a:off x="1919541" y="2768964"/>
+                <a:off x="1946154" y="2757940"/>
                 <a:ext cx="1921558" cy="366615"/>
               </a:xfrm>
               <a:custGeom>
@@ -28538,8 +31448,8 @@
         </p:nvSpPr>
         <p:spPr>
           <a:xfrm>
-            <a:off x="8112224" y="448776"/>
-            <a:ext cx="1921558" cy="366615"/>
+            <a:off x="7752184" y="448776"/>
+            <a:ext cx="2448272" cy="366615"/>
           </a:xfrm>
           <a:custGeom>
             <a:avLst/>
@@ -28690,6 +31600,14 @@
                   <a:schemeClr val="tx1"/>
                 </a:solidFill>
               </a:rPr>
+              <a:t>Managed by </a:t>
+            </a:r>
+            <a:r>
+              <a:rPr lang="en-US" dirty="0" smtClean="0">
+                <a:solidFill>
+                  <a:schemeClr val="tx1"/>
+                </a:solidFill>
+              </a:rPr>
               <a:t>Customer</a:t>
             </a:r>
             <a:endParaRPr lang="ru-RU" sz="1800" kern="1200" dirty="0">
@@ -28708,8 +31626,8 @@
         </p:nvSpPr>
         <p:spPr>
           <a:xfrm>
-            <a:off x="8112224" y="894772"/>
-            <a:ext cx="1921558" cy="366615"/>
+            <a:off x="7752184" y="879884"/>
+            <a:ext cx="2448272" cy="366615"/>
           </a:xfrm>
           <a:custGeom>
             <a:avLst/>
@@ -28860,7 +31778,7 @@
                   <a:schemeClr val="tx1"/>
                 </a:solidFill>
               </a:rPr>
-              <a:t>Vendor</a:t>
+              <a:t>Managed by Vendor</a:t>
             </a:r>
             <a:endParaRPr lang="ru-RU" sz="1800" kern="1200" dirty="0">
               <a:solidFill>
@@ -29212,45 +32130,23 @@
       </p:graphicFrame>
       <p:graphicFrame>
         <p:nvGraphicFramePr>
-          <p:cNvPr id="42" name="Diagram 41"/>
+          <p:cNvPr id="43" name="Diagram 42"/>
           <p:cNvGraphicFramePr/>
           <p:nvPr>
             <p:extLst>
               <p:ext uri="{D42A27DB-BD31-4B8C-83A1-F6EECF244321}">
-                <p14:modId xmlns:p14="http://schemas.microsoft.com/office/powerpoint/2010/main" val="4131784748"/>
+                <p14:modId xmlns:p14="http://schemas.microsoft.com/office/powerpoint/2010/main" val="1846612593"/>
               </p:ext>
             </p:extLst>
           </p:nvPr>
         </p:nvGraphicFramePr>
         <p:xfrm>
-          <a:off x="4583832" y="3429000"/>
-          <a:ext cx="4365711" cy="3096344"/>
+          <a:off x="1415480" y="1417639"/>
+          <a:ext cx="4967573" cy="2443410"/>
         </p:xfrm>
         <a:graphic>
           <a:graphicData uri="http://schemas.openxmlformats.org/drawingml/2006/diagram">
             <dgm:relIds xmlns:dgm="http://schemas.openxmlformats.org/drawingml/2006/diagram" xmlns:r="http://schemas.openxmlformats.org/officeDocument/2006/relationships" r:dm="rId8" r:lo="rId9" r:qs="rId10" r:cs="rId11"/>
-          </a:graphicData>
-        </a:graphic>
-      </p:graphicFrame>
-      <p:graphicFrame>
-        <p:nvGraphicFramePr>
-          <p:cNvPr id="43" name="Diagram 42"/>
-          <p:cNvGraphicFramePr/>
-          <p:nvPr>
-            <p:extLst>
-              <p:ext uri="{D42A27DB-BD31-4B8C-83A1-F6EECF244321}">
-                <p14:modId xmlns:p14="http://schemas.microsoft.com/office/powerpoint/2010/main" val="2104125855"/>
-              </p:ext>
-            </p:extLst>
-          </p:nvPr>
-        </p:nvGraphicFramePr>
-        <p:xfrm>
-          <a:off x="1415480" y="1417638"/>
-          <a:ext cx="5616624" cy="2853349"/>
-        </p:xfrm>
-        <a:graphic>
-          <a:graphicData uri="http://schemas.openxmlformats.org/drawingml/2006/diagram">
-            <dgm:relIds xmlns:dgm="http://schemas.openxmlformats.org/drawingml/2006/diagram" xmlns:r="http://schemas.openxmlformats.org/officeDocument/2006/relationships" r:dm="rId13" r:lo="rId14" r:qs="rId15" r:cs="rId16"/>
           </a:graphicData>
         </a:graphic>
       </p:graphicFrame>
@@ -29263,7 +32159,7 @@
           <p:nvPr/>
         </p:nvPicPr>
         <p:blipFill>
-          <a:blip r:embed="rId18">
+          <a:blip r:embed="rId13">
             <a:extLst>
               <a:ext uri="{28A0092B-C50C-407E-A947-70E740481C1C}">
                 <a14:useLocalDpi xmlns:a14="http://schemas.microsoft.com/office/drawing/2010/main" val="0"/>
@@ -29277,7 +32173,7 @@
         </p:blipFill>
         <p:spPr bwMode="auto">
           <a:xfrm>
-            <a:off x="2567608" y="1628800"/>
+            <a:off x="3791744" y="2348880"/>
             <a:ext cx="576064" cy="522059"/>
           </a:xfrm>
           <a:prstGeom prst="rect">
@@ -29295,6 +32191,28 @@
           </a:extLst>
         </p:spPr>
       </p:pic>
+      <p:graphicFrame>
+        <p:nvGraphicFramePr>
+          <p:cNvPr id="8" name="Diagram 7"/>
+          <p:cNvGraphicFramePr/>
+          <p:nvPr>
+            <p:extLst>
+              <p:ext uri="{D42A27DB-BD31-4B8C-83A1-F6EECF244321}">
+                <p14:modId xmlns:p14="http://schemas.microsoft.com/office/powerpoint/2010/main" val="3773072062"/>
+              </p:ext>
+            </p:extLst>
+          </p:nvPr>
+        </p:nvGraphicFramePr>
+        <p:xfrm>
+          <a:off x="4296212" y="3356992"/>
+          <a:ext cx="4967573" cy="2592288"/>
+        </p:xfrm>
+        <a:graphic>
+          <a:graphicData uri="http://schemas.openxmlformats.org/drawingml/2006/diagram">
+            <dgm:relIds xmlns:dgm="http://schemas.openxmlformats.org/drawingml/2006/diagram" xmlns:r="http://schemas.openxmlformats.org/officeDocument/2006/relationships" r:dm="rId14" r:lo="rId15" r:qs="rId16" r:cs="rId17"/>
+          </a:graphicData>
+        </a:graphic>
+      </p:graphicFrame>
     </p:spTree>
     <p:extLst>
       <p:ext uri="{BB962C8B-B14F-4D97-AF65-F5344CB8AC3E}">
@@ -29698,17 +32616,12 @@
             </a:pPr>
             <a:r>
               <a:rPr lang="en-US" dirty="0"/>
-              <a:t>From </a:t>
-            </a:r>
-            <a:r>
-              <a:rPr lang="en-US" dirty="0"/>
-              <a:t>M</a:t>
+              <a:t>From M</a:t>
             </a:r>
             <a:r>
               <a:rPr lang="en-US" dirty="0" smtClean="0"/>
               <a:t>anagement Portals:</a:t>
             </a:r>
-            <a:endParaRPr lang="en-US" dirty="0" smtClean="0"/>
           </a:p>
           <a:p>
             <a:pPr lvl="1">
@@ -29827,15 +32740,7 @@
           <a:p>
             <a:r>
               <a:rPr lang="en-US" dirty="0" smtClean="0"/>
-              <a:t>Azure </a:t>
-            </a:r>
-            <a:r>
-              <a:rPr lang="en-US" dirty="0" smtClean="0"/>
-              <a:t>SDK and </a:t>
-            </a:r>
-            <a:r>
-              <a:rPr lang="en-US" dirty="0" smtClean="0"/>
-              <a:t>Command-line Tools</a:t>
+              <a:t>Azure SDK and Command-line Tools</a:t>
             </a:r>
             <a:endParaRPr lang="ru-RU" dirty="0"/>
           </a:p>
@@ -29885,6 +32790,673 @@
 </file>
 
 <file path=ppt/slides/slide18.xml><?xml version="1.0" encoding="utf-8"?>
+<p:sld xmlns:a="http://schemas.openxmlformats.org/drawingml/2006/main" xmlns:r="http://schemas.openxmlformats.org/officeDocument/2006/relationships" xmlns:p="http://schemas.openxmlformats.org/presentationml/2006/main">
+  <p:cSld>
+    <p:spTree>
+      <p:nvGrpSpPr>
+        <p:cNvPr id="1" name=""/>
+        <p:cNvGrpSpPr/>
+        <p:nvPr/>
+      </p:nvGrpSpPr>
+      <p:grpSpPr>
+        <a:xfrm>
+          <a:off x="0" y="0"/>
+          <a:ext cx="0" cy="0"/>
+          <a:chOff x="0" y="0"/>
+          <a:chExt cx="0" cy="0"/>
+        </a:xfrm>
+      </p:grpSpPr>
+      <p:sp>
+        <p:nvSpPr>
+          <p:cNvPr id="3" name="Title 2"/>
+          <p:cNvSpPr>
+            <a:spLocks noGrp="1"/>
+          </p:cNvSpPr>
+          <p:nvPr>
+            <p:ph type="title"/>
+          </p:nvPr>
+        </p:nvSpPr>
+        <p:spPr/>
+        <p:txBody>
+          <a:bodyPr>
+            <a:normAutofit fontScale="90000"/>
+          </a:bodyPr>
+          <a:lstStyle/>
+          <a:p>
+            <a:r>
+              <a:rPr lang="en-US" dirty="0" smtClean="0"/>
+              <a:t>Tiered Migrations</a:t>
+            </a:r>
+            <a:endParaRPr lang="en-US" dirty="0"/>
+          </a:p>
+        </p:txBody>
+      </p:sp>
+      <p:sp>
+        <p:nvSpPr>
+          <p:cNvPr id="4" name="Text Placeholder 3"/>
+          <p:cNvSpPr>
+            <a:spLocks noGrp="1"/>
+          </p:cNvSpPr>
+          <p:nvPr>
+            <p:ph type="body" sz="quarter" idx="10"/>
+          </p:nvPr>
+        </p:nvSpPr>
+        <p:spPr>
+          <a:xfrm>
+            <a:off x="521630" y="1447799"/>
+            <a:ext cx="11151917" cy="4961359"/>
+          </a:xfrm>
+        </p:spPr>
+        <p:txBody>
+          <a:bodyPr>
+            <a:normAutofit lnSpcReduction="10000"/>
+          </a:bodyPr>
+          <a:lstStyle/>
+          <a:p>
+            <a:r>
+              <a:rPr lang="en-US" sz="3200" dirty="0">
+                <a:solidFill>
+                  <a:schemeClr val="accent2">
+                    <a:alpha val="99000"/>
+                  </a:schemeClr>
+                </a:solidFill>
+              </a:rPr>
+              <a:t>Take </a:t>
+            </a:r>
+            <a:r>
+              <a:rPr lang="en-US" sz="3200" dirty="0">
+                <a:solidFill>
+                  <a:schemeClr val="accent2">
+                    <a:alpha val="99000"/>
+                  </a:schemeClr>
+                </a:solidFill>
+              </a:rPr>
+              <a:t>Advantage </a:t>
+            </a:r>
+            <a:r>
+              <a:rPr lang="en-US" sz="3200" b="1" dirty="0">
+                <a:solidFill>
+                  <a:schemeClr val="accent2">
+                    <a:alpha val="99000"/>
+                  </a:schemeClr>
+                </a:solidFill>
+              </a:rPr>
+              <a:t>of </a:t>
+            </a:r>
+            <a:r>
+              <a:rPr lang="en-US" sz="3200" b="1" dirty="0" err="1">
+                <a:solidFill>
+                  <a:schemeClr val="accent2">
+                    <a:alpha val="99000"/>
+                  </a:schemeClr>
+                </a:solidFill>
+              </a:rPr>
+              <a:t>PaaS</a:t>
+            </a:r>
+            <a:r>
+              <a:rPr lang="en-US" sz="3200" dirty="0">
+                <a:solidFill>
+                  <a:schemeClr val="accent2">
+                    <a:alpha val="99000"/>
+                  </a:schemeClr>
+                </a:solidFill>
+              </a:rPr>
+              <a:t> </a:t>
+            </a:r>
+            <a:r>
+              <a:rPr lang="en-US" sz="3200" dirty="0">
+                <a:solidFill>
+                  <a:schemeClr val="accent2">
+                    <a:alpha val="99000"/>
+                  </a:schemeClr>
+                </a:solidFill>
+              </a:rPr>
+              <a:t>Where You Can</a:t>
+            </a:r>
+          </a:p>
+          <a:p>
+            <a:pPr lvl="1">
+              <a:spcAft>
+                <a:spcPts val="600"/>
+              </a:spcAft>
+            </a:pPr>
+            <a:r>
+              <a:rPr lang="en-US" sz="2400" spc="0" dirty="0"/>
+              <a:t>Many Applications could benefit from migrating to a mixed deployment. </a:t>
+            </a:r>
+            <a:br>
+              <a:rPr lang="en-US" sz="2400" spc="0" dirty="0"/>
+            </a:br>
+            <a:r>
+              <a:rPr lang="en-US" sz="2400" spc="0" dirty="0"/>
+              <a:t>Migrating to web/worker roles or taking advantage of other </a:t>
+            </a:r>
+            <a:br>
+              <a:rPr lang="en-US" sz="2400" spc="0" dirty="0"/>
+            </a:br>
+            <a:r>
+              <a:rPr lang="en-US" sz="2400" spc="0" dirty="0"/>
+              <a:t>Windows Azure services (storage, cache etc..)</a:t>
+            </a:r>
+          </a:p>
+          <a:p>
+            <a:r>
+              <a:rPr lang="en-US" sz="3200" dirty="0">
+                <a:solidFill>
+                  <a:schemeClr val="accent2">
+                    <a:alpha val="99000"/>
+                  </a:schemeClr>
+                </a:solidFill>
+              </a:rPr>
+              <a:t>Benefits of Web and Worker Roles</a:t>
+            </a:r>
+          </a:p>
+          <a:p>
+            <a:pPr lvl="1"/>
+            <a:r>
+              <a:rPr lang="en-US" sz="2400" spc="0" dirty="0"/>
+              <a:t>Simplified Deployment and Configuration</a:t>
+            </a:r>
+          </a:p>
+          <a:p>
+            <a:pPr lvl="1"/>
+            <a:r>
+              <a:rPr lang="en-US" sz="2400" spc="0" dirty="0"/>
+              <a:t>Health Model</a:t>
+            </a:r>
+          </a:p>
+          <a:p>
+            <a:pPr lvl="1"/>
+            <a:r>
+              <a:rPr lang="en-US" sz="2400" spc="0" dirty="0"/>
+              <a:t>Easy High Availability</a:t>
+            </a:r>
+          </a:p>
+          <a:p>
+            <a:pPr lvl="1"/>
+            <a:r>
+              <a:rPr lang="en-US" sz="2400" spc="0" dirty="0"/>
+              <a:t>Instance Scalability</a:t>
+            </a:r>
+          </a:p>
+          <a:p>
+            <a:pPr lvl="1"/>
+            <a:r>
+              <a:rPr lang="en-US" sz="2400" spc="0" dirty="0"/>
+              <a:t>OS Patching</a:t>
+            </a:r>
+          </a:p>
+          <a:p>
+            <a:pPr lvl="1"/>
+            <a:r>
+              <a:rPr lang="en-US" sz="2400" spc="0" dirty="0"/>
+              <a:t>Automatic Firewall Configuration</a:t>
+            </a:r>
+          </a:p>
+          <a:p>
+            <a:pPr lvl="1"/>
+            <a:r>
+              <a:rPr lang="en-US" sz="2400" spc="0" dirty="0"/>
+              <a:t>Simple Certificate Deployment</a:t>
+            </a:r>
+          </a:p>
+          <a:p>
+            <a:pPr lvl="1"/>
+            <a:r>
+              <a:rPr lang="en-US" sz="2400" spc="0" dirty="0"/>
+              <a:t>Many others</a:t>
+            </a:r>
+          </a:p>
+        </p:txBody>
+      </p:sp>
+      <p:sp>
+        <p:nvSpPr>
+          <p:cNvPr id="5" name="Freeform 15"/>
+          <p:cNvSpPr>
+            <a:spLocks noEditPoints="1"/>
+          </p:cNvSpPr>
+          <p:nvPr/>
+        </p:nvSpPr>
+        <p:spPr bwMode="black">
+          <a:xfrm>
+            <a:off x="7172214" y="3438915"/>
+            <a:ext cx="3187649" cy="3190487"/>
+          </a:xfrm>
+          <a:custGeom>
+            <a:avLst/>
+            <a:gdLst>
+              <a:gd name="T0" fmla="*/ 455 w 708"/>
+              <a:gd name="T1" fmla="*/ 121 h 709"/>
+              <a:gd name="T2" fmla="*/ 392 w 708"/>
+              <a:gd name="T3" fmla="*/ 121 h 709"/>
+              <a:gd name="T4" fmla="*/ 392 w 708"/>
+              <a:gd name="T5" fmla="*/ 206 h 709"/>
+              <a:gd name="T6" fmla="*/ 316 w 708"/>
+              <a:gd name="T7" fmla="*/ 206 h 709"/>
+              <a:gd name="T8" fmla="*/ 316 w 708"/>
+              <a:gd name="T9" fmla="*/ 121 h 709"/>
+              <a:gd name="T10" fmla="*/ 250 w 708"/>
+              <a:gd name="T11" fmla="*/ 121 h 709"/>
+              <a:gd name="T12" fmla="*/ 354 w 708"/>
+              <a:gd name="T13" fmla="*/ 0 h 709"/>
+              <a:gd name="T14" fmla="*/ 455 w 708"/>
+              <a:gd name="T15" fmla="*/ 121 h 709"/>
+              <a:gd name="T16" fmla="*/ 205 w 708"/>
+              <a:gd name="T17" fmla="*/ 371 h 709"/>
+              <a:gd name="T18" fmla="*/ 139 w 708"/>
+              <a:gd name="T19" fmla="*/ 371 h 709"/>
+              <a:gd name="T20" fmla="*/ 139 w 708"/>
+              <a:gd name="T21" fmla="*/ 456 h 709"/>
+              <a:gd name="T22" fmla="*/ 63 w 708"/>
+              <a:gd name="T23" fmla="*/ 456 h 709"/>
+              <a:gd name="T24" fmla="*/ 63 w 708"/>
+              <a:gd name="T25" fmla="*/ 371 h 709"/>
+              <a:gd name="T26" fmla="*/ 0 w 708"/>
+              <a:gd name="T27" fmla="*/ 371 h 709"/>
+              <a:gd name="T28" fmla="*/ 101 w 708"/>
+              <a:gd name="T29" fmla="*/ 251 h 709"/>
+              <a:gd name="T30" fmla="*/ 205 w 708"/>
+              <a:gd name="T31" fmla="*/ 371 h 709"/>
+              <a:gd name="T32" fmla="*/ 205 w 708"/>
+              <a:gd name="T33" fmla="*/ 503 h 709"/>
+              <a:gd name="T34" fmla="*/ 0 w 708"/>
+              <a:gd name="T35" fmla="*/ 503 h 709"/>
+              <a:gd name="T36" fmla="*/ 0 w 708"/>
+              <a:gd name="T37" fmla="*/ 709 h 709"/>
+              <a:gd name="T38" fmla="*/ 205 w 708"/>
+              <a:gd name="T39" fmla="*/ 709 h 709"/>
+              <a:gd name="T40" fmla="*/ 205 w 708"/>
+              <a:gd name="T41" fmla="*/ 503 h 709"/>
+              <a:gd name="T42" fmla="*/ 708 w 708"/>
+              <a:gd name="T43" fmla="*/ 503 h 709"/>
+              <a:gd name="T44" fmla="*/ 503 w 708"/>
+              <a:gd name="T45" fmla="*/ 503 h 709"/>
+              <a:gd name="T46" fmla="*/ 503 w 708"/>
+              <a:gd name="T47" fmla="*/ 709 h 709"/>
+              <a:gd name="T48" fmla="*/ 708 w 708"/>
+              <a:gd name="T49" fmla="*/ 709 h 709"/>
+              <a:gd name="T50" fmla="*/ 708 w 708"/>
+              <a:gd name="T51" fmla="*/ 503 h 709"/>
+              <a:gd name="T52" fmla="*/ 708 w 708"/>
+              <a:gd name="T53" fmla="*/ 0 h 709"/>
+              <a:gd name="T54" fmla="*/ 503 w 708"/>
+              <a:gd name="T55" fmla="*/ 0 h 709"/>
+              <a:gd name="T56" fmla="*/ 503 w 708"/>
+              <a:gd name="T57" fmla="*/ 206 h 709"/>
+              <a:gd name="T58" fmla="*/ 708 w 708"/>
+              <a:gd name="T59" fmla="*/ 206 h 709"/>
+              <a:gd name="T60" fmla="*/ 708 w 708"/>
+              <a:gd name="T61" fmla="*/ 0 h 709"/>
+              <a:gd name="T62" fmla="*/ 708 w 708"/>
+              <a:gd name="T63" fmla="*/ 251 h 709"/>
+              <a:gd name="T64" fmla="*/ 503 w 708"/>
+              <a:gd name="T65" fmla="*/ 251 h 709"/>
+              <a:gd name="T66" fmla="*/ 503 w 708"/>
+              <a:gd name="T67" fmla="*/ 456 h 709"/>
+              <a:gd name="T68" fmla="*/ 708 w 708"/>
+              <a:gd name="T69" fmla="*/ 456 h 709"/>
+              <a:gd name="T70" fmla="*/ 708 w 708"/>
+              <a:gd name="T71" fmla="*/ 251 h 709"/>
+              <a:gd name="T72" fmla="*/ 455 w 708"/>
+              <a:gd name="T73" fmla="*/ 251 h 709"/>
+              <a:gd name="T74" fmla="*/ 250 w 708"/>
+              <a:gd name="T75" fmla="*/ 251 h 709"/>
+              <a:gd name="T76" fmla="*/ 250 w 708"/>
+              <a:gd name="T77" fmla="*/ 456 h 709"/>
+              <a:gd name="T78" fmla="*/ 455 w 708"/>
+              <a:gd name="T79" fmla="*/ 456 h 709"/>
+              <a:gd name="T80" fmla="*/ 455 w 708"/>
+              <a:gd name="T81" fmla="*/ 251 h 709"/>
+              <a:gd name="T82" fmla="*/ 455 w 708"/>
+              <a:gd name="T83" fmla="*/ 503 h 709"/>
+              <a:gd name="T84" fmla="*/ 250 w 708"/>
+              <a:gd name="T85" fmla="*/ 503 h 709"/>
+              <a:gd name="T86" fmla="*/ 250 w 708"/>
+              <a:gd name="T87" fmla="*/ 709 h 709"/>
+              <a:gd name="T88" fmla="*/ 455 w 708"/>
+              <a:gd name="T89" fmla="*/ 709 h 709"/>
+              <a:gd name="T90" fmla="*/ 455 w 708"/>
+              <a:gd name="T91" fmla="*/ 503 h 709"/>
+            </a:gdLst>
+            <a:ahLst/>
+            <a:cxnLst>
+              <a:cxn ang="0">
+                <a:pos x="T0" y="T1"/>
+              </a:cxn>
+              <a:cxn ang="0">
+                <a:pos x="T2" y="T3"/>
+              </a:cxn>
+              <a:cxn ang="0">
+                <a:pos x="T4" y="T5"/>
+              </a:cxn>
+              <a:cxn ang="0">
+                <a:pos x="T6" y="T7"/>
+              </a:cxn>
+              <a:cxn ang="0">
+                <a:pos x="T8" y="T9"/>
+              </a:cxn>
+              <a:cxn ang="0">
+                <a:pos x="T10" y="T11"/>
+              </a:cxn>
+              <a:cxn ang="0">
+                <a:pos x="T12" y="T13"/>
+              </a:cxn>
+              <a:cxn ang="0">
+                <a:pos x="T14" y="T15"/>
+              </a:cxn>
+              <a:cxn ang="0">
+                <a:pos x="T16" y="T17"/>
+              </a:cxn>
+              <a:cxn ang="0">
+                <a:pos x="T18" y="T19"/>
+              </a:cxn>
+              <a:cxn ang="0">
+                <a:pos x="T20" y="T21"/>
+              </a:cxn>
+              <a:cxn ang="0">
+                <a:pos x="T22" y="T23"/>
+              </a:cxn>
+              <a:cxn ang="0">
+                <a:pos x="T24" y="T25"/>
+              </a:cxn>
+              <a:cxn ang="0">
+                <a:pos x="T26" y="T27"/>
+              </a:cxn>
+              <a:cxn ang="0">
+                <a:pos x="T28" y="T29"/>
+              </a:cxn>
+              <a:cxn ang="0">
+                <a:pos x="T30" y="T31"/>
+              </a:cxn>
+              <a:cxn ang="0">
+                <a:pos x="T32" y="T33"/>
+              </a:cxn>
+              <a:cxn ang="0">
+                <a:pos x="T34" y="T35"/>
+              </a:cxn>
+              <a:cxn ang="0">
+                <a:pos x="T36" y="T37"/>
+              </a:cxn>
+              <a:cxn ang="0">
+                <a:pos x="T38" y="T39"/>
+              </a:cxn>
+              <a:cxn ang="0">
+                <a:pos x="T40" y="T41"/>
+              </a:cxn>
+              <a:cxn ang="0">
+                <a:pos x="T42" y="T43"/>
+              </a:cxn>
+              <a:cxn ang="0">
+                <a:pos x="T44" y="T45"/>
+              </a:cxn>
+              <a:cxn ang="0">
+                <a:pos x="T46" y="T47"/>
+              </a:cxn>
+              <a:cxn ang="0">
+                <a:pos x="T48" y="T49"/>
+              </a:cxn>
+              <a:cxn ang="0">
+                <a:pos x="T50" y="T51"/>
+              </a:cxn>
+              <a:cxn ang="0">
+                <a:pos x="T52" y="T53"/>
+              </a:cxn>
+              <a:cxn ang="0">
+                <a:pos x="T54" y="T55"/>
+              </a:cxn>
+              <a:cxn ang="0">
+                <a:pos x="T56" y="T57"/>
+              </a:cxn>
+              <a:cxn ang="0">
+                <a:pos x="T58" y="T59"/>
+              </a:cxn>
+              <a:cxn ang="0">
+                <a:pos x="T60" y="T61"/>
+              </a:cxn>
+              <a:cxn ang="0">
+                <a:pos x="T62" y="T63"/>
+              </a:cxn>
+              <a:cxn ang="0">
+                <a:pos x="T64" y="T65"/>
+              </a:cxn>
+              <a:cxn ang="0">
+                <a:pos x="T66" y="T67"/>
+              </a:cxn>
+              <a:cxn ang="0">
+                <a:pos x="T68" y="T69"/>
+              </a:cxn>
+              <a:cxn ang="0">
+                <a:pos x="T70" y="T71"/>
+              </a:cxn>
+              <a:cxn ang="0">
+                <a:pos x="T72" y="T73"/>
+              </a:cxn>
+              <a:cxn ang="0">
+                <a:pos x="T74" y="T75"/>
+              </a:cxn>
+              <a:cxn ang="0">
+                <a:pos x="T76" y="T77"/>
+              </a:cxn>
+              <a:cxn ang="0">
+                <a:pos x="T78" y="T79"/>
+              </a:cxn>
+              <a:cxn ang="0">
+                <a:pos x="T80" y="T81"/>
+              </a:cxn>
+              <a:cxn ang="0">
+                <a:pos x="T82" y="T83"/>
+              </a:cxn>
+              <a:cxn ang="0">
+                <a:pos x="T84" y="T85"/>
+              </a:cxn>
+              <a:cxn ang="0">
+                <a:pos x="T86" y="T87"/>
+              </a:cxn>
+              <a:cxn ang="0">
+                <a:pos x="T88" y="T89"/>
+              </a:cxn>
+              <a:cxn ang="0">
+                <a:pos x="T90" y="T91"/>
+              </a:cxn>
+            </a:cxnLst>
+            <a:rect l="0" t="0" r="r" b="b"/>
+            <a:pathLst>
+              <a:path w="708" h="709">
+                <a:moveTo>
+                  <a:pt x="455" y="121"/>
+                </a:moveTo>
+                <a:lnTo>
+                  <a:pt x="392" y="121"/>
+                </a:lnTo>
+                <a:lnTo>
+                  <a:pt x="392" y="206"/>
+                </a:lnTo>
+                <a:lnTo>
+                  <a:pt x="316" y="206"/>
+                </a:lnTo>
+                <a:lnTo>
+                  <a:pt x="316" y="121"/>
+                </a:lnTo>
+                <a:lnTo>
+                  <a:pt x="250" y="121"/>
+                </a:lnTo>
+                <a:lnTo>
+                  <a:pt x="354" y="0"/>
+                </a:lnTo>
+                <a:lnTo>
+                  <a:pt x="455" y="121"/>
+                </a:lnTo>
+                <a:close/>
+                <a:moveTo>
+                  <a:pt x="205" y="371"/>
+                </a:moveTo>
+                <a:lnTo>
+                  <a:pt x="139" y="371"/>
+                </a:lnTo>
+                <a:lnTo>
+                  <a:pt x="139" y="456"/>
+                </a:lnTo>
+                <a:lnTo>
+                  <a:pt x="63" y="456"/>
+                </a:lnTo>
+                <a:lnTo>
+                  <a:pt x="63" y="371"/>
+                </a:lnTo>
+                <a:lnTo>
+                  <a:pt x="0" y="371"/>
+                </a:lnTo>
+                <a:lnTo>
+                  <a:pt x="101" y="251"/>
+                </a:lnTo>
+                <a:lnTo>
+                  <a:pt x="205" y="371"/>
+                </a:lnTo>
+                <a:close/>
+                <a:moveTo>
+                  <a:pt x="205" y="503"/>
+                </a:moveTo>
+                <a:lnTo>
+                  <a:pt x="0" y="503"/>
+                </a:lnTo>
+                <a:lnTo>
+                  <a:pt x="0" y="709"/>
+                </a:lnTo>
+                <a:lnTo>
+                  <a:pt x="205" y="709"/>
+                </a:lnTo>
+                <a:lnTo>
+                  <a:pt x="205" y="503"/>
+                </a:lnTo>
+                <a:close/>
+                <a:moveTo>
+                  <a:pt x="708" y="503"/>
+                </a:moveTo>
+                <a:lnTo>
+                  <a:pt x="503" y="503"/>
+                </a:lnTo>
+                <a:lnTo>
+                  <a:pt x="503" y="709"/>
+                </a:lnTo>
+                <a:lnTo>
+                  <a:pt x="708" y="709"/>
+                </a:lnTo>
+                <a:lnTo>
+                  <a:pt x="708" y="503"/>
+                </a:lnTo>
+                <a:close/>
+                <a:moveTo>
+                  <a:pt x="708" y="0"/>
+                </a:moveTo>
+                <a:lnTo>
+                  <a:pt x="503" y="0"/>
+                </a:lnTo>
+                <a:lnTo>
+                  <a:pt x="503" y="206"/>
+                </a:lnTo>
+                <a:lnTo>
+                  <a:pt x="708" y="206"/>
+                </a:lnTo>
+                <a:lnTo>
+                  <a:pt x="708" y="0"/>
+                </a:lnTo>
+                <a:close/>
+                <a:moveTo>
+                  <a:pt x="708" y="251"/>
+                </a:moveTo>
+                <a:lnTo>
+                  <a:pt x="503" y="251"/>
+                </a:lnTo>
+                <a:lnTo>
+                  <a:pt x="503" y="456"/>
+                </a:lnTo>
+                <a:lnTo>
+                  <a:pt x="708" y="456"/>
+                </a:lnTo>
+                <a:lnTo>
+                  <a:pt x="708" y="251"/>
+                </a:lnTo>
+                <a:close/>
+                <a:moveTo>
+                  <a:pt x="455" y="251"/>
+                </a:moveTo>
+                <a:lnTo>
+                  <a:pt x="250" y="251"/>
+                </a:lnTo>
+                <a:lnTo>
+                  <a:pt x="250" y="456"/>
+                </a:lnTo>
+                <a:lnTo>
+                  <a:pt x="455" y="456"/>
+                </a:lnTo>
+                <a:lnTo>
+                  <a:pt x="455" y="251"/>
+                </a:lnTo>
+                <a:close/>
+                <a:moveTo>
+                  <a:pt x="455" y="503"/>
+                </a:moveTo>
+                <a:lnTo>
+                  <a:pt x="250" y="503"/>
+                </a:lnTo>
+                <a:lnTo>
+                  <a:pt x="250" y="709"/>
+                </a:lnTo>
+                <a:lnTo>
+                  <a:pt x="455" y="709"/>
+                </a:lnTo>
+                <a:lnTo>
+                  <a:pt x="455" y="503"/>
+                </a:lnTo>
+                <a:close/>
+              </a:path>
+            </a:pathLst>
+          </a:custGeom>
+          <a:solidFill>
+            <a:schemeClr val="accent2">
+              <a:lumMod val="40000"/>
+              <a:lumOff val="60000"/>
+            </a:schemeClr>
+          </a:solidFill>
+          <a:ln>
+            <a:noFill/>
+          </a:ln>
+        </p:spPr>
+        <p:txBody>
+          <a:bodyPr vert="horz" wrap="square" lIns="82316" tIns="41159" rIns="82316" bIns="41159" numCol="1" anchor="t" anchorCtr="0" compatLnSpc="1">
+            <a:prstTxWarp prst="textNoShape">
+              <a:avLst/>
+            </a:prstTxWarp>
+          </a:bodyPr>
+          <a:lstStyle/>
+          <a:p>
+            <a:endParaRPr lang="en-US" sz="1600"/>
+          </a:p>
+        </p:txBody>
+      </p:sp>
+    </p:spTree>
+    <p:extLst>
+      <p:ext uri="{BB962C8B-B14F-4D97-AF65-F5344CB8AC3E}">
+        <p14:creationId xmlns:p14="http://schemas.microsoft.com/office/powerpoint/2010/main" val="4268792564"/>
+      </p:ext>
+    </p:extLst>
+  </p:cSld>
+  <p:clrMapOvr>
+    <a:masterClrMapping/>
+  </p:clrMapOvr>
+  <p:transition>
+    <p:fade/>
+  </p:transition>
+  <p:timing>
+    <p:tnLst>
+      <p:par>
+        <p:cTn id="1" dur="indefinite" restart="never" nodeType="tmRoot"/>
+      </p:par>
+    </p:tnLst>
+  </p:timing>
+</p:sld>
+</file>
+
+<file path=ppt/slides/slide19.xml><?xml version="1.0" encoding="utf-8"?>
 <p:sld xmlns:a="http://schemas.openxmlformats.org/drawingml/2006/main" xmlns:r="http://schemas.openxmlformats.org/officeDocument/2006/relationships" xmlns:p="http://schemas.openxmlformats.org/presentationml/2006/main">
   <p:cSld>
     <p:spTree>

--- a/Presentation/2015 - Microsoft Azure.pptx
+++ b/Presentation/2015 - Microsoft Azure.pptx
@@ -5,7 +5,7 @@
     <p:sldMasterId id="2147483660" r:id="rId1"/>
   </p:sldMasterIdLst>
   <p:notesMasterIdLst>
-    <p:notesMasterId r:id="rId21"/>
+    <p:notesMasterId r:id="rId28"/>
   </p:notesMasterIdLst>
   <p:sldIdLst>
     <p:sldId id="256" r:id="rId2"/>
@@ -15,18 +15,25 @@
     <p:sldId id="361" r:id="rId6"/>
     <p:sldId id="360" r:id="rId7"/>
     <p:sldId id="362" r:id="rId8"/>
-    <p:sldId id="373" r:id="rId9"/>
-    <p:sldId id="365" r:id="rId10"/>
-    <p:sldId id="368" r:id="rId11"/>
-    <p:sldId id="369" r:id="rId12"/>
-    <p:sldId id="370" r:id="rId13"/>
-    <p:sldId id="371" r:id="rId14"/>
-    <p:sldId id="363" r:id="rId15"/>
-    <p:sldId id="364" r:id="rId16"/>
-    <p:sldId id="366" r:id="rId17"/>
-    <p:sldId id="367" r:id="rId18"/>
-    <p:sldId id="374" r:id="rId19"/>
-    <p:sldId id="342" r:id="rId20"/>
+    <p:sldId id="365" r:id="rId9"/>
+    <p:sldId id="368" r:id="rId10"/>
+    <p:sldId id="369" r:id="rId11"/>
+    <p:sldId id="370" r:id="rId12"/>
+    <p:sldId id="371" r:id="rId13"/>
+    <p:sldId id="363" r:id="rId14"/>
+    <p:sldId id="364" r:id="rId15"/>
+    <p:sldId id="366" r:id="rId16"/>
+    <p:sldId id="367" r:id="rId17"/>
+    <p:sldId id="378" r:id="rId18"/>
+    <p:sldId id="380" r:id="rId19"/>
+    <p:sldId id="379" r:id="rId20"/>
+    <p:sldId id="377" r:id="rId21"/>
+    <p:sldId id="375" r:id="rId22"/>
+    <p:sldId id="376" r:id="rId23"/>
+    <p:sldId id="382" r:id="rId24"/>
+    <p:sldId id="381" r:id="rId25"/>
+    <p:sldId id="374" r:id="rId26"/>
+    <p:sldId id="342" r:id="rId27"/>
   </p:sldIdLst>
   <p:sldSz cx="12192000" cy="6858000"/>
   <p:notesSz cx="6858000" cy="9144000"/>
@@ -137,7 +144,6 @@
             <p14:sldId id="361"/>
             <p14:sldId id="360"/>
             <p14:sldId id="362"/>
-            <p14:sldId id="373"/>
             <p14:sldId id="365"/>
             <p14:sldId id="368"/>
             <p14:sldId id="369"/>
@@ -147,6 +153,14 @@
             <p14:sldId id="364"/>
             <p14:sldId id="366"/>
             <p14:sldId id="367"/>
+            <p14:sldId id="378"/>
+            <p14:sldId id="380"/>
+            <p14:sldId id="379"/>
+            <p14:sldId id="377"/>
+            <p14:sldId id="375"/>
+            <p14:sldId id="376"/>
+            <p14:sldId id="382"/>
+            <p14:sldId id="381"/>
             <p14:sldId id="374"/>
           </p14:sldIdLst>
         </p14:section>
@@ -687,12 +701,12 @@
         </c:dLbls>
         <c:gapWidth val="150"/>
         <c:shape val="box"/>
-        <c:axId val="-1512737936"/>
-        <c:axId val="-1512736848"/>
+        <c:axId val="603203888"/>
+        <c:axId val="603204432"/>
         <c:axId val="0"/>
       </c:bar3DChart>
       <c:catAx>
-        <c:axId val="-1512737936"/>
+        <c:axId val="603203888"/>
         <c:scaling>
           <c:orientation val="minMax"/>
         </c:scaling>
@@ -743,7 +757,7 @@
             <a:endParaRPr lang="ru-RU"/>
           </a:p>
         </c:txPr>
-        <c:crossAx val="-1512736848"/>
+        <c:crossAx val="603204432"/>
         <c:crosses val="autoZero"/>
         <c:auto val="1"/>
         <c:lblAlgn val="ctr"/>
@@ -751,7 +765,7 @@
         <c:noMultiLvlLbl val="0"/>
       </c:catAx>
       <c:valAx>
-        <c:axId val="-1512736848"/>
+        <c:axId val="603204432"/>
         <c:scaling>
           <c:orientation val="minMax"/>
           <c:max val="1"/>
@@ -805,7 +819,7 @@
             <a:endParaRPr lang="ru-RU"/>
           </a:p>
         </c:txPr>
-        <c:crossAx val="-1512737936"/>
+        <c:crossAx val="603203888"/>
         <c:crosses val="autoZero"/>
         <c:crossBetween val="between"/>
       </c:valAx>
@@ -5605,11 +5619,11 @@
   </dgm:ptLst>
   <dgm:cxnLst>
     <dgm:cxn modelId="{A1C3788A-9CBD-4238-9560-BF12EBE8E844}" srcId="{318EB9F8-A3B4-4FA7-9997-4937EB56EAEC}" destId="{E401A207-D970-4540-A7D8-1D2DE637C704}" srcOrd="0" destOrd="0" parTransId="{663A62C9-9B3D-48E0-A3FC-618886457E72}" sibTransId="{6DFC798E-040C-44FF-A79A-A674AC8D6016}"/>
+    <dgm:cxn modelId="{8B82B00A-C46E-474C-AE4C-74136B391CD8}" type="presOf" srcId="{BC91FB3B-9E6D-4490-8D7F-37F12A92C6D9}" destId="{EEF398F6-2EF8-48AB-9AFF-6A7FD5CA2064}" srcOrd="0" destOrd="0" presId="urn:microsoft.com/office/officeart/2008/layout/RadialCluster"/>
+    <dgm:cxn modelId="{E42DE99F-5B53-4D5B-A7E6-421A243F95DE}" type="presOf" srcId="{F8D72010-AF4F-4609-B96E-382ED1A887D9}" destId="{40765CB4-C294-459A-8862-FC5E44F7FB91}" srcOrd="0" destOrd="0" presId="urn:microsoft.com/office/officeart/2008/layout/RadialCluster"/>
+    <dgm:cxn modelId="{77898682-AD47-4C39-BED4-382247C57201}" srcId="{E401A207-D970-4540-A7D8-1D2DE637C704}" destId="{BC91FB3B-9E6D-4490-8D7F-37F12A92C6D9}" srcOrd="0" destOrd="0" parTransId="{F8D72010-AF4F-4609-B96E-382ED1A887D9}" sibTransId="{3CC6E0B8-30FE-4DB7-8D41-188B3F12396F}"/>
+    <dgm:cxn modelId="{CB6FF63A-823C-419F-8009-D9424132D561}" type="presOf" srcId="{318EB9F8-A3B4-4FA7-9997-4937EB56EAEC}" destId="{E837BDE3-383E-40B2-A6FC-7B4752AEE84C}" srcOrd="0" destOrd="0" presId="urn:microsoft.com/office/officeart/2008/layout/RadialCluster"/>
     <dgm:cxn modelId="{B7ADB2CE-FDF8-4DDC-9D65-2ADC68906671}" type="presOf" srcId="{E401A207-D970-4540-A7D8-1D2DE637C704}" destId="{25056C25-FD7A-454A-BD80-5797A854A1C9}" srcOrd="0" destOrd="0" presId="urn:microsoft.com/office/officeart/2008/layout/RadialCluster"/>
-    <dgm:cxn modelId="{CB6FF63A-823C-419F-8009-D9424132D561}" type="presOf" srcId="{318EB9F8-A3B4-4FA7-9997-4937EB56EAEC}" destId="{E837BDE3-383E-40B2-A6FC-7B4752AEE84C}" srcOrd="0" destOrd="0" presId="urn:microsoft.com/office/officeart/2008/layout/RadialCluster"/>
-    <dgm:cxn modelId="{E42DE99F-5B53-4D5B-A7E6-421A243F95DE}" type="presOf" srcId="{F8D72010-AF4F-4609-B96E-382ED1A887D9}" destId="{40765CB4-C294-459A-8862-FC5E44F7FB91}" srcOrd="0" destOrd="0" presId="urn:microsoft.com/office/officeart/2008/layout/RadialCluster"/>
-    <dgm:cxn modelId="{8B82B00A-C46E-474C-AE4C-74136B391CD8}" type="presOf" srcId="{BC91FB3B-9E6D-4490-8D7F-37F12A92C6D9}" destId="{EEF398F6-2EF8-48AB-9AFF-6A7FD5CA2064}" srcOrd="0" destOrd="0" presId="urn:microsoft.com/office/officeart/2008/layout/RadialCluster"/>
-    <dgm:cxn modelId="{77898682-AD47-4C39-BED4-382247C57201}" srcId="{E401A207-D970-4540-A7D8-1D2DE637C704}" destId="{BC91FB3B-9E6D-4490-8D7F-37F12A92C6D9}" srcOrd="0" destOrd="0" parTransId="{F8D72010-AF4F-4609-B96E-382ED1A887D9}" sibTransId="{3CC6E0B8-30FE-4DB7-8D41-188B3F12396F}"/>
     <dgm:cxn modelId="{5F162F16-1FE0-4470-B76C-581C013CD6CD}" type="presParOf" srcId="{E837BDE3-383E-40B2-A6FC-7B4752AEE84C}" destId="{5447C531-E157-4A38-8E15-D58CFDE83DDB}" srcOrd="0" destOrd="0" presId="urn:microsoft.com/office/officeart/2008/layout/RadialCluster"/>
     <dgm:cxn modelId="{F8B5FAFF-A42D-4748-89A0-4511B4AECF65}" type="presParOf" srcId="{5447C531-E157-4A38-8E15-D58CFDE83DDB}" destId="{25056C25-FD7A-454A-BD80-5797A854A1C9}" srcOrd="0" destOrd="0" presId="urn:microsoft.com/office/officeart/2008/layout/RadialCluster"/>
     <dgm:cxn modelId="{8C3E873C-47C9-4B9E-92E7-6C52C3F0BF20}" type="presParOf" srcId="{5447C531-E157-4A38-8E15-D58CFDE83DDB}" destId="{40765CB4-C294-459A-8862-FC5E44F7FB91}" srcOrd="1" destOrd="0" presId="urn:microsoft.com/office/officeart/2008/layout/RadialCluster"/>
@@ -6167,6 +6181,13 @@
     <dgm:pt modelId="{4B76F172-835F-47AA-A859-8A899CEE2510}" type="pres">
       <dgm:prSet presAssocID="{05A1D239-F76C-4AA9-8EA9-A08CC38D9BA0}" presName="Name56" presStyleLbl="parChTrans1D2" presStyleIdx="1" presStyleCnt="7"/>
       <dgm:spPr/>
+      <dgm:t>
+        <a:bodyPr/>
+        <a:lstStyle/>
+        <a:p>
+          <a:endParaRPr lang="ru-RU"/>
+        </a:p>
+      </dgm:t>
     </dgm:pt>
     <dgm:pt modelId="{2C989446-76CB-491D-A9E5-90C479CC1EB6}" type="pres">
       <dgm:prSet presAssocID="{A9FF98FB-0436-4A21-80D5-98984A5D7DEF}" presName="text0" presStyleLbl="node1" presStyleIdx="2" presStyleCnt="8" custScaleX="326918" custScaleY="97633" custRadScaleRad="157733" custRadScaleInc="99399">
@@ -6186,6 +6207,13 @@
     <dgm:pt modelId="{A1A7F2F7-8724-4320-8D3E-13A495501B45}" type="pres">
       <dgm:prSet presAssocID="{5D132AE9-BFD6-4DFD-8F8E-F3F27B48509E}" presName="Name56" presStyleLbl="parChTrans1D2" presStyleIdx="2" presStyleCnt="7"/>
       <dgm:spPr/>
+      <dgm:t>
+        <a:bodyPr/>
+        <a:lstStyle/>
+        <a:p>
+          <a:endParaRPr lang="ru-RU"/>
+        </a:p>
+      </dgm:t>
     </dgm:pt>
     <dgm:pt modelId="{1C652A63-4612-4140-A184-53A0A081C97B}" type="pres">
       <dgm:prSet presAssocID="{CF41F630-8275-45B3-9FEF-10BF54F25AE4}" presName="text0" presStyleLbl="node1" presStyleIdx="3" presStyleCnt="8" custScaleX="326918" custScaleY="97633" custRadScaleRad="155255" custRadScaleInc="-18266">
@@ -6205,6 +6233,13 @@
     <dgm:pt modelId="{5727BF42-537E-40D5-B281-429A4AA75037}" type="pres">
       <dgm:prSet presAssocID="{42DCC650-07B4-461A-A31D-B44E3DB7B2BF}" presName="Name56" presStyleLbl="parChTrans1D2" presStyleIdx="3" presStyleCnt="7"/>
       <dgm:spPr/>
+      <dgm:t>
+        <a:bodyPr/>
+        <a:lstStyle/>
+        <a:p>
+          <a:endParaRPr lang="ru-RU"/>
+        </a:p>
+      </dgm:t>
     </dgm:pt>
     <dgm:pt modelId="{06CB251D-7874-46F5-B434-DFA2F5371EDF}" type="pres">
       <dgm:prSet presAssocID="{AC60270B-F362-40C4-97D1-E1A84BF4B45A}" presName="text0" presStyleLbl="node1" presStyleIdx="4" presStyleCnt="8" custScaleX="326918" custScaleY="97633" custRadScaleRad="125776" custRadScaleInc="-97346">
@@ -6224,6 +6259,13 @@
     <dgm:pt modelId="{C09D1272-4CF0-4360-A709-F658F12539F1}" type="pres">
       <dgm:prSet presAssocID="{18E082D3-F577-430B-B63B-4243F4D0AC5A}" presName="Name56" presStyleLbl="parChTrans1D2" presStyleIdx="4" presStyleCnt="7"/>
       <dgm:spPr/>
+      <dgm:t>
+        <a:bodyPr/>
+        <a:lstStyle/>
+        <a:p>
+          <a:endParaRPr lang="ru-RU"/>
+        </a:p>
+      </dgm:t>
     </dgm:pt>
     <dgm:pt modelId="{905EE044-8A93-48F4-B923-0A245442EAF2}" type="pres">
       <dgm:prSet presAssocID="{1CA18002-A7AB-4BC8-AE26-63D7D0F48C28}" presName="text0" presStyleLbl="node1" presStyleIdx="5" presStyleCnt="8" custScaleX="326918" custScaleY="97633" custRadScaleRad="114593" custRadScaleInc="78934">
@@ -6243,6 +6285,13 @@
     <dgm:pt modelId="{92DF3097-6005-46D4-90E5-653438AEDECF}" type="pres">
       <dgm:prSet presAssocID="{77DD9FCF-F762-4496-9A8D-0297AD5F5C6E}" presName="Name56" presStyleLbl="parChTrans1D2" presStyleIdx="5" presStyleCnt="7"/>
       <dgm:spPr/>
+      <dgm:t>
+        <a:bodyPr/>
+        <a:lstStyle/>
+        <a:p>
+          <a:endParaRPr lang="ru-RU"/>
+        </a:p>
+      </dgm:t>
     </dgm:pt>
     <dgm:pt modelId="{42C5E428-457C-4D2D-B9F7-8D88B989BAC4}" type="pres">
       <dgm:prSet presAssocID="{D723C67C-B8EF-4E8B-B78C-64AF01B8DE70}" presName="text0" presStyleLbl="node1" presStyleIdx="6" presStyleCnt="8" custScaleX="326918" custScaleY="97633" custRadScaleRad="132975" custRadScaleInc="61296">
@@ -6262,6 +6311,13 @@
     <dgm:pt modelId="{952B87BD-0B07-49BA-9E5C-A2E5FB19EB83}" type="pres">
       <dgm:prSet presAssocID="{83B42D9E-3208-40EF-AAE4-CB6E64E6D62B}" presName="Name56" presStyleLbl="parChTrans1D2" presStyleIdx="6" presStyleCnt="7"/>
       <dgm:spPr/>
+      <dgm:t>
+        <a:bodyPr/>
+        <a:lstStyle/>
+        <a:p>
+          <a:endParaRPr lang="ru-RU"/>
+        </a:p>
+      </dgm:t>
     </dgm:pt>
     <dgm:pt modelId="{A1DBB35B-359C-44C1-948D-F0C4AB873D98}" type="pres">
       <dgm:prSet presAssocID="{0D4F7F9C-13D9-41A2-91CB-B4D407DADAF8}" presName="text0" presStyleLbl="node1" presStyleIdx="7" presStyleCnt="8" custScaleX="326918" custScaleY="97633" custRadScaleRad="136034" custRadScaleInc="16779">
@@ -6294,15 +6350,15 @@
     <dgm:cxn modelId="{A7AC07FA-961F-4A3B-BFB2-41BD6F5A606C}" srcId="{E401A207-D970-4540-A7D8-1D2DE637C704}" destId="{D723C67C-B8EF-4E8B-B78C-64AF01B8DE70}" srcOrd="5" destOrd="0" parTransId="{77DD9FCF-F762-4496-9A8D-0297AD5F5C6E}" sibTransId="{90FC3906-7AE3-4445-991E-A7C29D6065A8}"/>
     <dgm:cxn modelId="{6C5FBB93-ACF7-4737-AFF2-C0022DE664E0}" type="presOf" srcId="{318EB9F8-A3B4-4FA7-9997-4937EB56EAEC}" destId="{E837BDE3-383E-40B2-A6FC-7B4752AEE84C}" srcOrd="0" destOrd="0" presId="urn:microsoft.com/office/officeart/2008/layout/RadialCluster"/>
     <dgm:cxn modelId="{3B16441A-F6DD-4174-8DCE-AE11B24E8ACC}" type="presOf" srcId="{BC91FB3B-9E6D-4490-8D7F-37F12A92C6D9}" destId="{EEF398F6-2EF8-48AB-9AFF-6A7FD5CA2064}" srcOrd="0" destOrd="0" presId="urn:microsoft.com/office/officeart/2008/layout/RadialCluster"/>
+    <dgm:cxn modelId="{A4372AFD-2B5E-45AF-B11D-D616597ECEB9}" srcId="{E401A207-D970-4540-A7D8-1D2DE637C704}" destId="{1CA18002-A7AB-4BC8-AE26-63D7D0F48C28}" srcOrd="4" destOrd="0" parTransId="{18E082D3-F577-430B-B63B-4243F4D0AC5A}" sibTransId="{FEC48B37-1B20-44C4-AD3A-D6C64A0B8D8A}"/>
     <dgm:cxn modelId="{27FF67A6-4DAB-4CE5-97D4-A77BE02348D8}" type="presOf" srcId="{77DD9FCF-F762-4496-9A8D-0297AD5F5C6E}" destId="{92DF3097-6005-46D4-90E5-653438AEDECF}" srcOrd="0" destOrd="0" presId="urn:microsoft.com/office/officeart/2008/layout/RadialCluster"/>
-    <dgm:cxn modelId="{A4372AFD-2B5E-45AF-B11D-D616597ECEB9}" srcId="{E401A207-D970-4540-A7D8-1D2DE637C704}" destId="{1CA18002-A7AB-4BC8-AE26-63D7D0F48C28}" srcOrd="4" destOrd="0" parTransId="{18E082D3-F577-430B-B63B-4243F4D0AC5A}" sibTransId="{FEC48B37-1B20-44C4-AD3A-D6C64A0B8D8A}"/>
     <dgm:cxn modelId="{0D7E72C5-AB77-4F98-8532-AB9FA68B775A}" type="presOf" srcId="{18E082D3-F577-430B-B63B-4243F4D0AC5A}" destId="{C09D1272-4CF0-4360-A709-F658F12539F1}" srcOrd="0" destOrd="0" presId="urn:microsoft.com/office/officeart/2008/layout/RadialCluster"/>
     <dgm:cxn modelId="{D40C5886-92B7-49A7-B0F9-7CB53E7599A4}" type="presOf" srcId="{05A1D239-F76C-4AA9-8EA9-A08CC38D9BA0}" destId="{4B76F172-835F-47AA-A859-8A899CEE2510}" srcOrd="0" destOrd="0" presId="urn:microsoft.com/office/officeart/2008/layout/RadialCluster"/>
     <dgm:cxn modelId="{575B3600-AE0C-420F-8794-BCB16D1F06E9}" type="presOf" srcId="{A9FF98FB-0436-4A21-80D5-98984A5D7DEF}" destId="{2C989446-76CB-491D-A9E5-90C479CC1EB6}" srcOrd="0" destOrd="0" presId="urn:microsoft.com/office/officeart/2008/layout/RadialCluster"/>
     <dgm:cxn modelId="{25BE697C-FF0A-419D-B6D0-97D1FD6CF3AD}" type="presOf" srcId="{D723C67C-B8EF-4E8B-B78C-64AF01B8DE70}" destId="{42C5E428-457C-4D2D-B9F7-8D88B989BAC4}" srcOrd="0" destOrd="0" presId="urn:microsoft.com/office/officeart/2008/layout/RadialCluster"/>
     <dgm:cxn modelId="{A1C3788A-9CBD-4238-9560-BF12EBE8E844}" srcId="{318EB9F8-A3B4-4FA7-9997-4937EB56EAEC}" destId="{E401A207-D970-4540-A7D8-1D2DE637C704}" srcOrd="0" destOrd="0" parTransId="{663A62C9-9B3D-48E0-A3FC-618886457E72}" sibTransId="{6DFC798E-040C-44FF-A79A-A674AC8D6016}"/>
+    <dgm:cxn modelId="{CCE361DE-2928-429E-AB70-57B21A35219B}" srcId="{E401A207-D970-4540-A7D8-1D2DE637C704}" destId="{CF41F630-8275-45B3-9FEF-10BF54F25AE4}" srcOrd="2" destOrd="0" parTransId="{5D132AE9-BFD6-4DFD-8F8E-F3F27B48509E}" sibTransId="{291DC6B3-14F8-4F12-8666-49622576D9A8}"/>
     <dgm:cxn modelId="{3E39D600-3319-414C-AC04-E60BBD6480B0}" type="presOf" srcId="{1CA18002-A7AB-4BC8-AE26-63D7D0F48C28}" destId="{905EE044-8A93-48F4-B923-0A245442EAF2}" srcOrd="0" destOrd="0" presId="urn:microsoft.com/office/officeart/2008/layout/RadialCluster"/>
-    <dgm:cxn modelId="{CCE361DE-2928-429E-AB70-57B21A35219B}" srcId="{E401A207-D970-4540-A7D8-1D2DE637C704}" destId="{CF41F630-8275-45B3-9FEF-10BF54F25AE4}" srcOrd="2" destOrd="0" parTransId="{5D132AE9-BFD6-4DFD-8F8E-F3F27B48509E}" sibTransId="{291DC6B3-14F8-4F12-8666-49622576D9A8}"/>
     <dgm:cxn modelId="{56F9A2B6-4CD9-4FAB-891D-7372F6270179}" type="presOf" srcId="{0D4F7F9C-13D9-41A2-91CB-B4D407DADAF8}" destId="{A1DBB35B-359C-44C1-948D-F0C4AB873D98}" srcOrd="0" destOrd="0" presId="urn:microsoft.com/office/officeart/2008/layout/RadialCluster"/>
     <dgm:cxn modelId="{5B482096-7B1A-4610-B289-1382C4FDA82F}" type="presParOf" srcId="{E837BDE3-383E-40B2-A6FC-7B4752AEE84C}" destId="{5447C531-E157-4A38-8E15-D58CFDE83DDB}" srcOrd="0" destOrd="0" presId="urn:microsoft.com/office/officeart/2008/layout/RadialCluster"/>
     <dgm:cxn modelId="{44A70410-ABF5-4E70-804C-59ECD011A6F3}" type="presParOf" srcId="{5447C531-E157-4A38-8E15-D58CFDE83DDB}" destId="{25056C25-FD7A-454A-BD80-5797A854A1C9}" srcOrd="0" destOrd="0" presId="urn:microsoft.com/office/officeart/2008/layout/RadialCluster"/>
@@ -18109,7 +18165,7 @@
             <a:fld id="{C3402240-18E8-4BA6-A53E-7A1792A59EEC}" type="datetimeFigureOut">
               <a:rPr lang="en-US" smtClean="0"/>
               <a:pPr/>
-              <a:t>6/10/2015</a:t>
+              <a:t>6/11/2015</a:t>
             </a:fld>
             <a:endParaRPr lang="en-US"/>
           </a:p>
@@ -18704,7 +18760,7 @@
             <a:fld id="{4D78249E-5ACD-4E52-A408-9BB999BD2D41}" type="slidenum">
               <a:rPr lang="en-US" smtClean="0"/>
               <a:pPr/>
-              <a:t>12</a:t>
+              <a:t>11</a:t>
             </a:fld>
             <a:endParaRPr lang="en-US"/>
           </a:p>
@@ -18799,7 +18855,7 @@
             <a:fld id="{4D78249E-5ACD-4E52-A408-9BB999BD2D41}" type="slidenum">
               <a:rPr lang="en-US" smtClean="0"/>
               <a:pPr/>
-              <a:t>14</a:t>
+              <a:t>13</a:t>
             </a:fld>
             <a:endParaRPr lang="en-US"/>
           </a:p>
@@ -18924,7 +18980,7 @@
             <a:fld id="{4D78249E-5ACD-4E52-A408-9BB999BD2D41}" type="slidenum">
               <a:rPr lang="en-US" smtClean="0"/>
               <a:pPr/>
-              <a:t>16</a:t>
+              <a:t>15</a:t>
             </a:fld>
             <a:endParaRPr lang="en-US"/>
           </a:p>
@@ -18988,8 +19044,31 @@
           <a:lstStyle/>
           <a:p>
             <a:r>
+              <a:rPr lang="en-US" b="1" dirty="0" smtClean="0"/>
+              <a:t>Main data</a:t>
+            </a:r>
+            <a:r>
+              <a:rPr lang="en-US" b="1" baseline="0" dirty="0" smtClean="0"/>
+              <a:t> from:</a:t>
+            </a:r>
+          </a:p>
+          <a:p>
+            <a:r>
               <a:rPr lang="en-US" dirty="0" smtClean="0"/>
-              <a:t>http://azure.microsoft.com/en-us/downloads/</a:t>
+              <a:t>https://msdn.microsoft.com/en-us/library/azure/dn479282.aspx</a:t>
+            </a:r>
+          </a:p>
+          <a:p>
+            <a:endParaRPr lang="en-US" dirty="0" smtClean="0"/>
+          </a:p>
+          <a:p>
+            <a:r>
+              <a:rPr lang="en-US" dirty="0" smtClean="0"/>
+              <a:t>http</a:t>
+            </a:r>
+            <a:r>
+              <a:rPr lang="en-US" dirty="0" smtClean="0"/>
+              <a:t>://azure.microsoft.com/en-us/downloads/</a:t>
             </a:r>
           </a:p>
           <a:p>
@@ -19056,7 +19135,7 @@
             <a:fld id="{4D78249E-5ACD-4E52-A408-9BB999BD2D41}" type="slidenum">
               <a:rPr lang="en-US" smtClean="0"/>
               <a:pPr/>
-              <a:t>17</a:t>
+              <a:t>16</a:t>
             </a:fld>
             <a:endParaRPr lang="en-US"/>
           </a:p>
@@ -19076,6 +19155,457 @@
 </file>
 
 <file path=ppt/notesSlides/notesSlide14.xml><?xml version="1.0" encoding="utf-8"?>
+<p:notes xmlns:a="http://schemas.openxmlformats.org/drawingml/2006/main" xmlns:r="http://schemas.openxmlformats.org/officeDocument/2006/relationships" xmlns:p="http://schemas.openxmlformats.org/presentationml/2006/main">
+  <p:cSld>
+    <p:spTree>
+      <p:nvGrpSpPr>
+        <p:cNvPr id="1" name=""/>
+        <p:cNvGrpSpPr/>
+        <p:nvPr/>
+      </p:nvGrpSpPr>
+      <p:grpSpPr>
+        <a:xfrm>
+          <a:off x="0" y="0"/>
+          <a:ext cx="0" cy="0"/>
+          <a:chOff x="0" y="0"/>
+          <a:chExt cx="0" cy="0"/>
+        </a:xfrm>
+      </p:grpSpPr>
+      <p:sp>
+        <p:nvSpPr>
+          <p:cNvPr id="2" name="Slide Image Placeholder 1"/>
+          <p:cNvSpPr>
+            <a:spLocks noGrp="1" noRot="1" noChangeAspect="1"/>
+          </p:cNvSpPr>
+          <p:nvPr>
+            <p:ph type="sldImg"/>
+          </p:nvPr>
+        </p:nvSpPr>
+        <p:spPr/>
+      </p:sp>
+      <p:sp>
+        <p:nvSpPr>
+          <p:cNvPr id="3" name="Notes Placeholder 2"/>
+          <p:cNvSpPr>
+            <a:spLocks noGrp="1"/>
+          </p:cNvSpPr>
+          <p:nvPr>
+            <p:ph type="body" idx="1"/>
+          </p:nvPr>
+        </p:nvSpPr>
+        <p:spPr/>
+        <p:txBody>
+          <a:bodyPr/>
+          <a:lstStyle/>
+          <a:p>
+            <a:r>
+              <a:rPr lang="en-US" sz="1000" b="1" i="0" kern="1200" dirty="0" smtClean="0">
+                <a:solidFill>
+                  <a:schemeClr val="tx1"/>
+                </a:solidFill>
+                <a:effectLst/>
+                <a:latin typeface="+mn-lt"/>
+                <a:ea typeface="+mn-ea"/>
+                <a:cs typeface="+mn-cs"/>
+              </a:rPr>
+              <a:t>Database Throughput Unit (DTU):</a:t>
+            </a:r>
+            <a:r>
+              <a:rPr lang="en-US" sz="1000" b="0" i="0" kern="1200" dirty="0" smtClean="0">
+                <a:solidFill>
+                  <a:schemeClr val="tx1"/>
+                </a:solidFill>
+                <a:effectLst/>
+                <a:latin typeface="+mn-lt"/>
+                <a:ea typeface="+mn-ea"/>
+                <a:cs typeface="+mn-cs"/>
+              </a:rPr>
+              <a:t> </a:t>
+            </a:r>
+          </a:p>
+          <a:p>
+            <a:r>
+              <a:rPr lang="en-US" sz="1000" b="0" i="0" kern="1200" dirty="0" smtClean="0">
+                <a:solidFill>
+                  <a:schemeClr val="tx1"/>
+                </a:solidFill>
+                <a:effectLst/>
+                <a:latin typeface="+mn-lt"/>
+                <a:ea typeface="+mn-ea"/>
+                <a:cs typeface="+mn-cs"/>
+              </a:rPr>
+              <a:t>DTUs provide a way to describe the relative capacity of a performance level of Basic, Standard, and Premium databases. DTUs are based on a blended measure of CPU, memory, reads, and writes. As DTUs increase, the power offered by the performance level increases. For example, a performance level with 5 DTUs has five times more power than a performance level with 1 DTU. A maximum DTU quota applies to each server. For more information on DTU quotas, </a:t>
+            </a:r>
+            <a:r>
+              <a:rPr lang="en-US" sz="1000" b="0" i="0" kern="1200" dirty="0" err="1" smtClean="0">
+                <a:solidFill>
+                  <a:schemeClr val="tx1"/>
+                </a:solidFill>
+                <a:effectLst/>
+                <a:latin typeface="+mn-lt"/>
+                <a:ea typeface="+mn-ea"/>
+                <a:cs typeface="+mn-cs"/>
+              </a:rPr>
+              <a:t>see</a:t>
+            </a:r>
+            <a:r>
+              <a:rPr lang="en-US" sz="1000" b="0" i="0" u="none" strike="noStrike" kern="1200" dirty="0" err="1" smtClean="0">
+                <a:solidFill>
+                  <a:schemeClr val="tx1"/>
+                </a:solidFill>
+                <a:effectLst/>
+                <a:latin typeface="+mn-lt"/>
+                <a:ea typeface="+mn-ea"/>
+                <a:cs typeface="+mn-cs"/>
+                <a:hlinkClick r:id="rId3"/>
+              </a:rPr>
+              <a:t>Azure</a:t>
+            </a:r>
+            <a:r>
+              <a:rPr lang="en-US" sz="1000" b="0" i="0" u="none" strike="noStrike" kern="1200" dirty="0" smtClean="0">
+                <a:solidFill>
+                  <a:schemeClr val="tx1"/>
+                </a:solidFill>
+                <a:effectLst/>
+                <a:latin typeface="+mn-lt"/>
+                <a:ea typeface="+mn-ea"/>
+                <a:cs typeface="+mn-cs"/>
+                <a:hlinkClick r:id="rId3"/>
+              </a:rPr>
+              <a:t> SQL Database General Guidelines and Limitations</a:t>
+            </a:r>
+            <a:r>
+              <a:rPr lang="en-US" sz="1000" b="0" i="0" kern="1200" dirty="0" smtClean="0">
+                <a:solidFill>
+                  <a:schemeClr val="tx1"/>
+                </a:solidFill>
+                <a:effectLst/>
+                <a:latin typeface="+mn-lt"/>
+                <a:ea typeface="+mn-ea"/>
+                <a:cs typeface="+mn-cs"/>
+              </a:rPr>
+              <a:t>.</a:t>
+            </a:r>
+          </a:p>
+          <a:p>
+            <a:endParaRPr lang="en-US" sz="1000" b="0" i="0" kern="1200" dirty="0" smtClean="0">
+              <a:solidFill>
+                <a:schemeClr val="tx1"/>
+              </a:solidFill>
+              <a:effectLst/>
+              <a:latin typeface="+mn-lt"/>
+              <a:ea typeface="+mn-ea"/>
+              <a:cs typeface="+mn-cs"/>
+            </a:endParaRPr>
+          </a:p>
+          <a:p>
+            <a:r>
+              <a:rPr lang="en-US" sz="1000" b="0" i="0" kern="1200" dirty="0" smtClean="0">
+                <a:solidFill>
+                  <a:schemeClr val="tx1"/>
+                </a:solidFill>
+                <a:effectLst/>
+                <a:latin typeface="+mn-lt"/>
+                <a:ea typeface="+mn-ea"/>
+                <a:cs typeface="+mn-cs"/>
+              </a:rPr>
+              <a:t>DTUs provide a way to describe the relative capacity of a performance level based on a blended measure of CPU, memory, reads, and writes. Each server has a maximum of 2000 DTUs for Basic, Standard, and Premium databases, in addition to the overall limit for databases per server and maximum size per database. DTUs are consumed based on the DTU rating for that performance level. For example, a server with 5 Basic databases, 2 Standard S1 databases, and 3 Premium P1 databases consumes 365 DTUs. For more information on the DTU rating associated with each performance level, see </a:t>
+            </a:r>
+            <a:r>
+              <a:rPr lang="en-US" sz="1000" b="0" i="0" u="none" strike="noStrike" kern="1200" dirty="0" smtClean="0">
+                <a:solidFill>
+                  <a:schemeClr val="tx1"/>
+                </a:solidFill>
+                <a:effectLst/>
+                <a:latin typeface="+mn-lt"/>
+                <a:ea typeface="+mn-ea"/>
+                <a:cs typeface="+mn-cs"/>
+                <a:hlinkClick r:id="rId4"/>
+              </a:rPr>
+              <a:t>Azure SQL Database Service Tiers and Performance Levels</a:t>
+            </a:r>
+            <a:r>
+              <a:rPr lang="en-US" sz="1000" b="0" i="0" kern="1200" dirty="0" smtClean="0">
+                <a:solidFill>
+                  <a:schemeClr val="tx1"/>
+                </a:solidFill>
+                <a:effectLst/>
+                <a:latin typeface="+mn-lt"/>
+                <a:ea typeface="+mn-ea"/>
+                <a:cs typeface="+mn-cs"/>
+              </a:rPr>
+              <a:t>. An extension of this DTU quota may be available for your Azure SQL Database server. For more information, contact </a:t>
+            </a:r>
+            <a:r>
+              <a:rPr lang="en-US" sz="1000" b="0" i="0" u="none" strike="noStrike" kern="1200" dirty="0" smtClean="0">
+                <a:solidFill>
+                  <a:schemeClr val="tx1"/>
+                </a:solidFill>
+                <a:effectLst/>
+                <a:latin typeface="+mn-lt"/>
+                <a:ea typeface="+mn-ea"/>
+                <a:cs typeface="+mn-cs"/>
+                <a:hlinkClick r:id="rId5"/>
+              </a:rPr>
+              <a:t>Azure Support</a:t>
+            </a:r>
+            <a:r>
+              <a:rPr lang="en-US" sz="1000" b="0" i="0" kern="1200" dirty="0" smtClean="0">
+                <a:solidFill>
+                  <a:schemeClr val="tx1"/>
+                </a:solidFill>
+                <a:effectLst/>
+                <a:latin typeface="+mn-lt"/>
+                <a:ea typeface="+mn-ea"/>
+                <a:cs typeface="+mn-cs"/>
+              </a:rPr>
+              <a:t>.</a:t>
+            </a:r>
+          </a:p>
+          <a:p>
+            <a:endParaRPr lang="en-US" sz="1000" b="0" i="0" kern="1200" dirty="0" smtClean="0">
+              <a:solidFill>
+                <a:schemeClr val="tx1"/>
+              </a:solidFill>
+              <a:effectLst/>
+              <a:latin typeface="+mn-lt"/>
+              <a:ea typeface="+mn-ea"/>
+              <a:cs typeface="+mn-cs"/>
+            </a:endParaRPr>
+          </a:p>
+          <a:p>
+            <a:pPr marL="0" marR="0" indent="0" algn="l" defTabSz="914400" rtl="0" eaLnBrk="1" fontAlgn="auto" latinLnBrk="0" hangingPunct="1">
+              <a:lnSpc>
+                <a:spcPct val="100000"/>
+              </a:lnSpc>
+              <a:spcBef>
+                <a:spcPts val="0"/>
+              </a:spcBef>
+              <a:spcAft>
+                <a:spcPts val="0"/>
+              </a:spcAft>
+              <a:buClrTx/>
+              <a:buSzTx/>
+              <a:buFontTx/>
+              <a:buNone/>
+              <a:tabLst/>
+              <a:defRPr/>
+            </a:pPr>
+            <a:r>
+              <a:rPr lang="en-US" sz="1200" b="1" i="0" kern="1200" dirty="0" smtClean="0">
+                <a:solidFill>
+                  <a:schemeClr val="tx1"/>
+                </a:solidFill>
+                <a:effectLst/>
+                <a:latin typeface="+mn-lt"/>
+                <a:ea typeface="+mn-ea"/>
+                <a:cs typeface="+mn-cs"/>
+              </a:rPr>
+              <a:t>Azure SQL Database Service Tiers and Performance Levels </a:t>
+            </a:r>
+            <a:r>
+              <a:rPr lang="en-US" sz="1200" b="1" i="1" kern="1200" dirty="0" smtClean="0">
+                <a:solidFill>
+                  <a:schemeClr val="tx1"/>
+                </a:solidFill>
+                <a:effectLst/>
+                <a:latin typeface="+mn-lt"/>
+                <a:ea typeface="+mn-ea"/>
+                <a:cs typeface="+mn-cs"/>
+              </a:rPr>
+              <a:t>(Grid with</a:t>
+            </a:r>
+            <a:r>
+              <a:rPr lang="en-US" sz="1200" b="1" i="1" kern="1200" baseline="0" dirty="0" smtClean="0">
+                <a:solidFill>
+                  <a:schemeClr val="tx1"/>
+                </a:solidFill>
+                <a:effectLst/>
+                <a:latin typeface="+mn-lt"/>
+                <a:ea typeface="+mn-ea"/>
+                <a:cs typeface="+mn-cs"/>
+              </a:rPr>
+              <a:t> details</a:t>
+            </a:r>
+            <a:r>
+              <a:rPr lang="en-US" sz="1200" b="1" i="1" kern="1200" dirty="0" smtClean="0">
+                <a:solidFill>
+                  <a:schemeClr val="tx1"/>
+                </a:solidFill>
+                <a:effectLst/>
+                <a:latin typeface="+mn-lt"/>
+                <a:ea typeface="+mn-ea"/>
+                <a:cs typeface="+mn-cs"/>
+              </a:rPr>
+              <a:t>)</a:t>
+            </a:r>
+          </a:p>
+          <a:p>
+            <a:r>
+              <a:rPr lang="en-US" sz="700" dirty="0" smtClean="0"/>
+              <a:t>https://msdn.microsoft.com/en-us/library/azure/dn741336.aspx</a:t>
+            </a:r>
+          </a:p>
+          <a:p>
+            <a:endParaRPr lang="en-US" sz="700" dirty="0" smtClean="0"/>
+          </a:p>
+          <a:p>
+            <a:r>
+              <a:rPr lang="en-US" sz="700" dirty="0" smtClean="0"/>
+              <a:t>Nice link with details</a:t>
+            </a:r>
+            <a:r>
+              <a:rPr lang="en-US" sz="700" baseline="0" dirty="0" smtClean="0"/>
+              <a:t> about tiers:</a:t>
+            </a:r>
+          </a:p>
+          <a:p>
+            <a:r>
+              <a:rPr lang="en-US" sz="700" dirty="0" smtClean="0"/>
+              <a:t>https://azure.microsoft.com/en-us/documentation/articles/sql-database-upgrade-new-service-tiers/</a:t>
+            </a:r>
+          </a:p>
+          <a:p>
+            <a:endParaRPr lang="en-US" sz="700" dirty="0" smtClean="0"/>
+          </a:p>
+          <a:p>
+            <a:endParaRPr lang="ru-RU" sz="700" dirty="0"/>
+          </a:p>
+        </p:txBody>
+      </p:sp>
+      <p:sp>
+        <p:nvSpPr>
+          <p:cNvPr id="4" name="Slide Number Placeholder 3"/>
+          <p:cNvSpPr>
+            <a:spLocks noGrp="1"/>
+          </p:cNvSpPr>
+          <p:nvPr>
+            <p:ph type="sldNum" sz="quarter" idx="10"/>
+          </p:nvPr>
+        </p:nvSpPr>
+        <p:spPr/>
+        <p:txBody>
+          <a:bodyPr/>
+          <a:lstStyle/>
+          <a:p>
+            <a:fld id="{4D78249E-5ACD-4E52-A408-9BB999BD2D41}" type="slidenum">
+              <a:rPr lang="en-US" smtClean="0"/>
+              <a:pPr/>
+              <a:t>21</a:t>
+            </a:fld>
+            <a:endParaRPr lang="en-US"/>
+          </a:p>
+        </p:txBody>
+      </p:sp>
+    </p:spTree>
+    <p:extLst>
+      <p:ext uri="{BB962C8B-B14F-4D97-AF65-F5344CB8AC3E}">
+        <p14:creationId xmlns:p14="http://schemas.microsoft.com/office/powerpoint/2010/main" val="3196498833"/>
+      </p:ext>
+    </p:extLst>
+  </p:cSld>
+  <p:clrMapOvr>
+    <a:masterClrMapping/>
+  </p:clrMapOvr>
+</p:notes>
+</file>
+
+<file path=ppt/notesSlides/notesSlide15.xml><?xml version="1.0" encoding="utf-8"?>
+<p:notes xmlns:a="http://schemas.openxmlformats.org/drawingml/2006/main" xmlns:r="http://schemas.openxmlformats.org/officeDocument/2006/relationships" xmlns:p="http://schemas.openxmlformats.org/presentationml/2006/main">
+  <p:cSld>
+    <p:spTree>
+      <p:nvGrpSpPr>
+        <p:cNvPr id="1" name=""/>
+        <p:cNvGrpSpPr/>
+        <p:nvPr/>
+      </p:nvGrpSpPr>
+      <p:grpSpPr>
+        <a:xfrm>
+          <a:off x="0" y="0"/>
+          <a:ext cx="0" cy="0"/>
+          <a:chOff x="0" y="0"/>
+          <a:chExt cx="0" cy="0"/>
+        </a:xfrm>
+      </p:grpSpPr>
+      <p:sp>
+        <p:nvSpPr>
+          <p:cNvPr id="2" name="Slide Image Placeholder 1"/>
+          <p:cNvSpPr>
+            <a:spLocks noGrp="1" noRot="1" noChangeAspect="1"/>
+          </p:cNvSpPr>
+          <p:nvPr>
+            <p:ph type="sldImg"/>
+          </p:nvPr>
+        </p:nvSpPr>
+        <p:spPr/>
+      </p:sp>
+      <p:sp>
+        <p:nvSpPr>
+          <p:cNvPr id="3" name="Notes Placeholder 2"/>
+          <p:cNvSpPr>
+            <a:spLocks noGrp="1"/>
+          </p:cNvSpPr>
+          <p:nvPr>
+            <p:ph type="body" idx="1"/>
+          </p:nvPr>
+        </p:nvSpPr>
+        <p:spPr/>
+        <p:txBody>
+          <a:bodyPr/>
+          <a:lstStyle/>
+          <a:p>
+            <a:r>
+              <a:rPr lang="en-US" b="1" dirty="0" smtClean="0"/>
+              <a:t>From:</a:t>
+            </a:r>
+          </a:p>
+          <a:p>
+            <a:r>
+              <a:rPr lang="en-US" dirty="0" smtClean="0"/>
+              <a:t>https://azure.microsoft.com/en-us/documentation/articles/sql-database-upgrade-new-service-tiers/</a:t>
+            </a:r>
+            <a:endParaRPr lang="ru-RU" dirty="0"/>
+          </a:p>
+        </p:txBody>
+      </p:sp>
+      <p:sp>
+        <p:nvSpPr>
+          <p:cNvPr id="4" name="Slide Number Placeholder 3"/>
+          <p:cNvSpPr>
+            <a:spLocks noGrp="1"/>
+          </p:cNvSpPr>
+          <p:nvPr>
+            <p:ph type="sldNum" sz="quarter" idx="10"/>
+          </p:nvPr>
+        </p:nvSpPr>
+        <p:spPr/>
+        <p:txBody>
+          <a:bodyPr/>
+          <a:lstStyle/>
+          <a:p>
+            <a:fld id="{4D78249E-5ACD-4E52-A408-9BB999BD2D41}" type="slidenum">
+              <a:rPr lang="en-US" smtClean="0"/>
+              <a:pPr/>
+              <a:t>22</a:t>
+            </a:fld>
+            <a:endParaRPr lang="en-US"/>
+          </a:p>
+        </p:txBody>
+      </p:sp>
+    </p:spTree>
+    <p:extLst>
+      <p:ext uri="{BB962C8B-B14F-4D97-AF65-F5344CB8AC3E}">
+        <p14:creationId xmlns:p14="http://schemas.microsoft.com/office/powerpoint/2010/main" val="426318666"/>
+      </p:ext>
+    </p:extLst>
+  </p:cSld>
+  <p:clrMapOvr>
+    <a:masterClrMapping/>
+  </p:clrMapOvr>
+</p:notes>
+</file>
+
+<file path=ppt/notesSlides/notesSlide16.xml><?xml version="1.0" encoding="utf-8"?>
 <p:notes xmlns:a="http://schemas.openxmlformats.org/drawingml/2006/main" xmlns:r="http://schemas.openxmlformats.org/officeDocument/2006/relationships" xmlns:p="http://schemas.openxmlformats.org/presentationml/2006/main">
   <p:cSld>
     <p:spTree>
@@ -19141,7 +19671,7 @@
             <a:fld id="{8B263312-38AA-4E1E-B2B5-0F8F122B24FE}" type="slidenum">
               <a:rPr lang="en-US" smtClean="0"/>
               <a:pPr/>
-              <a:t>18</a:t>
+              <a:t>25</a:t>
             </a:fld>
             <a:endParaRPr lang="en-US" dirty="0"/>
           </a:p>
@@ -19826,7 +20356,7 @@
             <a:fld id="{4D78249E-5ACD-4E52-A408-9BB999BD2D41}" type="slidenum">
               <a:rPr lang="en-US" smtClean="0"/>
               <a:pPr/>
-              <a:t>9</a:t>
+              <a:t>8</a:t>
             </a:fld>
             <a:endParaRPr lang="en-US"/>
           </a:p>
@@ -20058,7 +20588,7 @@
             <a:fld id="{4D78249E-5ACD-4E52-A408-9BB999BD2D41}" type="slidenum">
               <a:rPr lang="en-US" smtClean="0"/>
               <a:pPr/>
-              <a:t>10</a:t>
+              <a:t>9</a:t>
             </a:fld>
             <a:endParaRPr lang="en-US"/>
           </a:p>
@@ -20314,7 +20844,7 @@
             <a:fld id="{4D78249E-5ACD-4E52-A408-9BB999BD2D41}" type="slidenum">
               <a:rPr lang="en-US" smtClean="0"/>
               <a:pPr/>
-              <a:t>11</a:t>
+              <a:t>10</a:t>
             </a:fld>
             <a:endParaRPr lang="en-US"/>
           </a:p>
@@ -20536,7 +21066,7 @@
             <a:fld id="{5B106E36-FD25-4E2D-B0AA-010F637433A0}" type="datetimeFigureOut">
               <a:rPr lang="ru-RU" smtClean="0"/>
               <a:pPr/>
-              <a:t>10.06.2015</a:t>
+              <a:t>11.06.2015</a:t>
             </a:fld>
             <a:endParaRPr lang="ru-RU"/>
           </a:p>
@@ -20808,7 +21338,7 @@
             <a:fld id="{5B106E36-FD25-4E2D-B0AA-010F637433A0}" type="datetimeFigureOut">
               <a:rPr lang="ru-RU" smtClean="0"/>
               <a:pPr/>
-              <a:t>10.06.2015</a:t>
+              <a:t>11.06.2015</a:t>
             </a:fld>
             <a:endParaRPr lang="ru-RU"/>
           </a:p>
@@ -21001,7 +21531,7 @@
             <a:fld id="{5B106E36-FD25-4E2D-B0AA-010F637433A0}" type="datetimeFigureOut">
               <a:rPr lang="ru-RU" smtClean="0"/>
               <a:pPr/>
-              <a:t>10.06.2015</a:t>
+              <a:t>11.06.2015</a:t>
             </a:fld>
             <a:endParaRPr lang="ru-RU"/>
           </a:p>
@@ -21467,7 +21997,7 @@
             <a:fld id="{5B106E36-FD25-4E2D-B0AA-010F637433A0}" type="datetimeFigureOut">
               <a:rPr lang="ru-RU" smtClean="0"/>
               <a:pPr/>
-              <a:t>10.06.2015</a:t>
+              <a:t>11.06.2015</a:t>
             </a:fld>
             <a:endParaRPr lang="ru-RU"/>
           </a:p>
@@ -21758,7 +22288,7 @@
             <a:fld id="{5B106E36-FD25-4E2D-B0AA-010F637433A0}" type="datetimeFigureOut">
               <a:rPr lang="ru-RU" smtClean="0"/>
               <a:pPr/>
-              <a:t>10.06.2015</a:t>
+              <a:t>11.06.2015</a:t>
             </a:fld>
             <a:endParaRPr lang="ru-RU"/>
           </a:p>
@@ -22059,7 +22589,7 @@
             <a:fld id="{5B106E36-FD25-4E2D-B0AA-010F637433A0}" type="datetimeFigureOut">
               <a:rPr lang="ru-RU" smtClean="0"/>
               <a:pPr/>
-              <a:t>10.06.2015</a:t>
+              <a:t>11.06.2015</a:t>
             </a:fld>
             <a:endParaRPr lang="ru-RU"/>
           </a:p>
@@ -22494,7 +23024,7 @@
             <a:fld id="{5B106E36-FD25-4E2D-B0AA-010F637433A0}" type="datetimeFigureOut">
               <a:rPr lang="ru-RU" smtClean="0"/>
               <a:pPr/>
-              <a:t>10.06.2015</a:t>
+              <a:t>11.06.2015</a:t>
             </a:fld>
             <a:endParaRPr lang="ru-RU"/>
           </a:p>
@@ -22671,7 +23201,7 @@
             <a:fld id="{5B106E36-FD25-4E2D-B0AA-010F637433A0}" type="datetimeFigureOut">
               <a:rPr lang="ru-RU" smtClean="0"/>
               <a:pPr/>
-              <a:t>10.06.2015</a:t>
+              <a:t>11.06.2015</a:t>
             </a:fld>
             <a:endParaRPr lang="ru-RU"/>
           </a:p>
@@ -22811,7 +23341,7 @@
             <a:fld id="{5B106E36-FD25-4E2D-B0AA-010F637433A0}" type="datetimeFigureOut">
               <a:rPr lang="ru-RU" smtClean="0"/>
               <a:pPr/>
-              <a:t>10.06.2015</a:t>
+              <a:t>11.06.2015</a:t>
             </a:fld>
             <a:endParaRPr lang="ru-RU"/>
           </a:p>
@@ -23133,7 +23663,7 @@
             <a:fld id="{5B106E36-FD25-4E2D-B0AA-010F637433A0}" type="datetimeFigureOut">
               <a:rPr lang="ru-RU" smtClean="0"/>
               <a:pPr/>
-              <a:t>10.06.2015</a:t>
+              <a:t>11.06.2015</a:t>
             </a:fld>
             <a:endParaRPr lang="ru-RU"/>
           </a:p>
@@ -23394,7 +23924,7 @@
             <a:fld id="{5B106E36-FD25-4E2D-B0AA-010F637433A0}" type="datetimeFigureOut">
               <a:rPr lang="ru-RU" smtClean="0"/>
               <a:pPr/>
-              <a:t>10.06.2015</a:t>
+              <a:t>11.06.2015</a:t>
             </a:fld>
             <a:endParaRPr lang="ru-RU"/>
           </a:p>
@@ -23614,7 +24144,7 @@
             <a:fld id="{5B106E36-FD25-4E2D-B0AA-010F637433A0}" type="datetimeFigureOut">
               <a:rPr lang="ru-RU" smtClean="0"/>
               <a:pPr/>
-              <a:t>10.06.2015</a:t>
+              <a:t>11.06.2015</a:t>
             </a:fld>
             <a:endParaRPr lang="ru-RU"/>
           </a:p>
@@ -24288,134 +24818,6 @@
 </file>
 
 <file path=ppt/slides/slide10.xml><?xml version="1.0" encoding="utf-8"?>
-<p:sld xmlns:a="http://schemas.openxmlformats.org/drawingml/2006/main" xmlns:r="http://schemas.openxmlformats.org/officeDocument/2006/relationships" xmlns:p="http://schemas.openxmlformats.org/presentationml/2006/main">
-  <p:cSld>
-    <p:spTree>
-      <p:nvGrpSpPr>
-        <p:cNvPr id="1" name=""/>
-        <p:cNvGrpSpPr/>
-        <p:nvPr/>
-      </p:nvGrpSpPr>
-      <p:grpSpPr>
-        <a:xfrm>
-          <a:off x="0" y="0"/>
-          <a:ext cx="0" cy="0"/>
-          <a:chOff x="0" y="0"/>
-          <a:chExt cx="0" cy="0"/>
-        </a:xfrm>
-      </p:grpSpPr>
-      <p:sp>
-        <p:nvSpPr>
-          <p:cNvPr id="2" name="Title 1"/>
-          <p:cNvSpPr>
-            <a:spLocks noGrp="1"/>
-          </p:cNvSpPr>
-          <p:nvPr>
-            <p:ph type="title"/>
-          </p:nvPr>
-        </p:nvSpPr>
-        <p:spPr/>
-        <p:txBody>
-          <a:bodyPr/>
-          <a:lstStyle/>
-          <a:p>
-            <a:r>
-              <a:rPr lang="en-US" dirty="0" smtClean="0"/>
-              <a:t>Azure Geography</a:t>
-            </a:r>
-            <a:endParaRPr lang="ru-RU" dirty="0"/>
-          </a:p>
-        </p:txBody>
-      </p:sp>
-      <p:sp>
-        <p:nvSpPr>
-          <p:cNvPr id="3" name="Content Placeholder 2"/>
-          <p:cNvSpPr>
-            <a:spLocks noGrp="1"/>
-          </p:cNvSpPr>
-          <p:nvPr>
-            <p:ph idx="1"/>
-          </p:nvPr>
-        </p:nvSpPr>
-        <p:spPr/>
-        <p:txBody>
-          <a:bodyPr/>
-          <a:lstStyle/>
-          <a:p>
-            <a:pPr>
-              <a:buFont typeface="Wingdings" panose="05000000000000000000" pitchFamily="2" charset="2"/>
-              <a:buChar char="Ø"/>
-            </a:pPr>
-            <a:r>
-              <a:rPr lang="en-US" dirty="0"/>
-              <a:t>Azure operates out of 17 regions around the world</a:t>
-            </a:r>
-            <a:endParaRPr lang="ru-RU" dirty="0"/>
-          </a:p>
-        </p:txBody>
-      </p:sp>
-      <p:pic>
-        <p:nvPicPr>
-          <p:cNvPr id="1026" name="Picture 2" descr="http://acom.azurecomcdn.net/80C57D/cdn/images/cvt-b3360b89270f951ea4a9cdeb65723fa8540e13df7115ba17d692283748741cff/page/regions/map.png?t=popn"/>
-          <p:cNvPicPr>
-            <a:picLocks noChangeAspect="1" noChangeArrowheads="1"/>
-          </p:cNvPicPr>
-          <p:nvPr/>
-        </p:nvPicPr>
-        <p:blipFill>
-          <a:blip r:embed="rId3">
-            <a:extLst>
-              <a:ext uri="{28A0092B-C50C-407E-A947-70E740481C1C}">
-                <a14:useLocalDpi xmlns:a14="http://schemas.microsoft.com/office/drawing/2010/main" val="0"/>
-              </a:ext>
-            </a:extLst>
-          </a:blip>
-          <a:srcRect/>
-          <a:stretch>
-            <a:fillRect/>
-          </a:stretch>
-        </p:blipFill>
-        <p:spPr bwMode="auto">
-          <a:xfrm>
-            <a:off x="3791744" y="2492896"/>
-            <a:ext cx="5457825" cy="3152775"/>
-          </a:xfrm>
-          <a:prstGeom prst="rect">
-            <a:avLst/>
-          </a:prstGeom>
-          <a:noFill/>
-          <a:extLst>
-            <a:ext uri="{909E8E84-426E-40DD-AFC4-6F175D3DCCD1}">
-              <a14:hiddenFill xmlns:a14="http://schemas.microsoft.com/office/drawing/2010/main">
-                <a:solidFill>
-                  <a:srgbClr val="FFFFFF"/>
-                </a:solidFill>
-              </a14:hiddenFill>
-            </a:ext>
-          </a:extLst>
-        </p:spPr>
-      </p:pic>
-    </p:spTree>
-    <p:extLst>
-      <p:ext uri="{BB962C8B-B14F-4D97-AF65-F5344CB8AC3E}">
-        <p14:creationId xmlns:p14="http://schemas.microsoft.com/office/powerpoint/2010/main" val="3360529696"/>
-      </p:ext>
-    </p:extLst>
-  </p:cSld>
-  <p:clrMapOvr>
-    <a:masterClrMapping/>
-  </p:clrMapOvr>
-  <p:timing>
-    <p:tnLst>
-      <p:par>
-        <p:cTn id="1" dur="indefinite" restart="never" nodeType="tmRoot"/>
-      </p:par>
-    </p:tnLst>
-  </p:timing>
-</p:sld>
-</file>
-
-<file path=ppt/slides/slide11.xml><?xml version="1.0" encoding="utf-8"?>
 <p:sld xmlns:a="http://schemas.openxmlformats.org/drawingml/2006/main" xmlns:r="http://schemas.openxmlformats.org/officeDocument/2006/relationships" xmlns:p="http://schemas.openxmlformats.org/presentationml/2006/main">
   <p:cSld>
     <p:spTree>
@@ -31600,15 +32002,7 @@
                   <a:schemeClr val="tx1"/>
                 </a:solidFill>
               </a:rPr>
-              <a:t>Managed by </a:t>
-            </a:r>
-            <a:r>
-              <a:rPr lang="en-US" dirty="0" smtClean="0">
-                <a:solidFill>
-                  <a:schemeClr val="tx1"/>
-                </a:solidFill>
-              </a:rPr>
-              <a:t>Customer</a:t>
+              <a:t>Managed by Customer</a:t>
             </a:r>
             <a:endParaRPr lang="ru-RU" sz="1800" kern="1200" dirty="0">
               <a:solidFill>
@@ -32066,7 +32460,7 @@
 </p:sld>
 </file>
 
-<file path=ppt/slides/slide12.xml><?xml version="1.0" encoding="utf-8"?>
+<file path=ppt/slides/slide11.xml><?xml version="1.0" encoding="utf-8"?>
 <p:sld xmlns:a="http://schemas.openxmlformats.org/drawingml/2006/main" xmlns:r="http://schemas.openxmlformats.org/officeDocument/2006/relationships" xmlns:p="http://schemas.openxmlformats.org/presentationml/2006/main">
   <p:cSld>
     <p:spTree>
@@ -32233,7 +32627,7 @@
 </p:sld>
 </file>
 
-<file path=ppt/slides/slide13.xml><?xml version="1.0" encoding="utf-8"?>
+<file path=ppt/slides/slide12.xml><?xml version="1.0" encoding="utf-8"?>
 <p:sld xmlns:a="http://schemas.openxmlformats.org/drawingml/2006/main" xmlns:r="http://schemas.openxmlformats.org/officeDocument/2006/relationships" xmlns:p="http://schemas.openxmlformats.org/presentationml/2006/main">
   <p:cSld>
     <p:spTree>
@@ -32329,14 +32723,98 @@
   <p:timing>
     <p:tnLst>
       <p:par>
-        <p:cTn id="1" dur="indefinite" restart="never" nodeType="tmRoot"/>
+        <p:cTn id="1" dur="indefinite" restart="never" nodeType="tmRoot">
+          <p:childTnLst>
+            <p:seq concurrent="1" nextAc="seek">
+              <p:cTn id="2" dur="indefinite" nodeType="mainSeq">
+                <p:childTnLst>
+                  <p:par>
+                    <p:cTn id="3" fill="hold">
+                      <p:stCondLst>
+                        <p:cond delay="indefinite"/>
+                        <p:cond evt="onBegin" delay="0">
+                          <p:tn val="2"/>
+                        </p:cond>
+                      </p:stCondLst>
+                      <p:childTnLst>
+                        <p:par>
+                          <p:cTn id="4" fill="hold">
+                            <p:stCondLst>
+                              <p:cond delay="0"/>
+                            </p:stCondLst>
+                            <p:childTnLst>
+                              <p:par>
+                                <p:cTn id="5" presetID="10" presetClass="entr" presetSubtype="0" fill="hold" grpId="0" nodeType="afterEffect">
+                                  <p:stCondLst>
+                                    <p:cond delay="0"/>
+                                  </p:stCondLst>
+                                  <p:childTnLst>
+                                    <p:set>
+                                      <p:cBhvr>
+                                        <p:cTn id="6" dur="1" fill="hold">
+                                          <p:stCondLst>
+                                            <p:cond delay="0"/>
+                                          </p:stCondLst>
+                                        </p:cTn>
+                                        <p:tgtEl>
+                                          <p:spTgt spid="49"/>
+                                        </p:tgtEl>
+                                        <p:attrNameLst>
+                                          <p:attrName>style.visibility</p:attrName>
+                                        </p:attrNameLst>
+                                      </p:cBhvr>
+                                      <p:to>
+                                        <p:strVal val="visible"/>
+                                      </p:to>
+                                    </p:set>
+                                    <p:animEffect transition="in" filter="fade">
+                                      <p:cBhvr>
+                                        <p:cTn id="7" dur="1000"/>
+                                        <p:tgtEl>
+                                          <p:spTgt spid="49"/>
+                                        </p:tgtEl>
+                                      </p:cBhvr>
+                                    </p:animEffect>
+                                  </p:childTnLst>
+                                </p:cTn>
+                              </p:par>
+                            </p:childTnLst>
+                          </p:cTn>
+                        </p:par>
+                      </p:childTnLst>
+                    </p:cTn>
+                  </p:par>
+                </p:childTnLst>
+              </p:cTn>
+              <p:prevCondLst>
+                <p:cond evt="onPrev" delay="0">
+                  <p:tgtEl>
+                    <p:sldTgt/>
+                  </p:tgtEl>
+                </p:cond>
+              </p:prevCondLst>
+              <p:nextCondLst>
+                <p:cond evt="onNext" delay="0">
+                  <p:tgtEl>
+                    <p:sldTgt/>
+                  </p:tgtEl>
+                </p:cond>
+              </p:nextCondLst>
+            </p:seq>
+          </p:childTnLst>
+        </p:cTn>
       </p:par>
     </p:tnLst>
+    <p:bldLst>
+      <p:bldGraphic spid="49" grpId="0">
+        <p:bldAsOne/>
+      </p:bldGraphic>
+    </p:bldLst>
   </p:timing>
 </p:sld>
 </file>
 
-<file path=ppt/slides/slide14.xml><?xml version="1.0" encoding="utf-8"?>
+<file path=ppt/slides/slide13.xml><?xml version="1.0" encoding="utf-8"?>
 <p:sld xmlns:a="http://schemas.openxmlformats.org/drawingml/2006/main" xmlns:r="http://schemas.openxmlformats.org/officeDocument/2006/relationships" xmlns:p="http://schemas.openxmlformats.org/presentationml/2006/main">
   <p:cSld>
     <p:spTree>
@@ -32464,7 +32942,7 @@
 </p:sld>
 </file>
 
-<file path=ppt/slides/slide15.xml><?xml version="1.0" encoding="utf-8"?>
+<file path=ppt/slides/slide14.xml><?xml version="1.0" encoding="utf-8"?>
 <p:sld xmlns:a="http://schemas.openxmlformats.org/drawingml/2006/main" xmlns:r="http://schemas.openxmlformats.org/officeDocument/2006/relationships" xmlns:p="http://schemas.openxmlformats.org/presentationml/2006/main">
   <p:cSld>
     <p:spTree>
@@ -32543,7 +33021,7 @@
 </p:sld>
 </file>
 
-<file path=ppt/slides/slide16.xml><?xml version="1.0" encoding="utf-8"?>
+<file path=ppt/slides/slide15.xml><?xml version="1.0" encoding="utf-8"?>
 <p:sld xmlns:a="http://schemas.openxmlformats.org/drawingml/2006/main" xmlns:r="http://schemas.openxmlformats.org/officeDocument/2006/relationships" xmlns:p="http://schemas.openxmlformats.org/presentationml/2006/main">
   <p:cSld>
     <p:spTree>
@@ -32704,7 +33182,7 @@
 </p:sld>
 </file>
 
-<file path=ppt/slides/slide17.xml><?xml version="1.0" encoding="utf-8"?>
+<file path=ppt/slides/slide16.xml><?xml version="1.0" encoding="utf-8"?>
 <p:sld xmlns:a="http://schemas.openxmlformats.org/drawingml/2006/main" xmlns:r="http://schemas.openxmlformats.org/officeDocument/2006/relationships" xmlns:p="http://schemas.openxmlformats.org/presentationml/2006/main">
   <p:cSld>
     <p:spTree>
@@ -32748,12 +33226,413 @@
       </p:sp>
       <p:sp>
         <p:nvSpPr>
-          <p:cNvPr id="3" name="Content Placeholder 2"/>
+          <p:cNvPr id="4" name="Rounded Rectangle 3"/>
+          <p:cNvSpPr/>
+          <p:nvPr/>
+        </p:nvSpPr>
+        <p:spPr>
+          <a:xfrm>
+            <a:off x="1806784" y="1747370"/>
+            <a:ext cx="10009112" cy="2113677"/>
+          </a:xfrm>
+          <a:prstGeom prst="roundRect">
+            <a:avLst/>
+          </a:prstGeom>
+          <a:solidFill>
+            <a:schemeClr val="bg1">
+              <a:lumMod val="95000"/>
+            </a:schemeClr>
+          </a:solidFill>
+          <a:ln>
+            <a:solidFill>
+              <a:srgbClr val="00B0F0"/>
+            </a:solidFill>
+          </a:ln>
+        </p:spPr>
+        <p:style>
+          <a:lnRef idx="2">
+            <a:schemeClr val="accent1">
+              <a:shade val="50000"/>
+            </a:schemeClr>
+          </a:lnRef>
+          <a:fillRef idx="1">
+            <a:schemeClr val="accent1"/>
+          </a:fillRef>
+          <a:effectRef idx="0">
+            <a:schemeClr val="accent1"/>
+          </a:effectRef>
+          <a:fontRef idx="minor">
+            <a:schemeClr val="lt1"/>
+          </a:fontRef>
+        </p:style>
+        <p:txBody>
+          <a:bodyPr rtlCol="0" anchor="ctr"/>
+          <a:lstStyle/>
+          <a:p>
+            <a:pPr algn="ctr"/>
+            <a:endParaRPr lang="ru-RU"/>
+          </a:p>
+        </p:txBody>
+      </p:sp>
+      <p:sp>
+        <p:nvSpPr>
+          <p:cNvPr id="5" name="Rectangle 4"/>
+          <p:cNvSpPr/>
+          <p:nvPr/>
+        </p:nvSpPr>
+        <p:spPr>
+          <a:xfrm>
+            <a:off x="1943100" y="2019378"/>
+            <a:ext cx="9728780" cy="1569660"/>
+          </a:xfrm>
+          <a:prstGeom prst="rect">
+            <a:avLst/>
+          </a:prstGeom>
+        </p:spPr>
+        <p:txBody>
+          <a:bodyPr wrap="square">
+            <a:spAutoFit/>
+          </a:bodyPr>
+          <a:lstStyle/>
+          <a:p>
+            <a:r>
+              <a:rPr lang="en-US" sz="2400" dirty="0" smtClean="0"/>
+              <a:t>	The </a:t>
+            </a:r>
+            <a:r>
+              <a:rPr lang="en-US" sz="2400" dirty="0"/>
+              <a:t>Azure SDK for .NET is the core building block that helps developers author Cloud Services using Azure Service Runtime Programming model, debug using emulators on the local machine, and deploy to Azure data centers in the cloud.</a:t>
+            </a:r>
+          </a:p>
+        </p:txBody>
+      </p:sp>
+      <p:sp>
+        <p:nvSpPr>
+          <p:cNvPr id="7" name="Rounded Rectangle 6"/>
+          <p:cNvSpPr/>
+          <p:nvPr/>
+        </p:nvSpPr>
+        <p:spPr>
+          <a:xfrm>
+            <a:off x="1824306" y="4081053"/>
+            <a:ext cx="10009112" cy="1796219"/>
+          </a:xfrm>
+          <a:prstGeom prst="roundRect">
+            <a:avLst/>
+          </a:prstGeom>
+          <a:solidFill>
+            <a:schemeClr val="bg1">
+              <a:lumMod val="95000"/>
+            </a:schemeClr>
+          </a:solidFill>
+          <a:ln>
+            <a:solidFill>
+              <a:srgbClr val="00B0F0"/>
+            </a:solidFill>
+          </a:ln>
+        </p:spPr>
+        <p:style>
+          <a:lnRef idx="2">
+            <a:schemeClr val="accent1">
+              <a:shade val="50000"/>
+            </a:schemeClr>
+          </a:lnRef>
+          <a:fillRef idx="1">
+            <a:schemeClr val="accent1"/>
+          </a:fillRef>
+          <a:effectRef idx="0">
+            <a:schemeClr val="accent1"/>
+          </a:effectRef>
+          <a:fontRef idx="minor">
+            <a:schemeClr val="lt1"/>
+          </a:fontRef>
+        </p:style>
+        <p:txBody>
+          <a:bodyPr rtlCol="0" anchor="ctr"/>
+          <a:lstStyle/>
+          <a:p>
+            <a:pPr algn="ctr"/>
+            <a:endParaRPr lang="ru-RU"/>
+          </a:p>
+        </p:txBody>
+      </p:sp>
+      <p:sp>
+        <p:nvSpPr>
+          <p:cNvPr id="8" name="Rectangle 7"/>
+          <p:cNvSpPr/>
+          <p:nvPr/>
+        </p:nvSpPr>
+        <p:spPr>
+          <a:xfrm>
+            <a:off x="1960622" y="4353061"/>
+            <a:ext cx="9728780" cy="1200329"/>
+          </a:xfrm>
+          <a:prstGeom prst="rect">
+            <a:avLst/>
+          </a:prstGeom>
+        </p:spPr>
+        <p:txBody>
+          <a:bodyPr wrap="square">
+            <a:spAutoFit/>
+          </a:bodyPr>
+          <a:lstStyle/>
+          <a:p>
+            <a:r>
+              <a:rPr lang="en-US" sz="2400" dirty="0" smtClean="0"/>
+              <a:t>	The </a:t>
+            </a:r>
+            <a:r>
+              <a:rPr lang="en-US" sz="2400" dirty="0"/>
+              <a:t>Azure SDK Policy covers Azure SDK Authoring Tools, Command line utilities, Compute &amp; Storage Emulators, and Azure Tools for Microsoft Visual Studio.</a:t>
+            </a:r>
+            <a:endParaRPr lang="ru-RU" sz="2400" dirty="0"/>
+          </a:p>
+        </p:txBody>
+      </p:sp>
+    </p:spTree>
+    <p:extLst>
+      <p:ext uri="{BB962C8B-B14F-4D97-AF65-F5344CB8AC3E}">
+        <p14:creationId xmlns:p14="http://schemas.microsoft.com/office/powerpoint/2010/main" val="3195180804"/>
+      </p:ext>
+    </p:extLst>
+  </p:cSld>
+  <p:clrMapOvr>
+    <a:masterClrMapping/>
+  </p:clrMapOvr>
+  <p:timing>
+    <p:tnLst>
+      <p:par>
+        <p:cTn id="1" dur="indefinite" restart="never" nodeType="tmRoot">
+          <p:childTnLst>
+            <p:seq concurrent="1" nextAc="seek">
+              <p:cTn id="2" dur="indefinite" nodeType="mainSeq">
+                <p:childTnLst>
+                  <p:par>
+                    <p:cTn id="3" fill="hold">
+                      <p:stCondLst>
+                        <p:cond delay="indefinite"/>
+                        <p:cond evt="onBegin" delay="0">
+                          <p:tn val="2"/>
+                        </p:cond>
+                      </p:stCondLst>
+                      <p:childTnLst>
+                        <p:par>
+                          <p:cTn id="4" fill="hold">
+                            <p:stCondLst>
+                              <p:cond delay="0"/>
+                            </p:stCondLst>
+                            <p:childTnLst>
+                              <p:par>
+                                <p:cTn id="5" presetID="22" presetClass="entr" presetSubtype="1" fill="hold" grpId="0" nodeType="afterEffect">
+                                  <p:stCondLst>
+                                    <p:cond delay="0"/>
+                                  </p:stCondLst>
+                                  <p:childTnLst>
+                                    <p:set>
+                                      <p:cBhvr>
+                                        <p:cTn id="6" dur="1" fill="hold">
+                                          <p:stCondLst>
+                                            <p:cond delay="0"/>
+                                          </p:stCondLst>
+                                        </p:cTn>
+                                        <p:tgtEl>
+                                          <p:spTgt spid="5"/>
+                                        </p:tgtEl>
+                                        <p:attrNameLst>
+                                          <p:attrName>style.visibility</p:attrName>
+                                        </p:attrNameLst>
+                                      </p:cBhvr>
+                                      <p:to>
+                                        <p:strVal val="visible"/>
+                                      </p:to>
+                                    </p:set>
+                                    <p:animEffect transition="in" filter="wipe(up)">
+                                      <p:cBhvr>
+                                        <p:cTn id="7" dur="500"/>
+                                        <p:tgtEl>
+                                          <p:spTgt spid="5"/>
+                                        </p:tgtEl>
+                                      </p:cBhvr>
+                                    </p:animEffect>
+                                  </p:childTnLst>
+                                </p:cTn>
+                              </p:par>
+                              <p:par>
+                                <p:cTn id="8" presetID="22" presetClass="entr" presetSubtype="1" fill="hold" grpId="0" nodeType="withEffect">
+                                  <p:stCondLst>
+                                    <p:cond delay="0"/>
+                                  </p:stCondLst>
+                                  <p:childTnLst>
+                                    <p:set>
+                                      <p:cBhvr>
+                                        <p:cTn id="9" dur="1" fill="hold">
+                                          <p:stCondLst>
+                                            <p:cond delay="0"/>
+                                          </p:stCondLst>
+                                        </p:cTn>
+                                        <p:tgtEl>
+                                          <p:spTgt spid="4"/>
+                                        </p:tgtEl>
+                                        <p:attrNameLst>
+                                          <p:attrName>style.visibility</p:attrName>
+                                        </p:attrNameLst>
+                                      </p:cBhvr>
+                                      <p:to>
+                                        <p:strVal val="visible"/>
+                                      </p:to>
+                                    </p:set>
+                                    <p:animEffect transition="in" filter="wipe(up)">
+                                      <p:cBhvr>
+                                        <p:cTn id="10" dur="500"/>
+                                        <p:tgtEl>
+                                          <p:spTgt spid="4"/>
+                                        </p:tgtEl>
+                                      </p:cBhvr>
+                                    </p:animEffect>
+                                  </p:childTnLst>
+                                </p:cTn>
+                              </p:par>
+                            </p:childTnLst>
+                          </p:cTn>
+                        </p:par>
+                        <p:par>
+                          <p:cTn id="11" fill="hold">
+                            <p:stCondLst>
+                              <p:cond delay="500"/>
+                            </p:stCondLst>
+                            <p:childTnLst>
+                              <p:par>
+                                <p:cTn id="12" presetID="22" presetClass="entr" presetSubtype="1" fill="hold" grpId="0" nodeType="afterEffect">
+                                  <p:stCondLst>
+                                    <p:cond delay="0"/>
+                                  </p:stCondLst>
+                                  <p:childTnLst>
+                                    <p:set>
+                                      <p:cBhvr>
+                                        <p:cTn id="13" dur="1" fill="hold">
+                                          <p:stCondLst>
+                                            <p:cond delay="0"/>
+                                          </p:stCondLst>
+                                        </p:cTn>
+                                        <p:tgtEl>
+                                          <p:spTgt spid="7"/>
+                                        </p:tgtEl>
+                                        <p:attrNameLst>
+                                          <p:attrName>style.visibility</p:attrName>
+                                        </p:attrNameLst>
+                                      </p:cBhvr>
+                                      <p:to>
+                                        <p:strVal val="visible"/>
+                                      </p:to>
+                                    </p:set>
+                                    <p:animEffect transition="in" filter="wipe(up)">
+                                      <p:cBhvr>
+                                        <p:cTn id="14" dur="500"/>
+                                        <p:tgtEl>
+                                          <p:spTgt spid="7"/>
+                                        </p:tgtEl>
+                                      </p:cBhvr>
+                                    </p:animEffect>
+                                  </p:childTnLst>
+                                </p:cTn>
+                              </p:par>
+                              <p:par>
+                                <p:cTn id="15" presetID="22" presetClass="entr" presetSubtype="1" fill="hold" grpId="0" nodeType="withEffect">
+                                  <p:stCondLst>
+                                    <p:cond delay="0"/>
+                                  </p:stCondLst>
+                                  <p:childTnLst>
+                                    <p:set>
+                                      <p:cBhvr>
+                                        <p:cTn id="16" dur="1" fill="hold">
+                                          <p:stCondLst>
+                                            <p:cond delay="0"/>
+                                          </p:stCondLst>
+                                        </p:cTn>
+                                        <p:tgtEl>
+                                          <p:spTgt spid="8"/>
+                                        </p:tgtEl>
+                                        <p:attrNameLst>
+                                          <p:attrName>style.visibility</p:attrName>
+                                        </p:attrNameLst>
+                                      </p:cBhvr>
+                                      <p:to>
+                                        <p:strVal val="visible"/>
+                                      </p:to>
+                                    </p:set>
+                                    <p:animEffect transition="in" filter="wipe(up)">
+                                      <p:cBhvr>
+                                        <p:cTn id="17" dur="500"/>
+                                        <p:tgtEl>
+                                          <p:spTgt spid="8"/>
+                                        </p:tgtEl>
+                                      </p:cBhvr>
+                                    </p:animEffect>
+                                  </p:childTnLst>
+                                </p:cTn>
+                              </p:par>
+                            </p:childTnLst>
+                          </p:cTn>
+                        </p:par>
+                      </p:childTnLst>
+                    </p:cTn>
+                  </p:par>
+                </p:childTnLst>
+              </p:cTn>
+              <p:prevCondLst>
+                <p:cond evt="onPrev" delay="0">
+                  <p:tgtEl>
+                    <p:sldTgt/>
+                  </p:tgtEl>
+                </p:cond>
+              </p:prevCondLst>
+              <p:nextCondLst>
+                <p:cond evt="onNext" delay="0">
+                  <p:tgtEl>
+                    <p:sldTgt/>
+                  </p:tgtEl>
+                </p:cond>
+              </p:nextCondLst>
+            </p:seq>
+          </p:childTnLst>
+        </p:cTn>
+      </p:par>
+    </p:tnLst>
+    <p:bldLst>
+      <p:bldP spid="4" grpId="0" animBg="1"/>
+      <p:bldP spid="5" grpId="0"/>
+      <p:bldP spid="7" grpId="0" animBg="1"/>
+      <p:bldP spid="8" grpId="0"/>
+    </p:bldLst>
+  </p:timing>
+</p:sld>
+</file>
+
+<file path=ppt/slides/slide17.xml><?xml version="1.0" encoding="utf-8"?>
+<p:sld xmlns:a="http://schemas.openxmlformats.org/drawingml/2006/main" xmlns:r="http://schemas.openxmlformats.org/officeDocument/2006/relationships" xmlns:p="http://schemas.openxmlformats.org/presentationml/2006/main">
+  <p:cSld>
+    <p:spTree>
+      <p:nvGrpSpPr>
+        <p:cNvPr id="1" name=""/>
+        <p:cNvGrpSpPr/>
+        <p:nvPr/>
+      </p:nvGrpSpPr>
+      <p:grpSpPr>
+        <a:xfrm>
+          <a:off x="0" y="0"/>
+          <a:ext cx="0" cy="0"/>
+          <a:chOff x="0" y="0"/>
+          <a:chExt cx="0" cy="0"/>
+        </a:xfrm>
+      </p:grpSpPr>
+      <p:sp>
+        <p:nvSpPr>
+          <p:cNvPr id="4" name="Title 3"/>
           <p:cNvSpPr>
             <a:spLocks noGrp="1"/>
           </p:cNvSpPr>
           <p:nvPr>
-            <p:ph idx="1"/>
+            <p:ph type="title"/>
           </p:nvPr>
         </p:nvSpPr>
         <p:spPr/>
@@ -32761,18 +33640,37 @@
           <a:bodyPr/>
           <a:lstStyle/>
           <a:p>
-            <a:pPr>
-              <a:buFont typeface="Wingdings" panose="05000000000000000000" pitchFamily="2" charset="2"/>
-              <a:buChar char="Ø"/>
-            </a:pPr>
+            <a:r>
+              <a:rPr lang="en-US" dirty="0" smtClean="0"/>
+              <a:t>App Service (Web App)</a:t>
+            </a:r>
             <a:endParaRPr lang="ru-RU" dirty="0"/>
+          </a:p>
+        </p:txBody>
+      </p:sp>
+      <p:sp>
+        <p:nvSpPr>
+          <p:cNvPr id="5" name="Text Placeholder 4"/>
+          <p:cNvSpPr>
+            <a:spLocks noGrp="1"/>
+          </p:cNvSpPr>
+          <p:nvPr>
+            <p:ph type="body" idx="1"/>
+          </p:nvPr>
+        </p:nvSpPr>
+        <p:spPr/>
+        <p:txBody>
+          <a:bodyPr/>
+          <a:lstStyle/>
+          <a:p>
+            <a:endParaRPr lang="ru-RU"/>
           </a:p>
         </p:txBody>
       </p:sp>
     </p:spTree>
     <p:extLst>
       <p:ext uri="{BB962C8B-B14F-4D97-AF65-F5344CB8AC3E}">
-        <p14:creationId xmlns:p14="http://schemas.microsoft.com/office/powerpoint/2010/main" val="3195180804"/>
+        <p14:creationId xmlns:p14="http://schemas.microsoft.com/office/powerpoint/2010/main" val="3011076358"/>
       </p:ext>
     </p:extLst>
   </p:cSld>
@@ -32790,6 +33688,675 @@
 </file>
 
 <file path=ppt/slides/slide18.xml><?xml version="1.0" encoding="utf-8"?>
+<p:sld xmlns:a="http://schemas.openxmlformats.org/drawingml/2006/main" xmlns:r="http://schemas.openxmlformats.org/officeDocument/2006/relationships" xmlns:p="http://schemas.openxmlformats.org/presentationml/2006/main">
+  <p:cSld>
+    <p:spTree>
+      <p:nvGrpSpPr>
+        <p:cNvPr id="1" name=""/>
+        <p:cNvGrpSpPr/>
+        <p:nvPr/>
+      </p:nvGrpSpPr>
+      <p:grpSpPr>
+        <a:xfrm>
+          <a:off x="0" y="0"/>
+          <a:ext cx="0" cy="0"/>
+          <a:chOff x="0" y="0"/>
+          <a:chExt cx="0" cy="0"/>
+        </a:xfrm>
+      </p:grpSpPr>
+      <p:sp>
+        <p:nvSpPr>
+          <p:cNvPr id="4" name="Title 3"/>
+          <p:cNvSpPr>
+            <a:spLocks noGrp="1"/>
+          </p:cNvSpPr>
+          <p:nvPr>
+            <p:ph type="title"/>
+          </p:nvPr>
+        </p:nvSpPr>
+        <p:spPr/>
+        <p:txBody>
+          <a:bodyPr/>
+          <a:lstStyle/>
+          <a:p>
+            <a:r>
+              <a:rPr lang="en-US" dirty="0" smtClean="0"/>
+              <a:t>Create App </a:t>
+            </a:r>
+            <a:r>
+              <a:rPr lang="en-US" dirty="0"/>
+              <a:t>S</a:t>
+            </a:r>
+            <a:r>
+              <a:rPr lang="en-US" dirty="0" smtClean="0"/>
+              <a:t>ervice</a:t>
+            </a:r>
+            <a:endParaRPr lang="ru-RU" dirty="0"/>
+          </a:p>
+        </p:txBody>
+      </p:sp>
+      <p:sp>
+        <p:nvSpPr>
+          <p:cNvPr id="5" name="Content Placeholder 4"/>
+          <p:cNvSpPr>
+            <a:spLocks noGrp="1"/>
+          </p:cNvSpPr>
+          <p:nvPr>
+            <p:ph idx="1"/>
+          </p:nvPr>
+        </p:nvSpPr>
+        <p:spPr/>
+        <p:txBody>
+          <a:bodyPr/>
+          <a:lstStyle/>
+          <a:p>
+            <a:endParaRPr lang="ru-RU"/>
+          </a:p>
+        </p:txBody>
+      </p:sp>
+    </p:spTree>
+    <p:extLst>
+      <p:ext uri="{BB962C8B-B14F-4D97-AF65-F5344CB8AC3E}">
+        <p14:creationId xmlns:p14="http://schemas.microsoft.com/office/powerpoint/2010/main" val="2161594076"/>
+      </p:ext>
+    </p:extLst>
+  </p:cSld>
+  <p:clrMapOvr>
+    <a:masterClrMapping/>
+  </p:clrMapOvr>
+</p:sld>
+</file>
+
+<file path=ppt/slides/slide19.xml><?xml version="1.0" encoding="utf-8"?>
+<p:sld xmlns:a="http://schemas.openxmlformats.org/drawingml/2006/main" xmlns:r="http://schemas.openxmlformats.org/officeDocument/2006/relationships" xmlns:p="http://schemas.openxmlformats.org/presentationml/2006/main">
+  <p:cSld>
+    <p:spTree>
+      <p:nvGrpSpPr>
+        <p:cNvPr id="1" name=""/>
+        <p:cNvGrpSpPr/>
+        <p:nvPr/>
+      </p:nvGrpSpPr>
+      <p:grpSpPr>
+        <a:xfrm>
+          <a:off x="0" y="0"/>
+          <a:ext cx="0" cy="0"/>
+          <a:chOff x="0" y="0"/>
+          <a:chExt cx="0" cy="0"/>
+        </a:xfrm>
+      </p:grpSpPr>
+      <p:sp>
+        <p:nvSpPr>
+          <p:cNvPr id="4" name="Title 3"/>
+          <p:cNvSpPr>
+            <a:spLocks noGrp="1"/>
+          </p:cNvSpPr>
+          <p:nvPr>
+            <p:ph type="title"/>
+          </p:nvPr>
+        </p:nvSpPr>
+        <p:spPr/>
+        <p:txBody>
+          <a:bodyPr/>
+          <a:lstStyle/>
+          <a:p>
+            <a:r>
+              <a:rPr lang="en-US" dirty="0" smtClean="0"/>
+              <a:t>Pricing Tiers</a:t>
+            </a:r>
+            <a:endParaRPr lang="ru-RU" dirty="0"/>
+          </a:p>
+        </p:txBody>
+      </p:sp>
+      <p:sp>
+        <p:nvSpPr>
+          <p:cNvPr id="5" name="Content Placeholder 4"/>
+          <p:cNvSpPr>
+            <a:spLocks noGrp="1"/>
+          </p:cNvSpPr>
+          <p:nvPr>
+            <p:ph idx="1"/>
+          </p:nvPr>
+        </p:nvSpPr>
+        <p:spPr/>
+        <p:txBody>
+          <a:bodyPr/>
+          <a:lstStyle/>
+          <a:p>
+            <a:endParaRPr lang="ru-RU"/>
+          </a:p>
+        </p:txBody>
+      </p:sp>
+    </p:spTree>
+    <p:extLst>
+      <p:ext uri="{BB962C8B-B14F-4D97-AF65-F5344CB8AC3E}">
+        <p14:creationId xmlns:p14="http://schemas.microsoft.com/office/powerpoint/2010/main" val="2281118130"/>
+      </p:ext>
+    </p:extLst>
+  </p:cSld>
+  <p:clrMapOvr>
+    <a:masterClrMapping/>
+  </p:clrMapOvr>
+</p:sld>
+</file>
+
+<file path=ppt/slides/slide2.xml><?xml version="1.0" encoding="utf-8"?>
+<p:sld xmlns:a="http://schemas.openxmlformats.org/drawingml/2006/main" xmlns:r="http://schemas.openxmlformats.org/officeDocument/2006/relationships" xmlns:p="http://schemas.openxmlformats.org/presentationml/2006/main">
+  <p:cSld>
+    <p:spTree>
+      <p:nvGrpSpPr>
+        <p:cNvPr id="1" name=""/>
+        <p:cNvGrpSpPr/>
+        <p:nvPr/>
+      </p:nvGrpSpPr>
+      <p:grpSpPr>
+        <a:xfrm>
+          <a:off x="0" y="0"/>
+          <a:ext cx="0" cy="0"/>
+          <a:chOff x="0" y="0"/>
+          <a:chExt cx="0" cy="0"/>
+        </a:xfrm>
+      </p:grpSpPr>
+      <p:sp>
+        <p:nvSpPr>
+          <p:cNvPr id="4" name="Title 3"/>
+          <p:cNvSpPr>
+            <a:spLocks noGrp="1"/>
+          </p:cNvSpPr>
+          <p:nvPr>
+            <p:ph type="title"/>
+          </p:nvPr>
+        </p:nvSpPr>
+        <p:spPr/>
+        <p:txBody>
+          <a:bodyPr/>
+          <a:lstStyle/>
+          <a:p>
+            <a:r>
+              <a:rPr lang="en-US" dirty="0" smtClean="0"/>
+              <a:t>What is Microsoft Azure</a:t>
+            </a:r>
+            <a:r>
+              <a:rPr lang="ru-RU" dirty="0" smtClean="0"/>
+              <a:t>?</a:t>
+            </a:r>
+            <a:endParaRPr lang="ru-RU" dirty="0"/>
+          </a:p>
+        </p:txBody>
+      </p:sp>
+      <p:sp>
+        <p:nvSpPr>
+          <p:cNvPr id="5" name="Text Placeholder 4"/>
+          <p:cNvSpPr>
+            <a:spLocks noGrp="1"/>
+          </p:cNvSpPr>
+          <p:nvPr>
+            <p:ph type="body" idx="1"/>
+          </p:nvPr>
+        </p:nvSpPr>
+        <p:spPr/>
+        <p:txBody>
+          <a:bodyPr/>
+          <a:lstStyle/>
+          <a:p>
+            <a:endParaRPr lang="ru-RU"/>
+          </a:p>
+        </p:txBody>
+      </p:sp>
+      <p:pic>
+        <p:nvPicPr>
+          <p:cNvPr id="4098" name="Picture 2" descr="http://findicons.com/files/icons/1049/2s_space_emotions_v2/256/question.png"/>
+          <p:cNvPicPr>
+            <a:picLocks noChangeAspect="1" noChangeArrowheads="1"/>
+          </p:cNvPicPr>
+          <p:nvPr/>
+        </p:nvPicPr>
+        <p:blipFill>
+          <a:blip r:embed="rId2">
+            <a:extLst>
+              <a:ext uri="{28A0092B-C50C-407E-A947-70E740481C1C}">
+                <a14:useLocalDpi xmlns:a14="http://schemas.microsoft.com/office/drawing/2010/main" val="0"/>
+              </a:ext>
+            </a:extLst>
+          </a:blip>
+          <a:srcRect/>
+          <a:stretch>
+            <a:fillRect/>
+          </a:stretch>
+        </p:blipFill>
+        <p:spPr bwMode="auto">
+          <a:xfrm>
+            <a:off x="5375920" y="1556792"/>
+            <a:ext cx="2438400" cy="2438400"/>
+          </a:xfrm>
+          <a:prstGeom prst="rect">
+            <a:avLst/>
+          </a:prstGeom>
+          <a:noFill/>
+          <a:extLst>
+            <a:ext uri="{909E8E84-426E-40DD-AFC4-6F175D3DCCD1}">
+              <a14:hiddenFill xmlns:a14="http://schemas.microsoft.com/office/drawing/2010/main">
+                <a:solidFill>
+                  <a:srgbClr val="FFFFFF"/>
+                </a:solidFill>
+              </a14:hiddenFill>
+            </a:ext>
+          </a:extLst>
+        </p:spPr>
+      </p:pic>
+    </p:spTree>
+    <p:extLst>
+      <p:ext uri="{BB962C8B-B14F-4D97-AF65-F5344CB8AC3E}">
+        <p14:creationId xmlns:p14="http://schemas.microsoft.com/office/powerpoint/2010/main" val="3859605535"/>
+      </p:ext>
+    </p:extLst>
+  </p:cSld>
+  <p:clrMapOvr>
+    <a:masterClrMapping/>
+  </p:clrMapOvr>
+  <p:timing>
+    <p:tnLst>
+      <p:par>
+        <p:cTn id="1" dur="indefinite" restart="never" nodeType="tmRoot"/>
+      </p:par>
+    </p:tnLst>
+  </p:timing>
+</p:sld>
+</file>
+
+<file path=ppt/slides/slide20.xml><?xml version="1.0" encoding="utf-8"?>
+<p:sld xmlns:a="http://schemas.openxmlformats.org/drawingml/2006/main" xmlns:r="http://schemas.openxmlformats.org/officeDocument/2006/relationships" xmlns:p="http://schemas.openxmlformats.org/presentationml/2006/main">
+  <p:cSld>
+    <p:spTree>
+      <p:nvGrpSpPr>
+        <p:cNvPr id="1" name=""/>
+        <p:cNvGrpSpPr/>
+        <p:nvPr/>
+      </p:nvGrpSpPr>
+      <p:grpSpPr>
+        <a:xfrm>
+          <a:off x="0" y="0"/>
+          <a:ext cx="0" cy="0"/>
+          <a:chOff x="0" y="0"/>
+          <a:chExt cx="0" cy="0"/>
+        </a:xfrm>
+      </p:grpSpPr>
+      <p:sp>
+        <p:nvSpPr>
+          <p:cNvPr id="4" name="Title 3"/>
+          <p:cNvSpPr>
+            <a:spLocks noGrp="1"/>
+          </p:cNvSpPr>
+          <p:nvPr>
+            <p:ph type="title"/>
+          </p:nvPr>
+        </p:nvSpPr>
+        <p:spPr/>
+        <p:txBody>
+          <a:bodyPr/>
+          <a:lstStyle/>
+          <a:p>
+            <a:r>
+              <a:rPr lang="en-US" dirty="0" smtClean="0"/>
+              <a:t>SQL </a:t>
+            </a:r>
+            <a:r>
+              <a:rPr lang="en-US" dirty="0" err="1" smtClean="0"/>
+              <a:t>DAtabases</a:t>
+            </a:r>
+            <a:endParaRPr lang="ru-RU" dirty="0"/>
+          </a:p>
+        </p:txBody>
+      </p:sp>
+      <p:sp>
+        <p:nvSpPr>
+          <p:cNvPr id="5" name="Text Placeholder 4"/>
+          <p:cNvSpPr>
+            <a:spLocks noGrp="1"/>
+          </p:cNvSpPr>
+          <p:nvPr>
+            <p:ph type="body" idx="1"/>
+          </p:nvPr>
+        </p:nvSpPr>
+        <p:spPr/>
+        <p:txBody>
+          <a:bodyPr/>
+          <a:lstStyle/>
+          <a:p>
+            <a:endParaRPr lang="ru-RU"/>
+          </a:p>
+        </p:txBody>
+      </p:sp>
+    </p:spTree>
+    <p:extLst>
+      <p:ext uri="{BB962C8B-B14F-4D97-AF65-F5344CB8AC3E}">
+        <p14:creationId xmlns:p14="http://schemas.microsoft.com/office/powerpoint/2010/main" val="1442076319"/>
+      </p:ext>
+    </p:extLst>
+  </p:cSld>
+  <p:clrMapOvr>
+    <a:masterClrMapping/>
+  </p:clrMapOvr>
+</p:sld>
+</file>
+
+<file path=ppt/slides/slide21.xml><?xml version="1.0" encoding="utf-8"?>
+<p:sld xmlns:a="http://schemas.openxmlformats.org/drawingml/2006/main" xmlns:r="http://schemas.openxmlformats.org/officeDocument/2006/relationships" xmlns:p="http://schemas.openxmlformats.org/presentationml/2006/main">
+  <p:cSld>
+    <p:spTree>
+      <p:nvGrpSpPr>
+        <p:cNvPr id="1" name=""/>
+        <p:cNvGrpSpPr/>
+        <p:nvPr/>
+      </p:nvGrpSpPr>
+      <p:grpSpPr>
+        <a:xfrm>
+          <a:off x="0" y="0"/>
+          <a:ext cx="0" cy="0"/>
+          <a:chOff x="0" y="0"/>
+          <a:chExt cx="0" cy="0"/>
+        </a:xfrm>
+      </p:grpSpPr>
+      <p:sp>
+        <p:nvSpPr>
+          <p:cNvPr id="2" name="Title 1"/>
+          <p:cNvSpPr>
+            <a:spLocks noGrp="1"/>
+          </p:cNvSpPr>
+          <p:nvPr>
+            <p:ph type="title"/>
+          </p:nvPr>
+        </p:nvSpPr>
+        <p:spPr/>
+        <p:txBody>
+          <a:bodyPr/>
+          <a:lstStyle/>
+          <a:p>
+            <a:r>
+              <a:rPr lang="en-US" dirty="0" smtClean="0"/>
+              <a:t>Create Database</a:t>
+            </a:r>
+            <a:endParaRPr lang="ru-RU" dirty="0"/>
+          </a:p>
+        </p:txBody>
+      </p:sp>
+      <p:sp>
+        <p:nvSpPr>
+          <p:cNvPr id="3" name="Content Placeholder 2"/>
+          <p:cNvSpPr>
+            <a:spLocks noGrp="1"/>
+          </p:cNvSpPr>
+          <p:nvPr>
+            <p:ph idx="1"/>
+          </p:nvPr>
+        </p:nvSpPr>
+        <p:spPr/>
+        <p:txBody>
+          <a:bodyPr/>
+          <a:lstStyle/>
+          <a:p>
+            <a:r>
+              <a:rPr lang="en-US" cap="all" dirty="0"/>
+              <a:t>DATABASE THROUGHPUT UNITS</a:t>
+            </a:r>
+            <a:endParaRPr lang="ru-RU" dirty="0"/>
+          </a:p>
+        </p:txBody>
+      </p:sp>
+    </p:spTree>
+    <p:extLst>
+      <p:ext uri="{BB962C8B-B14F-4D97-AF65-F5344CB8AC3E}">
+        <p14:creationId xmlns:p14="http://schemas.microsoft.com/office/powerpoint/2010/main" val="3065126308"/>
+      </p:ext>
+    </p:extLst>
+  </p:cSld>
+  <p:clrMapOvr>
+    <a:masterClrMapping/>
+  </p:clrMapOvr>
+</p:sld>
+</file>
+
+<file path=ppt/slides/slide22.xml><?xml version="1.0" encoding="utf-8"?>
+<p:sld xmlns:a="http://schemas.openxmlformats.org/drawingml/2006/main" xmlns:r="http://schemas.openxmlformats.org/officeDocument/2006/relationships" xmlns:p="http://schemas.openxmlformats.org/presentationml/2006/main">
+  <p:cSld>
+    <p:spTree>
+      <p:nvGrpSpPr>
+        <p:cNvPr id="1" name=""/>
+        <p:cNvGrpSpPr/>
+        <p:nvPr/>
+      </p:nvGrpSpPr>
+      <p:grpSpPr>
+        <a:xfrm>
+          <a:off x="0" y="0"/>
+          <a:ext cx="0" cy="0"/>
+          <a:chOff x="0" y="0"/>
+          <a:chExt cx="0" cy="0"/>
+        </a:xfrm>
+      </p:grpSpPr>
+      <p:sp>
+        <p:nvSpPr>
+          <p:cNvPr id="2" name="Title 1"/>
+          <p:cNvSpPr>
+            <a:spLocks noGrp="1"/>
+          </p:cNvSpPr>
+          <p:nvPr>
+            <p:ph type="title"/>
+          </p:nvPr>
+        </p:nvSpPr>
+        <p:spPr/>
+        <p:txBody>
+          <a:bodyPr/>
+          <a:lstStyle/>
+          <a:p>
+            <a:r>
+              <a:rPr lang="en-US" dirty="0" smtClean="0"/>
+              <a:t>Databases Tiers</a:t>
+            </a:r>
+            <a:endParaRPr lang="ru-RU" dirty="0"/>
+          </a:p>
+        </p:txBody>
+      </p:sp>
+      <p:pic>
+        <p:nvPicPr>
+          <p:cNvPr id="1026" name="Picture 2" descr="Service Tier feature comparison"/>
+          <p:cNvPicPr>
+            <a:picLocks noChangeAspect="1" noChangeArrowheads="1"/>
+          </p:cNvPicPr>
+          <p:nvPr/>
+        </p:nvPicPr>
+        <p:blipFill>
+          <a:blip r:embed="rId3">
+            <a:extLst>
+              <a:ext uri="{28A0092B-C50C-407E-A947-70E740481C1C}">
+                <a14:useLocalDpi xmlns:a14="http://schemas.microsoft.com/office/drawing/2010/main" val="0"/>
+              </a:ext>
+            </a:extLst>
+          </a:blip>
+          <a:srcRect/>
+          <a:stretch>
+            <a:fillRect/>
+          </a:stretch>
+        </p:blipFill>
+        <p:spPr bwMode="auto">
+          <a:xfrm>
+            <a:off x="1919536" y="1556792"/>
+            <a:ext cx="9906555" cy="4320480"/>
+          </a:xfrm>
+          <a:prstGeom prst="rect">
+            <a:avLst/>
+          </a:prstGeom>
+          <a:noFill/>
+          <a:extLst>
+            <a:ext uri="{909E8E84-426E-40DD-AFC4-6F175D3DCCD1}">
+              <a14:hiddenFill xmlns:a14="http://schemas.microsoft.com/office/drawing/2010/main">
+                <a:solidFill>
+                  <a:srgbClr val="FFFFFF"/>
+                </a:solidFill>
+              </a14:hiddenFill>
+            </a:ext>
+          </a:extLst>
+        </p:spPr>
+      </p:pic>
+    </p:spTree>
+    <p:extLst>
+      <p:ext uri="{BB962C8B-B14F-4D97-AF65-F5344CB8AC3E}">
+        <p14:creationId xmlns:p14="http://schemas.microsoft.com/office/powerpoint/2010/main" val="2708518127"/>
+      </p:ext>
+    </p:extLst>
+  </p:cSld>
+  <p:clrMapOvr>
+    <a:masterClrMapping/>
+  </p:clrMapOvr>
+  <p:timing>
+    <p:tnLst>
+      <p:par>
+        <p:cTn id="1" dur="indefinite" restart="never" nodeType="tmRoot"/>
+      </p:par>
+    </p:tnLst>
+  </p:timing>
+</p:sld>
+</file>
+
+<file path=ppt/slides/slide23.xml><?xml version="1.0" encoding="utf-8"?>
+<p:sld xmlns:a="http://schemas.openxmlformats.org/drawingml/2006/main" xmlns:r="http://schemas.openxmlformats.org/officeDocument/2006/relationships" xmlns:p="http://schemas.openxmlformats.org/presentationml/2006/main">
+  <p:cSld>
+    <p:spTree>
+      <p:nvGrpSpPr>
+        <p:cNvPr id="1" name=""/>
+        <p:cNvGrpSpPr/>
+        <p:nvPr/>
+      </p:nvGrpSpPr>
+      <p:grpSpPr>
+        <a:xfrm>
+          <a:off x="0" y="0"/>
+          <a:ext cx="0" cy="0"/>
+          <a:chOff x="0" y="0"/>
+          <a:chExt cx="0" cy="0"/>
+        </a:xfrm>
+      </p:grpSpPr>
+      <p:sp>
+        <p:nvSpPr>
+          <p:cNvPr id="4" name="Title 3"/>
+          <p:cNvSpPr>
+            <a:spLocks noGrp="1"/>
+          </p:cNvSpPr>
+          <p:nvPr>
+            <p:ph type="title"/>
+          </p:nvPr>
+        </p:nvSpPr>
+        <p:spPr/>
+        <p:txBody>
+          <a:bodyPr/>
+          <a:lstStyle/>
+          <a:p>
+            <a:r>
+              <a:rPr lang="en-US" dirty="0" smtClean="0"/>
+              <a:t>Storage</a:t>
+            </a:r>
+            <a:endParaRPr lang="ru-RU" dirty="0"/>
+          </a:p>
+        </p:txBody>
+      </p:sp>
+      <p:sp>
+        <p:nvSpPr>
+          <p:cNvPr id="5" name="Text Placeholder 4"/>
+          <p:cNvSpPr>
+            <a:spLocks noGrp="1"/>
+          </p:cNvSpPr>
+          <p:nvPr>
+            <p:ph type="body" idx="1"/>
+          </p:nvPr>
+        </p:nvSpPr>
+        <p:spPr/>
+        <p:txBody>
+          <a:bodyPr/>
+          <a:lstStyle/>
+          <a:p>
+            <a:endParaRPr lang="ru-RU"/>
+          </a:p>
+        </p:txBody>
+      </p:sp>
+    </p:spTree>
+    <p:extLst>
+      <p:ext uri="{BB962C8B-B14F-4D97-AF65-F5344CB8AC3E}">
+        <p14:creationId xmlns:p14="http://schemas.microsoft.com/office/powerpoint/2010/main" val="116500021"/>
+      </p:ext>
+    </p:extLst>
+  </p:cSld>
+  <p:clrMapOvr>
+    <a:masterClrMapping/>
+  </p:clrMapOvr>
+</p:sld>
+</file>
+
+<file path=ppt/slides/slide24.xml><?xml version="1.0" encoding="utf-8"?>
+<p:sld xmlns:a="http://schemas.openxmlformats.org/drawingml/2006/main" xmlns:r="http://schemas.openxmlformats.org/officeDocument/2006/relationships" xmlns:p="http://schemas.openxmlformats.org/presentationml/2006/main">
+  <p:cSld>
+    <p:spTree>
+      <p:nvGrpSpPr>
+        <p:cNvPr id="1" name=""/>
+        <p:cNvGrpSpPr/>
+        <p:nvPr/>
+      </p:nvGrpSpPr>
+      <p:grpSpPr>
+        <a:xfrm>
+          <a:off x="0" y="0"/>
+          <a:ext cx="0" cy="0"/>
+          <a:chOff x="0" y="0"/>
+          <a:chExt cx="0" cy="0"/>
+        </a:xfrm>
+      </p:grpSpPr>
+      <p:sp>
+        <p:nvSpPr>
+          <p:cNvPr id="2" name="Title 1"/>
+          <p:cNvSpPr>
+            <a:spLocks noGrp="1"/>
+          </p:cNvSpPr>
+          <p:nvPr>
+            <p:ph type="title"/>
+          </p:nvPr>
+        </p:nvSpPr>
+        <p:spPr/>
+        <p:txBody>
+          <a:bodyPr/>
+          <a:lstStyle/>
+          <a:p>
+            <a:endParaRPr lang="ru-RU"/>
+          </a:p>
+        </p:txBody>
+      </p:sp>
+      <p:sp>
+        <p:nvSpPr>
+          <p:cNvPr id="3" name="Content Placeholder 2"/>
+          <p:cNvSpPr>
+            <a:spLocks noGrp="1"/>
+          </p:cNvSpPr>
+          <p:nvPr>
+            <p:ph idx="1"/>
+          </p:nvPr>
+        </p:nvSpPr>
+        <p:spPr/>
+        <p:txBody>
+          <a:bodyPr/>
+          <a:lstStyle/>
+          <a:p>
+            <a:endParaRPr lang="ru-RU"/>
+          </a:p>
+        </p:txBody>
+      </p:sp>
+    </p:spTree>
+    <p:extLst>
+      <p:ext uri="{BB962C8B-B14F-4D97-AF65-F5344CB8AC3E}">
+        <p14:creationId xmlns:p14="http://schemas.microsoft.com/office/powerpoint/2010/main" val="107754598"/>
+      </p:ext>
+    </p:extLst>
+  </p:cSld>
+  <p:clrMapOvr>
+    <a:masterClrMapping/>
+  </p:clrMapOvr>
+</p:sld>
+</file>
+
+<file path=ppt/slides/slide25.xml><?xml version="1.0" encoding="utf-8"?>
 <p:sld xmlns:a="http://schemas.openxmlformats.org/drawingml/2006/main" xmlns:r="http://schemas.openxmlformats.org/officeDocument/2006/relationships" xmlns:p="http://schemas.openxmlformats.org/presentationml/2006/main">
   <p:cSld>
     <p:spTree>
@@ -32861,17 +34428,7 @@
                   </a:schemeClr>
                 </a:solidFill>
               </a:rPr>
-              <a:t>Take </a:t>
-            </a:r>
-            <a:r>
-              <a:rPr lang="en-US" sz="3200" dirty="0">
-                <a:solidFill>
-                  <a:schemeClr val="accent2">
-                    <a:alpha val="99000"/>
-                  </a:schemeClr>
-                </a:solidFill>
-              </a:rPr>
-              <a:t>Advantage </a:t>
+              <a:t>Take Advantage </a:t>
             </a:r>
             <a:r>
               <a:rPr lang="en-US" sz="3200" b="1" dirty="0">
@@ -32901,17 +34458,7 @@
                   </a:schemeClr>
                 </a:solidFill>
               </a:rPr>
-              <a:t> </a:t>
-            </a:r>
-            <a:r>
-              <a:rPr lang="en-US" sz="3200" dirty="0">
-                <a:solidFill>
-                  <a:schemeClr val="accent2">
-                    <a:alpha val="99000"/>
-                  </a:schemeClr>
-                </a:solidFill>
-              </a:rPr>
-              <a:t>Where You Can</a:t>
+              <a:t> Where You Can</a:t>
             </a:r>
           </a:p>
           <a:p>
@@ -33456,7 +35003,7 @@
 </p:sld>
 </file>
 
-<file path=ppt/slides/slide19.xml><?xml version="1.0" encoding="utf-8"?>
+<file path=ppt/slides/slide26.xml><?xml version="1.0" encoding="utf-8"?>
 <p:sld xmlns:a="http://schemas.openxmlformats.org/drawingml/2006/main" xmlns:r="http://schemas.openxmlformats.org/officeDocument/2006/relationships" xmlns:p="http://schemas.openxmlformats.org/presentationml/2006/main">
   <p:cSld>
     <p:spTree>
@@ -33534,130 +35081,6 @@
 </p:sld>
 </file>
 
-<file path=ppt/slides/slide2.xml><?xml version="1.0" encoding="utf-8"?>
-<p:sld xmlns:a="http://schemas.openxmlformats.org/drawingml/2006/main" xmlns:r="http://schemas.openxmlformats.org/officeDocument/2006/relationships" xmlns:p="http://schemas.openxmlformats.org/presentationml/2006/main">
-  <p:cSld>
-    <p:spTree>
-      <p:nvGrpSpPr>
-        <p:cNvPr id="1" name=""/>
-        <p:cNvGrpSpPr/>
-        <p:nvPr/>
-      </p:nvGrpSpPr>
-      <p:grpSpPr>
-        <a:xfrm>
-          <a:off x="0" y="0"/>
-          <a:ext cx="0" cy="0"/>
-          <a:chOff x="0" y="0"/>
-          <a:chExt cx="0" cy="0"/>
-        </a:xfrm>
-      </p:grpSpPr>
-      <p:sp>
-        <p:nvSpPr>
-          <p:cNvPr id="4" name="Title 3"/>
-          <p:cNvSpPr>
-            <a:spLocks noGrp="1"/>
-          </p:cNvSpPr>
-          <p:nvPr>
-            <p:ph type="title"/>
-          </p:nvPr>
-        </p:nvSpPr>
-        <p:spPr/>
-        <p:txBody>
-          <a:bodyPr/>
-          <a:lstStyle/>
-          <a:p>
-            <a:r>
-              <a:rPr lang="en-US" dirty="0" smtClean="0"/>
-              <a:t>What is Microsoft Azure</a:t>
-            </a:r>
-            <a:r>
-              <a:rPr lang="ru-RU" dirty="0" smtClean="0"/>
-              <a:t>?</a:t>
-            </a:r>
-            <a:endParaRPr lang="ru-RU" dirty="0"/>
-          </a:p>
-        </p:txBody>
-      </p:sp>
-      <p:sp>
-        <p:nvSpPr>
-          <p:cNvPr id="5" name="Text Placeholder 4"/>
-          <p:cNvSpPr>
-            <a:spLocks noGrp="1"/>
-          </p:cNvSpPr>
-          <p:nvPr>
-            <p:ph type="body" idx="1"/>
-          </p:nvPr>
-        </p:nvSpPr>
-        <p:spPr/>
-        <p:txBody>
-          <a:bodyPr/>
-          <a:lstStyle/>
-          <a:p>
-            <a:endParaRPr lang="ru-RU"/>
-          </a:p>
-        </p:txBody>
-      </p:sp>
-      <p:pic>
-        <p:nvPicPr>
-          <p:cNvPr id="4098" name="Picture 2" descr="http://findicons.com/files/icons/1049/2s_space_emotions_v2/256/question.png"/>
-          <p:cNvPicPr>
-            <a:picLocks noChangeAspect="1" noChangeArrowheads="1"/>
-          </p:cNvPicPr>
-          <p:nvPr/>
-        </p:nvPicPr>
-        <p:blipFill>
-          <a:blip r:embed="rId2">
-            <a:extLst>
-              <a:ext uri="{28A0092B-C50C-407E-A947-70E740481C1C}">
-                <a14:useLocalDpi xmlns:a14="http://schemas.microsoft.com/office/drawing/2010/main" val="0"/>
-              </a:ext>
-            </a:extLst>
-          </a:blip>
-          <a:srcRect/>
-          <a:stretch>
-            <a:fillRect/>
-          </a:stretch>
-        </p:blipFill>
-        <p:spPr bwMode="auto">
-          <a:xfrm>
-            <a:off x="5375920" y="1556792"/>
-            <a:ext cx="2438400" cy="2438400"/>
-          </a:xfrm>
-          <a:prstGeom prst="rect">
-            <a:avLst/>
-          </a:prstGeom>
-          <a:noFill/>
-          <a:extLst>
-            <a:ext uri="{909E8E84-426E-40DD-AFC4-6F175D3DCCD1}">
-              <a14:hiddenFill xmlns:a14="http://schemas.microsoft.com/office/drawing/2010/main">
-                <a:solidFill>
-                  <a:srgbClr val="FFFFFF"/>
-                </a:solidFill>
-              </a14:hiddenFill>
-            </a:ext>
-          </a:extLst>
-        </p:spPr>
-      </p:pic>
-    </p:spTree>
-    <p:extLst>
-      <p:ext uri="{BB962C8B-B14F-4D97-AF65-F5344CB8AC3E}">
-        <p14:creationId xmlns:p14="http://schemas.microsoft.com/office/powerpoint/2010/main" val="3859605535"/>
-      </p:ext>
-    </p:extLst>
-  </p:cSld>
-  <p:clrMapOvr>
-    <a:masterClrMapping/>
-  </p:clrMapOvr>
-  <p:timing>
-    <p:tnLst>
-      <p:par>
-        <p:cTn id="1" dur="indefinite" restart="never" nodeType="tmRoot"/>
-      </p:par>
-    </p:tnLst>
-  </p:timing>
-</p:sld>
-</file>
-
 <file path=ppt/slides/slide3.xml><?xml version="1.0" encoding="utf-8"?>
 <p:sld xmlns:a="http://schemas.openxmlformats.org/drawingml/2006/main" xmlns:r="http://schemas.openxmlformats.org/officeDocument/2006/relationships" xmlns:p="http://schemas.openxmlformats.org/presentationml/2006/main">
   <p:cSld>
@@ -33698,84 +35121,213 @@
           </a:p>
         </p:txBody>
       </p:sp>
-      <p:sp>
-        <p:nvSpPr>
-          <p:cNvPr id="7" name="Content Placeholder 6"/>
-          <p:cNvSpPr>
-            <a:spLocks noGrp="1"/>
-          </p:cNvSpPr>
-          <p:nvPr>
-            <p:ph idx="1"/>
-          </p:nvPr>
-        </p:nvSpPr>
-        <p:spPr/>
-        <p:txBody>
-          <a:bodyPr/>
-          <a:lstStyle/>
-          <a:p>
-            <a:pPr>
-              <a:buFont typeface="Wingdings" panose="05000000000000000000" pitchFamily="2" charset="2"/>
-              <a:buChar char="Ø"/>
-            </a:pPr>
-            <a:r>
-              <a:rPr lang="en-US" dirty="0" smtClean="0"/>
-              <a:t>“Azure </a:t>
-            </a:r>
-            <a:r>
-              <a:rPr lang="en-US" dirty="0"/>
-              <a:t>is Microsoft’s cloud computing platform, a growing collection of integrated </a:t>
-            </a:r>
-            <a:r>
-              <a:rPr lang="en-US" dirty="0" smtClean="0"/>
-              <a:t>services - analytics</a:t>
-            </a:r>
-            <a:r>
-              <a:rPr lang="en-US" dirty="0"/>
-              <a:t>, computing, database, mobile, networking, storage, and </a:t>
-            </a:r>
-            <a:r>
-              <a:rPr lang="en-US" dirty="0" smtClean="0"/>
-              <a:t>web - for </a:t>
-            </a:r>
-            <a:r>
-              <a:rPr lang="en-US" dirty="0"/>
-              <a:t>moving faster, achieving more, and saving money</a:t>
-            </a:r>
-            <a:r>
-              <a:rPr lang="en-US" dirty="0" smtClean="0"/>
-              <a:t>.”</a:t>
-            </a:r>
-          </a:p>
-          <a:p>
-            <a:pPr marL="0" indent="0">
-              <a:buNone/>
-            </a:pPr>
-            <a:r>
-              <a:rPr lang="en-US" dirty="0" smtClean="0">
-                <a:hlinkClick r:id="rId3"/>
-              </a:rPr>
-              <a:t>http</a:t>
-            </a:r>
-            <a:r>
-              <a:rPr lang="en-US" dirty="0">
-                <a:hlinkClick r:id="rId3"/>
-              </a:rPr>
-              <a:t>://azure.microsoft.com</a:t>
-            </a:r>
-            <a:r>
-              <a:rPr lang="en-US" dirty="0" smtClean="0">
-                <a:hlinkClick r:id="rId3"/>
-              </a:rPr>
-              <a:t>/</a:t>
-            </a:r>
-            <a:r>
-              <a:rPr lang="en-US" dirty="0" smtClean="0"/>
-              <a:t> </a:t>
-            </a:r>
-            <a:endParaRPr lang="ru-RU" dirty="0"/>
-          </a:p>
-        </p:txBody>
-      </p:sp>
+      <p:grpSp>
+        <p:nvGrpSpPr>
+          <p:cNvPr id="8" name="Group 7"/>
+          <p:cNvGrpSpPr/>
+          <p:nvPr/>
+        </p:nvGrpSpPr>
+        <p:grpSpPr>
+          <a:xfrm>
+            <a:off x="1780308" y="1675363"/>
+            <a:ext cx="10082073" cy="2113677"/>
+            <a:chOff x="1780308" y="4012489"/>
+            <a:chExt cx="10082073" cy="2113677"/>
+          </a:xfrm>
+        </p:grpSpPr>
+        <p:sp>
+          <p:nvSpPr>
+            <p:cNvPr id="5" name="Rounded Rectangle 4"/>
+            <p:cNvSpPr/>
+            <p:nvPr/>
+          </p:nvSpPr>
+          <p:spPr>
+            <a:xfrm>
+              <a:off x="1780308" y="4012489"/>
+              <a:ext cx="10009112" cy="2113677"/>
+            </a:xfrm>
+            <a:prstGeom prst="roundRect">
+              <a:avLst/>
+            </a:prstGeom>
+            <a:solidFill>
+              <a:schemeClr val="bg1">
+                <a:lumMod val="95000"/>
+              </a:schemeClr>
+            </a:solidFill>
+            <a:ln>
+              <a:solidFill>
+                <a:srgbClr val="00B0F0"/>
+              </a:solidFill>
+            </a:ln>
+          </p:spPr>
+          <p:style>
+            <a:lnRef idx="2">
+              <a:schemeClr val="accent1">
+                <a:shade val="50000"/>
+              </a:schemeClr>
+            </a:lnRef>
+            <a:fillRef idx="1">
+              <a:schemeClr val="accent1"/>
+            </a:fillRef>
+            <a:effectRef idx="0">
+              <a:schemeClr val="accent1"/>
+            </a:effectRef>
+            <a:fontRef idx="minor">
+              <a:schemeClr val="lt1"/>
+            </a:fontRef>
+          </p:style>
+          <p:txBody>
+            <a:bodyPr rtlCol="0" anchor="ctr"/>
+            <a:lstStyle/>
+            <a:p>
+              <a:pPr algn="ctr"/>
+              <a:endParaRPr lang="ru-RU"/>
+            </a:p>
+          </p:txBody>
+        </p:sp>
+        <p:sp>
+          <p:nvSpPr>
+            <p:cNvPr id="6" name="Rectangle 5"/>
+            <p:cNvSpPr/>
+            <p:nvPr/>
+          </p:nvSpPr>
+          <p:spPr>
+            <a:xfrm>
+              <a:off x="2133601" y="4284497"/>
+              <a:ext cx="9728780" cy="1569660"/>
+            </a:xfrm>
+            <a:prstGeom prst="rect">
+              <a:avLst/>
+            </a:prstGeom>
+          </p:spPr>
+          <p:txBody>
+            <a:bodyPr wrap="square">
+              <a:spAutoFit/>
+            </a:bodyPr>
+            <a:lstStyle/>
+            <a:p>
+              <a:r>
+                <a:rPr lang="en-US" sz="2400" dirty="0" smtClean="0"/>
+                <a:t>	</a:t>
+              </a:r>
+              <a:r>
+                <a:rPr lang="en-US" sz="2400" dirty="0"/>
+                <a:t>“Azure is Microsoft’s cloud computing platform, a growing collection of integrated services - analytics, computing, database, mobile, networking, storage, and web - for moving faster, achieving more, and saving money.”</a:t>
+              </a:r>
+            </a:p>
+          </p:txBody>
+        </p:sp>
+      </p:grpSp>
+      <p:grpSp>
+        <p:nvGrpSpPr>
+          <p:cNvPr id="12" name="Group 11"/>
+          <p:cNvGrpSpPr/>
+          <p:nvPr/>
+        </p:nvGrpSpPr>
+        <p:grpSpPr>
+          <a:xfrm>
+            <a:off x="4583832" y="4365104"/>
+            <a:ext cx="4652348" cy="617612"/>
+            <a:chOff x="4583832" y="4365104"/>
+            <a:chExt cx="4652348" cy="617612"/>
+          </a:xfrm>
+        </p:grpSpPr>
+        <p:sp>
+          <p:nvSpPr>
+            <p:cNvPr id="10" name="Rounded Rectangle 9"/>
+            <p:cNvSpPr/>
+            <p:nvPr/>
+          </p:nvSpPr>
+          <p:spPr>
+            <a:xfrm>
+              <a:off x="4583832" y="4365104"/>
+              <a:ext cx="4652348" cy="617612"/>
+            </a:xfrm>
+            <a:prstGeom prst="roundRect">
+              <a:avLst/>
+            </a:prstGeom>
+            <a:solidFill>
+              <a:schemeClr val="bg1">
+                <a:lumMod val="95000"/>
+              </a:schemeClr>
+            </a:solidFill>
+            <a:ln>
+              <a:solidFill>
+                <a:srgbClr val="92D050"/>
+              </a:solidFill>
+            </a:ln>
+          </p:spPr>
+          <p:style>
+            <a:lnRef idx="2">
+              <a:schemeClr val="accent1">
+                <a:shade val="50000"/>
+              </a:schemeClr>
+            </a:lnRef>
+            <a:fillRef idx="1">
+              <a:schemeClr val="accent1"/>
+            </a:fillRef>
+            <a:effectRef idx="0">
+              <a:schemeClr val="accent1"/>
+            </a:effectRef>
+            <a:fontRef idx="minor">
+              <a:schemeClr val="lt1"/>
+            </a:fontRef>
+          </p:style>
+          <p:txBody>
+            <a:bodyPr rtlCol="0" anchor="ctr"/>
+            <a:lstStyle/>
+            <a:p>
+              <a:pPr algn="ctr"/>
+              <a:endParaRPr lang="ru-RU"/>
+            </a:p>
+          </p:txBody>
+        </p:sp>
+        <p:sp>
+          <p:nvSpPr>
+            <p:cNvPr id="11" name="Rectangle 10"/>
+            <p:cNvSpPr/>
+            <p:nvPr/>
+          </p:nvSpPr>
+          <p:spPr>
+            <a:xfrm>
+              <a:off x="4748047" y="4444583"/>
+              <a:ext cx="4372289" cy="466123"/>
+            </a:xfrm>
+            <a:prstGeom prst="rect">
+              <a:avLst/>
+            </a:prstGeom>
+            <a:ln>
+              <a:noFill/>
+            </a:ln>
+          </p:spPr>
+          <p:txBody>
+            <a:bodyPr wrap="square">
+              <a:spAutoFit/>
+            </a:bodyPr>
+            <a:lstStyle/>
+            <a:p>
+              <a:pPr algn="ctr"/>
+              <a:r>
+                <a:rPr lang="en-US" sz="2400" dirty="0" smtClean="0">
+                  <a:hlinkClick r:id="rId3"/>
+                </a:rPr>
+                <a:t>http</a:t>
+              </a:r>
+              <a:r>
+                <a:rPr lang="en-US" sz="2400" dirty="0">
+                  <a:hlinkClick r:id="rId3"/>
+                </a:rPr>
+                <a:t>://azure.microsoft.com/</a:t>
+              </a:r>
+              <a:r>
+                <a:rPr lang="en-US" sz="2400" dirty="0"/>
+                <a:t> </a:t>
+              </a:r>
+              <a:endParaRPr lang="ru-RU" sz="2400" dirty="0"/>
+            </a:p>
+          </p:txBody>
+        </p:sp>
+      </p:grpSp>
     </p:spTree>
     <p:extLst>
       <p:ext uri="{BB962C8B-B14F-4D97-AF65-F5344CB8AC3E}">
@@ -33789,7 +35341,130 @@
   <p:timing>
     <p:tnLst>
       <p:par>
-        <p:cTn id="1" dur="indefinite" restart="never" nodeType="tmRoot"/>
+        <p:cTn id="1" dur="indefinite" restart="never" nodeType="tmRoot">
+          <p:childTnLst>
+            <p:seq concurrent="1" nextAc="seek">
+              <p:cTn id="2" dur="indefinite" nodeType="mainSeq">
+                <p:childTnLst>
+                  <p:par>
+                    <p:cTn id="3" fill="hold">
+                      <p:stCondLst>
+                        <p:cond delay="indefinite"/>
+                        <p:cond evt="onBegin" delay="0">
+                          <p:tn val="2"/>
+                        </p:cond>
+                      </p:stCondLst>
+                      <p:childTnLst>
+                        <p:par>
+                          <p:cTn id="4" fill="hold">
+                            <p:stCondLst>
+                              <p:cond delay="0"/>
+                            </p:stCondLst>
+                            <p:childTnLst>
+                              <p:par>
+                                <p:cTn id="5" presetID="22" presetClass="entr" presetSubtype="1" fill="hold" nodeType="afterEffect">
+                                  <p:stCondLst>
+                                    <p:cond delay="0"/>
+                                  </p:stCondLst>
+                                  <p:childTnLst>
+                                    <p:set>
+                                      <p:cBhvr>
+                                        <p:cTn id="6" dur="1" fill="hold">
+                                          <p:stCondLst>
+                                            <p:cond delay="0"/>
+                                          </p:stCondLst>
+                                        </p:cTn>
+                                        <p:tgtEl>
+                                          <p:spTgt spid="8"/>
+                                        </p:tgtEl>
+                                        <p:attrNameLst>
+                                          <p:attrName>style.visibility</p:attrName>
+                                        </p:attrNameLst>
+                                      </p:cBhvr>
+                                      <p:to>
+                                        <p:strVal val="visible"/>
+                                      </p:to>
+                                    </p:set>
+                                    <p:animEffect transition="in" filter="wipe(up)">
+                                      <p:cBhvr>
+                                        <p:cTn id="7" dur="1000"/>
+                                        <p:tgtEl>
+                                          <p:spTgt spid="8"/>
+                                        </p:tgtEl>
+                                      </p:cBhvr>
+                                    </p:animEffect>
+                                  </p:childTnLst>
+                                </p:cTn>
+                              </p:par>
+                            </p:childTnLst>
+                          </p:cTn>
+                        </p:par>
+                        <p:par>
+                          <p:cTn id="8" fill="hold">
+                            <p:stCondLst>
+                              <p:cond delay="1000"/>
+                            </p:stCondLst>
+                            <p:childTnLst>
+                              <p:par>
+                                <p:cTn id="9" presetID="22" presetClass="entr" presetSubtype="1" fill="hold" nodeType="afterEffect">
+                                  <p:stCondLst>
+                                    <p:cond delay="0"/>
+                                  </p:stCondLst>
+                                  <p:childTnLst>
+                                    <p:set>
+                                      <p:cBhvr>
+                                        <p:cTn id="10" dur="1" fill="hold">
+                                          <p:stCondLst>
+                                            <p:cond delay="0"/>
+                                          </p:stCondLst>
+                                        </p:cTn>
+                                        <p:tgtEl>
+                                          <p:spTgt spid="12"/>
+                                        </p:tgtEl>
+                                        <p:attrNameLst>
+                                          <p:attrName>style.visibility</p:attrName>
+                                        </p:attrNameLst>
+                                      </p:cBhvr>
+                                      <p:to>
+                                        <p:strVal val="visible"/>
+                                      </p:to>
+                                    </p:set>
+                                    <p:animEffect transition="in" filter="wipe(up)">
+                                      <p:cBhvr>
+                                        <p:cTn id="11" dur="500"/>
+                                        <p:tgtEl>
+                                          <p:spTgt spid="12"/>
+                                        </p:tgtEl>
+                                      </p:cBhvr>
+                                    </p:animEffect>
+                                  </p:childTnLst>
+                                </p:cTn>
+                              </p:par>
+                            </p:childTnLst>
+                          </p:cTn>
+                        </p:par>
+                      </p:childTnLst>
+                    </p:cTn>
+                  </p:par>
+                </p:childTnLst>
+              </p:cTn>
+              <p:prevCondLst>
+                <p:cond evt="onPrev" delay="0">
+                  <p:tgtEl>
+                    <p:sldTgt/>
+                  </p:tgtEl>
+                </p:cond>
+              </p:prevCondLst>
+              <p:nextCondLst>
+                <p:cond evt="onNext" delay="0">
+                  <p:tgtEl>
+                    <p:sldTgt/>
+                  </p:tgtEl>
+                </p:cond>
+              </p:nextCondLst>
+            </p:seq>
+          </p:childTnLst>
+        </p:cTn>
       </p:par>
     </p:tnLst>
   </p:timing>
@@ -33890,7 +35565,86 @@
   <p:timing>
     <p:tnLst>
       <p:par>
-        <p:cTn id="1" dur="indefinite" restart="never" nodeType="tmRoot"/>
+        <p:cTn id="1" dur="indefinite" restart="never" nodeType="tmRoot">
+          <p:childTnLst>
+            <p:seq concurrent="1" nextAc="seek">
+              <p:cTn id="2" dur="indefinite" nodeType="mainSeq">
+                <p:childTnLst>
+                  <p:par>
+                    <p:cTn id="3" fill="hold">
+                      <p:stCondLst>
+                        <p:cond delay="indefinite"/>
+                        <p:cond evt="onBegin" delay="0">
+                          <p:tn val="2"/>
+                        </p:cond>
+                      </p:stCondLst>
+                      <p:childTnLst>
+                        <p:par>
+                          <p:cTn id="4" fill="hold">
+                            <p:stCondLst>
+                              <p:cond delay="0"/>
+                            </p:stCondLst>
+                            <p:childTnLst>
+                              <p:par>
+                                <p:cTn id="5" presetID="14" presetClass="entr" presetSubtype="10" fill="hold" nodeType="afterEffect">
+                                  <p:stCondLst>
+                                    <p:cond delay="0"/>
+                                  </p:stCondLst>
+                                  <p:childTnLst>
+                                    <p:set>
+                                      <p:cBhvr>
+                                        <p:cTn id="6" dur="1" fill="hold">
+                                          <p:stCondLst>
+                                            <p:cond delay="0"/>
+                                          </p:stCondLst>
+                                        </p:cTn>
+                                        <p:tgtEl>
+                                          <p:spTgt spid="8198"/>
+                                        </p:tgtEl>
+                                        <p:attrNameLst>
+                                          <p:attrName>style.visibility</p:attrName>
+                                        </p:attrNameLst>
+                                      </p:cBhvr>
+                                      <p:to>
+                                        <p:strVal val="visible"/>
+                                      </p:to>
+                                    </p:set>
+                                    <p:animEffect transition="in" filter="randombar(horizontal)">
+                                      <p:cBhvr>
+                                        <p:cTn id="7" dur="500"/>
+                                        <p:tgtEl>
+                                          <p:spTgt spid="8198"/>
+                                        </p:tgtEl>
+                                      </p:cBhvr>
+                                    </p:animEffect>
+                                  </p:childTnLst>
+                                </p:cTn>
+                              </p:par>
+                            </p:childTnLst>
+                          </p:cTn>
+                        </p:par>
+                      </p:childTnLst>
+                    </p:cTn>
+                  </p:par>
+                </p:childTnLst>
+              </p:cTn>
+              <p:prevCondLst>
+                <p:cond evt="onPrev" delay="0">
+                  <p:tgtEl>
+                    <p:sldTgt/>
+                  </p:tgtEl>
+                </p:cond>
+              </p:prevCondLst>
+              <p:nextCondLst>
+                <p:cond evt="onNext" delay="0">
+                  <p:tgtEl>
+                    <p:sldTgt/>
+                  </p:tgtEl>
+                </p:cond>
+              </p:nextCondLst>
+            </p:seq>
+          </p:childTnLst>
+        </p:cTn>
       </p:par>
     </p:tnLst>
   </p:timing>
@@ -33974,7 +35728,86 @@
   <p:timing>
     <p:tnLst>
       <p:par>
-        <p:cTn id="1" dur="indefinite" restart="never" nodeType="tmRoot"/>
+        <p:cTn id="1" dur="indefinite" restart="never" nodeType="tmRoot">
+          <p:childTnLst>
+            <p:seq concurrent="1" nextAc="seek">
+              <p:cTn id="2" dur="indefinite" nodeType="mainSeq">
+                <p:childTnLst>
+                  <p:par>
+                    <p:cTn id="3" fill="hold">
+                      <p:stCondLst>
+                        <p:cond delay="indefinite"/>
+                        <p:cond evt="onBegin" delay="0">
+                          <p:tn val="2"/>
+                        </p:cond>
+                      </p:stCondLst>
+                      <p:childTnLst>
+                        <p:par>
+                          <p:cTn id="4" fill="hold">
+                            <p:stCondLst>
+                              <p:cond delay="0"/>
+                            </p:stCondLst>
+                            <p:childTnLst>
+                              <p:par>
+                                <p:cTn id="5" presetID="14" presetClass="entr" presetSubtype="10" fill="hold" nodeType="afterEffect">
+                                  <p:stCondLst>
+                                    <p:cond delay="0"/>
+                                  </p:stCondLst>
+                                  <p:childTnLst>
+                                    <p:set>
+                                      <p:cBhvr>
+                                        <p:cTn id="6" dur="1" fill="hold">
+                                          <p:stCondLst>
+                                            <p:cond delay="0"/>
+                                          </p:stCondLst>
+                                        </p:cTn>
+                                        <p:tgtEl>
+                                          <p:spTgt spid="2"/>
+                                        </p:tgtEl>
+                                        <p:attrNameLst>
+                                          <p:attrName>style.visibility</p:attrName>
+                                        </p:attrNameLst>
+                                      </p:cBhvr>
+                                      <p:to>
+                                        <p:strVal val="visible"/>
+                                      </p:to>
+                                    </p:set>
+                                    <p:animEffect transition="in" filter="randombar(horizontal)">
+                                      <p:cBhvr>
+                                        <p:cTn id="7" dur="500"/>
+                                        <p:tgtEl>
+                                          <p:spTgt spid="2"/>
+                                        </p:tgtEl>
+                                      </p:cBhvr>
+                                    </p:animEffect>
+                                  </p:childTnLst>
+                                </p:cTn>
+                              </p:par>
+                            </p:childTnLst>
+                          </p:cTn>
+                        </p:par>
+                      </p:childTnLst>
+                    </p:cTn>
+                  </p:par>
+                </p:childTnLst>
+              </p:cTn>
+              <p:prevCondLst>
+                <p:cond evt="onPrev" delay="0">
+                  <p:tgtEl>
+                    <p:sldTgt/>
+                  </p:tgtEl>
+                </p:cond>
+              </p:prevCondLst>
+              <p:nextCondLst>
+                <p:cond evt="onNext" delay="0">
+                  <p:tgtEl>
+                    <p:sldTgt/>
+                  </p:tgtEl>
+                </p:cond>
+              </p:nextCondLst>
+            </p:seq>
+          </p:childTnLst>
+        </p:cTn>
       </p:par>
     </p:tnLst>
   </p:timing>
@@ -34754,8 +36587,27 @@
           <a:p>
             <a:r>
               <a:rPr lang="en-US" dirty="0" smtClean="0"/>
-              <a:t>Comparison Azure vs AWS</a:t>
+              <a:t>Payments</a:t>
             </a:r>
+            <a:endParaRPr lang="ru-RU" dirty="0"/>
+          </a:p>
+        </p:txBody>
+      </p:sp>
+      <p:sp>
+        <p:nvSpPr>
+          <p:cNvPr id="3" name="Content Placeholder 2"/>
+          <p:cNvSpPr>
+            <a:spLocks noGrp="1"/>
+          </p:cNvSpPr>
+          <p:nvPr>
+            <p:ph idx="1"/>
+          </p:nvPr>
+        </p:nvSpPr>
+        <p:spPr/>
+        <p:txBody>
+          <a:bodyPr/>
+          <a:lstStyle/>
+          <a:p>
             <a:endParaRPr lang="ru-RU" dirty="0"/>
           </a:p>
         </p:txBody>
@@ -34763,7 +36615,7 @@
     </p:spTree>
     <p:extLst>
       <p:ext uri="{BB962C8B-B14F-4D97-AF65-F5344CB8AC3E}">
-        <p14:creationId xmlns:p14="http://schemas.microsoft.com/office/powerpoint/2010/main" val="3165243506"/>
+        <p14:creationId xmlns:p14="http://schemas.microsoft.com/office/powerpoint/2010/main" val="384515943"/>
       </p:ext>
     </p:extLst>
   </p:cSld>
@@ -34814,7 +36666,7 @@
           <a:p>
             <a:r>
               <a:rPr lang="en-US" dirty="0" smtClean="0"/>
-              <a:t>Pricing</a:t>
+              <a:t>Azure Geography</a:t>
             </a:r>
             <a:endParaRPr lang="ru-RU" dirty="0"/>
           </a:p>
@@ -34835,14 +36687,63 @@
           <a:bodyPr/>
           <a:lstStyle/>
           <a:p>
+            <a:pPr>
+              <a:buFont typeface="Wingdings" panose="05000000000000000000" pitchFamily="2" charset="2"/>
+              <a:buChar char="Ø"/>
+            </a:pPr>
+            <a:r>
+              <a:rPr lang="en-US" dirty="0"/>
+              <a:t>Azure operates out of 17 regions around the world</a:t>
+            </a:r>
             <a:endParaRPr lang="ru-RU" dirty="0"/>
           </a:p>
         </p:txBody>
       </p:sp>
+      <p:pic>
+        <p:nvPicPr>
+          <p:cNvPr id="1026" name="Picture 2" descr="http://acom.azurecomcdn.net/80C57D/cdn/images/cvt-b3360b89270f951ea4a9cdeb65723fa8540e13df7115ba17d692283748741cff/page/regions/map.png?t=popn"/>
+          <p:cNvPicPr>
+            <a:picLocks noChangeAspect="1" noChangeArrowheads="1"/>
+          </p:cNvPicPr>
+          <p:nvPr/>
+        </p:nvPicPr>
+        <p:blipFill>
+          <a:blip r:embed="rId3">
+            <a:extLst>
+              <a:ext uri="{28A0092B-C50C-407E-A947-70E740481C1C}">
+                <a14:useLocalDpi xmlns:a14="http://schemas.microsoft.com/office/drawing/2010/main" val="0"/>
+              </a:ext>
+            </a:extLst>
+          </a:blip>
+          <a:srcRect/>
+          <a:stretch>
+            <a:fillRect/>
+          </a:stretch>
+        </p:blipFill>
+        <p:spPr bwMode="auto">
+          <a:xfrm>
+            <a:off x="3791744" y="2492896"/>
+            <a:ext cx="5457825" cy="3152775"/>
+          </a:xfrm>
+          <a:prstGeom prst="rect">
+            <a:avLst/>
+          </a:prstGeom>
+          <a:noFill/>
+          <a:extLst>
+            <a:ext uri="{909E8E84-426E-40DD-AFC4-6F175D3DCCD1}">
+              <a14:hiddenFill xmlns:a14="http://schemas.microsoft.com/office/drawing/2010/main">
+                <a:solidFill>
+                  <a:srgbClr val="FFFFFF"/>
+                </a:solidFill>
+              </a14:hiddenFill>
+            </a:ext>
+          </a:extLst>
+        </p:spPr>
+      </p:pic>
     </p:spTree>
     <p:extLst>
       <p:ext uri="{BB962C8B-B14F-4D97-AF65-F5344CB8AC3E}">
-        <p14:creationId xmlns:p14="http://schemas.microsoft.com/office/powerpoint/2010/main" val="384515943"/>
+        <p14:creationId xmlns:p14="http://schemas.microsoft.com/office/powerpoint/2010/main" val="3360529696"/>
       </p:ext>
     </p:extLst>
   </p:cSld>
@@ -34852,7 +36753,86 @@
   <p:timing>
     <p:tnLst>
       <p:par>
-        <p:cTn id="1" dur="indefinite" restart="never" nodeType="tmRoot"/>
+        <p:cTn id="1" dur="indefinite" restart="never" nodeType="tmRoot">
+          <p:childTnLst>
+            <p:seq concurrent="1" nextAc="seek">
+              <p:cTn id="2" dur="indefinite" nodeType="mainSeq">
+                <p:childTnLst>
+                  <p:par>
+                    <p:cTn id="3" fill="hold">
+                      <p:stCondLst>
+                        <p:cond delay="indefinite"/>
+                        <p:cond evt="onBegin" delay="0">
+                          <p:tn val="2"/>
+                        </p:cond>
+                      </p:stCondLst>
+                      <p:childTnLst>
+                        <p:par>
+                          <p:cTn id="4" fill="hold">
+                            <p:stCondLst>
+                              <p:cond delay="0"/>
+                            </p:stCondLst>
+                            <p:childTnLst>
+                              <p:par>
+                                <p:cTn id="5" presetID="10" presetClass="entr" presetSubtype="0" fill="hold" nodeType="afterEffect">
+                                  <p:stCondLst>
+                                    <p:cond delay="0"/>
+                                  </p:stCondLst>
+                                  <p:childTnLst>
+                                    <p:set>
+                                      <p:cBhvr>
+                                        <p:cTn id="6" dur="1" fill="hold">
+                                          <p:stCondLst>
+                                            <p:cond delay="0"/>
+                                          </p:stCondLst>
+                                        </p:cTn>
+                                        <p:tgtEl>
+                                          <p:spTgt spid="1026"/>
+                                        </p:tgtEl>
+                                        <p:attrNameLst>
+                                          <p:attrName>style.visibility</p:attrName>
+                                        </p:attrNameLst>
+                                      </p:cBhvr>
+                                      <p:to>
+                                        <p:strVal val="visible"/>
+                                      </p:to>
+                                    </p:set>
+                                    <p:animEffect transition="in" filter="fade">
+                                      <p:cBhvr>
+                                        <p:cTn id="7" dur="1000"/>
+                                        <p:tgtEl>
+                                          <p:spTgt spid="1026"/>
+                                        </p:tgtEl>
+                                      </p:cBhvr>
+                                    </p:animEffect>
+                                  </p:childTnLst>
+                                </p:cTn>
+                              </p:par>
+                            </p:childTnLst>
+                          </p:cTn>
+                        </p:par>
+                      </p:childTnLst>
+                    </p:cTn>
+                  </p:par>
+                </p:childTnLst>
+              </p:cTn>
+              <p:prevCondLst>
+                <p:cond evt="onPrev" delay="0">
+                  <p:tgtEl>
+                    <p:sldTgt/>
+                  </p:tgtEl>
+                </p:cond>
+              </p:prevCondLst>
+              <p:nextCondLst>
+                <p:cond evt="onNext" delay="0">
+                  <p:tgtEl>
+                    <p:sldTgt/>
+                  </p:tgtEl>
+                </p:cond>
+              </p:nextCondLst>
+            </p:seq>
+          </p:childTnLst>
+        </p:cTn>
       </p:par>
     </p:tnLst>
   </p:timing>

--- a/Presentation/2015 - Microsoft Azure.pptx
+++ b/Presentation/2015 - Microsoft Azure.pptx
@@ -5,7 +5,7 @@
     <p:sldMasterId id="2147483660" r:id="rId1"/>
   </p:sldMasterIdLst>
   <p:notesMasterIdLst>
-    <p:notesMasterId r:id="rId28"/>
+    <p:notesMasterId r:id="rId32"/>
   </p:notesMasterIdLst>
   <p:sldIdLst>
     <p:sldId id="256" r:id="rId2"/>
@@ -15,25 +15,29 @@
     <p:sldId id="361" r:id="rId6"/>
     <p:sldId id="360" r:id="rId7"/>
     <p:sldId id="362" r:id="rId8"/>
-    <p:sldId id="365" r:id="rId9"/>
-    <p:sldId id="368" r:id="rId10"/>
-    <p:sldId id="369" r:id="rId11"/>
-    <p:sldId id="370" r:id="rId12"/>
-    <p:sldId id="371" r:id="rId13"/>
-    <p:sldId id="363" r:id="rId14"/>
-    <p:sldId id="364" r:id="rId15"/>
-    <p:sldId id="366" r:id="rId16"/>
-    <p:sldId id="367" r:id="rId17"/>
-    <p:sldId id="378" r:id="rId18"/>
-    <p:sldId id="380" r:id="rId19"/>
-    <p:sldId id="379" r:id="rId20"/>
-    <p:sldId id="377" r:id="rId21"/>
-    <p:sldId id="375" r:id="rId22"/>
-    <p:sldId id="376" r:id="rId23"/>
-    <p:sldId id="382" r:id="rId24"/>
-    <p:sldId id="381" r:id="rId25"/>
-    <p:sldId id="374" r:id="rId26"/>
-    <p:sldId id="342" r:id="rId27"/>
+    <p:sldId id="383" r:id="rId9"/>
+    <p:sldId id="365" r:id="rId10"/>
+    <p:sldId id="368" r:id="rId11"/>
+    <p:sldId id="369" r:id="rId12"/>
+    <p:sldId id="370" r:id="rId13"/>
+    <p:sldId id="371" r:id="rId14"/>
+    <p:sldId id="363" r:id="rId15"/>
+    <p:sldId id="364" r:id="rId16"/>
+    <p:sldId id="366" r:id="rId17"/>
+    <p:sldId id="367" r:id="rId18"/>
+    <p:sldId id="378" r:id="rId19"/>
+    <p:sldId id="380" r:id="rId20"/>
+    <p:sldId id="384" r:id="rId21"/>
+    <p:sldId id="385" r:id="rId22"/>
+    <p:sldId id="386" r:id="rId23"/>
+    <p:sldId id="379" r:id="rId24"/>
+    <p:sldId id="377" r:id="rId25"/>
+    <p:sldId id="375" r:id="rId26"/>
+    <p:sldId id="376" r:id="rId27"/>
+    <p:sldId id="382" r:id="rId28"/>
+    <p:sldId id="381" r:id="rId29"/>
+    <p:sldId id="374" r:id="rId30"/>
+    <p:sldId id="342" r:id="rId31"/>
   </p:sldIdLst>
   <p:sldSz cx="12192000" cy="6858000"/>
   <p:notesSz cx="6858000" cy="9144000"/>
@@ -144,6 +148,7 @@
             <p14:sldId id="361"/>
             <p14:sldId id="360"/>
             <p14:sldId id="362"/>
+            <p14:sldId id="383"/>
             <p14:sldId id="365"/>
             <p14:sldId id="368"/>
             <p14:sldId id="369"/>
@@ -155,6 +160,9 @@
             <p14:sldId id="367"/>
             <p14:sldId id="378"/>
             <p14:sldId id="380"/>
+            <p14:sldId id="384"/>
+            <p14:sldId id="385"/>
+            <p14:sldId id="386"/>
             <p14:sldId id="379"/>
             <p14:sldId id="377"/>
             <p14:sldId id="375"/>
@@ -324,7 +332,6 @@
             <c:showLeaderLines val="0"/>
             <c:extLst>
               <c:ext xmlns:c15="http://schemas.microsoft.com/office/drawing/2012/chart" uri="{CE6537A1-D6FC-4f65-9D91-7224C49458BB}">
-                <c15:layout/>
                 <c15:showLeaderLines val="1"/>
                 <c15:leaderLines>
                   <c:spPr>
@@ -468,7 +475,6 @@
             <c:showLeaderLines val="0"/>
             <c:extLst>
               <c:ext xmlns:c15="http://schemas.microsoft.com/office/drawing/2012/chart" uri="{CE6537A1-D6FC-4f65-9D91-7224C49458BB}">
-                <c15:layout/>
                 <c15:showLeaderLines val="1"/>
                 <c15:leaderLines>
                   <c:spPr>
@@ -612,7 +618,6 @@
             <c:showLeaderLines val="0"/>
             <c:extLst>
               <c:ext xmlns:c15="http://schemas.microsoft.com/office/drawing/2012/chart" uri="{CE6537A1-D6FC-4f65-9D91-7224C49458BB}">
-                <c15:layout/>
                 <c15:showLeaderLines val="1"/>
                 <c15:leaderLines>
                   <c:spPr>
@@ -701,12 +706,12 @@
         </c:dLbls>
         <c:gapWidth val="150"/>
         <c:shape val="box"/>
-        <c:axId val="603203888"/>
-        <c:axId val="603204432"/>
+        <c:axId val="-1741705296"/>
+        <c:axId val="-1741708016"/>
         <c:axId val="0"/>
       </c:bar3DChart>
       <c:catAx>
-        <c:axId val="603203888"/>
+        <c:axId val="-1741705296"/>
         <c:scaling>
           <c:orientation val="minMax"/>
         </c:scaling>
@@ -757,7 +762,7 @@
             <a:endParaRPr lang="ru-RU"/>
           </a:p>
         </c:txPr>
-        <c:crossAx val="603204432"/>
+        <c:crossAx val="-1741708016"/>
         <c:crosses val="autoZero"/>
         <c:auto val="1"/>
         <c:lblAlgn val="ctr"/>
@@ -765,7 +770,7 @@
         <c:noMultiLvlLbl val="0"/>
       </c:catAx>
       <c:valAx>
-        <c:axId val="603204432"/>
+        <c:axId val="-1741708016"/>
         <c:scaling>
           <c:orientation val="minMax"/>
           <c:max val="1"/>
@@ -819,7 +824,7 @@
             <a:endParaRPr lang="ru-RU"/>
           </a:p>
         </c:txPr>
-        <c:crossAx val="603203888"/>
+        <c:crossAx val="-1741705296"/>
         <c:crosses val="autoZero"/>
         <c:crossBetween val="between"/>
       </c:valAx>
@@ -934,6 +939,1393 @@
           <a:lstStyle/>
           <a:p>
             <a:pPr>
+              <a:defRPr sz="1862" b="0" i="0" u="none" strike="noStrike" kern="1200" spc="0" baseline="0">
+                <a:solidFill>
+                  <a:schemeClr val="tx1">
+                    <a:lumMod val="65000"/>
+                    <a:lumOff val="35000"/>
+                  </a:schemeClr>
+                </a:solidFill>
+                <a:latin typeface="+mn-lt"/>
+                <a:ea typeface="+mn-ea"/>
+                <a:cs typeface="+mn-cs"/>
+              </a:defRPr>
+            </a:pPr>
+            <a:r>
+              <a:rPr lang="en-US" dirty="0" smtClean="0"/>
+              <a:t>Revenue</a:t>
+            </a:r>
+            <a:endParaRPr lang="en-US" dirty="0"/>
+          </a:p>
+        </c:rich>
+      </c:tx>
+      <c:overlay val="0"/>
+      <c:spPr>
+        <a:noFill/>
+        <a:ln>
+          <a:noFill/>
+        </a:ln>
+        <a:effectLst/>
+      </c:spPr>
+      <c:txPr>
+        <a:bodyPr rot="0" spcFirstLastPara="1" vertOverflow="ellipsis" vert="horz" wrap="square" anchor="ctr" anchorCtr="1"/>
+        <a:lstStyle/>
+        <a:p>
+          <a:pPr>
+            <a:defRPr sz="1862" b="0" i="0" u="none" strike="noStrike" kern="1200" spc="0" baseline="0">
+              <a:solidFill>
+                <a:schemeClr val="tx1">
+                  <a:lumMod val="65000"/>
+                  <a:lumOff val="35000"/>
+                </a:schemeClr>
+              </a:solidFill>
+              <a:latin typeface="+mn-lt"/>
+              <a:ea typeface="+mn-ea"/>
+              <a:cs typeface="+mn-cs"/>
+            </a:defRPr>
+          </a:pPr>
+          <a:endParaRPr lang="ru-RU"/>
+        </a:p>
+      </c:txPr>
+    </c:title>
+    <c:autoTitleDeleted val="0"/>
+    <c:plotArea>
+      <c:layout/>
+      <c:barChart>
+        <c:barDir val="col"/>
+        <c:grouping val="clustered"/>
+        <c:varyColors val="0"/>
+        <c:ser>
+          <c:idx val="0"/>
+          <c:order val="0"/>
+          <c:tx>
+            <c:strRef>
+              <c:f>Sheet1!$B$1</c:f>
+              <c:strCache>
+                <c:ptCount val="1"/>
+                <c:pt idx="0">
+                  <c:v>AWS</c:v>
+                </c:pt>
+              </c:strCache>
+            </c:strRef>
+          </c:tx>
+          <c:spPr>
+            <a:solidFill>
+              <a:schemeClr val="accent1"/>
+            </a:solidFill>
+            <a:ln>
+              <a:noFill/>
+            </a:ln>
+            <a:effectLst/>
+          </c:spPr>
+          <c:invertIfNegative val="0"/>
+          <c:dLbls>
+            <c:numFmt formatCode="&quot;$&quot;#,##0.0" sourceLinked="0"/>
+            <c:spPr>
+              <a:noFill/>
+              <a:ln>
+                <a:noFill/>
+              </a:ln>
+              <a:effectLst/>
+            </c:spPr>
+            <c:txPr>
+              <a:bodyPr rot="0" spcFirstLastPara="1" vertOverflow="ellipsis" vert="horz" wrap="square" lIns="38100" tIns="19050" rIns="38100" bIns="19050" anchor="ctr" anchorCtr="1">
+                <a:spAutoFit/>
+              </a:bodyPr>
+              <a:lstStyle/>
+              <a:p>
+                <a:pPr>
+                  <a:defRPr sz="1197" b="0" i="0" u="none" strike="noStrike" kern="1200" baseline="0">
+                    <a:solidFill>
+                      <a:schemeClr val="tx1">
+                        <a:lumMod val="75000"/>
+                        <a:lumOff val="25000"/>
+                      </a:schemeClr>
+                    </a:solidFill>
+                    <a:latin typeface="+mn-lt"/>
+                    <a:ea typeface="+mn-ea"/>
+                    <a:cs typeface="+mn-cs"/>
+                  </a:defRPr>
+                </a:pPr>
+                <a:endParaRPr lang="ru-RU"/>
+              </a:p>
+            </c:txPr>
+            <c:dLblPos val="outEnd"/>
+            <c:showLegendKey val="0"/>
+            <c:showVal val="1"/>
+            <c:showCatName val="0"/>
+            <c:showSerName val="0"/>
+            <c:showPercent val="0"/>
+            <c:showBubbleSize val="0"/>
+            <c:showLeaderLines val="0"/>
+            <c:extLst>
+              <c:ext xmlns:c15="http://schemas.microsoft.com/office/drawing/2012/chart" uri="{CE6537A1-D6FC-4f65-9D91-7224C49458BB}">
+                <c15:showLeaderLines val="1"/>
+                <c15:leaderLines>
+                  <c:spPr>
+                    <a:ln w="9525" cap="flat" cmpd="sng" algn="ctr">
+                      <a:solidFill>
+                        <a:schemeClr val="tx1">
+                          <a:lumMod val="35000"/>
+                          <a:lumOff val="65000"/>
+                        </a:schemeClr>
+                      </a:solidFill>
+                      <a:round/>
+                    </a:ln>
+                    <a:effectLst/>
+                  </c:spPr>
+                </c15:leaderLines>
+              </c:ext>
+            </c:extLst>
+          </c:dLbls>
+          <c:cat>
+            <c:strRef>
+              <c:f>Sheet1!$A$2</c:f>
+              <c:strCache>
+                <c:ptCount val="1"/>
+                <c:pt idx="0">
+                  <c:v>$Billions</c:v>
+                </c:pt>
+              </c:strCache>
+            </c:strRef>
+          </c:cat>
+          <c:val>
+            <c:numRef>
+              <c:f>Sheet1!$B$2</c:f>
+              <c:numCache>
+                <c:formatCode>General</c:formatCode>
+                <c:ptCount val="1"/>
+                <c:pt idx="0">
+                  <c:v>4</c:v>
+                </c:pt>
+              </c:numCache>
+            </c:numRef>
+          </c:val>
+        </c:ser>
+        <c:ser>
+          <c:idx val="1"/>
+          <c:order val="1"/>
+          <c:tx>
+            <c:strRef>
+              <c:f>Sheet1!$C$1</c:f>
+              <c:strCache>
+                <c:ptCount val="1"/>
+                <c:pt idx="0">
+                  <c:v>Microsoft</c:v>
+                </c:pt>
+              </c:strCache>
+            </c:strRef>
+          </c:tx>
+          <c:spPr>
+            <a:solidFill>
+              <a:schemeClr val="accent2"/>
+            </a:solidFill>
+            <a:ln>
+              <a:noFill/>
+            </a:ln>
+            <a:effectLst/>
+          </c:spPr>
+          <c:invertIfNegative val="0"/>
+          <c:dLbls>
+            <c:numFmt formatCode="&quot;$&quot;#,##0.0" sourceLinked="0"/>
+            <c:spPr>
+              <a:noFill/>
+              <a:ln>
+                <a:noFill/>
+              </a:ln>
+              <a:effectLst/>
+            </c:spPr>
+            <c:txPr>
+              <a:bodyPr rot="0" spcFirstLastPara="1" vertOverflow="ellipsis" vert="horz" wrap="square" lIns="38100" tIns="19050" rIns="38100" bIns="19050" anchor="ctr" anchorCtr="1">
+                <a:spAutoFit/>
+              </a:bodyPr>
+              <a:lstStyle/>
+              <a:p>
+                <a:pPr>
+                  <a:defRPr sz="1197" b="0" i="0" u="none" strike="noStrike" kern="1200" baseline="0">
+                    <a:solidFill>
+                      <a:schemeClr val="tx1">
+                        <a:lumMod val="75000"/>
+                        <a:lumOff val="25000"/>
+                      </a:schemeClr>
+                    </a:solidFill>
+                    <a:latin typeface="+mn-lt"/>
+                    <a:ea typeface="+mn-ea"/>
+                    <a:cs typeface="+mn-cs"/>
+                  </a:defRPr>
+                </a:pPr>
+                <a:endParaRPr lang="ru-RU"/>
+              </a:p>
+            </c:txPr>
+            <c:dLblPos val="outEnd"/>
+            <c:showLegendKey val="0"/>
+            <c:showVal val="1"/>
+            <c:showCatName val="0"/>
+            <c:showSerName val="0"/>
+            <c:showPercent val="0"/>
+            <c:showBubbleSize val="0"/>
+            <c:showLeaderLines val="0"/>
+            <c:extLst>
+              <c:ext xmlns:c15="http://schemas.microsoft.com/office/drawing/2012/chart" uri="{CE6537A1-D6FC-4f65-9D91-7224C49458BB}">
+                <c15:showLeaderLines val="1"/>
+                <c15:leaderLines>
+                  <c:spPr>
+                    <a:ln w="9525" cap="flat" cmpd="sng" algn="ctr">
+                      <a:solidFill>
+                        <a:schemeClr val="tx1">
+                          <a:lumMod val="35000"/>
+                          <a:lumOff val="65000"/>
+                        </a:schemeClr>
+                      </a:solidFill>
+                      <a:round/>
+                    </a:ln>
+                    <a:effectLst/>
+                  </c:spPr>
+                </c15:leaderLines>
+              </c:ext>
+            </c:extLst>
+          </c:dLbls>
+          <c:cat>
+            <c:strRef>
+              <c:f>Sheet1!$A$2</c:f>
+              <c:strCache>
+                <c:ptCount val="1"/>
+                <c:pt idx="0">
+                  <c:v>$Billions</c:v>
+                </c:pt>
+              </c:strCache>
+            </c:strRef>
+          </c:cat>
+          <c:val>
+            <c:numRef>
+              <c:f>Sheet1!$C$2</c:f>
+              <c:numCache>
+                <c:formatCode>General</c:formatCode>
+                <c:ptCount val="1"/>
+                <c:pt idx="0">
+                  <c:v>1</c:v>
+                </c:pt>
+              </c:numCache>
+            </c:numRef>
+          </c:val>
+        </c:ser>
+        <c:ser>
+          <c:idx val="2"/>
+          <c:order val="2"/>
+          <c:tx>
+            <c:strRef>
+              <c:f>Sheet1!$D$1</c:f>
+              <c:strCache>
+                <c:ptCount val="1"/>
+                <c:pt idx="0">
+                  <c:v>IBM</c:v>
+                </c:pt>
+              </c:strCache>
+            </c:strRef>
+          </c:tx>
+          <c:spPr>
+            <a:solidFill>
+              <a:schemeClr val="accent3"/>
+            </a:solidFill>
+            <a:ln>
+              <a:noFill/>
+            </a:ln>
+            <a:effectLst/>
+          </c:spPr>
+          <c:invertIfNegative val="0"/>
+          <c:dLbls>
+            <c:numFmt formatCode="&quot;$&quot;#,##0.0" sourceLinked="0"/>
+            <c:spPr>
+              <a:noFill/>
+              <a:ln>
+                <a:noFill/>
+              </a:ln>
+              <a:effectLst/>
+            </c:spPr>
+            <c:txPr>
+              <a:bodyPr rot="0" spcFirstLastPara="1" vertOverflow="ellipsis" vert="horz" wrap="square" lIns="38100" tIns="19050" rIns="38100" bIns="19050" anchor="ctr" anchorCtr="1">
+                <a:spAutoFit/>
+              </a:bodyPr>
+              <a:lstStyle/>
+              <a:p>
+                <a:pPr>
+                  <a:defRPr sz="1197" b="0" i="0" u="none" strike="noStrike" kern="1200" baseline="0">
+                    <a:solidFill>
+                      <a:schemeClr val="tx1">
+                        <a:lumMod val="75000"/>
+                        <a:lumOff val="25000"/>
+                      </a:schemeClr>
+                    </a:solidFill>
+                    <a:latin typeface="+mn-lt"/>
+                    <a:ea typeface="+mn-ea"/>
+                    <a:cs typeface="+mn-cs"/>
+                  </a:defRPr>
+                </a:pPr>
+                <a:endParaRPr lang="ru-RU"/>
+              </a:p>
+            </c:txPr>
+            <c:dLblPos val="outEnd"/>
+            <c:showLegendKey val="0"/>
+            <c:showVal val="1"/>
+            <c:showCatName val="0"/>
+            <c:showSerName val="0"/>
+            <c:showPercent val="0"/>
+            <c:showBubbleSize val="0"/>
+            <c:showLeaderLines val="0"/>
+            <c:extLst>
+              <c:ext xmlns:c15="http://schemas.microsoft.com/office/drawing/2012/chart" uri="{CE6537A1-D6FC-4f65-9D91-7224C49458BB}">
+                <c15:showLeaderLines val="1"/>
+                <c15:leaderLines>
+                  <c:spPr>
+                    <a:ln w="9525" cap="flat" cmpd="sng" algn="ctr">
+                      <a:solidFill>
+                        <a:schemeClr val="tx1">
+                          <a:lumMod val="35000"/>
+                          <a:lumOff val="65000"/>
+                        </a:schemeClr>
+                      </a:solidFill>
+                      <a:round/>
+                    </a:ln>
+                    <a:effectLst/>
+                  </c:spPr>
+                </c15:leaderLines>
+              </c:ext>
+            </c:extLst>
+          </c:dLbls>
+          <c:cat>
+            <c:strRef>
+              <c:f>Sheet1!$A$2</c:f>
+              <c:strCache>
+                <c:ptCount val="1"/>
+                <c:pt idx="0">
+                  <c:v>$Billions</c:v>
+                </c:pt>
+              </c:strCache>
+            </c:strRef>
+          </c:cat>
+          <c:val>
+            <c:numRef>
+              <c:f>Sheet1!$D$2</c:f>
+              <c:numCache>
+                <c:formatCode>General</c:formatCode>
+                <c:ptCount val="1"/>
+                <c:pt idx="0">
+                  <c:v>0.8</c:v>
+                </c:pt>
+              </c:numCache>
+            </c:numRef>
+          </c:val>
+        </c:ser>
+        <c:ser>
+          <c:idx val="3"/>
+          <c:order val="3"/>
+          <c:tx>
+            <c:strRef>
+              <c:f>Sheet1!$E$1</c:f>
+              <c:strCache>
+                <c:ptCount val="1"/>
+                <c:pt idx="0">
+                  <c:v>Google</c:v>
+                </c:pt>
+              </c:strCache>
+            </c:strRef>
+          </c:tx>
+          <c:spPr>
+            <a:solidFill>
+              <a:schemeClr val="accent4"/>
+            </a:solidFill>
+            <a:ln>
+              <a:noFill/>
+            </a:ln>
+            <a:effectLst/>
+          </c:spPr>
+          <c:invertIfNegative val="0"/>
+          <c:dLbls>
+            <c:numFmt formatCode="&quot;$&quot;#,##0.0" sourceLinked="0"/>
+            <c:spPr>
+              <a:noFill/>
+              <a:ln>
+                <a:noFill/>
+              </a:ln>
+              <a:effectLst/>
+            </c:spPr>
+            <c:txPr>
+              <a:bodyPr rot="0" spcFirstLastPara="1" vertOverflow="ellipsis" vert="horz" wrap="square" lIns="38100" tIns="19050" rIns="38100" bIns="19050" anchor="ctr" anchorCtr="1">
+                <a:spAutoFit/>
+              </a:bodyPr>
+              <a:lstStyle/>
+              <a:p>
+                <a:pPr>
+                  <a:defRPr sz="1197" b="0" i="0" u="none" strike="noStrike" kern="1200" baseline="0">
+                    <a:solidFill>
+                      <a:schemeClr val="tx1">
+                        <a:lumMod val="75000"/>
+                        <a:lumOff val="25000"/>
+                      </a:schemeClr>
+                    </a:solidFill>
+                    <a:latin typeface="+mn-lt"/>
+                    <a:ea typeface="+mn-ea"/>
+                    <a:cs typeface="+mn-cs"/>
+                  </a:defRPr>
+                </a:pPr>
+                <a:endParaRPr lang="ru-RU"/>
+              </a:p>
+            </c:txPr>
+            <c:dLblPos val="outEnd"/>
+            <c:showLegendKey val="0"/>
+            <c:showVal val="1"/>
+            <c:showCatName val="0"/>
+            <c:showSerName val="0"/>
+            <c:showPercent val="0"/>
+            <c:showBubbleSize val="0"/>
+            <c:showLeaderLines val="0"/>
+            <c:extLst>
+              <c:ext xmlns:c15="http://schemas.microsoft.com/office/drawing/2012/chart" uri="{CE6537A1-D6FC-4f65-9D91-7224C49458BB}">
+                <c15:showLeaderLines val="1"/>
+                <c15:leaderLines>
+                  <c:spPr>
+                    <a:ln w="9525" cap="flat" cmpd="sng" algn="ctr">
+                      <a:solidFill>
+                        <a:schemeClr val="tx1">
+                          <a:lumMod val="35000"/>
+                          <a:lumOff val="65000"/>
+                        </a:schemeClr>
+                      </a:solidFill>
+                      <a:round/>
+                    </a:ln>
+                    <a:effectLst/>
+                  </c:spPr>
+                </c15:leaderLines>
+              </c:ext>
+            </c:extLst>
+          </c:dLbls>
+          <c:cat>
+            <c:strRef>
+              <c:f>Sheet1!$A$2</c:f>
+              <c:strCache>
+                <c:ptCount val="1"/>
+                <c:pt idx="0">
+                  <c:v>$Billions</c:v>
+                </c:pt>
+              </c:strCache>
+            </c:strRef>
+          </c:cat>
+          <c:val>
+            <c:numRef>
+              <c:f>Sheet1!$E$2</c:f>
+              <c:numCache>
+                <c:formatCode>General</c:formatCode>
+                <c:ptCount val="1"/>
+                <c:pt idx="0">
+                  <c:v>0.5</c:v>
+                </c:pt>
+              </c:numCache>
+            </c:numRef>
+          </c:val>
+        </c:ser>
+        <c:dLbls>
+          <c:showLegendKey val="0"/>
+          <c:showVal val="0"/>
+          <c:showCatName val="0"/>
+          <c:showSerName val="0"/>
+          <c:showPercent val="0"/>
+          <c:showBubbleSize val="0"/>
+        </c:dLbls>
+        <c:gapWidth val="219"/>
+        <c:overlap val="-27"/>
+        <c:axId val="-1741703664"/>
+        <c:axId val="-1741702576"/>
+      </c:barChart>
+      <c:catAx>
+        <c:axId val="-1741703664"/>
+        <c:scaling>
+          <c:orientation val="minMax"/>
+        </c:scaling>
+        <c:delete val="0"/>
+        <c:axPos val="b"/>
+        <c:numFmt formatCode="General" sourceLinked="1"/>
+        <c:majorTickMark val="none"/>
+        <c:minorTickMark val="none"/>
+        <c:tickLblPos val="nextTo"/>
+        <c:spPr>
+          <a:noFill/>
+          <a:ln w="9525" cap="flat" cmpd="sng" algn="ctr">
+            <a:solidFill>
+              <a:schemeClr val="tx1">
+                <a:lumMod val="15000"/>
+                <a:lumOff val="85000"/>
+              </a:schemeClr>
+            </a:solidFill>
+            <a:round/>
+          </a:ln>
+          <a:effectLst/>
+        </c:spPr>
+        <c:txPr>
+          <a:bodyPr rot="-60000000" spcFirstLastPara="1" vertOverflow="ellipsis" vert="horz" wrap="square" anchor="ctr" anchorCtr="1"/>
+          <a:lstStyle/>
+          <a:p>
+            <a:pPr>
+              <a:defRPr sz="1197" b="0" i="0" u="none" strike="noStrike" kern="1200" baseline="0">
+                <a:solidFill>
+                  <a:schemeClr val="tx1">
+                    <a:lumMod val="65000"/>
+                    <a:lumOff val="35000"/>
+                  </a:schemeClr>
+                </a:solidFill>
+                <a:latin typeface="+mn-lt"/>
+                <a:ea typeface="+mn-ea"/>
+                <a:cs typeface="+mn-cs"/>
+              </a:defRPr>
+            </a:pPr>
+            <a:endParaRPr lang="ru-RU"/>
+          </a:p>
+        </c:txPr>
+        <c:crossAx val="-1741702576"/>
+        <c:crosses val="autoZero"/>
+        <c:auto val="1"/>
+        <c:lblAlgn val="ctr"/>
+        <c:lblOffset val="100"/>
+        <c:noMultiLvlLbl val="0"/>
+      </c:catAx>
+      <c:valAx>
+        <c:axId val="-1741702576"/>
+        <c:scaling>
+          <c:orientation val="minMax"/>
+        </c:scaling>
+        <c:delete val="0"/>
+        <c:axPos val="l"/>
+        <c:majorGridlines>
+          <c:spPr>
+            <a:ln w="9525" cap="flat" cmpd="sng" algn="ctr">
+              <a:solidFill>
+                <a:schemeClr val="tx1">
+                  <a:lumMod val="15000"/>
+                  <a:lumOff val="85000"/>
+                </a:schemeClr>
+              </a:solidFill>
+              <a:round/>
+            </a:ln>
+            <a:effectLst/>
+          </c:spPr>
+        </c:majorGridlines>
+        <c:numFmt formatCode="&quot;$&quot;#,##0.0" sourceLinked="0"/>
+        <c:majorTickMark val="none"/>
+        <c:minorTickMark val="none"/>
+        <c:tickLblPos val="nextTo"/>
+        <c:spPr>
+          <a:noFill/>
+          <a:ln>
+            <a:noFill/>
+          </a:ln>
+          <a:effectLst/>
+        </c:spPr>
+        <c:txPr>
+          <a:bodyPr rot="-60000000" spcFirstLastPara="1" vertOverflow="ellipsis" vert="horz" wrap="square" anchor="ctr" anchorCtr="1"/>
+          <a:lstStyle/>
+          <a:p>
+            <a:pPr>
+              <a:defRPr sz="1197" b="0" i="0" u="none" strike="noStrike" kern="1200" baseline="0">
+                <a:solidFill>
+                  <a:schemeClr val="tx1">
+                    <a:lumMod val="65000"/>
+                    <a:lumOff val="35000"/>
+                  </a:schemeClr>
+                </a:solidFill>
+                <a:latin typeface="+mn-lt"/>
+                <a:ea typeface="+mn-ea"/>
+                <a:cs typeface="+mn-cs"/>
+              </a:defRPr>
+            </a:pPr>
+            <a:endParaRPr lang="ru-RU"/>
+          </a:p>
+        </c:txPr>
+        <c:crossAx val="-1741703664"/>
+        <c:crosses val="autoZero"/>
+        <c:crossBetween val="between"/>
+        <c:majorUnit val="1"/>
+      </c:valAx>
+      <c:spPr>
+        <a:noFill/>
+        <a:ln>
+          <a:noFill/>
+        </a:ln>
+        <a:effectLst/>
+      </c:spPr>
+    </c:plotArea>
+    <c:legend>
+      <c:legendPos val="b"/>
+      <c:overlay val="0"/>
+      <c:spPr>
+        <a:noFill/>
+        <a:ln>
+          <a:noFill/>
+        </a:ln>
+        <a:effectLst/>
+      </c:spPr>
+      <c:txPr>
+        <a:bodyPr rot="0" spcFirstLastPara="1" vertOverflow="ellipsis" vert="horz" wrap="square" anchor="ctr" anchorCtr="1"/>
+        <a:lstStyle/>
+        <a:p>
+          <a:pPr>
+            <a:defRPr sz="1197" b="0" i="0" u="none" strike="noStrike" kern="1200" baseline="0">
+              <a:solidFill>
+                <a:schemeClr val="tx1">
+                  <a:lumMod val="65000"/>
+                  <a:lumOff val="35000"/>
+                </a:schemeClr>
+              </a:solidFill>
+              <a:latin typeface="+mn-lt"/>
+              <a:ea typeface="+mn-ea"/>
+              <a:cs typeface="+mn-cs"/>
+            </a:defRPr>
+          </a:pPr>
+          <a:endParaRPr lang="ru-RU"/>
+        </a:p>
+      </c:txPr>
+    </c:legend>
+    <c:plotVisOnly val="1"/>
+    <c:dispBlanksAs val="gap"/>
+    <c:showDLblsOverMax val="0"/>
+  </c:chart>
+  <c:spPr>
+    <a:noFill/>
+    <a:ln>
+      <a:noFill/>
+    </a:ln>
+    <a:effectLst/>
+  </c:spPr>
+  <c:txPr>
+    <a:bodyPr/>
+    <a:lstStyle/>
+    <a:p>
+      <a:pPr>
+        <a:defRPr/>
+      </a:pPr>
+      <a:endParaRPr lang="ru-RU"/>
+    </a:p>
+  </c:txPr>
+  <c:externalData r:id="rId3">
+    <c:autoUpdate val="0"/>
+  </c:externalData>
+</c:chartSpace>
+</file>
+
+<file path=ppt/charts/chart3.xml><?xml version="1.0" encoding="utf-8"?>
+<c:chartSpace xmlns:c="http://schemas.openxmlformats.org/drawingml/2006/chart" xmlns:a="http://schemas.openxmlformats.org/drawingml/2006/main" xmlns:r="http://schemas.openxmlformats.org/officeDocument/2006/relationships">
+  <c:date1904 val="0"/>
+  <c:lang val="en-US"/>
+  <c:roundedCorners val="0"/>
+  <mc:AlternateContent xmlns:mc="http://schemas.openxmlformats.org/markup-compatibility/2006">
+    <mc:Choice xmlns:c14="http://schemas.microsoft.com/office/drawing/2007/8/2/chart" Requires="c14">
+      <c14:style val="102"/>
+    </mc:Choice>
+    <mc:Fallback>
+      <c:style val="2"/>
+    </mc:Fallback>
+  </mc:AlternateContent>
+  <c:chart>
+    <c:title>
+      <c:tx>
+        <c:rich>
+          <a:bodyPr rot="0" spcFirstLastPara="1" vertOverflow="ellipsis" vert="horz" wrap="square" anchor="ctr" anchorCtr="1"/>
+          <a:lstStyle/>
+          <a:p>
+            <a:pPr>
+              <a:defRPr sz="1862" b="0" i="0" u="none" strike="noStrike" kern="1200" spc="0" baseline="0">
+                <a:solidFill>
+                  <a:schemeClr val="tx1">
+                    <a:lumMod val="65000"/>
+                    <a:lumOff val="35000"/>
+                  </a:schemeClr>
+                </a:solidFill>
+                <a:latin typeface="+mn-lt"/>
+                <a:ea typeface="+mn-ea"/>
+                <a:cs typeface="+mn-cs"/>
+              </a:defRPr>
+            </a:pPr>
+            <a:r>
+              <a:rPr lang="en-US" dirty="0" smtClean="0"/>
+              <a:t>Free</a:t>
+            </a:r>
+            <a:r>
+              <a:rPr lang="en-US" baseline="0" dirty="0" smtClean="0"/>
+              <a:t> Cash Flow</a:t>
+            </a:r>
+            <a:endParaRPr lang="en-US" dirty="0"/>
+          </a:p>
+        </c:rich>
+      </c:tx>
+      <c:overlay val="0"/>
+      <c:spPr>
+        <a:noFill/>
+        <a:ln>
+          <a:noFill/>
+        </a:ln>
+        <a:effectLst/>
+      </c:spPr>
+      <c:txPr>
+        <a:bodyPr rot="0" spcFirstLastPara="1" vertOverflow="ellipsis" vert="horz" wrap="square" anchor="ctr" anchorCtr="1"/>
+        <a:lstStyle/>
+        <a:p>
+          <a:pPr>
+            <a:defRPr sz="1862" b="0" i="0" u="none" strike="noStrike" kern="1200" spc="0" baseline="0">
+              <a:solidFill>
+                <a:schemeClr val="tx1">
+                  <a:lumMod val="65000"/>
+                  <a:lumOff val="35000"/>
+                </a:schemeClr>
+              </a:solidFill>
+              <a:latin typeface="+mn-lt"/>
+              <a:ea typeface="+mn-ea"/>
+              <a:cs typeface="+mn-cs"/>
+            </a:defRPr>
+          </a:pPr>
+          <a:endParaRPr lang="ru-RU"/>
+        </a:p>
+      </c:txPr>
+    </c:title>
+    <c:autoTitleDeleted val="0"/>
+    <c:plotArea>
+      <c:layout/>
+      <c:barChart>
+        <c:barDir val="col"/>
+        <c:grouping val="clustered"/>
+        <c:varyColors val="0"/>
+        <c:ser>
+          <c:idx val="0"/>
+          <c:order val="0"/>
+          <c:tx>
+            <c:strRef>
+              <c:f>Sheet1!$B$1</c:f>
+              <c:strCache>
+                <c:ptCount val="1"/>
+                <c:pt idx="0">
+                  <c:v>AWS</c:v>
+                </c:pt>
+              </c:strCache>
+            </c:strRef>
+          </c:tx>
+          <c:spPr>
+            <a:solidFill>
+              <a:schemeClr val="accent1"/>
+            </a:solidFill>
+            <a:ln>
+              <a:noFill/>
+            </a:ln>
+            <a:effectLst/>
+          </c:spPr>
+          <c:invertIfNegative val="0"/>
+          <c:dLbls>
+            <c:numFmt formatCode="&quot;$&quot;#,##0.0" sourceLinked="0"/>
+            <c:spPr>
+              <a:noFill/>
+              <a:ln>
+                <a:noFill/>
+              </a:ln>
+              <a:effectLst/>
+            </c:spPr>
+            <c:txPr>
+              <a:bodyPr rot="0" spcFirstLastPara="1" vertOverflow="ellipsis" vert="horz" wrap="square" lIns="38100" tIns="19050" rIns="38100" bIns="19050" anchor="ctr" anchorCtr="1">
+                <a:spAutoFit/>
+              </a:bodyPr>
+              <a:lstStyle/>
+              <a:p>
+                <a:pPr>
+                  <a:defRPr sz="1197" b="0" i="0" u="none" strike="noStrike" kern="1200" baseline="0">
+                    <a:solidFill>
+                      <a:schemeClr val="tx1">
+                        <a:lumMod val="75000"/>
+                        <a:lumOff val="25000"/>
+                      </a:schemeClr>
+                    </a:solidFill>
+                    <a:latin typeface="+mn-lt"/>
+                    <a:ea typeface="+mn-ea"/>
+                    <a:cs typeface="+mn-cs"/>
+                  </a:defRPr>
+                </a:pPr>
+                <a:endParaRPr lang="ru-RU"/>
+              </a:p>
+            </c:txPr>
+            <c:dLblPos val="outEnd"/>
+            <c:showLegendKey val="0"/>
+            <c:showVal val="1"/>
+            <c:showCatName val="0"/>
+            <c:showSerName val="0"/>
+            <c:showPercent val="0"/>
+            <c:showBubbleSize val="0"/>
+            <c:showLeaderLines val="0"/>
+            <c:extLst>
+              <c:ext xmlns:c15="http://schemas.microsoft.com/office/drawing/2012/chart" uri="{CE6537A1-D6FC-4f65-9D91-7224C49458BB}">
+                <c15:showLeaderLines val="1"/>
+                <c15:leaderLines>
+                  <c:spPr>
+                    <a:ln w="9525" cap="flat" cmpd="sng" algn="ctr">
+                      <a:solidFill>
+                        <a:schemeClr val="tx1">
+                          <a:lumMod val="35000"/>
+                          <a:lumOff val="65000"/>
+                        </a:schemeClr>
+                      </a:solidFill>
+                      <a:round/>
+                    </a:ln>
+                    <a:effectLst/>
+                  </c:spPr>
+                </c15:leaderLines>
+              </c:ext>
+            </c:extLst>
+          </c:dLbls>
+          <c:cat>
+            <c:strRef>
+              <c:f>Sheet1!$A$2</c:f>
+              <c:strCache>
+                <c:ptCount val="1"/>
+                <c:pt idx="0">
+                  <c:v>$Billions</c:v>
+                </c:pt>
+              </c:strCache>
+            </c:strRef>
+          </c:cat>
+          <c:val>
+            <c:numRef>
+              <c:f>Sheet1!$B$2</c:f>
+              <c:numCache>
+                <c:formatCode>General</c:formatCode>
+                <c:ptCount val="1"/>
+                <c:pt idx="0">
+                  <c:v>2</c:v>
+                </c:pt>
+              </c:numCache>
+            </c:numRef>
+          </c:val>
+        </c:ser>
+        <c:ser>
+          <c:idx val="1"/>
+          <c:order val="1"/>
+          <c:tx>
+            <c:strRef>
+              <c:f>Sheet1!$C$1</c:f>
+              <c:strCache>
+                <c:ptCount val="1"/>
+                <c:pt idx="0">
+                  <c:v>Microsoft</c:v>
+                </c:pt>
+              </c:strCache>
+            </c:strRef>
+          </c:tx>
+          <c:spPr>
+            <a:solidFill>
+              <a:schemeClr val="accent2"/>
+            </a:solidFill>
+            <a:ln>
+              <a:noFill/>
+            </a:ln>
+            <a:effectLst/>
+          </c:spPr>
+          <c:invertIfNegative val="0"/>
+          <c:dLbls>
+            <c:numFmt formatCode="&quot;$&quot;#,##0.0" sourceLinked="0"/>
+            <c:spPr>
+              <a:noFill/>
+              <a:ln>
+                <a:noFill/>
+              </a:ln>
+              <a:effectLst/>
+            </c:spPr>
+            <c:txPr>
+              <a:bodyPr rot="0" spcFirstLastPara="1" vertOverflow="ellipsis" vert="horz" wrap="square" lIns="38100" tIns="19050" rIns="38100" bIns="19050" anchor="ctr" anchorCtr="1">
+                <a:spAutoFit/>
+              </a:bodyPr>
+              <a:lstStyle/>
+              <a:p>
+                <a:pPr>
+                  <a:defRPr sz="1197" b="0" i="0" u="none" strike="noStrike" kern="1200" baseline="0">
+                    <a:solidFill>
+                      <a:schemeClr val="tx1">
+                        <a:lumMod val="75000"/>
+                        <a:lumOff val="25000"/>
+                      </a:schemeClr>
+                    </a:solidFill>
+                    <a:latin typeface="+mn-lt"/>
+                    <a:ea typeface="+mn-ea"/>
+                    <a:cs typeface="+mn-cs"/>
+                  </a:defRPr>
+                </a:pPr>
+                <a:endParaRPr lang="ru-RU"/>
+              </a:p>
+            </c:txPr>
+            <c:dLblPos val="outEnd"/>
+            <c:showLegendKey val="0"/>
+            <c:showVal val="1"/>
+            <c:showCatName val="0"/>
+            <c:showSerName val="0"/>
+            <c:showPercent val="0"/>
+            <c:showBubbleSize val="0"/>
+            <c:showLeaderLines val="0"/>
+            <c:extLst>
+              <c:ext xmlns:c15="http://schemas.microsoft.com/office/drawing/2012/chart" uri="{CE6537A1-D6FC-4f65-9D91-7224C49458BB}">
+                <c15:showLeaderLines val="1"/>
+                <c15:leaderLines>
+                  <c:spPr>
+                    <a:ln w="9525" cap="flat" cmpd="sng" algn="ctr">
+                      <a:solidFill>
+                        <a:schemeClr val="tx1">
+                          <a:lumMod val="35000"/>
+                          <a:lumOff val="65000"/>
+                        </a:schemeClr>
+                      </a:solidFill>
+                      <a:round/>
+                    </a:ln>
+                    <a:effectLst/>
+                  </c:spPr>
+                </c15:leaderLines>
+              </c:ext>
+            </c:extLst>
+          </c:dLbls>
+          <c:cat>
+            <c:strRef>
+              <c:f>Sheet1!$A$2</c:f>
+              <c:strCache>
+                <c:ptCount val="1"/>
+                <c:pt idx="0">
+                  <c:v>$Billions</c:v>
+                </c:pt>
+              </c:strCache>
+            </c:strRef>
+          </c:cat>
+          <c:val>
+            <c:numRef>
+              <c:f>Sheet1!$C$2</c:f>
+              <c:numCache>
+                <c:formatCode>General</c:formatCode>
+                <c:ptCount val="1"/>
+                <c:pt idx="0">
+                  <c:v>27</c:v>
+                </c:pt>
+              </c:numCache>
+            </c:numRef>
+          </c:val>
+        </c:ser>
+        <c:ser>
+          <c:idx val="2"/>
+          <c:order val="2"/>
+          <c:tx>
+            <c:strRef>
+              <c:f>Sheet1!$D$1</c:f>
+              <c:strCache>
+                <c:ptCount val="1"/>
+                <c:pt idx="0">
+                  <c:v>IBM</c:v>
+                </c:pt>
+              </c:strCache>
+            </c:strRef>
+          </c:tx>
+          <c:spPr>
+            <a:solidFill>
+              <a:schemeClr val="accent3"/>
+            </a:solidFill>
+            <a:ln>
+              <a:noFill/>
+            </a:ln>
+            <a:effectLst/>
+          </c:spPr>
+          <c:invertIfNegative val="0"/>
+          <c:dLbls>
+            <c:numFmt formatCode="&quot;$&quot;#,##0.0" sourceLinked="0"/>
+            <c:spPr>
+              <a:noFill/>
+              <a:ln>
+                <a:noFill/>
+              </a:ln>
+              <a:effectLst/>
+            </c:spPr>
+            <c:txPr>
+              <a:bodyPr rot="0" spcFirstLastPara="1" vertOverflow="ellipsis" vert="horz" wrap="square" lIns="38100" tIns="19050" rIns="38100" bIns="19050" anchor="ctr" anchorCtr="1">
+                <a:spAutoFit/>
+              </a:bodyPr>
+              <a:lstStyle/>
+              <a:p>
+                <a:pPr>
+                  <a:defRPr sz="1197" b="0" i="0" u="none" strike="noStrike" kern="1200" baseline="0">
+                    <a:solidFill>
+                      <a:schemeClr val="tx1">
+                        <a:lumMod val="75000"/>
+                        <a:lumOff val="25000"/>
+                      </a:schemeClr>
+                    </a:solidFill>
+                    <a:latin typeface="+mn-lt"/>
+                    <a:ea typeface="+mn-ea"/>
+                    <a:cs typeface="+mn-cs"/>
+                  </a:defRPr>
+                </a:pPr>
+                <a:endParaRPr lang="ru-RU"/>
+              </a:p>
+            </c:txPr>
+            <c:dLblPos val="outEnd"/>
+            <c:showLegendKey val="0"/>
+            <c:showVal val="1"/>
+            <c:showCatName val="0"/>
+            <c:showSerName val="0"/>
+            <c:showPercent val="0"/>
+            <c:showBubbleSize val="0"/>
+            <c:showLeaderLines val="0"/>
+            <c:extLst>
+              <c:ext xmlns:c15="http://schemas.microsoft.com/office/drawing/2012/chart" uri="{CE6537A1-D6FC-4f65-9D91-7224C49458BB}">
+                <c15:showLeaderLines val="1"/>
+                <c15:leaderLines>
+                  <c:spPr>
+                    <a:ln w="9525" cap="flat" cmpd="sng" algn="ctr">
+                      <a:solidFill>
+                        <a:schemeClr val="tx1">
+                          <a:lumMod val="35000"/>
+                          <a:lumOff val="65000"/>
+                        </a:schemeClr>
+                      </a:solidFill>
+                      <a:round/>
+                    </a:ln>
+                    <a:effectLst/>
+                  </c:spPr>
+                </c15:leaderLines>
+              </c:ext>
+            </c:extLst>
+          </c:dLbls>
+          <c:cat>
+            <c:strRef>
+              <c:f>Sheet1!$A$2</c:f>
+              <c:strCache>
+                <c:ptCount val="1"/>
+                <c:pt idx="0">
+                  <c:v>$Billions</c:v>
+                </c:pt>
+              </c:strCache>
+            </c:strRef>
+          </c:cat>
+          <c:val>
+            <c:numRef>
+              <c:f>Sheet1!$D$2</c:f>
+              <c:numCache>
+                <c:formatCode>General</c:formatCode>
+                <c:ptCount val="1"/>
+                <c:pt idx="0">
+                  <c:v>8</c:v>
+                </c:pt>
+              </c:numCache>
+            </c:numRef>
+          </c:val>
+        </c:ser>
+        <c:ser>
+          <c:idx val="3"/>
+          <c:order val="3"/>
+          <c:tx>
+            <c:strRef>
+              <c:f>Sheet1!$E$1</c:f>
+              <c:strCache>
+                <c:ptCount val="1"/>
+                <c:pt idx="0">
+                  <c:v>Google</c:v>
+                </c:pt>
+              </c:strCache>
+            </c:strRef>
+          </c:tx>
+          <c:spPr>
+            <a:solidFill>
+              <a:schemeClr val="accent4"/>
+            </a:solidFill>
+            <a:ln>
+              <a:noFill/>
+            </a:ln>
+            <a:effectLst/>
+          </c:spPr>
+          <c:invertIfNegative val="0"/>
+          <c:dLbls>
+            <c:numFmt formatCode="&quot;$&quot;#,##0.0" sourceLinked="0"/>
+            <c:spPr>
+              <a:noFill/>
+              <a:ln>
+                <a:noFill/>
+              </a:ln>
+              <a:effectLst/>
+            </c:spPr>
+            <c:txPr>
+              <a:bodyPr rot="0" spcFirstLastPara="1" vertOverflow="ellipsis" vert="horz" wrap="square" lIns="38100" tIns="19050" rIns="38100" bIns="19050" anchor="ctr" anchorCtr="1">
+                <a:spAutoFit/>
+              </a:bodyPr>
+              <a:lstStyle/>
+              <a:p>
+                <a:pPr>
+                  <a:defRPr sz="1197" b="0" i="0" u="none" strike="noStrike" kern="1200" baseline="0">
+                    <a:solidFill>
+                      <a:schemeClr val="tx1">
+                        <a:lumMod val="75000"/>
+                        <a:lumOff val="25000"/>
+                      </a:schemeClr>
+                    </a:solidFill>
+                    <a:latin typeface="+mn-lt"/>
+                    <a:ea typeface="+mn-ea"/>
+                    <a:cs typeface="+mn-cs"/>
+                  </a:defRPr>
+                </a:pPr>
+                <a:endParaRPr lang="ru-RU"/>
+              </a:p>
+            </c:txPr>
+            <c:dLblPos val="outEnd"/>
+            <c:showLegendKey val="0"/>
+            <c:showVal val="1"/>
+            <c:showCatName val="0"/>
+            <c:showSerName val="0"/>
+            <c:showPercent val="0"/>
+            <c:showBubbleSize val="0"/>
+            <c:showLeaderLines val="0"/>
+            <c:extLst>
+              <c:ext xmlns:c15="http://schemas.microsoft.com/office/drawing/2012/chart" uri="{CE6537A1-D6FC-4f65-9D91-7224C49458BB}">
+                <c15:showLeaderLines val="1"/>
+                <c15:leaderLines>
+                  <c:spPr>
+                    <a:ln w="9525" cap="flat" cmpd="sng" algn="ctr">
+                      <a:solidFill>
+                        <a:schemeClr val="tx1">
+                          <a:lumMod val="35000"/>
+                          <a:lumOff val="65000"/>
+                        </a:schemeClr>
+                      </a:solidFill>
+                      <a:round/>
+                    </a:ln>
+                    <a:effectLst/>
+                  </c:spPr>
+                </c15:leaderLines>
+              </c:ext>
+            </c:extLst>
+          </c:dLbls>
+          <c:cat>
+            <c:strRef>
+              <c:f>Sheet1!$A$2</c:f>
+              <c:strCache>
+                <c:ptCount val="1"/>
+                <c:pt idx="0">
+                  <c:v>$Billions</c:v>
+                </c:pt>
+              </c:strCache>
+            </c:strRef>
+          </c:cat>
+          <c:val>
+            <c:numRef>
+              <c:f>Sheet1!$E$2</c:f>
+              <c:numCache>
+                <c:formatCode>General</c:formatCode>
+                <c:ptCount val="1"/>
+                <c:pt idx="0">
+                  <c:v>11</c:v>
+                </c:pt>
+              </c:numCache>
+            </c:numRef>
+          </c:val>
+        </c:ser>
+        <c:dLbls>
+          <c:showLegendKey val="0"/>
+          <c:showVal val="0"/>
+          <c:showCatName val="0"/>
+          <c:showSerName val="0"/>
+          <c:showPercent val="0"/>
+          <c:showBubbleSize val="0"/>
+        </c:dLbls>
+        <c:gapWidth val="219"/>
+        <c:overlap val="-27"/>
+        <c:axId val="-1741704208"/>
+        <c:axId val="-1741710736"/>
+      </c:barChart>
+      <c:catAx>
+        <c:axId val="-1741704208"/>
+        <c:scaling>
+          <c:orientation val="minMax"/>
+        </c:scaling>
+        <c:delete val="0"/>
+        <c:axPos val="b"/>
+        <c:numFmt formatCode="General" sourceLinked="1"/>
+        <c:majorTickMark val="none"/>
+        <c:minorTickMark val="none"/>
+        <c:tickLblPos val="nextTo"/>
+        <c:spPr>
+          <a:noFill/>
+          <a:ln w="9525" cap="flat" cmpd="sng" algn="ctr">
+            <a:solidFill>
+              <a:schemeClr val="tx1">
+                <a:lumMod val="15000"/>
+                <a:lumOff val="85000"/>
+              </a:schemeClr>
+            </a:solidFill>
+            <a:round/>
+          </a:ln>
+          <a:effectLst/>
+        </c:spPr>
+        <c:txPr>
+          <a:bodyPr rot="-60000000" spcFirstLastPara="1" vertOverflow="ellipsis" vert="horz" wrap="square" anchor="ctr" anchorCtr="1"/>
+          <a:lstStyle/>
+          <a:p>
+            <a:pPr>
+              <a:defRPr sz="1197" b="0" i="0" u="none" strike="noStrike" kern="1200" baseline="0">
+                <a:solidFill>
+                  <a:schemeClr val="tx1">
+                    <a:lumMod val="65000"/>
+                    <a:lumOff val="35000"/>
+                  </a:schemeClr>
+                </a:solidFill>
+                <a:latin typeface="+mn-lt"/>
+                <a:ea typeface="+mn-ea"/>
+                <a:cs typeface="+mn-cs"/>
+              </a:defRPr>
+            </a:pPr>
+            <a:endParaRPr lang="ru-RU"/>
+          </a:p>
+        </c:txPr>
+        <c:crossAx val="-1741710736"/>
+        <c:crosses val="autoZero"/>
+        <c:auto val="1"/>
+        <c:lblAlgn val="ctr"/>
+        <c:lblOffset val="100"/>
+        <c:noMultiLvlLbl val="0"/>
+      </c:catAx>
+      <c:valAx>
+        <c:axId val="-1741710736"/>
+        <c:scaling>
+          <c:orientation val="minMax"/>
+        </c:scaling>
+        <c:delete val="0"/>
+        <c:axPos val="l"/>
+        <c:majorGridlines>
+          <c:spPr>
+            <a:ln w="9525" cap="flat" cmpd="sng" algn="ctr">
+              <a:solidFill>
+                <a:schemeClr val="tx1">
+                  <a:lumMod val="15000"/>
+                  <a:lumOff val="85000"/>
+                </a:schemeClr>
+              </a:solidFill>
+              <a:round/>
+            </a:ln>
+            <a:effectLst/>
+          </c:spPr>
+        </c:majorGridlines>
+        <c:numFmt formatCode="&quot;$&quot;#,##0.0" sourceLinked="0"/>
+        <c:majorTickMark val="none"/>
+        <c:minorTickMark val="none"/>
+        <c:tickLblPos val="nextTo"/>
+        <c:spPr>
+          <a:noFill/>
+          <a:ln>
+            <a:noFill/>
+          </a:ln>
+          <a:effectLst/>
+        </c:spPr>
+        <c:txPr>
+          <a:bodyPr rot="-60000000" spcFirstLastPara="1" vertOverflow="ellipsis" vert="horz" wrap="square" anchor="ctr" anchorCtr="1"/>
+          <a:lstStyle/>
+          <a:p>
+            <a:pPr>
+              <a:defRPr sz="1197" b="0" i="0" u="none" strike="noStrike" kern="1200" baseline="0">
+                <a:solidFill>
+                  <a:schemeClr val="tx1">
+                    <a:lumMod val="65000"/>
+                    <a:lumOff val="35000"/>
+                  </a:schemeClr>
+                </a:solidFill>
+                <a:latin typeface="+mn-lt"/>
+                <a:ea typeface="+mn-ea"/>
+                <a:cs typeface="+mn-cs"/>
+              </a:defRPr>
+            </a:pPr>
+            <a:endParaRPr lang="ru-RU"/>
+          </a:p>
+        </c:txPr>
+        <c:crossAx val="-1741704208"/>
+        <c:crosses val="autoZero"/>
+        <c:crossBetween val="between"/>
+      </c:valAx>
+      <c:spPr>
+        <a:noFill/>
+        <a:ln>
+          <a:noFill/>
+        </a:ln>
+        <a:effectLst/>
+      </c:spPr>
+    </c:plotArea>
+    <c:legend>
+      <c:legendPos val="b"/>
+      <c:overlay val="0"/>
+      <c:spPr>
+        <a:noFill/>
+        <a:ln>
+          <a:noFill/>
+        </a:ln>
+        <a:effectLst/>
+      </c:spPr>
+      <c:txPr>
+        <a:bodyPr rot="0" spcFirstLastPara="1" vertOverflow="ellipsis" vert="horz" wrap="square" anchor="ctr" anchorCtr="1"/>
+        <a:lstStyle/>
+        <a:p>
+          <a:pPr>
+            <a:defRPr sz="1197" b="0" i="0" u="none" strike="noStrike" kern="1200" baseline="0">
+              <a:solidFill>
+                <a:schemeClr val="tx1">
+                  <a:lumMod val="65000"/>
+                  <a:lumOff val="35000"/>
+                </a:schemeClr>
+              </a:solidFill>
+              <a:latin typeface="+mn-lt"/>
+              <a:ea typeface="+mn-ea"/>
+              <a:cs typeface="+mn-cs"/>
+            </a:defRPr>
+          </a:pPr>
+          <a:endParaRPr lang="ru-RU"/>
+        </a:p>
+      </c:txPr>
+    </c:legend>
+    <c:plotVisOnly val="1"/>
+    <c:dispBlanksAs val="gap"/>
+    <c:showDLblsOverMax val="0"/>
+  </c:chart>
+  <c:spPr>
+    <a:noFill/>
+    <a:ln>
+      <a:noFill/>
+    </a:ln>
+    <a:effectLst/>
+  </c:spPr>
+  <c:txPr>
+    <a:bodyPr/>
+    <a:lstStyle/>
+    <a:p>
+      <a:pPr>
+        <a:defRPr/>
+      </a:pPr>
+      <a:endParaRPr lang="ru-RU"/>
+    </a:p>
+  </c:txPr>
+  <c:externalData r:id="rId3">
+    <c:autoUpdate val="0"/>
+  </c:externalData>
+</c:chartSpace>
+</file>
+
+<file path=ppt/charts/chart4.xml><?xml version="1.0" encoding="utf-8"?>
+<c:chartSpace xmlns:c="http://schemas.openxmlformats.org/drawingml/2006/chart" xmlns:a="http://schemas.openxmlformats.org/drawingml/2006/main" xmlns:r="http://schemas.openxmlformats.org/officeDocument/2006/relationships">
+  <c:date1904 val="0"/>
+  <c:lang val="en-US"/>
+  <c:roundedCorners val="0"/>
+  <mc:AlternateContent xmlns:mc="http://schemas.openxmlformats.org/markup-compatibility/2006">
+    <mc:Choice xmlns:c14="http://schemas.microsoft.com/office/drawing/2007/8/2/chart" Requires="c14">
+      <c14:style val="102"/>
+    </mc:Choice>
+    <mc:Fallback>
+      <c:style val="2"/>
+    </mc:Fallback>
+  </mc:AlternateContent>
+  <c:chart>
+    <c:title>
+      <c:tx>
+        <c:rich>
+          <a:bodyPr rot="0" spcFirstLastPara="1" vertOverflow="ellipsis" vert="horz" wrap="square" anchor="ctr" anchorCtr="1"/>
+          <a:lstStyle/>
+          <a:p>
+            <a:pPr>
               <a:defRPr sz="2200" b="1" i="0" u="none" strike="noStrike" kern="1200" cap="none" baseline="0">
                 <a:solidFill>
                   <a:schemeClr val="tx1"/>
@@ -959,7 +2351,6 @@
           </a:p>
         </c:rich>
       </c:tx>
-      <c:layout/>
       <c:overlay val="0"/>
       <c:spPr>
         <a:noFill/>
@@ -1155,7 +2546,6 @@
           <c:dLbls>
             <c:dLbl>
               <c:idx val="0"/>
-              <c:layout/>
               <c:numFmt formatCode="0%" sourceLinked="0"/>
               <c:spPr>
                 <a:solidFill>
@@ -1206,14 +2596,11 @@
               <c:showPercent val="0"/>
               <c:showBubbleSize val="0"/>
               <c:extLst>
-                <c:ext xmlns:c15="http://schemas.microsoft.com/office/drawing/2012/chart" uri="{CE6537A1-D6FC-4f65-9D91-7224C49458BB}">
-                  <c15:layout/>
-                </c:ext>
+                <c:ext xmlns:c15="http://schemas.microsoft.com/office/drawing/2012/chart" uri="{CE6537A1-D6FC-4f65-9D91-7224C49458BB}"/>
               </c:extLst>
             </c:dLbl>
             <c:dLbl>
               <c:idx val="1"/>
-              <c:layout/>
               <c:numFmt formatCode="0%" sourceLinked="0"/>
               <c:spPr>
                 <a:solidFill>
@@ -1264,14 +2651,11 @@
               <c:showPercent val="0"/>
               <c:showBubbleSize val="0"/>
               <c:extLst>
-                <c:ext xmlns:c15="http://schemas.microsoft.com/office/drawing/2012/chart" uri="{CE6537A1-D6FC-4f65-9D91-7224C49458BB}">
-                  <c15:layout/>
-                </c:ext>
+                <c:ext xmlns:c15="http://schemas.microsoft.com/office/drawing/2012/chart" uri="{CE6537A1-D6FC-4f65-9D91-7224C49458BB}"/>
               </c:extLst>
             </c:dLbl>
             <c:dLbl>
               <c:idx val="2"/>
-              <c:layout/>
               <c:numFmt formatCode="0%" sourceLinked="0"/>
               <c:spPr>
                 <a:solidFill>
@@ -1322,9 +2706,7 @@
               <c:showPercent val="0"/>
               <c:showBubbleSize val="0"/>
               <c:extLst>
-                <c:ext xmlns:c15="http://schemas.microsoft.com/office/drawing/2012/chart" uri="{CE6537A1-D6FC-4f65-9D91-7224C49458BB}">
-                  <c15:layout/>
-                </c:ext>
+                <c:ext xmlns:c15="http://schemas.microsoft.com/office/drawing/2012/chart" uri="{CE6537A1-D6FC-4f65-9D91-7224C49458BB}"/>
               </c:extLst>
             </c:dLbl>
             <c:numFmt formatCode="0%" sourceLinked="0"/>
@@ -1518,6 +2900,86 @@
 </file>
 
 <file path=ppt/charts/colors2.xml><?xml version="1.0" encoding="utf-8"?>
+<cs:colorStyle xmlns:cs="http://schemas.microsoft.com/office/drawing/2012/chartStyle" xmlns:a="http://schemas.openxmlformats.org/drawingml/2006/main" meth="cycle" id="10">
+  <a:schemeClr val="accent1"/>
+  <a:schemeClr val="accent2"/>
+  <a:schemeClr val="accent3"/>
+  <a:schemeClr val="accent4"/>
+  <a:schemeClr val="accent5"/>
+  <a:schemeClr val="accent6"/>
+  <cs:variation/>
+  <cs:variation>
+    <a:lumMod val="60000"/>
+  </cs:variation>
+  <cs:variation>
+    <a:lumMod val="80000"/>
+    <a:lumOff val="20000"/>
+  </cs:variation>
+  <cs:variation>
+    <a:lumMod val="80000"/>
+  </cs:variation>
+  <cs:variation>
+    <a:lumMod val="60000"/>
+    <a:lumOff val="40000"/>
+  </cs:variation>
+  <cs:variation>
+    <a:lumMod val="50000"/>
+  </cs:variation>
+  <cs:variation>
+    <a:lumMod val="70000"/>
+    <a:lumOff val="30000"/>
+  </cs:variation>
+  <cs:variation>
+    <a:lumMod val="70000"/>
+  </cs:variation>
+  <cs:variation>
+    <a:lumMod val="50000"/>
+    <a:lumOff val="50000"/>
+  </cs:variation>
+</cs:colorStyle>
+</file>
+
+<file path=ppt/charts/colors3.xml><?xml version="1.0" encoding="utf-8"?>
+<cs:colorStyle xmlns:cs="http://schemas.microsoft.com/office/drawing/2012/chartStyle" xmlns:a="http://schemas.openxmlformats.org/drawingml/2006/main" meth="cycle" id="10">
+  <a:schemeClr val="accent1"/>
+  <a:schemeClr val="accent2"/>
+  <a:schemeClr val="accent3"/>
+  <a:schemeClr val="accent4"/>
+  <a:schemeClr val="accent5"/>
+  <a:schemeClr val="accent6"/>
+  <cs:variation/>
+  <cs:variation>
+    <a:lumMod val="60000"/>
+  </cs:variation>
+  <cs:variation>
+    <a:lumMod val="80000"/>
+    <a:lumOff val="20000"/>
+  </cs:variation>
+  <cs:variation>
+    <a:lumMod val="80000"/>
+  </cs:variation>
+  <cs:variation>
+    <a:lumMod val="60000"/>
+    <a:lumOff val="40000"/>
+  </cs:variation>
+  <cs:variation>
+    <a:lumMod val="50000"/>
+  </cs:variation>
+  <cs:variation>
+    <a:lumMod val="70000"/>
+    <a:lumOff val="30000"/>
+  </cs:variation>
+  <cs:variation>
+    <a:lumMod val="70000"/>
+  </cs:variation>
+  <cs:variation>
+    <a:lumMod val="50000"/>
+    <a:lumOff val="50000"/>
+  </cs:variation>
+</cs:colorStyle>
+</file>
+
+<file path=ppt/charts/colors4.xml><?xml version="1.0" encoding="utf-8"?>
 <cs:colorStyle xmlns:cs="http://schemas.microsoft.com/office/drawing/2012/chartStyle" xmlns:a="http://schemas.openxmlformats.org/drawingml/2006/main" meth="cycle" id="10">
   <a:schemeClr val="accent1"/>
   <a:schemeClr val="accent2"/>
@@ -2052,6 +3514,1012 @@
 </file>
 
 <file path=ppt/charts/style2.xml><?xml version="1.0" encoding="utf-8"?>
+<cs:chartStyle xmlns:cs="http://schemas.microsoft.com/office/drawing/2012/chartStyle" xmlns:a="http://schemas.openxmlformats.org/drawingml/2006/main" id="201">
+  <cs:axisTitle>
+    <cs:lnRef idx="0"/>
+    <cs:fillRef idx="0"/>
+    <cs:effectRef idx="0"/>
+    <cs:fontRef idx="minor">
+      <a:schemeClr val="tx1">
+        <a:lumMod val="65000"/>
+        <a:lumOff val="35000"/>
+      </a:schemeClr>
+    </cs:fontRef>
+    <cs:defRPr sz="1330" kern="1200"/>
+  </cs:axisTitle>
+  <cs:categoryAxis>
+    <cs:lnRef idx="0"/>
+    <cs:fillRef idx="0"/>
+    <cs:effectRef idx="0"/>
+    <cs:fontRef idx="minor">
+      <a:schemeClr val="tx1">
+        <a:lumMod val="65000"/>
+        <a:lumOff val="35000"/>
+      </a:schemeClr>
+    </cs:fontRef>
+    <cs:spPr>
+      <a:ln w="9525" cap="flat" cmpd="sng" algn="ctr">
+        <a:solidFill>
+          <a:schemeClr val="tx1">
+            <a:lumMod val="15000"/>
+            <a:lumOff val="85000"/>
+          </a:schemeClr>
+        </a:solidFill>
+        <a:round/>
+      </a:ln>
+    </cs:spPr>
+    <cs:defRPr sz="1197" kern="1200"/>
+  </cs:categoryAxis>
+  <cs:chartArea mods="allowNoFillOverride allowNoLineOverride">
+    <cs:lnRef idx="0"/>
+    <cs:fillRef idx="0"/>
+    <cs:effectRef idx="0"/>
+    <cs:fontRef idx="minor">
+      <a:schemeClr val="tx1"/>
+    </cs:fontRef>
+    <cs:spPr>
+      <a:solidFill>
+        <a:schemeClr val="bg1"/>
+      </a:solidFill>
+      <a:ln w="9525" cap="flat" cmpd="sng" algn="ctr">
+        <a:solidFill>
+          <a:schemeClr val="tx1">
+            <a:lumMod val="15000"/>
+            <a:lumOff val="85000"/>
+          </a:schemeClr>
+        </a:solidFill>
+        <a:round/>
+      </a:ln>
+    </cs:spPr>
+    <cs:defRPr sz="1330" kern="1200"/>
+  </cs:chartArea>
+  <cs:dataLabel>
+    <cs:lnRef idx="0"/>
+    <cs:fillRef idx="0"/>
+    <cs:effectRef idx="0"/>
+    <cs:fontRef idx="minor">
+      <a:schemeClr val="tx1">
+        <a:lumMod val="75000"/>
+        <a:lumOff val="25000"/>
+      </a:schemeClr>
+    </cs:fontRef>
+    <cs:defRPr sz="1197" kern="1200"/>
+  </cs:dataLabel>
+  <cs:dataLabelCallout>
+    <cs:lnRef idx="0"/>
+    <cs:fillRef idx="0"/>
+    <cs:effectRef idx="0"/>
+    <cs:fontRef idx="minor">
+      <a:schemeClr val="dk1">
+        <a:lumMod val="65000"/>
+        <a:lumOff val="35000"/>
+      </a:schemeClr>
+    </cs:fontRef>
+    <cs:spPr>
+      <a:solidFill>
+        <a:schemeClr val="lt1"/>
+      </a:solidFill>
+      <a:ln>
+        <a:solidFill>
+          <a:schemeClr val="dk1">
+            <a:lumMod val="25000"/>
+            <a:lumOff val="75000"/>
+          </a:schemeClr>
+        </a:solidFill>
+      </a:ln>
+    </cs:spPr>
+    <cs:defRPr sz="1197" kern="1200"/>
+    <cs:bodyPr rot="0" spcFirstLastPara="1" vertOverflow="clip" horzOverflow="clip" vert="horz" wrap="square" lIns="36576" tIns="18288" rIns="36576" bIns="18288" anchor="ctr" anchorCtr="1">
+      <a:spAutoFit/>
+    </cs:bodyPr>
+  </cs:dataLabelCallout>
+  <cs:dataPoint>
+    <cs:lnRef idx="0"/>
+    <cs:fillRef idx="1">
+      <cs:styleClr val="auto"/>
+    </cs:fillRef>
+    <cs:effectRef idx="0"/>
+    <cs:fontRef idx="minor">
+      <a:schemeClr val="tx1"/>
+    </cs:fontRef>
+  </cs:dataPoint>
+  <cs:dataPoint3D>
+    <cs:lnRef idx="0"/>
+    <cs:fillRef idx="1">
+      <cs:styleClr val="auto"/>
+    </cs:fillRef>
+    <cs:effectRef idx="0"/>
+    <cs:fontRef idx="minor">
+      <a:schemeClr val="tx1"/>
+    </cs:fontRef>
+  </cs:dataPoint3D>
+  <cs:dataPointLine>
+    <cs:lnRef idx="0">
+      <cs:styleClr val="auto"/>
+    </cs:lnRef>
+    <cs:fillRef idx="1"/>
+    <cs:effectRef idx="0"/>
+    <cs:fontRef idx="minor">
+      <a:schemeClr val="tx1"/>
+    </cs:fontRef>
+    <cs:spPr>
+      <a:ln w="28575" cap="rnd">
+        <a:solidFill>
+          <a:schemeClr val="phClr"/>
+        </a:solidFill>
+        <a:round/>
+      </a:ln>
+    </cs:spPr>
+  </cs:dataPointLine>
+  <cs:dataPointMarker>
+    <cs:lnRef idx="0">
+      <cs:styleClr val="auto"/>
+    </cs:lnRef>
+    <cs:fillRef idx="1">
+      <cs:styleClr val="auto"/>
+    </cs:fillRef>
+    <cs:effectRef idx="0"/>
+    <cs:fontRef idx="minor">
+      <a:schemeClr val="tx1"/>
+    </cs:fontRef>
+    <cs:spPr>
+      <a:ln w="9525">
+        <a:solidFill>
+          <a:schemeClr val="phClr"/>
+        </a:solidFill>
+      </a:ln>
+    </cs:spPr>
+  </cs:dataPointMarker>
+  <cs:dataPointMarkerLayout symbol="circle" size="5"/>
+  <cs:dataPointWireframe>
+    <cs:lnRef idx="0">
+      <cs:styleClr val="auto"/>
+    </cs:lnRef>
+    <cs:fillRef idx="1"/>
+    <cs:effectRef idx="0"/>
+    <cs:fontRef idx="minor">
+      <a:schemeClr val="tx1"/>
+    </cs:fontRef>
+    <cs:spPr>
+      <a:ln w="9525" cap="rnd">
+        <a:solidFill>
+          <a:schemeClr val="phClr"/>
+        </a:solidFill>
+        <a:round/>
+      </a:ln>
+    </cs:spPr>
+  </cs:dataPointWireframe>
+  <cs:dataTable>
+    <cs:lnRef idx="0"/>
+    <cs:fillRef idx="0"/>
+    <cs:effectRef idx="0"/>
+    <cs:fontRef idx="minor">
+      <a:schemeClr val="tx1">
+        <a:lumMod val="65000"/>
+        <a:lumOff val="35000"/>
+      </a:schemeClr>
+    </cs:fontRef>
+    <cs:spPr>
+      <a:noFill/>
+      <a:ln w="9525" cap="flat" cmpd="sng" algn="ctr">
+        <a:solidFill>
+          <a:schemeClr val="tx1">
+            <a:lumMod val="15000"/>
+            <a:lumOff val="85000"/>
+          </a:schemeClr>
+        </a:solidFill>
+        <a:round/>
+      </a:ln>
+    </cs:spPr>
+    <cs:defRPr sz="1197" kern="1200"/>
+  </cs:dataTable>
+  <cs:downBar>
+    <cs:lnRef idx="0"/>
+    <cs:fillRef idx="0"/>
+    <cs:effectRef idx="0"/>
+    <cs:fontRef idx="minor">
+      <a:schemeClr val="dk1"/>
+    </cs:fontRef>
+    <cs:spPr>
+      <a:solidFill>
+        <a:schemeClr val="dk1">
+          <a:lumMod val="65000"/>
+          <a:lumOff val="35000"/>
+        </a:schemeClr>
+      </a:solidFill>
+      <a:ln w="9525">
+        <a:solidFill>
+          <a:schemeClr val="tx1">
+            <a:lumMod val="65000"/>
+            <a:lumOff val="35000"/>
+          </a:schemeClr>
+        </a:solidFill>
+      </a:ln>
+    </cs:spPr>
+  </cs:downBar>
+  <cs:dropLine>
+    <cs:lnRef idx="0"/>
+    <cs:fillRef idx="0"/>
+    <cs:effectRef idx="0"/>
+    <cs:fontRef idx="minor">
+      <a:schemeClr val="tx1"/>
+    </cs:fontRef>
+    <cs:spPr>
+      <a:ln w="9525" cap="flat" cmpd="sng" algn="ctr">
+        <a:solidFill>
+          <a:schemeClr val="tx1">
+            <a:lumMod val="35000"/>
+            <a:lumOff val="65000"/>
+          </a:schemeClr>
+        </a:solidFill>
+        <a:round/>
+      </a:ln>
+    </cs:spPr>
+  </cs:dropLine>
+  <cs:errorBar>
+    <cs:lnRef idx="0"/>
+    <cs:fillRef idx="0"/>
+    <cs:effectRef idx="0"/>
+    <cs:fontRef idx="minor">
+      <a:schemeClr val="tx1"/>
+    </cs:fontRef>
+    <cs:spPr>
+      <a:ln w="9525" cap="flat" cmpd="sng" algn="ctr">
+        <a:solidFill>
+          <a:schemeClr val="tx1">
+            <a:lumMod val="65000"/>
+            <a:lumOff val="35000"/>
+          </a:schemeClr>
+        </a:solidFill>
+        <a:round/>
+      </a:ln>
+    </cs:spPr>
+  </cs:errorBar>
+  <cs:floor>
+    <cs:lnRef idx="0"/>
+    <cs:fillRef idx="0"/>
+    <cs:effectRef idx="0"/>
+    <cs:fontRef idx="minor">
+      <a:schemeClr val="tx1"/>
+    </cs:fontRef>
+    <cs:spPr>
+      <a:noFill/>
+      <a:ln>
+        <a:noFill/>
+      </a:ln>
+    </cs:spPr>
+  </cs:floor>
+  <cs:gridlineMajor>
+    <cs:lnRef idx="0"/>
+    <cs:fillRef idx="0"/>
+    <cs:effectRef idx="0"/>
+    <cs:fontRef idx="minor">
+      <a:schemeClr val="tx1"/>
+    </cs:fontRef>
+    <cs:spPr>
+      <a:ln w="9525" cap="flat" cmpd="sng" algn="ctr">
+        <a:solidFill>
+          <a:schemeClr val="tx1">
+            <a:lumMod val="15000"/>
+            <a:lumOff val="85000"/>
+          </a:schemeClr>
+        </a:solidFill>
+        <a:round/>
+      </a:ln>
+    </cs:spPr>
+  </cs:gridlineMajor>
+  <cs:gridlineMinor>
+    <cs:lnRef idx="0"/>
+    <cs:fillRef idx="0"/>
+    <cs:effectRef idx="0"/>
+    <cs:fontRef idx="minor">
+      <a:schemeClr val="tx1"/>
+    </cs:fontRef>
+    <cs:spPr>
+      <a:ln w="9525" cap="flat" cmpd="sng" algn="ctr">
+        <a:solidFill>
+          <a:schemeClr val="tx1">
+            <a:lumMod val="5000"/>
+            <a:lumOff val="95000"/>
+          </a:schemeClr>
+        </a:solidFill>
+        <a:round/>
+      </a:ln>
+    </cs:spPr>
+  </cs:gridlineMinor>
+  <cs:hiLoLine>
+    <cs:lnRef idx="0"/>
+    <cs:fillRef idx="0"/>
+    <cs:effectRef idx="0"/>
+    <cs:fontRef idx="minor">
+      <a:schemeClr val="tx1"/>
+    </cs:fontRef>
+    <cs:spPr>
+      <a:ln w="9525" cap="flat" cmpd="sng" algn="ctr">
+        <a:solidFill>
+          <a:schemeClr val="tx1">
+            <a:lumMod val="75000"/>
+            <a:lumOff val="25000"/>
+          </a:schemeClr>
+        </a:solidFill>
+        <a:round/>
+      </a:ln>
+    </cs:spPr>
+  </cs:hiLoLine>
+  <cs:leaderLine>
+    <cs:lnRef idx="0"/>
+    <cs:fillRef idx="0"/>
+    <cs:effectRef idx="0"/>
+    <cs:fontRef idx="minor">
+      <a:schemeClr val="tx1"/>
+    </cs:fontRef>
+    <cs:spPr>
+      <a:ln w="9525" cap="flat" cmpd="sng" algn="ctr">
+        <a:solidFill>
+          <a:schemeClr val="tx1">
+            <a:lumMod val="35000"/>
+            <a:lumOff val="65000"/>
+          </a:schemeClr>
+        </a:solidFill>
+        <a:round/>
+      </a:ln>
+    </cs:spPr>
+  </cs:leaderLine>
+  <cs:legend>
+    <cs:lnRef idx="0"/>
+    <cs:fillRef idx="0"/>
+    <cs:effectRef idx="0"/>
+    <cs:fontRef idx="minor">
+      <a:schemeClr val="tx1">
+        <a:lumMod val="65000"/>
+        <a:lumOff val="35000"/>
+      </a:schemeClr>
+    </cs:fontRef>
+    <cs:defRPr sz="1197" kern="1200"/>
+  </cs:legend>
+  <cs:plotArea mods="allowNoFillOverride allowNoLineOverride">
+    <cs:lnRef idx="0"/>
+    <cs:fillRef idx="0"/>
+    <cs:effectRef idx="0"/>
+    <cs:fontRef idx="minor">
+      <a:schemeClr val="tx1"/>
+    </cs:fontRef>
+  </cs:plotArea>
+  <cs:plotArea3D mods="allowNoFillOverride allowNoLineOverride">
+    <cs:lnRef idx="0"/>
+    <cs:fillRef idx="0"/>
+    <cs:effectRef idx="0"/>
+    <cs:fontRef idx="minor">
+      <a:schemeClr val="tx1"/>
+    </cs:fontRef>
+  </cs:plotArea3D>
+  <cs:seriesAxis>
+    <cs:lnRef idx="0"/>
+    <cs:fillRef idx="0"/>
+    <cs:effectRef idx="0"/>
+    <cs:fontRef idx="minor">
+      <a:schemeClr val="tx1">
+        <a:lumMod val="65000"/>
+        <a:lumOff val="35000"/>
+      </a:schemeClr>
+    </cs:fontRef>
+    <cs:defRPr sz="1197" kern="1200"/>
+  </cs:seriesAxis>
+  <cs:seriesLine>
+    <cs:lnRef idx="0"/>
+    <cs:fillRef idx="0"/>
+    <cs:effectRef idx="0"/>
+    <cs:fontRef idx="minor">
+      <a:schemeClr val="tx1"/>
+    </cs:fontRef>
+    <cs:spPr>
+      <a:ln w="9525" cap="flat" cmpd="sng" algn="ctr">
+        <a:solidFill>
+          <a:schemeClr val="tx1">
+            <a:lumMod val="35000"/>
+            <a:lumOff val="65000"/>
+          </a:schemeClr>
+        </a:solidFill>
+        <a:round/>
+      </a:ln>
+    </cs:spPr>
+  </cs:seriesLine>
+  <cs:title>
+    <cs:lnRef idx="0"/>
+    <cs:fillRef idx="0"/>
+    <cs:effectRef idx="0"/>
+    <cs:fontRef idx="minor">
+      <a:schemeClr val="tx1">
+        <a:lumMod val="65000"/>
+        <a:lumOff val="35000"/>
+      </a:schemeClr>
+    </cs:fontRef>
+    <cs:defRPr sz="1862" b="0" kern="1200" spc="0" baseline="0"/>
+  </cs:title>
+  <cs:trendline>
+    <cs:lnRef idx="0">
+      <cs:styleClr val="auto"/>
+    </cs:lnRef>
+    <cs:fillRef idx="0"/>
+    <cs:effectRef idx="0"/>
+    <cs:fontRef idx="minor">
+      <a:schemeClr val="tx1"/>
+    </cs:fontRef>
+    <cs:spPr>
+      <a:ln w="19050" cap="rnd">
+        <a:solidFill>
+          <a:schemeClr val="phClr"/>
+        </a:solidFill>
+        <a:prstDash val="sysDot"/>
+      </a:ln>
+    </cs:spPr>
+  </cs:trendline>
+  <cs:trendlineLabel>
+    <cs:lnRef idx="0"/>
+    <cs:fillRef idx="0"/>
+    <cs:effectRef idx="0"/>
+    <cs:fontRef idx="minor">
+      <a:schemeClr val="tx1">
+        <a:lumMod val="65000"/>
+        <a:lumOff val="35000"/>
+      </a:schemeClr>
+    </cs:fontRef>
+    <cs:defRPr sz="1197" kern="1200"/>
+  </cs:trendlineLabel>
+  <cs:upBar>
+    <cs:lnRef idx="0"/>
+    <cs:fillRef idx="0"/>
+    <cs:effectRef idx="0"/>
+    <cs:fontRef idx="minor">
+      <a:schemeClr val="dk1"/>
+    </cs:fontRef>
+    <cs:spPr>
+      <a:solidFill>
+        <a:schemeClr val="lt1"/>
+      </a:solidFill>
+      <a:ln w="9525">
+        <a:solidFill>
+          <a:schemeClr val="tx1">
+            <a:lumMod val="15000"/>
+            <a:lumOff val="85000"/>
+          </a:schemeClr>
+        </a:solidFill>
+      </a:ln>
+    </cs:spPr>
+  </cs:upBar>
+  <cs:valueAxis>
+    <cs:lnRef idx="0"/>
+    <cs:fillRef idx="0"/>
+    <cs:effectRef idx="0"/>
+    <cs:fontRef idx="minor">
+      <a:schemeClr val="tx1">
+        <a:lumMod val="65000"/>
+        <a:lumOff val="35000"/>
+      </a:schemeClr>
+    </cs:fontRef>
+    <cs:defRPr sz="1197" kern="1200"/>
+  </cs:valueAxis>
+  <cs:wall>
+    <cs:lnRef idx="0"/>
+    <cs:fillRef idx="0"/>
+    <cs:effectRef idx="0"/>
+    <cs:fontRef idx="minor">
+      <a:schemeClr val="tx1"/>
+    </cs:fontRef>
+    <cs:spPr>
+      <a:noFill/>
+      <a:ln>
+        <a:noFill/>
+      </a:ln>
+    </cs:spPr>
+  </cs:wall>
+</cs:chartStyle>
+</file>
+
+<file path=ppt/charts/style3.xml><?xml version="1.0" encoding="utf-8"?>
+<cs:chartStyle xmlns:cs="http://schemas.microsoft.com/office/drawing/2012/chartStyle" xmlns:a="http://schemas.openxmlformats.org/drawingml/2006/main" id="201">
+  <cs:axisTitle>
+    <cs:lnRef idx="0"/>
+    <cs:fillRef idx="0"/>
+    <cs:effectRef idx="0"/>
+    <cs:fontRef idx="minor">
+      <a:schemeClr val="tx1">
+        <a:lumMod val="65000"/>
+        <a:lumOff val="35000"/>
+      </a:schemeClr>
+    </cs:fontRef>
+    <cs:defRPr sz="1330" kern="1200"/>
+  </cs:axisTitle>
+  <cs:categoryAxis>
+    <cs:lnRef idx="0"/>
+    <cs:fillRef idx="0"/>
+    <cs:effectRef idx="0"/>
+    <cs:fontRef idx="minor">
+      <a:schemeClr val="tx1">
+        <a:lumMod val="65000"/>
+        <a:lumOff val="35000"/>
+      </a:schemeClr>
+    </cs:fontRef>
+    <cs:spPr>
+      <a:ln w="9525" cap="flat" cmpd="sng" algn="ctr">
+        <a:solidFill>
+          <a:schemeClr val="tx1">
+            <a:lumMod val="15000"/>
+            <a:lumOff val="85000"/>
+          </a:schemeClr>
+        </a:solidFill>
+        <a:round/>
+      </a:ln>
+    </cs:spPr>
+    <cs:defRPr sz="1197" kern="1200"/>
+  </cs:categoryAxis>
+  <cs:chartArea mods="allowNoFillOverride allowNoLineOverride">
+    <cs:lnRef idx="0"/>
+    <cs:fillRef idx="0"/>
+    <cs:effectRef idx="0"/>
+    <cs:fontRef idx="minor">
+      <a:schemeClr val="tx1"/>
+    </cs:fontRef>
+    <cs:spPr>
+      <a:solidFill>
+        <a:schemeClr val="bg1"/>
+      </a:solidFill>
+      <a:ln w="9525" cap="flat" cmpd="sng" algn="ctr">
+        <a:solidFill>
+          <a:schemeClr val="tx1">
+            <a:lumMod val="15000"/>
+            <a:lumOff val="85000"/>
+          </a:schemeClr>
+        </a:solidFill>
+        <a:round/>
+      </a:ln>
+    </cs:spPr>
+    <cs:defRPr sz="1330" kern="1200"/>
+  </cs:chartArea>
+  <cs:dataLabel>
+    <cs:lnRef idx="0"/>
+    <cs:fillRef idx="0"/>
+    <cs:effectRef idx="0"/>
+    <cs:fontRef idx="minor">
+      <a:schemeClr val="tx1">
+        <a:lumMod val="75000"/>
+        <a:lumOff val="25000"/>
+      </a:schemeClr>
+    </cs:fontRef>
+    <cs:defRPr sz="1197" kern="1200"/>
+  </cs:dataLabel>
+  <cs:dataLabelCallout>
+    <cs:lnRef idx="0"/>
+    <cs:fillRef idx="0"/>
+    <cs:effectRef idx="0"/>
+    <cs:fontRef idx="minor">
+      <a:schemeClr val="dk1">
+        <a:lumMod val="65000"/>
+        <a:lumOff val="35000"/>
+      </a:schemeClr>
+    </cs:fontRef>
+    <cs:spPr>
+      <a:solidFill>
+        <a:schemeClr val="lt1"/>
+      </a:solidFill>
+      <a:ln>
+        <a:solidFill>
+          <a:schemeClr val="dk1">
+            <a:lumMod val="25000"/>
+            <a:lumOff val="75000"/>
+          </a:schemeClr>
+        </a:solidFill>
+      </a:ln>
+    </cs:spPr>
+    <cs:defRPr sz="1197" kern="1200"/>
+    <cs:bodyPr rot="0" spcFirstLastPara="1" vertOverflow="clip" horzOverflow="clip" vert="horz" wrap="square" lIns="36576" tIns="18288" rIns="36576" bIns="18288" anchor="ctr" anchorCtr="1">
+      <a:spAutoFit/>
+    </cs:bodyPr>
+  </cs:dataLabelCallout>
+  <cs:dataPoint>
+    <cs:lnRef idx="0"/>
+    <cs:fillRef idx="1">
+      <cs:styleClr val="auto"/>
+    </cs:fillRef>
+    <cs:effectRef idx="0"/>
+    <cs:fontRef idx="minor">
+      <a:schemeClr val="tx1"/>
+    </cs:fontRef>
+  </cs:dataPoint>
+  <cs:dataPoint3D>
+    <cs:lnRef idx="0"/>
+    <cs:fillRef idx="1">
+      <cs:styleClr val="auto"/>
+    </cs:fillRef>
+    <cs:effectRef idx="0"/>
+    <cs:fontRef idx="minor">
+      <a:schemeClr val="tx1"/>
+    </cs:fontRef>
+  </cs:dataPoint3D>
+  <cs:dataPointLine>
+    <cs:lnRef idx="0">
+      <cs:styleClr val="auto"/>
+    </cs:lnRef>
+    <cs:fillRef idx="1"/>
+    <cs:effectRef idx="0"/>
+    <cs:fontRef idx="minor">
+      <a:schemeClr val="tx1"/>
+    </cs:fontRef>
+    <cs:spPr>
+      <a:ln w="28575" cap="rnd">
+        <a:solidFill>
+          <a:schemeClr val="phClr"/>
+        </a:solidFill>
+        <a:round/>
+      </a:ln>
+    </cs:spPr>
+  </cs:dataPointLine>
+  <cs:dataPointMarker>
+    <cs:lnRef idx="0">
+      <cs:styleClr val="auto"/>
+    </cs:lnRef>
+    <cs:fillRef idx="1">
+      <cs:styleClr val="auto"/>
+    </cs:fillRef>
+    <cs:effectRef idx="0"/>
+    <cs:fontRef idx="minor">
+      <a:schemeClr val="tx1"/>
+    </cs:fontRef>
+    <cs:spPr>
+      <a:ln w="9525">
+        <a:solidFill>
+          <a:schemeClr val="phClr"/>
+        </a:solidFill>
+      </a:ln>
+    </cs:spPr>
+  </cs:dataPointMarker>
+  <cs:dataPointMarkerLayout symbol="circle" size="5"/>
+  <cs:dataPointWireframe>
+    <cs:lnRef idx="0">
+      <cs:styleClr val="auto"/>
+    </cs:lnRef>
+    <cs:fillRef idx="1"/>
+    <cs:effectRef idx="0"/>
+    <cs:fontRef idx="minor">
+      <a:schemeClr val="tx1"/>
+    </cs:fontRef>
+    <cs:spPr>
+      <a:ln w="9525" cap="rnd">
+        <a:solidFill>
+          <a:schemeClr val="phClr"/>
+        </a:solidFill>
+        <a:round/>
+      </a:ln>
+    </cs:spPr>
+  </cs:dataPointWireframe>
+  <cs:dataTable>
+    <cs:lnRef idx="0"/>
+    <cs:fillRef idx="0"/>
+    <cs:effectRef idx="0"/>
+    <cs:fontRef idx="minor">
+      <a:schemeClr val="tx1">
+        <a:lumMod val="65000"/>
+        <a:lumOff val="35000"/>
+      </a:schemeClr>
+    </cs:fontRef>
+    <cs:spPr>
+      <a:noFill/>
+      <a:ln w="9525" cap="flat" cmpd="sng" algn="ctr">
+        <a:solidFill>
+          <a:schemeClr val="tx1">
+            <a:lumMod val="15000"/>
+            <a:lumOff val="85000"/>
+          </a:schemeClr>
+        </a:solidFill>
+        <a:round/>
+      </a:ln>
+    </cs:spPr>
+    <cs:defRPr sz="1197" kern="1200"/>
+  </cs:dataTable>
+  <cs:downBar>
+    <cs:lnRef idx="0"/>
+    <cs:fillRef idx="0"/>
+    <cs:effectRef idx="0"/>
+    <cs:fontRef idx="minor">
+      <a:schemeClr val="dk1"/>
+    </cs:fontRef>
+    <cs:spPr>
+      <a:solidFill>
+        <a:schemeClr val="dk1">
+          <a:lumMod val="65000"/>
+          <a:lumOff val="35000"/>
+        </a:schemeClr>
+      </a:solidFill>
+      <a:ln w="9525">
+        <a:solidFill>
+          <a:schemeClr val="tx1">
+            <a:lumMod val="65000"/>
+            <a:lumOff val="35000"/>
+          </a:schemeClr>
+        </a:solidFill>
+      </a:ln>
+    </cs:spPr>
+  </cs:downBar>
+  <cs:dropLine>
+    <cs:lnRef idx="0"/>
+    <cs:fillRef idx="0"/>
+    <cs:effectRef idx="0"/>
+    <cs:fontRef idx="minor">
+      <a:schemeClr val="tx1"/>
+    </cs:fontRef>
+    <cs:spPr>
+      <a:ln w="9525" cap="flat" cmpd="sng" algn="ctr">
+        <a:solidFill>
+          <a:schemeClr val="tx1">
+            <a:lumMod val="35000"/>
+            <a:lumOff val="65000"/>
+          </a:schemeClr>
+        </a:solidFill>
+        <a:round/>
+      </a:ln>
+    </cs:spPr>
+  </cs:dropLine>
+  <cs:errorBar>
+    <cs:lnRef idx="0"/>
+    <cs:fillRef idx="0"/>
+    <cs:effectRef idx="0"/>
+    <cs:fontRef idx="minor">
+      <a:schemeClr val="tx1"/>
+    </cs:fontRef>
+    <cs:spPr>
+      <a:ln w="9525" cap="flat" cmpd="sng" algn="ctr">
+        <a:solidFill>
+          <a:schemeClr val="tx1">
+            <a:lumMod val="65000"/>
+            <a:lumOff val="35000"/>
+          </a:schemeClr>
+        </a:solidFill>
+        <a:round/>
+      </a:ln>
+    </cs:spPr>
+  </cs:errorBar>
+  <cs:floor>
+    <cs:lnRef idx="0"/>
+    <cs:fillRef idx="0"/>
+    <cs:effectRef idx="0"/>
+    <cs:fontRef idx="minor">
+      <a:schemeClr val="tx1"/>
+    </cs:fontRef>
+    <cs:spPr>
+      <a:noFill/>
+      <a:ln>
+        <a:noFill/>
+      </a:ln>
+    </cs:spPr>
+  </cs:floor>
+  <cs:gridlineMajor>
+    <cs:lnRef idx="0"/>
+    <cs:fillRef idx="0"/>
+    <cs:effectRef idx="0"/>
+    <cs:fontRef idx="minor">
+      <a:schemeClr val="tx1"/>
+    </cs:fontRef>
+    <cs:spPr>
+      <a:ln w="9525" cap="flat" cmpd="sng" algn="ctr">
+        <a:solidFill>
+          <a:schemeClr val="tx1">
+            <a:lumMod val="15000"/>
+            <a:lumOff val="85000"/>
+          </a:schemeClr>
+        </a:solidFill>
+        <a:round/>
+      </a:ln>
+    </cs:spPr>
+  </cs:gridlineMajor>
+  <cs:gridlineMinor>
+    <cs:lnRef idx="0"/>
+    <cs:fillRef idx="0"/>
+    <cs:effectRef idx="0"/>
+    <cs:fontRef idx="minor">
+      <a:schemeClr val="tx1"/>
+    </cs:fontRef>
+    <cs:spPr>
+      <a:ln w="9525" cap="flat" cmpd="sng" algn="ctr">
+        <a:solidFill>
+          <a:schemeClr val="tx1">
+            <a:lumMod val="5000"/>
+            <a:lumOff val="95000"/>
+          </a:schemeClr>
+        </a:solidFill>
+        <a:round/>
+      </a:ln>
+    </cs:spPr>
+  </cs:gridlineMinor>
+  <cs:hiLoLine>
+    <cs:lnRef idx="0"/>
+    <cs:fillRef idx="0"/>
+    <cs:effectRef idx="0"/>
+    <cs:fontRef idx="minor">
+      <a:schemeClr val="tx1"/>
+    </cs:fontRef>
+    <cs:spPr>
+      <a:ln w="9525" cap="flat" cmpd="sng" algn="ctr">
+        <a:solidFill>
+          <a:schemeClr val="tx1">
+            <a:lumMod val="75000"/>
+            <a:lumOff val="25000"/>
+          </a:schemeClr>
+        </a:solidFill>
+        <a:round/>
+      </a:ln>
+    </cs:spPr>
+  </cs:hiLoLine>
+  <cs:leaderLine>
+    <cs:lnRef idx="0"/>
+    <cs:fillRef idx="0"/>
+    <cs:effectRef idx="0"/>
+    <cs:fontRef idx="minor">
+      <a:schemeClr val="tx1"/>
+    </cs:fontRef>
+    <cs:spPr>
+      <a:ln w="9525" cap="flat" cmpd="sng" algn="ctr">
+        <a:solidFill>
+          <a:schemeClr val="tx1">
+            <a:lumMod val="35000"/>
+            <a:lumOff val="65000"/>
+          </a:schemeClr>
+        </a:solidFill>
+        <a:round/>
+      </a:ln>
+    </cs:spPr>
+  </cs:leaderLine>
+  <cs:legend>
+    <cs:lnRef idx="0"/>
+    <cs:fillRef idx="0"/>
+    <cs:effectRef idx="0"/>
+    <cs:fontRef idx="minor">
+      <a:schemeClr val="tx1">
+        <a:lumMod val="65000"/>
+        <a:lumOff val="35000"/>
+      </a:schemeClr>
+    </cs:fontRef>
+    <cs:defRPr sz="1197" kern="1200"/>
+  </cs:legend>
+  <cs:plotArea mods="allowNoFillOverride allowNoLineOverride">
+    <cs:lnRef idx="0"/>
+    <cs:fillRef idx="0"/>
+    <cs:effectRef idx="0"/>
+    <cs:fontRef idx="minor">
+      <a:schemeClr val="tx1"/>
+    </cs:fontRef>
+  </cs:plotArea>
+  <cs:plotArea3D mods="allowNoFillOverride allowNoLineOverride">
+    <cs:lnRef idx="0"/>
+    <cs:fillRef idx="0"/>
+    <cs:effectRef idx="0"/>
+    <cs:fontRef idx="minor">
+      <a:schemeClr val="tx1"/>
+    </cs:fontRef>
+  </cs:plotArea3D>
+  <cs:seriesAxis>
+    <cs:lnRef idx="0"/>
+    <cs:fillRef idx="0"/>
+    <cs:effectRef idx="0"/>
+    <cs:fontRef idx="minor">
+      <a:schemeClr val="tx1">
+        <a:lumMod val="65000"/>
+        <a:lumOff val="35000"/>
+      </a:schemeClr>
+    </cs:fontRef>
+    <cs:defRPr sz="1197" kern="1200"/>
+  </cs:seriesAxis>
+  <cs:seriesLine>
+    <cs:lnRef idx="0"/>
+    <cs:fillRef idx="0"/>
+    <cs:effectRef idx="0"/>
+    <cs:fontRef idx="minor">
+      <a:schemeClr val="tx1"/>
+    </cs:fontRef>
+    <cs:spPr>
+      <a:ln w="9525" cap="flat" cmpd="sng" algn="ctr">
+        <a:solidFill>
+          <a:schemeClr val="tx1">
+            <a:lumMod val="35000"/>
+            <a:lumOff val="65000"/>
+          </a:schemeClr>
+        </a:solidFill>
+        <a:round/>
+      </a:ln>
+    </cs:spPr>
+  </cs:seriesLine>
+  <cs:title>
+    <cs:lnRef idx="0"/>
+    <cs:fillRef idx="0"/>
+    <cs:effectRef idx="0"/>
+    <cs:fontRef idx="minor">
+      <a:schemeClr val="tx1">
+        <a:lumMod val="65000"/>
+        <a:lumOff val="35000"/>
+      </a:schemeClr>
+    </cs:fontRef>
+    <cs:defRPr sz="1862" b="0" kern="1200" spc="0" baseline="0"/>
+  </cs:title>
+  <cs:trendline>
+    <cs:lnRef idx="0">
+      <cs:styleClr val="auto"/>
+    </cs:lnRef>
+    <cs:fillRef idx="0"/>
+    <cs:effectRef idx="0"/>
+    <cs:fontRef idx="minor">
+      <a:schemeClr val="tx1"/>
+    </cs:fontRef>
+    <cs:spPr>
+      <a:ln w="19050" cap="rnd">
+        <a:solidFill>
+          <a:schemeClr val="phClr"/>
+        </a:solidFill>
+        <a:prstDash val="sysDot"/>
+      </a:ln>
+    </cs:spPr>
+  </cs:trendline>
+  <cs:trendlineLabel>
+    <cs:lnRef idx="0"/>
+    <cs:fillRef idx="0"/>
+    <cs:effectRef idx="0"/>
+    <cs:fontRef idx="minor">
+      <a:schemeClr val="tx1">
+        <a:lumMod val="65000"/>
+        <a:lumOff val="35000"/>
+      </a:schemeClr>
+    </cs:fontRef>
+    <cs:defRPr sz="1197" kern="1200"/>
+  </cs:trendlineLabel>
+  <cs:upBar>
+    <cs:lnRef idx="0"/>
+    <cs:fillRef idx="0"/>
+    <cs:effectRef idx="0"/>
+    <cs:fontRef idx="minor">
+      <a:schemeClr val="dk1"/>
+    </cs:fontRef>
+    <cs:spPr>
+      <a:solidFill>
+        <a:schemeClr val="lt1"/>
+      </a:solidFill>
+      <a:ln w="9525">
+        <a:solidFill>
+          <a:schemeClr val="tx1">
+            <a:lumMod val="15000"/>
+            <a:lumOff val="85000"/>
+          </a:schemeClr>
+        </a:solidFill>
+      </a:ln>
+    </cs:spPr>
+  </cs:upBar>
+  <cs:valueAxis>
+    <cs:lnRef idx="0"/>
+    <cs:fillRef idx="0"/>
+    <cs:effectRef idx="0"/>
+    <cs:fontRef idx="minor">
+      <a:schemeClr val="tx1">
+        <a:lumMod val="65000"/>
+        <a:lumOff val="35000"/>
+      </a:schemeClr>
+    </cs:fontRef>
+    <cs:defRPr sz="1197" kern="1200"/>
+  </cs:valueAxis>
+  <cs:wall>
+    <cs:lnRef idx="0"/>
+    <cs:fillRef idx="0"/>
+    <cs:effectRef idx="0"/>
+    <cs:fontRef idx="minor">
+      <a:schemeClr val="tx1"/>
+    </cs:fontRef>
+    <cs:spPr>
+      <a:noFill/>
+      <a:ln>
+        <a:noFill/>
+      </a:ln>
+    </cs:spPr>
+  </cs:wall>
+</cs:chartStyle>
+</file>
+
+<file path=ppt/charts/style4.xml><?xml version="1.0" encoding="utf-8"?>
 <cs:chartStyle xmlns:cs="http://schemas.microsoft.com/office/drawing/2012/chartStyle" xmlns:a="http://schemas.openxmlformats.org/drawingml/2006/main" id="263">
   <cs:axisTitle>
     <cs:lnRef idx="0"/>
@@ -6395,800 +8863,6 @@
       <dsp:cNvGrpSpPr/>
     </dsp:nvGrpSpPr>
     <dsp:grpSpPr/>
-    <dsp:sp modelId="{506CC8FD-2E26-4AE7-B13D-71BBCE420E2C}">
-      <dsp:nvSpPr>
-        <dsp:cNvPr id="0" name=""/>
-        <dsp:cNvSpPr/>
-      </dsp:nvSpPr>
-      <dsp:spPr>
-        <a:xfrm>
-          <a:off x="1724949" y="1204142"/>
-          <a:ext cx="915812" cy="915812"/>
-        </a:xfrm>
-        <a:prstGeom prst="ellipse">
-          <a:avLst/>
-        </a:prstGeom>
-        <a:solidFill>
-          <a:srgbClr val="92D050"/>
-        </a:solidFill>
-        <a:ln w="25400" cap="flat" cmpd="sng" algn="ctr">
-          <a:solidFill>
-            <a:schemeClr val="accent3">
-              <a:lumMod val="75000"/>
-            </a:schemeClr>
-          </a:solidFill>
-          <a:prstDash val="solid"/>
-        </a:ln>
-        <a:effectLst/>
-      </dsp:spPr>
-      <dsp:style>
-        <a:lnRef idx="2">
-          <a:scrgbClr r="0" g="0" b="0"/>
-        </a:lnRef>
-        <a:fillRef idx="1">
-          <a:scrgbClr r="0" g="0" b="0"/>
-        </a:fillRef>
-        <a:effectRef idx="0">
-          <a:scrgbClr r="0" g="0" b="0"/>
-        </a:effectRef>
-        <a:fontRef idx="minor">
-          <a:schemeClr val="lt1"/>
-        </a:fontRef>
-      </dsp:style>
-      <dsp:txBody>
-        <a:bodyPr spcFirstLastPara="0" vert="horz" wrap="square" lIns="12700" tIns="12700" rIns="12700" bIns="12700" numCol="1" spcCol="1270" anchor="ctr" anchorCtr="0">
-          <a:noAutofit/>
-        </a:bodyPr>
-        <a:lstStyle/>
-        <a:p>
-          <a:pPr lvl="0" algn="ctr" defTabSz="889000">
-            <a:lnSpc>
-              <a:spcPct val="90000"/>
-            </a:lnSpc>
-            <a:spcBef>
-              <a:spcPct val="0"/>
-            </a:spcBef>
-            <a:spcAft>
-              <a:spcPct val="35000"/>
-            </a:spcAft>
-          </a:pPr>
-          <a:r>
-            <a:rPr lang="en-US" sz="2000" kern="1200" dirty="0" smtClean="0"/>
-            <a:t>SaaS</a:t>
-          </a:r>
-          <a:endParaRPr lang="ru-RU" sz="2000" kern="1200" dirty="0"/>
-        </a:p>
-      </dsp:txBody>
-      <dsp:txXfrm>
-        <a:off x="1859067" y="1338260"/>
-        <a:ext cx="647576" cy="647576"/>
-      </dsp:txXfrm>
-    </dsp:sp>
-    <dsp:sp modelId="{BD3E845E-4D7C-4CE3-83BC-20831ED88AEC}">
-      <dsp:nvSpPr>
-        <dsp:cNvPr id="0" name=""/>
-        <dsp:cNvSpPr/>
-      </dsp:nvSpPr>
-      <dsp:spPr>
-        <a:xfrm rot="16200000">
-          <a:off x="2044493" y="1046901"/>
-          <a:ext cx="276723" cy="37759"/>
-        </a:xfrm>
-        <a:custGeom>
-          <a:avLst/>
-          <a:gdLst/>
-          <a:ahLst/>
-          <a:cxnLst/>
-          <a:rect l="0" t="0" r="0" b="0"/>
-          <a:pathLst>
-            <a:path>
-              <a:moveTo>
-                <a:pt x="0" y="18879"/>
-              </a:moveTo>
-              <a:lnTo>
-                <a:pt x="276723" y="18879"/>
-              </a:lnTo>
-            </a:path>
-          </a:pathLst>
-        </a:custGeom>
-        <a:noFill/>
-        <a:ln w="25400" cap="flat" cmpd="sng" algn="ctr">
-          <a:solidFill>
-            <a:schemeClr val="accent1">
-              <a:shade val="60000"/>
-              <a:hueOff val="0"/>
-              <a:satOff val="0"/>
-              <a:lumOff val="0"/>
-              <a:alphaOff val="0"/>
-            </a:schemeClr>
-          </a:solidFill>
-          <a:prstDash val="solid"/>
-        </a:ln>
-        <a:effectLst/>
-      </dsp:spPr>
-      <dsp:style>
-        <a:lnRef idx="2">
-          <a:scrgbClr r="0" g="0" b="0"/>
-        </a:lnRef>
-        <a:fillRef idx="0">
-          <a:scrgbClr r="0" g="0" b="0"/>
-        </a:fillRef>
-        <a:effectRef idx="0">
-          <a:scrgbClr r="0" g="0" b="0"/>
-        </a:effectRef>
-        <a:fontRef idx="minor"/>
-      </dsp:style>
-      <dsp:txBody>
-        <a:bodyPr spcFirstLastPara="0" vert="horz" wrap="square" lIns="12700" tIns="0" rIns="12700" bIns="0" numCol="1" spcCol="1270" anchor="ctr" anchorCtr="0">
-          <a:noAutofit/>
-        </a:bodyPr>
-        <a:lstStyle/>
-        <a:p>
-          <a:pPr lvl="0" algn="ctr" defTabSz="222250">
-            <a:lnSpc>
-              <a:spcPct val="90000"/>
-            </a:lnSpc>
-            <a:spcBef>
-              <a:spcPct val="0"/>
-            </a:spcBef>
-            <a:spcAft>
-              <a:spcPct val="35000"/>
-            </a:spcAft>
-          </a:pPr>
-          <a:endParaRPr lang="ru-RU" sz="500" kern="1200"/>
-        </a:p>
-      </dsp:txBody>
-      <dsp:txXfrm>
-        <a:off x="2175937" y="1058862"/>
-        <a:ext cx="13836" cy="13836"/>
-      </dsp:txXfrm>
-    </dsp:sp>
-    <dsp:sp modelId="{19A07A34-1010-48C6-A801-BD8D5D256EA9}">
-      <dsp:nvSpPr>
-        <dsp:cNvPr id="0" name=""/>
-        <dsp:cNvSpPr/>
-      </dsp:nvSpPr>
-      <dsp:spPr>
-        <a:xfrm>
-          <a:off x="1724949" y="11606"/>
-          <a:ext cx="915812" cy="915812"/>
-        </a:xfrm>
-        <a:prstGeom prst="ellipse">
-          <a:avLst/>
-        </a:prstGeom>
-        <a:solidFill>
-          <a:srgbClr val="00B0F0"/>
-        </a:solidFill>
-        <a:ln w="25400" cap="flat" cmpd="sng" algn="ctr">
-          <a:solidFill>
-            <a:schemeClr val="tx2">
-              <a:lumMod val="60000"/>
-              <a:lumOff val="40000"/>
-            </a:schemeClr>
-          </a:solidFill>
-          <a:prstDash val="solid"/>
-        </a:ln>
-        <a:effectLst/>
-      </dsp:spPr>
-      <dsp:style>
-        <a:lnRef idx="2">
-          <a:scrgbClr r="0" g="0" b="0"/>
-        </a:lnRef>
-        <a:fillRef idx="1">
-          <a:scrgbClr r="0" g="0" b="0"/>
-        </a:fillRef>
-        <a:effectRef idx="0">
-          <a:scrgbClr r="0" g="0" b="0"/>
-        </a:effectRef>
-        <a:fontRef idx="minor">
-          <a:schemeClr val="lt1"/>
-        </a:fontRef>
-      </dsp:style>
-      <dsp:txBody>
-        <a:bodyPr spcFirstLastPara="0" vert="horz" wrap="square" lIns="12700" tIns="12700" rIns="12700" bIns="12700" numCol="1" spcCol="1270" anchor="ctr" anchorCtr="0">
-          <a:noAutofit/>
-        </a:bodyPr>
-        <a:lstStyle/>
-        <a:p>
-          <a:pPr lvl="0" algn="ctr" defTabSz="889000">
-            <a:lnSpc>
-              <a:spcPct val="90000"/>
-            </a:lnSpc>
-            <a:spcBef>
-              <a:spcPct val="0"/>
-            </a:spcBef>
-            <a:spcAft>
-              <a:spcPct val="35000"/>
-            </a:spcAft>
-          </a:pPr>
-          <a:endParaRPr lang="ru-RU" sz="2000" kern="1200"/>
-        </a:p>
-      </dsp:txBody>
-      <dsp:txXfrm>
-        <a:off x="1859067" y="145724"/>
-        <a:ext cx="647576" cy="647576"/>
-      </dsp:txXfrm>
-    </dsp:sp>
-    <dsp:sp modelId="{A40744F3-8F59-4D61-9DF6-A37D24278559}">
-      <dsp:nvSpPr>
-        <dsp:cNvPr id="0" name=""/>
-        <dsp:cNvSpPr/>
-      </dsp:nvSpPr>
-      <dsp:spPr>
-        <a:xfrm rot="20520000">
-          <a:off x="2611578" y="1458912"/>
-          <a:ext cx="276723" cy="37759"/>
-        </a:xfrm>
-        <a:custGeom>
-          <a:avLst/>
-          <a:gdLst/>
-          <a:ahLst/>
-          <a:cxnLst/>
-          <a:rect l="0" t="0" r="0" b="0"/>
-          <a:pathLst>
-            <a:path>
-              <a:moveTo>
-                <a:pt x="0" y="18879"/>
-              </a:moveTo>
-              <a:lnTo>
-                <a:pt x="276723" y="18879"/>
-              </a:lnTo>
-            </a:path>
-          </a:pathLst>
-        </a:custGeom>
-        <a:noFill/>
-        <a:ln w="25400" cap="flat" cmpd="sng" algn="ctr">
-          <a:solidFill>
-            <a:schemeClr val="accent1">
-              <a:shade val="60000"/>
-              <a:hueOff val="0"/>
-              <a:satOff val="0"/>
-              <a:lumOff val="0"/>
-              <a:alphaOff val="0"/>
-            </a:schemeClr>
-          </a:solidFill>
-          <a:prstDash val="solid"/>
-        </a:ln>
-        <a:effectLst/>
-      </dsp:spPr>
-      <dsp:style>
-        <a:lnRef idx="2">
-          <a:scrgbClr r="0" g="0" b="0"/>
-        </a:lnRef>
-        <a:fillRef idx="0">
-          <a:scrgbClr r="0" g="0" b="0"/>
-        </a:fillRef>
-        <a:effectRef idx="0">
-          <a:scrgbClr r="0" g="0" b="0"/>
-        </a:effectRef>
-        <a:fontRef idx="minor"/>
-      </dsp:style>
-      <dsp:txBody>
-        <a:bodyPr spcFirstLastPara="0" vert="horz" wrap="square" lIns="12700" tIns="0" rIns="12700" bIns="0" numCol="1" spcCol="1270" anchor="ctr" anchorCtr="0">
-          <a:noAutofit/>
-        </a:bodyPr>
-        <a:lstStyle/>
-        <a:p>
-          <a:pPr lvl="0" algn="ctr" defTabSz="222250">
-            <a:lnSpc>
-              <a:spcPct val="90000"/>
-            </a:lnSpc>
-            <a:spcBef>
-              <a:spcPct val="0"/>
-            </a:spcBef>
-            <a:spcAft>
-              <a:spcPct val="35000"/>
-            </a:spcAft>
-          </a:pPr>
-          <a:endParaRPr lang="ru-RU" sz="500" kern="1200"/>
-        </a:p>
-      </dsp:txBody>
-      <dsp:txXfrm>
-        <a:off x="2743022" y="1470874"/>
-        <a:ext cx="13836" cy="13836"/>
-      </dsp:txXfrm>
-    </dsp:sp>
-    <dsp:sp modelId="{16A90822-693B-4AAA-A690-D1B7BBE713D3}">
-      <dsp:nvSpPr>
-        <dsp:cNvPr id="0" name=""/>
-        <dsp:cNvSpPr/>
-      </dsp:nvSpPr>
-      <dsp:spPr>
-        <a:xfrm>
-          <a:off x="2859118" y="835628"/>
-          <a:ext cx="915812" cy="915812"/>
-        </a:xfrm>
-        <a:prstGeom prst="ellipse">
-          <a:avLst/>
-        </a:prstGeom>
-        <a:solidFill>
-          <a:srgbClr val="00B0F0"/>
-        </a:solidFill>
-        <a:ln w="25400" cap="flat" cmpd="sng" algn="ctr">
-          <a:solidFill>
-            <a:schemeClr val="tx2">
-              <a:lumMod val="60000"/>
-              <a:lumOff val="40000"/>
-            </a:schemeClr>
-          </a:solidFill>
-          <a:prstDash val="solid"/>
-        </a:ln>
-        <a:effectLst/>
-      </dsp:spPr>
-      <dsp:style>
-        <a:lnRef idx="2">
-          <a:scrgbClr r="0" g="0" b="0"/>
-        </a:lnRef>
-        <a:fillRef idx="1">
-          <a:scrgbClr r="0" g="0" b="0"/>
-        </a:fillRef>
-        <a:effectRef idx="0">
-          <a:scrgbClr r="0" g="0" b="0"/>
-        </a:effectRef>
-        <a:fontRef idx="minor">
-          <a:schemeClr val="lt1"/>
-        </a:fontRef>
-      </dsp:style>
-      <dsp:txBody>
-        <a:bodyPr spcFirstLastPara="0" vert="horz" wrap="square" lIns="12700" tIns="12700" rIns="12700" bIns="12700" numCol="1" spcCol="1270" anchor="ctr" anchorCtr="0">
-          <a:noAutofit/>
-        </a:bodyPr>
-        <a:lstStyle/>
-        <a:p>
-          <a:pPr lvl="0" algn="ctr" defTabSz="889000">
-            <a:lnSpc>
-              <a:spcPct val="90000"/>
-            </a:lnSpc>
-            <a:spcBef>
-              <a:spcPct val="0"/>
-            </a:spcBef>
-            <a:spcAft>
-              <a:spcPct val="35000"/>
-            </a:spcAft>
-          </a:pPr>
-          <a:endParaRPr lang="ru-RU" sz="2000" kern="1200" dirty="0"/>
-        </a:p>
-      </dsp:txBody>
-      <dsp:txXfrm>
-        <a:off x="2993236" y="969746"/>
-        <a:ext cx="647576" cy="647576"/>
-      </dsp:txXfrm>
-    </dsp:sp>
-    <dsp:sp modelId="{0B2CB517-7DD7-48E1-8259-4393B3E0C3EC}">
-      <dsp:nvSpPr>
-        <dsp:cNvPr id="0" name=""/>
-        <dsp:cNvSpPr/>
-      </dsp:nvSpPr>
-      <dsp:spPr>
-        <a:xfrm rot="3240000">
-          <a:off x="2394971" y="2125560"/>
-          <a:ext cx="276723" cy="37759"/>
-        </a:xfrm>
-        <a:custGeom>
-          <a:avLst/>
-          <a:gdLst/>
-          <a:ahLst/>
-          <a:cxnLst/>
-          <a:rect l="0" t="0" r="0" b="0"/>
-          <a:pathLst>
-            <a:path>
-              <a:moveTo>
-                <a:pt x="0" y="18879"/>
-              </a:moveTo>
-              <a:lnTo>
-                <a:pt x="276723" y="18879"/>
-              </a:lnTo>
-            </a:path>
-          </a:pathLst>
-        </a:custGeom>
-        <a:noFill/>
-        <a:ln w="25400" cap="flat" cmpd="sng" algn="ctr">
-          <a:solidFill>
-            <a:schemeClr val="accent1">
-              <a:shade val="60000"/>
-              <a:hueOff val="0"/>
-              <a:satOff val="0"/>
-              <a:lumOff val="0"/>
-              <a:alphaOff val="0"/>
-            </a:schemeClr>
-          </a:solidFill>
-          <a:prstDash val="solid"/>
-        </a:ln>
-        <a:effectLst/>
-      </dsp:spPr>
-      <dsp:style>
-        <a:lnRef idx="2">
-          <a:scrgbClr r="0" g="0" b="0"/>
-        </a:lnRef>
-        <a:fillRef idx="0">
-          <a:scrgbClr r="0" g="0" b="0"/>
-        </a:fillRef>
-        <a:effectRef idx="0">
-          <a:scrgbClr r="0" g="0" b="0"/>
-        </a:effectRef>
-        <a:fontRef idx="minor"/>
-      </dsp:style>
-      <dsp:txBody>
-        <a:bodyPr spcFirstLastPara="0" vert="horz" wrap="square" lIns="12700" tIns="0" rIns="12700" bIns="0" numCol="1" spcCol="1270" anchor="ctr" anchorCtr="0">
-          <a:noAutofit/>
-        </a:bodyPr>
-        <a:lstStyle/>
-        <a:p>
-          <a:pPr lvl="0" algn="ctr" defTabSz="222250">
-            <a:lnSpc>
-              <a:spcPct val="90000"/>
-            </a:lnSpc>
-            <a:spcBef>
-              <a:spcPct val="0"/>
-            </a:spcBef>
-            <a:spcAft>
-              <a:spcPct val="35000"/>
-            </a:spcAft>
-          </a:pPr>
-          <a:endParaRPr lang="ru-RU" sz="500" kern="1200"/>
-        </a:p>
-      </dsp:txBody>
-      <dsp:txXfrm>
-        <a:off x="2526415" y="2137522"/>
-        <a:ext cx="13836" cy="13836"/>
-      </dsp:txXfrm>
-    </dsp:sp>
-    <dsp:sp modelId="{8F6D8065-965B-4A4F-B6F8-BDB592D2B4BF}">
-      <dsp:nvSpPr>
-        <dsp:cNvPr id="0" name=""/>
-        <dsp:cNvSpPr/>
-      </dsp:nvSpPr>
-      <dsp:spPr>
-        <a:xfrm>
-          <a:off x="2425904" y="2168924"/>
-          <a:ext cx="915812" cy="915812"/>
-        </a:xfrm>
-        <a:prstGeom prst="ellipse">
-          <a:avLst/>
-        </a:prstGeom>
-        <a:solidFill>
-          <a:srgbClr val="00B0F0"/>
-        </a:solidFill>
-        <a:ln w="25400" cap="flat" cmpd="sng" algn="ctr">
-          <a:solidFill>
-            <a:schemeClr val="tx2">
-              <a:lumMod val="60000"/>
-              <a:lumOff val="40000"/>
-            </a:schemeClr>
-          </a:solidFill>
-          <a:prstDash val="solid"/>
-        </a:ln>
-        <a:effectLst/>
-      </dsp:spPr>
-      <dsp:style>
-        <a:lnRef idx="2">
-          <a:scrgbClr r="0" g="0" b="0"/>
-        </a:lnRef>
-        <a:fillRef idx="1">
-          <a:scrgbClr r="0" g="0" b="0"/>
-        </a:fillRef>
-        <a:effectRef idx="0">
-          <a:scrgbClr r="0" g="0" b="0"/>
-        </a:effectRef>
-        <a:fontRef idx="minor">
-          <a:schemeClr val="lt1"/>
-        </a:fontRef>
-      </dsp:style>
-      <dsp:txBody>
-        <a:bodyPr spcFirstLastPara="0" vert="horz" wrap="square" lIns="12700" tIns="12700" rIns="12700" bIns="12700" numCol="1" spcCol="1270" anchor="ctr" anchorCtr="0">
-          <a:noAutofit/>
-        </a:bodyPr>
-        <a:lstStyle/>
-        <a:p>
-          <a:pPr lvl="0" algn="ctr" defTabSz="889000">
-            <a:lnSpc>
-              <a:spcPct val="90000"/>
-            </a:lnSpc>
-            <a:spcBef>
-              <a:spcPct val="0"/>
-            </a:spcBef>
-            <a:spcAft>
-              <a:spcPct val="35000"/>
-            </a:spcAft>
-          </a:pPr>
-          <a:endParaRPr lang="ru-RU" sz="2000" kern="1200"/>
-        </a:p>
-      </dsp:txBody>
-      <dsp:txXfrm>
-        <a:off x="2560022" y="2303042"/>
-        <a:ext cx="647576" cy="647576"/>
-      </dsp:txXfrm>
-    </dsp:sp>
-    <dsp:sp modelId="{9036BBB6-75F0-4F69-9249-B49C871EAD6A}">
-      <dsp:nvSpPr>
-        <dsp:cNvPr id="0" name=""/>
-        <dsp:cNvSpPr/>
-      </dsp:nvSpPr>
-      <dsp:spPr>
-        <a:xfrm rot="7560000">
-          <a:off x="1694016" y="2125560"/>
-          <a:ext cx="276723" cy="37759"/>
-        </a:xfrm>
-        <a:custGeom>
-          <a:avLst/>
-          <a:gdLst/>
-          <a:ahLst/>
-          <a:cxnLst/>
-          <a:rect l="0" t="0" r="0" b="0"/>
-          <a:pathLst>
-            <a:path>
-              <a:moveTo>
-                <a:pt x="0" y="18879"/>
-              </a:moveTo>
-              <a:lnTo>
-                <a:pt x="276723" y="18879"/>
-              </a:lnTo>
-            </a:path>
-          </a:pathLst>
-        </a:custGeom>
-        <a:noFill/>
-        <a:ln w="25400" cap="flat" cmpd="sng" algn="ctr">
-          <a:solidFill>
-            <a:schemeClr val="accent1">
-              <a:shade val="60000"/>
-              <a:hueOff val="0"/>
-              <a:satOff val="0"/>
-              <a:lumOff val="0"/>
-              <a:alphaOff val="0"/>
-            </a:schemeClr>
-          </a:solidFill>
-          <a:prstDash val="solid"/>
-        </a:ln>
-        <a:effectLst/>
-      </dsp:spPr>
-      <dsp:style>
-        <a:lnRef idx="2">
-          <a:scrgbClr r="0" g="0" b="0"/>
-        </a:lnRef>
-        <a:fillRef idx="0">
-          <a:scrgbClr r="0" g="0" b="0"/>
-        </a:fillRef>
-        <a:effectRef idx="0">
-          <a:scrgbClr r="0" g="0" b="0"/>
-        </a:effectRef>
-        <a:fontRef idx="minor"/>
-      </dsp:style>
-      <dsp:txBody>
-        <a:bodyPr spcFirstLastPara="0" vert="horz" wrap="square" lIns="12700" tIns="0" rIns="12700" bIns="0" numCol="1" spcCol="1270" anchor="ctr" anchorCtr="0">
-          <a:noAutofit/>
-        </a:bodyPr>
-        <a:lstStyle/>
-        <a:p>
-          <a:pPr lvl="0" algn="ctr" defTabSz="222250">
-            <a:lnSpc>
-              <a:spcPct val="90000"/>
-            </a:lnSpc>
-            <a:spcBef>
-              <a:spcPct val="0"/>
-            </a:spcBef>
-            <a:spcAft>
-              <a:spcPct val="35000"/>
-            </a:spcAft>
-          </a:pPr>
-          <a:endParaRPr lang="ru-RU" sz="500" kern="1200"/>
-        </a:p>
-      </dsp:txBody>
-      <dsp:txXfrm rot="10800000">
-        <a:off x="1825459" y="2137522"/>
-        <a:ext cx="13836" cy="13836"/>
-      </dsp:txXfrm>
-    </dsp:sp>
-    <dsp:sp modelId="{935A1F96-8C6B-4CB8-B151-B31C97F5597D}">
-      <dsp:nvSpPr>
-        <dsp:cNvPr id="0" name=""/>
-        <dsp:cNvSpPr/>
-      </dsp:nvSpPr>
-      <dsp:spPr>
-        <a:xfrm>
-          <a:off x="1023993" y="2168924"/>
-          <a:ext cx="915812" cy="915812"/>
-        </a:xfrm>
-        <a:prstGeom prst="ellipse">
-          <a:avLst/>
-        </a:prstGeom>
-        <a:solidFill>
-          <a:srgbClr val="00B0F0"/>
-        </a:solidFill>
-        <a:ln w="25400" cap="flat" cmpd="sng" algn="ctr">
-          <a:solidFill>
-            <a:schemeClr val="tx2">
-              <a:lumMod val="60000"/>
-              <a:lumOff val="40000"/>
-            </a:schemeClr>
-          </a:solidFill>
-          <a:prstDash val="solid"/>
-        </a:ln>
-        <a:effectLst/>
-      </dsp:spPr>
-      <dsp:style>
-        <a:lnRef idx="2">
-          <a:scrgbClr r="0" g="0" b="0"/>
-        </a:lnRef>
-        <a:fillRef idx="1">
-          <a:scrgbClr r="0" g="0" b="0"/>
-        </a:fillRef>
-        <a:effectRef idx="0">
-          <a:scrgbClr r="0" g="0" b="0"/>
-        </a:effectRef>
-        <a:fontRef idx="minor">
-          <a:schemeClr val="lt1"/>
-        </a:fontRef>
-      </dsp:style>
-      <dsp:txBody>
-        <a:bodyPr spcFirstLastPara="0" vert="horz" wrap="square" lIns="12700" tIns="12700" rIns="12700" bIns="12700" numCol="1" spcCol="1270" anchor="ctr" anchorCtr="0">
-          <a:noAutofit/>
-        </a:bodyPr>
-        <a:lstStyle/>
-        <a:p>
-          <a:pPr lvl="0" algn="ctr" defTabSz="889000">
-            <a:lnSpc>
-              <a:spcPct val="90000"/>
-            </a:lnSpc>
-            <a:spcBef>
-              <a:spcPct val="0"/>
-            </a:spcBef>
-            <a:spcAft>
-              <a:spcPct val="35000"/>
-            </a:spcAft>
-          </a:pPr>
-          <a:endParaRPr lang="ru-RU" sz="2000" kern="1200"/>
-        </a:p>
-      </dsp:txBody>
-      <dsp:txXfrm>
-        <a:off x="1158111" y="2303042"/>
-        <a:ext cx="647576" cy="647576"/>
-      </dsp:txXfrm>
-    </dsp:sp>
-    <dsp:sp modelId="{4DE8A120-1BCB-4D6E-B1F9-4BDCEC7C5779}">
-      <dsp:nvSpPr>
-        <dsp:cNvPr id="0" name=""/>
-        <dsp:cNvSpPr/>
-      </dsp:nvSpPr>
-      <dsp:spPr>
-        <a:xfrm rot="11880000">
-          <a:off x="1477409" y="1458912"/>
-          <a:ext cx="276723" cy="37759"/>
-        </a:xfrm>
-        <a:custGeom>
-          <a:avLst/>
-          <a:gdLst/>
-          <a:ahLst/>
-          <a:cxnLst/>
-          <a:rect l="0" t="0" r="0" b="0"/>
-          <a:pathLst>
-            <a:path>
-              <a:moveTo>
-                <a:pt x="0" y="18879"/>
-              </a:moveTo>
-              <a:lnTo>
-                <a:pt x="276723" y="18879"/>
-              </a:lnTo>
-            </a:path>
-          </a:pathLst>
-        </a:custGeom>
-        <a:noFill/>
-        <a:ln w="25400" cap="flat" cmpd="sng" algn="ctr">
-          <a:solidFill>
-            <a:schemeClr val="accent1">
-              <a:shade val="60000"/>
-              <a:hueOff val="0"/>
-              <a:satOff val="0"/>
-              <a:lumOff val="0"/>
-              <a:alphaOff val="0"/>
-            </a:schemeClr>
-          </a:solidFill>
-          <a:prstDash val="solid"/>
-        </a:ln>
-        <a:effectLst/>
-      </dsp:spPr>
-      <dsp:style>
-        <a:lnRef idx="2">
-          <a:scrgbClr r="0" g="0" b="0"/>
-        </a:lnRef>
-        <a:fillRef idx="0">
-          <a:scrgbClr r="0" g="0" b="0"/>
-        </a:fillRef>
-        <a:effectRef idx="0">
-          <a:scrgbClr r="0" g="0" b="0"/>
-        </a:effectRef>
-        <a:fontRef idx="minor"/>
-      </dsp:style>
-      <dsp:txBody>
-        <a:bodyPr spcFirstLastPara="0" vert="horz" wrap="square" lIns="12700" tIns="0" rIns="12700" bIns="0" numCol="1" spcCol="1270" anchor="ctr" anchorCtr="0">
-          <a:noAutofit/>
-        </a:bodyPr>
-        <a:lstStyle/>
-        <a:p>
-          <a:pPr lvl="0" algn="ctr" defTabSz="222250">
-            <a:lnSpc>
-              <a:spcPct val="90000"/>
-            </a:lnSpc>
-            <a:spcBef>
-              <a:spcPct val="0"/>
-            </a:spcBef>
-            <a:spcAft>
-              <a:spcPct val="35000"/>
-            </a:spcAft>
-          </a:pPr>
-          <a:endParaRPr lang="ru-RU" sz="500" kern="1200"/>
-        </a:p>
-      </dsp:txBody>
-      <dsp:txXfrm rot="10800000">
-        <a:off x="1608852" y="1470874"/>
-        <a:ext cx="13836" cy="13836"/>
-      </dsp:txXfrm>
-    </dsp:sp>
-    <dsp:sp modelId="{95A2D75F-3C3F-4653-A5FC-8BF0D4D6EEFE}">
-      <dsp:nvSpPr>
-        <dsp:cNvPr id="0" name=""/>
-        <dsp:cNvSpPr/>
-      </dsp:nvSpPr>
-      <dsp:spPr>
-        <a:xfrm>
-          <a:off x="590779" y="835628"/>
-          <a:ext cx="915812" cy="915812"/>
-        </a:xfrm>
-        <a:prstGeom prst="ellipse">
-          <a:avLst/>
-        </a:prstGeom>
-        <a:solidFill>
-          <a:srgbClr val="00B0F0"/>
-        </a:solidFill>
-        <a:ln w="25400" cap="flat" cmpd="sng" algn="ctr">
-          <a:solidFill>
-            <a:schemeClr val="tx2">
-              <a:lumMod val="60000"/>
-              <a:lumOff val="40000"/>
-            </a:schemeClr>
-          </a:solidFill>
-          <a:prstDash val="solid"/>
-        </a:ln>
-        <a:effectLst/>
-      </dsp:spPr>
-      <dsp:style>
-        <a:lnRef idx="2">
-          <a:scrgbClr r="0" g="0" b="0"/>
-        </a:lnRef>
-        <a:fillRef idx="1">
-          <a:scrgbClr r="0" g="0" b="0"/>
-        </a:fillRef>
-        <a:effectRef idx="0">
-          <a:scrgbClr r="0" g="0" b="0"/>
-        </a:effectRef>
-        <a:fontRef idx="minor">
-          <a:schemeClr val="lt1"/>
-        </a:fontRef>
-      </dsp:style>
-      <dsp:txBody>
-        <a:bodyPr spcFirstLastPara="0" vert="horz" wrap="square" lIns="12700" tIns="12700" rIns="12700" bIns="12700" numCol="1" spcCol="1270" anchor="ctr" anchorCtr="0">
-          <a:noAutofit/>
-        </a:bodyPr>
-        <a:lstStyle/>
-        <a:p>
-          <a:pPr lvl="0" algn="ctr" defTabSz="889000">
-            <a:lnSpc>
-              <a:spcPct val="90000"/>
-            </a:lnSpc>
-            <a:spcBef>
-              <a:spcPct val="0"/>
-            </a:spcBef>
-            <a:spcAft>
-              <a:spcPct val="35000"/>
-            </a:spcAft>
-          </a:pPr>
-          <a:endParaRPr lang="ru-RU" sz="2000" kern="1200"/>
-        </a:p>
-      </dsp:txBody>
-      <dsp:txXfrm>
-        <a:off x="724897" y="969746"/>
-        <a:ext cx="647576" cy="647576"/>
-      </dsp:txXfrm>
-    </dsp:sp>
   </dsp:spTree>
 </dsp:drawing>
 </file>
@@ -7201,215 +8875,6 @@
       <dsp:cNvGrpSpPr/>
     </dsp:nvGrpSpPr>
     <dsp:grpSpPr/>
-    <dsp:sp modelId="{25056C25-FD7A-454A-BD80-5797A854A1C9}">
-      <dsp:nvSpPr>
-        <dsp:cNvPr id="0" name=""/>
-        <dsp:cNvSpPr/>
-      </dsp:nvSpPr>
-      <dsp:spPr>
-        <a:xfrm>
-          <a:off x="898173" y="782679"/>
-          <a:ext cx="822207" cy="878051"/>
-        </a:xfrm>
-        <a:prstGeom prst="roundRect">
-          <a:avLst/>
-        </a:prstGeom>
-        <a:solidFill>
-          <a:schemeClr val="bg1">
-            <a:lumMod val="95000"/>
-          </a:schemeClr>
-        </a:solidFill>
-        <a:ln w="25400" cap="flat" cmpd="sng" algn="ctr">
-          <a:solidFill>
-            <a:srgbClr val="92D050"/>
-          </a:solidFill>
-          <a:prstDash val="solid"/>
-        </a:ln>
-        <a:effectLst/>
-      </dsp:spPr>
-      <dsp:style>
-        <a:lnRef idx="2">
-          <a:scrgbClr r="0" g="0" b="0"/>
-        </a:lnRef>
-        <a:fillRef idx="1">
-          <a:scrgbClr r="0" g="0" b="0"/>
-        </a:fillRef>
-        <a:effectRef idx="0">
-          <a:scrgbClr r="0" g="0" b="0"/>
-        </a:effectRef>
-        <a:fontRef idx="minor">
-          <a:schemeClr val="lt1"/>
-        </a:fontRef>
-      </dsp:style>
-      <dsp:txBody>
-        <a:bodyPr spcFirstLastPara="0" vert="horz" wrap="square" lIns="58420" tIns="58420" rIns="58420" bIns="58420" numCol="1" spcCol="1270" anchor="ctr" anchorCtr="0">
-          <a:noAutofit/>
-        </a:bodyPr>
-        <a:lstStyle/>
-        <a:p>
-          <a:pPr lvl="0" algn="ctr" defTabSz="1022350">
-            <a:lnSpc>
-              <a:spcPct val="90000"/>
-            </a:lnSpc>
-            <a:spcBef>
-              <a:spcPct val="0"/>
-            </a:spcBef>
-            <a:spcAft>
-              <a:spcPct val="35000"/>
-            </a:spcAft>
-          </a:pPr>
-          <a:r>
-            <a:rPr lang="en-US" sz="2300" kern="1200" dirty="0" err="1" smtClean="0">
-              <a:ln>
-                <a:noFill/>
-              </a:ln>
-              <a:solidFill>
-                <a:srgbClr val="92D050"/>
-              </a:solidFill>
-            </a:rPr>
-            <a:t>IaaS</a:t>
-          </a:r>
-          <a:endParaRPr lang="ru-RU" sz="2300" kern="1200" dirty="0">
-            <a:ln>
-              <a:noFill/>
-            </a:ln>
-            <a:solidFill>
-              <a:srgbClr val="92D050"/>
-            </a:solidFill>
-          </a:endParaRPr>
-        </a:p>
-      </dsp:txBody>
-      <dsp:txXfrm>
-        <a:off x="938310" y="822816"/>
-        <a:ext cx="741933" cy="797777"/>
-      </dsp:txXfrm>
-    </dsp:sp>
-    <dsp:sp modelId="{40765CB4-C294-459A-8862-FC5E44F7FB91}">
-      <dsp:nvSpPr>
-        <dsp:cNvPr id="0" name=""/>
-        <dsp:cNvSpPr/>
-      </dsp:nvSpPr>
-      <dsp:spPr>
-        <a:xfrm rot="21564252">
-          <a:off x="1720370" y="1215414"/>
-          <a:ext cx="387672" cy="0"/>
-        </a:xfrm>
-        <a:custGeom>
-          <a:avLst/>
-          <a:gdLst/>
-          <a:ahLst/>
-          <a:cxnLst/>
-          <a:rect l="0" t="0" r="0" b="0"/>
-          <a:pathLst>
-            <a:path>
-              <a:moveTo>
-                <a:pt x="0" y="0"/>
-              </a:moveTo>
-              <a:lnTo>
-                <a:pt x="387672" y="0"/>
-              </a:lnTo>
-            </a:path>
-          </a:pathLst>
-        </a:custGeom>
-        <a:noFill/>
-        <a:ln w="25400" cap="flat" cmpd="sng" algn="ctr">
-          <a:solidFill>
-            <a:srgbClr val="00B0F0"/>
-          </a:solidFill>
-          <a:prstDash val="solid"/>
-        </a:ln>
-        <a:effectLst/>
-      </dsp:spPr>
-      <dsp:style>
-        <a:lnRef idx="2">
-          <a:scrgbClr r="0" g="0" b="0"/>
-        </a:lnRef>
-        <a:fillRef idx="0">
-          <a:scrgbClr r="0" g="0" b="0"/>
-        </a:fillRef>
-        <a:effectRef idx="0">
-          <a:scrgbClr r="0" g="0" b="0"/>
-        </a:effectRef>
-        <a:fontRef idx="minor"/>
-      </dsp:style>
-    </dsp:sp>
-    <dsp:sp modelId="{EEF398F6-2EF8-48AB-9AFF-6A7FD5CA2064}">
-      <dsp:nvSpPr>
-        <dsp:cNvPr id="0" name=""/>
-        <dsp:cNvSpPr/>
-      </dsp:nvSpPr>
-      <dsp:spPr>
-        <a:xfrm>
-          <a:off x="2108032" y="799901"/>
-          <a:ext cx="2675962" cy="799167"/>
-        </a:xfrm>
-        <a:prstGeom prst="roundRect">
-          <a:avLst/>
-        </a:prstGeom>
-        <a:solidFill>
-          <a:schemeClr val="bg1">
-            <a:lumMod val="95000"/>
-          </a:schemeClr>
-        </a:solidFill>
-        <a:ln w="25400" cap="flat" cmpd="sng" algn="ctr">
-          <a:solidFill>
-            <a:srgbClr val="00B0F0"/>
-          </a:solidFill>
-          <a:prstDash val="solid"/>
-        </a:ln>
-        <a:effectLst/>
-      </dsp:spPr>
-      <dsp:style>
-        <a:lnRef idx="2">
-          <a:scrgbClr r="0" g="0" b="0"/>
-        </a:lnRef>
-        <a:fillRef idx="1">
-          <a:scrgbClr r="0" g="0" b="0"/>
-        </a:fillRef>
-        <a:effectRef idx="0">
-          <a:scrgbClr r="0" g="0" b="0"/>
-        </a:effectRef>
-        <a:fontRef idx="minor">
-          <a:schemeClr val="lt1"/>
-        </a:fontRef>
-      </dsp:style>
-      <dsp:txBody>
-        <a:bodyPr spcFirstLastPara="0" vert="horz" wrap="square" lIns="540000" tIns="55880" rIns="55880" bIns="55880" numCol="1" spcCol="1270" anchor="ctr" anchorCtr="0">
-          <a:noAutofit/>
-        </a:bodyPr>
-        <a:lstStyle/>
-        <a:p>
-          <a:pPr lvl="0" algn="ctr" defTabSz="977900">
-            <a:lnSpc>
-              <a:spcPct val="90000"/>
-            </a:lnSpc>
-            <a:spcBef>
-              <a:spcPct val="0"/>
-            </a:spcBef>
-            <a:spcAft>
-              <a:spcPct val="35000"/>
-            </a:spcAft>
-          </a:pPr>
-          <a:r>
-            <a:rPr lang="en-US" sz="2200" b="0" i="0" kern="1200" dirty="0" smtClean="0">
-              <a:solidFill>
-                <a:srgbClr val="00B0F0"/>
-              </a:solidFill>
-            </a:rPr>
-            <a:t>Virtual Machines</a:t>
-          </a:r>
-          <a:endParaRPr lang="ru-RU" sz="2200" kern="1200" dirty="0">
-            <a:solidFill>
-              <a:srgbClr val="00B0F0"/>
-            </a:solidFill>
-          </a:endParaRPr>
-        </a:p>
-      </dsp:txBody>
-      <dsp:txXfrm>
-        <a:off x="2147044" y="838913"/>
-        <a:ext cx="2597938" cy="721143"/>
-      </dsp:txXfrm>
-    </dsp:sp>
   </dsp:spTree>
 </dsp:drawing>
 </file>
@@ -7422,1007 +8887,6 @@
       <dsp:cNvGrpSpPr/>
     </dsp:nvGrpSpPr>
     <dsp:grpSpPr/>
-    <dsp:sp modelId="{25056C25-FD7A-454A-BD80-5797A854A1C9}">
-      <dsp:nvSpPr>
-        <dsp:cNvPr id="0" name=""/>
-        <dsp:cNvSpPr/>
-      </dsp:nvSpPr>
-      <dsp:spPr>
-        <a:xfrm>
-          <a:off x="2222095" y="1180473"/>
-          <a:ext cx="523382" cy="558930"/>
-        </a:xfrm>
-        <a:prstGeom prst="roundRect">
-          <a:avLst/>
-        </a:prstGeom>
-        <a:solidFill>
-          <a:schemeClr val="bg1">
-            <a:lumMod val="95000"/>
-          </a:schemeClr>
-        </a:solidFill>
-        <a:ln w="25400" cap="flat" cmpd="sng" algn="ctr">
-          <a:solidFill>
-            <a:srgbClr val="92D050"/>
-          </a:solidFill>
-          <a:prstDash val="solid"/>
-        </a:ln>
-        <a:effectLst/>
-      </dsp:spPr>
-      <dsp:style>
-        <a:lnRef idx="2">
-          <a:scrgbClr r="0" g="0" b="0"/>
-        </a:lnRef>
-        <a:fillRef idx="1">
-          <a:scrgbClr r="0" g="0" b="0"/>
-        </a:fillRef>
-        <a:effectRef idx="0">
-          <a:scrgbClr r="0" g="0" b="0"/>
-        </a:effectRef>
-        <a:fontRef idx="minor">
-          <a:schemeClr val="lt1"/>
-        </a:fontRef>
-      </dsp:style>
-      <dsp:txBody>
-        <a:bodyPr spcFirstLastPara="0" vert="horz" wrap="square" lIns="33020" tIns="33020" rIns="33020" bIns="33020" numCol="1" spcCol="1270" anchor="ctr" anchorCtr="0">
-          <a:noAutofit/>
-        </a:bodyPr>
-        <a:lstStyle/>
-        <a:p>
-          <a:pPr lvl="0" algn="ctr" defTabSz="577850">
-            <a:lnSpc>
-              <a:spcPct val="90000"/>
-            </a:lnSpc>
-            <a:spcBef>
-              <a:spcPct val="0"/>
-            </a:spcBef>
-            <a:spcAft>
-              <a:spcPct val="35000"/>
-            </a:spcAft>
-          </a:pPr>
-          <a:r>
-            <a:rPr lang="en-US" sz="1300" kern="1200" dirty="0" err="1" smtClean="0">
-              <a:ln>
-                <a:noFill/>
-              </a:ln>
-              <a:solidFill>
-                <a:srgbClr val="92D050"/>
-              </a:solidFill>
-            </a:rPr>
-            <a:t>PaaS</a:t>
-          </a:r>
-          <a:endParaRPr lang="ru-RU" sz="1300" kern="1200" dirty="0">
-            <a:ln>
-              <a:noFill/>
-            </a:ln>
-            <a:solidFill>
-              <a:srgbClr val="92D050"/>
-            </a:solidFill>
-          </a:endParaRPr>
-        </a:p>
-      </dsp:txBody>
-      <dsp:txXfrm>
-        <a:off x="2247644" y="1206022"/>
-        <a:ext cx="472284" cy="507832"/>
-      </dsp:txXfrm>
-    </dsp:sp>
-    <dsp:sp modelId="{40765CB4-C294-459A-8862-FC5E44F7FB91}">
-      <dsp:nvSpPr>
-        <dsp:cNvPr id="0" name=""/>
-        <dsp:cNvSpPr/>
-      </dsp:nvSpPr>
-      <dsp:spPr>
-        <a:xfrm rot="18531129">
-          <a:off x="2574776" y="900204"/>
-          <a:ext cx="719773" cy="0"/>
-        </a:xfrm>
-        <a:custGeom>
-          <a:avLst/>
-          <a:gdLst/>
-          <a:ahLst/>
-          <a:cxnLst/>
-          <a:rect l="0" t="0" r="0" b="0"/>
-          <a:pathLst>
-            <a:path>
-              <a:moveTo>
-                <a:pt x="0" y="0"/>
-              </a:moveTo>
-              <a:lnTo>
-                <a:pt x="719773" y="0"/>
-              </a:lnTo>
-            </a:path>
-          </a:pathLst>
-        </a:custGeom>
-        <a:noFill/>
-        <a:ln w="25400" cap="flat" cmpd="sng" algn="ctr">
-          <a:solidFill>
-            <a:srgbClr val="00B0F0"/>
-          </a:solidFill>
-          <a:prstDash val="solid"/>
-        </a:ln>
-        <a:effectLst/>
-      </dsp:spPr>
-      <dsp:style>
-        <a:lnRef idx="2">
-          <a:scrgbClr r="0" g="0" b="0"/>
-        </a:lnRef>
-        <a:fillRef idx="0">
-          <a:scrgbClr r="0" g="0" b="0"/>
-        </a:fillRef>
-        <a:effectRef idx="0">
-          <a:scrgbClr r="0" g="0" b="0"/>
-        </a:effectRef>
-        <a:fontRef idx="minor"/>
-      </dsp:style>
-    </dsp:sp>
-    <dsp:sp modelId="{EEF398F6-2EF8-48AB-9AFF-6A7FD5CA2064}">
-      <dsp:nvSpPr>
-        <dsp:cNvPr id="0" name=""/>
-        <dsp:cNvSpPr/>
-      </dsp:nvSpPr>
-      <dsp:spPr>
-        <a:xfrm>
-          <a:off x="2513612" y="111220"/>
-          <a:ext cx="1703405" cy="508716"/>
-        </a:xfrm>
-        <a:prstGeom prst="roundRect">
-          <a:avLst/>
-        </a:prstGeom>
-        <a:solidFill>
-          <a:schemeClr val="bg1">
-            <a:lumMod val="95000"/>
-          </a:schemeClr>
-        </a:solidFill>
-        <a:ln w="25400" cap="flat" cmpd="sng" algn="ctr">
-          <a:solidFill>
-            <a:srgbClr val="00B0F0"/>
-          </a:solidFill>
-          <a:prstDash val="solid"/>
-        </a:ln>
-        <a:effectLst/>
-      </dsp:spPr>
-      <dsp:style>
-        <a:lnRef idx="2">
-          <a:scrgbClr r="0" g="0" b="0"/>
-        </a:lnRef>
-        <a:fillRef idx="1">
-          <a:scrgbClr r="0" g="0" b="0"/>
-        </a:fillRef>
-        <a:effectRef idx="0">
-          <a:scrgbClr r="0" g="0" b="0"/>
-        </a:effectRef>
-        <a:fontRef idx="minor">
-          <a:schemeClr val="lt1"/>
-        </a:fontRef>
-      </dsp:style>
-      <dsp:txBody>
-        <a:bodyPr spcFirstLastPara="0" vert="horz" wrap="square" lIns="540000" tIns="35560" rIns="35560" bIns="35560" numCol="1" spcCol="1270" anchor="ctr" anchorCtr="0">
-          <a:noAutofit/>
-        </a:bodyPr>
-        <a:lstStyle/>
-        <a:p>
-          <a:pPr lvl="0" algn="ctr" defTabSz="622300">
-            <a:lnSpc>
-              <a:spcPct val="90000"/>
-            </a:lnSpc>
-            <a:spcBef>
-              <a:spcPct val="0"/>
-            </a:spcBef>
-            <a:spcAft>
-              <a:spcPct val="35000"/>
-            </a:spcAft>
-          </a:pPr>
-          <a:r>
-            <a:rPr lang="en-US" sz="1400" b="0" i="0" kern="1200" dirty="0" smtClean="0">
-              <a:solidFill>
-                <a:srgbClr val="00B0F0"/>
-              </a:solidFill>
-            </a:rPr>
-            <a:t>Cloud Services</a:t>
-          </a:r>
-          <a:endParaRPr lang="ru-RU" sz="1400" kern="1200" dirty="0">
-            <a:solidFill>
-              <a:srgbClr val="00B0F0"/>
-            </a:solidFill>
-          </a:endParaRPr>
-        </a:p>
-      </dsp:txBody>
-      <dsp:txXfrm>
-        <a:off x="2538445" y="136053"/>
-        <a:ext cx="1653739" cy="459050"/>
-      </dsp:txXfrm>
-    </dsp:sp>
-    <dsp:sp modelId="{4B76F172-835F-47AA-A859-8A899CEE2510}">
-      <dsp:nvSpPr>
-        <dsp:cNvPr id="0" name=""/>
-        <dsp:cNvSpPr/>
-      </dsp:nvSpPr>
-      <dsp:spPr>
-        <a:xfrm rot="20600496">
-          <a:off x="2734080" y="1303787"/>
-          <a:ext cx="543120" cy="0"/>
-        </a:xfrm>
-        <a:custGeom>
-          <a:avLst/>
-          <a:gdLst/>
-          <a:ahLst/>
-          <a:cxnLst/>
-          <a:rect l="0" t="0" r="0" b="0"/>
-          <a:pathLst>
-            <a:path>
-              <a:moveTo>
-                <a:pt x="0" y="0"/>
-              </a:moveTo>
-              <a:lnTo>
-                <a:pt x="543120" y="0"/>
-              </a:lnTo>
-            </a:path>
-          </a:pathLst>
-        </a:custGeom>
-        <a:noFill/>
-        <a:ln w="25400" cap="flat" cmpd="sng" algn="ctr">
-          <a:solidFill>
-            <a:schemeClr val="accent1">
-              <a:shade val="60000"/>
-              <a:hueOff val="0"/>
-              <a:satOff val="0"/>
-              <a:lumOff val="0"/>
-              <a:alphaOff val="0"/>
-            </a:schemeClr>
-          </a:solidFill>
-          <a:prstDash val="solid"/>
-        </a:ln>
-        <a:effectLst/>
-      </dsp:spPr>
-      <dsp:style>
-        <a:lnRef idx="2">
-          <a:scrgbClr r="0" g="0" b="0"/>
-        </a:lnRef>
-        <a:fillRef idx="0">
-          <a:scrgbClr r="0" g="0" b="0"/>
-        </a:fillRef>
-        <a:effectRef idx="0">
-          <a:scrgbClr r="0" g="0" b="0"/>
-        </a:effectRef>
-        <a:fontRef idx="minor"/>
-      </dsp:style>
-    </dsp:sp>
-    <dsp:sp modelId="{2C989446-76CB-491D-A9E5-90C479CC1EB6}">
-      <dsp:nvSpPr>
-        <dsp:cNvPr id="0" name=""/>
-        <dsp:cNvSpPr/>
-      </dsp:nvSpPr>
-      <dsp:spPr>
-        <a:xfrm>
-          <a:off x="3264163" y="717224"/>
-          <a:ext cx="1703405" cy="508716"/>
-        </a:xfrm>
-        <a:prstGeom prst="roundRect">
-          <a:avLst/>
-        </a:prstGeom>
-        <a:solidFill>
-          <a:schemeClr val="bg1">
-            <a:lumMod val="95000"/>
-          </a:schemeClr>
-        </a:solidFill>
-        <a:ln w="25400" cap="flat" cmpd="sng" algn="ctr">
-          <a:solidFill>
-            <a:srgbClr val="00B0F0"/>
-          </a:solidFill>
-          <a:prstDash val="solid"/>
-        </a:ln>
-        <a:effectLst/>
-      </dsp:spPr>
-      <dsp:style>
-        <a:lnRef idx="2">
-          <a:scrgbClr r="0" g="0" b="0"/>
-        </a:lnRef>
-        <a:fillRef idx="1">
-          <a:scrgbClr r="0" g="0" b="0"/>
-        </a:fillRef>
-        <a:effectRef idx="0">
-          <a:scrgbClr r="0" g="0" b="0"/>
-        </a:effectRef>
-        <a:fontRef idx="minor">
-          <a:schemeClr val="lt1"/>
-        </a:fontRef>
-      </dsp:style>
-      <dsp:txBody>
-        <a:bodyPr spcFirstLastPara="0" vert="horz" wrap="square" lIns="540000" tIns="43180" rIns="43180" bIns="43180" numCol="1" spcCol="1270" anchor="ctr" anchorCtr="0">
-          <a:noAutofit/>
-        </a:bodyPr>
-        <a:lstStyle/>
-        <a:p>
-          <a:pPr lvl="0" algn="ctr" defTabSz="755650">
-            <a:lnSpc>
-              <a:spcPct val="90000"/>
-            </a:lnSpc>
-            <a:spcBef>
-              <a:spcPct val="0"/>
-            </a:spcBef>
-            <a:spcAft>
-              <a:spcPct val="35000"/>
-            </a:spcAft>
-          </a:pPr>
-          <a:r>
-            <a:rPr lang="en-US" sz="1700" kern="1200" dirty="0" smtClean="0">
-              <a:solidFill>
-                <a:srgbClr val="00B0F0"/>
-              </a:solidFill>
-            </a:rPr>
-            <a:t>SQL Azure</a:t>
-          </a:r>
-          <a:endParaRPr lang="ru-RU" sz="1700" kern="1200" dirty="0">
-            <a:solidFill>
-              <a:srgbClr val="00B0F0"/>
-            </a:solidFill>
-          </a:endParaRPr>
-        </a:p>
-      </dsp:txBody>
-      <dsp:txXfrm>
-        <a:off x="3288996" y="742057"/>
-        <a:ext cx="1653739" cy="459050"/>
-      </dsp:txXfrm>
-    </dsp:sp>
-    <dsp:sp modelId="{A1A7F2F7-8724-4320-8D3E-13A495501B45}">
-      <dsp:nvSpPr>
-        <dsp:cNvPr id="0" name=""/>
-        <dsp:cNvSpPr/>
-      </dsp:nvSpPr>
-      <dsp:spPr>
-        <a:xfrm rot="258212">
-          <a:off x="2744744" y="1499147"/>
-          <a:ext cx="520151" cy="0"/>
-        </a:xfrm>
-        <a:custGeom>
-          <a:avLst/>
-          <a:gdLst/>
-          <a:ahLst/>
-          <a:cxnLst/>
-          <a:rect l="0" t="0" r="0" b="0"/>
-          <a:pathLst>
-            <a:path>
-              <a:moveTo>
-                <a:pt x="0" y="0"/>
-              </a:moveTo>
-              <a:lnTo>
-                <a:pt x="520151" y="0"/>
-              </a:lnTo>
-            </a:path>
-          </a:pathLst>
-        </a:custGeom>
-        <a:noFill/>
-        <a:ln w="25400" cap="flat" cmpd="sng" algn="ctr">
-          <a:solidFill>
-            <a:schemeClr val="accent1">
-              <a:shade val="60000"/>
-              <a:hueOff val="0"/>
-              <a:satOff val="0"/>
-              <a:lumOff val="0"/>
-              <a:alphaOff val="0"/>
-            </a:schemeClr>
-          </a:solidFill>
-          <a:prstDash val="solid"/>
-        </a:ln>
-        <a:effectLst/>
-      </dsp:spPr>
-      <dsp:style>
-        <a:lnRef idx="2">
-          <a:scrgbClr r="0" g="0" b="0"/>
-        </a:lnRef>
-        <a:fillRef idx="0">
-          <a:scrgbClr r="0" g="0" b="0"/>
-        </a:fillRef>
-        <a:effectRef idx="0">
-          <a:scrgbClr r="0" g="0" b="0"/>
-        </a:effectRef>
-        <a:fontRef idx="minor"/>
-      </dsp:style>
-    </dsp:sp>
-    <dsp:sp modelId="{1C652A63-4612-4140-A184-53A0A081C97B}">
-      <dsp:nvSpPr>
-        <dsp:cNvPr id="0" name=""/>
-        <dsp:cNvSpPr/>
-      </dsp:nvSpPr>
-      <dsp:spPr>
-        <a:xfrm>
-          <a:off x="3264162" y="1328398"/>
-          <a:ext cx="1703405" cy="508716"/>
-        </a:xfrm>
-        <a:prstGeom prst="roundRect">
-          <a:avLst/>
-        </a:prstGeom>
-        <a:solidFill>
-          <a:schemeClr val="bg1">
-            <a:lumMod val="95000"/>
-          </a:schemeClr>
-        </a:solidFill>
-        <a:ln w="25400" cap="flat" cmpd="sng" algn="ctr">
-          <a:solidFill>
-            <a:srgbClr val="00B0F0"/>
-          </a:solidFill>
-          <a:prstDash val="solid"/>
-        </a:ln>
-        <a:effectLst/>
-      </dsp:spPr>
-      <dsp:style>
-        <a:lnRef idx="2">
-          <a:scrgbClr r="0" g="0" b="0"/>
-        </a:lnRef>
-        <a:fillRef idx="1">
-          <a:scrgbClr r="0" g="0" b="0"/>
-        </a:fillRef>
-        <a:effectRef idx="0">
-          <a:scrgbClr r="0" g="0" b="0"/>
-        </a:effectRef>
-        <a:fontRef idx="minor">
-          <a:schemeClr val="lt1"/>
-        </a:fontRef>
-      </dsp:style>
-      <dsp:txBody>
-        <a:bodyPr spcFirstLastPara="0" vert="horz" wrap="square" lIns="540000" tIns="35560" rIns="35560" bIns="35560" numCol="1" spcCol="1270" anchor="ctr" anchorCtr="0">
-          <a:noAutofit/>
-        </a:bodyPr>
-        <a:lstStyle/>
-        <a:p>
-          <a:pPr lvl="0" algn="ctr" defTabSz="622300">
-            <a:lnSpc>
-              <a:spcPct val="90000"/>
-            </a:lnSpc>
-            <a:spcBef>
-              <a:spcPct val="0"/>
-            </a:spcBef>
-            <a:spcAft>
-              <a:spcPct val="35000"/>
-            </a:spcAft>
-          </a:pPr>
-          <a:r>
-            <a:rPr lang="en-US" sz="1400" kern="1200" dirty="0" smtClean="0">
-              <a:solidFill>
-                <a:srgbClr val="00B0F0"/>
-              </a:solidFill>
-            </a:rPr>
-            <a:t>Storage Tables</a:t>
-          </a:r>
-          <a:endParaRPr lang="ru-RU" sz="1400" kern="1200" dirty="0">
-            <a:solidFill>
-              <a:srgbClr val="00B0F0"/>
-            </a:solidFill>
-          </a:endParaRPr>
-        </a:p>
-      </dsp:txBody>
-      <dsp:txXfrm>
-        <a:off x="3288995" y="1353231"/>
-        <a:ext cx="1653739" cy="459050"/>
-      </dsp:txXfrm>
-    </dsp:sp>
-    <dsp:sp modelId="{5727BF42-537E-40D5-B281-429A4AA75037}">
-      <dsp:nvSpPr>
-        <dsp:cNvPr id="0" name=""/>
-        <dsp:cNvSpPr/>
-      </dsp:nvSpPr>
-      <dsp:spPr>
-        <a:xfrm rot="2121630">
-          <a:off x="2698634" y="1792597"/>
-          <a:ext cx="507864" cy="0"/>
-        </a:xfrm>
-        <a:custGeom>
-          <a:avLst/>
-          <a:gdLst/>
-          <a:ahLst/>
-          <a:cxnLst/>
-          <a:rect l="0" t="0" r="0" b="0"/>
-          <a:pathLst>
-            <a:path>
-              <a:moveTo>
-                <a:pt x="0" y="0"/>
-              </a:moveTo>
-              <a:lnTo>
-                <a:pt x="507864" y="0"/>
-              </a:lnTo>
-            </a:path>
-          </a:pathLst>
-        </a:custGeom>
-        <a:noFill/>
-        <a:ln w="25400" cap="flat" cmpd="sng" algn="ctr">
-          <a:solidFill>
-            <a:schemeClr val="accent1">
-              <a:shade val="60000"/>
-              <a:hueOff val="0"/>
-              <a:satOff val="0"/>
-              <a:lumOff val="0"/>
-              <a:alphaOff val="0"/>
-            </a:schemeClr>
-          </a:solidFill>
-          <a:prstDash val="solid"/>
-        </a:ln>
-        <a:effectLst/>
-      </dsp:spPr>
-      <dsp:style>
-        <a:lnRef idx="2">
-          <a:scrgbClr r="0" g="0" b="0"/>
-        </a:lnRef>
-        <a:fillRef idx="0">
-          <a:scrgbClr r="0" g="0" b="0"/>
-        </a:fillRef>
-        <a:effectRef idx="0">
-          <a:scrgbClr r="0" g="0" b="0"/>
-        </a:effectRef>
-        <a:fontRef idx="minor"/>
-      </dsp:style>
-    </dsp:sp>
-    <dsp:sp modelId="{06CB251D-7874-46F5-B434-DFA2F5371EDF}">
-      <dsp:nvSpPr>
-        <dsp:cNvPr id="0" name=""/>
-        <dsp:cNvSpPr/>
-      </dsp:nvSpPr>
-      <dsp:spPr>
-        <a:xfrm>
-          <a:off x="2666392" y="1939552"/>
-          <a:ext cx="1703405" cy="508716"/>
-        </a:xfrm>
-        <a:prstGeom prst="roundRect">
-          <a:avLst/>
-        </a:prstGeom>
-        <a:solidFill>
-          <a:schemeClr val="bg1">
-            <a:lumMod val="95000"/>
-          </a:schemeClr>
-        </a:solidFill>
-        <a:ln w="25400" cap="flat" cmpd="sng" algn="ctr">
-          <a:solidFill>
-            <a:srgbClr val="00B0F0"/>
-          </a:solidFill>
-          <a:prstDash val="solid"/>
-        </a:ln>
-        <a:effectLst/>
-      </dsp:spPr>
-      <dsp:style>
-        <a:lnRef idx="2">
-          <a:scrgbClr r="0" g="0" b="0"/>
-        </a:lnRef>
-        <a:fillRef idx="1">
-          <a:scrgbClr r="0" g="0" b="0"/>
-        </a:fillRef>
-        <a:effectRef idx="0">
-          <a:scrgbClr r="0" g="0" b="0"/>
-        </a:effectRef>
-        <a:fontRef idx="minor">
-          <a:schemeClr val="lt1"/>
-        </a:fontRef>
-      </dsp:style>
-      <dsp:txBody>
-        <a:bodyPr spcFirstLastPara="0" vert="horz" wrap="square" lIns="540000" tIns="63500" rIns="63500" bIns="63500" numCol="1" spcCol="1270" anchor="ctr" anchorCtr="0">
-          <a:noAutofit/>
-        </a:bodyPr>
-        <a:lstStyle/>
-        <a:p>
-          <a:pPr lvl="0" algn="ctr" defTabSz="1111250">
-            <a:lnSpc>
-              <a:spcPct val="90000"/>
-            </a:lnSpc>
-            <a:spcBef>
-              <a:spcPct val="0"/>
-            </a:spcBef>
-            <a:spcAft>
-              <a:spcPct val="35000"/>
-            </a:spcAft>
-          </a:pPr>
-          <a:r>
-            <a:rPr lang="en-US" sz="2500" kern="1200" dirty="0" smtClean="0">
-              <a:solidFill>
-                <a:srgbClr val="00B0F0"/>
-              </a:solidFill>
-            </a:rPr>
-            <a:t>Cache</a:t>
-          </a:r>
-          <a:endParaRPr lang="ru-RU" sz="2500" kern="1200" dirty="0">
-            <a:solidFill>
-              <a:srgbClr val="00B0F0"/>
-            </a:solidFill>
-          </a:endParaRPr>
-        </a:p>
-      </dsp:txBody>
-      <dsp:txXfrm>
-        <a:off x="2691225" y="1964385"/>
-        <a:ext cx="1653739" cy="459050"/>
-      </dsp:txXfrm>
-    </dsp:sp>
-    <dsp:sp modelId="{C09D1272-4CF0-4360-A709-F658F12539F1}">
-      <dsp:nvSpPr>
-        <dsp:cNvPr id="0" name=""/>
-        <dsp:cNvSpPr/>
-      </dsp:nvSpPr>
-      <dsp:spPr>
-        <a:xfrm rot="8401647">
-          <a:off x="1864315" y="1809434"/>
-          <a:ext cx="405105" cy="0"/>
-        </a:xfrm>
-        <a:custGeom>
-          <a:avLst/>
-          <a:gdLst/>
-          <a:ahLst/>
-          <a:cxnLst/>
-          <a:rect l="0" t="0" r="0" b="0"/>
-          <a:pathLst>
-            <a:path>
-              <a:moveTo>
-                <a:pt x="0" y="0"/>
-              </a:moveTo>
-              <a:lnTo>
-                <a:pt x="405105" y="0"/>
-              </a:lnTo>
-            </a:path>
-          </a:pathLst>
-        </a:custGeom>
-        <a:noFill/>
-        <a:ln w="25400" cap="flat" cmpd="sng" algn="ctr">
-          <a:solidFill>
-            <a:schemeClr val="accent1">
-              <a:shade val="60000"/>
-              <a:hueOff val="0"/>
-              <a:satOff val="0"/>
-              <a:lumOff val="0"/>
-              <a:alphaOff val="0"/>
-            </a:schemeClr>
-          </a:solidFill>
-          <a:prstDash val="solid"/>
-        </a:ln>
-        <a:effectLst/>
-      </dsp:spPr>
-      <dsp:style>
-        <a:lnRef idx="2">
-          <a:scrgbClr r="0" g="0" b="0"/>
-        </a:lnRef>
-        <a:fillRef idx="0">
-          <a:scrgbClr r="0" g="0" b="0"/>
-        </a:fillRef>
-        <a:effectRef idx="0">
-          <a:scrgbClr r="0" g="0" b="0"/>
-        </a:effectRef>
-        <a:fontRef idx="minor"/>
-      </dsp:style>
-    </dsp:sp>
-    <dsp:sp modelId="{905EE044-8A93-48F4-B923-0A245442EAF2}">
-      <dsp:nvSpPr>
-        <dsp:cNvPr id="0" name=""/>
-        <dsp:cNvSpPr/>
-      </dsp:nvSpPr>
-      <dsp:spPr>
-        <a:xfrm>
-          <a:off x="756510" y="1939558"/>
-          <a:ext cx="1703405" cy="508716"/>
-        </a:xfrm>
-        <a:prstGeom prst="roundRect">
-          <a:avLst/>
-        </a:prstGeom>
-        <a:solidFill>
-          <a:schemeClr val="bg1">
-            <a:lumMod val="95000"/>
-          </a:schemeClr>
-        </a:solidFill>
-        <a:ln w="25400" cap="flat" cmpd="sng" algn="ctr">
-          <a:solidFill>
-            <a:srgbClr val="00B0F0"/>
-          </a:solidFill>
-          <a:prstDash val="solid"/>
-        </a:ln>
-        <a:effectLst/>
-      </dsp:spPr>
-      <dsp:style>
-        <a:lnRef idx="2">
-          <a:scrgbClr r="0" g="0" b="0"/>
-        </a:lnRef>
-        <a:fillRef idx="1">
-          <a:scrgbClr r="0" g="0" b="0"/>
-        </a:fillRef>
-        <a:effectRef idx="0">
-          <a:scrgbClr r="0" g="0" b="0"/>
-        </a:effectRef>
-        <a:fontRef idx="minor">
-          <a:schemeClr val="lt1"/>
-        </a:fontRef>
-      </dsp:style>
-      <dsp:txBody>
-        <a:bodyPr spcFirstLastPara="0" vert="horz" wrap="square" lIns="540000" tIns="35560" rIns="35560" bIns="35560" numCol="1" spcCol="1270" anchor="ctr" anchorCtr="0">
-          <a:noAutofit/>
-        </a:bodyPr>
-        <a:lstStyle/>
-        <a:p>
-          <a:pPr lvl="0" algn="ctr" defTabSz="622300">
-            <a:lnSpc>
-              <a:spcPct val="90000"/>
-            </a:lnSpc>
-            <a:spcBef>
-              <a:spcPct val="0"/>
-            </a:spcBef>
-            <a:spcAft>
-              <a:spcPct val="35000"/>
-            </a:spcAft>
-          </a:pPr>
-          <a:r>
-            <a:rPr lang="en-US" sz="1400" kern="1200" dirty="0" smtClean="0">
-              <a:solidFill>
-                <a:srgbClr val="00B0F0"/>
-              </a:solidFill>
-            </a:rPr>
-            <a:t>Mobile Services</a:t>
-          </a:r>
-          <a:endParaRPr lang="ru-RU" sz="1400" kern="1200" dirty="0">
-            <a:solidFill>
-              <a:srgbClr val="00B0F0"/>
-            </a:solidFill>
-          </a:endParaRPr>
-        </a:p>
-      </dsp:txBody>
-      <dsp:txXfrm>
-        <a:off x="781343" y="1964391"/>
-        <a:ext cx="1653739" cy="459050"/>
-      </dsp:txXfrm>
-    </dsp:sp>
-    <dsp:sp modelId="{92DF3097-6005-46D4-90E5-653438AEDECF}">
-      <dsp:nvSpPr>
-        <dsp:cNvPr id="0" name=""/>
-        <dsp:cNvSpPr/>
-      </dsp:nvSpPr>
-      <dsp:spPr>
-        <a:xfrm rot="11243038">
-          <a:off x="1923897" y="1406783"/>
-          <a:ext cx="299438" cy="0"/>
-        </a:xfrm>
-        <a:custGeom>
-          <a:avLst/>
-          <a:gdLst/>
-          <a:ahLst/>
-          <a:cxnLst/>
-          <a:rect l="0" t="0" r="0" b="0"/>
-          <a:pathLst>
-            <a:path>
-              <a:moveTo>
-                <a:pt x="0" y="0"/>
-              </a:moveTo>
-              <a:lnTo>
-                <a:pt x="299438" y="0"/>
-              </a:lnTo>
-            </a:path>
-          </a:pathLst>
-        </a:custGeom>
-        <a:noFill/>
-        <a:ln w="25400" cap="flat" cmpd="sng" algn="ctr">
-          <a:solidFill>
-            <a:schemeClr val="accent1">
-              <a:shade val="60000"/>
-              <a:hueOff val="0"/>
-              <a:satOff val="0"/>
-              <a:lumOff val="0"/>
-              <a:alphaOff val="0"/>
-            </a:schemeClr>
-          </a:solidFill>
-          <a:prstDash val="solid"/>
-        </a:ln>
-        <a:effectLst/>
-      </dsp:spPr>
-      <dsp:style>
-        <a:lnRef idx="2">
-          <a:scrgbClr r="0" g="0" b="0"/>
-        </a:lnRef>
-        <a:fillRef idx="0">
-          <a:scrgbClr r="0" g="0" b="0"/>
-        </a:fillRef>
-        <a:effectRef idx="0">
-          <a:scrgbClr r="0" g="0" b="0"/>
-        </a:effectRef>
-        <a:fontRef idx="minor"/>
-      </dsp:style>
-    </dsp:sp>
-    <dsp:sp modelId="{42C5E428-457C-4D2D-B9F7-8D88B989BAC4}">
-      <dsp:nvSpPr>
-        <dsp:cNvPr id="0" name=""/>
-        <dsp:cNvSpPr/>
-      </dsp:nvSpPr>
-      <dsp:spPr>
-        <a:xfrm>
-          <a:off x="221733" y="1022809"/>
-          <a:ext cx="1703405" cy="508716"/>
-        </a:xfrm>
-        <a:prstGeom prst="roundRect">
-          <a:avLst/>
-        </a:prstGeom>
-        <a:solidFill>
-          <a:schemeClr val="bg1">
-            <a:lumMod val="95000"/>
-          </a:schemeClr>
-        </a:solidFill>
-        <a:ln w="25400" cap="flat" cmpd="sng" algn="ctr">
-          <a:solidFill>
-            <a:srgbClr val="00B0F0"/>
-          </a:solidFill>
-          <a:prstDash val="solid"/>
-        </a:ln>
-        <a:effectLst/>
-      </dsp:spPr>
-      <dsp:style>
-        <a:lnRef idx="2">
-          <a:scrgbClr r="0" g="0" b="0"/>
-        </a:lnRef>
-        <a:fillRef idx="1">
-          <a:scrgbClr r="0" g="0" b="0"/>
-        </a:fillRef>
-        <a:effectRef idx="0">
-          <a:scrgbClr r="0" g="0" b="0"/>
-        </a:effectRef>
-        <a:fontRef idx="minor">
-          <a:schemeClr val="lt1"/>
-        </a:fontRef>
-      </dsp:style>
-      <dsp:txBody>
-        <a:bodyPr spcFirstLastPara="0" vert="horz" wrap="square" lIns="540000" tIns="35560" rIns="35560" bIns="35560" numCol="1" spcCol="1270" anchor="ctr" anchorCtr="0">
-          <a:noAutofit/>
-        </a:bodyPr>
-        <a:lstStyle/>
-        <a:p>
-          <a:pPr lvl="0" algn="ctr" defTabSz="622300">
-            <a:lnSpc>
-              <a:spcPct val="90000"/>
-            </a:lnSpc>
-            <a:spcBef>
-              <a:spcPct val="0"/>
-            </a:spcBef>
-            <a:spcAft>
-              <a:spcPct val="35000"/>
-            </a:spcAft>
-          </a:pPr>
-          <a:r>
-            <a:rPr lang="en-US" sz="1400" kern="1200" dirty="0" smtClean="0">
-              <a:solidFill>
-                <a:srgbClr val="00B0F0"/>
-              </a:solidFill>
-            </a:rPr>
-            <a:t>Traffic Manager</a:t>
-          </a:r>
-          <a:endParaRPr lang="ru-RU" sz="1400" kern="1200" dirty="0">
-            <a:solidFill>
-              <a:srgbClr val="00B0F0"/>
-            </a:solidFill>
-          </a:endParaRPr>
-        </a:p>
-      </dsp:txBody>
-      <dsp:txXfrm>
-        <a:off x="246566" y="1047642"/>
-        <a:ext cx="1653739" cy="459050"/>
-      </dsp:txXfrm>
-    </dsp:sp>
-    <dsp:sp modelId="{952B87BD-0B07-49BA-9E5C-A2E5FB19EB83}">
-      <dsp:nvSpPr>
-        <dsp:cNvPr id="0" name=""/>
-        <dsp:cNvSpPr/>
-      </dsp:nvSpPr>
-      <dsp:spPr>
-        <a:xfrm rot="13557237">
-          <a:off x="1550582" y="904662"/>
-          <a:ext cx="792234" cy="0"/>
-        </a:xfrm>
-        <a:custGeom>
-          <a:avLst/>
-          <a:gdLst/>
-          <a:ahLst/>
-          <a:cxnLst/>
-          <a:rect l="0" t="0" r="0" b="0"/>
-          <a:pathLst>
-            <a:path>
-              <a:moveTo>
-                <a:pt x="0" y="0"/>
-              </a:moveTo>
-              <a:lnTo>
-                <a:pt x="792234" y="0"/>
-              </a:lnTo>
-            </a:path>
-          </a:pathLst>
-        </a:custGeom>
-        <a:noFill/>
-        <a:ln w="25400" cap="flat" cmpd="sng" algn="ctr">
-          <a:solidFill>
-            <a:schemeClr val="accent1">
-              <a:shade val="60000"/>
-              <a:hueOff val="0"/>
-              <a:satOff val="0"/>
-              <a:lumOff val="0"/>
-              <a:alphaOff val="0"/>
-            </a:schemeClr>
-          </a:solidFill>
-          <a:prstDash val="solid"/>
-        </a:ln>
-        <a:effectLst/>
-      </dsp:spPr>
-      <dsp:style>
-        <a:lnRef idx="2">
-          <a:scrgbClr r="0" g="0" b="0"/>
-        </a:lnRef>
-        <a:fillRef idx="0">
-          <a:scrgbClr r="0" g="0" b="0"/>
-        </a:fillRef>
-        <a:effectRef idx="0">
-          <a:scrgbClr r="0" g="0" b="0"/>
-        </a:effectRef>
-        <a:fontRef idx="minor"/>
-      </dsp:style>
-    </dsp:sp>
-    <dsp:sp modelId="{A1DBB35B-359C-44C1-948D-F0C4AB873D98}">
-      <dsp:nvSpPr>
-        <dsp:cNvPr id="0" name=""/>
-        <dsp:cNvSpPr/>
-      </dsp:nvSpPr>
-      <dsp:spPr>
-        <a:xfrm>
-          <a:off x="573575" y="111224"/>
-          <a:ext cx="1703405" cy="508716"/>
-        </a:xfrm>
-        <a:prstGeom prst="roundRect">
-          <a:avLst/>
-        </a:prstGeom>
-        <a:solidFill>
-          <a:schemeClr val="bg1">
-            <a:lumMod val="95000"/>
-          </a:schemeClr>
-        </a:solidFill>
-        <a:ln w="25400" cap="flat" cmpd="sng" algn="ctr">
-          <a:solidFill>
-            <a:srgbClr val="00B0F0"/>
-          </a:solidFill>
-          <a:prstDash val="solid"/>
-        </a:ln>
-        <a:effectLst/>
-      </dsp:spPr>
-      <dsp:style>
-        <a:lnRef idx="2">
-          <a:scrgbClr r="0" g="0" b="0"/>
-        </a:lnRef>
-        <a:fillRef idx="1">
-          <a:scrgbClr r="0" g="0" b="0"/>
-        </a:fillRef>
-        <a:effectRef idx="0">
-          <a:scrgbClr r="0" g="0" b="0"/>
-        </a:effectRef>
-        <a:fontRef idx="minor">
-          <a:schemeClr val="lt1"/>
-        </a:fontRef>
-      </dsp:style>
-      <dsp:txBody>
-        <a:bodyPr spcFirstLastPara="0" vert="horz" wrap="square" lIns="540000" tIns="35560" rIns="35560" bIns="35560" numCol="1" spcCol="1270" anchor="ctr" anchorCtr="0">
-          <a:noAutofit/>
-        </a:bodyPr>
-        <a:lstStyle/>
-        <a:p>
-          <a:pPr lvl="0" algn="ctr" defTabSz="622300">
-            <a:lnSpc>
-              <a:spcPct val="90000"/>
-            </a:lnSpc>
-            <a:spcBef>
-              <a:spcPct val="0"/>
-            </a:spcBef>
-            <a:spcAft>
-              <a:spcPct val="35000"/>
-            </a:spcAft>
-          </a:pPr>
-          <a:r>
-            <a:rPr lang="en-US" sz="1400" kern="1200" smtClean="0">
-              <a:solidFill>
-                <a:srgbClr val="00B0F0"/>
-              </a:solidFill>
-            </a:rPr>
-            <a:t>Storage Blobs</a:t>
-          </a:r>
-          <a:endParaRPr lang="ru-RU" sz="1400" kern="1200" dirty="0">
-            <a:solidFill>
-              <a:srgbClr val="00B0F0"/>
-            </a:solidFill>
-          </a:endParaRPr>
-        </a:p>
-      </dsp:txBody>
-      <dsp:txXfrm>
-        <a:off x="598408" y="136057"/>
-        <a:ext cx="1653739" cy="459050"/>
-      </dsp:txXfrm>
-    </dsp:sp>
   </dsp:spTree>
 </dsp:drawing>
 </file>
@@ -18165,7 +18629,7 @@
             <a:fld id="{C3402240-18E8-4BA6-A53E-7A1792A59EEC}" type="datetimeFigureOut">
               <a:rPr lang="en-US" smtClean="0"/>
               <a:pPr/>
-              <a:t>6/11/2015</a:t>
+              <a:t>6/12/2015</a:t>
             </a:fld>
             <a:endParaRPr lang="en-US"/>
           </a:p>
@@ -18657,6 +19121,262 @@
             <a:endParaRPr lang="en-US" dirty="0" smtClean="0"/>
           </a:p>
           <a:p>
+            <a:pPr marL="0" marR="0" indent="0" algn="l" defTabSz="914400" rtl="0" eaLnBrk="1" fontAlgn="auto" latinLnBrk="0" hangingPunct="1">
+              <a:lnSpc>
+                <a:spcPct val="100000"/>
+              </a:lnSpc>
+              <a:spcBef>
+                <a:spcPts val="0"/>
+              </a:spcBef>
+              <a:spcAft>
+                <a:spcPts val="0"/>
+              </a:spcAft>
+              <a:buClrTx/>
+              <a:buSzTx/>
+              <a:buFontTx/>
+              <a:buNone/>
+              <a:tabLst/>
+              <a:defRPr/>
+            </a:pPr>
+            <a:r>
+              <a:rPr lang="en-US" sz="1200" b="1" i="0" kern="1200" dirty="0" smtClean="0">
+                <a:solidFill>
+                  <a:schemeClr val="tx1"/>
+                </a:solidFill>
+                <a:effectLst/>
+                <a:latin typeface="+mn-lt"/>
+                <a:ea typeface="+mn-ea"/>
+                <a:cs typeface="+mn-cs"/>
+              </a:rPr>
+              <a:t>Which Windows Azure Cloud Architecture? </a:t>
+            </a:r>
+            <a:r>
+              <a:rPr lang="en-US" sz="1200" b="1" i="0" kern="1200" dirty="0" err="1" smtClean="0">
+                <a:solidFill>
+                  <a:schemeClr val="tx1"/>
+                </a:solidFill>
+                <a:effectLst/>
+                <a:latin typeface="+mn-lt"/>
+                <a:ea typeface="+mn-ea"/>
+                <a:cs typeface="+mn-cs"/>
+              </a:rPr>
+              <a:t>PaaS</a:t>
+            </a:r>
+            <a:r>
+              <a:rPr lang="en-US" sz="1200" b="1" i="0" kern="1200" dirty="0" smtClean="0">
+                <a:solidFill>
+                  <a:schemeClr val="tx1"/>
+                </a:solidFill>
+                <a:effectLst/>
+                <a:latin typeface="+mn-lt"/>
+                <a:ea typeface="+mn-ea"/>
+                <a:cs typeface="+mn-cs"/>
+              </a:rPr>
+              <a:t> or </a:t>
+            </a:r>
+            <a:r>
+              <a:rPr lang="en-US" sz="1200" b="1" i="0" kern="1200" dirty="0" err="1" smtClean="0">
+                <a:solidFill>
+                  <a:schemeClr val="tx1"/>
+                </a:solidFill>
+                <a:effectLst/>
+                <a:latin typeface="+mn-lt"/>
+                <a:ea typeface="+mn-ea"/>
+                <a:cs typeface="+mn-cs"/>
+              </a:rPr>
+              <a:t>IaaS</a:t>
+            </a:r>
+            <a:r>
+              <a:rPr lang="en-US" sz="1200" b="1" i="0" kern="1200" dirty="0" smtClean="0">
+                <a:solidFill>
+                  <a:schemeClr val="tx1"/>
+                </a:solidFill>
+                <a:effectLst/>
+                <a:latin typeface="+mn-lt"/>
+                <a:ea typeface="+mn-ea"/>
+                <a:cs typeface="+mn-cs"/>
+              </a:rPr>
+              <a:t> ?</a:t>
+            </a:r>
+          </a:p>
+          <a:p>
+            <a:r>
+              <a:rPr lang="en-US" dirty="0" smtClean="0"/>
+              <a:t>http://blogs.msdn.com/b/hanuk/archive/2013/12/03/which-windows-azure-cloud-architecture-paas-or-iaas.aspx</a:t>
+            </a:r>
+            <a:endParaRPr lang="ru-RU" dirty="0"/>
+          </a:p>
+        </p:txBody>
+      </p:sp>
+      <p:sp>
+        <p:nvSpPr>
+          <p:cNvPr id="4" name="Slide Number Placeholder 3"/>
+          <p:cNvSpPr>
+            <a:spLocks noGrp="1"/>
+          </p:cNvSpPr>
+          <p:nvPr>
+            <p:ph type="sldNum" sz="quarter" idx="10"/>
+          </p:nvPr>
+        </p:nvSpPr>
+        <p:spPr/>
+        <p:txBody>
+          <a:bodyPr/>
+          <a:lstStyle/>
+          <a:p>
+            <a:fld id="{4D78249E-5ACD-4E52-A408-9BB999BD2D41}" type="slidenum">
+              <a:rPr lang="en-US" smtClean="0"/>
+              <a:pPr/>
+              <a:t>11</a:t>
+            </a:fld>
+            <a:endParaRPr lang="en-US"/>
+          </a:p>
+        </p:txBody>
+      </p:sp>
+    </p:spTree>
+    <p:extLst>
+      <p:ext uri="{BB962C8B-B14F-4D97-AF65-F5344CB8AC3E}">
+        <p14:creationId xmlns:p14="http://schemas.microsoft.com/office/powerpoint/2010/main" val="4107362679"/>
+      </p:ext>
+    </p:extLst>
+  </p:cSld>
+  <p:clrMapOvr>
+    <a:masterClrMapping/>
+  </p:clrMapOvr>
+</p:notes>
+</file>
+
+<file path=ppt/notesSlides/notesSlide11.xml><?xml version="1.0" encoding="utf-8"?>
+<p:notes xmlns:a="http://schemas.openxmlformats.org/drawingml/2006/main" xmlns:r="http://schemas.openxmlformats.org/officeDocument/2006/relationships" xmlns:p="http://schemas.openxmlformats.org/presentationml/2006/main">
+  <p:cSld>
+    <p:spTree>
+      <p:nvGrpSpPr>
+        <p:cNvPr id="1" name=""/>
+        <p:cNvGrpSpPr/>
+        <p:nvPr/>
+      </p:nvGrpSpPr>
+      <p:grpSpPr>
+        <a:xfrm>
+          <a:off x="0" y="0"/>
+          <a:ext cx="0" cy="0"/>
+          <a:chOff x="0" y="0"/>
+          <a:chExt cx="0" cy="0"/>
+        </a:xfrm>
+      </p:grpSpPr>
+      <p:sp>
+        <p:nvSpPr>
+          <p:cNvPr id="2" name="Slide Image Placeholder 1"/>
+          <p:cNvSpPr>
+            <a:spLocks noGrp="1" noRot="1" noChangeAspect="1"/>
+          </p:cNvSpPr>
+          <p:nvPr>
+            <p:ph type="sldImg"/>
+          </p:nvPr>
+        </p:nvSpPr>
+        <p:spPr/>
+      </p:sp>
+      <p:sp>
+        <p:nvSpPr>
+          <p:cNvPr id="3" name="Notes Placeholder 2"/>
+          <p:cNvSpPr>
+            <a:spLocks noGrp="1"/>
+          </p:cNvSpPr>
+          <p:nvPr>
+            <p:ph type="body" idx="1"/>
+          </p:nvPr>
+        </p:nvSpPr>
+        <p:spPr/>
+        <p:txBody>
+          <a:bodyPr/>
+          <a:lstStyle/>
+          <a:p>
+            <a:pPr marL="0" marR="0" indent="0" algn="l" defTabSz="914400" rtl="0" eaLnBrk="1" fontAlgn="auto" latinLnBrk="0" hangingPunct="1">
+              <a:lnSpc>
+                <a:spcPct val="100000"/>
+              </a:lnSpc>
+              <a:spcBef>
+                <a:spcPts val="0"/>
+              </a:spcBef>
+              <a:spcAft>
+                <a:spcPts val="0"/>
+              </a:spcAft>
+              <a:buClrTx/>
+              <a:buSzTx/>
+              <a:buFontTx/>
+              <a:buNone/>
+              <a:tabLst/>
+              <a:defRPr/>
+            </a:pPr>
+            <a:r>
+              <a:rPr lang="en-US" sz="1200" b="1" i="0" kern="1200" dirty="0" smtClean="0">
+                <a:solidFill>
+                  <a:schemeClr val="tx1"/>
+                </a:solidFill>
+                <a:effectLst/>
+                <a:latin typeface="+mn-lt"/>
+                <a:ea typeface="+mn-ea"/>
+                <a:cs typeface="+mn-cs"/>
+              </a:rPr>
+              <a:t>Windows Azure </a:t>
+            </a:r>
+            <a:r>
+              <a:rPr lang="en-US" sz="1200" b="1" i="0" kern="1200" dirty="0" err="1" smtClean="0">
+                <a:solidFill>
+                  <a:schemeClr val="tx1"/>
+                </a:solidFill>
+                <a:effectLst/>
+                <a:latin typeface="+mn-lt"/>
+                <a:ea typeface="+mn-ea"/>
+                <a:cs typeface="+mn-cs"/>
+              </a:rPr>
+              <a:t>IaaS</a:t>
+            </a:r>
+            <a:r>
+              <a:rPr lang="en-US" sz="1200" b="1" i="0" kern="1200" dirty="0" smtClean="0">
+                <a:solidFill>
+                  <a:schemeClr val="tx1"/>
+                </a:solidFill>
+                <a:effectLst/>
+                <a:latin typeface="+mn-lt"/>
+                <a:ea typeface="+mn-ea"/>
+                <a:cs typeface="+mn-cs"/>
+              </a:rPr>
+              <a:t> vs. </a:t>
+            </a:r>
+            <a:r>
+              <a:rPr lang="en-US" sz="1200" b="1" i="0" kern="1200" dirty="0" err="1" smtClean="0">
+                <a:solidFill>
+                  <a:schemeClr val="tx1"/>
+                </a:solidFill>
+                <a:effectLst/>
+                <a:latin typeface="+mn-lt"/>
+                <a:ea typeface="+mn-ea"/>
+                <a:cs typeface="+mn-cs"/>
+              </a:rPr>
+              <a:t>PaaS</a:t>
+            </a:r>
+            <a:r>
+              <a:rPr lang="en-US" sz="1200" b="1" i="0" kern="1200" dirty="0" smtClean="0">
+                <a:solidFill>
+                  <a:schemeClr val="tx1"/>
+                </a:solidFill>
+                <a:effectLst/>
+                <a:latin typeface="+mn-lt"/>
+                <a:ea typeface="+mn-ea"/>
+                <a:cs typeface="+mn-cs"/>
+              </a:rPr>
+              <a:t> vs. SaaS</a:t>
+            </a:r>
+          </a:p>
+          <a:p>
+            <a:r>
+              <a:rPr lang="en-US" dirty="0" smtClean="0"/>
+              <a:t>http://robertgreiner.com/2014/03/windows-azure-iaas-paas-saas-overview/</a:t>
+            </a:r>
+          </a:p>
+          <a:p>
+            <a:endParaRPr lang="en-US" dirty="0" smtClean="0"/>
+          </a:p>
+          <a:p>
             <a:endParaRPr lang="en-US" dirty="0" smtClean="0"/>
           </a:p>
           <a:p>
@@ -18760,7 +19480,7 @@
             <a:fld id="{4D78249E-5ACD-4E52-A408-9BB999BD2D41}" type="slidenum">
               <a:rPr lang="en-US" smtClean="0"/>
               <a:pPr/>
-              <a:t>11</a:t>
+              <a:t>12</a:t>
             </a:fld>
             <a:endParaRPr lang="en-US"/>
           </a:p>
@@ -18779,7 +19499,7 @@
 </p:notes>
 </file>
 
-<file path=ppt/notesSlides/notesSlide11.xml><?xml version="1.0" encoding="utf-8"?>
+<file path=ppt/notesSlides/notesSlide12.xml><?xml version="1.0" encoding="utf-8"?>
 <p:notes xmlns:a="http://schemas.openxmlformats.org/drawingml/2006/main" xmlns:r="http://schemas.openxmlformats.org/officeDocument/2006/relationships" xmlns:p="http://schemas.openxmlformats.org/presentationml/2006/main">
   <p:cSld>
     <p:spTree>
@@ -18855,7 +19575,7 @@
             <a:fld id="{4D78249E-5ACD-4E52-A408-9BB999BD2D41}" type="slidenum">
               <a:rPr lang="en-US" smtClean="0"/>
               <a:pPr/>
-              <a:t>13</a:t>
+              <a:t>14</a:t>
             </a:fld>
             <a:endParaRPr lang="en-US"/>
           </a:p>
@@ -18874,7 +19594,7 @@
 </p:notes>
 </file>
 
-<file path=ppt/notesSlides/notesSlide12.xml><?xml version="1.0" encoding="utf-8"?>
+<file path=ppt/notesSlides/notesSlide13.xml><?xml version="1.0" encoding="utf-8"?>
 <p:notes xmlns:a="http://schemas.openxmlformats.org/drawingml/2006/main" xmlns:r="http://schemas.openxmlformats.org/officeDocument/2006/relationships" xmlns:p="http://schemas.openxmlformats.org/presentationml/2006/main">
   <p:cSld>
     <p:spTree>
@@ -18980,7 +19700,7 @@
             <a:fld id="{4D78249E-5ACD-4E52-A408-9BB999BD2D41}" type="slidenum">
               <a:rPr lang="en-US" smtClean="0"/>
               <a:pPr/>
-              <a:t>15</a:t>
+              <a:t>16</a:t>
             </a:fld>
             <a:endParaRPr lang="en-US"/>
           </a:p>
@@ -18999,7 +19719,7 @@
 </p:notes>
 </file>
 
-<file path=ppt/notesSlides/notesSlide13.xml><?xml version="1.0" encoding="utf-8"?>
+<file path=ppt/notesSlides/notesSlide14.xml><?xml version="1.0" encoding="utf-8"?>
 <p:notes xmlns:a="http://schemas.openxmlformats.org/drawingml/2006/main" xmlns:r="http://schemas.openxmlformats.org/officeDocument/2006/relationships" xmlns:p="http://schemas.openxmlformats.org/presentationml/2006/main">
   <p:cSld>
     <p:spTree>
@@ -19045,7 +19765,26 @@
           <a:p>
             <a:r>
               <a:rPr lang="en-US" b="1" dirty="0" smtClean="0"/>
-              <a:t>Main data</a:t>
+              <a:t>Downloads:</a:t>
+            </a:r>
+          </a:p>
+          <a:p>
+            <a:r>
+              <a:rPr lang="en-US" dirty="0" smtClean="0"/>
+              <a:t>http://azure.microsoft.com/en-us/downloads/</a:t>
+            </a:r>
+          </a:p>
+          <a:p>
+            <a:endParaRPr lang="en-US" b="1" dirty="0" smtClean="0"/>
+          </a:p>
+          <a:p>
+            <a:r>
+              <a:rPr lang="en-US" b="1" smtClean="0"/>
+              <a:t>Main </a:t>
+            </a:r>
+            <a:r>
+              <a:rPr lang="en-US" b="1" dirty="0" smtClean="0"/>
+              <a:t>data</a:t>
             </a:r>
             <a:r>
               <a:rPr lang="en-US" b="1" baseline="0" dirty="0" smtClean="0"/>
@@ -19057,22 +19796,6 @@
               <a:rPr lang="en-US" dirty="0" smtClean="0"/>
               <a:t>https://msdn.microsoft.com/en-us/library/azure/dn479282.aspx</a:t>
             </a:r>
-          </a:p>
-          <a:p>
-            <a:endParaRPr lang="en-US" dirty="0" smtClean="0"/>
-          </a:p>
-          <a:p>
-            <a:r>
-              <a:rPr lang="en-US" dirty="0" smtClean="0"/>
-              <a:t>http</a:t>
-            </a:r>
-            <a:r>
-              <a:rPr lang="en-US" dirty="0" smtClean="0"/>
-              <a:t>://azure.microsoft.com/en-us/downloads/</a:t>
-            </a:r>
-          </a:p>
-          <a:p>
-            <a:endParaRPr lang="en-US" dirty="0" smtClean="0"/>
           </a:p>
           <a:p>
             <a:endParaRPr lang="en-US" dirty="0" smtClean="0"/>
@@ -19135,7 +19858,7 @@
             <a:fld id="{4D78249E-5ACD-4E52-A408-9BB999BD2D41}" type="slidenum">
               <a:rPr lang="en-US" smtClean="0"/>
               <a:pPr/>
-              <a:t>16</a:t>
+              <a:t>17</a:t>
             </a:fld>
             <a:endParaRPr lang="en-US"/>
           </a:p>
@@ -19154,7 +19877,340 @@
 </p:notes>
 </file>
 
-<file path=ppt/notesSlides/notesSlide14.xml><?xml version="1.0" encoding="utf-8"?>
+<file path=ppt/notesSlides/notesSlide15.xml><?xml version="1.0" encoding="utf-8"?>
+<p:notes xmlns:a="http://schemas.openxmlformats.org/drawingml/2006/main" xmlns:r="http://schemas.openxmlformats.org/officeDocument/2006/relationships" xmlns:p="http://schemas.openxmlformats.org/presentationml/2006/main">
+  <p:cSld>
+    <p:spTree>
+      <p:nvGrpSpPr>
+        <p:cNvPr id="1" name=""/>
+        <p:cNvGrpSpPr/>
+        <p:nvPr/>
+      </p:nvGrpSpPr>
+      <p:grpSpPr>
+        <a:xfrm>
+          <a:off x="0" y="0"/>
+          <a:ext cx="0" cy="0"/>
+          <a:chOff x="0" y="0"/>
+          <a:chExt cx="0" cy="0"/>
+        </a:xfrm>
+      </p:grpSpPr>
+      <p:sp>
+        <p:nvSpPr>
+          <p:cNvPr id="2" name="Slide Image Placeholder 1"/>
+          <p:cNvSpPr>
+            <a:spLocks noGrp="1" noRot="1" noChangeAspect="1"/>
+          </p:cNvSpPr>
+          <p:nvPr>
+            <p:ph type="sldImg"/>
+          </p:nvPr>
+        </p:nvSpPr>
+        <p:spPr/>
+      </p:sp>
+      <p:sp>
+        <p:nvSpPr>
+          <p:cNvPr id="3" name="Notes Placeholder 2"/>
+          <p:cNvSpPr>
+            <a:spLocks noGrp="1"/>
+          </p:cNvSpPr>
+          <p:nvPr>
+            <p:ph type="body" idx="1"/>
+          </p:nvPr>
+        </p:nvSpPr>
+        <p:spPr/>
+        <p:txBody>
+          <a:bodyPr/>
+          <a:lstStyle/>
+          <a:p>
+            <a:r>
+              <a:rPr lang="en-US" dirty="0" smtClean="0"/>
+              <a:t>How could </a:t>
+            </a:r>
+            <a:r>
+              <a:rPr lang="en-US" smtClean="0"/>
+              <a:t>be created?</a:t>
+            </a:r>
+            <a:endParaRPr lang="ru-RU"/>
+          </a:p>
+        </p:txBody>
+      </p:sp>
+      <p:sp>
+        <p:nvSpPr>
+          <p:cNvPr id="4" name="Slide Number Placeholder 3"/>
+          <p:cNvSpPr>
+            <a:spLocks noGrp="1"/>
+          </p:cNvSpPr>
+          <p:nvPr>
+            <p:ph type="sldNum" sz="quarter" idx="10"/>
+          </p:nvPr>
+        </p:nvSpPr>
+        <p:spPr/>
+        <p:txBody>
+          <a:bodyPr/>
+          <a:lstStyle/>
+          <a:p>
+            <a:fld id="{4D78249E-5ACD-4E52-A408-9BB999BD2D41}" type="slidenum">
+              <a:rPr lang="en-US" smtClean="0"/>
+              <a:pPr/>
+              <a:t>19</a:t>
+            </a:fld>
+            <a:endParaRPr lang="en-US"/>
+          </a:p>
+        </p:txBody>
+      </p:sp>
+    </p:spTree>
+    <p:extLst>
+      <p:ext uri="{BB962C8B-B14F-4D97-AF65-F5344CB8AC3E}">
+        <p14:creationId xmlns:p14="http://schemas.microsoft.com/office/powerpoint/2010/main" val="25392707"/>
+      </p:ext>
+    </p:extLst>
+  </p:cSld>
+  <p:clrMapOvr>
+    <a:masterClrMapping/>
+  </p:clrMapOvr>
+</p:notes>
+</file>
+
+<file path=ppt/notesSlides/notesSlide16.xml><?xml version="1.0" encoding="utf-8"?>
+<p:notes xmlns:a="http://schemas.openxmlformats.org/drawingml/2006/main" xmlns:r="http://schemas.openxmlformats.org/officeDocument/2006/relationships" xmlns:p="http://schemas.openxmlformats.org/presentationml/2006/main">
+  <p:cSld>
+    <p:spTree>
+      <p:nvGrpSpPr>
+        <p:cNvPr id="1" name=""/>
+        <p:cNvGrpSpPr/>
+        <p:nvPr/>
+      </p:nvGrpSpPr>
+      <p:grpSpPr>
+        <a:xfrm>
+          <a:off x="0" y="0"/>
+          <a:ext cx="0" cy="0"/>
+          <a:chOff x="0" y="0"/>
+          <a:chExt cx="0" cy="0"/>
+        </a:xfrm>
+      </p:grpSpPr>
+      <p:sp>
+        <p:nvSpPr>
+          <p:cNvPr id="2" name="Slide Image Placeholder 1"/>
+          <p:cNvSpPr>
+            <a:spLocks noGrp="1" noRot="1" noChangeAspect="1"/>
+          </p:cNvSpPr>
+          <p:nvPr>
+            <p:ph type="sldImg"/>
+          </p:nvPr>
+        </p:nvSpPr>
+        <p:spPr/>
+      </p:sp>
+      <p:sp>
+        <p:nvSpPr>
+          <p:cNvPr id="3" name="Notes Placeholder 2"/>
+          <p:cNvSpPr>
+            <a:spLocks noGrp="1"/>
+          </p:cNvSpPr>
+          <p:nvPr>
+            <p:ph type="body" idx="1"/>
+          </p:nvPr>
+        </p:nvSpPr>
+        <p:spPr/>
+        <p:txBody>
+          <a:bodyPr/>
+          <a:lstStyle/>
+          <a:p>
+            <a:pPr marL="0" marR="0" indent="0" algn="l" defTabSz="914400" rtl="0" eaLnBrk="1" fontAlgn="auto" latinLnBrk="0" hangingPunct="1">
+              <a:lnSpc>
+                <a:spcPct val="100000"/>
+              </a:lnSpc>
+              <a:spcBef>
+                <a:spcPts val="0"/>
+              </a:spcBef>
+              <a:spcAft>
+                <a:spcPts val="0"/>
+              </a:spcAft>
+              <a:buClrTx/>
+              <a:buSzTx/>
+              <a:buFontTx/>
+              <a:buNone/>
+              <a:tabLst/>
+              <a:defRPr/>
+            </a:pPr>
+            <a:r>
+              <a:rPr lang="en-US" sz="1200" b="1" i="0" kern="1200" dirty="0" smtClean="0">
+                <a:solidFill>
+                  <a:schemeClr val="tx1"/>
+                </a:solidFill>
+                <a:effectLst/>
+                <a:latin typeface="+mn-lt"/>
+                <a:ea typeface="+mn-ea"/>
+                <a:cs typeface="+mn-cs"/>
+              </a:rPr>
+              <a:t>Deploy a web app in Azure App Service</a:t>
+            </a:r>
+          </a:p>
+          <a:p>
+            <a:r>
+              <a:rPr lang="en-US" dirty="0" smtClean="0"/>
+              <a:t>https://azure.microsoft.com/en-us/documentation/articles/web-sites-deploy/</a:t>
+            </a:r>
+            <a:endParaRPr lang="ru-RU" dirty="0"/>
+          </a:p>
+        </p:txBody>
+      </p:sp>
+      <p:sp>
+        <p:nvSpPr>
+          <p:cNvPr id="4" name="Slide Number Placeholder 3"/>
+          <p:cNvSpPr>
+            <a:spLocks noGrp="1"/>
+          </p:cNvSpPr>
+          <p:nvPr>
+            <p:ph type="sldNum" sz="quarter" idx="10"/>
+          </p:nvPr>
+        </p:nvSpPr>
+        <p:spPr/>
+        <p:txBody>
+          <a:bodyPr/>
+          <a:lstStyle/>
+          <a:p>
+            <a:fld id="{4D78249E-5ACD-4E52-A408-9BB999BD2D41}" type="slidenum">
+              <a:rPr lang="en-US" smtClean="0"/>
+              <a:pPr/>
+              <a:t>20</a:t>
+            </a:fld>
+            <a:endParaRPr lang="en-US"/>
+          </a:p>
+        </p:txBody>
+      </p:sp>
+    </p:spTree>
+    <p:extLst>
+      <p:ext uri="{BB962C8B-B14F-4D97-AF65-F5344CB8AC3E}">
+        <p14:creationId xmlns:p14="http://schemas.microsoft.com/office/powerpoint/2010/main" val="3861327546"/>
+      </p:ext>
+    </p:extLst>
+  </p:cSld>
+  <p:clrMapOvr>
+    <a:masterClrMapping/>
+  </p:clrMapOvr>
+</p:notes>
+</file>
+
+<file path=ppt/notesSlides/notesSlide17.xml><?xml version="1.0" encoding="utf-8"?>
+<p:notes xmlns:a="http://schemas.openxmlformats.org/drawingml/2006/main" xmlns:r="http://schemas.openxmlformats.org/officeDocument/2006/relationships" xmlns:p="http://schemas.openxmlformats.org/presentationml/2006/main">
+  <p:cSld>
+    <p:spTree>
+      <p:nvGrpSpPr>
+        <p:cNvPr id="1" name=""/>
+        <p:cNvGrpSpPr/>
+        <p:nvPr/>
+      </p:nvGrpSpPr>
+      <p:grpSpPr>
+        <a:xfrm>
+          <a:off x="0" y="0"/>
+          <a:ext cx="0" cy="0"/>
+          <a:chOff x="0" y="0"/>
+          <a:chExt cx="0" cy="0"/>
+        </a:xfrm>
+      </p:grpSpPr>
+      <p:sp>
+        <p:nvSpPr>
+          <p:cNvPr id="2" name="Slide Image Placeholder 1"/>
+          <p:cNvSpPr>
+            <a:spLocks noGrp="1" noRot="1" noChangeAspect="1"/>
+          </p:cNvSpPr>
+          <p:nvPr>
+            <p:ph type="sldImg"/>
+          </p:nvPr>
+        </p:nvSpPr>
+        <p:spPr/>
+      </p:sp>
+      <p:sp>
+        <p:nvSpPr>
+          <p:cNvPr id="3" name="Notes Placeholder 2"/>
+          <p:cNvSpPr>
+            <a:spLocks noGrp="1"/>
+          </p:cNvSpPr>
+          <p:nvPr>
+            <p:ph type="body" idx="1"/>
+          </p:nvPr>
+        </p:nvSpPr>
+        <p:spPr/>
+        <p:txBody>
+          <a:bodyPr/>
+          <a:lstStyle/>
+          <a:p>
+            <a:pPr marL="0" marR="0" indent="0" algn="l" defTabSz="914400" rtl="0" eaLnBrk="1" fontAlgn="auto" latinLnBrk="0" hangingPunct="1">
+              <a:lnSpc>
+                <a:spcPct val="100000"/>
+              </a:lnSpc>
+              <a:spcBef>
+                <a:spcPts val="0"/>
+              </a:spcBef>
+              <a:spcAft>
+                <a:spcPts val="0"/>
+              </a:spcAft>
+              <a:buClrTx/>
+              <a:buSzTx/>
+              <a:buFontTx/>
+              <a:buNone/>
+              <a:tabLst/>
+              <a:defRPr/>
+            </a:pPr>
+            <a:r>
+              <a:rPr lang="en-US" sz="1200" b="1" i="0" kern="1200" dirty="0" smtClean="0">
+                <a:solidFill>
+                  <a:schemeClr val="tx1"/>
+                </a:solidFill>
+                <a:effectLst/>
+                <a:latin typeface="+mn-lt"/>
+                <a:ea typeface="+mn-ea"/>
+                <a:cs typeface="+mn-cs"/>
+              </a:rPr>
+              <a:t>Secure a web app in Azure App Service</a:t>
+            </a:r>
+          </a:p>
+          <a:p>
+            <a:r>
+              <a:rPr lang="en-US" dirty="0" smtClean="0"/>
+              <a:t>https://azure.microsoft.com/en-us/documentation/articles/web-sites-security/</a:t>
+            </a:r>
+            <a:endParaRPr lang="ru-RU" dirty="0"/>
+          </a:p>
+        </p:txBody>
+      </p:sp>
+      <p:sp>
+        <p:nvSpPr>
+          <p:cNvPr id="4" name="Slide Number Placeholder 3"/>
+          <p:cNvSpPr>
+            <a:spLocks noGrp="1"/>
+          </p:cNvSpPr>
+          <p:nvPr>
+            <p:ph type="sldNum" sz="quarter" idx="10"/>
+          </p:nvPr>
+        </p:nvSpPr>
+        <p:spPr/>
+        <p:txBody>
+          <a:bodyPr/>
+          <a:lstStyle/>
+          <a:p>
+            <a:fld id="{4D78249E-5ACD-4E52-A408-9BB999BD2D41}" type="slidenum">
+              <a:rPr lang="en-US" smtClean="0"/>
+              <a:pPr/>
+              <a:t>22</a:t>
+            </a:fld>
+            <a:endParaRPr lang="en-US"/>
+          </a:p>
+        </p:txBody>
+      </p:sp>
+    </p:spTree>
+    <p:extLst>
+      <p:ext uri="{BB962C8B-B14F-4D97-AF65-F5344CB8AC3E}">
+        <p14:creationId xmlns:p14="http://schemas.microsoft.com/office/powerpoint/2010/main" val="841667649"/>
+      </p:ext>
+    </p:extLst>
+  </p:cSld>
+  <p:clrMapOvr>
+    <a:masterClrMapping/>
+  </p:clrMapOvr>
+</p:notes>
+</file>
+
+<file path=ppt/notesSlides/notesSlide18.xml><?xml version="1.0" encoding="utf-8"?>
 <p:notes xmlns:a="http://schemas.openxmlformats.org/drawingml/2006/main" xmlns:r="http://schemas.openxmlformats.org/officeDocument/2006/relationships" xmlns:p="http://schemas.openxmlformats.org/presentationml/2006/main">
   <p:cSld>
     <p:spTree>
@@ -19491,7 +20547,7 @@
             <a:fld id="{4D78249E-5ACD-4E52-A408-9BB999BD2D41}" type="slidenum">
               <a:rPr lang="en-US" smtClean="0"/>
               <a:pPr/>
-              <a:t>21</a:t>
+              <a:t>25</a:t>
             </a:fld>
             <a:endParaRPr lang="en-US"/>
           </a:p>
@@ -19510,7 +20566,7 @@
 </p:notes>
 </file>
 
-<file path=ppt/notesSlides/notesSlide15.xml><?xml version="1.0" encoding="utf-8"?>
+<file path=ppt/notesSlides/notesSlide19.xml><?xml version="1.0" encoding="utf-8"?>
 <p:notes xmlns:a="http://schemas.openxmlformats.org/drawingml/2006/main" xmlns:r="http://schemas.openxmlformats.org/officeDocument/2006/relationships" xmlns:p="http://schemas.openxmlformats.org/presentationml/2006/main">
   <p:cSld>
     <p:spTree>
@@ -19586,7 +20642,7 @@
             <a:fld id="{4D78249E-5ACD-4E52-A408-9BB999BD2D41}" type="slidenum">
               <a:rPr lang="en-US" smtClean="0"/>
               <a:pPr/>
-              <a:t>22</a:t>
+              <a:t>26</a:t>
             </a:fld>
             <a:endParaRPr lang="en-US"/>
           </a:p>
@@ -19596,91 +20652,6 @@
     <p:extLst>
       <p:ext uri="{BB962C8B-B14F-4D97-AF65-F5344CB8AC3E}">
         <p14:creationId xmlns:p14="http://schemas.microsoft.com/office/powerpoint/2010/main" val="426318666"/>
-      </p:ext>
-    </p:extLst>
-  </p:cSld>
-  <p:clrMapOvr>
-    <a:masterClrMapping/>
-  </p:clrMapOvr>
-</p:notes>
-</file>
-
-<file path=ppt/notesSlides/notesSlide16.xml><?xml version="1.0" encoding="utf-8"?>
-<p:notes xmlns:a="http://schemas.openxmlformats.org/drawingml/2006/main" xmlns:r="http://schemas.openxmlformats.org/officeDocument/2006/relationships" xmlns:p="http://schemas.openxmlformats.org/presentationml/2006/main">
-  <p:cSld>
-    <p:spTree>
-      <p:nvGrpSpPr>
-        <p:cNvPr id="1" name=""/>
-        <p:cNvGrpSpPr/>
-        <p:nvPr/>
-      </p:nvGrpSpPr>
-      <p:grpSpPr>
-        <a:xfrm>
-          <a:off x="0" y="0"/>
-          <a:ext cx="0" cy="0"/>
-          <a:chOff x="0" y="0"/>
-          <a:chExt cx="0" cy="0"/>
-        </a:xfrm>
-      </p:grpSpPr>
-      <p:sp>
-        <p:nvSpPr>
-          <p:cNvPr id="2" name="Slide Image Placeholder 1"/>
-          <p:cNvSpPr>
-            <a:spLocks noGrp="1" noRot="1" noChangeAspect="1"/>
-          </p:cNvSpPr>
-          <p:nvPr>
-            <p:ph type="sldImg"/>
-          </p:nvPr>
-        </p:nvSpPr>
-        <p:spPr/>
-      </p:sp>
-      <p:sp>
-        <p:nvSpPr>
-          <p:cNvPr id="3" name="Notes Placeholder 2"/>
-          <p:cNvSpPr>
-            <a:spLocks noGrp="1"/>
-          </p:cNvSpPr>
-          <p:nvPr>
-            <p:ph type="body" idx="1"/>
-          </p:nvPr>
-        </p:nvSpPr>
-        <p:spPr/>
-        <p:txBody>
-          <a:bodyPr/>
-          <a:lstStyle/>
-          <a:p>
-            <a:endParaRPr lang="en-US"/>
-          </a:p>
-        </p:txBody>
-      </p:sp>
-      <p:sp>
-        <p:nvSpPr>
-          <p:cNvPr id="4" name="Slide Number Placeholder 3"/>
-          <p:cNvSpPr>
-            <a:spLocks noGrp="1"/>
-          </p:cNvSpPr>
-          <p:nvPr>
-            <p:ph type="sldNum" sz="quarter" idx="10"/>
-          </p:nvPr>
-        </p:nvSpPr>
-        <p:spPr/>
-        <p:txBody>
-          <a:bodyPr/>
-          <a:lstStyle/>
-          <a:p>
-            <a:fld id="{8B263312-38AA-4E1E-B2B5-0F8F122B24FE}" type="slidenum">
-              <a:rPr lang="en-US" smtClean="0"/>
-              <a:pPr/>
-              <a:t>25</a:t>
-            </a:fld>
-            <a:endParaRPr lang="en-US" dirty="0"/>
-          </a:p>
-        </p:txBody>
-      </p:sp>
-    </p:spTree>
-    <p:extLst>
-      <p:ext uri="{BB962C8B-B14F-4D97-AF65-F5344CB8AC3E}">
-        <p14:creationId xmlns:p14="http://schemas.microsoft.com/office/powerpoint/2010/main" val="725148417"/>
       </p:ext>
     </p:extLst>
   </p:cSld>
@@ -19770,6 +20741,91 @@
     <p:extLst>
       <p:ext uri="{BB962C8B-B14F-4D97-AF65-F5344CB8AC3E}">
         <p14:creationId xmlns:p14="http://schemas.microsoft.com/office/powerpoint/2010/main" val="3743387511"/>
+      </p:ext>
+    </p:extLst>
+  </p:cSld>
+  <p:clrMapOvr>
+    <a:masterClrMapping/>
+  </p:clrMapOvr>
+</p:notes>
+</file>
+
+<file path=ppt/notesSlides/notesSlide20.xml><?xml version="1.0" encoding="utf-8"?>
+<p:notes xmlns:a="http://schemas.openxmlformats.org/drawingml/2006/main" xmlns:r="http://schemas.openxmlformats.org/officeDocument/2006/relationships" xmlns:p="http://schemas.openxmlformats.org/presentationml/2006/main">
+  <p:cSld>
+    <p:spTree>
+      <p:nvGrpSpPr>
+        <p:cNvPr id="1" name=""/>
+        <p:cNvGrpSpPr/>
+        <p:nvPr/>
+      </p:nvGrpSpPr>
+      <p:grpSpPr>
+        <a:xfrm>
+          <a:off x="0" y="0"/>
+          <a:ext cx="0" cy="0"/>
+          <a:chOff x="0" y="0"/>
+          <a:chExt cx="0" cy="0"/>
+        </a:xfrm>
+      </p:grpSpPr>
+      <p:sp>
+        <p:nvSpPr>
+          <p:cNvPr id="2" name="Slide Image Placeholder 1"/>
+          <p:cNvSpPr>
+            <a:spLocks noGrp="1" noRot="1" noChangeAspect="1"/>
+          </p:cNvSpPr>
+          <p:nvPr>
+            <p:ph type="sldImg"/>
+          </p:nvPr>
+        </p:nvSpPr>
+        <p:spPr/>
+      </p:sp>
+      <p:sp>
+        <p:nvSpPr>
+          <p:cNvPr id="3" name="Notes Placeholder 2"/>
+          <p:cNvSpPr>
+            <a:spLocks noGrp="1"/>
+          </p:cNvSpPr>
+          <p:nvPr>
+            <p:ph type="body" idx="1"/>
+          </p:nvPr>
+        </p:nvSpPr>
+        <p:spPr/>
+        <p:txBody>
+          <a:bodyPr/>
+          <a:lstStyle/>
+          <a:p>
+            <a:endParaRPr lang="en-US"/>
+          </a:p>
+        </p:txBody>
+      </p:sp>
+      <p:sp>
+        <p:nvSpPr>
+          <p:cNvPr id="4" name="Slide Number Placeholder 3"/>
+          <p:cNvSpPr>
+            <a:spLocks noGrp="1"/>
+          </p:cNvSpPr>
+          <p:nvPr>
+            <p:ph type="sldNum" sz="quarter" idx="10"/>
+          </p:nvPr>
+        </p:nvSpPr>
+        <p:spPr/>
+        <p:txBody>
+          <a:bodyPr/>
+          <a:lstStyle/>
+          <a:p>
+            <a:fld id="{8B263312-38AA-4E1E-B2B5-0F8F122B24FE}" type="slidenum">
+              <a:rPr lang="en-US" smtClean="0"/>
+              <a:pPr/>
+              <a:t>29</a:t>
+            </a:fld>
+            <a:endParaRPr lang="en-US" dirty="0"/>
+          </a:p>
+        </p:txBody>
+      </p:sp>
+    </p:spTree>
+    <p:extLst>
+      <p:ext uri="{BB962C8B-B14F-4D97-AF65-F5344CB8AC3E}">
+        <p14:creationId xmlns:p14="http://schemas.microsoft.com/office/powerpoint/2010/main" val="725148417"/>
       </p:ext>
     </p:extLst>
   </p:cSld>
@@ -20068,6 +21124,18 @@
               <a:rPr lang="en-US" dirty="0" smtClean="0"/>
               <a:t>http://www.slideshare.net/tekcraft/azure-vsamazon?related=1</a:t>
             </a:r>
+          </a:p>
+          <a:p>
+            <a:endParaRPr lang="en-US" dirty="0" smtClean="0"/>
+          </a:p>
+          <a:p>
+            <a:endParaRPr lang="en-US" dirty="0" smtClean="0"/>
+          </a:p>
+          <a:p>
+            <a:r>
+              <a:rPr lang="en-US" dirty="0" smtClean="0"/>
+              <a:t>https://image.slidesharecdn.com/warofattritioninfographicv1-150103195155-conversion-gate02/95/war-of-attrition-aws-vs-google-ibm-and-microsoft-azure-1-638.jpg?cb=1424632280</a:t>
+            </a:r>
             <a:endParaRPr lang="ru-RU" dirty="0" smtClean="0"/>
           </a:p>
           <a:p>
@@ -20157,7 +21225,7 @@
           <a:lstStyle/>
           <a:p>
             <a:r>
-              <a:rPr lang="en-US" dirty="0" smtClean="0"/>
+              <a:rPr lang="en-US" b="1" dirty="0" smtClean="0"/>
               <a:t>Information from:</a:t>
             </a:r>
           </a:p>
@@ -20298,6 +21366,295 @@
           <a:bodyPr/>
           <a:lstStyle/>
           <a:p>
+            <a:r>
+              <a:rPr lang="en-US" dirty="0" smtClean="0"/>
+              <a:t>https://image.slidesharecdn.com/warofattritioninfographicv1-150103195155-conversion-gate02/95/war-of-attrition-aws-vs-google-ibm-and-microsoft-azure-1-638.jpg?cb=1424632280</a:t>
+            </a:r>
+          </a:p>
+          <a:p>
+            <a:endParaRPr lang="en-US" dirty="0" smtClean="0"/>
+          </a:p>
+          <a:p>
+            <a:r>
+              <a:rPr lang="en-US" sz="1200" b="0" i="0" kern="1200" dirty="0" smtClean="0">
+                <a:solidFill>
+                  <a:schemeClr val="tx1"/>
+                </a:solidFill>
+                <a:effectLst/>
+                <a:latin typeface="+mn-lt"/>
+                <a:ea typeface="+mn-ea"/>
+                <a:cs typeface="+mn-cs"/>
+              </a:rPr>
+              <a:t>DEFINITION of 'Free Cash Flow - FCF'</a:t>
+            </a:r>
+          </a:p>
+          <a:p>
+            <a:r>
+              <a:rPr lang="en-US" sz="1200" b="0" i="0" kern="1200" dirty="0" smtClean="0">
+                <a:solidFill>
+                  <a:schemeClr val="tx1"/>
+                </a:solidFill>
+                <a:effectLst/>
+                <a:latin typeface="+mn-lt"/>
+                <a:ea typeface="+mn-ea"/>
+                <a:cs typeface="+mn-cs"/>
+              </a:rPr>
+              <a:t>A measure of financial performance calculated as operating cash flow minus capital expenditures. Free cash flow (FCF) represents the cash that a company is able to generate after laying out the money required to maintain or expand its asset base. Free cash flow is important because it allows a company to pursue opportunities that enhance shareholder value. Without cash, it's tough to develop new products, make acquisitions, pay dividends and reduce debt. FCF is calculated </a:t>
+            </a:r>
+            <a:r>
+              <a:rPr lang="en-US" sz="1200" b="0" i="0" kern="1200" dirty="0" err="1" smtClean="0">
+                <a:solidFill>
+                  <a:schemeClr val="tx1"/>
+                </a:solidFill>
+                <a:effectLst/>
+                <a:latin typeface="+mn-lt"/>
+                <a:ea typeface="+mn-ea"/>
+                <a:cs typeface="+mn-cs"/>
+              </a:rPr>
+              <a:t>as:EBIT</a:t>
+            </a:r>
+            <a:r>
+              <a:rPr lang="en-US" sz="1200" b="0" i="0" kern="1200" dirty="0" smtClean="0">
+                <a:solidFill>
+                  <a:schemeClr val="tx1"/>
+                </a:solidFill>
+                <a:effectLst/>
+                <a:latin typeface="+mn-lt"/>
+                <a:ea typeface="+mn-ea"/>
+                <a:cs typeface="+mn-cs"/>
+              </a:rPr>
+              <a:t>(1-Tax Rate) + Depreciation &amp; Amortization - Change in Net Working Capital - Capital </a:t>
+            </a:r>
+            <a:r>
+              <a:rPr lang="en-US" sz="1200" b="0" i="0" kern="1200" dirty="0" err="1" smtClean="0">
+                <a:solidFill>
+                  <a:schemeClr val="tx1"/>
+                </a:solidFill>
+                <a:effectLst/>
+                <a:latin typeface="+mn-lt"/>
+                <a:ea typeface="+mn-ea"/>
+                <a:cs typeface="+mn-cs"/>
+              </a:rPr>
+              <a:t>ExpenditureIt</a:t>
+            </a:r>
+            <a:r>
+              <a:rPr lang="en-US" sz="1200" b="0" i="0" kern="1200" dirty="0" smtClean="0">
+                <a:solidFill>
+                  <a:schemeClr val="tx1"/>
+                </a:solidFill>
+                <a:effectLst/>
+                <a:latin typeface="+mn-lt"/>
+                <a:ea typeface="+mn-ea"/>
+                <a:cs typeface="+mn-cs"/>
+              </a:rPr>
+              <a:t> can also be calculated by taking operating cash flow and subtracting capital expenditures.</a:t>
+            </a:r>
+          </a:p>
+          <a:p>
+            <a:r>
+              <a:rPr lang="en-US" sz="1200" b="0" i="0" kern="1200" dirty="0" smtClean="0">
+                <a:solidFill>
+                  <a:schemeClr val="tx1"/>
+                </a:solidFill>
+                <a:effectLst/>
+                <a:latin typeface="+mn-lt"/>
+                <a:ea typeface="+mn-ea"/>
+                <a:cs typeface="+mn-cs"/>
+              </a:rPr>
+              <a:t/>
+            </a:r>
+            <a:br>
+              <a:rPr lang="en-US" sz="1200" b="0" i="0" kern="1200" dirty="0" smtClean="0">
+                <a:solidFill>
+                  <a:schemeClr val="tx1"/>
+                </a:solidFill>
+                <a:effectLst/>
+                <a:latin typeface="+mn-lt"/>
+                <a:ea typeface="+mn-ea"/>
+                <a:cs typeface="+mn-cs"/>
+              </a:rPr>
+            </a:br>
+            <a:r>
+              <a:rPr lang="en-US" sz="1200" b="0" i="0" kern="1200" dirty="0" smtClean="0">
+                <a:solidFill>
+                  <a:schemeClr val="tx1"/>
+                </a:solidFill>
+                <a:effectLst/>
+                <a:latin typeface="+mn-lt"/>
+                <a:ea typeface="+mn-ea"/>
+                <a:cs typeface="+mn-cs"/>
+              </a:rPr>
+              <a:t/>
+            </a:r>
+            <a:br>
+              <a:rPr lang="en-US" sz="1200" b="0" i="0" kern="1200" dirty="0" smtClean="0">
+                <a:solidFill>
+                  <a:schemeClr val="tx1"/>
+                </a:solidFill>
+                <a:effectLst/>
+                <a:latin typeface="+mn-lt"/>
+                <a:ea typeface="+mn-ea"/>
+                <a:cs typeface="+mn-cs"/>
+              </a:rPr>
+            </a:br>
+            <a:r>
+              <a:rPr lang="en-US" sz="1200" b="0" i="0" kern="1200" dirty="0" smtClean="0">
+                <a:solidFill>
+                  <a:schemeClr val="tx1"/>
+                </a:solidFill>
+                <a:effectLst/>
+                <a:latin typeface="+mn-lt"/>
+                <a:ea typeface="+mn-ea"/>
+                <a:cs typeface="+mn-cs"/>
+              </a:rPr>
+              <a:t>Read more: </a:t>
+            </a:r>
+            <a:r>
+              <a:rPr lang="en-US" sz="1200" b="0" i="0" u="none" strike="noStrike" kern="1200" dirty="0" smtClean="0">
+                <a:solidFill>
+                  <a:schemeClr val="tx1"/>
+                </a:solidFill>
+                <a:effectLst/>
+                <a:latin typeface="+mn-lt"/>
+                <a:ea typeface="+mn-ea"/>
+                <a:cs typeface="+mn-cs"/>
+                <a:hlinkClick r:id="rId3"/>
+              </a:rPr>
+              <a:t>http://www.investopedia.com/terms/f/freecashflow.asp#ixzz3crRZ0U2k</a:t>
+            </a:r>
+            <a:r>
+              <a:rPr lang="en-US" sz="1200" b="0" i="0" kern="1200" dirty="0" smtClean="0">
+                <a:solidFill>
+                  <a:schemeClr val="tx1"/>
+                </a:solidFill>
+                <a:effectLst/>
+                <a:latin typeface="+mn-lt"/>
+                <a:ea typeface="+mn-ea"/>
+                <a:cs typeface="+mn-cs"/>
+              </a:rPr>
+              <a:t> </a:t>
+            </a:r>
+            <a:br>
+              <a:rPr lang="en-US" sz="1200" b="0" i="0" kern="1200" dirty="0" smtClean="0">
+                <a:solidFill>
+                  <a:schemeClr val="tx1"/>
+                </a:solidFill>
+                <a:effectLst/>
+                <a:latin typeface="+mn-lt"/>
+                <a:ea typeface="+mn-ea"/>
+                <a:cs typeface="+mn-cs"/>
+              </a:rPr>
+            </a:br>
+            <a:r>
+              <a:rPr lang="en-US" sz="1200" b="0" i="0" kern="1200" dirty="0" smtClean="0">
+                <a:solidFill>
+                  <a:schemeClr val="tx1"/>
+                </a:solidFill>
+                <a:effectLst/>
+                <a:latin typeface="+mn-lt"/>
+                <a:ea typeface="+mn-ea"/>
+                <a:cs typeface="+mn-cs"/>
+              </a:rPr>
+              <a:t>Follow us: </a:t>
+            </a:r>
+            <a:r>
+              <a:rPr lang="en-US" sz="1200" b="0" i="0" u="none" strike="noStrike" kern="1200" dirty="0" smtClean="0">
+                <a:solidFill>
+                  <a:schemeClr val="tx1"/>
+                </a:solidFill>
+                <a:effectLst/>
+                <a:latin typeface="+mn-lt"/>
+                <a:ea typeface="+mn-ea"/>
+                <a:cs typeface="+mn-cs"/>
+                <a:hlinkClick r:id="rId4"/>
+              </a:rPr>
+              <a:t>@Investopedia on Twitter</a:t>
+            </a:r>
+            <a:endParaRPr lang="ru-RU" dirty="0"/>
+          </a:p>
+        </p:txBody>
+      </p:sp>
+      <p:sp>
+        <p:nvSpPr>
+          <p:cNvPr id="4" name="Slide Number Placeholder 3"/>
+          <p:cNvSpPr>
+            <a:spLocks noGrp="1"/>
+          </p:cNvSpPr>
+          <p:nvPr>
+            <p:ph type="sldNum" sz="quarter" idx="10"/>
+          </p:nvPr>
+        </p:nvSpPr>
+        <p:spPr/>
+        <p:txBody>
+          <a:bodyPr/>
+          <a:lstStyle/>
+          <a:p>
+            <a:fld id="{4D78249E-5ACD-4E52-A408-9BB999BD2D41}" type="slidenum">
+              <a:rPr lang="en-US" smtClean="0"/>
+              <a:pPr/>
+              <a:t>8</a:t>
+            </a:fld>
+            <a:endParaRPr lang="en-US"/>
+          </a:p>
+        </p:txBody>
+      </p:sp>
+    </p:spTree>
+    <p:extLst>
+      <p:ext uri="{BB962C8B-B14F-4D97-AF65-F5344CB8AC3E}">
+        <p14:creationId xmlns:p14="http://schemas.microsoft.com/office/powerpoint/2010/main" val="1904268451"/>
+      </p:ext>
+    </p:extLst>
+  </p:cSld>
+  <p:clrMapOvr>
+    <a:masterClrMapping/>
+  </p:clrMapOvr>
+</p:notes>
+</file>
+
+<file path=ppt/notesSlides/notesSlide8.xml><?xml version="1.0" encoding="utf-8"?>
+<p:notes xmlns:a="http://schemas.openxmlformats.org/drawingml/2006/main" xmlns:r="http://schemas.openxmlformats.org/officeDocument/2006/relationships" xmlns:p="http://schemas.openxmlformats.org/presentationml/2006/main">
+  <p:cSld>
+    <p:spTree>
+      <p:nvGrpSpPr>
+        <p:cNvPr id="1" name=""/>
+        <p:cNvGrpSpPr/>
+        <p:nvPr/>
+      </p:nvGrpSpPr>
+      <p:grpSpPr>
+        <a:xfrm>
+          <a:off x="0" y="0"/>
+          <a:ext cx="0" cy="0"/>
+          <a:chOff x="0" y="0"/>
+          <a:chExt cx="0" cy="0"/>
+        </a:xfrm>
+      </p:grpSpPr>
+      <p:sp>
+        <p:nvSpPr>
+          <p:cNvPr id="2" name="Slide Image Placeholder 1"/>
+          <p:cNvSpPr>
+            <a:spLocks noGrp="1" noRot="1" noChangeAspect="1"/>
+          </p:cNvSpPr>
+          <p:nvPr>
+            <p:ph type="sldImg"/>
+          </p:nvPr>
+        </p:nvSpPr>
+        <p:spPr/>
+      </p:sp>
+      <p:sp>
+        <p:nvSpPr>
+          <p:cNvPr id="3" name="Notes Placeholder 2"/>
+          <p:cNvSpPr>
+            <a:spLocks noGrp="1"/>
+          </p:cNvSpPr>
+          <p:nvPr>
+            <p:ph type="body" idx="1"/>
+          </p:nvPr>
+        </p:nvSpPr>
+        <p:spPr/>
+        <p:txBody>
+          <a:bodyPr/>
+          <a:lstStyle/>
+          <a:p>
             <a:pPr marL="0" marR="0" indent="0" algn="l" defTabSz="914400" rtl="0" eaLnBrk="1" fontAlgn="auto" latinLnBrk="0" hangingPunct="1">
               <a:lnSpc>
                 <a:spcPct val="100000"/>
@@ -20356,7 +21713,7 @@
             <a:fld id="{4D78249E-5ACD-4E52-A408-9BB999BD2D41}" type="slidenum">
               <a:rPr lang="en-US" smtClean="0"/>
               <a:pPr/>
-              <a:t>8</a:t>
+              <a:t>9</a:t>
             </a:fld>
             <a:endParaRPr lang="en-US"/>
           </a:p>
@@ -20375,7 +21732,7 @@
 </p:notes>
 </file>
 
-<file path=ppt/notesSlides/notesSlide8.xml><?xml version="1.0" encoding="utf-8"?>
+<file path=ppt/notesSlides/notesSlide9.xml><?xml version="1.0" encoding="utf-8"?>
 <p:notes xmlns:a="http://schemas.openxmlformats.org/drawingml/2006/main" xmlns:r="http://schemas.openxmlformats.org/officeDocument/2006/relationships" xmlns:p="http://schemas.openxmlformats.org/presentationml/2006/main">
   <p:cSld>
     <p:spTree>
@@ -20588,7 +21945,7 @@
             <a:fld id="{4D78249E-5ACD-4E52-A408-9BB999BD2D41}" type="slidenum">
               <a:rPr lang="en-US" smtClean="0"/>
               <a:pPr/>
-              <a:t>9</a:t>
+              <a:t>10</a:t>
             </a:fld>
             <a:endParaRPr lang="en-US"/>
           </a:p>
@@ -20598,262 +21955,6 @@
     <p:extLst>
       <p:ext uri="{BB962C8B-B14F-4D97-AF65-F5344CB8AC3E}">
         <p14:creationId xmlns:p14="http://schemas.microsoft.com/office/powerpoint/2010/main" val="830190394"/>
-      </p:ext>
-    </p:extLst>
-  </p:cSld>
-  <p:clrMapOvr>
-    <a:masterClrMapping/>
-  </p:clrMapOvr>
-</p:notes>
-</file>
-
-<file path=ppt/notesSlides/notesSlide9.xml><?xml version="1.0" encoding="utf-8"?>
-<p:notes xmlns:a="http://schemas.openxmlformats.org/drawingml/2006/main" xmlns:r="http://schemas.openxmlformats.org/officeDocument/2006/relationships" xmlns:p="http://schemas.openxmlformats.org/presentationml/2006/main">
-  <p:cSld>
-    <p:spTree>
-      <p:nvGrpSpPr>
-        <p:cNvPr id="1" name=""/>
-        <p:cNvGrpSpPr/>
-        <p:nvPr/>
-      </p:nvGrpSpPr>
-      <p:grpSpPr>
-        <a:xfrm>
-          <a:off x="0" y="0"/>
-          <a:ext cx="0" cy="0"/>
-          <a:chOff x="0" y="0"/>
-          <a:chExt cx="0" cy="0"/>
-        </a:xfrm>
-      </p:grpSpPr>
-      <p:sp>
-        <p:nvSpPr>
-          <p:cNvPr id="2" name="Slide Image Placeholder 1"/>
-          <p:cNvSpPr>
-            <a:spLocks noGrp="1" noRot="1" noChangeAspect="1"/>
-          </p:cNvSpPr>
-          <p:nvPr>
-            <p:ph type="sldImg"/>
-          </p:nvPr>
-        </p:nvSpPr>
-        <p:spPr/>
-      </p:sp>
-      <p:sp>
-        <p:nvSpPr>
-          <p:cNvPr id="3" name="Notes Placeholder 2"/>
-          <p:cNvSpPr>
-            <a:spLocks noGrp="1"/>
-          </p:cNvSpPr>
-          <p:nvPr>
-            <p:ph type="body" idx="1"/>
-          </p:nvPr>
-        </p:nvSpPr>
-        <p:spPr/>
-        <p:txBody>
-          <a:bodyPr/>
-          <a:lstStyle/>
-          <a:p>
-            <a:pPr marL="0" marR="0" indent="0" algn="l" defTabSz="914400" rtl="0" eaLnBrk="1" fontAlgn="auto" latinLnBrk="0" hangingPunct="1">
-              <a:lnSpc>
-                <a:spcPct val="100000"/>
-              </a:lnSpc>
-              <a:spcBef>
-                <a:spcPts val="0"/>
-              </a:spcBef>
-              <a:spcAft>
-                <a:spcPts val="0"/>
-              </a:spcAft>
-              <a:buClrTx/>
-              <a:buSzTx/>
-              <a:buFontTx/>
-              <a:buNone/>
-              <a:tabLst/>
-              <a:defRPr/>
-            </a:pPr>
-            <a:r>
-              <a:rPr lang="en-US" sz="1200" b="1" i="0" kern="1200" dirty="0" smtClean="0">
-                <a:solidFill>
-                  <a:schemeClr val="tx1"/>
-                </a:solidFill>
-                <a:effectLst/>
-                <a:latin typeface="+mn-lt"/>
-                <a:ea typeface="+mn-ea"/>
-                <a:cs typeface="+mn-cs"/>
-              </a:rPr>
-              <a:t>Windows Azure </a:t>
-            </a:r>
-            <a:r>
-              <a:rPr lang="en-US" sz="1200" b="1" i="0" kern="1200" dirty="0" err="1" smtClean="0">
-                <a:solidFill>
-                  <a:schemeClr val="tx1"/>
-                </a:solidFill>
-                <a:effectLst/>
-                <a:latin typeface="+mn-lt"/>
-                <a:ea typeface="+mn-ea"/>
-                <a:cs typeface="+mn-cs"/>
-              </a:rPr>
-              <a:t>IaaS</a:t>
-            </a:r>
-            <a:r>
-              <a:rPr lang="en-US" sz="1200" b="1" i="0" kern="1200" dirty="0" smtClean="0">
-                <a:solidFill>
-                  <a:schemeClr val="tx1"/>
-                </a:solidFill>
-                <a:effectLst/>
-                <a:latin typeface="+mn-lt"/>
-                <a:ea typeface="+mn-ea"/>
-                <a:cs typeface="+mn-cs"/>
-              </a:rPr>
-              <a:t> vs. </a:t>
-            </a:r>
-            <a:r>
-              <a:rPr lang="en-US" sz="1200" b="1" i="0" kern="1200" dirty="0" err="1" smtClean="0">
-                <a:solidFill>
-                  <a:schemeClr val="tx1"/>
-                </a:solidFill>
-                <a:effectLst/>
-                <a:latin typeface="+mn-lt"/>
-                <a:ea typeface="+mn-ea"/>
-                <a:cs typeface="+mn-cs"/>
-              </a:rPr>
-              <a:t>PaaS</a:t>
-            </a:r>
-            <a:r>
-              <a:rPr lang="en-US" sz="1200" b="1" i="0" kern="1200" dirty="0" smtClean="0">
-                <a:solidFill>
-                  <a:schemeClr val="tx1"/>
-                </a:solidFill>
-                <a:effectLst/>
-                <a:latin typeface="+mn-lt"/>
-                <a:ea typeface="+mn-ea"/>
-                <a:cs typeface="+mn-cs"/>
-              </a:rPr>
-              <a:t> vs. SaaS</a:t>
-            </a:r>
-          </a:p>
-          <a:p>
-            <a:r>
-              <a:rPr lang="en-US" dirty="0" smtClean="0"/>
-              <a:t>http://robertgreiner.com/2014/03/windows-azure-iaas-paas-saas-overview/</a:t>
-            </a:r>
-          </a:p>
-          <a:p>
-            <a:endParaRPr lang="en-US" dirty="0" smtClean="0"/>
-          </a:p>
-          <a:p>
-            <a:pPr marL="0" marR="0" indent="0" algn="l" defTabSz="914400" rtl="0" eaLnBrk="1" fontAlgn="auto" latinLnBrk="0" hangingPunct="1">
-              <a:lnSpc>
-                <a:spcPct val="100000"/>
-              </a:lnSpc>
-              <a:spcBef>
-                <a:spcPts val="0"/>
-              </a:spcBef>
-              <a:spcAft>
-                <a:spcPts val="0"/>
-              </a:spcAft>
-              <a:buClrTx/>
-              <a:buSzTx/>
-              <a:buFontTx/>
-              <a:buNone/>
-              <a:tabLst/>
-              <a:defRPr/>
-            </a:pPr>
-            <a:r>
-              <a:rPr lang="en-US" sz="1200" b="1" i="0" kern="1200" dirty="0" smtClean="0">
-                <a:solidFill>
-                  <a:schemeClr val="tx1"/>
-                </a:solidFill>
-                <a:effectLst/>
-                <a:latin typeface="+mn-lt"/>
-                <a:ea typeface="+mn-ea"/>
-                <a:cs typeface="+mn-cs"/>
-              </a:rPr>
-              <a:t>Which Windows Azure Cloud Architecture? </a:t>
-            </a:r>
-            <a:r>
-              <a:rPr lang="en-US" sz="1200" b="1" i="0" kern="1200" dirty="0" err="1" smtClean="0">
-                <a:solidFill>
-                  <a:schemeClr val="tx1"/>
-                </a:solidFill>
-                <a:effectLst/>
-                <a:latin typeface="+mn-lt"/>
-                <a:ea typeface="+mn-ea"/>
-                <a:cs typeface="+mn-cs"/>
-              </a:rPr>
-              <a:t>PaaS</a:t>
-            </a:r>
-            <a:r>
-              <a:rPr lang="en-US" sz="1200" b="1" i="0" kern="1200" dirty="0" smtClean="0">
-                <a:solidFill>
-                  <a:schemeClr val="tx1"/>
-                </a:solidFill>
-                <a:effectLst/>
-                <a:latin typeface="+mn-lt"/>
-                <a:ea typeface="+mn-ea"/>
-                <a:cs typeface="+mn-cs"/>
-              </a:rPr>
-              <a:t> or </a:t>
-            </a:r>
-            <a:r>
-              <a:rPr lang="en-US" sz="1200" b="1" i="0" kern="1200" dirty="0" err="1" smtClean="0">
-                <a:solidFill>
-                  <a:schemeClr val="tx1"/>
-                </a:solidFill>
-                <a:effectLst/>
-                <a:latin typeface="+mn-lt"/>
-                <a:ea typeface="+mn-ea"/>
-                <a:cs typeface="+mn-cs"/>
-              </a:rPr>
-              <a:t>IaaS</a:t>
-            </a:r>
-            <a:r>
-              <a:rPr lang="en-US" sz="1200" b="1" i="0" kern="1200" dirty="0" smtClean="0">
-                <a:solidFill>
-                  <a:schemeClr val="tx1"/>
-                </a:solidFill>
-                <a:effectLst/>
-                <a:latin typeface="+mn-lt"/>
-                <a:ea typeface="+mn-ea"/>
-                <a:cs typeface="+mn-cs"/>
-              </a:rPr>
-              <a:t> ?</a:t>
-            </a:r>
-          </a:p>
-          <a:p>
-            <a:r>
-              <a:rPr lang="en-US" dirty="0" smtClean="0"/>
-              <a:t>http://blogs.msdn.com/b/hanuk/archive/2013/12/03/which-windows-azure-cloud-architecture-paas-or-iaas.aspx</a:t>
-            </a:r>
-            <a:endParaRPr lang="ru-RU" dirty="0"/>
-          </a:p>
-        </p:txBody>
-      </p:sp>
-      <p:sp>
-        <p:nvSpPr>
-          <p:cNvPr id="4" name="Slide Number Placeholder 3"/>
-          <p:cNvSpPr>
-            <a:spLocks noGrp="1"/>
-          </p:cNvSpPr>
-          <p:nvPr>
-            <p:ph type="sldNum" sz="quarter" idx="10"/>
-          </p:nvPr>
-        </p:nvSpPr>
-        <p:spPr/>
-        <p:txBody>
-          <a:bodyPr/>
-          <a:lstStyle/>
-          <a:p>
-            <a:fld id="{4D78249E-5ACD-4E52-A408-9BB999BD2D41}" type="slidenum">
-              <a:rPr lang="en-US" smtClean="0"/>
-              <a:pPr/>
-              <a:t>10</a:t>
-            </a:fld>
-            <a:endParaRPr lang="en-US"/>
-          </a:p>
-        </p:txBody>
-      </p:sp>
-    </p:spTree>
-    <p:extLst>
-      <p:ext uri="{BB962C8B-B14F-4D97-AF65-F5344CB8AC3E}">
-        <p14:creationId xmlns:p14="http://schemas.microsoft.com/office/powerpoint/2010/main" val="4107362679"/>
       </p:ext>
     </p:extLst>
   </p:cSld>
@@ -21066,7 +22167,7 @@
             <a:fld id="{5B106E36-FD25-4E2D-B0AA-010F637433A0}" type="datetimeFigureOut">
               <a:rPr lang="ru-RU" smtClean="0"/>
               <a:pPr/>
-              <a:t>11.06.2015</a:t>
+              <a:t>12.06.2015</a:t>
             </a:fld>
             <a:endParaRPr lang="ru-RU"/>
           </a:p>
@@ -21338,7 +22439,7 @@
             <a:fld id="{5B106E36-FD25-4E2D-B0AA-010F637433A0}" type="datetimeFigureOut">
               <a:rPr lang="ru-RU" smtClean="0"/>
               <a:pPr/>
-              <a:t>11.06.2015</a:t>
+              <a:t>12.06.2015</a:t>
             </a:fld>
             <a:endParaRPr lang="ru-RU"/>
           </a:p>
@@ -21531,7 +22632,7 @@
             <a:fld id="{5B106E36-FD25-4E2D-B0AA-010F637433A0}" type="datetimeFigureOut">
               <a:rPr lang="ru-RU" smtClean="0"/>
               <a:pPr/>
-              <a:t>11.06.2015</a:t>
+              <a:t>12.06.2015</a:t>
             </a:fld>
             <a:endParaRPr lang="ru-RU"/>
           </a:p>
@@ -21997,7 +23098,7 @@
             <a:fld id="{5B106E36-FD25-4E2D-B0AA-010F637433A0}" type="datetimeFigureOut">
               <a:rPr lang="ru-RU" smtClean="0"/>
               <a:pPr/>
-              <a:t>11.06.2015</a:t>
+              <a:t>12.06.2015</a:t>
             </a:fld>
             <a:endParaRPr lang="ru-RU"/>
           </a:p>
@@ -22288,7 +23389,7 @@
             <a:fld id="{5B106E36-FD25-4E2D-B0AA-010F637433A0}" type="datetimeFigureOut">
               <a:rPr lang="ru-RU" smtClean="0"/>
               <a:pPr/>
-              <a:t>11.06.2015</a:t>
+              <a:t>12.06.2015</a:t>
             </a:fld>
             <a:endParaRPr lang="ru-RU"/>
           </a:p>
@@ -22589,7 +23690,7 @@
             <a:fld id="{5B106E36-FD25-4E2D-B0AA-010F637433A0}" type="datetimeFigureOut">
               <a:rPr lang="ru-RU" smtClean="0"/>
               <a:pPr/>
-              <a:t>11.06.2015</a:t>
+              <a:t>12.06.2015</a:t>
             </a:fld>
             <a:endParaRPr lang="ru-RU"/>
           </a:p>
@@ -23024,7 +24125,7 @@
             <a:fld id="{5B106E36-FD25-4E2D-B0AA-010F637433A0}" type="datetimeFigureOut">
               <a:rPr lang="ru-RU" smtClean="0"/>
               <a:pPr/>
-              <a:t>11.06.2015</a:t>
+              <a:t>12.06.2015</a:t>
             </a:fld>
             <a:endParaRPr lang="ru-RU"/>
           </a:p>
@@ -23201,7 +24302,7 @@
             <a:fld id="{5B106E36-FD25-4E2D-B0AA-010F637433A0}" type="datetimeFigureOut">
               <a:rPr lang="ru-RU" smtClean="0"/>
               <a:pPr/>
-              <a:t>11.06.2015</a:t>
+              <a:t>12.06.2015</a:t>
             </a:fld>
             <a:endParaRPr lang="ru-RU"/>
           </a:p>
@@ -23341,7 +24442,7 @@
             <a:fld id="{5B106E36-FD25-4E2D-B0AA-010F637433A0}" type="datetimeFigureOut">
               <a:rPr lang="ru-RU" smtClean="0"/>
               <a:pPr/>
-              <a:t>11.06.2015</a:t>
+              <a:t>12.06.2015</a:t>
             </a:fld>
             <a:endParaRPr lang="ru-RU"/>
           </a:p>
@@ -23663,7 +24764,7 @@
             <a:fld id="{5B106E36-FD25-4E2D-B0AA-010F637433A0}" type="datetimeFigureOut">
               <a:rPr lang="ru-RU" smtClean="0"/>
               <a:pPr/>
-              <a:t>11.06.2015</a:t>
+              <a:t>12.06.2015</a:t>
             </a:fld>
             <a:endParaRPr lang="ru-RU"/>
           </a:p>
@@ -23924,7 +25025,7 @@
             <a:fld id="{5B106E36-FD25-4E2D-B0AA-010F637433A0}" type="datetimeFigureOut">
               <a:rPr lang="ru-RU" smtClean="0"/>
               <a:pPr/>
-              <a:t>11.06.2015</a:t>
+              <a:t>12.06.2015</a:t>
             </a:fld>
             <a:endParaRPr lang="ru-RU"/>
           </a:p>
@@ -24144,7 +25245,7 @@
             <a:fld id="{5B106E36-FD25-4E2D-B0AA-010F637433A0}" type="datetimeFigureOut">
               <a:rPr lang="ru-RU" smtClean="0"/>
               <a:pPr/>
-              <a:t>11.06.2015</a:t>
+              <a:t>12.06.2015</a:t>
             </a:fld>
             <a:endParaRPr lang="ru-RU"/>
           </a:p>
@@ -24818,6 +25919,213 @@
 </file>
 
 <file path=ppt/slides/slide10.xml><?xml version="1.0" encoding="utf-8"?>
+<p:sld xmlns:a="http://schemas.openxmlformats.org/drawingml/2006/main" xmlns:r="http://schemas.openxmlformats.org/officeDocument/2006/relationships" xmlns:p="http://schemas.openxmlformats.org/presentationml/2006/main">
+  <p:cSld>
+    <p:spTree>
+      <p:nvGrpSpPr>
+        <p:cNvPr id="1" name=""/>
+        <p:cNvGrpSpPr/>
+        <p:nvPr/>
+      </p:nvGrpSpPr>
+      <p:grpSpPr>
+        <a:xfrm>
+          <a:off x="0" y="0"/>
+          <a:ext cx="0" cy="0"/>
+          <a:chOff x="0" y="0"/>
+          <a:chExt cx="0" cy="0"/>
+        </a:xfrm>
+      </p:grpSpPr>
+      <p:sp>
+        <p:nvSpPr>
+          <p:cNvPr id="2" name="Title 1"/>
+          <p:cNvSpPr>
+            <a:spLocks noGrp="1"/>
+          </p:cNvSpPr>
+          <p:nvPr>
+            <p:ph type="title"/>
+          </p:nvPr>
+        </p:nvSpPr>
+        <p:spPr/>
+        <p:txBody>
+          <a:bodyPr/>
+          <a:lstStyle/>
+          <a:p>
+            <a:r>
+              <a:rPr lang="en-US" dirty="0" smtClean="0"/>
+              <a:t>Azure Geography</a:t>
+            </a:r>
+            <a:endParaRPr lang="ru-RU" dirty="0"/>
+          </a:p>
+        </p:txBody>
+      </p:sp>
+      <p:sp>
+        <p:nvSpPr>
+          <p:cNvPr id="3" name="Content Placeholder 2"/>
+          <p:cNvSpPr>
+            <a:spLocks noGrp="1"/>
+          </p:cNvSpPr>
+          <p:nvPr>
+            <p:ph idx="1"/>
+          </p:nvPr>
+        </p:nvSpPr>
+        <p:spPr/>
+        <p:txBody>
+          <a:bodyPr/>
+          <a:lstStyle/>
+          <a:p>
+            <a:pPr>
+              <a:buFont typeface="Wingdings" panose="05000000000000000000" pitchFamily="2" charset="2"/>
+              <a:buChar char="Ø"/>
+            </a:pPr>
+            <a:r>
+              <a:rPr lang="en-US" dirty="0"/>
+              <a:t>Azure operates out of 17 regions around the world</a:t>
+            </a:r>
+            <a:endParaRPr lang="ru-RU" dirty="0"/>
+          </a:p>
+        </p:txBody>
+      </p:sp>
+      <p:pic>
+        <p:nvPicPr>
+          <p:cNvPr id="1026" name="Picture 2" descr="http://acom.azurecomcdn.net/80C57D/cdn/images/cvt-b3360b89270f951ea4a9cdeb65723fa8540e13df7115ba17d692283748741cff/page/regions/map.png?t=popn"/>
+          <p:cNvPicPr>
+            <a:picLocks noChangeAspect="1" noChangeArrowheads="1"/>
+          </p:cNvPicPr>
+          <p:nvPr/>
+        </p:nvPicPr>
+        <p:blipFill>
+          <a:blip r:embed="rId3">
+            <a:extLst>
+              <a:ext uri="{28A0092B-C50C-407E-A947-70E740481C1C}">
+                <a14:useLocalDpi xmlns:a14="http://schemas.microsoft.com/office/drawing/2010/main" val="0"/>
+              </a:ext>
+            </a:extLst>
+          </a:blip>
+          <a:srcRect/>
+          <a:stretch>
+            <a:fillRect/>
+          </a:stretch>
+        </p:blipFill>
+        <p:spPr bwMode="auto">
+          <a:xfrm>
+            <a:off x="3791744" y="2492896"/>
+            <a:ext cx="5457825" cy="3152775"/>
+          </a:xfrm>
+          <a:prstGeom prst="rect">
+            <a:avLst/>
+          </a:prstGeom>
+          <a:noFill/>
+          <a:extLst>
+            <a:ext uri="{909E8E84-426E-40DD-AFC4-6F175D3DCCD1}">
+              <a14:hiddenFill xmlns:a14="http://schemas.microsoft.com/office/drawing/2010/main">
+                <a:solidFill>
+                  <a:srgbClr val="FFFFFF"/>
+                </a:solidFill>
+              </a14:hiddenFill>
+            </a:ext>
+          </a:extLst>
+        </p:spPr>
+      </p:pic>
+    </p:spTree>
+    <p:extLst>
+      <p:ext uri="{BB962C8B-B14F-4D97-AF65-F5344CB8AC3E}">
+        <p14:creationId xmlns:p14="http://schemas.microsoft.com/office/powerpoint/2010/main" val="3360529696"/>
+      </p:ext>
+    </p:extLst>
+  </p:cSld>
+  <p:clrMapOvr>
+    <a:masterClrMapping/>
+  </p:clrMapOvr>
+  <p:timing>
+    <p:tnLst>
+      <p:par>
+        <p:cTn id="1" dur="indefinite" restart="never" nodeType="tmRoot">
+          <p:childTnLst>
+            <p:seq concurrent="1" nextAc="seek">
+              <p:cTn id="2" dur="indefinite" nodeType="mainSeq">
+                <p:childTnLst>
+                  <p:par>
+                    <p:cTn id="3" fill="hold">
+                      <p:stCondLst>
+                        <p:cond delay="indefinite"/>
+                        <p:cond evt="onBegin" delay="0">
+                          <p:tn val="2"/>
+                        </p:cond>
+                      </p:stCondLst>
+                      <p:childTnLst>
+                        <p:par>
+                          <p:cTn id="4" fill="hold">
+                            <p:stCondLst>
+                              <p:cond delay="0"/>
+                            </p:stCondLst>
+                            <p:childTnLst>
+                              <p:par>
+                                <p:cTn id="5" presetID="10" presetClass="entr" presetSubtype="0" fill="hold" nodeType="afterEffect">
+                                  <p:stCondLst>
+                                    <p:cond delay="0"/>
+                                  </p:stCondLst>
+                                  <p:childTnLst>
+                                    <p:set>
+                                      <p:cBhvr>
+                                        <p:cTn id="6" dur="1" fill="hold">
+                                          <p:stCondLst>
+                                            <p:cond delay="0"/>
+                                          </p:stCondLst>
+                                        </p:cTn>
+                                        <p:tgtEl>
+                                          <p:spTgt spid="1026"/>
+                                        </p:tgtEl>
+                                        <p:attrNameLst>
+                                          <p:attrName>style.visibility</p:attrName>
+                                        </p:attrNameLst>
+                                      </p:cBhvr>
+                                      <p:to>
+                                        <p:strVal val="visible"/>
+                                      </p:to>
+                                    </p:set>
+                                    <p:animEffect transition="in" filter="fade">
+                                      <p:cBhvr>
+                                        <p:cTn id="7" dur="1000"/>
+                                        <p:tgtEl>
+                                          <p:spTgt spid="1026"/>
+                                        </p:tgtEl>
+                                      </p:cBhvr>
+                                    </p:animEffect>
+                                  </p:childTnLst>
+                                </p:cTn>
+                              </p:par>
+                            </p:childTnLst>
+                          </p:cTn>
+                        </p:par>
+                      </p:childTnLst>
+                    </p:cTn>
+                  </p:par>
+                </p:childTnLst>
+              </p:cTn>
+              <p:prevCondLst>
+                <p:cond evt="onPrev" delay="0">
+                  <p:tgtEl>
+                    <p:sldTgt/>
+                  </p:tgtEl>
+                </p:cond>
+              </p:prevCondLst>
+              <p:nextCondLst>
+                <p:cond evt="onNext" delay="0">
+                  <p:tgtEl>
+                    <p:sldTgt/>
+                  </p:tgtEl>
+                </p:cond>
+              </p:nextCondLst>
+            </p:seq>
+          </p:childTnLst>
+        </p:cTn>
+      </p:par>
+    </p:tnLst>
+  </p:timing>
+</p:sld>
+</file>
+
+<file path=ppt/slides/slide11.xml><?xml version="1.0" encoding="utf-8"?>
 <p:sld xmlns:a="http://schemas.openxmlformats.org/drawingml/2006/main" xmlns:r="http://schemas.openxmlformats.org/officeDocument/2006/relationships" xmlns:p="http://schemas.openxmlformats.org/presentationml/2006/main">
   <p:cSld>
     <p:spTree>
@@ -32460,7 +33768,7 @@
 </p:sld>
 </file>
 
-<file path=ppt/slides/slide11.xml><?xml version="1.0" encoding="utf-8"?>
+<file path=ppt/slides/slide12.xml><?xml version="1.0" encoding="utf-8"?>
 <p:sld xmlns:a="http://schemas.openxmlformats.org/drawingml/2006/main" xmlns:r="http://schemas.openxmlformats.org/officeDocument/2006/relationships" xmlns:p="http://schemas.openxmlformats.org/presentationml/2006/main">
   <p:cSld>
     <p:spTree>
@@ -32627,7 +33935,7 @@
 </p:sld>
 </file>
 
-<file path=ppt/slides/slide12.xml><?xml version="1.0" encoding="utf-8"?>
+<file path=ppt/slides/slide13.xml><?xml version="1.0" encoding="utf-8"?>
 <p:sld xmlns:a="http://schemas.openxmlformats.org/drawingml/2006/main" xmlns:r="http://schemas.openxmlformats.org/officeDocument/2006/relationships" xmlns:p="http://schemas.openxmlformats.org/presentationml/2006/main">
   <p:cSld>
     <p:spTree>
@@ -32814,7 +34122,7 @@
 </p:sld>
 </file>
 
-<file path=ppt/slides/slide13.xml><?xml version="1.0" encoding="utf-8"?>
+<file path=ppt/slides/slide14.xml><?xml version="1.0" encoding="utf-8"?>
 <p:sld xmlns:a="http://schemas.openxmlformats.org/drawingml/2006/main" xmlns:r="http://schemas.openxmlformats.org/officeDocument/2006/relationships" xmlns:p="http://schemas.openxmlformats.org/presentationml/2006/main">
   <p:cSld>
     <p:spTree>
@@ -32942,7 +34250,7 @@
 </p:sld>
 </file>
 
-<file path=ppt/slides/slide14.xml><?xml version="1.0" encoding="utf-8"?>
+<file path=ppt/slides/slide15.xml><?xml version="1.0" encoding="utf-8"?>
 <p:sld xmlns:a="http://schemas.openxmlformats.org/drawingml/2006/main" xmlns:r="http://schemas.openxmlformats.org/officeDocument/2006/relationships" xmlns:p="http://schemas.openxmlformats.org/presentationml/2006/main">
   <p:cSld>
     <p:spTree>
@@ -33021,7 +34329,7 @@
 </p:sld>
 </file>
 
-<file path=ppt/slides/slide15.xml><?xml version="1.0" encoding="utf-8"?>
+<file path=ppt/slides/slide16.xml><?xml version="1.0" encoding="utf-8"?>
 <p:sld xmlns:a="http://schemas.openxmlformats.org/drawingml/2006/main" xmlns:r="http://schemas.openxmlformats.org/officeDocument/2006/relationships" xmlns:p="http://schemas.openxmlformats.org/presentationml/2006/main">
   <p:cSld>
     <p:spTree>
@@ -33182,7 +34490,7 @@
 </p:sld>
 </file>
 
-<file path=ppt/slides/slide16.xml><?xml version="1.0" encoding="utf-8"?>
+<file path=ppt/slides/slide17.xml><?xml version="1.0" encoding="utf-8"?>
 <p:sld xmlns:a="http://schemas.openxmlformats.org/drawingml/2006/main" xmlns:r="http://schemas.openxmlformats.org/officeDocument/2006/relationships" xmlns:p="http://schemas.openxmlformats.org/presentationml/2006/main">
   <p:cSld>
     <p:spTree>
@@ -33224,171 +34532,201 @@
           </a:p>
         </p:txBody>
       </p:sp>
-      <p:sp>
-        <p:nvSpPr>
-          <p:cNvPr id="4" name="Rounded Rectangle 3"/>
-          <p:cNvSpPr/>
+      <p:grpSp>
+        <p:nvGrpSpPr>
+          <p:cNvPr id="3" name="Group 2"/>
+          <p:cNvGrpSpPr/>
           <p:nvPr/>
-        </p:nvSpPr>
-        <p:spPr>
+        </p:nvGrpSpPr>
+        <p:grpSpPr>
           <a:xfrm>
             <a:off x="1806784" y="1747370"/>
             <a:ext cx="10009112" cy="2113677"/>
+            <a:chOff x="1806784" y="1747370"/>
+            <a:chExt cx="10009112" cy="2113677"/>
           </a:xfrm>
-          <a:prstGeom prst="roundRect">
-            <a:avLst/>
-          </a:prstGeom>
-          <a:solidFill>
-            <a:schemeClr val="bg1">
-              <a:lumMod val="95000"/>
-            </a:schemeClr>
-          </a:solidFill>
-          <a:ln>
+        </p:grpSpPr>
+        <p:sp>
+          <p:nvSpPr>
+            <p:cNvPr id="4" name="Rounded Rectangle 3"/>
+            <p:cNvSpPr/>
+            <p:nvPr/>
+          </p:nvSpPr>
+          <p:spPr>
+            <a:xfrm>
+              <a:off x="1806784" y="1747370"/>
+              <a:ext cx="10009112" cy="2113677"/>
+            </a:xfrm>
+            <a:prstGeom prst="roundRect">
+              <a:avLst/>
+            </a:prstGeom>
             <a:solidFill>
-              <a:srgbClr val="00B0F0"/>
+              <a:schemeClr val="bg1">
+                <a:lumMod val="95000"/>
+              </a:schemeClr>
             </a:solidFill>
-          </a:ln>
-        </p:spPr>
-        <p:style>
-          <a:lnRef idx="2">
-            <a:schemeClr val="accent1">
-              <a:shade val="50000"/>
-            </a:schemeClr>
-          </a:lnRef>
-          <a:fillRef idx="1">
-            <a:schemeClr val="accent1"/>
-          </a:fillRef>
-          <a:effectRef idx="0">
-            <a:schemeClr val="accent1"/>
-          </a:effectRef>
-          <a:fontRef idx="minor">
-            <a:schemeClr val="lt1"/>
-          </a:fontRef>
-        </p:style>
-        <p:txBody>
-          <a:bodyPr rtlCol="0" anchor="ctr"/>
-          <a:lstStyle/>
-          <a:p>
-            <a:pPr algn="ctr"/>
-            <a:endParaRPr lang="ru-RU"/>
-          </a:p>
-        </p:txBody>
-      </p:sp>
-      <p:sp>
-        <p:nvSpPr>
-          <p:cNvPr id="5" name="Rectangle 4"/>
-          <p:cNvSpPr/>
+            <a:ln>
+              <a:solidFill>
+                <a:srgbClr val="00B0F0"/>
+              </a:solidFill>
+            </a:ln>
+          </p:spPr>
+          <p:style>
+            <a:lnRef idx="2">
+              <a:schemeClr val="accent1">
+                <a:shade val="50000"/>
+              </a:schemeClr>
+            </a:lnRef>
+            <a:fillRef idx="1">
+              <a:schemeClr val="accent1"/>
+            </a:fillRef>
+            <a:effectRef idx="0">
+              <a:schemeClr val="accent1"/>
+            </a:effectRef>
+            <a:fontRef idx="minor">
+              <a:schemeClr val="lt1"/>
+            </a:fontRef>
+          </p:style>
+          <p:txBody>
+            <a:bodyPr rtlCol="0" anchor="ctr"/>
+            <a:lstStyle/>
+            <a:p>
+              <a:pPr algn="ctr"/>
+              <a:endParaRPr lang="ru-RU"/>
+            </a:p>
+          </p:txBody>
+        </p:sp>
+        <p:sp>
+          <p:nvSpPr>
+            <p:cNvPr id="5" name="Rectangle 4"/>
+            <p:cNvSpPr/>
+            <p:nvPr/>
+          </p:nvSpPr>
+          <p:spPr>
+            <a:xfrm>
+              <a:off x="1943100" y="2019378"/>
+              <a:ext cx="9728780" cy="1569660"/>
+            </a:xfrm>
+            <a:prstGeom prst="rect">
+              <a:avLst/>
+            </a:prstGeom>
+          </p:spPr>
+          <p:txBody>
+            <a:bodyPr wrap="square">
+              <a:spAutoFit/>
+            </a:bodyPr>
+            <a:lstStyle/>
+            <a:p>
+              <a:r>
+                <a:rPr lang="en-US" sz="2400" dirty="0" smtClean="0"/>
+                <a:t>	The </a:t>
+              </a:r>
+              <a:r>
+                <a:rPr lang="en-US" sz="2400" dirty="0"/>
+                <a:t>Azure SDK for .NET is the core building block that helps developers author Cloud Services using Azure Service Runtime Programming model, debug using emulators on the local machine, and deploy to Azure data centers in the cloud.</a:t>
+              </a:r>
+            </a:p>
+          </p:txBody>
+        </p:sp>
+      </p:grpSp>
+      <p:grpSp>
+        <p:nvGrpSpPr>
+          <p:cNvPr id="9" name="Group 8"/>
+          <p:cNvGrpSpPr/>
           <p:nvPr/>
-        </p:nvSpPr>
-        <p:spPr>
-          <a:xfrm>
-            <a:off x="1943100" y="2019378"/>
-            <a:ext cx="9728780" cy="1569660"/>
-          </a:xfrm>
-          <a:prstGeom prst="rect">
-            <a:avLst/>
-          </a:prstGeom>
-        </p:spPr>
-        <p:txBody>
-          <a:bodyPr wrap="square">
-            <a:spAutoFit/>
-          </a:bodyPr>
-          <a:lstStyle/>
-          <a:p>
-            <a:r>
-              <a:rPr lang="en-US" sz="2400" dirty="0" smtClean="0"/>
-              <a:t>	The </a:t>
-            </a:r>
-            <a:r>
-              <a:rPr lang="en-US" sz="2400" dirty="0"/>
-              <a:t>Azure SDK for .NET is the core building block that helps developers author Cloud Services using Azure Service Runtime Programming model, debug using emulators on the local machine, and deploy to Azure data centers in the cloud.</a:t>
-            </a:r>
-          </a:p>
-        </p:txBody>
-      </p:sp>
-      <p:sp>
-        <p:nvSpPr>
-          <p:cNvPr id="7" name="Rounded Rectangle 6"/>
-          <p:cNvSpPr/>
-          <p:nvPr/>
-        </p:nvSpPr>
-        <p:spPr>
+        </p:nvGrpSpPr>
+        <p:grpSpPr>
           <a:xfrm>
             <a:off x="1824306" y="4081053"/>
             <a:ext cx="10009112" cy="1796219"/>
+            <a:chOff x="1824306" y="4081053"/>
+            <a:chExt cx="10009112" cy="1796219"/>
           </a:xfrm>
-          <a:prstGeom prst="roundRect">
-            <a:avLst/>
-          </a:prstGeom>
-          <a:solidFill>
-            <a:schemeClr val="bg1">
-              <a:lumMod val="95000"/>
-            </a:schemeClr>
-          </a:solidFill>
-          <a:ln>
+        </p:grpSpPr>
+        <p:sp>
+          <p:nvSpPr>
+            <p:cNvPr id="7" name="Rounded Rectangle 6"/>
+            <p:cNvSpPr/>
+            <p:nvPr/>
+          </p:nvSpPr>
+          <p:spPr>
+            <a:xfrm>
+              <a:off x="1824306" y="4081053"/>
+              <a:ext cx="10009112" cy="1796219"/>
+            </a:xfrm>
+            <a:prstGeom prst="roundRect">
+              <a:avLst/>
+            </a:prstGeom>
             <a:solidFill>
-              <a:srgbClr val="00B0F0"/>
+              <a:schemeClr val="bg1">
+                <a:lumMod val="95000"/>
+              </a:schemeClr>
             </a:solidFill>
-          </a:ln>
-        </p:spPr>
-        <p:style>
-          <a:lnRef idx="2">
-            <a:schemeClr val="accent1">
-              <a:shade val="50000"/>
-            </a:schemeClr>
-          </a:lnRef>
-          <a:fillRef idx="1">
-            <a:schemeClr val="accent1"/>
-          </a:fillRef>
-          <a:effectRef idx="0">
-            <a:schemeClr val="accent1"/>
-          </a:effectRef>
-          <a:fontRef idx="minor">
-            <a:schemeClr val="lt1"/>
-          </a:fontRef>
-        </p:style>
-        <p:txBody>
-          <a:bodyPr rtlCol="0" anchor="ctr"/>
-          <a:lstStyle/>
-          <a:p>
-            <a:pPr algn="ctr"/>
-            <a:endParaRPr lang="ru-RU"/>
-          </a:p>
-        </p:txBody>
-      </p:sp>
-      <p:sp>
-        <p:nvSpPr>
-          <p:cNvPr id="8" name="Rectangle 7"/>
-          <p:cNvSpPr/>
-          <p:nvPr/>
-        </p:nvSpPr>
-        <p:spPr>
-          <a:xfrm>
-            <a:off x="1960622" y="4353061"/>
-            <a:ext cx="9728780" cy="1200329"/>
-          </a:xfrm>
-          <a:prstGeom prst="rect">
-            <a:avLst/>
-          </a:prstGeom>
-        </p:spPr>
-        <p:txBody>
-          <a:bodyPr wrap="square">
-            <a:spAutoFit/>
-          </a:bodyPr>
-          <a:lstStyle/>
-          <a:p>
-            <a:r>
-              <a:rPr lang="en-US" sz="2400" dirty="0" smtClean="0"/>
-              <a:t>	The </a:t>
-            </a:r>
-            <a:r>
-              <a:rPr lang="en-US" sz="2400" dirty="0"/>
-              <a:t>Azure SDK Policy covers Azure SDK Authoring Tools, Command line utilities, Compute &amp; Storage Emulators, and Azure Tools for Microsoft Visual Studio.</a:t>
-            </a:r>
-            <a:endParaRPr lang="ru-RU" sz="2400" dirty="0"/>
-          </a:p>
-        </p:txBody>
-      </p:sp>
+            <a:ln>
+              <a:solidFill>
+                <a:srgbClr val="00B0F0"/>
+              </a:solidFill>
+            </a:ln>
+          </p:spPr>
+          <p:style>
+            <a:lnRef idx="2">
+              <a:schemeClr val="accent1">
+                <a:shade val="50000"/>
+              </a:schemeClr>
+            </a:lnRef>
+            <a:fillRef idx="1">
+              <a:schemeClr val="accent1"/>
+            </a:fillRef>
+            <a:effectRef idx="0">
+              <a:schemeClr val="accent1"/>
+            </a:effectRef>
+            <a:fontRef idx="minor">
+              <a:schemeClr val="lt1"/>
+            </a:fontRef>
+          </p:style>
+          <p:txBody>
+            <a:bodyPr rtlCol="0" anchor="ctr"/>
+            <a:lstStyle/>
+            <a:p>
+              <a:pPr algn="ctr"/>
+              <a:endParaRPr lang="ru-RU"/>
+            </a:p>
+          </p:txBody>
+        </p:sp>
+        <p:sp>
+          <p:nvSpPr>
+            <p:cNvPr id="8" name="Rectangle 7"/>
+            <p:cNvSpPr/>
+            <p:nvPr/>
+          </p:nvSpPr>
+          <p:spPr>
+            <a:xfrm>
+              <a:off x="1960622" y="4353061"/>
+              <a:ext cx="9728780" cy="1200329"/>
+            </a:xfrm>
+            <a:prstGeom prst="rect">
+              <a:avLst/>
+            </a:prstGeom>
+          </p:spPr>
+          <p:txBody>
+            <a:bodyPr wrap="square">
+              <a:spAutoFit/>
+            </a:bodyPr>
+            <a:lstStyle/>
+            <a:p>
+              <a:r>
+                <a:rPr lang="en-US" sz="2400" dirty="0" smtClean="0"/>
+                <a:t>	The </a:t>
+              </a:r>
+              <a:r>
+                <a:rPr lang="en-US" sz="2400" dirty="0"/>
+                <a:t>Azure SDK Policy covers Azure SDK Authoring Tools, Command line utilities, Compute &amp; Storage Emulators, and Azure Tools for Microsoft Visual Studio.</a:t>
+              </a:r>
+              <a:endParaRPr lang="ru-RU" sz="2400" dirty="0"/>
+            </a:p>
+          </p:txBody>
+        </p:sp>
+      </p:grpSp>
     </p:spTree>
     <p:extLst>
       <p:ext uri="{BB962C8B-B14F-4D97-AF65-F5344CB8AC3E}">
@@ -33402,213 +34740,14 @@
   <p:timing>
     <p:tnLst>
       <p:par>
-        <p:cTn id="1" dur="indefinite" restart="never" nodeType="tmRoot">
-          <p:childTnLst>
-            <p:seq concurrent="1" nextAc="seek">
-              <p:cTn id="2" dur="indefinite" nodeType="mainSeq">
-                <p:childTnLst>
-                  <p:par>
-                    <p:cTn id="3" fill="hold">
-                      <p:stCondLst>
-                        <p:cond delay="indefinite"/>
-                        <p:cond evt="onBegin" delay="0">
-                          <p:tn val="2"/>
-                        </p:cond>
-                      </p:stCondLst>
-                      <p:childTnLst>
-                        <p:par>
-                          <p:cTn id="4" fill="hold">
-                            <p:stCondLst>
-                              <p:cond delay="0"/>
-                            </p:stCondLst>
-                            <p:childTnLst>
-                              <p:par>
-                                <p:cTn id="5" presetID="22" presetClass="entr" presetSubtype="1" fill="hold" grpId="0" nodeType="afterEffect">
-                                  <p:stCondLst>
-                                    <p:cond delay="0"/>
-                                  </p:stCondLst>
-                                  <p:childTnLst>
-                                    <p:set>
-                                      <p:cBhvr>
-                                        <p:cTn id="6" dur="1" fill="hold">
-                                          <p:stCondLst>
-                                            <p:cond delay="0"/>
-                                          </p:stCondLst>
-                                        </p:cTn>
-                                        <p:tgtEl>
-                                          <p:spTgt spid="5"/>
-                                        </p:tgtEl>
-                                        <p:attrNameLst>
-                                          <p:attrName>style.visibility</p:attrName>
-                                        </p:attrNameLst>
-                                      </p:cBhvr>
-                                      <p:to>
-                                        <p:strVal val="visible"/>
-                                      </p:to>
-                                    </p:set>
-                                    <p:animEffect transition="in" filter="wipe(up)">
-                                      <p:cBhvr>
-                                        <p:cTn id="7" dur="500"/>
-                                        <p:tgtEl>
-                                          <p:spTgt spid="5"/>
-                                        </p:tgtEl>
-                                      </p:cBhvr>
-                                    </p:animEffect>
-                                  </p:childTnLst>
-                                </p:cTn>
-                              </p:par>
-                              <p:par>
-                                <p:cTn id="8" presetID="22" presetClass="entr" presetSubtype="1" fill="hold" grpId="0" nodeType="withEffect">
-                                  <p:stCondLst>
-                                    <p:cond delay="0"/>
-                                  </p:stCondLst>
-                                  <p:childTnLst>
-                                    <p:set>
-                                      <p:cBhvr>
-                                        <p:cTn id="9" dur="1" fill="hold">
-                                          <p:stCondLst>
-                                            <p:cond delay="0"/>
-                                          </p:stCondLst>
-                                        </p:cTn>
-                                        <p:tgtEl>
-                                          <p:spTgt spid="4"/>
-                                        </p:tgtEl>
-                                        <p:attrNameLst>
-                                          <p:attrName>style.visibility</p:attrName>
-                                        </p:attrNameLst>
-                                      </p:cBhvr>
-                                      <p:to>
-                                        <p:strVal val="visible"/>
-                                      </p:to>
-                                    </p:set>
-                                    <p:animEffect transition="in" filter="wipe(up)">
-                                      <p:cBhvr>
-                                        <p:cTn id="10" dur="500"/>
-                                        <p:tgtEl>
-                                          <p:spTgt spid="4"/>
-                                        </p:tgtEl>
-                                      </p:cBhvr>
-                                    </p:animEffect>
-                                  </p:childTnLst>
-                                </p:cTn>
-                              </p:par>
-                            </p:childTnLst>
-                          </p:cTn>
-                        </p:par>
-                        <p:par>
-                          <p:cTn id="11" fill="hold">
-                            <p:stCondLst>
-                              <p:cond delay="500"/>
-                            </p:stCondLst>
-                            <p:childTnLst>
-                              <p:par>
-                                <p:cTn id="12" presetID="22" presetClass="entr" presetSubtype="1" fill="hold" grpId="0" nodeType="afterEffect">
-                                  <p:stCondLst>
-                                    <p:cond delay="0"/>
-                                  </p:stCondLst>
-                                  <p:childTnLst>
-                                    <p:set>
-                                      <p:cBhvr>
-                                        <p:cTn id="13" dur="1" fill="hold">
-                                          <p:stCondLst>
-                                            <p:cond delay="0"/>
-                                          </p:stCondLst>
-                                        </p:cTn>
-                                        <p:tgtEl>
-                                          <p:spTgt spid="7"/>
-                                        </p:tgtEl>
-                                        <p:attrNameLst>
-                                          <p:attrName>style.visibility</p:attrName>
-                                        </p:attrNameLst>
-                                      </p:cBhvr>
-                                      <p:to>
-                                        <p:strVal val="visible"/>
-                                      </p:to>
-                                    </p:set>
-                                    <p:animEffect transition="in" filter="wipe(up)">
-                                      <p:cBhvr>
-                                        <p:cTn id="14" dur="500"/>
-                                        <p:tgtEl>
-                                          <p:spTgt spid="7"/>
-                                        </p:tgtEl>
-                                      </p:cBhvr>
-                                    </p:animEffect>
-                                  </p:childTnLst>
-                                </p:cTn>
-                              </p:par>
-                              <p:par>
-                                <p:cTn id="15" presetID="22" presetClass="entr" presetSubtype="1" fill="hold" grpId="0" nodeType="withEffect">
-                                  <p:stCondLst>
-                                    <p:cond delay="0"/>
-                                  </p:stCondLst>
-                                  <p:childTnLst>
-                                    <p:set>
-                                      <p:cBhvr>
-                                        <p:cTn id="16" dur="1" fill="hold">
-                                          <p:stCondLst>
-                                            <p:cond delay="0"/>
-                                          </p:stCondLst>
-                                        </p:cTn>
-                                        <p:tgtEl>
-                                          <p:spTgt spid="8"/>
-                                        </p:tgtEl>
-                                        <p:attrNameLst>
-                                          <p:attrName>style.visibility</p:attrName>
-                                        </p:attrNameLst>
-                                      </p:cBhvr>
-                                      <p:to>
-                                        <p:strVal val="visible"/>
-                                      </p:to>
-                                    </p:set>
-                                    <p:animEffect transition="in" filter="wipe(up)">
-                                      <p:cBhvr>
-                                        <p:cTn id="17" dur="500"/>
-                                        <p:tgtEl>
-                                          <p:spTgt spid="8"/>
-                                        </p:tgtEl>
-                                      </p:cBhvr>
-                                    </p:animEffect>
-                                  </p:childTnLst>
-                                </p:cTn>
-                              </p:par>
-                            </p:childTnLst>
-                          </p:cTn>
-                        </p:par>
-                      </p:childTnLst>
-                    </p:cTn>
-                  </p:par>
-                </p:childTnLst>
-              </p:cTn>
-              <p:prevCondLst>
-                <p:cond evt="onPrev" delay="0">
-                  <p:tgtEl>
-                    <p:sldTgt/>
-                  </p:tgtEl>
-                </p:cond>
-              </p:prevCondLst>
-              <p:nextCondLst>
-                <p:cond evt="onNext" delay="0">
-                  <p:tgtEl>
-                    <p:sldTgt/>
-                  </p:tgtEl>
-                </p:cond>
-              </p:nextCondLst>
-            </p:seq>
-          </p:childTnLst>
-        </p:cTn>
+        <p:cTn id="1" dur="indefinite" restart="never" nodeType="tmRoot"/>
       </p:par>
     </p:tnLst>
-    <p:bldLst>
-      <p:bldP spid="4" grpId="0" animBg="1"/>
-      <p:bldP spid="5" grpId="0"/>
-      <p:bldP spid="7" grpId="0" animBg="1"/>
-      <p:bldP spid="8" grpId="0"/>
-    </p:bldLst>
   </p:timing>
 </p:sld>
 </file>
 
-<file path=ppt/slides/slide17.xml><?xml version="1.0" encoding="utf-8"?>
+<file path=ppt/slides/slide18.xml><?xml version="1.0" encoding="utf-8"?>
 <p:sld xmlns:a="http://schemas.openxmlformats.org/drawingml/2006/main" xmlns:r="http://schemas.openxmlformats.org/officeDocument/2006/relationships" xmlns:p="http://schemas.openxmlformats.org/presentationml/2006/main">
   <p:cSld>
     <p:spTree>
@@ -33687,7 +34826,7 @@
 </p:sld>
 </file>
 
-<file path=ppt/slides/slide18.xml><?xml version="1.0" encoding="utf-8"?>
+<file path=ppt/slides/slide19.xml><?xml version="1.0" encoding="utf-8"?>
 <p:sld xmlns:a="http://schemas.openxmlformats.org/drawingml/2006/main" xmlns:r="http://schemas.openxmlformats.org/officeDocument/2006/relationships" xmlns:p="http://schemas.openxmlformats.org/presentationml/2006/main">
   <p:cSld>
     <p:spTree>
@@ -33750,7 +34889,7 @@
           <a:bodyPr/>
           <a:lstStyle/>
           <a:p>
-            <a:endParaRPr lang="ru-RU"/>
+            <a:endParaRPr lang="ru-RU" dirty="0"/>
           </a:p>
         </p:txBody>
       </p:sp>
@@ -33758,78 +34897,6 @@
     <p:extLst>
       <p:ext uri="{BB962C8B-B14F-4D97-AF65-F5344CB8AC3E}">
         <p14:creationId xmlns:p14="http://schemas.microsoft.com/office/powerpoint/2010/main" val="2161594076"/>
-      </p:ext>
-    </p:extLst>
-  </p:cSld>
-  <p:clrMapOvr>
-    <a:masterClrMapping/>
-  </p:clrMapOvr>
-</p:sld>
-</file>
-
-<file path=ppt/slides/slide19.xml><?xml version="1.0" encoding="utf-8"?>
-<p:sld xmlns:a="http://schemas.openxmlformats.org/drawingml/2006/main" xmlns:r="http://schemas.openxmlformats.org/officeDocument/2006/relationships" xmlns:p="http://schemas.openxmlformats.org/presentationml/2006/main">
-  <p:cSld>
-    <p:spTree>
-      <p:nvGrpSpPr>
-        <p:cNvPr id="1" name=""/>
-        <p:cNvGrpSpPr/>
-        <p:nvPr/>
-      </p:nvGrpSpPr>
-      <p:grpSpPr>
-        <a:xfrm>
-          <a:off x="0" y="0"/>
-          <a:ext cx="0" cy="0"/>
-          <a:chOff x="0" y="0"/>
-          <a:chExt cx="0" cy="0"/>
-        </a:xfrm>
-      </p:grpSpPr>
-      <p:sp>
-        <p:nvSpPr>
-          <p:cNvPr id="4" name="Title 3"/>
-          <p:cNvSpPr>
-            <a:spLocks noGrp="1"/>
-          </p:cNvSpPr>
-          <p:nvPr>
-            <p:ph type="title"/>
-          </p:nvPr>
-        </p:nvSpPr>
-        <p:spPr/>
-        <p:txBody>
-          <a:bodyPr/>
-          <a:lstStyle/>
-          <a:p>
-            <a:r>
-              <a:rPr lang="en-US" dirty="0" smtClean="0"/>
-              <a:t>Pricing Tiers</a:t>
-            </a:r>
-            <a:endParaRPr lang="ru-RU" dirty="0"/>
-          </a:p>
-        </p:txBody>
-      </p:sp>
-      <p:sp>
-        <p:nvSpPr>
-          <p:cNvPr id="5" name="Content Placeholder 4"/>
-          <p:cNvSpPr>
-            <a:spLocks noGrp="1"/>
-          </p:cNvSpPr>
-          <p:nvPr>
-            <p:ph idx="1"/>
-          </p:nvPr>
-        </p:nvSpPr>
-        <p:spPr/>
-        <p:txBody>
-          <a:bodyPr/>
-          <a:lstStyle/>
-          <a:p>
-            <a:endParaRPr lang="ru-RU"/>
-          </a:p>
-        </p:txBody>
-      </p:sp>
-    </p:spTree>
-    <p:extLst>
-      <p:ext uri="{BB962C8B-B14F-4D97-AF65-F5344CB8AC3E}">
-        <p14:creationId xmlns:p14="http://schemas.microsoft.com/office/powerpoint/2010/main" val="2281118130"/>
       </p:ext>
     </p:extLst>
   </p:cSld>
@@ -33982,6 +35049,604 @@
       </p:grpSpPr>
       <p:sp>
         <p:nvSpPr>
+          <p:cNvPr id="2" name="Title 1"/>
+          <p:cNvSpPr>
+            <a:spLocks noGrp="1"/>
+          </p:cNvSpPr>
+          <p:nvPr>
+            <p:ph type="title"/>
+          </p:nvPr>
+        </p:nvSpPr>
+        <p:spPr/>
+        <p:txBody>
+          <a:bodyPr/>
+          <a:lstStyle/>
+          <a:p>
+            <a:r>
+              <a:rPr lang="en-US" dirty="0"/>
+              <a:t>Deploy a </a:t>
+            </a:r>
+            <a:r>
+              <a:rPr lang="en-US" dirty="0" smtClean="0"/>
+              <a:t>Web App</a:t>
+            </a:r>
+            <a:endParaRPr lang="en-US" dirty="0"/>
+          </a:p>
+        </p:txBody>
+      </p:sp>
+      <p:sp>
+        <p:nvSpPr>
+          <p:cNvPr id="3" name="Content Placeholder 2"/>
+          <p:cNvSpPr>
+            <a:spLocks noGrp="1"/>
+          </p:cNvSpPr>
+          <p:nvPr>
+            <p:ph idx="1"/>
+          </p:nvPr>
+        </p:nvSpPr>
+        <p:spPr/>
+        <p:txBody>
+          <a:bodyPr/>
+          <a:lstStyle/>
+          <a:p>
+            <a:pPr>
+              <a:lnSpc>
+                <a:spcPct val="150000"/>
+              </a:lnSpc>
+            </a:pPr>
+            <a:r>
+              <a:rPr lang="en-US" dirty="0"/>
+              <a:t>Deploy from a cloud-hosted source control system</a:t>
+            </a:r>
+          </a:p>
+          <a:p>
+            <a:pPr>
+              <a:lnSpc>
+                <a:spcPct val="150000"/>
+              </a:lnSpc>
+            </a:pPr>
+            <a:r>
+              <a:rPr lang="en-US" dirty="0"/>
+              <a:t>Deploying from an IDE</a:t>
+            </a:r>
+          </a:p>
+          <a:p>
+            <a:pPr>
+              <a:lnSpc>
+                <a:spcPct val="150000"/>
+              </a:lnSpc>
+            </a:pPr>
+            <a:r>
+              <a:rPr lang="en-US" dirty="0"/>
+              <a:t>Deploy using an FTP utility</a:t>
+            </a:r>
+          </a:p>
+          <a:p>
+            <a:pPr>
+              <a:lnSpc>
+                <a:spcPct val="150000"/>
+              </a:lnSpc>
+            </a:pPr>
+            <a:r>
+              <a:rPr lang="en-US" dirty="0"/>
+              <a:t>Deploying from an on-premises source control system</a:t>
+            </a:r>
+          </a:p>
+          <a:p>
+            <a:r>
+              <a:rPr lang="en-US" dirty="0"/>
+              <a:t>Deploy using command-line tools and the Azure REST management </a:t>
+            </a:r>
+            <a:r>
+              <a:rPr lang="en-US" dirty="0" smtClean="0"/>
+              <a:t>API</a:t>
+            </a:r>
+          </a:p>
+          <a:p>
+            <a:pPr>
+              <a:lnSpc>
+                <a:spcPct val="150000"/>
+              </a:lnSpc>
+            </a:pPr>
+            <a:r>
+              <a:rPr lang="en-US" dirty="0"/>
+              <a:t>Octopus Deploy</a:t>
+            </a:r>
+          </a:p>
+          <a:p>
+            <a:endParaRPr lang="en-US" dirty="0"/>
+          </a:p>
+          <a:p>
+            <a:endParaRPr lang="ru-RU" dirty="0"/>
+          </a:p>
+        </p:txBody>
+      </p:sp>
+    </p:spTree>
+    <p:extLst>
+      <p:ext uri="{BB962C8B-B14F-4D97-AF65-F5344CB8AC3E}">
+        <p14:creationId xmlns:p14="http://schemas.microsoft.com/office/powerpoint/2010/main" val="622192192"/>
+      </p:ext>
+    </p:extLst>
+  </p:cSld>
+  <p:clrMapOvr>
+    <a:masterClrMapping/>
+  </p:clrMapOvr>
+  <p:timing>
+    <p:tnLst>
+      <p:par>
+        <p:cTn id="1" dur="indefinite" restart="never" nodeType="tmRoot"/>
+      </p:par>
+    </p:tnLst>
+  </p:timing>
+</p:sld>
+</file>
+
+<file path=ppt/slides/slide21.xml><?xml version="1.0" encoding="utf-8"?>
+<p:sld xmlns:a="http://schemas.openxmlformats.org/drawingml/2006/main" xmlns:r="http://schemas.openxmlformats.org/officeDocument/2006/relationships" xmlns:p="http://schemas.openxmlformats.org/presentationml/2006/main">
+  <p:cSld>
+    <p:spTree>
+      <p:nvGrpSpPr>
+        <p:cNvPr id="1" name=""/>
+        <p:cNvGrpSpPr/>
+        <p:nvPr/>
+      </p:nvGrpSpPr>
+      <p:grpSpPr>
+        <a:xfrm>
+          <a:off x="0" y="0"/>
+          <a:ext cx="0" cy="0"/>
+          <a:chOff x="0" y="0"/>
+          <a:chExt cx="0" cy="0"/>
+        </a:xfrm>
+      </p:grpSpPr>
+      <p:sp>
+        <p:nvSpPr>
+          <p:cNvPr id="2" name="Title 1"/>
+          <p:cNvSpPr>
+            <a:spLocks noGrp="1"/>
+          </p:cNvSpPr>
+          <p:nvPr>
+            <p:ph type="title"/>
+          </p:nvPr>
+        </p:nvSpPr>
+        <p:spPr/>
+        <p:txBody>
+          <a:bodyPr/>
+          <a:lstStyle/>
+          <a:p>
+            <a:r>
+              <a:rPr lang="en-US" dirty="0" smtClean="0"/>
+              <a:t>FTP Access</a:t>
+            </a:r>
+            <a:endParaRPr lang="ru-RU" dirty="0"/>
+          </a:p>
+        </p:txBody>
+      </p:sp>
+      <p:sp>
+        <p:nvSpPr>
+          <p:cNvPr id="6" name="Rounded Rectangle 5"/>
+          <p:cNvSpPr/>
+          <p:nvPr/>
+        </p:nvSpPr>
+        <p:spPr>
+          <a:xfrm>
+            <a:off x="1806784" y="1747370"/>
+            <a:ext cx="10009112" cy="1393597"/>
+          </a:xfrm>
+          <a:prstGeom prst="roundRect">
+            <a:avLst/>
+          </a:prstGeom>
+          <a:solidFill>
+            <a:schemeClr val="bg1">
+              <a:lumMod val="95000"/>
+            </a:schemeClr>
+          </a:solidFill>
+          <a:ln>
+            <a:solidFill>
+              <a:srgbClr val="00B0F0"/>
+            </a:solidFill>
+          </a:ln>
+        </p:spPr>
+        <p:style>
+          <a:lnRef idx="2">
+            <a:schemeClr val="accent1">
+              <a:shade val="50000"/>
+            </a:schemeClr>
+          </a:lnRef>
+          <a:fillRef idx="1">
+            <a:schemeClr val="accent1"/>
+          </a:fillRef>
+          <a:effectRef idx="0">
+            <a:schemeClr val="accent1"/>
+          </a:effectRef>
+          <a:fontRef idx="minor">
+            <a:schemeClr val="lt1"/>
+          </a:fontRef>
+        </p:style>
+        <p:txBody>
+          <a:bodyPr rtlCol="0" anchor="ctr"/>
+          <a:lstStyle/>
+          <a:p>
+            <a:pPr algn="ctr"/>
+            <a:endParaRPr lang="ru-RU"/>
+          </a:p>
+        </p:txBody>
+      </p:sp>
+      <p:sp>
+        <p:nvSpPr>
+          <p:cNvPr id="7" name="Rectangle 6"/>
+          <p:cNvSpPr/>
+          <p:nvPr/>
+        </p:nvSpPr>
+        <p:spPr>
+          <a:xfrm>
+            <a:off x="1943100" y="2019378"/>
+            <a:ext cx="9728780" cy="830997"/>
+          </a:xfrm>
+          <a:prstGeom prst="rect">
+            <a:avLst/>
+          </a:prstGeom>
+        </p:spPr>
+        <p:txBody>
+          <a:bodyPr wrap="square">
+            <a:spAutoFit/>
+          </a:bodyPr>
+          <a:lstStyle/>
+          <a:p>
+            <a:r>
+              <a:rPr lang="en-US" sz="2400" dirty="0" smtClean="0"/>
+              <a:t>	</a:t>
+            </a:r>
+            <a:r>
+              <a:rPr lang="en-US" sz="2400" dirty="0" smtClean="0"/>
+              <a:t>Just create FTP credentials and use provided on Management Portal access points</a:t>
+            </a:r>
+            <a:endParaRPr lang="en-US" sz="2400" dirty="0"/>
+          </a:p>
+        </p:txBody>
+      </p:sp>
+      <p:sp>
+        <p:nvSpPr>
+          <p:cNvPr id="13" name="Rectangle 12"/>
+          <p:cNvSpPr/>
+          <p:nvPr/>
+        </p:nvSpPr>
+        <p:spPr>
+          <a:xfrm>
+            <a:off x="3719736" y="3538512"/>
+            <a:ext cx="5688632" cy="3092907"/>
+          </a:xfrm>
+          <a:prstGeom prst="rect">
+            <a:avLst/>
+          </a:prstGeom>
+          <a:solidFill>
+            <a:schemeClr val="bg1"/>
+          </a:solidFill>
+          <a:ln>
+            <a:solidFill>
+              <a:srgbClr val="CC0000"/>
+            </a:solidFill>
+          </a:ln>
+        </p:spPr>
+        <p:style>
+          <a:lnRef idx="2">
+            <a:schemeClr val="accent1">
+              <a:shade val="50000"/>
+            </a:schemeClr>
+          </a:lnRef>
+          <a:fillRef idx="1">
+            <a:schemeClr val="accent1"/>
+          </a:fillRef>
+          <a:effectRef idx="0">
+            <a:schemeClr val="accent1"/>
+          </a:effectRef>
+          <a:fontRef idx="minor">
+            <a:schemeClr val="lt1"/>
+          </a:fontRef>
+        </p:style>
+        <p:txBody>
+          <a:bodyPr rtlCol="0" anchor="ctr"/>
+          <a:lstStyle/>
+          <a:p>
+            <a:pPr algn="ctr"/>
+            <a:endParaRPr lang="ru-RU"/>
+          </a:p>
+        </p:txBody>
+      </p:sp>
+      <p:sp>
+        <p:nvSpPr>
+          <p:cNvPr id="15" name="Rectangle 14"/>
+          <p:cNvSpPr/>
+          <p:nvPr/>
+        </p:nvSpPr>
+        <p:spPr>
+          <a:xfrm>
+            <a:off x="7896200" y="3273204"/>
+            <a:ext cx="1512168" cy="389318"/>
+          </a:xfrm>
+          <a:prstGeom prst="rect">
+            <a:avLst/>
+          </a:prstGeom>
+        </p:spPr>
+        <p:style>
+          <a:lnRef idx="2">
+            <a:schemeClr val="accent2">
+              <a:shade val="50000"/>
+            </a:schemeClr>
+          </a:lnRef>
+          <a:fillRef idx="1">
+            <a:schemeClr val="accent2"/>
+          </a:fillRef>
+          <a:effectRef idx="0">
+            <a:schemeClr val="accent2"/>
+          </a:effectRef>
+          <a:fontRef idx="minor">
+            <a:schemeClr val="lt1"/>
+          </a:fontRef>
+        </p:style>
+        <p:txBody>
+          <a:bodyPr rtlCol="0" anchor="ctr"/>
+          <a:lstStyle/>
+          <a:p>
+            <a:pPr algn="ctr"/>
+            <a:r>
+              <a:rPr lang="en-US" dirty="0" smtClean="0"/>
+              <a:t>Screenshots</a:t>
+            </a:r>
+            <a:endParaRPr lang="ru-RU" dirty="0"/>
+          </a:p>
+        </p:txBody>
+      </p:sp>
+      <p:pic>
+        <p:nvPicPr>
+          <p:cNvPr id="9" name="Picture 8"/>
+          <p:cNvPicPr>
+            <a:picLocks noChangeAspect="1"/>
+          </p:cNvPicPr>
+          <p:nvPr/>
+        </p:nvPicPr>
+        <p:blipFill>
+          <a:blip r:embed="rId2"/>
+          <a:stretch>
+            <a:fillRect/>
+          </a:stretch>
+        </p:blipFill>
+        <p:spPr>
+          <a:xfrm>
+            <a:off x="4727848" y="3733519"/>
+            <a:ext cx="3866667" cy="533333"/>
+          </a:xfrm>
+          <a:prstGeom prst="rect">
+            <a:avLst/>
+          </a:prstGeom>
+        </p:spPr>
+      </p:pic>
+      <p:pic>
+        <p:nvPicPr>
+          <p:cNvPr id="10" name="Picture 9"/>
+          <p:cNvPicPr>
+            <a:picLocks noChangeAspect="1"/>
+          </p:cNvPicPr>
+          <p:nvPr/>
+        </p:nvPicPr>
+        <p:blipFill>
+          <a:blip r:embed="rId3"/>
+          <a:stretch>
+            <a:fillRect/>
+          </a:stretch>
+        </p:blipFill>
+        <p:spPr>
+          <a:xfrm>
+            <a:off x="4832609" y="4266852"/>
+            <a:ext cx="3657143" cy="2266667"/>
+          </a:xfrm>
+          <a:prstGeom prst="rect">
+            <a:avLst/>
+          </a:prstGeom>
+        </p:spPr>
+      </p:pic>
+    </p:spTree>
+    <p:extLst>
+      <p:ext uri="{BB962C8B-B14F-4D97-AF65-F5344CB8AC3E}">
+        <p14:creationId xmlns:p14="http://schemas.microsoft.com/office/powerpoint/2010/main" val="3176013667"/>
+      </p:ext>
+    </p:extLst>
+  </p:cSld>
+  <p:clrMapOvr>
+    <a:masterClrMapping/>
+  </p:clrMapOvr>
+  <p:timing>
+    <p:tnLst>
+      <p:par>
+        <p:cTn id="1" dur="indefinite" restart="never" nodeType="tmRoot"/>
+      </p:par>
+    </p:tnLst>
+  </p:timing>
+</p:sld>
+</file>
+
+<file path=ppt/slides/slide22.xml><?xml version="1.0" encoding="utf-8"?>
+<p:sld xmlns:a="http://schemas.openxmlformats.org/drawingml/2006/main" xmlns:r="http://schemas.openxmlformats.org/officeDocument/2006/relationships" xmlns:p="http://schemas.openxmlformats.org/presentationml/2006/main">
+  <p:cSld>
+    <p:spTree>
+      <p:nvGrpSpPr>
+        <p:cNvPr id="1" name=""/>
+        <p:cNvGrpSpPr/>
+        <p:nvPr/>
+      </p:nvGrpSpPr>
+      <p:grpSpPr>
+        <a:xfrm>
+          <a:off x="0" y="0"/>
+          <a:ext cx="0" cy="0"/>
+          <a:chOff x="0" y="0"/>
+          <a:chExt cx="0" cy="0"/>
+        </a:xfrm>
+      </p:grpSpPr>
+      <p:sp>
+        <p:nvSpPr>
+          <p:cNvPr id="2" name="Title 1"/>
+          <p:cNvSpPr>
+            <a:spLocks noGrp="1"/>
+          </p:cNvSpPr>
+          <p:nvPr>
+            <p:ph type="title"/>
+          </p:nvPr>
+        </p:nvSpPr>
+        <p:spPr/>
+        <p:txBody>
+          <a:bodyPr>
+            <a:normAutofit/>
+          </a:bodyPr>
+          <a:lstStyle/>
+          <a:p>
+            <a:r>
+              <a:rPr lang="en-US" dirty="0"/>
+              <a:t>Secure a web app in Azure App </a:t>
+            </a:r>
+            <a:r>
+              <a:rPr lang="en-US" dirty="0" smtClean="0"/>
+              <a:t>Service</a:t>
+            </a:r>
+            <a:endParaRPr lang="ru-RU" dirty="0"/>
+          </a:p>
+        </p:txBody>
+      </p:sp>
+      <p:sp>
+        <p:nvSpPr>
+          <p:cNvPr id="3" name="Content Placeholder 2"/>
+          <p:cNvSpPr>
+            <a:spLocks noGrp="1"/>
+          </p:cNvSpPr>
+          <p:nvPr>
+            <p:ph idx="1"/>
+          </p:nvPr>
+        </p:nvSpPr>
+        <p:spPr/>
+        <p:txBody>
+          <a:bodyPr/>
+          <a:lstStyle/>
+          <a:p>
+            <a:endParaRPr lang="ru-RU" dirty="0"/>
+          </a:p>
+        </p:txBody>
+      </p:sp>
+    </p:spTree>
+    <p:extLst>
+      <p:ext uri="{BB962C8B-B14F-4D97-AF65-F5344CB8AC3E}">
+        <p14:creationId xmlns:p14="http://schemas.microsoft.com/office/powerpoint/2010/main" val="3291773324"/>
+      </p:ext>
+    </p:extLst>
+  </p:cSld>
+  <p:clrMapOvr>
+    <a:masterClrMapping/>
+  </p:clrMapOvr>
+  <p:timing>
+    <p:tnLst>
+      <p:par>
+        <p:cTn id="1" dur="indefinite" restart="never" nodeType="tmRoot"/>
+      </p:par>
+    </p:tnLst>
+  </p:timing>
+</p:sld>
+</file>
+
+<file path=ppt/slides/slide23.xml><?xml version="1.0" encoding="utf-8"?>
+<p:sld xmlns:a="http://schemas.openxmlformats.org/drawingml/2006/main" xmlns:r="http://schemas.openxmlformats.org/officeDocument/2006/relationships" xmlns:p="http://schemas.openxmlformats.org/presentationml/2006/main">
+  <p:cSld>
+    <p:spTree>
+      <p:nvGrpSpPr>
+        <p:cNvPr id="1" name=""/>
+        <p:cNvGrpSpPr/>
+        <p:nvPr/>
+      </p:nvGrpSpPr>
+      <p:grpSpPr>
+        <a:xfrm>
+          <a:off x="0" y="0"/>
+          <a:ext cx="0" cy="0"/>
+          <a:chOff x="0" y="0"/>
+          <a:chExt cx="0" cy="0"/>
+        </a:xfrm>
+      </p:grpSpPr>
+      <p:sp>
+        <p:nvSpPr>
+          <p:cNvPr id="4" name="Title 3"/>
+          <p:cNvSpPr>
+            <a:spLocks noGrp="1"/>
+          </p:cNvSpPr>
+          <p:nvPr>
+            <p:ph type="title"/>
+          </p:nvPr>
+        </p:nvSpPr>
+        <p:spPr/>
+        <p:txBody>
+          <a:bodyPr/>
+          <a:lstStyle/>
+          <a:p>
+            <a:r>
+              <a:rPr lang="en-US" dirty="0" smtClean="0"/>
+              <a:t>Pricing Tiers</a:t>
+            </a:r>
+            <a:endParaRPr lang="ru-RU" dirty="0"/>
+          </a:p>
+        </p:txBody>
+      </p:sp>
+      <p:sp>
+        <p:nvSpPr>
+          <p:cNvPr id="5" name="Content Placeholder 4"/>
+          <p:cNvSpPr>
+            <a:spLocks noGrp="1"/>
+          </p:cNvSpPr>
+          <p:nvPr>
+            <p:ph idx="1"/>
+          </p:nvPr>
+        </p:nvSpPr>
+        <p:spPr/>
+        <p:txBody>
+          <a:bodyPr/>
+          <a:lstStyle/>
+          <a:p>
+            <a:endParaRPr lang="ru-RU"/>
+          </a:p>
+        </p:txBody>
+      </p:sp>
+    </p:spTree>
+    <p:extLst>
+      <p:ext uri="{BB962C8B-B14F-4D97-AF65-F5344CB8AC3E}">
+        <p14:creationId xmlns:p14="http://schemas.microsoft.com/office/powerpoint/2010/main" val="2281118130"/>
+      </p:ext>
+    </p:extLst>
+  </p:cSld>
+  <p:clrMapOvr>
+    <a:masterClrMapping/>
+  </p:clrMapOvr>
+  <p:timing>
+    <p:tnLst>
+      <p:par>
+        <p:cTn id="1" dur="indefinite" restart="never" nodeType="tmRoot"/>
+      </p:par>
+    </p:tnLst>
+  </p:timing>
+</p:sld>
+</file>
+
+<file path=ppt/slides/slide24.xml><?xml version="1.0" encoding="utf-8"?>
+<p:sld xmlns:a="http://schemas.openxmlformats.org/drawingml/2006/main" xmlns:r="http://schemas.openxmlformats.org/officeDocument/2006/relationships" xmlns:p="http://schemas.openxmlformats.org/presentationml/2006/main">
+  <p:cSld>
+    <p:spTree>
+      <p:nvGrpSpPr>
+        <p:cNvPr id="1" name=""/>
+        <p:cNvGrpSpPr/>
+        <p:nvPr/>
+      </p:nvGrpSpPr>
+      <p:grpSpPr>
+        <a:xfrm>
+          <a:off x="0" y="0"/>
+          <a:ext cx="0" cy="0"/>
+          <a:chOff x="0" y="0"/>
+          <a:chExt cx="0" cy="0"/>
+        </a:xfrm>
+      </p:grpSpPr>
+      <p:sp>
+        <p:nvSpPr>
           <p:cNvPr id="4" name="Title 3"/>
           <p:cNvSpPr>
             <a:spLocks noGrp="1"/>
@@ -34039,7 +35704,7 @@
 </p:sld>
 </file>
 
-<file path=ppt/slides/slide21.xml><?xml version="1.0" encoding="utf-8"?>
+<file path=ppt/slides/slide25.xml><?xml version="1.0" encoding="utf-8"?>
 <p:sld xmlns:a="http://schemas.openxmlformats.org/drawingml/2006/main" xmlns:r="http://schemas.openxmlformats.org/officeDocument/2006/relationships" xmlns:p="http://schemas.openxmlformats.org/presentationml/2006/main">
   <p:cSld>
     <p:spTree>
@@ -34115,7 +35780,7 @@
 </p:sld>
 </file>
 
-<file path=ppt/slides/slide22.xml><?xml version="1.0" encoding="utf-8"?>
+<file path=ppt/slides/slide26.xml><?xml version="1.0" encoding="utf-8"?>
 <p:sld xmlns:a="http://schemas.openxmlformats.org/drawingml/2006/main" xmlns:r="http://schemas.openxmlformats.org/officeDocument/2006/relationships" xmlns:p="http://schemas.openxmlformats.org/presentationml/2006/main">
   <p:cSld>
     <p:spTree>
@@ -34216,7 +35881,7 @@
 </p:sld>
 </file>
 
-<file path=ppt/slides/slide23.xml><?xml version="1.0" encoding="utf-8"?>
+<file path=ppt/slides/slide27.xml><?xml version="1.0" encoding="utf-8"?>
 <p:sld xmlns:a="http://schemas.openxmlformats.org/drawingml/2006/main" xmlns:r="http://schemas.openxmlformats.org/officeDocument/2006/relationships" xmlns:p="http://schemas.openxmlformats.org/presentationml/2006/main">
   <p:cSld>
     <p:spTree>
@@ -34288,7 +35953,7 @@
 </p:sld>
 </file>
 
-<file path=ppt/slides/slide24.xml><?xml version="1.0" encoding="utf-8"?>
+<file path=ppt/slides/slide28.xml><?xml version="1.0" encoding="utf-8"?>
 <p:sld xmlns:a="http://schemas.openxmlformats.org/drawingml/2006/main" xmlns:r="http://schemas.openxmlformats.org/officeDocument/2006/relationships" xmlns:p="http://schemas.openxmlformats.org/presentationml/2006/main">
   <p:cSld>
     <p:spTree>
@@ -34356,7 +36021,7 @@
 </p:sld>
 </file>
 
-<file path=ppt/slides/slide25.xml><?xml version="1.0" encoding="utf-8"?>
+<file path=ppt/slides/slide29.xml><?xml version="1.0" encoding="utf-8"?>
 <p:sld xmlns:a="http://schemas.openxmlformats.org/drawingml/2006/main" xmlns:r="http://schemas.openxmlformats.org/officeDocument/2006/relationships" xmlns:p="http://schemas.openxmlformats.org/presentationml/2006/main">
   <p:cSld>
     <p:spTree>
@@ -35003,84 +36668,6 @@
 </p:sld>
 </file>
 
-<file path=ppt/slides/slide26.xml><?xml version="1.0" encoding="utf-8"?>
-<p:sld xmlns:a="http://schemas.openxmlformats.org/drawingml/2006/main" xmlns:r="http://schemas.openxmlformats.org/officeDocument/2006/relationships" xmlns:p="http://schemas.openxmlformats.org/presentationml/2006/main">
-  <p:cSld>
-    <p:spTree>
-      <p:nvGrpSpPr>
-        <p:cNvPr id="1" name=""/>
-        <p:cNvGrpSpPr/>
-        <p:nvPr/>
-      </p:nvGrpSpPr>
-      <p:grpSpPr>
-        <a:xfrm>
-          <a:off x="0" y="0"/>
-          <a:ext cx="0" cy="0"/>
-          <a:chOff x="0" y="0"/>
-          <a:chExt cx="0" cy="0"/>
-        </a:xfrm>
-      </p:grpSpPr>
-      <p:pic>
-        <p:nvPicPr>
-          <p:cNvPr id="1026" name="Picture 2" descr="https://allthingslearning.files.wordpress.com/2011/09/thank-you-road-sign.jpg"/>
-          <p:cNvPicPr>
-            <a:picLocks noChangeAspect="1" noChangeArrowheads="1"/>
-          </p:cNvPicPr>
-          <p:nvPr/>
-        </p:nvPicPr>
-        <p:blipFill>
-          <a:blip r:embed="rId2">
-            <a:extLst>
-              <a:ext uri="{28A0092B-C50C-407E-A947-70E740481C1C}">
-                <a14:useLocalDpi xmlns:a14="http://schemas.microsoft.com/office/drawing/2010/main" val="0"/>
-              </a:ext>
-            </a:extLst>
-          </a:blip>
-          <a:srcRect/>
-          <a:stretch>
-            <a:fillRect/>
-          </a:stretch>
-        </p:blipFill>
-        <p:spPr bwMode="auto">
-          <a:xfrm>
-            <a:off x="2927648" y="908720"/>
-            <a:ext cx="7558478" cy="5040560"/>
-          </a:xfrm>
-          <a:prstGeom prst="rect">
-            <a:avLst/>
-          </a:prstGeom>
-          <a:noFill/>
-          <a:extLst>
-            <a:ext uri="{909E8E84-426E-40DD-AFC4-6F175D3DCCD1}">
-              <a14:hiddenFill xmlns:a14="http://schemas.microsoft.com/office/drawing/2010/main">
-                <a:solidFill>
-                  <a:srgbClr val="FFFFFF"/>
-                </a:solidFill>
-              </a14:hiddenFill>
-            </a:ext>
-          </a:extLst>
-        </p:spPr>
-      </p:pic>
-    </p:spTree>
-    <p:extLst>
-      <p:ext uri="{BB962C8B-B14F-4D97-AF65-F5344CB8AC3E}">
-        <p14:creationId xmlns:p14="http://schemas.microsoft.com/office/powerpoint/2010/main" val="551175277"/>
-      </p:ext>
-    </p:extLst>
-  </p:cSld>
-  <p:clrMapOvr>
-    <a:masterClrMapping/>
-  </p:clrMapOvr>
-  <p:timing>
-    <p:tnLst>
-      <p:par>
-        <p:cTn id="1" dur="indefinite" restart="never" nodeType="tmRoot"/>
-      </p:par>
-    </p:tnLst>
-  </p:timing>
-</p:sld>
-</file>
-
 <file path=ppt/slides/slide3.xml><?xml version="1.0" encoding="utf-8"?>
 <p:sld xmlns:a="http://schemas.openxmlformats.org/drawingml/2006/main" xmlns:r="http://schemas.openxmlformats.org/officeDocument/2006/relationships" xmlns:p="http://schemas.openxmlformats.org/presentationml/2006/main">
   <p:cSld>
@@ -35465,6 +37052,84 @@
             </p:seq>
           </p:childTnLst>
         </p:cTn>
+      </p:par>
+    </p:tnLst>
+  </p:timing>
+</p:sld>
+</file>
+
+<file path=ppt/slides/slide30.xml><?xml version="1.0" encoding="utf-8"?>
+<p:sld xmlns:a="http://schemas.openxmlformats.org/drawingml/2006/main" xmlns:r="http://schemas.openxmlformats.org/officeDocument/2006/relationships" xmlns:p="http://schemas.openxmlformats.org/presentationml/2006/main">
+  <p:cSld>
+    <p:spTree>
+      <p:nvGrpSpPr>
+        <p:cNvPr id="1" name=""/>
+        <p:cNvGrpSpPr/>
+        <p:nvPr/>
+      </p:nvGrpSpPr>
+      <p:grpSpPr>
+        <a:xfrm>
+          <a:off x="0" y="0"/>
+          <a:ext cx="0" cy="0"/>
+          <a:chOff x="0" y="0"/>
+          <a:chExt cx="0" cy="0"/>
+        </a:xfrm>
+      </p:grpSpPr>
+      <p:pic>
+        <p:nvPicPr>
+          <p:cNvPr id="1026" name="Picture 2" descr="https://allthingslearning.files.wordpress.com/2011/09/thank-you-road-sign.jpg"/>
+          <p:cNvPicPr>
+            <a:picLocks noChangeAspect="1" noChangeArrowheads="1"/>
+          </p:cNvPicPr>
+          <p:nvPr/>
+        </p:nvPicPr>
+        <p:blipFill>
+          <a:blip r:embed="rId2">
+            <a:extLst>
+              <a:ext uri="{28A0092B-C50C-407E-A947-70E740481C1C}">
+                <a14:useLocalDpi xmlns:a14="http://schemas.microsoft.com/office/drawing/2010/main" val="0"/>
+              </a:ext>
+            </a:extLst>
+          </a:blip>
+          <a:srcRect/>
+          <a:stretch>
+            <a:fillRect/>
+          </a:stretch>
+        </p:blipFill>
+        <p:spPr bwMode="auto">
+          <a:xfrm>
+            <a:off x="2927648" y="908720"/>
+            <a:ext cx="7558478" cy="5040560"/>
+          </a:xfrm>
+          <a:prstGeom prst="rect">
+            <a:avLst/>
+          </a:prstGeom>
+          <a:noFill/>
+          <a:extLst>
+            <a:ext uri="{909E8E84-426E-40DD-AFC4-6F175D3DCCD1}">
+              <a14:hiddenFill xmlns:a14="http://schemas.microsoft.com/office/drawing/2010/main">
+                <a:solidFill>
+                  <a:srgbClr val="FFFFFF"/>
+                </a:solidFill>
+              </a14:hiddenFill>
+            </a:ext>
+          </a:extLst>
+        </p:spPr>
+      </p:pic>
+    </p:spTree>
+    <p:extLst>
+      <p:ext uri="{BB962C8B-B14F-4D97-AF65-F5344CB8AC3E}">
+        <p14:creationId xmlns:p14="http://schemas.microsoft.com/office/powerpoint/2010/main" val="551175277"/>
+      </p:ext>
+    </p:extLst>
+  </p:cSld>
+  <p:clrMapOvr>
+    <a:masterClrMapping/>
+  </p:clrMapOvr>
+  <p:timing>
+    <p:tnLst>
+      <p:par>
+        <p:cTn id="1" dur="indefinite" restart="never" nodeType="tmRoot"/>
       </p:par>
     </p:tnLst>
   </p:timing>
@@ -36586,6 +38251,236 @@
           <a:lstStyle/>
           <a:p>
             <a:r>
+              <a:rPr lang="en-US" dirty="0"/>
+              <a:t>2014 </a:t>
+            </a:r>
+            <a:r>
+              <a:rPr lang="en-US" dirty="0" smtClean="0"/>
+              <a:t>Statistics</a:t>
+            </a:r>
+            <a:endParaRPr lang="ru-RU" dirty="0"/>
+          </a:p>
+        </p:txBody>
+      </p:sp>
+      <p:graphicFrame>
+        <p:nvGraphicFramePr>
+          <p:cNvPr id="13" name="Chart 12"/>
+          <p:cNvGraphicFramePr/>
+          <p:nvPr>
+            <p:extLst>
+              <p:ext uri="{D42A27DB-BD31-4B8C-83A1-F6EECF244321}">
+                <p14:modId xmlns:p14="http://schemas.microsoft.com/office/powerpoint/2010/main" val="114112062"/>
+              </p:ext>
+            </p:extLst>
+          </p:nvPr>
+        </p:nvGraphicFramePr>
+        <p:xfrm>
+          <a:off x="2113425" y="1417638"/>
+          <a:ext cx="4702655" cy="4315618"/>
+        </p:xfrm>
+        <a:graphic>
+          <a:graphicData uri="http://schemas.openxmlformats.org/drawingml/2006/chart">
+            <c:chart xmlns:c="http://schemas.openxmlformats.org/drawingml/2006/chart" xmlns:r="http://schemas.openxmlformats.org/officeDocument/2006/relationships" r:id="rId3"/>
+          </a:graphicData>
+        </a:graphic>
+      </p:graphicFrame>
+      <p:graphicFrame>
+        <p:nvGraphicFramePr>
+          <p:cNvPr id="14" name="Chart 13"/>
+          <p:cNvGraphicFramePr/>
+          <p:nvPr>
+            <p:extLst>
+              <p:ext uri="{D42A27DB-BD31-4B8C-83A1-F6EECF244321}">
+                <p14:modId xmlns:p14="http://schemas.microsoft.com/office/powerpoint/2010/main" val="2806485149"/>
+              </p:ext>
+            </p:extLst>
+          </p:nvPr>
+        </p:nvGraphicFramePr>
+        <p:xfrm>
+          <a:off x="7176120" y="1417638"/>
+          <a:ext cx="4752528" cy="4315618"/>
+        </p:xfrm>
+        <a:graphic>
+          <a:graphicData uri="http://schemas.openxmlformats.org/drawingml/2006/chart">
+            <c:chart xmlns:c="http://schemas.openxmlformats.org/drawingml/2006/chart" xmlns:r="http://schemas.openxmlformats.org/officeDocument/2006/relationships" r:id="rId4"/>
+          </a:graphicData>
+        </a:graphic>
+      </p:graphicFrame>
+    </p:spTree>
+    <p:extLst>
+      <p:ext uri="{BB962C8B-B14F-4D97-AF65-F5344CB8AC3E}">
+        <p14:creationId xmlns:p14="http://schemas.microsoft.com/office/powerpoint/2010/main" val="2783747051"/>
+      </p:ext>
+    </p:extLst>
+  </p:cSld>
+  <p:clrMapOvr>
+    <a:masterClrMapping/>
+  </p:clrMapOvr>
+  <p:timing>
+    <p:tnLst>
+      <p:par>
+        <p:cTn id="1" dur="indefinite" restart="never" nodeType="tmRoot">
+          <p:childTnLst>
+            <p:seq concurrent="1" nextAc="seek">
+              <p:cTn id="2" dur="indefinite" nodeType="mainSeq">
+                <p:childTnLst>
+                  <p:par>
+                    <p:cTn id="3" fill="hold">
+                      <p:stCondLst>
+                        <p:cond delay="indefinite"/>
+                        <p:cond evt="onBegin" delay="0">
+                          <p:tn val="2"/>
+                        </p:cond>
+                      </p:stCondLst>
+                      <p:childTnLst>
+                        <p:par>
+                          <p:cTn id="4" fill="hold">
+                            <p:stCondLst>
+                              <p:cond delay="0"/>
+                            </p:stCondLst>
+                            <p:childTnLst>
+                              <p:par>
+                                <p:cTn id="5" presetID="10" presetClass="entr" presetSubtype="0" fill="hold" grpId="0" nodeType="withEffect">
+                                  <p:stCondLst>
+                                    <p:cond delay="0"/>
+                                  </p:stCondLst>
+                                  <p:childTnLst>
+                                    <p:set>
+                                      <p:cBhvr>
+                                        <p:cTn id="6" dur="1" fill="hold">
+                                          <p:stCondLst>
+                                            <p:cond delay="0"/>
+                                          </p:stCondLst>
+                                        </p:cTn>
+                                        <p:tgtEl>
+                                          <p:spTgt spid="13"/>
+                                        </p:tgtEl>
+                                        <p:attrNameLst>
+                                          <p:attrName>style.visibility</p:attrName>
+                                        </p:attrNameLst>
+                                      </p:cBhvr>
+                                      <p:to>
+                                        <p:strVal val="visible"/>
+                                      </p:to>
+                                    </p:set>
+                                    <p:animEffect transition="in" filter="fade">
+                                      <p:cBhvr>
+                                        <p:cTn id="7" dur="1000"/>
+                                        <p:tgtEl>
+                                          <p:spTgt spid="13"/>
+                                        </p:tgtEl>
+                                      </p:cBhvr>
+                                    </p:animEffect>
+                                  </p:childTnLst>
+                                </p:cTn>
+                              </p:par>
+                              <p:par>
+                                <p:cTn id="8" presetID="10" presetClass="entr" presetSubtype="0" fill="hold" grpId="0" nodeType="withEffect">
+                                  <p:stCondLst>
+                                    <p:cond delay="0"/>
+                                  </p:stCondLst>
+                                  <p:childTnLst>
+                                    <p:set>
+                                      <p:cBhvr>
+                                        <p:cTn id="9" dur="1" fill="hold">
+                                          <p:stCondLst>
+                                            <p:cond delay="0"/>
+                                          </p:stCondLst>
+                                        </p:cTn>
+                                        <p:tgtEl>
+                                          <p:spTgt spid="14"/>
+                                        </p:tgtEl>
+                                        <p:attrNameLst>
+                                          <p:attrName>style.visibility</p:attrName>
+                                        </p:attrNameLst>
+                                      </p:cBhvr>
+                                      <p:to>
+                                        <p:strVal val="visible"/>
+                                      </p:to>
+                                    </p:set>
+                                    <p:animEffect transition="in" filter="fade">
+                                      <p:cBhvr>
+                                        <p:cTn id="10" dur="1000"/>
+                                        <p:tgtEl>
+                                          <p:spTgt spid="14"/>
+                                        </p:tgtEl>
+                                      </p:cBhvr>
+                                    </p:animEffect>
+                                  </p:childTnLst>
+                                </p:cTn>
+                              </p:par>
+                            </p:childTnLst>
+                          </p:cTn>
+                        </p:par>
+                      </p:childTnLst>
+                    </p:cTn>
+                  </p:par>
+                </p:childTnLst>
+              </p:cTn>
+              <p:prevCondLst>
+                <p:cond evt="onPrev" delay="0">
+                  <p:tgtEl>
+                    <p:sldTgt/>
+                  </p:tgtEl>
+                </p:cond>
+              </p:prevCondLst>
+              <p:nextCondLst>
+                <p:cond evt="onNext" delay="0">
+                  <p:tgtEl>
+                    <p:sldTgt/>
+                  </p:tgtEl>
+                </p:cond>
+              </p:nextCondLst>
+            </p:seq>
+          </p:childTnLst>
+        </p:cTn>
+      </p:par>
+    </p:tnLst>
+    <p:bldLst>
+      <p:bldGraphic spid="13" grpId="0">
+        <p:bldAsOne/>
+      </p:bldGraphic>
+      <p:bldGraphic spid="14" grpId="0">
+        <p:bldAsOne/>
+      </p:bldGraphic>
+    </p:bldLst>
+  </p:timing>
+</p:sld>
+</file>
+
+<file path=ppt/slides/slide9.xml><?xml version="1.0" encoding="utf-8"?>
+<p:sld xmlns:a="http://schemas.openxmlformats.org/drawingml/2006/main" xmlns:r="http://schemas.openxmlformats.org/officeDocument/2006/relationships" xmlns:p="http://schemas.openxmlformats.org/presentationml/2006/main">
+  <p:cSld>
+    <p:spTree>
+      <p:nvGrpSpPr>
+        <p:cNvPr id="1" name=""/>
+        <p:cNvGrpSpPr/>
+        <p:nvPr/>
+      </p:nvGrpSpPr>
+      <p:grpSpPr>
+        <a:xfrm>
+          <a:off x="0" y="0"/>
+          <a:ext cx="0" cy="0"/>
+          <a:chOff x="0" y="0"/>
+          <a:chExt cx="0" cy="0"/>
+        </a:xfrm>
+      </p:grpSpPr>
+      <p:sp>
+        <p:nvSpPr>
+          <p:cNvPr id="2" name="Title 1"/>
+          <p:cNvSpPr>
+            <a:spLocks noGrp="1"/>
+          </p:cNvSpPr>
+          <p:nvPr>
+            <p:ph type="title"/>
+          </p:nvPr>
+        </p:nvSpPr>
+        <p:spPr/>
+        <p:txBody>
+          <a:bodyPr/>
+          <a:lstStyle/>
+          <a:p>
+            <a:r>
               <a:rPr lang="en-US" dirty="0" smtClean="0"/>
               <a:t>Payments</a:t>
             </a:r>
@@ -36626,213 +38521,6 @@
     <p:tnLst>
       <p:par>
         <p:cTn id="1" dur="indefinite" restart="never" nodeType="tmRoot"/>
-      </p:par>
-    </p:tnLst>
-  </p:timing>
-</p:sld>
-</file>
-
-<file path=ppt/slides/slide9.xml><?xml version="1.0" encoding="utf-8"?>
-<p:sld xmlns:a="http://schemas.openxmlformats.org/drawingml/2006/main" xmlns:r="http://schemas.openxmlformats.org/officeDocument/2006/relationships" xmlns:p="http://schemas.openxmlformats.org/presentationml/2006/main">
-  <p:cSld>
-    <p:spTree>
-      <p:nvGrpSpPr>
-        <p:cNvPr id="1" name=""/>
-        <p:cNvGrpSpPr/>
-        <p:nvPr/>
-      </p:nvGrpSpPr>
-      <p:grpSpPr>
-        <a:xfrm>
-          <a:off x="0" y="0"/>
-          <a:ext cx="0" cy="0"/>
-          <a:chOff x="0" y="0"/>
-          <a:chExt cx="0" cy="0"/>
-        </a:xfrm>
-      </p:grpSpPr>
-      <p:sp>
-        <p:nvSpPr>
-          <p:cNvPr id="2" name="Title 1"/>
-          <p:cNvSpPr>
-            <a:spLocks noGrp="1"/>
-          </p:cNvSpPr>
-          <p:nvPr>
-            <p:ph type="title"/>
-          </p:nvPr>
-        </p:nvSpPr>
-        <p:spPr/>
-        <p:txBody>
-          <a:bodyPr/>
-          <a:lstStyle/>
-          <a:p>
-            <a:r>
-              <a:rPr lang="en-US" dirty="0" smtClean="0"/>
-              <a:t>Azure Geography</a:t>
-            </a:r>
-            <a:endParaRPr lang="ru-RU" dirty="0"/>
-          </a:p>
-        </p:txBody>
-      </p:sp>
-      <p:sp>
-        <p:nvSpPr>
-          <p:cNvPr id="3" name="Content Placeholder 2"/>
-          <p:cNvSpPr>
-            <a:spLocks noGrp="1"/>
-          </p:cNvSpPr>
-          <p:nvPr>
-            <p:ph idx="1"/>
-          </p:nvPr>
-        </p:nvSpPr>
-        <p:spPr/>
-        <p:txBody>
-          <a:bodyPr/>
-          <a:lstStyle/>
-          <a:p>
-            <a:pPr>
-              <a:buFont typeface="Wingdings" panose="05000000000000000000" pitchFamily="2" charset="2"/>
-              <a:buChar char="Ø"/>
-            </a:pPr>
-            <a:r>
-              <a:rPr lang="en-US" dirty="0"/>
-              <a:t>Azure operates out of 17 regions around the world</a:t>
-            </a:r>
-            <a:endParaRPr lang="ru-RU" dirty="0"/>
-          </a:p>
-        </p:txBody>
-      </p:sp>
-      <p:pic>
-        <p:nvPicPr>
-          <p:cNvPr id="1026" name="Picture 2" descr="http://acom.azurecomcdn.net/80C57D/cdn/images/cvt-b3360b89270f951ea4a9cdeb65723fa8540e13df7115ba17d692283748741cff/page/regions/map.png?t=popn"/>
-          <p:cNvPicPr>
-            <a:picLocks noChangeAspect="1" noChangeArrowheads="1"/>
-          </p:cNvPicPr>
-          <p:nvPr/>
-        </p:nvPicPr>
-        <p:blipFill>
-          <a:blip r:embed="rId3">
-            <a:extLst>
-              <a:ext uri="{28A0092B-C50C-407E-A947-70E740481C1C}">
-                <a14:useLocalDpi xmlns:a14="http://schemas.microsoft.com/office/drawing/2010/main" val="0"/>
-              </a:ext>
-            </a:extLst>
-          </a:blip>
-          <a:srcRect/>
-          <a:stretch>
-            <a:fillRect/>
-          </a:stretch>
-        </p:blipFill>
-        <p:spPr bwMode="auto">
-          <a:xfrm>
-            <a:off x="3791744" y="2492896"/>
-            <a:ext cx="5457825" cy="3152775"/>
-          </a:xfrm>
-          <a:prstGeom prst="rect">
-            <a:avLst/>
-          </a:prstGeom>
-          <a:noFill/>
-          <a:extLst>
-            <a:ext uri="{909E8E84-426E-40DD-AFC4-6F175D3DCCD1}">
-              <a14:hiddenFill xmlns:a14="http://schemas.microsoft.com/office/drawing/2010/main">
-                <a:solidFill>
-                  <a:srgbClr val="FFFFFF"/>
-                </a:solidFill>
-              </a14:hiddenFill>
-            </a:ext>
-          </a:extLst>
-        </p:spPr>
-      </p:pic>
-    </p:spTree>
-    <p:extLst>
-      <p:ext uri="{BB962C8B-B14F-4D97-AF65-F5344CB8AC3E}">
-        <p14:creationId xmlns:p14="http://schemas.microsoft.com/office/powerpoint/2010/main" val="3360529696"/>
-      </p:ext>
-    </p:extLst>
-  </p:cSld>
-  <p:clrMapOvr>
-    <a:masterClrMapping/>
-  </p:clrMapOvr>
-  <p:timing>
-    <p:tnLst>
-      <p:par>
-        <p:cTn id="1" dur="indefinite" restart="never" nodeType="tmRoot">
-          <p:childTnLst>
-            <p:seq concurrent="1" nextAc="seek">
-              <p:cTn id="2" dur="indefinite" nodeType="mainSeq">
-                <p:childTnLst>
-                  <p:par>
-                    <p:cTn id="3" fill="hold">
-                      <p:stCondLst>
-                        <p:cond delay="indefinite"/>
-                        <p:cond evt="onBegin" delay="0">
-                          <p:tn val="2"/>
-                        </p:cond>
-                      </p:stCondLst>
-                      <p:childTnLst>
-                        <p:par>
-                          <p:cTn id="4" fill="hold">
-                            <p:stCondLst>
-                              <p:cond delay="0"/>
-                            </p:stCondLst>
-                            <p:childTnLst>
-                              <p:par>
-                                <p:cTn id="5" presetID="10" presetClass="entr" presetSubtype="0" fill="hold" nodeType="afterEffect">
-                                  <p:stCondLst>
-                                    <p:cond delay="0"/>
-                                  </p:stCondLst>
-                                  <p:childTnLst>
-                                    <p:set>
-                                      <p:cBhvr>
-                                        <p:cTn id="6" dur="1" fill="hold">
-                                          <p:stCondLst>
-                                            <p:cond delay="0"/>
-                                          </p:stCondLst>
-                                        </p:cTn>
-                                        <p:tgtEl>
-                                          <p:spTgt spid="1026"/>
-                                        </p:tgtEl>
-                                        <p:attrNameLst>
-                                          <p:attrName>style.visibility</p:attrName>
-                                        </p:attrNameLst>
-                                      </p:cBhvr>
-                                      <p:to>
-                                        <p:strVal val="visible"/>
-                                      </p:to>
-                                    </p:set>
-                                    <p:animEffect transition="in" filter="fade">
-                                      <p:cBhvr>
-                                        <p:cTn id="7" dur="1000"/>
-                                        <p:tgtEl>
-                                          <p:spTgt spid="1026"/>
-                                        </p:tgtEl>
-                                      </p:cBhvr>
-                                    </p:animEffect>
-                                  </p:childTnLst>
-                                </p:cTn>
-                              </p:par>
-                            </p:childTnLst>
-                          </p:cTn>
-                        </p:par>
-                      </p:childTnLst>
-                    </p:cTn>
-                  </p:par>
-                </p:childTnLst>
-              </p:cTn>
-              <p:prevCondLst>
-                <p:cond evt="onPrev" delay="0">
-                  <p:tgtEl>
-                    <p:sldTgt/>
-                  </p:tgtEl>
-                </p:cond>
-              </p:prevCondLst>
-              <p:nextCondLst>
-                <p:cond evt="onNext" delay="0">
-                  <p:tgtEl>
-                    <p:sldTgt/>
-                  </p:tgtEl>
-                </p:cond>
-              </p:nextCondLst>
-            </p:seq>
-          </p:childTnLst>
-        </p:cTn>
       </p:par>
     </p:tnLst>
   </p:timing>

--- a/Presentation/2015 - Microsoft Azure.pptx
+++ b/Presentation/2015 - Microsoft Azure.pptx
@@ -332,6 +332,7 @@
             <c:showLeaderLines val="0"/>
             <c:extLst>
               <c:ext xmlns:c15="http://schemas.microsoft.com/office/drawing/2012/chart" uri="{CE6537A1-D6FC-4f65-9D91-7224C49458BB}">
+                <c15:layout/>
                 <c15:showLeaderLines val="1"/>
                 <c15:leaderLines>
                   <c:spPr>
@@ -475,6 +476,7 @@
             <c:showLeaderLines val="0"/>
             <c:extLst>
               <c:ext xmlns:c15="http://schemas.microsoft.com/office/drawing/2012/chart" uri="{CE6537A1-D6FC-4f65-9D91-7224C49458BB}">
+                <c15:layout/>
                 <c15:showLeaderLines val="1"/>
                 <c15:leaderLines>
                   <c:spPr>
@@ -618,6 +620,7 @@
             <c:showLeaderLines val="0"/>
             <c:extLst>
               <c:ext xmlns:c15="http://schemas.microsoft.com/office/drawing/2012/chart" uri="{CE6537A1-D6FC-4f65-9D91-7224C49458BB}">
+                <c15:layout/>
                 <c15:showLeaderLines val="1"/>
                 <c15:leaderLines>
                   <c:spPr>
@@ -706,12 +709,12 @@
         </c:dLbls>
         <c:gapWidth val="150"/>
         <c:shape val="box"/>
-        <c:axId val="-1741705296"/>
-        <c:axId val="-1741708016"/>
+        <c:axId val="-1923831984"/>
+        <c:axId val="-1923839600"/>
         <c:axId val="0"/>
       </c:bar3DChart>
       <c:catAx>
-        <c:axId val="-1741705296"/>
+        <c:axId val="-1923831984"/>
         <c:scaling>
           <c:orientation val="minMax"/>
         </c:scaling>
@@ -762,7 +765,7 @@
             <a:endParaRPr lang="ru-RU"/>
           </a:p>
         </c:txPr>
-        <c:crossAx val="-1741708016"/>
+        <c:crossAx val="-1923839600"/>
         <c:crosses val="autoZero"/>
         <c:auto val="1"/>
         <c:lblAlgn val="ctr"/>
@@ -770,7 +773,7 @@
         <c:noMultiLvlLbl val="0"/>
       </c:catAx>
       <c:valAx>
-        <c:axId val="-1741708016"/>
+        <c:axId val="-1923839600"/>
         <c:scaling>
           <c:orientation val="minMax"/>
           <c:max val="1"/>
@@ -824,7 +827,7 @@
             <a:endParaRPr lang="ru-RU"/>
           </a:p>
         </c:txPr>
-        <c:crossAx val="-1741705296"/>
+        <c:crossAx val="-1923831984"/>
         <c:crosses val="autoZero"/>
         <c:crossBetween val="between"/>
       </c:valAx>
@@ -959,6 +962,7 @@
           </a:p>
         </c:rich>
       </c:tx>
+      <c:layout/>
       <c:overlay val="0"/>
       <c:spPr>
         <a:noFill/>
@@ -1060,6 +1064,7 @@
             <c:showLeaderLines val="0"/>
             <c:extLst>
               <c:ext xmlns:c15="http://schemas.microsoft.com/office/drawing/2012/chart" uri="{CE6537A1-D6FC-4f65-9D91-7224C49458BB}">
+                <c15:layout/>
                 <c15:showLeaderLines val="1"/>
                 <c15:leaderLines>
                   <c:spPr>
@@ -1167,6 +1172,7 @@
             <c:showLeaderLines val="0"/>
             <c:extLst>
               <c:ext xmlns:c15="http://schemas.microsoft.com/office/drawing/2012/chart" uri="{CE6537A1-D6FC-4f65-9D91-7224C49458BB}">
+                <c15:layout/>
                 <c15:showLeaderLines val="1"/>
                 <c15:leaderLines>
                   <c:spPr>
@@ -1274,6 +1280,7 @@
             <c:showLeaderLines val="0"/>
             <c:extLst>
               <c:ext xmlns:c15="http://schemas.microsoft.com/office/drawing/2012/chart" uri="{CE6537A1-D6FC-4f65-9D91-7224C49458BB}">
+                <c15:layout/>
                 <c15:showLeaderLines val="1"/>
                 <c15:leaderLines>
                   <c:spPr>
@@ -1381,6 +1388,7 @@
             <c:showLeaderLines val="0"/>
             <c:extLst>
               <c:ext xmlns:c15="http://schemas.microsoft.com/office/drawing/2012/chart" uri="{CE6537A1-D6FC-4f65-9D91-7224C49458BB}">
+                <c15:layout/>
                 <c15:showLeaderLines val="1"/>
                 <c15:leaderLines>
                   <c:spPr>
@@ -1433,11 +1441,11 @@
         </c:dLbls>
         <c:gapWidth val="219"/>
         <c:overlap val="-27"/>
-        <c:axId val="-1741703664"/>
-        <c:axId val="-1741702576"/>
+        <c:axId val="-1923839056"/>
+        <c:axId val="-1923837424"/>
       </c:barChart>
       <c:catAx>
-        <c:axId val="-1741703664"/>
+        <c:axId val="-1923839056"/>
         <c:scaling>
           <c:orientation val="minMax"/>
         </c:scaling>
@@ -1480,7 +1488,7 @@
             <a:endParaRPr lang="ru-RU"/>
           </a:p>
         </c:txPr>
-        <c:crossAx val="-1741702576"/>
+        <c:crossAx val="-1923837424"/>
         <c:crosses val="autoZero"/>
         <c:auto val="1"/>
         <c:lblAlgn val="ctr"/>
@@ -1488,7 +1496,7 @@
         <c:noMultiLvlLbl val="0"/>
       </c:catAx>
       <c:valAx>
-        <c:axId val="-1741702576"/>
+        <c:axId val="-1923837424"/>
         <c:scaling>
           <c:orientation val="minMax"/>
         </c:scaling>
@@ -1539,7 +1547,7 @@
             <a:endParaRPr lang="ru-RU"/>
           </a:p>
         </c:txPr>
-        <c:crossAx val="-1741703664"/>
+        <c:crossAx val="-1923839056"/>
         <c:crosses val="autoZero"/>
         <c:crossBetween val="between"/>
         <c:majorUnit val="1"/>
@@ -1554,6 +1562,7 @@
     </c:plotArea>
     <c:legend>
       <c:legendPos val="b"/>
+      <c:layout/>
       <c:overlay val="0"/>
       <c:spPr>
         <a:noFill/>
@@ -1655,6 +1664,7 @@
           </a:p>
         </c:rich>
       </c:tx>
+      <c:layout/>
       <c:overlay val="0"/>
       <c:spPr>
         <a:noFill/>
@@ -1756,6 +1766,7 @@
             <c:showLeaderLines val="0"/>
             <c:extLst>
               <c:ext xmlns:c15="http://schemas.microsoft.com/office/drawing/2012/chart" uri="{CE6537A1-D6FC-4f65-9D91-7224C49458BB}">
+                <c15:layout/>
                 <c15:showLeaderLines val="1"/>
                 <c15:leaderLines>
                   <c:spPr>
@@ -1863,6 +1874,7 @@
             <c:showLeaderLines val="0"/>
             <c:extLst>
               <c:ext xmlns:c15="http://schemas.microsoft.com/office/drawing/2012/chart" uri="{CE6537A1-D6FC-4f65-9D91-7224C49458BB}">
+                <c15:layout/>
                 <c15:showLeaderLines val="1"/>
                 <c15:leaderLines>
                   <c:spPr>
@@ -1970,6 +1982,7 @@
             <c:showLeaderLines val="0"/>
             <c:extLst>
               <c:ext xmlns:c15="http://schemas.microsoft.com/office/drawing/2012/chart" uri="{CE6537A1-D6FC-4f65-9D91-7224C49458BB}">
+                <c15:layout/>
                 <c15:showLeaderLines val="1"/>
                 <c15:leaderLines>
                   <c:spPr>
@@ -2077,6 +2090,7 @@
             <c:showLeaderLines val="0"/>
             <c:extLst>
               <c:ext xmlns:c15="http://schemas.microsoft.com/office/drawing/2012/chart" uri="{CE6537A1-D6FC-4f65-9D91-7224C49458BB}">
+                <c15:layout/>
                 <c15:showLeaderLines val="1"/>
                 <c15:leaderLines>
                   <c:spPr>
@@ -2129,11 +2143,11 @@
         </c:dLbls>
         <c:gapWidth val="219"/>
         <c:overlap val="-27"/>
-        <c:axId val="-1741704208"/>
-        <c:axId val="-1741710736"/>
+        <c:axId val="-1923831440"/>
+        <c:axId val="-1923844496"/>
       </c:barChart>
       <c:catAx>
-        <c:axId val="-1741704208"/>
+        <c:axId val="-1923831440"/>
         <c:scaling>
           <c:orientation val="minMax"/>
         </c:scaling>
@@ -2176,7 +2190,7 @@
             <a:endParaRPr lang="ru-RU"/>
           </a:p>
         </c:txPr>
-        <c:crossAx val="-1741710736"/>
+        <c:crossAx val="-1923844496"/>
         <c:crosses val="autoZero"/>
         <c:auto val="1"/>
         <c:lblAlgn val="ctr"/>
@@ -2184,7 +2198,7 @@
         <c:noMultiLvlLbl val="0"/>
       </c:catAx>
       <c:valAx>
-        <c:axId val="-1741710736"/>
+        <c:axId val="-1923844496"/>
         <c:scaling>
           <c:orientation val="minMax"/>
         </c:scaling>
@@ -2235,7 +2249,7 @@
             <a:endParaRPr lang="ru-RU"/>
           </a:p>
         </c:txPr>
-        <c:crossAx val="-1741704208"/>
+        <c:crossAx val="-1923831440"/>
         <c:crosses val="autoZero"/>
         <c:crossBetween val="between"/>
       </c:valAx>
@@ -2249,6 +2263,7 @@
     </c:plotArea>
     <c:legend>
       <c:legendPos val="b"/>
+      <c:layout/>
       <c:overlay val="0"/>
       <c:spPr>
         <a:noFill/>
@@ -2351,6 +2366,7 @@
           </a:p>
         </c:rich>
       </c:tx>
+      <c:layout/>
       <c:overlay val="0"/>
       <c:spPr>
         <a:noFill/>
@@ -2546,6 +2562,7 @@
           <c:dLbls>
             <c:dLbl>
               <c:idx val="0"/>
+              <c:layout/>
               <c:numFmt formatCode="0%" sourceLinked="0"/>
               <c:spPr>
                 <a:solidFill>
@@ -2596,11 +2613,14 @@
               <c:showPercent val="0"/>
               <c:showBubbleSize val="0"/>
               <c:extLst>
-                <c:ext xmlns:c15="http://schemas.microsoft.com/office/drawing/2012/chart" uri="{CE6537A1-D6FC-4f65-9D91-7224C49458BB}"/>
+                <c:ext xmlns:c15="http://schemas.microsoft.com/office/drawing/2012/chart" uri="{CE6537A1-D6FC-4f65-9D91-7224C49458BB}">
+                  <c15:layout/>
+                </c:ext>
               </c:extLst>
             </c:dLbl>
             <c:dLbl>
               <c:idx val="1"/>
+              <c:layout/>
               <c:numFmt formatCode="0%" sourceLinked="0"/>
               <c:spPr>
                 <a:solidFill>
@@ -2651,11 +2671,14 @@
               <c:showPercent val="0"/>
               <c:showBubbleSize val="0"/>
               <c:extLst>
-                <c:ext xmlns:c15="http://schemas.microsoft.com/office/drawing/2012/chart" uri="{CE6537A1-D6FC-4f65-9D91-7224C49458BB}"/>
+                <c:ext xmlns:c15="http://schemas.microsoft.com/office/drawing/2012/chart" uri="{CE6537A1-D6FC-4f65-9D91-7224C49458BB}">
+                  <c15:layout/>
+                </c:ext>
               </c:extLst>
             </c:dLbl>
             <c:dLbl>
               <c:idx val="2"/>
+              <c:layout/>
               <c:numFmt formatCode="0%" sourceLinked="0"/>
               <c:spPr>
                 <a:solidFill>
@@ -2706,7 +2729,9 @@
               <c:showPercent val="0"/>
               <c:showBubbleSize val="0"/>
               <c:extLst>
-                <c:ext xmlns:c15="http://schemas.microsoft.com/office/drawing/2012/chart" uri="{CE6537A1-D6FC-4f65-9D91-7224C49458BB}"/>
+                <c:ext xmlns:c15="http://schemas.microsoft.com/office/drawing/2012/chart" uri="{CE6537A1-D6FC-4f65-9D91-7224C49458BB}">
+                  <c15:layout/>
+                </c:ext>
               </c:extLst>
             </c:dLbl>
             <c:numFmt formatCode="0%" sourceLinked="0"/>
@@ -8825,8 +8850,8 @@
     <dgm:cxn modelId="{575B3600-AE0C-420F-8794-BCB16D1F06E9}" type="presOf" srcId="{A9FF98FB-0436-4A21-80D5-98984A5D7DEF}" destId="{2C989446-76CB-491D-A9E5-90C479CC1EB6}" srcOrd="0" destOrd="0" presId="urn:microsoft.com/office/officeart/2008/layout/RadialCluster"/>
     <dgm:cxn modelId="{25BE697C-FF0A-419D-B6D0-97D1FD6CF3AD}" type="presOf" srcId="{D723C67C-B8EF-4E8B-B78C-64AF01B8DE70}" destId="{42C5E428-457C-4D2D-B9F7-8D88B989BAC4}" srcOrd="0" destOrd="0" presId="urn:microsoft.com/office/officeart/2008/layout/RadialCluster"/>
     <dgm:cxn modelId="{A1C3788A-9CBD-4238-9560-BF12EBE8E844}" srcId="{318EB9F8-A3B4-4FA7-9997-4937EB56EAEC}" destId="{E401A207-D970-4540-A7D8-1D2DE637C704}" srcOrd="0" destOrd="0" parTransId="{663A62C9-9B3D-48E0-A3FC-618886457E72}" sibTransId="{6DFC798E-040C-44FF-A79A-A674AC8D6016}"/>
+    <dgm:cxn modelId="{3E39D600-3319-414C-AC04-E60BBD6480B0}" type="presOf" srcId="{1CA18002-A7AB-4BC8-AE26-63D7D0F48C28}" destId="{905EE044-8A93-48F4-B923-0A245442EAF2}" srcOrd="0" destOrd="0" presId="urn:microsoft.com/office/officeart/2008/layout/RadialCluster"/>
     <dgm:cxn modelId="{CCE361DE-2928-429E-AB70-57B21A35219B}" srcId="{E401A207-D970-4540-A7D8-1D2DE637C704}" destId="{CF41F630-8275-45B3-9FEF-10BF54F25AE4}" srcOrd="2" destOrd="0" parTransId="{5D132AE9-BFD6-4DFD-8F8E-F3F27B48509E}" sibTransId="{291DC6B3-14F8-4F12-8666-49622576D9A8}"/>
-    <dgm:cxn modelId="{3E39D600-3319-414C-AC04-E60BBD6480B0}" type="presOf" srcId="{1CA18002-A7AB-4BC8-AE26-63D7D0F48C28}" destId="{905EE044-8A93-48F4-B923-0A245442EAF2}" srcOrd="0" destOrd="0" presId="urn:microsoft.com/office/officeart/2008/layout/RadialCluster"/>
     <dgm:cxn modelId="{56F9A2B6-4CD9-4FAB-891D-7372F6270179}" type="presOf" srcId="{0D4F7F9C-13D9-41A2-91CB-B4D407DADAF8}" destId="{A1DBB35B-359C-44C1-948D-F0C4AB873D98}" srcOrd="0" destOrd="0" presId="urn:microsoft.com/office/officeart/2008/layout/RadialCluster"/>
     <dgm:cxn modelId="{5B482096-7B1A-4610-B289-1382C4FDA82F}" type="presParOf" srcId="{E837BDE3-383E-40B2-A6FC-7B4752AEE84C}" destId="{5447C531-E157-4A38-8E15-D58CFDE83DDB}" srcOrd="0" destOrd="0" presId="urn:microsoft.com/office/officeart/2008/layout/RadialCluster"/>
     <dgm:cxn modelId="{44A70410-ABF5-4E70-804C-59ECD011A6F3}" type="presParOf" srcId="{5447C531-E157-4A38-8E15-D58CFDE83DDB}" destId="{25056C25-FD7A-454A-BD80-5797A854A1C9}" srcOrd="0" destOrd="0" presId="urn:microsoft.com/office/officeart/2008/layout/RadialCluster"/>
@@ -8863,6 +8888,800 @@
       <dsp:cNvGrpSpPr/>
     </dsp:nvGrpSpPr>
     <dsp:grpSpPr/>
+    <dsp:sp modelId="{506CC8FD-2E26-4AE7-B13D-71BBCE420E2C}">
+      <dsp:nvSpPr>
+        <dsp:cNvPr id="0" name=""/>
+        <dsp:cNvSpPr/>
+      </dsp:nvSpPr>
+      <dsp:spPr>
+        <a:xfrm>
+          <a:off x="1724949" y="1204142"/>
+          <a:ext cx="915812" cy="915812"/>
+        </a:xfrm>
+        <a:prstGeom prst="ellipse">
+          <a:avLst/>
+        </a:prstGeom>
+        <a:solidFill>
+          <a:srgbClr val="92D050"/>
+        </a:solidFill>
+        <a:ln w="25400" cap="flat" cmpd="sng" algn="ctr">
+          <a:solidFill>
+            <a:schemeClr val="accent3">
+              <a:lumMod val="75000"/>
+            </a:schemeClr>
+          </a:solidFill>
+          <a:prstDash val="solid"/>
+        </a:ln>
+        <a:effectLst/>
+      </dsp:spPr>
+      <dsp:style>
+        <a:lnRef idx="2">
+          <a:scrgbClr r="0" g="0" b="0"/>
+        </a:lnRef>
+        <a:fillRef idx="1">
+          <a:scrgbClr r="0" g="0" b="0"/>
+        </a:fillRef>
+        <a:effectRef idx="0">
+          <a:scrgbClr r="0" g="0" b="0"/>
+        </a:effectRef>
+        <a:fontRef idx="minor">
+          <a:schemeClr val="lt1"/>
+        </a:fontRef>
+      </dsp:style>
+      <dsp:txBody>
+        <a:bodyPr spcFirstLastPara="0" vert="horz" wrap="square" lIns="12700" tIns="12700" rIns="12700" bIns="12700" numCol="1" spcCol="1270" anchor="ctr" anchorCtr="0">
+          <a:noAutofit/>
+        </a:bodyPr>
+        <a:lstStyle/>
+        <a:p>
+          <a:pPr lvl="0" algn="ctr" defTabSz="889000">
+            <a:lnSpc>
+              <a:spcPct val="90000"/>
+            </a:lnSpc>
+            <a:spcBef>
+              <a:spcPct val="0"/>
+            </a:spcBef>
+            <a:spcAft>
+              <a:spcPct val="35000"/>
+            </a:spcAft>
+          </a:pPr>
+          <a:r>
+            <a:rPr lang="en-US" sz="2000" kern="1200" dirty="0" smtClean="0"/>
+            <a:t>SaaS</a:t>
+          </a:r>
+          <a:endParaRPr lang="ru-RU" sz="2000" kern="1200" dirty="0"/>
+        </a:p>
+      </dsp:txBody>
+      <dsp:txXfrm>
+        <a:off x="1859067" y="1338260"/>
+        <a:ext cx="647576" cy="647576"/>
+      </dsp:txXfrm>
+    </dsp:sp>
+    <dsp:sp modelId="{BD3E845E-4D7C-4CE3-83BC-20831ED88AEC}">
+      <dsp:nvSpPr>
+        <dsp:cNvPr id="0" name=""/>
+        <dsp:cNvSpPr/>
+      </dsp:nvSpPr>
+      <dsp:spPr>
+        <a:xfrm rot="16200000">
+          <a:off x="2044493" y="1046901"/>
+          <a:ext cx="276723" cy="37759"/>
+        </a:xfrm>
+        <a:custGeom>
+          <a:avLst/>
+          <a:gdLst/>
+          <a:ahLst/>
+          <a:cxnLst/>
+          <a:rect l="0" t="0" r="0" b="0"/>
+          <a:pathLst>
+            <a:path>
+              <a:moveTo>
+                <a:pt x="0" y="18879"/>
+              </a:moveTo>
+              <a:lnTo>
+                <a:pt x="276723" y="18879"/>
+              </a:lnTo>
+            </a:path>
+          </a:pathLst>
+        </a:custGeom>
+        <a:noFill/>
+        <a:ln w="25400" cap="flat" cmpd="sng" algn="ctr">
+          <a:solidFill>
+            <a:schemeClr val="accent1">
+              <a:shade val="60000"/>
+              <a:hueOff val="0"/>
+              <a:satOff val="0"/>
+              <a:lumOff val="0"/>
+              <a:alphaOff val="0"/>
+            </a:schemeClr>
+          </a:solidFill>
+          <a:prstDash val="solid"/>
+        </a:ln>
+        <a:effectLst/>
+      </dsp:spPr>
+      <dsp:style>
+        <a:lnRef idx="2">
+          <a:scrgbClr r="0" g="0" b="0"/>
+        </a:lnRef>
+        <a:fillRef idx="0">
+          <a:scrgbClr r="0" g="0" b="0"/>
+        </a:fillRef>
+        <a:effectRef idx="0">
+          <a:scrgbClr r="0" g="0" b="0"/>
+        </a:effectRef>
+        <a:fontRef idx="minor"/>
+      </dsp:style>
+      <dsp:txBody>
+        <a:bodyPr spcFirstLastPara="0" vert="horz" wrap="square" lIns="12700" tIns="0" rIns="12700" bIns="0" numCol="1" spcCol="1270" anchor="ctr" anchorCtr="0">
+          <a:noAutofit/>
+        </a:bodyPr>
+        <a:lstStyle/>
+        <a:p>
+          <a:pPr lvl="0" algn="ctr" defTabSz="222250">
+            <a:lnSpc>
+              <a:spcPct val="90000"/>
+            </a:lnSpc>
+            <a:spcBef>
+              <a:spcPct val="0"/>
+            </a:spcBef>
+            <a:spcAft>
+              <a:spcPct val="35000"/>
+            </a:spcAft>
+          </a:pPr>
+          <a:endParaRPr lang="ru-RU" sz="500" kern="1200"/>
+        </a:p>
+      </dsp:txBody>
+      <dsp:txXfrm>
+        <a:off x="2175937" y="1058862"/>
+        <a:ext cx="13836" cy="13836"/>
+      </dsp:txXfrm>
+    </dsp:sp>
+    <dsp:sp modelId="{19A07A34-1010-48C6-A801-BD8D5D256EA9}">
+      <dsp:nvSpPr>
+        <dsp:cNvPr id="0" name=""/>
+        <dsp:cNvSpPr/>
+      </dsp:nvSpPr>
+      <dsp:spPr>
+        <a:xfrm>
+          <a:off x="1724949" y="11606"/>
+          <a:ext cx="915812" cy="915812"/>
+        </a:xfrm>
+        <a:prstGeom prst="ellipse">
+          <a:avLst/>
+        </a:prstGeom>
+        <a:solidFill>
+          <a:srgbClr val="00B0F0"/>
+        </a:solidFill>
+        <a:ln w="25400" cap="flat" cmpd="sng" algn="ctr">
+          <a:solidFill>
+            <a:schemeClr val="tx2">
+              <a:lumMod val="60000"/>
+              <a:lumOff val="40000"/>
+            </a:schemeClr>
+          </a:solidFill>
+          <a:prstDash val="solid"/>
+        </a:ln>
+        <a:effectLst/>
+      </dsp:spPr>
+      <dsp:style>
+        <a:lnRef idx="2">
+          <a:scrgbClr r="0" g="0" b="0"/>
+        </a:lnRef>
+        <a:fillRef idx="1">
+          <a:scrgbClr r="0" g="0" b="0"/>
+        </a:fillRef>
+        <a:effectRef idx="0">
+          <a:scrgbClr r="0" g="0" b="0"/>
+        </a:effectRef>
+        <a:fontRef idx="minor">
+          <a:schemeClr val="lt1"/>
+        </a:fontRef>
+      </dsp:style>
+      <dsp:txBody>
+        <a:bodyPr spcFirstLastPara="0" vert="horz" wrap="square" lIns="12700" tIns="12700" rIns="12700" bIns="12700" numCol="1" spcCol="1270" anchor="ctr" anchorCtr="0">
+          <a:noAutofit/>
+        </a:bodyPr>
+        <a:lstStyle/>
+        <a:p>
+          <a:pPr lvl="0" algn="ctr" defTabSz="889000">
+            <a:lnSpc>
+              <a:spcPct val="90000"/>
+            </a:lnSpc>
+            <a:spcBef>
+              <a:spcPct val="0"/>
+            </a:spcBef>
+            <a:spcAft>
+              <a:spcPct val="35000"/>
+            </a:spcAft>
+          </a:pPr>
+          <a:endParaRPr lang="ru-RU" sz="2000" kern="1200"/>
+        </a:p>
+      </dsp:txBody>
+      <dsp:txXfrm>
+        <a:off x="1859067" y="145724"/>
+        <a:ext cx="647576" cy="647576"/>
+      </dsp:txXfrm>
+    </dsp:sp>
+    <dsp:sp modelId="{A40744F3-8F59-4D61-9DF6-A37D24278559}">
+      <dsp:nvSpPr>
+        <dsp:cNvPr id="0" name=""/>
+        <dsp:cNvSpPr/>
+      </dsp:nvSpPr>
+      <dsp:spPr>
+        <a:xfrm rot="20520000">
+          <a:off x="2611578" y="1458912"/>
+          <a:ext cx="276723" cy="37759"/>
+        </a:xfrm>
+        <a:custGeom>
+          <a:avLst/>
+          <a:gdLst/>
+          <a:ahLst/>
+          <a:cxnLst/>
+          <a:rect l="0" t="0" r="0" b="0"/>
+          <a:pathLst>
+            <a:path>
+              <a:moveTo>
+                <a:pt x="0" y="18879"/>
+              </a:moveTo>
+              <a:lnTo>
+                <a:pt x="276723" y="18879"/>
+              </a:lnTo>
+            </a:path>
+          </a:pathLst>
+        </a:custGeom>
+        <a:noFill/>
+        <a:ln w="25400" cap="flat" cmpd="sng" algn="ctr">
+          <a:solidFill>
+            <a:schemeClr val="accent1">
+              <a:shade val="60000"/>
+              <a:hueOff val="0"/>
+              <a:satOff val="0"/>
+              <a:lumOff val="0"/>
+              <a:alphaOff val="0"/>
+            </a:schemeClr>
+          </a:solidFill>
+          <a:prstDash val="solid"/>
+        </a:ln>
+        <a:effectLst/>
+      </dsp:spPr>
+      <dsp:style>
+        <a:lnRef idx="2">
+          <a:scrgbClr r="0" g="0" b="0"/>
+        </a:lnRef>
+        <a:fillRef idx="0">
+          <a:scrgbClr r="0" g="0" b="0"/>
+        </a:fillRef>
+        <a:effectRef idx="0">
+          <a:scrgbClr r="0" g="0" b="0"/>
+        </a:effectRef>
+        <a:fontRef idx="minor"/>
+      </dsp:style>
+      <dsp:txBody>
+        <a:bodyPr spcFirstLastPara="0" vert="horz" wrap="square" lIns="12700" tIns="0" rIns="12700" bIns="0" numCol="1" spcCol="1270" anchor="ctr" anchorCtr="0">
+          <a:noAutofit/>
+        </a:bodyPr>
+        <a:lstStyle/>
+        <a:p>
+          <a:pPr lvl="0" algn="ctr" defTabSz="222250">
+            <a:lnSpc>
+              <a:spcPct val="90000"/>
+            </a:lnSpc>
+            <a:spcBef>
+              <a:spcPct val="0"/>
+            </a:spcBef>
+            <a:spcAft>
+              <a:spcPct val="35000"/>
+            </a:spcAft>
+          </a:pPr>
+          <a:endParaRPr lang="ru-RU" sz="500" kern="1200"/>
+        </a:p>
+      </dsp:txBody>
+      <dsp:txXfrm>
+        <a:off x="2743022" y="1470874"/>
+        <a:ext cx="13836" cy="13836"/>
+      </dsp:txXfrm>
+    </dsp:sp>
+    <dsp:sp modelId="{16A90822-693B-4AAA-A690-D1B7BBE713D3}">
+      <dsp:nvSpPr>
+        <dsp:cNvPr id="0" name=""/>
+        <dsp:cNvSpPr/>
+      </dsp:nvSpPr>
+      <dsp:spPr>
+        <a:xfrm>
+          <a:off x="2859118" y="835628"/>
+          <a:ext cx="915812" cy="915812"/>
+        </a:xfrm>
+        <a:prstGeom prst="ellipse">
+          <a:avLst/>
+        </a:prstGeom>
+        <a:solidFill>
+          <a:srgbClr val="00B0F0"/>
+        </a:solidFill>
+        <a:ln w="25400" cap="flat" cmpd="sng" algn="ctr">
+          <a:solidFill>
+            <a:schemeClr val="tx2">
+              <a:lumMod val="60000"/>
+              <a:lumOff val="40000"/>
+            </a:schemeClr>
+          </a:solidFill>
+          <a:prstDash val="solid"/>
+        </a:ln>
+        <a:effectLst/>
+      </dsp:spPr>
+      <dsp:style>
+        <a:lnRef idx="2">
+          <a:scrgbClr r="0" g="0" b="0"/>
+        </a:lnRef>
+        <a:fillRef idx="1">
+          <a:scrgbClr r="0" g="0" b="0"/>
+        </a:fillRef>
+        <a:effectRef idx="0">
+          <a:scrgbClr r="0" g="0" b="0"/>
+        </a:effectRef>
+        <a:fontRef idx="minor">
+          <a:schemeClr val="lt1"/>
+        </a:fontRef>
+      </dsp:style>
+      <dsp:txBody>
+        <a:bodyPr spcFirstLastPara="0" vert="horz" wrap="square" lIns="12700" tIns="12700" rIns="12700" bIns="12700" numCol="1" spcCol="1270" anchor="ctr" anchorCtr="0">
+          <a:noAutofit/>
+        </a:bodyPr>
+        <a:lstStyle/>
+        <a:p>
+          <a:pPr lvl="0" algn="ctr" defTabSz="889000">
+            <a:lnSpc>
+              <a:spcPct val="90000"/>
+            </a:lnSpc>
+            <a:spcBef>
+              <a:spcPct val="0"/>
+            </a:spcBef>
+            <a:spcAft>
+              <a:spcPct val="35000"/>
+            </a:spcAft>
+          </a:pPr>
+          <a:endParaRPr lang="ru-RU" sz="2000" kern="1200" dirty="0"/>
+        </a:p>
+      </dsp:txBody>
+      <dsp:txXfrm>
+        <a:off x="2993236" y="969746"/>
+        <a:ext cx="647576" cy="647576"/>
+      </dsp:txXfrm>
+    </dsp:sp>
+    <dsp:sp modelId="{0B2CB517-7DD7-48E1-8259-4393B3E0C3EC}">
+      <dsp:nvSpPr>
+        <dsp:cNvPr id="0" name=""/>
+        <dsp:cNvSpPr/>
+      </dsp:nvSpPr>
+      <dsp:spPr>
+        <a:xfrm rot="3240000">
+          <a:off x="2394971" y="2125560"/>
+          <a:ext cx="276723" cy="37759"/>
+        </a:xfrm>
+        <a:custGeom>
+          <a:avLst/>
+          <a:gdLst/>
+          <a:ahLst/>
+          <a:cxnLst/>
+          <a:rect l="0" t="0" r="0" b="0"/>
+          <a:pathLst>
+            <a:path>
+              <a:moveTo>
+                <a:pt x="0" y="18879"/>
+              </a:moveTo>
+              <a:lnTo>
+                <a:pt x="276723" y="18879"/>
+              </a:lnTo>
+            </a:path>
+          </a:pathLst>
+        </a:custGeom>
+        <a:noFill/>
+        <a:ln w="25400" cap="flat" cmpd="sng" algn="ctr">
+          <a:solidFill>
+            <a:schemeClr val="accent1">
+              <a:shade val="60000"/>
+              <a:hueOff val="0"/>
+              <a:satOff val="0"/>
+              <a:lumOff val="0"/>
+              <a:alphaOff val="0"/>
+            </a:schemeClr>
+          </a:solidFill>
+          <a:prstDash val="solid"/>
+        </a:ln>
+        <a:effectLst/>
+      </dsp:spPr>
+      <dsp:style>
+        <a:lnRef idx="2">
+          <a:scrgbClr r="0" g="0" b="0"/>
+        </a:lnRef>
+        <a:fillRef idx="0">
+          <a:scrgbClr r="0" g="0" b="0"/>
+        </a:fillRef>
+        <a:effectRef idx="0">
+          <a:scrgbClr r="0" g="0" b="0"/>
+        </a:effectRef>
+        <a:fontRef idx="minor"/>
+      </dsp:style>
+      <dsp:txBody>
+        <a:bodyPr spcFirstLastPara="0" vert="horz" wrap="square" lIns="12700" tIns="0" rIns="12700" bIns="0" numCol="1" spcCol="1270" anchor="ctr" anchorCtr="0">
+          <a:noAutofit/>
+        </a:bodyPr>
+        <a:lstStyle/>
+        <a:p>
+          <a:pPr lvl="0" algn="ctr" defTabSz="222250">
+            <a:lnSpc>
+              <a:spcPct val="90000"/>
+            </a:lnSpc>
+            <a:spcBef>
+              <a:spcPct val="0"/>
+            </a:spcBef>
+            <a:spcAft>
+              <a:spcPct val="35000"/>
+            </a:spcAft>
+          </a:pPr>
+          <a:endParaRPr lang="ru-RU" sz="500" kern="1200"/>
+        </a:p>
+      </dsp:txBody>
+      <dsp:txXfrm>
+        <a:off x="2526415" y="2137522"/>
+        <a:ext cx="13836" cy="13836"/>
+      </dsp:txXfrm>
+    </dsp:sp>
+    <dsp:sp modelId="{8F6D8065-965B-4A4F-B6F8-BDB592D2B4BF}">
+      <dsp:nvSpPr>
+        <dsp:cNvPr id="0" name=""/>
+        <dsp:cNvSpPr/>
+      </dsp:nvSpPr>
+      <dsp:spPr>
+        <a:xfrm>
+          <a:off x="2425904" y="2168924"/>
+          <a:ext cx="915812" cy="915812"/>
+        </a:xfrm>
+        <a:prstGeom prst="ellipse">
+          <a:avLst/>
+        </a:prstGeom>
+        <a:solidFill>
+          <a:srgbClr val="00B0F0"/>
+        </a:solidFill>
+        <a:ln w="25400" cap="flat" cmpd="sng" algn="ctr">
+          <a:solidFill>
+            <a:schemeClr val="tx2">
+              <a:lumMod val="60000"/>
+              <a:lumOff val="40000"/>
+            </a:schemeClr>
+          </a:solidFill>
+          <a:prstDash val="solid"/>
+        </a:ln>
+        <a:effectLst/>
+      </dsp:spPr>
+      <dsp:style>
+        <a:lnRef idx="2">
+          <a:scrgbClr r="0" g="0" b="0"/>
+        </a:lnRef>
+        <a:fillRef idx="1">
+          <a:scrgbClr r="0" g="0" b="0"/>
+        </a:fillRef>
+        <a:effectRef idx="0">
+          <a:scrgbClr r="0" g="0" b="0"/>
+        </a:effectRef>
+        <a:fontRef idx="minor">
+          <a:schemeClr val="lt1"/>
+        </a:fontRef>
+      </dsp:style>
+      <dsp:txBody>
+        <a:bodyPr spcFirstLastPara="0" vert="horz" wrap="square" lIns="12700" tIns="12700" rIns="12700" bIns="12700" numCol="1" spcCol="1270" anchor="ctr" anchorCtr="0">
+          <a:noAutofit/>
+        </a:bodyPr>
+        <a:lstStyle/>
+        <a:p>
+          <a:pPr lvl="0" algn="ctr" defTabSz="889000">
+            <a:lnSpc>
+              <a:spcPct val="90000"/>
+            </a:lnSpc>
+            <a:spcBef>
+              <a:spcPct val="0"/>
+            </a:spcBef>
+            <a:spcAft>
+              <a:spcPct val="35000"/>
+            </a:spcAft>
+          </a:pPr>
+          <a:endParaRPr lang="ru-RU" sz="2000" kern="1200"/>
+        </a:p>
+      </dsp:txBody>
+      <dsp:txXfrm>
+        <a:off x="2560022" y="2303042"/>
+        <a:ext cx="647576" cy="647576"/>
+      </dsp:txXfrm>
+    </dsp:sp>
+    <dsp:sp modelId="{9036BBB6-75F0-4F69-9249-B49C871EAD6A}">
+      <dsp:nvSpPr>
+        <dsp:cNvPr id="0" name=""/>
+        <dsp:cNvSpPr/>
+      </dsp:nvSpPr>
+      <dsp:spPr>
+        <a:xfrm rot="7560000">
+          <a:off x="1694016" y="2125560"/>
+          <a:ext cx="276723" cy="37759"/>
+        </a:xfrm>
+        <a:custGeom>
+          <a:avLst/>
+          <a:gdLst/>
+          <a:ahLst/>
+          <a:cxnLst/>
+          <a:rect l="0" t="0" r="0" b="0"/>
+          <a:pathLst>
+            <a:path>
+              <a:moveTo>
+                <a:pt x="0" y="18879"/>
+              </a:moveTo>
+              <a:lnTo>
+                <a:pt x="276723" y="18879"/>
+              </a:lnTo>
+            </a:path>
+          </a:pathLst>
+        </a:custGeom>
+        <a:noFill/>
+        <a:ln w="25400" cap="flat" cmpd="sng" algn="ctr">
+          <a:solidFill>
+            <a:schemeClr val="accent1">
+              <a:shade val="60000"/>
+              <a:hueOff val="0"/>
+              <a:satOff val="0"/>
+              <a:lumOff val="0"/>
+              <a:alphaOff val="0"/>
+            </a:schemeClr>
+          </a:solidFill>
+          <a:prstDash val="solid"/>
+        </a:ln>
+        <a:effectLst/>
+      </dsp:spPr>
+      <dsp:style>
+        <a:lnRef idx="2">
+          <a:scrgbClr r="0" g="0" b="0"/>
+        </a:lnRef>
+        <a:fillRef idx="0">
+          <a:scrgbClr r="0" g="0" b="0"/>
+        </a:fillRef>
+        <a:effectRef idx="0">
+          <a:scrgbClr r="0" g="0" b="0"/>
+        </a:effectRef>
+        <a:fontRef idx="minor"/>
+      </dsp:style>
+      <dsp:txBody>
+        <a:bodyPr spcFirstLastPara="0" vert="horz" wrap="square" lIns="12700" tIns="0" rIns="12700" bIns="0" numCol="1" spcCol="1270" anchor="ctr" anchorCtr="0">
+          <a:noAutofit/>
+        </a:bodyPr>
+        <a:lstStyle/>
+        <a:p>
+          <a:pPr lvl="0" algn="ctr" defTabSz="222250">
+            <a:lnSpc>
+              <a:spcPct val="90000"/>
+            </a:lnSpc>
+            <a:spcBef>
+              <a:spcPct val="0"/>
+            </a:spcBef>
+            <a:spcAft>
+              <a:spcPct val="35000"/>
+            </a:spcAft>
+          </a:pPr>
+          <a:endParaRPr lang="ru-RU" sz="500" kern="1200"/>
+        </a:p>
+      </dsp:txBody>
+      <dsp:txXfrm rot="10800000">
+        <a:off x="1825459" y="2137522"/>
+        <a:ext cx="13836" cy="13836"/>
+      </dsp:txXfrm>
+    </dsp:sp>
+    <dsp:sp modelId="{935A1F96-8C6B-4CB8-B151-B31C97F5597D}">
+      <dsp:nvSpPr>
+        <dsp:cNvPr id="0" name=""/>
+        <dsp:cNvSpPr/>
+      </dsp:nvSpPr>
+      <dsp:spPr>
+        <a:xfrm>
+          <a:off x="1023993" y="2168924"/>
+          <a:ext cx="915812" cy="915812"/>
+        </a:xfrm>
+        <a:prstGeom prst="ellipse">
+          <a:avLst/>
+        </a:prstGeom>
+        <a:solidFill>
+          <a:srgbClr val="00B0F0"/>
+        </a:solidFill>
+        <a:ln w="25400" cap="flat" cmpd="sng" algn="ctr">
+          <a:solidFill>
+            <a:schemeClr val="tx2">
+              <a:lumMod val="60000"/>
+              <a:lumOff val="40000"/>
+            </a:schemeClr>
+          </a:solidFill>
+          <a:prstDash val="solid"/>
+        </a:ln>
+        <a:effectLst/>
+      </dsp:spPr>
+      <dsp:style>
+        <a:lnRef idx="2">
+          <a:scrgbClr r="0" g="0" b="0"/>
+        </a:lnRef>
+        <a:fillRef idx="1">
+          <a:scrgbClr r="0" g="0" b="0"/>
+        </a:fillRef>
+        <a:effectRef idx="0">
+          <a:scrgbClr r="0" g="0" b="0"/>
+        </a:effectRef>
+        <a:fontRef idx="minor">
+          <a:schemeClr val="lt1"/>
+        </a:fontRef>
+      </dsp:style>
+      <dsp:txBody>
+        <a:bodyPr spcFirstLastPara="0" vert="horz" wrap="square" lIns="12700" tIns="12700" rIns="12700" bIns="12700" numCol="1" spcCol="1270" anchor="ctr" anchorCtr="0">
+          <a:noAutofit/>
+        </a:bodyPr>
+        <a:lstStyle/>
+        <a:p>
+          <a:pPr lvl="0" algn="ctr" defTabSz="889000">
+            <a:lnSpc>
+              <a:spcPct val="90000"/>
+            </a:lnSpc>
+            <a:spcBef>
+              <a:spcPct val="0"/>
+            </a:spcBef>
+            <a:spcAft>
+              <a:spcPct val="35000"/>
+            </a:spcAft>
+          </a:pPr>
+          <a:endParaRPr lang="ru-RU" sz="2000" kern="1200"/>
+        </a:p>
+      </dsp:txBody>
+      <dsp:txXfrm>
+        <a:off x="1158111" y="2303042"/>
+        <a:ext cx="647576" cy="647576"/>
+      </dsp:txXfrm>
+    </dsp:sp>
+    <dsp:sp modelId="{4DE8A120-1BCB-4D6E-B1F9-4BDCEC7C5779}">
+      <dsp:nvSpPr>
+        <dsp:cNvPr id="0" name=""/>
+        <dsp:cNvSpPr/>
+      </dsp:nvSpPr>
+      <dsp:spPr>
+        <a:xfrm rot="11880000">
+          <a:off x="1477409" y="1458912"/>
+          <a:ext cx="276723" cy="37759"/>
+        </a:xfrm>
+        <a:custGeom>
+          <a:avLst/>
+          <a:gdLst/>
+          <a:ahLst/>
+          <a:cxnLst/>
+          <a:rect l="0" t="0" r="0" b="0"/>
+          <a:pathLst>
+            <a:path>
+              <a:moveTo>
+                <a:pt x="0" y="18879"/>
+              </a:moveTo>
+              <a:lnTo>
+                <a:pt x="276723" y="18879"/>
+              </a:lnTo>
+            </a:path>
+          </a:pathLst>
+        </a:custGeom>
+        <a:noFill/>
+        <a:ln w="25400" cap="flat" cmpd="sng" algn="ctr">
+          <a:solidFill>
+            <a:schemeClr val="accent1">
+              <a:shade val="60000"/>
+              <a:hueOff val="0"/>
+              <a:satOff val="0"/>
+              <a:lumOff val="0"/>
+              <a:alphaOff val="0"/>
+            </a:schemeClr>
+          </a:solidFill>
+          <a:prstDash val="solid"/>
+        </a:ln>
+        <a:effectLst/>
+      </dsp:spPr>
+      <dsp:style>
+        <a:lnRef idx="2">
+          <a:scrgbClr r="0" g="0" b="0"/>
+        </a:lnRef>
+        <a:fillRef idx="0">
+          <a:scrgbClr r="0" g="0" b="0"/>
+        </a:fillRef>
+        <a:effectRef idx="0">
+          <a:scrgbClr r="0" g="0" b="0"/>
+        </a:effectRef>
+        <a:fontRef idx="minor"/>
+      </dsp:style>
+      <dsp:txBody>
+        <a:bodyPr spcFirstLastPara="0" vert="horz" wrap="square" lIns="12700" tIns="0" rIns="12700" bIns="0" numCol="1" spcCol="1270" anchor="ctr" anchorCtr="0">
+          <a:noAutofit/>
+        </a:bodyPr>
+        <a:lstStyle/>
+        <a:p>
+          <a:pPr lvl="0" algn="ctr" defTabSz="222250">
+            <a:lnSpc>
+              <a:spcPct val="90000"/>
+            </a:lnSpc>
+            <a:spcBef>
+              <a:spcPct val="0"/>
+            </a:spcBef>
+            <a:spcAft>
+              <a:spcPct val="35000"/>
+            </a:spcAft>
+          </a:pPr>
+          <a:endParaRPr lang="ru-RU" sz="500" kern="1200"/>
+        </a:p>
+      </dsp:txBody>
+      <dsp:txXfrm rot="10800000">
+        <a:off x="1608852" y="1470874"/>
+        <a:ext cx="13836" cy="13836"/>
+      </dsp:txXfrm>
+    </dsp:sp>
+    <dsp:sp modelId="{95A2D75F-3C3F-4653-A5FC-8BF0D4D6EEFE}">
+      <dsp:nvSpPr>
+        <dsp:cNvPr id="0" name=""/>
+        <dsp:cNvSpPr/>
+      </dsp:nvSpPr>
+      <dsp:spPr>
+        <a:xfrm>
+          <a:off x="590779" y="835628"/>
+          <a:ext cx="915812" cy="915812"/>
+        </a:xfrm>
+        <a:prstGeom prst="ellipse">
+          <a:avLst/>
+        </a:prstGeom>
+        <a:solidFill>
+          <a:srgbClr val="00B0F0"/>
+        </a:solidFill>
+        <a:ln w="25400" cap="flat" cmpd="sng" algn="ctr">
+          <a:solidFill>
+            <a:schemeClr val="tx2">
+              <a:lumMod val="60000"/>
+              <a:lumOff val="40000"/>
+            </a:schemeClr>
+          </a:solidFill>
+          <a:prstDash val="solid"/>
+        </a:ln>
+        <a:effectLst/>
+      </dsp:spPr>
+      <dsp:style>
+        <a:lnRef idx="2">
+          <a:scrgbClr r="0" g="0" b="0"/>
+        </a:lnRef>
+        <a:fillRef idx="1">
+          <a:scrgbClr r="0" g="0" b="0"/>
+        </a:fillRef>
+        <a:effectRef idx="0">
+          <a:scrgbClr r="0" g="0" b="0"/>
+        </a:effectRef>
+        <a:fontRef idx="minor">
+          <a:schemeClr val="lt1"/>
+        </a:fontRef>
+      </dsp:style>
+      <dsp:txBody>
+        <a:bodyPr spcFirstLastPara="0" vert="horz" wrap="square" lIns="12700" tIns="12700" rIns="12700" bIns="12700" numCol="1" spcCol="1270" anchor="ctr" anchorCtr="0">
+          <a:noAutofit/>
+        </a:bodyPr>
+        <a:lstStyle/>
+        <a:p>
+          <a:pPr lvl="0" algn="ctr" defTabSz="889000">
+            <a:lnSpc>
+              <a:spcPct val="90000"/>
+            </a:lnSpc>
+            <a:spcBef>
+              <a:spcPct val="0"/>
+            </a:spcBef>
+            <a:spcAft>
+              <a:spcPct val="35000"/>
+            </a:spcAft>
+          </a:pPr>
+          <a:endParaRPr lang="ru-RU" sz="2000" kern="1200"/>
+        </a:p>
+      </dsp:txBody>
+      <dsp:txXfrm>
+        <a:off x="724897" y="969746"/>
+        <a:ext cx="647576" cy="647576"/>
+      </dsp:txXfrm>
+    </dsp:sp>
   </dsp:spTree>
 </dsp:drawing>
 </file>
@@ -8875,6 +9694,215 @@
       <dsp:cNvGrpSpPr/>
     </dsp:nvGrpSpPr>
     <dsp:grpSpPr/>
+    <dsp:sp modelId="{25056C25-FD7A-454A-BD80-5797A854A1C9}">
+      <dsp:nvSpPr>
+        <dsp:cNvPr id="0" name=""/>
+        <dsp:cNvSpPr/>
+      </dsp:nvSpPr>
+      <dsp:spPr>
+        <a:xfrm>
+          <a:off x="898173" y="782679"/>
+          <a:ext cx="822207" cy="878051"/>
+        </a:xfrm>
+        <a:prstGeom prst="roundRect">
+          <a:avLst/>
+        </a:prstGeom>
+        <a:solidFill>
+          <a:schemeClr val="bg1">
+            <a:lumMod val="95000"/>
+          </a:schemeClr>
+        </a:solidFill>
+        <a:ln w="25400" cap="flat" cmpd="sng" algn="ctr">
+          <a:solidFill>
+            <a:srgbClr val="92D050"/>
+          </a:solidFill>
+          <a:prstDash val="solid"/>
+        </a:ln>
+        <a:effectLst/>
+      </dsp:spPr>
+      <dsp:style>
+        <a:lnRef idx="2">
+          <a:scrgbClr r="0" g="0" b="0"/>
+        </a:lnRef>
+        <a:fillRef idx="1">
+          <a:scrgbClr r="0" g="0" b="0"/>
+        </a:fillRef>
+        <a:effectRef idx="0">
+          <a:scrgbClr r="0" g="0" b="0"/>
+        </a:effectRef>
+        <a:fontRef idx="minor">
+          <a:schemeClr val="lt1"/>
+        </a:fontRef>
+      </dsp:style>
+      <dsp:txBody>
+        <a:bodyPr spcFirstLastPara="0" vert="horz" wrap="square" lIns="58420" tIns="58420" rIns="58420" bIns="58420" numCol="1" spcCol="1270" anchor="ctr" anchorCtr="0">
+          <a:noAutofit/>
+        </a:bodyPr>
+        <a:lstStyle/>
+        <a:p>
+          <a:pPr lvl="0" algn="ctr" defTabSz="1022350">
+            <a:lnSpc>
+              <a:spcPct val="90000"/>
+            </a:lnSpc>
+            <a:spcBef>
+              <a:spcPct val="0"/>
+            </a:spcBef>
+            <a:spcAft>
+              <a:spcPct val="35000"/>
+            </a:spcAft>
+          </a:pPr>
+          <a:r>
+            <a:rPr lang="en-US" sz="2300" kern="1200" dirty="0" err="1" smtClean="0">
+              <a:ln>
+                <a:noFill/>
+              </a:ln>
+              <a:solidFill>
+                <a:srgbClr val="92D050"/>
+              </a:solidFill>
+            </a:rPr>
+            <a:t>IaaS</a:t>
+          </a:r>
+          <a:endParaRPr lang="ru-RU" sz="2300" kern="1200" dirty="0">
+            <a:ln>
+              <a:noFill/>
+            </a:ln>
+            <a:solidFill>
+              <a:srgbClr val="92D050"/>
+            </a:solidFill>
+          </a:endParaRPr>
+        </a:p>
+      </dsp:txBody>
+      <dsp:txXfrm>
+        <a:off x="938310" y="822816"/>
+        <a:ext cx="741933" cy="797777"/>
+      </dsp:txXfrm>
+    </dsp:sp>
+    <dsp:sp modelId="{40765CB4-C294-459A-8862-FC5E44F7FB91}">
+      <dsp:nvSpPr>
+        <dsp:cNvPr id="0" name=""/>
+        <dsp:cNvSpPr/>
+      </dsp:nvSpPr>
+      <dsp:spPr>
+        <a:xfrm rot="21564252">
+          <a:off x="1720370" y="1215414"/>
+          <a:ext cx="387672" cy="0"/>
+        </a:xfrm>
+        <a:custGeom>
+          <a:avLst/>
+          <a:gdLst/>
+          <a:ahLst/>
+          <a:cxnLst/>
+          <a:rect l="0" t="0" r="0" b="0"/>
+          <a:pathLst>
+            <a:path>
+              <a:moveTo>
+                <a:pt x="0" y="0"/>
+              </a:moveTo>
+              <a:lnTo>
+                <a:pt x="387672" y="0"/>
+              </a:lnTo>
+            </a:path>
+          </a:pathLst>
+        </a:custGeom>
+        <a:noFill/>
+        <a:ln w="25400" cap="flat" cmpd="sng" algn="ctr">
+          <a:solidFill>
+            <a:srgbClr val="00B0F0"/>
+          </a:solidFill>
+          <a:prstDash val="solid"/>
+        </a:ln>
+        <a:effectLst/>
+      </dsp:spPr>
+      <dsp:style>
+        <a:lnRef idx="2">
+          <a:scrgbClr r="0" g="0" b="0"/>
+        </a:lnRef>
+        <a:fillRef idx="0">
+          <a:scrgbClr r="0" g="0" b="0"/>
+        </a:fillRef>
+        <a:effectRef idx="0">
+          <a:scrgbClr r="0" g="0" b="0"/>
+        </a:effectRef>
+        <a:fontRef idx="minor"/>
+      </dsp:style>
+    </dsp:sp>
+    <dsp:sp modelId="{EEF398F6-2EF8-48AB-9AFF-6A7FD5CA2064}">
+      <dsp:nvSpPr>
+        <dsp:cNvPr id="0" name=""/>
+        <dsp:cNvSpPr/>
+      </dsp:nvSpPr>
+      <dsp:spPr>
+        <a:xfrm>
+          <a:off x="2108032" y="799901"/>
+          <a:ext cx="2675962" cy="799167"/>
+        </a:xfrm>
+        <a:prstGeom prst="roundRect">
+          <a:avLst/>
+        </a:prstGeom>
+        <a:solidFill>
+          <a:schemeClr val="bg1">
+            <a:lumMod val="95000"/>
+          </a:schemeClr>
+        </a:solidFill>
+        <a:ln w="25400" cap="flat" cmpd="sng" algn="ctr">
+          <a:solidFill>
+            <a:srgbClr val="00B0F0"/>
+          </a:solidFill>
+          <a:prstDash val="solid"/>
+        </a:ln>
+        <a:effectLst/>
+      </dsp:spPr>
+      <dsp:style>
+        <a:lnRef idx="2">
+          <a:scrgbClr r="0" g="0" b="0"/>
+        </a:lnRef>
+        <a:fillRef idx="1">
+          <a:scrgbClr r="0" g="0" b="0"/>
+        </a:fillRef>
+        <a:effectRef idx="0">
+          <a:scrgbClr r="0" g="0" b="0"/>
+        </a:effectRef>
+        <a:fontRef idx="minor">
+          <a:schemeClr val="lt1"/>
+        </a:fontRef>
+      </dsp:style>
+      <dsp:txBody>
+        <a:bodyPr spcFirstLastPara="0" vert="horz" wrap="square" lIns="540000" tIns="55880" rIns="55880" bIns="55880" numCol="1" spcCol="1270" anchor="ctr" anchorCtr="0">
+          <a:noAutofit/>
+        </a:bodyPr>
+        <a:lstStyle/>
+        <a:p>
+          <a:pPr lvl="0" algn="ctr" defTabSz="977900">
+            <a:lnSpc>
+              <a:spcPct val="90000"/>
+            </a:lnSpc>
+            <a:spcBef>
+              <a:spcPct val="0"/>
+            </a:spcBef>
+            <a:spcAft>
+              <a:spcPct val="35000"/>
+            </a:spcAft>
+          </a:pPr>
+          <a:r>
+            <a:rPr lang="en-US" sz="2200" b="0" i="0" kern="1200" dirty="0" smtClean="0">
+              <a:solidFill>
+                <a:srgbClr val="00B0F0"/>
+              </a:solidFill>
+            </a:rPr>
+            <a:t>Virtual Machines</a:t>
+          </a:r>
+          <a:endParaRPr lang="ru-RU" sz="2200" kern="1200" dirty="0">
+            <a:solidFill>
+              <a:srgbClr val="00B0F0"/>
+            </a:solidFill>
+          </a:endParaRPr>
+        </a:p>
+      </dsp:txBody>
+      <dsp:txXfrm>
+        <a:off x="2147044" y="838913"/>
+        <a:ext cx="2597938" cy="721143"/>
+      </dsp:txXfrm>
+    </dsp:sp>
   </dsp:spTree>
 </dsp:drawing>
 </file>
@@ -8887,6 +9915,1007 @@
       <dsp:cNvGrpSpPr/>
     </dsp:nvGrpSpPr>
     <dsp:grpSpPr/>
+    <dsp:sp modelId="{25056C25-FD7A-454A-BD80-5797A854A1C9}">
+      <dsp:nvSpPr>
+        <dsp:cNvPr id="0" name=""/>
+        <dsp:cNvSpPr/>
+      </dsp:nvSpPr>
+      <dsp:spPr>
+        <a:xfrm>
+          <a:off x="2222095" y="1180473"/>
+          <a:ext cx="523382" cy="558930"/>
+        </a:xfrm>
+        <a:prstGeom prst="roundRect">
+          <a:avLst/>
+        </a:prstGeom>
+        <a:solidFill>
+          <a:schemeClr val="bg1">
+            <a:lumMod val="95000"/>
+          </a:schemeClr>
+        </a:solidFill>
+        <a:ln w="25400" cap="flat" cmpd="sng" algn="ctr">
+          <a:solidFill>
+            <a:srgbClr val="92D050"/>
+          </a:solidFill>
+          <a:prstDash val="solid"/>
+        </a:ln>
+        <a:effectLst/>
+      </dsp:spPr>
+      <dsp:style>
+        <a:lnRef idx="2">
+          <a:scrgbClr r="0" g="0" b="0"/>
+        </a:lnRef>
+        <a:fillRef idx="1">
+          <a:scrgbClr r="0" g="0" b="0"/>
+        </a:fillRef>
+        <a:effectRef idx="0">
+          <a:scrgbClr r="0" g="0" b="0"/>
+        </a:effectRef>
+        <a:fontRef idx="minor">
+          <a:schemeClr val="lt1"/>
+        </a:fontRef>
+      </dsp:style>
+      <dsp:txBody>
+        <a:bodyPr spcFirstLastPara="0" vert="horz" wrap="square" lIns="33020" tIns="33020" rIns="33020" bIns="33020" numCol="1" spcCol="1270" anchor="ctr" anchorCtr="0">
+          <a:noAutofit/>
+        </a:bodyPr>
+        <a:lstStyle/>
+        <a:p>
+          <a:pPr lvl="0" algn="ctr" defTabSz="577850">
+            <a:lnSpc>
+              <a:spcPct val="90000"/>
+            </a:lnSpc>
+            <a:spcBef>
+              <a:spcPct val="0"/>
+            </a:spcBef>
+            <a:spcAft>
+              <a:spcPct val="35000"/>
+            </a:spcAft>
+          </a:pPr>
+          <a:r>
+            <a:rPr lang="en-US" sz="1300" kern="1200" dirty="0" err="1" smtClean="0">
+              <a:ln>
+                <a:noFill/>
+              </a:ln>
+              <a:solidFill>
+                <a:srgbClr val="92D050"/>
+              </a:solidFill>
+            </a:rPr>
+            <a:t>PaaS</a:t>
+          </a:r>
+          <a:endParaRPr lang="ru-RU" sz="1300" kern="1200" dirty="0">
+            <a:ln>
+              <a:noFill/>
+            </a:ln>
+            <a:solidFill>
+              <a:srgbClr val="92D050"/>
+            </a:solidFill>
+          </a:endParaRPr>
+        </a:p>
+      </dsp:txBody>
+      <dsp:txXfrm>
+        <a:off x="2247644" y="1206022"/>
+        <a:ext cx="472284" cy="507832"/>
+      </dsp:txXfrm>
+    </dsp:sp>
+    <dsp:sp modelId="{40765CB4-C294-459A-8862-FC5E44F7FB91}">
+      <dsp:nvSpPr>
+        <dsp:cNvPr id="0" name=""/>
+        <dsp:cNvSpPr/>
+      </dsp:nvSpPr>
+      <dsp:spPr>
+        <a:xfrm rot="18531129">
+          <a:off x="2574776" y="900204"/>
+          <a:ext cx="719773" cy="0"/>
+        </a:xfrm>
+        <a:custGeom>
+          <a:avLst/>
+          <a:gdLst/>
+          <a:ahLst/>
+          <a:cxnLst/>
+          <a:rect l="0" t="0" r="0" b="0"/>
+          <a:pathLst>
+            <a:path>
+              <a:moveTo>
+                <a:pt x="0" y="0"/>
+              </a:moveTo>
+              <a:lnTo>
+                <a:pt x="719773" y="0"/>
+              </a:lnTo>
+            </a:path>
+          </a:pathLst>
+        </a:custGeom>
+        <a:noFill/>
+        <a:ln w="25400" cap="flat" cmpd="sng" algn="ctr">
+          <a:solidFill>
+            <a:srgbClr val="00B0F0"/>
+          </a:solidFill>
+          <a:prstDash val="solid"/>
+        </a:ln>
+        <a:effectLst/>
+      </dsp:spPr>
+      <dsp:style>
+        <a:lnRef idx="2">
+          <a:scrgbClr r="0" g="0" b="0"/>
+        </a:lnRef>
+        <a:fillRef idx="0">
+          <a:scrgbClr r="0" g="0" b="0"/>
+        </a:fillRef>
+        <a:effectRef idx="0">
+          <a:scrgbClr r="0" g="0" b="0"/>
+        </a:effectRef>
+        <a:fontRef idx="minor"/>
+      </dsp:style>
+    </dsp:sp>
+    <dsp:sp modelId="{EEF398F6-2EF8-48AB-9AFF-6A7FD5CA2064}">
+      <dsp:nvSpPr>
+        <dsp:cNvPr id="0" name=""/>
+        <dsp:cNvSpPr/>
+      </dsp:nvSpPr>
+      <dsp:spPr>
+        <a:xfrm>
+          <a:off x="2513612" y="111220"/>
+          <a:ext cx="1703405" cy="508716"/>
+        </a:xfrm>
+        <a:prstGeom prst="roundRect">
+          <a:avLst/>
+        </a:prstGeom>
+        <a:solidFill>
+          <a:schemeClr val="bg1">
+            <a:lumMod val="95000"/>
+          </a:schemeClr>
+        </a:solidFill>
+        <a:ln w="25400" cap="flat" cmpd="sng" algn="ctr">
+          <a:solidFill>
+            <a:srgbClr val="00B0F0"/>
+          </a:solidFill>
+          <a:prstDash val="solid"/>
+        </a:ln>
+        <a:effectLst/>
+      </dsp:spPr>
+      <dsp:style>
+        <a:lnRef idx="2">
+          <a:scrgbClr r="0" g="0" b="0"/>
+        </a:lnRef>
+        <a:fillRef idx="1">
+          <a:scrgbClr r="0" g="0" b="0"/>
+        </a:fillRef>
+        <a:effectRef idx="0">
+          <a:scrgbClr r="0" g="0" b="0"/>
+        </a:effectRef>
+        <a:fontRef idx="minor">
+          <a:schemeClr val="lt1"/>
+        </a:fontRef>
+      </dsp:style>
+      <dsp:txBody>
+        <a:bodyPr spcFirstLastPara="0" vert="horz" wrap="square" lIns="540000" tIns="35560" rIns="35560" bIns="35560" numCol="1" spcCol="1270" anchor="ctr" anchorCtr="0">
+          <a:noAutofit/>
+        </a:bodyPr>
+        <a:lstStyle/>
+        <a:p>
+          <a:pPr lvl="0" algn="ctr" defTabSz="622300">
+            <a:lnSpc>
+              <a:spcPct val="90000"/>
+            </a:lnSpc>
+            <a:spcBef>
+              <a:spcPct val="0"/>
+            </a:spcBef>
+            <a:spcAft>
+              <a:spcPct val="35000"/>
+            </a:spcAft>
+          </a:pPr>
+          <a:r>
+            <a:rPr lang="en-US" sz="1400" b="0" i="0" kern="1200" dirty="0" smtClean="0">
+              <a:solidFill>
+                <a:srgbClr val="00B0F0"/>
+              </a:solidFill>
+            </a:rPr>
+            <a:t>Cloud Services</a:t>
+          </a:r>
+          <a:endParaRPr lang="ru-RU" sz="1400" kern="1200" dirty="0">
+            <a:solidFill>
+              <a:srgbClr val="00B0F0"/>
+            </a:solidFill>
+          </a:endParaRPr>
+        </a:p>
+      </dsp:txBody>
+      <dsp:txXfrm>
+        <a:off x="2538445" y="136053"/>
+        <a:ext cx="1653739" cy="459050"/>
+      </dsp:txXfrm>
+    </dsp:sp>
+    <dsp:sp modelId="{4B76F172-835F-47AA-A859-8A899CEE2510}">
+      <dsp:nvSpPr>
+        <dsp:cNvPr id="0" name=""/>
+        <dsp:cNvSpPr/>
+      </dsp:nvSpPr>
+      <dsp:spPr>
+        <a:xfrm rot="20600496">
+          <a:off x="2734080" y="1303787"/>
+          <a:ext cx="543120" cy="0"/>
+        </a:xfrm>
+        <a:custGeom>
+          <a:avLst/>
+          <a:gdLst/>
+          <a:ahLst/>
+          <a:cxnLst/>
+          <a:rect l="0" t="0" r="0" b="0"/>
+          <a:pathLst>
+            <a:path>
+              <a:moveTo>
+                <a:pt x="0" y="0"/>
+              </a:moveTo>
+              <a:lnTo>
+                <a:pt x="543120" y="0"/>
+              </a:lnTo>
+            </a:path>
+          </a:pathLst>
+        </a:custGeom>
+        <a:noFill/>
+        <a:ln w="25400" cap="flat" cmpd="sng" algn="ctr">
+          <a:solidFill>
+            <a:schemeClr val="accent1">
+              <a:shade val="60000"/>
+              <a:hueOff val="0"/>
+              <a:satOff val="0"/>
+              <a:lumOff val="0"/>
+              <a:alphaOff val="0"/>
+            </a:schemeClr>
+          </a:solidFill>
+          <a:prstDash val="solid"/>
+        </a:ln>
+        <a:effectLst/>
+      </dsp:spPr>
+      <dsp:style>
+        <a:lnRef idx="2">
+          <a:scrgbClr r="0" g="0" b="0"/>
+        </a:lnRef>
+        <a:fillRef idx="0">
+          <a:scrgbClr r="0" g="0" b="0"/>
+        </a:fillRef>
+        <a:effectRef idx="0">
+          <a:scrgbClr r="0" g="0" b="0"/>
+        </a:effectRef>
+        <a:fontRef idx="minor"/>
+      </dsp:style>
+    </dsp:sp>
+    <dsp:sp modelId="{2C989446-76CB-491D-A9E5-90C479CC1EB6}">
+      <dsp:nvSpPr>
+        <dsp:cNvPr id="0" name=""/>
+        <dsp:cNvSpPr/>
+      </dsp:nvSpPr>
+      <dsp:spPr>
+        <a:xfrm>
+          <a:off x="3264163" y="717224"/>
+          <a:ext cx="1703405" cy="508716"/>
+        </a:xfrm>
+        <a:prstGeom prst="roundRect">
+          <a:avLst/>
+        </a:prstGeom>
+        <a:solidFill>
+          <a:schemeClr val="bg1">
+            <a:lumMod val="95000"/>
+          </a:schemeClr>
+        </a:solidFill>
+        <a:ln w="25400" cap="flat" cmpd="sng" algn="ctr">
+          <a:solidFill>
+            <a:srgbClr val="00B0F0"/>
+          </a:solidFill>
+          <a:prstDash val="solid"/>
+        </a:ln>
+        <a:effectLst/>
+      </dsp:spPr>
+      <dsp:style>
+        <a:lnRef idx="2">
+          <a:scrgbClr r="0" g="0" b="0"/>
+        </a:lnRef>
+        <a:fillRef idx="1">
+          <a:scrgbClr r="0" g="0" b="0"/>
+        </a:fillRef>
+        <a:effectRef idx="0">
+          <a:scrgbClr r="0" g="0" b="0"/>
+        </a:effectRef>
+        <a:fontRef idx="minor">
+          <a:schemeClr val="lt1"/>
+        </a:fontRef>
+      </dsp:style>
+      <dsp:txBody>
+        <a:bodyPr spcFirstLastPara="0" vert="horz" wrap="square" lIns="540000" tIns="43180" rIns="43180" bIns="43180" numCol="1" spcCol="1270" anchor="ctr" anchorCtr="0">
+          <a:noAutofit/>
+        </a:bodyPr>
+        <a:lstStyle/>
+        <a:p>
+          <a:pPr lvl="0" algn="ctr" defTabSz="755650">
+            <a:lnSpc>
+              <a:spcPct val="90000"/>
+            </a:lnSpc>
+            <a:spcBef>
+              <a:spcPct val="0"/>
+            </a:spcBef>
+            <a:spcAft>
+              <a:spcPct val="35000"/>
+            </a:spcAft>
+          </a:pPr>
+          <a:r>
+            <a:rPr lang="en-US" sz="1700" kern="1200" dirty="0" smtClean="0">
+              <a:solidFill>
+                <a:srgbClr val="00B0F0"/>
+              </a:solidFill>
+            </a:rPr>
+            <a:t>SQL Azure</a:t>
+          </a:r>
+          <a:endParaRPr lang="ru-RU" sz="1700" kern="1200" dirty="0">
+            <a:solidFill>
+              <a:srgbClr val="00B0F0"/>
+            </a:solidFill>
+          </a:endParaRPr>
+        </a:p>
+      </dsp:txBody>
+      <dsp:txXfrm>
+        <a:off x="3288996" y="742057"/>
+        <a:ext cx="1653739" cy="459050"/>
+      </dsp:txXfrm>
+    </dsp:sp>
+    <dsp:sp modelId="{A1A7F2F7-8724-4320-8D3E-13A495501B45}">
+      <dsp:nvSpPr>
+        <dsp:cNvPr id="0" name=""/>
+        <dsp:cNvSpPr/>
+      </dsp:nvSpPr>
+      <dsp:spPr>
+        <a:xfrm rot="258212">
+          <a:off x="2744744" y="1499147"/>
+          <a:ext cx="520151" cy="0"/>
+        </a:xfrm>
+        <a:custGeom>
+          <a:avLst/>
+          <a:gdLst/>
+          <a:ahLst/>
+          <a:cxnLst/>
+          <a:rect l="0" t="0" r="0" b="0"/>
+          <a:pathLst>
+            <a:path>
+              <a:moveTo>
+                <a:pt x="0" y="0"/>
+              </a:moveTo>
+              <a:lnTo>
+                <a:pt x="520151" y="0"/>
+              </a:lnTo>
+            </a:path>
+          </a:pathLst>
+        </a:custGeom>
+        <a:noFill/>
+        <a:ln w="25400" cap="flat" cmpd="sng" algn="ctr">
+          <a:solidFill>
+            <a:schemeClr val="accent1">
+              <a:shade val="60000"/>
+              <a:hueOff val="0"/>
+              <a:satOff val="0"/>
+              <a:lumOff val="0"/>
+              <a:alphaOff val="0"/>
+            </a:schemeClr>
+          </a:solidFill>
+          <a:prstDash val="solid"/>
+        </a:ln>
+        <a:effectLst/>
+      </dsp:spPr>
+      <dsp:style>
+        <a:lnRef idx="2">
+          <a:scrgbClr r="0" g="0" b="0"/>
+        </a:lnRef>
+        <a:fillRef idx="0">
+          <a:scrgbClr r="0" g="0" b="0"/>
+        </a:fillRef>
+        <a:effectRef idx="0">
+          <a:scrgbClr r="0" g="0" b="0"/>
+        </a:effectRef>
+        <a:fontRef idx="minor"/>
+      </dsp:style>
+    </dsp:sp>
+    <dsp:sp modelId="{1C652A63-4612-4140-A184-53A0A081C97B}">
+      <dsp:nvSpPr>
+        <dsp:cNvPr id="0" name=""/>
+        <dsp:cNvSpPr/>
+      </dsp:nvSpPr>
+      <dsp:spPr>
+        <a:xfrm>
+          <a:off x="3264162" y="1328398"/>
+          <a:ext cx="1703405" cy="508716"/>
+        </a:xfrm>
+        <a:prstGeom prst="roundRect">
+          <a:avLst/>
+        </a:prstGeom>
+        <a:solidFill>
+          <a:schemeClr val="bg1">
+            <a:lumMod val="95000"/>
+          </a:schemeClr>
+        </a:solidFill>
+        <a:ln w="25400" cap="flat" cmpd="sng" algn="ctr">
+          <a:solidFill>
+            <a:srgbClr val="00B0F0"/>
+          </a:solidFill>
+          <a:prstDash val="solid"/>
+        </a:ln>
+        <a:effectLst/>
+      </dsp:spPr>
+      <dsp:style>
+        <a:lnRef idx="2">
+          <a:scrgbClr r="0" g="0" b="0"/>
+        </a:lnRef>
+        <a:fillRef idx="1">
+          <a:scrgbClr r="0" g="0" b="0"/>
+        </a:fillRef>
+        <a:effectRef idx="0">
+          <a:scrgbClr r="0" g="0" b="0"/>
+        </a:effectRef>
+        <a:fontRef idx="minor">
+          <a:schemeClr val="lt1"/>
+        </a:fontRef>
+      </dsp:style>
+      <dsp:txBody>
+        <a:bodyPr spcFirstLastPara="0" vert="horz" wrap="square" lIns="540000" tIns="35560" rIns="35560" bIns="35560" numCol="1" spcCol="1270" anchor="ctr" anchorCtr="0">
+          <a:noAutofit/>
+        </a:bodyPr>
+        <a:lstStyle/>
+        <a:p>
+          <a:pPr lvl="0" algn="ctr" defTabSz="622300">
+            <a:lnSpc>
+              <a:spcPct val="90000"/>
+            </a:lnSpc>
+            <a:spcBef>
+              <a:spcPct val="0"/>
+            </a:spcBef>
+            <a:spcAft>
+              <a:spcPct val="35000"/>
+            </a:spcAft>
+          </a:pPr>
+          <a:r>
+            <a:rPr lang="en-US" sz="1400" kern="1200" dirty="0" smtClean="0">
+              <a:solidFill>
+                <a:srgbClr val="00B0F0"/>
+              </a:solidFill>
+            </a:rPr>
+            <a:t>Storage Tables</a:t>
+          </a:r>
+          <a:endParaRPr lang="ru-RU" sz="1400" kern="1200" dirty="0">
+            <a:solidFill>
+              <a:srgbClr val="00B0F0"/>
+            </a:solidFill>
+          </a:endParaRPr>
+        </a:p>
+      </dsp:txBody>
+      <dsp:txXfrm>
+        <a:off x="3288995" y="1353231"/>
+        <a:ext cx="1653739" cy="459050"/>
+      </dsp:txXfrm>
+    </dsp:sp>
+    <dsp:sp modelId="{5727BF42-537E-40D5-B281-429A4AA75037}">
+      <dsp:nvSpPr>
+        <dsp:cNvPr id="0" name=""/>
+        <dsp:cNvSpPr/>
+      </dsp:nvSpPr>
+      <dsp:spPr>
+        <a:xfrm rot="2121630">
+          <a:off x="2698634" y="1792597"/>
+          <a:ext cx="507864" cy="0"/>
+        </a:xfrm>
+        <a:custGeom>
+          <a:avLst/>
+          <a:gdLst/>
+          <a:ahLst/>
+          <a:cxnLst/>
+          <a:rect l="0" t="0" r="0" b="0"/>
+          <a:pathLst>
+            <a:path>
+              <a:moveTo>
+                <a:pt x="0" y="0"/>
+              </a:moveTo>
+              <a:lnTo>
+                <a:pt x="507864" y="0"/>
+              </a:lnTo>
+            </a:path>
+          </a:pathLst>
+        </a:custGeom>
+        <a:noFill/>
+        <a:ln w="25400" cap="flat" cmpd="sng" algn="ctr">
+          <a:solidFill>
+            <a:schemeClr val="accent1">
+              <a:shade val="60000"/>
+              <a:hueOff val="0"/>
+              <a:satOff val="0"/>
+              <a:lumOff val="0"/>
+              <a:alphaOff val="0"/>
+            </a:schemeClr>
+          </a:solidFill>
+          <a:prstDash val="solid"/>
+        </a:ln>
+        <a:effectLst/>
+      </dsp:spPr>
+      <dsp:style>
+        <a:lnRef idx="2">
+          <a:scrgbClr r="0" g="0" b="0"/>
+        </a:lnRef>
+        <a:fillRef idx="0">
+          <a:scrgbClr r="0" g="0" b="0"/>
+        </a:fillRef>
+        <a:effectRef idx="0">
+          <a:scrgbClr r="0" g="0" b="0"/>
+        </a:effectRef>
+        <a:fontRef idx="minor"/>
+      </dsp:style>
+    </dsp:sp>
+    <dsp:sp modelId="{06CB251D-7874-46F5-B434-DFA2F5371EDF}">
+      <dsp:nvSpPr>
+        <dsp:cNvPr id="0" name=""/>
+        <dsp:cNvSpPr/>
+      </dsp:nvSpPr>
+      <dsp:spPr>
+        <a:xfrm>
+          <a:off x="2666392" y="1939552"/>
+          <a:ext cx="1703405" cy="508716"/>
+        </a:xfrm>
+        <a:prstGeom prst="roundRect">
+          <a:avLst/>
+        </a:prstGeom>
+        <a:solidFill>
+          <a:schemeClr val="bg1">
+            <a:lumMod val="95000"/>
+          </a:schemeClr>
+        </a:solidFill>
+        <a:ln w="25400" cap="flat" cmpd="sng" algn="ctr">
+          <a:solidFill>
+            <a:srgbClr val="00B0F0"/>
+          </a:solidFill>
+          <a:prstDash val="solid"/>
+        </a:ln>
+        <a:effectLst/>
+      </dsp:spPr>
+      <dsp:style>
+        <a:lnRef idx="2">
+          <a:scrgbClr r="0" g="0" b="0"/>
+        </a:lnRef>
+        <a:fillRef idx="1">
+          <a:scrgbClr r="0" g="0" b="0"/>
+        </a:fillRef>
+        <a:effectRef idx="0">
+          <a:scrgbClr r="0" g="0" b="0"/>
+        </a:effectRef>
+        <a:fontRef idx="minor">
+          <a:schemeClr val="lt1"/>
+        </a:fontRef>
+      </dsp:style>
+      <dsp:txBody>
+        <a:bodyPr spcFirstLastPara="0" vert="horz" wrap="square" lIns="540000" tIns="63500" rIns="63500" bIns="63500" numCol="1" spcCol="1270" anchor="ctr" anchorCtr="0">
+          <a:noAutofit/>
+        </a:bodyPr>
+        <a:lstStyle/>
+        <a:p>
+          <a:pPr lvl="0" algn="ctr" defTabSz="1111250">
+            <a:lnSpc>
+              <a:spcPct val="90000"/>
+            </a:lnSpc>
+            <a:spcBef>
+              <a:spcPct val="0"/>
+            </a:spcBef>
+            <a:spcAft>
+              <a:spcPct val="35000"/>
+            </a:spcAft>
+          </a:pPr>
+          <a:r>
+            <a:rPr lang="en-US" sz="2500" kern="1200" dirty="0" smtClean="0">
+              <a:solidFill>
+                <a:srgbClr val="00B0F0"/>
+              </a:solidFill>
+            </a:rPr>
+            <a:t>Cache</a:t>
+          </a:r>
+          <a:endParaRPr lang="ru-RU" sz="2500" kern="1200" dirty="0">
+            <a:solidFill>
+              <a:srgbClr val="00B0F0"/>
+            </a:solidFill>
+          </a:endParaRPr>
+        </a:p>
+      </dsp:txBody>
+      <dsp:txXfrm>
+        <a:off x="2691225" y="1964385"/>
+        <a:ext cx="1653739" cy="459050"/>
+      </dsp:txXfrm>
+    </dsp:sp>
+    <dsp:sp modelId="{C09D1272-4CF0-4360-A709-F658F12539F1}">
+      <dsp:nvSpPr>
+        <dsp:cNvPr id="0" name=""/>
+        <dsp:cNvSpPr/>
+      </dsp:nvSpPr>
+      <dsp:spPr>
+        <a:xfrm rot="8401647">
+          <a:off x="1864315" y="1809434"/>
+          <a:ext cx="405105" cy="0"/>
+        </a:xfrm>
+        <a:custGeom>
+          <a:avLst/>
+          <a:gdLst/>
+          <a:ahLst/>
+          <a:cxnLst/>
+          <a:rect l="0" t="0" r="0" b="0"/>
+          <a:pathLst>
+            <a:path>
+              <a:moveTo>
+                <a:pt x="0" y="0"/>
+              </a:moveTo>
+              <a:lnTo>
+                <a:pt x="405105" y="0"/>
+              </a:lnTo>
+            </a:path>
+          </a:pathLst>
+        </a:custGeom>
+        <a:noFill/>
+        <a:ln w="25400" cap="flat" cmpd="sng" algn="ctr">
+          <a:solidFill>
+            <a:schemeClr val="accent1">
+              <a:shade val="60000"/>
+              <a:hueOff val="0"/>
+              <a:satOff val="0"/>
+              <a:lumOff val="0"/>
+              <a:alphaOff val="0"/>
+            </a:schemeClr>
+          </a:solidFill>
+          <a:prstDash val="solid"/>
+        </a:ln>
+        <a:effectLst/>
+      </dsp:spPr>
+      <dsp:style>
+        <a:lnRef idx="2">
+          <a:scrgbClr r="0" g="0" b="0"/>
+        </a:lnRef>
+        <a:fillRef idx="0">
+          <a:scrgbClr r="0" g="0" b="0"/>
+        </a:fillRef>
+        <a:effectRef idx="0">
+          <a:scrgbClr r="0" g="0" b="0"/>
+        </a:effectRef>
+        <a:fontRef idx="minor"/>
+      </dsp:style>
+    </dsp:sp>
+    <dsp:sp modelId="{905EE044-8A93-48F4-B923-0A245442EAF2}">
+      <dsp:nvSpPr>
+        <dsp:cNvPr id="0" name=""/>
+        <dsp:cNvSpPr/>
+      </dsp:nvSpPr>
+      <dsp:spPr>
+        <a:xfrm>
+          <a:off x="756510" y="1939558"/>
+          <a:ext cx="1703405" cy="508716"/>
+        </a:xfrm>
+        <a:prstGeom prst="roundRect">
+          <a:avLst/>
+        </a:prstGeom>
+        <a:solidFill>
+          <a:schemeClr val="bg1">
+            <a:lumMod val="95000"/>
+          </a:schemeClr>
+        </a:solidFill>
+        <a:ln w="25400" cap="flat" cmpd="sng" algn="ctr">
+          <a:solidFill>
+            <a:srgbClr val="00B0F0"/>
+          </a:solidFill>
+          <a:prstDash val="solid"/>
+        </a:ln>
+        <a:effectLst/>
+      </dsp:spPr>
+      <dsp:style>
+        <a:lnRef idx="2">
+          <a:scrgbClr r="0" g="0" b="0"/>
+        </a:lnRef>
+        <a:fillRef idx="1">
+          <a:scrgbClr r="0" g="0" b="0"/>
+        </a:fillRef>
+        <a:effectRef idx="0">
+          <a:scrgbClr r="0" g="0" b="0"/>
+        </a:effectRef>
+        <a:fontRef idx="minor">
+          <a:schemeClr val="lt1"/>
+        </a:fontRef>
+      </dsp:style>
+      <dsp:txBody>
+        <a:bodyPr spcFirstLastPara="0" vert="horz" wrap="square" lIns="540000" tIns="35560" rIns="35560" bIns="35560" numCol="1" spcCol="1270" anchor="ctr" anchorCtr="0">
+          <a:noAutofit/>
+        </a:bodyPr>
+        <a:lstStyle/>
+        <a:p>
+          <a:pPr lvl="0" algn="ctr" defTabSz="622300">
+            <a:lnSpc>
+              <a:spcPct val="90000"/>
+            </a:lnSpc>
+            <a:spcBef>
+              <a:spcPct val="0"/>
+            </a:spcBef>
+            <a:spcAft>
+              <a:spcPct val="35000"/>
+            </a:spcAft>
+          </a:pPr>
+          <a:r>
+            <a:rPr lang="en-US" sz="1400" kern="1200" dirty="0" smtClean="0">
+              <a:solidFill>
+                <a:srgbClr val="00B0F0"/>
+              </a:solidFill>
+            </a:rPr>
+            <a:t>Mobile Services</a:t>
+          </a:r>
+          <a:endParaRPr lang="ru-RU" sz="1400" kern="1200" dirty="0">
+            <a:solidFill>
+              <a:srgbClr val="00B0F0"/>
+            </a:solidFill>
+          </a:endParaRPr>
+        </a:p>
+      </dsp:txBody>
+      <dsp:txXfrm>
+        <a:off x="781343" y="1964391"/>
+        <a:ext cx="1653739" cy="459050"/>
+      </dsp:txXfrm>
+    </dsp:sp>
+    <dsp:sp modelId="{92DF3097-6005-46D4-90E5-653438AEDECF}">
+      <dsp:nvSpPr>
+        <dsp:cNvPr id="0" name=""/>
+        <dsp:cNvSpPr/>
+      </dsp:nvSpPr>
+      <dsp:spPr>
+        <a:xfrm rot="11243038">
+          <a:off x="1923897" y="1406783"/>
+          <a:ext cx="299438" cy="0"/>
+        </a:xfrm>
+        <a:custGeom>
+          <a:avLst/>
+          <a:gdLst/>
+          <a:ahLst/>
+          <a:cxnLst/>
+          <a:rect l="0" t="0" r="0" b="0"/>
+          <a:pathLst>
+            <a:path>
+              <a:moveTo>
+                <a:pt x="0" y="0"/>
+              </a:moveTo>
+              <a:lnTo>
+                <a:pt x="299438" y="0"/>
+              </a:lnTo>
+            </a:path>
+          </a:pathLst>
+        </a:custGeom>
+        <a:noFill/>
+        <a:ln w="25400" cap="flat" cmpd="sng" algn="ctr">
+          <a:solidFill>
+            <a:schemeClr val="accent1">
+              <a:shade val="60000"/>
+              <a:hueOff val="0"/>
+              <a:satOff val="0"/>
+              <a:lumOff val="0"/>
+              <a:alphaOff val="0"/>
+            </a:schemeClr>
+          </a:solidFill>
+          <a:prstDash val="solid"/>
+        </a:ln>
+        <a:effectLst/>
+      </dsp:spPr>
+      <dsp:style>
+        <a:lnRef idx="2">
+          <a:scrgbClr r="0" g="0" b="0"/>
+        </a:lnRef>
+        <a:fillRef idx="0">
+          <a:scrgbClr r="0" g="0" b="0"/>
+        </a:fillRef>
+        <a:effectRef idx="0">
+          <a:scrgbClr r="0" g="0" b="0"/>
+        </a:effectRef>
+        <a:fontRef idx="minor"/>
+      </dsp:style>
+    </dsp:sp>
+    <dsp:sp modelId="{42C5E428-457C-4D2D-B9F7-8D88B989BAC4}">
+      <dsp:nvSpPr>
+        <dsp:cNvPr id="0" name=""/>
+        <dsp:cNvSpPr/>
+      </dsp:nvSpPr>
+      <dsp:spPr>
+        <a:xfrm>
+          <a:off x="221733" y="1022809"/>
+          <a:ext cx="1703405" cy="508716"/>
+        </a:xfrm>
+        <a:prstGeom prst="roundRect">
+          <a:avLst/>
+        </a:prstGeom>
+        <a:solidFill>
+          <a:schemeClr val="bg1">
+            <a:lumMod val="95000"/>
+          </a:schemeClr>
+        </a:solidFill>
+        <a:ln w="25400" cap="flat" cmpd="sng" algn="ctr">
+          <a:solidFill>
+            <a:srgbClr val="00B0F0"/>
+          </a:solidFill>
+          <a:prstDash val="solid"/>
+        </a:ln>
+        <a:effectLst/>
+      </dsp:spPr>
+      <dsp:style>
+        <a:lnRef idx="2">
+          <a:scrgbClr r="0" g="0" b="0"/>
+        </a:lnRef>
+        <a:fillRef idx="1">
+          <a:scrgbClr r="0" g="0" b="0"/>
+        </a:fillRef>
+        <a:effectRef idx="0">
+          <a:scrgbClr r="0" g="0" b="0"/>
+        </a:effectRef>
+        <a:fontRef idx="minor">
+          <a:schemeClr val="lt1"/>
+        </a:fontRef>
+      </dsp:style>
+      <dsp:txBody>
+        <a:bodyPr spcFirstLastPara="0" vert="horz" wrap="square" lIns="540000" tIns="35560" rIns="35560" bIns="35560" numCol="1" spcCol="1270" anchor="ctr" anchorCtr="0">
+          <a:noAutofit/>
+        </a:bodyPr>
+        <a:lstStyle/>
+        <a:p>
+          <a:pPr lvl="0" algn="ctr" defTabSz="622300">
+            <a:lnSpc>
+              <a:spcPct val="90000"/>
+            </a:lnSpc>
+            <a:spcBef>
+              <a:spcPct val="0"/>
+            </a:spcBef>
+            <a:spcAft>
+              <a:spcPct val="35000"/>
+            </a:spcAft>
+          </a:pPr>
+          <a:r>
+            <a:rPr lang="en-US" sz="1400" kern="1200" dirty="0" smtClean="0">
+              <a:solidFill>
+                <a:srgbClr val="00B0F0"/>
+              </a:solidFill>
+            </a:rPr>
+            <a:t>Traffic Manager</a:t>
+          </a:r>
+          <a:endParaRPr lang="ru-RU" sz="1400" kern="1200" dirty="0">
+            <a:solidFill>
+              <a:srgbClr val="00B0F0"/>
+            </a:solidFill>
+          </a:endParaRPr>
+        </a:p>
+      </dsp:txBody>
+      <dsp:txXfrm>
+        <a:off x="246566" y="1047642"/>
+        <a:ext cx="1653739" cy="459050"/>
+      </dsp:txXfrm>
+    </dsp:sp>
+    <dsp:sp modelId="{952B87BD-0B07-49BA-9E5C-A2E5FB19EB83}">
+      <dsp:nvSpPr>
+        <dsp:cNvPr id="0" name=""/>
+        <dsp:cNvSpPr/>
+      </dsp:nvSpPr>
+      <dsp:spPr>
+        <a:xfrm rot="13557237">
+          <a:off x="1550582" y="904662"/>
+          <a:ext cx="792234" cy="0"/>
+        </a:xfrm>
+        <a:custGeom>
+          <a:avLst/>
+          <a:gdLst/>
+          <a:ahLst/>
+          <a:cxnLst/>
+          <a:rect l="0" t="0" r="0" b="0"/>
+          <a:pathLst>
+            <a:path>
+              <a:moveTo>
+                <a:pt x="0" y="0"/>
+              </a:moveTo>
+              <a:lnTo>
+                <a:pt x="792234" y="0"/>
+              </a:lnTo>
+            </a:path>
+          </a:pathLst>
+        </a:custGeom>
+        <a:noFill/>
+        <a:ln w="25400" cap="flat" cmpd="sng" algn="ctr">
+          <a:solidFill>
+            <a:schemeClr val="accent1">
+              <a:shade val="60000"/>
+              <a:hueOff val="0"/>
+              <a:satOff val="0"/>
+              <a:lumOff val="0"/>
+              <a:alphaOff val="0"/>
+            </a:schemeClr>
+          </a:solidFill>
+          <a:prstDash val="solid"/>
+        </a:ln>
+        <a:effectLst/>
+      </dsp:spPr>
+      <dsp:style>
+        <a:lnRef idx="2">
+          <a:scrgbClr r="0" g="0" b="0"/>
+        </a:lnRef>
+        <a:fillRef idx="0">
+          <a:scrgbClr r="0" g="0" b="0"/>
+        </a:fillRef>
+        <a:effectRef idx="0">
+          <a:scrgbClr r="0" g="0" b="0"/>
+        </a:effectRef>
+        <a:fontRef idx="minor"/>
+      </dsp:style>
+    </dsp:sp>
+    <dsp:sp modelId="{A1DBB35B-359C-44C1-948D-F0C4AB873D98}">
+      <dsp:nvSpPr>
+        <dsp:cNvPr id="0" name=""/>
+        <dsp:cNvSpPr/>
+      </dsp:nvSpPr>
+      <dsp:spPr>
+        <a:xfrm>
+          <a:off x="573575" y="111224"/>
+          <a:ext cx="1703405" cy="508716"/>
+        </a:xfrm>
+        <a:prstGeom prst="roundRect">
+          <a:avLst/>
+        </a:prstGeom>
+        <a:solidFill>
+          <a:schemeClr val="bg1">
+            <a:lumMod val="95000"/>
+          </a:schemeClr>
+        </a:solidFill>
+        <a:ln w="25400" cap="flat" cmpd="sng" algn="ctr">
+          <a:solidFill>
+            <a:srgbClr val="00B0F0"/>
+          </a:solidFill>
+          <a:prstDash val="solid"/>
+        </a:ln>
+        <a:effectLst/>
+      </dsp:spPr>
+      <dsp:style>
+        <a:lnRef idx="2">
+          <a:scrgbClr r="0" g="0" b="0"/>
+        </a:lnRef>
+        <a:fillRef idx="1">
+          <a:scrgbClr r="0" g="0" b="0"/>
+        </a:fillRef>
+        <a:effectRef idx="0">
+          <a:scrgbClr r="0" g="0" b="0"/>
+        </a:effectRef>
+        <a:fontRef idx="minor">
+          <a:schemeClr val="lt1"/>
+        </a:fontRef>
+      </dsp:style>
+      <dsp:txBody>
+        <a:bodyPr spcFirstLastPara="0" vert="horz" wrap="square" lIns="540000" tIns="35560" rIns="35560" bIns="35560" numCol="1" spcCol="1270" anchor="ctr" anchorCtr="0">
+          <a:noAutofit/>
+        </a:bodyPr>
+        <a:lstStyle/>
+        <a:p>
+          <a:pPr lvl="0" algn="ctr" defTabSz="622300">
+            <a:lnSpc>
+              <a:spcPct val="90000"/>
+            </a:lnSpc>
+            <a:spcBef>
+              <a:spcPct val="0"/>
+            </a:spcBef>
+            <a:spcAft>
+              <a:spcPct val="35000"/>
+            </a:spcAft>
+          </a:pPr>
+          <a:r>
+            <a:rPr lang="en-US" sz="1400" kern="1200" smtClean="0">
+              <a:solidFill>
+                <a:srgbClr val="00B0F0"/>
+              </a:solidFill>
+            </a:rPr>
+            <a:t>Storage Blobs</a:t>
+          </a:r>
+          <a:endParaRPr lang="ru-RU" sz="1400" kern="1200" dirty="0">
+            <a:solidFill>
+              <a:srgbClr val="00B0F0"/>
+            </a:solidFill>
+          </a:endParaRPr>
+        </a:p>
+      </dsp:txBody>
+      <dsp:txXfrm>
+        <a:off x="598408" y="136057"/>
+        <a:ext cx="1653739" cy="459050"/>
+      </dsp:txXfrm>
+    </dsp:sp>
   </dsp:spTree>
 </dsp:drawing>
 </file>
@@ -18629,7 +20658,7 @@
             <a:fld id="{C3402240-18E8-4BA6-A53E-7A1792A59EEC}" type="datetimeFigureOut">
               <a:rPr lang="en-US" smtClean="0"/>
               <a:pPr/>
-              <a:t>6/12/2015</a:t>
+              <a:t>6/14/2015</a:t>
             </a:fld>
             <a:endParaRPr lang="en-US"/>
           </a:p>
@@ -19923,13 +21952,25 @@
           <a:p>
             <a:r>
               <a:rPr lang="en-US" dirty="0" smtClean="0"/>
-              <a:t>How could </a:t>
+              <a:t>How could be created</a:t>
             </a:r>
             <a:r>
-              <a:rPr lang="en-US" smtClean="0"/>
-              <a:t>be created?</a:t>
+              <a:rPr lang="en-US" dirty="0" smtClean="0"/>
+              <a:t>?</a:t>
             </a:r>
-            <a:endParaRPr lang="ru-RU"/>
+          </a:p>
+          <a:p>
+            <a:endParaRPr lang="en-US" dirty="0" smtClean="0"/>
+          </a:p>
+          <a:p>
+            <a:endParaRPr lang="en-US" dirty="0" smtClean="0"/>
+          </a:p>
+          <a:p>
+            <a:r>
+              <a:rPr lang="en-US" dirty="0" smtClean="0"/>
+              <a:t>http://stackoverflow.com/questions/7342597/how-do-you-comment-out-code-in-powershell</a:t>
+            </a:r>
+            <a:endParaRPr lang="ru-RU" dirty="0"/>
           </a:p>
         </p:txBody>
       </p:sp>
@@ -22167,7 +24208,7 @@
             <a:fld id="{5B106E36-FD25-4E2D-B0AA-010F637433A0}" type="datetimeFigureOut">
               <a:rPr lang="ru-RU" smtClean="0"/>
               <a:pPr/>
-              <a:t>12.06.2015</a:t>
+              <a:t>14.06.2015</a:t>
             </a:fld>
             <a:endParaRPr lang="ru-RU"/>
           </a:p>
@@ -22439,7 +24480,7 @@
             <a:fld id="{5B106E36-FD25-4E2D-B0AA-010F637433A0}" type="datetimeFigureOut">
               <a:rPr lang="ru-RU" smtClean="0"/>
               <a:pPr/>
-              <a:t>12.06.2015</a:t>
+              <a:t>14.06.2015</a:t>
             </a:fld>
             <a:endParaRPr lang="ru-RU"/>
           </a:p>
@@ -22632,7 +24673,7 @@
             <a:fld id="{5B106E36-FD25-4E2D-B0AA-010F637433A0}" type="datetimeFigureOut">
               <a:rPr lang="ru-RU" smtClean="0"/>
               <a:pPr/>
-              <a:t>12.06.2015</a:t>
+              <a:t>14.06.2015</a:t>
             </a:fld>
             <a:endParaRPr lang="ru-RU"/>
           </a:p>
@@ -23098,7 +25139,7 @@
             <a:fld id="{5B106E36-FD25-4E2D-B0AA-010F637433A0}" type="datetimeFigureOut">
               <a:rPr lang="ru-RU" smtClean="0"/>
               <a:pPr/>
-              <a:t>12.06.2015</a:t>
+              <a:t>14.06.2015</a:t>
             </a:fld>
             <a:endParaRPr lang="ru-RU"/>
           </a:p>
@@ -23389,7 +25430,7 @@
             <a:fld id="{5B106E36-FD25-4E2D-B0AA-010F637433A0}" type="datetimeFigureOut">
               <a:rPr lang="ru-RU" smtClean="0"/>
               <a:pPr/>
-              <a:t>12.06.2015</a:t>
+              <a:t>14.06.2015</a:t>
             </a:fld>
             <a:endParaRPr lang="ru-RU"/>
           </a:p>
@@ -23690,7 +25731,7 @@
             <a:fld id="{5B106E36-FD25-4E2D-B0AA-010F637433A0}" type="datetimeFigureOut">
               <a:rPr lang="ru-RU" smtClean="0"/>
               <a:pPr/>
-              <a:t>12.06.2015</a:t>
+              <a:t>14.06.2015</a:t>
             </a:fld>
             <a:endParaRPr lang="ru-RU"/>
           </a:p>
@@ -24125,7 +26166,7 @@
             <a:fld id="{5B106E36-FD25-4E2D-B0AA-010F637433A0}" type="datetimeFigureOut">
               <a:rPr lang="ru-RU" smtClean="0"/>
               <a:pPr/>
-              <a:t>12.06.2015</a:t>
+              <a:t>14.06.2015</a:t>
             </a:fld>
             <a:endParaRPr lang="ru-RU"/>
           </a:p>
@@ -24302,7 +26343,7 @@
             <a:fld id="{5B106E36-FD25-4E2D-B0AA-010F637433A0}" type="datetimeFigureOut">
               <a:rPr lang="ru-RU" smtClean="0"/>
               <a:pPr/>
-              <a:t>12.06.2015</a:t>
+              <a:t>14.06.2015</a:t>
             </a:fld>
             <a:endParaRPr lang="ru-RU"/>
           </a:p>
@@ -24442,7 +26483,7 @@
             <a:fld id="{5B106E36-FD25-4E2D-B0AA-010F637433A0}" type="datetimeFigureOut">
               <a:rPr lang="ru-RU" smtClean="0"/>
               <a:pPr/>
-              <a:t>12.06.2015</a:t>
+              <a:t>14.06.2015</a:t>
             </a:fld>
             <a:endParaRPr lang="ru-RU"/>
           </a:p>
@@ -24764,7 +26805,7 @@
             <a:fld id="{5B106E36-FD25-4E2D-B0AA-010F637433A0}" type="datetimeFigureOut">
               <a:rPr lang="ru-RU" smtClean="0"/>
               <a:pPr/>
-              <a:t>12.06.2015</a:t>
+              <a:t>14.06.2015</a:t>
             </a:fld>
             <a:endParaRPr lang="ru-RU"/>
           </a:p>
@@ -25025,7 +27066,7 @@
             <a:fld id="{5B106E36-FD25-4E2D-B0AA-010F637433A0}" type="datetimeFigureOut">
               <a:rPr lang="ru-RU" smtClean="0"/>
               <a:pPr/>
-              <a:t>12.06.2015</a:t>
+              <a:t>14.06.2015</a:t>
             </a:fld>
             <a:endParaRPr lang="ru-RU"/>
           </a:p>
@@ -25245,7 +27286,7 @@
             <a:fld id="{5B106E36-FD25-4E2D-B0AA-010F637433A0}" type="datetimeFigureOut">
               <a:rPr lang="ru-RU" smtClean="0"/>
               <a:pPr/>
-              <a:t>12.06.2015</a:t>
+              <a:t>14.06.2015</a:t>
             </a:fld>
             <a:endParaRPr lang="ru-RU"/>
           </a:p>
@@ -34284,7 +36325,7 @@
           <a:p>
             <a:r>
               <a:rPr lang="en-US" dirty="0" smtClean="0"/>
-              <a:t>Azure Subscription </a:t>
+              <a:t>How to Try (Free Trial)</a:t>
             </a:r>
             <a:endParaRPr lang="ru-RU" dirty="0"/>
           </a:p>
@@ -34305,7 +36346,7 @@
           <a:bodyPr/>
           <a:lstStyle/>
           <a:p>
-            <a:endParaRPr lang="ru-RU"/>
+            <a:endParaRPr lang="ru-RU" dirty="0"/>
           </a:p>
         </p:txBody>
       </p:sp>
@@ -34740,7 +36781,130 @@
   <p:timing>
     <p:tnLst>
       <p:par>
-        <p:cTn id="1" dur="indefinite" restart="never" nodeType="tmRoot"/>
+        <p:cTn id="1" dur="indefinite" restart="never" nodeType="tmRoot">
+          <p:childTnLst>
+            <p:seq concurrent="1" nextAc="seek">
+              <p:cTn id="2" dur="indefinite" nodeType="mainSeq">
+                <p:childTnLst>
+                  <p:par>
+                    <p:cTn id="3" fill="hold">
+                      <p:stCondLst>
+                        <p:cond delay="indefinite"/>
+                        <p:cond evt="onBegin" delay="0">
+                          <p:tn val="2"/>
+                        </p:cond>
+                      </p:stCondLst>
+                      <p:childTnLst>
+                        <p:par>
+                          <p:cTn id="4" fill="hold">
+                            <p:stCondLst>
+                              <p:cond delay="0"/>
+                            </p:stCondLst>
+                            <p:childTnLst>
+                              <p:par>
+                                <p:cTn id="5" presetID="22" presetClass="entr" presetSubtype="1" fill="hold" nodeType="afterEffect">
+                                  <p:stCondLst>
+                                    <p:cond delay="0"/>
+                                  </p:stCondLst>
+                                  <p:childTnLst>
+                                    <p:set>
+                                      <p:cBhvr>
+                                        <p:cTn id="6" dur="1" fill="hold">
+                                          <p:stCondLst>
+                                            <p:cond delay="0"/>
+                                          </p:stCondLst>
+                                        </p:cTn>
+                                        <p:tgtEl>
+                                          <p:spTgt spid="3"/>
+                                        </p:tgtEl>
+                                        <p:attrNameLst>
+                                          <p:attrName>style.visibility</p:attrName>
+                                        </p:attrNameLst>
+                                      </p:cBhvr>
+                                      <p:to>
+                                        <p:strVal val="visible"/>
+                                      </p:to>
+                                    </p:set>
+                                    <p:animEffect transition="in" filter="wipe(up)">
+                                      <p:cBhvr>
+                                        <p:cTn id="7" dur="500"/>
+                                        <p:tgtEl>
+                                          <p:spTgt spid="3"/>
+                                        </p:tgtEl>
+                                      </p:cBhvr>
+                                    </p:animEffect>
+                                  </p:childTnLst>
+                                </p:cTn>
+                              </p:par>
+                            </p:childTnLst>
+                          </p:cTn>
+                        </p:par>
+                        <p:par>
+                          <p:cTn id="8" fill="hold">
+                            <p:stCondLst>
+                              <p:cond delay="500"/>
+                            </p:stCondLst>
+                            <p:childTnLst>
+                              <p:par>
+                                <p:cTn id="9" presetID="22" presetClass="entr" presetSubtype="1" fill="hold" nodeType="afterEffect">
+                                  <p:stCondLst>
+                                    <p:cond delay="0"/>
+                                  </p:stCondLst>
+                                  <p:childTnLst>
+                                    <p:set>
+                                      <p:cBhvr>
+                                        <p:cTn id="10" dur="1" fill="hold">
+                                          <p:stCondLst>
+                                            <p:cond delay="0"/>
+                                          </p:stCondLst>
+                                        </p:cTn>
+                                        <p:tgtEl>
+                                          <p:spTgt spid="9"/>
+                                        </p:tgtEl>
+                                        <p:attrNameLst>
+                                          <p:attrName>style.visibility</p:attrName>
+                                        </p:attrNameLst>
+                                      </p:cBhvr>
+                                      <p:to>
+                                        <p:strVal val="visible"/>
+                                      </p:to>
+                                    </p:set>
+                                    <p:animEffect transition="in" filter="wipe(up)">
+                                      <p:cBhvr>
+                                        <p:cTn id="11" dur="500"/>
+                                        <p:tgtEl>
+                                          <p:spTgt spid="9"/>
+                                        </p:tgtEl>
+                                      </p:cBhvr>
+                                    </p:animEffect>
+                                  </p:childTnLst>
+                                </p:cTn>
+                              </p:par>
+                            </p:childTnLst>
+                          </p:cTn>
+                        </p:par>
+                      </p:childTnLst>
+                    </p:cTn>
+                  </p:par>
+                </p:childTnLst>
+              </p:cTn>
+              <p:prevCondLst>
+                <p:cond evt="onPrev" delay="0">
+                  <p:tgtEl>
+                    <p:sldTgt/>
+                  </p:tgtEl>
+                </p:cond>
+              </p:prevCondLst>
+              <p:nextCondLst>
+                <p:cond evt="onNext" delay="0">
+                  <p:tgtEl>
+                    <p:sldTgt/>
+                  </p:tgtEl>
+                </p:cond>
+              </p:nextCondLst>
+            </p:seq>
+          </p:childTnLst>
+        </p:cTn>
       </p:par>
     </p:tnLst>
   </p:timing>
@@ -34884,15 +37048,401 @@
             <p:ph idx="1"/>
           </p:nvPr>
         </p:nvSpPr>
-        <p:spPr/>
+        <p:spPr>
+          <a:xfrm>
+            <a:off x="2133600" y="1600203"/>
+            <a:ext cx="10696750" cy="7295619"/>
+          </a:xfrm>
+        </p:spPr>
         <p:txBody>
           <a:bodyPr/>
           <a:lstStyle/>
+          <a:p>
+            <a:pPr>
+              <a:lnSpc>
+                <a:spcPct val="150000"/>
+              </a:lnSpc>
+            </a:pPr>
+            <a:r>
+              <a:rPr lang="en-US" dirty="0" smtClean="0"/>
+              <a:t>From Management Portals</a:t>
+            </a:r>
+          </a:p>
+          <a:p>
+            <a:pPr>
+              <a:lnSpc>
+                <a:spcPct val="150000"/>
+              </a:lnSpc>
+            </a:pPr>
+            <a:endParaRPr lang="en-US" dirty="0"/>
+          </a:p>
+          <a:p>
+            <a:pPr>
+              <a:lnSpc>
+                <a:spcPct val="150000"/>
+              </a:lnSpc>
+            </a:pPr>
+            <a:endParaRPr lang="en-US" dirty="0" smtClean="0"/>
+          </a:p>
+          <a:p>
+            <a:r>
+              <a:rPr lang="en-US" dirty="0" smtClean="0"/>
+              <a:t>From Visual Studio Interface</a:t>
+            </a:r>
+          </a:p>
+          <a:p>
+            <a:endParaRPr lang="en-US" dirty="0"/>
+          </a:p>
+          <a:p>
+            <a:endParaRPr lang="en-US" dirty="0" smtClean="0"/>
+          </a:p>
+          <a:p>
+            <a:endParaRPr lang="en-US" dirty="0"/>
+          </a:p>
+          <a:p>
+            <a:endParaRPr lang="en-US" dirty="0" smtClean="0"/>
+          </a:p>
+          <a:p>
+            <a:r>
+              <a:rPr lang="en-US" dirty="0"/>
+              <a:t>Using PowerShell Console</a:t>
+            </a:r>
+            <a:endParaRPr lang="ru-RU" dirty="0"/>
+          </a:p>
+          <a:p>
+            <a:endParaRPr lang="en-US" dirty="0" smtClean="0"/>
+          </a:p>
           <a:p>
             <a:endParaRPr lang="ru-RU" dirty="0"/>
           </a:p>
         </p:txBody>
       </p:sp>
+      <p:grpSp>
+        <p:nvGrpSpPr>
+          <p:cNvPr id="2" name="Group 1"/>
+          <p:cNvGrpSpPr/>
+          <p:nvPr/>
+        </p:nvGrpSpPr>
+        <p:grpSpPr>
+          <a:xfrm>
+            <a:off x="6358273" y="1484784"/>
+            <a:ext cx="5688632" cy="1944216"/>
+            <a:chOff x="3863752" y="2564904"/>
+            <a:chExt cx="5688632" cy="1944216"/>
+          </a:xfrm>
+        </p:grpSpPr>
+        <p:grpSp>
+          <p:nvGrpSpPr>
+            <p:cNvPr id="6" name="Group 5"/>
+            <p:cNvGrpSpPr/>
+            <p:nvPr/>
+          </p:nvGrpSpPr>
+          <p:grpSpPr>
+            <a:xfrm>
+              <a:off x="3863752" y="2564904"/>
+              <a:ext cx="5688632" cy="1944216"/>
+              <a:chOff x="3719736" y="3273204"/>
+              <a:chExt cx="5688632" cy="1944216"/>
+            </a:xfrm>
+          </p:grpSpPr>
+          <p:sp>
+            <p:nvSpPr>
+              <p:cNvPr id="7" name="Rectangle 6"/>
+              <p:cNvSpPr/>
+              <p:nvPr/>
+            </p:nvSpPr>
+            <p:spPr>
+              <a:xfrm>
+                <a:off x="3719736" y="3538513"/>
+                <a:ext cx="5688632" cy="1678907"/>
+              </a:xfrm>
+              <a:prstGeom prst="rect">
+                <a:avLst/>
+              </a:prstGeom>
+              <a:solidFill>
+                <a:schemeClr val="bg1"/>
+              </a:solidFill>
+              <a:ln>
+                <a:solidFill>
+                  <a:srgbClr val="CC0000"/>
+                </a:solidFill>
+              </a:ln>
+            </p:spPr>
+            <p:style>
+              <a:lnRef idx="2">
+                <a:schemeClr val="accent1">
+                  <a:shade val="50000"/>
+                </a:schemeClr>
+              </a:lnRef>
+              <a:fillRef idx="1">
+                <a:schemeClr val="accent1"/>
+              </a:fillRef>
+              <a:effectRef idx="0">
+                <a:schemeClr val="accent1"/>
+              </a:effectRef>
+              <a:fontRef idx="minor">
+                <a:schemeClr val="lt1"/>
+              </a:fontRef>
+            </p:style>
+            <p:txBody>
+              <a:bodyPr rtlCol="0" anchor="ctr"/>
+              <a:lstStyle/>
+              <a:p>
+                <a:pPr algn="ctr"/>
+                <a:endParaRPr lang="ru-RU"/>
+              </a:p>
+            </p:txBody>
+          </p:sp>
+          <p:sp>
+            <p:nvSpPr>
+              <p:cNvPr id="8" name="Rectangle 7"/>
+              <p:cNvSpPr/>
+              <p:nvPr/>
+            </p:nvSpPr>
+            <p:spPr>
+              <a:xfrm>
+                <a:off x="7896200" y="3273204"/>
+                <a:ext cx="1512168" cy="389318"/>
+              </a:xfrm>
+              <a:prstGeom prst="rect">
+                <a:avLst/>
+              </a:prstGeom>
+            </p:spPr>
+            <p:style>
+              <a:lnRef idx="2">
+                <a:schemeClr val="accent2">
+                  <a:shade val="50000"/>
+                </a:schemeClr>
+              </a:lnRef>
+              <a:fillRef idx="1">
+                <a:schemeClr val="accent2"/>
+              </a:fillRef>
+              <a:effectRef idx="0">
+                <a:schemeClr val="accent2"/>
+              </a:effectRef>
+              <a:fontRef idx="minor">
+                <a:schemeClr val="lt1"/>
+              </a:fontRef>
+            </p:style>
+            <p:txBody>
+              <a:bodyPr rtlCol="0" anchor="ctr"/>
+              <a:lstStyle/>
+              <a:p>
+                <a:pPr algn="ctr"/>
+                <a:r>
+                  <a:rPr lang="en-US" dirty="0" smtClean="0"/>
+                  <a:t>Screenshot</a:t>
+                </a:r>
+                <a:endParaRPr lang="ru-RU" dirty="0"/>
+              </a:p>
+            </p:txBody>
+          </p:sp>
+        </p:grpSp>
+        <p:pic>
+          <p:nvPicPr>
+            <p:cNvPr id="11" name="Picture 2" descr="C:\Users\Ryabov\AppData\Local\Temp\SNAGHTMLa2391d2.PNG"/>
+            <p:cNvPicPr>
+              <a:picLocks noChangeAspect="1" noChangeArrowheads="1"/>
+            </p:cNvPicPr>
+            <p:nvPr/>
+          </p:nvPicPr>
+          <p:blipFill>
+            <a:blip r:embed="rId3">
+              <a:extLst>
+                <a:ext uri="{28A0092B-C50C-407E-A947-70E740481C1C}">
+                  <a14:useLocalDpi xmlns:a14="http://schemas.microsoft.com/office/drawing/2010/main" val="0"/>
+                </a:ext>
+              </a:extLst>
+            </a:blip>
+            <a:srcRect/>
+            <a:stretch>
+              <a:fillRect/>
+            </a:stretch>
+          </p:blipFill>
+          <p:spPr bwMode="auto">
+            <a:xfrm>
+              <a:off x="4331308" y="3049679"/>
+              <a:ext cx="4753520" cy="1363984"/>
+            </a:xfrm>
+            <a:prstGeom prst="rect">
+              <a:avLst/>
+            </a:prstGeom>
+            <a:noFill/>
+            <a:extLst>
+              <a:ext uri="{909E8E84-426E-40DD-AFC4-6F175D3DCCD1}">
+                <a14:hiddenFill xmlns:a14="http://schemas.microsoft.com/office/drawing/2010/main">
+                  <a:solidFill>
+                    <a:srgbClr val="FFFFFF"/>
+                  </a:solidFill>
+                </a14:hiddenFill>
+              </a:ext>
+            </a:extLst>
+          </p:spPr>
+        </p:pic>
+      </p:grpSp>
+      <p:grpSp>
+        <p:nvGrpSpPr>
+          <p:cNvPr id="3" name="Group 2"/>
+          <p:cNvGrpSpPr/>
+          <p:nvPr/>
+        </p:nvGrpSpPr>
+        <p:grpSpPr>
+          <a:xfrm>
+            <a:off x="6341535" y="3717032"/>
+            <a:ext cx="5688632" cy="1944216"/>
+            <a:chOff x="469776" y="2528900"/>
+            <a:chExt cx="5688632" cy="1944216"/>
+          </a:xfrm>
+        </p:grpSpPr>
+        <p:grpSp>
+          <p:nvGrpSpPr>
+            <p:cNvPr id="14" name="Group 13"/>
+            <p:cNvGrpSpPr/>
+            <p:nvPr/>
+          </p:nvGrpSpPr>
+          <p:grpSpPr>
+            <a:xfrm>
+              <a:off x="469776" y="2528900"/>
+              <a:ext cx="5688632" cy="1944216"/>
+              <a:chOff x="3719736" y="3273204"/>
+              <a:chExt cx="5688632" cy="1944216"/>
+            </a:xfrm>
+          </p:grpSpPr>
+          <p:sp>
+            <p:nvSpPr>
+              <p:cNvPr id="16" name="Rectangle 15"/>
+              <p:cNvSpPr/>
+              <p:nvPr/>
+            </p:nvSpPr>
+            <p:spPr>
+              <a:xfrm>
+                <a:off x="3719736" y="3538513"/>
+                <a:ext cx="5688632" cy="1678907"/>
+              </a:xfrm>
+              <a:prstGeom prst="rect">
+                <a:avLst/>
+              </a:prstGeom>
+              <a:solidFill>
+                <a:schemeClr val="bg1"/>
+              </a:solidFill>
+              <a:ln>
+                <a:solidFill>
+                  <a:srgbClr val="CC0000"/>
+                </a:solidFill>
+              </a:ln>
+            </p:spPr>
+            <p:style>
+              <a:lnRef idx="2">
+                <a:schemeClr val="accent1">
+                  <a:shade val="50000"/>
+                </a:schemeClr>
+              </a:lnRef>
+              <a:fillRef idx="1">
+                <a:schemeClr val="accent1"/>
+              </a:fillRef>
+              <a:effectRef idx="0">
+                <a:schemeClr val="accent1"/>
+              </a:effectRef>
+              <a:fontRef idx="minor">
+                <a:schemeClr val="lt1"/>
+              </a:fontRef>
+            </p:style>
+            <p:txBody>
+              <a:bodyPr rtlCol="0" anchor="ctr"/>
+              <a:lstStyle/>
+              <a:p>
+                <a:pPr algn="ctr"/>
+                <a:endParaRPr lang="ru-RU"/>
+              </a:p>
+            </p:txBody>
+          </p:sp>
+          <p:sp>
+            <p:nvSpPr>
+              <p:cNvPr id="17" name="Rectangle 16"/>
+              <p:cNvSpPr/>
+              <p:nvPr/>
+            </p:nvSpPr>
+            <p:spPr>
+              <a:xfrm>
+                <a:off x="7896200" y="3273204"/>
+                <a:ext cx="1512168" cy="389318"/>
+              </a:xfrm>
+              <a:prstGeom prst="rect">
+                <a:avLst/>
+              </a:prstGeom>
+            </p:spPr>
+            <p:style>
+              <a:lnRef idx="2">
+                <a:schemeClr val="accent2">
+                  <a:shade val="50000"/>
+                </a:schemeClr>
+              </a:lnRef>
+              <a:fillRef idx="1">
+                <a:schemeClr val="accent2"/>
+              </a:fillRef>
+              <a:effectRef idx="0">
+                <a:schemeClr val="accent2"/>
+              </a:effectRef>
+              <a:fontRef idx="minor">
+                <a:schemeClr val="lt1"/>
+              </a:fontRef>
+            </p:style>
+            <p:txBody>
+              <a:bodyPr rtlCol="0" anchor="ctr"/>
+              <a:lstStyle/>
+              <a:p>
+                <a:pPr algn="ctr"/>
+                <a:r>
+                  <a:rPr lang="en-US" dirty="0" smtClean="0"/>
+                  <a:t>Screenshot</a:t>
+                </a:r>
+                <a:endParaRPr lang="ru-RU" dirty="0"/>
+              </a:p>
+            </p:txBody>
+          </p:sp>
+        </p:grpSp>
+        <p:pic>
+          <p:nvPicPr>
+            <p:cNvPr id="18" name="Picture 4" descr="C:\Users\Ryabov\AppData\Local\Temp\SNAGHTMLa2b65e8.PNG"/>
+            <p:cNvPicPr>
+              <a:picLocks noChangeAspect="1" noChangeArrowheads="1"/>
+            </p:cNvPicPr>
+            <p:nvPr/>
+          </p:nvPicPr>
+          <p:blipFill>
+            <a:blip r:embed="rId4">
+              <a:extLst>
+                <a:ext uri="{28A0092B-C50C-407E-A947-70E740481C1C}">
+                  <a14:useLocalDpi xmlns:a14="http://schemas.microsoft.com/office/drawing/2010/main" val="0"/>
+                </a:ext>
+              </a:extLst>
+            </a:blip>
+            <a:srcRect/>
+            <a:stretch>
+              <a:fillRect/>
+            </a:stretch>
+          </p:blipFill>
+          <p:spPr bwMode="auto">
+            <a:xfrm>
+              <a:off x="1127448" y="3047593"/>
+              <a:ext cx="4521104" cy="1172138"/>
+            </a:xfrm>
+            <a:prstGeom prst="rect">
+              <a:avLst/>
+            </a:prstGeom>
+            <a:noFill/>
+            <a:extLst>
+              <a:ext uri="{909E8E84-426E-40DD-AFC4-6F175D3DCCD1}">
+                <a14:hiddenFill xmlns:a14="http://schemas.microsoft.com/office/drawing/2010/main">
+                  <a:solidFill>
+                    <a:srgbClr val="FFFFFF"/>
+                  </a:solidFill>
+                </a14:hiddenFill>
+              </a:ext>
+            </a:extLst>
+          </p:spPr>
+        </p:pic>
+      </p:grpSp>
     </p:spTree>
     <p:extLst>
       <p:ext uri="{BB962C8B-B14F-4D97-AF65-F5344CB8AC3E}">
@@ -34903,6 +37453,136 @@
   <p:clrMapOvr>
     <a:masterClrMapping/>
   </p:clrMapOvr>
+  <p:timing>
+    <p:tnLst>
+      <p:par>
+        <p:cTn id="1" dur="indefinite" restart="never" nodeType="tmRoot">
+          <p:childTnLst>
+            <p:seq concurrent="1" nextAc="seek">
+              <p:cTn id="2" dur="indefinite" nodeType="mainSeq">
+                <p:childTnLst>
+                  <p:par>
+                    <p:cTn id="3" fill="hold">
+                      <p:stCondLst>
+                        <p:cond delay="indefinite"/>
+                        <p:cond evt="onBegin" delay="0">
+                          <p:tn val="2"/>
+                        </p:cond>
+                      </p:stCondLst>
+                      <p:childTnLst>
+                        <p:par>
+                          <p:cTn id="4" fill="hold">
+                            <p:stCondLst>
+                              <p:cond delay="0"/>
+                            </p:stCondLst>
+                            <p:childTnLst>
+                              <p:par>
+                                <p:cTn id="5" presetID="22" presetClass="entr" presetSubtype="1" fill="hold" nodeType="afterEffect">
+                                  <p:stCondLst>
+                                    <p:cond delay="0"/>
+                                  </p:stCondLst>
+                                  <p:childTnLst>
+                                    <p:set>
+                                      <p:cBhvr>
+                                        <p:cTn id="6" dur="1" fill="hold">
+                                          <p:stCondLst>
+                                            <p:cond delay="0"/>
+                                          </p:stCondLst>
+                                        </p:cTn>
+                                        <p:tgtEl>
+                                          <p:spTgt spid="2"/>
+                                        </p:tgtEl>
+                                        <p:attrNameLst>
+                                          <p:attrName>style.visibility</p:attrName>
+                                        </p:attrNameLst>
+                                      </p:cBhvr>
+                                      <p:to>
+                                        <p:strVal val="visible"/>
+                                      </p:to>
+                                    </p:set>
+                                    <p:animEffect transition="in" filter="wipe(up)">
+                                      <p:cBhvr>
+                                        <p:cTn id="7" dur="500"/>
+                                        <p:tgtEl>
+                                          <p:spTgt spid="2"/>
+                                        </p:tgtEl>
+                                      </p:cBhvr>
+                                    </p:animEffect>
+                                  </p:childTnLst>
+                                </p:cTn>
+                              </p:par>
+                            </p:childTnLst>
+                          </p:cTn>
+                        </p:par>
+                        <p:par>
+                          <p:cTn id="8" fill="hold">
+                            <p:stCondLst>
+                              <p:cond delay="500"/>
+                            </p:stCondLst>
+                            <p:childTnLst>
+                              <p:par>
+                                <p:cTn id="9" presetID="22" presetClass="entr" presetSubtype="1" fill="hold" nodeType="afterEffect">
+                                  <p:stCondLst>
+                                    <p:cond delay="0"/>
+                                  </p:stCondLst>
+                                  <p:childTnLst>
+                                    <p:set>
+                                      <p:cBhvr>
+                                        <p:cTn id="10" dur="1" fill="hold">
+                                          <p:stCondLst>
+                                            <p:cond delay="0"/>
+                                          </p:stCondLst>
+                                        </p:cTn>
+                                        <p:tgtEl>
+                                          <p:spTgt spid="3"/>
+                                        </p:tgtEl>
+                                        <p:attrNameLst>
+                                          <p:attrName>style.visibility</p:attrName>
+                                        </p:attrNameLst>
+                                      </p:cBhvr>
+                                      <p:to>
+                                        <p:strVal val="visible"/>
+                                      </p:to>
+                                    </p:set>
+                                    <p:animEffect transition="in" filter="wipe(up)">
+                                      <p:cBhvr>
+                                        <p:cTn id="11" dur="500"/>
+                                        <p:tgtEl>
+                                          <p:spTgt spid="3"/>
+                                        </p:tgtEl>
+                                      </p:cBhvr>
+                                    </p:animEffect>
+                                  </p:childTnLst>
+                                </p:cTn>
+                              </p:par>
+                            </p:childTnLst>
+                          </p:cTn>
+                        </p:par>
+                      </p:childTnLst>
+                    </p:cTn>
+                  </p:par>
+                </p:childTnLst>
+              </p:cTn>
+              <p:prevCondLst>
+                <p:cond evt="onPrev" delay="0">
+                  <p:tgtEl>
+                    <p:sldTgt/>
+                  </p:tgtEl>
+                </p:cond>
+              </p:prevCondLst>
+              <p:nextCondLst>
+                <p:cond evt="onNext" delay="0">
+                  <p:tgtEl>
+                    <p:sldTgt/>
+                  </p:tgtEl>
+                </p:cond>
+              </p:nextCondLst>
+            </p:seq>
+          </p:childTnLst>
+        </p:cTn>
+      </p:par>
+    </p:tnLst>
+  </p:timing>
 </p:sld>
 </file>
 
@@ -35221,229 +37901,267 @@
           </a:p>
         </p:txBody>
       </p:sp>
-      <p:sp>
-        <p:nvSpPr>
-          <p:cNvPr id="6" name="Rounded Rectangle 5"/>
-          <p:cNvSpPr/>
+      <p:grpSp>
+        <p:nvGrpSpPr>
+          <p:cNvPr id="4" name="Group 3"/>
+          <p:cNvGrpSpPr/>
           <p:nvPr/>
-        </p:nvSpPr>
-        <p:spPr>
+        </p:nvGrpSpPr>
+        <p:grpSpPr>
           <a:xfrm>
-            <a:off x="1806784" y="1747370"/>
+            <a:off x="1806784" y="1412776"/>
             <a:ext cx="10009112" cy="1393597"/>
+            <a:chOff x="1806784" y="1747370"/>
+            <a:chExt cx="10009112" cy="1393597"/>
           </a:xfrm>
-          <a:prstGeom prst="roundRect">
-            <a:avLst/>
-          </a:prstGeom>
-          <a:solidFill>
-            <a:schemeClr val="bg1">
-              <a:lumMod val="95000"/>
-            </a:schemeClr>
-          </a:solidFill>
-          <a:ln>
+        </p:grpSpPr>
+        <p:sp>
+          <p:nvSpPr>
+            <p:cNvPr id="6" name="Rounded Rectangle 5"/>
+            <p:cNvSpPr/>
+            <p:nvPr/>
+          </p:nvSpPr>
+          <p:spPr>
+            <a:xfrm>
+              <a:off x="1806784" y="1747370"/>
+              <a:ext cx="10009112" cy="1393597"/>
+            </a:xfrm>
+            <a:prstGeom prst="roundRect">
+              <a:avLst/>
+            </a:prstGeom>
             <a:solidFill>
-              <a:srgbClr val="00B0F0"/>
+              <a:schemeClr val="bg1">
+                <a:lumMod val="95000"/>
+              </a:schemeClr>
             </a:solidFill>
-          </a:ln>
-        </p:spPr>
-        <p:style>
-          <a:lnRef idx="2">
-            <a:schemeClr val="accent1">
-              <a:shade val="50000"/>
-            </a:schemeClr>
-          </a:lnRef>
-          <a:fillRef idx="1">
-            <a:schemeClr val="accent1"/>
-          </a:fillRef>
-          <a:effectRef idx="0">
-            <a:schemeClr val="accent1"/>
-          </a:effectRef>
-          <a:fontRef idx="minor">
-            <a:schemeClr val="lt1"/>
-          </a:fontRef>
-        </p:style>
-        <p:txBody>
-          <a:bodyPr rtlCol="0" anchor="ctr"/>
-          <a:lstStyle/>
-          <a:p>
-            <a:pPr algn="ctr"/>
-            <a:endParaRPr lang="ru-RU"/>
-          </a:p>
-        </p:txBody>
-      </p:sp>
-      <p:sp>
-        <p:nvSpPr>
-          <p:cNvPr id="7" name="Rectangle 6"/>
-          <p:cNvSpPr/>
+            <a:ln>
+              <a:solidFill>
+                <a:srgbClr val="00B0F0"/>
+              </a:solidFill>
+            </a:ln>
+          </p:spPr>
+          <p:style>
+            <a:lnRef idx="2">
+              <a:schemeClr val="accent1">
+                <a:shade val="50000"/>
+              </a:schemeClr>
+            </a:lnRef>
+            <a:fillRef idx="1">
+              <a:schemeClr val="accent1"/>
+            </a:fillRef>
+            <a:effectRef idx="0">
+              <a:schemeClr val="accent1"/>
+            </a:effectRef>
+            <a:fontRef idx="minor">
+              <a:schemeClr val="lt1"/>
+            </a:fontRef>
+          </p:style>
+          <p:txBody>
+            <a:bodyPr rtlCol="0" anchor="ctr"/>
+            <a:lstStyle/>
+            <a:p>
+              <a:pPr algn="ctr"/>
+              <a:endParaRPr lang="ru-RU"/>
+            </a:p>
+          </p:txBody>
+        </p:sp>
+        <p:sp>
+          <p:nvSpPr>
+            <p:cNvPr id="7" name="Rectangle 6"/>
+            <p:cNvSpPr/>
+            <p:nvPr/>
+          </p:nvSpPr>
+          <p:spPr>
+            <a:xfrm>
+              <a:off x="1943100" y="2019378"/>
+              <a:ext cx="9728780" cy="830997"/>
+            </a:xfrm>
+            <a:prstGeom prst="rect">
+              <a:avLst/>
+            </a:prstGeom>
+          </p:spPr>
+          <p:txBody>
+            <a:bodyPr wrap="square">
+              <a:spAutoFit/>
+            </a:bodyPr>
+            <a:lstStyle/>
+            <a:p>
+              <a:r>
+                <a:rPr lang="en-US" sz="2400" dirty="0" smtClean="0"/>
+                <a:t>	</a:t>
+              </a:r>
+              <a:r>
+                <a:rPr lang="en-US" sz="2400" dirty="0" smtClean="0"/>
+                <a:t>Just create </a:t>
+              </a:r>
+              <a:r>
+                <a:rPr lang="en-US" sz="2400" dirty="0" smtClean="0"/>
+                <a:t>FTP credentials and use provided on Management Portal access </a:t>
+              </a:r>
+              <a:r>
+                <a:rPr lang="en-US" sz="2400" dirty="0" smtClean="0"/>
+                <a:t>points</a:t>
+              </a:r>
+              <a:endParaRPr lang="en-US" sz="2400" dirty="0"/>
+            </a:p>
+          </p:txBody>
+        </p:sp>
+      </p:grpSp>
+      <p:grpSp>
+        <p:nvGrpSpPr>
+          <p:cNvPr id="3" name="Group 2"/>
+          <p:cNvGrpSpPr/>
           <p:nvPr/>
-        </p:nvSpPr>
-        <p:spPr>
+        </p:nvGrpSpPr>
+        <p:grpSpPr>
           <a:xfrm>
-            <a:off x="1943100" y="2019378"/>
-            <a:ext cx="9728780" cy="830997"/>
+            <a:off x="3719736" y="2938610"/>
+            <a:ext cx="5688632" cy="3358215"/>
+            <a:chOff x="3719736" y="3273204"/>
+            <a:chExt cx="5688632" cy="3358215"/>
           </a:xfrm>
-          <a:prstGeom prst="rect">
-            <a:avLst/>
-          </a:prstGeom>
-        </p:spPr>
-        <p:txBody>
-          <a:bodyPr wrap="square">
-            <a:spAutoFit/>
-          </a:bodyPr>
-          <a:lstStyle/>
-          <a:p>
-            <a:r>
-              <a:rPr lang="en-US" sz="2400" dirty="0" smtClean="0"/>
-              <a:t>	</a:t>
-            </a:r>
-            <a:r>
-              <a:rPr lang="en-US" sz="2400" dirty="0" smtClean="0"/>
-              <a:t>Just create FTP credentials and use provided on Management Portal access points</a:t>
-            </a:r>
-            <a:endParaRPr lang="en-US" sz="2400" dirty="0"/>
-          </a:p>
-        </p:txBody>
-      </p:sp>
-      <p:sp>
-        <p:nvSpPr>
-          <p:cNvPr id="13" name="Rectangle 12"/>
-          <p:cNvSpPr/>
-          <p:nvPr/>
-        </p:nvSpPr>
-        <p:spPr>
-          <a:xfrm>
-            <a:off x="3719736" y="3538512"/>
-            <a:ext cx="5688632" cy="3092907"/>
-          </a:xfrm>
-          <a:prstGeom prst="rect">
-            <a:avLst/>
-          </a:prstGeom>
-          <a:solidFill>
-            <a:schemeClr val="bg1"/>
-          </a:solidFill>
-          <a:ln>
+        </p:grpSpPr>
+        <p:sp>
+          <p:nvSpPr>
+            <p:cNvPr id="13" name="Rectangle 12"/>
+            <p:cNvSpPr/>
+            <p:nvPr/>
+          </p:nvSpPr>
+          <p:spPr>
+            <a:xfrm>
+              <a:off x="3719736" y="3538512"/>
+              <a:ext cx="5688632" cy="3092907"/>
+            </a:xfrm>
+            <a:prstGeom prst="rect">
+              <a:avLst/>
+            </a:prstGeom>
             <a:solidFill>
-              <a:srgbClr val="CC0000"/>
+              <a:schemeClr val="bg1"/>
             </a:solidFill>
-          </a:ln>
-        </p:spPr>
-        <p:style>
-          <a:lnRef idx="2">
-            <a:schemeClr val="accent1">
-              <a:shade val="50000"/>
-            </a:schemeClr>
-          </a:lnRef>
-          <a:fillRef idx="1">
-            <a:schemeClr val="accent1"/>
-          </a:fillRef>
-          <a:effectRef idx="0">
-            <a:schemeClr val="accent1"/>
-          </a:effectRef>
-          <a:fontRef idx="minor">
-            <a:schemeClr val="lt1"/>
-          </a:fontRef>
-        </p:style>
-        <p:txBody>
-          <a:bodyPr rtlCol="0" anchor="ctr"/>
-          <a:lstStyle/>
-          <a:p>
-            <a:pPr algn="ctr"/>
-            <a:endParaRPr lang="ru-RU"/>
-          </a:p>
-        </p:txBody>
-      </p:sp>
-      <p:sp>
-        <p:nvSpPr>
-          <p:cNvPr id="15" name="Rectangle 14"/>
-          <p:cNvSpPr/>
-          <p:nvPr/>
-        </p:nvSpPr>
-        <p:spPr>
-          <a:xfrm>
-            <a:off x="7896200" y="3273204"/>
-            <a:ext cx="1512168" cy="389318"/>
-          </a:xfrm>
-          <a:prstGeom prst="rect">
-            <a:avLst/>
-          </a:prstGeom>
-        </p:spPr>
-        <p:style>
-          <a:lnRef idx="2">
-            <a:schemeClr val="accent2">
-              <a:shade val="50000"/>
-            </a:schemeClr>
-          </a:lnRef>
-          <a:fillRef idx="1">
-            <a:schemeClr val="accent2"/>
-          </a:fillRef>
-          <a:effectRef idx="0">
-            <a:schemeClr val="accent2"/>
-          </a:effectRef>
-          <a:fontRef idx="minor">
-            <a:schemeClr val="lt1"/>
-          </a:fontRef>
-        </p:style>
-        <p:txBody>
-          <a:bodyPr rtlCol="0" anchor="ctr"/>
-          <a:lstStyle/>
-          <a:p>
-            <a:pPr algn="ctr"/>
-            <a:r>
-              <a:rPr lang="en-US" dirty="0" smtClean="0"/>
-              <a:t>Screenshots</a:t>
-            </a:r>
-            <a:endParaRPr lang="ru-RU" dirty="0"/>
-          </a:p>
-        </p:txBody>
-      </p:sp>
-      <p:pic>
-        <p:nvPicPr>
-          <p:cNvPr id="9" name="Picture 8"/>
-          <p:cNvPicPr>
-            <a:picLocks noChangeAspect="1"/>
-          </p:cNvPicPr>
-          <p:nvPr/>
-        </p:nvPicPr>
-        <p:blipFill>
-          <a:blip r:embed="rId2"/>
-          <a:stretch>
-            <a:fillRect/>
-          </a:stretch>
-        </p:blipFill>
-        <p:spPr>
-          <a:xfrm>
-            <a:off x="4727848" y="3733519"/>
-            <a:ext cx="3866667" cy="533333"/>
-          </a:xfrm>
-          <a:prstGeom prst="rect">
-            <a:avLst/>
-          </a:prstGeom>
-        </p:spPr>
-      </p:pic>
-      <p:pic>
-        <p:nvPicPr>
-          <p:cNvPr id="10" name="Picture 9"/>
-          <p:cNvPicPr>
-            <a:picLocks noChangeAspect="1"/>
-          </p:cNvPicPr>
-          <p:nvPr/>
-        </p:nvPicPr>
-        <p:blipFill>
-          <a:blip r:embed="rId3"/>
-          <a:stretch>
-            <a:fillRect/>
-          </a:stretch>
-        </p:blipFill>
-        <p:spPr>
-          <a:xfrm>
-            <a:off x="4832609" y="4266852"/>
-            <a:ext cx="3657143" cy="2266667"/>
-          </a:xfrm>
-          <a:prstGeom prst="rect">
-            <a:avLst/>
-          </a:prstGeom>
-        </p:spPr>
-      </p:pic>
+            <a:ln>
+              <a:solidFill>
+                <a:srgbClr val="CC0000"/>
+              </a:solidFill>
+            </a:ln>
+          </p:spPr>
+          <p:style>
+            <a:lnRef idx="2">
+              <a:schemeClr val="accent1">
+                <a:shade val="50000"/>
+              </a:schemeClr>
+            </a:lnRef>
+            <a:fillRef idx="1">
+              <a:schemeClr val="accent1"/>
+            </a:fillRef>
+            <a:effectRef idx="0">
+              <a:schemeClr val="accent1"/>
+            </a:effectRef>
+            <a:fontRef idx="minor">
+              <a:schemeClr val="lt1"/>
+            </a:fontRef>
+          </p:style>
+          <p:txBody>
+            <a:bodyPr rtlCol="0" anchor="ctr"/>
+            <a:lstStyle/>
+            <a:p>
+              <a:pPr algn="ctr"/>
+              <a:endParaRPr lang="ru-RU"/>
+            </a:p>
+          </p:txBody>
+        </p:sp>
+        <p:sp>
+          <p:nvSpPr>
+            <p:cNvPr id="15" name="Rectangle 14"/>
+            <p:cNvSpPr/>
+            <p:nvPr/>
+          </p:nvSpPr>
+          <p:spPr>
+            <a:xfrm>
+              <a:off x="7896200" y="3273204"/>
+              <a:ext cx="1512168" cy="389318"/>
+            </a:xfrm>
+            <a:prstGeom prst="rect">
+              <a:avLst/>
+            </a:prstGeom>
+          </p:spPr>
+          <p:style>
+            <a:lnRef idx="2">
+              <a:schemeClr val="accent2">
+                <a:shade val="50000"/>
+              </a:schemeClr>
+            </a:lnRef>
+            <a:fillRef idx="1">
+              <a:schemeClr val="accent2"/>
+            </a:fillRef>
+            <a:effectRef idx="0">
+              <a:schemeClr val="accent2"/>
+            </a:effectRef>
+            <a:fontRef idx="minor">
+              <a:schemeClr val="lt1"/>
+            </a:fontRef>
+          </p:style>
+          <p:txBody>
+            <a:bodyPr rtlCol="0" anchor="ctr"/>
+            <a:lstStyle/>
+            <a:p>
+              <a:pPr algn="ctr"/>
+              <a:r>
+                <a:rPr lang="en-US" dirty="0" smtClean="0"/>
+                <a:t>Screenshots</a:t>
+              </a:r>
+              <a:endParaRPr lang="ru-RU" dirty="0"/>
+            </a:p>
+          </p:txBody>
+        </p:sp>
+        <p:pic>
+          <p:nvPicPr>
+            <p:cNvPr id="9" name="Picture 8"/>
+            <p:cNvPicPr>
+              <a:picLocks noChangeAspect="1"/>
+            </p:cNvPicPr>
+            <p:nvPr/>
+          </p:nvPicPr>
+          <p:blipFill>
+            <a:blip r:embed="rId2"/>
+            <a:stretch>
+              <a:fillRect/>
+            </a:stretch>
+          </p:blipFill>
+          <p:spPr>
+            <a:xfrm>
+              <a:off x="4727848" y="3733519"/>
+              <a:ext cx="3866667" cy="533333"/>
+            </a:xfrm>
+            <a:prstGeom prst="rect">
+              <a:avLst/>
+            </a:prstGeom>
+          </p:spPr>
+        </p:pic>
+        <p:pic>
+          <p:nvPicPr>
+            <p:cNvPr id="10" name="Picture 9"/>
+            <p:cNvPicPr>
+              <a:picLocks noChangeAspect="1"/>
+            </p:cNvPicPr>
+            <p:nvPr/>
+          </p:nvPicPr>
+          <p:blipFill>
+            <a:blip r:embed="rId3"/>
+            <a:stretch>
+              <a:fillRect/>
+            </a:stretch>
+          </p:blipFill>
+          <p:spPr>
+            <a:xfrm>
+              <a:off x="4832609" y="4266852"/>
+              <a:ext cx="3657143" cy="2266667"/>
+            </a:xfrm>
+            <a:prstGeom prst="rect">
+              <a:avLst/>
+            </a:prstGeom>
+          </p:spPr>
+        </p:pic>
+      </p:grpSp>
     </p:spTree>
     <p:extLst>
       <p:ext uri="{BB962C8B-B14F-4D97-AF65-F5344CB8AC3E}">

--- a/Presentation/2015 - Microsoft Azure.pptx
+++ b/Presentation/2015 - Microsoft Azure.pptx
@@ -5,7 +5,7 @@
     <p:sldMasterId id="2147483660" r:id="rId1"/>
   </p:sldMasterIdLst>
   <p:notesMasterIdLst>
-    <p:notesMasterId r:id="rId32"/>
+    <p:notesMasterId r:id="rId33"/>
   </p:notesMasterIdLst>
   <p:sldIdLst>
     <p:sldId id="256" r:id="rId2"/>
@@ -27,17 +27,18 @@
     <p:sldId id="367" r:id="rId18"/>
     <p:sldId id="378" r:id="rId19"/>
     <p:sldId id="380" r:id="rId20"/>
-    <p:sldId id="384" r:id="rId21"/>
-    <p:sldId id="385" r:id="rId22"/>
-    <p:sldId id="386" r:id="rId23"/>
-    <p:sldId id="379" r:id="rId24"/>
-    <p:sldId id="377" r:id="rId25"/>
-    <p:sldId id="375" r:id="rId26"/>
-    <p:sldId id="376" r:id="rId27"/>
-    <p:sldId id="382" r:id="rId28"/>
-    <p:sldId id="381" r:id="rId29"/>
-    <p:sldId id="374" r:id="rId30"/>
-    <p:sldId id="342" r:id="rId31"/>
+    <p:sldId id="387" r:id="rId21"/>
+    <p:sldId id="384" r:id="rId22"/>
+    <p:sldId id="385" r:id="rId23"/>
+    <p:sldId id="386" r:id="rId24"/>
+    <p:sldId id="379" r:id="rId25"/>
+    <p:sldId id="377" r:id="rId26"/>
+    <p:sldId id="375" r:id="rId27"/>
+    <p:sldId id="376" r:id="rId28"/>
+    <p:sldId id="382" r:id="rId29"/>
+    <p:sldId id="381" r:id="rId30"/>
+    <p:sldId id="374" r:id="rId31"/>
+    <p:sldId id="342" r:id="rId32"/>
   </p:sldIdLst>
   <p:sldSz cx="12192000" cy="6858000"/>
   <p:notesSz cx="6858000" cy="9144000"/>
@@ -160,6 +161,7 @@
             <p14:sldId id="367"/>
             <p14:sldId id="378"/>
             <p14:sldId id="380"/>
+            <p14:sldId id="387"/>
             <p14:sldId id="384"/>
             <p14:sldId id="385"/>
             <p14:sldId id="386"/>
@@ -21951,26 +21953,13 @@
           <a:lstStyle/>
           <a:p>
             <a:r>
-              <a:rPr lang="en-US" dirty="0" smtClean="0"/>
+              <a:rPr lang="en-US" b="1" dirty="0" smtClean="0"/>
               <a:t>How could be created</a:t>
             </a:r>
             <a:r>
-              <a:rPr lang="en-US" dirty="0" smtClean="0"/>
+              <a:rPr lang="en-US" b="1" dirty="0" smtClean="0"/>
               <a:t>?</a:t>
             </a:r>
-          </a:p>
-          <a:p>
-            <a:endParaRPr lang="en-US" dirty="0" smtClean="0"/>
-          </a:p>
-          <a:p>
-            <a:endParaRPr lang="en-US" dirty="0" smtClean="0"/>
-          </a:p>
-          <a:p>
-            <a:r>
-              <a:rPr lang="en-US" dirty="0" smtClean="0"/>
-              <a:t>http://stackoverflow.com/questions/7342597/how-do-you-comment-out-code-in-powershell</a:t>
-            </a:r>
-            <a:endParaRPr lang="ru-RU" dirty="0"/>
           </a:p>
         </p:txBody>
       </p:sp>
@@ -22082,13 +22071,76 @@
                 <a:ea typeface="+mn-ea"/>
                 <a:cs typeface="+mn-cs"/>
               </a:rPr>
-              <a:t>Deploy a web app in Azure App Service</a:t>
+              <a:t>How to install and configure Azure PowerShell</a:t>
             </a:r>
           </a:p>
           <a:p>
             <a:r>
               <a:rPr lang="en-US" dirty="0" smtClean="0"/>
-              <a:t>https://azure.microsoft.com/en-us/documentation/articles/web-sites-deploy/</a:t>
+              <a:t>https://azure.microsoft.com/en-us/documentation/articles/powershell-install-configure/</a:t>
+            </a:r>
+          </a:p>
+          <a:p>
+            <a:endParaRPr lang="en-US" dirty="0" smtClean="0"/>
+          </a:p>
+          <a:p>
+            <a:endParaRPr lang="en-US" dirty="0" smtClean="0"/>
+          </a:p>
+          <a:p>
+            <a:r>
+              <a:rPr lang="en-US" sz="1200" b="1" i="0" kern="1200" dirty="0" smtClean="0">
+                <a:solidFill>
+                  <a:schemeClr val="tx1"/>
+                </a:solidFill>
+                <a:effectLst/>
+                <a:latin typeface="+mn-lt"/>
+                <a:ea typeface="+mn-ea"/>
+                <a:cs typeface="+mn-cs"/>
+              </a:rPr>
+              <a:t>Clear-</a:t>
+            </a:r>
+            <a:r>
+              <a:rPr lang="en-US" sz="1200" b="1" i="0" kern="1200" dirty="0" err="1" smtClean="0">
+                <a:solidFill>
+                  <a:schemeClr val="tx1"/>
+                </a:solidFill>
+                <a:effectLst/>
+                <a:latin typeface="+mn-lt"/>
+                <a:ea typeface="+mn-ea"/>
+                <a:cs typeface="+mn-cs"/>
+              </a:rPr>
+              <a:t>AzureProfile</a:t>
+            </a:r>
+            <a:r>
+              <a:rPr lang="en-US" sz="1200" b="1" i="0" kern="1200" dirty="0" smtClean="0">
+                <a:solidFill>
+                  <a:schemeClr val="tx1"/>
+                </a:solidFill>
+                <a:effectLst/>
+                <a:latin typeface="+mn-lt"/>
+                <a:ea typeface="+mn-ea"/>
+                <a:cs typeface="+mn-cs"/>
+              </a:rPr>
+              <a:t> before the Add-</a:t>
+            </a:r>
+            <a:r>
+              <a:rPr lang="en-US" sz="1200" b="1" i="0" kern="1200" dirty="0" err="1" smtClean="0">
+                <a:solidFill>
+                  <a:schemeClr val="tx1"/>
+                </a:solidFill>
+                <a:effectLst/>
+                <a:latin typeface="+mn-lt"/>
+                <a:ea typeface="+mn-ea"/>
+                <a:cs typeface="+mn-cs"/>
+              </a:rPr>
+              <a:t>AzureAccount</a:t>
+            </a:r>
+            <a:endParaRPr lang="en-US" b="1" dirty="0" smtClean="0"/>
+          </a:p>
+          <a:p>
+            <a:r>
+              <a:rPr lang="en-US" dirty="0" smtClean="0"/>
+              <a:t>http://blogs.msdn.com/b/devfish/archive/2015/02/12/get-azurevm-your-azure-credentials-have-not-been-set-up-or-have-expired-please-run-add-azureaccount-to-set-up-your-azure-credentials.aspx</a:t>
             </a:r>
             <a:endParaRPr lang="ru-RU" dirty="0"/>
           </a:p>
@@ -22121,6 +22173,126 @@
     </p:spTree>
     <p:extLst>
       <p:ext uri="{BB962C8B-B14F-4D97-AF65-F5344CB8AC3E}">
+        <p14:creationId xmlns:p14="http://schemas.microsoft.com/office/powerpoint/2010/main" val="3577869701"/>
+      </p:ext>
+    </p:extLst>
+  </p:cSld>
+  <p:clrMapOvr>
+    <a:masterClrMapping/>
+  </p:clrMapOvr>
+</p:notes>
+</file>
+
+<file path=ppt/notesSlides/notesSlide17.xml><?xml version="1.0" encoding="utf-8"?>
+<p:notes xmlns:a="http://schemas.openxmlformats.org/drawingml/2006/main" xmlns:r="http://schemas.openxmlformats.org/officeDocument/2006/relationships" xmlns:p="http://schemas.openxmlformats.org/presentationml/2006/main">
+  <p:cSld>
+    <p:spTree>
+      <p:nvGrpSpPr>
+        <p:cNvPr id="1" name=""/>
+        <p:cNvGrpSpPr/>
+        <p:nvPr/>
+      </p:nvGrpSpPr>
+      <p:grpSpPr>
+        <a:xfrm>
+          <a:off x="0" y="0"/>
+          <a:ext cx="0" cy="0"/>
+          <a:chOff x="0" y="0"/>
+          <a:chExt cx="0" cy="0"/>
+        </a:xfrm>
+      </p:grpSpPr>
+      <p:sp>
+        <p:nvSpPr>
+          <p:cNvPr id="2" name="Slide Image Placeholder 1"/>
+          <p:cNvSpPr>
+            <a:spLocks noGrp="1" noRot="1" noChangeAspect="1"/>
+          </p:cNvSpPr>
+          <p:nvPr>
+            <p:ph type="sldImg"/>
+          </p:nvPr>
+        </p:nvSpPr>
+        <p:spPr/>
+      </p:sp>
+      <p:sp>
+        <p:nvSpPr>
+          <p:cNvPr id="3" name="Notes Placeholder 2"/>
+          <p:cNvSpPr>
+            <a:spLocks noGrp="1"/>
+          </p:cNvSpPr>
+          <p:nvPr>
+            <p:ph type="body" idx="1"/>
+          </p:nvPr>
+        </p:nvSpPr>
+        <p:spPr/>
+        <p:txBody>
+          <a:bodyPr/>
+          <a:lstStyle/>
+          <a:p>
+            <a:pPr marL="0" marR="0" indent="0" algn="l" defTabSz="914400" rtl="0" eaLnBrk="1" fontAlgn="auto" latinLnBrk="0" hangingPunct="1">
+              <a:lnSpc>
+                <a:spcPct val="100000"/>
+              </a:lnSpc>
+              <a:spcBef>
+                <a:spcPts val="0"/>
+              </a:spcBef>
+              <a:spcAft>
+                <a:spcPts val="0"/>
+              </a:spcAft>
+              <a:buClrTx/>
+              <a:buSzTx/>
+              <a:buFontTx/>
+              <a:buNone/>
+              <a:tabLst/>
+              <a:defRPr/>
+            </a:pPr>
+            <a:r>
+              <a:rPr lang="en-US" sz="1200" b="1" i="0" kern="1200" dirty="0" smtClean="0">
+                <a:solidFill>
+                  <a:schemeClr val="tx1"/>
+                </a:solidFill>
+                <a:effectLst/>
+                <a:latin typeface="+mn-lt"/>
+                <a:ea typeface="+mn-ea"/>
+                <a:cs typeface="+mn-cs"/>
+              </a:rPr>
+              <a:t>Deploy a web app in Azure App Service</a:t>
+            </a:r>
+          </a:p>
+          <a:p>
+            <a:r>
+              <a:rPr lang="en-US" dirty="0" smtClean="0"/>
+              <a:t>https://azure.microsoft.com/en-us/documentation/articles/web-sites-deploy/</a:t>
+            </a:r>
+            <a:endParaRPr lang="ru-RU" dirty="0"/>
+          </a:p>
+        </p:txBody>
+      </p:sp>
+      <p:sp>
+        <p:nvSpPr>
+          <p:cNvPr id="4" name="Slide Number Placeholder 3"/>
+          <p:cNvSpPr>
+            <a:spLocks noGrp="1"/>
+          </p:cNvSpPr>
+          <p:nvPr>
+            <p:ph type="sldNum" sz="quarter" idx="10"/>
+          </p:nvPr>
+        </p:nvSpPr>
+        <p:spPr/>
+        <p:txBody>
+          <a:bodyPr/>
+          <a:lstStyle/>
+          <a:p>
+            <a:fld id="{4D78249E-5ACD-4E52-A408-9BB999BD2D41}" type="slidenum">
+              <a:rPr lang="en-US" smtClean="0"/>
+              <a:pPr/>
+              <a:t>21</a:t>
+            </a:fld>
+            <a:endParaRPr lang="en-US"/>
+          </a:p>
+        </p:txBody>
+      </p:sp>
+    </p:spTree>
+    <p:extLst>
+      <p:ext uri="{BB962C8B-B14F-4D97-AF65-F5344CB8AC3E}">
         <p14:creationId xmlns:p14="http://schemas.microsoft.com/office/powerpoint/2010/main" val="3861327546"/>
       </p:ext>
     </p:extLst>
@@ -22131,7 +22303,7 @@
 </p:notes>
 </file>
 
-<file path=ppt/notesSlides/notesSlide17.xml><?xml version="1.0" encoding="utf-8"?>
+<file path=ppt/notesSlides/notesSlide18.xml><?xml version="1.0" encoding="utf-8"?>
 <p:notes xmlns:a="http://schemas.openxmlformats.org/drawingml/2006/main" xmlns:r="http://schemas.openxmlformats.org/officeDocument/2006/relationships" xmlns:p="http://schemas.openxmlformats.org/presentationml/2006/main">
   <p:cSld>
     <p:spTree>
@@ -22232,7 +22404,7 @@
             <a:fld id="{4D78249E-5ACD-4E52-A408-9BB999BD2D41}" type="slidenum">
               <a:rPr lang="en-US" smtClean="0"/>
               <a:pPr/>
-              <a:t>22</a:t>
+              <a:t>23</a:t>
             </a:fld>
             <a:endParaRPr lang="en-US"/>
           </a:p>
@@ -22251,7 +22423,7 @@
 </p:notes>
 </file>
 
-<file path=ppt/notesSlides/notesSlide18.xml><?xml version="1.0" encoding="utf-8"?>
+<file path=ppt/notesSlides/notesSlide19.xml><?xml version="1.0" encoding="utf-8"?>
 <p:notes xmlns:a="http://schemas.openxmlformats.org/drawingml/2006/main" xmlns:r="http://schemas.openxmlformats.org/officeDocument/2006/relationships" xmlns:p="http://schemas.openxmlformats.org/presentationml/2006/main">
   <p:cSld>
     <p:spTree>
@@ -22588,7 +22760,7 @@
             <a:fld id="{4D78249E-5ACD-4E52-A408-9BB999BD2D41}" type="slidenum">
               <a:rPr lang="en-US" smtClean="0"/>
               <a:pPr/>
-              <a:t>25</a:t>
+              <a:t>26</a:t>
             </a:fld>
             <a:endParaRPr lang="en-US"/>
           </a:p>
@@ -22598,101 +22770,6 @@
     <p:extLst>
       <p:ext uri="{BB962C8B-B14F-4D97-AF65-F5344CB8AC3E}">
         <p14:creationId xmlns:p14="http://schemas.microsoft.com/office/powerpoint/2010/main" val="3196498833"/>
-      </p:ext>
-    </p:extLst>
-  </p:cSld>
-  <p:clrMapOvr>
-    <a:masterClrMapping/>
-  </p:clrMapOvr>
-</p:notes>
-</file>
-
-<file path=ppt/notesSlides/notesSlide19.xml><?xml version="1.0" encoding="utf-8"?>
-<p:notes xmlns:a="http://schemas.openxmlformats.org/drawingml/2006/main" xmlns:r="http://schemas.openxmlformats.org/officeDocument/2006/relationships" xmlns:p="http://schemas.openxmlformats.org/presentationml/2006/main">
-  <p:cSld>
-    <p:spTree>
-      <p:nvGrpSpPr>
-        <p:cNvPr id="1" name=""/>
-        <p:cNvGrpSpPr/>
-        <p:nvPr/>
-      </p:nvGrpSpPr>
-      <p:grpSpPr>
-        <a:xfrm>
-          <a:off x="0" y="0"/>
-          <a:ext cx="0" cy="0"/>
-          <a:chOff x="0" y="0"/>
-          <a:chExt cx="0" cy="0"/>
-        </a:xfrm>
-      </p:grpSpPr>
-      <p:sp>
-        <p:nvSpPr>
-          <p:cNvPr id="2" name="Slide Image Placeholder 1"/>
-          <p:cNvSpPr>
-            <a:spLocks noGrp="1" noRot="1" noChangeAspect="1"/>
-          </p:cNvSpPr>
-          <p:nvPr>
-            <p:ph type="sldImg"/>
-          </p:nvPr>
-        </p:nvSpPr>
-        <p:spPr/>
-      </p:sp>
-      <p:sp>
-        <p:nvSpPr>
-          <p:cNvPr id="3" name="Notes Placeholder 2"/>
-          <p:cNvSpPr>
-            <a:spLocks noGrp="1"/>
-          </p:cNvSpPr>
-          <p:nvPr>
-            <p:ph type="body" idx="1"/>
-          </p:nvPr>
-        </p:nvSpPr>
-        <p:spPr/>
-        <p:txBody>
-          <a:bodyPr/>
-          <a:lstStyle/>
-          <a:p>
-            <a:r>
-              <a:rPr lang="en-US" b="1" dirty="0" smtClean="0"/>
-              <a:t>From:</a:t>
-            </a:r>
-          </a:p>
-          <a:p>
-            <a:r>
-              <a:rPr lang="en-US" dirty="0" smtClean="0"/>
-              <a:t>https://azure.microsoft.com/en-us/documentation/articles/sql-database-upgrade-new-service-tiers/</a:t>
-            </a:r>
-            <a:endParaRPr lang="ru-RU" dirty="0"/>
-          </a:p>
-        </p:txBody>
-      </p:sp>
-      <p:sp>
-        <p:nvSpPr>
-          <p:cNvPr id="4" name="Slide Number Placeholder 3"/>
-          <p:cNvSpPr>
-            <a:spLocks noGrp="1"/>
-          </p:cNvSpPr>
-          <p:nvPr>
-            <p:ph type="sldNum" sz="quarter" idx="10"/>
-          </p:nvPr>
-        </p:nvSpPr>
-        <p:spPr/>
-        <p:txBody>
-          <a:bodyPr/>
-          <a:lstStyle/>
-          <a:p>
-            <a:fld id="{4D78249E-5ACD-4E52-A408-9BB999BD2D41}" type="slidenum">
-              <a:rPr lang="en-US" smtClean="0"/>
-              <a:pPr/>
-              <a:t>26</a:t>
-            </a:fld>
-            <a:endParaRPr lang="en-US"/>
-          </a:p>
-        </p:txBody>
-      </p:sp>
-    </p:spTree>
-    <p:extLst>
-      <p:ext uri="{BB962C8B-B14F-4D97-AF65-F5344CB8AC3E}">
-        <p14:creationId xmlns:p14="http://schemas.microsoft.com/office/powerpoint/2010/main" val="426318666"/>
       </p:ext>
     </p:extLst>
   </p:cSld>
@@ -22835,6 +22912,101 @@
           <a:bodyPr/>
           <a:lstStyle/>
           <a:p>
+            <a:r>
+              <a:rPr lang="en-US" b="1" dirty="0" smtClean="0"/>
+              <a:t>From:</a:t>
+            </a:r>
+          </a:p>
+          <a:p>
+            <a:r>
+              <a:rPr lang="en-US" dirty="0" smtClean="0"/>
+              <a:t>https://azure.microsoft.com/en-us/documentation/articles/sql-database-upgrade-new-service-tiers/</a:t>
+            </a:r>
+            <a:endParaRPr lang="ru-RU" dirty="0"/>
+          </a:p>
+        </p:txBody>
+      </p:sp>
+      <p:sp>
+        <p:nvSpPr>
+          <p:cNvPr id="4" name="Slide Number Placeholder 3"/>
+          <p:cNvSpPr>
+            <a:spLocks noGrp="1"/>
+          </p:cNvSpPr>
+          <p:nvPr>
+            <p:ph type="sldNum" sz="quarter" idx="10"/>
+          </p:nvPr>
+        </p:nvSpPr>
+        <p:spPr/>
+        <p:txBody>
+          <a:bodyPr/>
+          <a:lstStyle/>
+          <a:p>
+            <a:fld id="{4D78249E-5ACD-4E52-A408-9BB999BD2D41}" type="slidenum">
+              <a:rPr lang="en-US" smtClean="0"/>
+              <a:pPr/>
+              <a:t>27</a:t>
+            </a:fld>
+            <a:endParaRPr lang="en-US"/>
+          </a:p>
+        </p:txBody>
+      </p:sp>
+    </p:spTree>
+    <p:extLst>
+      <p:ext uri="{BB962C8B-B14F-4D97-AF65-F5344CB8AC3E}">
+        <p14:creationId xmlns:p14="http://schemas.microsoft.com/office/powerpoint/2010/main" val="426318666"/>
+      </p:ext>
+    </p:extLst>
+  </p:cSld>
+  <p:clrMapOvr>
+    <a:masterClrMapping/>
+  </p:clrMapOvr>
+</p:notes>
+</file>
+
+<file path=ppt/notesSlides/notesSlide21.xml><?xml version="1.0" encoding="utf-8"?>
+<p:notes xmlns:a="http://schemas.openxmlformats.org/drawingml/2006/main" xmlns:r="http://schemas.openxmlformats.org/officeDocument/2006/relationships" xmlns:p="http://schemas.openxmlformats.org/presentationml/2006/main">
+  <p:cSld>
+    <p:spTree>
+      <p:nvGrpSpPr>
+        <p:cNvPr id="1" name=""/>
+        <p:cNvGrpSpPr/>
+        <p:nvPr/>
+      </p:nvGrpSpPr>
+      <p:grpSpPr>
+        <a:xfrm>
+          <a:off x="0" y="0"/>
+          <a:ext cx="0" cy="0"/>
+          <a:chOff x="0" y="0"/>
+          <a:chExt cx="0" cy="0"/>
+        </a:xfrm>
+      </p:grpSpPr>
+      <p:sp>
+        <p:nvSpPr>
+          <p:cNvPr id="2" name="Slide Image Placeholder 1"/>
+          <p:cNvSpPr>
+            <a:spLocks noGrp="1" noRot="1" noChangeAspect="1"/>
+          </p:cNvSpPr>
+          <p:nvPr>
+            <p:ph type="sldImg"/>
+          </p:nvPr>
+        </p:nvSpPr>
+        <p:spPr/>
+      </p:sp>
+      <p:sp>
+        <p:nvSpPr>
+          <p:cNvPr id="3" name="Notes Placeholder 2"/>
+          <p:cNvSpPr>
+            <a:spLocks noGrp="1"/>
+          </p:cNvSpPr>
+          <p:nvPr>
+            <p:ph type="body" idx="1"/>
+          </p:nvPr>
+        </p:nvSpPr>
+        <p:spPr/>
+        <p:txBody>
+          <a:bodyPr/>
+          <a:lstStyle/>
+          <a:p>
             <a:endParaRPr lang="en-US"/>
           </a:p>
         </p:txBody>
@@ -22857,7 +23029,7 @@
             <a:fld id="{8B263312-38AA-4E1E-B2B5-0F8F122B24FE}" type="slidenum">
               <a:rPr lang="en-US" smtClean="0"/>
               <a:pPr/>
-              <a:t>29</a:t>
+              <a:t>30</a:t>
             </a:fld>
             <a:endParaRPr lang="en-US" dirty="0"/>
           </a:p>
@@ -37019,7 +37191,9 @@
         </p:nvSpPr>
         <p:spPr/>
         <p:txBody>
-          <a:bodyPr/>
+          <a:bodyPr>
+            <a:normAutofit/>
+          </a:bodyPr>
           <a:lstStyle/>
           <a:p>
             <a:r>
@@ -37744,6 +37918,1055 @@
           <a:p>
             <a:r>
               <a:rPr lang="en-US" dirty="0"/>
+              <a:t>Create App </a:t>
+            </a:r>
+            <a:r>
+              <a:rPr lang="en-US" dirty="0" smtClean="0"/>
+              <a:t>Service from PowerShell</a:t>
+            </a:r>
+            <a:endParaRPr lang="ru-RU" dirty="0"/>
+          </a:p>
+        </p:txBody>
+      </p:sp>
+      <p:grpSp>
+        <p:nvGrpSpPr>
+          <p:cNvPr id="13" name="Group 12"/>
+          <p:cNvGrpSpPr/>
+          <p:nvPr/>
+        </p:nvGrpSpPr>
+        <p:grpSpPr>
+          <a:xfrm>
+            <a:off x="1847528" y="1488288"/>
+            <a:ext cx="9937104" cy="5015691"/>
+            <a:chOff x="1847528" y="1488288"/>
+            <a:chExt cx="9937104" cy="5015691"/>
+          </a:xfrm>
+        </p:grpSpPr>
+        <p:grpSp>
+          <p:nvGrpSpPr>
+            <p:cNvPr id="11" name="Group 10"/>
+            <p:cNvGrpSpPr/>
+            <p:nvPr/>
+          </p:nvGrpSpPr>
+          <p:grpSpPr>
+            <a:xfrm>
+              <a:off x="1847528" y="1488288"/>
+              <a:ext cx="9937104" cy="4821032"/>
+              <a:chOff x="1847528" y="1488288"/>
+              <a:chExt cx="9937104" cy="4821032"/>
+            </a:xfrm>
+          </p:grpSpPr>
+          <p:grpSp>
+            <p:nvGrpSpPr>
+              <p:cNvPr id="5" name="Group 4"/>
+              <p:cNvGrpSpPr/>
+              <p:nvPr/>
+            </p:nvGrpSpPr>
+            <p:grpSpPr>
+              <a:xfrm>
+                <a:off x="1847528" y="1488288"/>
+                <a:ext cx="9937104" cy="4821032"/>
+                <a:chOff x="3719736" y="3343854"/>
+                <a:chExt cx="9937104" cy="4821032"/>
+              </a:xfrm>
+            </p:grpSpPr>
+            <p:sp>
+              <p:nvSpPr>
+                <p:cNvPr id="7" name="Rectangle 6"/>
+                <p:cNvSpPr/>
+                <p:nvPr/>
+              </p:nvSpPr>
+              <p:spPr>
+                <a:xfrm>
+                  <a:off x="3719736" y="3538513"/>
+                  <a:ext cx="9937104" cy="4626373"/>
+                </a:xfrm>
+                <a:prstGeom prst="rect">
+                  <a:avLst/>
+                </a:prstGeom>
+                <a:solidFill>
+                  <a:schemeClr val="bg1"/>
+                </a:solidFill>
+                <a:ln>
+                  <a:solidFill>
+                    <a:srgbClr val="0070C0"/>
+                  </a:solidFill>
+                </a:ln>
+              </p:spPr>
+              <p:style>
+                <a:lnRef idx="2">
+                  <a:schemeClr val="accent1">
+                    <a:shade val="50000"/>
+                  </a:schemeClr>
+                </a:lnRef>
+                <a:fillRef idx="1">
+                  <a:schemeClr val="accent1"/>
+                </a:fillRef>
+                <a:effectRef idx="0">
+                  <a:schemeClr val="accent1"/>
+                </a:effectRef>
+                <a:fontRef idx="minor">
+                  <a:schemeClr val="lt1"/>
+                </a:fontRef>
+              </p:style>
+              <p:txBody>
+                <a:bodyPr rtlCol="0" anchor="ctr"/>
+                <a:lstStyle/>
+                <a:p>
+                  <a:pPr algn="ctr"/>
+                  <a:endParaRPr lang="ru-RU"/>
+                </a:p>
+              </p:txBody>
+            </p:sp>
+            <p:sp>
+              <p:nvSpPr>
+                <p:cNvPr id="8" name="Rectangle 7"/>
+                <p:cNvSpPr/>
+                <p:nvPr/>
+              </p:nvSpPr>
+              <p:spPr>
+                <a:xfrm>
+                  <a:off x="11997590" y="3343854"/>
+                  <a:ext cx="1656184" cy="389318"/>
+                </a:xfrm>
+                <a:prstGeom prst="rect">
+                  <a:avLst/>
+                </a:prstGeom>
+                <a:solidFill>
+                  <a:srgbClr val="0070C0"/>
+                </a:solidFill>
+                <a:ln>
+                  <a:solidFill>
+                    <a:schemeClr val="tx2">
+                      <a:lumMod val="75000"/>
+                    </a:schemeClr>
+                  </a:solidFill>
+                </a:ln>
+              </p:spPr>
+              <p:style>
+                <a:lnRef idx="2">
+                  <a:schemeClr val="accent2">
+                    <a:shade val="50000"/>
+                  </a:schemeClr>
+                </a:lnRef>
+                <a:fillRef idx="1">
+                  <a:schemeClr val="accent2"/>
+                </a:fillRef>
+                <a:effectRef idx="0">
+                  <a:schemeClr val="accent2"/>
+                </a:effectRef>
+                <a:fontRef idx="minor">
+                  <a:schemeClr val="lt1"/>
+                </a:fontRef>
+              </p:style>
+              <p:txBody>
+                <a:bodyPr rtlCol="0" anchor="ctr"/>
+                <a:lstStyle/>
+                <a:p>
+                  <a:pPr algn="ctr"/>
+                  <a:r>
+                    <a:rPr lang="en-US" dirty="0"/>
+                    <a:t>Code S</a:t>
+                  </a:r>
+                  <a:r>
+                    <a:rPr lang="en-US" dirty="0" smtClean="0"/>
+                    <a:t>nippet</a:t>
+                  </a:r>
+                  <a:endParaRPr lang="ru-RU" dirty="0"/>
+                </a:p>
+              </p:txBody>
+            </p:sp>
+          </p:grpSp>
+          <p:sp>
+            <p:nvSpPr>
+              <p:cNvPr id="10" name="Rectangle 9"/>
+              <p:cNvSpPr/>
+              <p:nvPr/>
+            </p:nvSpPr>
+            <p:spPr>
+              <a:xfrm>
+                <a:off x="1847528" y="1891424"/>
+                <a:ext cx="9934038" cy="4247317"/>
+              </a:xfrm>
+              <a:prstGeom prst="rect">
+                <a:avLst/>
+              </a:prstGeom>
+            </p:spPr>
+            <p:txBody>
+              <a:bodyPr wrap="square">
+                <a:spAutoFit/>
+              </a:bodyPr>
+              <a:lstStyle/>
+              <a:p>
+                <a:pPr marL="360000"/>
+                <a:r>
+                  <a:rPr lang="en-US" dirty="0" smtClean="0">
+                    <a:solidFill>
+                      <a:srgbClr val="FF4500"/>
+                    </a:solidFill>
+                  </a:rPr>
+                  <a:t>$</a:t>
+                </a:r>
+                <a:r>
+                  <a:rPr lang="en-US" dirty="0" err="1" smtClean="0">
+                    <a:solidFill>
+                      <a:srgbClr val="FF4500"/>
+                    </a:solidFill>
+                  </a:rPr>
+                  <a:t>AzureSubscriptionId</a:t>
+                </a:r>
+                <a:r>
+                  <a:rPr lang="en-US" dirty="0" smtClean="0">
+                    <a:solidFill>
+                      <a:prstClr val="black"/>
+                    </a:solidFill>
+                  </a:rPr>
+                  <a:t> </a:t>
+                </a:r>
+                <a:r>
+                  <a:rPr lang="en-US" dirty="0">
+                    <a:solidFill>
+                      <a:srgbClr val="A9A9A9"/>
+                    </a:solidFill>
+                  </a:rPr>
+                  <a:t>=</a:t>
+                </a:r>
+                <a:r>
+                  <a:rPr lang="en-US" dirty="0">
+                    <a:solidFill>
+                      <a:prstClr val="black"/>
+                    </a:solidFill>
+                  </a:rPr>
+                  <a:t> </a:t>
+                </a:r>
+                <a:r>
+                  <a:rPr lang="en-US" dirty="0" err="1" smtClean="0">
+                    <a:solidFill>
+                      <a:srgbClr val="8B0000"/>
+                    </a:solidFill>
+                  </a:rPr>
+                  <a:t>Some_Azure_Subscription_Id</a:t>
+                </a:r>
+                <a:r>
+                  <a:rPr lang="en-US" dirty="0" smtClean="0">
+                    <a:solidFill>
+                      <a:srgbClr val="8B0000"/>
+                    </a:solidFill>
+                  </a:rPr>
+                  <a:t> </a:t>
+                </a:r>
+                <a:r>
+                  <a:rPr lang="en-US" dirty="0">
+                    <a:solidFill>
+                      <a:srgbClr val="8B0000"/>
+                    </a:solidFill>
+                  </a:rPr>
+                  <a:t>"</a:t>
+                </a:r>
+                <a:endParaRPr lang="en-US" dirty="0">
+                  <a:solidFill>
+                    <a:prstClr val="black"/>
+                  </a:solidFill>
+                </a:endParaRPr>
+              </a:p>
+              <a:p>
+                <a:pPr marL="360000"/>
+                <a:endParaRPr lang="ru-RU" dirty="0">
+                  <a:solidFill>
+                    <a:prstClr val="black"/>
+                  </a:solidFill>
+                </a:endParaRPr>
+              </a:p>
+              <a:p>
+                <a:pPr marL="360000"/>
+                <a:r>
+                  <a:rPr lang="en-US" dirty="0">
+                    <a:solidFill>
+                      <a:srgbClr val="0000FF"/>
+                    </a:solidFill>
+                  </a:rPr>
+                  <a:t>Import-</a:t>
+                </a:r>
+                <a:r>
+                  <a:rPr lang="en-US" dirty="0" err="1">
+                    <a:solidFill>
+                      <a:srgbClr val="0000FF"/>
+                    </a:solidFill>
+                  </a:rPr>
+                  <a:t>AzurePublishSettingsFile</a:t>
+                </a:r>
+                <a:r>
+                  <a:rPr lang="en-US" dirty="0">
+                    <a:solidFill>
+                      <a:prstClr val="black"/>
+                    </a:solidFill>
+                  </a:rPr>
+                  <a:t> </a:t>
+                </a:r>
+                <a:r>
+                  <a:rPr lang="en-US" dirty="0" smtClean="0">
+                    <a:solidFill>
+                      <a:srgbClr val="8B0000"/>
+                    </a:solidFill>
+                  </a:rPr>
+                  <a:t>“**\*.publishsettings"</a:t>
+                </a:r>
+                <a:endParaRPr lang="en-US" dirty="0">
+                  <a:solidFill>
+                    <a:prstClr val="black"/>
+                  </a:solidFill>
+                </a:endParaRPr>
+              </a:p>
+              <a:p>
+                <a:pPr marL="360000"/>
+                <a:r>
+                  <a:rPr lang="en-US" dirty="0">
+                    <a:solidFill>
+                      <a:srgbClr val="0000FF"/>
+                    </a:solidFill>
+                  </a:rPr>
+                  <a:t>Set-</a:t>
+                </a:r>
+                <a:r>
+                  <a:rPr lang="en-US" dirty="0" err="1">
+                    <a:solidFill>
+                      <a:srgbClr val="0000FF"/>
+                    </a:solidFill>
+                  </a:rPr>
+                  <a:t>AzureSubscription</a:t>
+                </a:r>
+                <a:r>
+                  <a:rPr lang="en-US" dirty="0">
+                    <a:solidFill>
+                      <a:prstClr val="black"/>
+                    </a:solidFill>
+                  </a:rPr>
+                  <a:t> </a:t>
+                </a:r>
+                <a:r>
+                  <a:rPr lang="en-US" dirty="0">
+                    <a:solidFill>
+                      <a:srgbClr val="000080"/>
+                    </a:solidFill>
+                  </a:rPr>
+                  <a:t>–</a:t>
+                </a:r>
+                <a:r>
+                  <a:rPr lang="en-US" dirty="0" err="1">
+                    <a:solidFill>
+                      <a:srgbClr val="000080"/>
+                    </a:solidFill>
+                  </a:rPr>
+                  <a:t>SubscriptionId</a:t>
+                </a:r>
+                <a:r>
+                  <a:rPr lang="en-US" dirty="0">
+                    <a:solidFill>
+                      <a:prstClr val="black"/>
+                    </a:solidFill>
+                  </a:rPr>
+                  <a:t> </a:t>
+                </a:r>
+                <a:r>
+                  <a:rPr lang="en-US" dirty="0" smtClean="0">
+                    <a:solidFill>
+                      <a:srgbClr val="FF4500"/>
+                    </a:solidFill>
+                  </a:rPr>
+                  <a:t>$</a:t>
+                </a:r>
+                <a:r>
+                  <a:rPr lang="en-US" dirty="0">
+                    <a:solidFill>
+                      <a:srgbClr val="FF4500"/>
+                    </a:solidFill>
+                  </a:rPr>
+                  <a:t> </a:t>
+                </a:r>
+                <a:r>
+                  <a:rPr lang="en-US" dirty="0" err="1" smtClean="0">
+                    <a:solidFill>
+                      <a:srgbClr val="FF4500"/>
+                    </a:solidFill>
+                  </a:rPr>
+                  <a:t>AzureSubscriptionId</a:t>
+                </a:r>
+                <a:endParaRPr lang="en-US" dirty="0">
+                  <a:solidFill>
+                    <a:prstClr val="black"/>
+                  </a:solidFill>
+                </a:endParaRPr>
+              </a:p>
+              <a:p>
+                <a:pPr marL="360000"/>
+                <a:endParaRPr lang="ru-RU" dirty="0">
+                  <a:solidFill>
+                    <a:prstClr val="black"/>
+                  </a:solidFill>
+                </a:endParaRPr>
+              </a:p>
+              <a:p>
+                <a:pPr marL="360000"/>
+                <a:r>
+                  <a:rPr lang="en-US" dirty="0">
+                    <a:solidFill>
+                      <a:srgbClr val="FF4500"/>
+                    </a:solidFill>
+                  </a:rPr>
+                  <a:t>$</a:t>
+                </a:r>
+                <a:r>
+                  <a:rPr lang="en-US" dirty="0" err="1" smtClean="0">
+                    <a:solidFill>
+                      <a:srgbClr val="FF4500"/>
+                    </a:solidFill>
+                  </a:rPr>
+                  <a:t>AzureTestWebSite</a:t>
+                </a:r>
+                <a:r>
+                  <a:rPr lang="en-US" dirty="0" smtClean="0">
+                    <a:solidFill>
+                      <a:prstClr val="black"/>
+                    </a:solidFill>
+                  </a:rPr>
+                  <a:t> </a:t>
+                </a:r>
+                <a:r>
+                  <a:rPr lang="en-US" dirty="0">
+                    <a:solidFill>
+                      <a:srgbClr val="A9A9A9"/>
+                    </a:solidFill>
+                  </a:rPr>
+                  <a:t>=</a:t>
+                </a:r>
+                <a:r>
+                  <a:rPr lang="en-US" dirty="0">
+                    <a:solidFill>
+                      <a:prstClr val="black"/>
+                    </a:solidFill>
+                  </a:rPr>
+                  <a:t> </a:t>
+                </a:r>
+                <a:r>
+                  <a:rPr lang="en-US" dirty="0">
+                    <a:solidFill>
+                      <a:srgbClr val="8B0000"/>
+                    </a:solidFill>
+                  </a:rPr>
+                  <a:t>"workshop-created-from-</a:t>
+                </a:r>
+                <a:r>
+                  <a:rPr lang="en-US" dirty="0" err="1">
+                    <a:solidFill>
+                      <a:srgbClr val="8B0000"/>
+                    </a:solidFill>
+                  </a:rPr>
+                  <a:t>ps</a:t>
+                </a:r>
+                <a:r>
+                  <a:rPr lang="en-US" dirty="0">
+                    <a:solidFill>
+                      <a:srgbClr val="8B0000"/>
+                    </a:solidFill>
+                  </a:rPr>
+                  <a:t>"</a:t>
+                </a:r>
+                <a:endParaRPr lang="en-US" dirty="0">
+                  <a:solidFill>
+                    <a:prstClr val="black"/>
+                  </a:solidFill>
+                </a:endParaRPr>
+              </a:p>
+              <a:p>
+                <a:pPr marL="360000"/>
+                <a:endParaRPr lang="ru-RU" dirty="0">
+                  <a:solidFill>
+                    <a:prstClr val="black"/>
+                  </a:solidFill>
+                </a:endParaRPr>
+              </a:p>
+              <a:p>
+                <a:pPr marL="360000"/>
+                <a:r>
+                  <a:rPr lang="en-US" dirty="0" smtClean="0">
+                    <a:solidFill>
+                      <a:srgbClr val="0000FF"/>
+                    </a:solidFill>
+                  </a:rPr>
+                  <a:t>New-</a:t>
+                </a:r>
+                <a:r>
+                  <a:rPr lang="en-US" dirty="0" err="1" smtClean="0">
+                    <a:solidFill>
+                      <a:srgbClr val="0000FF"/>
+                    </a:solidFill>
+                  </a:rPr>
+                  <a:t>AzureWebsite</a:t>
+                </a:r>
+                <a:r>
+                  <a:rPr lang="en-US" dirty="0" smtClean="0">
+                    <a:solidFill>
+                      <a:prstClr val="black"/>
+                    </a:solidFill>
+                  </a:rPr>
+                  <a:t> </a:t>
+                </a:r>
+                <a:r>
+                  <a:rPr lang="en-US" dirty="0" smtClean="0">
+                    <a:solidFill>
+                      <a:srgbClr val="FF4500"/>
+                    </a:solidFill>
+                  </a:rPr>
+                  <a:t>$</a:t>
+                </a:r>
+                <a:r>
+                  <a:rPr lang="en-US" dirty="0">
+                    <a:solidFill>
+                      <a:srgbClr val="FF4500"/>
+                    </a:solidFill>
+                  </a:rPr>
+                  <a:t> </a:t>
+                </a:r>
+                <a:r>
+                  <a:rPr lang="en-US" dirty="0" err="1" smtClean="0">
+                    <a:solidFill>
+                      <a:srgbClr val="FF4500"/>
+                    </a:solidFill>
+                  </a:rPr>
+                  <a:t>AzureTestWebSite</a:t>
+                </a:r>
+                <a:endParaRPr lang="en-US" dirty="0">
+                  <a:solidFill>
+                    <a:prstClr val="black"/>
+                  </a:solidFill>
+                </a:endParaRPr>
+              </a:p>
+              <a:p>
+                <a:pPr marL="360000"/>
+                <a:r>
+                  <a:rPr lang="en-US" dirty="0">
+                    <a:solidFill>
+                      <a:srgbClr val="0000FF"/>
+                    </a:solidFill>
+                  </a:rPr>
+                  <a:t>Get-</a:t>
+                </a:r>
+                <a:r>
+                  <a:rPr lang="en-US" dirty="0" err="1">
+                    <a:solidFill>
+                      <a:srgbClr val="0000FF"/>
+                    </a:solidFill>
+                  </a:rPr>
+                  <a:t>AzureWebsite</a:t>
+                </a:r>
+                <a:r>
+                  <a:rPr lang="en-US" dirty="0">
+                    <a:solidFill>
+                      <a:prstClr val="black"/>
+                    </a:solidFill>
+                  </a:rPr>
+                  <a:t> </a:t>
+                </a:r>
+                <a:r>
+                  <a:rPr lang="en-US" dirty="0">
+                    <a:solidFill>
+                      <a:srgbClr val="000080"/>
+                    </a:solidFill>
+                  </a:rPr>
+                  <a:t>-Name</a:t>
+                </a:r>
+                <a:r>
+                  <a:rPr lang="en-US" dirty="0">
+                    <a:solidFill>
+                      <a:prstClr val="black"/>
+                    </a:solidFill>
+                  </a:rPr>
+                  <a:t> </a:t>
+                </a:r>
+                <a:r>
+                  <a:rPr lang="en-US" dirty="0" smtClean="0">
+                    <a:solidFill>
+                      <a:srgbClr val="FF4500"/>
+                    </a:solidFill>
+                  </a:rPr>
+                  <a:t>$</a:t>
+                </a:r>
+                <a:r>
+                  <a:rPr lang="en-US" dirty="0">
+                    <a:solidFill>
+                      <a:srgbClr val="FF4500"/>
+                    </a:solidFill>
+                  </a:rPr>
+                  <a:t> </a:t>
+                </a:r>
+                <a:r>
+                  <a:rPr lang="en-US" dirty="0" err="1" smtClean="0">
+                    <a:solidFill>
+                      <a:srgbClr val="FF4500"/>
+                    </a:solidFill>
+                  </a:rPr>
+                  <a:t>AzureTestWebSite</a:t>
+                </a:r>
+                <a:endParaRPr lang="en-US" dirty="0">
+                  <a:solidFill>
+                    <a:prstClr val="black"/>
+                  </a:solidFill>
+                </a:endParaRPr>
+              </a:p>
+              <a:p>
+                <a:pPr marL="360000"/>
+                <a:endParaRPr lang="ru-RU" dirty="0">
+                  <a:solidFill>
+                    <a:prstClr val="black"/>
+                  </a:solidFill>
+                </a:endParaRPr>
+              </a:p>
+              <a:p>
+                <a:pPr marL="360000"/>
+                <a:r>
+                  <a:rPr lang="en-US" dirty="0">
+                    <a:solidFill>
+                      <a:srgbClr val="0000FF"/>
+                    </a:solidFill>
+                  </a:rPr>
+                  <a:t>Stop-</a:t>
+                </a:r>
+                <a:r>
+                  <a:rPr lang="en-US" dirty="0" err="1">
+                    <a:solidFill>
+                      <a:srgbClr val="0000FF"/>
+                    </a:solidFill>
+                  </a:rPr>
+                  <a:t>AzureWebsite</a:t>
+                </a:r>
+                <a:r>
+                  <a:rPr lang="en-US" dirty="0">
+                    <a:solidFill>
+                      <a:prstClr val="black"/>
+                    </a:solidFill>
+                  </a:rPr>
+                  <a:t> </a:t>
+                </a:r>
+                <a:r>
+                  <a:rPr lang="en-US" dirty="0">
+                    <a:solidFill>
+                      <a:srgbClr val="000080"/>
+                    </a:solidFill>
+                  </a:rPr>
+                  <a:t>-Name</a:t>
+                </a:r>
+                <a:r>
+                  <a:rPr lang="en-US" dirty="0">
+                    <a:solidFill>
+                      <a:prstClr val="black"/>
+                    </a:solidFill>
+                  </a:rPr>
+                  <a:t> </a:t>
+                </a:r>
+                <a:r>
+                  <a:rPr lang="en-US" dirty="0" smtClean="0">
+                    <a:solidFill>
+                      <a:srgbClr val="FF4500"/>
+                    </a:solidFill>
+                  </a:rPr>
+                  <a:t>$</a:t>
+                </a:r>
+                <a:r>
+                  <a:rPr lang="en-US" dirty="0">
+                    <a:solidFill>
+                      <a:srgbClr val="FF4500"/>
+                    </a:solidFill>
+                  </a:rPr>
+                  <a:t> </a:t>
+                </a:r>
+                <a:r>
+                  <a:rPr lang="en-US" dirty="0" err="1" smtClean="0">
+                    <a:solidFill>
+                      <a:srgbClr val="FF4500"/>
+                    </a:solidFill>
+                  </a:rPr>
+                  <a:t>AzureTestWebSite</a:t>
+                </a:r>
+                <a:endParaRPr lang="en-US" dirty="0">
+                  <a:solidFill>
+                    <a:prstClr val="black"/>
+                  </a:solidFill>
+                </a:endParaRPr>
+              </a:p>
+              <a:p>
+                <a:pPr marL="360000"/>
+                <a:r>
+                  <a:rPr lang="en-US" dirty="0">
+                    <a:solidFill>
+                      <a:srgbClr val="0000FF"/>
+                    </a:solidFill>
+                  </a:rPr>
+                  <a:t>Get-</a:t>
+                </a:r>
+                <a:r>
+                  <a:rPr lang="en-US" dirty="0" err="1">
+                    <a:solidFill>
+                      <a:srgbClr val="0000FF"/>
+                    </a:solidFill>
+                  </a:rPr>
+                  <a:t>AzureWebsite</a:t>
+                </a:r>
+                <a:r>
+                  <a:rPr lang="en-US" dirty="0">
+                    <a:solidFill>
+                      <a:prstClr val="black"/>
+                    </a:solidFill>
+                  </a:rPr>
+                  <a:t> </a:t>
+                </a:r>
+                <a:r>
+                  <a:rPr lang="en-US" dirty="0">
+                    <a:solidFill>
+                      <a:srgbClr val="000080"/>
+                    </a:solidFill>
+                  </a:rPr>
+                  <a:t>-Name</a:t>
+                </a:r>
+                <a:r>
+                  <a:rPr lang="en-US" dirty="0">
+                    <a:solidFill>
+                      <a:prstClr val="black"/>
+                    </a:solidFill>
+                  </a:rPr>
+                  <a:t> </a:t>
+                </a:r>
+                <a:r>
+                  <a:rPr lang="en-US" dirty="0" smtClean="0">
+                    <a:solidFill>
+                      <a:srgbClr val="FF4500"/>
+                    </a:solidFill>
+                  </a:rPr>
+                  <a:t>$</a:t>
+                </a:r>
+                <a:r>
+                  <a:rPr lang="en-US" dirty="0">
+                    <a:solidFill>
+                      <a:srgbClr val="FF4500"/>
+                    </a:solidFill>
+                  </a:rPr>
+                  <a:t> </a:t>
+                </a:r>
+                <a:r>
+                  <a:rPr lang="en-US" dirty="0" err="1" smtClean="0">
+                    <a:solidFill>
+                      <a:srgbClr val="FF4500"/>
+                    </a:solidFill>
+                  </a:rPr>
+                  <a:t>AzureTestWebSite</a:t>
+                </a:r>
+                <a:endParaRPr lang="en-US" dirty="0">
+                  <a:solidFill>
+                    <a:prstClr val="black"/>
+                  </a:solidFill>
+                </a:endParaRPr>
+              </a:p>
+              <a:p>
+                <a:pPr marL="360000"/>
+                <a:endParaRPr lang="ru-RU" dirty="0">
+                  <a:solidFill>
+                    <a:prstClr val="black"/>
+                  </a:solidFill>
+                </a:endParaRPr>
+              </a:p>
+              <a:p>
+                <a:pPr marL="360000"/>
+                <a:r>
+                  <a:rPr lang="en-US" dirty="0">
+                    <a:solidFill>
+                      <a:srgbClr val="0000FF"/>
+                    </a:solidFill>
+                  </a:rPr>
+                  <a:t>Remove-</a:t>
+                </a:r>
+                <a:r>
+                  <a:rPr lang="en-US" dirty="0" err="1">
+                    <a:solidFill>
+                      <a:srgbClr val="0000FF"/>
+                    </a:solidFill>
+                  </a:rPr>
+                  <a:t>AzureWebsite</a:t>
+                </a:r>
+                <a:r>
+                  <a:rPr lang="en-US" dirty="0">
+                    <a:solidFill>
+                      <a:prstClr val="black"/>
+                    </a:solidFill>
+                  </a:rPr>
+                  <a:t> </a:t>
+                </a:r>
+                <a:r>
+                  <a:rPr lang="en-US" dirty="0">
+                    <a:solidFill>
+                      <a:srgbClr val="000080"/>
+                    </a:solidFill>
+                  </a:rPr>
+                  <a:t>-Name</a:t>
+                </a:r>
+                <a:r>
+                  <a:rPr lang="en-US" dirty="0">
+                    <a:solidFill>
+                      <a:prstClr val="black"/>
+                    </a:solidFill>
+                  </a:rPr>
+                  <a:t> </a:t>
+                </a:r>
+                <a:r>
+                  <a:rPr lang="en-US" dirty="0" smtClean="0">
+                    <a:solidFill>
+                      <a:srgbClr val="FF4500"/>
+                    </a:solidFill>
+                  </a:rPr>
+                  <a:t>$</a:t>
+                </a:r>
+                <a:r>
+                  <a:rPr lang="en-US" dirty="0">
+                    <a:solidFill>
+                      <a:srgbClr val="FF4500"/>
+                    </a:solidFill>
+                  </a:rPr>
+                  <a:t> </a:t>
+                </a:r>
+                <a:r>
+                  <a:rPr lang="en-US" dirty="0" err="1" smtClean="0">
+                    <a:solidFill>
+                      <a:srgbClr val="FF4500"/>
+                    </a:solidFill>
+                  </a:rPr>
+                  <a:t>AzureTestWebSite</a:t>
+                </a:r>
+                <a:endParaRPr lang="en-US" dirty="0">
+                  <a:solidFill>
+                    <a:prstClr val="black"/>
+                  </a:solidFill>
+                </a:endParaRPr>
+              </a:p>
+              <a:p>
+                <a:pPr marL="360000"/>
+                <a:r>
+                  <a:rPr lang="en-US" dirty="0">
+                    <a:solidFill>
+                      <a:srgbClr val="0000FF"/>
+                    </a:solidFill>
+                  </a:rPr>
+                  <a:t>Get-</a:t>
+                </a:r>
+                <a:r>
+                  <a:rPr lang="en-US" dirty="0" err="1">
+                    <a:solidFill>
+                      <a:srgbClr val="0000FF"/>
+                    </a:solidFill>
+                  </a:rPr>
+                  <a:t>AzureWebsite</a:t>
+                </a:r>
+                <a:r>
+                  <a:rPr lang="en-US" dirty="0">
+                    <a:solidFill>
+                      <a:srgbClr val="0000FF"/>
+                    </a:solidFill>
+                  </a:rPr>
+                  <a:t> </a:t>
+                </a:r>
+              </a:p>
+            </p:txBody>
+          </p:sp>
+        </p:grpSp>
+        <p:sp>
+          <p:nvSpPr>
+            <p:cNvPr id="12" name="Rectangle 11"/>
+            <p:cNvSpPr/>
+            <p:nvPr/>
+          </p:nvSpPr>
+          <p:spPr>
+            <a:xfrm>
+              <a:off x="9408368" y="6114661"/>
+              <a:ext cx="2374656" cy="389318"/>
+            </a:xfrm>
+            <a:prstGeom prst="rect">
+              <a:avLst/>
+            </a:prstGeom>
+            <a:solidFill>
+              <a:schemeClr val="tx2">
+                <a:lumMod val="40000"/>
+                <a:lumOff val="60000"/>
+              </a:schemeClr>
+            </a:solidFill>
+            <a:ln>
+              <a:solidFill>
+                <a:schemeClr val="tx2">
+                  <a:lumMod val="60000"/>
+                  <a:lumOff val="40000"/>
+                </a:schemeClr>
+              </a:solidFill>
+            </a:ln>
+          </p:spPr>
+          <p:style>
+            <a:lnRef idx="2">
+              <a:schemeClr val="accent2">
+                <a:shade val="50000"/>
+              </a:schemeClr>
+            </a:lnRef>
+            <a:fillRef idx="1">
+              <a:schemeClr val="accent2"/>
+            </a:fillRef>
+            <a:effectRef idx="0">
+              <a:schemeClr val="accent2"/>
+            </a:effectRef>
+            <a:fontRef idx="minor">
+              <a:schemeClr val="lt1"/>
+            </a:fontRef>
+          </p:style>
+          <p:txBody>
+            <a:bodyPr rtlCol="0" anchor="ctr"/>
+            <a:lstStyle/>
+            <a:p>
+              <a:pPr algn="ctr"/>
+              <a:r>
+                <a:rPr lang="en-US" dirty="0" smtClean="0"/>
+                <a:t>CreateWebSite.ps1</a:t>
+              </a:r>
+              <a:endParaRPr lang="ru-RU" dirty="0"/>
+            </a:p>
+          </p:txBody>
+        </p:sp>
+      </p:grpSp>
+    </p:spTree>
+    <p:extLst>
+      <p:ext uri="{BB962C8B-B14F-4D97-AF65-F5344CB8AC3E}">
+        <p14:creationId xmlns:p14="http://schemas.microsoft.com/office/powerpoint/2010/main" val="1323148840"/>
+      </p:ext>
+    </p:extLst>
+  </p:cSld>
+  <p:clrMapOvr>
+    <a:masterClrMapping/>
+  </p:clrMapOvr>
+  <p:timing>
+    <p:tnLst>
+      <p:par>
+        <p:cTn id="1" dur="indefinite" restart="never" nodeType="tmRoot">
+          <p:childTnLst>
+            <p:seq concurrent="1" nextAc="seek">
+              <p:cTn id="2" dur="indefinite" nodeType="mainSeq">
+                <p:childTnLst>
+                  <p:par>
+                    <p:cTn id="3" fill="hold">
+                      <p:stCondLst>
+                        <p:cond delay="indefinite"/>
+                        <p:cond evt="onBegin" delay="0">
+                          <p:tn val="2"/>
+                        </p:cond>
+                      </p:stCondLst>
+                      <p:childTnLst>
+                        <p:par>
+                          <p:cTn id="4" fill="hold">
+                            <p:stCondLst>
+                              <p:cond delay="0"/>
+                            </p:stCondLst>
+                            <p:childTnLst>
+                              <p:par>
+                                <p:cTn id="5" presetID="10" presetClass="entr" presetSubtype="0" fill="hold" nodeType="withEffect">
+                                  <p:stCondLst>
+                                    <p:cond delay="0"/>
+                                  </p:stCondLst>
+                                  <p:childTnLst>
+                                    <p:set>
+                                      <p:cBhvr>
+                                        <p:cTn id="6" dur="1" fill="hold">
+                                          <p:stCondLst>
+                                            <p:cond delay="0"/>
+                                          </p:stCondLst>
+                                        </p:cTn>
+                                        <p:tgtEl>
+                                          <p:spTgt spid="13"/>
+                                        </p:tgtEl>
+                                        <p:attrNameLst>
+                                          <p:attrName>style.visibility</p:attrName>
+                                        </p:attrNameLst>
+                                      </p:cBhvr>
+                                      <p:to>
+                                        <p:strVal val="visible"/>
+                                      </p:to>
+                                    </p:set>
+                                    <p:animEffect transition="in" filter="fade">
+                                      <p:cBhvr>
+                                        <p:cTn id="7" dur="1000"/>
+                                        <p:tgtEl>
+                                          <p:spTgt spid="13"/>
+                                        </p:tgtEl>
+                                      </p:cBhvr>
+                                    </p:animEffect>
+                                  </p:childTnLst>
+                                </p:cTn>
+                              </p:par>
+                            </p:childTnLst>
+                          </p:cTn>
+                        </p:par>
+                      </p:childTnLst>
+                    </p:cTn>
+                  </p:par>
+                </p:childTnLst>
+              </p:cTn>
+              <p:prevCondLst>
+                <p:cond evt="onPrev" delay="0">
+                  <p:tgtEl>
+                    <p:sldTgt/>
+                  </p:tgtEl>
+                </p:cond>
+              </p:prevCondLst>
+              <p:nextCondLst>
+                <p:cond evt="onNext" delay="0">
+                  <p:tgtEl>
+                    <p:sldTgt/>
+                  </p:tgtEl>
+                </p:cond>
+              </p:nextCondLst>
+            </p:seq>
+          </p:childTnLst>
+        </p:cTn>
+      </p:par>
+    </p:tnLst>
+  </p:timing>
+</p:sld>
+</file>
+
+<file path=ppt/slides/slide21.xml><?xml version="1.0" encoding="utf-8"?>
+<p:sld xmlns:a="http://schemas.openxmlformats.org/drawingml/2006/main" xmlns:r="http://schemas.openxmlformats.org/officeDocument/2006/relationships" xmlns:p="http://schemas.openxmlformats.org/presentationml/2006/main">
+  <p:cSld>
+    <p:spTree>
+      <p:nvGrpSpPr>
+        <p:cNvPr id="1" name=""/>
+        <p:cNvGrpSpPr/>
+        <p:nvPr/>
+      </p:nvGrpSpPr>
+      <p:grpSpPr>
+        <a:xfrm>
+          <a:off x="0" y="0"/>
+          <a:ext cx="0" cy="0"/>
+          <a:chOff x="0" y="0"/>
+          <a:chExt cx="0" cy="0"/>
+        </a:xfrm>
+      </p:grpSpPr>
+      <p:sp>
+        <p:nvSpPr>
+          <p:cNvPr id="2" name="Title 1"/>
+          <p:cNvSpPr>
+            <a:spLocks noGrp="1"/>
+          </p:cNvSpPr>
+          <p:nvPr>
+            <p:ph type="title"/>
+          </p:nvPr>
+        </p:nvSpPr>
+        <p:spPr/>
+        <p:txBody>
+          <a:bodyPr/>
+          <a:lstStyle/>
+          <a:p>
+            <a:r>
+              <a:rPr lang="en-US" dirty="0"/>
               <a:t>Deploy a </a:t>
             </a:r>
             <a:r>
@@ -37861,7 +39084,7 @@
 </p:sld>
 </file>
 
-<file path=ppt/slides/slide21.xml><?xml version="1.0" encoding="utf-8"?>
+<file path=ppt/slides/slide22.xml><?xml version="1.0" encoding="utf-8"?>
 <p:sld xmlns:a="http://schemas.openxmlformats.org/drawingml/2006/main" xmlns:r="http://schemas.openxmlformats.org/officeDocument/2006/relationships" xmlns:p="http://schemas.openxmlformats.org/presentationml/2006/main">
   <p:cSld>
     <p:spTree>
@@ -38182,7 +39405,7 @@
 </p:sld>
 </file>
 
-<file path=ppt/slides/slide22.xml><?xml version="1.0" encoding="utf-8"?>
+<file path=ppt/slides/slide23.xml><?xml version="1.0" encoding="utf-8"?>
 <p:sld xmlns:a="http://schemas.openxmlformats.org/drawingml/2006/main" xmlns:r="http://schemas.openxmlformats.org/officeDocument/2006/relationships" xmlns:p="http://schemas.openxmlformats.org/presentationml/2006/main">
   <p:cSld>
     <p:spTree>
@@ -38267,7 +39490,7 @@
 </p:sld>
 </file>
 
-<file path=ppt/slides/slide23.xml><?xml version="1.0" encoding="utf-8"?>
+<file path=ppt/slides/slide24.xml><?xml version="1.0" encoding="utf-8"?>
 <p:sld xmlns:a="http://schemas.openxmlformats.org/drawingml/2006/main" xmlns:r="http://schemas.openxmlformats.org/officeDocument/2006/relationships" xmlns:p="http://schemas.openxmlformats.org/presentationml/2006/main">
   <p:cSld>
     <p:spTree>
@@ -38346,7 +39569,7 @@
 </p:sld>
 </file>
 
-<file path=ppt/slides/slide24.xml><?xml version="1.0" encoding="utf-8"?>
+<file path=ppt/slides/slide25.xml><?xml version="1.0" encoding="utf-8"?>
 <p:sld xmlns:a="http://schemas.openxmlformats.org/drawingml/2006/main" xmlns:r="http://schemas.openxmlformats.org/officeDocument/2006/relationships" xmlns:p="http://schemas.openxmlformats.org/presentationml/2006/main">
   <p:cSld>
     <p:spTree>
@@ -38422,7 +39645,7 @@
 </p:sld>
 </file>
 
-<file path=ppt/slides/slide25.xml><?xml version="1.0" encoding="utf-8"?>
+<file path=ppt/slides/slide26.xml><?xml version="1.0" encoding="utf-8"?>
 <p:sld xmlns:a="http://schemas.openxmlformats.org/drawingml/2006/main" xmlns:r="http://schemas.openxmlformats.org/officeDocument/2006/relationships" xmlns:p="http://schemas.openxmlformats.org/presentationml/2006/main">
   <p:cSld>
     <p:spTree>
@@ -38498,7 +39721,7 @@
 </p:sld>
 </file>
 
-<file path=ppt/slides/slide26.xml><?xml version="1.0" encoding="utf-8"?>
+<file path=ppt/slides/slide27.xml><?xml version="1.0" encoding="utf-8"?>
 <p:sld xmlns:a="http://schemas.openxmlformats.org/drawingml/2006/main" xmlns:r="http://schemas.openxmlformats.org/officeDocument/2006/relationships" xmlns:p="http://schemas.openxmlformats.org/presentationml/2006/main">
   <p:cSld>
     <p:spTree>
@@ -38599,7 +39822,7 @@
 </p:sld>
 </file>
 
-<file path=ppt/slides/slide27.xml><?xml version="1.0" encoding="utf-8"?>
+<file path=ppt/slides/slide28.xml><?xml version="1.0" encoding="utf-8"?>
 <p:sld xmlns:a="http://schemas.openxmlformats.org/drawingml/2006/main" xmlns:r="http://schemas.openxmlformats.org/officeDocument/2006/relationships" xmlns:p="http://schemas.openxmlformats.org/presentationml/2006/main">
   <p:cSld>
     <p:spTree>
@@ -38671,7 +39894,7 @@
 </p:sld>
 </file>
 
-<file path=ppt/slides/slide28.xml><?xml version="1.0" encoding="utf-8"?>
+<file path=ppt/slides/slide29.xml><?xml version="1.0" encoding="utf-8"?>
 <p:sld xmlns:a="http://schemas.openxmlformats.org/drawingml/2006/main" xmlns:r="http://schemas.openxmlformats.org/officeDocument/2006/relationships" xmlns:p="http://schemas.openxmlformats.org/presentationml/2006/main">
   <p:cSld>
     <p:spTree>
@@ -38739,7 +39962,397 @@
 </p:sld>
 </file>
 
-<file path=ppt/slides/slide29.xml><?xml version="1.0" encoding="utf-8"?>
+<file path=ppt/slides/slide3.xml><?xml version="1.0" encoding="utf-8"?>
+<p:sld xmlns:a="http://schemas.openxmlformats.org/drawingml/2006/main" xmlns:r="http://schemas.openxmlformats.org/officeDocument/2006/relationships" xmlns:p="http://schemas.openxmlformats.org/presentationml/2006/main">
+  <p:cSld>
+    <p:spTree>
+      <p:nvGrpSpPr>
+        <p:cNvPr id="1" name=""/>
+        <p:cNvGrpSpPr/>
+        <p:nvPr/>
+      </p:nvGrpSpPr>
+      <p:grpSpPr>
+        <a:xfrm>
+          <a:off x="0" y="0"/>
+          <a:ext cx="0" cy="0"/>
+          <a:chOff x="0" y="0"/>
+          <a:chExt cx="0" cy="0"/>
+        </a:xfrm>
+      </p:grpSpPr>
+      <p:sp>
+        <p:nvSpPr>
+          <p:cNvPr id="4" name="Title 3"/>
+          <p:cNvSpPr>
+            <a:spLocks noGrp="1"/>
+          </p:cNvSpPr>
+          <p:nvPr>
+            <p:ph type="title"/>
+          </p:nvPr>
+        </p:nvSpPr>
+        <p:spPr/>
+        <p:txBody>
+          <a:bodyPr/>
+          <a:lstStyle/>
+          <a:p>
+            <a:r>
+              <a:rPr lang="en-US" dirty="0" smtClean="0"/>
+              <a:t>From Official Website</a:t>
+            </a:r>
+            <a:endParaRPr lang="ru-RU" dirty="0"/>
+          </a:p>
+        </p:txBody>
+      </p:sp>
+      <p:grpSp>
+        <p:nvGrpSpPr>
+          <p:cNvPr id="8" name="Group 7"/>
+          <p:cNvGrpSpPr/>
+          <p:nvPr/>
+        </p:nvGrpSpPr>
+        <p:grpSpPr>
+          <a:xfrm>
+            <a:off x="1780308" y="1675363"/>
+            <a:ext cx="10082073" cy="2113677"/>
+            <a:chOff x="1780308" y="4012489"/>
+            <a:chExt cx="10082073" cy="2113677"/>
+          </a:xfrm>
+        </p:grpSpPr>
+        <p:sp>
+          <p:nvSpPr>
+            <p:cNvPr id="5" name="Rounded Rectangle 4"/>
+            <p:cNvSpPr/>
+            <p:nvPr/>
+          </p:nvSpPr>
+          <p:spPr>
+            <a:xfrm>
+              <a:off x="1780308" y="4012489"/>
+              <a:ext cx="10009112" cy="2113677"/>
+            </a:xfrm>
+            <a:prstGeom prst="roundRect">
+              <a:avLst/>
+            </a:prstGeom>
+            <a:solidFill>
+              <a:schemeClr val="bg1">
+                <a:lumMod val="95000"/>
+              </a:schemeClr>
+            </a:solidFill>
+            <a:ln>
+              <a:solidFill>
+                <a:srgbClr val="00B0F0"/>
+              </a:solidFill>
+            </a:ln>
+          </p:spPr>
+          <p:style>
+            <a:lnRef idx="2">
+              <a:schemeClr val="accent1">
+                <a:shade val="50000"/>
+              </a:schemeClr>
+            </a:lnRef>
+            <a:fillRef idx="1">
+              <a:schemeClr val="accent1"/>
+            </a:fillRef>
+            <a:effectRef idx="0">
+              <a:schemeClr val="accent1"/>
+            </a:effectRef>
+            <a:fontRef idx="minor">
+              <a:schemeClr val="lt1"/>
+            </a:fontRef>
+          </p:style>
+          <p:txBody>
+            <a:bodyPr rtlCol="0" anchor="ctr"/>
+            <a:lstStyle/>
+            <a:p>
+              <a:pPr algn="ctr"/>
+              <a:endParaRPr lang="ru-RU"/>
+            </a:p>
+          </p:txBody>
+        </p:sp>
+        <p:sp>
+          <p:nvSpPr>
+            <p:cNvPr id="6" name="Rectangle 5"/>
+            <p:cNvSpPr/>
+            <p:nvPr/>
+          </p:nvSpPr>
+          <p:spPr>
+            <a:xfrm>
+              <a:off x="2133601" y="4284497"/>
+              <a:ext cx="9728780" cy="1569660"/>
+            </a:xfrm>
+            <a:prstGeom prst="rect">
+              <a:avLst/>
+            </a:prstGeom>
+          </p:spPr>
+          <p:txBody>
+            <a:bodyPr wrap="square">
+              <a:spAutoFit/>
+            </a:bodyPr>
+            <a:lstStyle/>
+            <a:p>
+              <a:r>
+                <a:rPr lang="en-US" sz="2400" dirty="0" smtClean="0"/>
+                <a:t>	</a:t>
+              </a:r>
+              <a:r>
+                <a:rPr lang="en-US" sz="2400" dirty="0"/>
+                <a:t>“Azure is Microsoft’s cloud computing platform, a growing collection of integrated services - analytics, computing, database, mobile, networking, storage, and web - for moving faster, achieving more, and saving money.”</a:t>
+              </a:r>
+            </a:p>
+          </p:txBody>
+        </p:sp>
+      </p:grpSp>
+      <p:grpSp>
+        <p:nvGrpSpPr>
+          <p:cNvPr id="12" name="Group 11"/>
+          <p:cNvGrpSpPr/>
+          <p:nvPr/>
+        </p:nvGrpSpPr>
+        <p:grpSpPr>
+          <a:xfrm>
+            <a:off x="4583832" y="4365104"/>
+            <a:ext cx="4652348" cy="617612"/>
+            <a:chOff x="4583832" y="4365104"/>
+            <a:chExt cx="4652348" cy="617612"/>
+          </a:xfrm>
+        </p:grpSpPr>
+        <p:sp>
+          <p:nvSpPr>
+            <p:cNvPr id="10" name="Rounded Rectangle 9"/>
+            <p:cNvSpPr/>
+            <p:nvPr/>
+          </p:nvSpPr>
+          <p:spPr>
+            <a:xfrm>
+              <a:off x="4583832" y="4365104"/>
+              <a:ext cx="4652348" cy="617612"/>
+            </a:xfrm>
+            <a:prstGeom prst="roundRect">
+              <a:avLst/>
+            </a:prstGeom>
+            <a:solidFill>
+              <a:schemeClr val="bg1">
+                <a:lumMod val="95000"/>
+              </a:schemeClr>
+            </a:solidFill>
+            <a:ln>
+              <a:solidFill>
+                <a:srgbClr val="92D050"/>
+              </a:solidFill>
+            </a:ln>
+          </p:spPr>
+          <p:style>
+            <a:lnRef idx="2">
+              <a:schemeClr val="accent1">
+                <a:shade val="50000"/>
+              </a:schemeClr>
+            </a:lnRef>
+            <a:fillRef idx="1">
+              <a:schemeClr val="accent1"/>
+            </a:fillRef>
+            <a:effectRef idx="0">
+              <a:schemeClr val="accent1"/>
+            </a:effectRef>
+            <a:fontRef idx="minor">
+              <a:schemeClr val="lt1"/>
+            </a:fontRef>
+          </p:style>
+          <p:txBody>
+            <a:bodyPr rtlCol="0" anchor="ctr"/>
+            <a:lstStyle/>
+            <a:p>
+              <a:pPr algn="ctr"/>
+              <a:endParaRPr lang="ru-RU"/>
+            </a:p>
+          </p:txBody>
+        </p:sp>
+        <p:sp>
+          <p:nvSpPr>
+            <p:cNvPr id="11" name="Rectangle 10"/>
+            <p:cNvSpPr/>
+            <p:nvPr/>
+          </p:nvSpPr>
+          <p:spPr>
+            <a:xfrm>
+              <a:off x="4748047" y="4444583"/>
+              <a:ext cx="4372289" cy="466123"/>
+            </a:xfrm>
+            <a:prstGeom prst="rect">
+              <a:avLst/>
+            </a:prstGeom>
+            <a:ln>
+              <a:noFill/>
+            </a:ln>
+          </p:spPr>
+          <p:txBody>
+            <a:bodyPr wrap="square">
+              <a:spAutoFit/>
+            </a:bodyPr>
+            <a:lstStyle/>
+            <a:p>
+              <a:pPr algn="ctr"/>
+              <a:r>
+                <a:rPr lang="en-US" sz="2400" dirty="0" smtClean="0">
+                  <a:hlinkClick r:id="rId3"/>
+                </a:rPr>
+                <a:t>http</a:t>
+              </a:r>
+              <a:r>
+                <a:rPr lang="en-US" sz="2400" dirty="0">
+                  <a:hlinkClick r:id="rId3"/>
+                </a:rPr>
+                <a:t>://azure.microsoft.com/</a:t>
+              </a:r>
+              <a:r>
+                <a:rPr lang="en-US" sz="2400" dirty="0"/>
+                <a:t> </a:t>
+              </a:r>
+              <a:endParaRPr lang="ru-RU" sz="2400" dirty="0"/>
+            </a:p>
+          </p:txBody>
+        </p:sp>
+      </p:grpSp>
+    </p:spTree>
+    <p:extLst>
+      <p:ext uri="{BB962C8B-B14F-4D97-AF65-F5344CB8AC3E}">
+        <p14:creationId xmlns:p14="http://schemas.microsoft.com/office/powerpoint/2010/main" val="100909335"/>
+      </p:ext>
+    </p:extLst>
+  </p:cSld>
+  <p:clrMapOvr>
+    <a:masterClrMapping/>
+  </p:clrMapOvr>
+  <p:timing>
+    <p:tnLst>
+      <p:par>
+        <p:cTn id="1" dur="indefinite" restart="never" nodeType="tmRoot">
+          <p:childTnLst>
+            <p:seq concurrent="1" nextAc="seek">
+              <p:cTn id="2" dur="indefinite" nodeType="mainSeq">
+                <p:childTnLst>
+                  <p:par>
+                    <p:cTn id="3" fill="hold">
+                      <p:stCondLst>
+                        <p:cond delay="indefinite"/>
+                        <p:cond evt="onBegin" delay="0">
+                          <p:tn val="2"/>
+                        </p:cond>
+                      </p:stCondLst>
+                      <p:childTnLst>
+                        <p:par>
+                          <p:cTn id="4" fill="hold">
+                            <p:stCondLst>
+                              <p:cond delay="0"/>
+                            </p:stCondLst>
+                            <p:childTnLst>
+                              <p:par>
+                                <p:cTn id="5" presetID="22" presetClass="entr" presetSubtype="1" fill="hold" nodeType="afterEffect">
+                                  <p:stCondLst>
+                                    <p:cond delay="0"/>
+                                  </p:stCondLst>
+                                  <p:childTnLst>
+                                    <p:set>
+                                      <p:cBhvr>
+                                        <p:cTn id="6" dur="1" fill="hold">
+                                          <p:stCondLst>
+                                            <p:cond delay="0"/>
+                                          </p:stCondLst>
+                                        </p:cTn>
+                                        <p:tgtEl>
+                                          <p:spTgt spid="8"/>
+                                        </p:tgtEl>
+                                        <p:attrNameLst>
+                                          <p:attrName>style.visibility</p:attrName>
+                                        </p:attrNameLst>
+                                      </p:cBhvr>
+                                      <p:to>
+                                        <p:strVal val="visible"/>
+                                      </p:to>
+                                    </p:set>
+                                    <p:animEffect transition="in" filter="wipe(up)">
+                                      <p:cBhvr>
+                                        <p:cTn id="7" dur="1000"/>
+                                        <p:tgtEl>
+                                          <p:spTgt spid="8"/>
+                                        </p:tgtEl>
+                                      </p:cBhvr>
+                                    </p:animEffect>
+                                  </p:childTnLst>
+                                </p:cTn>
+                              </p:par>
+                            </p:childTnLst>
+                          </p:cTn>
+                        </p:par>
+                        <p:par>
+                          <p:cTn id="8" fill="hold">
+                            <p:stCondLst>
+                              <p:cond delay="1000"/>
+                            </p:stCondLst>
+                            <p:childTnLst>
+                              <p:par>
+                                <p:cTn id="9" presetID="22" presetClass="entr" presetSubtype="1" fill="hold" nodeType="afterEffect">
+                                  <p:stCondLst>
+                                    <p:cond delay="0"/>
+                                  </p:stCondLst>
+                                  <p:childTnLst>
+                                    <p:set>
+                                      <p:cBhvr>
+                                        <p:cTn id="10" dur="1" fill="hold">
+                                          <p:stCondLst>
+                                            <p:cond delay="0"/>
+                                          </p:stCondLst>
+                                        </p:cTn>
+                                        <p:tgtEl>
+                                          <p:spTgt spid="12"/>
+                                        </p:tgtEl>
+                                        <p:attrNameLst>
+                                          <p:attrName>style.visibility</p:attrName>
+                                        </p:attrNameLst>
+                                      </p:cBhvr>
+                                      <p:to>
+                                        <p:strVal val="visible"/>
+                                      </p:to>
+                                    </p:set>
+                                    <p:animEffect transition="in" filter="wipe(up)">
+                                      <p:cBhvr>
+                                        <p:cTn id="11" dur="500"/>
+                                        <p:tgtEl>
+                                          <p:spTgt spid="12"/>
+                                        </p:tgtEl>
+                                      </p:cBhvr>
+                                    </p:animEffect>
+                                  </p:childTnLst>
+                                </p:cTn>
+                              </p:par>
+                            </p:childTnLst>
+                          </p:cTn>
+                        </p:par>
+                      </p:childTnLst>
+                    </p:cTn>
+                  </p:par>
+                </p:childTnLst>
+              </p:cTn>
+              <p:prevCondLst>
+                <p:cond evt="onPrev" delay="0">
+                  <p:tgtEl>
+                    <p:sldTgt/>
+                  </p:tgtEl>
+                </p:cond>
+              </p:prevCondLst>
+              <p:nextCondLst>
+                <p:cond evt="onNext" delay="0">
+                  <p:tgtEl>
+                    <p:sldTgt/>
+                  </p:tgtEl>
+                </p:cond>
+              </p:nextCondLst>
+            </p:seq>
+          </p:childTnLst>
+        </p:cTn>
+      </p:par>
+    </p:tnLst>
+  </p:timing>
+</p:sld>
+</file>
+
+<file path=ppt/slides/slide30.xml><?xml version="1.0" encoding="utf-8"?>
 <p:sld xmlns:a="http://schemas.openxmlformats.org/drawingml/2006/main" xmlns:r="http://schemas.openxmlformats.org/officeDocument/2006/relationships" xmlns:p="http://schemas.openxmlformats.org/presentationml/2006/main">
   <p:cSld>
     <p:spTree>
@@ -39386,397 +40999,7 @@
 </p:sld>
 </file>
 
-<file path=ppt/slides/slide3.xml><?xml version="1.0" encoding="utf-8"?>
-<p:sld xmlns:a="http://schemas.openxmlformats.org/drawingml/2006/main" xmlns:r="http://schemas.openxmlformats.org/officeDocument/2006/relationships" xmlns:p="http://schemas.openxmlformats.org/presentationml/2006/main">
-  <p:cSld>
-    <p:spTree>
-      <p:nvGrpSpPr>
-        <p:cNvPr id="1" name=""/>
-        <p:cNvGrpSpPr/>
-        <p:nvPr/>
-      </p:nvGrpSpPr>
-      <p:grpSpPr>
-        <a:xfrm>
-          <a:off x="0" y="0"/>
-          <a:ext cx="0" cy="0"/>
-          <a:chOff x="0" y="0"/>
-          <a:chExt cx="0" cy="0"/>
-        </a:xfrm>
-      </p:grpSpPr>
-      <p:sp>
-        <p:nvSpPr>
-          <p:cNvPr id="4" name="Title 3"/>
-          <p:cNvSpPr>
-            <a:spLocks noGrp="1"/>
-          </p:cNvSpPr>
-          <p:nvPr>
-            <p:ph type="title"/>
-          </p:nvPr>
-        </p:nvSpPr>
-        <p:spPr/>
-        <p:txBody>
-          <a:bodyPr/>
-          <a:lstStyle/>
-          <a:p>
-            <a:r>
-              <a:rPr lang="en-US" dirty="0" smtClean="0"/>
-              <a:t>From Official Website</a:t>
-            </a:r>
-            <a:endParaRPr lang="ru-RU" dirty="0"/>
-          </a:p>
-        </p:txBody>
-      </p:sp>
-      <p:grpSp>
-        <p:nvGrpSpPr>
-          <p:cNvPr id="8" name="Group 7"/>
-          <p:cNvGrpSpPr/>
-          <p:nvPr/>
-        </p:nvGrpSpPr>
-        <p:grpSpPr>
-          <a:xfrm>
-            <a:off x="1780308" y="1675363"/>
-            <a:ext cx="10082073" cy="2113677"/>
-            <a:chOff x="1780308" y="4012489"/>
-            <a:chExt cx="10082073" cy="2113677"/>
-          </a:xfrm>
-        </p:grpSpPr>
-        <p:sp>
-          <p:nvSpPr>
-            <p:cNvPr id="5" name="Rounded Rectangle 4"/>
-            <p:cNvSpPr/>
-            <p:nvPr/>
-          </p:nvSpPr>
-          <p:spPr>
-            <a:xfrm>
-              <a:off x="1780308" y="4012489"/>
-              <a:ext cx="10009112" cy="2113677"/>
-            </a:xfrm>
-            <a:prstGeom prst="roundRect">
-              <a:avLst/>
-            </a:prstGeom>
-            <a:solidFill>
-              <a:schemeClr val="bg1">
-                <a:lumMod val="95000"/>
-              </a:schemeClr>
-            </a:solidFill>
-            <a:ln>
-              <a:solidFill>
-                <a:srgbClr val="00B0F0"/>
-              </a:solidFill>
-            </a:ln>
-          </p:spPr>
-          <p:style>
-            <a:lnRef idx="2">
-              <a:schemeClr val="accent1">
-                <a:shade val="50000"/>
-              </a:schemeClr>
-            </a:lnRef>
-            <a:fillRef idx="1">
-              <a:schemeClr val="accent1"/>
-            </a:fillRef>
-            <a:effectRef idx="0">
-              <a:schemeClr val="accent1"/>
-            </a:effectRef>
-            <a:fontRef idx="minor">
-              <a:schemeClr val="lt1"/>
-            </a:fontRef>
-          </p:style>
-          <p:txBody>
-            <a:bodyPr rtlCol="0" anchor="ctr"/>
-            <a:lstStyle/>
-            <a:p>
-              <a:pPr algn="ctr"/>
-              <a:endParaRPr lang="ru-RU"/>
-            </a:p>
-          </p:txBody>
-        </p:sp>
-        <p:sp>
-          <p:nvSpPr>
-            <p:cNvPr id="6" name="Rectangle 5"/>
-            <p:cNvSpPr/>
-            <p:nvPr/>
-          </p:nvSpPr>
-          <p:spPr>
-            <a:xfrm>
-              <a:off x="2133601" y="4284497"/>
-              <a:ext cx="9728780" cy="1569660"/>
-            </a:xfrm>
-            <a:prstGeom prst="rect">
-              <a:avLst/>
-            </a:prstGeom>
-          </p:spPr>
-          <p:txBody>
-            <a:bodyPr wrap="square">
-              <a:spAutoFit/>
-            </a:bodyPr>
-            <a:lstStyle/>
-            <a:p>
-              <a:r>
-                <a:rPr lang="en-US" sz="2400" dirty="0" smtClean="0"/>
-                <a:t>	</a:t>
-              </a:r>
-              <a:r>
-                <a:rPr lang="en-US" sz="2400" dirty="0"/>
-                <a:t>“Azure is Microsoft’s cloud computing platform, a growing collection of integrated services - analytics, computing, database, mobile, networking, storage, and web - for moving faster, achieving more, and saving money.”</a:t>
-              </a:r>
-            </a:p>
-          </p:txBody>
-        </p:sp>
-      </p:grpSp>
-      <p:grpSp>
-        <p:nvGrpSpPr>
-          <p:cNvPr id="12" name="Group 11"/>
-          <p:cNvGrpSpPr/>
-          <p:nvPr/>
-        </p:nvGrpSpPr>
-        <p:grpSpPr>
-          <a:xfrm>
-            <a:off x="4583832" y="4365104"/>
-            <a:ext cx="4652348" cy="617612"/>
-            <a:chOff x="4583832" y="4365104"/>
-            <a:chExt cx="4652348" cy="617612"/>
-          </a:xfrm>
-        </p:grpSpPr>
-        <p:sp>
-          <p:nvSpPr>
-            <p:cNvPr id="10" name="Rounded Rectangle 9"/>
-            <p:cNvSpPr/>
-            <p:nvPr/>
-          </p:nvSpPr>
-          <p:spPr>
-            <a:xfrm>
-              <a:off x="4583832" y="4365104"/>
-              <a:ext cx="4652348" cy="617612"/>
-            </a:xfrm>
-            <a:prstGeom prst="roundRect">
-              <a:avLst/>
-            </a:prstGeom>
-            <a:solidFill>
-              <a:schemeClr val="bg1">
-                <a:lumMod val="95000"/>
-              </a:schemeClr>
-            </a:solidFill>
-            <a:ln>
-              <a:solidFill>
-                <a:srgbClr val="92D050"/>
-              </a:solidFill>
-            </a:ln>
-          </p:spPr>
-          <p:style>
-            <a:lnRef idx="2">
-              <a:schemeClr val="accent1">
-                <a:shade val="50000"/>
-              </a:schemeClr>
-            </a:lnRef>
-            <a:fillRef idx="1">
-              <a:schemeClr val="accent1"/>
-            </a:fillRef>
-            <a:effectRef idx="0">
-              <a:schemeClr val="accent1"/>
-            </a:effectRef>
-            <a:fontRef idx="minor">
-              <a:schemeClr val="lt1"/>
-            </a:fontRef>
-          </p:style>
-          <p:txBody>
-            <a:bodyPr rtlCol="0" anchor="ctr"/>
-            <a:lstStyle/>
-            <a:p>
-              <a:pPr algn="ctr"/>
-              <a:endParaRPr lang="ru-RU"/>
-            </a:p>
-          </p:txBody>
-        </p:sp>
-        <p:sp>
-          <p:nvSpPr>
-            <p:cNvPr id="11" name="Rectangle 10"/>
-            <p:cNvSpPr/>
-            <p:nvPr/>
-          </p:nvSpPr>
-          <p:spPr>
-            <a:xfrm>
-              <a:off x="4748047" y="4444583"/>
-              <a:ext cx="4372289" cy="466123"/>
-            </a:xfrm>
-            <a:prstGeom prst="rect">
-              <a:avLst/>
-            </a:prstGeom>
-            <a:ln>
-              <a:noFill/>
-            </a:ln>
-          </p:spPr>
-          <p:txBody>
-            <a:bodyPr wrap="square">
-              <a:spAutoFit/>
-            </a:bodyPr>
-            <a:lstStyle/>
-            <a:p>
-              <a:pPr algn="ctr"/>
-              <a:r>
-                <a:rPr lang="en-US" sz="2400" dirty="0" smtClean="0">
-                  <a:hlinkClick r:id="rId3"/>
-                </a:rPr>
-                <a:t>http</a:t>
-              </a:r>
-              <a:r>
-                <a:rPr lang="en-US" sz="2400" dirty="0">
-                  <a:hlinkClick r:id="rId3"/>
-                </a:rPr>
-                <a:t>://azure.microsoft.com/</a:t>
-              </a:r>
-              <a:r>
-                <a:rPr lang="en-US" sz="2400" dirty="0"/>
-                <a:t> </a:t>
-              </a:r>
-              <a:endParaRPr lang="ru-RU" sz="2400" dirty="0"/>
-            </a:p>
-          </p:txBody>
-        </p:sp>
-      </p:grpSp>
-    </p:spTree>
-    <p:extLst>
-      <p:ext uri="{BB962C8B-B14F-4D97-AF65-F5344CB8AC3E}">
-        <p14:creationId xmlns:p14="http://schemas.microsoft.com/office/powerpoint/2010/main" val="100909335"/>
-      </p:ext>
-    </p:extLst>
-  </p:cSld>
-  <p:clrMapOvr>
-    <a:masterClrMapping/>
-  </p:clrMapOvr>
-  <p:timing>
-    <p:tnLst>
-      <p:par>
-        <p:cTn id="1" dur="indefinite" restart="never" nodeType="tmRoot">
-          <p:childTnLst>
-            <p:seq concurrent="1" nextAc="seek">
-              <p:cTn id="2" dur="indefinite" nodeType="mainSeq">
-                <p:childTnLst>
-                  <p:par>
-                    <p:cTn id="3" fill="hold">
-                      <p:stCondLst>
-                        <p:cond delay="indefinite"/>
-                        <p:cond evt="onBegin" delay="0">
-                          <p:tn val="2"/>
-                        </p:cond>
-                      </p:stCondLst>
-                      <p:childTnLst>
-                        <p:par>
-                          <p:cTn id="4" fill="hold">
-                            <p:stCondLst>
-                              <p:cond delay="0"/>
-                            </p:stCondLst>
-                            <p:childTnLst>
-                              <p:par>
-                                <p:cTn id="5" presetID="22" presetClass="entr" presetSubtype="1" fill="hold" nodeType="afterEffect">
-                                  <p:stCondLst>
-                                    <p:cond delay="0"/>
-                                  </p:stCondLst>
-                                  <p:childTnLst>
-                                    <p:set>
-                                      <p:cBhvr>
-                                        <p:cTn id="6" dur="1" fill="hold">
-                                          <p:stCondLst>
-                                            <p:cond delay="0"/>
-                                          </p:stCondLst>
-                                        </p:cTn>
-                                        <p:tgtEl>
-                                          <p:spTgt spid="8"/>
-                                        </p:tgtEl>
-                                        <p:attrNameLst>
-                                          <p:attrName>style.visibility</p:attrName>
-                                        </p:attrNameLst>
-                                      </p:cBhvr>
-                                      <p:to>
-                                        <p:strVal val="visible"/>
-                                      </p:to>
-                                    </p:set>
-                                    <p:animEffect transition="in" filter="wipe(up)">
-                                      <p:cBhvr>
-                                        <p:cTn id="7" dur="1000"/>
-                                        <p:tgtEl>
-                                          <p:spTgt spid="8"/>
-                                        </p:tgtEl>
-                                      </p:cBhvr>
-                                    </p:animEffect>
-                                  </p:childTnLst>
-                                </p:cTn>
-                              </p:par>
-                            </p:childTnLst>
-                          </p:cTn>
-                        </p:par>
-                        <p:par>
-                          <p:cTn id="8" fill="hold">
-                            <p:stCondLst>
-                              <p:cond delay="1000"/>
-                            </p:stCondLst>
-                            <p:childTnLst>
-                              <p:par>
-                                <p:cTn id="9" presetID="22" presetClass="entr" presetSubtype="1" fill="hold" nodeType="afterEffect">
-                                  <p:stCondLst>
-                                    <p:cond delay="0"/>
-                                  </p:stCondLst>
-                                  <p:childTnLst>
-                                    <p:set>
-                                      <p:cBhvr>
-                                        <p:cTn id="10" dur="1" fill="hold">
-                                          <p:stCondLst>
-                                            <p:cond delay="0"/>
-                                          </p:stCondLst>
-                                        </p:cTn>
-                                        <p:tgtEl>
-                                          <p:spTgt spid="12"/>
-                                        </p:tgtEl>
-                                        <p:attrNameLst>
-                                          <p:attrName>style.visibility</p:attrName>
-                                        </p:attrNameLst>
-                                      </p:cBhvr>
-                                      <p:to>
-                                        <p:strVal val="visible"/>
-                                      </p:to>
-                                    </p:set>
-                                    <p:animEffect transition="in" filter="wipe(up)">
-                                      <p:cBhvr>
-                                        <p:cTn id="11" dur="500"/>
-                                        <p:tgtEl>
-                                          <p:spTgt spid="12"/>
-                                        </p:tgtEl>
-                                      </p:cBhvr>
-                                    </p:animEffect>
-                                  </p:childTnLst>
-                                </p:cTn>
-                              </p:par>
-                            </p:childTnLst>
-                          </p:cTn>
-                        </p:par>
-                      </p:childTnLst>
-                    </p:cTn>
-                  </p:par>
-                </p:childTnLst>
-              </p:cTn>
-              <p:prevCondLst>
-                <p:cond evt="onPrev" delay="0">
-                  <p:tgtEl>
-                    <p:sldTgt/>
-                  </p:tgtEl>
-                </p:cond>
-              </p:prevCondLst>
-              <p:nextCondLst>
-                <p:cond evt="onNext" delay="0">
-                  <p:tgtEl>
-                    <p:sldTgt/>
-                  </p:tgtEl>
-                </p:cond>
-              </p:nextCondLst>
-            </p:seq>
-          </p:childTnLst>
-        </p:cTn>
-      </p:par>
-    </p:tnLst>
-  </p:timing>
-</p:sld>
-</file>
-
-<file path=ppt/slides/slide30.xml><?xml version="1.0" encoding="utf-8"?>
+<file path=ppt/slides/slide31.xml><?xml version="1.0" encoding="utf-8"?>
 <p:sld xmlns:a="http://schemas.openxmlformats.org/drawingml/2006/main" xmlns:r="http://schemas.openxmlformats.org/officeDocument/2006/relationships" xmlns:p="http://schemas.openxmlformats.org/presentationml/2006/main">
   <p:cSld>
     <p:spTree>

--- a/Presentation/2015 - Microsoft Azure.pptx
+++ b/Presentation/2015 - Microsoft Azure.pptx
@@ -5,7 +5,7 @@
     <p:sldMasterId id="2147483660" r:id="rId1"/>
   </p:sldMasterIdLst>
   <p:notesMasterIdLst>
-    <p:notesMasterId r:id="rId33"/>
+    <p:notesMasterId r:id="rId36"/>
   </p:notesMasterIdLst>
   <p:sldIdLst>
     <p:sldId id="256" r:id="rId2"/>
@@ -15,30 +15,33 @@
     <p:sldId id="361" r:id="rId6"/>
     <p:sldId id="360" r:id="rId7"/>
     <p:sldId id="362" r:id="rId8"/>
-    <p:sldId id="383" r:id="rId9"/>
-    <p:sldId id="365" r:id="rId10"/>
-    <p:sldId id="368" r:id="rId11"/>
-    <p:sldId id="369" r:id="rId12"/>
-    <p:sldId id="370" r:id="rId13"/>
-    <p:sldId id="371" r:id="rId14"/>
-    <p:sldId id="363" r:id="rId15"/>
-    <p:sldId id="364" r:id="rId16"/>
-    <p:sldId id="366" r:id="rId17"/>
-    <p:sldId id="367" r:id="rId18"/>
-    <p:sldId id="378" r:id="rId19"/>
-    <p:sldId id="380" r:id="rId20"/>
-    <p:sldId id="387" r:id="rId21"/>
-    <p:sldId id="384" r:id="rId22"/>
-    <p:sldId id="385" r:id="rId23"/>
-    <p:sldId id="386" r:id="rId24"/>
-    <p:sldId id="379" r:id="rId25"/>
-    <p:sldId id="377" r:id="rId26"/>
-    <p:sldId id="375" r:id="rId27"/>
-    <p:sldId id="376" r:id="rId28"/>
-    <p:sldId id="382" r:id="rId29"/>
-    <p:sldId id="381" r:id="rId30"/>
-    <p:sldId id="374" r:id="rId31"/>
-    <p:sldId id="342" r:id="rId32"/>
+    <p:sldId id="388" r:id="rId9"/>
+    <p:sldId id="383" r:id="rId10"/>
+    <p:sldId id="365" r:id="rId11"/>
+    <p:sldId id="368" r:id="rId12"/>
+    <p:sldId id="369" r:id="rId13"/>
+    <p:sldId id="370" r:id="rId14"/>
+    <p:sldId id="371" r:id="rId15"/>
+    <p:sldId id="363" r:id="rId16"/>
+    <p:sldId id="364" r:id="rId17"/>
+    <p:sldId id="366" r:id="rId18"/>
+    <p:sldId id="367" r:id="rId19"/>
+    <p:sldId id="378" r:id="rId20"/>
+    <p:sldId id="380" r:id="rId21"/>
+    <p:sldId id="387" r:id="rId22"/>
+    <p:sldId id="384" r:id="rId23"/>
+    <p:sldId id="385" r:id="rId24"/>
+    <p:sldId id="386" r:id="rId25"/>
+    <p:sldId id="390" r:id="rId26"/>
+    <p:sldId id="389" r:id="rId27"/>
+    <p:sldId id="379" r:id="rId28"/>
+    <p:sldId id="377" r:id="rId29"/>
+    <p:sldId id="375" r:id="rId30"/>
+    <p:sldId id="376" r:id="rId31"/>
+    <p:sldId id="382" r:id="rId32"/>
+    <p:sldId id="381" r:id="rId33"/>
+    <p:sldId id="374" r:id="rId34"/>
+    <p:sldId id="342" r:id="rId35"/>
   </p:sldIdLst>
   <p:sldSz cx="12192000" cy="6858000"/>
   <p:notesSz cx="6858000" cy="9144000"/>
@@ -149,6 +152,7 @@
             <p14:sldId id="361"/>
             <p14:sldId id="360"/>
             <p14:sldId id="362"/>
+            <p14:sldId id="388"/>
             <p14:sldId id="383"/>
             <p14:sldId id="365"/>
             <p14:sldId id="368"/>
@@ -165,6 +169,8 @@
             <p14:sldId id="384"/>
             <p14:sldId id="385"/>
             <p14:sldId id="386"/>
+            <p14:sldId id="390"/>
+            <p14:sldId id="389"/>
             <p14:sldId id="379"/>
             <p14:sldId id="377"/>
             <p14:sldId id="375"/>
@@ -362,16 +368,16 @@
                   <c:v>IBM SoftLayer</c:v>
                 </c:pt>
                 <c:pt idx="1">
+                  <c:v>VMware vCloud Air</c:v>
+                </c:pt>
+                <c:pt idx="2">
                   <c:v>Google IaaS</c:v>
                 </c:pt>
-                <c:pt idx="2">
-                  <c:v>VMware vCloud Air</c:v>
-                </c:pt>
                 <c:pt idx="3">
-                  <c:v>Rackspace Public Cloud</c:v>
+                  <c:v>Azure PaaS</c:v>
                 </c:pt>
                 <c:pt idx="4">
-                  <c:v>Azure PaaS</c:v>
+                  <c:v>Rackspace Public Cloud</c:v>
                 </c:pt>
                 <c:pt idx="5">
                   <c:v>Azure IaaS</c:v>
@@ -389,25 +395,25 @@
                 <c:formatCode>General</c:formatCode>
                 <c:ptCount val="7"/>
                 <c:pt idx="0">
-                  <c:v>0.06</c:v>
+                  <c:v>0.05</c:v>
                 </c:pt>
                 <c:pt idx="1">
-                  <c:v>7.0000000000000007E-2</c:v>
+                  <c:v>0.05</c:v>
                 </c:pt>
                 <c:pt idx="2">
-                  <c:v>0.1</c:v>
+                  <c:v>0.05</c:v>
                 </c:pt>
                 <c:pt idx="3">
-                  <c:v>0.1</c:v>
+                  <c:v>0.09</c:v>
                 </c:pt>
                 <c:pt idx="4">
-                  <c:v>0.15</c:v>
+                  <c:v>0.11</c:v>
                 </c:pt>
                 <c:pt idx="5">
-                  <c:v>0.19</c:v>
+                  <c:v>0.12</c:v>
                 </c:pt>
                 <c:pt idx="6">
-                  <c:v>0.5</c:v>
+                  <c:v>0.56999999999999995</c:v>
                 </c:pt>
               </c:numCache>
             </c:numRef>
@@ -506,16 +512,16 @@
                   <c:v>IBM SoftLayer</c:v>
                 </c:pt>
                 <c:pt idx="1">
+                  <c:v>VMware vCloud Air</c:v>
+                </c:pt>
+                <c:pt idx="2">
                   <c:v>Google IaaS</c:v>
                 </c:pt>
-                <c:pt idx="2">
-                  <c:v>VMware vCloud Air</c:v>
-                </c:pt>
                 <c:pt idx="3">
-                  <c:v>Rackspace Public Cloud</c:v>
+                  <c:v>Azure PaaS</c:v>
                 </c:pt>
                 <c:pt idx="4">
-                  <c:v>Azure PaaS</c:v>
+                  <c:v>Rackspace Public Cloud</c:v>
                 </c:pt>
                 <c:pt idx="5">
                   <c:v>Azure IaaS</c:v>
@@ -533,25 +539,25 @@
                 <c:formatCode>General</c:formatCode>
                 <c:ptCount val="7"/>
                 <c:pt idx="0">
-                  <c:v>0.11</c:v>
+                  <c:v>0.08</c:v>
                 </c:pt>
                 <c:pt idx="1">
+                  <c:v>0.1</c:v>
+                </c:pt>
+                <c:pt idx="2">
+                  <c:v>0.16</c:v>
+                </c:pt>
+                <c:pt idx="3">
                   <c:v>0.13</c:v>
                 </c:pt>
-                <c:pt idx="2">
-                  <c:v>0.14000000000000001</c:v>
-                </c:pt>
-                <c:pt idx="3">
-                  <c:v>0.1</c:v>
-                </c:pt>
                 <c:pt idx="4">
-                  <c:v>0.2</c:v>
+                  <c:v>0.09</c:v>
                 </c:pt>
                 <c:pt idx="5">
-                  <c:v>0.23</c:v>
+                  <c:v>0.17</c:v>
                 </c:pt>
                 <c:pt idx="6">
-                  <c:v>0.2</c:v>
+                  <c:v>0.17</c:v>
                 </c:pt>
               </c:numCache>
             </c:numRef>
@@ -650,16 +656,16 @@
                   <c:v>IBM SoftLayer</c:v>
                 </c:pt>
                 <c:pt idx="1">
+                  <c:v>VMware vCloud Air</c:v>
+                </c:pt>
+                <c:pt idx="2">
                   <c:v>Google IaaS</c:v>
                 </c:pt>
-                <c:pt idx="2">
-                  <c:v>VMware vCloud Air</c:v>
-                </c:pt>
                 <c:pt idx="3">
-                  <c:v>Rackspace Public Cloud</c:v>
+                  <c:v>Azure PaaS</c:v>
                 </c:pt>
                 <c:pt idx="4">
-                  <c:v>Azure PaaS</c:v>
+                  <c:v>Rackspace Public Cloud</c:v>
                 </c:pt>
                 <c:pt idx="5">
                   <c:v>Azure IaaS</c:v>
@@ -677,22 +683,22 @@
                 <c:formatCode>General</c:formatCode>
                 <c:ptCount val="7"/>
                 <c:pt idx="0">
-                  <c:v>0.06</c:v>
+                  <c:v>7.0000000000000007E-2</c:v>
                 </c:pt>
                 <c:pt idx="1">
-                  <c:v>0.11</c:v>
+                  <c:v>0.08</c:v>
                 </c:pt>
                 <c:pt idx="2">
-                  <c:v>0.1</c:v>
+                  <c:v>0.13</c:v>
                 </c:pt>
                 <c:pt idx="3">
-                  <c:v>7.0000000000000007E-2</c:v>
+                  <c:v>0.13</c:v>
                 </c:pt>
                 <c:pt idx="4">
-                  <c:v>0.14000000000000001</c:v>
+                  <c:v>0.09</c:v>
                 </c:pt>
                 <c:pt idx="5">
-                  <c:v>0.13</c:v>
+                  <c:v>0.12</c:v>
                 </c:pt>
                 <c:pt idx="6">
                   <c:v>7.0000000000000007E-2</c:v>
@@ -711,12 +717,12 @@
         </c:dLbls>
         <c:gapWidth val="150"/>
         <c:shape val="box"/>
-        <c:axId val="-1923831984"/>
-        <c:axId val="-1923839600"/>
+        <c:axId val="79465680"/>
+        <c:axId val="79467856"/>
         <c:axId val="0"/>
       </c:bar3DChart>
       <c:catAx>
-        <c:axId val="-1923831984"/>
+        <c:axId val="79465680"/>
         <c:scaling>
           <c:orientation val="minMax"/>
         </c:scaling>
@@ -767,7 +773,7 @@
             <a:endParaRPr lang="ru-RU"/>
           </a:p>
         </c:txPr>
-        <c:crossAx val="-1923839600"/>
+        <c:crossAx val="79467856"/>
         <c:crosses val="autoZero"/>
         <c:auto val="1"/>
         <c:lblAlgn val="ctr"/>
@@ -775,7 +781,7 @@
         <c:noMultiLvlLbl val="0"/>
       </c:catAx>
       <c:valAx>
-        <c:axId val="-1923839600"/>
+        <c:axId val="79467856"/>
         <c:scaling>
           <c:orientation val="minMax"/>
           <c:max val="1"/>
@@ -829,7 +835,7 @@
             <a:endParaRPr lang="ru-RU"/>
           </a:p>
         </c:txPr>
-        <c:crossAx val="-1923831984"/>
+        <c:crossAx val="79465680"/>
         <c:crosses val="autoZero"/>
         <c:crossBetween val="between"/>
       </c:valAx>
@@ -849,8 +855,8 @@
           <c:yMode val="edge"/>
           <c:x val="0.78020703659350477"/>
           <c:y val="0.69018450478687832"/>
-          <c:w val="0.14899261229734045"/>
-          <c:h val="0.16338077242982454"/>
+          <c:w val="0.12628306571515877"/>
+          <c:h val="0.13525577415995485"/>
         </c:manualLayout>
       </c:layout>
       <c:overlay val="0"/>
@@ -924,6 +930,761 @@
 </file>
 
 <file path=ppt/charts/chart2.xml><?xml version="1.0" encoding="utf-8"?>
+<c:chartSpace xmlns:c="http://schemas.openxmlformats.org/drawingml/2006/chart" xmlns:a="http://schemas.openxmlformats.org/drawingml/2006/main" xmlns:r="http://schemas.openxmlformats.org/officeDocument/2006/relationships">
+  <c:date1904 val="0"/>
+  <c:lang val="en-US"/>
+  <c:roundedCorners val="0"/>
+  <mc:AlternateContent xmlns:mc="http://schemas.openxmlformats.org/markup-compatibility/2006">
+    <mc:Choice xmlns:c14="http://schemas.microsoft.com/office/drawing/2007/8/2/chart" Requires="c14">
+      <c14:style val="102"/>
+    </mc:Choice>
+    <mc:Fallback>
+      <c:style val="2"/>
+    </mc:Fallback>
+  </mc:AlternateContent>
+  <c:chart>
+    <c:autoTitleDeleted val="1"/>
+    <c:view3D>
+      <c:rotX val="15"/>
+      <c:rotY val="20"/>
+      <c:depthPercent val="100"/>
+      <c:rAngAx val="1"/>
+    </c:view3D>
+    <c:floor>
+      <c:thickness val="0"/>
+      <c:spPr>
+        <a:noFill/>
+        <a:ln>
+          <a:noFill/>
+        </a:ln>
+        <a:effectLst/>
+        <a:sp3d/>
+      </c:spPr>
+    </c:floor>
+    <c:sideWall>
+      <c:thickness val="0"/>
+      <c:spPr>
+        <a:noFill/>
+        <a:ln>
+          <a:noFill/>
+        </a:ln>
+        <a:effectLst/>
+        <a:sp3d/>
+      </c:spPr>
+    </c:sideWall>
+    <c:backWall>
+      <c:thickness val="0"/>
+      <c:spPr>
+        <a:noFill/>
+        <a:ln>
+          <a:noFill/>
+        </a:ln>
+        <a:effectLst/>
+        <a:sp3d/>
+      </c:spPr>
+    </c:backWall>
+    <c:plotArea>
+      <c:layout>
+        <c:manualLayout>
+          <c:layoutTarget val="inner"/>
+          <c:xMode val="edge"/>
+          <c:yMode val="edge"/>
+          <c:x val="0.19573283517486825"/>
+          <c:y val="2.578124841404722E-2"/>
+          <c:w val="0.76841490204864527"/>
+          <c:h val="0.91071863246071405"/>
+        </c:manualLayout>
+      </c:layout>
+      <c:bar3DChart>
+        <c:barDir val="bar"/>
+        <c:grouping val="clustered"/>
+        <c:varyColors val="0"/>
+        <c:ser>
+          <c:idx val="0"/>
+          <c:order val="0"/>
+          <c:tx>
+            <c:strRef>
+              <c:f>Sheet1!$B$1</c:f>
+              <c:strCache>
+                <c:ptCount val="1"/>
+                <c:pt idx="0">
+                  <c:v>2014</c:v>
+                </c:pt>
+              </c:strCache>
+            </c:strRef>
+          </c:tx>
+          <c:spPr>
+            <a:solidFill>
+              <a:schemeClr val="accent1"/>
+            </a:solidFill>
+            <a:ln>
+              <a:noFill/>
+            </a:ln>
+            <a:effectLst/>
+            <a:sp3d/>
+          </c:spPr>
+          <c:invertIfNegative val="0"/>
+          <c:dLbls>
+            <c:numFmt formatCode="0%" sourceLinked="0"/>
+            <c:spPr>
+              <a:noFill/>
+              <a:ln>
+                <a:noFill/>
+              </a:ln>
+              <a:effectLst/>
+            </c:spPr>
+            <c:txPr>
+              <a:bodyPr rot="0" spcFirstLastPara="1" vertOverflow="ellipsis" vert="horz" wrap="square" lIns="38100" tIns="19050" rIns="38100" bIns="19050" anchor="ctr" anchorCtr="1">
+                <a:spAutoFit/>
+              </a:bodyPr>
+              <a:lstStyle/>
+              <a:p>
+                <a:pPr>
+                  <a:defRPr sz="1197" b="0" i="0" u="none" strike="noStrike" kern="1200" baseline="0">
+                    <a:solidFill>
+                      <a:schemeClr val="tx1">
+                        <a:lumMod val="75000"/>
+                        <a:lumOff val="25000"/>
+                      </a:schemeClr>
+                    </a:solidFill>
+                    <a:latin typeface="+mn-lt"/>
+                    <a:ea typeface="+mn-ea"/>
+                    <a:cs typeface="+mn-cs"/>
+                  </a:defRPr>
+                </a:pPr>
+                <a:endParaRPr lang="ru-RU"/>
+              </a:p>
+            </c:txPr>
+            <c:showLegendKey val="0"/>
+            <c:showVal val="1"/>
+            <c:showCatName val="0"/>
+            <c:showSerName val="0"/>
+            <c:showPercent val="0"/>
+            <c:showBubbleSize val="0"/>
+            <c:showLeaderLines val="0"/>
+            <c:extLst>
+              <c:ext xmlns:c15="http://schemas.microsoft.com/office/drawing/2012/chart" uri="{CE6537A1-D6FC-4f65-9D91-7224C49458BB}">
+                <c15:layout/>
+                <c15:showLeaderLines val="1"/>
+                <c15:leaderLines>
+                  <c:spPr>
+                    <a:ln w="9525" cap="flat" cmpd="sng" algn="ctr">
+                      <a:solidFill>
+                        <a:schemeClr val="tx1">
+                          <a:lumMod val="35000"/>
+                          <a:lumOff val="65000"/>
+                        </a:schemeClr>
+                      </a:solidFill>
+                      <a:round/>
+                    </a:ln>
+                    <a:effectLst/>
+                  </c:spPr>
+                </c15:leaderLines>
+              </c:ext>
+            </c:extLst>
+          </c:dLbls>
+          <c:cat>
+            <c:strRef>
+              <c:f>Sheet1!$A$2:$A$8</c:f>
+              <c:strCache>
+                <c:ptCount val="7"/>
+                <c:pt idx="0">
+                  <c:v>IBM SoftLayer</c:v>
+                </c:pt>
+                <c:pt idx="1">
+                  <c:v>VMware vCloud Air</c:v>
+                </c:pt>
+                <c:pt idx="2">
+                  <c:v>Google IaaS</c:v>
+                </c:pt>
+                <c:pt idx="3">
+                  <c:v>Azure PaaS</c:v>
+                </c:pt>
+                <c:pt idx="4">
+                  <c:v>Rackspace Public Cloud</c:v>
+                </c:pt>
+                <c:pt idx="5">
+                  <c:v>Azure IaaS</c:v>
+                </c:pt>
+                <c:pt idx="6">
+                  <c:v>AWS</c:v>
+                </c:pt>
+              </c:strCache>
+            </c:strRef>
+          </c:cat>
+          <c:val>
+            <c:numRef>
+              <c:f>Sheet1!$B$2:$B$8</c:f>
+              <c:numCache>
+                <c:formatCode>General</c:formatCode>
+                <c:ptCount val="7"/>
+                <c:pt idx="0">
+                  <c:v>0.04</c:v>
+                </c:pt>
+                <c:pt idx="1">
+                  <c:v>0.08</c:v>
+                </c:pt>
+                <c:pt idx="2">
+                  <c:v>0.04</c:v>
+                </c:pt>
+                <c:pt idx="3">
+                  <c:v>7.0000000000000007E-2</c:v>
+                </c:pt>
+                <c:pt idx="4">
+                  <c:v>0.12</c:v>
+                </c:pt>
+                <c:pt idx="5">
+                  <c:v>0.06</c:v>
+                </c:pt>
+                <c:pt idx="6">
+                  <c:v>0.54</c:v>
+                </c:pt>
+              </c:numCache>
+            </c:numRef>
+          </c:val>
+        </c:ser>
+        <c:ser>
+          <c:idx val="1"/>
+          <c:order val="1"/>
+          <c:tx>
+            <c:strRef>
+              <c:f>Sheet1!$C$1</c:f>
+              <c:strCache>
+                <c:ptCount val="1"/>
+                <c:pt idx="0">
+                  <c:v>2015</c:v>
+                </c:pt>
+              </c:strCache>
+            </c:strRef>
+          </c:tx>
+          <c:spPr>
+            <a:solidFill>
+              <a:schemeClr val="accent2"/>
+            </a:solidFill>
+            <a:ln>
+              <a:noFill/>
+            </a:ln>
+            <a:effectLst/>
+            <a:sp3d/>
+          </c:spPr>
+          <c:invertIfNegative val="0"/>
+          <c:dLbls>
+            <c:dLbl>
+              <c:idx val="0"/>
+              <c:layout>
+                <c:manualLayout>
+                  <c:x val="4.0075670439144147E-3"/>
+                  <c:y val="0"/>
+                </c:manualLayout>
+              </c:layout>
+              <c:showLegendKey val="0"/>
+              <c:showVal val="1"/>
+              <c:showCatName val="0"/>
+              <c:showSerName val="0"/>
+              <c:showPercent val="0"/>
+              <c:showBubbleSize val="0"/>
+              <c:extLst>
+                <c:ext xmlns:c15="http://schemas.microsoft.com/office/drawing/2012/chart" uri="{CE6537A1-D6FC-4f65-9D91-7224C49458BB}">
+                  <c15:layout/>
+                </c:ext>
+              </c:extLst>
+            </c:dLbl>
+            <c:dLbl>
+              <c:idx val="1"/>
+              <c:layout>
+                <c:manualLayout>
+                  <c:x val="4.0075670439144147E-3"/>
+                  <c:y val="-9.3749994232898114E-3"/>
+                </c:manualLayout>
+              </c:layout>
+              <c:showLegendKey val="0"/>
+              <c:showVal val="1"/>
+              <c:showCatName val="0"/>
+              <c:showSerName val="0"/>
+              <c:showPercent val="0"/>
+              <c:showBubbleSize val="0"/>
+              <c:extLst>
+                <c:ext xmlns:c15="http://schemas.microsoft.com/office/drawing/2012/chart" uri="{CE6537A1-D6FC-4f65-9D91-7224C49458BB}">
+                  <c15:layout/>
+                </c:ext>
+              </c:extLst>
+            </c:dLbl>
+            <c:dLbl>
+              <c:idx val="2"/>
+              <c:layout>
+                <c:manualLayout>
+                  <c:x val="4.0075670439144147E-3"/>
+                  <c:y val="-2.3437498558224745E-3"/>
+                </c:manualLayout>
+              </c:layout>
+              <c:showLegendKey val="0"/>
+              <c:showVal val="1"/>
+              <c:showCatName val="0"/>
+              <c:showSerName val="0"/>
+              <c:showPercent val="0"/>
+              <c:showBubbleSize val="0"/>
+              <c:extLst>
+                <c:ext xmlns:c15="http://schemas.microsoft.com/office/drawing/2012/chart" uri="{CE6537A1-D6FC-4f65-9D91-7224C49458BB}">
+                  <c15:layout/>
+                </c:ext>
+              </c:extLst>
+            </c:dLbl>
+            <c:dLbl>
+              <c:idx val="3"/>
+              <c:layout>
+                <c:manualLayout>
+                  <c:x val="4.007619636657773E-3"/>
+                  <c:y val="-1.1717826542948662E-3"/>
+                </c:manualLayout>
+              </c:layout>
+              <c:numFmt formatCode="0%" sourceLinked="0"/>
+              <c:spPr>
+                <a:noFill/>
+                <a:ln>
+                  <a:noFill/>
+                </a:ln>
+                <a:effectLst/>
+              </c:spPr>
+              <c:txPr>
+                <a:bodyPr rot="0" spcFirstLastPara="1" vertOverflow="ellipsis" vert="horz" wrap="square" lIns="38100" tIns="19050" rIns="38100" bIns="19050" anchor="ctr" anchorCtr="1">
+                  <a:noAutofit/>
+                </a:bodyPr>
+                <a:lstStyle/>
+                <a:p>
+                  <a:pPr>
+                    <a:defRPr sz="1197" b="0" i="0" u="none" strike="noStrike" kern="1200" baseline="0">
+                      <a:solidFill>
+                        <a:schemeClr val="tx1">
+                          <a:lumMod val="75000"/>
+                          <a:lumOff val="25000"/>
+                        </a:schemeClr>
+                      </a:solidFill>
+                      <a:latin typeface="+mn-lt"/>
+                      <a:ea typeface="+mn-ea"/>
+                      <a:cs typeface="+mn-cs"/>
+                    </a:defRPr>
+                  </a:pPr>
+                  <a:endParaRPr lang="ru-RU"/>
+                </a:p>
+              </c:txPr>
+              <c:showLegendKey val="0"/>
+              <c:showVal val="1"/>
+              <c:showCatName val="0"/>
+              <c:showSerName val="0"/>
+              <c:showPercent val="0"/>
+              <c:showBubbleSize val="0"/>
+              <c:extLst>
+                <c:ext xmlns:c15="http://schemas.microsoft.com/office/drawing/2012/chart" uri="{CE6537A1-D6FC-4f65-9D91-7224C49458BB}">
+                  <c15:layout>
+                    <c:manualLayout>
+                      <c:w val="3.1125437374401949E-2"/>
+                      <c:h val="3.693749772776219E-2"/>
+                    </c:manualLayout>
+                  </c15:layout>
+                </c:ext>
+              </c:extLst>
+            </c:dLbl>
+            <c:dLbl>
+              <c:idx val="4"/>
+              <c:layout>
+                <c:manualLayout>
+                  <c:x val="1.068684545043839E-2"/>
+                  <c:y val="-4.6874997116449916E-3"/>
+                </c:manualLayout>
+              </c:layout>
+              <c:showLegendKey val="0"/>
+              <c:showVal val="1"/>
+              <c:showCatName val="0"/>
+              <c:showSerName val="0"/>
+              <c:showPercent val="0"/>
+              <c:showBubbleSize val="0"/>
+              <c:extLst>
+                <c:ext xmlns:c15="http://schemas.microsoft.com/office/drawing/2012/chart" uri="{CE6537A1-D6FC-4f65-9D91-7224C49458BB}">
+                  <c15:layout/>
+                </c:ext>
+              </c:extLst>
+            </c:dLbl>
+            <c:dLbl>
+              <c:idx val="5"/>
+              <c:layout>
+                <c:manualLayout>
+                  <c:x val="5.3434227252191708E-3"/>
+                  <c:y val="0"/>
+                </c:manualLayout>
+              </c:layout>
+              <c:showLegendKey val="0"/>
+              <c:showVal val="1"/>
+              <c:showCatName val="0"/>
+              <c:showSerName val="0"/>
+              <c:showPercent val="0"/>
+              <c:showBubbleSize val="0"/>
+              <c:extLst>
+                <c:ext xmlns:c15="http://schemas.microsoft.com/office/drawing/2012/chart" uri="{CE6537A1-D6FC-4f65-9D91-7224C49458BB}">
+                  <c15:layout/>
+                </c:ext>
+              </c:extLst>
+            </c:dLbl>
+            <c:dLbl>
+              <c:idx val="6"/>
+              <c:layout>
+                <c:manualLayout>
+                  <c:x val="6.6792784065240248E-3"/>
+                  <c:y val="-7.0312495674674236E-3"/>
+                </c:manualLayout>
+              </c:layout>
+              <c:showLegendKey val="0"/>
+              <c:showVal val="1"/>
+              <c:showCatName val="0"/>
+              <c:showSerName val="0"/>
+              <c:showPercent val="0"/>
+              <c:showBubbleSize val="0"/>
+              <c:extLst>
+                <c:ext xmlns:c15="http://schemas.microsoft.com/office/drawing/2012/chart" uri="{CE6537A1-D6FC-4f65-9D91-7224C49458BB}">
+                  <c15:layout/>
+                </c:ext>
+              </c:extLst>
+            </c:dLbl>
+            <c:numFmt formatCode="0%" sourceLinked="0"/>
+            <c:spPr>
+              <a:noFill/>
+              <a:ln>
+                <a:noFill/>
+              </a:ln>
+              <a:effectLst/>
+            </c:spPr>
+            <c:txPr>
+              <a:bodyPr rot="0" spcFirstLastPara="1" vertOverflow="ellipsis" vert="horz" wrap="square" lIns="38100" tIns="19050" rIns="38100" bIns="19050" anchor="ctr" anchorCtr="1">
+                <a:spAutoFit/>
+              </a:bodyPr>
+              <a:lstStyle/>
+              <a:p>
+                <a:pPr>
+                  <a:defRPr sz="1197" b="0" i="0" u="none" strike="noStrike" kern="1200" baseline="0">
+                    <a:solidFill>
+                      <a:schemeClr val="tx1">
+                        <a:lumMod val="75000"/>
+                        <a:lumOff val="25000"/>
+                      </a:schemeClr>
+                    </a:solidFill>
+                    <a:latin typeface="+mn-lt"/>
+                    <a:ea typeface="+mn-ea"/>
+                    <a:cs typeface="+mn-cs"/>
+                  </a:defRPr>
+                </a:pPr>
+                <a:endParaRPr lang="ru-RU"/>
+              </a:p>
+            </c:txPr>
+            <c:showLegendKey val="0"/>
+            <c:showVal val="1"/>
+            <c:showCatName val="0"/>
+            <c:showSerName val="0"/>
+            <c:showPercent val="0"/>
+            <c:showBubbleSize val="0"/>
+            <c:showLeaderLines val="0"/>
+            <c:extLst>
+              <c:ext xmlns:c15="http://schemas.microsoft.com/office/drawing/2012/chart" uri="{CE6537A1-D6FC-4f65-9D91-7224C49458BB}">
+                <c15:layout/>
+                <c15:showLeaderLines val="1"/>
+                <c15:leaderLines>
+                  <c:spPr>
+                    <a:ln w="9525" cap="flat" cmpd="sng" algn="ctr">
+                      <a:solidFill>
+                        <a:schemeClr val="tx1">
+                          <a:lumMod val="35000"/>
+                          <a:lumOff val="65000"/>
+                        </a:schemeClr>
+                      </a:solidFill>
+                      <a:round/>
+                    </a:ln>
+                    <a:effectLst/>
+                  </c:spPr>
+                </c15:leaderLines>
+              </c:ext>
+            </c:extLst>
+          </c:dLbls>
+          <c:cat>
+            <c:strRef>
+              <c:f>Sheet1!$A$2:$A$8</c:f>
+              <c:strCache>
+                <c:ptCount val="7"/>
+                <c:pt idx="0">
+                  <c:v>IBM SoftLayer</c:v>
+                </c:pt>
+                <c:pt idx="1">
+                  <c:v>VMware vCloud Air</c:v>
+                </c:pt>
+                <c:pt idx="2">
+                  <c:v>Google IaaS</c:v>
+                </c:pt>
+                <c:pt idx="3">
+                  <c:v>Azure PaaS</c:v>
+                </c:pt>
+                <c:pt idx="4">
+                  <c:v>Rackspace Public Cloud</c:v>
+                </c:pt>
+                <c:pt idx="5">
+                  <c:v>Azure IaaS</c:v>
+                </c:pt>
+                <c:pt idx="6">
+                  <c:v>AWS</c:v>
+                </c:pt>
+              </c:strCache>
+            </c:strRef>
+          </c:cat>
+          <c:val>
+            <c:numRef>
+              <c:f>Sheet1!$C$2:$C$8</c:f>
+              <c:numCache>
+                <c:formatCode>General</c:formatCode>
+                <c:ptCount val="7"/>
+                <c:pt idx="0">
+                  <c:v>0.05</c:v>
+                </c:pt>
+                <c:pt idx="1">
+                  <c:v>0.05</c:v>
+                </c:pt>
+                <c:pt idx="2">
+                  <c:v>0.05</c:v>
+                </c:pt>
+                <c:pt idx="3">
+                  <c:v>0.09</c:v>
+                </c:pt>
+                <c:pt idx="4">
+                  <c:v>0.11</c:v>
+                </c:pt>
+                <c:pt idx="5">
+                  <c:v>0.12</c:v>
+                </c:pt>
+                <c:pt idx="6">
+                  <c:v>0.56999999999999995</c:v>
+                </c:pt>
+              </c:numCache>
+            </c:numRef>
+          </c:val>
+        </c:ser>
+        <c:dLbls>
+          <c:showLegendKey val="0"/>
+          <c:showVal val="0"/>
+          <c:showCatName val="0"/>
+          <c:showSerName val="0"/>
+          <c:showPercent val="0"/>
+          <c:showBubbleSize val="0"/>
+        </c:dLbls>
+        <c:gapWidth val="150"/>
+        <c:shape val="box"/>
+        <c:axId val="386501600"/>
+        <c:axId val="386495072"/>
+        <c:axId val="0"/>
+      </c:bar3DChart>
+      <c:catAx>
+        <c:axId val="386501600"/>
+        <c:scaling>
+          <c:orientation val="minMax"/>
+        </c:scaling>
+        <c:delete val="0"/>
+        <c:axPos val="l"/>
+        <c:minorGridlines>
+          <c:spPr>
+            <a:ln w="9525" cap="flat" cmpd="sng" algn="ctr">
+              <a:solidFill>
+                <a:schemeClr val="tx1">
+                  <a:lumMod val="5000"/>
+                  <a:lumOff val="95000"/>
+                </a:schemeClr>
+              </a:solidFill>
+              <a:round/>
+            </a:ln>
+            <a:effectLst/>
+          </c:spPr>
+        </c:minorGridlines>
+        <c:numFmt formatCode="General" sourceLinked="1"/>
+        <c:majorTickMark val="none"/>
+        <c:minorTickMark val="none"/>
+        <c:tickLblPos val="nextTo"/>
+        <c:spPr>
+          <a:noFill/>
+          <a:ln>
+            <a:noFill/>
+          </a:ln>
+          <a:effectLst/>
+        </c:spPr>
+        <c:txPr>
+          <a:bodyPr rot="-60000000" spcFirstLastPara="1" vertOverflow="ellipsis" vert="horz" wrap="square" anchor="ctr" anchorCtr="1"/>
+          <a:lstStyle/>
+          <a:p>
+            <a:pPr>
+              <a:defRPr sz="1197" b="0" i="0" u="none" strike="noStrike" kern="1200" baseline="0">
+                <a:solidFill>
+                  <a:schemeClr val="tx1">
+                    <a:lumMod val="65000"/>
+                    <a:lumOff val="35000"/>
+                  </a:schemeClr>
+                </a:solidFill>
+                <a:latin typeface="+mn-lt"/>
+                <a:ea typeface="+mn-ea"/>
+                <a:cs typeface="+mn-cs"/>
+              </a:defRPr>
+            </a:pPr>
+            <a:endParaRPr lang="ru-RU"/>
+          </a:p>
+        </c:txPr>
+        <c:crossAx val="386495072"/>
+        <c:crosses val="autoZero"/>
+        <c:auto val="1"/>
+        <c:lblAlgn val="ctr"/>
+        <c:lblOffset val="100"/>
+        <c:noMultiLvlLbl val="0"/>
+      </c:catAx>
+      <c:valAx>
+        <c:axId val="386495072"/>
+        <c:scaling>
+          <c:orientation val="minMax"/>
+          <c:max val="1"/>
+        </c:scaling>
+        <c:delete val="0"/>
+        <c:axPos val="b"/>
+        <c:majorGridlines>
+          <c:spPr>
+            <a:ln w="9525" cap="flat" cmpd="sng" algn="ctr">
+              <a:solidFill>
+                <a:schemeClr val="tx1">
+                  <a:lumMod val="15000"/>
+                  <a:lumOff val="85000"/>
+                </a:schemeClr>
+              </a:solidFill>
+              <a:round/>
+            </a:ln>
+            <a:effectLst/>
+          </c:spPr>
+        </c:majorGridlines>
+        <c:numFmt formatCode="0%" sourceLinked="0"/>
+        <c:majorTickMark val="cross"/>
+        <c:minorTickMark val="none"/>
+        <c:tickLblPos val="nextTo"/>
+        <c:spPr>
+          <a:noFill/>
+          <a:ln>
+            <a:solidFill>
+              <a:srgbClr val="00B0F0"/>
+            </a:solidFill>
+          </a:ln>
+          <a:effectLst/>
+        </c:spPr>
+        <c:txPr>
+          <a:bodyPr rot="-60000000" spcFirstLastPara="1" vertOverflow="ellipsis" vert="horz" wrap="square" anchor="ctr" anchorCtr="1"/>
+          <a:lstStyle/>
+          <a:p>
+            <a:pPr>
+              <a:defRPr sz="1197" b="0" i="0" u="none" strike="noStrike" kern="1200" baseline="0">
+                <a:solidFill>
+                  <a:schemeClr val="tx1">
+                    <a:lumMod val="65000"/>
+                    <a:lumOff val="35000"/>
+                  </a:schemeClr>
+                </a:solidFill>
+                <a:latin typeface="+mn-lt"/>
+                <a:ea typeface="+mn-ea"/>
+                <a:cs typeface="+mn-cs"/>
+              </a:defRPr>
+            </a:pPr>
+            <a:endParaRPr lang="ru-RU"/>
+          </a:p>
+        </c:txPr>
+        <c:crossAx val="386501600"/>
+        <c:crosses val="autoZero"/>
+        <c:crossBetween val="between"/>
+      </c:valAx>
+      <c:spPr>
+        <a:noFill/>
+        <a:ln>
+          <a:noFill/>
+        </a:ln>
+        <a:effectLst/>
+      </c:spPr>
+    </c:plotArea>
+    <c:legend>
+      <c:legendPos val="r"/>
+      <c:layout>
+        <c:manualLayout>
+          <c:xMode val="edge"/>
+          <c:yMode val="edge"/>
+          <c:x val="0.78020703659350477"/>
+          <c:y val="0.69018450478687832"/>
+          <c:w val="5.9650268775214933E-2"/>
+          <c:h val="9.0170516106636553E-2"/>
+        </c:manualLayout>
+      </c:layout>
+      <c:overlay val="0"/>
+      <c:spPr>
+        <a:solidFill>
+          <a:schemeClr val="bg1">
+            <a:lumMod val="95000"/>
+          </a:schemeClr>
+        </a:solidFill>
+        <a:ln>
+          <a:solidFill>
+            <a:schemeClr val="bg1">
+              <a:lumMod val="65000"/>
+            </a:schemeClr>
+          </a:solidFill>
+        </a:ln>
+        <a:effectLst>
+          <a:outerShdw blurRad="50800" dist="38100" dir="2700000" algn="tl" rotWithShape="0">
+            <a:prstClr val="black">
+              <a:alpha val="40000"/>
+            </a:prstClr>
+          </a:outerShdw>
+        </a:effectLst>
+      </c:spPr>
+      <c:txPr>
+        <a:bodyPr rot="0" spcFirstLastPara="1" vertOverflow="ellipsis" vert="horz" wrap="square" anchor="ctr" anchorCtr="1"/>
+        <a:lstStyle/>
+        <a:p>
+          <a:pPr>
+            <a:defRPr sz="1197" b="0" i="0" u="none" strike="noStrike" kern="1200" baseline="0">
+              <a:solidFill>
+                <a:schemeClr val="tx1">
+                  <a:lumMod val="65000"/>
+                  <a:lumOff val="35000"/>
+                </a:schemeClr>
+              </a:solidFill>
+              <a:latin typeface="+mn-lt"/>
+              <a:ea typeface="+mn-ea"/>
+              <a:cs typeface="+mn-cs"/>
+            </a:defRPr>
+          </a:pPr>
+          <a:endParaRPr lang="ru-RU"/>
+        </a:p>
+      </c:txPr>
+    </c:legend>
+    <c:plotVisOnly val="1"/>
+    <c:dispBlanksAs val="gap"/>
+    <c:showDLblsOverMax val="0"/>
+  </c:chart>
+  <c:spPr>
+    <a:noFill/>
+    <a:ln>
+      <a:noFill/>
+    </a:ln>
+    <a:effectLst/>
+  </c:spPr>
+  <c:txPr>
+    <a:bodyPr/>
+    <a:lstStyle/>
+    <a:p>
+      <a:pPr>
+        <a:defRPr/>
+      </a:pPr>
+      <a:endParaRPr lang="ru-RU"/>
+    </a:p>
+  </c:txPr>
+  <c:externalData r:id="rId3">
+    <c:autoUpdate val="0"/>
+  </c:externalData>
+</c:chartSpace>
+</file>
+
+<file path=ppt/charts/chart3.xml><?xml version="1.0" encoding="utf-8"?>
 <c:chartSpace xmlns:c="http://schemas.openxmlformats.org/drawingml/2006/chart" xmlns:a="http://schemas.openxmlformats.org/drawingml/2006/main" xmlns:r="http://schemas.openxmlformats.org/officeDocument/2006/relationships">
   <c:date1904 val="0"/>
   <c:lang val="en-US"/>
@@ -1443,11 +2204,11 @@
         </c:dLbls>
         <c:gapWidth val="219"/>
         <c:overlap val="-27"/>
-        <c:axId val="-1923839056"/>
-        <c:axId val="-1923837424"/>
+        <c:axId val="79474384"/>
+        <c:axId val="79473296"/>
       </c:barChart>
       <c:catAx>
-        <c:axId val="-1923839056"/>
+        <c:axId val="79474384"/>
         <c:scaling>
           <c:orientation val="minMax"/>
         </c:scaling>
@@ -1490,7 +2251,7 @@
             <a:endParaRPr lang="ru-RU"/>
           </a:p>
         </c:txPr>
-        <c:crossAx val="-1923837424"/>
+        <c:crossAx val="79473296"/>
         <c:crosses val="autoZero"/>
         <c:auto val="1"/>
         <c:lblAlgn val="ctr"/>
@@ -1498,7 +2259,7 @@
         <c:noMultiLvlLbl val="0"/>
       </c:catAx>
       <c:valAx>
-        <c:axId val="-1923837424"/>
+        <c:axId val="79473296"/>
         <c:scaling>
           <c:orientation val="minMax"/>
         </c:scaling>
@@ -1549,7 +2310,7 @@
             <a:endParaRPr lang="ru-RU"/>
           </a:p>
         </c:txPr>
-        <c:crossAx val="-1923839056"/>
+        <c:crossAx val="79474384"/>
         <c:crosses val="autoZero"/>
         <c:crossBetween val="between"/>
         <c:majorUnit val="1"/>
@@ -1621,7 +2382,7 @@
 </c:chartSpace>
 </file>
 
-<file path=ppt/charts/chart3.xml><?xml version="1.0" encoding="utf-8"?>
+<file path=ppt/charts/chart4.xml><?xml version="1.0" encoding="utf-8"?>
 <c:chartSpace xmlns:c="http://schemas.openxmlformats.org/drawingml/2006/chart" xmlns:a="http://schemas.openxmlformats.org/drawingml/2006/main" xmlns:r="http://schemas.openxmlformats.org/officeDocument/2006/relationships">
   <c:date1904 val="0"/>
   <c:lang val="en-US"/>
@@ -2145,11 +2906,11 @@
         </c:dLbls>
         <c:gapWidth val="219"/>
         <c:overlap val="-27"/>
-        <c:axId val="-1923831440"/>
-        <c:axId val="-1923844496"/>
+        <c:axId val="79472208"/>
+        <c:axId val="79464048"/>
       </c:barChart>
       <c:catAx>
-        <c:axId val="-1923831440"/>
+        <c:axId val="79472208"/>
         <c:scaling>
           <c:orientation val="minMax"/>
         </c:scaling>
@@ -2192,7 +2953,7 @@
             <a:endParaRPr lang="ru-RU"/>
           </a:p>
         </c:txPr>
-        <c:crossAx val="-1923844496"/>
+        <c:crossAx val="79464048"/>
         <c:crosses val="autoZero"/>
         <c:auto val="1"/>
         <c:lblAlgn val="ctr"/>
@@ -2200,7 +2961,7 @@
         <c:noMultiLvlLbl val="0"/>
       </c:catAx>
       <c:valAx>
-        <c:axId val="-1923844496"/>
+        <c:axId val="79464048"/>
         <c:scaling>
           <c:orientation val="minMax"/>
         </c:scaling>
@@ -2251,7 +3012,7 @@
             <a:endParaRPr lang="ru-RU"/>
           </a:p>
         </c:txPr>
-        <c:crossAx val="-1923831440"/>
+        <c:crossAx val="79472208"/>
         <c:crosses val="autoZero"/>
         <c:crossBetween val="between"/>
       </c:valAx>
@@ -2322,7 +3083,7 @@
 </c:chartSpace>
 </file>
 
-<file path=ppt/charts/chart4.xml><?xml version="1.0" encoding="utf-8"?>
+<file path=ppt/charts/chart5.xml><?xml version="1.0" encoding="utf-8"?>
 <c:chartSpace xmlns:c="http://schemas.openxmlformats.org/drawingml/2006/chart" xmlns:a="http://schemas.openxmlformats.org/drawingml/2006/main" xmlns:r="http://schemas.openxmlformats.org/officeDocument/2006/relationships">
   <c:date1904 val="0"/>
   <c:lang val="en-US"/>
@@ -3046,6 +3807,46 @@
 </cs:colorStyle>
 </file>
 
+<file path=ppt/charts/colors5.xml><?xml version="1.0" encoding="utf-8"?>
+<cs:colorStyle xmlns:cs="http://schemas.microsoft.com/office/drawing/2012/chartStyle" xmlns:a="http://schemas.openxmlformats.org/drawingml/2006/main" meth="cycle" id="10">
+  <a:schemeClr val="accent1"/>
+  <a:schemeClr val="accent2"/>
+  <a:schemeClr val="accent3"/>
+  <a:schemeClr val="accent4"/>
+  <a:schemeClr val="accent5"/>
+  <a:schemeClr val="accent6"/>
+  <cs:variation/>
+  <cs:variation>
+    <a:lumMod val="60000"/>
+  </cs:variation>
+  <cs:variation>
+    <a:lumMod val="80000"/>
+    <a:lumOff val="20000"/>
+  </cs:variation>
+  <cs:variation>
+    <a:lumMod val="80000"/>
+  </cs:variation>
+  <cs:variation>
+    <a:lumMod val="60000"/>
+    <a:lumOff val="40000"/>
+  </cs:variation>
+  <cs:variation>
+    <a:lumMod val="50000"/>
+  </cs:variation>
+  <cs:variation>
+    <a:lumMod val="70000"/>
+    <a:lumOff val="30000"/>
+  </cs:variation>
+  <cs:variation>
+    <a:lumMod val="70000"/>
+  </cs:variation>
+  <cs:variation>
+    <a:lumMod val="50000"/>
+    <a:lumOff val="50000"/>
+  </cs:variation>
+</cs:colorStyle>
+</file>
+
 <file path=ppt/charts/style1.xml><?xml version="1.0" encoding="utf-8"?>
 <cs:chartStyle xmlns:cs="http://schemas.microsoft.com/office/drawing/2012/chartStyle" xmlns:a="http://schemas.openxmlformats.org/drawingml/2006/main" id="286">
   <cs:axisTitle>
@@ -3541,7 +4342,7 @@
 </file>
 
 <file path=ppt/charts/style2.xml><?xml version="1.0" encoding="utf-8"?>
-<cs:chartStyle xmlns:cs="http://schemas.microsoft.com/office/drawing/2012/chartStyle" xmlns:a="http://schemas.openxmlformats.org/drawingml/2006/main" id="201">
+<cs:chartStyle xmlns:cs="http://schemas.microsoft.com/office/drawing/2012/chartStyle" xmlns:a="http://schemas.openxmlformats.org/drawingml/2006/main" id="286">
   <cs:axisTitle>
     <cs:lnRef idx="0"/>
     <cs:fillRef idx="0"/>
@@ -3564,17 +4365,6 @@
         <a:lumOff val="35000"/>
       </a:schemeClr>
     </cs:fontRef>
-    <cs:spPr>
-      <a:ln w="9525" cap="flat" cmpd="sng" algn="ctr">
-        <a:solidFill>
-          <a:schemeClr val="tx1">
-            <a:lumMod val="15000"/>
-            <a:lumOff val="85000"/>
-          </a:schemeClr>
-        </a:solidFill>
-        <a:round/>
-      </a:ln>
-    </cs:spPr>
     <cs:defRPr sz="1197" kern="1200"/>
   </cs:categoryAxis>
   <cs:chartArea mods="allowNoFillOverride allowNoLineOverride">
@@ -3745,22 +4535,23 @@
     <cs:fillRef idx="0"/>
     <cs:effectRef idx="0"/>
     <cs:fontRef idx="minor">
-      <a:schemeClr val="dk1"/>
+      <a:schemeClr val="tx1"/>
     </cs:fontRef>
     <cs:spPr>
       <a:solidFill>
         <a:schemeClr val="dk1">
-          <a:lumMod val="65000"/>
-          <a:lumOff val="35000"/>
+          <a:lumMod val="75000"/>
+          <a:lumOff val="25000"/>
         </a:schemeClr>
       </a:solidFill>
-      <a:ln w="9525">
+      <a:ln w="9525" cap="flat" cmpd="sng" algn="ctr">
         <a:solidFill>
           <a:schemeClr val="tx1">
             <a:lumMod val="65000"/>
             <a:lumOff val="35000"/>
           </a:schemeClr>
         </a:solidFill>
+        <a:round/>
       </a:ln>
     </cs:spPr>
   </cs:downBar>
@@ -3865,8 +4656,8 @@
       <a:ln w="9525" cap="flat" cmpd="sng" algn="ctr">
         <a:solidFill>
           <a:schemeClr val="tx1">
-            <a:lumMod val="75000"/>
-            <a:lumOff val="25000"/>
+            <a:lumMod val="50000"/>
+            <a:lumOff val="50000"/>
           </a:schemeClr>
         </a:solidFill>
         <a:round/>
@@ -3998,19 +4789,20 @@
     <cs:fillRef idx="0"/>
     <cs:effectRef idx="0"/>
     <cs:fontRef idx="minor">
-      <a:schemeClr val="dk1"/>
+      <a:schemeClr val="tx1"/>
     </cs:fontRef>
     <cs:spPr>
       <a:solidFill>
         <a:schemeClr val="lt1"/>
       </a:solidFill>
-      <a:ln w="9525">
+      <a:ln w="9525" cap="flat" cmpd="sng" algn="ctr">
         <a:solidFill>
           <a:schemeClr val="tx1">
-            <a:lumMod val="15000"/>
-            <a:lumOff val="85000"/>
+            <a:lumMod val="65000"/>
+            <a:lumOff val="35000"/>
           </a:schemeClr>
         </a:solidFill>
+        <a:round/>
       </a:ln>
     </cs:spPr>
   </cs:upBar>
@@ -4547,6 +5339,509 @@
 </file>
 
 <file path=ppt/charts/style4.xml><?xml version="1.0" encoding="utf-8"?>
+<cs:chartStyle xmlns:cs="http://schemas.microsoft.com/office/drawing/2012/chartStyle" xmlns:a="http://schemas.openxmlformats.org/drawingml/2006/main" id="201">
+  <cs:axisTitle>
+    <cs:lnRef idx="0"/>
+    <cs:fillRef idx="0"/>
+    <cs:effectRef idx="0"/>
+    <cs:fontRef idx="minor">
+      <a:schemeClr val="tx1">
+        <a:lumMod val="65000"/>
+        <a:lumOff val="35000"/>
+      </a:schemeClr>
+    </cs:fontRef>
+    <cs:defRPr sz="1330" kern="1200"/>
+  </cs:axisTitle>
+  <cs:categoryAxis>
+    <cs:lnRef idx="0"/>
+    <cs:fillRef idx="0"/>
+    <cs:effectRef idx="0"/>
+    <cs:fontRef idx="minor">
+      <a:schemeClr val="tx1">
+        <a:lumMod val="65000"/>
+        <a:lumOff val="35000"/>
+      </a:schemeClr>
+    </cs:fontRef>
+    <cs:spPr>
+      <a:ln w="9525" cap="flat" cmpd="sng" algn="ctr">
+        <a:solidFill>
+          <a:schemeClr val="tx1">
+            <a:lumMod val="15000"/>
+            <a:lumOff val="85000"/>
+          </a:schemeClr>
+        </a:solidFill>
+        <a:round/>
+      </a:ln>
+    </cs:spPr>
+    <cs:defRPr sz="1197" kern="1200"/>
+  </cs:categoryAxis>
+  <cs:chartArea mods="allowNoFillOverride allowNoLineOverride">
+    <cs:lnRef idx="0"/>
+    <cs:fillRef idx="0"/>
+    <cs:effectRef idx="0"/>
+    <cs:fontRef idx="minor">
+      <a:schemeClr val="tx1"/>
+    </cs:fontRef>
+    <cs:spPr>
+      <a:solidFill>
+        <a:schemeClr val="bg1"/>
+      </a:solidFill>
+      <a:ln w="9525" cap="flat" cmpd="sng" algn="ctr">
+        <a:solidFill>
+          <a:schemeClr val="tx1">
+            <a:lumMod val="15000"/>
+            <a:lumOff val="85000"/>
+          </a:schemeClr>
+        </a:solidFill>
+        <a:round/>
+      </a:ln>
+    </cs:spPr>
+    <cs:defRPr sz="1330" kern="1200"/>
+  </cs:chartArea>
+  <cs:dataLabel>
+    <cs:lnRef idx="0"/>
+    <cs:fillRef idx="0"/>
+    <cs:effectRef idx="0"/>
+    <cs:fontRef idx="minor">
+      <a:schemeClr val="tx1">
+        <a:lumMod val="75000"/>
+        <a:lumOff val="25000"/>
+      </a:schemeClr>
+    </cs:fontRef>
+    <cs:defRPr sz="1197" kern="1200"/>
+  </cs:dataLabel>
+  <cs:dataLabelCallout>
+    <cs:lnRef idx="0"/>
+    <cs:fillRef idx="0"/>
+    <cs:effectRef idx="0"/>
+    <cs:fontRef idx="minor">
+      <a:schemeClr val="dk1">
+        <a:lumMod val="65000"/>
+        <a:lumOff val="35000"/>
+      </a:schemeClr>
+    </cs:fontRef>
+    <cs:spPr>
+      <a:solidFill>
+        <a:schemeClr val="lt1"/>
+      </a:solidFill>
+      <a:ln>
+        <a:solidFill>
+          <a:schemeClr val="dk1">
+            <a:lumMod val="25000"/>
+            <a:lumOff val="75000"/>
+          </a:schemeClr>
+        </a:solidFill>
+      </a:ln>
+    </cs:spPr>
+    <cs:defRPr sz="1197" kern="1200"/>
+    <cs:bodyPr rot="0" spcFirstLastPara="1" vertOverflow="clip" horzOverflow="clip" vert="horz" wrap="square" lIns="36576" tIns="18288" rIns="36576" bIns="18288" anchor="ctr" anchorCtr="1">
+      <a:spAutoFit/>
+    </cs:bodyPr>
+  </cs:dataLabelCallout>
+  <cs:dataPoint>
+    <cs:lnRef idx="0"/>
+    <cs:fillRef idx="1">
+      <cs:styleClr val="auto"/>
+    </cs:fillRef>
+    <cs:effectRef idx="0"/>
+    <cs:fontRef idx="minor">
+      <a:schemeClr val="tx1"/>
+    </cs:fontRef>
+  </cs:dataPoint>
+  <cs:dataPoint3D>
+    <cs:lnRef idx="0"/>
+    <cs:fillRef idx="1">
+      <cs:styleClr val="auto"/>
+    </cs:fillRef>
+    <cs:effectRef idx="0"/>
+    <cs:fontRef idx="minor">
+      <a:schemeClr val="tx1"/>
+    </cs:fontRef>
+  </cs:dataPoint3D>
+  <cs:dataPointLine>
+    <cs:lnRef idx="0">
+      <cs:styleClr val="auto"/>
+    </cs:lnRef>
+    <cs:fillRef idx="1"/>
+    <cs:effectRef idx="0"/>
+    <cs:fontRef idx="minor">
+      <a:schemeClr val="tx1"/>
+    </cs:fontRef>
+    <cs:spPr>
+      <a:ln w="28575" cap="rnd">
+        <a:solidFill>
+          <a:schemeClr val="phClr"/>
+        </a:solidFill>
+        <a:round/>
+      </a:ln>
+    </cs:spPr>
+  </cs:dataPointLine>
+  <cs:dataPointMarker>
+    <cs:lnRef idx="0">
+      <cs:styleClr val="auto"/>
+    </cs:lnRef>
+    <cs:fillRef idx="1">
+      <cs:styleClr val="auto"/>
+    </cs:fillRef>
+    <cs:effectRef idx="0"/>
+    <cs:fontRef idx="minor">
+      <a:schemeClr val="tx1"/>
+    </cs:fontRef>
+    <cs:spPr>
+      <a:ln w="9525">
+        <a:solidFill>
+          <a:schemeClr val="phClr"/>
+        </a:solidFill>
+      </a:ln>
+    </cs:spPr>
+  </cs:dataPointMarker>
+  <cs:dataPointMarkerLayout symbol="circle" size="5"/>
+  <cs:dataPointWireframe>
+    <cs:lnRef idx="0">
+      <cs:styleClr val="auto"/>
+    </cs:lnRef>
+    <cs:fillRef idx="1"/>
+    <cs:effectRef idx="0"/>
+    <cs:fontRef idx="minor">
+      <a:schemeClr val="tx1"/>
+    </cs:fontRef>
+    <cs:spPr>
+      <a:ln w="9525" cap="rnd">
+        <a:solidFill>
+          <a:schemeClr val="phClr"/>
+        </a:solidFill>
+        <a:round/>
+      </a:ln>
+    </cs:spPr>
+  </cs:dataPointWireframe>
+  <cs:dataTable>
+    <cs:lnRef idx="0"/>
+    <cs:fillRef idx="0"/>
+    <cs:effectRef idx="0"/>
+    <cs:fontRef idx="minor">
+      <a:schemeClr val="tx1">
+        <a:lumMod val="65000"/>
+        <a:lumOff val="35000"/>
+      </a:schemeClr>
+    </cs:fontRef>
+    <cs:spPr>
+      <a:noFill/>
+      <a:ln w="9525" cap="flat" cmpd="sng" algn="ctr">
+        <a:solidFill>
+          <a:schemeClr val="tx1">
+            <a:lumMod val="15000"/>
+            <a:lumOff val="85000"/>
+          </a:schemeClr>
+        </a:solidFill>
+        <a:round/>
+      </a:ln>
+    </cs:spPr>
+    <cs:defRPr sz="1197" kern="1200"/>
+  </cs:dataTable>
+  <cs:downBar>
+    <cs:lnRef idx="0"/>
+    <cs:fillRef idx="0"/>
+    <cs:effectRef idx="0"/>
+    <cs:fontRef idx="minor">
+      <a:schemeClr val="dk1"/>
+    </cs:fontRef>
+    <cs:spPr>
+      <a:solidFill>
+        <a:schemeClr val="dk1">
+          <a:lumMod val="65000"/>
+          <a:lumOff val="35000"/>
+        </a:schemeClr>
+      </a:solidFill>
+      <a:ln w="9525">
+        <a:solidFill>
+          <a:schemeClr val="tx1">
+            <a:lumMod val="65000"/>
+            <a:lumOff val="35000"/>
+          </a:schemeClr>
+        </a:solidFill>
+      </a:ln>
+    </cs:spPr>
+  </cs:downBar>
+  <cs:dropLine>
+    <cs:lnRef idx="0"/>
+    <cs:fillRef idx="0"/>
+    <cs:effectRef idx="0"/>
+    <cs:fontRef idx="minor">
+      <a:schemeClr val="tx1"/>
+    </cs:fontRef>
+    <cs:spPr>
+      <a:ln w="9525" cap="flat" cmpd="sng" algn="ctr">
+        <a:solidFill>
+          <a:schemeClr val="tx1">
+            <a:lumMod val="35000"/>
+            <a:lumOff val="65000"/>
+          </a:schemeClr>
+        </a:solidFill>
+        <a:round/>
+      </a:ln>
+    </cs:spPr>
+  </cs:dropLine>
+  <cs:errorBar>
+    <cs:lnRef idx="0"/>
+    <cs:fillRef idx="0"/>
+    <cs:effectRef idx="0"/>
+    <cs:fontRef idx="minor">
+      <a:schemeClr val="tx1"/>
+    </cs:fontRef>
+    <cs:spPr>
+      <a:ln w="9525" cap="flat" cmpd="sng" algn="ctr">
+        <a:solidFill>
+          <a:schemeClr val="tx1">
+            <a:lumMod val="65000"/>
+            <a:lumOff val="35000"/>
+          </a:schemeClr>
+        </a:solidFill>
+        <a:round/>
+      </a:ln>
+    </cs:spPr>
+  </cs:errorBar>
+  <cs:floor>
+    <cs:lnRef idx="0"/>
+    <cs:fillRef idx="0"/>
+    <cs:effectRef idx="0"/>
+    <cs:fontRef idx="minor">
+      <a:schemeClr val="tx1"/>
+    </cs:fontRef>
+    <cs:spPr>
+      <a:noFill/>
+      <a:ln>
+        <a:noFill/>
+      </a:ln>
+    </cs:spPr>
+  </cs:floor>
+  <cs:gridlineMajor>
+    <cs:lnRef idx="0"/>
+    <cs:fillRef idx="0"/>
+    <cs:effectRef idx="0"/>
+    <cs:fontRef idx="minor">
+      <a:schemeClr val="tx1"/>
+    </cs:fontRef>
+    <cs:spPr>
+      <a:ln w="9525" cap="flat" cmpd="sng" algn="ctr">
+        <a:solidFill>
+          <a:schemeClr val="tx1">
+            <a:lumMod val="15000"/>
+            <a:lumOff val="85000"/>
+          </a:schemeClr>
+        </a:solidFill>
+        <a:round/>
+      </a:ln>
+    </cs:spPr>
+  </cs:gridlineMajor>
+  <cs:gridlineMinor>
+    <cs:lnRef idx="0"/>
+    <cs:fillRef idx="0"/>
+    <cs:effectRef idx="0"/>
+    <cs:fontRef idx="minor">
+      <a:schemeClr val="tx1"/>
+    </cs:fontRef>
+    <cs:spPr>
+      <a:ln w="9525" cap="flat" cmpd="sng" algn="ctr">
+        <a:solidFill>
+          <a:schemeClr val="tx1">
+            <a:lumMod val="5000"/>
+            <a:lumOff val="95000"/>
+          </a:schemeClr>
+        </a:solidFill>
+        <a:round/>
+      </a:ln>
+    </cs:spPr>
+  </cs:gridlineMinor>
+  <cs:hiLoLine>
+    <cs:lnRef idx="0"/>
+    <cs:fillRef idx="0"/>
+    <cs:effectRef idx="0"/>
+    <cs:fontRef idx="minor">
+      <a:schemeClr val="tx1"/>
+    </cs:fontRef>
+    <cs:spPr>
+      <a:ln w="9525" cap="flat" cmpd="sng" algn="ctr">
+        <a:solidFill>
+          <a:schemeClr val="tx1">
+            <a:lumMod val="75000"/>
+            <a:lumOff val="25000"/>
+          </a:schemeClr>
+        </a:solidFill>
+        <a:round/>
+      </a:ln>
+    </cs:spPr>
+  </cs:hiLoLine>
+  <cs:leaderLine>
+    <cs:lnRef idx="0"/>
+    <cs:fillRef idx="0"/>
+    <cs:effectRef idx="0"/>
+    <cs:fontRef idx="minor">
+      <a:schemeClr val="tx1"/>
+    </cs:fontRef>
+    <cs:spPr>
+      <a:ln w="9525" cap="flat" cmpd="sng" algn="ctr">
+        <a:solidFill>
+          <a:schemeClr val="tx1">
+            <a:lumMod val="35000"/>
+            <a:lumOff val="65000"/>
+          </a:schemeClr>
+        </a:solidFill>
+        <a:round/>
+      </a:ln>
+    </cs:spPr>
+  </cs:leaderLine>
+  <cs:legend>
+    <cs:lnRef idx="0"/>
+    <cs:fillRef idx="0"/>
+    <cs:effectRef idx="0"/>
+    <cs:fontRef idx="minor">
+      <a:schemeClr val="tx1">
+        <a:lumMod val="65000"/>
+        <a:lumOff val="35000"/>
+      </a:schemeClr>
+    </cs:fontRef>
+    <cs:defRPr sz="1197" kern="1200"/>
+  </cs:legend>
+  <cs:plotArea mods="allowNoFillOverride allowNoLineOverride">
+    <cs:lnRef idx="0"/>
+    <cs:fillRef idx="0"/>
+    <cs:effectRef idx="0"/>
+    <cs:fontRef idx="minor">
+      <a:schemeClr val="tx1"/>
+    </cs:fontRef>
+  </cs:plotArea>
+  <cs:plotArea3D mods="allowNoFillOverride allowNoLineOverride">
+    <cs:lnRef idx="0"/>
+    <cs:fillRef idx="0"/>
+    <cs:effectRef idx="0"/>
+    <cs:fontRef idx="minor">
+      <a:schemeClr val="tx1"/>
+    </cs:fontRef>
+  </cs:plotArea3D>
+  <cs:seriesAxis>
+    <cs:lnRef idx="0"/>
+    <cs:fillRef idx="0"/>
+    <cs:effectRef idx="0"/>
+    <cs:fontRef idx="minor">
+      <a:schemeClr val="tx1">
+        <a:lumMod val="65000"/>
+        <a:lumOff val="35000"/>
+      </a:schemeClr>
+    </cs:fontRef>
+    <cs:defRPr sz="1197" kern="1200"/>
+  </cs:seriesAxis>
+  <cs:seriesLine>
+    <cs:lnRef idx="0"/>
+    <cs:fillRef idx="0"/>
+    <cs:effectRef idx="0"/>
+    <cs:fontRef idx="minor">
+      <a:schemeClr val="tx1"/>
+    </cs:fontRef>
+    <cs:spPr>
+      <a:ln w="9525" cap="flat" cmpd="sng" algn="ctr">
+        <a:solidFill>
+          <a:schemeClr val="tx1">
+            <a:lumMod val="35000"/>
+            <a:lumOff val="65000"/>
+          </a:schemeClr>
+        </a:solidFill>
+        <a:round/>
+      </a:ln>
+    </cs:spPr>
+  </cs:seriesLine>
+  <cs:title>
+    <cs:lnRef idx="0"/>
+    <cs:fillRef idx="0"/>
+    <cs:effectRef idx="0"/>
+    <cs:fontRef idx="minor">
+      <a:schemeClr val="tx1">
+        <a:lumMod val="65000"/>
+        <a:lumOff val="35000"/>
+      </a:schemeClr>
+    </cs:fontRef>
+    <cs:defRPr sz="1862" b="0" kern="1200" spc="0" baseline="0"/>
+  </cs:title>
+  <cs:trendline>
+    <cs:lnRef idx="0">
+      <cs:styleClr val="auto"/>
+    </cs:lnRef>
+    <cs:fillRef idx="0"/>
+    <cs:effectRef idx="0"/>
+    <cs:fontRef idx="minor">
+      <a:schemeClr val="tx1"/>
+    </cs:fontRef>
+    <cs:spPr>
+      <a:ln w="19050" cap="rnd">
+        <a:solidFill>
+          <a:schemeClr val="phClr"/>
+        </a:solidFill>
+        <a:prstDash val="sysDot"/>
+      </a:ln>
+    </cs:spPr>
+  </cs:trendline>
+  <cs:trendlineLabel>
+    <cs:lnRef idx="0"/>
+    <cs:fillRef idx="0"/>
+    <cs:effectRef idx="0"/>
+    <cs:fontRef idx="minor">
+      <a:schemeClr val="tx1">
+        <a:lumMod val="65000"/>
+        <a:lumOff val="35000"/>
+      </a:schemeClr>
+    </cs:fontRef>
+    <cs:defRPr sz="1197" kern="1200"/>
+  </cs:trendlineLabel>
+  <cs:upBar>
+    <cs:lnRef idx="0"/>
+    <cs:fillRef idx="0"/>
+    <cs:effectRef idx="0"/>
+    <cs:fontRef idx="minor">
+      <a:schemeClr val="dk1"/>
+    </cs:fontRef>
+    <cs:spPr>
+      <a:solidFill>
+        <a:schemeClr val="lt1"/>
+      </a:solidFill>
+      <a:ln w="9525">
+        <a:solidFill>
+          <a:schemeClr val="tx1">
+            <a:lumMod val="15000"/>
+            <a:lumOff val="85000"/>
+          </a:schemeClr>
+        </a:solidFill>
+      </a:ln>
+    </cs:spPr>
+  </cs:upBar>
+  <cs:valueAxis>
+    <cs:lnRef idx="0"/>
+    <cs:fillRef idx="0"/>
+    <cs:effectRef idx="0"/>
+    <cs:fontRef idx="minor">
+      <a:schemeClr val="tx1">
+        <a:lumMod val="65000"/>
+        <a:lumOff val="35000"/>
+      </a:schemeClr>
+    </cs:fontRef>
+    <cs:defRPr sz="1197" kern="1200"/>
+  </cs:valueAxis>
+  <cs:wall>
+    <cs:lnRef idx="0"/>
+    <cs:fillRef idx="0"/>
+    <cs:effectRef idx="0"/>
+    <cs:fontRef idx="minor">
+      <a:schemeClr val="tx1"/>
+    </cs:fontRef>
+    <cs:spPr>
+      <a:noFill/>
+      <a:ln>
+        <a:noFill/>
+      </a:ln>
+    </cs:spPr>
+  </cs:wall>
+</cs:chartStyle>
+</file>
+
+<file path=ppt/charts/style5.xml><?xml version="1.0" encoding="utf-8"?>
 <cs:chartStyle xmlns:cs="http://schemas.microsoft.com/office/drawing/2012/chartStyle" xmlns:a="http://schemas.openxmlformats.org/drawingml/2006/main" id="263">
   <cs:axisTitle>
     <cs:lnRef idx="0"/>
@@ -8852,8 +10147,8 @@
     <dgm:cxn modelId="{575B3600-AE0C-420F-8794-BCB16D1F06E9}" type="presOf" srcId="{A9FF98FB-0436-4A21-80D5-98984A5D7DEF}" destId="{2C989446-76CB-491D-A9E5-90C479CC1EB6}" srcOrd="0" destOrd="0" presId="urn:microsoft.com/office/officeart/2008/layout/RadialCluster"/>
     <dgm:cxn modelId="{25BE697C-FF0A-419D-B6D0-97D1FD6CF3AD}" type="presOf" srcId="{D723C67C-B8EF-4E8B-B78C-64AF01B8DE70}" destId="{42C5E428-457C-4D2D-B9F7-8D88B989BAC4}" srcOrd="0" destOrd="0" presId="urn:microsoft.com/office/officeart/2008/layout/RadialCluster"/>
     <dgm:cxn modelId="{A1C3788A-9CBD-4238-9560-BF12EBE8E844}" srcId="{318EB9F8-A3B4-4FA7-9997-4937EB56EAEC}" destId="{E401A207-D970-4540-A7D8-1D2DE637C704}" srcOrd="0" destOrd="0" parTransId="{663A62C9-9B3D-48E0-A3FC-618886457E72}" sibTransId="{6DFC798E-040C-44FF-A79A-A674AC8D6016}"/>
+    <dgm:cxn modelId="{CCE361DE-2928-429E-AB70-57B21A35219B}" srcId="{E401A207-D970-4540-A7D8-1D2DE637C704}" destId="{CF41F630-8275-45B3-9FEF-10BF54F25AE4}" srcOrd="2" destOrd="0" parTransId="{5D132AE9-BFD6-4DFD-8F8E-F3F27B48509E}" sibTransId="{291DC6B3-14F8-4F12-8666-49622576D9A8}"/>
     <dgm:cxn modelId="{3E39D600-3319-414C-AC04-E60BBD6480B0}" type="presOf" srcId="{1CA18002-A7AB-4BC8-AE26-63D7D0F48C28}" destId="{905EE044-8A93-48F4-B923-0A245442EAF2}" srcOrd="0" destOrd="0" presId="urn:microsoft.com/office/officeart/2008/layout/RadialCluster"/>
-    <dgm:cxn modelId="{CCE361DE-2928-429E-AB70-57B21A35219B}" srcId="{E401A207-D970-4540-A7D8-1D2DE637C704}" destId="{CF41F630-8275-45B3-9FEF-10BF54F25AE4}" srcOrd="2" destOrd="0" parTransId="{5D132AE9-BFD6-4DFD-8F8E-F3F27B48509E}" sibTransId="{291DC6B3-14F8-4F12-8666-49622576D9A8}"/>
     <dgm:cxn modelId="{56F9A2B6-4CD9-4FAB-891D-7372F6270179}" type="presOf" srcId="{0D4F7F9C-13D9-41A2-91CB-B4D407DADAF8}" destId="{A1DBB35B-359C-44C1-948D-F0C4AB873D98}" srcOrd="0" destOrd="0" presId="urn:microsoft.com/office/officeart/2008/layout/RadialCluster"/>
     <dgm:cxn modelId="{5B482096-7B1A-4610-B289-1382C4FDA82F}" type="presParOf" srcId="{E837BDE3-383E-40B2-A6FC-7B4752AEE84C}" destId="{5447C531-E157-4A38-8E15-D58CFDE83DDB}" srcOrd="0" destOrd="0" presId="urn:microsoft.com/office/officeart/2008/layout/RadialCluster"/>
     <dgm:cxn modelId="{44A70410-ABF5-4E70-804C-59ECD011A6F3}" type="presParOf" srcId="{5447C531-E157-4A38-8E15-D58CFDE83DDB}" destId="{25056C25-FD7A-454A-BD80-5797A854A1C9}" srcOrd="0" destOrd="0" presId="urn:microsoft.com/office/officeart/2008/layout/RadialCluster"/>
@@ -20660,7 +21955,7 @@
             <a:fld id="{C3402240-18E8-4BA6-A53E-7A1792A59EEC}" type="datetimeFigureOut">
               <a:rPr lang="en-US" smtClean="0"/>
               <a:pPr/>
-              <a:t>6/14/2015</a:t>
+              <a:t>6/15/2015</a:t>
             </a:fld>
             <a:endParaRPr lang="en-US"/>
           </a:p>
@@ -21064,6 +22359,238 @@
           <a:bodyPr/>
           <a:lstStyle/>
           <a:p>
+            <a:r>
+              <a:rPr lang="en-US" dirty="0" smtClean="0"/>
+              <a:t>http://azure.microsoft.co</a:t>
+            </a:r>
+          </a:p>
+          <a:p>
+            <a:endParaRPr lang="en-US" dirty="0" smtClean="0"/>
+          </a:p>
+          <a:p>
+            <a:r>
+              <a:rPr lang="en-US" dirty="0" smtClean="0"/>
+              <a:t>AZURE REGION	LOCATION</a:t>
+            </a:r>
+          </a:p>
+          <a:p>
+            <a:r>
+              <a:rPr lang="en-US" dirty="0" smtClean="0"/>
+              <a:t>Central US	Iowa</a:t>
+            </a:r>
+          </a:p>
+          <a:p>
+            <a:r>
+              <a:rPr lang="en-US" dirty="0" smtClean="0"/>
+              <a:t>East US	Virginia</a:t>
+            </a:r>
+          </a:p>
+          <a:p>
+            <a:r>
+              <a:rPr lang="en-US" dirty="0" smtClean="0"/>
+              <a:t>East US 2	Virginia</a:t>
+            </a:r>
+          </a:p>
+          <a:p>
+            <a:r>
+              <a:rPr lang="en-US" dirty="0" smtClean="0"/>
+              <a:t>US </a:t>
+            </a:r>
+            <a:r>
+              <a:rPr lang="en-US" dirty="0" err="1" smtClean="0"/>
+              <a:t>Gov</a:t>
+            </a:r>
+            <a:r>
+              <a:rPr lang="en-US" dirty="0" smtClean="0"/>
+              <a:t> Iowa	Iowa</a:t>
+            </a:r>
+          </a:p>
+          <a:p>
+            <a:r>
+              <a:rPr lang="en-US" dirty="0" smtClean="0"/>
+              <a:t>US </a:t>
+            </a:r>
+            <a:r>
+              <a:rPr lang="en-US" dirty="0" err="1" smtClean="0"/>
+              <a:t>Gov</a:t>
+            </a:r>
+            <a:r>
+              <a:rPr lang="en-US" dirty="0" smtClean="0"/>
+              <a:t> Virginia	Virginia</a:t>
+            </a:r>
+          </a:p>
+          <a:p>
+            <a:r>
+              <a:rPr lang="en-US" dirty="0" smtClean="0"/>
+              <a:t>North Central US	Illinois</a:t>
+            </a:r>
+          </a:p>
+          <a:p>
+            <a:r>
+              <a:rPr lang="en-US" dirty="0" smtClean="0"/>
+              <a:t>South Central US	Texas</a:t>
+            </a:r>
+          </a:p>
+          <a:p>
+            <a:r>
+              <a:rPr lang="en-US" dirty="0" smtClean="0"/>
+              <a:t>West US	California</a:t>
+            </a:r>
+          </a:p>
+          <a:p>
+            <a:r>
+              <a:rPr lang="en-US" dirty="0" smtClean="0"/>
+              <a:t>North Europe	Ireland</a:t>
+            </a:r>
+          </a:p>
+          <a:p>
+            <a:r>
+              <a:rPr lang="en-US" dirty="0" smtClean="0"/>
+              <a:t>West Europe	Netherlands</a:t>
+            </a:r>
+          </a:p>
+          <a:p>
+            <a:r>
+              <a:rPr lang="en-US" dirty="0" smtClean="0"/>
+              <a:t>East Asia	Hong Kong</a:t>
+            </a:r>
+          </a:p>
+          <a:p>
+            <a:r>
+              <a:rPr lang="en-US" dirty="0" smtClean="0"/>
+              <a:t>Southeast Asia	Singapore</a:t>
+            </a:r>
+          </a:p>
+          <a:p>
+            <a:r>
+              <a:rPr lang="en-US" dirty="0" smtClean="0"/>
+              <a:t>Japan East	Tokyo, Saitama</a:t>
+            </a:r>
+          </a:p>
+          <a:p>
+            <a:r>
+              <a:rPr lang="en-US" dirty="0" smtClean="0"/>
+              <a:t>Japan West	Osaka</a:t>
+            </a:r>
+          </a:p>
+          <a:p>
+            <a:r>
+              <a:rPr lang="en-US" dirty="0" smtClean="0"/>
+              <a:t>Brazil South	Sao Paulo State</a:t>
+            </a:r>
+          </a:p>
+          <a:p>
+            <a:r>
+              <a:rPr lang="en-US" dirty="0" smtClean="0"/>
+              <a:t>Australia East	New South Wales</a:t>
+            </a:r>
+          </a:p>
+          <a:p>
+            <a:r>
+              <a:rPr lang="en-US" dirty="0" smtClean="0"/>
+              <a:t>Australia Southeast	</a:t>
+            </a:r>
+            <a:r>
+              <a:rPr lang="en-US" dirty="0" err="1" smtClean="0"/>
+              <a:t>Victoriam</a:t>
+            </a:r>
+            <a:r>
+              <a:rPr lang="en-US" dirty="0" smtClean="0"/>
+              <a:t>/</a:t>
+            </a:r>
+            <a:r>
+              <a:rPr lang="en-US" dirty="0" err="1" smtClean="0"/>
+              <a:t>en</a:t>
+            </a:r>
+            <a:r>
+              <a:rPr lang="en-US" dirty="0" smtClean="0"/>
+              <a:t>-us/regions/</a:t>
+            </a:r>
+            <a:endParaRPr lang="ru-RU" dirty="0"/>
+          </a:p>
+        </p:txBody>
+      </p:sp>
+      <p:sp>
+        <p:nvSpPr>
+          <p:cNvPr id="4" name="Slide Number Placeholder 3"/>
+          <p:cNvSpPr>
+            <a:spLocks noGrp="1"/>
+          </p:cNvSpPr>
+          <p:nvPr>
+            <p:ph type="sldNum" sz="quarter" idx="10"/>
+          </p:nvPr>
+        </p:nvSpPr>
+        <p:spPr/>
+        <p:txBody>
+          <a:bodyPr/>
+          <a:lstStyle/>
+          <a:p>
+            <a:fld id="{4D78249E-5ACD-4E52-A408-9BB999BD2D41}" type="slidenum">
+              <a:rPr lang="en-US" smtClean="0"/>
+              <a:pPr/>
+              <a:t>11</a:t>
+            </a:fld>
+            <a:endParaRPr lang="en-US"/>
+          </a:p>
+        </p:txBody>
+      </p:sp>
+    </p:spTree>
+    <p:extLst>
+      <p:ext uri="{BB962C8B-B14F-4D97-AF65-F5344CB8AC3E}">
+        <p14:creationId xmlns:p14="http://schemas.microsoft.com/office/powerpoint/2010/main" val="830190394"/>
+      </p:ext>
+    </p:extLst>
+  </p:cSld>
+  <p:clrMapOvr>
+    <a:masterClrMapping/>
+  </p:clrMapOvr>
+</p:notes>
+</file>
+
+<file path=ppt/notesSlides/notesSlide11.xml><?xml version="1.0" encoding="utf-8"?>
+<p:notes xmlns:a="http://schemas.openxmlformats.org/drawingml/2006/main" xmlns:r="http://schemas.openxmlformats.org/officeDocument/2006/relationships" xmlns:p="http://schemas.openxmlformats.org/presentationml/2006/main">
+  <p:cSld>
+    <p:spTree>
+      <p:nvGrpSpPr>
+        <p:cNvPr id="1" name=""/>
+        <p:cNvGrpSpPr/>
+        <p:nvPr/>
+      </p:nvGrpSpPr>
+      <p:grpSpPr>
+        <a:xfrm>
+          <a:off x="0" y="0"/>
+          <a:ext cx="0" cy="0"/>
+          <a:chOff x="0" y="0"/>
+          <a:chExt cx="0" cy="0"/>
+        </a:xfrm>
+      </p:grpSpPr>
+      <p:sp>
+        <p:nvSpPr>
+          <p:cNvPr id="2" name="Slide Image Placeholder 1"/>
+          <p:cNvSpPr>
+            <a:spLocks noGrp="1" noRot="1" noChangeAspect="1"/>
+          </p:cNvSpPr>
+          <p:nvPr>
+            <p:ph type="sldImg"/>
+          </p:nvPr>
+        </p:nvSpPr>
+        <p:spPr/>
+      </p:sp>
+      <p:sp>
+        <p:nvSpPr>
+          <p:cNvPr id="3" name="Notes Placeholder 2"/>
+          <p:cNvSpPr>
+            <a:spLocks noGrp="1"/>
+          </p:cNvSpPr>
+          <p:nvPr>
+            <p:ph type="body" idx="1"/>
+          </p:nvPr>
+        </p:nvSpPr>
+        <p:spPr/>
+        <p:txBody>
+          <a:bodyPr/>
+          <a:lstStyle/>
+          <a:p>
             <a:pPr marL="0" marR="0" indent="0" algn="l" defTabSz="914400" rtl="0" eaLnBrk="1" fontAlgn="auto" latinLnBrk="0" hangingPunct="1">
               <a:lnSpc>
                 <a:spcPct val="100000"/>
@@ -21257,7 +22784,7 @@
             <a:fld id="{4D78249E-5ACD-4E52-A408-9BB999BD2D41}" type="slidenum">
               <a:rPr lang="en-US" smtClean="0"/>
               <a:pPr/>
-              <a:t>11</a:t>
+              <a:t>12</a:t>
             </a:fld>
             <a:endParaRPr lang="en-US"/>
           </a:p>
@@ -21276,7 +22803,7 @@
 </p:notes>
 </file>
 
-<file path=ppt/notesSlides/notesSlide11.xml><?xml version="1.0" encoding="utf-8"?>
+<file path=ppt/notesSlides/notesSlide12.xml><?xml version="1.0" encoding="utf-8"?>
 <p:notes xmlns:a="http://schemas.openxmlformats.org/drawingml/2006/main" xmlns:r="http://schemas.openxmlformats.org/officeDocument/2006/relationships" xmlns:p="http://schemas.openxmlformats.org/presentationml/2006/main">
   <p:cSld>
     <p:spTree>
@@ -21511,7 +23038,7 @@
             <a:fld id="{4D78249E-5ACD-4E52-A408-9BB999BD2D41}" type="slidenum">
               <a:rPr lang="en-US" smtClean="0"/>
               <a:pPr/>
-              <a:t>12</a:t>
+              <a:t>13</a:t>
             </a:fld>
             <a:endParaRPr lang="en-US"/>
           </a:p>
@@ -21530,7 +23057,7 @@
 </p:notes>
 </file>
 
-<file path=ppt/notesSlides/notesSlide12.xml><?xml version="1.0" encoding="utf-8"?>
+<file path=ppt/notesSlides/notesSlide13.xml><?xml version="1.0" encoding="utf-8"?>
 <p:notes xmlns:a="http://schemas.openxmlformats.org/drawingml/2006/main" xmlns:r="http://schemas.openxmlformats.org/officeDocument/2006/relationships" xmlns:p="http://schemas.openxmlformats.org/presentationml/2006/main">
   <p:cSld>
     <p:spTree>
@@ -21606,7 +23133,7 @@
             <a:fld id="{4D78249E-5ACD-4E52-A408-9BB999BD2D41}" type="slidenum">
               <a:rPr lang="en-US" smtClean="0"/>
               <a:pPr/>
-              <a:t>14</a:t>
+              <a:t>15</a:t>
             </a:fld>
             <a:endParaRPr lang="en-US"/>
           </a:p>
@@ -21625,7 +23152,127 @@
 </p:notes>
 </file>
 
-<file path=ppt/notesSlides/notesSlide13.xml><?xml version="1.0" encoding="utf-8"?>
+<file path=ppt/notesSlides/notesSlide14.xml><?xml version="1.0" encoding="utf-8"?>
+<p:notes xmlns:a="http://schemas.openxmlformats.org/drawingml/2006/main" xmlns:r="http://schemas.openxmlformats.org/officeDocument/2006/relationships" xmlns:p="http://schemas.openxmlformats.org/presentationml/2006/main">
+  <p:cSld>
+    <p:spTree>
+      <p:nvGrpSpPr>
+        <p:cNvPr id="1" name=""/>
+        <p:cNvGrpSpPr/>
+        <p:nvPr/>
+      </p:nvGrpSpPr>
+      <p:grpSpPr>
+        <a:xfrm>
+          <a:off x="0" y="0"/>
+          <a:ext cx="0" cy="0"/>
+          <a:chOff x="0" y="0"/>
+          <a:chExt cx="0" cy="0"/>
+        </a:xfrm>
+      </p:grpSpPr>
+      <p:sp>
+        <p:nvSpPr>
+          <p:cNvPr id="2" name="Slide Image Placeholder 1"/>
+          <p:cNvSpPr>
+            <a:spLocks noGrp="1" noRot="1" noChangeAspect="1"/>
+          </p:cNvSpPr>
+          <p:nvPr>
+            <p:ph type="sldImg"/>
+          </p:nvPr>
+        </p:nvSpPr>
+        <p:spPr/>
+      </p:sp>
+      <p:sp>
+        <p:nvSpPr>
+          <p:cNvPr id="3" name="Notes Placeholder 2"/>
+          <p:cNvSpPr>
+            <a:spLocks noGrp="1"/>
+          </p:cNvSpPr>
+          <p:nvPr>
+            <p:ph type="body" idx="1"/>
+          </p:nvPr>
+        </p:nvSpPr>
+        <p:spPr/>
+        <p:txBody>
+          <a:bodyPr/>
+          <a:lstStyle/>
+          <a:p>
+            <a:pPr marL="0" marR="0" indent="0" algn="l" defTabSz="914400" rtl="0" eaLnBrk="1" fontAlgn="auto" latinLnBrk="0" hangingPunct="1">
+              <a:lnSpc>
+                <a:spcPct val="100000"/>
+              </a:lnSpc>
+              <a:spcBef>
+                <a:spcPts val="0"/>
+              </a:spcBef>
+              <a:spcAft>
+                <a:spcPts val="0"/>
+              </a:spcAft>
+              <a:buClrTx/>
+              <a:buSzTx/>
+              <a:buFontTx/>
+              <a:buNone/>
+              <a:tabLst/>
+              <a:defRPr/>
+            </a:pPr>
+            <a:r>
+              <a:rPr lang="en-US" sz="1200" b="1" i="0" kern="1200" dirty="0" smtClean="0">
+                <a:solidFill>
+                  <a:schemeClr val="tx1"/>
+                </a:solidFill>
+                <a:effectLst/>
+                <a:latin typeface="+mn-lt"/>
+                <a:ea typeface="+mn-ea"/>
+                <a:cs typeface="+mn-cs"/>
+              </a:rPr>
+              <a:t>Free one-month trial</a:t>
+            </a:r>
+          </a:p>
+          <a:p>
+            <a:r>
+              <a:rPr lang="en-US" dirty="0" smtClean="0"/>
+              <a:t>http://azure.microsoft.com/en-us/pricing/free-trial/</a:t>
+            </a:r>
+            <a:endParaRPr lang="ru-RU" dirty="0"/>
+          </a:p>
+        </p:txBody>
+      </p:sp>
+      <p:sp>
+        <p:nvSpPr>
+          <p:cNvPr id="4" name="Slide Number Placeholder 3"/>
+          <p:cNvSpPr>
+            <a:spLocks noGrp="1"/>
+          </p:cNvSpPr>
+          <p:nvPr>
+            <p:ph type="sldNum" sz="quarter" idx="10"/>
+          </p:nvPr>
+        </p:nvSpPr>
+        <p:spPr/>
+        <p:txBody>
+          <a:bodyPr/>
+          <a:lstStyle/>
+          <a:p>
+            <a:fld id="{4D78249E-5ACD-4E52-A408-9BB999BD2D41}" type="slidenum">
+              <a:rPr lang="en-US" smtClean="0"/>
+              <a:pPr/>
+              <a:t>16</a:t>
+            </a:fld>
+            <a:endParaRPr lang="en-US"/>
+          </a:p>
+        </p:txBody>
+      </p:sp>
+    </p:spTree>
+    <p:extLst>
+      <p:ext uri="{BB962C8B-B14F-4D97-AF65-F5344CB8AC3E}">
+        <p14:creationId xmlns:p14="http://schemas.microsoft.com/office/powerpoint/2010/main" val="3225188644"/>
+      </p:ext>
+    </p:extLst>
+  </p:cSld>
+  <p:clrMapOvr>
+    <a:masterClrMapping/>
+  </p:clrMapOvr>
+</p:notes>
+</file>
+
+<file path=ppt/notesSlides/notesSlide15.xml><?xml version="1.0" encoding="utf-8"?>
 <p:notes xmlns:a="http://schemas.openxmlformats.org/drawingml/2006/main" xmlns:r="http://schemas.openxmlformats.org/officeDocument/2006/relationships" xmlns:p="http://schemas.openxmlformats.org/presentationml/2006/main">
   <p:cSld>
     <p:spTree>
@@ -21731,7 +23378,7 @@
             <a:fld id="{4D78249E-5ACD-4E52-A408-9BB999BD2D41}" type="slidenum">
               <a:rPr lang="en-US" smtClean="0"/>
               <a:pPr/>
-              <a:t>16</a:t>
+              <a:t>17</a:t>
             </a:fld>
             <a:endParaRPr lang="en-US"/>
           </a:p>
@@ -21750,7 +23397,7 @@
 </p:notes>
 </file>
 
-<file path=ppt/notesSlides/notesSlide14.xml><?xml version="1.0" encoding="utf-8"?>
+<file path=ppt/notesSlides/notesSlide16.xml><?xml version="1.0" encoding="utf-8"?>
 <p:notes xmlns:a="http://schemas.openxmlformats.org/drawingml/2006/main" xmlns:r="http://schemas.openxmlformats.org/officeDocument/2006/relationships" xmlns:p="http://schemas.openxmlformats.org/presentationml/2006/main">
   <p:cSld>
     <p:spTree>
@@ -21889,7 +23536,7 @@
             <a:fld id="{4D78249E-5ACD-4E52-A408-9BB999BD2D41}" type="slidenum">
               <a:rPr lang="en-US" smtClean="0"/>
               <a:pPr/>
-              <a:t>17</a:t>
+              <a:t>18</a:t>
             </a:fld>
             <a:endParaRPr lang="en-US"/>
           </a:p>
@@ -21908,7 +23555,7 @@
 </p:notes>
 </file>
 
-<file path=ppt/notesSlides/notesSlide15.xml><?xml version="1.0" encoding="utf-8"?>
+<file path=ppt/notesSlides/notesSlide17.xml><?xml version="1.0" encoding="utf-8"?>
 <p:notes xmlns:a="http://schemas.openxmlformats.org/drawingml/2006/main" xmlns:r="http://schemas.openxmlformats.org/officeDocument/2006/relationships" xmlns:p="http://schemas.openxmlformats.org/presentationml/2006/main">
   <p:cSld>
     <p:spTree>
@@ -21954,12 +23601,15 @@
           <a:p>
             <a:r>
               <a:rPr lang="en-US" b="1" dirty="0" smtClean="0"/>
-              <a:t>How could be created</a:t>
+              <a:t>Link to Icon:</a:t>
             </a:r>
+          </a:p>
+          <a:p>
             <a:r>
-              <a:rPr lang="en-US" b="1" dirty="0" smtClean="0"/>
-              <a:t>?</a:t>
+              <a:rPr lang="en-US" dirty="0" smtClean="0"/>
+              <a:t>https://github.com/amido/azure-vector-icons/blob/master/icons/Web%20Sites.svg</a:t>
             </a:r>
+            <a:endParaRPr lang="ru-RU" dirty="0"/>
           </a:p>
         </p:txBody>
       </p:sp>
@@ -21990,6 +23640,94 @@
     </p:spTree>
     <p:extLst>
       <p:ext uri="{BB962C8B-B14F-4D97-AF65-F5344CB8AC3E}">
+        <p14:creationId xmlns:p14="http://schemas.microsoft.com/office/powerpoint/2010/main" val="4184001383"/>
+      </p:ext>
+    </p:extLst>
+  </p:cSld>
+  <p:clrMapOvr>
+    <a:masterClrMapping/>
+  </p:clrMapOvr>
+</p:notes>
+</file>
+
+<file path=ppt/notesSlides/notesSlide18.xml><?xml version="1.0" encoding="utf-8"?>
+<p:notes xmlns:a="http://schemas.openxmlformats.org/drawingml/2006/main" xmlns:r="http://schemas.openxmlformats.org/officeDocument/2006/relationships" xmlns:p="http://schemas.openxmlformats.org/presentationml/2006/main">
+  <p:cSld>
+    <p:spTree>
+      <p:nvGrpSpPr>
+        <p:cNvPr id="1" name=""/>
+        <p:cNvGrpSpPr/>
+        <p:nvPr/>
+      </p:nvGrpSpPr>
+      <p:grpSpPr>
+        <a:xfrm>
+          <a:off x="0" y="0"/>
+          <a:ext cx="0" cy="0"/>
+          <a:chOff x="0" y="0"/>
+          <a:chExt cx="0" cy="0"/>
+        </a:xfrm>
+      </p:grpSpPr>
+      <p:sp>
+        <p:nvSpPr>
+          <p:cNvPr id="2" name="Slide Image Placeholder 1"/>
+          <p:cNvSpPr>
+            <a:spLocks noGrp="1" noRot="1" noChangeAspect="1"/>
+          </p:cNvSpPr>
+          <p:nvPr>
+            <p:ph type="sldImg"/>
+          </p:nvPr>
+        </p:nvSpPr>
+        <p:spPr/>
+      </p:sp>
+      <p:sp>
+        <p:nvSpPr>
+          <p:cNvPr id="3" name="Notes Placeholder 2"/>
+          <p:cNvSpPr>
+            <a:spLocks noGrp="1"/>
+          </p:cNvSpPr>
+          <p:nvPr>
+            <p:ph type="body" idx="1"/>
+          </p:nvPr>
+        </p:nvSpPr>
+        <p:spPr/>
+        <p:txBody>
+          <a:bodyPr/>
+          <a:lstStyle/>
+          <a:p>
+            <a:r>
+              <a:rPr lang="en-US" b="1" dirty="0" smtClean="0"/>
+              <a:t>How could be created?</a:t>
+            </a:r>
+          </a:p>
+        </p:txBody>
+      </p:sp>
+      <p:sp>
+        <p:nvSpPr>
+          <p:cNvPr id="4" name="Slide Number Placeholder 3"/>
+          <p:cNvSpPr>
+            <a:spLocks noGrp="1"/>
+          </p:cNvSpPr>
+          <p:nvPr>
+            <p:ph type="sldNum" sz="quarter" idx="10"/>
+          </p:nvPr>
+        </p:nvSpPr>
+        <p:spPr/>
+        <p:txBody>
+          <a:bodyPr/>
+          <a:lstStyle/>
+          <a:p>
+            <a:fld id="{4D78249E-5ACD-4E52-A408-9BB999BD2D41}" type="slidenum">
+              <a:rPr lang="en-US" smtClean="0"/>
+              <a:pPr/>
+              <a:t>20</a:t>
+            </a:fld>
+            <a:endParaRPr lang="en-US"/>
+          </a:p>
+        </p:txBody>
+      </p:sp>
+    </p:spTree>
+    <p:extLst>
+      <p:ext uri="{BB962C8B-B14F-4D97-AF65-F5344CB8AC3E}">
         <p14:creationId xmlns:p14="http://schemas.microsoft.com/office/powerpoint/2010/main" val="25392707"/>
       </p:ext>
     </p:extLst>
@@ -22000,7 +23738,7 @@
 </p:notes>
 </file>
 
-<file path=ppt/notesSlides/notesSlide16.xml><?xml version="1.0" encoding="utf-8"?>
+<file path=ppt/notesSlides/notesSlide19.xml><?xml version="1.0" encoding="utf-8"?>
 <p:notes xmlns:a="http://schemas.openxmlformats.org/drawingml/2006/main" xmlns:r="http://schemas.openxmlformats.org/officeDocument/2006/relationships" xmlns:p="http://schemas.openxmlformats.org/presentationml/2006/main">
   <p:cSld>
     <p:spTree>
@@ -22084,9 +23822,6 @@
             <a:endParaRPr lang="en-US" dirty="0" smtClean="0"/>
           </a:p>
           <a:p>
-            <a:endParaRPr lang="en-US" dirty="0" smtClean="0"/>
-          </a:p>
-          <a:p>
             <a:r>
               <a:rPr lang="en-US" sz="1200" b="1" i="0" kern="1200" dirty="0" smtClean="0">
                 <a:solidFill>
@@ -22140,7 +23875,133 @@
           <a:p>
             <a:r>
               <a:rPr lang="en-US" dirty="0" smtClean="0"/>
-              <a:t>http://blogs.msdn.com/b/devfish/archive/2015/02/12/get-azurevm-your-azure-credentials-have-not-been-set-up-or-have-expired-please-run-add-azureaccount-to-set-up-your-azure-credentials.aspx</a:t>
+              <a:t>http://</a:t>
+            </a:r>
+            <a:r>
+              <a:rPr lang="en-US" dirty="0" smtClean="0"/>
+              <a:t>blogs.msdn.com/b/devfish/archive/2015/02/12/get-azurevm-your-azure-credentials-have-not-been-set-up-or-have-expired-please-run-add-azureaccount-to-set-up-your-azure-credentials.aspx</a:t>
+            </a:r>
+          </a:p>
+          <a:p>
+            <a:endParaRPr lang="en-US" dirty="0" smtClean="0"/>
+          </a:p>
+          <a:p>
+            <a:pPr marL="0" marR="0" indent="0" algn="l" defTabSz="914400" rtl="0" eaLnBrk="1" fontAlgn="auto" latinLnBrk="0" hangingPunct="1">
+              <a:lnSpc>
+                <a:spcPct val="100000"/>
+              </a:lnSpc>
+              <a:spcBef>
+                <a:spcPts val="0"/>
+              </a:spcBef>
+              <a:spcAft>
+                <a:spcPts val="0"/>
+              </a:spcAft>
+              <a:buClrTx/>
+              <a:buSzTx/>
+              <a:buFontTx/>
+              <a:buNone/>
+              <a:tabLst/>
+              <a:defRPr/>
+            </a:pPr>
+            <a:r>
+              <a:rPr lang="en-US" sz="1200" b="1" i="0" kern="1200" dirty="0" smtClean="0">
+                <a:solidFill>
+                  <a:schemeClr val="tx1"/>
+                </a:solidFill>
+                <a:effectLst/>
+                <a:latin typeface="+mn-lt"/>
+                <a:ea typeface="+mn-ea"/>
+                <a:cs typeface="+mn-cs"/>
+              </a:rPr>
+              <a:t>Add-</a:t>
+            </a:r>
+            <a:r>
+              <a:rPr lang="en-US" sz="1200" b="1" i="0" kern="1200" dirty="0" err="1" smtClean="0">
+                <a:solidFill>
+                  <a:schemeClr val="tx1"/>
+                </a:solidFill>
+                <a:effectLst/>
+                <a:latin typeface="+mn-lt"/>
+                <a:ea typeface="+mn-ea"/>
+                <a:cs typeface="+mn-cs"/>
+              </a:rPr>
+              <a:t>AzureAccount</a:t>
+            </a:r>
+            <a:endParaRPr lang="en-US" sz="1200" b="1" i="0" kern="1200" dirty="0" smtClean="0">
+              <a:solidFill>
+                <a:schemeClr val="tx1"/>
+              </a:solidFill>
+              <a:effectLst/>
+              <a:latin typeface="+mn-lt"/>
+              <a:ea typeface="+mn-ea"/>
+              <a:cs typeface="+mn-cs"/>
+            </a:endParaRPr>
+          </a:p>
+          <a:p>
+            <a:r>
+              <a:rPr lang="en-US" dirty="0" smtClean="0"/>
+              <a:t>https://msdn.microsoft.com/en-us/library/dn495128.aspx</a:t>
+            </a:r>
+          </a:p>
+          <a:p>
+            <a:endParaRPr lang="en-US" dirty="0" smtClean="0"/>
+          </a:p>
+          <a:p>
+            <a:pPr marL="0" marR="0" indent="0" algn="l" defTabSz="914400" rtl="0" eaLnBrk="1" fontAlgn="auto" latinLnBrk="0" hangingPunct="1">
+              <a:lnSpc>
+                <a:spcPct val="100000"/>
+              </a:lnSpc>
+              <a:spcBef>
+                <a:spcPts val="0"/>
+              </a:spcBef>
+              <a:spcAft>
+                <a:spcPts val="0"/>
+              </a:spcAft>
+              <a:buClrTx/>
+              <a:buSzTx/>
+              <a:buFontTx/>
+              <a:buNone/>
+              <a:tabLst/>
+              <a:defRPr/>
+            </a:pPr>
+            <a:r>
+              <a:rPr lang="en-US" sz="1200" b="1" i="0" kern="1200" dirty="0" smtClean="0">
+                <a:solidFill>
+                  <a:schemeClr val="tx1"/>
+                </a:solidFill>
+                <a:effectLst/>
+                <a:latin typeface="+mn-lt"/>
+                <a:ea typeface="+mn-ea"/>
+                <a:cs typeface="+mn-cs"/>
+              </a:rPr>
+              <a:t>New-</a:t>
+            </a:r>
+            <a:r>
+              <a:rPr lang="en-US" sz="1200" b="1" i="0" kern="1200" dirty="0" err="1" smtClean="0">
+                <a:solidFill>
+                  <a:schemeClr val="tx1"/>
+                </a:solidFill>
+                <a:effectLst/>
+                <a:latin typeface="+mn-lt"/>
+                <a:ea typeface="+mn-ea"/>
+                <a:cs typeface="+mn-cs"/>
+              </a:rPr>
+              <a:t>AzureWebsite</a:t>
+            </a:r>
+            <a:endParaRPr lang="en-US" sz="1200" b="1" i="0" kern="1200" dirty="0" smtClean="0">
+              <a:solidFill>
+                <a:schemeClr val="tx1"/>
+              </a:solidFill>
+              <a:effectLst/>
+              <a:latin typeface="+mn-lt"/>
+              <a:ea typeface="+mn-ea"/>
+              <a:cs typeface="+mn-cs"/>
+            </a:endParaRPr>
+          </a:p>
+          <a:p>
+            <a:r>
+              <a:rPr lang="en-US" dirty="0" smtClean="0"/>
+              <a:t>https://msdn.microsoft.com/en-us/library/azure/dn495157.aspx</a:t>
             </a:r>
             <a:endParaRPr lang="ru-RU" dirty="0"/>
           </a:p>
@@ -22164,7 +24025,7 @@
             <a:fld id="{4D78249E-5ACD-4E52-A408-9BB999BD2D41}" type="slidenum">
               <a:rPr lang="en-US" smtClean="0"/>
               <a:pPr/>
-              <a:t>20</a:t>
+              <a:t>21</a:t>
             </a:fld>
             <a:endParaRPr lang="en-US"/>
           </a:p>
@@ -22183,7 +24044,96 @@
 </p:notes>
 </file>
 
-<file path=ppt/notesSlides/notesSlide17.xml><?xml version="1.0" encoding="utf-8"?>
+<file path=ppt/notesSlides/notesSlide2.xml><?xml version="1.0" encoding="utf-8"?>
+<p:notes xmlns:a="http://schemas.openxmlformats.org/drawingml/2006/main" xmlns:r="http://schemas.openxmlformats.org/officeDocument/2006/relationships" xmlns:p="http://schemas.openxmlformats.org/presentationml/2006/main">
+  <p:cSld>
+    <p:spTree>
+      <p:nvGrpSpPr>
+        <p:cNvPr id="1" name=""/>
+        <p:cNvGrpSpPr/>
+        <p:nvPr/>
+      </p:nvGrpSpPr>
+      <p:grpSpPr>
+        <a:xfrm>
+          <a:off x="0" y="0"/>
+          <a:ext cx="0" cy="0"/>
+          <a:chOff x="0" y="0"/>
+          <a:chExt cx="0" cy="0"/>
+        </a:xfrm>
+      </p:grpSpPr>
+      <p:sp>
+        <p:nvSpPr>
+          <p:cNvPr id="2" name="Slide Image Placeholder 1"/>
+          <p:cNvSpPr>
+            <a:spLocks noGrp="1" noRot="1" noChangeAspect="1"/>
+          </p:cNvSpPr>
+          <p:nvPr>
+            <p:ph type="sldImg"/>
+          </p:nvPr>
+        </p:nvSpPr>
+        <p:spPr/>
+      </p:sp>
+      <p:sp>
+        <p:nvSpPr>
+          <p:cNvPr id="3" name="Notes Placeholder 2"/>
+          <p:cNvSpPr>
+            <a:spLocks noGrp="1"/>
+          </p:cNvSpPr>
+          <p:nvPr>
+            <p:ph type="body" idx="1"/>
+          </p:nvPr>
+        </p:nvSpPr>
+        <p:spPr/>
+        <p:txBody>
+          <a:bodyPr/>
+          <a:lstStyle/>
+          <a:p>
+            <a:r>
+              <a:rPr lang="ru-RU" dirty="0" smtClean="0"/>
+              <a:t>Добавить рамку</a:t>
+            </a:r>
+            <a:endParaRPr lang="ru-RU" dirty="0"/>
+          </a:p>
+        </p:txBody>
+      </p:sp>
+      <p:sp>
+        <p:nvSpPr>
+          <p:cNvPr id="4" name="Slide Number Placeholder 3"/>
+          <p:cNvSpPr>
+            <a:spLocks noGrp="1"/>
+          </p:cNvSpPr>
+          <p:nvPr>
+            <p:ph type="sldNum" sz="quarter" idx="10"/>
+          </p:nvPr>
+        </p:nvSpPr>
+        <p:spPr/>
+        <p:txBody>
+          <a:bodyPr/>
+          <a:lstStyle/>
+          <a:p>
+            <a:fld id="{4D78249E-5ACD-4E52-A408-9BB999BD2D41}" type="slidenum">
+              <a:rPr lang="en-US" smtClean="0"/>
+              <a:pPr/>
+              <a:t>3</a:t>
+            </a:fld>
+            <a:endParaRPr lang="en-US"/>
+          </a:p>
+        </p:txBody>
+      </p:sp>
+    </p:spTree>
+    <p:extLst>
+      <p:ext uri="{BB962C8B-B14F-4D97-AF65-F5344CB8AC3E}">
+        <p14:creationId xmlns:p14="http://schemas.microsoft.com/office/powerpoint/2010/main" val="3743387511"/>
+      </p:ext>
+    </p:extLst>
+  </p:cSld>
+  <p:clrMapOvr>
+    <a:masterClrMapping/>
+  </p:clrMapOvr>
+</p:notes>
+</file>
+
+<file path=ppt/notesSlides/notesSlide20.xml><?xml version="1.0" encoding="utf-8"?>
 <p:notes xmlns:a="http://schemas.openxmlformats.org/drawingml/2006/main" xmlns:r="http://schemas.openxmlformats.org/officeDocument/2006/relationships" xmlns:p="http://schemas.openxmlformats.org/presentationml/2006/main">
   <p:cSld>
     <p:spTree>
@@ -22284,7 +24234,7 @@
             <a:fld id="{4D78249E-5ACD-4E52-A408-9BB999BD2D41}" type="slidenum">
               <a:rPr lang="en-US" smtClean="0"/>
               <a:pPr/>
-              <a:t>21</a:t>
+              <a:t>22</a:t>
             </a:fld>
             <a:endParaRPr lang="en-US"/>
           </a:p>
@@ -22303,7 +24253,572 @@
 </p:notes>
 </file>
 
-<file path=ppt/notesSlides/notesSlide18.xml><?xml version="1.0" encoding="utf-8"?>
+<file path=ppt/notesSlides/notesSlide21.xml><?xml version="1.0" encoding="utf-8"?>
+<p:notes xmlns:a="http://schemas.openxmlformats.org/drawingml/2006/main" xmlns:r="http://schemas.openxmlformats.org/officeDocument/2006/relationships" xmlns:p="http://schemas.openxmlformats.org/presentationml/2006/main">
+  <p:cSld>
+    <p:spTree>
+      <p:nvGrpSpPr>
+        <p:cNvPr id="1" name=""/>
+        <p:cNvGrpSpPr/>
+        <p:nvPr/>
+      </p:nvGrpSpPr>
+      <p:grpSpPr>
+        <a:xfrm>
+          <a:off x="0" y="0"/>
+          <a:ext cx="0" cy="0"/>
+          <a:chOff x="0" y="0"/>
+          <a:chExt cx="0" cy="0"/>
+        </a:xfrm>
+      </p:grpSpPr>
+      <p:sp>
+        <p:nvSpPr>
+          <p:cNvPr id="2" name="Slide Image Placeholder 1"/>
+          <p:cNvSpPr>
+            <a:spLocks noGrp="1" noRot="1" noChangeAspect="1"/>
+          </p:cNvSpPr>
+          <p:nvPr>
+            <p:ph type="sldImg"/>
+          </p:nvPr>
+        </p:nvSpPr>
+        <p:spPr/>
+      </p:sp>
+      <p:sp>
+        <p:nvSpPr>
+          <p:cNvPr id="3" name="Notes Placeholder 2"/>
+          <p:cNvSpPr>
+            <a:spLocks noGrp="1"/>
+          </p:cNvSpPr>
+          <p:nvPr>
+            <p:ph type="body" idx="1"/>
+          </p:nvPr>
+        </p:nvSpPr>
+        <p:spPr/>
+        <p:txBody>
+          <a:bodyPr>
+            <a:normAutofit lnSpcReduction="10000"/>
+          </a:bodyPr>
+          <a:lstStyle/>
+          <a:p>
+            <a:pPr marL="0" marR="0" indent="0" algn="l" defTabSz="914400" rtl="0" eaLnBrk="1" fontAlgn="auto" latinLnBrk="0" hangingPunct="1">
+              <a:lnSpc>
+                <a:spcPct val="100000"/>
+              </a:lnSpc>
+              <a:spcBef>
+                <a:spcPts val="0"/>
+              </a:spcBef>
+              <a:spcAft>
+                <a:spcPts val="0"/>
+              </a:spcAft>
+              <a:buClrTx/>
+              <a:buSzTx/>
+              <a:buFontTx/>
+              <a:buNone/>
+              <a:tabLst/>
+              <a:defRPr/>
+            </a:pPr>
+            <a:r>
+              <a:rPr lang="en-US" sz="1200" b="1" i="0" kern="1200" dirty="0" smtClean="0">
+                <a:solidFill>
+                  <a:schemeClr val="tx1"/>
+                </a:solidFill>
+                <a:effectLst/>
+                <a:latin typeface="+mn-lt"/>
+                <a:ea typeface="+mn-ea"/>
+                <a:cs typeface="+mn-cs"/>
+              </a:rPr>
+              <a:t>Show on</a:t>
+            </a:r>
+            <a:r>
+              <a:rPr lang="en-US" sz="1200" b="1" i="0" kern="1200" baseline="0" dirty="0" smtClean="0">
+                <a:solidFill>
+                  <a:schemeClr val="tx1"/>
+                </a:solidFill>
+                <a:effectLst/>
+                <a:latin typeface="+mn-lt"/>
+                <a:ea typeface="+mn-ea"/>
+                <a:cs typeface="+mn-cs"/>
+              </a:rPr>
+              <a:t> Azure Portal</a:t>
+            </a:r>
+            <a:endParaRPr lang="en-US" sz="1200" b="1" i="0" kern="1200" dirty="0" smtClean="0">
+              <a:solidFill>
+                <a:schemeClr val="tx1"/>
+              </a:solidFill>
+              <a:effectLst/>
+              <a:latin typeface="+mn-lt"/>
+              <a:ea typeface="+mn-ea"/>
+              <a:cs typeface="+mn-cs"/>
+            </a:endParaRPr>
+          </a:p>
+          <a:p>
+            <a:pPr marL="0" marR="0" indent="0" algn="l" defTabSz="914400" rtl="0" eaLnBrk="1" fontAlgn="auto" latinLnBrk="0" hangingPunct="1">
+              <a:lnSpc>
+                <a:spcPct val="100000"/>
+              </a:lnSpc>
+              <a:spcBef>
+                <a:spcPts val="0"/>
+              </a:spcBef>
+              <a:spcAft>
+                <a:spcPts val="0"/>
+              </a:spcAft>
+              <a:buClrTx/>
+              <a:buSzTx/>
+              <a:buFontTx/>
+              <a:buNone/>
+              <a:tabLst/>
+              <a:defRPr/>
+            </a:pPr>
+            <a:endParaRPr lang="en-US" sz="1200" b="1" i="0" kern="1200" dirty="0" smtClean="0">
+              <a:solidFill>
+                <a:schemeClr val="tx1"/>
+              </a:solidFill>
+              <a:effectLst/>
+              <a:latin typeface="+mn-lt"/>
+              <a:ea typeface="+mn-ea"/>
+              <a:cs typeface="+mn-cs"/>
+            </a:endParaRPr>
+          </a:p>
+          <a:p>
+            <a:pPr marL="0" marR="0" indent="0" algn="l" defTabSz="914400" rtl="0" eaLnBrk="1" fontAlgn="auto" latinLnBrk="0" hangingPunct="1">
+              <a:lnSpc>
+                <a:spcPct val="100000"/>
+              </a:lnSpc>
+              <a:spcBef>
+                <a:spcPts val="0"/>
+              </a:spcBef>
+              <a:spcAft>
+                <a:spcPts val="0"/>
+              </a:spcAft>
+              <a:buClrTx/>
+              <a:buSzTx/>
+              <a:buFontTx/>
+              <a:buNone/>
+              <a:tabLst/>
+              <a:defRPr/>
+            </a:pPr>
+            <a:r>
+              <a:rPr lang="en-US" sz="1200" b="1" i="0" kern="1200" dirty="0" smtClean="0">
+                <a:solidFill>
+                  <a:schemeClr val="tx1"/>
+                </a:solidFill>
+                <a:effectLst/>
+                <a:latin typeface="+mn-lt"/>
+                <a:ea typeface="+mn-ea"/>
+                <a:cs typeface="+mn-cs"/>
+              </a:rPr>
+              <a:t>Secure </a:t>
+            </a:r>
+            <a:r>
+              <a:rPr lang="en-US" sz="1200" b="1" i="0" kern="1200" dirty="0" smtClean="0">
+                <a:solidFill>
+                  <a:schemeClr val="tx1"/>
+                </a:solidFill>
+                <a:effectLst/>
+                <a:latin typeface="+mn-lt"/>
+                <a:ea typeface="+mn-ea"/>
+                <a:cs typeface="+mn-cs"/>
+              </a:rPr>
+              <a:t>a web app in Azure App Service</a:t>
+            </a:r>
+          </a:p>
+          <a:p>
+            <a:r>
+              <a:rPr lang="en-US" dirty="0" smtClean="0"/>
+              <a:t>https://azure.microsoft.com/en-us/documentation/articles/web-sites-security</a:t>
+            </a:r>
+            <a:r>
+              <a:rPr lang="en-US" dirty="0" smtClean="0"/>
+              <a:t>/</a:t>
+            </a:r>
+          </a:p>
+          <a:p>
+            <a:endParaRPr lang="en-US" dirty="0" smtClean="0"/>
+          </a:p>
+          <a:p>
+            <a:r>
+              <a:rPr lang="en-US" sz="1200" b="1" i="0" kern="1200" dirty="0" smtClean="0">
+                <a:solidFill>
+                  <a:schemeClr val="tx1"/>
+                </a:solidFill>
+                <a:effectLst/>
+                <a:latin typeface="+mn-lt"/>
+                <a:ea typeface="+mn-ea"/>
+                <a:cs typeface="+mn-cs"/>
+              </a:rPr>
+              <a:t>Secure communications</a:t>
+            </a:r>
+          </a:p>
+          <a:p>
+            <a:r>
+              <a:rPr lang="en-US" sz="1200" b="0" i="0" kern="1200" dirty="0" smtClean="0">
+                <a:solidFill>
+                  <a:schemeClr val="tx1"/>
+                </a:solidFill>
+                <a:effectLst/>
+                <a:latin typeface="+mn-lt"/>
+                <a:ea typeface="+mn-ea"/>
+                <a:cs typeface="+mn-cs"/>
+              </a:rPr>
+              <a:t>If you use the </a:t>
+            </a:r>
+            <a:r>
+              <a:rPr lang="en-US" sz="1200" b="1" i="1" kern="1200" dirty="0" smtClean="0">
+                <a:solidFill>
+                  <a:schemeClr val="tx1"/>
+                </a:solidFill>
+                <a:effectLst/>
+                <a:latin typeface="+mn-lt"/>
+                <a:ea typeface="+mn-ea"/>
+                <a:cs typeface="+mn-cs"/>
+              </a:rPr>
+              <a:t>.azurewebsites.net</a:t>
+            </a:r>
+            <a:r>
+              <a:rPr lang="en-US" sz="1200" b="0" i="1" kern="1200" dirty="0" smtClean="0">
+                <a:solidFill>
+                  <a:schemeClr val="tx1"/>
+                </a:solidFill>
+                <a:effectLst/>
+                <a:latin typeface="+mn-lt"/>
+                <a:ea typeface="+mn-ea"/>
+                <a:cs typeface="+mn-cs"/>
+              </a:rPr>
+              <a:t> domain name created for your web app, you can immediately use HTTPS, as an SSL certificate is provided for all **</a:t>
+            </a:r>
+            <a:r>
+              <a:rPr lang="en-US" sz="1200" b="0" i="0" kern="1200" dirty="0" smtClean="0">
+                <a:solidFill>
+                  <a:schemeClr val="tx1"/>
+                </a:solidFill>
+                <a:effectLst/>
+                <a:latin typeface="+mn-lt"/>
+                <a:ea typeface="+mn-ea"/>
+                <a:cs typeface="+mn-cs"/>
+              </a:rPr>
+              <a:t>.azurewebsites.net** domain names. If your site uses a </a:t>
+            </a:r>
+            <a:r>
+              <a:rPr lang="en-US" sz="1200" b="0" i="0" u="none" strike="noStrike" kern="1200" dirty="0" smtClean="0">
+                <a:solidFill>
+                  <a:schemeClr val="tx1"/>
+                </a:solidFill>
+                <a:effectLst/>
+                <a:latin typeface="+mn-lt"/>
+                <a:ea typeface="+mn-ea"/>
+                <a:cs typeface="+mn-cs"/>
+                <a:hlinkClick r:id="rId3"/>
+              </a:rPr>
+              <a:t>custom domain name</a:t>
+            </a:r>
+            <a:r>
+              <a:rPr lang="en-US" sz="1200" b="0" i="0" kern="1200" dirty="0" smtClean="0">
+                <a:solidFill>
+                  <a:schemeClr val="tx1"/>
+                </a:solidFill>
+                <a:effectLst/>
+                <a:latin typeface="+mn-lt"/>
+                <a:ea typeface="+mn-ea"/>
+                <a:cs typeface="+mn-cs"/>
+              </a:rPr>
+              <a:t>, you can upload an SSL certificate to </a:t>
+            </a:r>
+            <a:r>
+              <a:rPr lang="en-US" sz="1200" b="0" i="0" u="none" strike="noStrike" kern="1200" dirty="0" smtClean="0">
+                <a:solidFill>
+                  <a:schemeClr val="tx1"/>
+                </a:solidFill>
+                <a:effectLst/>
+                <a:latin typeface="+mn-lt"/>
+                <a:ea typeface="+mn-ea"/>
+                <a:cs typeface="+mn-cs"/>
+                <a:hlinkClick r:id="rId4"/>
+              </a:rPr>
+              <a:t>enable HTTPS</a:t>
+            </a:r>
+            <a:r>
+              <a:rPr lang="en-US" sz="1200" b="0" i="0" kern="1200" dirty="0" smtClean="0">
+                <a:solidFill>
+                  <a:schemeClr val="tx1"/>
+                </a:solidFill>
+                <a:effectLst/>
+                <a:latin typeface="+mn-lt"/>
+                <a:ea typeface="+mn-ea"/>
+                <a:cs typeface="+mn-cs"/>
+              </a:rPr>
+              <a:t> for the custom domain.</a:t>
+            </a:r>
+          </a:p>
+          <a:p>
+            <a:endParaRPr lang="en-US" dirty="0" smtClean="0"/>
+          </a:p>
+          <a:p>
+            <a:r>
+              <a:rPr lang="en-US" sz="1200" b="1" i="0" kern="1200" dirty="0" smtClean="0">
+                <a:solidFill>
+                  <a:schemeClr val="tx1"/>
+                </a:solidFill>
+                <a:effectLst/>
+                <a:latin typeface="+mn-lt"/>
+                <a:ea typeface="+mn-ea"/>
+                <a:cs typeface="+mn-cs"/>
+              </a:rPr>
+              <a:t>Publishing profiles and publish settings</a:t>
+            </a:r>
+          </a:p>
+          <a:p>
+            <a:r>
+              <a:rPr lang="en-US" sz="1200" b="0" i="0" kern="1200" dirty="0" smtClean="0">
+                <a:solidFill>
+                  <a:schemeClr val="tx1"/>
+                </a:solidFill>
+                <a:effectLst/>
+                <a:latin typeface="+mn-lt"/>
+                <a:ea typeface="+mn-ea"/>
+                <a:cs typeface="+mn-cs"/>
+              </a:rPr>
+              <a:t>When developing applications, performing management tasks, or automating tasks using utilities such as </a:t>
+            </a:r>
+            <a:r>
+              <a:rPr lang="en-US" sz="1200" b="1" i="0" kern="1200" dirty="0" smtClean="0">
+                <a:solidFill>
+                  <a:schemeClr val="tx1"/>
+                </a:solidFill>
+                <a:effectLst/>
+                <a:latin typeface="+mn-lt"/>
+                <a:ea typeface="+mn-ea"/>
+                <a:cs typeface="+mn-cs"/>
+              </a:rPr>
+              <a:t>Visual Studio</a:t>
+            </a:r>
+            <a:r>
+              <a:rPr lang="en-US" sz="1200" b="0" i="0" kern="1200" dirty="0" smtClean="0">
+                <a:solidFill>
+                  <a:schemeClr val="tx1"/>
+                </a:solidFill>
+                <a:effectLst/>
+                <a:latin typeface="+mn-lt"/>
+                <a:ea typeface="+mn-ea"/>
+                <a:cs typeface="+mn-cs"/>
+              </a:rPr>
+              <a:t>, </a:t>
+            </a:r>
+            <a:r>
+              <a:rPr lang="en-US" sz="1200" b="1" i="0" kern="1200" dirty="0" smtClean="0">
+                <a:solidFill>
+                  <a:schemeClr val="tx1"/>
+                </a:solidFill>
+                <a:effectLst/>
+                <a:latin typeface="+mn-lt"/>
+                <a:ea typeface="+mn-ea"/>
+                <a:cs typeface="+mn-cs"/>
+              </a:rPr>
+              <a:t>Web Matrix</a:t>
+            </a:r>
+            <a:r>
+              <a:rPr lang="en-US" sz="1200" b="0" i="0" kern="1200" dirty="0" smtClean="0">
+                <a:solidFill>
+                  <a:schemeClr val="tx1"/>
+                </a:solidFill>
+                <a:effectLst/>
+                <a:latin typeface="+mn-lt"/>
+                <a:ea typeface="+mn-ea"/>
+                <a:cs typeface="+mn-cs"/>
+              </a:rPr>
+              <a:t>, </a:t>
+            </a:r>
+            <a:r>
+              <a:rPr lang="en-US" sz="1200" b="1" i="0" kern="1200" dirty="0" smtClean="0">
+                <a:solidFill>
+                  <a:schemeClr val="tx1"/>
+                </a:solidFill>
+                <a:effectLst/>
+                <a:latin typeface="+mn-lt"/>
+                <a:ea typeface="+mn-ea"/>
+                <a:cs typeface="+mn-cs"/>
+              </a:rPr>
+              <a:t>Azure PowerShell</a:t>
+            </a:r>
+            <a:r>
+              <a:rPr lang="en-US" sz="1200" b="0" i="0" kern="1200" dirty="0" smtClean="0">
+                <a:solidFill>
+                  <a:schemeClr val="tx1"/>
+                </a:solidFill>
+                <a:effectLst/>
+                <a:latin typeface="+mn-lt"/>
+                <a:ea typeface="+mn-ea"/>
+                <a:cs typeface="+mn-cs"/>
+              </a:rPr>
+              <a:t> or the </a:t>
+            </a:r>
+            <a:r>
+              <a:rPr lang="en-US" sz="1200" b="1" i="0" kern="1200" dirty="0" smtClean="0">
+                <a:solidFill>
+                  <a:schemeClr val="tx1"/>
+                </a:solidFill>
+                <a:effectLst/>
+                <a:latin typeface="+mn-lt"/>
+                <a:ea typeface="+mn-ea"/>
+                <a:cs typeface="+mn-cs"/>
+              </a:rPr>
+              <a:t>Azure Command-Line Interface (Azure CLI)</a:t>
+            </a:r>
+            <a:r>
+              <a:rPr lang="en-US" sz="1200" b="0" i="0" kern="1200" dirty="0" smtClean="0">
+                <a:solidFill>
+                  <a:schemeClr val="tx1"/>
+                </a:solidFill>
+                <a:effectLst/>
+                <a:latin typeface="+mn-lt"/>
+                <a:ea typeface="+mn-ea"/>
+                <a:cs typeface="+mn-cs"/>
+              </a:rPr>
+              <a:t>, you can use either a </a:t>
+            </a:r>
+            <a:r>
+              <a:rPr lang="en-US" sz="1200" b="0" i="1" kern="1200" dirty="0" smtClean="0">
+                <a:solidFill>
+                  <a:schemeClr val="tx1"/>
+                </a:solidFill>
+                <a:effectLst/>
+                <a:latin typeface="+mn-lt"/>
+                <a:ea typeface="+mn-ea"/>
+                <a:cs typeface="+mn-cs"/>
+              </a:rPr>
+              <a:t>publish settings</a:t>
+            </a:r>
+            <a:r>
+              <a:rPr lang="en-US" sz="1200" b="0" i="0" kern="1200" dirty="0" smtClean="0">
+                <a:solidFill>
+                  <a:schemeClr val="tx1"/>
+                </a:solidFill>
+                <a:effectLst/>
+                <a:latin typeface="+mn-lt"/>
+                <a:ea typeface="+mn-ea"/>
+                <a:cs typeface="+mn-cs"/>
+              </a:rPr>
+              <a:t> file or a </a:t>
+            </a:r>
+            <a:r>
+              <a:rPr lang="en-US" sz="1200" b="0" i="1" kern="1200" dirty="0" smtClean="0">
+                <a:solidFill>
+                  <a:schemeClr val="tx1"/>
+                </a:solidFill>
+                <a:effectLst/>
+                <a:latin typeface="+mn-lt"/>
+                <a:ea typeface="+mn-ea"/>
+                <a:cs typeface="+mn-cs"/>
+              </a:rPr>
+              <a:t>publishing profile</a:t>
+            </a:r>
+            <a:r>
+              <a:rPr lang="en-US" sz="1200" b="0" i="0" kern="1200" dirty="0" smtClean="0">
+                <a:solidFill>
+                  <a:schemeClr val="tx1"/>
+                </a:solidFill>
+                <a:effectLst/>
+                <a:latin typeface="+mn-lt"/>
+                <a:ea typeface="+mn-ea"/>
+                <a:cs typeface="+mn-cs"/>
+              </a:rPr>
+              <a:t>. Both authenticate you to Azure, and should be secured to prevent unauthorized access.</a:t>
+            </a:r>
+          </a:p>
+          <a:p>
+            <a:endParaRPr lang="en-US" sz="1200" b="0" i="0" kern="1200" dirty="0" smtClean="0">
+              <a:solidFill>
+                <a:schemeClr val="tx1"/>
+              </a:solidFill>
+              <a:effectLst/>
+              <a:latin typeface="+mn-lt"/>
+              <a:ea typeface="+mn-ea"/>
+              <a:cs typeface="+mn-cs"/>
+            </a:endParaRPr>
+          </a:p>
+          <a:p>
+            <a:r>
+              <a:rPr lang="en-US" sz="1200" b="1" i="0" kern="1200" dirty="0" smtClean="0">
+                <a:solidFill>
+                  <a:schemeClr val="tx1"/>
+                </a:solidFill>
+                <a:effectLst/>
+                <a:latin typeface="+mn-lt"/>
+                <a:ea typeface="+mn-ea"/>
+                <a:cs typeface="+mn-cs"/>
+              </a:rPr>
+              <a:t>Configuration settings, and connection strings</a:t>
+            </a:r>
+          </a:p>
+          <a:p>
+            <a:r>
+              <a:rPr lang="en-US" sz="1200" b="0" i="0" kern="1200" dirty="0" smtClean="0">
+                <a:solidFill>
+                  <a:schemeClr val="tx1"/>
+                </a:solidFill>
+                <a:effectLst/>
+                <a:latin typeface="+mn-lt"/>
+                <a:ea typeface="+mn-ea"/>
+                <a:cs typeface="+mn-cs"/>
+              </a:rPr>
+              <a:t>It's common practice to store connection strings, authentication credentials, and other sensitive information in configuration files. Unfortunately, these files may be exposed on your website, or checked into a public repository, exposing this information.</a:t>
+            </a:r>
+          </a:p>
+          <a:p>
+            <a:endParaRPr lang="en-US" sz="1200" b="0" i="0" kern="1200" dirty="0" smtClean="0">
+              <a:solidFill>
+                <a:schemeClr val="tx1"/>
+              </a:solidFill>
+              <a:effectLst/>
+              <a:latin typeface="+mn-lt"/>
+              <a:ea typeface="+mn-ea"/>
+              <a:cs typeface="+mn-cs"/>
+            </a:endParaRPr>
+          </a:p>
+          <a:p>
+            <a:endParaRPr lang="en-US" dirty="0" smtClean="0"/>
+          </a:p>
+          <a:p>
+            <a:endParaRPr lang="ru-RU" dirty="0"/>
+          </a:p>
+        </p:txBody>
+      </p:sp>
+      <p:sp>
+        <p:nvSpPr>
+          <p:cNvPr id="4" name="Slide Number Placeholder 3"/>
+          <p:cNvSpPr>
+            <a:spLocks noGrp="1"/>
+          </p:cNvSpPr>
+          <p:nvPr>
+            <p:ph type="sldNum" sz="quarter" idx="10"/>
+          </p:nvPr>
+        </p:nvSpPr>
+        <p:spPr/>
+        <p:txBody>
+          <a:bodyPr/>
+          <a:lstStyle/>
+          <a:p>
+            <a:fld id="{4D78249E-5ACD-4E52-A408-9BB999BD2D41}" type="slidenum">
+              <a:rPr lang="en-US" smtClean="0"/>
+              <a:pPr/>
+              <a:t>24</a:t>
+            </a:fld>
+            <a:endParaRPr lang="en-US"/>
+          </a:p>
+        </p:txBody>
+      </p:sp>
+    </p:spTree>
+    <p:extLst>
+      <p:ext uri="{BB962C8B-B14F-4D97-AF65-F5344CB8AC3E}">
+        <p14:creationId xmlns:p14="http://schemas.microsoft.com/office/powerpoint/2010/main" val="841667649"/>
+      </p:ext>
+    </p:extLst>
+  </p:cSld>
+  <p:clrMapOvr>
+    <a:masterClrMapping/>
+  </p:clrMapOvr>
+</p:notes>
+</file>
+
+<file path=ppt/notesSlides/notesSlide22.xml><?xml version="1.0" encoding="utf-8"?>
 <p:notes xmlns:a="http://schemas.openxmlformats.org/drawingml/2006/main" xmlns:r="http://schemas.openxmlformats.org/officeDocument/2006/relationships" xmlns:p="http://schemas.openxmlformats.org/presentationml/2006/main">
   <p:cSld>
     <p:spTree>
@@ -22347,40 +24862,12 @@
           <a:bodyPr/>
           <a:lstStyle/>
           <a:p>
-            <a:pPr marL="0" marR="0" indent="0" algn="l" defTabSz="914400" rtl="0" eaLnBrk="1" fontAlgn="auto" latinLnBrk="0" hangingPunct="1">
-              <a:lnSpc>
-                <a:spcPct val="100000"/>
-              </a:lnSpc>
-              <a:spcBef>
-                <a:spcPts val="0"/>
-              </a:spcBef>
-              <a:spcAft>
-                <a:spcPts val="0"/>
-              </a:spcAft>
-              <a:buClrTx/>
-              <a:buSzTx/>
-              <a:buFontTx/>
-              <a:buNone/>
-              <a:tabLst/>
-              <a:defRPr/>
-            </a:pPr>
-            <a:r>
-              <a:rPr lang="en-US" sz="1200" b="1" i="0" kern="1200" dirty="0" smtClean="0">
-                <a:solidFill>
-                  <a:schemeClr val="tx1"/>
-                </a:solidFill>
-                <a:effectLst/>
-                <a:latin typeface="+mn-lt"/>
-                <a:ea typeface="+mn-ea"/>
-                <a:cs typeface="+mn-cs"/>
-              </a:rPr>
-              <a:t>Secure a web app in Azure App Service</a:t>
-            </a:r>
+            <a:endParaRPr lang="en-US" dirty="0" smtClean="0"/>
           </a:p>
           <a:p>
             <a:r>
               <a:rPr lang="en-US" dirty="0" smtClean="0"/>
-              <a:t>https://azure.microsoft.com/en-us/documentation/articles/web-sites-security/</a:t>
+              <a:t>https://azure.microsoft.com/en-us/documentation/articles/azure-web-sites-web-hosting-plans-in-depth-overview/</a:t>
             </a:r>
             <a:endParaRPr lang="ru-RU" dirty="0"/>
           </a:p>
@@ -22404,7 +24891,7 @@
             <a:fld id="{4D78249E-5ACD-4E52-A408-9BB999BD2D41}" type="slidenum">
               <a:rPr lang="en-US" smtClean="0"/>
               <a:pPr/>
-              <a:t>23</a:t>
+              <a:t>26</a:t>
             </a:fld>
             <a:endParaRPr lang="en-US"/>
           </a:p>
@@ -22413,7 +24900,7 @@
     </p:spTree>
     <p:extLst>
       <p:ext uri="{BB962C8B-B14F-4D97-AF65-F5344CB8AC3E}">
-        <p14:creationId xmlns:p14="http://schemas.microsoft.com/office/powerpoint/2010/main" val="841667649"/>
+        <p14:creationId xmlns:p14="http://schemas.microsoft.com/office/powerpoint/2010/main" val="2216392465"/>
       </p:ext>
     </p:extLst>
   </p:cSld>
@@ -22423,7 +24910,7 @@
 </p:notes>
 </file>
 
-<file path=ppt/notesSlides/notesSlide19.xml><?xml version="1.0" encoding="utf-8"?>
+<file path=ppt/notesSlides/notesSlide23.xml><?xml version="1.0" encoding="utf-8"?>
 <p:notes xmlns:a="http://schemas.openxmlformats.org/drawingml/2006/main" xmlns:r="http://schemas.openxmlformats.org/officeDocument/2006/relationships" xmlns:p="http://schemas.openxmlformats.org/presentationml/2006/main">
   <p:cSld>
     <p:spTree>
@@ -22760,7 +25247,7 @@
             <a:fld id="{4D78249E-5ACD-4E52-A408-9BB999BD2D41}" type="slidenum">
               <a:rPr lang="en-US" smtClean="0"/>
               <a:pPr/>
-              <a:t>26</a:t>
+              <a:t>29</a:t>
             </a:fld>
             <a:endParaRPr lang="en-US"/>
           </a:p>
@@ -22779,96 +25266,7 @@
 </p:notes>
 </file>
 
-<file path=ppt/notesSlides/notesSlide2.xml><?xml version="1.0" encoding="utf-8"?>
-<p:notes xmlns:a="http://schemas.openxmlformats.org/drawingml/2006/main" xmlns:r="http://schemas.openxmlformats.org/officeDocument/2006/relationships" xmlns:p="http://schemas.openxmlformats.org/presentationml/2006/main">
-  <p:cSld>
-    <p:spTree>
-      <p:nvGrpSpPr>
-        <p:cNvPr id="1" name=""/>
-        <p:cNvGrpSpPr/>
-        <p:nvPr/>
-      </p:nvGrpSpPr>
-      <p:grpSpPr>
-        <a:xfrm>
-          <a:off x="0" y="0"/>
-          <a:ext cx="0" cy="0"/>
-          <a:chOff x="0" y="0"/>
-          <a:chExt cx="0" cy="0"/>
-        </a:xfrm>
-      </p:grpSpPr>
-      <p:sp>
-        <p:nvSpPr>
-          <p:cNvPr id="2" name="Slide Image Placeholder 1"/>
-          <p:cNvSpPr>
-            <a:spLocks noGrp="1" noRot="1" noChangeAspect="1"/>
-          </p:cNvSpPr>
-          <p:nvPr>
-            <p:ph type="sldImg"/>
-          </p:nvPr>
-        </p:nvSpPr>
-        <p:spPr/>
-      </p:sp>
-      <p:sp>
-        <p:nvSpPr>
-          <p:cNvPr id="3" name="Notes Placeholder 2"/>
-          <p:cNvSpPr>
-            <a:spLocks noGrp="1"/>
-          </p:cNvSpPr>
-          <p:nvPr>
-            <p:ph type="body" idx="1"/>
-          </p:nvPr>
-        </p:nvSpPr>
-        <p:spPr/>
-        <p:txBody>
-          <a:bodyPr/>
-          <a:lstStyle/>
-          <a:p>
-            <a:r>
-              <a:rPr lang="ru-RU" dirty="0" smtClean="0"/>
-              <a:t>Добавить рамку</a:t>
-            </a:r>
-            <a:endParaRPr lang="ru-RU" dirty="0"/>
-          </a:p>
-        </p:txBody>
-      </p:sp>
-      <p:sp>
-        <p:nvSpPr>
-          <p:cNvPr id="4" name="Slide Number Placeholder 3"/>
-          <p:cNvSpPr>
-            <a:spLocks noGrp="1"/>
-          </p:cNvSpPr>
-          <p:nvPr>
-            <p:ph type="sldNum" sz="quarter" idx="10"/>
-          </p:nvPr>
-        </p:nvSpPr>
-        <p:spPr/>
-        <p:txBody>
-          <a:bodyPr/>
-          <a:lstStyle/>
-          <a:p>
-            <a:fld id="{4D78249E-5ACD-4E52-A408-9BB999BD2D41}" type="slidenum">
-              <a:rPr lang="en-US" smtClean="0"/>
-              <a:pPr/>
-              <a:t>3</a:t>
-            </a:fld>
-            <a:endParaRPr lang="en-US"/>
-          </a:p>
-        </p:txBody>
-      </p:sp>
-    </p:spTree>
-    <p:extLst>
-      <p:ext uri="{BB962C8B-B14F-4D97-AF65-F5344CB8AC3E}">
-        <p14:creationId xmlns:p14="http://schemas.microsoft.com/office/powerpoint/2010/main" val="3743387511"/>
-      </p:ext>
-    </p:extLst>
-  </p:cSld>
-  <p:clrMapOvr>
-    <a:masterClrMapping/>
-  </p:clrMapOvr>
-</p:notes>
-</file>
-
-<file path=ppt/notesSlides/notesSlide20.xml><?xml version="1.0" encoding="utf-8"?>
+<file path=ppt/notesSlides/notesSlide24.xml><?xml version="1.0" encoding="utf-8"?>
 <p:notes xmlns:a="http://schemas.openxmlformats.org/drawingml/2006/main" xmlns:r="http://schemas.openxmlformats.org/officeDocument/2006/relationships" xmlns:p="http://schemas.openxmlformats.org/presentationml/2006/main">
   <p:cSld>
     <p:spTree>
@@ -22944,7 +25342,7 @@
             <a:fld id="{4D78249E-5ACD-4E52-A408-9BB999BD2D41}" type="slidenum">
               <a:rPr lang="en-US" smtClean="0"/>
               <a:pPr/>
-              <a:t>27</a:t>
+              <a:t>30</a:t>
             </a:fld>
             <a:endParaRPr lang="en-US"/>
           </a:p>
@@ -22963,7 +25361,7 @@
 </p:notes>
 </file>
 
-<file path=ppt/notesSlides/notesSlide21.xml><?xml version="1.0" encoding="utf-8"?>
+<file path=ppt/notesSlides/notesSlide25.xml><?xml version="1.0" encoding="utf-8"?>
 <p:notes xmlns:a="http://schemas.openxmlformats.org/drawingml/2006/main" xmlns:r="http://schemas.openxmlformats.org/officeDocument/2006/relationships" xmlns:p="http://schemas.openxmlformats.org/presentationml/2006/main">
   <p:cSld>
     <p:spTree>
@@ -23029,7 +25427,7 @@
             <a:fld id="{8B263312-38AA-4E1E-B2B5-0F8F122B24FE}" type="slidenum">
               <a:rPr lang="en-US" smtClean="0"/>
               <a:pPr/>
-              <a:t>30</a:t>
+              <a:t>33</a:t>
             </a:fld>
             <a:endParaRPr lang="en-US" dirty="0"/>
           </a:p>
@@ -23451,7 +25849,37 @@
           <a:p>
             <a:r>
               <a:rPr lang="en-US" dirty="0" smtClean="0"/>
-              <a:t>http://www.rightscale.com/blog/cloud-industry-insights/cloud-computing-trends-2015-state-cloud-survey</a:t>
+              <a:t>http://</a:t>
+            </a:r>
+            <a:r>
+              <a:rPr lang="en-US" dirty="0" smtClean="0"/>
+              <a:t>www.rightscale.com/blog/cloud-industry-insights/cloud-computing-trends-2015-state-cloud-survey</a:t>
+            </a:r>
+          </a:p>
+          <a:p>
+            <a:endParaRPr lang="en-US" dirty="0" smtClean="0"/>
+          </a:p>
+          <a:p>
+            <a:pPr marL="0" marR="0" indent="0" algn="l" defTabSz="914400" rtl="0" eaLnBrk="1" fontAlgn="auto" latinLnBrk="0" hangingPunct="1">
+              <a:lnSpc>
+                <a:spcPct val="100000"/>
+              </a:lnSpc>
+              <a:spcBef>
+                <a:spcPts val="0"/>
+              </a:spcBef>
+              <a:spcAft>
+                <a:spcPts val="0"/>
+              </a:spcAft>
+              <a:buClrTx/>
+              <a:buSzTx/>
+              <a:buFontTx/>
+              <a:buNone/>
+              <a:tabLst/>
+              <a:defRPr/>
+            </a:pPr>
+            <a:r>
+              <a:rPr lang="en-US" b="1" dirty="0" smtClean="0"/>
+              <a:t>In private cloud leading VMware</a:t>
             </a:r>
           </a:p>
           <a:p>
@@ -23536,6 +25964,95 @@
 </file>
 
 <file path=ppt/notesSlides/notesSlide7.xml><?xml version="1.0" encoding="utf-8"?>
+<p:notes xmlns:a="http://schemas.openxmlformats.org/drawingml/2006/main" xmlns:r="http://schemas.openxmlformats.org/officeDocument/2006/relationships" xmlns:p="http://schemas.openxmlformats.org/presentationml/2006/main">
+  <p:cSld>
+    <p:spTree>
+      <p:nvGrpSpPr>
+        <p:cNvPr id="1" name=""/>
+        <p:cNvGrpSpPr/>
+        <p:nvPr/>
+      </p:nvGrpSpPr>
+      <p:grpSpPr>
+        <a:xfrm>
+          <a:off x="0" y="0"/>
+          <a:ext cx="0" cy="0"/>
+          <a:chOff x="0" y="0"/>
+          <a:chExt cx="0" cy="0"/>
+        </a:xfrm>
+      </p:grpSpPr>
+      <p:sp>
+        <p:nvSpPr>
+          <p:cNvPr id="2" name="Slide Image Placeholder 1"/>
+          <p:cNvSpPr>
+            <a:spLocks noGrp="1" noRot="1" noChangeAspect="1"/>
+          </p:cNvSpPr>
+          <p:nvPr>
+            <p:ph type="sldImg"/>
+          </p:nvPr>
+        </p:nvSpPr>
+        <p:spPr/>
+      </p:sp>
+      <p:sp>
+        <p:nvSpPr>
+          <p:cNvPr id="3" name="Notes Placeholder 2"/>
+          <p:cNvSpPr>
+            <a:spLocks noGrp="1"/>
+          </p:cNvSpPr>
+          <p:nvPr>
+            <p:ph type="body" idx="1"/>
+          </p:nvPr>
+        </p:nvSpPr>
+        <p:spPr/>
+        <p:txBody>
+          <a:bodyPr/>
+          <a:lstStyle/>
+          <a:p>
+            <a:r>
+              <a:rPr lang="en-US" b="1" dirty="0" smtClean="0"/>
+              <a:t>In private cloud leading VMware</a:t>
+            </a:r>
+            <a:endParaRPr lang="en-US" b="1" dirty="0" smtClean="0"/>
+          </a:p>
+        </p:txBody>
+      </p:sp>
+      <p:sp>
+        <p:nvSpPr>
+          <p:cNvPr id="4" name="Slide Number Placeholder 3"/>
+          <p:cNvSpPr>
+            <a:spLocks noGrp="1"/>
+          </p:cNvSpPr>
+          <p:nvPr>
+            <p:ph type="sldNum" sz="quarter" idx="10"/>
+          </p:nvPr>
+        </p:nvSpPr>
+        <p:spPr/>
+        <p:txBody>
+          <a:bodyPr/>
+          <a:lstStyle/>
+          <a:p>
+            <a:fld id="{4D78249E-5ACD-4E52-A408-9BB999BD2D41}" type="slidenum">
+              <a:rPr lang="en-US" smtClean="0"/>
+              <a:pPr/>
+              <a:t>8</a:t>
+            </a:fld>
+            <a:endParaRPr lang="en-US"/>
+          </a:p>
+        </p:txBody>
+      </p:sp>
+    </p:spTree>
+    <p:extLst>
+      <p:ext uri="{BB962C8B-B14F-4D97-AF65-F5344CB8AC3E}">
+        <p14:creationId xmlns:p14="http://schemas.microsoft.com/office/powerpoint/2010/main" val="3537061224"/>
+      </p:ext>
+    </p:extLst>
+  </p:cSld>
+  <p:clrMapOvr>
+    <a:masterClrMapping/>
+  </p:clrMapOvr>
+</p:notes>
+</file>
+
+<file path=ppt/notesSlides/notesSlide8.xml><?xml version="1.0" encoding="utf-8"?>
 <p:notes xmlns:a="http://schemas.openxmlformats.org/drawingml/2006/main" xmlns:r="http://schemas.openxmlformats.org/officeDocument/2006/relationships" xmlns:p="http://schemas.openxmlformats.org/presentationml/2006/main">
   <p:cSld>
     <p:spTree>
@@ -23805,7 +26322,7 @@
             <a:fld id="{4D78249E-5ACD-4E52-A408-9BB999BD2D41}" type="slidenum">
               <a:rPr lang="en-US" smtClean="0"/>
               <a:pPr/>
-              <a:t>8</a:t>
+              <a:t>9</a:t>
             </a:fld>
             <a:endParaRPr lang="en-US"/>
           </a:p>
@@ -23824,7 +26341,7 @@
 </p:notes>
 </file>
 
-<file path=ppt/notesSlides/notesSlide8.xml><?xml version="1.0" encoding="utf-8"?>
+<file path=ppt/notesSlides/notesSlide9.xml><?xml version="1.0" encoding="utf-8"?>
 <p:notes xmlns:a="http://schemas.openxmlformats.org/drawingml/2006/main" xmlns:r="http://schemas.openxmlformats.org/officeDocument/2006/relationships" xmlns:p="http://schemas.openxmlformats.org/presentationml/2006/main">
   <p:cSld>
     <p:spTree>
@@ -23926,7 +26443,7 @@
             <a:fld id="{4D78249E-5ACD-4E52-A408-9BB999BD2D41}" type="slidenum">
               <a:rPr lang="en-US" smtClean="0"/>
               <a:pPr/>
-              <a:t>9</a:t>
+              <a:t>10</a:t>
             </a:fld>
             <a:endParaRPr lang="en-US"/>
           </a:p>
@@ -23936,238 +26453,6 @@
     <p:extLst>
       <p:ext uri="{BB962C8B-B14F-4D97-AF65-F5344CB8AC3E}">
         <p14:creationId xmlns:p14="http://schemas.microsoft.com/office/powerpoint/2010/main" val="1469035481"/>
-      </p:ext>
-    </p:extLst>
-  </p:cSld>
-  <p:clrMapOvr>
-    <a:masterClrMapping/>
-  </p:clrMapOvr>
-</p:notes>
-</file>
-
-<file path=ppt/notesSlides/notesSlide9.xml><?xml version="1.0" encoding="utf-8"?>
-<p:notes xmlns:a="http://schemas.openxmlformats.org/drawingml/2006/main" xmlns:r="http://schemas.openxmlformats.org/officeDocument/2006/relationships" xmlns:p="http://schemas.openxmlformats.org/presentationml/2006/main">
-  <p:cSld>
-    <p:spTree>
-      <p:nvGrpSpPr>
-        <p:cNvPr id="1" name=""/>
-        <p:cNvGrpSpPr/>
-        <p:nvPr/>
-      </p:nvGrpSpPr>
-      <p:grpSpPr>
-        <a:xfrm>
-          <a:off x="0" y="0"/>
-          <a:ext cx="0" cy="0"/>
-          <a:chOff x="0" y="0"/>
-          <a:chExt cx="0" cy="0"/>
-        </a:xfrm>
-      </p:grpSpPr>
-      <p:sp>
-        <p:nvSpPr>
-          <p:cNvPr id="2" name="Slide Image Placeholder 1"/>
-          <p:cNvSpPr>
-            <a:spLocks noGrp="1" noRot="1" noChangeAspect="1"/>
-          </p:cNvSpPr>
-          <p:nvPr>
-            <p:ph type="sldImg"/>
-          </p:nvPr>
-        </p:nvSpPr>
-        <p:spPr/>
-      </p:sp>
-      <p:sp>
-        <p:nvSpPr>
-          <p:cNvPr id="3" name="Notes Placeholder 2"/>
-          <p:cNvSpPr>
-            <a:spLocks noGrp="1"/>
-          </p:cNvSpPr>
-          <p:nvPr>
-            <p:ph type="body" idx="1"/>
-          </p:nvPr>
-        </p:nvSpPr>
-        <p:spPr/>
-        <p:txBody>
-          <a:bodyPr/>
-          <a:lstStyle/>
-          <a:p>
-            <a:r>
-              <a:rPr lang="en-US" dirty="0" smtClean="0"/>
-              <a:t>http://azure.microsoft.co</a:t>
-            </a:r>
-          </a:p>
-          <a:p>
-            <a:endParaRPr lang="en-US" dirty="0" smtClean="0"/>
-          </a:p>
-          <a:p>
-            <a:r>
-              <a:rPr lang="en-US" dirty="0" smtClean="0"/>
-              <a:t>AZURE REGION	LOCATION</a:t>
-            </a:r>
-          </a:p>
-          <a:p>
-            <a:r>
-              <a:rPr lang="en-US" dirty="0" smtClean="0"/>
-              <a:t>Central US	Iowa</a:t>
-            </a:r>
-          </a:p>
-          <a:p>
-            <a:r>
-              <a:rPr lang="en-US" dirty="0" smtClean="0"/>
-              <a:t>East US	Virginia</a:t>
-            </a:r>
-          </a:p>
-          <a:p>
-            <a:r>
-              <a:rPr lang="en-US" dirty="0" smtClean="0"/>
-              <a:t>East US 2	Virginia</a:t>
-            </a:r>
-          </a:p>
-          <a:p>
-            <a:r>
-              <a:rPr lang="en-US" dirty="0" smtClean="0"/>
-              <a:t>US </a:t>
-            </a:r>
-            <a:r>
-              <a:rPr lang="en-US" dirty="0" err="1" smtClean="0"/>
-              <a:t>Gov</a:t>
-            </a:r>
-            <a:r>
-              <a:rPr lang="en-US" dirty="0" smtClean="0"/>
-              <a:t> Iowa	Iowa</a:t>
-            </a:r>
-          </a:p>
-          <a:p>
-            <a:r>
-              <a:rPr lang="en-US" dirty="0" smtClean="0"/>
-              <a:t>US </a:t>
-            </a:r>
-            <a:r>
-              <a:rPr lang="en-US" dirty="0" err="1" smtClean="0"/>
-              <a:t>Gov</a:t>
-            </a:r>
-            <a:r>
-              <a:rPr lang="en-US" dirty="0" smtClean="0"/>
-              <a:t> Virginia	Virginia</a:t>
-            </a:r>
-          </a:p>
-          <a:p>
-            <a:r>
-              <a:rPr lang="en-US" dirty="0" smtClean="0"/>
-              <a:t>North Central US	Illinois</a:t>
-            </a:r>
-          </a:p>
-          <a:p>
-            <a:r>
-              <a:rPr lang="en-US" dirty="0" smtClean="0"/>
-              <a:t>South Central US	Texas</a:t>
-            </a:r>
-          </a:p>
-          <a:p>
-            <a:r>
-              <a:rPr lang="en-US" dirty="0" smtClean="0"/>
-              <a:t>West US	California</a:t>
-            </a:r>
-          </a:p>
-          <a:p>
-            <a:r>
-              <a:rPr lang="en-US" dirty="0" smtClean="0"/>
-              <a:t>North Europe	Ireland</a:t>
-            </a:r>
-          </a:p>
-          <a:p>
-            <a:r>
-              <a:rPr lang="en-US" dirty="0" smtClean="0"/>
-              <a:t>West Europe	Netherlands</a:t>
-            </a:r>
-          </a:p>
-          <a:p>
-            <a:r>
-              <a:rPr lang="en-US" dirty="0" smtClean="0"/>
-              <a:t>East Asia	Hong Kong</a:t>
-            </a:r>
-          </a:p>
-          <a:p>
-            <a:r>
-              <a:rPr lang="en-US" dirty="0" smtClean="0"/>
-              <a:t>Southeast Asia	Singapore</a:t>
-            </a:r>
-          </a:p>
-          <a:p>
-            <a:r>
-              <a:rPr lang="en-US" dirty="0" smtClean="0"/>
-              <a:t>Japan East	Tokyo, Saitama</a:t>
-            </a:r>
-          </a:p>
-          <a:p>
-            <a:r>
-              <a:rPr lang="en-US" dirty="0" smtClean="0"/>
-              <a:t>Japan West	Osaka</a:t>
-            </a:r>
-          </a:p>
-          <a:p>
-            <a:r>
-              <a:rPr lang="en-US" dirty="0" smtClean="0"/>
-              <a:t>Brazil South	Sao Paulo State</a:t>
-            </a:r>
-          </a:p>
-          <a:p>
-            <a:r>
-              <a:rPr lang="en-US" dirty="0" smtClean="0"/>
-              <a:t>Australia East	New South Wales</a:t>
-            </a:r>
-          </a:p>
-          <a:p>
-            <a:r>
-              <a:rPr lang="en-US" dirty="0" smtClean="0"/>
-              <a:t>Australia Southeast	</a:t>
-            </a:r>
-            <a:r>
-              <a:rPr lang="en-US" dirty="0" err="1" smtClean="0"/>
-              <a:t>Victoriam</a:t>
-            </a:r>
-            <a:r>
-              <a:rPr lang="en-US" dirty="0" smtClean="0"/>
-              <a:t>/</a:t>
-            </a:r>
-            <a:r>
-              <a:rPr lang="en-US" dirty="0" err="1" smtClean="0"/>
-              <a:t>en</a:t>
-            </a:r>
-            <a:r>
-              <a:rPr lang="en-US" dirty="0" smtClean="0"/>
-              <a:t>-us/regions/</a:t>
-            </a:r>
-            <a:endParaRPr lang="ru-RU" dirty="0"/>
-          </a:p>
-        </p:txBody>
-      </p:sp>
-      <p:sp>
-        <p:nvSpPr>
-          <p:cNvPr id="4" name="Slide Number Placeholder 3"/>
-          <p:cNvSpPr>
-            <a:spLocks noGrp="1"/>
-          </p:cNvSpPr>
-          <p:nvPr>
-            <p:ph type="sldNum" sz="quarter" idx="10"/>
-          </p:nvPr>
-        </p:nvSpPr>
-        <p:spPr/>
-        <p:txBody>
-          <a:bodyPr/>
-          <a:lstStyle/>
-          <a:p>
-            <a:fld id="{4D78249E-5ACD-4E52-A408-9BB999BD2D41}" type="slidenum">
-              <a:rPr lang="en-US" smtClean="0"/>
-              <a:pPr/>
-              <a:t>10</a:t>
-            </a:fld>
-            <a:endParaRPr lang="en-US"/>
-          </a:p>
-        </p:txBody>
-      </p:sp>
-    </p:spTree>
-    <p:extLst>
-      <p:ext uri="{BB962C8B-B14F-4D97-AF65-F5344CB8AC3E}">
-        <p14:creationId xmlns:p14="http://schemas.microsoft.com/office/powerpoint/2010/main" val="830190394"/>
       </p:ext>
     </p:extLst>
   </p:cSld>
@@ -24380,7 +26665,7 @@
             <a:fld id="{5B106E36-FD25-4E2D-B0AA-010F637433A0}" type="datetimeFigureOut">
               <a:rPr lang="ru-RU" smtClean="0"/>
               <a:pPr/>
-              <a:t>14.06.2015</a:t>
+              <a:t>15.06.2015</a:t>
             </a:fld>
             <a:endParaRPr lang="ru-RU"/>
           </a:p>
@@ -24652,7 +26937,7 @@
             <a:fld id="{5B106E36-FD25-4E2D-B0AA-010F637433A0}" type="datetimeFigureOut">
               <a:rPr lang="ru-RU" smtClean="0"/>
               <a:pPr/>
-              <a:t>14.06.2015</a:t>
+              <a:t>15.06.2015</a:t>
             </a:fld>
             <a:endParaRPr lang="ru-RU"/>
           </a:p>
@@ -24845,7 +27130,7 @@
             <a:fld id="{5B106E36-FD25-4E2D-B0AA-010F637433A0}" type="datetimeFigureOut">
               <a:rPr lang="ru-RU" smtClean="0"/>
               <a:pPr/>
-              <a:t>14.06.2015</a:t>
+              <a:t>15.06.2015</a:t>
             </a:fld>
             <a:endParaRPr lang="ru-RU"/>
           </a:p>
@@ -25311,7 +27596,7 @@
             <a:fld id="{5B106E36-FD25-4E2D-B0AA-010F637433A0}" type="datetimeFigureOut">
               <a:rPr lang="ru-RU" smtClean="0"/>
               <a:pPr/>
-              <a:t>14.06.2015</a:t>
+              <a:t>15.06.2015</a:t>
             </a:fld>
             <a:endParaRPr lang="ru-RU"/>
           </a:p>
@@ -25602,7 +27887,7 @@
             <a:fld id="{5B106E36-FD25-4E2D-B0AA-010F637433A0}" type="datetimeFigureOut">
               <a:rPr lang="ru-RU" smtClean="0"/>
               <a:pPr/>
-              <a:t>14.06.2015</a:t>
+              <a:t>15.06.2015</a:t>
             </a:fld>
             <a:endParaRPr lang="ru-RU"/>
           </a:p>
@@ -25903,7 +28188,7 @@
             <a:fld id="{5B106E36-FD25-4E2D-B0AA-010F637433A0}" type="datetimeFigureOut">
               <a:rPr lang="ru-RU" smtClean="0"/>
               <a:pPr/>
-              <a:t>14.06.2015</a:t>
+              <a:t>15.06.2015</a:t>
             </a:fld>
             <a:endParaRPr lang="ru-RU"/>
           </a:p>
@@ -26338,7 +28623,7 @@
             <a:fld id="{5B106E36-FD25-4E2D-B0AA-010F637433A0}" type="datetimeFigureOut">
               <a:rPr lang="ru-RU" smtClean="0"/>
               <a:pPr/>
-              <a:t>14.06.2015</a:t>
+              <a:t>15.06.2015</a:t>
             </a:fld>
             <a:endParaRPr lang="ru-RU"/>
           </a:p>
@@ -26515,7 +28800,7 @@
             <a:fld id="{5B106E36-FD25-4E2D-B0AA-010F637433A0}" type="datetimeFigureOut">
               <a:rPr lang="ru-RU" smtClean="0"/>
               <a:pPr/>
-              <a:t>14.06.2015</a:t>
+              <a:t>15.06.2015</a:t>
             </a:fld>
             <a:endParaRPr lang="ru-RU"/>
           </a:p>
@@ -26655,7 +28940,7 @@
             <a:fld id="{5B106E36-FD25-4E2D-B0AA-010F637433A0}" type="datetimeFigureOut">
               <a:rPr lang="ru-RU" smtClean="0"/>
               <a:pPr/>
-              <a:t>14.06.2015</a:t>
+              <a:t>15.06.2015</a:t>
             </a:fld>
             <a:endParaRPr lang="ru-RU"/>
           </a:p>
@@ -26977,7 +29262,7 @@
             <a:fld id="{5B106E36-FD25-4E2D-B0AA-010F637433A0}" type="datetimeFigureOut">
               <a:rPr lang="ru-RU" smtClean="0"/>
               <a:pPr/>
-              <a:t>14.06.2015</a:t>
+              <a:t>15.06.2015</a:t>
             </a:fld>
             <a:endParaRPr lang="ru-RU"/>
           </a:p>
@@ -27238,7 +29523,7 @@
             <a:fld id="{5B106E36-FD25-4E2D-B0AA-010F637433A0}" type="datetimeFigureOut">
               <a:rPr lang="ru-RU" smtClean="0"/>
               <a:pPr/>
-              <a:t>14.06.2015</a:t>
+              <a:t>15.06.2015</a:t>
             </a:fld>
             <a:endParaRPr lang="ru-RU"/>
           </a:p>
@@ -27458,7 +29743,7 @@
             <a:fld id="{5B106E36-FD25-4E2D-B0AA-010F637433A0}" type="datetimeFigureOut">
               <a:rPr lang="ru-RU" smtClean="0"/>
               <a:pPr/>
-              <a:t>14.06.2015</a:t>
+              <a:t>15.06.2015</a:t>
             </a:fld>
             <a:endParaRPr lang="ru-RU"/>
           </a:p>
@@ -28165,6 +30450,85 @@
           <a:p>
             <a:r>
               <a:rPr lang="en-US" dirty="0" smtClean="0"/>
+              <a:t>Payments</a:t>
+            </a:r>
+            <a:endParaRPr lang="ru-RU" dirty="0"/>
+          </a:p>
+        </p:txBody>
+      </p:sp>
+      <p:sp>
+        <p:nvSpPr>
+          <p:cNvPr id="3" name="Content Placeholder 2"/>
+          <p:cNvSpPr>
+            <a:spLocks noGrp="1"/>
+          </p:cNvSpPr>
+          <p:nvPr>
+            <p:ph idx="1"/>
+          </p:nvPr>
+        </p:nvSpPr>
+        <p:spPr/>
+        <p:txBody>
+          <a:bodyPr/>
+          <a:lstStyle/>
+          <a:p>
+            <a:endParaRPr lang="ru-RU" dirty="0"/>
+          </a:p>
+        </p:txBody>
+      </p:sp>
+    </p:spTree>
+    <p:extLst>
+      <p:ext uri="{BB962C8B-B14F-4D97-AF65-F5344CB8AC3E}">
+        <p14:creationId xmlns:p14="http://schemas.microsoft.com/office/powerpoint/2010/main" val="384515943"/>
+      </p:ext>
+    </p:extLst>
+  </p:cSld>
+  <p:clrMapOvr>
+    <a:masterClrMapping/>
+  </p:clrMapOvr>
+  <p:timing>
+    <p:tnLst>
+      <p:par>
+        <p:cTn id="1" dur="indefinite" restart="never" nodeType="tmRoot"/>
+      </p:par>
+    </p:tnLst>
+  </p:timing>
+</p:sld>
+</file>
+
+<file path=ppt/slides/slide11.xml><?xml version="1.0" encoding="utf-8"?>
+<p:sld xmlns:a="http://schemas.openxmlformats.org/drawingml/2006/main" xmlns:r="http://schemas.openxmlformats.org/officeDocument/2006/relationships" xmlns:p="http://schemas.openxmlformats.org/presentationml/2006/main">
+  <p:cSld>
+    <p:spTree>
+      <p:nvGrpSpPr>
+        <p:cNvPr id="1" name=""/>
+        <p:cNvGrpSpPr/>
+        <p:nvPr/>
+      </p:nvGrpSpPr>
+      <p:grpSpPr>
+        <a:xfrm>
+          <a:off x="0" y="0"/>
+          <a:ext cx="0" cy="0"/>
+          <a:chOff x="0" y="0"/>
+          <a:chExt cx="0" cy="0"/>
+        </a:xfrm>
+      </p:grpSpPr>
+      <p:sp>
+        <p:nvSpPr>
+          <p:cNvPr id="2" name="Title 1"/>
+          <p:cNvSpPr>
+            <a:spLocks noGrp="1"/>
+          </p:cNvSpPr>
+          <p:nvPr>
+            <p:ph type="title"/>
+          </p:nvPr>
+        </p:nvSpPr>
+        <p:spPr/>
+        <p:txBody>
+          <a:bodyPr/>
+          <a:lstStyle/>
+          <a:p>
+            <a:r>
+              <a:rPr lang="en-US" dirty="0" smtClean="0"/>
               <a:t>Azure Geography</a:t>
             </a:r>
             <a:endParaRPr lang="ru-RU" dirty="0"/>
@@ -28338,7 +30702,7 @@
 </p:sld>
 </file>
 
-<file path=ppt/slides/slide11.xml><?xml version="1.0" encoding="utf-8"?>
+<file path=ppt/slides/slide12.xml><?xml version="1.0" encoding="utf-8"?>
 <p:sld xmlns:a="http://schemas.openxmlformats.org/drawingml/2006/main" xmlns:r="http://schemas.openxmlformats.org/officeDocument/2006/relationships" xmlns:p="http://schemas.openxmlformats.org/presentationml/2006/main">
   <p:cSld>
     <p:spTree>
@@ -35981,7 +38345,7 @@
 </p:sld>
 </file>
 
-<file path=ppt/slides/slide12.xml><?xml version="1.0" encoding="utf-8"?>
+<file path=ppt/slides/slide13.xml><?xml version="1.0" encoding="utf-8"?>
 <p:sld xmlns:a="http://schemas.openxmlformats.org/drawingml/2006/main" xmlns:r="http://schemas.openxmlformats.org/officeDocument/2006/relationships" xmlns:p="http://schemas.openxmlformats.org/presentationml/2006/main">
   <p:cSld>
     <p:spTree>
@@ -36148,7 +38512,7 @@
 </p:sld>
 </file>
 
-<file path=ppt/slides/slide13.xml><?xml version="1.0" encoding="utf-8"?>
+<file path=ppt/slides/slide14.xml><?xml version="1.0" encoding="utf-8"?>
 <p:sld xmlns:a="http://schemas.openxmlformats.org/drawingml/2006/main" xmlns:r="http://schemas.openxmlformats.org/officeDocument/2006/relationships" xmlns:p="http://schemas.openxmlformats.org/presentationml/2006/main">
   <p:cSld>
     <p:spTree>
@@ -36335,7 +38699,7 @@
 </p:sld>
 </file>
 
-<file path=ppt/slides/slide14.xml><?xml version="1.0" encoding="utf-8"?>
+<file path=ppt/slides/slide15.xml><?xml version="1.0" encoding="utf-8"?>
 <p:sld xmlns:a="http://schemas.openxmlformats.org/drawingml/2006/main" xmlns:r="http://schemas.openxmlformats.org/officeDocument/2006/relationships" xmlns:p="http://schemas.openxmlformats.org/presentationml/2006/main">
   <p:cSld>
     <p:spTree>
@@ -36362,49 +38726,52 @@
             <p:ph type="title"/>
           </p:nvPr>
         </p:nvSpPr>
-        <p:spPr/>
+        <p:spPr>
+          <a:xfrm>
+            <a:off x="1415480" y="4406903"/>
+            <a:ext cx="10776520" cy="1362075"/>
+          </a:xfrm>
+        </p:spPr>
         <p:txBody>
           <a:bodyPr/>
           <a:lstStyle/>
           <a:p>
+            <a:pPr algn="ctr"/>
             <a:r>
-              <a:rPr lang="en-US" dirty="0" smtClean="0"/>
+              <a:rPr lang="en-US" dirty="0" smtClean="0">
+                <a:solidFill>
+                  <a:srgbClr val="00B0F0"/>
+                </a:solidFill>
+              </a:rPr>
               <a:t>From </a:t>
             </a:r>
             <a:r>
-              <a:rPr lang="en-US" dirty="0"/>
+              <a:rPr lang="en-US" dirty="0">
+                <a:solidFill>
+                  <a:srgbClr val="00B0F0"/>
+                </a:solidFill>
+              </a:rPr>
               <a:t>Words to </a:t>
             </a:r>
             <a:r>
-              <a:rPr lang="en-US" dirty="0" smtClean="0"/>
-              <a:t>Deeds </a:t>
+              <a:rPr lang="en-US" dirty="0" smtClean="0">
+                <a:solidFill>
+                  <a:srgbClr val="00B0F0"/>
+                </a:solidFill>
+              </a:rPr>
+              <a:t>Deeds</a:t>
             </a:r>
-            <a:endParaRPr lang="ru-RU" dirty="0"/>
-          </a:p>
-        </p:txBody>
-      </p:sp>
-      <p:sp>
-        <p:nvSpPr>
-          <p:cNvPr id="4" name="Text Placeholder 3"/>
-          <p:cNvSpPr>
-            <a:spLocks noGrp="1"/>
-          </p:cNvSpPr>
-          <p:nvPr>
-            <p:ph type="body" idx="1"/>
-          </p:nvPr>
-        </p:nvSpPr>
-        <p:spPr/>
-        <p:txBody>
-          <a:bodyPr/>
-          <a:lstStyle/>
-          <a:p>
-            <a:endParaRPr lang="ru-RU"/>
+            <a:endParaRPr lang="ru-RU" dirty="0">
+              <a:solidFill>
+                <a:srgbClr val="00B0F0"/>
+              </a:solidFill>
+            </a:endParaRPr>
           </a:p>
         </p:txBody>
       </p:sp>
       <p:pic>
         <p:nvPicPr>
-          <p:cNvPr id="10244" name="Picture 4" descr="http://cliparts.co/cliparts/pi7/KgG/pi7KgGMAT.jpg"/>
+          <p:cNvPr id="10244" name="Picture 4"/>
           <p:cNvPicPr>
             <a:picLocks noChangeAspect="1" noChangeArrowheads="1"/>
           </p:cNvPicPr>
@@ -36418,15 +38785,14 @@
               </a:ext>
             </a:extLst>
           </a:blip>
-          <a:srcRect/>
           <a:stretch>
             <a:fillRect/>
           </a:stretch>
         </p:blipFill>
         <p:spPr bwMode="auto">
           <a:xfrm>
-            <a:off x="5519936" y="1678042"/>
-            <a:ext cx="2428447" cy="2448272"/>
+            <a:off x="5591784" y="1484784"/>
+            <a:ext cx="2423911" cy="2448272"/>
           </a:xfrm>
           <a:prstGeom prst="rect">
             <a:avLst/>
@@ -36456,14 +38822,93 @@
   <p:timing>
     <p:tnLst>
       <p:par>
-        <p:cTn id="1" dur="indefinite" restart="never" nodeType="tmRoot"/>
+        <p:cTn id="1" dur="indefinite" restart="never" nodeType="tmRoot">
+          <p:childTnLst>
+            <p:seq concurrent="1" nextAc="seek">
+              <p:cTn id="2" dur="indefinite" nodeType="mainSeq">
+                <p:childTnLst>
+                  <p:par>
+                    <p:cTn id="3" fill="hold">
+                      <p:stCondLst>
+                        <p:cond delay="indefinite"/>
+                        <p:cond evt="onBegin" delay="0">
+                          <p:tn val="2"/>
+                        </p:cond>
+                      </p:stCondLst>
+                      <p:childTnLst>
+                        <p:par>
+                          <p:cTn id="4" fill="hold">
+                            <p:stCondLst>
+                              <p:cond delay="0"/>
+                            </p:stCondLst>
+                            <p:childTnLst>
+                              <p:par>
+                                <p:cTn id="5" presetID="10" presetClass="entr" presetSubtype="0" fill="hold" nodeType="withEffect">
+                                  <p:stCondLst>
+                                    <p:cond delay="0"/>
+                                  </p:stCondLst>
+                                  <p:childTnLst>
+                                    <p:set>
+                                      <p:cBhvr>
+                                        <p:cTn id="6" dur="1" fill="hold">
+                                          <p:stCondLst>
+                                            <p:cond delay="0"/>
+                                          </p:stCondLst>
+                                        </p:cTn>
+                                        <p:tgtEl>
+                                          <p:spTgt spid="10244"/>
+                                        </p:tgtEl>
+                                        <p:attrNameLst>
+                                          <p:attrName>style.visibility</p:attrName>
+                                        </p:attrNameLst>
+                                      </p:cBhvr>
+                                      <p:to>
+                                        <p:strVal val="visible"/>
+                                      </p:to>
+                                    </p:set>
+                                    <p:animEffect transition="in" filter="fade">
+                                      <p:cBhvr>
+                                        <p:cTn id="7" dur="1000"/>
+                                        <p:tgtEl>
+                                          <p:spTgt spid="10244"/>
+                                        </p:tgtEl>
+                                      </p:cBhvr>
+                                    </p:animEffect>
+                                  </p:childTnLst>
+                                </p:cTn>
+                              </p:par>
+                            </p:childTnLst>
+                          </p:cTn>
+                        </p:par>
+                      </p:childTnLst>
+                    </p:cTn>
+                  </p:par>
+                </p:childTnLst>
+              </p:cTn>
+              <p:prevCondLst>
+                <p:cond evt="onPrev" delay="0">
+                  <p:tgtEl>
+                    <p:sldTgt/>
+                  </p:tgtEl>
+                </p:cond>
+              </p:prevCondLst>
+              <p:nextCondLst>
+                <p:cond evt="onNext" delay="0">
+                  <p:tgtEl>
+                    <p:sldTgt/>
+                  </p:tgtEl>
+                </p:cond>
+              </p:nextCondLst>
+            </p:seq>
+          </p:childTnLst>
+        </p:cTn>
       </p:par>
     </p:tnLst>
   </p:timing>
 </p:sld>
 </file>
 
-<file path=ppt/slides/slide15.xml><?xml version="1.0" encoding="utf-8"?>
+<file path=ppt/slides/slide16.xml><?xml version="1.0" encoding="utf-8"?>
 <p:sld xmlns:a="http://schemas.openxmlformats.org/drawingml/2006/main" xmlns:r="http://schemas.openxmlformats.org/officeDocument/2006/relationships" xmlns:p="http://schemas.openxmlformats.org/presentationml/2006/main">
   <p:cSld>
     <p:spTree>
@@ -36503,25 +38948,137 @@
           </a:p>
         </p:txBody>
       </p:sp>
-      <p:sp>
-        <p:nvSpPr>
-          <p:cNvPr id="5" name="Content Placeholder 4"/>
-          <p:cNvSpPr>
-            <a:spLocks noGrp="1"/>
-          </p:cNvSpPr>
-          <p:nvPr>
-            <p:ph idx="1"/>
-          </p:nvPr>
-        </p:nvSpPr>
-        <p:spPr/>
-        <p:txBody>
-          <a:bodyPr/>
-          <a:lstStyle/>
-          <a:p>
-            <a:endParaRPr lang="ru-RU" dirty="0"/>
-          </a:p>
-        </p:txBody>
-      </p:sp>
+      <p:grpSp>
+        <p:nvGrpSpPr>
+          <p:cNvPr id="3" name="Group 2"/>
+          <p:cNvGrpSpPr/>
+          <p:nvPr/>
+        </p:nvGrpSpPr>
+        <p:grpSpPr>
+          <a:xfrm>
+            <a:off x="1703512" y="1556792"/>
+            <a:ext cx="10271385" cy="4320480"/>
+            <a:chOff x="1775520" y="1484784"/>
+            <a:chExt cx="10271385" cy="4320480"/>
+          </a:xfrm>
+        </p:grpSpPr>
+        <p:sp>
+          <p:nvSpPr>
+            <p:cNvPr id="9" name="Rectangle 8"/>
+            <p:cNvSpPr/>
+            <p:nvPr/>
+          </p:nvSpPr>
+          <p:spPr>
+            <a:xfrm>
+              <a:off x="1775520" y="1750400"/>
+              <a:ext cx="10271385" cy="4054864"/>
+            </a:xfrm>
+            <a:prstGeom prst="rect">
+              <a:avLst/>
+            </a:prstGeom>
+            <a:solidFill>
+              <a:schemeClr val="bg1"/>
+            </a:solidFill>
+            <a:ln>
+              <a:solidFill>
+                <a:srgbClr val="CC0000"/>
+              </a:solidFill>
+            </a:ln>
+          </p:spPr>
+          <p:style>
+            <a:lnRef idx="2">
+              <a:schemeClr val="accent1">
+                <a:shade val="50000"/>
+              </a:schemeClr>
+            </a:lnRef>
+            <a:fillRef idx="1">
+              <a:schemeClr val="accent1"/>
+            </a:fillRef>
+            <a:effectRef idx="0">
+              <a:schemeClr val="accent1"/>
+            </a:effectRef>
+            <a:fontRef idx="minor">
+              <a:schemeClr val="lt1"/>
+            </a:fontRef>
+          </p:style>
+          <p:txBody>
+            <a:bodyPr rtlCol="0" anchor="ctr"/>
+            <a:lstStyle/>
+            <a:p>
+              <a:pPr algn="ctr"/>
+              <a:endParaRPr lang="ru-RU"/>
+            </a:p>
+          </p:txBody>
+        </p:sp>
+        <p:pic>
+          <p:nvPicPr>
+            <p:cNvPr id="11" name="Picture 10"/>
+            <p:cNvPicPr>
+              <a:picLocks noChangeAspect="1"/>
+            </p:cNvPicPr>
+            <p:nvPr/>
+          </p:nvPicPr>
+          <p:blipFill>
+            <a:blip r:embed="rId3"/>
+            <a:stretch>
+              <a:fillRect/>
+            </a:stretch>
+          </p:blipFill>
+          <p:spPr>
+            <a:xfrm>
+              <a:off x="1916538" y="2018162"/>
+              <a:ext cx="9989348" cy="3519340"/>
+            </a:xfrm>
+            <a:prstGeom prst="rect">
+              <a:avLst/>
+            </a:prstGeom>
+          </p:spPr>
+        </p:pic>
+        <p:sp>
+          <p:nvSpPr>
+            <p:cNvPr id="13" name="Rectangle 12"/>
+            <p:cNvSpPr/>
+            <p:nvPr/>
+          </p:nvSpPr>
+          <p:spPr>
+            <a:xfrm>
+              <a:off x="10534737" y="1484784"/>
+              <a:ext cx="1512168" cy="389318"/>
+            </a:xfrm>
+            <a:prstGeom prst="rect">
+              <a:avLst/>
+            </a:prstGeom>
+          </p:spPr>
+          <p:style>
+            <a:lnRef idx="2">
+              <a:schemeClr val="accent2">
+                <a:shade val="50000"/>
+              </a:schemeClr>
+            </a:lnRef>
+            <a:fillRef idx="1">
+              <a:schemeClr val="accent2"/>
+            </a:fillRef>
+            <a:effectRef idx="0">
+              <a:schemeClr val="accent2"/>
+            </a:effectRef>
+            <a:fontRef idx="minor">
+              <a:schemeClr val="lt1"/>
+            </a:fontRef>
+          </p:style>
+          <p:txBody>
+            <a:bodyPr rtlCol="0" anchor="ctr"/>
+            <a:lstStyle/>
+            <a:p>
+              <a:pPr algn="ctr"/>
+              <a:r>
+                <a:rPr lang="en-US" dirty="0" smtClean="0"/>
+                <a:t>Screenshot</a:t>
+              </a:r>
+              <a:endParaRPr lang="ru-RU" dirty="0"/>
+            </a:p>
+          </p:txBody>
+        </p:sp>
+      </p:grpSp>
     </p:spTree>
     <p:extLst>
       <p:ext uri="{BB962C8B-B14F-4D97-AF65-F5344CB8AC3E}">
@@ -36535,14 +39092,93 @@
   <p:timing>
     <p:tnLst>
       <p:par>
-        <p:cTn id="1" dur="indefinite" restart="never" nodeType="tmRoot"/>
+        <p:cTn id="1" dur="indefinite" restart="never" nodeType="tmRoot">
+          <p:childTnLst>
+            <p:seq concurrent="1" nextAc="seek">
+              <p:cTn id="2" dur="indefinite" nodeType="mainSeq">
+                <p:childTnLst>
+                  <p:par>
+                    <p:cTn id="3" fill="hold">
+                      <p:stCondLst>
+                        <p:cond delay="indefinite"/>
+                        <p:cond evt="onBegin" delay="0">
+                          <p:tn val="2"/>
+                        </p:cond>
+                      </p:stCondLst>
+                      <p:childTnLst>
+                        <p:par>
+                          <p:cTn id="4" fill="hold">
+                            <p:stCondLst>
+                              <p:cond delay="0"/>
+                            </p:stCondLst>
+                            <p:childTnLst>
+                              <p:par>
+                                <p:cTn id="5" presetID="10" presetClass="entr" presetSubtype="0" fill="hold" nodeType="withEffect">
+                                  <p:stCondLst>
+                                    <p:cond delay="0"/>
+                                  </p:stCondLst>
+                                  <p:childTnLst>
+                                    <p:set>
+                                      <p:cBhvr>
+                                        <p:cTn id="6" dur="1" fill="hold">
+                                          <p:stCondLst>
+                                            <p:cond delay="0"/>
+                                          </p:stCondLst>
+                                        </p:cTn>
+                                        <p:tgtEl>
+                                          <p:spTgt spid="3"/>
+                                        </p:tgtEl>
+                                        <p:attrNameLst>
+                                          <p:attrName>style.visibility</p:attrName>
+                                        </p:attrNameLst>
+                                      </p:cBhvr>
+                                      <p:to>
+                                        <p:strVal val="visible"/>
+                                      </p:to>
+                                    </p:set>
+                                    <p:animEffect transition="in" filter="fade">
+                                      <p:cBhvr>
+                                        <p:cTn id="7" dur="1000"/>
+                                        <p:tgtEl>
+                                          <p:spTgt spid="3"/>
+                                        </p:tgtEl>
+                                      </p:cBhvr>
+                                    </p:animEffect>
+                                  </p:childTnLst>
+                                </p:cTn>
+                              </p:par>
+                            </p:childTnLst>
+                          </p:cTn>
+                        </p:par>
+                      </p:childTnLst>
+                    </p:cTn>
+                  </p:par>
+                </p:childTnLst>
+              </p:cTn>
+              <p:prevCondLst>
+                <p:cond evt="onPrev" delay="0">
+                  <p:tgtEl>
+                    <p:sldTgt/>
+                  </p:tgtEl>
+                </p:cond>
+              </p:prevCondLst>
+              <p:nextCondLst>
+                <p:cond evt="onNext" delay="0">
+                  <p:tgtEl>
+                    <p:sldTgt/>
+                  </p:tgtEl>
+                </p:cond>
+              </p:nextCondLst>
+            </p:seq>
+          </p:childTnLst>
+        </p:cTn>
       </p:par>
     </p:tnLst>
   </p:timing>
 </p:sld>
 </file>
 
-<file path=ppt/slides/slide16.xml><?xml version="1.0" encoding="utf-8"?>
+<file path=ppt/slides/slide17.xml><?xml version="1.0" encoding="utf-8"?>
 <p:sld xmlns:a="http://schemas.openxmlformats.org/drawingml/2006/main" xmlns:r="http://schemas.openxmlformats.org/officeDocument/2006/relationships" xmlns:p="http://schemas.openxmlformats.org/presentationml/2006/main">
   <p:cSld>
     <p:spTree>
@@ -36592,7 +39228,12 @@
             <p:ph idx="1"/>
           </p:nvPr>
         </p:nvSpPr>
-        <p:spPr/>
+        <p:spPr>
+          <a:xfrm>
+            <a:off x="2133600" y="1484784"/>
+            <a:ext cx="9652000" cy="4525963"/>
+          </a:xfrm>
+        </p:spPr>
         <p:txBody>
           <a:bodyPr/>
           <a:lstStyle/>
@@ -36703,7 +39344,7 @@
 </p:sld>
 </file>
 
-<file path=ppt/slides/slide17.xml><?xml version="1.0" encoding="utf-8"?>
+<file path=ppt/slides/slide18.xml><?xml version="1.0" encoding="utf-8"?>
 <p:sld xmlns:a="http://schemas.openxmlformats.org/drawingml/2006/main" xmlns:r="http://schemas.openxmlformats.org/officeDocument/2006/relationships" xmlns:p="http://schemas.openxmlformats.org/presentationml/2006/main">
   <p:cSld>
     <p:spTree>
@@ -37083,7 +39724,7 @@
 </p:sld>
 </file>
 
-<file path=ppt/slides/slide18.xml><?xml version="1.0" encoding="utf-8"?>
+<file path=ppt/slides/slide19.xml><?xml version="1.0" encoding="utf-8"?>
 <p:sld xmlns:a="http://schemas.openxmlformats.org/drawingml/2006/main" xmlns:r="http://schemas.openxmlformats.org/officeDocument/2006/relationships" xmlns:p="http://schemas.openxmlformats.org/presentationml/2006/main">
   <p:cSld>
     <p:spTree>
@@ -37110,42 +39751,269 @@
             <p:ph type="title"/>
           </p:nvPr>
         </p:nvSpPr>
-        <p:spPr/>
+        <p:spPr>
+          <a:xfrm>
+            <a:off x="1415480" y="4437112"/>
+            <a:ext cx="10776520" cy="1362075"/>
+          </a:xfrm>
+        </p:spPr>
         <p:txBody>
           <a:bodyPr/>
           <a:lstStyle/>
           <a:p>
+            <a:pPr algn="ctr"/>
             <a:r>
-              <a:rPr lang="en-US" dirty="0" smtClean="0"/>
+              <a:rPr lang="en-US" dirty="0" smtClean="0">
+                <a:solidFill>
+                  <a:srgbClr val="00B0F0"/>
+                </a:solidFill>
+              </a:rPr>
               <a:t>App Service (Web App)</a:t>
             </a:r>
-            <a:endParaRPr lang="ru-RU" dirty="0"/>
+            <a:endParaRPr lang="ru-RU" dirty="0">
+              <a:solidFill>
+                <a:srgbClr val="00B0F0"/>
+              </a:solidFill>
+            </a:endParaRPr>
           </a:p>
         </p:txBody>
       </p:sp>
+      <p:pic>
+        <p:nvPicPr>
+          <p:cNvPr id="6" name="Picture 5"/>
+          <p:cNvPicPr>
+            <a:picLocks noChangeAspect="1"/>
+          </p:cNvPicPr>
+          <p:nvPr/>
+        </p:nvPicPr>
+        <p:blipFill>
+          <a:blip r:embed="rId3">
+            <a:extLst>
+              <a:ext uri="{28A0092B-C50C-407E-A947-70E740481C1C}">
+                <a14:useLocalDpi xmlns:a14="http://schemas.microsoft.com/office/drawing/2010/main" val="0"/>
+              </a:ext>
+            </a:extLst>
+          </a:blip>
+          <a:stretch>
+            <a:fillRect/>
+          </a:stretch>
+        </p:blipFill>
+        <p:spPr>
+          <a:xfrm>
+            <a:off x="5787652" y="1844824"/>
+            <a:ext cx="2032176" cy="2032176"/>
+          </a:xfrm>
+          <a:prstGeom prst="rect">
+            <a:avLst/>
+          </a:prstGeom>
+        </p:spPr>
+      </p:pic>
+    </p:spTree>
+    <p:extLst>
+      <p:ext uri="{BB962C8B-B14F-4D97-AF65-F5344CB8AC3E}">
+        <p14:creationId xmlns:p14="http://schemas.microsoft.com/office/powerpoint/2010/main" val="3011076358"/>
+      </p:ext>
+    </p:extLst>
+  </p:cSld>
+  <p:clrMapOvr>
+    <a:masterClrMapping/>
+  </p:clrMapOvr>
+  <p:timing>
+    <p:tnLst>
+      <p:par>
+        <p:cTn id="1" dur="indefinite" restart="never" nodeType="tmRoot">
+          <p:childTnLst>
+            <p:seq concurrent="1" nextAc="seek">
+              <p:cTn id="2" dur="indefinite" nodeType="mainSeq">
+                <p:childTnLst>
+                  <p:par>
+                    <p:cTn id="3" fill="hold">
+                      <p:stCondLst>
+                        <p:cond delay="indefinite"/>
+                        <p:cond evt="onBegin" delay="0">
+                          <p:tn val="2"/>
+                        </p:cond>
+                      </p:stCondLst>
+                      <p:childTnLst>
+                        <p:par>
+                          <p:cTn id="4" fill="hold">
+                            <p:stCondLst>
+                              <p:cond delay="0"/>
+                            </p:stCondLst>
+                            <p:childTnLst>
+                              <p:par>
+                                <p:cTn id="5" presetID="10" presetClass="entr" presetSubtype="0" fill="hold" nodeType="withEffect">
+                                  <p:stCondLst>
+                                    <p:cond delay="0"/>
+                                  </p:stCondLst>
+                                  <p:childTnLst>
+                                    <p:set>
+                                      <p:cBhvr>
+                                        <p:cTn id="6" dur="1" fill="hold">
+                                          <p:stCondLst>
+                                            <p:cond delay="0"/>
+                                          </p:stCondLst>
+                                        </p:cTn>
+                                        <p:tgtEl>
+                                          <p:spTgt spid="6"/>
+                                        </p:tgtEl>
+                                        <p:attrNameLst>
+                                          <p:attrName>style.visibility</p:attrName>
+                                        </p:attrNameLst>
+                                      </p:cBhvr>
+                                      <p:to>
+                                        <p:strVal val="visible"/>
+                                      </p:to>
+                                    </p:set>
+                                    <p:animEffect transition="in" filter="fade">
+                                      <p:cBhvr>
+                                        <p:cTn id="7" dur="1000"/>
+                                        <p:tgtEl>
+                                          <p:spTgt spid="6"/>
+                                        </p:tgtEl>
+                                      </p:cBhvr>
+                                    </p:animEffect>
+                                  </p:childTnLst>
+                                </p:cTn>
+                              </p:par>
+                            </p:childTnLst>
+                          </p:cTn>
+                        </p:par>
+                      </p:childTnLst>
+                    </p:cTn>
+                  </p:par>
+                </p:childTnLst>
+              </p:cTn>
+              <p:prevCondLst>
+                <p:cond evt="onPrev" delay="0">
+                  <p:tgtEl>
+                    <p:sldTgt/>
+                  </p:tgtEl>
+                </p:cond>
+              </p:prevCondLst>
+              <p:nextCondLst>
+                <p:cond evt="onNext" delay="0">
+                  <p:tgtEl>
+                    <p:sldTgt/>
+                  </p:tgtEl>
+                </p:cond>
+              </p:nextCondLst>
+            </p:seq>
+          </p:childTnLst>
+        </p:cTn>
+      </p:par>
+    </p:tnLst>
+  </p:timing>
+</p:sld>
+</file>
+
+<file path=ppt/slides/slide2.xml><?xml version="1.0" encoding="utf-8"?>
+<p:sld xmlns:a="http://schemas.openxmlformats.org/drawingml/2006/main" xmlns:r="http://schemas.openxmlformats.org/officeDocument/2006/relationships" xmlns:p="http://schemas.openxmlformats.org/presentationml/2006/main">
+  <p:cSld>
+    <p:spTree>
+      <p:nvGrpSpPr>
+        <p:cNvPr id="1" name=""/>
+        <p:cNvGrpSpPr/>
+        <p:nvPr/>
+      </p:nvGrpSpPr>
+      <p:grpSpPr>
+        <a:xfrm>
+          <a:off x="0" y="0"/>
+          <a:ext cx="0" cy="0"/>
+          <a:chOff x="0" y="0"/>
+          <a:chExt cx="0" cy="0"/>
+        </a:xfrm>
+      </p:grpSpPr>
       <p:sp>
         <p:nvSpPr>
-          <p:cNvPr id="5" name="Text Placeholder 4"/>
+          <p:cNvPr id="4" name="Title 3"/>
           <p:cNvSpPr>
             <a:spLocks noGrp="1"/>
           </p:cNvSpPr>
           <p:nvPr>
-            <p:ph type="body" idx="1"/>
+            <p:ph type="title"/>
           </p:nvPr>
         </p:nvSpPr>
-        <p:spPr/>
+        <p:spPr>
+          <a:xfrm>
+            <a:off x="1415480" y="4406903"/>
+            <a:ext cx="10776520" cy="1362075"/>
+          </a:xfrm>
+        </p:spPr>
         <p:txBody>
           <a:bodyPr/>
           <a:lstStyle/>
           <a:p>
-            <a:endParaRPr lang="ru-RU"/>
+            <a:pPr algn="ctr"/>
+            <a:r>
+              <a:rPr lang="en-US" dirty="0" smtClean="0">
+                <a:solidFill>
+                  <a:srgbClr val="00B0F0"/>
+                </a:solidFill>
+              </a:rPr>
+              <a:t>What is Microsoft Azure</a:t>
+            </a:r>
+            <a:r>
+              <a:rPr lang="ru-RU" dirty="0" smtClean="0">
+                <a:solidFill>
+                  <a:srgbClr val="00B0F0"/>
+                </a:solidFill>
+              </a:rPr>
+              <a:t>?</a:t>
+            </a:r>
+            <a:endParaRPr lang="ru-RU" dirty="0">
+              <a:solidFill>
+                <a:srgbClr val="00B0F0"/>
+              </a:solidFill>
+            </a:endParaRPr>
           </a:p>
         </p:txBody>
       </p:sp>
+      <p:pic>
+        <p:nvPicPr>
+          <p:cNvPr id="4098" name="Picture 2" descr="http://findicons.com/files/icons/1049/2s_space_emotions_v2/256/question.png"/>
+          <p:cNvPicPr>
+            <a:picLocks noChangeAspect="1" noChangeArrowheads="1"/>
+          </p:cNvPicPr>
+          <p:nvPr/>
+        </p:nvPicPr>
+        <p:blipFill>
+          <a:blip r:embed="rId2">
+            <a:extLst>
+              <a:ext uri="{28A0092B-C50C-407E-A947-70E740481C1C}">
+                <a14:useLocalDpi xmlns:a14="http://schemas.microsoft.com/office/drawing/2010/main" val="0"/>
+              </a:ext>
+            </a:extLst>
+          </a:blip>
+          <a:srcRect/>
+          <a:stretch>
+            <a:fillRect/>
+          </a:stretch>
+        </p:blipFill>
+        <p:spPr bwMode="auto">
+          <a:xfrm>
+            <a:off x="5584540" y="1556792"/>
+            <a:ext cx="2438400" cy="2438400"/>
+          </a:xfrm>
+          <a:prstGeom prst="rect">
+            <a:avLst/>
+          </a:prstGeom>
+          <a:noFill/>
+          <a:extLst>
+            <a:ext uri="{909E8E84-426E-40DD-AFC4-6F175D3DCCD1}">
+              <a14:hiddenFill xmlns:a14="http://schemas.microsoft.com/office/drawing/2010/main">
+                <a:solidFill>
+                  <a:srgbClr val="FFFFFF"/>
+                </a:solidFill>
+              </a14:hiddenFill>
+            </a:ext>
+          </a:extLst>
+        </p:spPr>
+      </p:pic>
     </p:spTree>
     <p:extLst>
       <p:ext uri="{BB962C8B-B14F-4D97-AF65-F5344CB8AC3E}">
-        <p14:creationId xmlns:p14="http://schemas.microsoft.com/office/powerpoint/2010/main" val="3011076358"/>
+        <p14:creationId xmlns:p14="http://schemas.microsoft.com/office/powerpoint/2010/main" val="3859605535"/>
       </p:ext>
     </p:extLst>
   </p:cSld>
@@ -37162,7 +40030,7 @@
 </p:sld>
 </file>
 
-<file path=ppt/slides/slide19.xml><?xml version="1.0" encoding="utf-8"?>
+<file path=ppt/slides/slide20.xml><?xml version="1.0" encoding="utf-8"?>
 <p:sld xmlns:a="http://schemas.openxmlformats.org/drawingml/2006/main" xmlns:r="http://schemas.openxmlformats.org/officeDocument/2006/relationships" xmlns:p="http://schemas.openxmlformats.org/presentationml/2006/main">
   <p:cSld>
     <p:spTree>
@@ -37224,7 +40092,7 @@
         </p:nvSpPr>
         <p:spPr>
           <a:xfrm>
-            <a:off x="2133600" y="1600203"/>
+            <a:off x="2133600" y="1484784"/>
             <a:ext cx="10696750" cy="7295619"/>
           </a:xfrm>
         </p:spPr>
@@ -37299,7 +40167,7 @@
         </p:nvGrpSpPr>
         <p:grpSpPr>
           <a:xfrm>
-            <a:off x="6358273" y="1484784"/>
+            <a:off x="6358273" y="1412776"/>
             <a:ext cx="5688632" cy="1944216"/>
             <a:chOff x="3863752" y="2564904"/>
             <a:chExt cx="5688632" cy="1944216"/>
@@ -37462,7 +40330,7 @@
         </p:nvGrpSpPr>
         <p:grpSpPr>
           <a:xfrm>
-            <a:off x="6341535" y="3717032"/>
+            <a:off x="6341535" y="3645024"/>
             <a:ext cx="5688632" cy="1944216"/>
             <a:chOff x="469776" y="2528900"/>
             <a:chExt cx="5688632" cy="1944216"/>
@@ -37760,131 +40628,7 @@
 </p:sld>
 </file>
 
-<file path=ppt/slides/slide2.xml><?xml version="1.0" encoding="utf-8"?>
-<p:sld xmlns:a="http://schemas.openxmlformats.org/drawingml/2006/main" xmlns:r="http://schemas.openxmlformats.org/officeDocument/2006/relationships" xmlns:p="http://schemas.openxmlformats.org/presentationml/2006/main">
-  <p:cSld>
-    <p:spTree>
-      <p:nvGrpSpPr>
-        <p:cNvPr id="1" name=""/>
-        <p:cNvGrpSpPr/>
-        <p:nvPr/>
-      </p:nvGrpSpPr>
-      <p:grpSpPr>
-        <a:xfrm>
-          <a:off x="0" y="0"/>
-          <a:ext cx="0" cy="0"/>
-          <a:chOff x="0" y="0"/>
-          <a:chExt cx="0" cy="0"/>
-        </a:xfrm>
-      </p:grpSpPr>
-      <p:sp>
-        <p:nvSpPr>
-          <p:cNvPr id="4" name="Title 3"/>
-          <p:cNvSpPr>
-            <a:spLocks noGrp="1"/>
-          </p:cNvSpPr>
-          <p:nvPr>
-            <p:ph type="title"/>
-          </p:nvPr>
-        </p:nvSpPr>
-        <p:spPr/>
-        <p:txBody>
-          <a:bodyPr/>
-          <a:lstStyle/>
-          <a:p>
-            <a:r>
-              <a:rPr lang="en-US" dirty="0" smtClean="0"/>
-              <a:t>What is Microsoft Azure</a:t>
-            </a:r>
-            <a:r>
-              <a:rPr lang="ru-RU" dirty="0" smtClean="0"/>
-              <a:t>?</a:t>
-            </a:r>
-            <a:endParaRPr lang="ru-RU" dirty="0"/>
-          </a:p>
-        </p:txBody>
-      </p:sp>
-      <p:sp>
-        <p:nvSpPr>
-          <p:cNvPr id="5" name="Text Placeholder 4"/>
-          <p:cNvSpPr>
-            <a:spLocks noGrp="1"/>
-          </p:cNvSpPr>
-          <p:nvPr>
-            <p:ph type="body" idx="1"/>
-          </p:nvPr>
-        </p:nvSpPr>
-        <p:spPr/>
-        <p:txBody>
-          <a:bodyPr/>
-          <a:lstStyle/>
-          <a:p>
-            <a:endParaRPr lang="ru-RU"/>
-          </a:p>
-        </p:txBody>
-      </p:sp>
-      <p:pic>
-        <p:nvPicPr>
-          <p:cNvPr id="4098" name="Picture 2" descr="http://findicons.com/files/icons/1049/2s_space_emotions_v2/256/question.png"/>
-          <p:cNvPicPr>
-            <a:picLocks noChangeAspect="1" noChangeArrowheads="1"/>
-          </p:cNvPicPr>
-          <p:nvPr/>
-        </p:nvPicPr>
-        <p:blipFill>
-          <a:blip r:embed="rId2">
-            <a:extLst>
-              <a:ext uri="{28A0092B-C50C-407E-A947-70E740481C1C}">
-                <a14:useLocalDpi xmlns:a14="http://schemas.microsoft.com/office/drawing/2010/main" val="0"/>
-              </a:ext>
-            </a:extLst>
-          </a:blip>
-          <a:srcRect/>
-          <a:stretch>
-            <a:fillRect/>
-          </a:stretch>
-        </p:blipFill>
-        <p:spPr bwMode="auto">
-          <a:xfrm>
-            <a:off x="5375920" y="1556792"/>
-            <a:ext cx="2438400" cy="2438400"/>
-          </a:xfrm>
-          <a:prstGeom prst="rect">
-            <a:avLst/>
-          </a:prstGeom>
-          <a:noFill/>
-          <a:extLst>
-            <a:ext uri="{909E8E84-426E-40DD-AFC4-6F175D3DCCD1}">
-              <a14:hiddenFill xmlns:a14="http://schemas.microsoft.com/office/drawing/2010/main">
-                <a:solidFill>
-                  <a:srgbClr val="FFFFFF"/>
-                </a:solidFill>
-              </a14:hiddenFill>
-            </a:ext>
-          </a:extLst>
-        </p:spPr>
-      </p:pic>
-    </p:spTree>
-    <p:extLst>
-      <p:ext uri="{BB962C8B-B14F-4D97-AF65-F5344CB8AC3E}">
-        <p14:creationId xmlns:p14="http://schemas.microsoft.com/office/powerpoint/2010/main" val="3859605535"/>
-      </p:ext>
-    </p:extLst>
-  </p:cSld>
-  <p:clrMapOvr>
-    <a:masterClrMapping/>
-  </p:clrMapOvr>
-  <p:timing>
-    <p:tnLst>
-      <p:par>
-        <p:cTn id="1" dur="indefinite" restart="never" nodeType="tmRoot"/>
-      </p:par>
-    </p:tnLst>
-  </p:timing>
-</p:sld>
-</file>
-
-<file path=ppt/slides/slide20.xml><?xml version="1.0" encoding="utf-8"?>
+<file path=ppt/slides/slide21.xml><?xml version="1.0" encoding="utf-8"?>
 <p:sld xmlns:a="http://schemas.openxmlformats.org/drawingml/2006/main" xmlns:r="http://schemas.openxmlformats.org/officeDocument/2006/relationships" xmlns:p="http://schemas.openxmlformats.org/presentationml/2006/main">
   <p:cSld>
     <p:spTree>
@@ -38140,6 +40884,14 @@
                   <a:t> </a:t>
                 </a:r>
                 <a:r>
+                  <a:rPr lang="en-US" dirty="0" smtClean="0">
+                    <a:solidFill>
+                      <a:srgbClr val="8B0000"/>
+                    </a:solidFill>
+                  </a:rPr>
+                  <a:t>"</a:t>
+                </a:r>
+                <a:r>
                   <a:rPr lang="en-US" dirty="0" err="1" smtClean="0">
                     <a:solidFill>
                       <a:srgbClr val="8B0000"/>
@@ -38149,14 +40901,6 @@
                 </a:r>
                 <a:r>
                   <a:rPr lang="en-US" dirty="0" smtClean="0">
-                    <a:solidFill>
-                      <a:srgbClr val="8B0000"/>
-                    </a:solidFill>
-                  </a:rPr>
-                  <a:t> </a:t>
-                </a:r>
-                <a:r>
-                  <a:rPr lang="en-US" dirty="0">
                     <a:solidFill>
                       <a:srgbClr val="8B0000"/>
                     </a:solidFill>
@@ -38933,7 +41677,7 @@
 </p:sld>
 </file>
 
-<file path=ppt/slides/slide21.xml><?xml version="1.0" encoding="utf-8"?>
+<file path=ppt/slides/slide22.xml><?xml version="1.0" encoding="utf-8"?>
 <p:sld xmlns:a="http://schemas.openxmlformats.org/drawingml/2006/main" xmlns:r="http://schemas.openxmlformats.org/officeDocument/2006/relationships" xmlns:p="http://schemas.openxmlformats.org/presentationml/2006/main">
   <p:cSld>
     <p:spTree>
@@ -38987,7 +41731,12 @@
             <p:ph idx="1"/>
           </p:nvPr>
         </p:nvSpPr>
-        <p:spPr/>
+        <p:spPr>
+          <a:xfrm>
+            <a:off x="2133600" y="1484784"/>
+            <a:ext cx="9652000" cy="4525963"/>
+          </a:xfrm>
+        </p:spPr>
         <p:txBody>
           <a:bodyPr/>
           <a:lstStyle/>
@@ -39084,7 +41833,7 @@
 </p:sld>
 </file>
 
-<file path=ppt/slides/slide22.xml><?xml version="1.0" encoding="utf-8"?>
+<file path=ppt/slides/slide23.xml><?xml version="1.0" encoding="utf-8"?>
 <p:sld xmlns:a="http://schemas.openxmlformats.org/drawingml/2006/main" xmlns:r="http://schemas.openxmlformats.org/officeDocument/2006/relationships" xmlns:p="http://schemas.openxmlformats.org/presentationml/2006/main">
   <p:cSld>
     <p:spTree>
@@ -39211,19 +41960,7 @@
             <a:p>
               <a:r>
                 <a:rPr lang="en-US" sz="2400" dirty="0" smtClean="0"/>
-                <a:t>	</a:t>
-              </a:r>
-              <a:r>
-                <a:rPr lang="en-US" sz="2400" dirty="0" smtClean="0"/>
-                <a:t>Just create </a:t>
-              </a:r>
-              <a:r>
-                <a:rPr lang="en-US" sz="2400" dirty="0" smtClean="0"/>
-                <a:t>FTP credentials and use provided on Management Portal access </a:t>
-              </a:r>
-              <a:r>
-                <a:rPr lang="en-US" sz="2400" dirty="0" smtClean="0"/>
-                <a:t>points</a:t>
+                <a:t>	Just create FTP credentials and use provided on Management Portal access points</a:t>
               </a:r>
               <a:endParaRPr lang="en-US" sz="2400" dirty="0"/>
             </a:p>
@@ -39405,7 +42142,7 @@
 </p:sld>
 </file>
 
-<file path=ppt/slides/slide23.xml><?xml version="1.0" encoding="utf-8"?>
+<file path=ppt/slides/slide24.xml><?xml version="1.0" encoding="utf-8"?>
 <p:sld xmlns:a="http://schemas.openxmlformats.org/drawingml/2006/main" xmlns:r="http://schemas.openxmlformats.org/officeDocument/2006/relationships" xmlns:p="http://schemas.openxmlformats.org/presentationml/2006/main">
   <p:cSld>
     <p:spTree>
@@ -39466,6 +42203,75 @@
           <a:bodyPr/>
           <a:lstStyle/>
           <a:p>
+            <a:pPr>
+              <a:lnSpc>
+                <a:spcPct val="150000"/>
+              </a:lnSpc>
+            </a:pPr>
+            <a:r>
+              <a:rPr lang="en-US" dirty="0"/>
+              <a:t>Secure </a:t>
+            </a:r>
+            <a:r>
+              <a:rPr lang="en-US" dirty="0" smtClean="0"/>
+              <a:t>communications </a:t>
+            </a:r>
+            <a:r>
+              <a:rPr lang="en-US" i="1" dirty="0" smtClean="0"/>
+              <a:t>(HTTPS)</a:t>
+            </a:r>
+            <a:endParaRPr lang="en-US" i="1" dirty="0"/>
+          </a:p>
+          <a:p>
+            <a:pPr>
+              <a:lnSpc>
+                <a:spcPct val="150000"/>
+              </a:lnSpc>
+            </a:pPr>
+            <a:r>
+              <a:rPr lang="en-US" dirty="0"/>
+              <a:t>Secure </a:t>
+            </a:r>
+            <a:r>
+              <a:rPr lang="en-US" dirty="0" smtClean="0"/>
+              <a:t>development</a:t>
+            </a:r>
+          </a:p>
+          <a:p>
+            <a:pPr lvl="1">
+              <a:lnSpc>
+                <a:spcPct val="150000"/>
+              </a:lnSpc>
+            </a:pPr>
+            <a:r>
+              <a:rPr lang="en-US" dirty="0"/>
+              <a:t>Publishing profiles and publish settings</a:t>
+            </a:r>
+          </a:p>
+          <a:p>
+            <a:pPr lvl="1">
+              <a:lnSpc>
+                <a:spcPct val="150000"/>
+              </a:lnSpc>
+            </a:pPr>
+            <a:r>
+              <a:rPr lang="en-US" dirty="0"/>
+              <a:t>Configuration settings, and connection strings</a:t>
+            </a:r>
+          </a:p>
+          <a:p>
+            <a:pPr>
+              <a:lnSpc>
+                <a:spcPct val="150000"/>
+              </a:lnSpc>
+            </a:pPr>
+            <a:r>
+              <a:rPr lang="en-US" dirty="0" smtClean="0"/>
+              <a:t>SFTP</a:t>
+            </a:r>
+            <a:endParaRPr lang="en-US" dirty="0"/>
+          </a:p>
+          <a:p>
             <a:endParaRPr lang="ru-RU" dirty="0"/>
           </a:p>
         </p:txBody>
@@ -39490,7 +42296,165 @@
 </p:sld>
 </file>
 
-<file path=ppt/slides/slide24.xml><?xml version="1.0" encoding="utf-8"?>
+<file path=ppt/slides/slide25.xml><?xml version="1.0" encoding="utf-8"?>
+<p:sld xmlns:a="http://schemas.openxmlformats.org/drawingml/2006/main" xmlns:r="http://schemas.openxmlformats.org/officeDocument/2006/relationships" xmlns:p="http://schemas.openxmlformats.org/presentationml/2006/main">
+  <p:cSld>
+    <p:spTree>
+      <p:nvGrpSpPr>
+        <p:cNvPr id="1" name=""/>
+        <p:cNvGrpSpPr/>
+        <p:nvPr/>
+      </p:nvGrpSpPr>
+      <p:grpSpPr>
+        <a:xfrm>
+          <a:off x="0" y="0"/>
+          <a:ext cx="0" cy="0"/>
+          <a:chOff x="0" y="0"/>
+          <a:chExt cx="0" cy="0"/>
+        </a:xfrm>
+      </p:grpSpPr>
+      <p:sp>
+        <p:nvSpPr>
+          <p:cNvPr id="2" name="Title 1"/>
+          <p:cNvSpPr>
+            <a:spLocks noGrp="1"/>
+          </p:cNvSpPr>
+          <p:nvPr>
+            <p:ph type="title"/>
+          </p:nvPr>
+        </p:nvSpPr>
+        <p:spPr/>
+        <p:txBody>
+          <a:bodyPr/>
+          <a:lstStyle/>
+          <a:p>
+            <a:r>
+              <a:rPr lang="en-US" dirty="0" smtClean="0"/>
+              <a:t>Traffic Manager</a:t>
+            </a:r>
+            <a:endParaRPr lang="ru-RU" dirty="0"/>
+          </a:p>
+        </p:txBody>
+      </p:sp>
+      <p:sp>
+        <p:nvSpPr>
+          <p:cNvPr id="3" name="Content Placeholder 2"/>
+          <p:cNvSpPr>
+            <a:spLocks noGrp="1"/>
+          </p:cNvSpPr>
+          <p:nvPr>
+            <p:ph idx="1"/>
+          </p:nvPr>
+        </p:nvSpPr>
+        <p:spPr/>
+        <p:txBody>
+          <a:bodyPr/>
+          <a:lstStyle/>
+          <a:p>
+            <a:endParaRPr lang="ru-RU"/>
+          </a:p>
+        </p:txBody>
+      </p:sp>
+    </p:spTree>
+    <p:extLst>
+      <p:ext uri="{BB962C8B-B14F-4D97-AF65-F5344CB8AC3E}">
+        <p14:creationId xmlns:p14="http://schemas.microsoft.com/office/powerpoint/2010/main" val="3205957728"/>
+      </p:ext>
+    </p:extLst>
+  </p:cSld>
+  <p:clrMapOvr>
+    <a:masterClrMapping/>
+  </p:clrMapOvr>
+  <p:timing>
+    <p:tnLst>
+      <p:par>
+        <p:cTn id="1" dur="indefinite" restart="never" nodeType="tmRoot"/>
+      </p:par>
+    </p:tnLst>
+  </p:timing>
+</p:sld>
+</file>
+
+<file path=ppt/slides/slide26.xml><?xml version="1.0" encoding="utf-8"?>
+<p:sld xmlns:a="http://schemas.openxmlformats.org/drawingml/2006/main" xmlns:r="http://schemas.openxmlformats.org/officeDocument/2006/relationships" xmlns:p="http://schemas.openxmlformats.org/presentationml/2006/main">
+  <p:cSld>
+    <p:spTree>
+      <p:nvGrpSpPr>
+        <p:cNvPr id="1" name=""/>
+        <p:cNvGrpSpPr/>
+        <p:nvPr/>
+      </p:nvGrpSpPr>
+      <p:grpSpPr>
+        <a:xfrm>
+          <a:off x="0" y="0"/>
+          <a:ext cx="0" cy="0"/>
+          <a:chOff x="0" y="0"/>
+          <a:chExt cx="0" cy="0"/>
+        </a:xfrm>
+      </p:grpSpPr>
+      <p:sp>
+        <p:nvSpPr>
+          <p:cNvPr id="2" name="Title 1"/>
+          <p:cNvSpPr>
+            <a:spLocks noGrp="1"/>
+          </p:cNvSpPr>
+          <p:nvPr>
+            <p:ph type="title"/>
+          </p:nvPr>
+        </p:nvSpPr>
+        <p:spPr/>
+        <p:txBody>
+          <a:bodyPr/>
+          <a:lstStyle/>
+          <a:p>
+            <a:r>
+              <a:rPr lang="en-US" dirty="0" smtClean="0"/>
+              <a:t>Service Plans</a:t>
+            </a:r>
+            <a:endParaRPr lang="ru-RU" dirty="0"/>
+          </a:p>
+        </p:txBody>
+      </p:sp>
+      <p:sp>
+        <p:nvSpPr>
+          <p:cNvPr id="3" name="Content Placeholder 2"/>
+          <p:cNvSpPr>
+            <a:spLocks noGrp="1"/>
+          </p:cNvSpPr>
+          <p:nvPr>
+            <p:ph idx="1"/>
+          </p:nvPr>
+        </p:nvSpPr>
+        <p:spPr/>
+        <p:txBody>
+          <a:bodyPr/>
+          <a:lstStyle/>
+          <a:p>
+            <a:endParaRPr lang="ru-RU"/>
+          </a:p>
+        </p:txBody>
+      </p:sp>
+    </p:spTree>
+    <p:extLst>
+      <p:ext uri="{BB962C8B-B14F-4D97-AF65-F5344CB8AC3E}">
+        <p14:creationId xmlns:p14="http://schemas.microsoft.com/office/powerpoint/2010/main" val="1839816515"/>
+      </p:ext>
+    </p:extLst>
+  </p:cSld>
+  <p:clrMapOvr>
+    <a:masterClrMapping/>
+  </p:clrMapOvr>
+  <p:timing>
+    <p:tnLst>
+      <p:par>
+        <p:cTn id="1" dur="indefinite" restart="never" nodeType="tmRoot"/>
+      </p:par>
+    </p:tnLst>
+  </p:timing>
+</p:sld>
+</file>
+
+<file path=ppt/slides/slide27.xml><?xml version="1.0" encoding="utf-8"?>
 <p:sld xmlns:a="http://schemas.openxmlformats.org/drawingml/2006/main" xmlns:r="http://schemas.openxmlformats.org/officeDocument/2006/relationships" xmlns:p="http://schemas.openxmlformats.org/presentationml/2006/main">
   <p:cSld>
     <p:spTree>
@@ -39569,7 +42533,7 @@
 </p:sld>
 </file>
 
-<file path=ppt/slides/slide25.xml><?xml version="1.0" encoding="utf-8"?>
+<file path=ppt/slides/slide28.xml><?xml version="1.0" encoding="utf-8"?>
 <p:sld xmlns:a="http://schemas.openxmlformats.org/drawingml/2006/main" xmlns:r="http://schemas.openxmlformats.org/officeDocument/2006/relationships" xmlns:p="http://schemas.openxmlformats.org/presentationml/2006/main">
   <p:cSld>
     <p:spTree>
@@ -39596,42 +42560,71 @@
             <p:ph type="title"/>
           </p:nvPr>
         </p:nvSpPr>
-        <p:spPr/>
+        <p:spPr>
+          <a:xfrm>
+            <a:off x="1415480" y="4406903"/>
+            <a:ext cx="10776520" cy="1362075"/>
+          </a:xfrm>
+        </p:spPr>
         <p:txBody>
           <a:bodyPr/>
           <a:lstStyle/>
           <a:p>
+            <a:pPr algn="ctr"/>
             <a:r>
-              <a:rPr lang="en-US" dirty="0" smtClean="0"/>
+              <a:rPr lang="en-US" dirty="0" smtClean="0">
+                <a:solidFill>
+                  <a:srgbClr val="00B0F0"/>
+                </a:solidFill>
+              </a:rPr>
               <a:t>SQL </a:t>
             </a:r>
             <a:r>
-              <a:rPr lang="en-US" dirty="0" err="1" smtClean="0"/>
-              <a:t>DAtabases</a:t>
+              <a:rPr lang="en-US" dirty="0" smtClean="0">
+                <a:solidFill>
+                  <a:srgbClr val="00B0F0"/>
+                </a:solidFill>
+              </a:rPr>
+              <a:t>Databases</a:t>
             </a:r>
-            <a:endParaRPr lang="ru-RU" dirty="0"/>
+            <a:endParaRPr lang="ru-RU" dirty="0">
+              <a:solidFill>
+                <a:srgbClr val="00B0F0"/>
+              </a:solidFill>
+            </a:endParaRPr>
           </a:p>
         </p:txBody>
       </p:sp>
-      <p:sp>
-        <p:nvSpPr>
-          <p:cNvPr id="5" name="Text Placeholder 4"/>
-          <p:cNvSpPr>
-            <a:spLocks noGrp="1"/>
-          </p:cNvSpPr>
-          <p:nvPr>
-            <p:ph type="body" idx="1"/>
-          </p:nvPr>
-        </p:nvSpPr>
-        <p:spPr/>
-        <p:txBody>
-          <a:bodyPr/>
-          <a:lstStyle/>
-          <a:p>
-            <a:endParaRPr lang="ru-RU"/>
-          </a:p>
-        </p:txBody>
-      </p:sp>
+      <p:pic>
+        <p:nvPicPr>
+          <p:cNvPr id="2" name="Picture 1"/>
+          <p:cNvPicPr>
+            <a:picLocks noChangeAspect="1"/>
+          </p:cNvPicPr>
+          <p:nvPr/>
+        </p:nvPicPr>
+        <p:blipFill>
+          <a:blip r:embed="rId2">
+            <a:extLst>
+              <a:ext uri="{28A0092B-C50C-407E-A947-70E740481C1C}">
+                <a14:useLocalDpi xmlns:a14="http://schemas.microsoft.com/office/drawing/2010/main" val="0"/>
+              </a:ext>
+            </a:extLst>
+          </a:blip>
+          <a:stretch>
+            <a:fillRect/>
+          </a:stretch>
+        </p:blipFill>
+        <p:spPr>
+          <a:xfrm>
+            <a:off x="6069453" y="2060848"/>
+            <a:ext cx="2032176" cy="2123624"/>
+          </a:xfrm>
+          <a:prstGeom prst="rect">
+            <a:avLst/>
+          </a:prstGeom>
+        </p:spPr>
+      </p:pic>
     </p:spTree>
     <p:extLst>
       <p:ext uri="{BB962C8B-B14F-4D97-AF65-F5344CB8AC3E}">
@@ -39642,10 +42635,96 @@
   <p:clrMapOvr>
     <a:masterClrMapping/>
   </p:clrMapOvr>
+  <p:timing>
+    <p:tnLst>
+      <p:par>
+        <p:cTn id="1" dur="indefinite" restart="never" nodeType="tmRoot">
+          <p:childTnLst>
+            <p:seq concurrent="1" nextAc="seek">
+              <p:cTn id="2" dur="indefinite" nodeType="mainSeq">
+                <p:childTnLst>
+                  <p:par>
+                    <p:cTn id="3" fill="hold">
+                      <p:stCondLst>
+                        <p:cond delay="indefinite"/>
+                        <p:cond evt="onBegin" delay="0">
+                          <p:tn val="2"/>
+                        </p:cond>
+                      </p:stCondLst>
+                      <p:childTnLst>
+                        <p:par>
+                          <p:cTn id="4" fill="hold">
+                            <p:stCondLst>
+                              <p:cond delay="0"/>
+                            </p:stCondLst>
+                            <p:childTnLst>
+                              <p:par>
+                                <p:cTn id="5" presetID="10" presetClass="entr" presetSubtype="0" fill="hold" nodeType="withEffect">
+                                  <p:stCondLst>
+                                    <p:cond delay="0"/>
+                                  </p:stCondLst>
+                                  <p:childTnLst>
+                                    <p:set>
+                                      <p:cBhvr>
+                                        <p:cTn id="6" dur="1" fill="hold">
+                                          <p:stCondLst>
+                                            <p:cond delay="0"/>
+                                          </p:stCondLst>
+                                        </p:cTn>
+                                        <p:tgtEl>
+                                          <p:spTgt spid="2"/>
+                                        </p:tgtEl>
+                                        <p:attrNameLst>
+                                          <p:attrName>style.visibility</p:attrName>
+                                        </p:attrNameLst>
+                                      </p:cBhvr>
+                                      <p:to>
+                                        <p:strVal val="visible"/>
+                                      </p:to>
+                                    </p:set>
+                                    <p:animEffect transition="in" filter="fade">
+                                      <p:cBhvr>
+                                        <p:cTn id="7" dur="1000"/>
+                                        <p:tgtEl>
+                                          <p:spTgt spid="2"/>
+                                        </p:tgtEl>
+                                      </p:cBhvr>
+                                    </p:animEffect>
+                                  </p:childTnLst>
+                                </p:cTn>
+                              </p:par>
+                            </p:childTnLst>
+                          </p:cTn>
+                        </p:par>
+                      </p:childTnLst>
+                    </p:cTn>
+                  </p:par>
+                </p:childTnLst>
+              </p:cTn>
+              <p:prevCondLst>
+                <p:cond evt="onPrev" delay="0">
+                  <p:tgtEl>
+                    <p:sldTgt/>
+                  </p:tgtEl>
+                </p:cond>
+              </p:prevCondLst>
+              <p:nextCondLst>
+                <p:cond evt="onNext" delay="0">
+                  <p:tgtEl>
+                    <p:sldTgt/>
+                  </p:tgtEl>
+                </p:cond>
+              </p:nextCondLst>
+            </p:seq>
+          </p:childTnLst>
+        </p:cTn>
+      </p:par>
+    </p:tnLst>
+  </p:timing>
 </p:sld>
 </file>
 
-<file path=ppt/slides/slide26.xml><?xml version="1.0" encoding="utf-8"?>
+<file path=ppt/slides/slide29.xml><?xml version="1.0" encoding="utf-8"?>
 <p:sld xmlns:a="http://schemas.openxmlformats.org/drawingml/2006/main" xmlns:r="http://schemas.openxmlformats.org/officeDocument/2006/relationships" xmlns:p="http://schemas.openxmlformats.org/presentationml/2006/main">
   <p:cSld>
     <p:spTree>
@@ -39718,100 +42797,6 @@
   <p:clrMapOvr>
     <a:masterClrMapping/>
   </p:clrMapOvr>
-</p:sld>
-</file>
-
-<file path=ppt/slides/slide27.xml><?xml version="1.0" encoding="utf-8"?>
-<p:sld xmlns:a="http://schemas.openxmlformats.org/drawingml/2006/main" xmlns:r="http://schemas.openxmlformats.org/officeDocument/2006/relationships" xmlns:p="http://schemas.openxmlformats.org/presentationml/2006/main">
-  <p:cSld>
-    <p:spTree>
-      <p:nvGrpSpPr>
-        <p:cNvPr id="1" name=""/>
-        <p:cNvGrpSpPr/>
-        <p:nvPr/>
-      </p:nvGrpSpPr>
-      <p:grpSpPr>
-        <a:xfrm>
-          <a:off x="0" y="0"/>
-          <a:ext cx="0" cy="0"/>
-          <a:chOff x="0" y="0"/>
-          <a:chExt cx="0" cy="0"/>
-        </a:xfrm>
-      </p:grpSpPr>
-      <p:sp>
-        <p:nvSpPr>
-          <p:cNvPr id="2" name="Title 1"/>
-          <p:cNvSpPr>
-            <a:spLocks noGrp="1"/>
-          </p:cNvSpPr>
-          <p:nvPr>
-            <p:ph type="title"/>
-          </p:nvPr>
-        </p:nvSpPr>
-        <p:spPr/>
-        <p:txBody>
-          <a:bodyPr/>
-          <a:lstStyle/>
-          <a:p>
-            <a:r>
-              <a:rPr lang="en-US" dirty="0" smtClean="0"/>
-              <a:t>Databases Tiers</a:t>
-            </a:r>
-            <a:endParaRPr lang="ru-RU" dirty="0"/>
-          </a:p>
-        </p:txBody>
-      </p:sp>
-      <p:pic>
-        <p:nvPicPr>
-          <p:cNvPr id="1026" name="Picture 2" descr="Service Tier feature comparison"/>
-          <p:cNvPicPr>
-            <a:picLocks noChangeAspect="1" noChangeArrowheads="1"/>
-          </p:cNvPicPr>
-          <p:nvPr/>
-        </p:nvPicPr>
-        <p:blipFill>
-          <a:blip r:embed="rId3">
-            <a:extLst>
-              <a:ext uri="{28A0092B-C50C-407E-A947-70E740481C1C}">
-                <a14:useLocalDpi xmlns:a14="http://schemas.microsoft.com/office/drawing/2010/main" val="0"/>
-              </a:ext>
-            </a:extLst>
-          </a:blip>
-          <a:srcRect/>
-          <a:stretch>
-            <a:fillRect/>
-          </a:stretch>
-        </p:blipFill>
-        <p:spPr bwMode="auto">
-          <a:xfrm>
-            <a:off x="1919536" y="1556792"/>
-            <a:ext cx="9906555" cy="4320480"/>
-          </a:xfrm>
-          <a:prstGeom prst="rect">
-            <a:avLst/>
-          </a:prstGeom>
-          <a:noFill/>
-          <a:extLst>
-            <a:ext uri="{909E8E84-426E-40DD-AFC4-6F175D3DCCD1}">
-              <a14:hiddenFill xmlns:a14="http://schemas.microsoft.com/office/drawing/2010/main">
-                <a:solidFill>
-                  <a:srgbClr val="FFFFFF"/>
-                </a:solidFill>
-              </a14:hiddenFill>
-            </a:ext>
-          </a:extLst>
-        </p:spPr>
-      </p:pic>
-    </p:spTree>
-    <p:extLst>
-      <p:ext uri="{BB962C8B-B14F-4D97-AF65-F5344CB8AC3E}">
-        <p14:creationId xmlns:p14="http://schemas.microsoft.com/office/powerpoint/2010/main" val="2708518127"/>
-      </p:ext>
-    </p:extLst>
-  </p:cSld>
-  <p:clrMapOvr>
-    <a:masterClrMapping/>
-  </p:clrMapOvr>
   <p:timing>
     <p:tnLst>
       <p:par>
@@ -39819,146 +42804,6 @@
       </p:par>
     </p:tnLst>
   </p:timing>
-</p:sld>
-</file>
-
-<file path=ppt/slides/slide28.xml><?xml version="1.0" encoding="utf-8"?>
-<p:sld xmlns:a="http://schemas.openxmlformats.org/drawingml/2006/main" xmlns:r="http://schemas.openxmlformats.org/officeDocument/2006/relationships" xmlns:p="http://schemas.openxmlformats.org/presentationml/2006/main">
-  <p:cSld>
-    <p:spTree>
-      <p:nvGrpSpPr>
-        <p:cNvPr id="1" name=""/>
-        <p:cNvGrpSpPr/>
-        <p:nvPr/>
-      </p:nvGrpSpPr>
-      <p:grpSpPr>
-        <a:xfrm>
-          <a:off x="0" y="0"/>
-          <a:ext cx="0" cy="0"/>
-          <a:chOff x="0" y="0"/>
-          <a:chExt cx="0" cy="0"/>
-        </a:xfrm>
-      </p:grpSpPr>
-      <p:sp>
-        <p:nvSpPr>
-          <p:cNvPr id="4" name="Title 3"/>
-          <p:cNvSpPr>
-            <a:spLocks noGrp="1"/>
-          </p:cNvSpPr>
-          <p:nvPr>
-            <p:ph type="title"/>
-          </p:nvPr>
-        </p:nvSpPr>
-        <p:spPr/>
-        <p:txBody>
-          <a:bodyPr/>
-          <a:lstStyle/>
-          <a:p>
-            <a:r>
-              <a:rPr lang="en-US" dirty="0" smtClean="0"/>
-              <a:t>Storage</a:t>
-            </a:r>
-            <a:endParaRPr lang="ru-RU" dirty="0"/>
-          </a:p>
-        </p:txBody>
-      </p:sp>
-      <p:sp>
-        <p:nvSpPr>
-          <p:cNvPr id="5" name="Text Placeholder 4"/>
-          <p:cNvSpPr>
-            <a:spLocks noGrp="1"/>
-          </p:cNvSpPr>
-          <p:nvPr>
-            <p:ph type="body" idx="1"/>
-          </p:nvPr>
-        </p:nvSpPr>
-        <p:spPr/>
-        <p:txBody>
-          <a:bodyPr/>
-          <a:lstStyle/>
-          <a:p>
-            <a:endParaRPr lang="ru-RU"/>
-          </a:p>
-        </p:txBody>
-      </p:sp>
-    </p:spTree>
-    <p:extLst>
-      <p:ext uri="{BB962C8B-B14F-4D97-AF65-F5344CB8AC3E}">
-        <p14:creationId xmlns:p14="http://schemas.microsoft.com/office/powerpoint/2010/main" val="116500021"/>
-      </p:ext>
-    </p:extLst>
-  </p:cSld>
-  <p:clrMapOvr>
-    <a:masterClrMapping/>
-  </p:clrMapOvr>
-</p:sld>
-</file>
-
-<file path=ppt/slides/slide29.xml><?xml version="1.0" encoding="utf-8"?>
-<p:sld xmlns:a="http://schemas.openxmlformats.org/drawingml/2006/main" xmlns:r="http://schemas.openxmlformats.org/officeDocument/2006/relationships" xmlns:p="http://schemas.openxmlformats.org/presentationml/2006/main">
-  <p:cSld>
-    <p:spTree>
-      <p:nvGrpSpPr>
-        <p:cNvPr id="1" name=""/>
-        <p:cNvGrpSpPr/>
-        <p:nvPr/>
-      </p:nvGrpSpPr>
-      <p:grpSpPr>
-        <a:xfrm>
-          <a:off x="0" y="0"/>
-          <a:ext cx="0" cy="0"/>
-          <a:chOff x="0" y="0"/>
-          <a:chExt cx="0" cy="0"/>
-        </a:xfrm>
-      </p:grpSpPr>
-      <p:sp>
-        <p:nvSpPr>
-          <p:cNvPr id="2" name="Title 1"/>
-          <p:cNvSpPr>
-            <a:spLocks noGrp="1"/>
-          </p:cNvSpPr>
-          <p:nvPr>
-            <p:ph type="title"/>
-          </p:nvPr>
-        </p:nvSpPr>
-        <p:spPr/>
-        <p:txBody>
-          <a:bodyPr/>
-          <a:lstStyle/>
-          <a:p>
-            <a:endParaRPr lang="ru-RU"/>
-          </a:p>
-        </p:txBody>
-      </p:sp>
-      <p:sp>
-        <p:nvSpPr>
-          <p:cNvPr id="3" name="Content Placeholder 2"/>
-          <p:cNvSpPr>
-            <a:spLocks noGrp="1"/>
-          </p:cNvSpPr>
-          <p:nvPr>
-            <p:ph idx="1"/>
-          </p:nvPr>
-        </p:nvSpPr>
-        <p:spPr/>
-        <p:txBody>
-          <a:bodyPr/>
-          <a:lstStyle/>
-          <a:p>
-            <a:endParaRPr lang="ru-RU"/>
-          </a:p>
-        </p:txBody>
-      </p:sp>
-    </p:spTree>
-    <p:extLst>
-      <p:ext uri="{BB962C8B-B14F-4D97-AF65-F5344CB8AC3E}">
-        <p14:creationId xmlns:p14="http://schemas.microsoft.com/office/powerpoint/2010/main" val="107754598"/>
-      </p:ext>
-    </p:extLst>
-  </p:cSld>
-  <p:clrMapOvr>
-    <a:masterClrMapping/>
-  </p:clrMapOvr>
 </p:sld>
 </file>
 
@@ -40353,6 +43198,235 @@
 </file>
 
 <file path=ppt/slides/slide30.xml><?xml version="1.0" encoding="utf-8"?>
+<p:sld xmlns:a="http://schemas.openxmlformats.org/drawingml/2006/main" xmlns:r="http://schemas.openxmlformats.org/officeDocument/2006/relationships" xmlns:p="http://schemas.openxmlformats.org/presentationml/2006/main">
+  <p:cSld>
+    <p:spTree>
+      <p:nvGrpSpPr>
+        <p:cNvPr id="1" name=""/>
+        <p:cNvGrpSpPr/>
+        <p:nvPr/>
+      </p:nvGrpSpPr>
+      <p:grpSpPr>
+        <a:xfrm>
+          <a:off x="0" y="0"/>
+          <a:ext cx="0" cy="0"/>
+          <a:chOff x="0" y="0"/>
+          <a:chExt cx="0" cy="0"/>
+        </a:xfrm>
+      </p:grpSpPr>
+      <p:sp>
+        <p:nvSpPr>
+          <p:cNvPr id="2" name="Title 1"/>
+          <p:cNvSpPr>
+            <a:spLocks noGrp="1"/>
+          </p:cNvSpPr>
+          <p:nvPr>
+            <p:ph type="title"/>
+          </p:nvPr>
+        </p:nvSpPr>
+        <p:spPr/>
+        <p:txBody>
+          <a:bodyPr/>
+          <a:lstStyle/>
+          <a:p>
+            <a:r>
+              <a:rPr lang="en-US" dirty="0" smtClean="0"/>
+              <a:t>Databases Tiers</a:t>
+            </a:r>
+            <a:endParaRPr lang="ru-RU" dirty="0"/>
+          </a:p>
+        </p:txBody>
+      </p:sp>
+      <p:pic>
+        <p:nvPicPr>
+          <p:cNvPr id="1026" name="Picture 2" descr="Service Tier feature comparison"/>
+          <p:cNvPicPr>
+            <a:picLocks noChangeAspect="1" noChangeArrowheads="1"/>
+          </p:cNvPicPr>
+          <p:nvPr/>
+        </p:nvPicPr>
+        <p:blipFill>
+          <a:blip r:embed="rId3">
+            <a:extLst>
+              <a:ext uri="{28A0092B-C50C-407E-A947-70E740481C1C}">
+                <a14:useLocalDpi xmlns:a14="http://schemas.microsoft.com/office/drawing/2010/main" val="0"/>
+              </a:ext>
+            </a:extLst>
+          </a:blip>
+          <a:srcRect/>
+          <a:stretch>
+            <a:fillRect/>
+          </a:stretch>
+        </p:blipFill>
+        <p:spPr bwMode="auto">
+          <a:xfrm>
+            <a:off x="1919536" y="1556792"/>
+            <a:ext cx="9906555" cy="4320480"/>
+          </a:xfrm>
+          <a:prstGeom prst="rect">
+            <a:avLst/>
+          </a:prstGeom>
+          <a:noFill/>
+          <a:extLst>
+            <a:ext uri="{909E8E84-426E-40DD-AFC4-6F175D3DCCD1}">
+              <a14:hiddenFill xmlns:a14="http://schemas.microsoft.com/office/drawing/2010/main">
+                <a:solidFill>
+                  <a:srgbClr val="FFFFFF"/>
+                </a:solidFill>
+              </a14:hiddenFill>
+            </a:ext>
+          </a:extLst>
+        </p:spPr>
+      </p:pic>
+    </p:spTree>
+    <p:extLst>
+      <p:ext uri="{BB962C8B-B14F-4D97-AF65-F5344CB8AC3E}">
+        <p14:creationId xmlns:p14="http://schemas.microsoft.com/office/powerpoint/2010/main" val="2708518127"/>
+      </p:ext>
+    </p:extLst>
+  </p:cSld>
+  <p:clrMapOvr>
+    <a:masterClrMapping/>
+  </p:clrMapOvr>
+  <p:timing>
+    <p:tnLst>
+      <p:par>
+        <p:cTn id="1" dur="indefinite" restart="never" nodeType="tmRoot"/>
+      </p:par>
+    </p:tnLst>
+  </p:timing>
+</p:sld>
+</file>
+
+<file path=ppt/slides/slide31.xml><?xml version="1.0" encoding="utf-8"?>
+<p:sld xmlns:a="http://schemas.openxmlformats.org/drawingml/2006/main" xmlns:r="http://schemas.openxmlformats.org/officeDocument/2006/relationships" xmlns:p="http://schemas.openxmlformats.org/presentationml/2006/main">
+  <p:cSld>
+    <p:spTree>
+      <p:nvGrpSpPr>
+        <p:cNvPr id="1" name=""/>
+        <p:cNvGrpSpPr/>
+        <p:nvPr/>
+      </p:nvGrpSpPr>
+      <p:grpSpPr>
+        <a:xfrm>
+          <a:off x="0" y="0"/>
+          <a:ext cx="0" cy="0"/>
+          <a:chOff x="0" y="0"/>
+          <a:chExt cx="0" cy="0"/>
+        </a:xfrm>
+      </p:grpSpPr>
+      <p:sp>
+        <p:nvSpPr>
+          <p:cNvPr id="4" name="Title 3"/>
+          <p:cNvSpPr>
+            <a:spLocks noGrp="1"/>
+          </p:cNvSpPr>
+          <p:nvPr>
+            <p:ph type="title"/>
+          </p:nvPr>
+        </p:nvSpPr>
+        <p:spPr/>
+        <p:txBody>
+          <a:bodyPr/>
+          <a:lstStyle/>
+          <a:p>
+            <a:r>
+              <a:rPr lang="en-US" dirty="0" smtClean="0"/>
+              <a:t>Storage</a:t>
+            </a:r>
+            <a:endParaRPr lang="ru-RU" dirty="0"/>
+          </a:p>
+        </p:txBody>
+      </p:sp>
+    </p:spTree>
+    <p:extLst>
+      <p:ext uri="{BB962C8B-B14F-4D97-AF65-F5344CB8AC3E}">
+        <p14:creationId xmlns:p14="http://schemas.microsoft.com/office/powerpoint/2010/main" val="116500021"/>
+      </p:ext>
+    </p:extLst>
+  </p:cSld>
+  <p:clrMapOvr>
+    <a:masterClrMapping/>
+  </p:clrMapOvr>
+  <p:timing>
+    <p:tnLst>
+      <p:par>
+        <p:cTn id="1" dur="indefinite" restart="never" nodeType="tmRoot"/>
+      </p:par>
+    </p:tnLst>
+  </p:timing>
+</p:sld>
+</file>
+
+<file path=ppt/slides/slide32.xml><?xml version="1.0" encoding="utf-8"?>
+<p:sld xmlns:a="http://schemas.openxmlformats.org/drawingml/2006/main" xmlns:r="http://schemas.openxmlformats.org/officeDocument/2006/relationships" xmlns:p="http://schemas.openxmlformats.org/presentationml/2006/main">
+  <p:cSld>
+    <p:spTree>
+      <p:nvGrpSpPr>
+        <p:cNvPr id="1" name=""/>
+        <p:cNvGrpSpPr/>
+        <p:nvPr/>
+      </p:nvGrpSpPr>
+      <p:grpSpPr>
+        <a:xfrm>
+          <a:off x="0" y="0"/>
+          <a:ext cx="0" cy="0"/>
+          <a:chOff x="0" y="0"/>
+          <a:chExt cx="0" cy="0"/>
+        </a:xfrm>
+      </p:grpSpPr>
+      <p:sp>
+        <p:nvSpPr>
+          <p:cNvPr id="2" name="Title 1"/>
+          <p:cNvSpPr>
+            <a:spLocks noGrp="1"/>
+          </p:cNvSpPr>
+          <p:nvPr>
+            <p:ph type="title"/>
+          </p:nvPr>
+        </p:nvSpPr>
+        <p:spPr/>
+        <p:txBody>
+          <a:bodyPr/>
+          <a:lstStyle/>
+          <a:p>
+            <a:endParaRPr lang="ru-RU"/>
+          </a:p>
+        </p:txBody>
+      </p:sp>
+      <p:sp>
+        <p:nvSpPr>
+          <p:cNvPr id="3" name="Content Placeholder 2"/>
+          <p:cNvSpPr>
+            <a:spLocks noGrp="1"/>
+          </p:cNvSpPr>
+          <p:nvPr>
+            <p:ph idx="1"/>
+          </p:nvPr>
+        </p:nvSpPr>
+        <p:spPr/>
+        <p:txBody>
+          <a:bodyPr/>
+          <a:lstStyle/>
+          <a:p>
+            <a:endParaRPr lang="ru-RU"/>
+          </a:p>
+        </p:txBody>
+      </p:sp>
+    </p:spTree>
+    <p:extLst>
+      <p:ext uri="{BB962C8B-B14F-4D97-AF65-F5344CB8AC3E}">
+        <p14:creationId xmlns:p14="http://schemas.microsoft.com/office/powerpoint/2010/main" val="107754598"/>
+      </p:ext>
+    </p:extLst>
+  </p:cSld>
+  <p:clrMapOvr>
+    <a:masterClrMapping/>
+  </p:clrMapOvr>
+</p:sld>
+</file>
+
+<file path=ppt/slides/slide33.xml><?xml version="1.0" encoding="utf-8"?>
 <p:sld xmlns:a="http://schemas.openxmlformats.org/drawingml/2006/main" xmlns:r="http://schemas.openxmlformats.org/officeDocument/2006/relationships" xmlns:p="http://schemas.openxmlformats.org/presentationml/2006/main">
   <p:cSld>
     <p:spTree>
@@ -40999,7 +44073,7 @@
 </p:sld>
 </file>
 
-<file path=ppt/slides/slide31.xml><?xml version="1.0" encoding="utf-8"?>
+<file path=ppt/slides/slide34.xml><?xml version="1.0" encoding="utf-8"?>
 <p:sld xmlns:a="http://schemas.openxmlformats.org/drawingml/2006/main" xmlns:r="http://schemas.openxmlformats.org/officeDocument/2006/relationships" xmlns:p="http://schemas.openxmlformats.org/presentationml/2006/main">
   <p:cSld>
     <p:spTree>
@@ -42022,12 +45096,22 @@
         </p:nvSpPr>
         <p:spPr/>
         <p:txBody>
-          <a:bodyPr/>
+          <a:bodyPr>
+            <a:normAutofit/>
+          </a:bodyPr>
           <a:lstStyle/>
           <a:p>
             <a:r>
+              <a:rPr lang="en-US" dirty="0" smtClean="0"/>
+              <a:t>Public </a:t>
+            </a:r>
+            <a:r>
               <a:rPr lang="en-US" dirty="0"/>
-              <a:t>Enterprise Public Cloud Usage</a:t>
+              <a:t>Cloud </a:t>
+            </a:r>
+            <a:r>
+              <a:rPr lang="en-US" dirty="0" smtClean="0"/>
+              <a:t>Usage 2015</a:t>
             </a:r>
             <a:endParaRPr lang="ru-RU" dirty="0"/>
           </a:p>
@@ -42040,7 +45124,7 @@
           <p:nvPr>
             <p:extLst>
               <p:ext uri="{D42A27DB-BD31-4B8C-83A1-F6EECF244321}">
-                <p14:modId xmlns:p14="http://schemas.microsoft.com/office/powerpoint/2010/main" val="392311509"/>
+                <p14:modId xmlns:p14="http://schemas.microsoft.com/office/powerpoint/2010/main" val="841160366"/>
               </p:ext>
             </p:extLst>
           </p:nvPr>
@@ -42160,6 +45244,174 @@
 </file>
 
 <file path=ppt/slides/slide8.xml><?xml version="1.0" encoding="utf-8"?>
+<p:sld xmlns:a="http://schemas.openxmlformats.org/drawingml/2006/main" xmlns:r="http://schemas.openxmlformats.org/officeDocument/2006/relationships" xmlns:p="http://schemas.openxmlformats.org/presentationml/2006/main">
+  <p:cSld>
+    <p:spTree>
+      <p:nvGrpSpPr>
+        <p:cNvPr id="1" name=""/>
+        <p:cNvGrpSpPr/>
+        <p:nvPr/>
+      </p:nvGrpSpPr>
+      <p:grpSpPr>
+        <a:xfrm>
+          <a:off x="0" y="0"/>
+          <a:ext cx="0" cy="0"/>
+          <a:chOff x="0" y="0"/>
+          <a:chExt cx="0" cy="0"/>
+        </a:xfrm>
+      </p:grpSpPr>
+      <p:sp>
+        <p:nvSpPr>
+          <p:cNvPr id="2" name="Title 1"/>
+          <p:cNvSpPr>
+            <a:spLocks noGrp="1"/>
+          </p:cNvSpPr>
+          <p:nvPr>
+            <p:ph type="title"/>
+          </p:nvPr>
+        </p:nvSpPr>
+        <p:spPr/>
+        <p:txBody>
+          <a:bodyPr>
+            <a:normAutofit/>
+          </a:bodyPr>
+          <a:lstStyle/>
+          <a:p>
+            <a:r>
+              <a:rPr lang="fr-FR" dirty="0"/>
+              <a:t>Public Cloud Usage 2015 vs. 2014</a:t>
+            </a:r>
+            <a:endParaRPr lang="ru-RU" dirty="0"/>
+          </a:p>
+        </p:txBody>
+      </p:sp>
+      <p:graphicFrame>
+        <p:nvGraphicFramePr>
+          <p:cNvPr id="14" name="Chart 13"/>
+          <p:cNvGraphicFramePr/>
+          <p:nvPr>
+            <p:extLst>
+              <p:ext uri="{D42A27DB-BD31-4B8C-83A1-F6EECF244321}">
+                <p14:modId xmlns:p14="http://schemas.microsoft.com/office/powerpoint/2010/main" val="414136276"/>
+              </p:ext>
+            </p:extLst>
+          </p:nvPr>
+        </p:nvGraphicFramePr>
+        <p:xfrm>
+          <a:off x="2133600" y="1052736"/>
+          <a:ext cx="9507015" cy="5418667"/>
+        </p:xfrm>
+        <a:graphic>
+          <a:graphicData uri="http://schemas.openxmlformats.org/drawingml/2006/chart">
+            <c:chart xmlns:c="http://schemas.openxmlformats.org/drawingml/2006/chart" xmlns:r="http://schemas.openxmlformats.org/officeDocument/2006/relationships" r:id="rId3"/>
+          </a:graphicData>
+        </a:graphic>
+      </p:graphicFrame>
+    </p:spTree>
+    <p:extLst>
+      <p:ext uri="{BB962C8B-B14F-4D97-AF65-F5344CB8AC3E}">
+        <p14:creationId xmlns:p14="http://schemas.microsoft.com/office/powerpoint/2010/main" val="1940557744"/>
+      </p:ext>
+    </p:extLst>
+  </p:cSld>
+  <p:clrMapOvr>
+    <a:masterClrMapping/>
+  </p:clrMapOvr>
+  <p:timing>
+    <p:tnLst>
+      <p:par>
+        <p:cTn id="1" dur="indefinite" restart="never" nodeType="tmRoot">
+          <p:childTnLst>
+            <p:seq concurrent="1" nextAc="seek">
+              <p:cTn id="2" dur="indefinite" nodeType="mainSeq">
+                <p:childTnLst>
+                  <p:par>
+                    <p:cTn id="3" fill="hold">
+                      <p:stCondLst>
+                        <p:cond delay="indefinite"/>
+                        <p:cond evt="onBegin" delay="0">
+                          <p:tn val="2"/>
+                        </p:cond>
+                      </p:stCondLst>
+                      <p:childTnLst>
+                        <p:par>
+                          <p:cTn id="4" fill="hold">
+                            <p:stCondLst>
+                              <p:cond delay="0"/>
+                            </p:stCondLst>
+                            <p:childTnLst>
+                              <p:par>
+                                <p:cTn id="5" presetID="10" presetClass="entr" presetSubtype="0" fill="hold" grpId="0" nodeType="afterEffect">
+                                  <p:stCondLst>
+                                    <p:cond delay="0"/>
+                                  </p:stCondLst>
+                                  <p:childTnLst>
+                                    <p:set>
+                                      <p:cBhvr>
+                                        <p:cTn id="6" dur="1" fill="hold">
+                                          <p:stCondLst>
+                                            <p:cond delay="0"/>
+                                          </p:stCondLst>
+                                        </p:cTn>
+                                        <p:tgtEl>
+                                          <p:spTgt spid="14"/>
+                                        </p:tgtEl>
+                                        <p:attrNameLst>
+                                          <p:attrName>style.visibility</p:attrName>
+                                        </p:attrNameLst>
+                                      </p:cBhvr>
+                                      <p:to>
+                                        <p:strVal val="visible"/>
+                                      </p:to>
+                                    </p:set>
+                                    <p:animEffect transition="in" filter="fade">
+                                      <p:cBhvr>
+                                        <p:cTn id="7" dur="1000"/>
+                                        <p:tgtEl>
+                                          <p:spTgt spid="14"/>
+                                        </p:tgtEl>
+                                      </p:cBhvr>
+                                    </p:animEffect>
+                                  </p:childTnLst>
+                                </p:cTn>
+                              </p:par>
+                            </p:childTnLst>
+                          </p:cTn>
+                        </p:par>
+                      </p:childTnLst>
+                    </p:cTn>
+                  </p:par>
+                </p:childTnLst>
+              </p:cTn>
+              <p:prevCondLst>
+                <p:cond evt="onPrev" delay="0">
+                  <p:tgtEl>
+                    <p:sldTgt/>
+                  </p:tgtEl>
+                </p:cond>
+              </p:prevCondLst>
+              <p:nextCondLst>
+                <p:cond evt="onNext" delay="0">
+                  <p:tgtEl>
+                    <p:sldTgt/>
+                  </p:tgtEl>
+                </p:cond>
+              </p:nextCondLst>
+            </p:seq>
+          </p:childTnLst>
+        </p:cTn>
+      </p:par>
+    </p:tnLst>
+    <p:bldLst>
+      <p:bldGraphic spid="14" grpId="0">
+        <p:bldAsOne/>
+      </p:bldGraphic>
+    </p:bldLst>
+  </p:timing>
+</p:sld>
+</file>
+
+<file path=ppt/slides/slide9.xml><?xml version="1.0" encoding="utf-8"?>
 <p:sld xmlns:a="http://schemas.openxmlformats.org/drawingml/2006/main" xmlns:r="http://schemas.openxmlformats.org/officeDocument/2006/relationships" xmlns:p="http://schemas.openxmlformats.org/presentationml/2006/main">
   <p:cSld>
     <p:spTree>
@@ -42385,85 +45637,6 @@
         <p:bldAsOne/>
       </p:bldGraphic>
     </p:bldLst>
-  </p:timing>
-</p:sld>
-</file>
-
-<file path=ppt/slides/slide9.xml><?xml version="1.0" encoding="utf-8"?>
-<p:sld xmlns:a="http://schemas.openxmlformats.org/drawingml/2006/main" xmlns:r="http://schemas.openxmlformats.org/officeDocument/2006/relationships" xmlns:p="http://schemas.openxmlformats.org/presentationml/2006/main">
-  <p:cSld>
-    <p:spTree>
-      <p:nvGrpSpPr>
-        <p:cNvPr id="1" name=""/>
-        <p:cNvGrpSpPr/>
-        <p:nvPr/>
-      </p:nvGrpSpPr>
-      <p:grpSpPr>
-        <a:xfrm>
-          <a:off x="0" y="0"/>
-          <a:ext cx="0" cy="0"/>
-          <a:chOff x="0" y="0"/>
-          <a:chExt cx="0" cy="0"/>
-        </a:xfrm>
-      </p:grpSpPr>
-      <p:sp>
-        <p:nvSpPr>
-          <p:cNvPr id="2" name="Title 1"/>
-          <p:cNvSpPr>
-            <a:spLocks noGrp="1"/>
-          </p:cNvSpPr>
-          <p:nvPr>
-            <p:ph type="title"/>
-          </p:nvPr>
-        </p:nvSpPr>
-        <p:spPr/>
-        <p:txBody>
-          <a:bodyPr/>
-          <a:lstStyle/>
-          <a:p>
-            <a:r>
-              <a:rPr lang="en-US" dirty="0" smtClean="0"/>
-              <a:t>Payments</a:t>
-            </a:r>
-            <a:endParaRPr lang="ru-RU" dirty="0"/>
-          </a:p>
-        </p:txBody>
-      </p:sp>
-      <p:sp>
-        <p:nvSpPr>
-          <p:cNvPr id="3" name="Content Placeholder 2"/>
-          <p:cNvSpPr>
-            <a:spLocks noGrp="1"/>
-          </p:cNvSpPr>
-          <p:nvPr>
-            <p:ph idx="1"/>
-          </p:nvPr>
-        </p:nvSpPr>
-        <p:spPr/>
-        <p:txBody>
-          <a:bodyPr/>
-          <a:lstStyle/>
-          <a:p>
-            <a:endParaRPr lang="ru-RU" dirty="0"/>
-          </a:p>
-        </p:txBody>
-      </p:sp>
-    </p:spTree>
-    <p:extLst>
-      <p:ext uri="{BB962C8B-B14F-4D97-AF65-F5344CB8AC3E}">
-        <p14:creationId xmlns:p14="http://schemas.microsoft.com/office/powerpoint/2010/main" val="384515943"/>
-      </p:ext>
-    </p:extLst>
-  </p:cSld>
-  <p:clrMapOvr>
-    <a:masterClrMapping/>
-  </p:clrMapOvr>
-  <p:timing>
-    <p:tnLst>
-      <p:par>
-        <p:cTn id="1" dur="indefinite" restart="never" nodeType="tmRoot"/>
-      </p:par>
-    </p:tnLst>
   </p:timing>
 </p:sld>
 </file>

--- a/Presentation/2015 - Microsoft Azure.pptx
+++ b/Presentation/2015 - Microsoft Azure.pptx
@@ -5,7 +5,7 @@
     <p:sldMasterId id="2147483660" r:id="rId1"/>
   </p:sldMasterIdLst>
   <p:notesMasterIdLst>
-    <p:notesMasterId r:id="rId36"/>
+    <p:notesMasterId r:id="rId38"/>
   </p:notesMasterIdLst>
   <p:sldIdLst>
     <p:sldId id="256" r:id="rId2"/>
@@ -32,16 +32,18 @@
     <p:sldId id="384" r:id="rId23"/>
     <p:sldId id="385" r:id="rId24"/>
     <p:sldId id="386" r:id="rId25"/>
-    <p:sldId id="390" r:id="rId26"/>
-    <p:sldId id="389" r:id="rId27"/>
-    <p:sldId id="379" r:id="rId28"/>
-    <p:sldId id="377" r:id="rId29"/>
-    <p:sldId id="375" r:id="rId30"/>
-    <p:sldId id="376" r:id="rId31"/>
-    <p:sldId id="382" r:id="rId32"/>
-    <p:sldId id="381" r:id="rId33"/>
-    <p:sldId id="374" r:id="rId34"/>
-    <p:sldId id="342" r:id="rId35"/>
+    <p:sldId id="389" r:id="rId26"/>
+    <p:sldId id="379" r:id="rId27"/>
+    <p:sldId id="391" r:id="rId28"/>
+    <p:sldId id="390" r:id="rId29"/>
+    <p:sldId id="392" r:id="rId30"/>
+    <p:sldId id="377" r:id="rId31"/>
+    <p:sldId id="375" r:id="rId32"/>
+    <p:sldId id="376" r:id="rId33"/>
+    <p:sldId id="382" r:id="rId34"/>
+    <p:sldId id="381" r:id="rId35"/>
+    <p:sldId id="374" r:id="rId36"/>
+    <p:sldId id="342" r:id="rId37"/>
   </p:sldIdLst>
   <p:sldSz cx="12192000" cy="6858000"/>
   <p:notesSz cx="6858000" cy="9144000"/>
@@ -169,9 +171,11 @@
             <p14:sldId id="384"/>
             <p14:sldId id="385"/>
             <p14:sldId id="386"/>
-            <p14:sldId id="390"/>
             <p14:sldId id="389"/>
             <p14:sldId id="379"/>
+            <p14:sldId id="391"/>
+            <p14:sldId id="390"/>
+            <p14:sldId id="392"/>
             <p14:sldId id="377"/>
             <p14:sldId id="375"/>
             <p14:sldId id="376"/>
@@ -340,7 +344,6 @@
             <c:showLeaderLines val="0"/>
             <c:extLst>
               <c:ext xmlns:c15="http://schemas.microsoft.com/office/drawing/2012/chart" uri="{CE6537A1-D6FC-4f65-9D91-7224C49458BB}">
-                <c15:layout/>
                 <c15:showLeaderLines val="1"/>
                 <c15:leaderLines>
                   <c:spPr>
@@ -484,7 +487,6 @@
             <c:showLeaderLines val="0"/>
             <c:extLst>
               <c:ext xmlns:c15="http://schemas.microsoft.com/office/drawing/2012/chart" uri="{CE6537A1-D6FC-4f65-9D91-7224C49458BB}">
-                <c15:layout/>
                 <c15:showLeaderLines val="1"/>
                 <c15:leaderLines>
                   <c:spPr>
@@ -628,7 +630,6 @@
             <c:showLeaderLines val="0"/>
             <c:extLst>
               <c:ext xmlns:c15="http://schemas.microsoft.com/office/drawing/2012/chart" uri="{CE6537A1-D6FC-4f65-9D91-7224C49458BB}">
-                <c15:layout/>
                 <c15:showLeaderLines val="1"/>
                 <c15:leaderLines>
                   <c:spPr>
@@ -717,12 +718,12 @@
         </c:dLbls>
         <c:gapWidth val="150"/>
         <c:shape val="box"/>
-        <c:axId val="79465680"/>
-        <c:axId val="79467856"/>
+        <c:axId val="231273024"/>
+        <c:axId val="231273568"/>
         <c:axId val="0"/>
       </c:bar3DChart>
       <c:catAx>
-        <c:axId val="79465680"/>
+        <c:axId val="231273024"/>
         <c:scaling>
           <c:orientation val="minMax"/>
         </c:scaling>
@@ -773,7 +774,7 @@
             <a:endParaRPr lang="ru-RU"/>
           </a:p>
         </c:txPr>
-        <c:crossAx val="79467856"/>
+        <c:crossAx val="231273568"/>
         <c:crosses val="autoZero"/>
         <c:auto val="1"/>
         <c:lblAlgn val="ctr"/>
@@ -781,7 +782,7 @@
         <c:noMultiLvlLbl val="0"/>
       </c:catAx>
       <c:valAx>
-        <c:axId val="79467856"/>
+        <c:axId val="231273568"/>
         <c:scaling>
           <c:orientation val="minMax"/>
           <c:max val="1"/>
@@ -835,7 +836,7 @@
             <a:endParaRPr lang="ru-RU"/>
           </a:p>
         </c:txPr>
-        <c:crossAx val="79465680"/>
+        <c:crossAx val="231273024"/>
         <c:crosses val="autoZero"/>
         <c:crossBetween val="between"/>
       </c:valAx>
@@ -1064,7 +1065,6 @@
             <c:showLeaderLines val="0"/>
             <c:extLst>
               <c:ext xmlns:c15="http://schemas.microsoft.com/office/drawing/2012/chart" uri="{CE6537A1-D6FC-4f65-9D91-7224C49458BB}">
-                <c15:layout/>
                 <c15:showLeaderLines val="1"/>
                 <c15:leaderLines>
                   <c:spPr>
@@ -1184,9 +1184,7 @@
               <c:showPercent val="0"/>
               <c:showBubbleSize val="0"/>
               <c:extLst>
-                <c:ext xmlns:c15="http://schemas.microsoft.com/office/drawing/2012/chart" uri="{CE6537A1-D6FC-4f65-9D91-7224C49458BB}">
-                  <c15:layout/>
-                </c:ext>
+                <c:ext xmlns:c15="http://schemas.microsoft.com/office/drawing/2012/chart" uri="{CE6537A1-D6FC-4f65-9D91-7224C49458BB}"/>
               </c:extLst>
             </c:dLbl>
             <c:dLbl>
@@ -1204,9 +1202,7 @@
               <c:showPercent val="0"/>
               <c:showBubbleSize val="0"/>
               <c:extLst>
-                <c:ext xmlns:c15="http://schemas.microsoft.com/office/drawing/2012/chart" uri="{CE6537A1-D6FC-4f65-9D91-7224C49458BB}">
-                  <c15:layout/>
-                </c:ext>
+                <c:ext xmlns:c15="http://schemas.microsoft.com/office/drawing/2012/chart" uri="{CE6537A1-D6FC-4f65-9D91-7224C49458BB}"/>
               </c:extLst>
             </c:dLbl>
             <c:dLbl>
@@ -1224,9 +1220,7 @@
               <c:showPercent val="0"/>
               <c:showBubbleSize val="0"/>
               <c:extLst>
-                <c:ext xmlns:c15="http://schemas.microsoft.com/office/drawing/2012/chart" uri="{CE6537A1-D6FC-4f65-9D91-7224C49458BB}">
-                  <c15:layout/>
-                </c:ext>
+                <c:ext xmlns:c15="http://schemas.microsoft.com/office/drawing/2012/chart" uri="{CE6537A1-D6FC-4f65-9D91-7224C49458BB}"/>
               </c:extLst>
             </c:dLbl>
             <c:dLbl>
@@ -1299,9 +1293,7 @@
               <c:showPercent val="0"/>
               <c:showBubbleSize val="0"/>
               <c:extLst>
-                <c:ext xmlns:c15="http://schemas.microsoft.com/office/drawing/2012/chart" uri="{CE6537A1-D6FC-4f65-9D91-7224C49458BB}">
-                  <c15:layout/>
-                </c:ext>
+                <c:ext xmlns:c15="http://schemas.microsoft.com/office/drawing/2012/chart" uri="{CE6537A1-D6FC-4f65-9D91-7224C49458BB}"/>
               </c:extLst>
             </c:dLbl>
             <c:dLbl>
@@ -1319,9 +1311,7 @@
               <c:showPercent val="0"/>
               <c:showBubbleSize val="0"/>
               <c:extLst>
-                <c:ext xmlns:c15="http://schemas.microsoft.com/office/drawing/2012/chart" uri="{CE6537A1-D6FC-4f65-9D91-7224C49458BB}">
-                  <c15:layout/>
-                </c:ext>
+                <c:ext xmlns:c15="http://schemas.microsoft.com/office/drawing/2012/chart" uri="{CE6537A1-D6FC-4f65-9D91-7224C49458BB}"/>
               </c:extLst>
             </c:dLbl>
             <c:dLbl>
@@ -1339,9 +1329,7 @@
               <c:showPercent val="0"/>
               <c:showBubbleSize val="0"/>
               <c:extLst>
-                <c:ext xmlns:c15="http://schemas.microsoft.com/office/drawing/2012/chart" uri="{CE6537A1-D6FC-4f65-9D91-7224C49458BB}">
-                  <c15:layout/>
-                </c:ext>
+                <c:ext xmlns:c15="http://schemas.microsoft.com/office/drawing/2012/chart" uri="{CE6537A1-D6FC-4f65-9D91-7224C49458BB}"/>
               </c:extLst>
             </c:dLbl>
             <c:numFmt formatCode="0%" sourceLinked="0"/>
@@ -1383,7 +1371,6 @@
             <c:showLeaderLines val="0"/>
             <c:extLst>
               <c:ext xmlns:c15="http://schemas.microsoft.com/office/drawing/2012/chart" uri="{CE6537A1-D6FC-4f65-9D91-7224C49458BB}">
-                <c15:layout/>
                 <c15:showLeaderLines val="1"/>
                 <c15:leaderLines>
                   <c:spPr>
@@ -1472,12 +1459,12 @@
         </c:dLbls>
         <c:gapWidth val="150"/>
         <c:shape val="box"/>
-        <c:axId val="386501600"/>
-        <c:axId val="386495072"/>
+        <c:axId val="231285536"/>
+        <c:axId val="231280640"/>
         <c:axId val="0"/>
       </c:bar3DChart>
       <c:catAx>
-        <c:axId val="386501600"/>
+        <c:axId val="231285536"/>
         <c:scaling>
           <c:orientation val="minMax"/>
         </c:scaling>
@@ -1528,7 +1515,7 @@
             <a:endParaRPr lang="ru-RU"/>
           </a:p>
         </c:txPr>
-        <c:crossAx val="386495072"/>
+        <c:crossAx val="231280640"/>
         <c:crosses val="autoZero"/>
         <c:auto val="1"/>
         <c:lblAlgn val="ctr"/>
@@ -1536,7 +1523,7 @@
         <c:noMultiLvlLbl val="0"/>
       </c:catAx>
       <c:valAx>
-        <c:axId val="386495072"/>
+        <c:axId val="231280640"/>
         <c:scaling>
           <c:orientation val="minMax"/>
           <c:max val="1"/>
@@ -1590,7 +1577,7 @@
             <a:endParaRPr lang="ru-RU"/>
           </a:p>
         </c:txPr>
-        <c:crossAx val="386501600"/>
+        <c:crossAx val="231285536"/>
         <c:crosses val="autoZero"/>
         <c:crossBetween val="between"/>
       </c:valAx>
@@ -1725,7 +1712,6 @@
           </a:p>
         </c:rich>
       </c:tx>
-      <c:layout/>
       <c:overlay val="0"/>
       <c:spPr>
         <a:noFill/>
@@ -1827,7 +1813,6 @@
             <c:showLeaderLines val="0"/>
             <c:extLst>
               <c:ext xmlns:c15="http://schemas.microsoft.com/office/drawing/2012/chart" uri="{CE6537A1-D6FC-4f65-9D91-7224C49458BB}">
-                <c15:layout/>
                 <c15:showLeaderLines val="1"/>
                 <c15:leaderLines>
                   <c:spPr>
@@ -1935,7 +1920,6 @@
             <c:showLeaderLines val="0"/>
             <c:extLst>
               <c:ext xmlns:c15="http://schemas.microsoft.com/office/drawing/2012/chart" uri="{CE6537A1-D6FC-4f65-9D91-7224C49458BB}">
-                <c15:layout/>
                 <c15:showLeaderLines val="1"/>
                 <c15:leaderLines>
                   <c:spPr>
@@ -2043,7 +2027,6 @@
             <c:showLeaderLines val="0"/>
             <c:extLst>
               <c:ext xmlns:c15="http://schemas.microsoft.com/office/drawing/2012/chart" uri="{CE6537A1-D6FC-4f65-9D91-7224C49458BB}">
-                <c15:layout/>
                 <c15:showLeaderLines val="1"/>
                 <c15:leaderLines>
                   <c:spPr>
@@ -2151,7 +2134,6 @@
             <c:showLeaderLines val="0"/>
             <c:extLst>
               <c:ext xmlns:c15="http://schemas.microsoft.com/office/drawing/2012/chart" uri="{CE6537A1-D6FC-4f65-9D91-7224C49458BB}">
-                <c15:layout/>
                 <c15:showLeaderLines val="1"/>
                 <c15:leaderLines>
                   <c:spPr>
@@ -2204,11 +2186,11 @@
         </c:dLbls>
         <c:gapWidth val="219"/>
         <c:overlap val="-27"/>
-        <c:axId val="79474384"/>
-        <c:axId val="79473296"/>
+        <c:axId val="231278464"/>
+        <c:axId val="231279008"/>
       </c:barChart>
       <c:catAx>
-        <c:axId val="79474384"/>
+        <c:axId val="231278464"/>
         <c:scaling>
           <c:orientation val="minMax"/>
         </c:scaling>
@@ -2251,7 +2233,7 @@
             <a:endParaRPr lang="ru-RU"/>
           </a:p>
         </c:txPr>
-        <c:crossAx val="79473296"/>
+        <c:crossAx val="231279008"/>
         <c:crosses val="autoZero"/>
         <c:auto val="1"/>
         <c:lblAlgn val="ctr"/>
@@ -2259,7 +2241,7 @@
         <c:noMultiLvlLbl val="0"/>
       </c:catAx>
       <c:valAx>
-        <c:axId val="79473296"/>
+        <c:axId val="231279008"/>
         <c:scaling>
           <c:orientation val="minMax"/>
         </c:scaling>
@@ -2310,7 +2292,7 @@
             <a:endParaRPr lang="ru-RU"/>
           </a:p>
         </c:txPr>
-        <c:crossAx val="79474384"/>
+        <c:crossAx val="231278464"/>
         <c:crosses val="autoZero"/>
         <c:crossBetween val="between"/>
         <c:majorUnit val="1"/>
@@ -2325,7 +2307,6 @@
     </c:plotArea>
     <c:legend>
       <c:legendPos val="b"/>
-      <c:layout/>
       <c:overlay val="0"/>
       <c:spPr>
         <a:noFill/>
@@ -2427,7 +2408,6 @@
           </a:p>
         </c:rich>
       </c:tx>
-      <c:layout/>
       <c:overlay val="0"/>
       <c:spPr>
         <a:noFill/>
@@ -2529,7 +2509,6 @@
             <c:showLeaderLines val="0"/>
             <c:extLst>
               <c:ext xmlns:c15="http://schemas.microsoft.com/office/drawing/2012/chart" uri="{CE6537A1-D6FC-4f65-9D91-7224C49458BB}">
-                <c15:layout/>
                 <c15:showLeaderLines val="1"/>
                 <c15:leaderLines>
                   <c:spPr>
@@ -2637,7 +2616,6 @@
             <c:showLeaderLines val="0"/>
             <c:extLst>
               <c:ext xmlns:c15="http://schemas.microsoft.com/office/drawing/2012/chart" uri="{CE6537A1-D6FC-4f65-9D91-7224C49458BB}">
-                <c15:layout/>
                 <c15:showLeaderLines val="1"/>
                 <c15:leaderLines>
                   <c:spPr>
@@ -2745,7 +2723,6 @@
             <c:showLeaderLines val="0"/>
             <c:extLst>
               <c:ext xmlns:c15="http://schemas.microsoft.com/office/drawing/2012/chart" uri="{CE6537A1-D6FC-4f65-9D91-7224C49458BB}">
-                <c15:layout/>
                 <c15:showLeaderLines val="1"/>
                 <c15:leaderLines>
                   <c:spPr>
@@ -2853,7 +2830,6 @@
             <c:showLeaderLines val="0"/>
             <c:extLst>
               <c:ext xmlns:c15="http://schemas.microsoft.com/office/drawing/2012/chart" uri="{CE6537A1-D6FC-4f65-9D91-7224C49458BB}">
-                <c15:layout/>
                 <c15:showLeaderLines val="1"/>
                 <c15:leaderLines>
                   <c:spPr>
@@ -2906,11 +2882,11 @@
         </c:dLbls>
         <c:gapWidth val="219"/>
         <c:overlap val="-27"/>
-        <c:axId val="79472208"/>
-        <c:axId val="79464048"/>
+        <c:axId val="231281728"/>
+        <c:axId val="231286080"/>
       </c:barChart>
       <c:catAx>
-        <c:axId val="79472208"/>
+        <c:axId val="231281728"/>
         <c:scaling>
           <c:orientation val="minMax"/>
         </c:scaling>
@@ -2953,7 +2929,7 @@
             <a:endParaRPr lang="ru-RU"/>
           </a:p>
         </c:txPr>
-        <c:crossAx val="79464048"/>
+        <c:crossAx val="231286080"/>
         <c:crosses val="autoZero"/>
         <c:auto val="1"/>
         <c:lblAlgn val="ctr"/>
@@ -2961,7 +2937,7 @@
         <c:noMultiLvlLbl val="0"/>
       </c:catAx>
       <c:valAx>
-        <c:axId val="79464048"/>
+        <c:axId val="231286080"/>
         <c:scaling>
           <c:orientation val="minMax"/>
         </c:scaling>
@@ -3012,7 +2988,7 @@
             <a:endParaRPr lang="ru-RU"/>
           </a:p>
         </c:txPr>
-        <c:crossAx val="79472208"/>
+        <c:crossAx val="231281728"/>
         <c:crosses val="autoZero"/>
         <c:crossBetween val="between"/>
       </c:valAx>
@@ -3026,7 +3002,6 @@
     </c:plotArea>
     <c:legend>
       <c:legendPos val="b"/>
-      <c:layout/>
       <c:overlay val="0"/>
       <c:spPr>
         <a:noFill/>
@@ -3129,7 +3104,6 @@
           </a:p>
         </c:rich>
       </c:tx>
-      <c:layout/>
       <c:overlay val="0"/>
       <c:spPr>
         <a:noFill/>
@@ -3325,7 +3299,6 @@
           <c:dLbls>
             <c:dLbl>
               <c:idx val="0"/>
-              <c:layout/>
               <c:numFmt formatCode="0%" sourceLinked="0"/>
               <c:spPr>
                 <a:solidFill>
@@ -3376,14 +3349,11 @@
               <c:showPercent val="0"/>
               <c:showBubbleSize val="0"/>
               <c:extLst>
-                <c:ext xmlns:c15="http://schemas.microsoft.com/office/drawing/2012/chart" uri="{CE6537A1-D6FC-4f65-9D91-7224C49458BB}">
-                  <c15:layout/>
-                </c:ext>
+                <c:ext xmlns:c15="http://schemas.microsoft.com/office/drawing/2012/chart" uri="{CE6537A1-D6FC-4f65-9D91-7224C49458BB}"/>
               </c:extLst>
             </c:dLbl>
             <c:dLbl>
               <c:idx val="1"/>
-              <c:layout/>
               <c:numFmt formatCode="0%" sourceLinked="0"/>
               <c:spPr>
                 <a:solidFill>
@@ -3434,14 +3404,11 @@
               <c:showPercent val="0"/>
               <c:showBubbleSize val="0"/>
               <c:extLst>
-                <c:ext xmlns:c15="http://schemas.microsoft.com/office/drawing/2012/chart" uri="{CE6537A1-D6FC-4f65-9D91-7224C49458BB}">
-                  <c15:layout/>
-                </c:ext>
+                <c:ext xmlns:c15="http://schemas.microsoft.com/office/drawing/2012/chart" uri="{CE6537A1-D6FC-4f65-9D91-7224C49458BB}"/>
               </c:extLst>
             </c:dLbl>
             <c:dLbl>
               <c:idx val="2"/>
-              <c:layout/>
               <c:numFmt formatCode="0%" sourceLinked="0"/>
               <c:spPr>
                 <a:solidFill>
@@ -3492,9 +3459,7 @@
               <c:showPercent val="0"/>
               <c:showBubbleSize val="0"/>
               <c:extLst>
-                <c:ext xmlns:c15="http://schemas.microsoft.com/office/drawing/2012/chart" uri="{CE6537A1-D6FC-4f65-9D91-7224C49458BB}">
-                  <c15:layout/>
-                </c:ext>
+                <c:ext xmlns:c15="http://schemas.microsoft.com/office/drawing/2012/chart" uri="{CE6537A1-D6FC-4f65-9D91-7224C49458BB}"/>
               </c:extLst>
             </c:dLbl>
             <c:numFmt formatCode="0%" sourceLinked="0"/>
@@ -10147,8 +10112,8 @@
     <dgm:cxn modelId="{575B3600-AE0C-420F-8794-BCB16D1F06E9}" type="presOf" srcId="{A9FF98FB-0436-4A21-80D5-98984A5D7DEF}" destId="{2C989446-76CB-491D-A9E5-90C479CC1EB6}" srcOrd="0" destOrd="0" presId="urn:microsoft.com/office/officeart/2008/layout/RadialCluster"/>
     <dgm:cxn modelId="{25BE697C-FF0A-419D-B6D0-97D1FD6CF3AD}" type="presOf" srcId="{D723C67C-B8EF-4E8B-B78C-64AF01B8DE70}" destId="{42C5E428-457C-4D2D-B9F7-8D88B989BAC4}" srcOrd="0" destOrd="0" presId="urn:microsoft.com/office/officeart/2008/layout/RadialCluster"/>
     <dgm:cxn modelId="{A1C3788A-9CBD-4238-9560-BF12EBE8E844}" srcId="{318EB9F8-A3B4-4FA7-9997-4937EB56EAEC}" destId="{E401A207-D970-4540-A7D8-1D2DE637C704}" srcOrd="0" destOrd="0" parTransId="{663A62C9-9B3D-48E0-A3FC-618886457E72}" sibTransId="{6DFC798E-040C-44FF-A79A-A674AC8D6016}"/>
+    <dgm:cxn modelId="{3E39D600-3319-414C-AC04-E60BBD6480B0}" type="presOf" srcId="{1CA18002-A7AB-4BC8-AE26-63D7D0F48C28}" destId="{905EE044-8A93-48F4-B923-0A245442EAF2}" srcOrd="0" destOrd="0" presId="urn:microsoft.com/office/officeart/2008/layout/RadialCluster"/>
     <dgm:cxn modelId="{CCE361DE-2928-429E-AB70-57B21A35219B}" srcId="{E401A207-D970-4540-A7D8-1D2DE637C704}" destId="{CF41F630-8275-45B3-9FEF-10BF54F25AE4}" srcOrd="2" destOrd="0" parTransId="{5D132AE9-BFD6-4DFD-8F8E-F3F27B48509E}" sibTransId="{291DC6B3-14F8-4F12-8666-49622576D9A8}"/>
-    <dgm:cxn modelId="{3E39D600-3319-414C-AC04-E60BBD6480B0}" type="presOf" srcId="{1CA18002-A7AB-4BC8-AE26-63D7D0F48C28}" destId="{905EE044-8A93-48F4-B923-0A245442EAF2}" srcOrd="0" destOrd="0" presId="urn:microsoft.com/office/officeart/2008/layout/RadialCluster"/>
     <dgm:cxn modelId="{56F9A2B6-4CD9-4FAB-891D-7372F6270179}" type="presOf" srcId="{0D4F7F9C-13D9-41A2-91CB-B4D407DADAF8}" destId="{A1DBB35B-359C-44C1-948D-F0C4AB873D98}" srcOrd="0" destOrd="0" presId="urn:microsoft.com/office/officeart/2008/layout/RadialCluster"/>
     <dgm:cxn modelId="{5B482096-7B1A-4610-B289-1382C4FDA82F}" type="presParOf" srcId="{E837BDE3-383E-40B2-A6FC-7B4752AEE84C}" destId="{5447C531-E157-4A38-8E15-D58CFDE83DDB}" srcOrd="0" destOrd="0" presId="urn:microsoft.com/office/officeart/2008/layout/RadialCluster"/>
     <dgm:cxn modelId="{44A70410-ABF5-4E70-804C-59ECD011A6F3}" type="presParOf" srcId="{5447C531-E157-4A38-8E15-D58CFDE83DDB}" destId="{25056C25-FD7A-454A-BD80-5797A854A1C9}" srcOrd="0" destOrd="0" presId="urn:microsoft.com/office/officeart/2008/layout/RadialCluster"/>
@@ -10185,800 +10150,6 @@
       <dsp:cNvGrpSpPr/>
     </dsp:nvGrpSpPr>
     <dsp:grpSpPr/>
-    <dsp:sp modelId="{506CC8FD-2E26-4AE7-B13D-71BBCE420E2C}">
-      <dsp:nvSpPr>
-        <dsp:cNvPr id="0" name=""/>
-        <dsp:cNvSpPr/>
-      </dsp:nvSpPr>
-      <dsp:spPr>
-        <a:xfrm>
-          <a:off x="1724949" y="1204142"/>
-          <a:ext cx="915812" cy="915812"/>
-        </a:xfrm>
-        <a:prstGeom prst="ellipse">
-          <a:avLst/>
-        </a:prstGeom>
-        <a:solidFill>
-          <a:srgbClr val="92D050"/>
-        </a:solidFill>
-        <a:ln w="25400" cap="flat" cmpd="sng" algn="ctr">
-          <a:solidFill>
-            <a:schemeClr val="accent3">
-              <a:lumMod val="75000"/>
-            </a:schemeClr>
-          </a:solidFill>
-          <a:prstDash val="solid"/>
-        </a:ln>
-        <a:effectLst/>
-      </dsp:spPr>
-      <dsp:style>
-        <a:lnRef idx="2">
-          <a:scrgbClr r="0" g="0" b="0"/>
-        </a:lnRef>
-        <a:fillRef idx="1">
-          <a:scrgbClr r="0" g="0" b="0"/>
-        </a:fillRef>
-        <a:effectRef idx="0">
-          <a:scrgbClr r="0" g="0" b="0"/>
-        </a:effectRef>
-        <a:fontRef idx="minor">
-          <a:schemeClr val="lt1"/>
-        </a:fontRef>
-      </dsp:style>
-      <dsp:txBody>
-        <a:bodyPr spcFirstLastPara="0" vert="horz" wrap="square" lIns="12700" tIns="12700" rIns="12700" bIns="12700" numCol="1" spcCol="1270" anchor="ctr" anchorCtr="0">
-          <a:noAutofit/>
-        </a:bodyPr>
-        <a:lstStyle/>
-        <a:p>
-          <a:pPr lvl="0" algn="ctr" defTabSz="889000">
-            <a:lnSpc>
-              <a:spcPct val="90000"/>
-            </a:lnSpc>
-            <a:spcBef>
-              <a:spcPct val="0"/>
-            </a:spcBef>
-            <a:spcAft>
-              <a:spcPct val="35000"/>
-            </a:spcAft>
-          </a:pPr>
-          <a:r>
-            <a:rPr lang="en-US" sz="2000" kern="1200" dirty="0" smtClean="0"/>
-            <a:t>SaaS</a:t>
-          </a:r>
-          <a:endParaRPr lang="ru-RU" sz="2000" kern="1200" dirty="0"/>
-        </a:p>
-      </dsp:txBody>
-      <dsp:txXfrm>
-        <a:off x="1859067" y="1338260"/>
-        <a:ext cx="647576" cy="647576"/>
-      </dsp:txXfrm>
-    </dsp:sp>
-    <dsp:sp modelId="{BD3E845E-4D7C-4CE3-83BC-20831ED88AEC}">
-      <dsp:nvSpPr>
-        <dsp:cNvPr id="0" name=""/>
-        <dsp:cNvSpPr/>
-      </dsp:nvSpPr>
-      <dsp:spPr>
-        <a:xfrm rot="16200000">
-          <a:off x="2044493" y="1046901"/>
-          <a:ext cx="276723" cy="37759"/>
-        </a:xfrm>
-        <a:custGeom>
-          <a:avLst/>
-          <a:gdLst/>
-          <a:ahLst/>
-          <a:cxnLst/>
-          <a:rect l="0" t="0" r="0" b="0"/>
-          <a:pathLst>
-            <a:path>
-              <a:moveTo>
-                <a:pt x="0" y="18879"/>
-              </a:moveTo>
-              <a:lnTo>
-                <a:pt x="276723" y="18879"/>
-              </a:lnTo>
-            </a:path>
-          </a:pathLst>
-        </a:custGeom>
-        <a:noFill/>
-        <a:ln w="25400" cap="flat" cmpd="sng" algn="ctr">
-          <a:solidFill>
-            <a:schemeClr val="accent1">
-              <a:shade val="60000"/>
-              <a:hueOff val="0"/>
-              <a:satOff val="0"/>
-              <a:lumOff val="0"/>
-              <a:alphaOff val="0"/>
-            </a:schemeClr>
-          </a:solidFill>
-          <a:prstDash val="solid"/>
-        </a:ln>
-        <a:effectLst/>
-      </dsp:spPr>
-      <dsp:style>
-        <a:lnRef idx="2">
-          <a:scrgbClr r="0" g="0" b="0"/>
-        </a:lnRef>
-        <a:fillRef idx="0">
-          <a:scrgbClr r="0" g="0" b="0"/>
-        </a:fillRef>
-        <a:effectRef idx="0">
-          <a:scrgbClr r="0" g="0" b="0"/>
-        </a:effectRef>
-        <a:fontRef idx="minor"/>
-      </dsp:style>
-      <dsp:txBody>
-        <a:bodyPr spcFirstLastPara="0" vert="horz" wrap="square" lIns="12700" tIns="0" rIns="12700" bIns="0" numCol="1" spcCol="1270" anchor="ctr" anchorCtr="0">
-          <a:noAutofit/>
-        </a:bodyPr>
-        <a:lstStyle/>
-        <a:p>
-          <a:pPr lvl="0" algn="ctr" defTabSz="222250">
-            <a:lnSpc>
-              <a:spcPct val="90000"/>
-            </a:lnSpc>
-            <a:spcBef>
-              <a:spcPct val="0"/>
-            </a:spcBef>
-            <a:spcAft>
-              <a:spcPct val="35000"/>
-            </a:spcAft>
-          </a:pPr>
-          <a:endParaRPr lang="ru-RU" sz="500" kern="1200"/>
-        </a:p>
-      </dsp:txBody>
-      <dsp:txXfrm>
-        <a:off x="2175937" y="1058862"/>
-        <a:ext cx="13836" cy="13836"/>
-      </dsp:txXfrm>
-    </dsp:sp>
-    <dsp:sp modelId="{19A07A34-1010-48C6-A801-BD8D5D256EA9}">
-      <dsp:nvSpPr>
-        <dsp:cNvPr id="0" name=""/>
-        <dsp:cNvSpPr/>
-      </dsp:nvSpPr>
-      <dsp:spPr>
-        <a:xfrm>
-          <a:off x="1724949" y="11606"/>
-          <a:ext cx="915812" cy="915812"/>
-        </a:xfrm>
-        <a:prstGeom prst="ellipse">
-          <a:avLst/>
-        </a:prstGeom>
-        <a:solidFill>
-          <a:srgbClr val="00B0F0"/>
-        </a:solidFill>
-        <a:ln w="25400" cap="flat" cmpd="sng" algn="ctr">
-          <a:solidFill>
-            <a:schemeClr val="tx2">
-              <a:lumMod val="60000"/>
-              <a:lumOff val="40000"/>
-            </a:schemeClr>
-          </a:solidFill>
-          <a:prstDash val="solid"/>
-        </a:ln>
-        <a:effectLst/>
-      </dsp:spPr>
-      <dsp:style>
-        <a:lnRef idx="2">
-          <a:scrgbClr r="0" g="0" b="0"/>
-        </a:lnRef>
-        <a:fillRef idx="1">
-          <a:scrgbClr r="0" g="0" b="0"/>
-        </a:fillRef>
-        <a:effectRef idx="0">
-          <a:scrgbClr r="0" g="0" b="0"/>
-        </a:effectRef>
-        <a:fontRef idx="minor">
-          <a:schemeClr val="lt1"/>
-        </a:fontRef>
-      </dsp:style>
-      <dsp:txBody>
-        <a:bodyPr spcFirstLastPara="0" vert="horz" wrap="square" lIns="12700" tIns="12700" rIns="12700" bIns="12700" numCol="1" spcCol="1270" anchor="ctr" anchorCtr="0">
-          <a:noAutofit/>
-        </a:bodyPr>
-        <a:lstStyle/>
-        <a:p>
-          <a:pPr lvl="0" algn="ctr" defTabSz="889000">
-            <a:lnSpc>
-              <a:spcPct val="90000"/>
-            </a:lnSpc>
-            <a:spcBef>
-              <a:spcPct val="0"/>
-            </a:spcBef>
-            <a:spcAft>
-              <a:spcPct val="35000"/>
-            </a:spcAft>
-          </a:pPr>
-          <a:endParaRPr lang="ru-RU" sz="2000" kern="1200"/>
-        </a:p>
-      </dsp:txBody>
-      <dsp:txXfrm>
-        <a:off x="1859067" y="145724"/>
-        <a:ext cx="647576" cy="647576"/>
-      </dsp:txXfrm>
-    </dsp:sp>
-    <dsp:sp modelId="{A40744F3-8F59-4D61-9DF6-A37D24278559}">
-      <dsp:nvSpPr>
-        <dsp:cNvPr id="0" name=""/>
-        <dsp:cNvSpPr/>
-      </dsp:nvSpPr>
-      <dsp:spPr>
-        <a:xfrm rot="20520000">
-          <a:off x="2611578" y="1458912"/>
-          <a:ext cx="276723" cy="37759"/>
-        </a:xfrm>
-        <a:custGeom>
-          <a:avLst/>
-          <a:gdLst/>
-          <a:ahLst/>
-          <a:cxnLst/>
-          <a:rect l="0" t="0" r="0" b="0"/>
-          <a:pathLst>
-            <a:path>
-              <a:moveTo>
-                <a:pt x="0" y="18879"/>
-              </a:moveTo>
-              <a:lnTo>
-                <a:pt x="276723" y="18879"/>
-              </a:lnTo>
-            </a:path>
-          </a:pathLst>
-        </a:custGeom>
-        <a:noFill/>
-        <a:ln w="25400" cap="flat" cmpd="sng" algn="ctr">
-          <a:solidFill>
-            <a:schemeClr val="accent1">
-              <a:shade val="60000"/>
-              <a:hueOff val="0"/>
-              <a:satOff val="0"/>
-              <a:lumOff val="0"/>
-              <a:alphaOff val="0"/>
-            </a:schemeClr>
-          </a:solidFill>
-          <a:prstDash val="solid"/>
-        </a:ln>
-        <a:effectLst/>
-      </dsp:spPr>
-      <dsp:style>
-        <a:lnRef idx="2">
-          <a:scrgbClr r="0" g="0" b="0"/>
-        </a:lnRef>
-        <a:fillRef idx="0">
-          <a:scrgbClr r="0" g="0" b="0"/>
-        </a:fillRef>
-        <a:effectRef idx="0">
-          <a:scrgbClr r="0" g="0" b="0"/>
-        </a:effectRef>
-        <a:fontRef idx="minor"/>
-      </dsp:style>
-      <dsp:txBody>
-        <a:bodyPr spcFirstLastPara="0" vert="horz" wrap="square" lIns="12700" tIns="0" rIns="12700" bIns="0" numCol="1" spcCol="1270" anchor="ctr" anchorCtr="0">
-          <a:noAutofit/>
-        </a:bodyPr>
-        <a:lstStyle/>
-        <a:p>
-          <a:pPr lvl="0" algn="ctr" defTabSz="222250">
-            <a:lnSpc>
-              <a:spcPct val="90000"/>
-            </a:lnSpc>
-            <a:spcBef>
-              <a:spcPct val="0"/>
-            </a:spcBef>
-            <a:spcAft>
-              <a:spcPct val="35000"/>
-            </a:spcAft>
-          </a:pPr>
-          <a:endParaRPr lang="ru-RU" sz="500" kern="1200"/>
-        </a:p>
-      </dsp:txBody>
-      <dsp:txXfrm>
-        <a:off x="2743022" y="1470874"/>
-        <a:ext cx="13836" cy="13836"/>
-      </dsp:txXfrm>
-    </dsp:sp>
-    <dsp:sp modelId="{16A90822-693B-4AAA-A690-D1B7BBE713D3}">
-      <dsp:nvSpPr>
-        <dsp:cNvPr id="0" name=""/>
-        <dsp:cNvSpPr/>
-      </dsp:nvSpPr>
-      <dsp:spPr>
-        <a:xfrm>
-          <a:off x="2859118" y="835628"/>
-          <a:ext cx="915812" cy="915812"/>
-        </a:xfrm>
-        <a:prstGeom prst="ellipse">
-          <a:avLst/>
-        </a:prstGeom>
-        <a:solidFill>
-          <a:srgbClr val="00B0F0"/>
-        </a:solidFill>
-        <a:ln w="25400" cap="flat" cmpd="sng" algn="ctr">
-          <a:solidFill>
-            <a:schemeClr val="tx2">
-              <a:lumMod val="60000"/>
-              <a:lumOff val="40000"/>
-            </a:schemeClr>
-          </a:solidFill>
-          <a:prstDash val="solid"/>
-        </a:ln>
-        <a:effectLst/>
-      </dsp:spPr>
-      <dsp:style>
-        <a:lnRef idx="2">
-          <a:scrgbClr r="0" g="0" b="0"/>
-        </a:lnRef>
-        <a:fillRef idx="1">
-          <a:scrgbClr r="0" g="0" b="0"/>
-        </a:fillRef>
-        <a:effectRef idx="0">
-          <a:scrgbClr r="0" g="0" b="0"/>
-        </a:effectRef>
-        <a:fontRef idx="minor">
-          <a:schemeClr val="lt1"/>
-        </a:fontRef>
-      </dsp:style>
-      <dsp:txBody>
-        <a:bodyPr spcFirstLastPara="0" vert="horz" wrap="square" lIns="12700" tIns="12700" rIns="12700" bIns="12700" numCol="1" spcCol="1270" anchor="ctr" anchorCtr="0">
-          <a:noAutofit/>
-        </a:bodyPr>
-        <a:lstStyle/>
-        <a:p>
-          <a:pPr lvl="0" algn="ctr" defTabSz="889000">
-            <a:lnSpc>
-              <a:spcPct val="90000"/>
-            </a:lnSpc>
-            <a:spcBef>
-              <a:spcPct val="0"/>
-            </a:spcBef>
-            <a:spcAft>
-              <a:spcPct val="35000"/>
-            </a:spcAft>
-          </a:pPr>
-          <a:endParaRPr lang="ru-RU" sz="2000" kern="1200" dirty="0"/>
-        </a:p>
-      </dsp:txBody>
-      <dsp:txXfrm>
-        <a:off x="2993236" y="969746"/>
-        <a:ext cx="647576" cy="647576"/>
-      </dsp:txXfrm>
-    </dsp:sp>
-    <dsp:sp modelId="{0B2CB517-7DD7-48E1-8259-4393B3E0C3EC}">
-      <dsp:nvSpPr>
-        <dsp:cNvPr id="0" name=""/>
-        <dsp:cNvSpPr/>
-      </dsp:nvSpPr>
-      <dsp:spPr>
-        <a:xfrm rot="3240000">
-          <a:off x="2394971" y="2125560"/>
-          <a:ext cx="276723" cy="37759"/>
-        </a:xfrm>
-        <a:custGeom>
-          <a:avLst/>
-          <a:gdLst/>
-          <a:ahLst/>
-          <a:cxnLst/>
-          <a:rect l="0" t="0" r="0" b="0"/>
-          <a:pathLst>
-            <a:path>
-              <a:moveTo>
-                <a:pt x="0" y="18879"/>
-              </a:moveTo>
-              <a:lnTo>
-                <a:pt x="276723" y="18879"/>
-              </a:lnTo>
-            </a:path>
-          </a:pathLst>
-        </a:custGeom>
-        <a:noFill/>
-        <a:ln w="25400" cap="flat" cmpd="sng" algn="ctr">
-          <a:solidFill>
-            <a:schemeClr val="accent1">
-              <a:shade val="60000"/>
-              <a:hueOff val="0"/>
-              <a:satOff val="0"/>
-              <a:lumOff val="0"/>
-              <a:alphaOff val="0"/>
-            </a:schemeClr>
-          </a:solidFill>
-          <a:prstDash val="solid"/>
-        </a:ln>
-        <a:effectLst/>
-      </dsp:spPr>
-      <dsp:style>
-        <a:lnRef idx="2">
-          <a:scrgbClr r="0" g="0" b="0"/>
-        </a:lnRef>
-        <a:fillRef idx="0">
-          <a:scrgbClr r="0" g="0" b="0"/>
-        </a:fillRef>
-        <a:effectRef idx="0">
-          <a:scrgbClr r="0" g="0" b="0"/>
-        </a:effectRef>
-        <a:fontRef idx="minor"/>
-      </dsp:style>
-      <dsp:txBody>
-        <a:bodyPr spcFirstLastPara="0" vert="horz" wrap="square" lIns="12700" tIns="0" rIns="12700" bIns="0" numCol="1" spcCol="1270" anchor="ctr" anchorCtr="0">
-          <a:noAutofit/>
-        </a:bodyPr>
-        <a:lstStyle/>
-        <a:p>
-          <a:pPr lvl="0" algn="ctr" defTabSz="222250">
-            <a:lnSpc>
-              <a:spcPct val="90000"/>
-            </a:lnSpc>
-            <a:spcBef>
-              <a:spcPct val="0"/>
-            </a:spcBef>
-            <a:spcAft>
-              <a:spcPct val="35000"/>
-            </a:spcAft>
-          </a:pPr>
-          <a:endParaRPr lang="ru-RU" sz="500" kern="1200"/>
-        </a:p>
-      </dsp:txBody>
-      <dsp:txXfrm>
-        <a:off x="2526415" y="2137522"/>
-        <a:ext cx="13836" cy="13836"/>
-      </dsp:txXfrm>
-    </dsp:sp>
-    <dsp:sp modelId="{8F6D8065-965B-4A4F-B6F8-BDB592D2B4BF}">
-      <dsp:nvSpPr>
-        <dsp:cNvPr id="0" name=""/>
-        <dsp:cNvSpPr/>
-      </dsp:nvSpPr>
-      <dsp:spPr>
-        <a:xfrm>
-          <a:off x="2425904" y="2168924"/>
-          <a:ext cx="915812" cy="915812"/>
-        </a:xfrm>
-        <a:prstGeom prst="ellipse">
-          <a:avLst/>
-        </a:prstGeom>
-        <a:solidFill>
-          <a:srgbClr val="00B0F0"/>
-        </a:solidFill>
-        <a:ln w="25400" cap="flat" cmpd="sng" algn="ctr">
-          <a:solidFill>
-            <a:schemeClr val="tx2">
-              <a:lumMod val="60000"/>
-              <a:lumOff val="40000"/>
-            </a:schemeClr>
-          </a:solidFill>
-          <a:prstDash val="solid"/>
-        </a:ln>
-        <a:effectLst/>
-      </dsp:spPr>
-      <dsp:style>
-        <a:lnRef idx="2">
-          <a:scrgbClr r="0" g="0" b="0"/>
-        </a:lnRef>
-        <a:fillRef idx="1">
-          <a:scrgbClr r="0" g="0" b="0"/>
-        </a:fillRef>
-        <a:effectRef idx="0">
-          <a:scrgbClr r="0" g="0" b="0"/>
-        </a:effectRef>
-        <a:fontRef idx="minor">
-          <a:schemeClr val="lt1"/>
-        </a:fontRef>
-      </dsp:style>
-      <dsp:txBody>
-        <a:bodyPr spcFirstLastPara="0" vert="horz" wrap="square" lIns="12700" tIns="12700" rIns="12700" bIns="12700" numCol="1" spcCol="1270" anchor="ctr" anchorCtr="0">
-          <a:noAutofit/>
-        </a:bodyPr>
-        <a:lstStyle/>
-        <a:p>
-          <a:pPr lvl="0" algn="ctr" defTabSz="889000">
-            <a:lnSpc>
-              <a:spcPct val="90000"/>
-            </a:lnSpc>
-            <a:spcBef>
-              <a:spcPct val="0"/>
-            </a:spcBef>
-            <a:spcAft>
-              <a:spcPct val="35000"/>
-            </a:spcAft>
-          </a:pPr>
-          <a:endParaRPr lang="ru-RU" sz="2000" kern="1200"/>
-        </a:p>
-      </dsp:txBody>
-      <dsp:txXfrm>
-        <a:off x="2560022" y="2303042"/>
-        <a:ext cx="647576" cy="647576"/>
-      </dsp:txXfrm>
-    </dsp:sp>
-    <dsp:sp modelId="{9036BBB6-75F0-4F69-9249-B49C871EAD6A}">
-      <dsp:nvSpPr>
-        <dsp:cNvPr id="0" name=""/>
-        <dsp:cNvSpPr/>
-      </dsp:nvSpPr>
-      <dsp:spPr>
-        <a:xfrm rot="7560000">
-          <a:off x="1694016" y="2125560"/>
-          <a:ext cx="276723" cy="37759"/>
-        </a:xfrm>
-        <a:custGeom>
-          <a:avLst/>
-          <a:gdLst/>
-          <a:ahLst/>
-          <a:cxnLst/>
-          <a:rect l="0" t="0" r="0" b="0"/>
-          <a:pathLst>
-            <a:path>
-              <a:moveTo>
-                <a:pt x="0" y="18879"/>
-              </a:moveTo>
-              <a:lnTo>
-                <a:pt x="276723" y="18879"/>
-              </a:lnTo>
-            </a:path>
-          </a:pathLst>
-        </a:custGeom>
-        <a:noFill/>
-        <a:ln w="25400" cap="flat" cmpd="sng" algn="ctr">
-          <a:solidFill>
-            <a:schemeClr val="accent1">
-              <a:shade val="60000"/>
-              <a:hueOff val="0"/>
-              <a:satOff val="0"/>
-              <a:lumOff val="0"/>
-              <a:alphaOff val="0"/>
-            </a:schemeClr>
-          </a:solidFill>
-          <a:prstDash val="solid"/>
-        </a:ln>
-        <a:effectLst/>
-      </dsp:spPr>
-      <dsp:style>
-        <a:lnRef idx="2">
-          <a:scrgbClr r="0" g="0" b="0"/>
-        </a:lnRef>
-        <a:fillRef idx="0">
-          <a:scrgbClr r="0" g="0" b="0"/>
-        </a:fillRef>
-        <a:effectRef idx="0">
-          <a:scrgbClr r="0" g="0" b="0"/>
-        </a:effectRef>
-        <a:fontRef idx="minor"/>
-      </dsp:style>
-      <dsp:txBody>
-        <a:bodyPr spcFirstLastPara="0" vert="horz" wrap="square" lIns="12700" tIns="0" rIns="12700" bIns="0" numCol="1" spcCol="1270" anchor="ctr" anchorCtr="0">
-          <a:noAutofit/>
-        </a:bodyPr>
-        <a:lstStyle/>
-        <a:p>
-          <a:pPr lvl="0" algn="ctr" defTabSz="222250">
-            <a:lnSpc>
-              <a:spcPct val="90000"/>
-            </a:lnSpc>
-            <a:spcBef>
-              <a:spcPct val="0"/>
-            </a:spcBef>
-            <a:spcAft>
-              <a:spcPct val="35000"/>
-            </a:spcAft>
-          </a:pPr>
-          <a:endParaRPr lang="ru-RU" sz="500" kern="1200"/>
-        </a:p>
-      </dsp:txBody>
-      <dsp:txXfrm rot="10800000">
-        <a:off x="1825459" y="2137522"/>
-        <a:ext cx="13836" cy="13836"/>
-      </dsp:txXfrm>
-    </dsp:sp>
-    <dsp:sp modelId="{935A1F96-8C6B-4CB8-B151-B31C97F5597D}">
-      <dsp:nvSpPr>
-        <dsp:cNvPr id="0" name=""/>
-        <dsp:cNvSpPr/>
-      </dsp:nvSpPr>
-      <dsp:spPr>
-        <a:xfrm>
-          <a:off x="1023993" y="2168924"/>
-          <a:ext cx="915812" cy="915812"/>
-        </a:xfrm>
-        <a:prstGeom prst="ellipse">
-          <a:avLst/>
-        </a:prstGeom>
-        <a:solidFill>
-          <a:srgbClr val="00B0F0"/>
-        </a:solidFill>
-        <a:ln w="25400" cap="flat" cmpd="sng" algn="ctr">
-          <a:solidFill>
-            <a:schemeClr val="tx2">
-              <a:lumMod val="60000"/>
-              <a:lumOff val="40000"/>
-            </a:schemeClr>
-          </a:solidFill>
-          <a:prstDash val="solid"/>
-        </a:ln>
-        <a:effectLst/>
-      </dsp:spPr>
-      <dsp:style>
-        <a:lnRef idx="2">
-          <a:scrgbClr r="0" g="0" b="0"/>
-        </a:lnRef>
-        <a:fillRef idx="1">
-          <a:scrgbClr r="0" g="0" b="0"/>
-        </a:fillRef>
-        <a:effectRef idx="0">
-          <a:scrgbClr r="0" g="0" b="0"/>
-        </a:effectRef>
-        <a:fontRef idx="minor">
-          <a:schemeClr val="lt1"/>
-        </a:fontRef>
-      </dsp:style>
-      <dsp:txBody>
-        <a:bodyPr spcFirstLastPara="0" vert="horz" wrap="square" lIns="12700" tIns="12700" rIns="12700" bIns="12700" numCol="1" spcCol="1270" anchor="ctr" anchorCtr="0">
-          <a:noAutofit/>
-        </a:bodyPr>
-        <a:lstStyle/>
-        <a:p>
-          <a:pPr lvl="0" algn="ctr" defTabSz="889000">
-            <a:lnSpc>
-              <a:spcPct val="90000"/>
-            </a:lnSpc>
-            <a:spcBef>
-              <a:spcPct val="0"/>
-            </a:spcBef>
-            <a:spcAft>
-              <a:spcPct val="35000"/>
-            </a:spcAft>
-          </a:pPr>
-          <a:endParaRPr lang="ru-RU" sz="2000" kern="1200"/>
-        </a:p>
-      </dsp:txBody>
-      <dsp:txXfrm>
-        <a:off x="1158111" y="2303042"/>
-        <a:ext cx="647576" cy="647576"/>
-      </dsp:txXfrm>
-    </dsp:sp>
-    <dsp:sp modelId="{4DE8A120-1BCB-4D6E-B1F9-4BDCEC7C5779}">
-      <dsp:nvSpPr>
-        <dsp:cNvPr id="0" name=""/>
-        <dsp:cNvSpPr/>
-      </dsp:nvSpPr>
-      <dsp:spPr>
-        <a:xfrm rot="11880000">
-          <a:off x="1477409" y="1458912"/>
-          <a:ext cx="276723" cy="37759"/>
-        </a:xfrm>
-        <a:custGeom>
-          <a:avLst/>
-          <a:gdLst/>
-          <a:ahLst/>
-          <a:cxnLst/>
-          <a:rect l="0" t="0" r="0" b="0"/>
-          <a:pathLst>
-            <a:path>
-              <a:moveTo>
-                <a:pt x="0" y="18879"/>
-              </a:moveTo>
-              <a:lnTo>
-                <a:pt x="276723" y="18879"/>
-              </a:lnTo>
-            </a:path>
-          </a:pathLst>
-        </a:custGeom>
-        <a:noFill/>
-        <a:ln w="25400" cap="flat" cmpd="sng" algn="ctr">
-          <a:solidFill>
-            <a:schemeClr val="accent1">
-              <a:shade val="60000"/>
-              <a:hueOff val="0"/>
-              <a:satOff val="0"/>
-              <a:lumOff val="0"/>
-              <a:alphaOff val="0"/>
-            </a:schemeClr>
-          </a:solidFill>
-          <a:prstDash val="solid"/>
-        </a:ln>
-        <a:effectLst/>
-      </dsp:spPr>
-      <dsp:style>
-        <a:lnRef idx="2">
-          <a:scrgbClr r="0" g="0" b="0"/>
-        </a:lnRef>
-        <a:fillRef idx="0">
-          <a:scrgbClr r="0" g="0" b="0"/>
-        </a:fillRef>
-        <a:effectRef idx="0">
-          <a:scrgbClr r="0" g="0" b="0"/>
-        </a:effectRef>
-        <a:fontRef idx="minor"/>
-      </dsp:style>
-      <dsp:txBody>
-        <a:bodyPr spcFirstLastPara="0" vert="horz" wrap="square" lIns="12700" tIns="0" rIns="12700" bIns="0" numCol="1" spcCol="1270" anchor="ctr" anchorCtr="0">
-          <a:noAutofit/>
-        </a:bodyPr>
-        <a:lstStyle/>
-        <a:p>
-          <a:pPr lvl="0" algn="ctr" defTabSz="222250">
-            <a:lnSpc>
-              <a:spcPct val="90000"/>
-            </a:lnSpc>
-            <a:spcBef>
-              <a:spcPct val="0"/>
-            </a:spcBef>
-            <a:spcAft>
-              <a:spcPct val="35000"/>
-            </a:spcAft>
-          </a:pPr>
-          <a:endParaRPr lang="ru-RU" sz="500" kern="1200"/>
-        </a:p>
-      </dsp:txBody>
-      <dsp:txXfrm rot="10800000">
-        <a:off x="1608852" y="1470874"/>
-        <a:ext cx="13836" cy="13836"/>
-      </dsp:txXfrm>
-    </dsp:sp>
-    <dsp:sp modelId="{95A2D75F-3C3F-4653-A5FC-8BF0D4D6EEFE}">
-      <dsp:nvSpPr>
-        <dsp:cNvPr id="0" name=""/>
-        <dsp:cNvSpPr/>
-      </dsp:nvSpPr>
-      <dsp:spPr>
-        <a:xfrm>
-          <a:off x="590779" y="835628"/>
-          <a:ext cx="915812" cy="915812"/>
-        </a:xfrm>
-        <a:prstGeom prst="ellipse">
-          <a:avLst/>
-        </a:prstGeom>
-        <a:solidFill>
-          <a:srgbClr val="00B0F0"/>
-        </a:solidFill>
-        <a:ln w="25400" cap="flat" cmpd="sng" algn="ctr">
-          <a:solidFill>
-            <a:schemeClr val="tx2">
-              <a:lumMod val="60000"/>
-              <a:lumOff val="40000"/>
-            </a:schemeClr>
-          </a:solidFill>
-          <a:prstDash val="solid"/>
-        </a:ln>
-        <a:effectLst/>
-      </dsp:spPr>
-      <dsp:style>
-        <a:lnRef idx="2">
-          <a:scrgbClr r="0" g="0" b="0"/>
-        </a:lnRef>
-        <a:fillRef idx="1">
-          <a:scrgbClr r="0" g="0" b="0"/>
-        </a:fillRef>
-        <a:effectRef idx="0">
-          <a:scrgbClr r="0" g="0" b="0"/>
-        </a:effectRef>
-        <a:fontRef idx="minor">
-          <a:schemeClr val="lt1"/>
-        </a:fontRef>
-      </dsp:style>
-      <dsp:txBody>
-        <a:bodyPr spcFirstLastPara="0" vert="horz" wrap="square" lIns="12700" tIns="12700" rIns="12700" bIns="12700" numCol="1" spcCol="1270" anchor="ctr" anchorCtr="0">
-          <a:noAutofit/>
-        </a:bodyPr>
-        <a:lstStyle/>
-        <a:p>
-          <a:pPr lvl="0" algn="ctr" defTabSz="889000">
-            <a:lnSpc>
-              <a:spcPct val="90000"/>
-            </a:lnSpc>
-            <a:spcBef>
-              <a:spcPct val="0"/>
-            </a:spcBef>
-            <a:spcAft>
-              <a:spcPct val="35000"/>
-            </a:spcAft>
-          </a:pPr>
-          <a:endParaRPr lang="ru-RU" sz="2000" kern="1200"/>
-        </a:p>
-      </dsp:txBody>
-      <dsp:txXfrm>
-        <a:off x="724897" y="969746"/>
-        <a:ext cx="647576" cy="647576"/>
-      </dsp:txXfrm>
-    </dsp:sp>
   </dsp:spTree>
 </dsp:drawing>
 </file>
@@ -10991,215 +10162,6 @@
       <dsp:cNvGrpSpPr/>
     </dsp:nvGrpSpPr>
     <dsp:grpSpPr/>
-    <dsp:sp modelId="{25056C25-FD7A-454A-BD80-5797A854A1C9}">
-      <dsp:nvSpPr>
-        <dsp:cNvPr id="0" name=""/>
-        <dsp:cNvSpPr/>
-      </dsp:nvSpPr>
-      <dsp:spPr>
-        <a:xfrm>
-          <a:off x="898173" y="782679"/>
-          <a:ext cx="822207" cy="878051"/>
-        </a:xfrm>
-        <a:prstGeom prst="roundRect">
-          <a:avLst/>
-        </a:prstGeom>
-        <a:solidFill>
-          <a:schemeClr val="bg1">
-            <a:lumMod val="95000"/>
-          </a:schemeClr>
-        </a:solidFill>
-        <a:ln w="25400" cap="flat" cmpd="sng" algn="ctr">
-          <a:solidFill>
-            <a:srgbClr val="92D050"/>
-          </a:solidFill>
-          <a:prstDash val="solid"/>
-        </a:ln>
-        <a:effectLst/>
-      </dsp:spPr>
-      <dsp:style>
-        <a:lnRef idx="2">
-          <a:scrgbClr r="0" g="0" b="0"/>
-        </a:lnRef>
-        <a:fillRef idx="1">
-          <a:scrgbClr r="0" g="0" b="0"/>
-        </a:fillRef>
-        <a:effectRef idx="0">
-          <a:scrgbClr r="0" g="0" b="0"/>
-        </a:effectRef>
-        <a:fontRef idx="minor">
-          <a:schemeClr val="lt1"/>
-        </a:fontRef>
-      </dsp:style>
-      <dsp:txBody>
-        <a:bodyPr spcFirstLastPara="0" vert="horz" wrap="square" lIns="58420" tIns="58420" rIns="58420" bIns="58420" numCol="1" spcCol="1270" anchor="ctr" anchorCtr="0">
-          <a:noAutofit/>
-        </a:bodyPr>
-        <a:lstStyle/>
-        <a:p>
-          <a:pPr lvl="0" algn="ctr" defTabSz="1022350">
-            <a:lnSpc>
-              <a:spcPct val="90000"/>
-            </a:lnSpc>
-            <a:spcBef>
-              <a:spcPct val="0"/>
-            </a:spcBef>
-            <a:spcAft>
-              <a:spcPct val="35000"/>
-            </a:spcAft>
-          </a:pPr>
-          <a:r>
-            <a:rPr lang="en-US" sz="2300" kern="1200" dirty="0" err="1" smtClean="0">
-              <a:ln>
-                <a:noFill/>
-              </a:ln>
-              <a:solidFill>
-                <a:srgbClr val="92D050"/>
-              </a:solidFill>
-            </a:rPr>
-            <a:t>IaaS</a:t>
-          </a:r>
-          <a:endParaRPr lang="ru-RU" sz="2300" kern="1200" dirty="0">
-            <a:ln>
-              <a:noFill/>
-            </a:ln>
-            <a:solidFill>
-              <a:srgbClr val="92D050"/>
-            </a:solidFill>
-          </a:endParaRPr>
-        </a:p>
-      </dsp:txBody>
-      <dsp:txXfrm>
-        <a:off x="938310" y="822816"/>
-        <a:ext cx="741933" cy="797777"/>
-      </dsp:txXfrm>
-    </dsp:sp>
-    <dsp:sp modelId="{40765CB4-C294-459A-8862-FC5E44F7FB91}">
-      <dsp:nvSpPr>
-        <dsp:cNvPr id="0" name=""/>
-        <dsp:cNvSpPr/>
-      </dsp:nvSpPr>
-      <dsp:spPr>
-        <a:xfrm rot="21564252">
-          <a:off x="1720370" y="1215414"/>
-          <a:ext cx="387672" cy="0"/>
-        </a:xfrm>
-        <a:custGeom>
-          <a:avLst/>
-          <a:gdLst/>
-          <a:ahLst/>
-          <a:cxnLst/>
-          <a:rect l="0" t="0" r="0" b="0"/>
-          <a:pathLst>
-            <a:path>
-              <a:moveTo>
-                <a:pt x="0" y="0"/>
-              </a:moveTo>
-              <a:lnTo>
-                <a:pt x="387672" y="0"/>
-              </a:lnTo>
-            </a:path>
-          </a:pathLst>
-        </a:custGeom>
-        <a:noFill/>
-        <a:ln w="25400" cap="flat" cmpd="sng" algn="ctr">
-          <a:solidFill>
-            <a:srgbClr val="00B0F0"/>
-          </a:solidFill>
-          <a:prstDash val="solid"/>
-        </a:ln>
-        <a:effectLst/>
-      </dsp:spPr>
-      <dsp:style>
-        <a:lnRef idx="2">
-          <a:scrgbClr r="0" g="0" b="0"/>
-        </a:lnRef>
-        <a:fillRef idx="0">
-          <a:scrgbClr r="0" g="0" b="0"/>
-        </a:fillRef>
-        <a:effectRef idx="0">
-          <a:scrgbClr r="0" g="0" b="0"/>
-        </a:effectRef>
-        <a:fontRef idx="minor"/>
-      </dsp:style>
-    </dsp:sp>
-    <dsp:sp modelId="{EEF398F6-2EF8-48AB-9AFF-6A7FD5CA2064}">
-      <dsp:nvSpPr>
-        <dsp:cNvPr id="0" name=""/>
-        <dsp:cNvSpPr/>
-      </dsp:nvSpPr>
-      <dsp:spPr>
-        <a:xfrm>
-          <a:off x="2108032" y="799901"/>
-          <a:ext cx="2675962" cy="799167"/>
-        </a:xfrm>
-        <a:prstGeom prst="roundRect">
-          <a:avLst/>
-        </a:prstGeom>
-        <a:solidFill>
-          <a:schemeClr val="bg1">
-            <a:lumMod val="95000"/>
-          </a:schemeClr>
-        </a:solidFill>
-        <a:ln w="25400" cap="flat" cmpd="sng" algn="ctr">
-          <a:solidFill>
-            <a:srgbClr val="00B0F0"/>
-          </a:solidFill>
-          <a:prstDash val="solid"/>
-        </a:ln>
-        <a:effectLst/>
-      </dsp:spPr>
-      <dsp:style>
-        <a:lnRef idx="2">
-          <a:scrgbClr r="0" g="0" b="0"/>
-        </a:lnRef>
-        <a:fillRef idx="1">
-          <a:scrgbClr r="0" g="0" b="0"/>
-        </a:fillRef>
-        <a:effectRef idx="0">
-          <a:scrgbClr r="0" g="0" b="0"/>
-        </a:effectRef>
-        <a:fontRef idx="minor">
-          <a:schemeClr val="lt1"/>
-        </a:fontRef>
-      </dsp:style>
-      <dsp:txBody>
-        <a:bodyPr spcFirstLastPara="0" vert="horz" wrap="square" lIns="540000" tIns="55880" rIns="55880" bIns="55880" numCol="1" spcCol="1270" anchor="ctr" anchorCtr="0">
-          <a:noAutofit/>
-        </a:bodyPr>
-        <a:lstStyle/>
-        <a:p>
-          <a:pPr lvl="0" algn="ctr" defTabSz="977900">
-            <a:lnSpc>
-              <a:spcPct val="90000"/>
-            </a:lnSpc>
-            <a:spcBef>
-              <a:spcPct val="0"/>
-            </a:spcBef>
-            <a:spcAft>
-              <a:spcPct val="35000"/>
-            </a:spcAft>
-          </a:pPr>
-          <a:r>
-            <a:rPr lang="en-US" sz="2200" b="0" i="0" kern="1200" dirty="0" smtClean="0">
-              <a:solidFill>
-                <a:srgbClr val="00B0F0"/>
-              </a:solidFill>
-            </a:rPr>
-            <a:t>Virtual Machines</a:t>
-          </a:r>
-          <a:endParaRPr lang="ru-RU" sz="2200" kern="1200" dirty="0">
-            <a:solidFill>
-              <a:srgbClr val="00B0F0"/>
-            </a:solidFill>
-          </a:endParaRPr>
-        </a:p>
-      </dsp:txBody>
-      <dsp:txXfrm>
-        <a:off x="2147044" y="838913"/>
-        <a:ext cx="2597938" cy="721143"/>
-      </dsp:txXfrm>
-    </dsp:sp>
   </dsp:spTree>
 </dsp:drawing>
 </file>
@@ -11212,1007 +10174,6 @@
       <dsp:cNvGrpSpPr/>
     </dsp:nvGrpSpPr>
     <dsp:grpSpPr/>
-    <dsp:sp modelId="{25056C25-FD7A-454A-BD80-5797A854A1C9}">
-      <dsp:nvSpPr>
-        <dsp:cNvPr id="0" name=""/>
-        <dsp:cNvSpPr/>
-      </dsp:nvSpPr>
-      <dsp:spPr>
-        <a:xfrm>
-          <a:off x="2222095" y="1180473"/>
-          <a:ext cx="523382" cy="558930"/>
-        </a:xfrm>
-        <a:prstGeom prst="roundRect">
-          <a:avLst/>
-        </a:prstGeom>
-        <a:solidFill>
-          <a:schemeClr val="bg1">
-            <a:lumMod val="95000"/>
-          </a:schemeClr>
-        </a:solidFill>
-        <a:ln w="25400" cap="flat" cmpd="sng" algn="ctr">
-          <a:solidFill>
-            <a:srgbClr val="92D050"/>
-          </a:solidFill>
-          <a:prstDash val="solid"/>
-        </a:ln>
-        <a:effectLst/>
-      </dsp:spPr>
-      <dsp:style>
-        <a:lnRef idx="2">
-          <a:scrgbClr r="0" g="0" b="0"/>
-        </a:lnRef>
-        <a:fillRef idx="1">
-          <a:scrgbClr r="0" g="0" b="0"/>
-        </a:fillRef>
-        <a:effectRef idx="0">
-          <a:scrgbClr r="0" g="0" b="0"/>
-        </a:effectRef>
-        <a:fontRef idx="minor">
-          <a:schemeClr val="lt1"/>
-        </a:fontRef>
-      </dsp:style>
-      <dsp:txBody>
-        <a:bodyPr spcFirstLastPara="0" vert="horz" wrap="square" lIns="33020" tIns="33020" rIns="33020" bIns="33020" numCol="1" spcCol="1270" anchor="ctr" anchorCtr="0">
-          <a:noAutofit/>
-        </a:bodyPr>
-        <a:lstStyle/>
-        <a:p>
-          <a:pPr lvl="0" algn="ctr" defTabSz="577850">
-            <a:lnSpc>
-              <a:spcPct val="90000"/>
-            </a:lnSpc>
-            <a:spcBef>
-              <a:spcPct val="0"/>
-            </a:spcBef>
-            <a:spcAft>
-              <a:spcPct val="35000"/>
-            </a:spcAft>
-          </a:pPr>
-          <a:r>
-            <a:rPr lang="en-US" sz="1300" kern="1200" dirty="0" err="1" smtClean="0">
-              <a:ln>
-                <a:noFill/>
-              </a:ln>
-              <a:solidFill>
-                <a:srgbClr val="92D050"/>
-              </a:solidFill>
-            </a:rPr>
-            <a:t>PaaS</a:t>
-          </a:r>
-          <a:endParaRPr lang="ru-RU" sz="1300" kern="1200" dirty="0">
-            <a:ln>
-              <a:noFill/>
-            </a:ln>
-            <a:solidFill>
-              <a:srgbClr val="92D050"/>
-            </a:solidFill>
-          </a:endParaRPr>
-        </a:p>
-      </dsp:txBody>
-      <dsp:txXfrm>
-        <a:off x="2247644" y="1206022"/>
-        <a:ext cx="472284" cy="507832"/>
-      </dsp:txXfrm>
-    </dsp:sp>
-    <dsp:sp modelId="{40765CB4-C294-459A-8862-FC5E44F7FB91}">
-      <dsp:nvSpPr>
-        <dsp:cNvPr id="0" name=""/>
-        <dsp:cNvSpPr/>
-      </dsp:nvSpPr>
-      <dsp:spPr>
-        <a:xfrm rot="18531129">
-          <a:off x="2574776" y="900204"/>
-          <a:ext cx="719773" cy="0"/>
-        </a:xfrm>
-        <a:custGeom>
-          <a:avLst/>
-          <a:gdLst/>
-          <a:ahLst/>
-          <a:cxnLst/>
-          <a:rect l="0" t="0" r="0" b="0"/>
-          <a:pathLst>
-            <a:path>
-              <a:moveTo>
-                <a:pt x="0" y="0"/>
-              </a:moveTo>
-              <a:lnTo>
-                <a:pt x="719773" y="0"/>
-              </a:lnTo>
-            </a:path>
-          </a:pathLst>
-        </a:custGeom>
-        <a:noFill/>
-        <a:ln w="25400" cap="flat" cmpd="sng" algn="ctr">
-          <a:solidFill>
-            <a:srgbClr val="00B0F0"/>
-          </a:solidFill>
-          <a:prstDash val="solid"/>
-        </a:ln>
-        <a:effectLst/>
-      </dsp:spPr>
-      <dsp:style>
-        <a:lnRef idx="2">
-          <a:scrgbClr r="0" g="0" b="0"/>
-        </a:lnRef>
-        <a:fillRef idx="0">
-          <a:scrgbClr r="0" g="0" b="0"/>
-        </a:fillRef>
-        <a:effectRef idx="0">
-          <a:scrgbClr r="0" g="0" b="0"/>
-        </a:effectRef>
-        <a:fontRef idx="minor"/>
-      </dsp:style>
-    </dsp:sp>
-    <dsp:sp modelId="{EEF398F6-2EF8-48AB-9AFF-6A7FD5CA2064}">
-      <dsp:nvSpPr>
-        <dsp:cNvPr id="0" name=""/>
-        <dsp:cNvSpPr/>
-      </dsp:nvSpPr>
-      <dsp:spPr>
-        <a:xfrm>
-          <a:off x="2513612" y="111220"/>
-          <a:ext cx="1703405" cy="508716"/>
-        </a:xfrm>
-        <a:prstGeom prst="roundRect">
-          <a:avLst/>
-        </a:prstGeom>
-        <a:solidFill>
-          <a:schemeClr val="bg1">
-            <a:lumMod val="95000"/>
-          </a:schemeClr>
-        </a:solidFill>
-        <a:ln w="25400" cap="flat" cmpd="sng" algn="ctr">
-          <a:solidFill>
-            <a:srgbClr val="00B0F0"/>
-          </a:solidFill>
-          <a:prstDash val="solid"/>
-        </a:ln>
-        <a:effectLst/>
-      </dsp:spPr>
-      <dsp:style>
-        <a:lnRef idx="2">
-          <a:scrgbClr r="0" g="0" b="0"/>
-        </a:lnRef>
-        <a:fillRef idx="1">
-          <a:scrgbClr r="0" g="0" b="0"/>
-        </a:fillRef>
-        <a:effectRef idx="0">
-          <a:scrgbClr r="0" g="0" b="0"/>
-        </a:effectRef>
-        <a:fontRef idx="minor">
-          <a:schemeClr val="lt1"/>
-        </a:fontRef>
-      </dsp:style>
-      <dsp:txBody>
-        <a:bodyPr spcFirstLastPara="0" vert="horz" wrap="square" lIns="540000" tIns="35560" rIns="35560" bIns="35560" numCol="1" spcCol="1270" anchor="ctr" anchorCtr="0">
-          <a:noAutofit/>
-        </a:bodyPr>
-        <a:lstStyle/>
-        <a:p>
-          <a:pPr lvl="0" algn="ctr" defTabSz="622300">
-            <a:lnSpc>
-              <a:spcPct val="90000"/>
-            </a:lnSpc>
-            <a:spcBef>
-              <a:spcPct val="0"/>
-            </a:spcBef>
-            <a:spcAft>
-              <a:spcPct val="35000"/>
-            </a:spcAft>
-          </a:pPr>
-          <a:r>
-            <a:rPr lang="en-US" sz="1400" b="0" i="0" kern="1200" dirty="0" smtClean="0">
-              <a:solidFill>
-                <a:srgbClr val="00B0F0"/>
-              </a:solidFill>
-            </a:rPr>
-            <a:t>Cloud Services</a:t>
-          </a:r>
-          <a:endParaRPr lang="ru-RU" sz="1400" kern="1200" dirty="0">
-            <a:solidFill>
-              <a:srgbClr val="00B0F0"/>
-            </a:solidFill>
-          </a:endParaRPr>
-        </a:p>
-      </dsp:txBody>
-      <dsp:txXfrm>
-        <a:off x="2538445" y="136053"/>
-        <a:ext cx="1653739" cy="459050"/>
-      </dsp:txXfrm>
-    </dsp:sp>
-    <dsp:sp modelId="{4B76F172-835F-47AA-A859-8A899CEE2510}">
-      <dsp:nvSpPr>
-        <dsp:cNvPr id="0" name=""/>
-        <dsp:cNvSpPr/>
-      </dsp:nvSpPr>
-      <dsp:spPr>
-        <a:xfrm rot="20600496">
-          <a:off x="2734080" y="1303787"/>
-          <a:ext cx="543120" cy="0"/>
-        </a:xfrm>
-        <a:custGeom>
-          <a:avLst/>
-          <a:gdLst/>
-          <a:ahLst/>
-          <a:cxnLst/>
-          <a:rect l="0" t="0" r="0" b="0"/>
-          <a:pathLst>
-            <a:path>
-              <a:moveTo>
-                <a:pt x="0" y="0"/>
-              </a:moveTo>
-              <a:lnTo>
-                <a:pt x="543120" y="0"/>
-              </a:lnTo>
-            </a:path>
-          </a:pathLst>
-        </a:custGeom>
-        <a:noFill/>
-        <a:ln w="25400" cap="flat" cmpd="sng" algn="ctr">
-          <a:solidFill>
-            <a:schemeClr val="accent1">
-              <a:shade val="60000"/>
-              <a:hueOff val="0"/>
-              <a:satOff val="0"/>
-              <a:lumOff val="0"/>
-              <a:alphaOff val="0"/>
-            </a:schemeClr>
-          </a:solidFill>
-          <a:prstDash val="solid"/>
-        </a:ln>
-        <a:effectLst/>
-      </dsp:spPr>
-      <dsp:style>
-        <a:lnRef idx="2">
-          <a:scrgbClr r="0" g="0" b="0"/>
-        </a:lnRef>
-        <a:fillRef idx="0">
-          <a:scrgbClr r="0" g="0" b="0"/>
-        </a:fillRef>
-        <a:effectRef idx="0">
-          <a:scrgbClr r="0" g="0" b="0"/>
-        </a:effectRef>
-        <a:fontRef idx="minor"/>
-      </dsp:style>
-    </dsp:sp>
-    <dsp:sp modelId="{2C989446-76CB-491D-A9E5-90C479CC1EB6}">
-      <dsp:nvSpPr>
-        <dsp:cNvPr id="0" name=""/>
-        <dsp:cNvSpPr/>
-      </dsp:nvSpPr>
-      <dsp:spPr>
-        <a:xfrm>
-          <a:off x="3264163" y="717224"/>
-          <a:ext cx="1703405" cy="508716"/>
-        </a:xfrm>
-        <a:prstGeom prst="roundRect">
-          <a:avLst/>
-        </a:prstGeom>
-        <a:solidFill>
-          <a:schemeClr val="bg1">
-            <a:lumMod val="95000"/>
-          </a:schemeClr>
-        </a:solidFill>
-        <a:ln w="25400" cap="flat" cmpd="sng" algn="ctr">
-          <a:solidFill>
-            <a:srgbClr val="00B0F0"/>
-          </a:solidFill>
-          <a:prstDash val="solid"/>
-        </a:ln>
-        <a:effectLst/>
-      </dsp:spPr>
-      <dsp:style>
-        <a:lnRef idx="2">
-          <a:scrgbClr r="0" g="0" b="0"/>
-        </a:lnRef>
-        <a:fillRef idx="1">
-          <a:scrgbClr r="0" g="0" b="0"/>
-        </a:fillRef>
-        <a:effectRef idx="0">
-          <a:scrgbClr r="0" g="0" b="0"/>
-        </a:effectRef>
-        <a:fontRef idx="minor">
-          <a:schemeClr val="lt1"/>
-        </a:fontRef>
-      </dsp:style>
-      <dsp:txBody>
-        <a:bodyPr spcFirstLastPara="0" vert="horz" wrap="square" lIns="540000" tIns="43180" rIns="43180" bIns="43180" numCol="1" spcCol="1270" anchor="ctr" anchorCtr="0">
-          <a:noAutofit/>
-        </a:bodyPr>
-        <a:lstStyle/>
-        <a:p>
-          <a:pPr lvl="0" algn="ctr" defTabSz="755650">
-            <a:lnSpc>
-              <a:spcPct val="90000"/>
-            </a:lnSpc>
-            <a:spcBef>
-              <a:spcPct val="0"/>
-            </a:spcBef>
-            <a:spcAft>
-              <a:spcPct val="35000"/>
-            </a:spcAft>
-          </a:pPr>
-          <a:r>
-            <a:rPr lang="en-US" sz="1700" kern="1200" dirty="0" smtClean="0">
-              <a:solidFill>
-                <a:srgbClr val="00B0F0"/>
-              </a:solidFill>
-            </a:rPr>
-            <a:t>SQL Azure</a:t>
-          </a:r>
-          <a:endParaRPr lang="ru-RU" sz="1700" kern="1200" dirty="0">
-            <a:solidFill>
-              <a:srgbClr val="00B0F0"/>
-            </a:solidFill>
-          </a:endParaRPr>
-        </a:p>
-      </dsp:txBody>
-      <dsp:txXfrm>
-        <a:off x="3288996" y="742057"/>
-        <a:ext cx="1653739" cy="459050"/>
-      </dsp:txXfrm>
-    </dsp:sp>
-    <dsp:sp modelId="{A1A7F2F7-8724-4320-8D3E-13A495501B45}">
-      <dsp:nvSpPr>
-        <dsp:cNvPr id="0" name=""/>
-        <dsp:cNvSpPr/>
-      </dsp:nvSpPr>
-      <dsp:spPr>
-        <a:xfrm rot="258212">
-          <a:off x="2744744" y="1499147"/>
-          <a:ext cx="520151" cy="0"/>
-        </a:xfrm>
-        <a:custGeom>
-          <a:avLst/>
-          <a:gdLst/>
-          <a:ahLst/>
-          <a:cxnLst/>
-          <a:rect l="0" t="0" r="0" b="0"/>
-          <a:pathLst>
-            <a:path>
-              <a:moveTo>
-                <a:pt x="0" y="0"/>
-              </a:moveTo>
-              <a:lnTo>
-                <a:pt x="520151" y="0"/>
-              </a:lnTo>
-            </a:path>
-          </a:pathLst>
-        </a:custGeom>
-        <a:noFill/>
-        <a:ln w="25400" cap="flat" cmpd="sng" algn="ctr">
-          <a:solidFill>
-            <a:schemeClr val="accent1">
-              <a:shade val="60000"/>
-              <a:hueOff val="0"/>
-              <a:satOff val="0"/>
-              <a:lumOff val="0"/>
-              <a:alphaOff val="0"/>
-            </a:schemeClr>
-          </a:solidFill>
-          <a:prstDash val="solid"/>
-        </a:ln>
-        <a:effectLst/>
-      </dsp:spPr>
-      <dsp:style>
-        <a:lnRef idx="2">
-          <a:scrgbClr r="0" g="0" b="0"/>
-        </a:lnRef>
-        <a:fillRef idx="0">
-          <a:scrgbClr r="0" g="0" b="0"/>
-        </a:fillRef>
-        <a:effectRef idx="0">
-          <a:scrgbClr r="0" g="0" b="0"/>
-        </a:effectRef>
-        <a:fontRef idx="minor"/>
-      </dsp:style>
-    </dsp:sp>
-    <dsp:sp modelId="{1C652A63-4612-4140-A184-53A0A081C97B}">
-      <dsp:nvSpPr>
-        <dsp:cNvPr id="0" name=""/>
-        <dsp:cNvSpPr/>
-      </dsp:nvSpPr>
-      <dsp:spPr>
-        <a:xfrm>
-          <a:off x="3264162" y="1328398"/>
-          <a:ext cx="1703405" cy="508716"/>
-        </a:xfrm>
-        <a:prstGeom prst="roundRect">
-          <a:avLst/>
-        </a:prstGeom>
-        <a:solidFill>
-          <a:schemeClr val="bg1">
-            <a:lumMod val="95000"/>
-          </a:schemeClr>
-        </a:solidFill>
-        <a:ln w="25400" cap="flat" cmpd="sng" algn="ctr">
-          <a:solidFill>
-            <a:srgbClr val="00B0F0"/>
-          </a:solidFill>
-          <a:prstDash val="solid"/>
-        </a:ln>
-        <a:effectLst/>
-      </dsp:spPr>
-      <dsp:style>
-        <a:lnRef idx="2">
-          <a:scrgbClr r="0" g="0" b="0"/>
-        </a:lnRef>
-        <a:fillRef idx="1">
-          <a:scrgbClr r="0" g="0" b="0"/>
-        </a:fillRef>
-        <a:effectRef idx="0">
-          <a:scrgbClr r="0" g="0" b="0"/>
-        </a:effectRef>
-        <a:fontRef idx="minor">
-          <a:schemeClr val="lt1"/>
-        </a:fontRef>
-      </dsp:style>
-      <dsp:txBody>
-        <a:bodyPr spcFirstLastPara="0" vert="horz" wrap="square" lIns="540000" tIns="35560" rIns="35560" bIns="35560" numCol="1" spcCol="1270" anchor="ctr" anchorCtr="0">
-          <a:noAutofit/>
-        </a:bodyPr>
-        <a:lstStyle/>
-        <a:p>
-          <a:pPr lvl="0" algn="ctr" defTabSz="622300">
-            <a:lnSpc>
-              <a:spcPct val="90000"/>
-            </a:lnSpc>
-            <a:spcBef>
-              <a:spcPct val="0"/>
-            </a:spcBef>
-            <a:spcAft>
-              <a:spcPct val="35000"/>
-            </a:spcAft>
-          </a:pPr>
-          <a:r>
-            <a:rPr lang="en-US" sz="1400" kern="1200" dirty="0" smtClean="0">
-              <a:solidFill>
-                <a:srgbClr val="00B0F0"/>
-              </a:solidFill>
-            </a:rPr>
-            <a:t>Storage Tables</a:t>
-          </a:r>
-          <a:endParaRPr lang="ru-RU" sz="1400" kern="1200" dirty="0">
-            <a:solidFill>
-              <a:srgbClr val="00B0F0"/>
-            </a:solidFill>
-          </a:endParaRPr>
-        </a:p>
-      </dsp:txBody>
-      <dsp:txXfrm>
-        <a:off x="3288995" y="1353231"/>
-        <a:ext cx="1653739" cy="459050"/>
-      </dsp:txXfrm>
-    </dsp:sp>
-    <dsp:sp modelId="{5727BF42-537E-40D5-B281-429A4AA75037}">
-      <dsp:nvSpPr>
-        <dsp:cNvPr id="0" name=""/>
-        <dsp:cNvSpPr/>
-      </dsp:nvSpPr>
-      <dsp:spPr>
-        <a:xfrm rot="2121630">
-          <a:off x="2698634" y="1792597"/>
-          <a:ext cx="507864" cy="0"/>
-        </a:xfrm>
-        <a:custGeom>
-          <a:avLst/>
-          <a:gdLst/>
-          <a:ahLst/>
-          <a:cxnLst/>
-          <a:rect l="0" t="0" r="0" b="0"/>
-          <a:pathLst>
-            <a:path>
-              <a:moveTo>
-                <a:pt x="0" y="0"/>
-              </a:moveTo>
-              <a:lnTo>
-                <a:pt x="507864" y="0"/>
-              </a:lnTo>
-            </a:path>
-          </a:pathLst>
-        </a:custGeom>
-        <a:noFill/>
-        <a:ln w="25400" cap="flat" cmpd="sng" algn="ctr">
-          <a:solidFill>
-            <a:schemeClr val="accent1">
-              <a:shade val="60000"/>
-              <a:hueOff val="0"/>
-              <a:satOff val="0"/>
-              <a:lumOff val="0"/>
-              <a:alphaOff val="0"/>
-            </a:schemeClr>
-          </a:solidFill>
-          <a:prstDash val="solid"/>
-        </a:ln>
-        <a:effectLst/>
-      </dsp:spPr>
-      <dsp:style>
-        <a:lnRef idx="2">
-          <a:scrgbClr r="0" g="0" b="0"/>
-        </a:lnRef>
-        <a:fillRef idx="0">
-          <a:scrgbClr r="0" g="0" b="0"/>
-        </a:fillRef>
-        <a:effectRef idx="0">
-          <a:scrgbClr r="0" g="0" b="0"/>
-        </a:effectRef>
-        <a:fontRef idx="minor"/>
-      </dsp:style>
-    </dsp:sp>
-    <dsp:sp modelId="{06CB251D-7874-46F5-B434-DFA2F5371EDF}">
-      <dsp:nvSpPr>
-        <dsp:cNvPr id="0" name=""/>
-        <dsp:cNvSpPr/>
-      </dsp:nvSpPr>
-      <dsp:spPr>
-        <a:xfrm>
-          <a:off x="2666392" y="1939552"/>
-          <a:ext cx="1703405" cy="508716"/>
-        </a:xfrm>
-        <a:prstGeom prst="roundRect">
-          <a:avLst/>
-        </a:prstGeom>
-        <a:solidFill>
-          <a:schemeClr val="bg1">
-            <a:lumMod val="95000"/>
-          </a:schemeClr>
-        </a:solidFill>
-        <a:ln w="25400" cap="flat" cmpd="sng" algn="ctr">
-          <a:solidFill>
-            <a:srgbClr val="00B0F0"/>
-          </a:solidFill>
-          <a:prstDash val="solid"/>
-        </a:ln>
-        <a:effectLst/>
-      </dsp:spPr>
-      <dsp:style>
-        <a:lnRef idx="2">
-          <a:scrgbClr r="0" g="0" b="0"/>
-        </a:lnRef>
-        <a:fillRef idx="1">
-          <a:scrgbClr r="0" g="0" b="0"/>
-        </a:fillRef>
-        <a:effectRef idx="0">
-          <a:scrgbClr r="0" g="0" b="0"/>
-        </a:effectRef>
-        <a:fontRef idx="minor">
-          <a:schemeClr val="lt1"/>
-        </a:fontRef>
-      </dsp:style>
-      <dsp:txBody>
-        <a:bodyPr spcFirstLastPara="0" vert="horz" wrap="square" lIns="540000" tIns="63500" rIns="63500" bIns="63500" numCol="1" spcCol="1270" anchor="ctr" anchorCtr="0">
-          <a:noAutofit/>
-        </a:bodyPr>
-        <a:lstStyle/>
-        <a:p>
-          <a:pPr lvl="0" algn="ctr" defTabSz="1111250">
-            <a:lnSpc>
-              <a:spcPct val="90000"/>
-            </a:lnSpc>
-            <a:spcBef>
-              <a:spcPct val="0"/>
-            </a:spcBef>
-            <a:spcAft>
-              <a:spcPct val="35000"/>
-            </a:spcAft>
-          </a:pPr>
-          <a:r>
-            <a:rPr lang="en-US" sz="2500" kern="1200" dirty="0" smtClean="0">
-              <a:solidFill>
-                <a:srgbClr val="00B0F0"/>
-              </a:solidFill>
-            </a:rPr>
-            <a:t>Cache</a:t>
-          </a:r>
-          <a:endParaRPr lang="ru-RU" sz="2500" kern="1200" dirty="0">
-            <a:solidFill>
-              <a:srgbClr val="00B0F0"/>
-            </a:solidFill>
-          </a:endParaRPr>
-        </a:p>
-      </dsp:txBody>
-      <dsp:txXfrm>
-        <a:off x="2691225" y="1964385"/>
-        <a:ext cx="1653739" cy="459050"/>
-      </dsp:txXfrm>
-    </dsp:sp>
-    <dsp:sp modelId="{C09D1272-4CF0-4360-A709-F658F12539F1}">
-      <dsp:nvSpPr>
-        <dsp:cNvPr id="0" name=""/>
-        <dsp:cNvSpPr/>
-      </dsp:nvSpPr>
-      <dsp:spPr>
-        <a:xfrm rot="8401647">
-          <a:off x="1864315" y="1809434"/>
-          <a:ext cx="405105" cy="0"/>
-        </a:xfrm>
-        <a:custGeom>
-          <a:avLst/>
-          <a:gdLst/>
-          <a:ahLst/>
-          <a:cxnLst/>
-          <a:rect l="0" t="0" r="0" b="0"/>
-          <a:pathLst>
-            <a:path>
-              <a:moveTo>
-                <a:pt x="0" y="0"/>
-              </a:moveTo>
-              <a:lnTo>
-                <a:pt x="405105" y="0"/>
-              </a:lnTo>
-            </a:path>
-          </a:pathLst>
-        </a:custGeom>
-        <a:noFill/>
-        <a:ln w="25400" cap="flat" cmpd="sng" algn="ctr">
-          <a:solidFill>
-            <a:schemeClr val="accent1">
-              <a:shade val="60000"/>
-              <a:hueOff val="0"/>
-              <a:satOff val="0"/>
-              <a:lumOff val="0"/>
-              <a:alphaOff val="0"/>
-            </a:schemeClr>
-          </a:solidFill>
-          <a:prstDash val="solid"/>
-        </a:ln>
-        <a:effectLst/>
-      </dsp:spPr>
-      <dsp:style>
-        <a:lnRef idx="2">
-          <a:scrgbClr r="0" g="0" b="0"/>
-        </a:lnRef>
-        <a:fillRef idx="0">
-          <a:scrgbClr r="0" g="0" b="0"/>
-        </a:fillRef>
-        <a:effectRef idx="0">
-          <a:scrgbClr r="0" g="0" b="0"/>
-        </a:effectRef>
-        <a:fontRef idx="minor"/>
-      </dsp:style>
-    </dsp:sp>
-    <dsp:sp modelId="{905EE044-8A93-48F4-B923-0A245442EAF2}">
-      <dsp:nvSpPr>
-        <dsp:cNvPr id="0" name=""/>
-        <dsp:cNvSpPr/>
-      </dsp:nvSpPr>
-      <dsp:spPr>
-        <a:xfrm>
-          <a:off x="756510" y="1939558"/>
-          <a:ext cx="1703405" cy="508716"/>
-        </a:xfrm>
-        <a:prstGeom prst="roundRect">
-          <a:avLst/>
-        </a:prstGeom>
-        <a:solidFill>
-          <a:schemeClr val="bg1">
-            <a:lumMod val="95000"/>
-          </a:schemeClr>
-        </a:solidFill>
-        <a:ln w="25400" cap="flat" cmpd="sng" algn="ctr">
-          <a:solidFill>
-            <a:srgbClr val="00B0F0"/>
-          </a:solidFill>
-          <a:prstDash val="solid"/>
-        </a:ln>
-        <a:effectLst/>
-      </dsp:spPr>
-      <dsp:style>
-        <a:lnRef idx="2">
-          <a:scrgbClr r="0" g="0" b="0"/>
-        </a:lnRef>
-        <a:fillRef idx="1">
-          <a:scrgbClr r="0" g="0" b="0"/>
-        </a:fillRef>
-        <a:effectRef idx="0">
-          <a:scrgbClr r="0" g="0" b="0"/>
-        </a:effectRef>
-        <a:fontRef idx="minor">
-          <a:schemeClr val="lt1"/>
-        </a:fontRef>
-      </dsp:style>
-      <dsp:txBody>
-        <a:bodyPr spcFirstLastPara="0" vert="horz" wrap="square" lIns="540000" tIns="35560" rIns="35560" bIns="35560" numCol="1" spcCol="1270" anchor="ctr" anchorCtr="0">
-          <a:noAutofit/>
-        </a:bodyPr>
-        <a:lstStyle/>
-        <a:p>
-          <a:pPr lvl="0" algn="ctr" defTabSz="622300">
-            <a:lnSpc>
-              <a:spcPct val="90000"/>
-            </a:lnSpc>
-            <a:spcBef>
-              <a:spcPct val="0"/>
-            </a:spcBef>
-            <a:spcAft>
-              <a:spcPct val="35000"/>
-            </a:spcAft>
-          </a:pPr>
-          <a:r>
-            <a:rPr lang="en-US" sz="1400" kern="1200" dirty="0" smtClean="0">
-              <a:solidFill>
-                <a:srgbClr val="00B0F0"/>
-              </a:solidFill>
-            </a:rPr>
-            <a:t>Mobile Services</a:t>
-          </a:r>
-          <a:endParaRPr lang="ru-RU" sz="1400" kern="1200" dirty="0">
-            <a:solidFill>
-              <a:srgbClr val="00B0F0"/>
-            </a:solidFill>
-          </a:endParaRPr>
-        </a:p>
-      </dsp:txBody>
-      <dsp:txXfrm>
-        <a:off x="781343" y="1964391"/>
-        <a:ext cx="1653739" cy="459050"/>
-      </dsp:txXfrm>
-    </dsp:sp>
-    <dsp:sp modelId="{92DF3097-6005-46D4-90E5-653438AEDECF}">
-      <dsp:nvSpPr>
-        <dsp:cNvPr id="0" name=""/>
-        <dsp:cNvSpPr/>
-      </dsp:nvSpPr>
-      <dsp:spPr>
-        <a:xfrm rot="11243038">
-          <a:off x="1923897" y="1406783"/>
-          <a:ext cx="299438" cy="0"/>
-        </a:xfrm>
-        <a:custGeom>
-          <a:avLst/>
-          <a:gdLst/>
-          <a:ahLst/>
-          <a:cxnLst/>
-          <a:rect l="0" t="0" r="0" b="0"/>
-          <a:pathLst>
-            <a:path>
-              <a:moveTo>
-                <a:pt x="0" y="0"/>
-              </a:moveTo>
-              <a:lnTo>
-                <a:pt x="299438" y="0"/>
-              </a:lnTo>
-            </a:path>
-          </a:pathLst>
-        </a:custGeom>
-        <a:noFill/>
-        <a:ln w="25400" cap="flat" cmpd="sng" algn="ctr">
-          <a:solidFill>
-            <a:schemeClr val="accent1">
-              <a:shade val="60000"/>
-              <a:hueOff val="0"/>
-              <a:satOff val="0"/>
-              <a:lumOff val="0"/>
-              <a:alphaOff val="0"/>
-            </a:schemeClr>
-          </a:solidFill>
-          <a:prstDash val="solid"/>
-        </a:ln>
-        <a:effectLst/>
-      </dsp:spPr>
-      <dsp:style>
-        <a:lnRef idx="2">
-          <a:scrgbClr r="0" g="0" b="0"/>
-        </a:lnRef>
-        <a:fillRef idx="0">
-          <a:scrgbClr r="0" g="0" b="0"/>
-        </a:fillRef>
-        <a:effectRef idx="0">
-          <a:scrgbClr r="0" g="0" b="0"/>
-        </a:effectRef>
-        <a:fontRef idx="minor"/>
-      </dsp:style>
-    </dsp:sp>
-    <dsp:sp modelId="{42C5E428-457C-4D2D-B9F7-8D88B989BAC4}">
-      <dsp:nvSpPr>
-        <dsp:cNvPr id="0" name=""/>
-        <dsp:cNvSpPr/>
-      </dsp:nvSpPr>
-      <dsp:spPr>
-        <a:xfrm>
-          <a:off x="221733" y="1022809"/>
-          <a:ext cx="1703405" cy="508716"/>
-        </a:xfrm>
-        <a:prstGeom prst="roundRect">
-          <a:avLst/>
-        </a:prstGeom>
-        <a:solidFill>
-          <a:schemeClr val="bg1">
-            <a:lumMod val="95000"/>
-          </a:schemeClr>
-        </a:solidFill>
-        <a:ln w="25400" cap="flat" cmpd="sng" algn="ctr">
-          <a:solidFill>
-            <a:srgbClr val="00B0F0"/>
-          </a:solidFill>
-          <a:prstDash val="solid"/>
-        </a:ln>
-        <a:effectLst/>
-      </dsp:spPr>
-      <dsp:style>
-        <a:lnRef idx="2">
-          <a:scrgbClr r="0" g="0" b="0"/>
-        </a:lnRef>
-        <a:fillRef idx="1">
-          <a:scrgbClr r="0" g="0" b="0"/>
-        </a:fillRef>
-        <a:effectRef idx="0">
-          <a:scrgbClr r="0" g="0" b="0"/>
-        </a:effectRef>
-        <a:fontRef idx="minor">
-          <a:schemeClr val="lt1"/>
-        </a:fontRef>
-      </dsp:style>
-      <dsp:txBody>
-        <a:bodyPr spcFirstLastPara="0" vert="horz" wrap="square" lIns="540000" tIns="35560" rIns="35560" bIns="35560" numCol="1" spcCol="1270" anchor="ctr" anchorCtr="0">
-          <a:noAutofit/>
-        </a:bodyPr>
-        <a:lstStyle/>
-        <a:p>
-          <a:pPr lvl="0" algn="ctr" defTabSz="622300">
-            <a:lnSpc>
-              <a:spcPct val="90000"/>
-            </a:lnSpc>
-            <a:spcBef>
-              <a:spcPct val="0"/>
-            </a:spcBef>
-            <a:spcAft>
-              <a:spcPct val="35000"/>
-            </a:spcAft>
-          </a:pPr>
-          <a:r>
-            <a:rPr lang="en-US" sz="1400" kern="1200" dirty="0" smtClean="0">
-              <a:solidFill>
-                <a:srgbClr val="00B0F0"/>
-              </a:solidFill>
-            </a:rPr>
-            <a:t>Traffic Manager</a:t>
-          </a:r>
-          <a:endParaRPr lang="ru-RU" sz="1400" kern="1200" dirty="0">
-            <a:solidFill>
-              <a:srgbClr val="00B0F0"/>
-            </a:solidFill>
-          </a:endParaRPr>
-        </a:p>
-      </dsp:txBody>
-      <dsp:txXfrm>
-        <a:off x="246566" y="1047642"/>
-        <a:ext cx="1653739" cy="459050"/>
-      </dsp:txXfrm>
-    </dsp:sp>
-    <dsp:sp modelId="{952B87BD-0B07-49BA-9E5C-A2E5FB19EB83}">
-      <dsp:nvSpPr>
-        <dsp:cNvPr id="0" name=""/>
-        <dsp:cNvSpPr/>
-      </dsp:nvSpPr>
-      <dsp:spPr>
-        <a:xfrm rot="13557237">
-          <a:off x="1550582" y="904662"/>
-          <a:ext cx="792234" cy="0"/>
-        </a:xfrm>
-        <a:custGeom>
-          <a:avLst/>
-          <a:gdLst/>
-          <a:ahLst/>
-          <a:cxnLst/>
-          <a:rect l="0" t="0" r="0" b="0"/>
-          <a:pathLst>
-            <a:path>
-              <a:moveTo>
-                <a:pt x="0" y="0"/>
-              </a:moveTo>
-              <a:lnTo>
-                <a:pt x="792234" y="0"/>
-              </a:lnTo>
-            </a:path>
-          </a:pathLst>
-        </a:custGeom>
-        <a:noFill/>
-        <a:ln w="25400" cap="flat" cmpd="sng" algn="ctr">
-          <a:solidFill>
-            <a:schemeClr val="accent1">
-              <a:shade val="60000"/>
-              <a:hueOff val="0"/>
-              <a:satOff val="0"/>
-              <a:lumOff val="0"/>
-              <a:alphaOff val="0"/>
-            </a:schemeClr>
-          </a:solidFill>
-          <a:prstDash val="solid"/>
-        </a:ln>
-        <a:effectLst/>
-      </dsp:spPr>
-      <dsp:style>
-        <a:lnRef idx="2">
-          <a:scrgbClr r="0" g="0" b="0"/>
-        </a:lnRef>
-        <a:fillRef idx="0">
-          <a:scrgbClr r="0" g="0" b="0"/>
-        </a:fillRef>
-        <a:effectRef idx="0">
-          <a:scrgbClr r="0" g="0" b="0"/>
-        </a:effectRef>
-        <a:fontRef idx="minor"/>
-      </dsp:style>
-    </dsp:sp>
-    <dsp:sp modelId="{A1DBB35B-359C-44C1-948D-F0C4AB873D98}">
-      <dsp:nvSpPr>
-        <dsp:cNvPr id="0" name=""/>
-        <dsp:cNvSpPr/>
-      </dsp:nvSpPr>
-      <dsp:spPr>
-        <a:xfrm>
-          <a:off x="573575" y="111224"/>
-          <a:ext cx="1703405" cy="508716"/>
-        </a:xfrm>
-        <a:prstGeom prst="roundRect">
-          <a:avLst/>
-        </a:prstGeom>
-        <a:solidFill>
-          <a:schemeClr val="bg1">
-            <a:lumMod val="95000"/>
-          </a:schemeClr>
-        </a:solidFill>
-        <a:ln w="25400" cap="flat" cmpd="sng" algn="ctr">
-          <a:solidFill>
-            <a:srgbClr val="00B0F0"/>
-          </a:solidFill>
-          <a:prstDash val="solid"/>
-        </a:ln>
-        <a:effectLst/>
-      </dsp:spPr>
-      <dsp:style>
-        <a:lnRef idx="2">
-          <a:scrgbClr r="0" g="0" b="0"/>
-        </a:lnRef>
-        <a:fillRef idx="1">
-          <a:scrgbClr r="0" g="0" b="0"/>
-        </a:fillRef>
-        <a:effectRef idx="0">
-          <a:scrgbClr r="0" g="0" b="0"/>
-        </a:effectRef>
-        <a:fontRef idx="minor">
-          <a:schemeClr val="lt1"/>
-        </a:fontRef>
-      </dsp:style>
-      <dsp:txBody>
-        <a:bodyPr spcFirstLastPara="0" vert="horz" wrap="square" lIns="540000" tIns="35560" rIns="35560" bIns="35560" numCol="1" spcCol="1270" anchor="ctr" anchorCtr="0">
-          <a:noAutofit/>
-        </a:bodyPr>
-        <a:lstStyle/>
-        <a:p>
-          <a:pPr lvl="0" algn="ctr" defTabSz="622300">
-            <a:lnSpc>
-              <a:spcPct val="90000"/>
-            </a:lnSpc>
-            <a:spcBef>
-              <a:spcPct val="0"/>
-            </a:spcBef>
-            <a:spcAft>
-              <a:spcPct val="35000"/>
-            </a:spcAft>
-          </a:pPr>
-          <a:r>
-            <a:rPr lang="en-US" sz="1400" kern="1200" smtClean="0">
-              <a:solidFill>
-                <a:srgbClr val="00B0F0"/>
-              </a:solidFill>
-            </a:rPr>
-            <a:t>Storage Blobs</a:t>
-          </a:r>
-          <a:endParaRPr lang="ru-RU" sz="1400" kern="1200" dirty="0">
-            <a:solidFill>
-              <a:srgbClr val="00B0F0"/>
-            </a:solidFill>
-          </a:endParaRPr>
-        </a:p>
-      </dsp:txBody>
-      <dsp:txXfrm>
-        <a:off x="598408" y="136057"/>
-        <a:ext cx="1653739" cy="459050"/>
-      </dsp:txXfrm>
-    </dsp:sp>
   </dsp:spTree>
 </dsp:drawing>
 </file>
@@ -21955,7 +19916,7 @@
             <a:fld id="{C3402240-18E8-4BA6-A53E-7A1792A59EEC}" type="datetimeFigureOut">
               <a:rPr lang="en-US" smtClean="0"/>
               <a:pPr/>
-              <a:t>6/15/2015</a:t>
+              <a:t>6/16/2015</a:t>
             </a:fld>
             <a:endParaRPr lang="en-US"/>
           </a:p>
@@ -23875,11 +21836,7 @@
           <a:p>
             <a:r>
               <a:rPr lang="en-US" dirty="0" smtClean="0"/>
-              <a:t>http://</a:t>
-            </a:r>
-            <a:r>
-              <a:rPr lang="en-US" dirty="0" smtClean="0"/>
-              <a:t>blogs.msdn.com/b/devfish/archive/2015/02/12/get-azurevm-your-azure-credentials-have-not-been-set-up-or-have-expired-please-run-add-azureaccount-to-set-up-your-azure-credentials.aspx</a:t>
+              <a:t>http://blogs.msdn.com/b/devfish/archive/2015/02/12/get-azurevm-your-azure-credentials-have-not-been-set-up-or-have-expired-please-run-add-azureaccount-to-set-up-your-azure-credentials.aspx</a:t>
             </a:r>
           </a:p>
           <a:p>
@@ -24406,29 +22363,13 @@
                 <a:ea typeface="+mn-ea"/>
                 <a:cs typeface="+mn-cs"/>
               </a:rPr>
-              <a:t>Secure </a:t>
-            </a:r>
-            <a:r>
-              <a:rPr lang="en-US" sz="1200" b="1" i="0" kern="1200" dirty="0" smtClean="0">
-                <a:solidFill>
-                  <a:schemeClr val="tx1"/>
-                </a:solidFill>
-                <a:effectLst/>
-                <a:latin typeface="+mn-lt"/>
-                <a:ea typeface="+mn-ea"/>
-                <a:cs typeface="+mn-cs"/>
-              </a:rPr>
-              <a:t>a web app in Azure App Service</a:t>
+              <a:t>Secure a web app in Azure App Service</a:t>
             </a:r>
           </a:p>
           <a:p>
             <a:r>
               <a:rPr lang="en-US" dirty="0" smtClean="0"/>
-              <a:t>https://azure.microsoft.com/en-us/documentation/articles/web-sites-security</a:t>
-            </a:r>
-            <a:r>
-              <a:rPr lang="en-US" dirty="0" smtClean="0"/>
-              <a:t>/</a:t>
+              <a:t>https://azure.microsoft.com/en-us/documentation/articles/web-sites-security/</a:t>
             </a:r>
           </a:p>
           <a:p>
@@ -24891,7 +22832,7 @@
             <a:fld id="{4D78249E-5ACD-4E52-A408-9BB999BD2D41}" type="slidenum">
               <a:rPr lang="en-US" smtClean="0"/>
               <a:pPr/>
-              <a:t>26</a:t>
+              <a:t>25</a:t>
             </a:fld>
             <a:endParaRPr lang="en-US"/>
           </a:p>
@@ -24911,6 +22852,126 @@
 </file>
 
 <file path=ppt/notesSlides/notesSlide23.xml><?xml version="1.0" encoding="utf-8"?>
+<p:notes xmlns:a="http://schemas.openxmlformats.org/drawingml/2006/main" xmlns:r="http://schemas.openxmlformats.org/officeDocument/2006/relationships" xmlns:p="http://schemas.openxmlformats.org/presentationml/2006/main">
+  <p:cSld>
+    <p:spTree>
+      <p:nvGrpSpPr>
+        <p:cNvPr id="1" name=""/>
+        <p:cNvGrpSpPr/>
+        <p:nvPr/>
+      </p:nvGrpSpPr>
+      <p:grpSpPr>
+        <a:xfrm>
+          <a:off x="0" y="0"/>
+          <a:ext cx="0" cy="0"/>
+          <a:chOff x="0" y="0"/>
+          <a:chExt cx="0" cy="0"/>
+        </a:xfrm>
+      </p:grpSpPr>
+      <p:sp>
+        <p:nvSpPr>
+          <p:cNvPr id="2" name="Slide Image Placeholder 1"/>
+          <p:cNvSpPr>
+            <a:spLocks noGrp="1" noRot="1" noChangeAspect="1"/>
+          </p:cNvSpPr>
+          <p:nvPr>
+            <p:ph type="sldImg"/>
+          </p:nvPr>
+        </p:nvSpPr>
+        <p:spPr/>
+      </p:sp>
+      <p:sp>
+        <p:nvSpPr>
+          <p:cNvPr id="3" name="Notes Placeholder 2"/>
+          <p:cNvSpPr>
+            <a:spLocks noGrp="1"/>
+          </p:cNvSpPr>
+          <p:nvPr>
+            <p:ph type="body" idx="1"/>
+          </p:nvPr>
+        </p:nvSpPr>
+        <p:spPr/>
+        <p:txBody>
+          <a:bodyPr/>
+          <a:lstStyle/>
+          <a:p>
+            <a:pPr marL="0" marR="0" indent="0" algn="l" defTabSz="914400" rtl="0" eaLnBrk="1" fontAlgn="auto" latinLnBrk="0" hangingPunct="1">
+              <a:lnSpc>
+                <a:spcPct val="100000"/>
+              </a:lnSpc>
+              <a:spcBef>
+                <a:spcPts val="0"/>
+              </a:spcBef>
+              <a:spcAft>
+                <a:spcPts val="0"/>
+              </a:spcAft>
+              <a:buClrTx/>
+              <a:buSzTx/>
+              <a:buFontTx/>
+              <a:buNone/>
+              <a:tabLst/>
+              <a:defRPr/>
+            </a:pPr>
+            <a:r>
+              <a:rPr lang="en-US" sz="1200" b="1" i="0" kern="1200" dirty="0" smtClean="0">
+                <a:solidFill>
+                  <a:schemeClr val="tx1"/>
+                </a:solidFill>
+                <a:effectLst/>
+                <a:latin typeface="+mn-lt"/>
+                <a:ea typeface="+mn-ea"/>
+                <a:cs typeface="+mn-cs"/>
+              </a:rPr>
+              <a:t>Traffic Manager Overview</a:t>
+            </a:r>
+          </a:p>
+          <a:p>
+            <a:r>
+              <a:rPr lang="en-US" dirty="0" smtClean="0"/>
+              <a:t>https://azure.microsoft.com/en-us/documentation/articles/traffic-manager-overview/</a:t>
+            </a:r>
+            <a:endParaRPr lang="ru-RU" dirty="0"/>
+          </a:p>
+        </p:txBody>
+      </p:sp>
+      <p:sp>
+        <p:nvSpPr>
+          <p:cNvPr id="4" name="Slide Number Placeholder 3"/>
+          <p:cNvSpPr>
+            <a:spLocks noGrp="1"/>
+          </p:cNvSpPr>
+          <p:nvPr>
+            <p:ph type="sldNum" sz="quarter" idx="10"/>
+          </p:nvPr>
+        </p:nvSpPr>
+        <p:spPr/>
+        <p:txBody>
+          <a:bodyPr/>
+          <a:lstStyle/>
+          <a:p>
+            <a:fld id="{4D78249E-5ACD-4E52-A408-9BB999BD2D41}" type="slidenum">
+              <a:rPr lang="en-US" smtClean="0"/>
+              <a:pPr/>
+              <a:t>28</a:t>
+            </a:fld>
+            <a:endParaRPr lang="en-US"/>
+          </a:p>
+        </p:txBody>
+      </p:sp>
+    </p:spTree>
+    <p:extLst>
+      <p:ext uri="{BB962C8B-B14F-4D97-AF65-F5344CB8AC3E}">
+        <p14:creationId xmlns:p14="http://schemas.microsoft.com/office/powerpoint/2010/main" val="234760166"/>
+      </p:ext>
+    </p:extLst>
+  </p:cSld>
+  <p:clrMapOvr>
+    <a:masterClrMapping/>
+  </p:clrMapOvr>
+</p:notes>
+</file>
+
+<file path=ppt/notesSlides/notesSlide24.xml><?xml version="1.0" encoding="utf-8"?>
 <p:notes xmlns:a="http://schemas.openxmlformats.org/drawingml/2006/main" xmlns:r="http://schemas.openxmlformats.org/officeDocument/2006/relationships" xmlns:p="http://schemas.openxmlformats.org/presentationml/2006/main">
   <p:cSld>
     <p:spTree>
@@ -25247,7 +23308,7 @@
             <a:fld id="{4D78249E-5ACD-4E52-A408-9BB999BD2D41}" type="slidenum">
               <a:rPr lang="en-US" smtClean="0"/>
               <a:pPr/>
-              <a:t>29</a:t>
+              <a:t>31</a:t>
             </a:fld>
             <a:endParaRPr lang="en-US"/>
           </a:p>
@@ -25266,7 +23327,7 @@
 </p:notes>
 </file>
 
-<file path=ppt/notesSlides/notesSlide24.xml><?xml version="1.0" encoding="utf-8"?>
+<file path=ppt/notesSlides/notesSlide25.xml><?xml version="1.0" encoding="utf-8"?>
 <p:notes xmlns:a="http://schemas.openxmlformats.org/drawingml/2006/main" xmlns:r="http://schemas.openxmlformats.org/officeDocument/2006/relationships" xmlns:p="http://schemas.openxmlformats.org/presentationml/2006/main">
   <p:cSld>
     <p:spTree>
@@ -25342,7 +23403,7 @@
             <a:fld id="{4D78249E-5ACD-4E52-A408-9BB999BD2D41}" type="slidenum">
               <a:rPr lang="en-US" smtClean="0"/>
               <a:pPr/>
-              <a:t>30</a:t>
+              <a:t>32</a:t>
             </a:fld>
             <a:endParaRPr lang="en-US"/>
           </a:p>
@@ -25361,7 +23422,7 @@
 </p:notes>
 </file>
 
-<file path=ppt/notesSlides/notesSlide25.xml><?xml version="1.0" encoding="utf-8"?>
+<file path=ppt/notesSlides/notesSlide26.xml><?xml version="1.0" encoding="utf-8"?>
 <p:notes xmlns:a="http://schemas.openxmlformats.org/drawingml/2006/main" xmlns:r="http://schemas.openxmlformats.org/officeDocument/2006/relationships" xmlns:p="http://schemas.openxmlformats.org/presentationml/2006/main">
   <p:cSld>
     <p:spTree>
@@ -25427,7 +23488,7 @@
             <a:fld id="{8B263312-38AA-4E1E-B2B5-0F8F122B24FE}" type="slidenum">
               <a:rPr lang="en-US" smtClean="0"/>
               <a:pPr/>
-              <a:t>33</a:t>
+              <a:t>35</a:t>
             </a:fld>
             <a:endParaRPr lang="en-US" dirty="0"/>
           </a:p>
@@ -25849,11 +23910,7 @@
           <a:p>
             <a:r>
               <a:rPr lang="en-US" dirty="0" smtClean="0"/>
-              <a:t>http://</a:t>
-            </a:r>
-            <a:r>
-              <a:rPr lang="en-US" dirty="0" smtClean="0"/>
-              <a:t>www.rightscale.com/blog/cloud-industry-insights/cloud-computing-trends-2015-state-cloud-survey</a:t>
+              <a:t>http://www.rightscale.com/blog/cloud-industry-insights/cloud-computing-trends-2015-state-cloud-survey</a:t>
             </a:r>
           </a:p>
           <a:p>
@@ -26011,7 +24068,6 @@
               <a:rPr lang="en-US" b="1" dirty="0" smtClean="0"/>
               <a:t>In private cloud leading VMware</a:t>
             </a:r>
-            <a:endParaRPr lang="en-US" b="1" dirty="0" smtClean="0"/>
           </a:p>
         </p:txBody>
       </p:sp>
@@ -26665,7 +24721,7 @@
             <a:fld id="{5B106E36-FD25-4E2D-B0AA-010F637433A0}" type="datetimeFigureOut">
               <a:rPr lang="ru-RU" smtClean="0"/>
               <a:pPr/>
-              <a:t>15.06.2015</a:t>
+              <a:t>16.06.2015</a:t>
             </a:fld>
             <a:endParaRPr lang="ru-RU"/>
           </a:p>
@@ -26937,7 +24993,7 @@
             <a:fld id="{5B106E36-FD25-4E2D-B0AA-010F637433A0}" type="datetimeFigureOut">
               <a:rPr lang="ru-RU" smtClean="0"/>
               <a:pPr/>
-              <a:t>15.06.2015</a:t>
+              <a:t>16.06.2015</a:t>
             </a:fld>
             <a:endParaRPr lang="ru-RU"/>
           </a:p>
@@ -27130,7 +25186,7 @@
             <a:fld id="{5B106E36-FD25-4E2D-B0AA-010F637433A0}" type="datetimeFigureOut">
               <a:rPr lang="ru-RU" smtClean="0"/>
               <a:pPr/>
-              <a:t>15.06.2015</a:t>
+              <a:t>16.06.2015</a:t>
             </a:fld>
             <a:endParaRPr lang="ru-RU"/>
           </a:p>
@@ -27596,7 +25652,7 @@
             <a:fld id="{5B106E36-FD25-4E2D-B0AA-010F637433A0}" type="datetimeFigureOut">
               <a:rPr lang="ru-RU" smtClean="0"/>
               <a:pPr/>
-              <a:t>15.06.2015</a:t>
+              <a:t>16.06.2015</a:t>
             </a:fld>
             <a:endParaRPr lang="ru-RU"/>
           </a:p>
@@ -27887,7 +25943,7 @@
             <a:fld id="{5B106E36-FD25-4E2D-B0AA-010F637433A0}" type="datetimeFigureOut">
               <a:rPr lang="ru-RU" smtClean="0"/>
               <a:pPr/>
-              <a:t>15.06.2015</a:t>
+              <a:t>16.06.2015</a:t>
             </a:fld>
             <a:endParaRPr lang="ru-RU"/>
           </a:p>
@@ -28188,7 +26244,7 @@
             <a:fld id="{5B106E36-FD25-4E2D-B0AA-010F637433A0}" type="datetimeFigureOut">
               <a:rPr lang="ru-RU" smtClean="0"/>
               <a:pPr/>
-              <a:t>15.06.2015</a:t>
+              <a:t>16.06.2015</a:t>
             </a:fld>
             <a:endParaRPr lang="ru-RU"/>
           </a:p>
@@ -28623,7 +26679,7 @@
             <a:fld id="{5B106E36-FD25-4E2D-B0AA-010F637433A0}" type="datetimeFigureOut">
               <a:rPr lang="ru-RU" smtClean="0"/>
               <a:pPr/>
-              <a:t>15.06.2015</a:t>
+              <a:t>16.06.2015</a:t>
             </a:fld>
             <a:endParaRPr lang="ru-RU"/>
           </a:p>
@@ -28800,7 +26856,7 @@
             <a:fld id="{5B106E36-FD25-4E2D-B0AA-010F637433A0}" type="datetimeFigureOut">
               <a:rPr lang="ru-RU" smtClean="0"/>
               <a:pPr/>
-              <a:t>15.06.2015</a:t>
+              <a:t>16.06.2015</a:t>
             </a:fld>
             <a:endParaRPr lang="ru-RU"/>
           </a:p>
@@ -28940,7 +26996,7 @@
             <a:fld id="{5B106E36-FD25-4E2D-B0AA-010F637433A0}" type="datetimeFigureOut">
               <a:rPr lang="ru-RU" smtClean="0"/>
               <a:pPr/>
-              <a:t>15.06.2015</a:t>
+              <a:t>16.06.2015</a:t>
             </a:fld>
             <a:endParaRPr lang="ru-RU"/>
           </a:p>
@@ -29262,7 +27318,7 @@
             <a:fld id="{5B106E36-FD25-4E2D-B0AA-010F637433A0}" type="datetimeFigureOut">
               <a:rPr lang="ru-RU" smtClean="0"/>
               <a:pPr/>
-              <a:t>15.06.2015</a:t>
+              <a:t>16.06.2015</a:t>
             </a:fld>
             <a:endParaRPr lang="ru-RU"/>
           </a:p>
@@ -29523,7 +27579,7 @@
             <a:fld id="{5B106E36-FD25-4E2D-B0AA-010F637433A0}" type="datetimeFigureOut">
               <a:rPr lang="ru-RU" smtClean="0"/>
               <a:pPr/>
-              <a:t>15.06.2015</a:t>
+              <a:t>16.06.2015</a:t>
             </a:fld>
             <a:endParaRPr lang="ru-RU"/>
           </a:p>
@@ -29743,7 +27799,7 @@
             <a:fld id="{5B106E36-FD25-4E2D-B0AA-010F637433A0}" type="datetimeFigureOut">
               <a:rPr lang="ru-RU" smtClean="0"/>
               <a:pPr/>
-              <a:t>15.06.2015</a:t>
+              <a:t>16.06.2015</a:t>
             </a:fld>
             <a:endParaRPr lang="ru-RU"/>
           </a:p>
@@ -42330,85 +40386,6 @@
           <a:p>
             <a:r>
               <a:rPr lang="en-US" dirty="0" smtClean="0"/>
-              <a:t>Traffic Manager</a:t>
-            </a:r>
-            <a:endParaRPr lang="ru-RU" dirty="0"/>
-          </a:p>
-        </p:txBody>
-      </p:sp>
-      <p:sp>
-        <p:nvSpPr>
-          <p:cNvPr id="3" name="Content Placeholder 2"/>
-          <p:cNvSpPr>
-            <a:spLocks noGrp="1"/>
-          </p:cNvSpPr>
-          <p:nvPr>
-            <p:ph idx="1"/>
-          </p:nvPr>
-        </p:nvSpPr>
-        <p:spPr/>
-        <p:txBody>
-          <a:bodyPr/>
-          <a:lstStyle/>
-          <a:p>
-            <a:endParaRPr lang="ru-RU"/>
-          </a:p>
-        </p:txBody>
-      </p:sp>
-    </p:spTree>
-    <p:extLst>
-      <p:ext uri="{BB962C8B-B14F-4D97-AF65-F5344CB8AC3E}">
-        <p14:creationId xmlns:p14="http://schemas.microsoft.com/office/powerpoint/2010/main" val="3205957728"/>
-      </p:ext>
-    </p:extLst>
-  </p:cSld>
-  <p:clrMapOvr>
-    <a:masterClrMapping/>
-  </p:clrMapOvr>
-  <p:timing>
-    <p:tnLst>
-      <p:par>
-        <p:cTn id="1" dur="indefinite" restart="never" nodeType="tmRoot"/>
-      </p:par>
-    </p:tnLst>
-  </p:timing>
-</p:sld>
-</file>
-
-<file path=ppt/slides/slide26.xml><?xml version="1.0" encoding="utf-8"?>
-<p:sld xmlns:a="http://schemas.openxmlformats.org/drawingml/2006/main" xmlns:r="http://schemas.openxmlformats.org/officeDocument/2006/relationships" xmlns:p="http://schemas.openxmlformats.org/presentationml/2006/main">
-  <p:cSld>
-    <p:spTree>
-      <p:nvGrpSpPr>
-        <p:cNvPr id="1" name=""/>
-        <p:cNvGrpSpPr/>
-        <p:nvPr/>
-      </p:nvGrpSpPr>
-      <p:grpSpPr>
-        <a:xfrm>
-          <a:off x="0" y="0"/>
-          <a:ext cx="0" cy="0"/>
-          <a:chOff x="0" y="0"/>
-          <a:chExt cx="0" cy="0"/>
-        </a:xfrm>
-      </p:grpSpPr>
-      <p:sp>
-        <p:nvSpPr>
-          <p:cNvPr id="2" name="Title 1"/>
-          <p:cNvSpPr>
-            <a:spLocks noGrp="1"/>
-          </p:cNvSpPr>
-          <p:nvPr>
-            <p:ph type="title"/>
-          </p:nvPr>
-        </p:nvSpPr>
-        <p:spPr/>
-        <p:txBody>
-          <a:bodyPr/>
-          <a:lstStyle/>
-          <a:p>
-            <a:r>
-              <a:rPr lang="en-US" dirty="0" smtClean="0"/>
               <a:t>Service Plans</a:t>
             </a:r>
             <a:endParaRPr lang="ru-RU" dirty="0"/>
@@ -42454,7 +40431,7 @@
 </p:sld>
 </file>
 
-<file path=ppt/slides/slide27.xml><?xml version="1.0" encoding="utf-8"?>
+<file path=ppt/slides/slide26.xml><?xml version="1.0" encoding="utf-8"?>
 <p:sld xmlns:a="http://schemas.openxmlformats.org/drawingml/2006/main" xmlns:r="http://schemas.openxmlformats.org/officeDocument/2006/relationships" xmlns:p="http://schemas.openxmlformats.org/presentationml/2006/main">
   <p:cSld>
     <p:spTree>
@@ -42533,7 +40510,7 @@
 </p:sld>
 </file>
 
-<file path=ppt/slides/slide28.xml><?xml version="1.0" encoding="utf-8"?>
+<file path=ppt/slides/slide27.xml><?xml version="1.0" encoding="utf-8"?>
 <p:sld xmlns:a="http://schemas.openxmlformats.org/drawingml/2006/main" xmlns:r="http://schemas.openxmlformats.org/officeDocument/2006/relationships" xmlns:p="http://schemas.openxmlformats.org/presentationml/2006/main">
   <p:cSld>
     <p:spTree>
@@ -42577,15 +40554,7 @@
                   <a:srgbClr val="00B0F0"/>
                 </a:solidFill>
               </a:rPr>
-              <a:t>SQL </a:t>
-            </a:r>
-            <a:r>
-              <a:rPr lang="en-US" dirty="0" smtClean="0">
-                <a:solidFill>
-                  <a:srgbClr val="00B0F0"/>
-                </a:solidFill>
-              </a:rPr>
-              <a:t>Databases</a:t>
+              <a:t>Traffic Manager</a:t>
             </a:r>
             <a:endParaRPr lang="ru-RU" dirty="0">
               <a:solidFill>
@@ -42595,40 +40564,303 @@
           </a:p>
         </p:txBody>
       </p:sp>
-      <p:pic>
-        <p:nvPicPr>
-          <p:cNvPr id="2" name="Picture 1"/>
-          <p:cNvPicPr>
-            <a:picLocks noChangeAspect="1"/>
-          </p:cNvPicPr>
-          <p:nvPr/>
-        </p:nvPicPr>
-        <p:blipFill>
-          <a:blip r:embed="rId2">
-            <a:extLst>
-              <a:ext uri="{28A0092B-C50C-407E-A947-70E740481C1C}">
-                <a14:useLocalDpi xmlns:a14="http://schemas.microsoft.com/office/drawing/2010/main" val="0"/>
-              </a:ext>
-            </a:extLst>
-          </a:blip>
-          <a:stretch>
-            <a:fillRect/>
-          </a:stretch>
-        </p:blipFill>
-        <p:spPr>
-          <a:xfrm>
-            <a:off x="6069453" y="2060848"/>
-            <a:ext cx="2032176" cy="2123624"/>
-          </a:xfrm>
-          <a:prstGeom prst="rect">
-            <a:avLst/>
-          </a:prstGeom>
-        </p:spPr>
-      </p:pic>
     </p:spTree>
     <p:extLst>
       <p:ext uri="{BB962C8B-B14F-4D97-AF65-F5344CB8AC3E}">
-        <p14:creationId xmlns:p14="http://schemas.microsoft.com/office/powerpoint/2010/main" val="1442076319"/>
+        <p14:creationId xmlns:p14="http://schemas.microsoft.com/office/powerpoint/2010/main" val="2003995988"/>
+      </p:ext>
+    </p:extLst>
+  </p:cSld>
+  <p:clrMapOvr>
+    <a:masterClrMapping/>
+  </p:clrMapOvr>
+</p:sld>
+</file>
+
+<file path=ppt/slides/slide28.xml><?xml version="1.0" encoding="utf-8"?>
+<p:sld xmlns:a="http://schemas.openxmlformats.org/drawingml/2006/main" xmlns:r="http://schemas.openxmlformats.org/officeDocument/2006/relationships" xmlns:p="http://schemas.openxmlformats.org/presentationml/2006/main">
+  <p:cSld>
+    <p:spTree>
+      <p:nvGrpSpPr>
+        <p:cNvPr id="1" name=""/>
+        <p:cNvGrpSpPr/>
+        <p:nvPr/>
+      </p:nvGrpSpPr>
+      <p:grpSpPr>
+        <a:xfrm>
+          <a:off x="0" y="0"/>
+          <a:ext cx="0" cy="0"/>
+          <a:chOff x="0" y="0"/>
+          <a:chExt cx="0" cy="0"/>
+        </a:xfrm>
+      </p:grpSpPr>
+      <p:sp>
+        <p:nvSpPr>
+          <p:cNvPr id="2" name="Title 1"/>
+          <p:cNvSpPr>
+            <a:spLocks noGrp="1"/>
+          </p:cNvSpPr>
+          <p:nvPr>
+            <p:ph type="title"/>
+          </p:nvPr>
+        </p:nvSpPr>
+        <p:spPr/>
+        <p:txBody>
+          <a:bodyPr/>
+          <a:lstStyle/>
+          <a:p>
+            <a:r>
+              <a:rPr lang="en-US" dirty="0" smtClean="0"/>
+              <a:t>Traffic </a:t>
+            </a:r>
+            <a:r>
+              <a:rPr lang="en-US" dirty="0" smtClean="0"/>
+              <a:t>Manager (Overview)</a:t>
+            </a:r>
+            <a:endParaRPr lang="ru-RU" dirty="0"/>
+          </a:p>
+        </p:txBody>
+      </p:sp>
+      <p:grpSp>
+        <p:nvGrpSpPr>
+          <p:cNvPr id="4" name="Group 3"/>
+          <p:cNvGrpSpPr/>
+          <p:nvPr/>
+        </p:nvGrpSpPr>
+        <p:grpSpPr>
+          <a:xfrm>
+            <a:off x="1703527" y="1484785"/>
+            <a:ext cx="10056560" cy="1368152"/>
+            <a:chOff x="1780308" y="4012490"/>
+            <a:chExt cx="10056560" cy="1368152"/>
+          </a:xfrm>
+        </p:grpSpPr>
+        <p:sp>
+          <p:nvSpPr>
+            <p:cNvPr id="5" name="Rounded Rectangle 4"/>
+            <p:cNvSpPr/>
+            <p:nvPr/>
+          </p:nvSpPr>
+          <p:spPr>
+            <a:xfrm>
+              <a:off x="1780308" y="4012490"/>
+              <a:ext cx="10009112" cy="1368152"/>
+            </a:xfrm>
+            <a:prstGeom prst="roundRect">
+              <a:avLst/>
+            </a:prstGeom>
+            <a:solidFill>
+              <a:schemeClr val="bg1">
+                <a:lumMod val="95000"/>
+              </a:schemeClr>
+            </a:solidFill>
+            <a:ln>
+              <a:solidFill>
+                <a:srgbClr val="00B0F0"/>
+              </a:solidFill>
+            </a:ln>
+          </p:spPr>
+          <p:style>
+            <a:lnRef idx="2">
+              <a:schemeClr val="accent1">
+                <a:shade val="50000"/>
+              </a:schemeClr>
+            </a:lnRef>
+            <a:fillRef idx="1">
+              <a:schemeClr val="accent1"/>
+            </a:fillRef>
+            <a:effectRef idx="0">
+              <a:schemeClr val="accent1"/>
+            </a:effectRef>
+            <a:fontRef idx="minor">
+              <a:schemeClr val="lt1"/>
+            </a:fontRef>
+          </p:style>
+          <p:txBody>
+            <a:bodyPr rtlCol="0" anchor="ctr"/>
+            <a:lstStyle/>
+            <a:p>
+              <a:pPr algn="ctr"/>
+              <a:endParaRPr lang="ru-RU"/>
+            </a:p>
+          </p:txBody>
+        </p:sp>
+        <p:sp>
+          <p:nvSpPr>
+            <p:cNvPr id="6" name="Rectangle 5"/>
+            <p:cNvSpPr/>
+            <p:nvPr/>
+          </p:nvSpPr>
+          <p:spPr>
+            <a:xfrm>
+              <a:off x="2108088" y="4099831"/>
+              <a:ext cx="9728780" cy="1200329"/>
+            </a:xfrm>
+            <a:prstGeom prst="rect">
+              <a:avLst/>
+            </a:prstGeom>
+          </p:spPr>
+          <p:txBody>
+            <a:bodyPr wrap="square">
+              <a:spAutoFit/>
+            </a:bodyPr>
+            <a:lstStyle/>
+            <a:p>
+              <a:r>
+                <a:rPr lang="en-US" sz="2400" dirty="0"/>
+                <a:t>	</a:t>
+              </a:r>
+              <a:r>
+                <a:rPr lang="en-US" sz="2400" dirty="0" smtClean="0"/>
+                <a:t>“</a:t>
+              </a:r>
+              <a:r>
+                <a:rPr lang="en-US" sz="2400" dirty="0"/>
+                <a:t>Microsoft Azure Traffic Manager allows </a:t>
+              </a:r>
+              <a:r>
+                <a:rPr lang="en-US" sz="2400" dirty="0" smtClean="0"/>
+                <a:t>to </a:t>
+              </a:r>
+              <a:r>
+                <a:rPr lang="en-US" sz="2400" dirty="0"/>
+                <a:t>control the distribution of user traffic to </a:t>
+              </a:r>
+              <a:r>
+                <a:rPr lang="en-US" sz="2400" dirty="0" smtClean="0"/>
+                <a:t>specified </a:t>
+              </a:r>
+              <a:r>
+                <a:rPr lang="en-US" sz="2400" dirty="0"/>
+                <a:t>endpoints, which can include Azure cloud services, websites, and other </a:t>
+              </a:r>
+              <a:r>
+                <a:rPr lang="en-US" sz="2400" dirty="0" smtClean="0"/>
+                <a:t>endpoints.”</a:t>
+              </a:r>
+              <a:endParaRPr lang="en-US" sz="2400" dirty="0"/>
+            </a:p>
+          </p:txBody>
+        </p:sp>
+      </p:grpSp>
+      <p:grpSp>
+        <p:nvGrpSpPr>
+          <p:cNvPr id="8" name="Group 7"/>
+          <p:cNvGrpSpPr/>
+          <p:nvPr/>
+        </p:nvGrpSpPr>
+        <p:grpSpPr>
+          <a:xfrm>
+            <a:off x="1703512" y="3212976"/>
+            <a:ext cx="10056560" cy="1584176"/>
+            <a:chOff x="1780308" y="4012490"/>
+            <a:chExt cx="10056560" cy="1584176"/>
+          </a:xfrm>
+        </p:grpSpPr>
+        <p:sp>
+          <p:nvSpPr>
+            <p:cNvPr id="9" name="Rounded Rectangle 8"/>
+            <p:cNvSpPr/>
+            <p:nvPr/>
+          </p:nvSpPr>
+          <p:spPr>
+            <a:xfrm>
+              <a:off x="1780308" y="4012490"/>
+              <a:ext cx="10009112" cy="1584176"/>
+            </a:xfrm>
+            <a:prstGeom prst="roundRect">
+              <a:avLst/>
+            </a:prstGeom>
+            <a:solidFill>
+              <a:schemeClr val="bg1">
+                <a:lumMod val="95000"/>
+              </a:schemeClr>
+            </a:solidFill>
+            <a:ln>
+              <a:solidFill>
+                <a:srgbClr val="00B0F0"/>
+              </a:solidFill>
+            </a:ln>
+          </p:spPr>
+          <p:style>
+            <a:lnRef idx="2">
+              <a:schemeClr val="accent1">
+                <a:shade val="50000"/>
+              </a:schemeClr>
+            </a:lnRef>
+            <a:fillRef idx="1">
+              <a:schemeClr val="accent1"/>
+            </a:fillRef>
+            <a:effectRef idx="0">
+              <a:schemeClr val="accent1"/>
+            </a:effectRef>
+            <a:fontRef idx="minor">
+              <a:schemeClr val="lt1"/>
+            </a:fontRef>
+          </p:style>
+          <p:txBody>
+            <a:bodyPr rtlCol="0" anchor="ctr"/>
+            <a:lstStyle/>
+            <a:p>
+              <a:pPr algn="ctr"/>
+              <a:endParaRPr lang="ru-RU"/>
+            </a:p>
+          </p:txBody>
+        </p:sp>
+        <p:sp>
+          <p:nvSpPr>
+            <p:cNvPr id="10" name="Rectangle 9"/>
+            <p:cNvSpPr/>
+            <p:nvPr/>
+          </p:nvSpPr>
+          <p:spPr>
+            <a:xfrm>
+              <a:off x="2108088" y="4180312"/>
+              <a:ext cx="9728780" cy="1200329"/>
+            </a:xfrm>
+            <a:prstGeom prst="rect">
+              <a:avLst/>
+            </a:prstGeom>
+          </p:spPr>
+          <p:txBody>
+            <a:bodyPr wrap="square">
+              <a:spAutoFit/>
+            </a:bodyPr>
+            <a:lstStyle/>
+            <a:p>
+              <a:r>
+                <a:rPr lang="en-US" sz="2400" dirty="0"/>
+                <a:t>	</a:t>
+              </a:r>
+              <a:r>
+                <a:rPr lang="en-US" sz="2400" dirty="0" smtClean="0"/>
+                <a:t>“Traffic </a:t>
+              </a:r>
+              <a:r>
+                <a:rPr lang="en-US" sz="2400" dirty="0"/>
+                <a:t>Manager works by applying an intelligent policy engine to Domain Name System (DNS) queries for the domain names of </a:t>
+              </a:r>
+              <a:r>
+                <a:rPr lang="en-US" sz="2400" dirty="0" smtClean="0"/>
+                <a:t>Internet </a:t>
+              </a:r>
+              <a:r>
+                <a:rPr lang="en-US" sz="2400" dirty="0"/>
+                <a:t>resources</a:t>
+              </a:r>
+              <a:r>
+                <a:rPr lang="en-US" sz="2400" dirty="0" smtClean="0"/>
+                <a:t>.”</a:t>
+              </a:r>
+              <a:endParaRPr lang="en-US" sz="2400" dirty="0"/>
+            </a:p>
+          </p:txBody>
+        </p:sp>
+      </p:grpSp>
+    </p:spTree>
+    <p:extLst>
+      <p:ext uri="{BB962C8B-B14F-4D97-AF65-F5344CB8AC3E}">
+        <p14:creationId xmlns:p14="http://schemas.microsoft.com/office/powerpoint/2010/main" val="3205957728"/>
       </p:ext>
     </p:extLst>
   </p:cSld>
@@ -42659,7 +40891,7 @@
                             </p:stCondLst>
                             <p:childTnLst>
                               <p:par>
-                                <p:cTn id="5" presetID="10" presetClass="entr" presetSubtype="0" fill="hold" nodeType="withEffect">
+                                <p:cTn id="5" presetID="22" presetClass="entr" presetSubtype="1" fill="hold" nodeType="afterEffect">
                                   <p:stCondLst>
                                     <p:cond delay="0"/>
                                   </p:stCondLst>
@@ -42672,7 +40904,7 @@
                                           </p:stCondLst>
                                         </p:cTn>
                                         <p:tgtEl>
-                                          <p:spTgt spid="2"/>
+                                          <p:spTgt spid="4"/>
                                         </p:tgtEl>
                                         <p:attrNameLst>
                                           <p:attrName>style.visibility</p:attrName>
@@ -42682,11 +40914,55 @@
                                         <p:strVal val="visible"/>
                                       </p:to>
                                     </p:set>
-                                    <p:animEffect transition="in" filter="fade">
+                                    <p:animEffect transition="in" filter="wipe(up)">
                                       <p:cBhvr>
                                         <p:cTn id="7" dur="1000"/>
                                         <p:tgtEl>
-                                          <p:spTgt spid="2"/>
+                                          <p:spTgt spid="4"/>
+                                        </p:tgtEl>
+                                      </p:cBhvr>
+                                    </p:animEffect>
+                                  </p:childTnLst>
+                                </p:cTn>
+                              </p:par>
+                            </p:childTnLst>
+                          </p:cTn>
+                        </p:par>
+                        <p:par>
+                          <p:cTn id="8" fill="hold">
+                            <p:stCondLst>
+                              <p:cond delay="1000"/>
+                            </p:stCondLst>
+                            <p:childTnLst>
+                              <p:par>
+                                <p:cTn id="9" presetID="22" presetClass="entr" presetSubtype="1" fill="hold" nodeType="afterEffect">
+                                  <p:stCondLst>
+                                    <p:cond delay="0"/>
+                                  </p:stCondLst>
+                                  <p:childTnLst>
+                                    <p:set>
+                                      <p:cBhvr>
+                                        <p:cTn id="10" dur="1" fill="hold">
+                                          <p:stCondLst>
+                                            <p:cond delay="0"/>
+                                          </p:stCondLst>
+                                        </p:cTn>
+                                        <p:tgtEl>
+                                          <p:spTgt spid="8"/>
+                                        </p:tgtEl>
+                                        <p:attrNameLst>
+                                          <p:attrName>style.visibility</p:attrName>
+                                        </p:attrNameLst>
+                                      </p:cBhvr>
+                                      <p:to>
+                                        <p:strVal val="visible"/>
+                                      </p:to>
+                                    </p:set>
+                                    <p:animEffect transition="in" filter="wipe(up)">
+                                      <p:cBhvr>
+                                        <p:cTn id="11" dur="1000"/>
+                                        <p:tgtEl>
+                                          <p:spTgt spid="8"/>
                                         </p:tgtEl>
                                       </p:cBhvr>
                                     </p:animEffect>
@@ -42756,17 +41032,13 @@
           <a:bodyPr/>
           <a:lstStyle/>
           <a:p>
-            <a:r>
-              <a:rPr lang="en-US" dirty="0" smtClean="0"/>
-              <a:t>Create Database</a:t>
-            </a:r>
-            <a:endParaRPr lang="ru-RU" dirty="0"/>
+            <a:endParaRPr lang="ru-RU"/>
           </a:p>
         </p:txBody>
       </p:sp>
       <p:sp>
         <p:nvSpPr>
-          <p:cNvPr id="3" name="Content Placeholder 2"/>
+          <p:cNvPr id="4" name="Content Placeholder 2"/>
           <p:cNvSpPr>
             <a:spLocks noGrp="1"/>
           </p:cNvSpPr>
@@ -42779,9 +41051,63 @@
           <a:bodyPr/>
           <a:lstStyle/>
           <a:p>
+            <a:pPr>
+              <a:lnSpc>
+                <a:spcPct val="150000"/>
+              </a:lnSpc>
+            </a:pPr>
             <a:r>
-              <a:rPr lang="en-US" cap="all" dirty="0"/>
-              <a:t>DATABASE THROUGHPUT UNITS</a:t>
+              <a:rPr lang="en-US" dirty="0"/>
+              <a:t>Improve availability of critical </a:t>
+            </a:r>
+            <a:r>
+              <a:rPr lang="en-US" dirty="0" smtClean="0"/>
+              <a:t>applications</a:t>
+            </a:r>
+          </a:p>
+          <a:p>
+            <a:pPr>
+              <a:lnSpc>
+                <a:spcPct val="150000"/>
+              </a:lnSpc>
+            </a:pPr>
+            <a:r>
+              <a:rPr lang="en-US" dirty="0"/>
+              <a:t>Improve responsiveness for high performing </a:t>
+            </a:r>
+            <a:r>
+              <a:rPr lang="en-US" dirty="0" smtClean="0"/>
+              <a:t>applications</a:t>
+            </a:r>
+          </a:p>
+          <a:p>
+            <a:pPr>
+              <a:lnSpc>
+                <a:spcPct val="150000"/>
+              </a:lnSpc>
+            </a:pPr>
+            <a:r>
+              <a:rPr lang="en-US" dirty="0"/>
+              <a:t>Upgrade and perform service maintenance without </a:t>
+            </a:r>
+            <a:r>
+              <a:rPr lang="en-US" dirty="0" smtClean="0"/>
+              <a:t>downtime</a:t>
+            </a:r>
+          </a:p>
+          <a:p>
+            <a:pPr>
+              <a:lnSpc>
+                <a:spcPct val="150000"/>
+              </a:lnSpc>
+            </a:pPr>
+            <a:r>
+              <a:rPr lang="en-US" dirty="0"/>
+              <a:t>Traffic distribution for large, complex </a:t>
+            </a:r>
+            <a:r>
+              <a:rPr lang="en-US" dirty="0" smtClean="0"/>
+              <a:t>deployments</a:t>
             </a:r>
             <a:endParaRPr lang="ru-RU" dirty="0"/>
           </a:p>
@@ -42790,7 +41116,7 @@
     </p:spTree>
     <p:extLst>
       <p:ext uri="{BB962C8B-B14F-4D97-AF65-F5344CB8AC3E}">
-        <p14:creationId xmlns:p14="http://schemas.microsoft.com/office/powerpoint/2010/main" val="3065126308"/>
+        <p14:creationId xmlns:p14="http://schemas.microsoft.com/office/powerpoint/2010/main" val="2420351876"/>
       </p:ext>
     </p:extLst>
   </p:cSld>
@@ -43216,6 +41542,272 @@
       </p:grpSpPr>
       <p:sp>
         <p:nvSpPr>
+          <p:cNvPr id="4" name="Title 3"/>
+          <p:cNvSpPr>
+            <a:spLocks noGrp="1"/>
+          </p:cNvSpPr>
+          <p:nvPr>
+            <p:ph type="title"/>
+          </p:nvPr>
+        </p:nvSpPr>
+        <p:spPr>
+          <a:xfrm>
+            <a:off x="1415480" y="4406903"/>
+            <a:ext cx="10776520" cy="1362075"/>
+          </a:xfrm>
+        </p:spPr>
+        <p:txBody>
+          <a:bodyPr/>
+          <a:lstStyle/>
+          <a:p>
+            <a:pPr algn="ctr"/>
+            <a:r>
+              <a:rPr lang="en-US" dirty="0" smtClean="0">
+                <a:solidFill>
+                  <a:srgbClr val="00B0F0"/>
+                </a:solidFill>
+              </a:rPr>
+              <a:t>SQL Databases</a:t>
+            </a:r>
+            <a:endParaRPr lang="ru-RU" dirty="0">
+              <a:solidFill>
+                <a:srgbClr val="00B0F0"/>
+              </a:solidFill>
+            </a:endParaRPr>
+          </a:p>
+        </p:txBody>
+      </p:sp>
+      <p:pic>
+        <p:nvPicPr>
+          <p:cNvPr id="2" name="Picture 1"/>
+          <p:cNvPicPr>
+            <a:picLocks noChangeAspect="1"/>
+          </p:cNvPicPr>
+          <p:nvPr/>
+        </p:nvPicPr>
+        <p:blipFill>
+          <a:blip r:embed="rId2">
+            <a:extLst>
+              <a:ext uri="{28A0092B-C50C-407E-A947-70E740481C1C}">
+                <a14:useLocalDpi xmlns:a14="http://schemas.microsoft.com/office/drawing/2010/main" val="0"/>
+              </a:ext>
+            </a:extLst>
+          </a:blip>
+          <a:stretch>
+            <a:fillRect/>
+          </a:stretch>
+        </p:blipFill>
+        <p:spPr>
+          <a:xfrm>
+            <a:off x="6069453" y="2060848"/>
+            <a:ext cx="2032176" cy="2123624"/>
+          </a:xfrm>
+          <a:prstGeom prst="rect">
+            <a:avLst/>
+          </a:prstGeom>
+        </p:spPr>
+      </p:pic>
+    </p:spTree>
+    <p:extLst>
+      <p:ext uri="{BB962C8B-B14F-4D97-AF65-F5344CB8AC3E}">
+        <p14:creationId xmlns:p14="http://schemas.microsoft.com/office/powerpoint/2010/main" val="1442076319"/>
+      </p:ext>
+    </p:extLst>
+  </p:cSld>
+  <p:clrMapOvr>
+    <a:masterClrMapping/>
+  </p:clrMapOvr>
+  <p:timing>
+    <p:tnLst>
+      <p:par>
+        <p:cTn id="1" dur="indefinite" restart="never" nodeType="tmRoot">
+          <p:childTnLst>
+            <p:seq concurrent="1" nextAc="seek">
+              <p:cTn id="2" dur="indefinite" nodeType="mainSeq">
+                <p:childTnLst>
+                  <p:par>
+                    <p:cTn id="3" fill="hold">
+                      <p:stCondLst>
+                        <p:cond delay="indefinite"/>
+                        <p:cond evt="onBegin" delay="0">
+                          <p:tn val="2"/>
+                        </p:cond>
+                      </p:stCondLst>
+                      <p:childTnLst>
+                        <p:par>
+                          <p:cTn id="4" fill="hold">
+                            <p:stCondLst>
+                              <p:cond delay="0"/>
+                            </p:stCondLst>
+                            <p:childTnLst>
+                              <p:par>
+                                <p:cTn id="5" presetID="10" presetClass="entr" presetSubtype="0" fill="hold" nodeType="withEffect">
+                                  <p:stCondLst>
+                                    <p:cond delay="0"/>
+                                  </p:stCondLst>
+                                  <p:childTnLst>
+                                    <p:set>
+                                      <p:cBhvr>
+                                        <p:cTn id="6" dur="1" fill="hold">
+                                          <p:stCondLst>
+                                            <p:cond delay="0"/>
+                                          </p:stCondLst>
+                                        </p:cTn>
+                                        <p:tgtEl>
+                                          <p:spTgt spid="2"/>
+                                        </p:tgtEl>
+                                        <p:attrNameLst>
+                                          <p:attrName>style.visibility</p:attrName>
+                                        </p:attrNameLst>
+                                      </p:cBhvr>
+                                      <p:to>
+                                        <p:strVal val="visible"/>
+                                      </p:to>
+                                    </p:set>
+                                    <p:animEffect transition="in" filter="fade">
+                                      <p:cBhvr>
+                                        <p:cTn id="7" dur="1000"/>
+                                        <p:tgtEl>
+                                          <p:spTgt spid="2"/>
+                                        </p:tgtEl>
+                                      </p:cBhvr>
+                                    </p:animEffect>
+                                  </p:childTnLst>
+                                </p:cTn>
+                              </p:par>
+                            </p:childTnLst>
+                          </p:cTn>
+                        </p:par>
+                      </p:childTnLst>
+                    </p:cTn>
+                  </p:par>
+                </p:childTnLst>
+              </p:cTn>
+              <p:prevCondLst>
+                <p:cond evt="onPrev" delay="0">
+                  <p:tgtEl>
+                    <p:sldTgt/>
+                  </p:tgtEl>
+                </p:cond>
+              </p:prevCondLst>
+              <p:nextCondLst>
+                <p:cond evt="onNext" delay="0">
+                  <p:tgtEl>
+                    <p:sldTgt/>
+                  </p:tgtEl>
+                </p:cond>
+              </p:nextCondLst>
+            </p:seq>
+          </p:childTnLst>
+        </p:cTn>
+      </p:par>
+    </p:tnLst>
+  </p:timing>
+</p:sld>
+</file>
+
+<file path=ppt/slides/slide31.xml><?xml version="1.0" encoding="utf-8"?>
+<p:sld xmlns:a="http://schemas.openxmlformats.org/drawingml/2006/main" xmlns:r="http://schemas.openxmlformats.org/officeDocument/2006/relationships" xmlns:p="http://schemas.openxmlformats.org/presentationml/2006/main">
+  <p:cSld>
+    <p:spTree>
+      <p:nvGrpSpPr>
+        <p:cNvPr id="1" name=""/>
+        <p:cNvGrpSpPr/>
+        <p:nvPr/>
+      </p:nvGrpSpPr>
+      <p:grpSpPr>
+        <a:xfrm>
+          <a:off x="0" y="0"/>
+          <a:ext cx="0" cy="0"/>
+          <a:chOff x="0" y="0"/>
+          <a:chExt cx="0" cy="0"/>
+        </a:xfrm>
+      </p:grpSpPr>
+      <p:sp>
+        <p:nvSpPr>
+          <p:cNvPr id="2" name="Title 1"/>
+          <p:cNvSpPr>
+            <a:spLocks noGrp="1"/>
+          </p:cNvSpPr>
+          <p:nvPr>
+            <p:ph type="title"/>
+          </p:nvPr>
+        </p:nvSpPr>
+        <p:spPr/>
+        <p:txBody>
+          <a:bodyPr/>
+          <a:lstStyle/>
+          <a:p>
+            <a:r>
+              <a:rPr lang="en-US" dirty="0" smtClean="0"/>
+              <a:t>Create Database</a:t>
+            </a:r>
+            <a:endParaRPr lang="ru-RU" dirty="0"/>
+          </a:p>
+        </p:txBody>
+      </p:sp>
+      <p:sp>
+        <p:nvSpPr>
+          <p:cNvPr id="3" name="Content Placeholder 2"/>
+          <p:cNvSpPr>
+            <a:spLocks noGrp="1"/>
+          </p:cNvSpPr>
+          <p:nvPr>
+            <p:ph idx="1"/>
+          </p:nvPr>
+        </p:nvSpPr>
+        <p:spPr/>
+        <p:txBody>
+          <a:bodyPr/>
+          <a:lstStyle/>
+          <a:p>
+            <a:r>
+              <a:rPr lang="en-US" cap="all" dirty="0"/>
+              <a:t>DATABASE THROUGHPUT UNITS</a:t>
+            </a:r>
+            <a:endParaRPr lang="ru-RU" dirty="0"/>
+          </a:p>
+        </p:txBody>
+      </p:sp>
+    </p:spTree>
+    <p:extLst>
+      <p:ext uri="{BB962C8B-B14F-4D97-AF65-F5344CB8AC3E}">
+        <p14:creationId xmlns:p14="http://schemas.microsoft.com/office/powerpoint/2010/main" val="3065126308"/>
+      </p:ext>
+    </p:extLst>
+  </p:cSld>
+  <p:clrMapOvr>
+    <a:masterClrMapping/>
+  </p:clrMapOvr>
+  <p:timing>
+    <p:tnLst>
+      <p:par>
+        <p:cTn id="1" dur="indefinite" restart="never" nodeType="tmRoot"/>
+      </p:par>
+    </p:tnLst>
+  </p:timing>
+</p:sld>
+</file>
+
+<file path=ppt/slides/slide32.xml><?xml version="1.0" encoding="utf-8"?>
+<p:sld xmlns:a="http://schemas.openxmlformats.org/drawingml/2006/main" xmlns:r="http://schemas.openxmlformats.org/officeDocument/2006/relationships" xmlns:p="http://schemas.openxmlformats.org/presentationml/2006/main">
+  <p:cSld>
+    <p:spTree>
+      <p:nvGrpSpPr>
+        <p:cNvPr id="1" name=""/>
+        <p:cNvGrpSpPr/>
+        <p:nvPr/>
+      </p:nvGrpSpPr>
+      <p:grpSpPr>
+        <a:xfrm>
+          <a:off x="0" y="0"/>
+          <a:ext cx="0" cy="0"/>
+          <a:chOff x="0" y="0"/>
+          <a:chExt cx="0" cy="0"/>
+        </a:xfrm>
+      </p:grpSpPr>
+      <p:sp>
+        <p:nvSpPr>
           <p:cNvPr id="2" name="Title 1"/>
           <p:cNvSpPr>
             <a:spLocks noGrp="1"/>
@@ -43298,7 +41890,7 @@
 </p:sld>
 </file>
 
-<file path=ppt/slides/slide31.xml><?xml version="1.0" encoding="utf-8"?>
+<file path=ppt/slides/slide33.xml><?xml version="1.0" encoding="utf-8"?>
 <p:sld xmlns:a="http://schemas.openxmlformats.org/drawingml/2006/main" xmlns:r="http://schemas.openxmlformats.org/officeDocument/2006/relationships" xmlns:p="http://schemas.openxmlformats.org/presentationml/2006/main">
   <p:cSld>
     <p:spTree>
@@ -43358,7 +41950,7 @@
 </p:sld>
 </file>
 
-<file path=ppt/slides/slide32.xml><?xml version="1.0" encoding="utf-8"?>
+<file path=ppt/slides/slide34.xml><?xml version="1.0" encoding="utf-8"?>
 <p:sld xmlns:a="http://schemas.openxmlformats.org/drawingml/2006/main" xmlns:r="http://schemas.openxmlformats.org/officeDocument/2006/relationships" xmlns:p="http://schemas.openxmlformats.org/presentationml/2006/main">
   <p:cSld>
     <p:spTree>
@@ -43426,7 +42018,7 @@
 </p:sld>
 </file>
 
-<file path=ppt/slides/slide33.xml><?xml version="1.0" encoding="utf-8"?>
+<file path=ppt/slides/slide35.xml><?xml version="1.0" encoding="utf-8"?>
 <p:sld xmlns:a="http://schemas.openxmlformats.org/drawingml/2006/main" xmlns:r="http://schemas.openxmlformats.org/officeDocument/2006/relationships" xmlns:p="http://schemas.openxmlformats.org/presentationml/2006/main">
   <p:cSld>
     <p:spTree>
@@ -44073,7 +42665,7 @@
 </p:sld>
 </file>
 
-<file path=ppt/slides/slide34.xml><?xml version="1.0" encoding="utf-8"?>
+<file path=ppt/slides/slide36.xml><?xml version="1.0" encoding="utf-8"?>
 <p:sld xmlns:a="http://schemas.openxmlformats.org/drawingml/2006/main" xmlns:r="http://schemas.openxmlformats.org/officeDocument/2006/relationships" xmlns:p="http://schemas.openxmlformats.org/presentationml/2006/main">
   <p:cSld>
     <p:spTree>
